--- a/孙相会.pptx
+++ b/孙相会.pptx
@@ -22,11 +22,13 @@
     <p:sldId id="397" r:id="rId15"/>
     <p:sldId id="398" r:id="rId16"/>
     <p:sldId id="399" r:id="rId17"/>
+    <p:sldId id="404" r:id="rId18"/>
+    <p:sldId id="403" r:id="rId19"/>
   </p:sldIdLst>
   <p:sldSz cx="9144000" cy="5143500" type="screen16x9"/>
   <p:notesSz cx="6858000" cy="9144000"/>
   <p:custDataLst>
-    <p:tags r:id="rId22"/>
+    <p:tags r:id="rId24"/>
   </p:custDataLst>
   <p:defaultTextStyle>
     <a:defPPr>
@@ -4432,7 +4434,6 @@
           <a:p>
             <a:r>
               <a:rPr lang="zh-CN" altLang="en-US" sz="1800">
-                <a:ln/>
                 <a:solidFill>
                   <a:schemeClr val="tx1"/>
                 </a:solidFill>
@@ -4447,7 +4448,6 @@
               <a:t>以片段抽取型的中文阅读理解任务为研究目标，复现经典阅读理解模型作为基准，并在此基础上进行优化。对阅读理解模型中的关键方法，如交互注意力机制、自注意力机制、指针网络等方法对模型的作用进行深入研究。</a:t>
             </a:r>
             <a:endParaRPr lang="zh-CN" altLang="en-US" sz="1800">
-              <a:ln/>
               <a:solidFill>
                 <a:schemeClr val="tx1"/>
               </a:solidFill>
@@ -5451,6 +5451,15 @@
 <file path=ppt/slides/slide13.xml><?xml version="1.0" encoding="utf-8"?>
 <p:sld xmlns:a="http://schemas.openxmlformats.org/drawingml/2006/main" xmlns:r="http://schemas.openxmlformats.org/officeDocument/2006/relationships" xmlns:p="http://schemas.openxmlformats.org/presentationml/2006/main">
   <p:cSld>
+    <p:bg>
+      <p:bgPr>
+        <a:blipFill dpi="0" rotWithShape="1">
+          <a:blip r:embed="rId1"/>
+          <a:srcRect/>
+        </a:blipFill>
+        <a:effectLst/>
+      </p:bgPr>
+    </p:bg>
     <p:spTree>
       <p:nvGrpSpPr>
         <p:cNvPr id="1" name=""/>
@@ -5487,7 +5496,7 @@
           </p:nvPr>
         </p:nvPicPr>
         <p:blipFill>
-          <a:blip r:embed="rId1"/>
+          <a:blip r:embed="rId2"/>
           <a:stretch>
             <a:fillRect/>
           </a:stretch>
@@ -5544,7 +5553,7 @@
           <p:nvPr/>
         </p:nvPicPr>
         <p:blipFill>
-          <a:blip r:embed="rId2"/>
+          <a:blip r:embed="rId3"/>
           <a:stretch>
             <a:fillRect/>
           </a:stretch>
@@ -5553,6 +5562,36 @@
           <a:xfrm>
             <a:off x="1472565" y="2463800"/>
             <a:ext cx="7446645" cy="2005965"/>
+          </a:xfrm>
+          <a:prstGeom prst="rect">
+            <a:avLst/>
+          </a:prstGeom>
+        </p:spPr>
+      </p:pic>
+      <p:pic>
+        <p:nvPicPr>
+          <p:cNvPr id="7" name="图片 3"/>
+          <p:cNvPicPr>
+            <a:picLocks noChangeAspect="1"/>
+          </p:cNvPicPr>
+          <p:nvPr/>
+        </p:nvPicPr>
+        <p:blipFill>
+          <a:blip r:embed="rId4" cstate="print">
+            <a:extLst>
+              <a:ext uri="{28A0092B-C50C-407E-A947-70E740481C1C}">
+                <a14:useLocalDpi xmlns:a14="http://schemas.microsoft.com/office/drawing/2010/main" val="0"/>
+              </a:ext>
+            </a:extLst>
+          </a:blip>
+          <a:stretch>
+            <a:fillRect/>
+          </a:stretch>
+        </p:blipFill>
+        <p:spPr>
+          <a:xfrm>
+            <a:off x="7600315" y="100330"/>
+            <a:ext cx="1467485" cy="490220"/>
           </a:xfrm>
           <a:prstGeom prst="rect">
             <a:avLst/>
@@ -5578,6 +5617,15 @@
 <file path=ppt/slides/slide14.xml><?xml version="1.0" encoding="utf-8"?>
 <p:sld xmlns:a="http://schemas.openxmlformats.org/drawingml/2006/main" xmlns:r="http://schemas.openxmlformats.org/officeDocument/2006/relationships" xmlns:p="http://schemas.openxmlformats.org/presentationml/2006/main">
   <p:cSld>
+    <p:bg>
+      <p:bgPr>
+        <a:blipFill dpi="0" rotWithShape="1">
+          <a:blip r:embed="rId1"/>
+          <a:srcRect/>
+        </a:blipFill>
+        <a:effectLst/>
+      </p:bgPr>
+    </p:bg>
     <p:spTree>
       <p:nvGrpSpPr>
         <p:cNvPr id="1" name=""/>
@@ -5614,7 +5662,7 @@
           </p:nvPr>
         </p:nvPicPr>
         <p:blipFill>
-          <a:blip r:embed="rId1"/>
+          <a:blip r:embed="rId2"/>
           <a:stretch>
             <a:fillRect/>
           </a:stretch>
@@ -5629,6 +5677,231 @@
           </a:prstGeom>
         </p:spPr>
       </p:pic>
+      <p:pic>
+        <p:nvPicPr>
+          <p:cNvPr id="7" name="图片 3"/>
+          <p:cNvPicPr>
+            <a:picLocks noChangeAspect="1"/>
+          </p:cNvPicPr>
+          <p:nvPr/>
+        </p:nvPicPr>
+        <p:blipFill>
+          <a:blip r:embed="rId3" cstate="print">
+            <a:extLst>
+              <a:ext uri="{28A0092B-C50C-407E-A947-70E740481C1C}">
+                <a14:useLocalDpi xmlns:a14="http://schemas.microsoft.com/office/drawing/2010/main" val="0"/>
+              </a:ext>
+            </a:extLst>
+          </a:blip>
+          <a:stretch>
+            <a:fillRect/>
+          </a:stretch>
+        </p:blipFill>
+        <p:spPr>
+          <a:xfrm>
+            <a:off x="7600315" y="100330"/>
+            <a:ext cx="1467485" cy="490220"/>
+          </a:xfrm>
+          <a:prstGeom prst="rect">
+            <a:avLst/>
+          </a:prstGeom>
+        </p:spPr>
+      </p:pic>
+    </p:spTree>
+  </p:cSld>
+  <p:clrMapOvr>
+    <a:masterClrMapping/>
+  </p:clrMapOvr>
+  <mc:AlternateContent xmlns:mc="http://schemas.openxmlformats.org/markup-compatibility/2006">
+    <mc:Choice xmlns:p14="http://schemas.microsoft.com/office/powerpoint/2010/main" Requires="p14">
+      <p:transition spd="slow" p14:dur="2000" advTm="3000"/>
+    </mc:Choice>
+    <mc:Fallback>
+      <p:transition spd="slow" advTm="3000"/>
+    </mc:Fallback>
+  </mc:AlternateContent>
+</p:sld>
+</file>
+
+<file path=ppt/slides/slide15.xml><?xml version="1.0" encoding="utf-8"?>
+<p:sld xmlns:a="http://schemas.openxmlformats.org/drawingml/2006/main" xmlns:r="http://schemas.openxmlformats.org/officeDocument/2006/relationships" xmlns:p="http://schemas.openxmlformats.org/presentationml/2006/main">
+  <p:cSld>
+    <p:bg>
+      <p:bgPr>
+        <a:blipFill dpi="0" rotWithShape="1">
+          <a:blip r:embed="rId1"/>
+          <a:srcRect/>
+        </a:blipFill>
+        <a:effectLst/>
+      </p:bgPr>
+    </p:bg>
+    <p:spTree>
+      <p:nvGrpSpPr>
+        <p:cNvPr id="1" name=""/>
+        <p:cNvGrpSpPr/>
+        <p:nvPr/>
+      </p:nvGrpSpPr>
+      <p:grpSpPr/>
+      <p:sp>
+        <p:nvSpPr>
+          <p:cNvPr id="2" name="Title 1"/>
+          <p:cNvSpPr>
+            <a:spLocks noGrp="1"/>
+          </p:cNvSpPr>
+          <p:nvPr>
+            <p:ph type="title"/>
+          </p:nvPr>
+        </p:nvSpPr>
+        <p:spPr/>
+        <p:txBody>
+          <a:bodyPr/>
+          <a:p>
+            <a:endParaRPr lang="en-US"/>
+          </a:p>
+        </p:txBody>
+      </p:sp>
+      <p:pic>
+        <p:nvPicPr>
+          <p:cNvPr id="7" name="图片 3"/>
+          <p:cNvPicPr>
+            <a:picLocks noChangeAspect="1"/>
+          </p:cNvPicPr>
+          <p:nvPr/>
+        </p:nvPicPr>
+        <p:blipFill>
+          <a:blip r:embed="rId2" cstate="print">
+            <a:extLst>
+              <a:ext uri="{28A0092B-C50C-407E-A947-70E740481C1C}">
+                <a14:useLocalDpi xmlns:a14="http://schemas.microsoft.com/office/drawing/2010/main" val="0"/>
+              </a:ext>
+            </a:extLst>
+          </a:blip>
+          <a:stretch>
+            <a:fillRect/>
+          </a:stretch>
+        </p:blipFill>
+        <p:spPr>
+          <a:xfrm>
+            <a:off x="7600315" y="100330"/>
+            <a:ext cx="1467485" cy="490220"/>
+          </a:xfrm>
+          <a:prstGeom prst="rect">
+            <a:avLst/>
+          </a:prstGeom>
+        </p:spPr>
+      </p:pic>
+      <p:pic>
+        <p:nvPicPr>
+          <p:cNvPr id="5" name="Content Placeholder 4"/>
+          <p:cNvPicPr>
+            <a:picLocks noChangeAspect="1"/>
+          </p:cNvPicPr>
+          <p:nvPr>
+            <p:ph idx="1"/>
+          </p:nvPr>
+        </p:nvPicPr>
+        <p:blipFill>
+          <a:blip r:embed="rId3"/>
+          <a:stretch>
+            <a:fillRect/>
+          </a:stretch>
+        </p:blipFill>
+        <p:spPr>
+          <a:xfrm>
+            <a:off x="628650" y="1394460"/>
+            <a:ext cx="3208020" cy="2354580"/>
+          </a:xfrm>
+          <a:prstGeom prst="rect">
+            <a:avLst/>
+          </a:prstGeom>
+        </p:spPr>
+      </p:pic>
+      <p:pic>
+        <p:nvPicPr>
+          <p:cNvPr id="6" name="Picture 5"/>
+          <p:cNvPicPr>
+            <a:picLocks noChangeAspect="1"/>
+          </p:cNvPicPr>
+          <p:nvPr/>
+        </p:nvPicPr>
+        <p:blipFill>
+          <a:blip r:embed="rId4"/>
+          <a:stretch>
+            <a:fillRect/>
+          </a:stretch>
+        </p:blipFill>
+        <p:spPr>
+          <a:xfrm>
+            <a:off x="4904105" y="1409700"/>
+            <a:ext cx="3246120" cy="2339340"/>
+          </a:xfrm>
+          <a:prstGeom prst="rect">
+            <a:avLst/>
+          </a:prstGeom>
+        </p:spPr>
+      </p:pic>
+    </p:spTree>
+  </p:cSld>
+  <p:clrMapOvr>
+    <a:masterClrMapping/>
+  </p:clrMapOvr>
+  <mc:AlternateContent xmlns:mc="http://schemas.openxmlformats.org/markup-compatibility/2006">
+    <mc:Choice xmlns:p14="http://schemas.microsoft.com/office/powerpoint/2010/main" Requires="p14">
+      <p:transition spd="slow" p14:dur="2000" advTm="3000"/>
+    </mc:Choice>
+    <mc:Fallback>
+      <p:transition spd="slow" advTm="3000"/>
+    </mc:Fallback>
+  </mc:AlternateContent>
+</p:sld>
+</file>
+
+<file path=ppt/slides/slide16.xml><?xml version="1.0" encoding="utf-8"?>
+<p:sld xmlns:a="http://schemas.openxmlformats.org/drawingml/2006/main" xmlns:r="http://schemas.openxmlformats.org/officeDocument/2006/relationships" xmlns:p="http://schemas.openxmlformats.org/presentationml/2006/main">
+  <p:cSld>
+    <p:spTree>
+      <p:nvGrpSpPr>
+        <p:cNvPr id="1" name=""/>
+        <p:cNvGrpSpPr/>
+        <p:nvPr/>
+      </p:nvGrpSpPr>
+      <p:grpSpPr/>
+      <p:sp>
+        <p:nvSpPr>
+          <p:cNvPr id="2" name="Title 1"/>
+          <p:cNvSpPr>
+            <a:spLocks noGrp="1"/>
+          </p:cNvSpPr>
+          <p:nvPr>
+            <p:ph type="title"/>
+          </p:nvPr>
+        </p:nvSpPr>
+        <p:spPr/>
+        <p:txBody>
+          <a:bodyPr/>
+          <a:p>
+            <a:endParaRPr lang="en-US"/>
+          </a:p>
+        </p:txBody>
+      </p:sp>
+      <p:sp>
+        <p:nvSpPr>
+          <p:cNvPr id="3" name="Content Placeholder 2"/>
+          <p:cNvSpPr>
+            <a:spLocks noGrp="1"/>
+          </p:cNvSpPr>
+          <p:nvPr>
+            <p:ph idx="1"/>
+          </p:nvPr>
+        </p:nvSpPr>
+        <p:spPr/>
+        <p:txBody>
+          <a:bodyPr/>
+          <a:p>
+            <a:endParaRPr lang="en-US"/>
+          </a:p>
+        </p:txBody>
+      </p:sp>
     </p:spTree>
   </p:cSld>
   <p:clrMapOvr>
@@ -6303,7 +6576,6 @@
           <a:p>
             <a:r>
               <a:rPr lang="zh-CN" altLang="en-US" sz="1800">
-                <a:ln/>
                 <a:solidFill>
                   <a:schemeClr val="tx1"/>
                 </a:solidFill>
@@ -6319,7 +6591,6 @@
             </a:r>
             <a:r>
               <a:rPr lang="en-US" altLang="zh-CN" sz="1800">
-                <a:ln/>
                 <a:solidFill>
                   <a:schemeClr val="tx1"/>
                 </a:solidFill>
@@ -6335,7 +6606,6 @@
             </a:r>
             <a:r>
               <a:rPr lang="zh-CN" altLang="en-US" sz="1800">
-                <a:ln/>
                 <a:solidFill>
                   <a:schemeClr val="tx1"/>
                 </a:solidFill>
@@ -6350,7 +6620,6 @@
               <a:t>表示</a:t>
             </a:r>
             <a:endParaRPr lang="zh-CN" altLang="en-US" sz="1800">
-              <a:ln/>
               <a:solidFill>
                 <a:schemeClr val="tx1"/>
               </a:solidFill>
@@ -6366,7 +6635,6 @@
           <a:p>
             <a:r>
               <a:rPr lang="en-US" altLang="zh-CN" sz="1800">
-                <a:ln/>
                 <a:solidFill>
                   <a:schemeClr val="tx1"/>
                 </a:solidFill>
@@ -6382,7 +6650,6 @@
             </a:r>
             <a:r>
               <a:rPr lang="zh-CN" altLang="en-US" sz="1800">
-                <a:ln/>
                 <a:solidFill>
                   <a:schemeClr val="tx1"/>
                 </a:solidFill>
@@ -6398,7 +6665,6 @@
             </a:r>
             <a:r>
               <a:rPr lang="en-US" altLang="zh-CN" sz="1800">
-                <a:ln/>
                 <a:solidFill>
                   <a:schemeClr val="tx1"/>
                 </a:solidFill>
@@ -6413,7 +6679,6 @@
               <a:t>Document;</a:t>
             </a:r>
             <a:endParaRPr lang="en-US" altLang="zh-CN" sz="1800">
-              <a:ln/>
               <a:solidFill>
                 <a:schemeClr val="tx1"/>
               </a:solidFill>
@@ -6429,7 +6694,6 @@
           <a:p>
             <a:r>
               <a:rPr lang="en-US" altLang="zh-CN" sz="1800">
-                <a:ln/>
                 <a:solidFill>
                   <a:schemeClr val="tx1"/>
                 </a:solidFill>
@@ -6445,7 +6709,6 @@
             </a:r>
             <a:r>
               <a:rPr lang="zh-CN" altLang="en-US" sz="1800">
-                <a:ln/>
                 <a:solidFill>
                   <a:schemeClr val="tx1"/>
                 </a:solidFill>
@@ -6461,7 +6724,6 @@
             </a:r>
             <a:r>
               <a:rPr lang="en-US" altLang="zh-CN" sz="1800">
-                <a:ln/>
                 <a:solidFill>
                   <a:schemeClr val="tx1"/>
                 </a:solidFill>
@@ -6476,7 +6738,6 @@
               <a:t>Question;</a:t>
             </a:r>
             <a:endParaRPr lang="en-US" altLang="zh-CN" sz="1800">
-              <a:ln/>
               <a:solidFill>
                 <a:schemeClr val="tx1"/>
               </a:solidFill>
@@ -6492,7 +6753,6 @@
           <a:p>
             <a:r>
               <a:rPr lang="en-US" altLang="zh-CN" sz="1800">
-                <a:ln/>
                 <a:solidFill>
                   <a:schemeClr val="tx1"/>
                 </a:solidFill>
@@ -6508,7 +6768,6 @@
             </a:r>
             <a:r>
               <a:rPr lang="zh-CN" altLang="en-US" sz="1800">
-                <a:ln/>
                 <a:solidFill>
                   <a:schemeClr val="tx1"/>
                 </a:solidFill>
@@ -6524,7 +6783,6 @@
             </a:r>
             <a:r>
               <a:rPr lang="en-US" altLang="zh-CN" sz="1800">
-                <a:ln/>
                 <a:solidFill>
                   <a:schemeClr val="tx1"/>
                 </a:solidFill>
@@ -6539,7 +6797,6 @@
               <a:t>Answer;</a:t>
             </a:r>
             <a:endParaRPr lang="en-US" altLang="zh-CN" sz="1800">
-              <a:ln/>
               <a:solidFill>
                 <a:schemeClr val="tx1"/>
               </a:solidFill>
@@ -6998,7 +7255,6 @@
           <a:p>
             <a:r>
               <a:rPr lang="zh-CN" altLang="en-US" sz="1800">
-                <a:ln/>
                 <a:solidFill>
                   <a:schemeClr val="tx1"/>
                 </a:solidFill>
@@ -7014,7 +7270,6 @@
               <a:t>按照答案形式的不同，可将阅读理解任务分成四类：</a:t>
             </a:r>
             <a:endParaRPr lang="zh-CN" altLang="en-US" sz="1800">
-              <a:ln/>
               <a:solidFill>
                 <a:schemeClr val="tx1"/>
               </a:solidFill>
@@ -7031,7 +7286,6 @@
           <a:p>
             <a:r>
               <a:rPr lang="zh-CN" altLang="en-US" sz="1800">
-                <a:ln/>
                 <a:solidFill>
                   <a:schemeClr val="tx1"/>
                 </a:solidFill>
@@ -7048,7 +7302,6 @@
             </a:r>
             <a:r>
               <a:rPr lang="en-US" altLang="zh-CN" sz="1800">
-                <a:ln/>
                 <a:solidFill>
                   <a:schemeClr val="tx1"/>
                 </a:solidFill>
@@ -7065,7 +7318,6 @@
             </a:r>
             <a:r>
               <a:rPr lang="zh-CN" altLang="en-US" sz="1800">
-                <a:ln/>
                 <a:solidFill>
                   <a:schemeClr val="tx1"/>
                 </a:solidFill>
@@ -7081,7 +7333,6 @@
               <a:t>）填空型阅读理解</a:t>
             </a:r>
             <a:endParaRPr lang="zh-CN" altLang="en-US" sz="1800">
-              <a:ln/>
               <a:solidFill>
                 <a:schemeClr val="tx1"/>
               </a:solidFill>
@@ -7098,7 +7349,6 @@
           <a:p>
             <a:r>
               <a:rPr lang="zh-CN" altLang="en-US" sz="1800">
-                <a:ln/>
                 <a:solidFill>
                   <a:schemeClr val="tx1"/>
                 </a:solidFill>
@@ -7115,7 +7365,6 @@
             </a:r>
             <a:r>
               <a:rPr lang="en-US" altLang="zh-CN" sz="1800">
-                <a:ln/>
                 <a:solidFill>
                   <a:schemeClr val="tx1"/>
                 </a:solidFill>
@@ -7132,7 +7381,6 @@
             </a:r>
             <a:r>
               <a:rPr lang="zh-CN" altLang="en-US" sz="1800">
-                <a:ln/>
                 <a:solidFill>
                   <a:schemeClr val="tx1"/>
                 </a:solidFill>
@@ -7148,7 +7396,6 @@
               <a:t>）多项选择型阅读理解</a:t>
             </a:r>
             <a:endParaRPr lang="zh-CN" altLang="en-US" sz="1800">
-              <a:ln/>
               <a:solidFill>
                 <a:schemeClr val="tx1"/>
               </a:solidFill>
@@ -7240,7 +7487,6 @@
           <a:p>
             <a:r>
               <a:rPr lang="zh-CN" altLang="en-US" sz="1800">
-                <a:ln/>
                 <a:solidFill>
                   <a:schemeClr val="tx1"/>
                 </a:solidFill>
@@ -7257,7 +7503,6 @@
             </a:r>
             <a:r>
               <a:rPr lang="en-US" altLang="zh-CN" sz="1800">
-                <a:ln/>
                 <a:solidFill>
                   <a:schemeClr val="tx1"/>
                 </a:solidFill>
@@ -7274,7 +7519,6 @@
             </a:r>
             <a:r>
               <a:rPr lang="zh-CN" altLang="en-US" sz="1800">
-                <a:ln/>
                 <a:solidFill>
                   <a:schemeClr val="tx1"/>
                 </a:solidFill>
@@ -7290,7 +7534,6 @@
               <a:t>）自由答案型阅读理解</a:t>
             </a:r>
             <a:endParaRPr lang="zh-CN" altLang="en-US" sz="1800">
-              <a:ln/>
               <a:solidFill>
                 <a:schemeClr val="tx1"/>
               </a:solidFill>

--- a/孙相会.pptx
+++ b/孙相会.pptx
@@ -23,13 +23,12 @@
     <p:sldId id="398" r:id="rId16"/>
     <p:sldId id="399" r:id="rId17"/>
     <p:sldId id="404" r:id="rId18"/>
-    <p:sldId id="403" r:id="rId19"/>
+    <p:sldId id="407" r:id="rId19"/>
+    <p:sldId id="406" r:id="rId20"/>
+    <p:sldId id="403" r:id="rId21"/>
   </p:sldIdLst>
   <p:sldSz cx="9144000" cy="5143500" type="screen16x9"/>
   <p:notesSz cx="6858000" cy="9144000"/>
-  <p:custDataLst>
-    <p:tags r:id="rId24"/>
-  </p:custDataLst>
   <p:defaultTextStyle>
     <a:defPPr>
       <a:defRPr lang="zh-CN"/>
@@ -160,7 +159,7 @@
         <p:nvSpPr>
           <p:cNvPr id="2" name="页眉占位符 1"/>
           <p:cNvSpPr>
-            <a:spLocks noGrp="1"/>
+            <a:spLocks noGrp="true"/>
           </p:cNvSpPr>
           <p:nvPr>
             <p:ph type="hdr" sz="quarter"/>
@@ -191,7 +190,7 @@
         <p:nvSpPr>
           <p:cNvPr id="3" name="日期占位符 2"/>
           <p:cNvSpPr>
-            <a:spLocks noGrp="1"/>
+            <a:spLocks noGrp="true"/>
           </p:cNvSpPr>
           <p:nvPr>
             <p:ph type="dt" idx="1"/>
@@ -225,7 +224,7 @@
         <p:nvSpPr>
           <p:cNvPr id="4" name="幻灯片图像占位符 3"/>
           <p:cNvSpPr>
-            <a:spLocks noGrp="1" noRot="1" noChangeAspect="1"/>
+            <a:spLocks noGrp="true" noRot="true" noChangeAspect="true"/>
           </p:cNvSpPr>
           <p:nvPr>
             <p:ph type="sldImg" idx="2"/>
@@ -258,7 +257,7 @@
         <p:nvSpPr>
           <p:cNvPr id="5" name="备注占位符 4"/>
           <p:cNvSpPr>
-            <a:spLocks noGrp="1"/>
+            <a:spLocks noGrp="true"/>
           </p:cNvSpPr>
           <p:nvPr>
             <p:ph type="body" sz="quarter" idx="3"/>
@@ -322,7 +321,7 @@
         <p:nvSpPr>
           <p:cNvPr id="6" name="页脚占位符 5"/>
           <p:cNvSpPr>
-            <a:spLocks noGrp="1"/>
+            <a:spLocks noGrp="true"/>
           </p:cNvSpPr>
           <p:nvPr>
             <p:ph type="ftr" sz="quarter" idx="4"/>
@@ -353,7 +352,7 @@
         <p:nvSpPr>
           <p:cNvPr id="7" name="灯片编号占位符 6"/>
           <p:cNvSpPr>
-            <a:spLocks noGrp="1"/>
+            <a:spLocks noGrp="true"/>
           </p:cNvSpPr>
           <p:nvPr>
             <p:ph type="sldNum" sz="quarter" idx="5"/>
@@ -502,7 +501,7 @@
         <p:nvSpPr>
           <p:cNvPr id="2" name="幻灯片图像占位符 1"/>
           <p:cNvSpPr>
-            <a:spLocks noGrp="1" noRot="1" noChangeAspect="1"/>
+            <a:spLocks noGrp="true" noRot="true" noChangeAspect="true"/>
           </p:cNvSpPr>
           <p:nvPr>
             <p:ph type="sldImg"/>
@@ -514,7 +513,7 @@
         <p:nvSpPr>
           <p:cNvPr id="3" name="备注占位符 2"/>
           <p:cNvSpPr>
-            <a:spLocks noGrp="1"/>
+            <a:spLocks noGrp="true"/>
           </p:cNvSpPr>
           <p:nvPr>
             <p:ph type="body" idx="1"/>
@@ -533,7 +532,7 @@
         <p:nvSpPr>
           <p:cNvPr id="4" name="灯片编号占位符 3"/>
           <p:cNvSpPr>
-            <a:spLocks noGrp="1"/>
+            <a:spLocks noGrp="true"/>
           </p:cNvSpPr>
           <p:nvPr>
             <p:ph type="sldNum" sz="quarter" idx="10"/>
@@ -580,7 +579,7 @@
         <p:nvSpPr>
           <p:cNvPr id="2" name="幻灯片图像占位符 1"/>
           <p:cNvSpPr>
-            <a:spLocks noGrp="1" noRot="1" noChangeAspect="1"/>
+            <a:spLocks noGrp="true" noRot="true" noChangeAspect="true"/>
           </p:cNvSpPr>
           <p:nvPr>
             <p:ph type="sldImg"/>
@@ -592,7 +591,7 @@
         <p:nvSpPr>
           <p:cNvPr id="3" name="备注占位符 2"/>
           <p:cNvSpPr>
-            <a:spLocks noGrp="1"/>
+            <a:spLocks noGrp="true"/>
           </p:cNvSpPr>
           <p:nvPr>
             <p:ph type="body" idx="1"/>
@@ -611,7 +610,7 @@
         <p:nvSpPr>
           <p:cNvPr id="4" name="灯片编号占位符 3"/>
           <p:cNvSpPr>
-            <a:spLocks noGrp="1"/>
+            <a:spLocks noGrp="true"/>
           </p:cNvSpPr>
           <p:nvPr>
             <p:ph type="sldNum" sz="quarter" idx="10"/>
@@ -658,7 +657,7 @@
         <p:nvSpPr>
           <p:cNvPr id="2" name="幻灯片图像占位符 1"/>
           <p:cNvSpPr>
-            <a:spLocks noGrp="1" noRot="1" noChangeAspect="1"/>
+            <a:spLocks noGrp="true" noRot="true" noChangeAspect="true"/>
           </p:cNvSpPr>
           <p:nvPr>
             <p:ph type="sldImg"/>
@@ -670,7 +669,7 @@
         <p:nvSpPr>
           <p:cNvPr id="3" name="备注占位符 2"/>
           <p:cNvSpPr>
-            <a:spLocks noGrp="1"/>
+            <a:spLocks noGrp="true"/>
           </p:cNvSpPr>
           <p:nvPr>
             <p:ph type="body" idx="1"/>
@@ -689,7 +688,7 @@
         <p:nvSpPr>
           <p:cNvPr id="4" name="灯片编号占位符 3"/>
           <p:cNvSpPr>
-            <a:spLocks noGrp="1"/>
+            <a:spLocks noGrp="true"/>
           </p:cNvSpPr>
           <p:nvPr>
             <p:ph type="sldNum" sz="quarter" idx="10"/>
@@ -736,7 +735,7 @@
         <p:nvSpPr>
           <p:cNvPr id="2" name="幻灯片图像占位符 1"/>
           <p:cNvSpPr>
-            <a:spLocks noGrp="1" noRot="1" noChangeAspect="1"/>
+            <a:spLocks noGrp="true" noRot="true" noChangeAspect="true"/>
           </p:cNvSpPr>
           <p:nvPr>
             <p:ph type="sldImg"/>
@@ -748,7 +747,7 @@
         <p:nvSpPr>
           <p:cNvPr id="3" name="备注占位符 2"/>
           <p:cNvSpPr>
-            <a:spLocks noGrp="1"/>
+            <a:spLocks noGrp="true"/>
           </p:cNvSpPr>
           <p:nvPr>
             <p:ph type="body" idx="1"/>
@@ -767,7 +766,7 @@
         <p:nvSpPr>
           <p:cNvPr id="4" name="灯片编号占位符 3"/>
           <p:cNvSpPr>
-            <a:spLocks noGrp="1"/>
+            <a:spLocks noGrp="true"/>
           </p:cNvSpPr>
           <p:nvPr>
             <p:ph type="sldNum" sz="quarter" idx="10"/>
@@ -814,7 +813,7 @@
         <p:nvSpPr>
           <p:cNvPr id="2" name="幻灯片图像占位符 1"/>
           <p:cNvSpPr>
-            <a:spLocks noGrp="1" noRot="1" noChangeAspect="1"/>
+            <a:spLocks noGrp="true" noRot="true" noChangeAspect="true"/>
           </p:cNvSpPr>
           <p:nvPr>
             <p:ph type="sldImg"/>
@@ -826,7 +825,7 @@
         <p:nvSpPr>
           <p:cNvPr id="3" name="备注占位符 2"/>
           <p:cNvSpPr>
-            <a:spLocks noGrp="1"/>
+            <a:spLocks noGrp="true"/>
           </p:cNvSpPr>
           <p:nvPr>
             <p:ph type="body" idx="1"/>
@@ -845,7 +844,7 @@
         <p:nvSpPr>
           <p:cNvPr id="4" name="灯片编号占位符 3"/>
           <p:cNvSpPr>
-            <a:spLocks noGrp="1"/>
+            <a:spLocks noGrp="true"/>
           </p:cNvSpPr>
           <p:nvPr>
             <p:ph type="sldNum" sz="quarter" idx="10"/>
@@ -892,7 +891,7 @@
         <p:nvSpPr>
           <p:cNvPr id="2" name="幻灯片图像占位符 1"/>
           <p:cNvSpPr>
-            <a:spLocks noGrp="1" noRot="1" noChangeAspect="1"/>
+            <a:spLocks noGrp="true" noRot="true" noChangeAspect="true"/>
           </p:cNvSpPr>
           <p:nvPr>
             <p:ph type="sldImg"/>
@@ -904,7 +903,7 @@
         <p:nvSpPr>
           <p:cNvPr id="3" name="备注占位符 2"/>
           <p:cNvSpPr>
-            <a:spLocks noGrp="1"/>
+            <a:spLocks noGrp="true"/>
           </p:cNvSpPr>
           <p:nvPr>
             <p:ph type="body" idx="1"/>
@@ -923,7 +922,7 @@
         <p:nvSpPr>
           <p:cNvPr id="4" name="灯片编号占位符 3"/>
           <p:cNvSpPr>
-            <a:spLocks noGrp="1"/>
+            <a:spLocks noGrp="true"/>
           </p:cNvSpPr>
           <p:nvPr>
             <p:ph type="sldNum" sz="quarter" idx="10"/>
@@ -970,7 +969,7 @@
         <p:nvSpPr>
           <p:cNvPr id="2" name="幻灯片图像占位符 1"/>
           <p:cNvSpPr>
-            <a:spLocks noGrp="1" noRot="1" noChangeAspect="1"/>
+            <a:spLocks noGrp="true" noRot="true" noChangeAspect="true"/>
           </p:cNvSpPr>
           <p:nvPr>
             <p:ph type="sldImg"/>
@@ -982,7 +981,7 @@
         <p:nvSpPr>
           <p:cNvPr id="3" name="备注占位符 2"/>
           <p:cNvSpPr>
-            <a:spLocks noGrp="1"/>
+            <a:spLocks noGrp="true"/>
           </p:cNvSpPr>
           <p:nvPr>
             <p:ph type="body" idx="1"/>
@@ -1001,7 +1000,7 @@
         <p:nvSpPr>
           <p:cNvPr id="4" name="灯片编号占位符 3"/>
           <p:cNvSpPr>
-            <a:spLocks noGrp="1"/>
+            <a:spLocks noGrp="true"/>
           </p:cNvSpPr>
           <p:nvPr>
             <p:ph type="sldNum" sz="quarter" idx="10"/>
@@ -1048,7 +1047,7 @@
         <p:nvSpPr>
           <p:cNvPr id="2" name="幻灯片图像占位符 1"/>
           <p:cNvSpPr>
-            <a:spLocks noGrp="1" noRot="1" noChangeAspect="1"/>
+            <a:spLocks noGrp="true" noRot="true" noChangeAspect="true"/>
           </p:cNvSpPr>
           <p:nvPr>
             <p:ph type="sldImg"/>
@@ -1060,7 +1059,7 @@
         <p:nvSpPr>
           <p:cNvPr id="3" name="备注占位符 2"/>
           <p:cNvSpPr>
-            <a:spLocks noGrp="1"/>
+            <a:spLocks noGrp="true"/>
           </p:cNvSpPr>
           <p:nvPr>
             <p:ph type="body" idx="1"/>
@@ -1079,7 +1078,7 @@
         <p:nvSpPr>
           <p:cNvPr id="4" name="灯片编号占位符 3"/>
           <p:cNvSpPr>
-            <a:spLocks noGrp="1"/>
+            <a:spLocks noGrp="true"/>
           </p:cNvSpPr>
           <p:nvPr>
             <p:ph type="sldNum" sz="quarter" idx="10"/>
@@ -1126,7 +1125,7 @@
         <p:nvSpPr>
           <p:cNvPr id="2" name="幻灯片图像占位符 1"/>
           <p:cNvSpPr>
-            <a:spLocks noGrp="1" noRot="1" noChangeAspect="1"/>
+            <a:spLocks noGrp="true" noRot="true" noChangeAspect="true"/>
           </p:cNvSpPr>
           <p:nvPr>
             <p:ph type="sldImg"/>
@@ -1138,7 +1137,7 @@
         <p:nvSpPr>
           <p:cNvPr id="3" name="备注占位符 2"/>
           <p:cNvSpPr>
-            <a:spLocks noGrp="1"/>
+            <a:spLocks noGrp="true"/>
           </p:cNvSpPr>
           <p:nvPr>
             <p:ph type="body" idx="1"/>
@@ -1157,7 +1156,7 @@
         <p:nvSpPr>
           <p:cNvPr id="4" name="灯片编号占位符 3"/>
           <p:cNvSpPr>
-            <a:spLocks noGrp="1"/>
+            <a:spLocks noGrp="true"/>
           </p:cNvSpPr>
           <p:nvPr>
             <p:ph type="sldNum" sz="quarter" idx="10"/>
@@ -1204,7 +1203,7 @@
         <p:nvSpPr>
           <p:cNvPr id="2" name="幻灯片图像占位符 1"/>
           <p:cNvSpPr>
-            <a:spLocks noGrp="1" noRot="1" noChangeAspect="1"/>
+            <a:spLocks noGrp="true" noRot="true" noChangeAspect="true"/>
           </p:cNvSpPr>
           <p:nvPr>
             <p:ph type="sldImg"/>
@@ -1216,7 +1215,7 @@
         <p:nvSpPr>
           <p:cNvPr id="3" name="备注占位符 2"/>
           <p:cNvSpPr>
-            <a:spLocks noGrp="1"/>
+            <a:spLocks noGrp="true"/>
           </p:cNvSpPr>
           <p:nvPr>
             <p:ph type="body" idx="1"/>
@@ -1235,7 +1234,7 @@
         <p:nvSpPr>
           <p:cNvPr id="4" name="灯片编号占位符 3"/>
           <p:cNvSpPr>
-            <a:spLocks noGrp="1"/>
+            <a:spLocks noGrp="true"/>
           </p:cNvSpPr>
           <p:nvPr>
             <p:ph type="sldNum" sz="quarter" idx="10"/>
@@ -1282,7 +1281,7 @@
         <p:nvSpPr>
           <p:cNvPr id="2" name="幻灯片图像占位符 1"/>
           <p:cNvSpPr>
-            <a:spLocks noGrp="1" noRot="1" noChangeAspect="1"/>
+            <a:spLocks noGrp="true" noRot="true" noChangeAspect="true"/>
           </p:cNvSpPr>
           <p:nvPr>
             <p:ph type="sldImg"/>
@@ -1294,7 +1293,7 @@
         <p:nvSpPr>
           <p:cNvPr id="3" name="备注占位符 2"/>
           <p:cNvSpPr>
-            <a:spLocks noGrp="1"/>
+            <a:spLocks noGrp="true"/>
           </p:cNvSpPr>
           <p:nvPr>
             <p:ph type="body" idx="1"/>
@@ -1313,7 +1312,7 @@
         <p:nvSpPr>
           <p:cNvPr id="4" name="灯片编号占位符 3"/>
           <p:cNvSpPr>
-            <a:spLocks noGrp="1"/>
+            <a:spLocks noGrp="true"/>
           </p:cNvSpPr>
           <p:nvPr>
             <p:ph type="sldNum" sz="quarter" idx="10"/>
@@ -1393,7 +1392,7 @@
         <p:nvSpPr>
           <p:cNvPr id="2" name="Title 1"/>
           <p:cNvSpPr>
-            <a:spLocks noGrp="1"/>
+            <a:spLocks noGrp="true"/>
           </p:cNvSpPr>
           <p:nvPr>
             <p:ph type="title"/>
@@ -1416,7 +1415,7 @@
         <p:nvSpPr>
           <p:cNvPr id="3" name="Vertical Text Placeholder 2"/>
           <p:cNvSpPr>
-            <a:spLocks noGrp="1"/>
+            <a:spLocks noGrp="true"/>
           </p:cNvSpPr>
           <p:nvPr>
             <p:ph type="body" orient="vert" idx="1"/>
@@ -1472,7 +1471,7 @@
         <p:nvSpPr>
           <p:cNvPr id="4" name="Date Placeholder 3"/>
           <p:cNvSpPr>
-            <a:spLocks noGrp="1"/>
+            <a:spLocks noGrp="true"/>
           </p:cNvSpPr>
           <p:nvPr>
             <p:ph type="dt" sz="half" idx="10"/>
@@ -1494,7 +1493,7 @@
         <p:nvSpPr>
           <p:cNvPr id="5" name="Footer Placeholder 4"/>
           <p:cNvSpPr>
-            <a:spLocks noGrp="1"/>
+            <a:spLocks noGrp="true"/>
           </p:cNvSpPr>
           <p:nvPr>
             <p:ph type="ftr" sz="quarter" idx="11"/>
@@ -1513,7 +1512,7 @@
         <p:nvSpPr>
           <p:cNvPr id="6" name="Slide Number Placeholder 5"/>
           <p:cNvSpPr>
-            <a:spLocks noGrp="1"/>
+            <a:spLocks noGrp="true"/>
           </p:cNvSpPr>
           <p:nvPr>
             <p:ph type="sldNum" sz="quarter" idx="12"/>
@@ -1568,7 +1567,7 @@
         <p:nvSpPr>
           <p:cNvPr id="2" name="Vertical Title 1"/>
           <p:cNvSpPr>
-            <a:spLocks noGrp="1"/>
+            <a:spLocks noGrp="true"/>
           </p:cNvSpPr>
           <p:nvPr>
             <p:ph type="title" orient="vert"/>
@@ -1596,7 +1595,7 @@
         <p:nvSpPr>
           <p:cNvPr id="3" name="Vertical Text Placeholder 2"/>
           <p:cNvSpPr>
-            <a:spLocks noGrp="1"/>
+            <a:spLocks noGrp="true"/>
           </p:cNvSpPr>
           <p:nvPr>
             <p:ph type="body" orient="vert" idx="1"/>
@@ -1657,7 +1656,7 @@
         <p:nvSpPr>
           <p:cNvPr id="4" name="Date Placeholder 3"/>
           <p:cNvSpPr>
-            <a:spLocks noGrp="1"/>
+            <a:spLocks noGrp="true"/>
           </p:cNvSpPr>
           <p:nvPr>
             <p:ph type="dt" sz="half" idx="10"/>
@@ -1679,7 +1678,7 @@
         <p:nvSpPr>
           <p:cNvPr id="5" name="Footer Placeholder 4"/>
           <p:cNvSpPr>
-            <a:spLocks noGrp="1"/>
+            <a:spLocks noGrp="true"/>
           </p:cNvSpPr>
           <p:nvPr>
             <p:ph type="ftr" sz="quarter" idx="11"/>
@@ -1698,7 +1697,7 @@
         <p:nvSpPr>
           <p:cNvPr id="6" name="Slide Number Placeholder 5"/>
           <p:cNvSpPr>
-            <a:spLocks noGrp="1"/>
+            <a:spLocks noGrp="true"/>
           </p:cNvSpPr>
           <p:nvPr>
             <p:ph type="sldNum" sz="quarter" idx="12"/>
@@ -1753,7 +1752,7 @@
         <p:nvSpPr>
           <p:cNvPr id="2" name="Title 1"/>
           <p:cNvSpPr>
-            <a:spLocks noGrp="1"/>
+            <a:spLocks noGrp="true"/>
           </p:cNvSpPr>
           <p:nvPr>
             <p:ph type="title"/>
@@ -1776,7 +1775,7 @@
         <p:nvSpPr>
           <p:cNvPr id="3" name="Content Placeholder 2"/>
           <p:cNvSpPr>
-            <a:spLocks noGrp="1"/>
+            <a:spLocks noGrp="true"/>
           </p:cNvSpPr>
           <p:nvPr>
             <p:ph idx="1"/>
@@ -1832,7 +1831,7 @@
         <p:nvSpPr>
           <p:cNvPr id="4" name="Date Placeholder 3"/>
           <p:cNvSpPr>
-            <a:spLocks noGrp="1"/>
+            <a:spLocks noGrp="true"/>
           </p:cNvSpPr>
           <p:nvPr>
             <p:ph type="dt" sz="half" idx="10"/>
@@ -1854,7 +1853,7 @@
         <p:nvSpPr>
           <p:cNvPr id="5" name="Footer Placeholder 4"/>
           <p:cNvSpPr>
-            <a:spLocks noGrp="1"/>
+            <a:spLocks noGrp="true"/>
           </p:cNvSpPr>
           <p:nvPr>
             <p:ph type="ftr" sz="quarter" idx="11"/>
@@ -1873,7 +1872,7 @@
         <p:nvSpPr>
           <p:cNvPr id="6" name="Slide Number Placeholder 5"/>
           <p:cNvSpPr>
-            <a:spLocks noGrp="1"/>
+            <a:spLocks noGrp="true"/>
           </p:cNvSpPr>
           <p:nvPr>
             <p:ph type="sldNum" sz="quarter" idx="12"/>
@@ -1928,7 +1927,7 @@
         <p:nvSpPr>
           <p:cNvPr id="2" name="Title 1"/>
           <p:cNvSpPr>
-            <a:spLocks noGrp="1"/>
+            <a:spLocks noGrp="true"/>
           </p:cNvSpPr>
           <p:nvPr>
             <p:ph type="title"/>
@@ -1960,7 +1959,7 @@
         <p:nvSpPr>
           <p:cNvPr id="3" name="Text Placeholder 2"/>
           <p:cNvSpPr>
-            <a:spLocks noGrp="1"/>
+            <a:spLocks noGrp="true"/>
           </p:cNvSpPr>
           <p:nvPr>
             <p:ph type="body" idx="1"/>
@@ -2080,7 +2079,7 @@
         <p:nvSpPr>
           <p:cNvPr id="4" name="Date Placeholder 3"/>
           <p:cNvSpPr>
-            <a:spLocks noGrp="1"/>
+            <a:spLocks noGrp="true"/>
           </p:cNvSpPr>
           <p:nvPr>
             <p:ph type="dt" sz="half" idx="10"/>
@@ -2102,7 +2101,7 @@
         <p:nvSpPr>
           <p:cNvPr id="5" name="Footer Placeholder 4"/>
           <p:cNvSpPr>
-            <a:spLocks noGrp="1"/>
+            <a:spLocks noGrp="true"/>
           </p:cNvSpPr>
           <p:nvPr>
             <p:ph type="ftr" sz="quarter" idx="11"/>
@@ -2121,7 +2120,7 @@
         <p:nvSpPr>
           <p:cNvPr id="6" name="Slide Number Placeholder 5"/>
           <p:cNvSpPr>
-            <a:spLocks noGrp="1"/>
+            <a:spLocks noGrp="true"/>
           </p:cNvSpPr>
           <p:nvPr>
             <p:ph type="sldNum" sz="quarter" idx="12"/>
@@ -2176,7 +2175,7 @@
         <p:nvSpPr>
           <p:cNvPr id="2" name="Title 1"/>
           <p:cNvSpPr>
-            <a:spLocks noGrp="1"/>
+            <a:spLocks noGrp="true"/>
           </p:cNvSpPr>
           <p:nvPr>
             <p:ph type="title"/>
@@ -2199,7 +2198,7 @@
         <p:nvSpPr>
           <p:cNvPr id="3" name="Content Placeholder 2"/>
           <p:cNvSpPr>
-            <a:spLocks noGrp="1"/>
+            <a:spLocks noGrp="true"/>
           </p:cNvSpPr>
           <p:nvPr>
             <p:ph sz="half" idx="1"/>
@@ -2260,7 +2259,7 @@
         <p:nvSpPr>
           <p:cNvPr id="4" name="Content Placeholder 3"/>
           <p:cNvSpPr>
-            <a:spLocks noGrp="1"/>
+            <a:spLocks noGrp="true"/>
           </p:cNvSpPr>
           <p:nvPr>
             <p:ph sz="half" idx="2"/>
@@ -2321,7 +2320,7 @@
         <p:nvSpPr>
           <p:cNvPr id="5" name="Date Placeholder 4"/>
           <p:cNvSpPr>
-            <a:spLocks noGrp="1"/>
+            <a:spLocks noGrp="true"/>
           </p:cNvSpPr>
           <p:nvPr>
             <p:ph type="dt" sz="half" idx="10"/>
@@ -2343,7 +2342,7 @@
         <p:nvSpPr>
           <p:cNvPr id="6" name="Footer Placeholder 5"/>
           <p:cNvSpPr>
-            <a:spLocks noGrp="1"/>
+            <a:spLocks noGrp="true"/>
           </p:cNvSpPr>
           <p:nvPr>
             <p:ph type="ftr" sz="quarter" idx="11"/>
@@ -2362,7 +2361,7 @@
         <p:nvSpPr>
           <p:cNvPr id="7" name="Slide Number Placeholder 6"/>
           <p:cNvSpPr>
-            <a:spLocks noGrp="1"/>
+            <a:spLocks noGrp="true"/>
           </p:cNvSpPr>
           <p:nvPr>
             <p:ph type="sldNum" sz="quarter" idx="12"/>
@@ -2417,7 +2416,7 @@
         <p:nvSpPr>
           <p:cNvPr id="2" name="Title 1"/>
           <p:cNvSpPr>
-            <a:spLocks noGrp="1"/>
+            <a:spLocks noGrp="true"/>
           </p:cNvSpPr>
           <p:nvPr>
             <p:ph type="title"/>
@@ -2445,7 +2444,7 @@
         <p:nvSpPr>
           <p:cNvPr id="3" name="Text Placeholder 2"/>
           <p:cNvSpPr>
-            <a:spLocks noGrp="1"/>
+            <a:spLocks noGrp="true"/>
           </p:cNvSpPr>
           <p:nvPr>
             <p:ph type="body" idx="1"/>
@@ -2511,7 +2510,7 @@
         <p:nvSpPr>
           <p:cNvPr id="4" name="Content Placeholder 3"/>
           <p:cNvSpPr>
-            <a:spLocks noGrp="1"/>
+            <a:spLocks noGrp="true"/>
           </p:cNvSpPr>
           <p:nvPr>
             <p:ph sz="half" idx="2"/>
@@ -2572,7 +2571,7 @@
         <p:nvSpPr>
           <p:cNvPr id="5" name="Text Placeholder 4"/>
           <p:cNvSpPr>
-            <a:spLocks noGrp="1"/>
+            <a:spLocks noGrp="true"/>
           </p:cNvSpPr>
           <p:nvPr>
             <p:ph type="body" sz="quarter" idx="3"/>
@@ -2638,7 +2637,7 @@
         <p:nvSpPr>
           <p:cNvPr id="6" name="Content Placeholder 5"/>
           <p:cNvSpPr>
-            <a:spLocks noGrp="1"/>
+            <a:spLocks noGrp="true"/>
           </p:cNvSpPr>
           <p:nvPr>
             <p:ph sz="quarter" idx="4"/>
@@ -2699,7 +2698,7 @@
         <p:nvSpPr>
           <p:cNvPr id="7" name="Date Placeholder 6"/>
           <p:cNvSpPr>
-            <a:spLocks noGrp="1"/>
+            <a:spLocks noGrp="true"/>
           </p:cNvSpPr>
           <p:nvPr>
             <p:ph type="dt" sz="half" idx="10"/>
@@ -2721,7 +2720,7 @@
         <p:nvSpPr>
           <p:cNvPr id="8" name="Footer Placeholder 7"/>
           <p:cNvSpPr>
-            <a:spLocks noGrp="1"/>
+            <a:spLocks noGrp="true"/>
           </p:cNvSpPr>
           <p:nvPr>
             <p:ph type="ftr" sz="quarter" idx="11"/>
@@ -2740,7 +2739,7 @@
         <p:nvSpPr>
           <p:cNvPr id="9" name="Slide Number Placeholder 8"/>
           <p:cNvSpPr>
-            <a:spLocks noGrp="1"/>
+            <a:spLocks noGrp="true"/>
           </p:cNvSpPr>
           <p:nvPr>
             <p:ph type="sldNum" sz="quarter" idx="12"/>
@@ -2795,7 +2794,7 @@
         <p:nvSpPr>
           <p:cNvPr id="2" name="Title 1"/>
           <p:cNvSpPr>
-            <a:spLocks noGrp="1"/>
+            <a:spLocks noGrp="true"/>
           </p:cNvSpPr>
           <p:nvPr>
             <p:ph type="title"/>
@@ -2818,7 +2817,7 @@
         <p:nvSpPr>
           <p:cNvPr id="3" name="Date Placeholder 2"/>
           <p:cNvSpPr>
-            <a:spLocks noGrp="1"/>
+            <a:spLocks noGrp="true"/>
           </p:cNvSpPr>
           <p:nvPr>
             <p:ph type="dt" sz="half" idx="10"/>
@@ -2840,7 +2839,7 @@
         <p:nvSpPr>
           <p:cNvPr id="4" name="Footer Placeholder 3"/>
           <p:cNvSpPr>
-            <a:spLocks noGrp="1"/>
+            <a:spLocks noGrp="true"/>
           </p:cNvSpPr>
           <p:nvPr>
             <p:ph type="ftr" sz="quarter" idx="11"/>
@@ -2859,7 +2858,7 @@
         <p:nvSpPr>
           <p:cNvPr id="5" name="Slide Number Placeholder 4"/>
           <p:cNvSpPr>
-            <a:spLocks noGrp="1"/>
+            <a:spLocks noGrp="true"/>
           </p:cNvSpPr>
           <p:nvPr>
             <p:ph type="sldNum" sz="quarter" idx="12"/>
@@ -2914,7 +2913,7 @@
         <p:nvSpPr>
           <p:cNvPr id="2" name="Date Placeholder 1"/>
           <p:cNvSpPr>
-            <a:spLocks noGrp="1"/>
+            <a:spLocks noGrp="true"/>
           </p:cNvSpPr>
           <p:nvPr>
             <p:ph type="dt" sz="half" idx="10"/>
@@ -2936,7 +2935,7 @@
         <p:nvSpPr>
           <p:cNvPr id="3" name="Footer Placeholder 2"/>
           <p:cNvSpPr>
-            <a:spLocks noGrp="1"/>
+            <a:spLocks noGrp="true"/>
           </p:cNvSpPr>
           <p:nvPr>
             <p:ph type="ftr" sz="quarter" idx="11"/>
@@ -2955,7 +2954,7 @@
         <p:nvSpPr>
           <p:cNvPr id="4" name="Slide Number Placeholder 3"/>
           <p:cNvSpPr>
-            <a:spLocks noGrp="1"/>
+            <a:spLocks noGrp="true"/>
           </p:cNvSpPr>
           <p:nvPr>
             <p:ph type="sldNum" sz="quarter" idx="12"/>
@@ -3010,7 +3009,7 @@
         <p:nvSpPr>
           <p:cNvPr id="2" name="Title 1"/>
           <p:cNvSpPr>
-            <a:spLocks noGrp="1"/>
+            <a:spLocks noGrp="true"/>
           </p:cNvSpPr>
           <p:nvPr>
             <p:ph type="title"/>
@@ -3042,7 +3041,7 @@
         <p:nvSpPr>
           <p:cNvPr id="3" name="Content Placeholder 2"/>
           <p:cNvSpPr>
-            <a:spLocks noGrp="1"/>
+            <a:spLocks noGrp="true"/>
           </p:cNvSpPr>
           <p:nvPr>
             <p:ph idx="1"/>
@@ -3131,7 +3130,7 @@
         <p:nvSpPr>
           <p:cNvPr id="4" name="Text Placeholder 3"/>
           <p:cNvSpPr>
-            <a:spLocks noGrp="1"/>
+            <a:spLocks noGrp="true"/>
           </p:cNvSpPr>
           <p:nvPr>
             <p:ph type="body" sz="half" idx="2"/>
@@ -3197,7 +3196,7 @@
         <p:nvSpPr>
           <p:cNvPr id="5" name="Date Placeholder 4"/>
           <p:cNvSpPr>
-            <a:spLocks noGrp="1"/>
+            <a:spLocks noGrp="true"/>
           </p:cNvSpPr>
           <p:nvPr>
             <p:ph type="dt" sz="half" idx="10"/>
@@ -3219,7 +3218,7 @@
         <p:nvSpPr>
           <p:cNvPr id="6" name="Footer Placeholder 5"/>
           <p:cNvSpPr>
-            <a:spLocks noGrp="1"/>
+            <a:spLocks noGrp="true"/>
           </p:cNvSpPr>
           <p:nvPr>
             <p:ph type="ftr" sz="quarter" idx="11"/>
@@ -3238,7 +3237,7 @@
         <p:nvSpPr>
           <p:cNvPr id="7" name="Slide Number Placeholder 6"/>
           <p:cNvSpPr>
-            <a:spLocks noGrp="1"/>
+            <a:spLocks noGrp="true"/>
           </p:cNvSpPr>
           <p:nvPr>
             <p:ph type="sldNum" sz="quarter" idx="12"/>
@@ -3293,7 +3292,7 @@
         <p:nvSpPr>
           <p:cNvPr id="2" name="Title 1"/>
           <p:cNvSpPr>
-            <a:spLocks noGrp="1"/>
+            <a:spLocks noGrp="true"/>
           </p:cNvSpPr>
           <p:nvPr>
             <p:ph type="title"/>
@@ -3325,7 +3324,7 @@
         <p:nvSpPr>
           <p:cNvPr id="3" name="Picture Placeholder 2"/>
           <p:cNvSpPr>
-            <a:spLocks noGrp="1" noChangeAspect="1"/>
+            <a:spLocks noGrp="true" noChangeAspect="true"/>
           </p:cNvSpPr>
           <p:nvPr>
             <p:ph type="pic" idx="1"/>
@@ -3390,7 +3389,7 @@
         <p:nvSpPr>
           <p:cNvPr id="4" name="Text Placeholder 3"/>
           <p:cNvSpPr>
-            <a:spLocks noGrp="1"/>
+            <a:spLocks noGrp="true"/>
           </p:cNvSpPr>
           <p:nvPr>
             <p:ph type="body" sz="half" idx="2"/>
@@ -3456,7 +3455,7 @@
         <p:nvSpPr>
           <p:cNvPr id="5" name="Date Placeholder 4"/>
           <p:cNvSpPr>
-            <a:spLocks noGrp="1"/>
+            <a:spLocks noGrp="true"/>
           </p:cNvSpPr>
           <p:nvPr>
             <p:ph type="dt" sz="half" idx="10"/>
@@ -3478,7 +3477,7 @@
         <p:nvSpPr>
           <p:cNvPr id="6" name="Footer Placeholder 5"/>
           <p:cNvSpPr>
-            <a:spLocks noGrp="1"/>
+            <a:spLocks noGrp="true"/>
           </p:cNvSpPr>
           <p:nvPr>
             <p:ph type="ftr" sz="quarter" idx="11"/>
@@ -3497,7 +3496,7 @@
         <p:nvSpPr>
           <p:cNvPr id="7" name="Slide Number Placeholder 6"/>
           <p:cNvSpPr>
-            <a:spLocks noGrp="1"/>
+            <a:spLocks noGrp="true"/>
           </p:cNvSpPr>
           <p:nvPr>
             <p:ph type="sldNum" sz="quarter" idx="12"/>
@@ -3536,7 +3535,7 @@
   <p:cSld>
     <p:bg>
       <p:bgPr>
-        <a:blipFill dpi="0" rotWithShape="1">
+        <a:blipFill dpi="0" rotWithShape="true">
           <a:blip r:embed="rId12">
             <a:lum/>
           </a:blip>
@@ -3566,7 +3565,7 @@
         <p:nvSpPr>
           <p:cNvPr id="2" name="Title Placeholder 1"/>
           <p:cNvSpPr>
-            <a:spLocks noGrp="1"/>
+            <a:spLocks noGrp="true"/>
           </p:cNvSpPr>
           <p:nvPr>
             <p:ph type="title"/>
@@ -3599,7 +3598,7 @@
         <p:nvSpPr>
           <p:cNvPr id="3" name="Text Placeholder 2"/>
           <p:cNvSpPr>
-            <a:spLocks noGrp="1"/>
+            <a:spLocks noGrp="true"/>
           </p:cNvSpPr>
           <p:nvPr>
             <p:ph type="body" idx="1"/>
@@ -3665,7 +3664,7 @@
         <p:nvSpPr>
           <p:cNvPr id="4" name="Date Placeholder 3"/>
           <p:cNvSpPr>
-            <a:spLocks noGrp="1"/>
+            <a:spLocks noGrp="true"/>
           </p:cNvSpPr>
           <p:nvPr>
             <p:ph type="dt" sz="half" idx="2"/>
@@ -3705,7 +3704,7 @@
         <p:nvSpPr>
           <p:cNvPr id="5" name="Footer Placeholder 4"/>
           <p:cNvSpPr>
-            <a:spLocks noGrp="1"/>
+            <a:spLocks noGrp="true"/>
           </p:cNvSpPr>
           <p:nvPr>
             <p:ph type="ftr" sz="quarter" idx="3"/>
@@ -3742,7 +3741,7 @@
         <p:nvSpPr>
           <p:cNvPr id="6" name="Slide Number Placeholder 5"/>
           <p:cNvSpPr>
-            <a:spLocks noGrp="1"/>
+            <a:spLocks noGrp="true"/>
           </p:cNvSpPr>
           <p:nvPr>
             <p:ph type="sldNum" sz="quarter" idx="4"/>
@@ -3830,7 +3829,7 @@
         <a:spcBef>
           <a:spcPts val="750"/>
         </a:spcBef>
-        <a:buFont typeface="Arial" panose="020B0604020202020204" pitchFamily="34" charset="0"/>
+        <a:buFont typeface="Arial" panose="02080604020202020204" pitchFamily="34" charset="0"/>
         <a:buChar char="•"/>
         <a:defRPr sz="2100" kern="1200">
           <a:solidFill>
@@ -3848,7 +3847,7 @@
         <a:spcBef>
           <a:spcPts val="375"/>
         </a:spcBef>
-        <a:buFont typeface="Arial" panose="020B0604020202020204" pitchFamily="34" charset="0"/>
+        <a:buFont typeface="Arial" panose="02080604020202020204" pitchFamily="34" charset="0"/>
         <a:buChar char="•"/>
         <a:defRPr sz="1800" kern="1200">
           <a:solidFill>
@@ -3866,7 +3865,7 @@
         <a:spcBef>
           <a:spcPts val="375"/>
         </a:spcBef>
-        <a:buFont typeface="Arial" panose="020B0604020202020204" pitchFamily="34" charset="0"/>
+        <a:buFont typeface="Arial" panose="02080604020202020204" pitchFamily="34" charset="0"/>
         <a:buChar char="•"/>
         <a:defRPr sz="1500" kern="1200">
           <a:solidFill>
@@ -3884,7 +3883,7 @@
         <a:spcBef>
           <a:spcPts val="375"/>
         </a:spcBef>
-        <a:buFont typeface="Arial" panose="020B0604020202020204" pitchFamily="34" charset="0"/>
+        <a:buFont typeface="Arial" panose="02080604020202020204" pitchFamily="34" charset="0"/>
         <a:buChar char="•"/>
         <a:defRPr sz="1350" kern="1200">
           <a:solidFill>
@@ -3902,7 +3901,7 @@
         <a:spcBef>
           <a:spcPts val="375"/>
         </a:spcBef>
-        <a:buFont typeface="Arial" panose="020B0604020202020204" pitchFamily="34" charset="0"/>
+        <a:buFont typeface="Arial" panose="02080604020202020204" pitchFamily="34" charset="0"/>
         <a:buChar char="•"/>
         <a:defRPr sz="1350" kern="1200">
           <a:solidFill>
@@ -3920,7 +3919,7 @@
         <a:spcBef>
           <a:spcPts val="375"/>
         </a:spcBef>
-        <a:buFont typeface="Arial" panose="020B0604020202020204" pitchFamily="34" charset="0"/>
+        <a:buFont typeface="Arial" panose="02080604020202020204" pitchFamily="34" charset="0"/>
         <a:buChar char="•"/>
         <a:defRPr sz="1350" kern="1200">
           <a:solidFill>
@@ -3938,7 +3937,7 @@
         <a:spcBef>
           <a:spcPts val="375"/>
         </a:spcBef>
-        <a:buFont typeface="Arial" panose="020B0604020202020204" pitchFamily="34" charset="0"/>
+        <a:buFont typeface="Arial" panose="02080604020202020204" pitchFamily="34" charset="0"/>
         <a:buChar char="•"/>
         <a:defRPr sz="1350" kern="1200">
           <a:solidFill>
@@ -3956,7 +3955,7 @@
         <a:spcBef>
           <a:spcPts val="375"/>
         </a:spcBef>
-        <a:buFont typeface="Arial" panose="020B0604020202020204" pitchFamily="34" charset="0"/>
+        <a:buFont typeface="Arial" panose="02080604020202020204" pitchFamily="34" charset="0"/>
         <a:buChar char="•"/>
         <a:defRPr sz="1350" kern="1200">
           <a:solidFill>
@@ -3974,7 +3973,7 @@
         <a:spcBef>
           <a:spcPts val="375"/>
         </a:spcBef>
-        <a:buFont typeface="Arial" panose="020B0604020202020204" pitchFamily="34" charset="0"/>
+        <a:buFont typeface="Arial" panose="02080604020202020204" pitchFamily="34" charset="0"/>
         <a:buChar char="•"/>
         <a:defRPr sz="1350" kern="1200">
           <a:solidFill>
@@ -4090,7 +4089,7 @@
   <p:cSld>
     <p:bg>
       <p:bgPr>
-        <a:blipFill dpi="0" rotWithShape="1">
+        <a:blipFill dpi="0" rotWithShape="true">
           <a:blip r:embed="rId1"/>
           <a:srcRect/>
           <a:tile tx="0" ty="0" sx="100000" sy="100000" flip="none" algn="tl"/>
@@ -4115,7 +4114,7 @@
       <p:sp>
         <p:nvSpPr>
           <p:cNvPr id="17" name="TextBox 387"/>
-          <p:cNvSpPr txBox="1"/>
+          <p:cNvSpPr txBox="true"/>
           <p:nvPr/>
         </p:nvSpPr>
         <p:spPr>
@@ -4167,7 +4166,7 @@
         <p:nvPicPr>
           <p:cNvPr id="4" name="图片 3"/>
           <p:cNvPicPr>
-            <a:picLocks noChangeAspect="1"/>
+            <a:picLocks noChangeAspect="true"/>
           </p:cNvPicPr>
           <p:nvPr/>
         </p:nvPicPr>
@@ -4175,7 +4174,7 @@
           <a:blip r:embed="rId2" cstate="print">
             <a:extLst>
               <a:ext uri="{28A0092B-C50C-407E-A947-70E740481C1C}">
-                <a14:useLocalDpi xmlns:a14="http://schemas.microsoft.com/office/drawing/2010/main" val="0"/>
+                <a14:useLocalDpi xmlns:a14="http://schemas.microsoft.com/office/drawing/2010/main" val="false"/>
               </a:ext>
             </a:extLst>
           </a:blip>
@@ -4277,7 +4276,7 @@
   <p:cSld>
     <p:bg>
       <p:bgPr>
-        <a:blipFill dpi="0" rotWithShape="1">
+        <a:blipFill dpi="0" rotWithShape="true">
           <a:blip r:embed="rId1"/>
           <a:srcRect/>
         </a:blipFill>
@@ -4302,7 +4301,7 @@
         <p:nvPicPr>
           <p:cNvPr id="2" name="图片 3"/>
           <p:cNvPicPr>
-            <a:picLocks noChangeAspect="1"/>
+            <a:picLocks noChangeAspect="true"/>
           </p:cNvPicPr>
           <p:nvPr/>
         </p:nvPicPr>
@@ -4310,7 +4309,7 @@
           <a:blip r:embed="rId2" cstate="print">
             <a:extLst>
               <a:ext uri="{28A0092B-C50C-407E-A947-70E740481C1C}">
-                <a14:useLocalDpi xmlns:a14="http://schemas.microsoft.com/office/drawing/2010/main" val="0"/>
+                <a14:useLocalDpi xmlns:a14="http://schemas.microsoft.com/office/drawing/2010/main" val="false"/>
               </a:ext>
             </a:extLst>
           </a:blip>
@@ -4331,7 +4330,7 @@
       <p:sp>
         <p:nvSpPr>
           <p:cNvPr id="3" name="Text Box 2"/>
-          <p:cNvSpPr txBox="1"/>
+          <p:cNvSpPr txBox="true"/>
           <p:nvPr/>
         </p:nvSpPr>
         <p:spPr>
@@ -4414,7 +4413,7 @@
       <p:sp>
         <p:nvSpPr>
           <p:cNvPr id="4" name="Text Box 3"/>
-          <p:cNvSpPr txBox="1"/>
+          <p:cNvSpPr txBox="true"/>
           <p:nvPr/>
         </p:nvSpPr>
         <p:spPr>
@@ -4490,7 +4489,7 @@
   <p:cSld>
     <p:bg>
       <p:bgPr>
-        <a:blipFill dpi="0" rotWithShape="1">
+        <a:blipFill dpi="0" rotWithShape="true">
           <a:blip r:embed="rId1"/>
           <a:srcRect/>
         </a:blipFill>
@@ -4515,7 +4514,7 @@
         <p:nvPicPr>
           <p:cNvPr id="2" name="图片 3"/>
           <p:cNvPicPr>
-            <a:picLocks noChangeAspect="1"/>
+            <a:picLocks noChangeAspect="true"/>
           </p:cNvPicPr>
           <p:nvPr/>
         </p:nvPicPr>
@@ -4523,7 +4522,7 @@
           <a:blip r:embed="rId2" cstate="print">
             <a:extLst>
               <a:ext uri="{28A0092B-C50C-407E-A947-70E740481C1C}">
-                <a14:useLocalDpi xmlns:a14="http://schemas.microsoft.com/office/drawing/2010/main" val="0"/>
+                <a14:useLocalDpi xmlns:a14="http://schemas.microsoft.com/office/drawing/2010/main" val="false"/>
               </a:ext>
             </a:extLst>
           </a:blip>
@@ -4573,7 +4572,7 @@
           </a:fontRef>
         </p:style>
         <p:txBody>
-          <a:bodyPr rot="0" spcFirstLastPara="0" vertOverflow="overflow" horzOverflow="overflow" vert="horz" wrap="square" lIns="91440" tIns="45720" rIns="91440" bIns="45720" numCol="1" spcCol="0" rtlCol="0" fromWordArt="0" anchor="ctr" anchorCtr="0" forceAA="0" compatLnSpc="1">
+          <a:bodyPr rot="0" spcFirstLastPara="0" vertOverflow="overflow" horzOverflow="overflow" vert="horz" wrap="square" lIns="91440" tIns="45720" rIns="91440" bIns="45720" numCol="1" spcCol="0" rtlCol="0" fromWordArt="false" anchor="ctr" anchorCtr="false" forceAA="false" compatLnSpc="true">
             <a:noAutofit/>
           </a:bodyPr>
           <a:p>
@@ -5124,7 +5123,7 @@
       <p:sp>
         <p:nvSpPr>
           <p:cNvPr id="4" name="Text Box 3"/>
-          <p:cNvSpPr txBox="1"/>
+          <p:cNvSpPr txBox="true"/>
           <p:nvPr/>
         </p:nvSpPr>
         <p:spPr>
@@ -5232,7 +5231,7 @@
   <p:cSld>
     <p:bg>
       <p:bgPr>
-        <a:blipFill dpi="0" rotWithShape="1">
+        <a:blipFill dpi="0" rotWithShape="true">
           <a:blip r:embed="rId1"/>
           <a:srcRect/>
         </a:blipFill>
@@ -5250,7 +5249,7 @@
         <p:nvSpPr>
           <p:cNvPr id="2" name="Title 1"/>
           <p:cNvSpPr>
-            <a:spLocks noGrp="1"/>
+            <a:spLocks noGrp="true"/>
           </p:cNvSpPr>
           <p:nvPr>
             <p:ph type="title"/>
@@ -5267,7 +5266,7 @@
       <p:sp>
         <p:nvSpPr>
           <p:cNvPr id="4" name="Text Box 3"/>
-          <p:cNvSpPr txBox="1"/>
+          <p:cNvSpPr txBox="true"/>
           <p:nvPr/>
         </p:nvSpPr>
         <p:spPr>
@@ -5404,7 +5403,7 @@
         <p:nvPicPr>
           <p:cNvPr id="7" name="图片 3"/>
           <p:cNvPicPr>
-            <a:picLocks noChangeAspect="1"/>
+            <a:picLocks noChangeAspect="true"/>
           </p:cNvPicPr>
           <p:nvPr>
             <p:ph idx="1"/>
@@ -5414,7 +5413,7 @@
           <a:blip r:embed="rId2" cstate="print">
             <a:extLst>
               <a:ext uri="{28A0092B-C50C-407E-A947-70E740481C1C}">
-                <a14:useLocalDpi xmlns:a14="http://schemas.microsoft.com/office/drawing/2010/main" val="0"/>
+                <a14:useLocalDpi xmlns:a14="http://schemas.microsoft.com/office/drawing/2010/main" val="false"/>
               </a:ext>
             </a:extLst>
           </a:blip>
@@ -5453,7 +5452,7 @@
   <p:cSld>
     <p:bg>
       <p:bgPr>
-        <a:blipFill dpi="0" rotWithShape="1">
+        <a:blipFill dpi="0" rotWithShape="true">
           <a:blip r:embed="rId1"/>
           <a:srcRect/>
         </a:blipFill>
@@ -5471,7 +5470,7 @@
         <p:nvSpPr>
           <p:cNvPr id="2" name="Title 1"/>
           <p:cNvSpPr>
-            <a:spLocks noGrp="1"/>
+            <a:spLocks noGrp="true"/>
           </p:cNvSpPr>
           <p:nvPr>
             <p:ph type="title"/>
@@ -5489,7 +5488,7 @@
         <p:nvPicPr>
           <p:cNvPr id="4" name="Content Placeholder 3"/>
           <p:cNvPicPr>
-            <a:picLocks noChangeAspect="1"/>
+            <a:picLocks noChangeAspect="true"/>
           </p:cNvPicPr>
           <p:nvPr>
             <p:ph idx="1"/>
@@ -5514,7 +5513,7 @@
       <p:sp>
         <p:nvSpPr>
           <p:cNvPr id="5" name="Text Box 4"/>
-          <p:cNvSpPr txBox="1"/>
+          <p:cNvSpPr txBox="true"/>
           <p:nvPr/>
         </p:nvSpPr>
         <p:spPr>
@@ -5548,7 +5547,7 @@
         <p:nvPicPr>
           <p:cNvPr id="6" name="Picture 5"/>
           <p:cNvPicPr>
-            <a:picLocks noChangeAspect="1"/>
+            <a:picLocks noChangeAspect="true"/>
           </p:cNvPicPr>
           <p:nvPr/>
         </p:nvPicPr>
@@ -5572,7 +5571,7 @@
         <p:nvPicPr>
           <p:cNvPr id="7" name="图片 3"/>
           <p:cNvPicPr>
-            <a:picLocks noChangeAspect="1"/>
+            <a:picLocks noChangeAspect="true"/>
           </p:cNvPicPr>
           <p:nvPr/>
         </p:nvPicPr>
@@ -5580,7 +5579,7 @@
           <a:blip r:embed="rId4" cstate="print">
             <a:extLst>
               <a:ext uri="{28A0092B-C50C-407E-A947-70E740481C1C}">
-                <a14:useLocalDpi xmlns:a14="http://schemas.microsoft.com/office/drawing/2010/main" val="0"/>
+                <a14:useLocalDpi xmlns:a14="http://schemas.microsoft.com/office/drawing/2010/main" val="false"/>
               </a:ext>
             </a:extLst>
           </a:blip>
@@ -5619,7 +5618,7 @@
   <p:cSld>
     <p:bg>
       <p:bgPr>
-        <a:blipFill dpi="0" rotWithShape="1">
+        <a:blipFill dpi="0" rotWithShape="true">
           <a:blip r:embed="rId1"/>
           <a:srcRect/>
         </a:blipFill>
@@ -5637,7 +5636,7 @@
         <p:nvSpPr>
           <p:cNvPr id="2" name="Title 1"/>
           <p:cNvSpPr>
-            <a:spLocks noGrp="1"/>
+            <a:spLocks noGrp="true"/>
           </p:cNvSpPr>
           <p:nvPr>
             <p:ph type="title"/>
@@ -5655,7 +5654,7 @@
         <p:nvPicPr>
           <p:cNvPr id="4" name="Content Placeholder 3"/>
           <p:cNvPicPr>
-            <a:picLocks noChangeAspect="1"/>
+            <a:picLocks noChangeAspect="true"/>
           </p:cNvPicPr>
           <p:nvPr>
             <p:ph idx="1"/>
@@ -5681,7 +5680,7 @@
         <p:nvPicPr>
           <p:cNvPr id="7" name="图片 3"/>
           <p:cNvPicPr>
-            <a:picLocks noChangeAspect="1"/>
+            <a:picLocks noChangeAspect="true"/>
           </p:cNvPicPr>
           <p:nvPr/>
         </p:nvPicPr>
@@ -5689,7 +5688,7 @@
           <a:blip r:embed="rId3" cstate="print">
             <a:extLst>
               <a:ext uri="{28A0092B-C50C-407E-A947-70E740481C1C}">
-                <a14:useLocalDpi xmlns:a14="http://schemas.microsoft.com/office/drawing/2010/main" val="0"/>
+                <a14:useLocalDpi xmlns:a14="http://schemas.microsoft.com/office/drawing/2010/main" val="false"/>
               </a:ext>
             </a:extLst>
           </a:blip>
@@ -5728,7 +5727,7 @@
   <p:cSld>
     <p:bg>
       <p:bgPr>
-        <a:blipFill dpi="0" rotWithShape="1">
+        <a:blipFill dpi="0" rotWithShape="true">
           <a:blip r:embed="rId1"/>
           <a:srcRect/>
         </a:blipFill>
@@ -5746,7 +5745,7 @@
         <p:nvSpPr>
           <p:cNvPr id="2" name="Title 1"/>
           <p:cNvSpPr>
-            <a:spLocks noGrp="1"/>
+            <a:spLocks noGrp="true"/>
           </p:cNvSpPr>
           <p:nvPr>
             <p:ph type="title"/>
@@ -5764,7 +5763,7 @@
         <p:nvPicPr>
           <p:cNvPr id="7" name="图片 3"/>
           <p:cNvPicPr>
-            <a:picLocks noChangeAspect="1"/>
+            <a:picLocks noChangeAspect="true"/>
           </p:cNvPicPr>
           <p:nvPr/>
         </p:nvPicPr>
@@ -5772,7 +5771,7 @@
           <a:blip r:embed="rId2" cstate="print">
             <a:extLst>
               <a:ext uri="{28A0092B-C50C-407E-A947-70E740481C1C}">
-                <a14:useLocalDpi xmlns:a14="http://schemas.microsoft.com/office/drawing/2010/main" val="0"/>
+                <a14:useLocalDpi xmlns:a14="http://schemas.microsoft.com/office/drawing/2010/main" val="false"/>
               </a:ext>
             </a:extLst>
           </a:blip>
@@ -5792,9 +5791,9 @@
       </p:pic>
       <p:pic>
         <p:nvPicPr>
-          <p:cNvPr id="5" name="Content Placeholder 4"/>
+          <p:cNvPr id="9" name="内容占位符 8" descr="2020-11-12 08-27-56 的屏幕截图"/>
           <p:cNvPicPr>
-            <a:picLocks noChangeAspect="1"/>
+            <a:picLocks noChangeAspect="true"/>
           </p:cNvPicPr>
           <p:nvPr>
             <p:ph idx="1"/>
@@ -5808,32 +5807,8 @@
         </p:blipFill>
         <p:spPr>
           <a:xfrm>
-            <a:off x="628650" y="1394460"/>
-            <a:ext cx="3208020" cy="2354580"/>
-          </a:xfrm>
-          <a:prstGeom prst="rect">
-            <a:avLst/>
-          </a:prstGeom>
-        </p:spPr>
-      </p:pic>
-      <p:pic>
-        <p:nvPicPr>
-          <p:cNvPr id="6" name="Picture 5"/>
-          <p:cNvPicPr>
-            <a:picLocks noChangeAspect="1"/>
-          </p:cNvPicPr>
-          <p:nvPr/>
-        </p:nvPicPr>
-        <p:blipFill>
-          <a:blip r:embed="rId4"/>
-          <a:stretch>
-            <a:fillRect/>
-          </a:stretch>
-        </p:blipFill>
-        <p:spPr>
-          <a:xfrm>
-            <a:off x="4904105" y="1409700"/>
-            <a:ext cx="3246120" cy="2339340"/>
+            <a:off x="1066165" y="1585595"/>
+            <a:ext cx="6782435" cy="2367915"/>
           </a:xfrm>
           <a:prstGeom prst="rect">
             <a:avLst/>
@@ -5859,6 +5834,15 @@
 <file path=ppt/slides/slide16.xml><?xml version="1.0" encoding="utf-8"?>
 <p:sld xmlns:a="http://schemas.openxmlformats.org/drawingml/2006/main" xmlns:r="http://schemas.openxmlformats.org/officeDocument/2006/relationships" xmlns:p="http://schemas.openxmlformats.org/presentationml/2006/main">
   <p:cSld>
+    <p:bg>
+      <p:bgPr>
+        <a:blipFill dpi="0" rotWithShape="true">
+          <a:blip r:embed="rId1"/>
+          <a:srcRect/>
+        </a:blipFill>
+        <a:effectLst/>
+      </p:bgPr>
+    </p:bg>
     <p:spTree>
       <p:nvGrpSpPr>
         <p:cNvPr id="1" name=""/>
@@ -5870,7 +5854,7 @@
         <p:nvSpPr>
           <p:cNvPr id="2" name="Title 1"/>
           <p:cNvSpPr>
-            <a:spLocks noGrp="1"/>
+            <a:spLocks noGrp="true"/>
           </p:cNvSpPr>
           <p:nvPr>
             <p:ph type="title"/>
@@ -5884,11 +5868,220 @@
           </a:p>
         </p:txBody>
       </p:sp>
+      <p:pic>
+        <p:nvPicPr>
+          <p:cNvPr id="7" name="图片 3"/>
+          <p:cNvPicPr>
+            <a:picLocks noChangeAspect="true"/>
+          </p:cNvPicPr>
+          <p:nvPr/>
+        </p:nvPicPr>
+        <p:blipFill>
+          <a:blip r:embed="rId2" cstate="print">
+            <a:extLst>
+              <a:ext uri="{28A0092B-C50C-407E-A947-70E740481C1C}">
+                <a14:useLocalDpi xmlns:a14="http://schemas.microsoft.com/office/drawing/2010/main" val="false"/>
+              </a:ext>
+            </a:extLst>
+          </a:blip>
+          <a:stretch>
+            <a:fillRect/>
+          </a:stretch>
+        </p:blipFill>
+        <p:spPr>
+          <a:xfrm>
+            <a:off x="7600315" y="100330"/>
+            <a:ext cx="1467485" cy="490220"/>
+          </a:xfrm>
+          <a:prstGeom prst="rect">
+            <a:avLst/>
+          </a:prstGeom>
+        </p:spPr>
+      </p:pic>
+      <p:pic>
+        <p:nvPicPr>
+          <p:cNvPr id="4" name="内容占位符 3" descr="2020-11-12 08-28-09 的屏幕截图"/>
+          <p:cNvPicPr>
+            <a:picLocks noChangeAspect="true"/>
+          </p:cNvPicPr>
+          <p:nvPr>
+            <p:ph idx="1"/>
+          </p:nvPr>
+        </p:nvPicPr>
+        <p:blipFill>
+          <a:blip r:embed="rId3"/>
+          <a:stretch>
+            <a:fillRect/>
+          </a:stretch>
+        </p:blipFill>
+        <p:spPr>
+          <a:xfrm>
+            <a:off x="943610" y="1638935"/>
+            <a:ext cx="6784340" cy="2408555"/>
+          </a:xfrm>
+          <a:prstGeom prst="rect">
+            <a:avLst/>
+          </a:prstGeom>
+        </p:spPr>
+      </p:pic>
+    </p:spTree>
+  </p:cSld>
+  <p:clrMapOvr>
+    <a:masterClrMapping/>
+  </p:clrMapOvr>
+  <mc:AlternateContent xmlns:mc="http://schemas.openxmlformats.org/markup-compatibility/2006">
+    <mc:Choice xmlns:p14="http://schemas.microsoft.com/office/powerpoint/2010/main" Requires="p14">
+      <p:transition spd="slow" p14:dur="2000" advTm="3000"/>
+    </mc:Choice>
+    <mc:Fallback>
+      <p:transition spd="slow" advTm="3000"/>
+    </mc:Fallback>
+  </mc:AlternateContent>
+</p:sld>
+</file>
+
+<file path=ppt/slides/slide17.xml><?xml version="1.0" encoding="utf-8"?>
+<p:sld xmlns:a="http://schemas.openxmlformats.org/drawingml/2006/main" xmlns:r="http://schemas.openxmlformats.org/officeDocument/2006/relationships" xmlns:p="http://schemas.openxmlformats.org/presentationml/2006/main">
+  <p:cSld>
+    <p:bg>
+      <p:bgPr>
+        <a:blipFill dpi="0" rotWithShape="true">
+          <a:blip r:embed="rId1"/>
+          <a:srcRect/>
+        </a:blipFill>
+        <a:effectLst/>
+      </p:bgPr>
+    </p:bg>
+    <p:spTree>
+      <p:nvGrpSpPr>
+        <p:cNvPr id="1" name=""/>
+        <p:cNvGrpSpPr/>
+        <p:nvPr/>
+      </p:nvGrpSpPr>
+      <p:grpSpPr/>
+      <p:sp>
+        <p:nvSpPr>
+          <p:cNvPr id="2" name="Title 1"/>
+          <p:cNvSpPr>
+            <a:spLocks noGrp="true"/>
+          </p:cNvSpPr>
+          <p:nvPr>
+            <p:ph type="title"/>
+          </p:nvPr>
+        </p:nvSpPr>
+        <p:spPr/>
+        <p:txBody>
+          <a:bodyPr/>
+          <a:p>
+            <a:endParaRPr lang="en-US"/>
+          </a:p>
+        </p:txBody>
+      </p:sp>
+      <p:pic>
+        <p:nvPicPr>
+          <p:cNvPr id="7" name="图片 3"/>
+          <p:cNvPicPr>
+            <a:picLocks noChangeAspect="true"/>
+          </p:cNvPicPr>
+          <p:nvPr/>
+        </p:nvPicPr>
+        <p:blipFill>
+          <a:blip r:embed="rId2" cstate="print">
+            <a:extLst>
+              <a:ext uri="{28A0092B-C50C-407E-A947-70E740481C1C}">
+                <a14:useLocalDpi xmlns:a14="http://schemas.microsoft.com/office/drawing/2010/main" val="false"/>
+              </a:ext>
+            </a:extLst>
+          </a:blip>
+          <a:stretch>
+            <a:fillRect/>
+          </a:stretch>
+        </p:blipFill>
+        <p:spPr>
+          <a:xfrm>
+            <a:off x="7600315" y="100330"/>
+            <a:ext cx="1467485" cy="490220"/>
+          </a:xfrm>
+          <a:prstGeom prst="rect">
+            <a:avLst/>
+          </a:prstGeom>
+        </p:spPr>
+      </p:pic>
+      <p:pic>
+        <p:nvPicPr>
+          <p:cNvPr id="4" name="内容占位符 3" descr="2020-11-12 08-27-24 的屏幕截图"/>
+          <p:cNvPicPr>
+            <a:picLocks noChangeAspect="true"/>
+          </p:cNvPicPr>
+          <p:nvPr>
+            <p:ph idx="1"/>
+          </p:nvPr>
+        </p:nvPicPr>
+        <p:blipFill>
+          <a:blip r:embed="rId3"/>
+          <a:stretch>
+            <a:fillRect/>
+          </a:stretch>
+        </p:blipFill>
+        <p:spPr>
+          <a:xfrm>
+            <a:off x="1050925" y="1774825"/>
+            <a:ext cx="6603365" cy="2305685"/>
+          </a:xfrm>
+          <a:prstGeom prst="rect">
+            <a:avLst/>
+          </a:prstGeom>
+        </p:spPr>
+      </p:pic>
+    </p:spTree>
+  </p:cSld>
+  <p:clrMapOvr>
+    <a:masterClrMapping/>
+  </p:clrMapOvr>
+  <mc:AlternateContent xmlns:mc="http://schemas.openxmlformats.org/markup-compatibility/2006">
+    <mc:Choice xmlns:p14="http://schemas.microsoft.com/office/powerpoint/2010/main" Requires="p14">
+      <p:transition spd="slow" p14:dur="2000" advTm="3000"/>
+    </mc:Choice>
+    <mc:Fallback>
+      <p:transition spd="slow" advTm="3000"/>
+    </mc:Fallback>
+  </mc:AlternateContent>
+</p:sld>
+</file>
+
+<file path=ppt/slides/slide18.xml><?xml version="1.0" encoding="utf-8"?>
+<p:sld xmlns:a="http://schemas.openxmlformats.org/drawingml/2006/main" xmlns:r="http://schemas.openxmlformats.org/officeDocument/2006/relationships" xmlns:p="http://schemas.openxmlformats.org/presentationml/2006/main">
+  <p:cSld>
+    <p:spTree>
+      <p:nvGrpSpPr>
+        <p:cNvPr id="1" name=""/>
+        <p:cNvGrpSpPr/>
+        <p:nvPr/>
+      </p:nvGrpSpPr>
+      <p:grpSpPr/>
+      <p:sp>
+        <p:nvSpPr>
+          <p:cNvPr id="2" name="Title 1"/>
+          <p:cNvSpPr>
+            <a:spLocks noGrp="true"/>
+          </p:cNvSpPr>
+          <p:nvPr>
+            <p:ph type="title"/>
+          </p:nvPr>
+        </p:nvSpPr>
+        <p:spPr/>
+        <p:txBody>
+          <a:bodyPr/>
+          <a:p>
+            <a:endParaRPr lang="en-US"/>
+          </a:p>
+        </p:txBody>
+      </p:sp>
       <p:sp>
         <p:nvSpPr>
           <p:cNvPr id="3" name="Content Placeholder 2"/>
           <p:cNvSpPr>
-            <a:spLocks noGrp="1"/>
+            <a:spLocks noGrp="true"/>
           </p:cNvSpPr>
           <p:nvPr>
             <p:ph idx="1"/>
@@ -5923,7 +6116,7 @@
   <p:cSld>
     <p:bg>
       <p:bgPr>
-        <a:blipFill dpi="0" rotWithShape="1">
+        <a:blipFill dpi="0" rotWithShape="true">
           <a:blip r:embed="rId1"/>
           <a:srcRect/>
           <a:tile tx="0" ty="0" sx="100000" sy="100000" flip="none" algn="tl"/>
@@ -5949,7 +6142,7 @@
         <p:nvPicPr>
           <p:cNvPr id="4" name="图片 3"/>
           <p:cNvPicPr>
-            <a:picLocks noChangeAspect="1"/>
+            <a:picLocks noChangeAspect="true"/>
           </p:cNvPicPr>
           <p:nvPr/>
         </p:nvPicPr>
@@ -5957,7 +6150,7 @@
           <a:blip r:embed="rId2" cstate="print">
             <a:extLst>
               <a:ext uri="{28A0092B-C50C-407E-A947-70E740481C1C}">
-                <a14:useLocalDpi xmlns:a14="http://schemas.microsoft.com/office/drawing/2010/main" val="0"/>
+                <a14:useLocalDpi xmlns:a14="http://schemas.microsoft.com/office/drawing/2010/main" val="false"/>
               </a:ext>
             </a:extLst>
           </a:blip>
@@ -5978,7 +6171,7 @@
       <p:sp>
         <p:nvSpPr>
           <p:cNvPr id="3" name="Text Box 2"/>
-          <p:cNvSpPr txBox="1"/>
+          <p:cNvSpPr txBox="true"/>
           <p:nvPr/>
         </p:nvSpPr>
         <p:spPr>
@@ -6061,7 +6254,7 @@
       <p:sp>
         <p:nvSpPr>
           <p:cNvPr id="5" name="Text Box 4"/>
-          <p:cNvSpPr txBox="1"/>
+          <p:cNvSpPr txBox="true"/>
           <p:nvPr/>
         </p:nvSpPr>
         <p:spPr>
@@ -6184,7 +6377,7 @@
       <p:sp>
         <p:nvSpPr>
           <p:cNvPr id="9" name="Text Box 8"/>
-          <p:cNvSpPr txBox="1"/>
+          <p:cNvSpPr txBox="true"/>
           <p:nvPr/>
         </p:nvSpPr>
         <p:spPr>
@@ -6213,7 +6406,7 @@
       <p:sp>
         <p:nvSpPr>
           <p:cNvPr id="10" name="Text Box 9"/>
-          <p:cNvSpPr txBox="1"/>
+          <p:cNvSpPr txBox="true"/>
           <p:nvPr/>
         </p:nvSpPr>
         <p:spPr>
@@ -6246,7 +6439,7 @@
           <p:nvPr/>
         </p:nvCxnSpPr>
         <p:spPr>
-          <a:xfrm flipV="1">
+          <a:xfrm flipV="true">
             <a:off x="6214110" y="2905760"/>
             <a:ext cx="1932305" cy="15240"/>
           </a:xfrm>
@@ -6277,7 +6470,7 @@
       <p:sp>
         <p:nvSpPr>
           <p:cNvPr id="12" name="Text Box 11"/>
-          <p:cNvSpPr txBox="1"/>
+          <p:cNvSpPr txBox="true"/>
           <p:nvPr/>
         </p:nvSpPr>
         <p:spPr>
@@ -6306,7 +6499,7 @@
       <p:sp>
         <p:nvSpPr>
           <p:cNvPr id="13" name="Text Box 12"/>
-          <p:cNvSpPr txBox="1"/>
+          <p:cNvSpPr txBox="true"/>
           <p:nvPr/>
         </p:nvSpPr>
         <p:spPr>
@@ -6335,7 +6528,7 @@
       <p:sp>
         <p:nvSpPr>
           <p:cNvPr id="14" name="Text Box 13"/>
-          <p:cNvSpPr txBox="1"/>
+          <p:cNvSpPr txBox="true"/>
           <p:nvPr/>
         </p:nvSpPr>
         <p:spPr>
@@ -6364,7 +6557,7 @@
       <p:sp>
         <p:nvSpPr>
           <p:cNvPr id="16" name="Text Box 15"/>
-          <p:cNvSpPr txBox="1"/>
+          <p:cNvSpPr txBox="true"/>
           <p:nvPr/>
         </p:nvSpPr>
         <p:spPr>
@@ -6418,7 +6611,7 @@
   <p:cSld>
     <p:bg>
       <p:bgPr>
-        <a:blipFill dpi="0" rotWithShape="1">
+        <a:blipFill dpi="0" rotWithShape="true">
           <a:blip r:embed="rId1"/>
           <a:srcRect/>
           <a:tile tx="0" ty="0" sx="100000" sy="100000" flip="none" algn="tl"/>
@@ -6444,7 +6637,7 @@
         <p:nvPicPr>
           <p:cNvPr id="4" name="图片 3"/>
           <p:cNvPicPr>
-            <a:picLocks noChangeAspect="1"/>
+            <a:picLocks noChangeAspect="true"/>
           </p:cNvPicPr>
           <p:nvPr/>
         </p:nvPicPr>
@@ -6452,7 +6645,7 @@
           <a:blip r:embed="rId2" cstate="print">
             <a:extLst>
               <a:ext uri="{28A0092B-C50C-407E-A947-70E740481C1C}">
-                <a14:useLocalDpi xmlns:a14="http://schemas.microsoft.com/office/drawing/2010/main" val="0"/>
+                <a14:useLocalDpi xmlns:a14="http://schemas.microsoft.com/office/drawing/2010/main" val="false"/>
               </a:ext>
             </a:extLst>
           </a:blip>
@@ -6473,7 +6666,7 @@
       <p:sp>
         <p:nvSpPr>
           <p:cNvPr id="3" name="Text Box 2"/>
-          <p:cNvSpPr txBox="1"/>
+          <p:cNvSpPr txBox="true"/>
           <p:nvPr/>
         </p:nvSpPr>
         <p:spPr>
@@ -6556,7 +6749,7 @@
       <p:sp>
         <p:nvSpPr>
           <p:cNvPr id="2" name="Text Box 1"/>
-          <p:cNvSpPr txBox="1"/>
+          <p:cNvSpPr txBox="true"/>
           <p:nvPr/>
         </p:nvSpPr>
         <p:spPr>
@@ -6839,7 +7032,7 @@
   <p:cSld>
     <p:bg>
       <p:bgPr>
-        <a:blipFill dpi="0" rotWithShape="1">
+        <a:blipFill dpi="0" rotWithShape="true">
           <a:blip r:embed="rId1"/>
           <a:srcRect/>
           <a:tile tx="0" ty="0" sx="100000" sy="100000" flip="none" algn="tl"/>
@@ -6865,7 +7058,7 @@
         <p:nvPicPr>
           <p:cNvPr id="4" name="图片 3"/>
           <p:cNvPicPr>
-            <a:picLocks noChangeAspect="1"/>
+            <a:picLocks noChangeAspect="true"/>
           </p:cNvPicPr>
           <p:nvPr/>
         </p:nvPicPr>
@@ -6873,7 +7066,7 @@
           <a:blip r:embed="rId2" cstate="print">
             <a:extLst>
               <a:ext uri="{28A0092B-C50C-407E-A947-70E740481C1C}">
-                <a14:useLocalDpi xmlns:a14="http://schemas.microsoft.com/office/drawing/2010/main" val="0"/>
+                <a14:useLocalDpi xmlns:a14="http://schemas.microsoft.com/office/drawing/2010/main" val="false"/>
               </a:ext>
             </a:extLst>
           </a:blip>
@@ -6894,7 +7087,7 @@
       <p:sp>
         <p:nvSpPr>
           <p:cNvPr id="3" name="Text Box 2"/>
-          <p:cNvSpPr txBox="1"/>
+          <p:cNvSpPr txBox="true"/>
           <p:nvPr/>
         </p:nvSpPr>
         <p:spPr>
@@ -6977,7 +7170,7 @@
       <p:sp>
         <p:nvSpPr>
           <p:cNvPr id="2" name="Text Box 1"/>
-          <p:cNvSpPr txBox="1"/>
+          <p:cNvSpPr txBox="true"/>
           <p:nvPr/>
         </p:nvSpPr>
         <p:spPr>
@@ -7235,7 +7428,7 @@
       <p:sp>
         <p:nvSpPr>
           <p:cNvPr id="5" name="Text Box 4"/>
-          <p:cNvSpPr txBox="1"/>
+          <p:cNvSpPr txBox="true"/>
           <p:nvPr/>
         </p:nvSpPr>
         <p:spPr>
@@ -7577,7 +7770,7 @@
   <p:cSld>
     <p:bg>
       <p:bgPr>
-        <a:blipFill dpi="0" rotWithShape="1">
+        <a:blipFill dpi="0" rotWithShape="true">
           <a:blip r:embed="rId1"/>
           <a:srcRect/>
           <a:tile tx="0" ty="0" sx="100000" sy="100000" flip="none" algn="tl"/>
@@ -7603,7 +7796,7 @@
         <p:nvPicPr>
           <p:cNvPr id="4" name="图片 3"/>
           <p:cNvPicPr>
-            <a:picLocks noChangeAspect="1"/>
+            <a:picLocks noChangeAspect="true"/>
           </p:cNvPicPr>
           <p:nvPr/>
         </p:nvPicPr>
@@ -7611,7 +7804,7 @@
           <a:blip r:embed="rId2" cstate="print">
             <a:extLst>
               <a:ext uri="{28A0092B-C50C-407E-A947-70E740481C1C}">
-                <a14:useLocalDpi xmlns:a14="http://schemas.microsoft.com/office/drawing/2010/main" val="0"/>
+                <a14:useLocalDpi xmlns:a14="http://schemas.microsoft.com/office/drawing/2010/main" val="false"/>
               </a:ext>
             </a:extLst>
           </a:blip>
@@ -7632,7 +7825,7 @@
       <p:sp>
         <p:nvSpPr>
           <p:cNvPr id="3" name="Text Box 2"/>
-          <p:cNvSpPr txBox="1"/>
+          <p:cNvSpPr txBox="true"/>
           <p:nvPr/>
         </p:nvSpPr>
         <p:spPr>
@@ -7716,7 +7909,7 @@
         <p:nvPicPr>
           <p:cNvPr id="6" name="Picture 5"/>
           <p:cNvPicPr>
-            <a:picLocks noChangeAspect="1"/>
+            <a:picLocks noChangeAspect="true"/>
           </p:cNvPicPr>
           <p:nvPr/>
         </p:nvPicPr>
@@ -7739,7 +7932,7 @@
       <p:sp>
         <p:nvSpPr>
           <p:cNvPr id="7" name="Text Box 6"/>
-          <p:cNvSpPr txBox="1"/>
+          <p:cNvSpPr txBox="true"/>
           <p:nvPr/>
         </p:nvSpPr>
         <p:spPr>
@@ -7875,7 +8068,7 @@
   <p:cSld>
     <p:bg>
       <p:bgPr>
-        <a:blipFill dpi="0" rotWithShape="1">
+        <a:blipFill dpi="0" rotWithShape="true">
           <a:blip r:embed="rId1"/>
           <a:srcRect/>
         </a:blipFill>
@@ -7900,7 +8093,7 @@
         <p:nvPicPr>
           <p:cNvPr id="2" name="图片 3"/>
           <p:cNvPicPr>
-            <a:picLocks noChangeAspect="1"/>
+            <a:picLocks noChangeAspect="true"/>
           </p:cNvPicPr>
           <p:nvPr/>
         </p:nvPicPr>
@@ -7908,7 +8101,7 @@
           <a:blip r:embed="rId2" cstate="print">
             <a:extLst>
               <a:ext uri="{28A0092B-C50C-407E-A947-70E740481C1C}">
-                <a14:useLocalDpi xmlns:a14="http://schemas.microsoft.com/office/drawing/2010/main" val="0"/>
+                <a14:useLocalDpi xmlns:a14="http://schemas.microsoft.com/office/drawing/2010/main" val="false"/>
               </a:ext>
             </a:extLst>
           </a:blip>
@@ -7929,7 +8122,7 @@
       <p:sp>
         <p:nvSpPr>
           <p:cNvPr id="3" name="Text Box 2"/>
-          <p:cNvSpPr txBox="1"/>
+          <p:cNvSpPr txBox="true"/>
           <p:nvPr/>
         </p:nvSpPr>
         <p:spPr>
@@ -8056,7 +8249,7 @@
           </a:fontRef>
         </p:style>
         <p:txBody>
-          <a:bodyPr rot="0" spcFirstLastPara="0" vertOverflow="overflow" horzOverflow="overflow" vert="horz" wrap="square" lIns="91440" tIns="45720" rIns="91440" bIns="45720" numCol="1" spcCol="0" rtlCol="0" fromWordArt="0" anchor="ctr" anchorCtr="0" forceAA="0" compatLnSpc="1">
+          <a:bodyPr rot="0" spcFirstLastPara="0" vertOverflow="overflow" horzOverflow="overflow" vert="horz" wrap="square" lIns="91440" tIns="45720" rIns="91440" bIns="45720" numCol="1" spcCol="0" rtlCol="0" fromWordArt="false" anchor="ctr" anchorCtr="false" forceAA="false" compatLnSpc="true">
             <a:noAutofit/>
           </a:bodyPr>
           <a:p>
@@ -8109,7 +8302,7 @@
       <p:sp>
         <p:nvSpPr>
           <p:cNvPr id="8" name="Text Box 7"/>
-          <p:cNvSpPr txBox="1"/>
+          <p:cNvSpPr txBox="true"/>
           <p:nvPr/>
         </p:nvSpPr>
         <p:spPr>
@@ -8182,7 +8375,7 @@
           </a:fontRef>
         </p:style>
         <p:txBody>
-          <a:bodyPr rot="0" spcFirstLastPara="0" vertOverflow="overflow" horzOverflow="overflow" vert="horz" wrap="square" lIns="91440" tIns="45720" rIns="91440" bIns="45720" numCol="1" spcCol="0" rtlCol="0" fromWordArt="0" anchor="ctr" anchorCtr="0" forceAA="0" compatLnSpc="1">
+          <a:bodyPr rot="0" spcFirstLastPara="0" vertOverflow="overflow" horzOverflow="overflow" vert="horz" wrap="square" lIns="91440" tIns="45720" rIns="91440" bIns="45720" numCol="1" spcCol="0" rtlCol="0" fromWordArt="false" anchor="ctr" anchorCtr="false" forceAA="false" compatLnSpc="true">
             <a:noAutofit/>
           </a:bodyPr>
           <a:p>
@@ -8235,7 +8428,7 @@
       <p:sp>
         <p:nvSpPr>
           <p:cNvPr id="11" name="Text Box 10"/>
-          <p:cNvSpPr txBox="1"/>
+          <p:cNvSpPr txBox="true"/>
           <p:nvPr/>
         </p:nvSpPr>
         <p:spPr>
@@ -8308,7 +8501,7 @@
           </a:fontRef>
         </p:style>
         <p:txBody>
-          <a:bodyPr rot="0" spcFirstLastPara="0" vertOverflow="overflow" horzOverflow="overflow" vert="horz" wrap="square" lIns="91440" tIns="45720" rIns="91440" bIns="45720" numCol="1" spcCol="0" rtlCol="0" fromWordArt="0" anchor="ctr" anchorCtr="0" forceAA="0" compatLnSpc="1">
+          <a:bodyPr rot="0" spcFirstLastPara="0" vertOverflow="overflow" horzOverflow="overflow" vert="horz" wrap="square" lIns="91440" tIns="45720" rIns="91440" bIns="45720" numCol="1" spcCol="0" rtlCol="0" fromWordArt="false" anchor="ctr" anchorCtr="false" forceAA="false" compatLnSpc="true">
             <a:noAutofit/>
           </a:bodyPr>
           <a:p>
@@ -8361,7 +8554,7 @@
       <p:sp>
         <p:nvSpPr>
           <p:cNvPr id="17" name="Text Box 16"/>
-          <p:cNvSpPr txBox="1"/>
+          <p:cNvSpPr txBox="true"/>
           <p:nvPr/>
         </p:nvSpPr>
         <p:spPr>
@@ -8434,7 +8627,7 @@
           </a:fontRef>
         </p:style>
         <p:txBody>
-          <a:bodyPr rot="0" spcFirstLastPara="0" vertOverflow="overflow" horzOverflow="overflow" vert="horz" wrap="square" lIns="91440" tIns="45720" rIns="91440" bIns="45720" numCol="1" spcCol="0" rtlCol="0" fromWordArt="0" anchor="ctr" anchorCtr="0" forceAA="0" compatLnSpc="1">
+          <a:bodyPr rot="0" spcFirstLastPara="0" vertOverflow="overflow" horzOverflow="overflow" vert="horz" wrap="square" lIns="91440" tIns="45720" rIns="91440" bIns="45720" numCol="1" spcCol="0" rtlCol="0" fromWordArt="false" anchor="ctr" anchorCtr="false" forceAA="false" compatLnSpc="true">
             <a:noAutofit/>
           </a:bodyPr>
           <a:p>
@@ -8487,7 +8680,7 @@
       <p:sp>
         <p:nvSpPr>
           <p:cNvPr id="23" name="Text Box 22"/>
-          <p:cNvSpPr txBox="1"/>
+          <p:cNvSpPr txBox="true"/>
           <p:nvPr/>
         </p:nvSpPr>
         <p:spPr>
@@ -8541,7 +8734,7 @@
   <p:cSld>
     <p:bg>
       <p:bgPr>
-        <a:blipFill dpi="0" rotWithShape="1">
+        <a:blipFill dpi="0" rotWithShape="true">
           <a:blip r:embed="rId1"/>
           <a:srcRect/>
         </a:blipFill>
@@ -8566,7 +8759,7 @@
         <p:nvPicPr>
           <p:cNvPr id="42" name="图片 3"/>
           <p:cNvPicPr>
-            <a:picLocks noChangeAspect="1"/>
+            <a:picLocks noChangeAspect="true"/>
           </p:cNvPicPr>
           <p:nvPr/>
         </p:nvPicPr>
@@ -8574,7 +8767,7 @@
           <a:blip r:embed="rId2" cstate="print">
             <a:extLst>
               <a:ext uri="{28A0092B-C50C-407E-A947-70E740481C1C}">
-                <a14:useLocalDpi xmlns:a14="http://schemas.microsoft.com/office/drawing/2010/main" val="0"/>
+                <a14:useLocalDpi xmlns:a14="http://schemas.microsoft.com/office/drawing/2010/main" val="false"/>
               </a:ext>
             </a:extLst>
           </a:blip>
@@ -8596,7 +8789,7 @@
         <p:nvPicPr>
           <p:cNvPr id="43" name="Picture 42"/>
           <p:cNvPicPr>
-            <a:picLocks noChangeAspect="1"/>
+            <a:picLocks noChangeAspect="true"/>
           </p:cNvPicPr>
           <p:nvPr/>
         </p:nvPicPr>
@@ -8644,7 +8837,7 @@
   <p:cSld>
     <p:bg>
       <p:bgPr>
-        <a:blipFill dpi="0" rotWithShape="1">
+        <a:blipFill dpi="0" rotWithShape="true">
           <a:blip r:embed="rId1"/>
           <a:srcRect/>
         </a:blipFill>
@@ -8669,7 +8862,7 @@
         <p:nvPicPr>
           <p:cNvPr id="2" name="图片 3"/>
           <p:cNvPicPr>
-            <a:picLocks noChangeAspect="1"/>
+            <a:picLocks noChangeAspect="true"/>
           </p:cNvPicPr>
           <p:nvPr/>
         </p:nvPicPr>
@@ -8677,7 +8870,7 @@
           <a:blip r:embed="rId2" cstate="print">
             <a:extLst>
               <a:ext uri="{28A0092B-C50C-407E-A947-70E740481C1C}">
-                <a14:useLocalDpi xmlns:a14="http://schemas.microsoft.com/office/drawing/2010/main" val="0"/>
+                <a14:useLocalDpi xmlns:a14="http://schemas.microsoft.com/office/drawing/2010/main" val="false"/>
               </a:ext>
             </a:extLst>
           </a:blip>
@@ -8698,7 +8891,7 @@
       <p:sp>
         <p:nvSpPr>
           <p:cNvPr id="3" name="Text Box 2"/>
-          <p:cNvSpPr txBox="1"/>
+          <p:cNvSpPr txBox="true"/>
           <p:nvPr/>
         </p:nvSpPr>
         <p:spPr>
@@ -8820,7 +9013,7 @@
       <p:sp>
         <p:nvSpPr>
           <p:cNvPr id="6" name="Text Box 5"/>
-          <p:cNvSpPr txBox="1"/>
+          <p:cNvSpPr txBox="true"/>
           <p:nvPr/>
         </p:nvSpPr>
         <p:spPr>
@@ -8850,7 +9043,7 @@
         <p:nvPicPr>
           <p:cNvPr id="18" name="Picture 17"/>
           <p:cNvPicPr>
-            <a:picLocks noChangeAspect="1"/>
+            <a:picLocks noChangeAspect="true"/>
           </p:cNvPicPr>
           <p:nvPr/>
         </p:nvPicPr>
@@ -8898,7 +9091,7 @@
   <p:cSld>
     <p:bg>
       <p:bgPr>
-        <a:blipFill dpi="0" rotWithShape="1">
+        <a:blipFill dpi="0" rotWithShape="true">
           <a:blip r:embed="rId1"/>
           <a:srcRect/>
         </a:blipFill>
@@ -8923,7 +9116,7 @@
         <p:nvPicPr>
           <p:cNvPr id="2" name="图片 3"/>
           <p:cNvPicPr>
-            <a:picLocks noChangeAspect="1"/>
+            <a:picLocks noChangeAspect="true"/>
           </p:cNvPicPr>
           <p:nvPr/>
         </p:nvPicPr>
@@ -8931,7 +9124,7 @@
           <a:blip r:embed="rId2" cstate="print">
             <a:extLst>
               <a:ext uri="{28A0092B-C50C-407E-A947-70E740481C1C}">
-                <a14:useLocalDpi xmlns:a14="http://schemas.microsoft.com/office/drawing/2010/main" val="0"/>
+                <a14:useLocalDpi xmlns:a14="http://schemas.microsoft.com/office/drawing/2010/main" val="false"/>
               </a:ext>
             </a:extLst>
           </a:blip>
@@ -8952,7 +9145,7 @@
       <p:sp>
         <p:nvSpPr>
           <p:cNvPr id="3" name="Text Box 2"/>
-          <p:cNvSpPr txBox="1"/>
+          <p:cNvSpPr txBox="true"/>
           <p:nvPr/>
         </p:nvSpPr>
         <p:spPr>
@@ -9074,7 +9267,7 @@
       <p:sp>
         <p:nvSpPr>
           <p:cNvPr id="6" name="Text Box 5"/>
-          <p:cNvSpPr txBox="1"/>
+          <p:cNvSpPr txBox="true"/>
           <p:nvPr/>
         </p:nvSpPr>
         <p:spPr>
@@ -9104,7 +9297,7 @@
         <p:nvPicPr>
           <p:cNvPr id="18" name="Picture 17"/>
           <p:cNvPicPr>
-            <a:picLocks noChangeAspect="1"/>
+            <a:picLocks noChangeAspect="true"/>
           </p:cNvPicPr>
           <p:nvPr/>
         </p:nvPicPr>
@@ -9166,7 +9359,7 @@
       <p:sp>
         <p:nvSpPr>
           <p:cNvPr id="22" name="Text Box 21"/>
-          <p:cNvSpPr txBox="1"/>
+          <p:cNvSpPr txBox="true"/>
           <p:nvPr/>
         </p:nvSpPr>
         <p:spPr>
@@ -9196,7 +9389,7 @@
         <p:nvPicPr>
           <p:cNvPr id="23" name="Picture 22"/>
           <p:cNvPicPr>
-            <a:picLocks noChangeAspect="1"/>
+            <a:picLocks noChangeAspect="true"/>
           </p:cNvPicPr>
           <p:nvPr/>
         </p:nvPicPr>
@@ -9237,12 +9430,6 @@
     </p:tnLst>
   </p:timing>
 </p:sld>
-</file>
-
-<file path=ppt/tags/tag1.xml><?xml version="1.0" encoding="utf-8"?>
-<p:tagLst xmlns:p="http://schemas.openxmlformats.org/presentationml/2006/main">
-  <p:tag name="ISPRING_PRESENTATION_TITLE" val="33257"/>
-</p:tagLst>
 </file>
 
 <file path=ppt/theme/theme1.xml><?xml version="1.0" encoding="utf-8"?>
@@ -9303,7 +9490,7 @@
         <a:solidFill>
           <a:schemeClr val="phClr"/>
         </a:solidFill>
-        <a:gradFill rotWithShape="1">
+        <a:gradFill rotWithShape="true">
           <a:gsLst>
             <a:gs pos="0">
               <a:schemeClr val="phClr">
@@ -9327,9 +9514,9 @@
               </a:schemeClr>
             </a:gs>
           </a:gsLst>
-          <a:lin ang="5400000" scaled="0"/>
+          <a:lin ang="5400000" scaled="false"/>
         </a:gradFill>
-        <a:gradFill rotWithShape="1">
+        <a:gradFill rotWithShape="true">
           <a:gsLst>
             <a:gs pos="0">
               <a:schemeClr val="phClr">
@@ -9353,7 +9540,7 @@
               </a:schemeClr>
             </a:gs>
           </a:gsLst>
-          <a:lin ang="5400000" scaled="0"/>
+          <a:lin ang="5400000" scaled="false"/>
         </a:gradFill>
       </a:fillStyleLst>
       <a:lnStyleLst>
@@ -9406,7 +9593,7 @@
             <a:satMod val="170000"/>
           </a:schemeClr>
         </a:solidFill>
-        <a:gradFill rotWithShape="1">
+        <a:gradFill rotWithShape="true">
           <a:gsLst>
             <a:gs pos="0">
               <a:schemeClr val="phClr">
@@ -9431,7 +9618,7 @@
               </a:schemeClr>
             </a:gs>
           </a:gsLst>
-          <a:lin ang="5400000" scaled="0"/>
+          <a:lin ang="5400000" scaled="false"/>
         </a:gradFill>
       </a:bgFillStyleLst>
     </a:fmtScheme>
@@ -9562,7 +9749,7 @@
         <a:solidFill>
           <a:schemeClr val="phClr"/>
         </a:solidFill>
-        <a:gradFill rotWithShape="1">
+        <a:gradFill rotWithShape="true">
           <a:gsLst>
             <a:gs pos="0">
               <a:schemeClr val="phClr">
@@ -9586,9 +9773,9 @@
               </a:schemeClr>
             </a:gs>
           </a:gsLst>
-          <a:lin ang="5400000" scaled="0"/>
+          <a:lin ang="5400000" scaled="false"/>
         </a:gradFill>
-        <a:gradFill rotWithShape="1">
+        <a:gradFill rotWithShape="true">
           <a:gsLst>
             <a:gs pos="0">
               <a:schemeClr val="phClr">
@@ -9612,7 +9799,7 @@
               </a:schemeClr>
             </a:gs>
           </a:gsLst>
-          <a:lin ang="5400000" scaled="0"/>
+          <a:lin ang="5400000" scaled="false"/>
         </a:gradFill>
       </a:fillStyleLst>
       <a:lnStyleLst>
@@ -9665,7 +9852,7 @@
             <a:satMod val="170000"/>
           </a:schemeClr>
         </a:solidFill>
-        <a:gradFill rotWithShape="1">
+        <a:gradFill rotWithShape="true">
           <a:gsLst>
             <a:gs pos="0">
               <a:schemeClr val="phClr">
@@ -9690,7 +9877,7 @@
               </a:schemeClr>
             </a:gs>
           </a:gsLst>
-          <a:lin ang="5400000" scaled="0"/>
+          <a:lin ang="5400000" scaled="false"/>
         </a:gradFill>
       </a:bgFillStyleLst>
     </a:fmtScheme>

--- a/孙相会.pptx
+++ b/孙相会.pptx
@@ -27,7 +27,7 @@
     <p:sldId id="461" r:id="rId20"/>
     <p:sldId id="494" r:id="rId21"/>
     <p:sldId id="499" r:id="rId22"/>
-    <p:sldId id="501" r:id="rId23"/>
+    <p:sldId id="511" r:id="rId23"/>
     <p:sldId id="396" r:id="rId24"/>
     <p:sldId id="397" r:id="rId25"/>
     <p:sldId id="454" r:id="rId26"/>
@@ -14459,6 +14459,420 @@
           </a:p>
         </p:txBody>
       </p:sp>
+      <p:pic>
+        <p:nvPicPr>
+          <p:cNvPr id="4" name="Picture 3" descr="Screenshot from 2020-11-18 20-26-37"/>
+          <p:cNvPicPr>
+            <a:picLocks noChangeAspect="true"/>
+          </p:cNvPicPr>
+          <p:nvPr/>
+        </p:nvPicPr>
+        <p:blipFill>
+          <a:blip r:embed="rId3"/>
+          <a:stretch>
+            <a:fillRect/>
+          </a:stretch>
+        </p:blipFill>
+        <p:spPr>
+          <a:xfrm>
+            <a:off x="5824855" y="1530985"/>
+            <a:ext cx="3072130" cy="595630"/>
+          </a:xfrm>
+          <a:prstGeom prst="rect">
+            <a:avLst/>
+          </a:prstGeom>
+        </p:spPr>
+      </p:pic>
+      <p:sp>
+        <p:nvSpPr>
+          <p:cNvPr id="5" name="Text Box 4"/>
+          <p:cNvSpPr txBox="true"/>
+          <p:nvPr/>
+        </p:nvSpPr>
+        <p:spPr>
+          <a:xfrm>
+            <a:off x="5774055" y="3980180"/>
+            <a:ext cx="2145665" cy="299085"/>
+          </a:xfrm>
+          <a:prstGeom prst="rect">
+            <a:avLst/>
+          </a:prstGeom>
+          <a:noFill/>
+        </p:spPr>
+        <p:txBody>
+          <a:bodyPr wrap="square" rtlCol="0">
+            <a:spAutoFit/>
+          </a:bodyPr>
+          <a:p>
+            <a:r>
+              <a:rPr lang="zh-CN" altLang="en-US"/>
+              <a:t>共有</a:t>
+            </a:r>
+            <a:r>
+              <a:rPr lang="" altLang="zh-CN"/>
+              <a:t>152241</a:t>
+            </a:r>
+            <a:r>
+              <a:rPr lang="zh-CN" altLang=""/>
+              <a:t>个样本</a:t>
+            </a:r>
+            <a:endParaRPr lang="zh-CN" altLang=""/>
+          </a:p>
+        </p:txBody>
+      </p:sp>
+      <p:sp>
+        <p:nvSpPr>
+          <p:cNvPr id="8" name="圆角矩形 8"/>
+          <p:cNvSpPr>
+            <a:spLocks noChangeArrowheads="true"/>
+          </p:cNvSpPr>
+          <p:nvPr/>
+        </p:nvSpPr>
+        <p:spPr bwMode="auto">
+          <a:xfrm>
+            <a:off x="266065" y="1369695"/>
+            <a:ext cx="5118735" cy="2917190"/>
+          </a:xfrm>
+          <a:prstGeom prst="roundRect">
+            <a:avLst>
+              <a:gd name="adj" fmla="val 4324"/>
+            </a:avLst>
+          </a:prstGeom>
+          <a:solidFill>
+            <a:srgbClr val="F2F2F2"/>
+          </a:solidFill>
+          <a:ln w="9525">
+            <a:solidFill>
+              <a:schemeClr val="tx1"/>
+            </a:solidFill>
+            <a:round/>
+          </a:ln>
+        </p:spPr>
+        <p:txBody>
+          <a:bodyPr/>
+          <a:lstStyle>
+            <a:lvl1pPr eaLnBrk="0" hangingPunct="0">
+              <a:defRPr>
+                <a:solidFill>
+                  <a:schemeClr val="tx1"/>
+                </a:solidFill>
+                <a:latin typeface="Arial" panose="02080604020202020204" pitchFamily="34" charset="0"/>
+                <a:ea typeface="宋体" pitchFamily="2" charset="-122"/>
+              </a:defRPr>
+            </a:lvl1pPr>
+            <a:lvl2pPr eaLnBrk="0" hangingPunct="0">
+              <a:defRPr>
+                <a:solidFill>
+                  <a:schemeClr val="tx1"/>
+                </a:solidFill>
+                <a:latin typeface="Arial" panose="02080604020202020204" pitchFamily="34" charset="0"/>
+                <a:ea typeface="宋体" pitchFamily="2" charset="-122"/>
+              </a:defRPr>
+            </a:lvl2pPr>
+            <a:lvl3pPr eaLnBrk="0" hangingPunct="0">
+              <a:defRPr>
+                <a:solidFill>
+                  <a:schemeClr val="tx1"/>
+                </a:solidFill>
+                <a:latin typeface="Arial" panose="02080604020202020204" pitchFamily="34" charset="0"/>
+                <a:ea typeface="宋体" pitchFamily="2" charset="-122"/>
+              </a:defRPr>
+            </a:lvl3pPr>
+            <a:lvl4pPr eaLnBrk="0" hangingPunct="0">
+              <a:defRPr>
+                <a:solidFill>
+                  <a:schemeClr val="tx1"/>
+                </a:solidFill>
+                <a:latin typeface="Arial" panose="02080604020202020204" pitchFamily="34" charset="0"/>
+                <a:ea typeface="宋体" pitchFamily="2" charset="-122"/>
+              </a:defRPr>
+            </a:lvl4pPr>
+            <a:lvl5pPr eaLnBrk="0" hangingPunct="0">
+              <a:defRPr>
+                <a:solidFill>
+                  <a:schemeClr val="tx1"/>
+                </a:solidFill>
+                <a:latin typeface="Arial" panose="02080604020202020204" pitchFamily="34" charset="0"/>
+                <a:ea typeface="宋体" pitchFamily="2" charset="-122"/>
+              </a:defRPr>
+            </a:lvl5pPr>
+            <a:lvl6pPr eaLnBrk="0" fontAlgn="base" hangingPunct="0">
+              <a:spcBef>
+                <a:spcPct val="0"/>
+              </a:spcBef>
+              <a:spcAft>
+                <a:spcPct val="0"/>
+              </a:spcAft>
+              <a:buFont typeface="Arial" panose="02080604020202020204" pitchFamily="34" charset="0"/>
+              <a:defRPr>
+                <a:solidFill>
+                  <a:schemeClr val="tx1"/>
+                </a:solidFill>
+                <a:latin typeface="Arial" panose="02080604020202020204" pitchFamily="34" charset="0"/>
+                <a:ea typeface="宋体" pitchFamily="2" charset="-122"/>
+              </a:defRPr>
+            </a:lvl6pPr>
+            <a:lvl7pPr eaLnBrk="0" fontAlgn="base" hangingPunct="0">
+              <a:spcBef>
+                <a:spcPct val="0"/>
+              </a:spcBef>
+              <a:spcAft>
+                <a:spcPct val="0"/>
+              </a:spcAft>
+              <a:buFont typeface="Arial" panose="02080604020202020204" pitchFamily="34" charset="0"/>
+              <a:defRPr>
+                <a:solidFill>
+                  <a:schemeClr val="tx1"/>
+                </a:solidFill>
+                <a:latin typeface="Arial" panose="02080604020202020204" pitchFamily="34" charset="0"/>
+                <a:ea typeface="宋体" pitchFamily="2" charset="-122"/>
+              </a:defRPr>
+            </a:lvl7pPr>
+            <a:lvl8pPr eaLnBrk="0" fontAlgn="base" hangingPunct="0">
+              <a:spcBef>
+                <a:spcPct val="0"/>
+              </a:spcBef>
+              <a:spcAft>
+                <a:spcPct val="0"/>
+              </a:spcAft>
+              <a:buFont typeface="Arial" panose="02080604020202020204" pitchFamily="34" charset="0"/>
+              <a:defRPr>
+                <a:solidFill>
+                  <a:schemeClr val="tx1"/>
+                </a:solidFill>
+                <a:latin typeface="Arial" panose="02080604020202020204" pitchFamily="34" charset="0"/>
+                <a:ea typeface="宋体" pitchFamily="2" charset="-122"/>
+              </a:defRPr>
+            </a:lvl8pPr>
+            <a:lvl9pPr eaLnBrk="0" fontAlgn="base" hangingPunct="0">
+              <a:spcBef>
+                <a:spcPct val="0"/>
+              </a:spcBef>
+              <a:spcAft>
+                <a:spcPct val="0"/>
+              </a:spcAft>
+              <a:buFont typeface="Arial" panose="02080604020202020204" pitchFamily="34" charset="0"/>
+              <a:defRPr>
+                <a:solidFill>
+                  <a:schemeClr val="tx1"/>
+                </a:solidFill>
+                <a:latin typeface="Arial" panose="02080604020202020204" pitchFamily="34" charset="0"/>
+                <a:ea typeface="宋体" pitchFamily="2" charset="-122"/>
+              </a:defRPr>
+            </a:lvl9pPr>
+          </a:lstStyle>
+          <a:p>
+            <a:pPr eaLnBrk="1" hangingPunct="1"/>
+            <a:endParaRPr lang="zh-CN" altLang="en-US" sz="1350">
+              <a:solidFill>
+                <a:srgbClr val="C4261D"/>
+              </a:solidFill>
+            </a:endParaRPr>
+          </a:p>
+        </p:txBody>
+      </p:sp>
+      <p:cxnSp>
+        <p:nvCxnSpPr>
+          <p:cNvPr id="9" name="Straight Connector 8"/>
+          <p:cNvCxnSpPr/>
+          <p:nvPr/>
+        </p:nvCxnSpPr>
+        <p:spPr>
+          <a:xfrm>
+            <a:off x="246380" y="3277235"/>
+            <a:ext cx="5138420" cy="7620"/>
+          </a:xfrm>
+          <a:prstGeom prst="line">
+            <a:avLst/>
+          </a:prstGeom>
+          <a:ln w="19050">
+            <a:solidFill>
+              <a:schemeClr val="tx1"/>
+            </a:solidFill>
+          </a:ln>
+        </p:spPr>
+        <p:style>
+          <a:lnRef idx="1">
+            <a:schemeClr val="accent1"/>
+          </a:lnRef>
+          <a:fillRef idx="0">
+            <a:schemeClr val="accent1"/>
+          </a:fillRef>
+          <a:effectRef idx="0">
+            <a:schemeClr val="accent1"/>
+          </a:effectRef>
+          <a:fontRef idx="minor">
+            <a:schemeClr val="tx1"/>
+          </a:fontRef>
+        </p:style>
+      </p:cxnSp>
+      <p:sp>
+        <p:nvSpPr>
+          <p:cNvPr id="10" name="Text Box 9"/>
+          <p:cNvSpPr txBox="true"/>
+          <p:nvPr/>
+        </p:nvSpPr>
+        <p:spPr>
+          <a:xfrm>
+            <a:off x="271780" y="1459865"/>
+            <a:ext cx="5113020" cy="1753235"/>
+          </a:xfrm>
+          <a:prstGeom prst="rect">
+            <a:avLst/>
+          </a:prstGeom>
+          <a:noFill/>
+        </p:spPr>
+        <p:txBody>
+          <a:bodyPr wrap="square" rtlCol="0">
+            <a:spAutoFit/>
+          </a:bodyPr>
+          <a:p>
+            <a:r>
+              <a:rPr lang="zh-CN" altLang="en-US">
+                <a:ln/>
+                <a:solidFill>
+                  <a:schemeClr val="tx1"/>
+                </a:solidFill>
+                <a:effectLst>
+                  <a:outerShdw blurRad="38100" dist="19050" dir="2700000" algn="tl" rotWithShape="0">
+                    <a:schemeClr val="dk1">
+                      <a:alpha val="40000"/>
+                    </a:schemeClr>
+                  </a:outerShdw>
+                </a:effectLst>
+              </a:rPr>
+              <a:t>文本段落：</a:t>
+            </a:r>
+            <a:r>
+              <a:rPr lang="zh-CN" altLang="en-US"/>
+              <a:t>华阳路街道是中国上海市长宁区下辖的一个街道办事处，位于长宁区东部，</a:t>
+            </a:r>
+            <a:r>
+              <a:rPr lang="zh-CN" altLang="en-US" sz="1300">
+                <a:solidFill>
+                  <a:srgbClr val="D43C2C"/>
+                </a:solidFill>
+                <a:uFillTx/>
+              </a:rPr>
+              <a:t>东到长宁路、安西路、武夷路接邻江苏路街道，北到苏州河接邻普陀区</a:t>
+            </a:r>
+            <a:r>
+              <a:rPr lang="zh-CN" altLang="en-US"/>
+              <a:t>。面积2.04平方公里，户籍人口7.04万人（2008年），下辖21个居委会。华阳路街道的主要街道长宁路和定西路，构成繁华的中山公园商圈。辖区内的圣约翰大学旧址（今华东政法大学）、中山公园，是愚园路历史文化风貌区的重要组成部分。上海市轨道交通二号线、三号线、四号线以该街道辖区的中山公园站为换乘枢纽。</a:t>
+            </a:r>
+            <a:endParaRPr lang="zh-CN" altLang="en-US"/>
+          </a:p>
+        </p:txBody>
+      </p:sp>
+      <p:sp>
+        <p:nvSpPr>
+          <p:cNvPr id="11" name="Text Box 10"/>
+          <p:cNvSpPr txBox="true"/>
+          <p:nvPr/>
+        </p:nvSpPr>
+        <p:spPr>
+          <a:xfrm>
+            <a:off x="280035" y="3346450"/>
+            <a:ext cx="4880610" cy="299085"/>
+          </a:xfrm>
+          <a:prstGeom prst="rect">
+            <a:avLst/>
+          </a:prstGeom>
+          <a:noFill/>
+        </p:spPr>
+        <p:txBody>
+          <a:bodyPr wrap="square" rtlCol="0">
+            <a:spAutoFit/>
+          </a:bodyPr>
+          <a:p>
+            <a:r>
+              <a:rPr lang="zh-CN" altLang="en-US"/>
+              <a:t>问题：华阳路街道四周相连的是什么地方？</a:t>
+            </a:r>
+            <a:endParaRPr lang="zh-CN" altLang="en-US"/>
+          </a:p>
+        </p:txBody>
+      </p:sp>
+      <p:cxnSp>
+        <p:nvCxnSpPr>
+          <p:cNvPr id="12" name="Straight Connector 11"/>
+          <p:cNvCxnSpPr/>
+          <p:nvPr/>
+        </p:nvCxnSpPr>
+        <p:spPr>
+          <a:xfrm>
+            <a:off x="280035" y="3745865"/>
+            <a:ext cx="5138420" cy="7620"/>
+          </a:xfrm>
+          <a:prstGeom prst="line">
+            <a:avLst/>
+          </a:prstGeom>
+          <a:ln w="19050">
+            <a:solidFill>
+              <a:schemeClr val="tx1"/>
+            </a:solidFill>
+          </a:ln>
+        </p:spPr>
+        <p:style>
+          <a:lnRef idx="1">
+            <a:schemeClr val="accent1"/>
+          </a:lnRef>
+          <a:fillRef idx="0">
+            <a:schemeClr val="accent1"/>
+          </a:fillRef>
+          <a:effectRef idx="0">
+            <a:schemeClr val="accent1"/>
+          </a:effectRef>
+          <a:fontRef idx="minor">
+            <a:schemeClr val="tx1"/>
+          </a:fontRef>
+        </p:style>
+      </p:cxnSp>
+      <p:sp>
+        <p:nvSpPr>
+          <p:cNvPr id="13" name="Text Box 12"/>
+          <p:cNvSpPr txBox="true"/>
+          <p:nvPr/>
+        </p:nvSpPr>
+        <p:spPr>
+          <a:xfrm>
+            <a:off x="280035" y="3780155"/>
+            <a:ext cx="5224780" cy="499110"/>
+          </a:xfrm>
+          <a:prstGeom prst="rect">
+            <a:avLst/>
+          </a:prstGeom>
+          <a:noFill/>
+        </p:spPr>
+        <p:txBody>
+          <a:bodyPr wrap="square" rtlCol="0">
+            <a:spAutoFit/>
+          </a:bodyPr>
+          <a:p>
+            <a:r>
+              <a:rPr lang="zh-CN" altLang="en-US"/>
+              <a:t>答案：</a:t>
+            </a:r>
+            <a:r>
+              <a:rPr lang="zh-CN" altLang="en-US" sz="1300">
+                <a:solidFill>
+                  <a:schemeClr val="tx1"/>
+                </a:solidFill>
+                <a:uFillTx/>
+                <a:sym typeface="+mn-ea"/>
+              </a:rPr>
+              <a:t>东到长宁路、安西路、武夷路接邻江苏路街道，北到苏州河接邻普陀区</a:t>
+            </a:r>
+            <a:endParaRPr lang="zh-CN" altLang="en-US" sz="1300">
+              <a:solidFill>
+                <a:schemeClr val="tx1"/>
+              </a:solidFill>
+              <a:uFillTx/>
+              <a:sym typeface="+mn-ea"/>
+            </a:endParaRPr>
+          </a:p>
+        </p:txBody>
+      </p:sp>
     </p:spTree>
   </p:cSld>
   <p:clrMapOvr>
@@ -15977,8 +16391,8 @@
         </p:nvSpPr>
         <p:spPr>
           <a:xfrm>
-            <a:off x="508635" y="218440"/>
-            <a:ext cx="4229735" cy="583565"/>
+            <a:off x="508635" y="194310"/>
+            <a:ext cx="2943225" cy="583565"/>
           </a:xfrm>
           <a:prstGeom prst="rect">
             <a:avLst/>
@@ -16019,7 +16433,7 @@
                   </a:outerShdw>
                 </a:effectLst>
               </a:rPr>
-              <a:t>预期研究成果</a:t>
+              <a:t>已完成进度</a:t>
             </a:r>
             <a:endParaRPr lang="zh-CN" altLang="en-US" sz="3200">
               <a:ln w="12700">
@@ -16085,48 +16499,359 @@
       </p:sp>
       <p:sp>
         <p:nvSpPr>
-          <p:cNvPr id="39963" name="TextBox 27"/>
-          <p:cNvSpPr txBox="true">
+          <p:cNvPr id="8" name="圆角矩形 8"/>
+          <p:cNvSpPr>
             <a:spLocks noChangeArrowheads="true"/>
           </p:cNvSpPr>
           <p:nvPr/>
         </p:nvSpPr>
         <p:spPr bwMode="auto">
           <a:xfrm>
-            <a:off x="5610340" y="1369746"/>
-            <a:ext cx="1097280" cy="368300"/>
+            <a:off x="261620" y="889635"/>
+            <a:ext cx="4320540" cy="1377315"/>
+          </a:xfrm>
+          <a:prstGeom prst="roundRect">
+            <a:avLst>
+              <a:gd name="adj" fmla="val 4324"/>
+            </a:avLst>
+          </a:prstGeom>
+          <a:solidFill>
+            <a:srgbClr val="F2F2F2"/>
+          </a:solidFill>
+          <a:ln w="9525">
+            <a:solidFill>
+              <a:schemeClr val="tx1"/>
+            </a:solidFill>
+            <a:round/>
+          </a:ln>
+        </p:spPr>
+        <p:txBody>
+          <a:bodyPr/>
+          <a:lstStyle>
+            <a:lvl1pPr eaLnBrk="0" hangingPunct="0">
+              <a:defRPr>
+                <a:solidFill>
+                  <a:schemeClr val="tx1"/>
+                </a:solidFill>
+                <a:latin typeface="Arial" panose="02080604020202020204" pitchFamily="34" charset="0"/>
+                <a:ea typeface="宋体" pitchFamily="2" charset="-122"/>
+              </a:defRPr>
+            </a:lvl1pPr>
+            <a:lvl2pPr eaLnBrk="0" hangingPunct="0">
+              <a:defRPr>
+                <a:solidFill>
+                  <a:schemeClr val="tx1"/>
+                </a:solidFill>
+                <a:latin typeface="Arial" panose="02080604020202020204" pitchFamily="34" charset="0"/>
+                <a:ea typeface="宋体" pitchFamily="2" charset="-122"/>
+              </a:defRPr>
+            </a:lvl2pPr>
+            <a:lvl3pPr eaLnBrk="0" hangingPunct="0">
+              <a:defRPr>
+                <a:solidFill>
+                  <a:schemeClr val="tx1"/>
+                </a:solidFill>
+                <a:latin typeface="Arial" panose="02080604020202020204" pitchFamily="34" charset="0"/>
+                <a:ea typeface="宋体" pitchFamily="2" charset="-122"/>
+              </a:defRPr>
+            </a:lvl3pPr>
+            <a:lvl4pPr eaLnBrk="0" hangingPunct="0">
+              <a:defRPr>
+                <a:solidFill>
+                  <a:schemeClr val="tx1"/>
+                </a:solidFill>
+                <a:latin typeface="Arial" panose="02080604020202020204" pitchFamily="34" charset="0"/>
+                <a:ea typeface="宋体" pitchFamily="2" charset="-122"/>
+              </a:defRPr>
+            </a:lvl4pPr>
+            <a:lvl5pPr eaLnBrk="0" hangingPunct="0">
+              <a:defRPr>
+                <a:solidFill>
+                  <a:schemeClr val="tx1"/>
+                </a:solidFill>
+                <a:latin typeface="Arial" panose="02080604020202020204" pitchFamily="34" charset="0"/>
+                <a:ea typeface="宋体" pitchFamily="2" charset="-122"/>
+              </a:defRPr>
+            </a:lvl5pPr>
+            <a:lvl6pPr eaLnBrk="0" fontAlgn="base" hangingPunct="0">
+              <a:spcBef>
+                <a:spcPct val="0"/>
+              </a:spcBef>
+              <a:spcAft>
+                <a:spcPct val="0"/>
+              </a:spcAft>
+              <a:buFont typeface="Arial" panose="02080604020202020204" pitchFamily="34" charset="0"/>
+              <a:defRPr>
+                <a:solidFill>
+                  <a:schemeClr val="tx1"/>
+                </a:solidFill>
+                <a:latin typeface="Arial" panose="02080604020202020204" pitchFamily="34" charset="0"/>
+                <a:ea typeface="宋体" pitchFamily="2" charset="-122"/>
+              </a:defRPr>
+            </a:lvl6pPr>
+            <a:lvl7pPr eaLnBrk="0" fontAlgn="base" hangingPunct="0">
+              <a:spcBef>
+                <a:spcPct val="0"/>
+              </a:spcBef>
+              <a:spcAft>
+                <a:spcPct val="0"/>
+              </a:spcAft>
+              <a:buFont typeface="Arial" panose="02080604020202020204" pitchFamily="34" charset="0"/>
+              <a:defRPr>
+                <a:solidFill>
+                  <a:schemeClr val="tx1"/>
+                </a:solidFill>
+                <a:latin typeface="Arial" panose="02080604020202020204" pitchFamily="34" charset="0"/>
+                <a:ea typeface="宋体" pitchFamily="2" charset="-122"/>
+              </a:defRPr>
+            </a:lvl7pPr>
+            <a:lvl8pPr eaLnBrk="0" fontAlgn="base" hangingPunct="0">
+              <a:spcBef>
+                <a:spcPct val="0"/>
+              </a:spcBef>
+              <a:spcAft>
+                <a:spcPct val="0"/>
+              </a:spcAft>
+              <a:buFont typeface="Arial" panose="02080604020202020204" pitchFamily="34" charset="0"/>
+              <a:defRPr>
+                <a:solidFill>
+                  <a:schemeClr val="tx1"/>
+                </a:solidFill>
+                <a:latin typeface="Arial" panose="02080604020202020204" pitchFamily="34" charset="0"/>
+                <a:ea typeface="宋体" pitchFamily="2" charset="-122"/>
+              </a:defRPr>
+            </a:lvl8pPr>
+            <a:lvl9pPr eaLnBrk="0" fontAlgn="base" hangingPunct="0">
+              <a:spcBef>
+                <a:spcPct val="0"/>
+              </a:spcBef>
+              <a:spcAft>
+                <a:spcPct val="0"/>
+              </a:spcAft>
+              <a:buFont typeface="Arial" panose="02080604020202020204" pitchFamily="34" charset="0"/>
+              <a:defRPr>
+                <a:solidFill>
+                  <a:schemeClr val="tx1"/>
+                </a:solidFill>
+                <a:latin typeface="Arial" panose="02080604020202020204" pitchFamily="34" charset="0"/>
+                <a:ea typeface="宋体" pitchFamily="2" charset="-122"/>
+              </a:defRPr>
+            </a:lvl9pPr>
+          </a:lstStyle>
+          <a:p>
+            <a:pPr eaLnBrk="1" hangingPunct="1"/>
+            <a:endParaRPr lang="zh-CN" altLang="en-US" sz="1350">
+              <a:solidFill>
+                <a:srgbClr val="C4261D"/>
+              </a:solidFill>
+            </a:endParaRPr>
+          </a:p>
+        </p:txBody>
+      </p:sp>
+      <p:cxnSp>
+        <p:nvCxnSpPr>
+          <p:cNvPr id="9" name="Straight Connector 8"/>
+          <p:cNvCxnSpPr/>
+          <p:nvPr/>
+        </p:nvCxnSpPr>
+        <p:spPr>
+          <a:xfrm>
+            <a:off x="261620" y="2037080"/>
+            <a:ext cx="4236720" cy="8255"/>
+          </a:xfrm>
+          <a:prstGeom prst="line">
+            <a:avLst/>
+          </a:prstGeom>
+          <a:ln w="19050">
+            <a:solidFill>
+              <a:schemeClr val="tx1"/>
+            </a:solidFill>
+          </a:ln>
+        </p:spPr>
+        <p:style>
+          <a:lnRef idx="1">
+            <a:schemeClr val="accent1"/>
+          </a:lnRef>
+          <a:fillRef idx="0">
+            <a:schemeClr val="accent1"/>
+          </a:fillRef>
+          <a:effectRef idx="0">
+            <a:schemeClr val="accent1"/>
+          </a:effectRef>
+          <a:fontRef idx="minor">
+            <a:schemeClr val="tx1"/>
+          </a:fontRef>
+        </p:style>
+      </p:cxnSp>
+      <p:sp>
+        <p:nvSpPr>
+          <p:cNvPr id="10" name="Text Box 9"/>
+          <p:cNvSpPr txBox="true"/>
+          <p:nvPr/>
+        </p:nvSpPr>
+        <p:spPr>
+          <a:xfrm>
+            <a:off x="280670" y="1028065"/>
+            <a:ext cx="4404360" cy="922020"/>
           </a:xfrm>
           <a:prstGeom prst="rect">
             <a:avLst/>
           </a:prstGeom>
           <a:noFill/>
-          <a:ln>
-            <a:noFill/>
-          </a:ln>
-          <a:extLst>
-            <a:ext uri="{909E8E84-426E-40DD-AFC4-6F175D3DCCD1}">
-              <a14:hiddenFill xmlns:a14="http://schemas.microsoft.com/office/drawing/2010/main">
-                <a:solidFill>
-                  <a:srgbClr val="FFFFFF"/>
-                </a:solidFill>
-              </a14:hiddenFill>
-            </a:ext>
-            <a:ext uri="{91240B29-F687-4F45-9708-019B960494DF}">
-              <a14:hiddenLine xmlns:a14="http://schemas.microsoft.com/office/drawing/2010/main" w="9525">
-                <a:solidFill>
-                  <a:srgbClr val="000000"/>
-                </a:solidFill>
-                <a:miter lim="800000"/>
-                <a:headEnd/>
-                <a:tailEnd/>
-              </a14:hiddenLine>
-            </a:ext>
-          </a:extLst>
         </p:spPr>
         <p:txBody>
-          <a:bodyPr wrap="none">
+          <a:bodyPr wrap="square" rtlCol="0">
             <a:spAutoFit/>
           </a:bodyPr>
+          <a:p>
+            <a:r>
+              <a:rPr lang="zh-CN" altLang="en-US" sz="900"/>
+              <a:t>文本段落：华阳路街道是中国上海市长宁区下辖的一个街道办事处，位于长宁区东部，</a:t>
+            </a:r>
+            <a:r>
+              <a:rPr lang="zh-CN" altLang="en-US" sz="900">
+                <a:solidFill>
+                  <a:srgbClr val="D43C2C"/>
+                </a:solidFill>
+                <a:uFillTx/>
+              </a:rPr>
+              <a:t>东到长宁路、安西路、武夷路接邻江苏路街道，北到苏州河接邻普陀区</a:t>
+            </a:r>
+            <a:r>
+              <a:rPr lang="zh-CN" altLang="en-US" sz="900"/>
+              <a:t>。面积2.04平方公里，户籍人口7.04万人（2008年），下辖21个居委会。华阳路街道的主要街道长宁路和定西路，构成繁华的中山公园商圈。辖区内的圣约翰大学旧址（今华东政法大学）、中山公园，是愚园路历史文化风貌区的重要组成部分。上海市轨道交通二号线、三号线、四号线以该街道辖区的中山公园站为换乘枢纽。</a:t>
+            </a:r>
+            <a:endParaRPr lang="zh-CN" altLang="en-US" sz="900"/>
+          </a:p>
+        </p:txBody>
+      </p:sp>
+      <p:sp>
+        <p:nvSpPr>
+          <p:cNvPr id="11" name="Text Box 10"/>
+          <p:cNvSpPr txBox="true"/>
+          <p:nvPr/>
+        </p:nvSpPr>
+        <p:spPr>
+          <a:xfrm>
+            <a:off x="261620" y="2037080"/>
+            <a:ext cx="4057015" cy="229870"/>
+          </a:xfrm>
+          <a:prstGeom prst="rect">
+            <a:avLst/>
+          </a:prstGeom>
+          <a:noFill/>
+        </p:spPr>
+        <p:txBody>
+          <a:bodyPr wrap="square" rtlCol="0">
+            <a:spAutoFit/>
+          </a:bodyPr>
+          <a:p>
+            <a:r>
+              <a:rPr lang="zh-CN" altLang="en-US" sz="900">
+                <a:solidFill>
+                  <a:schemeClr val="tx1"/>
+                </a:solidFill>
+                <a:uFillTx/>
+              </a:rPr>
+              <a:t>问题：华阳路街道四周相连的是什么地方？</a:t>
+            </a:r>
+            <a:endParaRPr lang="zh-CN" altLang="en-US" sz="900">
+              <a:solidFill>
+                <a:schemeClr val="tx1"/>
+              </a:solidFill>
+              <a:uFillTx/>
+            </a:endParaRPr>
+          </a:p>
+        </p:txBody>
+      </p:sp>
+      <p:sp>
+        <p:nvSpPr>
+          <p:cNvPr id="18" name="Text Box 17"/>
+          <p:cNvSpPr txBox="true"/>
+          <p:nvPr/>
+        </p:nvSpPr>
+        <p:spPr>
+          <a:xfrm>
+            <a:off x="1488440" y="2266950"/>
+            <a:ext cx="1454785" cy="299085"/>
+          </a:xfrm>
+          <a:prstGeom prst="rect">
+            <a:avLst/>
+          </a:prstGeom>
+          <a:noFill/>
+        </p:spPr>
+        <p:txBody>
+          <a:bodyPr wrap="square" rtlCol="0">
+            <a:spAutoFit/>
+          </a:bodyPr>
+          <a:p>
+            <a:r>
+              <a:rPr lang="zh-CN" altLang="en-US"/>
+              <a:t>正样本</a:t>
+            </a:r>
+            <a:endParaRPr lang="zh-CN" altLang="en-US"/>
+          </a:p>
+        </p:txBody>
+      </p:sp>
+      <p:sp>
+        <p:nvSpPr>
+          <p:cNvPr id="20" name="Text Box 19"/>
+          <p:cNvSpPr txBox="true"/>
+          <p:nvPr/>
+        </p:nvSpPr>
+        <p:spPr>
+          <a:xfrm>
+            <a:off x="5944870" y="2266950"/>
+            <a:ext cx="2477770" cy="299085"/>
+          </a:xfrm>
+          <a:prstGeom prst="rect">
+            <a:avLst/>
+          </a:prstGeom>
+          <a:noFill/>
+        </p:spPr>
+        <p:txBody>
+          <a:bodyPr wrap="square" rtlCol="0">
+            <a:spAutoFit/>
+          </a:bodyPr>
+          <a:p>
+            <a:r>
+              <a:rPr lang="zh-CN" altLang="en-US"/>
+              <a:t>删除答案所在的句子</a:t>
+            </a:r>
+            <a:endParaRPr lang="zh-CN" altLang="en-US"/>
+          </a:p>
+        </p:txBody>
+      </p:sp>
+      <p:sp>
+        <p:nvSpPr>
+          <p:cNvPr id="21" name="圆角矩形 8"/>
+          <p:cNvSpPr>
+            <a:spLocks noChangeArrowheads="true"/>
+          </p:cNvSpPr>
+          <p:nvPr/>
+        </p:nvSpPr>
+        <p:spPr bwMode="auto">
+          <a:xfrm>
+            <a:off x="4685030" y="889635"/>
+            <a:ext cx="4320540" cy="1377315"/>
+          </a:xfrm>
+          <a:prstGeom prst="roundRect">
+            <a:avLst>
+              <a:gd name="adj" fmla="val 4324"/>
+            </a:avLst>
+          </a:prstGeom>
+          <a:solidFill>
+            <a:srgbClr val="F2F2F2"/>
+          </a:solidFill>
+          <a:ln w="9525">
+            <a:solidFill>
+              <a:schemeClr val="tx1"/>
+            </a:solidFill>
+            <a:round/>
+          </a:ln>
+        </p:spPr>
+        <p:txBody>
+          <a:bodyPr/>
           <a:lstStyle>
             <a:lvl1pPr eaLnBrk="0" hangingPunct="0">
               <a:defRPr>
@@ -16240,23 +16965,680 @@
           </a:lstStyle>
           <a:p>
             <a:pPr eaLnBrk="1" hangingPunct="1"/>
-            <a:r>
-              <a:rPr lang="zh-CN" altLang="en-US" sz="1800" dirty="0">
-                <a:solidFill>
-                  <a:srgbClr val="F8F8F8"/>
-                </a:solidFill>
-                <a:latin typeface="微软雅黑" panose="020B0503020204020204" charset="-122"/>
-                <a:ea typeface="微软雅黑" panose="020B0503020204020204" charset="-122"/>
+            <a:endParaRPr lang="zh-CN" altLang="en-US" sz="1350">
+              <a:solidFill>
+                <a:srgbClr val="C4261D"/>
+              </a:solidFill>
+            </a:endParaRPr>
+          </a:p>
+        </p:txBody>
+      </p:sp>
+      <p:cxnSp>
+        <p:nvCxnSpPr>
+          <p:cNvPr id="22" name="Straight Connector 21"/>
+          <p:cNvCxnSpPr/>
+          <p:nvPr/>
+        </p:nvCxnSpPr>
+        <p:spPr>
+          <a:xfrm>
+            <a:off x="4685030" y="2037080"/>
+            <a:ext cx="4236720" cy="8255"/>
+          </a:xfrm>
+          <a:prstGeom prst="line">
+            <a:avLst/>
+          </a:prstGeom>
+          <a:ln w="19050">
+            <a:solidFill>
+              <a:schemeClr val="tx1"/>
+            </a:solidFill>
+          </a:ln>
+        </p:spPr>
+        <p:style>
+          <a:lnRef idx="1">
+            <a:schemeClr val="accent1"/>
+          </a:lnRef>
+          <a:fillRef idx="0">
+            <a:schemeClr val="accent1"/>
+          </a:fillRef>
+          <a:effectRef idx="0">
+            <a:schemeClr val="accent1"/>
+          </a:effectRef>
+          <a:fontRef idx="minor">
+            <a:schemeClr val="tx1"/>
+          </a:fontRef>
+        </p:style>
+      </p:cxnSp>
+      <p:sp>
+        <p:nvSpPr>
+          <p:cNvPr id="23" name="Text Box 22"/>
+          <p:cNvSpPr txBox="true"/>
+          <p:nvPr/>
+        </p:nvSpPr>
+        <p:spPr>
+          <a:xfrm>
+            <a:off x="4704080" y="1028065"/>
+            <a:ext cx="4404360" cy="783590"/>
+          </a:xfrm>
+          <a:prstGeom prst="rect">
+            <a:avLst/>
+          </a:prstGeom>
+          <a:noFill/>
+        </p:spPr>
+        <p:txBody>
+          <a:bodyPr wrap="square" rtlCol="0">
+            <a:spAutoFit/>
+          </a:bodyPr>
+          <a:p>
+            <a:r>
+              <a:rPr lang="zh-CN" altLang="en-US" sz="900"/>
+              <a:t>文本段落：面积2.04平方公里，户籍人口7.04万人（2008年），下辖21个居委会。华阳路街道的主要街道长宁路和定西路，构成繁华的中山公园商圈。辖区内的圣约翰大学旧址（今华东政法大学）、中山公园，是愚园路历史文化风貌区的重要组成部分。上海市轨道交通二号线、三号线、四号线以该街道辖区的中山公园站为换乘枢纽。</a:t>
+            </a:r>
+            <a:endParaRPr lang="zh-CN" altLang="en-US" sz="900"/>
+          </a:p>
+        </p:txBody>
+      </p:sp>
+      <p:sp>
+        <p:nvSpPr>
+          <p:cNvPr id="24" name="Text Box 23"/>
+          <p:cNvSpPr txBox="true"/>
+          <p:nvPr/>
+        </p:nvSpPr>
+        <p:spPr>
+          <a:xfrm>
+            <a:off x="4685030" y="2037080"/>
+            <a:ext cx="4057015" cy="229870"/>
+          </a:xfrm>
+          <a:prstGeom prst="rect">
+            <a:avLst/>
+          </a:prstGeom>
+          <a:noFill/>
+        </p:spPr>
+        <p:txBody>
+          <a:bodyPr wrap="square" rtlCol="0">
+            <a:spAutoFit/>
+          </a:bodyPr>
+          <a:p>
+            <a:r>
+              <a:rPr lang="zh-CN" altLang="en-US" sz="900">
+                <a:solidFill>
+                  <a:schemeClr val="tx1"/>
+                </a:solidFill>
+                <a:uFillTx/>
               </a:rPr>
-              <a:t>答案角度</a:t>
-            </a:r>
-            <a:endParaRPr lang="zh-CN" altLang="en-US" sz="1800" dirty="0">
+              <a:t>问题：华阳路街道四周相连的是什么地方？</a:t>
+            </a:r>
+            <a:endParaRPr lang="zh-CN" altLang="en-US" sz="900">
               <a:solidFill>
-                <a:srgbClr val="F8F8F8"/>
+                <a:schemeClr val="tx1"/>
               </a:solidFill>
-              <a:latin typeface="微软雅黑" panose="020B0503020204020204" charset="-122"/>
-              <a:ea typeface="微软雅黑" panose="020B0503020204020204" charset="-122"/>
+              <a:uFillTx/>
             </a:endParaRPr>
+          </a:p>
+        </p:txBody>
+      </p:sp>
+      <p:sp>
+        <p:nvSpPr>
+          <p:cNvPr id="25" name="圆角矩形 8"/>
+          <p:cNvSpPr>
+            <a:spLocks noChangeArrowheads="true"/>
+          </p:cNvSpPr>
+          <p:nvPr/>
+        </p:nvSpPr>
+        <p:spPr bwMode="auto">
+          <a:xfrm>
+            <a:off x="261620" y="2815590"/>
+            <a:ext cx="4368800" cy="1377315"/>
+          </a:xfrm>
+          <a:prstGeom prst="roundRect">
+            <a:avLst>
+              <a:gd name="adj" fmla="val 4324"/>
+            </a:avLst>
+          </a:prstGeom>
+          <a:solidFill>
+            <a:srgbClr val="F2F2F2"/>
+          </a:solidFill>
+          <a:ln w="9525">
+            <a:solidFill>
+              <a:schemeClr val="tx1"/>
+            </a:solidFill>
+            <a:round/>
+          </a:ln>
+        </p:spPr>
+        <p:txBody>
+          <a:bodyPr/>
+          <a:lstStyle>
+            <a:lvl1pPr eaLnBrk="0" hangingPunct="0">
+              <a:defRPr>
+                <a:solidFill>
+                  <a:schemeClr val="tx1"/>
+                </a:solidFill>
+                <a:latin typeface="Arial" panose="02080604020202020204" pitchFamily="34" charset="0"/>
+                <a:ea typeface="宋体" pitchFamily="2" charset="-122"/>
+              </a:defRPr>
+            </a:lvl1pPr>
+            <a:lvl2pPr eaLnBrk="0" hangingPunct="0">
+              <a:defRPr>
+                <a:solidFill>
+                  <a:schemeClr val="tx1"/>
+                </a:solidFill>
+                <a:latin typeface="Arial" panose="02080604020202020204" pitchFamily="34" charset="0"/>
+                <a:ea typeface="宋体" pitchFamily="2" charset="-122"/>
+              </a:defRPr>
+            </a:lvl2pPr>
+            <a:lvl3pPr eaLnBrk="0" hangingPunct="0">
+              <a:defRPr>
+                <a:solidFill>
+                  <a:schemeClr val="tx1"/>
+                </a:solidFill>
+                <a:latin typeface="Arial" panose="02080604020202020204" pitchFamily="34" charset="0"/>
+                <a:ea typeface="宋体" pitchFamily="2" charset="-122"/>
+              </a:defRPr>
+            </a:lvl3pPr>
+            <a:lvl4pPr eaLnBrk="0" hangingPunct="0">
+              <a:defRPr>
+                <a:solidFill>
+                  <a:schemeClr val="tx1"/>
+                </a:solidFill>
+                <a:latin typeface="Arial" panose="02080604020202020204" pitchFamily="34" charset="0"/>
+                <a:ea typeface="宋体" pitchFamily="2" charset="-122"/>
+              </a:defRPr>
+            </a:lvl4pPr>
+            <a:lvl5pPr eaLnBrk="0" hangingPunct="0">
+              <a:defRPr>
+                <a:solidFill>
+                  <a:schemeClr val="tx1"/>
+                </a:solidFill>
+                <a:latin typeface="Arial" panose="02080604020202020204" pitchFamily="34" charset="0"/>
+                <a:ea typeface="宋体" pitchFamily="2" charset="-122"/>
+              </a:defRPr>
+            </a:lvl5pPr>
+            <a:lvl6pPr eaLnBrk="0" fontAlgn="base" hangingPunct="0">
+              <a:spcBef>
+                <a:spcPct val="0"/>
+              </a:spcBef>
+              <a:spcAft>
+                <a:spcPct val="0"/>
+              </a:spcAft>
+              <a:buFont typeface="Arial" panose="02080604020202020204" pitchFamily="34" charset="0"/>
+              <a:defRPr>
+                <a:solidFill>
+                  <a:schemeClr val="tx1"/>
+                </a:solidFill>
+                <a:latin typeface="Arial" panose="02080604020202020204" pitchFamily="34" charset="0"/>
+                <a:ea typeface="宋体" pitchFamily="2" charset="-122"/>
+              </a:defRPr>
+            </a:lvl6pPr>
+            <a:lvl7pPr eaLnBrk="0" fontAlgn="base" hangingPunct="0">
+              <a:spcBef>
+                <a:spcPct val="0"/>
+              </a:spcBef>
+              <a:spcAft>
+                <a:spcPct val="0"/>
+              </a:spcAft>
+              <a:buFont typeface="Arial" panose="02080604020202020204" pitchFamily="34" charset="0"/>
+              <a:defRPr>
+                <a:solidFill>
+                  <a:schemeClr val="tx1"/>
+                </a:solidFill>
+                <a:latin typeface="Arial" panose="02080604020202020204" pitchFamily="34" charset="0"/>
+                <a:ea typeface="宋体" pitchFamily="2" charset="-122"/>
+              </a:defRPr>
+            </a:lvl7pPr>
+            <a:lvl8pPr eaLnBrk="0" fontAlgn="base" hangingPunct="0">
+              <a:spcBef>
+                <a:spcPct val="0"/>
+              </a:spcBef>
+              <a:spcAft>
+                <a:spcPct val="0"/>
+              </a:spcAft>
+              <a:buFont typeface="Arial" panose="02080604020202020204" pitchFamily="34" charset="0"/>
+              <a:defRPr>
+                <a:solidFill>
+                  <a:schemeClr val="tx1"/>
+                </a:solidFill>
+                <a:latin typeface="Arial" panose="02080604020202020204" pitchFamily="34" charset="0"/>
+                <a:ea typeface="宋体" pitchFamily="2" charset="-122"/>
+              </a:defRPr>
+            </a:lvl8pPr>
+            <a:lvl9pPr eaLnBrk="0" fontAlgn="base" hangingPunct="0">
+              <a:spcBef>
+                <a:spcPct val="0"/>
+              </a:spcBef>
+              <a:spcAft>
+                <a:spcPct val="0"/>
+              </a:spcAft>
+              <a:buFont typeface="Arial" panose="02080604020202020204" pitchFamily="34" charset="0"/>
+              <a:defRPr>
+                <a:solidFill>
+                  <a:schemeClr val="tx1"/>
+                </a:solidFill>
+                <a:latin typeface="Arial" panose="02080604020202020204" pitchFamily="34" charset="0"/>
+                <a:ea typeface="宋体" pitchFamily="2" charset="-122"/>
+              </a:defRPr>
+            </a:lvl9pPr>
+          </a:lstStyle>
+          <a:p>
+            <a:pPr eaLnBrk="1" hangingPunct="1"/>
+            <a:endParaRPr lang="zh-CN" altLang="en-US" sz="1350">
+              <a:solidFill>
+                <a:srgbClr val="C4261D"/>
+              </a:solidFill>
+            </a:endParaRPr>
+          </a:p>
+        </p:txBody>
+      </p:sp>
+      <p:cxnSp>
+        <p:nvCxnSpPr>
+          <p:cNvPr id="26" name="Straight Connector 25"/>
+          <p:cNvCxnSpPr/>
+          <p:nvPr/>
+        </p:nvCxnSpPr>
+        <p:spPr>
+          <a:xfrm>
+            <a:off x="261620" y="3963035"/>
+            <a:ext cx="4236720" cy="8255"/>
+          </a:xfrm>
+          <a:prstGeom prst="line">
+            <a:avLst/>
+          </a:prstGeom>
+          <a:ln w="19050">
+            <a:solidFill>
+              <a:schemeClr val="tx1"/>
+            </a:solidFill>
+          </a:ln>
+        </p:spPr>
+        <p:style>
+          <a:lnRef idx="1">
+            <a:schemeClr val="accent1"/>
+          </a:lnRef>
+          <a:fillRef idx="0">
+            <a:schemeClr val="accent1"/>
+          </a:fillRef>
+          <a:effectRef idx="0">
+            <a:schemeClr val="accent1"/>
+          </a:effectRef>
+          <a:fontRef idx="minor">
+            <a:schemeClr val="tx1"/>
+          </a:fontRef>
+        </p:style>
+      </p:cxnSp>
+      <p:sp>
+        <p:nvSpPr>
+          <p:cNvPr id="27" name="Text Box 26"/>
+          <p:cNvSpPr txBox="true"/>
+          <p:nvPr/>
+        </p:nvSpPr>
+        <p:spPr>
+          <a:xfrm>
+            <a:off x="299720" y="2815590"/>
+            <a:ext cx="4404360" cy="1198880"/>
+          </a:xfrm>
+          <a:prstGeom prst="rect">
+            <a:avLst/>
+          </a:prstGeom>
+          <a:noFill/>
+        </p:spPr>
+        <p:txBody>
+          <a:bodyPr wrap="square" rtlCol="0">
+            <a:spAutoFit/>
+          </a:bodyPr>
+          <a:p>
+            <a:r>
+              <a:rPr lang="zh-CN" altLang="en-US" sz="900"/>
+              <a:t>文本段落：2008年夏季奥林匹克运动会马术比赛－团体三项赛于2008年8月9日至8月12日在香港的香港奥运马术场举行，团体三项赛是本届马术射击比赛最早举行的小项，亦是开幕式后首个进行的比赛小项，比赛共有来自11个国家或地区的53名运动员参与面积2.04平方公里，户籍人口7.04万人（2008年），下辖21个居委会。华阳路街道的主要街道长宁路和定西路，构成繁华的中山公园商圈。辖区内的圣约翰大学旧址（今华东政法大学）、中山公园，是愚园路历史文化风貌区的重要组成部分。上海市轨道交通二号线、三号线、四号线以该街道辖区的中山公园站为换乘枢纽。</a:t>
+            </a:r>
+            <a:endParaRPr lang="zh-CN" altLang="en-US" sz="900"/>
+          </a:p>
+        </p:txBody>
+      </p:sp>
+      <p:sp>
+        <p:nvSpPr>
+          <p:cNvPr id="28" name="Text Box 27"/>
+          <p:cNvSpPr txBox="true"/>
+          <p:nvPr/>
+        </p:nvSpPr>
+        <p:spPr>
+          <a:xfrm>
+            <a:off x="261620" y="3963035"/>
+            <a:ext cx="4057015" cy="229870"/>
+          </a:xfrm>
+          <a:prstGeom prst="rect">
+            <a:avLst/>
+          </a:prstGeom>
+          <a:noFill/>
+        </p:spPr>
+        <p:txBody>
+          <a:bodyPr wrap="square" rtlCol="0">
+            <a:spAutoFit/>
+          </a:bodyPr>
+          <a:p>
+            <a:r>
+              <a:rPr lang="zh-CN" altLang="en-US" sz="900">
+                <a:solidFill>
+                  <a:schemeClr val="tx1"/>
+                </a:solidFill>
+                <a:uFillTx/>
+              </a:rPr>
+              <a:t>问题：华阳路街道四周相连的是什么地方？</a:t>
+            </a:r>
+            <a:endParaRPr lang="zh-CN" altLang="en-US" sz="900">
+              <a:solidFill>
+                <a:schemeClr val="tx1"/>
+              </a:solidFill>
+              <a:uFillTx/>
+            </a:endParaRPr>
+          </a:p>
+        </p:txBody>
+      </p:sp>
+      <p:sp>
+        <p:nvSpPr>
+          <p:cNvPr id="29" name="圆角矩形 8"/>
+          <p:cNvSpPr>
+            <a:spLocks noChangeArrowheads="true"/>
+          </p:cNvSpPr>
+          <p:nvPr/>
+        </p:nvSpPr>
+        <p:spPr bwMode="auto">
+          <a:xfrm>
+            <a:off x="4685030" y="2815590"/>
+            <a:ext cx="4368800" cy="1377315"/>
+          </a:xfrm>
+          <a:prstGeom prst="roundRect">
+            <a:avLst>
+              <a:gd name="adj" fmla="val 4324"/>
+            </a:avLst>
+          </a:prstGeom>
+          <a:solidFill>
+            <a:srgbClr val="F2F2F2"/>
+          </a:solidFill>
+          <a:ln w="9525">
+            <a:solidFill>
+              <a:schemeClr val="tx1"/>
+            </a:solidFill>
+            <a:round/>
+          </a:ln>
+        </p:spPr>
+        <p:txBody>
+          <a:bodyPr/>
+          <a:lstStyle>
+            <a:lvl1pPr eaLnBrk="0" hangingPunct="0">
+              <a:defRPr>
+                <a:solidFill>
+                  <a:schemeClr val="tx1"/>
+                </a:solidFill>
+                <a:latin typeface="Arial" panose="02080604020202020204" pitchFamily="34" charset="0"/>
+                <a:ea typeface="宋体" pitchFamily="2" charset="-122"/>
+              </a:defRPr>
+            </a:lvl1pPr>
+            <a:lvl2pPr eaLnBrk="0" hangingPunct="0">
+              <a:defRPr>
+                <a:solidFill>
+                  <a:schemeClr val="tx1"/>
+                </a:solidFill>
+                <a:latin typeface="Arial" panose="02080604020202020204" pitchFamily="34" charset="0"/>
+                <a:ea typeface="宋体" pitchFamily="2" charset="-122"/>
+              </a:defRPr>
+            </a:lvl2pPr>
+            <a:lvl3pPr eaLnBrk="0" hangingPunct="0">
+              <a:defRPr>
+                <a:solidFill>
+                  <a:schemeClr val="tx1"/>
+                </a:solidFill>
+                <a:latin typeface="Arial" panose="02080604020202020204" pitchFamily="34" charset="0"/>
+                <a:ea typeface="宋体" pitchFamily="2" charset="-122"/>
+              </a:defRPr>
+            </a:lvl3pPr>
+            <a:lvl4pPr eaLnBrk="0" hangingPunct="0">
+              <a:defRPr>
+                <a:solidFill>
+                  <a:schemeClr val="tx1"/>
+                </a:solidFill>
+                <a:latin typeface="Arial" panose="02080604020202020204" pitchFamily="34" charset="0"/>
+                <a:ea typeface="宋体" pitchFamily="2" charset="-122"/>
+              </a:defRPr>
+            </a:lvl4pPr>
+            <a:lvl5pPr eaLnBrk="0" hangingPunct="0">
+              <a:defRPr>
+                <a:solidFill>
+                  <a:schemeClr val="tx1"/>
+                </a:solidFill>
+                <a:latin typeface="Arial" panose="02080604020202020204" pitchFamily="34" charset="0"/>
+                <a:ea typeface="宋体" pitchFamily="2" charset="-122"/>
+              </a:defRPr>
+            </a:lvl5pPr>
+            <a:lvl6pPr eaLnBrk="0" fontAlgn="base" hangingPunct="0">
+              <a:spcBef>
+                <a:spcPct val="0"/>
+              </a:spcBef>
+              <a:spcAft>
+                <a:spcPct val="0"/>
+              </a:spcAft>
+              <a:buFont typeface="Arial" panose="02080604020202020204" pitchFamily="34" charset="0"/>
+              <a:defRPr>
+                <a:solidFill>
+                  <a:schemeClr val="tx1"/>
+                </a:solidFill>
+                <a:latin typeface="Arial" panose="02080604020202020204" pitchFamily="34" charset="0"/>
+                <a:ea typeface="宋体" pitchFamily="2" charset="-122"/>
+              </a:defRPr>
+            </a:lvl6pPr>
+            <a:lvl7pPr eaLnBrk="0" fontAlgn="base" hangingPunct="0">
+              <a:spcBef>
+                <a:spcPct val="0"/>
+              </a:spcBef>
+              <a:spcAft>
+                <a:spcPct val="0"/>
+              </a:spcAft>
+              <a:buFont typeface="Arial" panose="02080604020202020204" pitchFamily="34" charset="0"/>
+              <a:defRPr>
+                <a:solidFill>
+                  <a:schemeClr val="tx1"/>
+                </a:solidFill>
+                <a:latin typeface="Arial" panose="02080604020202020204" pitchFamily="34" charset="0"/>
+                <a:ea typeface="宋体" pitchFamily="2" charset="-122"/>
+              </a:defRPr>
+            </a:lvl7pPr>
+            <a:lvl8pPr eaLnBrk="0" fontAlgn="base" hangingPunct="0">
+              <a:spcBef>
+                <a:spcPct val="0"/>
+              </a:spcBef>
+              <a:spcAft>
+                <a:spcPct val="0"/>
+              </a:spcAft>
+              <a:buFont typeface="Arial" panose="02080604020202020204" pitchFamily="34" charset="0"/>
+              <a:defRPr>
+                <a:solidFill>
+                  <a:schemeClr val="tx1"/>
+                </a:solidFill>
+                <a:latin typeface="Arial" panose="02080604020202020204" pitchFamily="34" charset="0"/>
+                <a:ea typeface="宋体" pitchFamily="2" charset="-122"/>
+              </a:defRPr>
+            </a:lvl8pPr>
+            <a:lvl9pPr eaLnBrk="0" fontAlgn="base" hangingPunct="0">
+              <a:spcBef>
+                <a:spcPct val="0"/>
+              </a:spcBef>
+              <a:spcAft>
+                <a:spcPct val="0"/>
+              </a:spcAft>
+              <a:buFont typeface="Arial" panose="02080604020202020204" pitchFamily="34" charset="0"/>
+              <a:defRPr>
+                <a:solidFill>
+                  <a:schemeClr val="tx1"/>
+                </a:solidFill>
+                <a:latin typeface="Arial" panose="02080604020202020204" pitchFamily="34" charset="0"/>
+                <a:ea typeface="宋体" pitchFamily="2" charset="-122"/>
+              </a:defRPr>
+            </a:lvl9pPr>
+          </a:lstStyle>
+          <a:p>
+            <a:pPr eaLnBrk="1" hangingPunct="1"/>
+            <a:endParaRPr lang="zh-CN" altLang="en-US" sz="1350">
+              <a:solidFill>
+                <a:srgbClr val="C4261D"/>
+              </a:solidFill>
+            </a:endParaRPr>
+          </a:p>
+        </p:txBody>
+      </p:sp>
+      <p:cxnSp>
+        <p:nvCxnSpPr>
+          <p:cNvPr id="30" name="Straight Connector 29"/>
+          <p:cNvCxnSpPr/>
+          <p:nvPr/>
+        </p:nvCxnSpPr>
+        <p:spPr>
+          <a:xfrm>
+            <a:off x="4685030" y="3963035"/>
+            <a:ext cx="4236720" cy="8255"/>
+          </a:xfrm>
+          <a:prstGeom prst="line">
+            <a:avLst/>
+          </a:prstGeom>
+          <a:ln w="19050">
+            <a:solidFill>
+              <a:schemeClr val="tx1"/>
+            </a:solidFill>
+          </a:ln>
+        </p:spPr>
+        <p:style>
+          <a:lnRef idx="1">
+            <a:schemeClr val="accent1"/>
+          </a:lnRef>
+          <a:fillRef idx="0">
+            <a:schemeClr val="accent1"/>
+          </a:fillRef>
+          <a:effectRef idx="0">
+            <a:schemeClr val="accent1"/>
+          </a:effectRef>
+          <a:fontRef idx="minor">
+            <a:schemeClr val="tx1"/>
+          </a:fontRef>
+        </p:style>
+      </p:cxnSp>
+      <p:sp>
+        <p:nvSpPr>
+          <p:cNvPr id="31" name="Text Box 30"/>
+          <p:cNvSpPr txBox="true"/>
+          <p:nvPr/>
+        </p:nvSpPr>
+        <p:spPr>
+          <a:xfrm>
+            <a:off x="4723130" y="2815590"/>
+            <a:ext cx="4404360" cy="922020"/>
+          </a:xfrm>
+          <a:prstGeom prst="rect">
+            <a:avLst/>
+          </a:prstGeom>
+          <a:noFill/>
+        </p:spPr>
+        <p:txBody>
+          <a:bodyPr wrap="square" rtlCol="0">
+            <a:spAutoFit/>
+          </a:bodyPr>
+          <a:p>
+            <a:r>
+              <a:rPr lang="zh-CN" altLang="en-US" sz="900"/>
+              <a:t>文本段落：米象或米象鼻虫（学名：），俗称米虫、谷牛，中国北方地区称为麦甲。在台湾、日本和世界其他地方均有分布。常生活在谷物中，繁殖速度快，为谷物中主要的害虫。米象每年约有8～9个世代，一世代约20～50天，在高温下繁殖较快，32℃时一世代只需25天。成虫平均寿命达3个月。成虫用口器将谷物啮成深孔，并产卵于孔内，通常一粒谷粒产一卵，数量依谷粒大小而异。幼虫孵化后以谷粒为食，将谷粒蛀穿成弯曲隧道，并逐渐囓成虫粪则排于谷粒外。</a:t>
+            </a:r>
+            <a:endParaRPr lang="zh-CN" altLang="en-US" sz="900"/>
+          </a:p>
+        </p:txBody>
+      </p:sp>
+      <p:sp>
+        <p:nvSpPr>
+          <p:cNvPr id="32" name="Text Box 31"/>
+          <p:cNvSpPr txBox="true"/>
+          <p:nvPr/>
+        </p:nvSpPr>
+        <p:spPr>
+          <a:xfrm>
+            <a:off x="4685030" y="3963035"/>
+            <a:ext cx="4057015" cy="229870"/>
+          </a:xfrm>
+          <a:prstGeom prst="rect">
+            <a:avLst/>
+          </a:prstGeom>
+          <a:noFill/>
+        </p:spPr>
+        <p:txBody>
+          <a:bodyPr wrap="square" rtlCol="0">
+            <a:spAutoFit/>
+          </a:bodyPr>
+          <a:p>
+            <a:r>
+              <a:rPr lang="zh-CN" altLang="en-US" sz="900">
+                <a:solidFill>
+                  <a:schemeClr val="tx1"/>
+                </a:solidFill>
+                <a:uFillTx/>
+              </a:rPr>
+              <a:t>问题：华阳路街道四周相连的是什么地方？</a:t>
+            </a:r>
+            <a:endParaRPr lang="zh-CN" altLang="en-US" sz="900">
+              <a:solidFill>
+                <a:schemeClr val="tx1"/>
+              </a:solidFill>
+              <a:uFillTx/>
+            </a:endParaRPr>
+          </a:p>
+        </p:txBody>
+      </p:sp>
+      <p:sp>
+        <p:nvSpPr>
+          <p:cNvPr id="33" name="Text Box 32"/>
+          <p:cNvSpPr txBox="true"/>
+          <p:nvPr/>
+        </p:nvSpPr>
+        <p:spPr>
+          <a:xfrm>
+            <a:off x="900430" y="4240530"/>
+            <a:ext cx="2981325" cy="299085"/>
+          </a:xfrm>
+          <a:prstGeom prst="rect">
+            <a:avLst/>
+          </a:prstGeom>
+          <a:noFill/>
+        </p:spPr>
+        <p:txBody>
+          <a:bodyPr wrap="square" rtlCol="0">
+            <a:spAutoFit/>
+          </a:bodyPr>
+          <a:p>
+            <a:r>
+              <a:rPr lang="zh-CN" altLang="en-US"/>
+              <a:t>随机选取句子替换掉答案所在的句子</a:t>
+            </a:r>
+            <a:endParaRPr lang="zh-CN" altLang="en-US"/>
+          </a:p>
+        </p:txBody>
+      </p:sp>
+      <p:sp>
+        <p:nvSpPr>
+          <p:cNvPr id="34" name="Text Box 33"/>
+          <p:cNvSpPr txBox="true"/>
+          <p:nvPr/>
+        </p:nvSpPr>
+        <p:spPr>
+          <a:xfrm>
+            <a:off x="5760720" y="4240530"/>
+            <a:ext cx="2981325" cy="299085"/>
+          </a:xfrm>
+          <a:prstGeom prst="rect">
+            <a:avLst/>
+          </a:prstGeom>
+          <a:noFill/>
+        </p:spPr>
+        <p:txBody>
+          <a:bodyPr wrap="square" rtlCol="0">
+            <a:spAutoFit/>
+          </a:bodyPr>
+          <a:p>
+            <a:r>
+              <a:rPr lang="zh-CN" altLang="en-US"/>
+              <a:t>随机选取一篇文章替换原来的文章</a:t>
+            </a:r>
+            <a:endParaRPr lang="zh-CN" altLang="en-US"/>
           </a:p>
         </p:txBody>
       </p:sp>
@@ -24968,7 +26350,7 @@
         </p:nvSpPr>
         <p:spPr bwMode="auto">
           <a:xfrm>
-            <a:off x="2886710" y="1560830"/>
+            <a:off x="2983230" y="1552575"/>
             <a:ext cx="5118735" cy="2917190"/>
           </a:xfrm>
           <a:prstGeom prst="roundRect">
@@ -25117,7 +26499,7 @@
         </p:nvCxnSpPr>
         <p:spPr>
           <a:xfrm>
-            <a:off x="2886710" y="3468370"/>
+            <a:off x="2963545" y="3460115"/>
             <a:ext cx="5138420" cy="7620"/>
           </a:xfrm>
           <a:prstGeom prst="line">
@@ -25153,7 +26535,7 @@
         <p:spPr>
           <a:xfrm>
             <a:off x="2988945" y="1642745"/>
-            <a:ext cx="5113020" cy="1545590"/>
+            <a:ext cx="5113020" cy="1753235"/>
           </a:xfrm>
           <a:prstGeom prst="rect">
             <a:avLst/>
@@ -25167,19 +26549,20 @@
           <a:p>
             <a:r>
               <a:rPr lang="zh-CN" altLang="en-US"/>
-              <a:t>网球的前身是14世纪流行於法国宫廷的一种叫「掌球戏」的游戏。规则是两名玩家隔著一条绳子，使用手掌将被布包著头髮製成的球互相对打。其后这种游戏经过发展和改良，用网代替绳子，并将以手击球改为用木製球拍，随后木拍更拉上弦线。由18世纪开始，欧洲民间也开始出现这种游戏，并且於19世纪盛行於欧洲。现代的网球则於1873年12月由</a:t>
-            </a:r>
-            <a:r>
-              <a:rPr lang="zh-CN" altLang="en-US">
-                <a:solidFill>
-                  <a:srgbClr val="FF0000"/>
-                </a:solidFill>
+              <a:t>华阳路街道是中国上海市长宁区下辖的一个街道办事处，位于长宁区东部，</a:t>
+            </a:r>
+            <a:r>
+              <a:rPr lang="zh-CN" altLang="en-US" sz="1300">
+                <a:solidFill>
+                  <a:srgbClr val="D43C2C"/>
+                </a:solidFill>
+                <a:uFillTx/>
               </a:rPr>
-              <a:t>华尔特·科洛普顿·温菲尔德</a:t>
+              <a:t>东到长宁路、安西路、武夷路接邻江苏路街道，北到苏州河接邻普陀区</a:t>
             </a:r>
             <a:r>
               <a:rPr lang="zh-CN" altLang="en-US"/>
-              <a:t>少校在英国发明，当时这个游戏是用来在后院的派对中取悦客人。</a:t>
+              <a:t>。面积2.04平方公里，户籍人口7.04万人（2008年），下辖21个居委会。华阳路街道的主要街道长宁路和定西路，构成繁华的中山公园商圈。辖区内的圣约翰大学旧址（今华东政法大学）、中山公园，是愚园路历史文化风貌区的重要组成部分。上海市轨道交通二号线、三号线、四号线以该街道辖区的中山公园站为换乘枢纽。</a:t>
             </a:r>
             <a:endParaRPr lang="zh-CN" altLang="en-US"/>
           </a:p>
@@ -25194,7 +26577,7 @@
         <p:spPr>
           <a:xfrm>
             <a:off x="2997200" y="3529330"/>
-            <a:ext cx="3034665" cy="299085"/>
+            <a:ext cx="4880610" cy="299085"/>
           </a:xfrm>
           <a:prstGeom prst="rect">
             <a:avLst/>
@@ -25208,15 +26591,7 @@
           <a:p>
             <a:r>
               <a:rPr lang="zh-CN" altLang="en-US"/>
-              <a:t>问题：</a:t>
-            </a:r>
-            <a:r>
-              <a:rPr lang="en-US"/>
-              <a:t>是谁让现代网球诞生了</a:t>
-            </a:r>
-            <a:r>
-              <a:rPr lang="zh-CN" altLang="en-US"/>
-              <a:t>？</a:t>
+              <a:t>问题：华阳路街道四周相连的是什么地方？</a:t>
             </a:r>
             <a:endParaRPr lang="zh-CN" altLang="en-US"/>
           </a:p>
@@ -25230,7 +26605,7 @@
         </p:nvCxnSpPr>
         <p:spPr>
           <a:xfrm>
-            <a:off x="2886710" y="3899535"/>
+            <a:off x="2997200" y="3928745"/>
             <a:ext cx="5138420" cy="7620"/>
           </a:xfrm>
           <a:prstGeom prst="line">
@@ -25265,8 +26640,8 @@
         </p:nvSpPr>
         <p:spPr>
           <a:xfrm>
-            <a:off x="2997200" y="4036695"/>
-            <a:ext cx="3034665" cy="299085"/>
+            <a:off x="2997200" y="3963035"/>
+            <a:ext cx="5224780" cy="499110"/>
           </a:xfrm>
           <a:prstGeom prst="rect">
             <a:avLst/>
@@ -25280,9 +26655,25 @@
           <a:p>
             <a:r>
               <a:rPr lang="zh-CN" altLang="en-US"/>
-              <a:t>答案：华尔特·科洛普顿·温菲尔德</a:t>
-            </a:r>
-            <a:endParaRPr lang="zh-CN" altLang="en-US"/>
+              <a:t>答案：</a:t>
+            </a:r>
+            <a:r>
+              <a:rPr lang="zh-CN" altLang="en-US" sz="1300">
+                <a:solidFill>
+                  <a:schemeClr val="tx1"/>
+                </a:solidFill>
+                <a:uFillTx/>
+                <a:sym typeface="+mn-ea"/>
+              </a:rPr>
+              <a:t>东到长宁路、安西路、武夷路接邻江苏路街道，北到苏州河接邻普陀区</a:t>
+            </a:r>
+            <a:endParaRPr lang="zh-CN" altLang="en-US" sz="1300">
+              <a:solidFill>
+                <a:schemeClr val="tx1"/>
+              </a:solidFill>
+              <a:uFillTx/>
+              <a:sym typeface="+mn-ea"/>
+            </a:endParaRPr>
           </a:p>
         </p:txBody>
       </p:sp>

--- a/孙相会.pptx
+++ b/孙相会.pptx
@@ -28,15 +28,17 @@
     <p:sldId id="494" r:id="rId21"/>
     <p:sldId id="499" r:id="rId22"/>
     <p:sldId id="511" r:id="rId23"/>
-    <p:sldId id="396" r:id="rId24"/>
-    <p:sldId id="397" r:id="rId25"/>
-    <p:sldId id="454" r:id="rId26"/>
-    <p:sldId id="398" r:id="rId27"/>
-    <p:sldId id="399" r:id="rId28"/>
-    <p:sldId id="404" r:id="rId29"/>
-    <p:sldId id="407" r:id="rId30"/>
-    <p:sldId id="406" r:id="rId31"/>
-    <p:sldId id="403" r:id="rId32"/>
+    <p:sldId id="521" r:id="rId24"/>
+    <p:sldId id="522" r:id="rId25"/>
+    <p:sldId id="396" r:id="rId26"/>
+    <p:sldId id="397" r:id="rId27"/>
+    <p:sldId id="454" r:id="rId28"/>
+    <p:sldId id="398" r:id="rId29"/>
+    <p:sldId id="399" r:id="rId30"/>
+    <p:sldId id="404" r:id="rId31"/>
+    <p:sldId id="407" r:id="rId32"/>
+    <p:sldId id="406" r:id="rId33"/>
+    <p:sldId id="403" r:id="rId34"/>
   </p:sldIdLst>
   <p:sldSz cx="9144000" cy="5143500" type="screen16x9"/>
   <p:notesSz cx="6858000" cy="9144000"/>
@@ -1584,6 +1586,162 @@
 </file>
 
 <file path=ppt/notesSlides/notesSlide22.xml><?xml version="1.0" encoding="utf-8"?>
+<p:notes xmlns:a="http://schemas.openxmlformats.org/drawingml/2006/main" xmlns:r="http://schemas.openxmlformats.org/officeDocument/2006/relationships" xmlns:p="http://schemas.openxmlformats.org/presentationml/2006/main">
+  <p:cSld>
+    <p:spTree>
+      <p:nvGrpSpPr>
+        <p:cNvPr id="1" name=""/>
+        <p:cNvGrpSpPr/>
+        <p:nvPr/>
+      </p:nvGrpSpPr>
+      <p:grpSpPr>
+        <a:xfrm>
+          <a:off x="0" y="0"/>
+          <a:ext cx="0" cy="0"/>
+          <a:chOff x="0" y="0"/>
+          <a:chExt cx="0" cy="0"/>
+        </a:xfrm>
+      </p:grpSpPr>
+      <p:sp>
+        <p:nvSpPr>
+          <p:cNvPr id="2" name="幻灯片图像占位符 1"/>
+          <p:cNvSpPr>
+            <a:spLocks noGrp="true" noRot="true" noChangeAspect="true"/>
+          </p:cNvSpPr>
+          <p:nvPr>
+            <p:ph type="sldImg"/>
+          </p:nvPr>
+        </p:nvSpPr>
+        <p:spPr/>
+      </p:sp>
+      <p:sp>
+        <p:nvSpPr>
+          <p:cNvPr id="3" name="备注占位符 2"/>
+          <p:cNvSpPr>
+            <a:spLocks noGrp="true"/>
+          </p:cNvSpPr>
+          <p:nvPr>
+            <p:ph type="body" idx="1"/>
+          </p:nvPr>
+        </p:nvSpPr>
+        <p:spPr/>
+        <p:txBody>
+          <a:bodyPr/>
+          <a:lstStyle/>
+          <a:p>
+            <a:endParaRPr lang="zh-CN" altLang="en-US"/>
+          </a:p>
+        </p:txBody>
+      </p:sp>
+      <p:sp>
+        <p:nvSpPr>
+          <p:cNvPr id="4" name="灯片编号占位符 3"/>
+          <p:cNvSpPr>
+            <a:spLocks noGrp="true"/>
+          </p:cNvSpPr>
+          <p:nvPr>
+            <p:ph type="sldNum" sz="quarter" idx="10"/>
+          </p:nvPr>
+        </p:nvSpPr>
+        <p:spPr/>
+        <p:txBody>
+          <a:bodyPr/>
+          <a:lstStyle/>
+          <a:p>
+            <a:fld id="{74E7DC6A-F9F9-48DB-9FE7-E174AE05389F}" type="slidenum">
+              <a:rPr lang="zh-CN" altLang="en-US" smtClean="0"/>
+            </a:fld>
+            <a:endParaRPr lang="zh-CN" altLang="en-US"/>
+          </a:p>
+        </p:txBody>
+      </p:sp>
+    </p:spTree>
+  </p:cSld>
+  <p:clrMapOvr>
+    <a:masterClrMapping/>
+  </p:clrMapOvr>
+</p:notes>
+</file>
+
+<file path=ppt/notesSlides/notesSlide23.xml><?xml version="1.0" encoding="utf-8"?>
+<p:notes xmlns:a="http://schemas.openxmlformats.org/drawingml/2006/main" xmlns:r="http://schemas.openxmlformats.org/officeDocument/2006/relationships" xmlns:p="http://schemas.openxmlformats.org/presentationml/2006/main">
+  <p:cSld>
+    <p:spTree>
+      <p:nvGrpSpPr>
+        <p:cNvPr id="1" name=""/>
+        <p:cNvGrpSpPr/>
+        <p:nvPr/>
+      </p:nvGrpSpPr>
+      <p:grpSpPr>
+        <a:xfrm>
+          <a:off x="0" y="0"/>
+          <a:ext cx="0" cy="0"/>
+          <a:chOff x="0" y="0"/>
+          <a:chExt cx="0" cy="0"/>
+        </a:xfrm>
+      </p:grpSpPr>
+      <p:sp>
+        <p:nvSpPr>
+          <p:cNvPr id="2" name="幻灯片图像占位符 1"/>
+          <p:cNvSpPr>
+            <a:spLocks noGrp="true" noRot="true" noChangeAspect="true"/>
+          </p:cNvSpPr>
+          <p:nvPr>
+            <p:ph type="sldImg"/>
+          </p:nvPr>
+        </p:nvSpPr>
+        <p:spPr/>
+      </p:sp>
+      <p:sp>
+        <p:nvSpPr>
+          <p:cNvPr id="3" name="备注占位符 2"/>
+          <p:cNvSpPr>
+            <a:spLocks noGrp="true"/>
+          </p:cNvSpPr>
+          <p:nvPr>
+            <p:ph type="body" idx="1"/>
+          </p:nvPr>
+        </p:nvSpPr>
+        <p:spPr/>
+        <p:txBody>
+          <a:bodyPr/>
+          <a:lstStyle/>
+          <a:p>
+            <a:endParaRPr lang="zh-CN" altLang="en-US"/>
+          </a:p>
+        </p:txBody>
+      </p:sp>
+      <p:sp>
+        <p:nvSpPr>
+          <p:cNvPr id="4" name="灯片编号占位符 3"/>
+          <p:cNvSpPr>
+            <a:spLocks noGrp="true"/>
+          </p:cNvSpPr>
+          <p:nvPr>
+            <p:ph type="sldNum" sz="quarter" idx="10"/>
+          </p:nvPr>
+        </p:nvSpPr>
+        <p:spPr/>
+        <p:txBody>
+          <a:bodyPr/>
+          <a:lstStyle/>
+          <a:p>
+            <a:fld id="{74E7DC6A-F9F9-48DB-9FE7-E174AE05389F}" type="slidenum">
+              <a:rPr lang="zh-CN" altLang="en-US" smtClean="0"/>
+            </a:fld>
+            <a:endParaRPr lang="zh-CN" altLang="en-US"/>
+          </a:p>
+        </p:txBody>
+      </p:sp>
+    </p:spTree>
+  </p:cSld>
+  <p:clrMapOvr>
+    <a:masterClrMapping/>
+  </p:clrMapOvr>
+</p:notes>
+</file>
+
+<file path=ppt/notesSlides/notesSlide24.xml><?xml version="1.0" encoding="utf-8"?>
 <p:notes xmlns:a="http://schemas.openxmlformats.org/drawingml/2006/main" xmlns:r="http://schemas.openxmlformats.org/officeDocument/2006/relationships" xmlns:p="http://schemas.openxmlformats.org/presentationml/2006/main">
   <p:cSld>
     <p:spTree>
@@ -14509,14 +14667,14 @@
               <a:t>共有</a:t>
             </a:r>
             <a:r>
-              <a:rPr lang="" altLang="zh-CN"/>
+              <a:rPr lang="en-US" altLang="zh-CN"/>
               <a:t>152241</a:t>
             </a:r>
             <a:r>
-              <a:rPr lang="zh-CN" altLang=""/>
+              <a:rPr lang="zh-CN" altLang="en-US"/>
               <a:t>个样本</a:t>
             </a:r>
-            <a:endParaRPr lang="zh-CN" altLang=""/>
+            <a:endParaRPr lang="zh-CN" altLang="en-US"/>
           </a:p>
         </p:txBody>
       </p:sp>
@@ -14729,7 +14887,6 @@
           <a:p>
             <a:r>
               <a:rPr lang="zh-CN" altLang="en-US">
-                <a:ln/>
                 <a:solidFill>
                   <a:schemeClr val="tx1"/>
                 </a:solidFill>
@@ -16802,7 +16959,7 @@
         <p:spPr>
           <a:xfrm>
             <a:off x="5944870" y="2266950"/>
-            <a:ext cx="2477770" cy="299085"/>
+            <a:ext cx="2477770" cy="506730"/>
           </a:xfrm>
           <a:prstGeom prst="rect">
             <a:avLst/>
@@ -16816,7 +16973,7 @@
           <a:p>
             <a:r>
               <a:rPr lang="zh-CN" altLang="en-US"/>
-              <a:t>删除答案所在的句子</a:t>
+              <a:t>删除答案所在的句子（构造一个负样本）</a:t>
             </a:r>
             <a:endParaRPr lang="zh-CN" altLang="en-US"/>
           </a:p>
@@ -17593,7 +17750,7 @@
         <p:spPr>
           <a:xfrm>
             <a:off x="900430" y="4240530"/>
-            <a:ext cx="2981325" cy="299085"/>
+            <a:ext cx="2981325" cy="506730"/>
           </a:xfrm>
           <a:prstGeom prst="rect">
             <a:avLst/>
@@ -17607,9 +17764,17 @@
           <a:p>
             <a:r>
               <a:rPr lang="zh-CN" altLang="en-US"/>
-              <a:t>随机选取句子替换掉答案所在的句子</a:t>
-            </a:r>
-            <a:endParaRPr lang="zh-CN" altLang="en-US"/>
+              <a:t>随机选取句子替换掉答案所在的句子，构造</a:t>
+            </a:r>
+            <a:r>
+              <a:rPr lang="" altLang="zh-CN"/>
+              <a:t>3</a:t>
+            </a:r>
+            <a:r>
+              <a:rPr lang="zh-CN" altLang=""/>
+              <a:t>个负样本</a:t>
+            </a:r>
+            <a:endParaRPr lang="zh-CN" altLang=""/>
           </a:p>
         </p:txBody>
       </p:sp>
@@ -17622,7 +17787,7 @@
         <p:spPr>
           <a:xfrm>
             <a:off x="5760720" y="4240530"/>
-            <a:ext cx="2981325" cy="299085"/>
+            <a:ext cx="2981325" cy="506730"/>
           </a:xfrm>
           <a:prstGeom prst="rect">
             <a:avLst/>
@@ -17636,7 +17801,14 @@
           <a:p>
             <a:r>
               <a:rPr lang="zh-CN" altLang="en-US"/>
-              <a:t>随机选取一篇文章替换原来的文章</a:t>
+              <a:t>随机选取一篇文章替换原来的文章，</a:t>
+            </a:r>
+            <a:endParaRPr lang="zh-CN" altLang="en-US"/>
+          </a:p>
+          <a:p>
+            <a:r>
+              <a:rPr lang="zh-CN" altLang="en-US"/>
+              <a:t>构造一个负样本</a:t>
             </a:r>
             <a:endParaRPr lang="zh-CN" altLang="en-US"/>
           </a:p>
@@ -17723,6 +17895,1642 @@
       </p:pic>
       <p:sp>
         <p:nvSpPr>
+          <p:cNvPr id="3" name="Text Box 2"/>
+          <p:cNvSpPr txBox="true"/>
+          <p:nvPr/>
+        </p:nvSpPr>
+        <p:spPr>
+          <a:xfrm>
+            <a:off x="508635" y="194310"/>
+            <a:ext cx="2943225" cy="583565"/>
+          </a:xfrm>
+          <a:prstGeom prst="rect">
+            <a:avLst/>
+          </a:prstGeom>
+          <a:noFill/>
+        </p:spPr>
+        <p:txBody>
+          <a:bodyPr wrap="square" rtlCol="0">
+            <a:spAutoFit/>
+          </a:bodyPr>
+          <a:p>
+            <a:r>
+              <a:rPr lang="zh-CN" altLang="en-US" sz="3200">
+                <a:ln w="12700">
+                  <a:solidFill>
+                    <a:schemeClr val="tx2">
+                      <a:lumMod val="75000"/>
+                    </a:schemeClr>
+                  </a:solidFill>
+                  <a:prstDash val="solid"/>
+                </a:ln>
+                <a:pattFill prst="dkUpDiag">
+                  <a:fgClr>
+                    <a:schemeClr val="tx2"/>
+                  </a:fgClr>
+                  <a:bgClr>
+                    <a:schemeClr val="tx2">
+                      <a:lumMod val="20000"/>
+                      <a:lumOff val="80000"/>
+                    </a:schemeClr>
+                  </a:bgClr>
+                </a:pattFill>
+                <a:effectLst>
+                  <a:outerShdw dist="38100" dir="2640000" algn="bl" rotWithShape="0">
+                    <a:schemeClr val="tx2">
+                      <a:lumMod val="75000"/>
+                    </a:schemeClr>
+                  </a:outerShdw>
+                </a:effectLst>
+              </a:rPr>
+              <a:t>已完成进度</a:t>
+            </a:r>
+            <a:endParaRPr lang="zh-CN" altLang="en-US" sz="3200">
+              <a:ln w="12700">
+                <a:solidFill>
+                  <a:schemeClr val="tx2">
+                    <a:lumMod val="75000"/>
+                  </a:schemeClr>
+                </a:solidFill>
+                <a:prstDash val="solid"/>
+              </a:ln>
+              <a:pattFill prst="dkUpDiag">
+                <a:fgClr>
+                  <a:schemeClr val="tx2"/>
+                </a:fgClr>
+                <a:bgClr>
+                  <a:schemeClr val="tx2">
+                    <a:lumMod val="20000"/>
+                    <a:lumOff val="80000"/>
+                  </a:schemeClr>
+                </a:bgClr>
+              </a:pattFill>
+              <a:effectLst>
+                <a:outerShdw dist="38100" dir="2640000" algn="bl" rotWithShape="0">
+                  <a:schemeClr val="tx2">
+                    <a:lumMod val="75000"/>
+                  </a:schemeClr>
+                </a:outerShdw>
+              </a:effectLst>
+            </a:endParaRPr>
+          </a:p>
+        </p:txBody>
+      </p:sp>
+      <p:sp>
+        <p:nvSpPr>
+          <p:cNvPr id="6" name="Text Box 5"/>
+          <p:cNvSpPr txBox="true"/>
+          <p:nvPr/>
+        </p:nvSpPr>
+        <p:spPr>
+          <a:xfrm>
+            <a:off x="5195570" y="4758690"/>
+            <a:ext cx="3811270" cy="299085"/>
+          </a:xfrm>
+          <a:prstGeom prst="rect">
+            <a:avLst/>
+          </a:prstGeom>
+          <a:noFill/>
+        </p:spPr>
+        <p:txBody>
+          <a:bodyPr wrap="square" rtlCol="0">
+            <a:spAutoFit/>
+          </a:bodyPr>
+          <a:p>
+            <a:r>
+              <a:rPr lang="zh-CN" altLang="en-US" b="1">
+                <a:sym typeface="+mn-ea"/>
+              </a:rPr>
+              <a:t>基于阅读理解形式的中文问答系统研究与实现</a:t>
+            </a:r>
+            <a:endParaRPr lang="en-US"/>
+          </a:p>
+        </p:txBody>
+      </p:sp>
+      <p:sp>
+        <p:nvSpPr>
+          <p:cNvPr id="8" name="圆角矩形 8"/>
+          <p:cNvSpPr>
+            <a:spLocks noChangeArrowheads="true"/>
+          </p:cNvSpPr>
+          <p:nvPr/>
+        </p:nvSpPr>
+        <p:spPr bwMode="auto">
+          <a:xfrm>
+            <a:off x="261620" y="889635"/>
+            <a:ext cx="4320540" cy="1377315"/>
+          </a:xfrm>
+          <a:prstGeom prst="roundRect">
+            <a:avLst>
+              <a:gd name="adj" fmla="val 4324"/>
+            </a:avLst>
+          </a:prstGeom>
+          <a:solidFill>
+            <a:srgbClr val="F2F2F2"/>
+          </a:solidFill>
+          <a:ln w="9525">
+            <a:solidFill>
+              <a:schemeClr val="tx1"/>
+            </a:solidFill>
+            <a:round/>
+          </a:ln>
+        </p:spPr>
+        <p:txBody>
+          <a:bodyPr/>
+          <a:lstStyle>
+            <a:lvl1pPr eaLnBrk="0" hangingPunct="0">
+              <a:defRPr>
+                <a:solidFill>
+                  <a:schemeClr val="tx1"/>
+                </a:solidFill>
+                <a:latin typeface="Arial" panose="02080604020202020204" pitchFamily="34" charset="0"/>
+                <a:ea typeface="宋体" pitchFamily="2" charset="-122"/>
+              </a:defRPr>
+            </a:lvl1pPr>
+            <a:lvl2pPr eaLnBrk="0" hangingPunct="0">
+              <a:defRPr>
+                <a:solidFill>
+                  <a:schemeClr val="tx1"/>
+                </a:solidFill>
+                <a:latin typeface="Arial" panose="02080604020202020204" pitchFamily="34" charset="0"/>
+                <a:ea typeface="宋体" pitchFamily="2" charset="-122"/>
+              </a:defRPr>
+            </a:lvl2pPr>
+            <a:lvl3pPr eaLnBrk="0" hangingPunct="0">
+              <a:defRPr>
+                <a:solidFill>
+                  <a:schemeClr val="tx1"/>
+                </a:solidFill>
+                <a:latin typeface="Arial" panose="02080604020202020204" pitchFamily="34" charset="0"/>
+                <a:ea typeface="宋体" pitchFamily="2" charset="-122"/>
+              </a:defRPr>
+            </a:lvl3pPr>
+            <a:lvl4pPr eaLnBrk="0" hangingPunct="0">
+              <a:defRPr>
+                <a:solidFill>
+                  <a:schemeClr val="tx1"/>
+                </a:solidFill>
+                <a:latin typeface="Arial" panose="02080604020202020204" pitchFamily="34" charset="0"/>
+                <a:ea typeface="宋体" pitchFamily="2" charset="-122"/>
+              </a:defRPr>
+            </a:lvl4pPr>
+            <a:lvl5pPr eaLnBrk="0" hangingPunct="0">
+              <a:defRPr>
+                <a:solidFill>
+                  <a:schemeClr val="tx1"/>
+                </a:solidFill>
+                <a:latin typeface="Arial" panose="02080604020202020204" pitchFamily="34" charset="0"/>
+                <a:ea typeface="宋体" pitchFamily="2" charset="-122"/>
+              </a:defRPr>
+            </a:lvl5pPr>
+            <a:lvl6pPr eaLnBrk="0" fontAlgn="base" hangingPunct="0">
+              <a:spcBef>
+                <a:spcPct val="0"/>
+              </a:spcBef>
+              <a:spcAft>
+                <a:spcPct val="0"/>
+              </a:spcAft>
+              <a:buFont typeface="Arial" panose="02080604020202020204" pitchFamily="34" charset="0"/>
+              <a:defRPr>
+                <a:solidFill>
+                  <a:schemeClr val="tx1"/>
+                </a:solidFill>
+                <a:latin typeface="Arial" panose="02080604020202020204" pitchFamily="34" charset="0"/>
+                <a:ea typeface="宋体" pitchFamily="2" charset="-122"/>
+              </a:defRPr>
+            </a:lvl6pPr>
+            <a:lvl7pPr eaLnBrk="0" fontAlgn="base" hangingPunct="0">
+              <a:spcBef>
+                <a:spcPct val="0"/>
+              </a:spcBef>
+              <a:spcAft>
+                <a:spcPct val="0"/>
+              </a:spcAft>
+              <a:buFont typeface="Arial" panose="02080604020202020204" pitchFamily="34" charset="0"/>
+              <a:defRPr>
+                <a:solidFill>
+                  <a:schemeClr val="tx1"/>
+                </a:solidFill>
+                <a:latin typeface="Arial" panose="02080604020202020204" pitchFamily="34" charset="0"/>
+                <a:ea typeface="宋体" pitchFamily="2" charset="-122"/>
+              </a:defRPr>
+            </a:lvl7pPr>
+            <a:lvl8pPr eaLnBrk="0" fontAlgn="base" hangingPunct="0">
+              <a:spcBef>
+                <a:spcPct val="0"/>
+              </a:spcBef>
+              <a:spcAft>
+                <a:spcPct val="0"/>
+              </a:spcAft>
+              <a:buFont typeface="Arial" panose="02080604020202020204" pitchFamily="34" charset="0"/>
+              <a:defRPr>
+                <a:solidFill>
+                  <a:schemeClr val="tx1"/>
+                </a:solidFill>
+                <a:latin typeface="Arial" panose="02080604020202020204" pitchFamily="34" charset="0"/>
+                <a:ea typeface="宋体" pitchFamily="2" charset="-122"/>
+              </a:defRPr>
+            </a:lvl8pPr>
+            <a:lvl9pPr eaLnBrk="0" fontAlgn="base" hangingPunct="0">
+              <a:spcBef>
+                <a:spcPct val="0"/>
+              </a:spcBef>
+              <a:spcAft>
+                <a:spcPct val="0"/>
+              </a:spcAft>
+              <a:buFont typeface="Arial" panose="02080604020202020204" pitchFamily="34" charset="0"/>
+              <a:defRPr>
+                <a:solidFill>
+                  <a:schemeClr val="tx1"/>
+                </a:solidFill>
+                <a:latin typeface="Arial" panose="02080604020202020204" pitchFamily="34" charset="0"/>
+                <a:ea typeface="宋体" pitchFamily="2" charset="-122"/>
+              </a:defRPr>
+            </a:lvl9pPr>
+          </a:lstStyle>
+          <a:p>
+            <a:pPr eaLnBrk="1" hangingPunct="1"/>
+            <a:endParaRPr lang="zh-CN" altLang="en-US" sz="1350">
+              <a:solidFill>
+                <a:srgbClr val="C4261D"/>
+              </a:solidFill>
+            </a:endParaRPr>
+          </a:p>
+        </p:txBody>
+      </p:sp>
+      <p:cxnSp>
+        <p:nvCxnSpPr>
+          <p:cNvPr id="9" name="Straight Connector 8"/>
+          <p:cNvCxnSpPr/>
+          <p:nvPr/>
+        </p:nvCxnSpPr>
+        <p:spPr>
+          <a:xfrm>
+            <a:off x="261620" y="2037080"/>
+            <a:ext cx="4236720" cy="8255"/>
+          </a:xfrm>
+          <a:prstGeom prst="line">
+            <a:avLst/>
+          </a:prstGeom>
+          <a:ln w="19050">
+            <a:solidFill>
+              <a:schemeClr val="tx1"/>
+            </a:solidFill>
+          </a:ln>
+        </p:spPr>
+        <p:style>
+          <a:lnRef idx="1">
+            <a:schemeClr val="accent1"/>
+          </a:lnRef>
+          <a:fillRef idx="0">
+            <a:schemeClr val="accent1"/>
+          </a:fillRef>
+          <a:effectRef idx="0">
+            <a:schemeClr val="accent1"/>
+          </a:effectRef>
+          <a:fontRef idx="minor">
+            <a:schemeClr val="tx1"/>
+          </a:fontRef>
+        </p:style>
+      </p:cxnSp>
+      <p:sp>
+        <p:nvSpPr>
+          <p:cNvPr id="10" name="Text Box 9"/>
+          <p:cNvSpPr txBox="true"/>
+          <p:nvPr/>
+        </p:nvSpPr>
+        <p:spPr>
+          <a:xfrm>
+            <a:off x="280670" y="1028065"/>
+            <a:ext cx="4404360" cy="922020"/>
+          </a:xfrm>
+          <a:prstGeom prst="rect">
+            <a:avLst/>
+          </a:prstGeom>
+          <a:noFill/>
+        </p:spPr>
+        <p:txBody>
+          <a:bodyPr wrap="square" rtlCol="0">
+            <a:spAutoFit/>
+          </a:bodyPr>
+          <a:p>
+            <a:r>
+              <a:rPr lang="zh-CN" altLang="en-US" sz="900"/>
+              <a:t>文本段落：华阳路街道是中国上海市长宁区下辖的一个街道办事处，位于长宁区东部，</a:t>
+            </a:r>
+            <a:r>
+              <a:rPr lang="zh-CN" altLang="en-US" sz="900">
+                <a:solidFill>
+                  <a:srgbClr val="D43C2C"/>
+                </a:solidFill>
+                <a:uFillTx/>
+              </a:rPr>
+              <a:t>东到长宁路、安西路、武夷路接邻江苏路街道，北到苏州河接邻普陀区</a:t>
+            </a:r>
+            <a:r>
+              <a:rPr lang="zh-CN" altLang="en-US" sz="900"/>
+              <a:t>。面积2.04平方公里，户籍人口7.04万人（2008年），下辖21个居委会。华阳路街道的主要街道长宁路和定西路，构成繁华的中山公园商圈。辖区内的圣约翰大学旧址（今华东政法大学）、中山公园，是愚园路历史文化风貌区的重要组成部分。上海市轨道交通二号线、三号线、四号线以该街道辖区的中山公园站为换乘枢纽。</a:t>
+            </a:r>
+            <a:endParaRPr lang="zh-CN" altLang="en-US" sz="900"/>
+          </a:p>
+        </p:txBody>
+      </p:sp>
+      <p:sp>
+        <p:nvSpPr>
+          <p:cNvPr id="11" name="Text Box 10"/>
+          <p:cNvSpPr txBox="true"/>
+          <p:nvPr/>
+        </p:nvSpPr>
+        <p:spPr>
+          <a:xfrm>
+            <a:off x="261620" y="2037080"/>
+            <a:ext cx="4057015" cy="229870"/>
+          </a:xfrm>
+          <a:prstGeom prst="rect">
+            <a:avLst/>
+          </a:prstGeom>
+          <a:noFill/>
+        </p:spPr>
+        <p:txBody>
+          <a:bodyPr wrap="square" rtlCol="0">
+            <a:spAutoFit/>
+          </a:bodyPr>
+          <a:p>
+            <a:r>
+              <a:rPr lang="zh-CN" altLang="en-US" sz="900">
+                <a:solidFill>
+                  <a:schemeClr val="tx1"/>
+                </a:solidFill>
+                <a:uFillTx/>
+              </a:rPr>
+              <a:t>问题：华阳路街道四周相连的是什么地方？</a:t>
+            </a:r>
+            <a:endParaRPr lang="zh-CN" altLang="en-US" sz="900">
+              <a:solidFill>
+                <a:schemeClr val="tx1"/>
+              </a:solidFill>
+              <a:uFillTx/>
+            </a:endParaRPr>
+          </a:p>
+        </p:txBody>
+      </p:sp>
+      <p:sp>
+        <p:nvSpPr>
+          <p:cNvPr id="18" name="Text Box 17"/>
+          <p:cNvSpPr txBox="true"/>
+          <p:nvPr/>
+        </p:nvSpPr>
+        <p:spPr>
+          <a:xfrm>
+            <a:off x="1488440" y="2266950"/>
+            <a:ext cx="1454785" cy="299085"/>
+          </a:xfrm>
+          <a:prstGeom prst="rect">
+            <a:avLst/>
+          </a:prstGeom>
+          <a:noFill/>
+        </p:spPr>
+        <p:txBody>
+          <a:bodyPr wrap="square" rtlCol="0">
+            <a:spAutoFit/>
+          </a:bodyPr>
+          <a:p>
+            <a:r>
+              <a:rPr lang="zh-CN" altLang="en-US"/>
+              <a:t>正样本</a:t>
+            </a:r>
+            <a:endParaRPr lang="zh-CN" altLang="en-US"/>
+          </a:p>
+        </p:txBody>
+      </p:sp>
+      <p:sp>
+        <p:nvSpPr>
+          <p:cNvPr id="4" name="圆角矩形 8"/>
+          <p:cNvSpPr>
+            <a:spLocks noChangeArrowheads="true"/>
+          </p:cNvSpPr>
+          <p:nvPr/>
+        </p:nvSpPr>
+        <p:spPr bwMode="auto">
+          <a:xfrm>
+            <a:off x="4754880" y="889635"/>
+            <a:ext cx="4219575" cy="1377315"/>
+          </a:xfrm>
+          <a:prstGeom prst="roundRect">
+            <a:avLst>
+              <a:gd name="adj" fmla="val 4324"/>
+            </a:avLst>
+          </a:prstGeom>
+          <a:solidFill>
+            <a:srgbClr val="F2F2F2"/>
+          </a:solidFill>
+          <a:ln w="9525">
+            <a:solidFill>
+              <a:schemeClr val="tx1"/>
+            </a:solidFill>
+            <a:round/>
+          </a:ln>
+        </p:spPr>
+        <p:txBody>
+          <a:bodyPr/>
+          <a:lstStyle>
+            <a:lvl1pPr eaLnBrk="0" hangingPunct="0">
+              <a:defRPr>
+                <a:solidFill>
+                  <a:schemeClr val="tx1"/>
+                </a:solidFill>
+                <a:latin typeface="Arial" panose="02080604020202020204" pitchFamily="34" charset="0"/>
+                <a:ea typeface="宋体" pitchFamily="2" charset="-122"/>
+              </a:defRPr>
+            </a:lvl1pPr>
+            <a:lvl2pPr eaLnBrk="0" hangingPunct="0">
+              <a:defRPr>
+                <a:solidFill>
+                  <a:schemeClr val="tx1"/>
+                </a:solidFill>
+                <a:latin typeface="Arial" panose="02080604020202020204" pitchFamily="34" charset="0"/>
+                <a:ea typeface="宋体" pitchFamily="2" charset="-122"/>
+              </a:defRPr>
+            </a:lvl2pPr>
+            <a:lvl3pPr eaLnBrk="0" hangingPunct="0">
+              <a:defRPr>
+                <a:solidFill>
+                  <a:schemeClr val="tx1"/>
+                </a:solidFill>
+                <a:latin typeface="Arial" panose="02080604020202020204" pitchFamily="34" charset="0"/>
+                <a:ea typeface="宋体" pitchFamily="2" charset="-122"/>
+              </a:defRPr>
+            </a:lvl3pPr>
+            <a:lvl4pPr eaLnBrk="0" hangingPunct="0">
+              <a:defRPr>
+                <a:solidFill>
+                  <a:schemeClr val="tx1"/>
+                </a:solidFill>
+                <a:latin typeface="Arial" panose="02080604020202020204" pitchFamily="34" charset="0"/>
+                <a:ea typeface="宋体" pitchFamily="2" charset="-122"/>
+              </a:defRPr>
+            </a:lvl4pPr>
+            <a:lvl5pPr eaLnBrk="0" hangingPunct="0">
+              <a:defRPr>
+                <a:solidFill>
+                  <a:schemeClr val="tx1"/>
+                </a:solidFill>
+                <a:latin typeface="Arial" panose="02080604020202020204" pitchFamily="34" charset="0"/>
+                <a:ea typeface="宋体" pitchFamily="2" charset="-122"/>
+              </a:defRPr>
+            </a:lvl5pPr>
+            <a:lvl6pPr eaLnBrk="0" fontAlgn="base" hangingPunct="0">
+              <a:spcBef>
+                <a:spcPct val="0"/>
+              </a:spcBef>
+              <a:spcAft>
+                <a:spcPct val="0"/>
+              </a:spcAft>
+              <a:buFont typeface="Arial" panose="02080604020202020204" pitchFamily="34" charset="0"/>
+              <a:defRPr>
+                <a:solidFill>
+                  <a:schemeClr val="tx1"/>
+                </a:solidFill>
+                <a:latin typeface="Arial" panose="02080604020202020204" pitchFamily="34" charset="0"/>
+                <a:ea typeface="宋体" pitchFamily="2" charset="-122"/>
+              </a:defRPr>
+            </a:lvl6pPr>
+            <a:lvl7pPr eaLnBrk="0" fontAlgn="base" hangingPunct="0">
+              <a:spcBef>
+                <a:spcPct val="0"/>
+              </a:spcBef>
+              <a:spcAft>
+                <a:spcPct val="0"/>
+              </a:spcAft>
+              <a:buFont typeface="Arial" panose="02080604020202020204" pitchFamily="34" charset="0"/>
+              <a:defRPr>
+                <a:solidFill>
+                  <a:schemeClr val="tx1"/>
+                </a:solidFill>
+                <a:latin typeface="Arial" panose="02080604020202020204" pitchFamily="34" charset="0"/>
+                <a:ea typeface="宋体" pitchFamily="2" charset="-122"/>
+              </a:defRPr>
+            </a:lvl7pPr>
+            <a:lvl8pPr eaLnBrk="0" fontAlgn="base" hangingPunct="0">
+              <a:spcBef>
+                <a:spcPct val="0"/>
+              </a:spcBef>
+              <a:spcAft>
+                <a:spcPct val="0"/>
+              </a:spcAft>
+              <a:buFont typeface="Arial" panose="02080604020202020204" pitchFamily="34" charset="0"/>
+              <a:defRPr>
+                <a:solidFill>
+                  <a:schemeClr val="tx1"/>
+                </a:solidFill>
+                <a:latin typeface="Arial" panose="02080604020202020204" pitchFamily="34" charset="0"/>
+                <a:ea typeface="宋体" pitchFamily="2" charset="-122"/>
+              </a:defRPr>
+            </a:lvl8pPr>
+            <a:lvl9pPr eaLnBrk="0" fontAlgn="base" hangingPunct="0">
+              <a:spcBef>
+                <a:spcPct val="0"/>
+              </a:spcBef>
+              <a:spcAft>
+                <a:spcPct val="0"/>
+              </a:spcAft>
+              <a:buFont typeface="Arial" panose="02080604020202020204" pitchFamily="34" charset="0"/>
+              <a:defRPr>
+                <a:solidFill>
+                  <a:schemeClr val="tx1"/>
+                </a:solidFill>
+                <a:latin typeface="Arial" panose="02080604020202020204" pitchFamily="34" charset="0"/>
+                <a:ea typeface="宋体" pitchFamily="2" charset="-122"/>
+              </a:defRPr>
+            </a:lvl9pPr>
+          </a:lstStyle>
+          <a:p>
+            <a:pPr eaLnBrk="1" hangingPunct="1"/>
+            <a:endParaRPr lang="zh-CN" altLang="en-US" sz="1350">
+              <a:solidFill>
+                <a:srgbClr val="C4261D"/>
+              </a:solidFill>
+            </a:endParaRPr>
+          </a:p>
+        </p:txBody>
+      </p:sp>
+      <p:cxnSp>
+        <p:nvCxnSpPr>
+          <p:cNvPr id="5" name="Straight Connector 4"/>
+          <p:cNvCxnSpPr/>
+          <p:nvPr/>
+        </p:nvCxnSpPr>
+        <p:spPr>
+          <a:xfrm>
+            <a:off x="4754880" y="2037080"/>
+            <a:ext cx="4136390" cy="6985"/>
+          </a:xfrm>
+          <a:prstGeom prst="line">
+            <a:avLst/>
+          </a:prstGeom>
+          <a:ln w="19050">
+            <a:solidFill>
+              <a:schemeClr val="tx1"/>
+            </a:solidFill>
+          </a:ln>
+        </p:spPr>
+        <p:style>
+          <a:lnRef idx="1">
+            <a:schemeClr val="accent1"/>
+          </a:lnRef>
+          <a:fillRef idx="0">
+            <a:schemeClr val="accent1"/>
+          </a:fillRef>
+          <a:effectRef idx="0">
+            <a:schemeClr val="accent1"/>
+          </a:effectRef>
+          <a:fontRef idx="minor">
+            <a:schemeClr val="tx1"/>
+          </a:fontRef>
+        </p:style>
+      </p:cxnSp>
+      <p:sp>
+        <p:nvSpPr>
+          <p:cNvPr id="7" name="Text Box 6"/>
+          <p:cNvSpPr txBox="true"/>
+          <p:nvPr/>
+        </p:nvSpPr>
+        <p:spPr>
+          <a:xfrm>
+            <a:off x="4773930" y="1028065"/>
+            <a:ext cx="4300855" cy="506730"/>
+          </a:xfrm>
+          <a:prstGeom prst="rect">
+            <a:avLst/>
+          </a:prstGeom>
+          <a:noFill/>
+        </p:spPr>
+        <p:txBody>
+          <a:bodyPr wrap="square" rtlCol="0">
+            <a:spAutoFit/>
+          </a:bodyPr>
+          <a:p>
+            <a:r>
+              <a:rPr lang="zh-CN" altLang="en-US" sz="900"/>
+              <a:t>文本段落：华阳路街道是中国上海市长宁区下辖的一个街道办事处，位于长宁区东部，</a:t>
+            </a:r>
+            <a:r>
+              <a:rPr lang="zh-CN" altLang="en-US" sz="900">
+                <a:solidFill>
+                  <a:srgbClr val="D43C2C"/>
+                </a:solidFill>
+                <a:uFillTx/>
+              </a:rPr>
+              <a:t>东到长宁路、安西路、武夷路接邻江苏路街道，北到苏州河接邻普陀区</a:t>
+            </a:r>
+            <a:r>
+              <a:rPr lang="zh-CN" altLang="en-US" sz="900"/>
+              <a:t>。面积2.04平方公里，户籍人口7.04万人（2008年），下辖21个居委会。</a:t>
+            </a:r>
+            <a:endParaRPr lang="zh-CN" altLang="en-US" sz="900"/>
+          </a:p>
+        </p:txBody>
+      </p:sp>
+      <p:sp>
+        <p:nvSpPr>
+          <p:cNvPr id="12" name="Text Box 11"/>
+          <p:cNvSpPr txBox="true"/>
+          <p:nvPr/>
+        </p:nvSpPr>
+        <p:spPr>
+          <a:xfrm>
+            <a:off x="4754880" y="2037080"/>
+            <a:ext cx="3961765" cy="229870"/>
+          </a:xfrm>
+          <a:prstGeom prst="rect">
+            <a:avLst/>
+          </a:prstGeom>
+          <a:noFill/>
+        </p:spPr>
+        <p:txBody>
+          <a:bodyPr wrap="square" rtlCol="0">
+            <a:spAutoFit/>
+          </a:bodyPr>
+          <a:p>
+            <a:r>
+              <a:rPr lang="zh-CN" altLang="en-US" sz="900">
+                <a:solidFill>
+                  <a:schemeClr val="tx1"/>
+                </a:solidFill>
+                <a:uFillTx/>
+              </a:rPr>
+              <a:t>问题：华阳路街道四周相连的是什么地方？</a:t>
+            </a:r>
+            <a:endParaRPr lang="zh-CN" altLang="en-US" sz="900">
+              <a:solidFill>
+                <a:schemeClr val="tx1"/>
+              </a:solidFill>
+              <a:uFillTx/>
+            </a:endParaRPr>
+          </a:p>
+        </p:txBody>
+      </p:sp>
+      <p:sp>
+        <p:nvSpPr>
+          <p:cNvPr id="13" name="Text Box 12"/>
+          <p:cNvSpPr txBox="true"/>
+          <p:nvPr/>
+        </p:nvSpPr>
+        <p:spPr>
+          <a:xfrm>
+            <a:off x="5981700" y="2266950"/>
+            <a:ext cx="1421130" cy="299085"/>
+          </a:xfrm>
+          <a:prstGeom prst="rect">
+            <a:avLst/>
+          </a:prstGeom>
+          <a:noFill/>
+        </p:spPr>
+        <p:txBody>
+          <a:bodyPr wrap="square" rtlCol="0">
+            <a:spAutoFit/>
+          </a:bodyPr>
+          <a:p>
+            <a:r>
+              <a:rPr lang="zh-CN" altLang="en-US"/>
+              <a:t>正样本</a:t>
+            </a:r>
+            <a:endParaRPr lang="zh-CN" altLang="en-US"/>
+          </a:p>
+        </p:txBody>
+      </p:sp>
+      <p:sp>
+        <p:nvSpPr>
+          <p:cNvPr id="14" name="圆角矩形 8"/>
+          <p:cNvSpPr>
+            <a:spLocks noChangeArrowheads="true"/>
+          </p:cNvSpPr>
+          <p:nvPr/>
+        </p:nvSpPr>
+        <p:spPr bwMode="auto">
+          <a:xfrm>
+            <a:off x="261620" y="2815590"/>
+            <a:ext cx="4320540" cy="1377315"/>
+          </a:xfrm>
+          <a:prstGeom prst="roundRect">
+            <a:avLst>
+              <a:gd name="adj" fmla="val 4324"/>
+            </a:avLst>
+          </a:prstGeom>
+          <a:solidFill>
+            <a:srgbClr val="F2F2F2"/>
+          </a:solidFill>
+          <a:ln w="9525">
+            <a:solidFill>
+              <a:schemeClr val="tx1"/>
+            </a:solidFill>
+            <a:round/>
+          </a:ln>
+        </p:spPr>
+        <p:txBody>
+          <a:bodyPr/>
+          <a:lstStyle>
+            <a:lvl1pPr eaLnBrk="0" hangingPunct="0">
+              <a:defRPr>
+                <a:solidFill>
+                  <a:schemeClr val="tx1"/>
+                </a:solidFill>
+                <a:latin typeface="Arial" panose="02080604020202020204" pitchFamily="34" charset="0"/>
+                <a:ea typeface="宋体" pitchFamily="2" charset="-122"/>
+              </a:defRPr>
+            </a:lvl1pPr>
+            <a:lvl2pPr eaLnBrk="0" hangingPunct="0">
+              <a:defRPr>
+                <a:solidFill>
+                  <a:schemeClr val="tx1"/>
+                </a:solidFill>
+                <a:latin typeface="Arial" panose="02080604020202020204" pitchFamily="34" charset="0"/>
+                <a:ea typeface="宋体" pitchFamily="2" charset="-122"/>
+              </a:defRPr>
+            </a:lvl2pPr>
+            <a:lvl3pPr eaLnBrk="0" hangingPunct="0">
+              <a:defRPr>
+                <a:solidFill>
+                  <a:schemeClr val="tx1"/>
+                </a:solidFill>
+                <a:latin typeface="Arial" panose="02080604020202020204" pitchFamily="34" charset="0"/>
+                <a:ea typeface="宋体" pitchFamily="2" charset="-122"/>
+              </a:defRPr>
+            </a:lvl3pPr>
+            <a:lvl4pPr eaLnBrk="0" hangingPunct="0">
+              <a:defRPr>
+                <a:solidFill>
+                  <a:schemeClr val="tx1"/>
+                </a:solidFill>
+                <a:latin typeface="Arial" panose="02080604020202020204" pitchFamily="34" charset="0"/>
+                <a:ea typeface="宋体" pitchFamily="2" charset="-122"/>
+              </a:defRPr>
+            </a:lvl4pPr>
+            <a:lvl5pPr eaLnBrk="0" hangingPunct="0">
+              <a:defRPr>
+                <a:solidFill>
+                  <a:schemeClr val="tx1"/>
+                </a:solidFill>
+                <a:latin typeface="Arial" panose="02080604020202020204" pitchFamily="34" charset="0"/>
+                <a:ea typeface="宋体" pitchFamily="2" charset="-122"/>
+              </a:defRPr>
+            </a:lvl5pPr>
+            <a:lvl6pPr eaLnBrk="0" fontAlgn="base" hangingPunct="0">
+              <a:spcBef>
+                <a:spcPct val="0"/>
+              </a:spcBef>
+              <a:spcAft>
+                <a:spcPct val="0"/>
+              </a:spcAft>
+              <a:buFont typeface="Arial" panose="02080604020202020204" pitchFamily="34" charset="0"/>
+              <a:defRPr>
+                <a:solidFill>
+                  <a:schemeClr val="tx1"/>
+                </a:solidFill>
+                <a:latin typeface="Arial" panose="02080604020202020204" pitchFamily="34" charset="0"/>
+                <a:ea typeface="宋体" pitchFamily="2" charset="-122"/>
+              </a:defRPr>
+            </a:lvl6pPr>
+            <a:lvl7pPr eaLnBrk="0" fontAlgn="base" hangingPunct="0">
+              <a:spcBef>
+                <a:spcPct val="0"/>
+              </a:spcBef>
+              <a:spcAft>
+                <a:spcPct val="0"/>
+              </a:spcAft>
+              <a:buFont typeface="Arial" panose="02080604020202020204" pitchFamily="34" charset="0"/>
+              <a:defRPr>
+                <a:solidFill>
+                  <a:schemeClr val="tx1"/>
+                </a:solidFill>
+                <a:latin typeface="Arial" panose="02080604020202020204" pitchFamily="34" charset="0"/>
+                <a:ea typeface="宋体" pitchFamily="2" charset="-122"/>
+              </a:defRPr>
+            </a:lvl7pPr>
+            <a:lvl8pPr eaLnBrk="0" fontAlgn="base" hangingPunct="0">
+              <a:spcBef>
+                <a:spcPct val="0"/>
+              </a:spcBef>
+              <a:spcAft>
+                <a:spcPct val="0"/>
+              </a:spcAft>
+              <a:buFont typeface="Arial" panose="02080604020202020204" pitchFamily="34" charset="0"/>
+              <a:defRPr>
+                <a:solidFill>
+                  <a:schemeClr val="tx1"/>
+                </a:solidFill>
+                <a:latin typeface="Arial" panose="02080604020202020204" pitchFamily="34" charset="0"/>
+                <a:ea typeface="宋体" pitchFamily="2" charset="-122"/>
+              </a:defRPr>
+            </a:lvl8pPr>
+            <a:lvl9pPr eaLnBrk="0" fontAlgn="base" hangingPunct="0">
+              <a:spcBef>
+                <a:spcPct val="0"/>
+              </a:spcBef>
+              <a:spcAft>
+                <a:spcPct val="0"/>
+              </a:spcAft>
+              <a:buFont typeface="Arial" panose="02080604020202020204" pitchFamily="34" charset="0"/>
+              <a:defRPr>
+                <a:solidFill>
+                  <a:schemeClr val="tx1"/>
+                </a:solidFill>
+                <a:latin typeface="Arial" panose="02080604020202020204" pitchFamily="34" charset="0"/>
+                <a:ea typeface="宋体" pitchFamily="2" charset="-122"/>
+              </a:defRPr>
+            </a:lvl9pPr>
+          </a:lstStyle>
+          <a:p>
+            <a:pPr eaLnBrk="1" hangingPunct="1"/>
+            <a:endParaRPr lang="zh-CN" altLang="en-US" sz="1350">
+              <a:solidFill>
+                <a:srgbClr val="C4261D"/>
+              </a:solidFill>
+            </a:endParaRPr>
+          </a:p>
+        </p:txBody>
+      </p:sp>
+      <p:cxnSp>
+        <p:nvCxnSpPr>
+          <p:cNvPr id="15" name="Straight Connector 14"/>
+          <p:cNvCxnSpPr/>
+          <p:nvPr/>
+        </p:nvCxnSpPr>
+        <p:spPr>
+          <a:xfrm>
+            <a:off x="261620" y="3963035"/>
+            <a:ext cx="4236720" cy="8255"/>
+          </a:xfrm>
+          <a:prstGeom prst="line">
+            <a:avLst/>
+          </a:prstGeom>
+          <a:ln w="19050">
+            <a:solidFill>
+              <a:schemeClr val="tx1"/>
+            </a:solidFill>
+          </a:ln>
+        </p:spPr>
+        <p:style>
+          <a:lnRef idx="1">
+            <a:schemeClr val="accent1"/>
+          </a:lnRef>
+          <a:fillRef idx="0">
+            <a:schemeClr val="accent1"/>
+          </a:fillRef>
+          <a:effectRef idx="0">
+            <a:schemeClr val="accent1"/>
+          </a:effectRef>
+          <a:fontRef idx="minor">
+            <a:schemeClr val="tx1"/>
+          </a:fontRef>
+        </p:style>
+      </p:cxnSp>
+      <p:sp>
+        <p:nvSpPr>
+          <p:cNvPr id="16" name="Text Box 15"/>
+          <p:cNvSpPr txBox="true"/>
+          <p:nvPr/>
+        </p:nvSpPr>
+        <p:spPr>
+          <a:xfrm>
+            <a:off x="280670" y="2954020"/>
+            <a:ext cx="4404360" cy="783590"/>
+          </a:xfrm>
+          <a:prstGeom prst="rect">
+            <a:avLst/>
+          </a:prstGeom>
+          <a:noFill/>
+        </p:spPr>
+        <p:txBody>
+          <a:bodyPr wrap="square" rtlCol="0">
+            <a:spAutoFit/>
+          </a:bodyPr>
+          <a:p>
+            <a:r>
+              <a:rPr lang="zh-CN" altLang="en-US" sz="900"/>
+              <a:t>文本段落：华阳路街道是中国上海市长宁区下辖的一个街道办事处，位于长宁区东部，</a:t>
+            </a:r>
+            <a:r>
+              <a:rPr lang="zh-CN" altLang="en-US" sz="900">
+                <a:solidFill>
+                  <a:srgbClr val="D43C2C"/>
+                </a:solidFill>
+                <a:uFillTx/>
+              </a:rPr>
+              <a:t>东到长宁路、安西路、武夷路接邻江苏路街道，北到苏州河接邻普陀区</a:t>
+            </a:r>
+            <a:r>
+              <a:rPr lang="zh-CN" altLang="en-US" sz="900"/>
+              <a:t>。面积2.04平方公里，户籍人口7.04万人（2008年），下辖21个居委会。华阳路街道的主要街道长宁路和定西路，构成繁华的中山公园商圈。辖区内的圣约翰大学旧址（今华东政法大学）、中山公园，是愚园路历史文化风貌区的重要组成部分。</a:t>
+            </a:r>
+            <a:endParaRPr lang="zh-CN" altLang="en-US" sz="900"/>
+          </a:p>
+        </p:txBody>
+      </p:sp>
+      <p:sp>
+        <p:nvSpPr>
+          <p:cNvPr id="17" name="Text Box 16"/>
+          <p:cNvSpPr txBox="true"/>
+          <p:nvPr/>
+        </p:nvSpPr>
+        <p:spPr>
+          <a:xfrm>
+            <a:off x="261620" y="3963035"/>
+            <a:ext cx="4057015" cy="229870"/>
+          </a:xfrm>
+          <a:prstGeom prst="rect">
+            <a:avLst/>
+          </a:prstGeom>
+          <a:noFill/>
+        </p:spPr>
+        <p:txBody>
+          <a:bodyPr wrap="square" rtlCol="0">
+            <a:spAutoFit/>
+          </a:bodyPr>
+          <a:p>
+            <a:r>
+              <a:rPr lang="zh-CN" altLang="en-US" sz="900">
+                <a:solidFill>
+                  <a:schemeClr val="tx1"/>
+                </a:solidFill>
+                <a:uFillTx/>
+              </a:rPr>
+              <a:t>问题：华阳路街道四周相连的是什么地方？</a:t>
+            </a:r>
+            <a:endParaRPr lang="zh-CN" altLang="en-US" sz="900">
+              <a:solidFill>
+                <a:schemeClr val="tx1"/>
+              </a:solidFill>
+              <a:uFillTx/>
+            </a:endParaRPr>
+          </a:p>
+        </p:txBody>
+      </p:sp>
+      <p:sp>
+        <p:nvSpPr>
+          <p:cNvPr id="19" name="Text Box 18"/>
+          <p:cNvSpPr txBox="true"/>
+          <p:nvPr/>
+        </p:nvSpPr>
+        <p:spPr>
+          <a:xfrm>
+            <a:off x="1488440" y="4192905"/>
+            <a:ext cx="1454785" cy="299085"/>
+          </a:xfrm>
+          <a:prstGeom prst="rect">
+            <a:avLst/>
+          </a:prstGeom>
+          <a:noFill/>
+        </p:spPr>
+        <p:txBody>
+          <a:bodyPr wrap="square" rtlCol="0">
+            <a:spAutoFit/>
+          </a:bodyPr>
+          <a:p>
+            <a:r>
+              <a:rPr lang="zh-CN" altLang="en-US"/>
+              <a:t>正样本</a:t>
+            </a:r>
+            <a:endParaRPr lang="zh-CN" altLang="en-US"/>
+          </a:p>
+        </p:txBody>
+      </p:sp>
+      <p:sp>
+        <p:nvSpPr>
+          <p:cNvPr id="35" name="圆角矩形 8"/>
+          <p:cNvSpPr>
+            <a:spLocks noChangeArrowheads="true"/>
+          </p:cNvSpPr>
+          <p:nvPr/>
+        </p:nvSpPr>
+        <p:spPr bwMode="auto">
+          <a:xfrm>
+            <a:off x="4686300" y="2815590"/>
+            <a:ext cx="4320540" cy="1377315"/>
+          </a:xfrm>
+          <a:prstGeom prst="roundRect">
+            <a:avLst>
+              <a:gd name="adj" fmla="val 4324"/>
+            </a:avLst>
+          </a:prstGeom>
+          <a:solidFill>
+            <a:srgbClr val="F2F2F2"/>
+          </a:solidFill>
+          <a:ln w="9525">
+            <a:solidFill>
+              <a:schemeClr val="tx1"/>
+            </a:solidFill>
+            <a:round/>
+          </a:ln>
+        </p:spPr>
+        <p:txBody>
+          <a:bodyPr/>
+          <a:lstStyle>
+            <a:lvl1pPr eaLnBrk="0" hangingPunct="0">
+              <a:defRPr>
+                <a:solidFill>
+                  <a:schemeClr val="tx1"/>
+                </a:solidFill>
+                <a:latin typeface="Arial" panose="02080604020202020204" pitchFamily="34" charset="0"/>
+                <a:ea typeface="宋体" pitchFamily="2" charset="-122"/>
+              </a:defRPr>
+            </a:lvl1pPr>
+            <a:lvl2pPr eaLnBrk="0" hangingPunct="0">
+              <a:defRPr>
+                <a:solidFill>
+                  <a:schemeClr val="tx1"/>
+                </a:solidFill>
+                <a:latin typeface="Arial" panose="02080604020202020204" pitchFamily="34" charset="0"/>
+                <a:ea typeface="宋体" pitchFamily="2" charset="-122"/>
+              </a:defRPr>
+            </a:lvl2pPr>
+            <a:lvl3pPr eaLnBrk="0" hangingPunct="0">
+              <a:defRPr>
+                <a:solidFill>
+                  <a:schemeClr val="tx1"/>
+                </a:solidFill>
+                <a:latin typeface="Arial" panose="02080604020202020204" pitchFamily="34" charset="0"/>
+                <a:ea typeface="宋体" pitchFamily="2" charset="-122"/>
+              </a:defRPr>
+            </a:lvl3pPr>
+            <a:lvl4pPr eaLnBrk="0" hangingPunct="0">
+              <a:defRPr>
+                <a:solidFill>
+                  <a:schemeClr val="tx1"/>
+                </a:solidFill>
+                <a:latin typeface="Arial" panose="02080604020202020204" pitchFamily="34" charset="0"/>
+                <a:ea typeface="宋体" pitchFamily="2" charset="-122"/>
+              </a:defRPr>
+            </a:lvl4pPr>
+            <a:lvl5pPr eaLnBrk="0" hangingPunct="0">
+              <a:defRPr>
+                <a:solidFill>
+                  <a:schemeClr val="tx1"/>
+                </a:solidFill>
+                <a:latin typeface="Arial" panose="02080604020202020204" pitchFamily="34" charset="0"/>
+                <a:ea typeface="宋体" pitchFamily="2" charset="-122"/>
+              </a:defRPr>
+            </a:lvl5pPr>
+            <a:lvl6pPr eaLnBrk="0" fontAlgn="base" hangingPunct="0">
+              <a:spcBef>
+                <a:spcPct val="0"/>
+              </a:spcBef>
+              <a:spcAft>
+                <a:spcPct val="0"/>
+              </a:spcAft>
+              <a:buFont typeface="Arial" panose="02080604020202020204" pitchFamily="34" charset="0"/>
+              <a:defRPr>
+                <a:solidFill>
+                  <a:schemeClr val="tx1"/>
+                </a:solidFill>
+                <a:latin typeface="Arial" panose="02080604020202020204" pitchFamily="34" charset="0"/>
+                <a:ea typeface="宋体" pitchFamily="2" charset="-122"/>
+              </a:defRPr>
+            </a:lvl6pPr>
+            <a:lvl7pPr eaLnBrk="0" fontAlgn="base" hangingPunct="0">
+              <a:spcBef>
+                <a:spcPct val="0"/>
+              </a:spcBef>
+              <a:spcAft>
+                <a:spcPct val="0"/>
+              </a:spcAft>
+              <a:buFont typeface="Arial" panose="02080604020202020204" pitchFamily="34" charset="0"/>
+              <a:defRPr>
+                <a:solidFill>
+                  <a:schemeClr val="tx1"/>
+                </a:solidFill>
+                <a:latin typeface="Arial" panose="02080604020202020204" pitchFamily="34" charset="0"/>
+                <a:ea typeface="宋体" pitchFamily="2" charset="-122"/>
+              </a:defRPr>
+            </a:lvl7pPr>
+            <a:lvl8pPr eaLnBrk="0" fontAlgn="base" hangingPunct="0">
+              <a:spcBef>
+                <a:spcPct val="0"/>
+              </a:spcBef>
+              <a:spcAft>
+                <a:spcPct val="0"/>
+              </a:spcAft>
+              <a:buFont typeface="Arial" panose="02080604020202020204" pitchFamily="34" charset="0"/>
+              <a:defRPr>
+                <a:solidFill>
+                  <a:schemeClr val="tx1"/>
+                </a:solidFill>
+                <a:latin typeface="Arial" panose="02080604020202020204" pitchFamily="34" charset="0"/>
+                <a:ea typeface="宋体" pitchFamily="2" charset="-122"/>
+              </a:defRPr>
+            </a:lvl8pPr>
+            <a:lvl9pPr eaLnBrk="0" fontAlgn="base" hangingPunct="0">
+              <a:spcBef>
+                <a:spcPct val="0"/>
+              </a:spcBef>
+              <a:spcAft>
+                <a:spcPct val="0"/>
+              </a:spcAft>
+              <a:buFont typeface="Arial" panose="02080604020202020204" pitchFamily="34" charset="0"/>
+              <a:defRPr>
+                <a:solidFill>
+                  <a:schemeClr val="tx1"/>
+                </a:solidFill>
+                <a:latin typeface="Arial" panose="02080604020202020204" pitchFamily="34" charset="0"/>
+                <a:ea typeface="宋体" pitchFamily="2" charset="-122"/>
+              </a:defRPr>
+            </a:lvl9pPr>
+          </a:lstStyle>
+          <a:p>
+            <a:pPr eaLnBrk="1" hangingPunct="1"/>
+            <a:endParaRPr lang="zh-CN" altLang="en-US" sz="1350">
+              <a:solidFill>
+                <a:srgbClr val="C4261D"/>
+              </a:solidFill>
+            </a:endParaRPr>
+          </a:p>
+        </p:txBody>
+      </p:sp>
+      <p:cxnSp>
+        <p:nvCxnSpPr>
+          <p:cNvPr id="36" name="Straight Connector 35"/>
+          <p:cNvCxnSpPr/>
+          <p:nvPr/>
+        </p:nvCxnSpPr>
+        <p:spPr>
+          <a:xfrm>
+            <a:off x="4686300" y="3963035"/>
+            <a:ext cx="4236720" cy="8255"/>
+          </a:xfrm>
+          <a:prstGeom prst="line">
+            <a:avLst/>
+          </a:prstGeom>
+          <a:ln w="19050">
+            <a:solidFill>
+              <a:schemeClr val="tx1"/>
+            </a:solidFill>
+          </a:ln>
+        </p:spPr>
+        <p:style>
+          <a:lnRef idx="1">
+            <a:schemeClr val="accent1"/>
+          </a:lnRef>
+          <a:fillRef idx="0">
+            <a:schemeClr val="accent1"/>
+          </a:fillRef>
+          <a:effectRef idx="0">
+            <a:schemeClr val="accent1"/>
+          </a:effectRef>
+          <a:fontRef idx="minor">
+            <a:schemeClr val="tx1"/>
+          </a:fontRef>
+        </p:style>
+      </p:cxnSp>
+      <p:sp>
+        <p:nvSpPr>
+          <p:cNvPr id="37" name="Text Box 36"/>
+          <p:cNvSpPr txBox="true"/>
+          <p:nvPr/>
+        </p:nvSpPr>
+        <p:spPr>
+          <a:xfrm>
+            <a:off x="4705350" y="2954020"/>
+            <a:ext cx="4404360" cy="645160"/>
+          </a:xfrm>
+          <a:prstGeom prst="rect">
+            <a:avLst/>
+          </a:prstGeom>
+          <a:noFill/>
+        </p:spPr>
+        <p:txBody>
+          <a:bodyPr wrap="square" rtlCol="0">
+            <a:spAutoFit/>
+          </a:bodyPr>
+          <a:p>
+            <a:r>
+              <a:rPr lang="zh-CN" altLang="en-US" sz="900"/>
+              <a:t>文本段落：华阳路街道是中国上海市长宁区下辖的一个街道办事处，位于长宁区东部，</a:t>
+            </a:r>
+            <a:r>
+              <a:rPr lang="zh-CN" altLang="en-US" sz="900">
+                <a:solidFill>
+                  <a:srgbClr val="D43C2C"/>
+                </a:solidFill>
+                <a:uFillTx/>
+              </a:rPr>
+              <a:t>东到长宁路、安西路、武夷路接邻江苏路街道，北到苏州河接邻普陀区</a:t>
+            </a:r>
+            <a:r>
+              <a:rPr lang="zh-CN" altLang="en-US" sz="900"/>
+              <a:t>。面积2.04平方公里，户籍人口7.04万人（2008年），下辖21个居委会。上海市轨道交通二号线、三号线、四号线以该街道辖区的中山公园站为换乘枢纽。</a:t>
+            </a:r>
+            <a:endParaRPr lang="zh-CN" altLang="en-US" sz="900"/>
+          </a:p>
+        </p:txBody>
+      </p:sp>
+      <p:sp>
+        <p:nvSpPr>
+          <p:cNvPr id="38" name="Text Box 37"/>
+          <p:cNvSpPr txBox="true"/>
+          <p:nvPr/>
+        </p:nvSpPr>
+        <p:spPr>
+          <a:xfrm>
+            <a:off x="4686300" y="3963035"/>
+            <a:ext cx="4057015" cy="229870"/>
+          </a:xfrm>
+          <a:prstGeom prst="rect">
+            <a:avLst/>
+          </a:prstGeom>
+          <a:noFill/>
+        </p:spPr>
+        <p:txBody>
+          <a:bodyPr wrap="square" rtlCol="0">
+            <a:spAutoFit/>
+          </a:bodyPr>
+          <a:p>
+            <a:r>
+              <a:rPr lang="zh-CN" altLang="en-US" sz="900">
+                <a:solidFill>
+                  <a:schemeClr val="tx1"/>
+                </a:solidFill>
+                <a:uFillTx/>
+              </a:rPr>
+              <a:t>问题：华阳路街道四周相连的是什么地方？</a:t>
+            </a:r>
+            <a:endParaRPr lang="zh-CN" altLang="en-US" sz="900">
+              <a:solidFill>
+                <a:schemeClr val="tx1"/>
+              </a:solidFill>
+              <a:uFillTx/>
+            </a:endParaRPr>
+          </a:p>
+        </p:txBody>
+      </p:sp>
+      <p:sp>
+        <p:nvSpPr>
+          <p:cNvPr id="39" name="Text Box 38"/>
+          <p:cNvSpPr txBox="true"/>
+          <p:nvPr/>
+        </p:nvSpPr>
+        <p:spPr>
+          <a:xfrm>
+            <a:off x="5913120" y="4192905"/>
+            <a:ext cx="1454785" cy="299085"/>
+          </a:xfrm>
+          <a:prstGeom prst="rect">
+            <a:avLst/>
+          </a:prstGeom>
+          <a:noFill/>
+        </p:spPr>
+        <p:txBody>
+          <a:bodyPr wrap="square" rtlCol="0">
+            <a:spAutoFit/>
+          </a:bodyPr>
+          <a:p>
+            <a:r>
+              <a:rPr lang="zh-CN" altLang="en-US"/>
+              <a:t>正样本</a:t>
+            </a:r>
+            <a:endParaRPr lang="zh-CN" altLang="en-US"/>
+          </a:p>
+        </p:txBody>
+      </p:sp>
+    </p:spTree>
+  </p:cSld>
+  <p:clrMapOvr>
+    <a:masterClrMapping/>
+  </p:clrMapOvr>
+  <mc:AlternateContent xmlns:mc="http://schemas.openxmlformats.org/markup-compatibility/2006">
+    <mc:Choice xmlns:p14="http://schemas.microsoft.com/office/powerpoint/2010/main" Requires="p14">
+      <p:transition spd="slow" p14:dur="2000"/>
+    </mc:Choice>
+    <mc:Fallback>
+      <p:transition spd="slow"/>
+    </mc:Fallback>
+  </mc:AlternateContent>
+  <p:timing>
+    <p:tnLst>
+      <p:par>
+        <p:cTn id="1" dur="indefinite" restart="never" nodeType="tmRoot"/>
+      </p:par>
+    </p:tnLst>
+  </p:timing>
+</p:sld>
+</file>
+
+<file path=ppt/slides/slide22.xml><?xml version="1.0" encoding="utf-8"?>
+<p:sld xmlns:a="http://schemas.openxmlformats.org/drawingml/2006/main" xmlns:r="http://schemas.openxmlformats.org/officeDocument/2006/relationships" xmlns:p="http://schemas.openxmlformats.org/presentationml/2006/main">
+  <p:cSld>
+    <p:bg>
+      <p:bgPr>
+        <a:blipFill dpi="0" rotWithShape="true">
+          <a:blip r:embed="rId1"/>
+          <a:srcRect/>
+        </a:blipFill>
+        <a:effectLst/>
+      </p:bgPr>
+    </p:bg>
+    <p:spTree>
+      <p:nvGrpSpPr>
+        <p:cNvPr id="1" name=""/>
+        <p:cNvGrpSpPr/>
+        <p:nvPr/>
+      </p:nvGrpSpPr>
+      <p:grpSpPr>
+        <a:xfrm>
+          <a:off x="0" y="0"/>
+          <a:ext cx="0" cy="0"/>
+          <a:chOff x="0" y="0"/>
+          <a:chExt cx="0" cy="0"/>
+        </a:xfrm>
+      </p:grpSpPr>
+      <p:pic>
+        <p:nvPicPr>
+          <p:cNvPr id="2" name="图片 3"/>
+          <p:cNvPicPr>
+            <a:picLocks noChangeAspect="true"/>
+          </p:cNvPicPr>
+          <p:nvPr/>
+        </p:nvPicPr>
+        <p:blipFill>
+          <a:blip r:embed="rId2" cstate="print">
+            <a:extLst>
+              <a:ext uri="{28A0092B-C50C-407E-A947-70E740481C1C}">
+                <a14:useLocalDpi xmlns:a14="http://schemas.microsoft.com/office/drawing/2010/main" val="false"/>
+              </a:ext>
+            </a:extLst>
+          </a:blip>
+          <a:stretch>
+            <a:fillRect/>
+          </a:stretch>
+        </p:blipFill>
+        <p:spPr>
+          <a:xfrm>
+            <a:off x="7608408" y="122473"/>
+            <a:ext cx="1467011" cy="491720"/>
+          </a:xfrm>
+          <a:prstGeom prst="rect">
+            <a:avLst/>
+          </a:prstGeom>
+        </p:spPr>
+      </p:pic>
+      <p:sp>
+        <p:nvSpPr>
+          <p:cNvPr id="3" name="Text Box 2"/>
+          <p:cNvSpPr txBox="true"/>
+          <p:nvPr/>
+        </p:nvSpPr>
+        <p:spPr>
+          <a:xfrm>
+            <a:off x="508635" y="194310"/>
+            <a:ext cx="2943225" cy="583565"/>
+          </a:xfrm>
+          <a:prstGeom prst="rect">
+            <a:avLst/>
+          </a:prstGeom>
+          <a:noFill/>
+        </p:spPr>
+        <p:txBody>
+          <a:bodyPr wrap="square" rtlCol="0">
+            <a:spAutoFit/>
+          </a:bodyPr>
+          <a:p>
+            <a:r>
+              <a:rPr lang="zh-CN" altLang="en-US" sz="3200">
+                <a:ln w="12700">
+                  <a:solidFill>
+                    <a:schemeClr val="tx2">
+                      <a:lumMod val="75000"/>
+                    </a:schemeClr>
+                  </a:solidFill>
+                  <a:prstDash val="solid"/>
+                </a:ln>
+                <a:pattFill prst="dkUpDiag">
+                  <a:fgClr>
+                    <a:schemeClr val="tx2"/>
+                  </a:fgClr>
+                  <a:bgClr>
+                    <a:schemeClr val="tx2">
+                      <a:lumMod val="20000"/>
+                      <a:lumOff val="80000"/>
+                    </a:schemeClr>
+                  </a:bgClr>
+                </a:pattFill>
+                <a:effectLst>
+                  <a:outerShdw dist="38100" dir="2640000" algn="bl" rotWithShape="0">
+                    <a:schemeClr val="tx2">
+                      <a:lumMod val="75000"/>
+                    </a:schemeClr>
+                  </a:outerShdw>
+                </a:effectLst>
+              </a:rPr>
+              <a:t>已完成进度</a:t>
+            </a:r>
+            <a:endParaRPr lang="zh-CN" altLang="en-US" sz="3200">
+              <a:ln w="12700">
+                <a:solidFill>
+                  <a:schemeClr val="tx2">
+                    <a:lumMod val="75000"/>
+                  </a:schemeClr>
+                </a:solidFill>
+                <a:prstDash val="solid"/>
+              </a:ln>
+              <a:pattFill prst="dkUpDiag">
+                <a:fgClr>
+                  <a:schemeClr val="tx2"/>
+                </a:fgClr>
+                <a:bgClr>
+                  <a:schemeClr val="tx2">
+                    <a:lumMod val="20000"/>
+                    <a:lumOff val="80000"/>
+                  </a:schemeClr>
+                </a:bgClr>
+              </a:pattFill>
+              <a:effectLst>
+                <a:outerShdw dist="38100" dir="2640000" algn="bl" rotWithShape="0">
+                  <a:schemeClr val="tx2">
+                    <a:lumMod val="75000"/>
+                  </a:schemeClr>
+                </a:outerShdw>
+              </a:effectLst>
+            </a:endParaRPr>
+          </a:p>
+        </p:txBody>
+      </p:sp>
+      <p:sp>
+        <p:nvSpPr>
+          <p:cNvPr id="6" name="Text Box 5"/>
+          <p:cNvSpPr txBox="true"/>
+          <p:nvPr/>
+        </p:nvSpPr>
+        <p:spPr>
+          <a:xfrm>
+            <a:off x="5195570" y="4758690"/>
+            <a:ext cx="3811270" cy="299085"/>
+          </a:xfrm>
+          <a:prstGeom prst="rect">
+            <a:avLst/>
+          </a:prstGeom>
+          <a:noFill/>
+        </p:spPr>
+        <p:txBody>
+          <a:bodyPr wrap="square" rtlCol="0">
+            <a:spAutoFit/>
+          </a:bodyPr>
+          <a:p>
+            <a:r>
+              <a:rPr lang="zh-CN" altLang="en-US" b="1">
+                <a:sym typeface="+mn-ea"/>
+              </a:rPr>
+              <a:t>基于阅读理解形式的中文问答系统研究与实现</a:t>
+            </a:r>
+            <a:endParaRPr lang="en-US"/>
+          </a:p>
+        </p:txBody>
+      </p:sp>
+      <p:sp>
+        <p:nvSpPr>
+          <p:cNvPr id="20" name="Text Box 19"/>
+          <p:cNvSpPr txBox="true"/>
+          <p:nvPr/>
+        </p:nvSpPr>
+        <p:spPr>
+          <a:xfrm>
+            <a:off x="2493010" y="1943735"/>
+            <a:ext cx="3373120" cy="299085"/>
+          </a:xfrm>
+          <a:prstGeom prst="rect">
+            <a:avLst/>
+          </a:prstGeom>
+          <a:noFill/>
+        </p:spPr>
+        <p:txBody>
+          <a:bodyPr wrap="square" rtlCol="0">
+            <a:spAutoFit/>
+          </a:bodyPr>
+          <a:p>
+            <a:r>
+              <a:rPr lang="zh-CN" altLang="en-US"/>
+              <a:t>最后得到的负样本数目：</a:t>
+            </a:r>
+            <a:r>
+              <a:rPr lang="" altLang="zh-CN"/>
+              <a:t>430136</a:t>
+            </a:r>
+            <a:endParaRPr lang="" altLang="zh-CN"/>
+          </a:p>
+        </p:txBody>
+      </p:sp>
+      <p:sp>
+        <p:nvSpPr>
+          <p:cNvPr id="21" name="Text Box 20"/>
+          <p:cNvSpPr txBox="true"/>
+          <p:nvPr/>
+        </p:nvSpPr>
+        <p:spPr>
+          <a:xfrm>
+            <a:off x="2693035" y="2414905"/>
+            <a:ext cx="2749550" cy="299085"/>
+          </a:xfrm>
+          <a:prstGeom prst="rect">
+            <a:avLst/>
+          </a:prstGeom>
+          <a:noFill/>
+        </p:spPr>
+        <p:txBody>
+          <a:bodyPr wrap="square" rtlCol="0">
+            <a:spAutoFit/>
+          </a:bodyPr>
+          <a:p>
+            <a:r>
+              <a:rPr lang="" altLang="en-US"/>
+              <a:t>Pesudo examples: </a:t>
+            </a:r>
+            <a:r>
+              <a:rPr lang="en-US"/>
+              <a:t>12716</a:t>
+            </a:r>
+            <a:endParaRPr lang="en-US"/>
+          </a:p>
+        </p:txBody>
+      </p:sp>
+    </p:spTree>
+  </p:cSld>
+  <p:clrMapOvr>
+    <a:masterClrMapping/>
+  </p:clrMapOvr>
+  <mc:AlternateContent xmlns:mc="http://schemas.openxmlformats.org/markup-compatibility/2006">
+    <mc:Choice xmlns:p14="http://schemas.microsoft.com/office/powerpoint/2010/main" Requires="p14">
+      <p:transition spd="slow" p14:dur="2000"/>
+    </mc:Choice>
+    <mc:Fallback>
+      <p:transition spd="slow"/>
+    </mc:Fallback>
+  </mc:AlternateContent>
+  <p:timing>
+    <p:tnLst>
+      <p:par>
+        <p:cTn id="1" dur="indefinite" restart="never" nodeType="tmRoot"/>
+      </p:par>
+    </p:tnLst>
+  </p:timing>
+</p:sld>
+</file>
+
+<file path=ppt/slides/slide23.xml><?xml version="1.0" encoding="utf-8"?>
+<p:sld xmlns:a="http://schemas.openxmlformats.org/drawingml/2006/main" xmlns:r="http://schemas.openxmlformats.org/officeDocument/2006/relationships" xmlns:p="http://schemas.openxmlformats.org/presentationml/2006/main">
+  <p:cSld>
+    <p:bg>
+      <p:bgPr>
+        <a:blipFill dpi="0" rotWithShape="true">
+          <a:blip r:embed="rId1"/>
+          <a:srcRect/>
+        </a:blipFill>
+        <a:effectLst/>
+      </p:bgPr>
+    </p:bg>
+    <p:spTree>
+      <p:nvGrpSpPr>
+        <p:cNvPr id="1" name=""/>
+        <p:cNvGrpSpPr/>
+        <p:nvPr/>
+      </p:nvGrpSpPr>
+      <p:grpSpPr>
+        <a:xfrm>
+          <a:off x="0" y="0"/>
+          <a:ext cx="0" cy="0"/>
+          <a:chOff x="0" y="0"/>
+          <a:chExt cx="0" cy="0"/>
+        </a:xfrm>
+      </p:grpSpPr>
+      <p:pic>
+        <p:nvPicPr>
+          <p:cNvPr id="2" name="图片 3"/>
+          <p:cNvPicPr>
+            <a:picLocks noChangeAspect="true"/>
+          </p:cNvPicPr>
+          <p:nvPr/>
+        </p:nvPicPr>
+        <p:blipFill>
+          <a:blip r:embed="rId2" cstate="print">
+            <a:extLst>
+              <a:ext uri="{28A0092B-C50C-407E-A947-70E740481C1C}">
+                <a14:useLocalDpi xmlns:a14="http://schemas.microsoft.com/office/drawing/2010/main" val="false"/>
+              </a:ext>
+            </a:extLst>
+          </a:blip>
+          <a:stretch>
+            <a:fillRect/>
+          </a:stretch>
+        </p:blipFill>
+        <p:spPr>
+          <a:xfrm>
+            <a:off x="7608408" y="122473"/>
+            <a:ext cx="1467011" cy="491720"/>
+          </a:xfrm>
+          <a:prstGeom prst="rect">
+            <a:avLst/>
+          </a:prstGeom>
+        </p:spPr>
+      </p:pic>
+      <p:sp>
+        <p:nvSpPr>
           <p:cNvPr id="62" name="椭圆 61"/>
           <p:cNvSpPr/>
           <p:nvPr/>
@@ -18407,7 +20215,7 @@
 </p:sld>
 </file>
 
-<file path=ppt/slides/slide22.xml><?xml version="1.0" encoding="utf-8"?>
+<file path=ppt/slides/slide24.xml><?xml version="1.0" encoding="utf-8"?>
 <p:sld xmlns:a="http://schemas.openxmlformats.org/drawingml/2006/main" xmlns:r="http://schemas.openxmlformats.org/officeDocument/2006/relationships" xmlns:p="http://schemas.openxmlformats.org/presentationml/2006/main">
   <p:cSld>
     <p:bg>
@@ -18628,7 +20436,7 @@
 </p:sld>
 </file>
 
-<file path=ppt/slides/slide23.xml><?xml version="1.0" encoding="utf-8"?>
+<file path=ppt/slides/slide25.xml><?xml version="1.0" encoding="utf-8"?>
 <p:sld xmlns:a="http://schemas.openxmlformats.org/drawingml/2006/main" xmlns:r="http://schemas.openxmlformats.org/officeDocument/2006/relationships" xmlns:p="http://schemas.openxmlformats.org/presentationml/2006/main">
   <p:cSld>
     <p:bg>
@@ -19284,7 +21092,7 @@
 </p:sld>
 </file>
 
-<file path=ppt/slides/slide24.xml><?xml version="1.0" encoding="utf-8"?>
+<file path=ppt/slides/slide26.xml><?xml version="1.0" encoding="utf-8"?>
 <p:sld xmlns:a="http://schemas.openxmlformats.org/drawingml/2006/main" xmlns:r="http://schemas.openxmlformats.org/officeDocument/2006/relationships" xmlns:p="http://schemas.openxmlformats.org/presentationml/2006/main">
   <p:cSld>
     <p:bg>
@@ -19450,7 +21258,7 @@
 </p:sld>
 </file>
 
-<file path=ppt/slides/slide25.xml><?xml version="1.0" encoding="utf-8"?>
+<file path=ppt/slides/slide27.xml><?xml version="1.0" encoding="utf-8"?>
 <p:sld xmlns:a="http://schemas.openxmlformats.org/drawingml/2006/main" xmlns:r="http://schemas.openxmlformats.org/officeDocument/2006/relationships" xmlns:p="http://schemas.openxmlformats.org/presentationml/2006/main">
   <p:cSld>
     <p:bg>
@@ -19559,7 +21367,7 @@
 </p:sld>
 </file>
 
-<file path=ppt/slides/slide26.xml><?xml version="1.0" encoding="utf-8"?>
+<file path=ppt/slides/slide28.xml><?xml version="1.0" encoding="utf-8"?>
 <p:sld xmlns:a="http://schemas.openxmlformats.org/drawingml/2006/main" xmlns:r="http://schemas.openxmlformats.org/officeDocument/2006/relationships" xmlns:p="http://schemas.openxmlformats.org/presentationml/2006/main">
   <p:cSld>
     <p:bg>
@@ -19668,7 +21476,7 @@
 </p:sld>
 </file>
 
-<file path=ppt/slides/slide27.xml><?xml version="1.0" encoding="utf-8"?>
+<file path=ppt/slides/slide29.xml><?xml version="1.0" encoding="utf-8"?>
 <p:sld xmlns:a="http://schemas.openxmlformats.org/drawingml/2006/main" xmlns:r="http://schemas.openxmlformats.org/officeDocument/2006/relationships" xmlns:p="http://schemas.openxmlformats.org/presentationml/2006/main">
   <p:cSld>
     <p:bg>
@@ -19761,177 +21569,6 @@
           </a:prstGeom>
         </p:spPr>
       </p:pic>
-    </p:spTree>
-  </p:cSld>
-  <p:clrMapOvr>
-    <a:masterClrMapping/>
-  </p:clrMapOvr>
-  <mc:AlternateContent xmlns:mc="http://schemas.openxmlformats.org/markup-compatibility/2006">
-    <mc:Choice xmlns:p14="http://schemas.microsoft.com/office/powerpoint/2010/main" Requires="p14">
-      <p:transition spd="slow" p14:dur="2000" advTm="3000"/>
-    </mc:Choice>
-    <mc:Fallback>
-      <p:transition spd="slow" advTm="3000"/>
-    </mc:Fallback>
-  </mc:AlternateContent>
-</p:sld>
-</file>
-
-<file path=ppt/slides/slide28.xml><?xml version="1.0" encoding="utf-8"?>
-<p:sld xmlns:a="http://schemas.openxmlformats.org/drawingml/2006/main" xmlns:r="http://schemas.openxmlformats.org/officeDocument/2006/relationships" xmlns:p="http://schemas.openxmlformats.org/presentationml/2006/main">
-  <p:cSld>
-    <p:bg>
-      <p:bgPr>
-        <a:blipFill dpi="0" rotWithShape="true">
-          <a:blip r:embed="rId1"/>
-          <a:srcRect/>
-        </a:blipFill>
-        <a:effectLst/>
-      </p:bgPr>
-    </p:bg>
-    <p:spTree>
-      <p:nvGrpSpPr>
-        <p:cNvPr id="1" name=""/>
-        <p:cNvGrpSpPr/>
-        <p:nvPr/>
-      </p:nvGrpSpPr>
-      <p:grpSpPr/>
-      <p:sp>
-        <p:nvSpPr>
-          <p:cNvPr id="2" name="Title 1"/>
-          <p:cNvSpPr>
-            <a:spLocks noGrp="true"/>
-          </p:cNvSpPr>
-          <p:nvPr>
-            <p:ph type="title"/>
-          </p:nvPr>
-        </p:nvSpPr>
-        <p:spPr/>
-        <p:txBody>
-          <a:bodyPr/>
-          <a:p>
-            <a:endParaRPr lang="en-US"/>
-          </a:p>
-        </p:txBody>
-      </p:sp>
-      <p:pic>
-        <p:nvPicPr>
-          <p:cNvPr id="7" name="图片 3"/>
-          <p:cNvPicPr>
-            <a:picLocks noChangeAspect="true"/>
-          </p:cNvPicPr>
-          <p:nvPr/>
-        </p:nvPicPr>
-        <p:blipFill>
-          <a:blip r:embed="rId2" cstate="print">
-            <a:extLst>
-              <a:ext uri="{28A0092B-C50C-407E-A947-70E740481C1C}">
-                <a14:useLocalDpi xmlns:a14="http://schemas.microsoft.com/office/drawing/2010/main" val="false"/>
-              </a:ext>
-            </a:extLst>
-          </a:blip>
-          <a:stretch>
-            <a:fillRect/>
-          </a:stretch>
-        </p:blipFill>
-        <p:spPr>
-          <a:xfrm>
-            <a:off x="7600315" y="100330"/>
-            <a:ext cx="1467485" cy="490220"/>
-          </a:xfrm>
-          <a:prstGeom prst="rect">
-            <a:avLst/>
-          </a:prstGeom>
-        </p:spPr>
-      </p:pic>
-      <p:pic>
-        <p:nvPicPr>
-          <p:cNvPr id="4" name="内容占位符 3" descr="2020-11-12 08-27-24 的屏幕截图"/>
-          <p:cNvPicPr>
-            <a:picLocks noChangeAspect="true"/>
-          </p:cNvPicPr>
-          <p:nvPr>
-            <p:ph idx="1"/>
-          </p:nvPr>
-        </p:nvPicPr>
-        <p:blipFill>
-          <a:blip r:embed="rId3"/>
-          <a:stretch>
-            <a:fillRect/>
-          </a:stretch>
-        </p:blipFill>
-        <p:spPr>
-          <a:xfrm>
-            <a:off x="1050925" y="1774825"/>
-            <a:ext cx="6603365" cy="2305685"/>
-          </a:xfrm>
-          <a:prstGeom prst="rect">
-            <a:avLst/>
-          </a:prstGeom>
-        </p:spPr>
-      </p:pic>
-    </p:spTree>
-  </p:cSld>
-  <p:clrMapOvr>
-    <a:masterClrMapping/>
-  </p:clrMapOvr>
-  <mc:AlternateContent xmlns:mc="http://schemas.openxmlformats.org/markup-compatibility/2006">
-    <mc:Choice xmlns:p14="http://schemas.microsoft.com/office/powerpoint/2010/main" Requires="p14">
-      <p:transition spd="slow" p14:dur="2000" advTm="3000"/>
-    </mc:Choice>
-    <mc:Fallback>
-      <p:transition spd="slow" advTm="3000"/>
-    </mc:Fallback>
-  </mc:AlternateContent>
-</p:sld>
-</file>
-
-<file path=ppt/slides/slide29.xml><?xml version="1.0" encoding="utf-8"?>
-<p:sld xmlns:a="http://schemas.openxmlformats.org/drawingml/2006/main" xmlns:r="http://schemas.openxmlformats.org/officeDocument/2006/relationships" xmlns:p="http://schemas.openxmlformats.org/presentationml/2006/main">
-  <p:cSld>
-    <p:spTree>
-      <p:nvGrpSpPr>
-        <p:cNvPr id="1" name=""/>
-        <p:cNvGrpSpPr/>
-        <p:nvPr/>
-      </p:nvGrpSpPr>
-      <p:grpSpPr/>
-      <p:sp>
-        <p:nvSpPr>
-          <p:cNvPr id="2" name="Title 1"/>
-          <p:cNvSpPr>
-            <a:spLocks noGrp="true"/>
-          </p:cNvSpPr>
-          <p:nvPr>
-            <p:ph type="title"/>
-          </p:nvPr>
-        </p:nvSpPr>
-        <p:spPr/>
-        <p:txBody>
-          <a:bodyPr/>
-          <a:p>
-            <a:endParaRPr lang="en-US"/>
-          </a:p>
-        </p:txBody>
-      </p:sp>
-      <p:sp>
-        <p:nvSpPr>
-          <p:cNvPr id="3" name="Content Placeholder 2"/>
-          <p:cNvSpPr>
-            <a:spLocks noGrp="true"/>
-          </p:cNvSpPr>
-          <p:nvPr>
-            <p:ph idx="1"/>
-          </p:nvPr>
-        </p:nvSpPr>
-        <p:spPr/>
-        <p:txBody>
-          <a:bodyPr/>
-          <a:p>
-            <a:endParaRPr lang="en-US"/>
-          </a:p>
-        </p:txBody>
-      </p:sp>
     </p:spTree>
   </p:cSld>
   <p:clrMapOvr>
@@ -20954,6 +22591,177 @@
       </p:par>
     </p:tnLst>
   </p:timing>
+</p:sld>
+</file>
+
+<file path=ppt/slides/slide30.xml><?xml version="1.0" encoding="utf-8"?>
+<p:sld xmlns:a="http://schemas.openxmlformats.org/drawingml/2006/main" xmlns:r="http://schemas.openxmlformats.org/officeDocument/2006/relationships" xmlns:p="http://schemas.openxmlformats.org/presentationml/2006/main">
+  <p:cSld>
+    <p:bg>
+      <p:bgPr>
+        <a:blipFill dpi="0" rotWithShape="true">
+          <a:blip r:embed="rId1"/>
+          <a:srcRect/>
+        </a:blipFill>
+        <a:effectLst/>
+      </p:bgPr>
+    </p:bg>
+    <p:spTree>
+      <p:nvGrpSpPr>
+        <p:cNvPr id="1" name=""/>
+        <p:cNvGrpSpPr/>
+        <p:nvPr/>
+      </p:nvGrpSpPr>
+      <p:grpSpPr/>
+      <p:sp>
+        <p:nvSpPr>
+          <p:cNvPr id="2" name="Title 1"/>
+          <p:cNvSpPr>
+            <a:spLocks noGrp="true"/>
+          </p:cNvSpPr>
+          <p:nvPr>
+            <p:ph type="title"/>
+          </p:nvPr>
+        </p:nvSpPr>
+        <p:spPr/>
+        <p:txBody>
+          <a:bodyPr/>
+          <a:p>
+            <a:endParaRPr lang="en-US"/>
+          </a:p>
+        </p:txBody>
+      </p:sp>
+      <p:pic>
+        <p:nvPicPr>
+          <p:cNvPr id="7" name="图片 3"/>
+          <p:cNvPicPr>
+            <a:picLocks noChangeAspect="true"/>
+          </p:cNvPicPr>
+          <p:nvPr/>
+        </p:nvPicPr>
+        <p:blipFill>
+          <a:blip r:embed="rId2" cstate="print">
+            <a:extLst>
+              <a:ext uri="{28A0092B-C50C-407E-A947-70E740481C1C}">
+                <a14:useLocalDpi xmlns:a14="http://schemas.microsoft.com/office/drawing/2010/main" val="false"/>
+              </a:ext>
+            </a:extLst>
+          </a:blip>
+          <a:stretch>
+            <a:fillRect/>
+          </a:stretch>
+        </p:blipFill>
+        <p:spPr>
+          <a:xfrm>
+            <a:off x="7600315" y="100330"/>
+            <a:ext cx="1467485" cy="490220"/>
+          </a:xfrm>
+          <a:prstGeom prst="rect">
+            <a:avLst/>
+          </a:prstGeom>
+        </p:spPr>
+      </p:pic>
+      <p:pic>
+        <p:nvPicPr>
+          <p:cNvPr id="4" name="内容占位符 3" descr="2020-11-12 08-27-24 的屏幕截图"/>
+          <p:cNvPicPr>
+            <a:picLocks noChangeAspect="true"/>
+          </p:cNvPicPr>
+          <p:nvPr>
+            <p:ph idx="1"/>
+          </p:nvPr>
+        </p:nvPicPr>
+        <p:blipFill>
+          <a:blip r:embed="rId3"/>
+          <a:stretch>
+            <a:fillRect/>
+          </a:stretch>
+        </p:blipFill>
+        <p:spPr>
+          <a:xfrm>
+            <a:off x="1050925" y="1774825"/>
+            <a:ext cx="6603365" cy="2305685"/>
+          </a:xfrm>
+          <a:prstGeom prst="rect">
+            <a:avLst/>
+          </a:prstGeom>
+        </p:spPr>
+      </p:pic>
+    </p:spTree>
+  </p:cSld>
+  <p:clrMapOvr>
+    <a:masterClrMapping/>
+  </p:clrMapOvr>
+  <mc:AlternateContent xmlns:mc="http://schemas.openxmlformats.org/markup-compatibility/2006">
+    <mc:Choice xmlns:p14="http://schemas.microsoft.com/office/powerpoint/2010/main" Requires="p14">
+      <p:transition spd="slow" p14:dur="2000" advTm="3000"/>
+    </mc:Choice>
+    <mc:Fallback>
+      <p:transition spd="slow" advTm="3000"/>
+    </mc:Fallback>
+  </mc:AlternateContent>
+</p:sld>
+</file>
+
+<file path=ppt/slides/slide31.xml><?xml version="1.0" encoding="utf-8"?>
+<p:sld xmlns:a="http://schemas.openxmlformats.org/drawingml/2006/main" xmlns:r="http://schemas.openxmlformats.org/officeDocument/2006/relationships" xmlns:p="http://schemas.openxmlformats.org/presentationml/2006/main">
+  <p:cSld>
+    <p:spTree>
+      <p:nvGrpSpPr>
+        <p:cNvPr id="1" name=""/>
+        <p:cNvGrpSpPr/>
+        <p:nvPr/>
+      </p:nvGrpSpPr>
+      <p:grpSpPr/>
+      <p:sp>
+        <p:nvSpPr>
+          <p:cNvPr id="2" name="Title 1"/>
+          <p:cNvSpPr>
+            <a:spLocks noGrp="true"/>
+          </p:cNvSpPr>
+          <p:nvPr>
+            <p:ph type="title"/>
+          </p:nvPr>
+        </p:nvSpPr>
+        <p:spPr/>
+        <p:txBody>
+          <a:bodyPr/>
+          <a:p>
+            <a:endParaRPr lang="en-US"/>
+          </a:p>
+        </p:txBody>
+      </p:sp>
+      <p:sp>
+        <p:nvSpPr>
+          <p:cNvPr id="3" name="Content Placeholder 2"/>
+          <p:cNvSpPr>
+            <a:spLocks noGrp="true"/>
+          </p:cNvSpPr>
+          <p:nvPr>
+            <p:ph idx="1"/>
+          </p:nvPr>
+        </p:nvSpPr>
+        <p:spPr/>
+        <p:txBody>
+          <a:bodyPr/>
+          <a:p>
+            <a:endParaRPr lang="en-US"/>
+          </a:p>
+        </p:txBody>
+      </p:sp>
+    </p:spTree>
+  </p:cSld>
+  <p:clrMapOvr>
+    <a:masterClrMapping/>
+  </p:clrMapOvr>
+  <mc:AlternateContent xmlns:mc="http://schemas.openxmlformats.org/markup-compatibility/2006">
+    <mc:Choice xmlns:p14="http://schemas.microsoft.com/office/powerpoint/2010/main" Requires="p14">
+      <p:transition spd="slow" p14:dur="2000" advTm="3000"/>
+    </mc:Choice>
+    <mc:Fallback>
+      <p:transition spd="slow" advTm="3000"/>
+    </mc:Fallback>
+  </mc:AlternateContent>
 </p:sld>
 </file>
 

--- a/孙相会.pptx
+++ b/孙相会.pptx
@@ -22,20 +22,23 @@
     <p:sldId id="413" r:id="rId15"/>
     <p:sldId id="497" r:id="rId16"/>
     <p:sldId id="461" r:id="rId17"/>
-    <p:sldId id="494" r:id="rId18"/>
-    <p:sldId id="499" r:id="rId19"/>
-    <p:sldId id="511" r:id="rId20"/>
-    <p:sldId id="521" r:id="rId21"/>
-    <p:sldId id="522" r:id="rId22"/>
-    <p:sldId id="396" r:id="rId23"/>
-    <p:sldId id="397" r:id="rId24"/>
-    <p:sldId id="454" r:id="rId25"/>
-    <p:sldId id="535" r:id="rId26"/>
-    <p:sldId id="398" r:id="rId27"/>
-    <p:sldId id="399" r:id="rId28"/>
-    <p:sldId id="404" r:id="rId29"/>
-    <p:sldId id="407" r:id="rId30"/>
-    <p:sldId id="403" r:id="rId31"/>
+    <p:sldId id="558" r:id="rId18"/>
+    <p:sldId id="559" r:id="rId19"/>
+    <p:sldId id="560" r:id="rId20"/>
+    <p:sldId id="494" r:id="rId21"/>
+    <p:sldId id="499" r:id="rId22"/>
+    <p:sldId id="511" r:id="rId23"/>
+    <p:sldId id="521" r:id="rId24"/>
+    <p:sldId id="522" r:id="rId25"/>
+    <p:sldId id="396" r:id="rId26"/>
+    <p:sldId id="397" r:id="rId27"/>
+    <p:sldId id="454" r:id="rId28"/>
+    <p:sldId id="535" r:id="rId29"/>
+    <p:sldId id="398" r:id="rId30"/>
+    <p:sldId id="399" r:id="rId31"/>
+    <p:sldId id="404" r:id="rId32"/>
+    <p:sldId id="407" r:id="rId33"/>
+    <p:sldId id="403" r:id="rId34"/>
   </p:sldIdLst>
   <p:sldSz cx="9144000" cy="5143500" type="screen16x9"/>
   <p:notesSz cx="6858000" cy="9144000"/>
@@ -1660,6 +1663,240 @@
 </p:notes>
 </file>
 
+<file path=ppt/notesSlides/notesSlide23.xml><?xml version="1.0" encoding="utf-8"?>
+<p:notes xmlns:a="http://schemas.openxmlformats.org/drawingml/2006/main" xmlns:r="http://schemas.openxmlformats.org/officeDocument/2006/relationships" xmlns:p="http://schemas.openxmlformats.org/presentationml/2006/main">
+  <p:cSld>
+    <p:spTree>
+      <p:nvGrpSpPr>
+        <p:cNvPr id="1" name=""/>
+        <p:cNvGrpSpPr/>
+        <p:nvPr/>
+      </p:nvGrpSpPr>
+      <p:grpSpPr>
+        <a:xfrm>
+          <a:off x="0" y="0"/>
+          <a:ext cx="0" cy="0"/>
+          <a:chOff x="0" y="0"/>
+          <a:chExt cx="0" cy="0"/>
+        </a:xfrm>
+      </p:grpSpPr>
+      <p:sp>
+        <p:nvSpPr>
+          <p:cNvPr id="2" name="幻灯片图像占位符 1"/>
+          <p:cNvSpPr>
+            <a:spLocks noGrp="1" noRot="1" noChangeAspect="1"/>
+          </p:cNvSpPr>
+          <p:nvPr>
+            <p:ph type="sldImg"/>
+          </p:nvPr>
+        </p:nvSpPr>
+        <p:spPr/>
+      </p:sp>
+      <p:sp>
+        <p:nvSpPr>
+          <p:cNvPr id="3" name="备注占位符 2"/>
+          <p:cNvSpPr>
+            <a:spLocks noGrp="1"/>
+          </p:cNvSpPr>
+          <p:nvPr>
+            <p:ph type="body" idx="1"/>
+          </p:nvPr>
+        </p:nvSpPr>
+        <p:spPr/>
+        <p:txBody>
+          <a:bodyPr/>
+          <a:lstStyle/>
+          <a:p>
+            <a:endParaRPr lang="zh-CN" altLang="en-US"/>
+          </a:p>
+        </p:txBody>
+      </p:sp>
+      <p:sp>
+        <p:nvSpPr>
+          <p:cNvPr id="4" name="灯片编号占位符 3"/>
+          <p:cNvSpPr>
+            <a:spLocks noGrp="1"/>
+          </p:cNvSpPr>
+          <p:nvPr>
+            <p:ph type="sldNum" sz="quarter" idx="10"/>
+          </p:nvPr>
+        </p:nvSpPr>
+        <p:spPr/>
+        <p:txBody>
+          <a:bodyPr/>
+          <a:lstStyle/>
+          <a:p>
+            <a:fld id="{74E7DC6A-F9F9-48DB-9FE7-E174AE05389F}" type="slidenum">
+              <a:rPr lang="zh-CN" altLang="en-US" smtClean="0"/>
+            </a:fld>
+            <a:endParaRPr lang="zh-CN" altLang="en-US"/>
+          </a:p>
+        </p:txBody>
+      </p:sp>
+    </p:spTree>
+  </p:cSld>
+  <p:clrMapOvr>
+    <a:masterClrMapping/>
+  </p:clrMapOvr>
+</p:notes>
+</file>
+
+<file path=ppt/notesSlides/notesSlide24.xml><?xml version="1.0" encoding="utf-8"?>
+<p:notes xmlns:a="http://schemas.openxmlformats.org/drawingml/2006/main" xmlns:r="http://schemas.openxmlformats.org/officeDocument/2006/relationships" xmlns:p="http://schemas.openxmlformats.org/presentationml/2006/main">
+  <p:cSld>
+    <p:spTree>
+      <p:nvGrpSpPr>
+        <p:cNvPr id="1" name=""/>
+        <p:cNvGrpSpPr/>
+        <p:nvPr/>
+      </p:nvGrpSpPr>
+      <p:grpSpPr>
+        <a:xfrm>
+          <a:off x="0" y="0"/>
+          <a:ext cx="0" cy="0"/>
+          <a:chOff x="0" y="0"/>
+          <a:chExt cx="0" cy="0"/>
+        </a:xfrm>
+      </p:grpSpPr>
+      <p:sp>
+        <p:nvSpPr>
+          <p:cNvPr id="2" name="幻灯片图像占位符 1"/>
+          <p:cNvSpPr>
+            <a:spLocks noGrp="1" noRot="1" noChangeAspect="1"/>
+          </p:cNvSpPr>
+          <p:nvPr>
+            <p:ph type="sldImg"/>
+          </p:nvPr>
+        </p:nvSpPr>
+        <p:spPr/>
+      </p:sp>
+      <p:sp>
+        <p:nvSpPr>
+          <p:cNvPr id="3" name="备注占位符 2"/>
+          <p:cNvSpPr>
+            <a:spLocks noGrp="1"/>
+          </p:cNvSpPr>
+          <p:nvPr>
+            <p:ph type="body" idx="1"/>
+          </p:nvPr>
+        </p:nvSpPr>
+        <p:spPr/>
+        <p:txBody>
+          <a:bodyPr/>
+          <a:lstStyle/>
+          <a:p>
+            <a:endParaRPr lang="zh-CN" altLang="en-US"/>
+          </a:p>
+        </p:txBody>
+      </p:sp>
+      <p:sp>
+        <p:nvSpPr>
+          <p:cNvPr id="4" name="灯片编号占位符 3"/>
+          <p:cNvSpPr>
+            <a:spLocks noGrp="1"/>
+          </p:cNvSpPr>
+          <p:nvPr>
+            <p:ph type="sldNum" sz="quarter" idx="10"/>
+          </p:nvPr>
+        </p:nvSpPr>
+        <p:spPr/>
+        <p:txBody>
+          <a:bodyPr/>
+          <a:lstStyle/>
+          <a:p>
+            <a:fld id="{74E7DC6A-F9F9-48DB-9FE7-E174AE05389F}" type="slidenum">
+              <a:rPr lang="zh-CN" altLang="en-US" smtClean="0"/>
+            </a:fld>
+            <a:endParaRPr lang="zh-CN" altLang="en-US"/>
+          </a:p>
+        </p:txBody>
+      </p:sp>
+    </p:spTree>
+  </p:cSld>
+  <p:clrMapOvr>
+    <a:masterClrMapping/>
+  </p:clrMapOvr>
+</p:notes>
+</file>
+
+<file path=ppt/notesSlides/notesSlide25.xml><?xml version="1.0" encoding="utf-8"?>
+<p:notes xmlns:a="http://schemas.openxmlformats.org/drawingml/2006/main" xmlns:r="http://schemas.openxmlformats.org/officeDocument/2006/relationships" xmlns:p="http://schemas.openxmlformats.org/presentationml/2006/main">
+  <p:cSld>
+    <p:spTree>
+      <p:nvGrpSpPr>
+        <p:cNvPr id="1" name=""/>
+        <p:cNvGrpSpPr/>
+        <p:nvPr/>
+      </p:nvGrpSpPr>
+      <p:grpSpPr>
+        <a:xfrm>
+          <a:off x="0" y="0"/>
+          <a:ext cx="0" cy="0"/>
+          <a:chOff x="0" y="0"/>
+          <a:chExt cx="0" cy="0"/>
+        </a:xfrm>
+      </p:grpSpPr>
+      <p:sp>
+        <p:nvSpPr>
+          <p:cNvPr id="2" name="幻灯片图像占位符 1"/>
+          <p:cNvSpPr>
+            <a:spLocks noGrp="1" noRot="1" noChangeAspect="1"/>
+          </p:cNvSpPr>
+          <p:nvPr>
+            <p:ph type="sldImg"/>
+          </p:nvPr>
+        </p:nvSpPr>
+        <p:spPr/>
+      </p:sp>
+      <p:sp>
+        <p:nvSpPr>
+          <p:cNvPr id="3" name="备注占位符 2"/>
+          <p:cNvSpPr>
+            <a:spLocks noGrp="1"/>
+          </p:cNvSpPr>
+          <p:nvPr>
+            <p:ph type="body" idx="1"/>
+          </p:nvPr>
+        </p:nvSpPr>
+        <p:spPr/>
+        <p:txBody>
+          <a:bodyPr/>
+          <a:lstStyle/>
+          <a:p>
+            <a:endParaRPr lang="zh-CN" altLang="en-US"/>
+          </a:p>
+        </p:txBody>
+      </p:sp>
+      <p:sp>
+        <p:nvSpPr>
+          <p:cNvPr id="4" name="灯片编号占位符 3"/>
+          <p:cNvSpPr>
+            <a:spLocks noGrp="1"/>
+          </p:cNvSpPr>
+          <p:nvPr>
+            <p:ph type="sldNum" sz="quarter" idx="10"/>
+          </p:nvPr>
+        </p:nvSpPr>
+        <p:spPr/>
+        <p:txBody>
+          <a:bodyPr/>
+          <a:lstStyle/>
+          <a:p>
+            <a:fld id="{74E7DC6A-F9F9-48DB-9FE7-E174AE05389F}" type="slidenum">
+              <a:rPr lang="zh-CN" altLang="en-US" smtClean="0"/>
+            </a:fld>
+            <a:endParaRPr lang="zh-CN" altLang="en-US"/>
+          </a:p>
+        </p:txBody>
+      </p:sp>
+    </p:spTree>
+  </p:cSld>
+  <p:clrMapOvr>
+    <a:masterClrMapping/>
+  </p:clrMapOvr>
+</p:notes>
+</file>
+
 <file path=ppt/notesSlides/notesSlide3.xml><?xml version="1.0" encoding="utf-8"?>
 <p:notes xmlns:a="http://schemas.openxmlformats.org/drawingml/2006/main" xmlns:r="http://schemas.openxmlformats.org/officeDocument/2006/relationships" xmlns:p="http://schemas.openxmlformats.org/presentationml/2006/main">
   <p:cSld>
@@ -4403,15 +4640,9 @@
   <p:cSld>
     <p:bg>
       <p:bgPr>
-        <a:blipFill dpi="0" rotWithShape="1">
-          <a:blip r:embed="rId12">
-            <a:lum/>
-          </a:blip>
-          <a:srcRect/>
-          <a:stretch>
-            <a:fillRect t="-83000" b="-83000"/>
-          </a:stretch>
-        </a:blipFill>
+        <a:solidFill>
+          <a:schemeClr val="bg1"/>
+        </a:solidFill>
         <a:effectLst/>
       </p:bgPr>
     </p:bg>
@@ -4955,16 +5186,6 @@
 <file path=ppt/slides/slide1.xml><?xml version="1.0" encoding="utf-8"?>
 <p:sld xmlns:a="http://schemas.openxmlformats.org/drawingml/2006/main" xmlns:r="http://schemas.openxmlformats.org/officeDocument/2006/relationships" xmlns:p="http://schemas.openxmlformats.org/presentationml/2006/main">
   <p:cSld>
-    <p:bg>
-      <p:bgPr>
-        <a:blipFill dpi="0" rotWithShape="1">
-          <a:blip r:embed="rId1"/>
-          <a:srcRect/>
-          <a:tile tx="0" ty="0" sx="100000" sy="100000" flip="none" algn="tl"/>
-        </a:blipFill>
-        <a:effectLst/>
-      </p:bgPr>
-    </p:bg>
     <p:spTree>
       <p:nvGrpSpPr>
         <p:cNvPr id="1" name=""/>
@@ -5039,7 +5260,7 @@
           <p:nvPr/>
         </p:nvPicPr>
         <p:blipFill>
-          <a:blip r:embed="rId2" cstate="print">
+          <a:blip r:embed="rId1" cstate="print">
             <a:extLst>
               <a:ext uri="{28A0092B-C50C-407E-A947-70E740481C1C}">
                 <a14:useLocalDpi xmlns:a14="http://schemas.microsoft.com/office/drawing/2010/main" val="0"/>
@@ -5142,15 +5363,6 @@
 <file path=ppt/slides/slide10.xml><?xml version="1.0" encoding="utf-8"?>
 <p:sld xmlns:a="http://schemas.openxmlformats.org/drawingml/2006/main" xmlns:r="http://schemas.openxmlformats.org/officeDocument/2006/relationships" xmlns:p="http://schemas.openxmlformats.org/presentationml/2006/main">
   <p:cSld>
-    <p:bg>
-      <p:bgPr>
-        <a:blipFill dpi="0" rotWithShape="1">
-          <a:blip r:embed="rId1"/>
-          <a:srcRect/>
-        </a:blipFill>
-        <a:effectLst/>
-      </p:bgPr>
-    </p:bg>
     <p:spTree>
       <p:nvGrpSpPr>
         <p:cNvPr id="1" name=""/>
@@ -5174,7 +5386,7 @@
           <p:nvPr/>
         </p:nvPicPr>
         <p:blipFill>
-          <a:blip r:embed="rId2" cstate="print">
+          <a:blip r:embed="rId1" cstate="print">
             <a:extLst>
               <a:ext uri="{28A0092B-C50C-407E-A947-70E740481C1C}">
                 <a14:useLocalDpi xmlns:a14="http://schemas.microsoft.com/office/drawing/2010/main" val="0"/>
@@ -6365,15 +6577,6 @@
 <file path=ppt/slides/slide11.xml><?xml version="1.0" encoding="utf-8"?>
 <p:sld xmlns:a="http://schemas.openxmlformats.org/drawingml/2006/main" xmlns:r="http://schemas.openxmlformats.org/officeDocument/2006/relationships" xmlns:p="http://schemas.openxmlformats.org/presentationml/2006/main">
   <p:cSld>
-    <p:bg>
-      <p:bgPr>
-        <a:blipFill dpi="0" rotWithShape="1">
-          <a:blip r:embed="rId1"/>
-          <a:srcRect/>
-        </a:blipFill>
-        <a:effectLst/>
-      </p:bgPr>
-    </p:bg>
     <p:spTree>
       <p:nvGrpSpPr>
         <p:cNvPr id="1" name=""/>
@@ -6397,7 +6600,7 @@
           <p:nvPr/>
         </p:nvPicPr>
         <p:blipFill>
-          <a:blip r:embed="rId2" cstate="print">
+          <a:blip r:embed="rId1" cstate="print">
             <a:extLst>
               <a:ext uri="{28A0092B-C50C-407E-A947-70E740481C1C}">
                 <a14:useLocalDpi xmlns:a14="http://schemas.microsoft.com/office/drawing/2010/main" val="0"/>
@@ -7696,16 +7899,6 @@
 <file path=ppt/slides/slide12.xml><?xml version="1.0" encoding="utf-8"?>
 <p:sld xmlns:a="http://schemas.openxmlformats.org/drawingml/2006/main" xmlns:r="http://schemas.openxmlformats.org/officeDocument/2006/relationships" xmlns:p="http://schemas.openxmlformats.org/presentationml/2006/main">
   <p:cSld>
-    <p:bg>
-      <p:bgPr>
-        <a:blipFill dpi="0" rotWithShape="1">
-          <a:blip r:embed="rId1"/>
-          <a:srcRect/>
-          <a:tile tx="0" ty="0" sx="100000" sy="100000" flip="none" algn="tl"/>
-        </a:blipFill>
-        <a:effectLst/>
-      </p:bgPr>
-    </p:bg>
     <p:spTree>
       <p:nvGrpSpPr>
         <p:cNvPr id="1" name=""/>
@@ -7729,7 +7922,7 @@
           <p:nvPr/>
         </p:nvPicPr>
         <p:blipFill>
-          <a:blip r:embed="rId2" cstate="print">
+          <a:blip r:embed="rId1" cstate="print">
             <a:extLst>
               <a:ext uri="{28A0092B-C50C-407E-A947-70E740481C1C}">
                 <a14:useLocalDpi xmlns:a14="http://schemas.microsoft.com/office/drawing/2010/main" val="0"/>
@@ -10927,16 +11120,6 @@
 <file path=ppt/slides/slide13.xml><?xml version="1.0" encoding="utf-8"?>
 <p:sld xmlns:a="http://schemas.openxmlformats.org/drawingml/2006/main" xmlns:r="http://schemas.openxmlformats.org/officeDocument/2006/relationships" xmlns:p="http://schemas.openxmlformats.org/presentationml/2006/main">
   <p:cSld>
-    <p:bg>
-      <p:bgPr>
-        <a:blipFill dpi="0" rotWithShape="1">
-          <a:blip r:embed="rId1"/>
-          <a:srcRect/>
-          <a:tile tx="0" ty="0" sx="100000" sy="100000" flip="none" algn="tl"/>
-        </a:blipFill>
-        <a:effectLst/>
-      </p:bgPr>
-    </p:bg>
     <p:spTree>
       <p:nvGrpSpPr>
         <p:cNvPr id="1" name=""/>
@@ -10960,7 +11143,7 @@
           <p:nvPr/>
         </p:nvPicPr>
         <p:blipFill>
-          <a:blip r:embed="rId2" cstate="print">
+          <a:blip r:embed="rId1" cstate="print">
             <a:extLst>
               <a:ext uri="{28A0092B-C50C-407E-A947-70E740481C1C}">
                 <a14:useLocalDpi xmlns:a14="http://schemas.microsoft.com/office/drawing/2010/main" val="0"/>
@@ -11104,7 +11287,7 @@
           <p:nvPr/>
         </p:nvPicPr>
         <p:blipFill>
-          <a:blip r:embed="rId3"/>
+          <a:blip r:embed="rId2"/>
           <a:stretch>
             <a:fillRect/>
           </a:stretch>
@@ -11157,7 +11340,7 @@
           <p:nvPr/>
         </p:nvPicPr>
         <p:blipFill>
-          <a:blip r:embed="rId4"/>
+          <a:blip r:embed="rId3"/>
           <a:stretch>
             <a:fillRect/>
           </a:stretch>
@@ -11227,15 +11410,6 @@
 <file path=ppt/slides/slide14.xml><?xml version="1.0" encoding="utf-8"?>
 <p:sld xmlns:a="http://schemas.openxmlformats.org/drawingml/2006/main" xmlns:r="http://schemas.openxmlformats.org/officeDocument/2006/relationships" xmlns:p="http://schemas.openxmlformats.org/presentationml/2006/main">
   <p:cSld>
-    <p:bg>
-      <p:bgPr>
-        <a:blipFill dpi="0" rotWithShape="1">
-          <a:blip r:embed="rId1"/>
-          <a:srcRect/>
-        </a:blipFill>
-        <a:effectLst/>
-      </p:bgPr>
-    </p:bg>
     <p:spTree>
       <p:nvGrpSpPr>
         <p:cNvPr id="1" name=""/>
@@ -11259,7 +11433,7 @@
           <p:nvPr/>
         </p:nvPicPr>
         <p:blipFill>
-          <a:blip r:embed="rId2" cstate="print">
+          <a:blip r:embed="rId1" cstate="print">
             <a:extLst>
               <a:ext uri="{28A0092B-C50C-407E-A947-70E740481C1C}">
                 <a14:useLocalDpi xmlns:a14="http://schemas.microsoft.com/office/drawing/2010/main" val="0"/>
@@ -11403,7 +11577,7 @@
           <p:nvPr/>
         </p:nvPicPr>
         <p:blipFill>
-          <a:blip r:embed="rId3"/>
+          <a:blip r:embed="rId2"/>
           <a:stretch>
             <a:fillRect/>
           </a:stretch>
@@ -11444,15 +11618,6 @@
 <file path=ppt/slides/slide15.xml><?xml version="1.0" encoding="utf-8"?>
 <p:sld xmlns:a="http://schemas.openxmlformats.org/drawingml/2006/main" xmlns:r="http://schemas.openxmlformats.org/officeDocument/2006/relationships" xmlns:p="http://schemas.openxmlformats.org/presentationml/2006/main">
   <p:cSld>
-    <p:bg>
-      <p:bgPr>
-        <a:blipFill dpi="0" rotWithShape="1">
-          <a:blip r:embed="rId1"/>
-          <a:srcRect/>
-        </a:blipFill>
-        <a:effectLst/>
-      </p:bgPr>
-    </p:bg>
     <p:spTree>
       <p:nvGrpSpPr>
         <p:cNvPr id="1" name=""/>
@@ -11476,7 +11641,662 @@
           <p:nvPr/>
         </p:nvPicPr>
         <p:blipFill>
-          <a:blip r:embed="rId2" cstate="print">
+          <a:blip r:embed="rId1" cstate="print">
+            <a:extLst>
+              <a:ext uri="{28A0092B-C50C-407E-A947-70E740481C1C}">
+                <a14:useLocalDpi xmlns:a14="http://schemas.microsoft.com/office/drawing/2010/main" val="0"/>
+              </a:ext>
+            </a:extLst>
+          </a:blip>
+          <a:stretch>
+            <a:fillRect/>
+          </a:stretch>
+        </p:blipFill>
+        <p:spPr>
+          <a:xfrm>
+            <a:off x="7608408" y="122473"/>
+            <a:ext cx="1467011" cy="491720"/>
+          </a:xfrm>
+          <a:prstGeom prst="rect">
+            <a:avLst/>
+          </a:prstGeom>
+        </p:spPr>
+      </p:pic>
+      <p:sp>
+        <p:nvSpPr>
+          <p:cNvPr id="3" name="Text Box 2"/>
+          <p:cNvSpPr txBox="1"/>
+          <p:nvPr/>
+        </p:nvSpPr>
+        <p:spPr>
+          <a:xfrm>
+            <a:off x="508635" y="218440"/>
+            <a:ext cx="4441825" cy="583565"/>
+          </a:xfrm>
+          <a:prstGeom prst="rect">
+            <a:avLst/>
+          </a:prstGeom>
+          <a:noFill/>
+        </p:spPr>
+        <p:txBody>
+          <a:bodyPr wrap="square" rtlCol="0">
+            <a:spAutoFit/>
+          </a:bodyPr>
+          <a:p>
+            <a:r>
+              <a:rPr lang="zh-CN" altLang="en-US" sz="3200">
+                <a:ln w="12700">
+                  <a:solidFill>
+                    <a:schemeClr val="tx2">
+                      <a:lumMod val="75000"/>
+                    </a:schemeClr>
+                  </a:solidFill>
+                  <a:prstDash val="solid"/>
+                </a:ln>
+                <a:pattFill prst="dkUpDiag">
+                  <a:fgClr>
+                    <a:schemeClr val="tx2"/>
+                  </a:fgClr>
+                  <a:bgClr>
+                    <a:schemeClr val="tx2">
+                      <a:lumMod val="20000"/>
+                      <a:lumOff val="80000"/>
+                    </a:schemeClr>
+                  </a:bgClr>
+                </a:pattFill>
+                <a:effectLst>
+                  <a:outerShdw dist="38100" dir="2640000" algn="bl" rotWithShape="0">
+                    <a:schemeClr val="tx2">
+                      <a:lumMod val="75000"/>
+                    </a:schemeClr>
+                  </a:outerShdw>
+                </a:effectLst>
+              </a:rPr>
+              <a:t>文本匹配模块的设计</a:t>
+            </a:r>
+            <a:endParaRPr lang="zh-CN" altLang="en-US" sz="3200">
+              <a:ln w="12700">
+                <a:solidFill>
+                  <a:schemeClr val="tx2">
+                    <a:lumMod val="75000"/>
+                  </a:schemeClr>
+                </a:solidFill>
+                <a:prstDash val="solid"/>
+              </a:ln>
+              <a:pattFill prst="dkUpDiag">
+                <a:fgClr>
+                  <a:schemeClr val="tx2"/>
+                </a:fgClr>
+                <a:bgClr>
+                  <a:schemeClr val="tx2">
+                    <a:lumMod val="20000"/>
+                    <a:lumOff val="80000"/>
+                  </a:schemeClr>
+                </a:bgClr>
+              </a:pattFill>
+              <a:effectLst>
+                <a:outerShdw dist="38100" dir="2640000" algn="bl" rotWithShape="0">
+                  <a:schemeClr val="tx2">
+                    <a:lumMod val="75000"/>
+                  </a:schemeClr>
+                </a:outerShdw>
+              </a:effectLst>
+            </a:endParaRPr>
+          </a:p>
+        </p:txBody>
+      </p:sp>
+      <p:sp>
+        <p:nvSpPr>
+          <p:cNvPr id="5" name="Text Box 4"/>
+          <p:cNvSpPr txBox="1"/>
+          <p:nvPr/>
+        </p:nvSpPr>
+        <p:spPr>
+          <a:xfrm>
+            <a:off x="5195570" y="4758690"/>
+            <a:ext cx="3811270" cy="299085"/>
+          </a:xfrm>
+          <a:prstGeom prst="rect">
+            <a:avLst/>
+          </a:prstGeom>
+          <a:noFill/>
+        </p:spPr>
+        <p:txBody>
+          <a:bodyPr wrap="square" rtlCol="0">
+            <a:spAutoFit/>
+          </a:bodyPr>
+          <a:p>
+            <a:r>
+              <a:rPr lang="zh-CN" altLang="en-US" b="1">
+                <a:sym typeface="+mn-ea"/>
+              </a:rPr>
+              <a:t>基于阅读理解形式的中文问答系统研究与实现</a:t>
+            </a:r>
+            <a:endParaRPr lang="en-US"/>
+          </a:p>
+        </p:txBody>
+      </p:sp>
+      <p:pic>
+        <p:nvPicPr>
+          <p:cNvPr id="4" name="Picture 3"/>
+          <p:cNvPicPr>
+            <a:picLocks noChangeAspect="1"/>
+          </p:cNvPicPr>
+          <p:nvPr/>
+        </p:nvPicPr>
+        <p:blipFill>
+          <a:blip r:embed="rId2"/>
+          <a:stretch>
+            <a:fillRect/>
+          </a:stretch>
+        </p:blipFill>
+        <p:spPr>
+          <a:xfrm>
+            <a:off x="1013460" y="1184910"/>
+            <a:ext cx="7117080" cy="2773680"/>
+          </a:xfrm>
+          <a:prstGeom prst="rect">
+            <a:avLst/>
+          </a:prstGeom>
+        </p:spPr>
+      </p:pic>
+    </p:spTree>
+  </p:cSld>
+  <p:clrMapOvr>
+    <a:masterClrMapping/>
+  </p:clrMapOvr>
+  <mc:AlternateContent xmlns:mc="http://schemas.openxmlformats.org/markup-compatibility/2006">
+    <mc:Choice xmlns:p14="http://schemas.microsoft.com/office/powerpoint/2010/main" Requires="p14">
+      <p:transition spd="slow" p14:dur="2000"/>
+    </mc:Choice>
+    <mc:Fallback>
+      <p:transition spd="slow"/>
+    </mc:Fallback>
+  </mc:AlternateContent>
+  <p:timing>
+    <p:tnLst>
+      <p:par>
+        <p:cTn id="1" dur="indefinite" restart="never" nodeType="tmRoot"/>
+      </p:par>
+    </p:tnLst>
+  </p:timing>
+</p:sld>
+</file>
+
+<file path=ppt/slides/slide16.xml><?xml version="1.0" encoding="utf-8"?>
+<p:sld xmlns:a="http://schemas.openxmlformats.org/drawingml/2006/main" xmlns:r="http://schemas.openxmlformats.org/officeDocument/2006/relationships" xmlns:p="http://schemas.openxmlformats.org/presentationml/2006/main">
+  <p:cSld>
+    <p:spTree>
+      <p:nvGrpSpPr>
+        <p:cNvPr id="1" name=""/>
+        <p:cNvGrpSpPr/>
+        <p:nvPr/>
+      </p:nvGrpSpPr>
+      <p:grpSpPr>
+        <a:xfrm>
+          <a:off x="0" y="0"/>
+          <a:ext cx="0" cy="0"/>
+          <a:chOff x="0" y="0"/>
+          <a:chExt cx="0" cy="0"/>
+        </a:xfrm>
+      </p:grpSpPr>
+      <p:pic>
+        <p:nvPicPr>
+          <p:cNvPr id="2" name="图片 3"/>
+          <p:cNvPicPr>
+            <a:picLocks noChangeAspect="1"/>
+          </p:cNvPicPr>
+          <p:nvPr/>
+        </p:nvPicPr>
+        <p:blipFill>
+          <a:blip r:embed="rId1" cstate="print">
+            <a:extLst>
+              <a:ext uri="{28A0092B-C50C-407E-A947-70E740481C1C}">
+                <a14:useLocalDpi xmlns:a14="http://schemas.microsoft.com/office/drawing/2010/main" val="0"/>
+              </a:ext>
+            </a:extLst>
+          </a:blip>
+          <a:stretch>
+            <a:fillRect/>
+          </a:stretch>
+        </p:blipFill>
+        <p:spPr>
+          <a:xfrm>
+            <a:off x="7608408" y="122473"/>
+            <a:ext cx="1467011" cy="491720"/>
+          </a:xfrm>
+          <a:prstGeom prst="rect">
+            <a:avLst/>
+          </a:prstGeom>
+        </p:spPr>
+      </p:pic>
+      <p:sp>
+        <p:nvSpPr>
+          <p:cNvPr id="3" name="Text Box 2"/>
+          <p:cNvSpPr txBox="1"/>
+          <p:nvPr/>
+        </p:nvSpPr>
+        <p:spPr>
+          <a:xfrm>
+            <a:off x="508635" y="218440"/>
+            <a:ext cx="5978525" cy="583565"/>
+          </a:xfrm>
+          <a:prstGeom prst="rect">
+            <a:avLst/>
+          </a:prstGeom>
+          <a:noFill/>
+        </p:spPr>
+        <p:txBody>
+          <a:bodyPr wrap="square" rtlCol="0">
+            <a:spAutoFit/>
+          </a:bodyPr>
+          <a:p>
+            <a:r>
+              <a:rPr lang="en-US" altLang="zh-CN" sz="3200">
+                <a:ln w="12700">
+                  <a:solidFill>
+                    <a:schemeClr val="tx2">
+                      <a:lumMod val="75000"/>
+                    </a:schemeClr>
+                  </a:solidFill>
+                  <a:prstDash val="solid"/>
+                </a:ln>
+                <a:pattFill prst="dkUpDiag">
+                  <a:fgClr>
+                    <a:schemeClr val="tx2"/>
+                  </a:fgClr>
+                  <a:bgClr>
+                    <a:schemeClr val="tx2">
+                      <a:lumMod val="20000"/>
+                      <a:lumOff val="80000"/>
+                    </a:schemeClr>
+                  </a:bgClr>
+                </a:pattFill>
+                <a:effectLst>
+                  <a:outerShdw dist="38100" dir="2640000" algn="bl" rotWithShape="0">
+                    <a:schemeClr val="tx2">
+                      <a:lumMod val="75000"/>
+                    </a:schemeClr>
+                  </a:outerShdw>
+                </a:effectLst>
+              </a:rPr>
+              <a:t>Lattice-Transformer</a:t>
+            </a:r>
+            <a:r>
+              <a:rPr lang="zh-CN" altLang="en-US" sz="3200">
+                <a:ln w="12700">
+                  <a:solidFill>
+                    <a:schemeClr val="tx2">
+                      <a:lumMod val="75000"/>
+                    </a:schemeClr>
+                  </a:solidFill>
+                  <a:prstDash val="solid"/>
+                </a:ln>
+                <a:pattFill prst="dkUpDiag">
+                  <a:fgClr>
+                    <a:schemeClr val="tx2"/>
+                  </a:fgClr>
+                  <a:bgClr>
+                    <a:schemeClr val="tx2">
+                      <a:lumMod val="20000"/>
+                      <a:lumOff val="80000"/>
+                    </a:schemeClr>
+                  </a:bgClr>
+                </a:pattFill>
+                <a:effectLst>
+                  <a:outerShdw dist="38100" dir="2640000" algn="bl" rotWithShape="0">
+                    <a:schemeClr val="tx2">
+                      <a:lumMod val="75000"/>
+                    </a:schemeClr>
+                  </a:outerShdw>
+                </a:effectLst>
+              </a:rPr>
+              <a:t>模型的设计</a:t>
+            </a:r>
+            <a:endParaRPr lang="zh-CN" altLang="en-US" sz="3200">
+              <a:ln w="12700">
+                <a:solidFill>
+                  <a:schemeClr val="tx2">
+                    <a:lumMod val="75000"/>
+                  </a:schemeClr>
+                </a:solidFill>
+                <a:prstDash val="solid"/>
+              </a:ln>
+              <a:pattFill prst="dkUpDiag">
+                <a:fgClr>
+                  <a:schemeClr val="tx2"/>
+                </a:fgClr>
+                <a:bgClr>
+                  <a:schemeClr val="tx2">
+                    <a:lumMod val="20000"/>
+                    <a:lumOff val="80000"/>
+                  </a:schemeClr>
+                </a:bgClr>
+              </a:pattFill>
+              <a:effectLst>
+                <a:outerShdw dist="38100" dir="2640000" algn="bl" rotWithShape="0">
+                  <a:schemeClr val="tx2">
+                    <a:lumMod val="75000"/>
+                  </a:schemeClr>
+                </a:outerShdw>
+              </a:effectLst>
+            </a:endParaRPr>
+          </a:p>
+        </p:txBody>
+      </p:sp>
+      <p:sp>
+        <p:nvSpPr>
+          <p:cNvPr id="5" name="Text Box 4"/>
+          <p:cNvSpPr txBox="1"/>
+          <p:nvPr/>
+        </p:nvSpPr>
+        <p:spPr>
+          <a:xfrm>
+            <a:off x="5195570" y="4758690"/>
+            <a:ext cx="3811270" cy="299085"/>
+          </a:xfrm>
+          <a:prstGeom prst="rect">
+            <a:avLst/>
+          </a:prstGeom>
+          <a:noFill/>
+        </p:spPr>
+        <p:txBody>
+          <a:bodyPr wrap="square" rtlCol="0">
+            <a:spAutoFit/>
+          </a:bodyPr>
+          <a:p>
+            <a:r>
+              <a:rPr lang="zh-CN" altLang="en-US" b="1">
+                <a:sym typeface="+mn-ea"/>
+              </a:rPr>
+              <a:t>基于阅读理解形式的中文问答系统研究与实现</a:t>
+            </a:r>
+            <a:endParaRPr lang="en-US"/>
+          </a:p>
+        </p:txBody>
+      </p:sp>
+      <p:pic>
+        <p:nvPicPr>
+          <p:cNvPr id="7" name="Picture 6"/>
+          <p:cNvPicPr>
+            <a:picLocks noChangeAspect="1"/>
+          </p:cNvPicPr>
+          <p:nvPr/>
+        </p:nvPicPr>
+        <p:blipFill>
+          <a:blip r:embed="rId2"/>
+          <a:stretch>
+            <a:fillRect/>
+          </a:stretch>
+        </p:blipFill>
+        <p:spPr>
+          <a:xfrm>
+            <a:off x="1059180" y="1924050"/>
+            <a:ext cx="7562850" cy="1394460"/>
+          </a:xfrm>
+          <a:prstGeom prst="rect">
+            <a:avLst/>
+          </a:prstGeom>
+        </p:spPr>
+      </p:pic>
+    </p:spTree>
+  </p:cSld>
+  <p:clrMapOvr>
+    <a:masterClrMapping/>
+  </p:clrMapOvr>
+  <mc:AlternateContent xmlns:mc="http://schemas.openxmlformats.org/markup-compatibility/2006">
+    <mc:Choice xmlns:p14="http://schemas.microsoft.com/office/powerpoint/2010/main" Requires="p14">
+      <p:transition spd="slow" p14:dur="2000"/>
+    </mc:Choice>
+    <mc:Fallback>
+      <p:transition spd="slow"/>
+    </mc:Fallback>
+  </mc:AlternateContent>
+  <p:timing>
+    <p:tnLst>
+      <p:par>
+        <p:cTn id="1" dur="indefinite" restart="never" nodeType="tmRoot"/>
+      </p:par>
+    </p:tnLst>
+  </p:timing>
+</p:sld>
+</file>
+
+<file path=ppt/slides/slide17.xml><?xml version="1.0" encoding="utf-8"?>
+<p:sld xmlns:a="http://schemas.openxmlformats.org/drawingml/2006/main" xmlns:r="http://schemas.openxmlformats.org/officeDocument/2006/relationships" xmlns:p="http://schemas.openxmlformats.org/presentationml/2006/main">
+  <p:cSld>
+    <p:spTree>
+      <p:nvGrpSpPr>
+        <p:cNvPr id="1" name=""/>
+        <p:cNvGrpSpPr/>
+        <p:nvPr/>
+      </p:nvGrpSpPr>
+      <p:grpSpPr>
+        <a:xfrm>
+          <a:off x="0" y="0"/>
+          <a:ext cx="0" cy="0"/>
+          <a:chOff x="0" y="0"/>
+          <a:chExt cx="0" cy="0"/>
+        </a:xfrm>
+      </p:grpSpPr>
+      <p:pic>
+        <p:nvPicPr>
+          <p:cNvPr id="2" name="图片 3"/>
+          <p:cNvPicPr>
+            <a:picLocks noChangeAspect="1"/>
+          </p:cNvPicPr>
+          <p:nvPr/>
+        </p:nvPicPr>
+        <p:blipFill>
+          <a:blip r:embed="rId1" cstate="print">
+            <a:extLst>
+              <a:ext uri="{28A0092B-C50C-407E-A947-70E740481C1C}">
+                <a14:useLocalDpi xmlns:a14="http://schemas.microsoft.com/office/drawing/2010/main" val="0"/>
+              </a:ext>
+            </a:extLst>
+          </a:blip>
+          <a:stretch>
+            <a:fillRect/>
+          </a:stretch>
+        </p:blipFill>
+        <p:spPr>
+          <a:xfrm>
+            <a:off x="7608408" y="122473"/>
+            <a:ext cx="1467011" cy="491720"/>
+          </a:xfrm>
+          <a:prstGeom prst="rect">
+            <a:avLst/>
+          </a:prstGeom>
+        </p:spPr>
+      </p:pic>
+      <p:sp>
+        <p:nvSpPr>
+          <p:cNvPr id="3" name="Text Box 2"/>
+          <p:cNvSpPr txBox="1"/>
+          <p:nvPr/>
+        </p:nvSpPr>
+        <p:spPr>
+          <a:xfrm>
+            <a:off x="508635" y="218440"/>
+            <a:ext cx="4441825" cy="583565"/>
+          </a:xfrm>
+          <a:prstGeom prst="rect">
+            <a:avLst/>
+          </a:prstGeom>
+          <a:noFill/>
+        </p:spPr>
+        <p:txBody>
+          <a:bodyPr wrap="square" rtlCol="0">
+            <a:spAutoFit/>
+          </a:bodyPr>
+          <a:p>
+            <a:r>
+              <a:rPr lang="zh-CN" altLang="en-US" sz="3200">
+                <a:ln w="12700">
+                  <a:solidFill>
+                    <a:schemeClr val="tx2">
+                      <a:lumMod val="75000"/>
+                    </a:schemeClr>
+                  </a:solidFill>
+                  <a:prstDash val="solid"/>
+                </a:ln>
+                <a:pattFill prst="dkUpDiag">
+                  <a:fgClr>
+                    <a:schemeClr val="tx2"/>
+                  </a:fgClr>
+                  <a:bgClr>
+                    <a:schemeClr val="tx2">
+                      <a:lumMod val="20000"/>
+                      <a:lumOff val="80000"/>
+                    </a:schemeClr>
+                  </a:bgClr>
+                </a:pattFill>
+                <a:effectLst>
+                  <a:outerShdw dist="38100" dir="2640000" algn="bl" rotWithShape="0">
+                    <a:schemeClr val="tx2">
+                      <a:lumMod val="75000"/>
+                    </a:schemeClr>
+                  </a:outerShdw>
+                </a:effectLst>
+              </a:rPr>
+              <a:t>阅读理解模块的设计</a:t>
+            </a:r>
+            <a:endParaRPr lang="zh-CN" altLang="en-US" sz="3200">
+              <a:ln w="12700">
+                <a:solidFill>
+                  <a:schemeClr val="tx2">
+                    <a:lumMod val="75000"/>
+                  </a:schemeClr>
+                </a:solidFill>
+                <a:prstDash val="solid"/>
+              </a:ln>
+              <a:pattFill prst="dkUpDiag">
+                <a:fgClr>
+                  <a:schemeClr val="tx2"/>
+                </a:fgClr>
+                <a:bgClr>
+                  <a:schemeClr val="tx2">
+                    <a:lumMod val="20000"/>
+                    <a:lumOff val="80000"/>
+                  </a:schemeClr>
+                </a:bgClr>
+              </a:pattFill>
+              <a:effectLst>
+                <a:outerShdw dist="38100" dir="2640000" algn="bl" rotWithShape="0">
+                  <a:schemeClr val="tx2">
+                    <a:lumMod val="75000"/>
+                  </a:schemeClr>
+                </a:outerShdw>
+              </a:effectLst>
+            </a:endParaRPr>
+          </a:p>
+        </p:txBody>
+      </p:sp>
+      <p:sp>
+        <p:nvSpPr>
+          <p:cNvPr id="5" name="Text Box 4"/>
+          <p:cNvSpPr txBox="1"/>
+          <p:nvPr/>
+        </p:nvSpPr>
+        <p:spPr>
+          <a:xfrm>
+            <a:off x="5195570" y="4758690"/>
+            <a:ext cx="3811270" cy="299085"/>
+          </a:xfrm>
+          <a:prstGeom prst="rect">
+            <a:avLst/>
+          </a:prstGeom>
+          <a:noFill/>
+        </p:spPr>
+        <p:txBody>
+          <a:bodyPr wrap="square" rtlCol="0">
+            <a:spAutoFit/>
+          </a:bodyPr>
+          <a:p>
+            <a:r>
+              <a:rPr lang="zh-CN" altLang="en-US" b="1">
+                <a:sym typeface="+mn-ea"/>
+              </a:rPr>
+              <a:t>基于阅读理解形式的中文问答系统研究与实现</a:t>
+            </a:r>
+            <a:endParaRPr lang="en-US"/>
+          </a:p>
+        </p:txBody>
+      </p:sp>
+      <p:pic>
+        <p:nvPicPr>
+          <p:cNvPr id="6" name="Picture 5"/>
+          <p:cNvPicPr>
+            <a:picLocks noChangeAspect="1"/>
+          </p:cNvPicPr>
+          <p:nvPr/>
+        </p:nvPicPr>
+        <p:blipFill>
+          <a:blip r:embed="rId2"/>
+          <a:stretch>
+            <a:fillRect/>
+          </a:stretch>
+        </p:blipFill>
+        <p:spPr>
+          <a:xfrm>
+            <a:off x="1713865" y="756285"/>
+            <a:ext cx="5819140" cy="3901440"/>
+          </a:xfrm>
+          <a:prstGeom prst="rect">
+            <a:avLst/>
+          </a:prstGeom>
+        </p:spPr>
+      </p:pic>
+    </p:spTree>
+  </p:cSld>
+  <p:clrMapOvr>
+    <a:masterClrMapping/>
+  </p:clrMapOvr>
+  <mc:AlternateContent xmlns:mc="http://schemas.openxmlformats.org/markup-compatibility/2006">
+    <mc:Choice xmlns:p14="http://schemas.microsoft.com/office/powerpoint/2010/main" Requires="p14">
+      <p:transition spd="slow" p14:dur="2000"/>
+    </mc:Choice>
+    <mc:Fallback>
+      <p:transition spd="slow"/>
+    </mc:Fallback>
+  </mc:AlternateContent>
+  <p:timing>
+    <p:tnLst>
+      <p:par>
+        <p:cTn id="1" dur="indefinite" restart="never" nodeType="tmRoot"/>
+      </p:par>
+    </p:tnLst>
+  </p:timing>
+</p:sld>
+</file>
+
+<file path=ppt/slides/slide18.xml><?xml version="1.0" encoding="utf-8"?>
+<p:sld xmlns:a="http://schemas.openxmlformats.org/drawingml/2006/main" xmlns:r="http://schemas.openxmlformats.org/officeDocument/2006/relationships" xmlns:p="http://schemas.openxmlformats.org/presentationml/2006/main">
+  <p:cSld>
+    <p:spTree>
+      <p:nvGrpSpPr>
+        <p:cNvPr id="1" name=""/>
+        <p:cNvGrpSpPr/>
+        <p:nvPr/>
+      </p:nvGrpSpPr>
+      <p:grpSpPr>
+        <a:xfrm>
+          <a:off x="0" y="0"/>
+          <a:ext cx="0" cy="0"/>
+          <a:chOff x="0" y="0"/>
+          <a:chExt cx="0" cy="0"/>
+        </a:xfrm>
+      </p:grpSpPr>
+      <p:pic>
+        <p:nvPicPr>
+          <p:cNvPr id="2" name="图片 3"/>
+          <p:cNvPicPr>
+            <a:picLocks noChangeAspect="1"/>
+          </p:cNvPicPr>
+          <p:nvPr/>
+        </p:nvPicPr>
+        <p:blipFill>
+          <a:blip r:embed="rId1" cstate="print">
             <a:extLst>
               <a:ext uri="{28A0092B-C50C-407E-A947-70E740481C1C}">
                 <a14:useLocalDpi xmlns:a14="http://schemas.microsoft.com/office/drawing/2010/main" val="0"/>
@@ -12772,18 +13592,9 @@
 </p:sld>
 </file>
 
-<file path=ppt/slides/slide16.xml><?xml version="1.0" encoding="utf-8"?>
+<file path=ppt/slides/slide19.xml><?xml version="1.0" encoding="utf-8"?>
 <p:sld xmlns:a="http://schemas.openxmlformats.org/drawingml/2006/main" xmlns:r="http://schemas.openxmlformats.org/officeDocument/2006/relationships" xmlns:p="http://schemas.openxmlformats.org/presentationml/2006/main">
   <p:cSld>
-    <p:bg>
-      <p:bgPr>
-        <a:blipFill dpi="0" rotWithShape="1">
-          <a:blip r:embed="rId1"/>
-          <a:srcRect/>
-        </a:blipFill>
-        <a:effectLst/>
-      </p:bgPr>
-    </p:bg>
     <p:spTree>
       <p:nvGrpSpPr>
         <p:cNvPr id="1" name=""/>
@@ -12807,7 +13618,7 @@
           <p:nvPr/>
         </p:nvPicPr>
         <p:blipFill>
-          <a:blip r:embed="rId2" cstate="print">
+          <a:blip r:embed="rId1" cstate="print">
             <a:extLst>
               <a:ext uri="{28A0092B-C50C-407E-A947-70E740481C1C}">
                 <a14:useLocalDpi xmlns:a14="http://schemas.microsoft.com/office/drawing/2010/main" val="0"/>
@@ -13128,7 +13939,7 @@
           <p:nvPr/>
         </p:nvPicPr>
         <p:blipFill>
-          <a:blip r:embed="rId3"/>
+          <a:blip r:embed="rId2"/>
           <a:stretch>
             <a:fillRect/>
           </a:stretch>
@@ -13555,18 +14366,1430 @@
 </p:sld>
 </file>
 
-<file path=ppt/slides/slide17.xml><?xml version="1.0" encoding="utf-8"?>
+<file path=ppt/slides/slide2.xml><?xml version="1.0" encoding="utf-8"?>
 <p:sld xmlns:a="http://schemas.openxmlformats.org/drawingml/2006/main" xmlns:r="http://schemas.openxmlformats.org/officeDocument/2006/relationships" xmlns:p="http://schemas.openxmlformats.org/presentationml/2006/main">
   <p:cSld>
-    <p:bg>
-      <p:bgPr>
-        <a:blipFill dpi="0" rotWithShape="1">
-          <a:blip r:embed="rId1"/>
-          <a:srcRect/>
-        </a:blipFill>
-        <a:effectLst/>
-      </p:bgPr>
-    </p:bg>
+    <p:spTree>
+      <p:nvGrpSpPr>
+        <p:cNvPr id="1" name=""/>
+        <p:cNvGrpSpPr/>
+        <p:nvPr/>
+      </p:nvGrpSpPr>
+      <p:grpSpPr>
+        <a:xfrm>
+          <a:off x="0" y="0"/>
+          <a:ext cx="0" cy="0"/>
+          <a:chOff x="0" y="0"/>
+          <a:chExt cx="0" cy="0"/>
+        </a:xfrm>
+      </p:grpSpPr>
+      <p:pic>
+        <p:nvPicPr>
+          <p:cNvPr id="4" name="图片 3"/>
+          <p:cNvPicPr>
+            <a:picLocks noChangeAspect="1"/>
+          </p:cNvPicPr>
+          <p:nvPr/>
+        </p:nvPicPr>
+        <p:blipFill>
+          <a:blip r:embed="rId1" cstate="print">
+            <a:extLst>
+              <a:ext uri="{28A0092B-C50C-407E-A947-70E740481C1C}">
+                <a14:useLocalDpi xmlns:a14="http://schemas.microsoft.com/office/drawing/2010/main" val="0"/>
+              </a:ext>
+            </a:extLst>
+          </a:blip>
+          <a:stretch>
+            <a:fillRect/>
+          </a:stretch>
+        </p:blipFill>
+        <p:spPr>
+          <a:xfrm>
+            <a:off x="7608408" y="122473"/>
+            <a:ext cx="1467011" cy="491720"/>
+          </a:xfrm>
+          <a:prstGeom prst="rect">
+            <a:avLst/>
+          </a:prstGeom>
+        </p:spPr>
+      </p:pic>
+      <p:sp>
+        <p:nvSpPr>
+          <p:cNvPr id="3" name="Rounded Rectangle 2"/>
+          <p:cNvSpPr/>
+          <p:nvPr/>
+        </p:nvSpPr>
+        <p:spPr>
+          <a:xfrm>
+            <a:off x="3148330" y="122555"/>
+            <a:ext cx="2297430" cy="722630"/>
+          </a:xfrm>
+          <a:prstGeom prst="roundRect">
+            <a:avLst/>
+          </a:prstGeom>
+        </p:spPr>
+        <p:style>
+          <a:lnRef idx="2">
+            <a:schemeClr val="accent3">
+              <a:shade val="50000"/>
+            </a:schemeClr>
+          </a:lnRef>
+          <a:fillRef idx="1">
+            <a:schemeClr val="accent3"/>
+          </a:fillRef>
+          <a:effectRef idx="0">
+            <a:schemeClr val="accent3"/>
+          </a:effectRef>
+          <a:fontRef idx="minor">
+            <a:schemeClr val="lt1"/>
+          </a:fontRef>
+        </p:style>
+        <p:txBody>
+          <a:bodyPr rtlCol="0" anchor="ctr"/>
+          <a:p>
+            <a:pPr algn="ctr"/>
+            <a:r>
+              <a:rPr lang="zh-CN" altLang="en-US" sz="2400">
+                <a:solidFill>
+                  <a:schemeClr val="tx1"/>
+                </a:solidFill>
+              </a:rPr>
+              <a:t>汇报提纲</a:t>
+            </a:r>
+            <a:endParaRPr lang="zh-CN" altLang="en-US" sz="2400">
+              <a:solidFill>
+                <a:schemeClr val="tx1"/>
+              </a:solidFill>
+            </a:endParaRPr>
+          </a:p>
+        </p:txBody>
+      </p:sp>
+      <p:sp>
+        <p:nvSpPr>
+          <p:cNvPr id="5" name="矩形 15"/>
+          <p:cNvSpPr/>
+          <p:nvPr/>
+        </p:nvSpPr>
+        <p:spPr>
+          <a:xfrm>
+            <a:off x="1919605" y="1520190"/>
+            <a:ext cx="328295" cy="346075"/>
+          </a:xfrm>
+          <a:prstGeom prst="rect">
+            <a:avLst/>
+          </a:prstGeom>
+        </p:spPr>
+        <p:style>
+          <a:lnRef idx="2">
+            <a:schemeClr val="accent3">
+              <a:shade val="50000"/>
+            </a:schemeClr>
+          </a:lnRef>
+          <a:fillRef idx="1">
+            <a:schemeClr val="accent3"/>
+          </a:fillRef>
+          <a:effectRef idx="0">
+            <a:schemeClr val="accent3"/>
+          </a:effectRef>
+          <a:fontRef idx="minor">
+            <a:schemeClr val="lt1"/>
+          </a:fontRef>
+        </p:style>
+        <p:txBody>
+          <a:bodyPr lIns="90170" tIns="46990" rIns="90170" bIns="46990" anchor="ctr"/>
+          <a:lstStyle>
+            <a:defPPr>
+              <a:defRPr lang="zh-CN"/>
+            </a:defPPr>
+            <a:lvl1pPr marL="0" algn="l" defTabSz="914400" rtl="0" eaLnBrk="1" latinLnBrk="0" hangingPunct="1">
+              <a:defRPr sz="1800" kern="1200">
+                <a:solidFill>
+                  <a:schemeClr val="tx1"/>
+                </a:solidFill>
+                <a:latin typeface="+mn-lt"/>
+                <a:ea typeface="+mn-ea"/>
+                <a:cs typeface="+mn-cs"/>
+              </a:defRPr>
+            </a:lvl1pPr>
+            <a:lvl2pPr marL="457200" algn="l" defTabSz="914400" rtl="0" eaLnBrk="1" latinLnBrk="0" hangingPunct="1">
+              <a:defRPr sz="1800" kern="1200">
+                <a:solidFill>
+                  <a:schemeClr val="tx1"/>
+                </a:solidFill>
+                <a:latin typeface="+mn-lt"/>
+                <a:ea typeface="+mn-ea"/>
+                <a:cs typeface="+mn-cs"/>
+              </a:defRPr>
+            </a:lvl2pPr>
+            <a:lvl3pPr marL="914400" algn="l" defTabSz="914400" rtl="0" eaLnBrk="1" latinLnBrk="0" hangingPunct="1">
+              <a:defRPr sz="1800" kern="1200">
+                <a:solidFill>
+                  <a:schemeClr val="tx1"/>
+                </a:solidFill>
+                <a:latin typeface="+mn-lt"/>
+                <a:ea typeface="+mn-ea"/>
+                <a:cs typeface="+mn-cs"/>
+              </a:defRPr>
+            </a:lvl3pPr>
+            <a:lvl4pPr marL="1371600" algn="l" defTabSz="914400" rtl="0" eaLnBrk="1" latinLnBrk="0" hangingPunct="1">
+              <a:defRPr sz="1800" kern="1200">
+                <a:solidFill>
+                  <a:schemeClr val="tx1"/>
+                </a:solidFill>
+                <a:latin typeface="+mn-lt"/>
+                <a:ea typeface="+mn-ea"/>
+                <a:cs typeface="+mn-cs"/>
+              </a:defRPr>
+            </a:lvl4pPr>
+            <a:lvl5pPr marL="1828800" algn="l" defTabSz="914400" rtl="0" eaLnBrk="1" latinLnBrk="0" hangingPunct="1">
+              <a:defRPr sz="1800" kern="1200">
+                <a:solidFill>
+                  <a:schemeClr val="tx1"/>
+                </a:solidFill>
+                <a:latin typeface="+mn-lt"/>
+                <a:ea typeface="+mn-ea"/>
+                <a:cs typeface="+mn-cs"/>
+              </a:defRPr>
+            </a:lvl5pPr>
+            <a:lvl6pPr marL="2286000" algn="l" defTabSz="914400" rtl="0" eaLnBrk="1" latinLnBrk="0" hangingPunct="1">
+              <a:defRPr sz="1800" kern="1200">
+                <a:solidFill>
+                  <a:schemeClr val="tx1"/>
+                </a:solidFill>
+                <a:latin typeface="+mn-lt"/>
+                <a:ea typeface="+mn-ea"/>
+                <a:cs typeface="+mn-cs"/>
+              </a:defRPr>
+            </a:lvl6pPr>
+            <a:lvl7pPr marL="2743200" algn="l" defTabSz="914400" rtl="0" eaLnBrk="1" latinLnBrk="0" hangingPunct="1">
+              <a:defRPr sz="1800" kern="1200">
+                <a:solidFill>
+                  <a:schemeClr val="tx1"/>
+                </a:solidFill>
+                <a:latin typeface="+mn-lt"/>
+                <a:ea typeface="+mn-ea"/>
+                <a:cs typeface="+mn-cs"/>
+              </a:defRPr>
+            </a:lvl7pPr>
+            <a:lvl8pPr marL="3200400" algn="l" defTabSz="914400" rtl="0" eaLnBrk="1" latinLnBrk="0" hangingPunct="1">
+              <a:defRPr sz="1800" kern="1200">
+                <a:solidFill>
+                  <a:schemeClr val="tx1"/>
+                </a:solidFill>
+                <a:latin typeface="+mn-lt"/>
+                <a:ea typeface="+mn-ea"/>
+                <a:cs typeface="+mn-cs"/>
+              </a:defRPr>
+            </a:lvl8pPr>
+            <a:lvl9pPr marL="3657600" algn="l" defTabSz="914400" rtl="0" eaLnBrk="1" latinLnBrk="0" hangingPunct="1">
+              <a:defRPr sz="1800" kern="1200">
+                <a:solidFill>
+                  <a:schemeClr val="tx1"/>
+                </a:solidFill>
+                <a:latin typeface="+mn-lt"/>
+                <a:ea typeface="+mn-ea"/>
+                <a:cs typeface="+mn-cs"/>
+              </a:defRPr>
+            </a:lvl9pPr>
+          </a:lstStyle>
+          <a:p>
+            <a:pPr algn="ctr"/>
+            <a:r>
+              <a:rPr lang="en-US" altLang="zh-CN" sz="2000" dirty="0" smtClean="0">
+                <a:solidFill>
+                  <a:srgbClr val="FFFFFF"/>
+                </a:solidFill>
+                <a:uFillTx/>
+                <a:latin typeface="Arial" panose="020B0604020202020204" pitchFamily="34" charset="0"/>
+                <a:ea typeface="宋体" panose="02010600030101010101" pitchFamily="2" charset="-122"/>
+              </a:rPr>
+              <a:t>1</a:t>
+            </a:r>
+            <a:endParaRPr lang="en-US" altLang="zh-CN" sz="2000" dirty="0" smtClean="0">
+              <a:solidFill>
+                <a:srgbClr val="FFFFFF"/>
+              </a:solidFill>
+              <a:uFillTx/>
+              <a:latin typeface="Arial" panose="020B0604020202020204" pitchFamily="34" charset="0"/>
+              <a:ea typeface="宋体" panose="02010600030101010101" pitchFamily="2" charset="-122"/>
+            </a:endParaRPr>
+          </a:p>
+        </p:txBody>
+      </p:sp>
+      <p:cxnSp>
+        <p:nvCxnSpPr>
+          <p:cNvPr id="6" name="直接连接符 19"/>
+          <p:cNvCxnSpPr/>
+          <p:nvPr/>
+        </p:nvCxnSpPr>
+        <p:spPr>
+          <a:xfrm>
+            <a:off x="2408714" y="1843049"/>
+            <a:ext cx="5310187" cy="9525"/>
+          </a:xfrm>
+          <a:prstGeom prst="line">
+            <a:avLst/>
+          </a:prstGeom>
+          <a:ln w="25400" cap="flat" cmpd="sng">
+            <a:solidFill>
+              <a:srgbClr val="828282"/>
+            </a:solidFill>
+            <a:prstDash val="sysDot"/>
+            <a:round/>
+            <a:headEnd type="none" w="med" len="med"/>
+            <a:tailEnd type="none" w="med" len="med"/>
+          </a:ln>
+        </p:spPr>
+      </p:cxnSp>
+      <p:sp>
+        <p:nvSpPr>
+          <p:cNvPr id="19" name="TextBox 128"/>
+          <p:cNvSpPr txBox="1"/>
+          <p:nvPr/>
+        </p:nvSpPr>
+        <p:spPr>
+          <a:xfrm>
+            <a:off x="2816690" y="1474400"/>
+            <a:ext cx="2961025" cy="368300"/>
+          </a:xfrm>
+          <a:prstGeom prst="rect">
+            <a:avLst/>
+          </a:prstGeom>
+          <a:noFill/>
+          <a:ln w="9525">
+            <a:noFill/>
+          </a:ln>
+        </p:spPr>
+        <p:txBody>
+          <a:bodyPr wrap="square" anchor="t">
+            <a:spAutoFit/>
+          </a:bodyPr>
+          <a:lstStyle>
+            <a:defPPr>
+              <a:defRPr lang="zh-CN"/>
+            </a:defPPr>
+            <a:lvl1pPr marL="0" algn="l" defTabSz="914400" rtl="0" eaLnBrk="1" latinLnBrk="0" hangingPunct="1">
+              <a:defRPr sz="1800" kern="1200">
+                <a:solidFill>
+                  <a:schemeClr val="tx1"/>
+                </a:solidFill>
+                <a:latin typeface="+mn-lt"/>
+                <a:ea typeface="+mn-ea"/>
+                <a:cs typeface="+mn-cs"/>
+              </a:defRPr>
+            </a:lvl1pPr>
+            <a:lvl2pPr marL="457200" algn="l" defTabSz="914400" rtl="0" eaLnBrk="1" latinLnBrk="0" hangingPunct="1">
+              <a:defRPr sz="1800" kern="1200">
+                <a:solidFill>
+                  <a:schemeClr val="tx1"/>
+                </a:solidFill>
+                <a:latin typeface="+mn-lt"/>
+                <a:ea typeface="+mn-ea"/>
+                <a:cs typeface="+mn-cs"/>
+              </a:defRPr>
+            </a:lvl2pPr>
+            <a:lvl3pPr marL="914400" algn="l" defTabSz="914400" rtl="0" eaLnBrk="1" latinLnBrk="0" hangingPunct="1">
+              <a:defRPr sz="1800" kern="1200">
+                <a:solidFill>
+                  <a:schemeClr val="tx1"/>
+                </a:solidFill>
+                <a:latin typeface="+mn-lt"/>
+                <a:ea typeface="+mn-ea"/>
+                <a:cs typeface="+mn-cs"/>
+              </a:defRPr>
+            </a:lvl3pPr>
+            <a:lvl4pPr marL="1371600" algn="l" defTabSz="914400" rtl="0" eaLnBrk="1" latinLnBrk="0" hangingPunct="1">
+              <a:defRPr sz="1800" kern="1200">
+                <a:solidFill>
+                  <a:schemeClr val="tx1"/>
+                </a:solidFill>
+                <a:latin typeface="+mn-lt"/>
+                <a:ea typeface="+mn-ea"/>
+                <a:cs typeface="+mn-cs"/>
+              </a:defRPr>
+            </a:lvl4pPr>
+            <a:lvl5pPr marL="1828800" algn="l" defTabSz="914400" rtl="0" eaLnBrk="1" latinLnBrk="0" hangingPunct="1">
+              <a:defRPr sz="1800" kern="1200">
+                <a:solidFill>
+                  <a:schemeClr val="tx1"/>
+                </a:solidFill>
+                <a:latin typeface="+mn-lt"/>
+                <a:ea typeface="+mn-ea"/>
+                <a:cs typeface="+mn-cs"/>
+              </a:defRPr>
+            </a:lvl5pPr>
+            <a:lvl6pPr marL="2286000" algn="l" defTabSz="914400" rtl="0" eaLnBrk="1" latinLnBrk="0" hangingPunct="1">
+              <a:defRPr sz="1800" kern="1200">
+                <a:solidFill>
+                  <a:schemeClr val="tx1"/>
+                </a:solidFill>
+                <a:latin typeface="+mn-lt"/>
+                <a:ea typeface="+mn-ea"/>
+                <a:cs typeface="+mn-cs"/>
+              </a:defRPr>
+            </a:lvl6pPr>
+            <a:lvl7pPr marL="2743200" algn="l" defTabSz="914400" rtl="0" eaLnBrk="1" latinLnBrk="0" hangingPunct="1">
+              <a:defRPr sz="1800" kern="1200">
+                <a:solidFill>
+                  <a:schemeClr val="tx1"/>
+                </a:solidFill>
+                <a:latin typeface="+mn-lt"/>
+                <a:ea typeface="+mn-ea"/>
+                <a:cs typeface="+mn-cs"/>
+              </a:defRPr>
+            </a:lvl7pPr>
+            <a:lvl8pPr marL="3200400" algn="l" defTabSz="914400" rtl="0" eaLnBrk="1" latinLnBrk="0" hangingPunct="1">
+              <a:defRPr sz="1800" kern="1200">
+                <a:solidFill>
+                  <a:schemeClr val="tx1"/>
+                </a:solidFill>
+                <a:latin typeface="+mn-lt"/>
+                <a:ea typeface="+mn-ea"/>
+                <a:cs typeface="+mn-cs"/>
+              </a:defRPr>
+            </a:lvl8pPr>
+            <a:lvl9pPr marL="3657600" algn="l" defTabSz="914400" rtl="0" eaLnBrk="1" latinLnBrk="0" hangingPunct="1">
+              <a:defRPr sz="1800" kern="1200">
+                <a:solidFill>
+                  <a:schemeClr val="tx1"/>
+                </a:solidFill>
+                <a:latin typeface="+mn-lt"/>
+                <a:ea typeface="+mn-ea"/>
+                <a:cs typeface="+mn-cs"/>
+              </a:defRPr>
+            </a:lvl9pPr>
+          </a:lstStyle>
+          <a:p>
+            <a:pPr algn="ctr"/>
+            <a:r>
+              <a:rPr lang="zh-CN" altLang="en-US" dirty="0">
+                <a:solidFill>
+                  <a:schemeClr val="tx1"/>
+                </a:solidFill>
+                <a:uFillTx/>
+                <a:latin typeface="Arial" panose="020B0604020202020204" pitchFamily="34" charset="0"/>
+              </a:rPr>
+              <a:t>前期准备工作</a:t>
+            </a:r>
+            <a:endParaRPr lang="zh-CN" altLang="en-US" dirty="0">
+              <a:solidFill>
+                <a:schemeClr val="tx1"/>
+              </a:solidFill>
+              <a:uFillTx/>
+              <a:latin typeface="Arial" panose="020B0604020202020204" pitchFamily="34" charset="0"/>
+            </a:endParaRPr>
+          </a:p>
+        </p:txBody>
+      </p:sp>
+      <p:sp>
+        <p:nvSpPr>
+          <p:cNvPr id="23" name="矩形 15"/>
+          <p:cNvSpPr/>
+          <p:nvPr/>
+        </p:nvSpPr>
+        <p:spPr>
+          <a:xfrm>
+            <a:off x="1919605" y="2336800"/>
+            <a:ext cx="328295" cy="346075"/>
+          </a:xfrm>
+          <a:prstGeom prst="rect">
+            <a:avLst/>
+          </a:prstGeom>
+        </p:spPr>
+        <p:style>
+          <a:lnRef idx="2">
+            <a:schemeClr val="accent3">
+              <a:shade val="50000"/>
+            </a:schemeClr>
+          </a:lnRef>
+          <a:fillRef idx="1">
+            <a:schemeClr val="accent3"/>
+          </a:fillRef>
+          <a:effectRef idx="0">
+            <a:schemeClr val="accent3"/>
+          </a:effectRef>
+          <a:fontRef idx="minor">
+            <a:schemeClr val="lt1"/>
+          </a:fontRef>
+        </p:style>
+        <p:txBody>
+          <a:bodyPr lIns="90170" tIns="46990" rIns="90170" bIns="46990" anchor="ctr"/>
+          <a:lstStyle>
+            <a:defPPr>
+              <a:defRPr lang="zh-CN"/>
+            </a:defPPr>
+            <a:lvl1pPr marL="0" algn="l" defTabSz="914400" rtl="0" eaLnBrk="1" latinLnBrk="0" hangingPunct="1">
+              <a:defRPr sz="1800" kern="1200">
+                <a:solidFill>
+                  <a:schemeClr val="tx1"/>
+                </a:solidFill>
+                <a:latin typeface="+mn-lt"/>
+                <a:ea typeface="+mn-ea"/>
+                <a:cs typeface="+mn-cs"/>
+              </a:defRPr>
+            </a:lvl1pPr>
+            <a:lvl2pPr marL="457200" algn="l" defTabSz="914400" rtl="0" eaLnBrk="1" latinLnBrk="0" hangingPunct="1">
+              <a:defRPr sz="1800" kern="1200">
+                <a:solidFill>
+                  <a:schemeClr val="tx1"/>
+                </a:solidFill>
+                <a:latin typeface="+mn-lt"/>
+                <a:ea typeface="+mn-ea"/>
+                <a:cs typeface="+mn-cs"/>
+              </a:defRPr>
+            </a:lvl2pPr>
+            <a:lvl3pPr marL="914400" algn="l" defTabSz="914400" rtl="0" eaLnBrk="1" latinLnBrk="0" hangingPunct="1">
+              <a:defRPr sz="1800" kern="1200">
+                <a:solidFill>
+                  <a:schemeClr val="tx1"/>
+                </a:solidFill>
+                <a:latin typeface="+mn-lt"/>
+                <a:ea typeface="+mn-ea"/>
+                <a:cs typeface="+mn-cs"/>
+              </a:defRPr>
+            </a:lvl3pPr>
+            <a:lvl4pPr marL="1371600" algn="l" defTabSz="914400" rtl="0" eaLnBrk="1" latinLnBrk="0" hangingPunct="1">
+              <a:defRPr sz="1800" kern="1200">
+                <a:solidFill>
+                  <a:schemeClr val="tx1"/>
+                </a:solidFill>
+                <a:latin typeface="+mn-lt"/>
+                <a:ea typeface="+mn-ea"/>
+                <a:cs typeface="+mn-cs"/>
+              </a:defRPr>
+            </a:lvl4pPr>
+            <a:lvl5pPr marL="1828800" algn="l" defTabSz="914400" rtl="0" eaLnBrk="1" latinLnBrk="0" hangingPunct="1">
+              <a:defRPr sz="1800" kern="1200">
+                <a:solidFill>
+                  <a:schemeClr val="tx1"/>
+                </a:solidFill>
+                <a:latin typeface="+mn-lt"/>
+                <a:ea typeface="+mn-ea"/>
+                <a:cs typeface="+mn-cs"/>
+              </a:defRPr>
+            </a:lvl5pPr>
+            <a:lvl6pPr marL="2286000" algn="l" defTabSz="914400" rtl="0" eaLnBrk="1" latinLnBrk="0" hangingPunct="1">
+              <a:defRPr sz="1800" kern="1200">
+                <a:solidFill>
+                  <a:schemeClr val="tx1"/>
+                </a:solidFill>
+                <a:latin typeface="+mn-lt"/>
+                <a:ea typeface="+mn-ea"/>
+                <a:cs typeface="+mn-cs"/>
+              </a:defRPr>
+            </a:lvl6pPr>
+            <a:lvl7pPr marL="2743200" algn="l" defTabSz="914400" rtl="0" eaLnBrk="1" latinLnBrk="0" hangingPunct="1">
+              <a:defRPr sz="1800" kern="1200">
+                <a:solidFill>
+                  <a:schemeClr val="tx1"/>
+                </a:solidFill>
+                <a:latin typeface="+mn-lt"/>
+                <a:ea typeface="+mn-ea"/>
+                <a:cs typeface="+mn-cs"/>
+              </a:defRPr>
+            </a:lvl7pPr>
+            <a:lvl8pPr marL="3200400" algn="l" defTabSz="914400" rtl="0" eaLnBrk="1" latinLnBrk="0" hangingPunct="1">
+              <a:defRPr sz="1800" kern="1200">
+                <a:solidFill>
+                  <a:schemeClr val="tx1"/>
+                </a:solidFill>
+                <a:latin typeface="+mn-lt"/>
+                <a:ea typeface="+mn-ea"/>
+                <a:cs typeface="+mn-cs"/>
+              </a:defRPr>
+            </a:lvl8pPr>
+            <a:lvl9pPr marL="3657600" algn="l" defTabSz="914400" rtl="0" eaLnBrk="1" latinLnBrk="0" hangingPunct="1">
+              <a:defRPr sz="1800" kern="1200">
+                <a:solidFill>
+                  <a:schemeClr val="tx1"/>
+                </a:solidFill>
+                <a:latin typeface="+mn-lt"/>
+                <a:ea typeface="+mn-ea"/>
+                <a:cs typeface="+mn-cs"/>
+              </a:defRPr>
+            </a:lvl9pPr>
+          </a:lstStyle>
+          <a:p>
+            <a:pPr algn="ctr"/>
+            <a:r>
+              <a:rPr lang="en-US" altLang="zh-CN" sz="2000" dirty="0" smtClean="0">
+                <a:solidFill>
+                  <a:srgbClr val="FFFFFF"/>
+                </a:solidFill>
+                <a:uFillTx/>
+                <a:latin typeface="Arial" panose="020B0604020202020204" pitchFamily="34" charset="0"/>
+                <a:ea typeface="宋体" panose="02010600030101010101" pitchFamily="2" charset="-122"/>
+              </a:rPr>
+              <a:t>2</a:t>
+            </a:r>
+            <a:endParaRPr lang="en-US" altLang="zh-CN" sz="2000" dirty="0" smtClean="0">
+              <a:solidFill>
+                <a:srgbClr val="FFFFFF"/>
+              </a:solidFill>
+              <a:uFillTx/>
+              <a:latin typeface="Arial" panose="020B0604020202020204" pitchFamily="34" charset="0"/>
+              <a:ea typeface="宋体" panose="02010600030101010101" pitchFamily="2" charset="-122"/>
+            </a:endParaRPr>
+          </a:p>
+        </p:txBody>
+      </p:sp>
+      <p:cxnSp>
+        <p:nvCxnSpPr>
+          <p:cNvPr id="25" name="直接连接符 19"/>
+          <p:cNvCxnSpPr/>
+          <p:nvPr/>
+        </p:nvCxnSpPr>
+        <p:spPr>
+          <a:xfrm>
+            <a:off x="2408714" y="2659659"/>
+            <a:ext cx="5310187" cy="9525"/>
+          </a:xfrm>
+          <a:prstGeom prst="line">
+            <a:avLst/>
+          </a:prstGeom>
+          <a:ln w="25400" cap="flat" cmpd="sng">
+            <a:solidFill>
+              <a:srgbClr val="828282"/>
+            </a:solidFill>
+            <a:prstDash val="sysDot"/>
+            <a:round/>
+            <a:headEnd type="none" w="med" len="med"/>
+            <a:tailEnd type="none" w="med" len="med"/>
+          </a:ln>
+        </p:spPr>
+      </p:cxnSp>
+      <p:sp>
+        <p:nvSpPr>
+          <p:cNvPr id="26" name="TextBox 128"/>
+          <p:cNvSpPr txBox="1"/>
+          <p:nvPr/>
+        </p:nvSpPr>
+        <p:spPr>
+          <a:xfrm>
+            <a:off x="2816690" y="2291010"/>
+            <a:ext cx="2961025" cy="368300"/>
+          </a:xfrm>
+          <a:prstGeom prst="rect">
+            <a:avLst/>
+          </a:prstGeom>
+          <a:noFill/>
+          <a:ln w="9525">
+            <a:noFill/>
+          </a:ln>
+        </p:spPr>
+        <p:txBody>
+          <a:bodyPr wrap="square" anchor="t">
+            <a:spAutoFit/>
+          </a:bodyPr>
+          <a:lstStyle>
+            <a:defPPr>
+              <a:defRPr lang="zh-CN"/>
+            </a:defPPr>
+            <a:lvl1pPr marL="0" algn="l" defTabSz="914400" rtl="0" eaLnBrk="1" latinLnBrk="0" hangingPunct="1">
+              <a:defRPr sz="1800" kern="1200">
+                <a:solidFill>
+                  <a:schemeClr val="tx1"/>
+                </a:solidFill>
+                <a:latin typeface="+mn-lt"/>
+                <a:ea typeface="+mn-ea"/>
+                <a:cs typeface="+mn-cs"/>
+              </a:defRPr>
+            </a:lvl1pPr>
+            <a:lvl2pPr marL="457200" algn="l" defTabSz="914400" rtl="0" eaLnBrk="1" latinLnBrk="0" hangingPunct="1">
+              <a:defRPr sz="1800" kern="1200">
+                <a:solidFill>
+                  <a:schemeClr val="tx1"/>
+                </a:solidFill>
+                <a:latin typeface="+mn-lt"/>
+                <a:ea typeface="+mn-ea"/>
+                <a:cs typeface="+mn-cs"/>
+              </a:defRPr>
+            </a:lvl2pPr>
+            <a:lvl3pPr marL="914400" algn="l" defTabSz="914400" rtl="0" eaLnBrk="1" latinLnBrk="0" hangingPunct="1">
+              <a:defRPr sz="1800" kern="1200">
+                <a:solidFill>
+                  <a:schemeClr val="tx1"/>
+                </a:solidFill>
+                <a:latin typeface="+mn-lt"/>
+                <a:ea typeface="+mn-ea"/>
+                <a:cs typeface="+mn-cs"/>
+              </a:defRPr>
+            </a:lvl3pPr>
+            <a:lvl4pPr marL="1371600" algn="l" defTabSz="914400" rtl="0" eaLnBrk="1" latinLnBrk="0" hangingPunct="1">
+              <a:defRPr sz="1800" kern="1200">
+                <a:solidFill>
+                  <a:schemeClr val="tx1"/>
+                </a:solidFill>
+                <a:latin typeface="+mn-lt"/>
+                <a:ea typeface="+mn-ea"/>
+                <a:cs typeface="+mn-cs"/>
+              </a:defRPr>
+            </a:lvl4pPr>
+            <a:lvl5pPr marL="1828800" algn="l" defTabSz="914400" rtl="0" eaLnBrk="1" latinLnBrk="0" hangingPunct="1">
+              <a:defRPr sz="1800" kern="1200">
+                <a:solidFill>
+                  <a:schemeClr val="tx1"/>
+                </a:solidFill>
+                <a:latin typeface="+mn-lt"/>
+                <a:ea typeface="+mn-ea"/>
+                <a:cs typeface="+mn-cs"/>
+              </a:defRPr>
+            </a:lvl5pPr>
+            <a:lvl6pPr marL="2286000" algn="l" defTabSz="914400" rtl="0" eaLnBrk="1" latinLnBrk="0" hangingPunct="1">
+              <a:defRPr sz="1800" kern="1200">
+                <a:solidFill>
+                  <a:schemeClr val="tx1"/>
+                </a:solidFill>
+                <a:latin typeface="+mn-lt"/>
+                <a:ea typeface="+mn-ea"/>
+                <a:cs typeface="+mn-cs"/>
+              </a:defRPr>
+            </a:lvl6pPr>
+            <a:lvl7pPr marL="2743200" algn="l" defTabSz="914400" rtl="0" eaLnBrk="1" latinLnBrk="0" hangingPunct="1">
+              <a:defRPr sz="1800" kern="1200">
+                <a:solidFill>
+                  <a:schemeClr val="tx1"/>
+                </a:solidFill>
+                <a:latin typeface="+mn-lt"/>
+                <a:ea typeface="+mn-ea"/>
+                <a:cs typeface="+mn-cs"/>
+              </a:defRPr>
+            </a:lvl7pPr>
+            <a:lvl8pPr marL="3200400" algn="l" defTabSz="914400" rtl="0" eaLnBrk="1" latinLnBrk="0" hangingPunct="1">
+              <a:defRPr sz="1800" kern="1200">
+                <a:solidFill>
+                  <a:schemeClr val="tx1"/>
+                </a:solidFill>
+                <a:latin typeface="+mn-lt"/>
+                <a:ea typeface="+mn-ea"/>
+                <a:cs typeface="+mn-cs"/>
+              </a:defRPr>
+            </a:lvl8pPr>
+            <a:lvl9pPr marL="3657600" algn="l" defTabSz="914400" rtl="0" eaLnBrk="1" latinLnBrk="0" hangingPunct="1">
+              <a:defRPr sz="1800" kern="1200">
+                <a:solidFill>
+                  <a:schemeClr val="tx1"/>
+                </a:solidFill>
+                <a:latin typeface="+mn-lt"/>
+                <a:ea typeface="+mn-ea"/>
+                <a:cs typeface="+mn-cs"/>
+              </a:defRPr>
+            </a:lvl9pPr>
+          </a:lstStyle>
+          <a:p>
+            <a:pPr algn="ctr"/>
+            <a:r>
+              <a:rPr lang="zh-CN" altLang="en-US" dirty="0">
+                <a:solidFill>
+                  <a:schemeClr val="tx1"/>
+                </a:solidFill>
+                <a:uFillTx/>
+                <a:latin typeface="Arial" panose="020B0604020202020204" pitchFamily="34" charset="0"/>
+              </a:rPr>
+              <a:t>选题背景与意义</a:t>
+            </a:r>
+            <a:endParaRPr lang="zh-CN" altLang="en-US" dirty="0">
+              <a:solidFill>
+                <a:schemeClr val="tx1"/>
+              </a:solidFill>
+              <a:uFillTx/>
+              <a:latin typeface="Arial" panose="020B0604020202020204" pitchFamily="34" charset="0"/>
+            </a:endParaRPr>
+          </a:p>
+        </p:txBody>
+      </p:sp>
+      <p:sp>
+        <p:nvSpPr>
+          <p:cNvPr id="27" name="矩形 15"/>
+          <p:cNvSpPr/>
+          <p:nvPr/>
+        </p:nvSpPr>
+        <p:spPr>
+          <a:xfrm>
+            <a:off x="1919605" y="3143250"/>
+            <a:ext cx="328295" cy="346075"/>
+          </a:xfrm>
+          <a:prstGeom prst="rect">
+            <a:avLst/>
+          </a:prstGeom>
+        </p:spPr>
+        <p:style>
+          <a:lnRef idx="2">
+            <a:schemeClr val="accent3">
+              <a:shade val="50000"/>
+            </a:schemeClr>
+          </a:lnRef>
+          <a:fillRef idx="1">
+            <a:schemeClr val="accent3"/>
+          </a:fillRef>
+          <a:effectRef idx="0">
+            <a:schemeClr val="accent3"/>
+          </a:effectRef>
+          <a:fontRef idx="minor">
+            <a:schemeClr val="lt1"/>
+          </a:fontRef>
+        </p:style>
+        <p:txBody>
+          <a:bodyPr lIns="90170" tIns="46990" rIns="90170" bIns="46990" anchor="ctr"/>
+          <a:lstStyle>
+            <a:defPPr>
+              <a:defRPr lang="zh-CN"/>
+            </a:defPPr>
+            <a:lvl1pPr marL="0" algn="l" defTabSz="914400" rtl="0" eaLnBrk="1" latinLnBrk="0" hangingPunct="1">
+              <a:defRPr sz="1800" kern="1200">
+                <a:solidFill>
+                  <a:schemeClr val="tx1"/>
+                </a:solidFill>
+                <a:latin typeface="+mn-lt"/>
+                <a:ea typeface="+mn-ea"/>
+                <a:cs typeface="+mn-cs"/>
+              </a:defRPr>
+            </a:lvl1pPr>
+            <a:lvl2pPr marL="457200" algn="l" defTabSz="914400" rtl="0" eaLnBrk="1" latinLnBrk="0" hangingPunct="1">
+              <a:defRPr sz="1800" kern="1200">
+                <a:solidFill>
+                  <a:schemeClr val="tx1"/>
+                </a:solidFill>
+                <a:latin typeface="+mn-lt"/>
+                <a:ea typeface="+mn-ea"/>
+                <a:cs typeface="+mn-cs"/>
+              </a:defRPr>
+            </a:lvl2pPr>
+            <a:lvl3pPr marL="914400" algn="l" defTabSz="914400" rtl="0" eaLnBrk="1" latinLnBrk="0" hangingPunct="1">
+              <a:defRPr sz="1800" kern="1200">
+                <a:solidFill>
+                  <a:schemeClr val="tx1"/>
+                </a:solidFill>
+                <a:latin typeface="+mn-lt"/>
+                <a:ea typeface="+mn-ea"/>
+                <a:cs typeface="+mn-cs"/>
+              </a:defRPr>
+            </a:lvl3pPr>
+            <a:lvl4pPr marL="1371600" algn="l" defTabSz="914400" rtl="0" eaLnBrk="1" latinLnBrk="0" hangingPunct="1">
+              <a:defRPr sz="1800" kern="1200">
+                <a:solidFill>
+                  <a:schemeClr val="tx1"/>
+                </a:solidFill>
+                <a:latin typeface="+mn-lt"/>
+                <a:ea typeface="+mn-ea"/>
+                <a:cs typeface="+mn-cs"/>
+              </a:defRPr>
+            </a:lvl4pPr>
+            <a:lvl5pPr marL="1828800" algn="l" defTabSz="914400" rtl="0" eaLnBrk="1" latinLnBrk="0" hangingPunct="1">
+              <a:defRPr sz="1800" kern="1200">
+                <a:solidFill>
+                  <a:schemeClr val="tx1"/>
+                </a:solidFill>
+                <a:latin typeface="+mn-lt"/>
+                <a:ea typeface="+mn-ea"/>
+                <a:cs typeface="+mn-cs"/>
+              </a:defRPr>
+            </a:lvl5pPr>
+            <a:lvl6pPr marL="2286000" algn="l" defTabSz="914400" rtl="0" eaLnBrk="1" latinLnBrk="0" hangingPunct="1">
+              <a:defRPr sz="1800" kern="1200">
+                <a:solidFill>
+                  <a:schemeClr val="tx1"/>
+                </a:solidFill>
+                <a:latin typeface="+mn-lt"/>
+                <a:ea typeface="+mn-ea"/>
+                <a:cs typeface="+mn-cs"/>
+              </a:defRPr>
+            </a:lvl6pPr>
+            <a:lvl7pPr marL="2743200" algn="l" defTabSz="914400" rtl="0" eaLnBrk="1" latinLnBrk="0" hangingPunct="1">
+              <a:defRPr sz="1800" kern="1200">
+                <a:solidFill>
+                  <a:schemeClr val="tx1"/>
+                </a:solidFill>
+                <a:latin typeface="+mn-lt"/>
+                <a:ea typeface="+mn-ea"/>
+                <a:cs typeface="+mn-cs"/>
+              </a:defRPr>
+            </a:lvl7pPr>
+            <a:lvl8pPr marL="3200400" algn="l" defTabSz="914400" rtl="0" eaLnBrk="1" latinLnBrk="0" hangingPunct="1">
+              <a:defRPr sz="1800" kern="1200">
+                <a:solidFill>
+                  <a:schemeClr val="tx1"/>
+                </a:solidFill>
+                <a:latin typeface="+mn-lt"/>
+                <a:ea typeface="+mn-ea"/>
+                <a:cs typeface="+mn-cs"/>
+              </a:defRPr>
+            </a:lvl8pPr>
+            <a:lvl9pPr marL="3657600" algn="l" defTabSz="914400" rtl="0" eaLnBrk="1" latinLnBrk="0" hangingPunct="1">
+              <a:defRPr sz="1800" kern="1200">
+                <a:solidFill>
+                  <a:schemeClr val="tx1"/>
+                </a:solidFill>
+                <a:latin typeface="+mn-lt"/>
+                <a:ea typeface="+mn-ea"/>
+                <a:cs typeface="+mn-cs"/>
+              </a:defRPr>
+            </a:lvl9pPr>
+          </a:lstStyle>
+          <a:p>
+            <a:pPr algn="ctr"/>
+            <a:r>
+              <a:rPr lang="en-US" altLang="zh-CN" sz="2000" dirty="0" smtClean="0">
+                <a:solidFill>
+                  <a:srgbClr val="FFFFFF"/>
+                </a:solidFill>
+                <a:uFillTx/>
+                <a:latin typeface="Arial" panose="020B0604020202020204" pitchFamily="34" charset="0"/>
+                <a:ea typeface="宋体" panose="02010600030101010101" pitchFamily="2" charset="-122"/>
+              </a:rPr>
+              <a:t>3</a:t>
+            </a:r>
+            <a:endParaRPr lang="en-US" altLang="zh-CN" sz="2000" dirty="0" smtClean="0">
+              <a:solidFill>
+                <a:srgbClr val="FFFFFF"/>
+              </a:solidFill>
+              <a:uFillTx/>
+              <a:latin typeface="Arial" panose="020B0604020202020204" pitchFamily="34" charset="0"/>
+              <a:ea typeface="宋体" panose="02010600030101010101" pitchFamily="2" charset="-122"/>
+            </a:endParaRPr>
+          </a:p>
+        </p:txBody>
+      </p:sp>
+      <p:cxnSp>
+        <p:nvCxnSpPr>
+          <p:cNvPr id="28" name="直接连接符 19"/>
+          <p:cNvCxnSpPr/>
+          <p:nvPr/>
+        </p:nvCxnSpPr>
+        <p:spPr>
+          <a:xfrm>
+            <a:off x="2408714" y="3466109"/>
+            <a:ext cx="5310187" cy="9525"/>
+          </a:xfrm>
+          <a:prstGeom prst="line">
+            <a:avLst/>
+          </a:prstGeom>
+          <a:ln w="25400" cap="flat" cmpd="sng">
+            <a:solidFill>
+              <a:srgbClr val="828282"/>
+            </a:solidFill>
+            <a:prstDash val="sysDot"/>
+            <a:round/>
+            <a:headEnd type="none" w="med" len="med"/>
+            <a:tailEnd type="none" w="med" len="med"/>
+          </a:ln>
+        </p:spPr>
+      </p:cxnSp>
+      <p:sp>
+        <p:nvSpPr>
+          <p:cNvPr id="29" name="TextBox 128"/>
+          <p:cNvSpPr txBox="1"/>
+          <p:nvPr/>
+        </p:nvSpPr>
+        <p:spPr>
+          <a:xfrm>
+            <a:off x="2816690" y="3097460"/>
+            <a:ext cx="2961025" cy="368300"/>
+          </a:xfrm>
+          <a:prstGeom prst="rect">
+            <a:avLst/>
+          </a:prstGeom>
+          <a:noFill/>
+          <a:ln w="9525">
+            <a:noFill/>
+          </a:ln>
+        </p:spPr>
+        <p:txBody>
+          <a:bodyPr wrap="square" anchor="t">
+            <a:spAutoFit/>
+          </a:bodyPr>
+          <a:lstStyle>
+            <a:defPPr>
+              <a:defRPr lang="zh-CN"/>
+            </a:defPPr>
+            <a:lvl1pPr marL="0" algn="l" defTabSz="914400" rtl="0" eaLnBrk="1" latinLnBrk="0" hangingPunct="1">
+              <a:defRPr sz="1800" kern="1200">
+                <a:solidFill>
+                  <a:schemeClr val="tx1"/>
+                </a:solidFill>
+                <a:latin typeface="+mn-lt"/>
+                <a:ea typeface="+mn-ea"/>
+                <a:cs typeface="+mn-cs"/>
+              </a:defRPr>
+            </a:lvl1pPr>
+            <a:lvl2pPr marL="457200" algn="l" defTabSz="914400" rtl="0" eaLnBrk="1" latinLnBrk="0" hangingPunct="1">
+              <a:defRPr sz="1800" kern="1200">
+                <a:solidFill>
+                  <a:schemeClr val="tx1"/>
+                </a:solidFill>
+                <a:latin typeface="+mn-lt"/>
+                <a:ea typeface="+mn-ea"/>
+                <a:cs typeface="+mn-cs"/>
+              </a:defRPr>
+            </a:lvl2pPr>
+            <a:lvl3pPr marL="914400" algn="l" defTabSz="914400" rtl="0" eaLnBrk="1" latinLnBrk="0" hangingPunct="1">
+              <a:defRPr sz="1800" kern="1200">
+                <a:solidFill>
+                  <a:schemeClr val="tx1"/>
+                </a:solidFill>
+                <a:latin typeface="+mn-lt"/>
+                <a:ea typeface="+mn-ea"/>
+                <a:cs typeface="+mn-cs"/>
+              </a:defRPr>
+            </a:lvl3pPr>
+            <a:lvl4pPr marL="1371600" algn="l" defTabSz="914400" rtl="0" eaLnBrk="1" latinLnBrk="0" hangingPunct="1">
+              <a:defRPr sz="1800" kern="1200">
+                <a:solidFill>
+                  <a:schemeClr val="tx1"/>
+                </a:solidFill>
+                <a:latin typeface="+mn-lt"/>
+                <a:ea typeface="+mn-ea"/>
+                <a:cs typeface="+mn-cs"/>
+              </a:defRPr>
+            </a:lvl4pPr>
+            <a:lvl5pPr marL="1828800" algn="l" defTabSz="914400" rtl="0" eaLnBrk="1" latinLnBrk="0" hangingPunct="1">
+              <a:defRPr sz="1800" kern="1200">
+                <a:solidFill>
+                  <a:schemeClr val="tx1"/>
+                </a:solidFill>
+                <a:latin typeface="+mn-lt"/>
+                <a:ea typeface="+mn-ea"/>
+                <a:cs typeface="+mn-cs"/>
+              </a:defRPr>
+            </a:lvl5pPr>
+            <a:lvl6pPr marL="2286000" algn="l" defTabSz="914400" rtl="0" eaLnBrk="1" latinLnBrk="0" hangingPunct="1">
+              <a:defRPr sz="1800" kern="1200">
+                <a:solidFill>
+                  <a:schemeClr val="tx1"/>
+                </a:solidFill>
+                <a:latin typeface="+mn-lt"/>
+                <a:ea typeface="+mn-ea"/>
+                <a:cs typeface="+mn-cs"/>
+              </a:defRPr>
+            </a:lvl6pPr>
+            <a:lvl7pPr marL="2743200" algn="l" defTabSz="914400" rtl="0" eaLnBrk="1" latinLnBrk="0" hangingPunct="1">
+              <a:defRPr sz="1800" kern="1200">
+                <a:solidFill>
+                  <a:schemeClr val="tx1"/>
+                </a:solidFill>
+                <a:latin typeface="+mn-lt"/>
+                <a:ea typeface="+mn-ea"/>
+                <a:cs typeface="+mn-cs"/>
+              </a:defRPr>
+            </a:lvl7pPr>
+            <a:lvl8pPr marL="3200400" algn="l" defTabSz="914400" rtl="0" eaLnBrk="1" latinLnBrk="0" hangingPunct="1">
+              <a:defRPr sz="1800" kern="1200">
+                <a:solidFill>
+                  <a:schemeClr val="tx1"/>
+                </a:solidFill>
+                <a:latin typeface="+mn-lt"/>
+                <a:ea typeface="+mn-ea"/>
+                <a:cs typeface="+mn-cs"/>
+              </a:defRPr>
+            </a:lvl8pPr>
+            <a:lvl9pPr marL="3657600" algn="l" defTabSz="914400" rtl="0" eaLnBrk="1" latinLnBrk="0" hangingPunct="1">
+              <a:defRPr sz="1800" kern="1200">
+                <a:solidFill>
+                  <a:schemeClr val="tx1"/>
+                </a:solidFill>
+                <a:latin typeface="+mn-lt"/>
+                <a:ea typeface="+mn-ea"/>
+                <a:cs typeface="+mn-cs"/>
+              </a:defRPr>
+            </a:lvl9pPr>
+          </a:lstStyle>
+          <a:p>
+            <a:pPr algn="ctr"/>
+            <a:r>
+              <a:rPr lang="zh-CN" altLang="en-US" dirty="0">
+                <a:solidFill>
+                  <a:schemeClr val="tx1"/>
+                </a:solidFill>
+                <a:uFillTx/>
+                <a:latin typeface="Arial" panose="020B0604020202020204" pitchFamily="34" charset="0"/>
+              </a:rPr>
+              <a:t>研究内容与方案</a:t>
+            </a:r>
+            <a:endParaRPr lang="zh-CN" altLang="en-US" dirty="0">
+              <a:solidFill>
+                <a:schemeClr val="tx1"/>
+              </a:solidFill>
+              <a:uFillTx/>
+              <a:latin typeface="Arial" panose="020B0604020202020204" pitchFamily="34" charset="0"/>
+            </a:endParaRPr>
+          </a:p>
+        </p:txBody>
+      </p:sp>
+      <p:sp>
+        <p:nvSpPr>
+          <p:cNvPr id="30" name="矩形 15"/>
+          <p:cNvSpPr/>
+          <p:nvPr/>
+        </p:nvSpPr>
+        <p:spPr>
+          <a:xfrm>
+            <a:off x="1919605" y="3970020"/>
+            <a:ext cx="328295" cy="346075"/>
+          </a:xfrm>
+          <a:prstGeom prst="rect">
+            <a:avLst/>
+          </a:prstGeom>
+        </p:spPr>
+        <p:style>
+          <a:lnRef idx="2">
+            <a:schemeClr val="accent3">
+              <a:shade val="50000"/>
+            </a:schemeClr>
+          </a:lnRef>
+          <a:fillRef idx="1">
+            <a:schemeClr val="accent3"/>
+          </a:fillRef>
+          <a:effectRef idx="0">
+            <a:schemeClr val="accent3"/>
+          </a:effectRef>
+          <a:fontRef idx="minor">
+            <a:schemeClr val="lt1"/>
+          </a:fontRef>
+        </p:style>
+        <p:txBody>
+          <a:bodyPr lIns="90170" tIns="46990" rIns="90170" bIns="46990" anchor="ctr"/>
+          <a:lstStyle>
+            <a:defPPr>
+              <a:defRPr lang="zh-CN"/>
+            </a:defPPr>
+            <a:lvl1pPr marL="0" algn="l" defTabSz="914400" rtl="0" eaLnBrk="1" latinLnBrk="0" hangingPunct="1">
+              <a:defRPr sz="1800" kern="1200">
+                <a:solidFill>
+                  <a:schemeClr val="tx1"/>
+                </a:solidFill>
+                <a:latin typeface="+mn-lt"/>
+                <a:ea typeface="+mn-ea"/>
+                <a:cs typeface="+mn-cs"/>
+              </a:defRPr>
+            </a:lvl1pPr>
+            <a:lvl2pPr marL="457200" algn="l" defTabSz="914400" rtl="0" eaLnBrk="1" latinLnBrk="0" hangingPunct="1">
+              <a:defRPr sz="1800" kern="1200">
+                <a:solidFill>
+                  <a:schemeClr val="tx1"/>
+                </a:solidFill>
+                <a:latin typeface="+mn-lt"/>
+                <a:ea typeface="+mn-ea"/>
+                <a:cs typeface="+mn-cs"/>
+              </a:defRPr>
+            </a:lvl2pPr>
+            <a:lvl3pPr marL="914400" algn="l" defTabSz="914400" rtl="0" eaLnBrk="1" latinLnBrk="0" hangingPunct="1">
+              <a:defRPr sz="1800" kern="1200">
+                <a:solidFill>
+                  <a:schemeClr val="tx1"/>
+                </a:solidFill>
+                <a:latin typeface="+mn-lt"/>
+                <a:ea typeface="+mn-ea"/>
+                <a:cs typeface="+mn-cs"/>
+              </a:defRPr>
+            </a:lvl3pPr>
+            <a:lvl4pPr marL="1371600" algn="l" defTabSz="914400" rtl="0" eaLnBrk="1" latinLnBrk="0" hangingPunct="1">
+              <a:defRPr sz="1800" kern="1200">
+                <a:solidFill>
+                  <a:schemeClr val="tx1"/>
+                </a:solidFill>
+                <a:latin typeface="+mn-lt"/>
+                <a:ea typeface="+mn-ea"/>
+                <a:cs typeface="+mn-cs"/>
+              </a:defRPr>
+            </a:lvl4pPr>
+            <a:lvl5pPr marL="1828800" algn="l" defTabSz="914400" rtl="0" eaLnBrk="1" latinLnBrk="0" hangingPunct="1">
+              <a:defRPr sz="1800" kern="1200">
+                <a:solidFill>
+                  <a:schemeClr val="tx1"/>
+                </a:solidFill>
+                <a:latin typeface="+mn-lt"/>
+                <a:ea typeface="+mn-ea"/>
+                <a:cs typeface="+mn-cs"/>
+              </a:defRPr>
+            </a:lvl5pPr>
+            <a:lvl6pPr marL="2286000" algn="l" defTabSz="914400" rtl="0" eaLnBrk="1" latinLnBrk="0" hangingPunct="1">
+              <a:defRPr sz="1800" kern="1200">
+                <a:solidFill>
+                  <a:schemeClr val="tx1"/>
+                </a:solidFill>
+                <a:latin typeface="+mn-lt"/>
+                <a:ea typeface="+mn-ea"/>
+                <a:cs typeface="+mn-cs"/>
+              </a:defRPr>
+            </a:lvl6pPr>
+            <a:lvl7pPr marL="2743200" algn="l" defTabSz="914400" rtl="0" eaLnBrk="1" latinLnBrk="0" hangingPunct="1">
+              <a:defRPr sz="1800" kern="1200">
+                <a:solidFill>
+                  <a:schemeClr val="tx1"/>
+                </a:solidFill>
+                <a:latin typeface="+mn-lt"/>
+                <a:ea typeface="+mn-ea"/>
+                <a:cs typeface="+mn-cs"/>
+              </a:defRPr>
+            </a:lvl7pPr>
+            <a:lvl8pPr marL="3200400" algn="l" defTabSz="914400" rtl="0" eaLnBrk="1" latinLnBrk="0" hangingPunct="1">
+              <a:defRPr sz="1800" kern="1200">
+                <a:solidFill>
+                  <a:schemeClr val="tx1"/>
+                </a:solidFill>
+                <a:latin typeface="+mn-lt"/>
+                <a:ea typeface="+mn-ea"/>
+                <a:cs typeface="+mn-cs"/>
+              </a:defRPr>
+            </a:lvl8pPr>
+            <a:lvl9pPr marL="3657600" algn="l" defTabSz="914400" rtl="0" eaLnBrk="1" latinLnBrk="0" hangingPunct="1">
+              <a:defRPr sz="1800" kern="1200">
+                <a:solidFill>
+                  <a:schemeClr val="tx1"/>
+                </a:solidFill>
+                <a:latin typeface="+mn-lt"/>
+                <a:ea typeface="+mn-ea"/>
+                <a:cs typeface="+mn-cs"/>
+              </a:defRPr>
+            </a:lvl9pPr>
+          </a:lstStyle>
+          <a:p>
+            <a:pPr algn="ctr"/>
+            <a:r>
+              <a:rPr lang="en-US" altLang="zh-CN" sz="2000" dirty="0" smtClean="0">
+                <a:solidFill>
+                  <a:srgbClr val="FFFFFF"/>
+                </a:solidFill>
+                <a:uFillTx/>
+                <a:latin typeface="Arial" panose="020B0604020202020204" pitchFamily="34" charset="0"/>
+                <a:ea typeface="宋体" panose="02010600030101010101" pitchFamily="2" charset="-122"/>
+              </a:rPr>
+              <a:t>4</a:t>
+            </a:r>
+            <a:endParaRPr lang="en-US" altLang="zh-CN" sz="2000" dirty="0" smtClean="0">
+              <a:solidFill>
+                <a:srgbClr val="FFFFFF"/>
+              </a:solidFill>
+              <a:uFillTx/>
+              <a:latin typeface="Arial" panose="020B0604020202020204" pitchFamily="34" charset="0"/>
+              <a:ea typeface="宋体" panose="02010600030101010101" pitchFamily="2" charset="-122"/>
+            </a:endParaRPr>
+          </a:p>
+        </p:txBody>
+      </p:sp>
+      <p:cxnSp>
+        <p:nvCxnSpPr>
+          <p:cNvPr id="31" name="直接连接符 19"/>
+          <p:cNvCxnSpPr/>
+          <p:nvPr/>
+        </p:nvCxnSpPr>
+        <p:spPr>
+          <a:xfrm>
+            <a:off x="2408714" y="4292879"/>
+            <a:ext cx="5310187" cy="9525"/>
+          </a:xfrm>
+          <a:prstGeom prst="line">
+            <a:avLst/>
+          </a:prstGeom>
+          <a:ln w="25400" cap="flat" cmpd="sng">
+            <a:solidFill>
+              <a:srgbClr val="828282"/>
+            </a:solidFill>
+            <a:prstDash val="sysDot"/>
+            <a:round/>
+            <a:headEnd type="none" w="med" len="med"/>
+            <a:tailEnd type="none" w="med" len="med"/>
+          </a:ln>
+        </p:spPr>
+      </p:cxnSp>
+      <p:sp>
+        <p:nvSpPr>
+          <p:cNvPr id="32" name="TextBox 128"/>
+          <p:cNvSpPr txBox="1"/>
+          <p:nvPr/>
+        </p:nvSpPr>
+        <p:spPr>
+          <a:xfrm>
+            <a:off x="2816690" y="3924230"/>
+            <a:ext cx="2961025" cy="368300"/>
+          </a:xfrm>
+          <a:prstGeom prst="rect">
+            <a:avLst/>
+          </a:prstGeom>
+          <a:noFill/>
+          <a:ln w="9525">
+            <a:noFill/>
+          </a:ln>
+        </p:spPr>
+        <p:txBody>
+          <a:bodyPr wrap="square" anchor="t">
+            <a:spAutoFit/>
+          </a:bodyPr>
+          <a:lstStyle>
+            <a:defPPr>
+              <a:defRPr lang="zh-CN"/>
+            </a:defPPr>
+            <a:lvl1pPr marL="0" algn="l" defTabSz="914400" rtl="0" eaLnBrk="1" latinLnBrk="0" hangingPunct="1">
+              <a:defRPr sz="1800" kern="1200">
+                <a:solidFill>
+                  <a:schemeClr val="tx1"/>
+                </a:solidFill>
+                <a:latin typeface="+mn-lt"/>
+                <a:ea typeface="+mn-ea"/>
+                <a:cs typeface="+mn-cs"/>
+              </a:defRPr>
+            </a:lvl1pPr>
+            <a:lvl2pPr marL="457200" algn="l" defTabSz="914400" rtl="0" eaLnBrk="1" latinLnBrk="0" hangingPunct="1">
+              <a:defRPr sz="1800" kern="1200">
+                <a:solidFill>
+                  <a:schemeClr val="tx1"/>
+                </a:solidFill>
+                <a:latin typeface="+mn-lt"/>
+                <a:ea typeface="+mn-ea"/>
+                <a:cs typeface="+mn-cs"/>
+              </a:defRPr>
+            </a:lvl2pPr>
+            <a:lvl3pPr marL="914400" algn="l" defTabSz="914400" rtl="0" eaLnBrk="1" latinLnBrk="0" hangingPunct="1">
+              <a:defRPr sz="1800" kern="1200">
+                <a:solidFill>
+                  <a:schemeClr val="tx1"/>
+                </a:solidFill>
+                <a:latin typeface="+mn-lt"/>
+                <a:ea typeface="+mn-ea"/>
+                <a:cs typeface="+mn-cs"/>
+              </a:defRPr>
+            </a:lvl3pPr>
+            <a:lvl4pPr marL="1371600" algn="l" defTabSz="914400" rtl="0" eaLnBrk="1" latinLnBrk="0" hangingPunct="1">
+              <a:defRPr sz="1800" kern="1200">
+                <a:solidFill>
+                  <a:schemeClr val="tx1"/>
+                </a:solidFill>
+                <a:latin typeface="+mn-lt"/>
+                <a:ea typeface="+mn-ea"/>
+                <a:cs typeface="+mn-cs"/>
+              </a:defRPr>
+            </a:lvl4pPr>
+            <a:lvl5pPr marL="1828800" algn="l" defTabSz="914400" rtl="0" eaLnBrk="1" latinLnBrk="0" hangingPunct="1">
+              <a:defRPr sz="1800" kern="1200">
+                <a:solidFill>
+                  <a:schemeClr val="tx1"/>
+                </a:solidFill>
+                <a:latin typeface="+mn-lt"/>
+                <a:ea typeface="+mn-ea"/>
+                <a:cs typeface="+mn-cs"/>
+              </a:defRPr>
+            </a:lvl5pPr>
+            <a:lvl6pPr marL="2286000" algn="l" defTabSz="914400" rtl="0" eaLnBrk="1" latinLnBrk="0" hangingPunct="1">
+              <a:defRPr sz="1800" kern="1200">
+                <a:solidFill>
+                  <a:schemeClr val="tx1"/>
+                </a:solidFill>
+                <a:latin typeface="+mn-lt"/>
+                <a:ea typeface="+mn-ea"/>
+                <a:cs typeface="+mn-cs"/>
+              </a:defRPr>
+            </a:lvl6pPr>
+            <a:lvl7pPr marL="2743200" algn="l" defTabSz="914400" rtl="0" eaLnBrk="1" latinLnBrk="0" hangingPunct="1">
+              <a:defRPr sz="1800" kern="1200">
+                <a:solidFill>
+                  <a:schemeClr val="tx1"/>
+                </a:solidFill>
+                <a:latin typeface="+mn-lt"/>
+                <a:ea typeface="+mn-ea"/>
+                <a:cs typeface="+mn-cs"/>
+              </a:defRPr>
+            </a:lvl7pPr>
+            <a:lvl8pPr marL="3200400" algn="l" defTabSz="914400" rtl="0" eaLnBrk="1" latinLnBrk="0" hangingPunct="1">
+              <a:defRPr sz="1800" kern="1200">
+                <a:solidFill>
+                  <a:schemeClr val="tx1"/>
+                </a:solidFill>
+                <a:latin typeface="+mn-lt"/>
+                <a:ea typeface="+mn-ea"/>
+                <a:cs typeface="+mn-cs"/>
+              </a:defRPr>
+            </a:lvl8pPr>
+            <a:lvl9pPr marL="3657600" algn="l" defTabSz="914400" rtl="0" eaLnBrk="1" latinLnBrk="0" hangingPunct="1">
+              <a:defRPr sz="1800" kern="1200">
+                <a:solidFill>
+                  <a:schemeClr val="tx1"/>
+                </a:solidFill>
+                <a:latin typeface="+mn-lt"/>
+                <a:ea typeface="+mn-ea"/>
+                <a:cs typeface="+mn-cs"/>
+              </a:defRPr>
+            </a:lvl9pPr>
+          </a:lstStyle>
+          <a:p>
+            <a:pPr algn="ctr"/>
+            <a:r>
+              <a:rPr lang="zh-CN" altLang="en-US" dirty="0">
+                <a:solidFill>
+                  <a:schemeClr val="tx1"/>
+                </a:solidFill>
+                <a:uFillTx/>
+                <a:latin typeface="Arial" panose="020B0604020202020204" pitchFamily="34" charset="0"/>
+              </a:rPr>
+              <a:t>预期成果与已完成进度</a:t>
+            </a:r>
+            <a:endParaRPr lang="zh-CN" altLang="en-US" dirty="0">
+              <a:solidFill>
+                <a:schemeClr val="tx1"/>
+              </a:solidFill>
+              <a:uFillTx/>
+              <a:latin typeface="Arial" panose="020B0604020202020204" pitchFamily="34" charset="0"/>
+            </a:endParaRPr>
+          </a:p>
+        </p:txBody>
+      </p:sp>
+      <p:sp>
+        <p:nvSpPr>
+          <p:cNvPr id="2" name="Text Box 1"/>
+          <p:cNvSpPr txBox="1"/>
+          <p:nvPr/>
+        </p:nvSpPr>
+        <p:spPr>
+          <a:xfrm>
+            <a:off x="5195570" y="4758690"/>
+            <a:ext cx="3811270" cy="299085"/>
+          </a:xfrm>
+          <a:prstGeom prst="rect">
+            <a:avLst/>
+          </a:prstGeom>
+          <a:noFill/>
+        </p:spPr>
+        <p:txBody>
+          <a:bodyPr wrap="square" rtlCol="0">
+            <a:spAutoFit/>
+          </a:bodyPr>
+          <a:p>
+            <a:r>
+              <a:rPr lang="zh-CN" altLang="en-US" b="1">
+                <a:uFillTx/>
+                <a:sym typeface="+mn-ea"/>
+              </a:rPr>
+              <a:t>基于机器阅读理解的中文问答系统研究与实现</a:t>
+            </a:r>
+            <a:endParaRPr lang="en-US"/>
+          </a:p>
+        </p:txBody>
+      </p:sp>
+    </p:spTree>
+  </p:cSld>
+  <p:clrMapOvr>
+    <a:masterClrMapping/>
+  </p:clrMapOvr>
+  <mc:AlternateContent xmlns:mc="http://schemas.openxmlformats.org/markup-compatibility/2006">
+    <mc:Choice xmlns:p14="http://schemas.microsoft.com/office/powerpoint/2010/main" Requires="p14">
+      <p:transition spd="slow" p14:dur="2000"/>
+    </mc:Choice>
+    <mc:Fallback>
+      <p:transition spd="slow"/>
+    </mc:Fallback>
+  </mc:AlternateContent>
+  <p:timing>
+    <p:tnLst>
+      <p:par>
+        <p:cTn id="1" dur="indefinite" restart="never" nodeType="tmRoot"/>
+      </p:par>
+    </p:tnLst>
+  </p:timing>
+</p:sld>
+</file>
+
+<file path=ppt/slides/slide20.xml><?xml version="1.0" encoding="utf-8"?>
+<p:sld xmlns:a="http://schemas.openxmlformats.org/drawingml/2006/main" xmlns:r="http://schemas.openxmlformats.org/officeDocument/2006/relationships" xmlns:p="http://schemas.openxmlformats.org/presentationml/2006/main">
+  <p:cSld>
     <p:spTree>
       <p:nvGrpSpPr>
         <p:cNvPr id="1" name=""/>
@@ -13590,7 +15813,7 @@
           <p:nvPr/>
         </p:nvPicPr>
         <p:blipFill>
-          <a:blip r:embed="rId2" cstate="print">
+          <a:blip r:embed="rId1" cstate="print">
             <a:extLst>
               <a:ext uri="{28A0092B-C50C-407E-A947-70E740481C1C}">
                 <a14:useLocalDpi xmlns:a14="http://schemas.microsoft.com/office/drawing/2010/main" val="0"/>
@@ -14908,18 +17131,9 @@
 </p:sld>
 </file>
 
-<file path=ppt/slides/slide18.xml><?xml version="1.0" encoding="utf-8"?>
+<file path=ppt/slides/slide21.xml><?xml version="1.0" encoding="utf-8"?>
 <p:sld xmlns:a="http://schemas.openxmlformats.org/drawingml/2006/main" xmlns:r="http://schemas.openxmlformats.org/officeDocument/2006/relationships" xmlns:p="http://schemas.openxmlformats.org/presentationml/2006/main">
   <p:cSld>
-    <p:bg>
-      <p:bgPr>
-        <a:blipFill dpi="0" rotWithShape="1">
-          <a:blip r:embed="rId1"/>
-          <a:srcRect/>
-        </a:blipFill>
-        <a:effectLst/>
-      </p:bgPr>
-    </p:bg>
     <p:spTree>
       <p:nvGrpSpPr>
         <p:cNvPr id="1" name=""/>
@@ -14943,7 +17157,7 @@
           <p:nvPr/>
         </p:nvPicPr>
         <p:blipFill>
-          <a:blip r:embed="rId2" cstate="print">
+          <a:blip r:embed="rId1" cstate="print">
             <a:extLst>
               <a:ext uri="{28A0092B-C50C-407E-A947-70E740481C1C}">
                 <a14:useLocalDpi xmlns:a14="http://schemas.microsoft.com/office/drawing/2010/main" val="0"/>
@@ -16285,18 +18499,9 @@
 </p:sld>
 </file>
 
-<file path=ppt/slides/slide19.xml><?xml version="1.0" encoding="utf-8"?>
+<file path=ppt/slides/slide22.xml><?xml version="1.0" encoding="utf-8"?>
 <p:sld xmlns:a="http://schemas.openxmlformats.org/drawingml/2006/main" xmlns:r="http://schemas.openxmlformats.org/officeDocument/2006/relationships" xmlns:p="http://schemas.openxmlformats.org/presentationml/2006/main">
   <p:cSld>
-    <p:bg>
-      <p:bgPr>
-        <a:blipFill dpi="0" rotWithShape="1">
-          <a:blip r:embed="rId1"/>
-          <a:srcRect/>
-        </a:blipFill>
-        <a:effectLst/>
-      </p:bgPr>
-    </p:bg>
     <p:spTree>
       <p:nvGrpSpPr>
         <p:cNvPr id="1" name=""/>
@@ -16320,7 +18525,7 @@
           <p:nvPr/>
         </p:nvPicPr>
         <p:blipFill>
-          <a:blip r:embed="rId2" cstate="print">
+          <a:blip r:embed="rId1" cstate="print">
             <a:extLst>
               <a:ext uri="{28A0092B-C50C-407E-A947-70E740481C1C}">
                 <a14:useLocalDpi xmlns:a14="http://schemas.microsoft.com/office/drawing/2010/main" val="0"/>
@@ -16544,1449 +18749,9 @@
 </p:sld>
 </file>
 
-<file path=ppt/slides/slide2.xml><?xml version="1.0" encoding="utf-8"?>
+<file path=ppt/slides/slide23.xml><?xml version="1.0" encoding="utf-8"?>
 <p:sld xmlns:a="http://schemas.openxmlformats.org/drawingml/2006/main" xmlns:r="http://schemas.openxmlformats.org/officeDocument/2006/relationships" xmlns:p="http://schemas.openxmlformats.org/presentationml/2006/main">
   <p:cSld>
-    <p:bg>
-      <p:bgPr>
-        <a:blipFill dpi="0" rotWithShape="1">
-          <a:blip r:embed="rId1"/>
-          <a:srcRect/>
-          <a:tile tx="0" ty="0" sx="100000" sy="100000" flip="none" algn="tl"/>
-        </a:blipFill>
-        <a:effectLst/>
-      </p:bgPr>
-    </p:bg>
-    <p:spTree>
-      <p:nvGrpSpPr>
-        <p:cNvPr id="1" name=""/>
-        <p:cNvGrpSpPr/>
-        <p:nvPr/>
-      </p:nvGrpSpPr>
-      <p:grpSpPr>
-        <a:xfrm>
-          <a:off x="0" y="0"/>
-          <a:ext cx="0" cy="0"/>
-          <a:chOff x="0" y="0"/>
-          <a:chExt cx="0" cy="0"/>
-        </a:xfrm>
-      </p:grpSpPr>
-      <p:pic>
-        <p:nvPicPr>
-          <p:cNvPr id="4" name="图片 3"/>
-          <p:cNvPicPr>
-            <a:picLocks noChangeAspect="1"/>
-          </p:cNvPicPr>
-          <p:nvPr/>
-        </p:nvPicPr>
-        <p:blipFill>
-          <a:blip r:embed="rId2" cstate="print">
-            <a:extLst>
-              <a:ext uri="{28A0092B-C50C-407E-A947-70E740481C1C}">
-                <a14:useLocalDpi xmlns:a14="http://schemas.microsoft.com/office/drawing/2010/main" val="0"/>
-              </a:ext>
-            </a:extLst>
-          </a:blip>
-          <a:stretch>
-            <a:fillRect/>
-          </a:stretch>
-        </p:blipFill>
-        <p:spPr>
-          <a:xfrm>
-            <a:off x="7608408" y="122473"/>
-            <a:ext cx="1467011" cy="491720"/>
-          </a:xfrm>
-          <a:prstGeom prst="rect">
-            <a:avLst/>
-          </a:prstGeom>
-        </p:spPr>
-      </p:pic>
-      <p:sp>
-        <p:nvSpPr>
-          <p:cNvPr id="3" name="Rounded Rectangle 2"/>
-          <p:cNvSpPr/>
-          <p:nvPr/>
-        </p:nvSpPr>
-        <p:spPr>
-          <a:xfrm>
-            <a:off x="3148330" y="122555"/>
-            <a:ext cx="2297430" cy="722630"/>
-          </a:xfrm>
-          <a:prstGeom prst="roundRect">
-            <a:avLst/>
-          </a:prstGeom>
-        </p:spPr>
-        <p:style>
-          <a:lnRef idx="2">
-            <a:schemeClr val="accent3">
-              <a:shade val="50000"/>
-            </a:schemeClr>
-          </a:lnRef>
-          <a:fillRef idx="1">
-            <a:schemeClr val="accent3"/>
-          </a:fillRef>
-          <a:effectRef idx="0">
-            <a:schemeClr val="accent3"/>
-          </a:effectRef>
-          <a:fontRef idx="minor">
-            <a:schemeClr val="lt1"/>
-          </a:fontRef>
-        </p:style>
-        <p:txBody>
-          <a:bodyPr rtlCol="0" anchor="ctr"/>
-          <a:p>
-            <a:pPr algn="ctr"/>
-            <a:r>
-              <a:rPr lang="zh-CN" altLang="en-US" sz="2400">
-                <a:solidFill>
-                  <a:schemeClr val="tx1"/>
-                </a:solidFill>
-              </a:rPr>
-              <a:t>汇报提纲</a:t>
-            </a:r>
-            <a:endParaRPr lang="zh-CN" altLang="en-US" sz="2400">
-              <a:solidFill>
-                <a:schemeClr val="tx1"/>
-              </a:solidFill>
-            </a:endParaRPr>
-          </a:p>
-        </p:txBody>
-      </p:sp>
-      <p:sp>
-        <p:nvSpPr>
-          <p:cNvPr id="5" name="矩形 15"/>
-          <p:cNvSpPr/>
-          <p:nvPr/>
-        </p:nvSpPr>
-        <p:spPr>
-          <a:xfrm>
-            <a:off x="1919605" y="1520190"/>
-            <a:ext cx="328295" cy="346075"/>
-          </a:xfrm>
-          <a:prstGeom prst="rect">
-            <a:avLst/>
-          </a:prstGeom>
-        </p:spPr>
-        <p:style>
-          <a:lnRef idx="2">
-            <a:schemeClr val="accent3">
-              <a:shade val="50000"/>
-            </a:schemeClr>
-          </a:lnRef>
-          <a:fillRef idx="1">
-            <a:schemeClr val="accent3"/>
-          </a:fillRef>
-          <a:effectRef idx="0">
-            <a:schemeClr val="accent3"/>
-          </a:effectRef>
-          <a:fontRef idx="minor">
-            <a:schemeClr val="lt1"/>
-          </a:fontRef>
-        </p:style>
-        <p:txBody>
-          <a:bodyPr lIns="90170" tIns="46990" rIns="90170" bIns="46990" anchor="ctr"/>
-          <a:lstStyle>
-            <a:defPPr>
-              <a:defRPr lang="zh-CN"/>
-            </a:defPPr>
-            <a:lvl1pPr marL="0" algn="l" defTabSz="914400" rtl="0" eaLnBrk="1" latinLnBrk="0" hangingPunct="1">
-              <a:defRPr sz="1800" kern="1200">
-                <a:solidFill>
-                  <a:schemeClr val="tx1"/>
-                </a:solidFill>
-                <a:latin typeface="+mn-lt"/>
-                <a:ea typeface="+mn-ea"/>
-                <a:cs typeface="+mn-cs"/>
-              </a:defRPr>
-            </a:lvl1pPr>
-            <a:lvl2pPr marL="457200" algn="l" defTabSz="914400" rtl="0" eaLnBrk="1" latinLnBrk="0" hangingPunct="1">
-              <a:defRPr sz="1800" kern="1200">
-                <a:solidFill>
-                  <a:schemeClr val="tx1"/>
-                </a:solidFill>
-                <a:latin typeface="+mn-lt"/>
-                <a:ea typeface="+mn-ea"/>
-                <a:cs typeface="+mn-cs"/>
-              </a:defRPr>
-            </a:lvl2pPr>
-            <a:lvl3pPr marL="914400" algn="l" defTabSz="914400" rtl="0" eaLnBrk="1" latinLnBrk="0" hangingPunct="1">
-              <a:defRPr sz="1800" kern="1200">
-                <a:solidFill>
-                  <a:schemeClr val="tx1"/>
-                </a:solidFill>
-                <a:latin typeface="+mn-lt"/>
-                <a:ea typeface="+mn-ea"/>
-                <a:cs typeface="+mn-cs"/>
-              </a:defRPr>
-            </a:lvl3pPr>
-            <a:lvl4pPr marL="1371600" algn="l" defTabSz="914400" rtl="0" eaLnBrk="1" latinLnBrk="0" hangingPunct="1">
-              <a:defRPr sz="1800" kern="1200">
-                <a:solidFill>
-                  <a:schemeClr val="tx1"/>
-                </a:solidFill>
-                <a:latin typeface="+mn-lt"/>
-                <a:ea typeface="+mn-ea"/>
-                <a:cs typeface="+mn-cs"/>
-              </a:defRPr>
-            </a:lvl4pPr>
-            <a:lvl5pPr marL="1828800" algn="l" defTabSz="914400" rtl="0" eaLnBrk="1" latinLnBrk="0" hangingPunct="1">
-              <a:defRPr sz="1800" kern="1200">
-                <a:solidFill>
-                  <a:schemeClr val="tx1"/>
-                </a:solidFill>
-                <a:latin typeface="+mn-lt"/>
-                <a:ea typeface="+mn-ea"/>
-                <a:cs typeface="+mn-cs"/>
-              </a:defRPr>
-            </a:lvl5pPr>
-            <a:lvl6pPr marL="2286000" algn="l" defTabSz="914400" rtl="0" eaLnBrk="1" latinLnBrk="0" hangingPunct="1">
-              <a:defRPr sz="1800" kern="1200">
-                <a:solidFill>
-                  <a:schemeClr val="tx1"/>
-                </a:solidFill>
-                <a:latin typeface="+mn-lt"/>
-                <a:ea typeface="+mn-ea"/>
-                <a:cs typeface="+mn-cs"/>
-              </a:defRPr>
-            </a:lvl6pPr>
-            <a:lvl7pPr marL="2743200" algn="l" defTabSz="914400" rtl="0" eaLnBrk="1" latinLnBrk="0" hangingPunct="1">
-              <a:defRPr sz="1800" kern="1200">
-                <a:solidFill>
-                  <a:schemeClr val="tx1"/>
-                </a:solidFill>
-                <a:latin typeface="+mn-lt"/>
-                <a:ea typeface="+mn-ea"/>
-                <a:cs typeface="+mn-cs"/>
-              </a:defRPr>
-            </a:lvl7pPr>
-            <a:lvl8pPr marL="3200400" algn="l" defTabSz="914400" rtl="0" eaLnBrk="1" latinLnBrk="0" hangingPunct="1">
-              <a:defRPr sz="1800" kern="1200">
-                <a:solidFill>
-                  <a:schemeClr val="tx1"/>
-                </a:solidFill>
-                <a:latin typeface="+mn-lt"/>
-                <a:ea typeface="+mn-ea"/>
-                <a:cs typeface="+mn-cs"/>
-              </a:defRPr>
-            </a:lvl8pPr>
-            <a:lvl9pPr marL="3657600" algn="l" defTabSz="914400" rtl="0" eaLnBrk="1" latinLnBrk="0" hangingPunct="1">
-              <a:defRPr sz="1800" kern="1200">
-                <a:solidFill>
-                  <a:schemeClr val="tx1"/>
-                </a:solidFill>
-                <a:latin typeface="+mn-lt"/>
-                <a:ea typeface="+mn-ea"/>
-                <a:cs typeface="+mn-cs"/>
-              </a:defRPr>
-            </a:lvl9pPr>
-          </a:lstStyle>
-          <a:p>
-            <a:pPr algn="ctr"/>
-            <a:r>
-              <a:rPr lang="en-US" altLang="zh-CN" sz="2000" dirty="0" smtClean="0">
-                <a:solidFill>
-                  <a:srgbClr val="FFFFFF"/>
-                </a:solidFill>
-                <a:uFillTx/>
-                <a:latin typeface="Arial" panose="020B0604020202020204" pitchFamily="34" charset="0"/>
-                <a:ea typeface="宋体" panose="02010600030101010101" pitchFamily="2" charset="-122"/>
-              </a:rPr>
-              <a:t>1</a:t>
-            </a:r>
-            <a:endParaRPr lang="en-US" altLang="zh-CN" sz="2000" dirty="0" smtClean="0">
-              <a:solidFill>
-                <a:srgbClr val="FFFFFF"/>
-              </a:solidFill>
-              <a:uFillTx/>
-              <a:latin typeface="Arial" panose="020B0604020202020204" pitchFamily="34" charset="0"/>
-              <a:ea typeface="宋体" panose="02010600030101010101" pitchFamily="2" charset="-122"/>
-            </a:endParaRPr>
-          </a:p>
-        </p:txBody>
-      </p:sp>
-      <p:cxnSp>
-        <p:nvCxnSpPr>
-          <p:cNvPr id="6" name="直接连接符 19"/>
-          <p:cNvCxnSpPr/>
-          <p:nvPr/>
-        </p:nvCxnSpPr>
-        <p:spPr>
-          <a:xfrm>
-            <a:off x="2408714" y="1843049"/>
-            <a:ext cx="5310187" cy="9525"/>
-          </a:xfrm>
-          <a:prstGeom prst="line">
-            <a:avLst/>
-          </a:prstGeom>
-          <a:ln w="25400" cap="flat" cmpd="sng">
-            <a:solidFill>
-              <a:srgbClr val="828282"/>
-            </a:solidFill>
-            <a:prstDash val="sysDot"/>
-            <a:round/>
-            <a:headEnd type="none" w="med" len="med"/>
-            <a:tailEnd type="none" w="med" len="med"/>
-          </a:ln>
-        </p:spPr>
-      </p:cxnSp>
-      <p:sp>
-        <p:nvSpPr>
-          <p:cNvPr id="19" name="TextBox 128"/>
-          <p:cNvSpPr txBox="1"/>
-          <p:nvPr/>
-        </p:nvSpPr>
-        <p:spPr>
-          <a:xfrm>
-            <a:off x="2816690" y="1474400"/>
-            <a:ext cx="2961025" cy="368300"/>
-          </a:xfrm>
-          <a:prstGeom prst="rect">
-            <a:avLst/>
-          </a:prstGeom>
-          <a:noFill/>
-          <a:ln w="9525">
-            <a:noFill/>
-          </a:ln>
-        </p:spPr>
-        <p:txBody>
-          <a:bodyPr wrap="square" anchor="t">
-            <a:spAutoFit/>
-          </a:bodyPr>
-          <a:lstStyle>
-            <a:defPPr>
-              <a:defRPr lang="zh-CN"/>
-            </a:defPPr>
-            <a:lvl1pPr marL="0" algn="l" defTabSz="914400" rtl="0" eaLnBrk="1" latinLnBrk="0" hangingPunct="1">
-              <a:defRPr sz="1800" kern="1200">
-                <a:solidFill>
-                  <a:schemeClr val="tx1"/>
-                </a:solidFill>
-                <a:latin typeface="+mn-lt"/>
-                <a:ea typeface="+mn-ea"/>
-                <a:cs typeface="+mn-cs"/>
-              </a:defRPr>
-            </a:lvl1pPr>
-            <a:lvl2pPr marL="457200" algn="l" defTabSz="914400" rtl="0" eaLnBrk="1" latinLnBrk="0" hangingPunct="1">
-              <a:defRPr sz="1800" kern="1200">
-                <a:solidFill>
-                  <a:schemeClr val="tx1"/>
-                </a:solidFill>
-                <a:latin typeface="+mn-lt"/>
-                <a:ea typeface="+mn-ea"/>
-                <a:cs typeface="+mn-cs"/>
-              </a:defRPr>
-            </a:lvl2pPr>
-            <a:lvl3pPr marL="914400" algn="l" defTabSz="914400" rtl="0" eaLnBrk="1" latinLnBrk="0" hangingPunct="1">
-              <a:defRPr sz="1800" kern="1200">
-                <a:solidFill>
-                  <a:schemeClr val="tx1"/>
-                </a:solidFill>
-                <a:latin typeface="+mn-lt"/>
-                <a:ea typeface="+mn-ea"/>
-                <a:cs typeface="+mn-cs"/>
-              </a:defRPr>
-            </a:lvl3pPr>
-            <a:lvl4pPr marL="1371600" algn="l" defTabSz="914400" rtl="0" eaLnBrk="1" latinLnBrk="0" hangingPunct="1">
-              <a:defRPr sz="1800" kern="1200">
-                <a:solidFill>
-                  <a:schemeClr val="tx1"/>
-                </a:solidFill>
-                <a:latin typeface="+mn-lt"/>
-                <a:ea typeface="+mn-ea"/>
-                <a:cs typeface="+mn-cs"/>
-              </a:defRPr>
-            </a:lvl4pPr>
-            <a:lvl5pPr marL="1828800" algn="l" defTabSz="914400" rtl="0" eaLnBrk="1" latinLnBrk="0" hangingPunct="1">
-              <a:defRPr sz="1800" kern="1200">
-                <a:solidFill>
-                  <a:schemeClr val="tx1"/>
-                </a:solidFill>
-                <a:latin typeface="+mn-lt"/>
-                <a:ea typeface="+mn-ea"/>
-                <a:cs typeface="+mn-cs"/>
-              </a:defRPr>
-            </a:lvl5pPr>
-            <a:lvl6pPr marL="2286000" algn="l" defTabSz="914400" rtl="0" eaLnBrk="1" latinLnBrk="0" hangingPunct="1">
-              <a:defRPr sz="1800" kern="1200">
-                <a:solidFill>
-                  <a:schemeClr val="tx1"/>
-                </a:solidFill>
-                <a:latin typeface="+mn-lt"/>
-                <a:ea typeface="+mn-ea"/>
-                <a:cs typeface="+mn-cs"/>
-              </a:defRPr>
-            </a:lvl6pPr>
-            <a:lvl7pPr marL="2743200" algn="l" defTabSz="914400" rtl="0" eaLnBrk="1" latinLnBrk="0" hangingPunct="1">
-              <a:defRPr sz="1800" kern="1200">
-                <a:solidFill>
-                  <a:schemeClr val="tx1"/>
-                </a:solidFill>
-                <a:latin typeface="+mn-lt"/>
-                <a:ea typeface="+mn-ea"/>
-                <a:cs typeface="+mn-cs"/>
-              </a:defRPr>
-            </a:lvl7pPr>
-            <a:lvl8pPr marL="3200400" algn="l" defTabSz="914400" rtl="0" eaLnBrk="1" latinLnBrk="0" hangingPunct="1">
-              <a:defRPr sz="1800" kern="1200">
-                <a:solidFill>
-                  <a:schemeClr val="tx1"/>
-                </a:solidFill>
-                <a:latin typeface="+mn-lt"/>
-                <a:ea typeface="+mn-ea"/>
-                <a:cs typeface="+mn-cs"/>
-              </a:defRPr>
-            </a:lvl8pPr>
-            <a:lvl9pPr marL="3657600" algn="l" defTabSz="914400" rtl="0" eaLnBrk="1" latinLnBrk="0" hangingPunct="1">
-              <a:defRPr sz="1800" kern="1200">
-                <a:solidFill>
-                  <a:schemeClr val="tx1"/>
-                </a:solidFill>
-                <a:latin typeface="+mn-lt"/>
-                <a:ea typeface="+mn-ea"/>
-                <a:cs typeface="+mn-cs"/>
-              </a:defRPr>
-            </a:lvl9pPr>
-          </a:lstStyle>
-          <a:p>
-            <a:pPr algn="ctr"/>
-            <a:r>
-              <a:rPr lang="zh-CN" altLang="en-US" dirty="0">
-                <a:solidFill>
-                  <a:schemeClr val="tx1"/>
-                </a:solidFill>
-                <a:uFillTx/>
-                <a:latin typeface="Arial" panose="020B0604020202020204" pitchFamily="34" charset="0"/>
-              </a:rPr>
-              <a:t>前期准备工作</a:t>
-            </a:r>
-            <a:endParaRPr lang="zh-CN" altLang="en-US" dirty="0">
-              <a:solidFill>
-                <a:schemeClr val="tx1"/>
-              </a:solidFill>
-              <a:uFillTx/>
-              <a:latin typeface="Arial" panose="020B0604020202020204" pitchFamily="34" charset="0"/>
-            </a:endParaRPr>
-          </a:p>
-        </p:txBody>
-      </p:sp>
-      <p:sp>
-        <p:nvSpPr>
-          <p:cNvPr id="23" name="矩形 15"/>
-          <p:cNvSpPr/>
-          <p:nvPr/>
-        </p:nvSpPr>
-        <p:spPr>
-          <a:xfrm>
-            <a:off x="1919605" y="2336800"/>
-            <a:ext cx="328295" cy="346075"/>
-          </a:xfrm>
-          <a:prstGeom prst="rect">
-            <a:avLst/>
-          </a:prstGeom>
-        </p:spPr>
-        <p:style>
-          <a:lnRef idx="2">
-            <a:schemeClr val="accent3">
-              <a:shade val="50000"/>
-            </a:schemeClr>
-          </a:lnRef>
-          <a:fillRef idx="1">
-            <a:schemeClr val="accent3"/>
-          </a:fillRef>
-          <a:effectRef idx="0">
-            <a:schemeClr val="accent3"/>
-          </a:effectRef>
-          <a:fontRef idx="minor">
-            <a:schemeClr val="lt1"/>
-          </a:fontRef>
-        </p:style>
-        <p:txBody>
-          <a:bodyPr lIns="90170" tIns="46990" rIns="90170" bIns="46990" anchor="ctr"/>
-          <a:lstStyle>
-            <a:defPPr>
-              <a:defRPr lang="zh-CN"/>
-            </a:defPPr>
-            <a:lvl1pPr marL="0" algn="l" defTabSz="914400" rtl="0" eaLnBrk="1" latinLnBrk="0" hangingPunct="1">
-              <a:defRPr sz="1800" kern="1200">
-                <a:solidFill>
-                  <a:schemeClr val="tx1"/>
-                </a:solidFill>
-                <a:latin typeface="+mn-lt"/>
-                <a:ea typeface="+mn-ea"/>
-                <a:cs typeface="+mn-cs"/>
-              </a:defRPr>
-            </a:lvl1pPr>
-            <a:lvl2pPr marL="457200" algn="l" defTabSz="914400" rtl="0" eaLnBrk="1" latinLnBrk="0" hangingPunct="1">
-              <a:defRPr sz="1800" kern="1200">
-                <a:solidFill>
-                  <a:schemeClr val="tx1"/>
-                </a:solidFill>
-                <a:latin typeface="+mn-lt"/>
-                <a:ea typeface="+mn-ea"/>
-                <a:cs typeface="+mn-cs"/>
-              </a:defRPr>
-            </a:lvl2pPr>
-            <a:lvl3pPr marL="914400" algn="l" defTabSz="914400" rtl="0" eaLnBrk="1" latinLnBrk="0" hangingPunct="1">
-              <a:defRPr sz="1800" kern="1200">
-                <a:solidFill>
-                  <a:schemeClr val="tx1"/>
-                </a:solidFill>
-                <a:latin typeface="+mn-lt"/>
-                <a:ea typeface="+mn-ea"/>
-                <a:cs typeface="+mn-cs"/>
-              </a:defRPr>
-            </a:lvl3pPr>
-            <a:lvl4pPr marL="1371600" algn="l" defTabSz="914400" rtl="0" eaLnBrk="1" latinLnBrk="0" hangingPunct="1">
-              <a:defRPr sz="1800" kern="1200">
-                <a:solidFill>
-                  <a:schemeClr val="tx1"/>
-                </a:solidFill>
-                <a:latin typeface="+mn-lt"/>
-                <a:ea typeface="+mn-ea"/>
-                <a:cs typeface="+mn-cs"/>
-              </a:defRPr>
-            </a:lvl4pPr>
-            <a:lvl5pPr marL="1828800" algn="l" defTabSz="914400" rtl="0" eaLnBrk="1" latinLnBrk="0" hangingPunct="1">
-              <a:defRPr sz="1800" kern="1200">
-                <a:solidFill>
-                  <a:schemeClr val="tx1"/>
-                </a:solidFill>
-                <a:latin typeface="+mn-lt"/>
-                <a:ea typeface="+mn-ea"/>
-                <a:cs typeface="+mn-cs"/>
-              </a:defRPr>
-            </a:lvl5pPr>
-            <a:lvl6pPr marL="2286000" algn="l" defTabSz="914400" rtl="0" eaLnBrk="1" latinLnBrk="0" hangingPunct="1">
-              <a:defRPr sz="1800" kern="1200">
-                <a:solidFill>
-                  <a:schemeClr val="tx1"/>
-                </a:solidFill>
-                <a:latin typeface="+mn-lt"/>
-                <a:ea typeface="+mn-ea"/>
-                <a:cs typeface="+mn-cs"/>
-              </a:defRPr>
-            </a:lvl6pPr>
-            <a:lvl7pPr marL="2743200" algn="l" defTabSz="914400" rtl="0" eaLnBrk="1" latinLnBrk="0" hangingPunct="1">
-              <a:defRPr sz="1800" kern="1200">
-                <a:solidFill>
-                  <a:schemeClr val="tx1"/>
-                </a:solidFill>
-                <a:latin typeface="+mn-lt"/>
-                <a:ea typeface="+mn-ea"/>
-                <a:cs typeface="+mn-cs"/>
-              </a:defRPr>
-            </a:lvl7pPr>
-            <a:lvl8pPr marL="3200400" algn="l" defTabSz="914400" rtl="0" eaLnBrk="1" latinLnBrk="0" hangingPunct="1">
-              <a:defRPr sz="1800" kern="1200">
-                <a:solidFill>
-                  <a:schemeClr val="tx1"/>
-                </a:solidFill>
-                <a:latin typeface="+mn-lt"/>
-                <a:ea typeface="+mn-ea"/>
-                <a:cs typeface="+mn-cs"/>
-              </a:defRPr>
-            </a:lvl8pPr>
-            <a:lvl9pPr marL="3657600" algn="l" defTabSz="914400" rtl="0" eaLnBrk="1" latinLnBrk="0" hangingPunct="1">
-              <a:defRPr sz="1800" kern="1200">
-                <a:solidFill>
-                  <a:schemeClr val="tx1"/>
-                </a:solidFill>
-                <a:latin typeface="+mn-lt"/>
-                <a:ea typeface="+mn-ea"/>
-                <a:cs typeface="+mn-cs"/>
-              </a:defRPr>
-            </a:lvl9pPr>
-          </a:lstStyle>
-          <a:p>
-            <a:pPr algn="ctr"/>
-            <a:r>
-              <a:rPr lang="en-US" altLang="zh-CN" sz="2000" dirty="0" smtClean="0">
-                <a:solidFill>
-                  <a:srgbClr val="FFFFFF"/>
-                </a:solidFill>
-                <a:uFillTx/>
-                <a:latin typeface="Arial" panose="020B0604020202020204" pitchFamily="34" charset="0"/>
-                <a:ea typeface="宋体" panose="02010600030101010101" pitchFamily="2" charset="-122"/>
-              </a:rPr>
-              <a:t>2</a:t>
-            </a:r>
-            <a:endParaRPr lang="en-US" altLang="zh-CN" sz="2000" dirty="0" smtClean="0">
-              <a:solidFill>
-                <a:srgbClr val="FFFFFF"/>
-              </a:solidFill>
-              <a:uFillTx/>
-              <a:latin typeface="Arial" panose="020B0604020202020204" pitchFamily="34" charset="0"/>
-              <a:ea typeface="宋体" panose="02010600030101010101" pitchFamily="2" charset="-122"/>
-            </a:endParaRPr>
-          </a:p>
-        </p:txBody>
-      </p:sp>
-      <p:cxnSp>
-        <p:nvCxnSpPr>
-          <p:cNvPr id="25" name="直接连接符 19"/>
-          <p:cNvCxnSpPr/>
-          <p:nvPr/>
-        </p:nvCxnSpPr>
-        <p:spPr>
-          <a:xfrm>
-            <a:off x="2408714" y="2659659"/>
-            <a:ext cx="5310187" cy="9525"/>
-          </a:xfrm>
-          <a:prstGeom prst="line">
-            <a:avLst/>
-          </a:prstGeom>
-          <a:ln w="25400" cap="flat" cmpd="sng">
-            <a:solidFill>
-              <a:srgbClr val="828282"/>
-            </a:solidFill>
-            <a:prstDash val="sysDot"/>
-            <a:round/>
-            <a:headEnd type="none" w="med" len="med"/>
-            <a:tailEnd type="none" w="med" len="med"/>
-          </a:ln>
-        </p:spPr>
-      </p:cxnSp>
-      <p:sp>
-        <p:nvSpPr>
-          <p:cNvPr id="26" name="TextBox 128"/>
-          <p:cNvSpPr txBox="1"/>
-          <p:nvPr/>
-        </p:nvSpPr>
-        <p:spPr>
-          <a:xfrm>
-            <a:off x="2816690" y="2291010"/>
-            <a:ext cx="2961025" cy="368300"/>
-          </a:xfrm>
-          <a:prstGeom prst="rect">
-            <a:avLst/>
-          </a:prstGeom>
-          <a:noFill/>
-          <a:ln w="9525">
-            <a:noFill/>
-          </a:ln>
-        </p:spPr>
-        <p:txBody>
-          <a:bodyPr wrap="square" anchor="t">
-            <a:spAutoFit/>
-          </a:bodyPr>
-          <a:lstStyle>
-            <a:defPPr>
-              <a:defRPr lang="zh-CN"/>
-            </a:defPPr>
-            <a:lvl1pPr marL="0" algn="l" defTabSz="914400" rtl="0" eaLnBrk="1" latinLnBrk="0" hangingPunct="1">
-              <a:defRPr sz="1800" kern="1200">
-                <a:solidFill>
-                  <a:schemeClr val="tx1"/>
-                </a:solidFill>
-                <a:latin typeface="+mn-lt"/>
-                <a:ea typeface="+mn-ea"/>
-                <a:cs typeface="+mn-cs"/>
-              </a:defRPr>
-            </a:lvl1pPr>
-            <a:lvl2pPr marL="457200" algn="l" defTabSz="914400" rtl="0" eaLnBrk="1" latinLnBrk="0" hangingPunct="1">
-              <a:defRPr sz="1800" kern="1200">
-                <a:solidFill>
-                  <a:schemeClr val="tx1"/>
-                </a:solidFill>
-                <a:latin typeface="+mn-lt"/>
-                <a:ea typeface="+mn-ea"/>
-                <a:cs typeface="+mn-cs"/>
-              </a:defRPr>
-            </a:lvl2pPr>
-            <a:lvl3pPr marL="914400" algn="l" defTabSz="914400" rtl="0" eaLnBrk="1" latinLnBrk="0" hangingPunct="1">
-              <a:defRPr sz="1800" kern="1200">
-                <a:solidFill>
-                  <a:schemeClr val="tx1"/>
-                </a:solidFill>
-                <a:latin typeface="+mn-lt"/>
-                <a:ea typeface="+mn-ea"/>
-                <a:cs typeface="+mn-cs"/>
-              </a:defRPr>
-            </a:lvl3pPr>
-            <a:lvl4pPr marL="1371600" algn="l" defTabSz="914400" rtl="0" eaLnBrk="1" latinLnBrk="0" hangingPunct="1">
-              <a:defRPr sz="1800" kern="1200">
-                <a:solidFill>
-                  <a:schemeClr val="tx1"/>
-                </a:solidFill>
-                <a:latin typeface="+mn-lt"/>
-                <a:ea typeface="+mn-ea"/>
-                <a:cs typeface="+mn-cs"/>
-              </a:defRPr>
-            </a:lvl4pPr>
-            <a:lvl5pPr marL="1828800" algn="l" defTabSz="914400" rtl="0" eaLnBrk="1" latinLnBrk="0" hangingPunct="1">
-              <a:defRPr sz="1800" kern="1200">
-                <a:solidFill>
-                  <a:schemeClr val="tx1"/>
-                </a:solidFill>
-                <a:latin typeface="+mn-lt"/>
-                <a:ea typeface="+mn-ea"/>
-                <a:cs typeface="+mn-cs"/>
-              </a:defRPr>
-            </a:lvl5pPr>
-            <a:lvl6pPr marL="2286000" algn="l" defTabSz="914400" rtl="0" eaLnBrk="1" latinLnBrk="0" hangingPunct="1">
-              <a:defRPr sz="1800" kern="1200">
-                <a:solidFill>
-                  <a:schemeClr val="tx1"/>
-                </a:solidFill>
-                <a:latin typeface="+mn-lt"/>
-                <a:ea typeface="+mn-ea"/>
-                <a:cs typeface="+mn-cs"/>
-              </a:defRPr>
-            </a:lvl6pPr>
-            <a:lvl7pPr marL="2743200" algn="l" defTabSz="914400" rtl="0" eaLnBrk="1" latinLnBrk="0" hangingPunct="1">
-              <a:defRPr sz="1800" kern="1200">
-                <a:solidFill>
-                  <a:schemeClr val="tx1"/>
-                </a:solidFill>
-                <a:latin typeface="+mn-lt"/>
-                <a:ea typeface="+mn-ea"/>
-                <a:cs typeface="+mn-cs"/>
-              </a:defRPr>
-            </a:lvl7pPr>
-            <a:lvl8pPr marL="3200400" algn="l" defTabSz="914400" rtl="0" eaLnBrk="1" latinLnBrk="0" hangingPunct="1">
-              <a:defRPr sz="1800" kern="1200">
-                <a:solidFill>
-                  <a:schemeClr val="tx1"/>
-                </a:solidFill>
-                <a:latin typeface="+mn-lt"/>
-                <a:ea typeface="+mn-ea"/>
-                <a:cs typeface="+mn-cs"/>
-              </a:defRPr>
-            </a:lvl8pPr>
-            <a:lvl9pPr marL="3657600" algn="l" defTabSz="914400" rtl="0" eaLnBrk="1" latinLnBrk="0" hangingPunct="1">
-              <a:defRPr sz="1800" kern="1200">
-                <a:solidFill>
-                  <a:schemeClr val="tx1"/>
-                </a:solidFill>
-                <a:latin typeface="+mn-lt"/>
-                <a:ea typeface="+mn-ea"/>
-                <a:cs typeface="+mn-cs"/>
-              </a:defRPr>
-            </a:lvl9pPr>
-          </a:lstStyle>
-          <a:p>
-            <a:pPr algn="ctr"/>
-            <a:r>
-              <a:rPr lang="zh-CN" altLang="en-US" dirty="0">
-                <a:solidFill>
-                  <a:schemeClr val="tx1"/>
-                </a:solidFill>
-                <a:uFillTx/>
-                <a:latin typeface="Arial" panose="020B0604020202020204" pitchFamily="34" charset="0"/>
-              </a:rPr>
-              <a:t>选题背景与意义</a:t>
-            </a:r>
-            <a:endParaRPr lang="zh-CN" altLang="en-US" dirty="0">
-              <a:solidFill>
-                <a:schemeClr val="tx1"/>
-              </a:solidFill>
-              <a:uFillTx/>
-              <a:latin typeface="Arial" panose="020B0604020202020204" pitchFamily="34" charset="0"/>
-            </a:endParaRPr>
-          </a:p>
-        </p:txBody>
-      </p:sp>
-      <p:sp>
-        <p:nvSpPr>
-          <p:cNvPr id="27" name="矩形 15"/>
-          <p:cNvSpPr/>
-          <p:nvPr/>
-        </p:nvSpPr>
-        <p:spPr>
-          <a:xfrm>
-            <a:off x="1919605" y="3143250"/>
-            <a:ext cx="328295" cy="346075"/>
-          </a:xfrm>
-          <a:prstGeom prst="rect">
-            <a:avLst/>
-          </a:prstGeom>
-        </p:spPr>
-        <p:style>
-          <a:lnRef idx="2">
-            <a:schemeClr val="accent3">
-              <a:shade val="50000"/>
-            </a:schemeClr>
-          </a:lnRef>
-          <a:fillRef idx="1">
-            <a:schemeClr val="accent3"/>
-          </a:fillRef>
-          <a:effectRef idx="0">
-            <a:schemeClr val="accent3"/>
-          </a:effectRef>
-          <a:fontRef idx="minor">
-            <a:schemeClr val="lt1"/>
-          </a:fontRef>
-        </p:style>
-        <p:txBody>
-          <a:bodyPr lIns="90170" tIns="46990" rIns="90170" bIns="46990" anchor="ctr"/>
-          <a:lstStyle>
-            <a:defPPr>
-              <a:defRPr lang="zh-CN"/>
-            </a:defPPr>
-            <a:lvl1pPr marL="0" algn="l" defTabSz="914400" rtl="0" eaLnBrk="1" latinLnBrk="0" hangingPunct="1">
-              <a:defRPr sz="1800" kern="1200">
-                <a:solidFill>
-                  <a:schemeClr val="tx1"/>
-                </a:solidFill>
-                <a:latin typeface="+mn-lt"/>
-                <a:ea typeface="+mn-ea"/>
-                <a:cs typeface="+mn-cs"/>
-              </a:defRPr>
-            </a:lvl1pPr>
-            <a:lvl2pPr marL="457200" algn="l" defTabSz="914400" rtl="0" eaLnBrk="1" latinLnBrk="0" hangingPunct="1">
-              <a:defRPr sz="1800" kern="1200">
-                <a:solidFill>
-                  <a:schemeClr val="tx1"/>
-                </a:solidFill>
-                <a:latin typeface="+mn-lt"/>
-                <a:ea typeface="+mn-ea"/>
-                <a:cs typeface="+mn-cs"/>
-              </a:defRPr>
-            </a:lvl2pPr>
-            <a:lvl3pPr marL="914400" algn="l" defTabSz="914400" rtl="0" eaLnBrk="1" latinLnBrk="0" hangingPunct="1">
-              <a:defRPr sz="1800" kern="1200">
-                <a:solidFill>
-                  <a:schemeClr val="tx1"/>
-                </a:solidFill>
-                <a:latin typeface="+mn-lt"/>
-                <a:ea typeface="+mn-ea"/>
-                <a:cs typeface="+mn-cs"/>
-              </a:defRPr>
-            </a:lvl3pPr>
-            <a:lvl4pPr marL="1371600" algn="l" defTabSz="914400" rtl="0" eaLnBrk="1" latinLnBrk="0" hangingPunct="1">
-              <a:defRPr sz="1800" kern="1200">
-                <a:solidFill>
-                  <a:schemeClr val="tx1"/>
-                </a:solidFill>
-                <a:latin typeface="+mn-lt"/>
-                <a:ea typeface="+mn-ea"/>
-                <a:cs typeface="+mn-cs"/>
-              </a:defRPr>
-            </a:lvl4pPr>
-            <a:lvl5pPr marL="1828800" algn="l" defTabSz="914400" rtl="0" eaLnBrk="1" latinLnBrk="0" hangingPunct="1">
-              <a:defRPr sz="1800" kern="1200">
-                <a:solidFill>
-                  <a:schemeClr val="tx1"/>
-                </a:solidFill>
-                <a:latin typeface="+mn-lt"/>
-                <a:ea typeface="+mn-ea"/>
-                <a:cs typeface="+mn-cs"/>
-              </a:defRPr>
-            </a:lvl5pPr>
-            <a:lvl6pPr marL="2286000" algn="l" defTabSz="914400" rtl="0" eaLnBrk="1" latinLnBrk="0" hangingPunct="1">
-              <a:defRPr sz="1800" kern="1200">
-                <a:solidFill>
-                  <a:schemeClr val="tx1"/>
-                </a:solidFill>
-                <a:latin typeface="+mn-lt"/>
-                <a:ea typeface="+mn-ea"/>
-                <a:cs typeface="+mn-cs"/>
-              </a:defRPr>
-            </a:lvl6pPr>
-            <a:lvl7pPr marL="2743200" algn="l" defTabSz="914400" rtl="0" eaLnBrk="1" latinLnBrk="0" hangingPunct="1">
-              <a:defRPr sz="1800" kern="1200">
-                <a:solidFill>
-                  <a:schemeClr val="tx1"/>
-                </a:solidFill>
-                <a:latin typeface="+mn-lt"/>
-                <a:ea typeface="+mn-ea"/>
-                <a:cs typeface="+mn-cs"/>
-              </a:defRPr>
-            </a:lvl7pPr>
-            <a:lvl8pPr marL="3200400" algn="l" defTabSz="914400" rtl="0" eaLnBrk="1" latinLnBrk="0" hangingPunct="1">
-              <a:defRPr sz="1800" kern="1200">
-                <a:solidFill>
-                  <a:schemeClr val="tx1"/>
-                </a:solidFill>
-                <a:latin typeface="+mn-lt"/>
-                <a:ea typeface="+mn-ea"/>
-                <a:cs typeface="+mn-cs"/>
-              </a:defRPr>
-            </a:lvl8pPr>
-            <a:lvl9pPr marL="3657600" algn="l" defTabSz="914400" rtl="0" eaLnBrk="1" latinLnBrk="0" hangingPunct="1">
-              <a:defRPr sz="1800" kern="1200">
-                <a:solidFill>
-                  <a:schemeClr val="tx1"/>
-                </a:solidFill>
-                <a:latin typeface="+mn-lt"/>
-                <a:ea typeface="+mn-ea"/>
-                <a:cs typeface="+mn-cs"/>
-              </a:defRPr>
-            </a:lvl9pPr>
-          </a:lstStyle>
-          <a:p>
-            <a:pPr algn="ctr"/>
-            <a:r>
-              <a:rPr lang="en-US" altLang="zh-CN" sz="2000" dirty="0" smtClean="0">
-                <a:solidFill>
-                  <a:srgbClr val="FFFFFF"/>
-                </a:solidFill>
-                <a:uFillTx/>
-                <a:latin typeface="Arial" panose="020B0604020202020204" pitchFamily="34" charset="0"/>
-                <a:ea typeface="宋体" panose="02010600030101010101" pitchFamily="2" charset="-122"/>
-              </a:rPr>
-              <a:t>3</a:t>
-            </a:r>
-            <a:endParaRPr lang="en-US" altLang="zh-CN" sz="2000" dirty="0" smtClean="0">
-              <a:solidFill>
-                <a:srgbClr val="FFFFFF"/>
-              </a:solidFill>
-              <a:uFillTx/>
-              <a:latin typeface="Arial" panose="020B0604020202020204" pitchFamily="34" charset="0"/>
-              <a:ea typeface="宋体" panose="02010600030101010101" pitchFamily="2" charset="-122"/>
-            </a:endParaRPr>
-          </a:p>
-        </p:txBody>
-      </p:sp>
-      <p:cxnSp>
-        <p:nvCxnSpPr>
-          <p:cNvPr id="28" name="直接连接符 19"/>
-          <p:cNvCxnSpPr/>
-          <p:nvPr/>
-        </p:nvCxnSpPr>
-        <p:spPr>
-          <a:xfrm>
-            <a:off x="2408714" y="3466109"/>
-            <a:ext cx="5310187" cy="9525"/>
-          </a:xfrm>
-          <a:prstGeom prst="line">
-            <a:avLst/>
-          </a:prstGeom>
-          <a:ln w="25400" cap="flat" cmpd="sng">
-            <a:solidFill>
-              <a:srgbClr val="828282"/>
-            </a:solidFill>
-            <a:prstDash val="sysDot"/>
-            <a:round/>
-            <a:headEnd type="none" w="med" len="med"/>
-            <a:tailEnd type="none" w="med" len="med"/>
-          </a:ln>
-        </p:spPr>
-      </p:cxnSp>
-      <p:sp>
-        <p:nvSpPr>
-          <p:cNvPr id="29" name="TextBox 128"/>
-          <p:cNvSpPr txBox="1"/>
-          <p:nvPr/>
-        </p:nvSpPr>
-        <p:spPr>
-          <a:xfrm>
-            <a:off x="2816690" y="3097460"/>
-            <a:ext cx="2961025" cy="368300"/>
-          </a:xfrm>
-          <a:prstGeom prst="rect">
-            <a:avLst/>
-          </a:prstGeom>
-          <a:noFill/>
-          <a:ln w="9525">
-            <a:noFill/>
-          </a:ln>
-        </p:spPr>
-        <p:txBody>
-          <a:bodyPr wrap="square" anchor="t">
-            <a:spAutoFit/>
-          </a:bodyPr>
-          <a:lstStyle>
-            <a:defPPr>
-              <a:defRPr lang="zh-CN"/>
-            </a:defPPr>
-            <a:lvl1pPr marL="0" algn="l" defTabSz="914400" rtl="0" eaLnBrk="1" latinLnBrk="0" hangingPunct="1">
-              <a:defRPr sz="1800" kern="1200">
-                <a:solidFill>
-                  <a:schemeClr val="tx1"/>
-                </a:solidFill>
-                <a:latin typeface="+mn-lt"/>
-                <a:ea typeface="+mn-ea"/>
-                <a:cs typeface="+mn-cs"/>
-              </a:defRPr>
-            </a:lvl1pPr>
-            <a:lvl2pPr marL="457200" algn="l" defTabSz="914400" rtl="0" eaLnBrk="1" latinLnBrk="0" hangingPunct="1">
-              <a:defRPr sz="1800" kern="1200">
-                <a:solidFill>
-                  <a:schemeClr val="tx1"/>
-                </a:solidFill>
-                <a:latin typeface="+mn-lt"/>
-                <a:ea typeface="+mn-ea"/>
-                <a:cs typeface="+mn-cs"/>
-              </a:defRPr>
-            </a:lvl2pPr>
-            <a:lvl3pPr marL="914400" algn="l" defTabSz="914400" rtl="0" eaLnBrk="1" latinLnBrk="0" hangingPunct="1">
-              <a:defRPr sz="1800" kern="1200">
-                <a:solidFill>
-                  <a:schemeClr val="tx1"/>
-                </a:solidFill>
-                <a:latin typeface="+mn-lt"/>
-                <a:ea typeface="+mn-ea"/>
-                <a:cs typeface="+mn-cs"/>
-              </a:defRPr>
-            </a:lvl3pPr>
-            <a:lvl4pPr marL="1371600" algn="l" defTabSz="914400" rtl="0" eaLnBrk="1" latinLnBrk="0" hangingPunct="1">
-              <a:defRPr sz="1800" kern="1200">
-                <a:solidFill>
-                  <a:schemeClr val="tx1"/>
-                </a:solidFill>
-                <a:latin typeface="+mn-lt"/>
-                <a:ea typeface="+mn-ea"/>
-                <a:cs typeface="+mn-cs"/>
-              </a:defRPr>
-            </a:lvl4pPr>
-            <a:lvl5pPr marL="1828800" algn="l" defTabSz="914400" rtl="0" eaLnBrk="1" latinLnBrk="0" hangingPunct="1">
-              <a:defRPr sz="1800" kern="1200">
-                <a:solidFill>
-                  <a:schemeClr val="tx1"/>
-                </a:solidFill>
-                <a:latin typeface="+mn-lt"/>
-                <a:ea typeface="+mn-ea"/>
-                <a:cs typeface="+mn-cs"/>
-              </a:defRPr>
-            </a:lvl5pPr>
-            <a:lvl6pPr marL="2286000" algn="l" defTabSz="914400" rtl="0" eaLnBrk="1" latinLnBrk="0" hangingPunct="1">
-              <a:defRPr sz="1800" kern="1200">
-                <a:solidFill>
-                  <a:schemeClr val="tx1"/>
-                </a:solidFill>
-                <a:latin typeface="+mn-lt"/>
-                <a:ea typeface="+mn-ea"/>
-                <a:cs typeface="+mn-cs"/>
-              </a:defRPr>
-            </a:lvl6pPr>
-            <a:lvl7pPr marL="2743200" algn="l" defTabSz="914400" rtl="0" eaLnBrk="1" latinLnBrk="0" hangingPunct="1">
-              <a:defRPr sz="1800" kern="1200">
-                <a:solidFill>
-                  <a:schemeClr val="tx1"/>
-                </a:solidFill>
-                <a:latin typeface="+mn-lt"/>
-                <a:ea typeface="+mn-ea"/>
-                <a:cs typeface="+mn-cs"/>
-              </a:defRPr>
-            </a:lvl7pPr>
-            <a:lvl8pPr marL="3200400" algn="l" defTabSz="914400" rtl="0" eaLnBrk="1" latinLnBrk="0" hangingPunct="1">
-              <a:defRPr sz="1800" kern="1200">
-                <a:solidFill>
-                  <a:schemeClr val="tx1"/>
-                </a:solidFill>
-                <a:latin typeface="+mn-lt"/>
-                <a:ea typeface="+mn-ea"/>
-                <a:cs typeface="+mn-cs"/>
-              </a:defRPr>
-            </a:lvl8pPr>
-            <a:lvl9pPr marL="3657600" algn="l" defTabSz="914400" rtl="0" eaLnBrk="1" latinLnBrk="0" hangingPunct="1">
-              <a:defRPr sz="1800" kern="1200">
-                <a:solidFill>
-                  <a:schemeClr val="tx1"/>
-                </a:solidFill>
-                <a:latin typeface="+mn-lt"/>
-                <a:ea typeface="+mn-ea"/>
-                <a:cs typeface="+mn-cs"/>
-              </a:defRPr>
-            </a:lvl9pPr>
-          </a:lstStyle>
-          <a:p>
-            <a:pPr algn="ctr"/>
-            <a:r>
-              <a:rPr lang="zh-CN" altLang="en-US" dirty="0">
-                <a:solidFill>
-                  <a:schemeClr val="tx1"/>
-                </a:solidFill>
-                <a:uFillTx/>
-                <a:latin typeface="Arial" panose="020B0604020202020204" pitchFamily="34" charset="0"/>
-              </a:rPr>
-              <a:t>研究内容与方案</a:t>
-            </a:r>
-            <a:endParaRPr lang="zh-CN" altLang="en-US" dirty="0">
-              <a:solidFill>
-                <a:schemeClr val="tx1"/>
-              </a:solidFill>
-              <a:uFillTx/>
-              <a:latin typeface="Arial" panose="020B0604020202020204" pitchFamily="34" charset="0"/>
-            </a:endParaRPr>
-          </a:p>
-        </p:txBody>
-      </p:sp>
-      <p:sp>
-        <p:nvSpPr>
-          <p:cNvPr id="30" name="矩形 15"/>
-          <p:cNvSpPr/>
-          <p:nvPr/>
-        </p:nvSpPr>
-        <p:spPr>
-          <a:xfrm>
-            <a:off x="1919605" y="3970020"/>
-            <a:ext cx="328295" cy="346075"/>
-          </a:xfrm>
-          <a:prstGeom prst="rect">
-            <a:avLst/>
-          </a:prstGeom>
-        </p:spPr>
-        <p:style>
-          <a:lnRef idx="2">
-            <a:schemeClr val="accent3">
-              <a:shade val="50000"/>
-            </a:schemeClr>
-          </a:lnRef>
-          <a:fillRef idx="1">
-            <a:schemeClr val="accent3"/>
-          </a:fillRef>
-          <a:effectRef idx="0">
-            <a:schemeClr val="accent3"/>
-          </a:effectRef>
-          <a:fontRef idx="minor">
-            <a:schemeClr val="lt1"/>
-          </a:fontRef>
-        </p:style>
-        <p:txBody>
-          <a:bodyPr lIns="90170" tIns="46990" rIns="90170" bIns="46990" anchor="ctr"/>
-          <a:lstStyle>
-            <a:defPPr>
-              <a:defRPr lang="zh-CN"/>
-            </a:defPPr>
-            <a:lvl1pPr marL="0" algn="l" defTabSz="914400" rtl="0" eaLnBrk="1" latinLnBrk="0" hangingPunct="1">
-              <a:defRPr sz="1800" kern="1200">
-                <a:solidFill>
-                  <a:schemeClr val="tx1"/>
-                </a:solidFill>
-                <a:latin typeface="+mn-lt"/>
-                <a:ea typeface="+mn-ea"/>
-                <a:cs typeface="+mn-cs"/>
-              </a:defRPr>
-            </a:lvl1pPr>
-            <a:lvl2pPr marL="457200" algn="l" defTabSz="914400" rtl="0" eaLnBrk="1" latinLnBrk="0" hangingPunct="1">
-              <a:defRPr sz="1800" kern="1200">
-                <a:solidFill>
-                  <a:schemeClr val="tx1"/>
-                </a:solidFill>
-                <a:latin typeface="+mn-lt"/>
-                <a:ea typeface="+mn-ea"/>
-                <a:cs typeface="+mn-cs"/>
-              </a:defRPr>
-            </a:lvl2pPr>
-            <a:lvl3pPr marL="914400" algn="l" defTabSz="914400" rtl="0" eaLnBrk="1" latinLnBrk="0" hangingPunct="1">
-              <a:defRPr sz="1800" kern="1200">
-                <a:solidFill>
-                  <a:schemeClr val="tx1"/>
-                </a:solidFill>
-                <a:latin typeface="+mn-lt"/>
-                <a:ea typeface="+mn-ea"/>
-                <a:cs typeface="+mn-cs"/>
-              </a:defRPr>
-            </a:lvl3pPr>
-            <a:lvl4pPr marL="1371600" algn="l" defTabSz="914400" rtl="0" eaLnBrk="1" latinLnBrk="0" hangingPunct="1">
-              <a:defRPr sz="1800" kern="1200">
-                <a:solidFill>
-                  <a:schemeClr val="tx1"/>
-                </a:solidFill>
-                <a:latin typeface="+mn-lt"/>
-                <a:ea typeface="+mn-ea"/>
-                <a:cs typeface="+mn-cs"/>
-              </a:defRPr>
-            </a:lvl4pPr>
-            <a:lvl5pPr marL="1828800" algn="l" defTabSz="914400" rtl="0" eaLnBrk="1" latinLnBrk="0" hangingPunct="1">
-              <a:defRPr sz="1800" kern="1200">
-                <a:solidFill>
-                  <a:schemeClr val="tx1"/>
-                </a:solidFill>
-                <a:latin typeface="+mn-lt"/>
-                <a:ea typeface="+mn-ea"/>
-                <a:cs typeface="+mn-cs"/>
-              </a:defRPr>
-            </a:lvl5pPr>
-            <a:lvl6pPr marL="2286000" algn="l" defTabSz="914400" rtl="0" eaLnBrk="1" latinLnBrk="0" hangingPunct="1">
-              <a:defRPr sz="1800" kern="1200">
-                <a:solidFill>
-                  <a:schemeClr val="tx1"/>
-                </a:solidFill>
-                <a:latin typeface="+mn-lt"/>
-                <a:ea typeface="+mn-ea"/>
-                <a:cs typeface="+mn-cs"/>
-              </a:defRPr>
-            </a:lvl6pPr>
-            <a:lvl7pPr marL="2743200" algn="l" defTabSz="914400" rtl="0" eaLnBrk="1" latinLnBrk="0" hangingPunct="1">
-              <a:defRPr sz="1800" kern="1200">
-                <a:solidFill>
-                  <a:schemeClr val="tx1"/>
-                </a:solidFill>
-                <a:latin typeface="+mn-lt"/>
-                <a:ea typeface="+mn-ea"/>
-                <a:cs typeface="+mn-cs"/>
-              </a:defRPr>
-            </a:lvl7pPr>
-            <a:lvl8pPr marL="3200400" algn="l" defTabSz="914400" rtl="0" eaLnBrk="1" latinLnBrk="0" hangingPunct="1">
-              <a:defRPr sz="1800" kern="1200">
-                <a:solidFill>
-                  <a:schemeClr val="tx1"/>
-                </a:solidFill>
-                <a:latin typeface="+mn-lt"/>
-                <a:ea typeface="+mn-ea"/>
-                <a:cs typeface="+mn-cs"/>
-              </a:defRPr>
-            </a:lvl8pPr>
-            <a:lvl9pPr marL="3657600" algn="l" defTabSz="914400" rtl="0" eaLnBrk="1" latinLnBrk="0" hangingPunct="1">
-              <a:defRPr sz="1800" kern="1200">
-                <a:solidFill>
-                  <a:schemeClr val="tx1"/>
-                </a:solidFill>
-                <a:latin typeface="+mn-lt"/>
-                <a:ea typeface="+mn-ea"/>
-                <a:cs typeface="+mn-cs"/>
-              </a:defRPr>
-            </a:lvl9pPr>
-          </a:lstStyle>
-          <a:p>
-            <a:pPr algn="ctr"/>
-            <a:r>
-              <a:rPr lang="en-US" altLang="zh-CN" sz="2000" dirty="0" smtClean="0">
-                <a:solidFill>
-                  <a:srgbClr val="FFFFFF"/>
-                </a:solidFill>
-                <a:uFillTx/>
-                <a:latin typeface="Arial" panose="020B0604020202020204" pitchFamily="34" charset="0"/>
-                <a:ea typeface="宋体" panose="02010600030101010101" pitchFamily="2" charset="-122"/>
-              </a:rPr>
-              <a:t>4</a:t>
-            </a:r>
-            <a:endParaRPr lang="en-US" altLang="zh-CN" sz="2000" dirty="0" smtClean="0">
-              <a:solidFill>
-                <a:srgbClr val="FFFFFF"/>
-              </a:solidFill>
-              <a:uFillTx/>
-              <a:latin typeface="Arial" panose="020B0604020202020204" pitchFamily="34" charset="0"/>
-              <a:ea typeface="宋体" panose="02010600030101010101" pitchFamily="2" charset="-122"/>
-            </a:endParaRPr>
-          </a:p>
-        </p:txBody>
-      </p:sp>
-      <p:cxnSp>
-        <p:nvCxnSpPr>
-          <p:cNvPr id="31" name="直接连接符 19"/>
-          <p:cNvCxnSpPr/>
-          <p:nvPr/>
-        </p:nvCxnSpPr>
-        <p:spPr>
-          <a:xfrm>
-            <a:off x="2408714" y="4292879"/>
-            <a:ext cx="5310187" cy="9525"/>
-          </a:xfrm>
-          <a:prstGeom prst="line">
-            <a:avLst/>
-          </a:prstGeom>
-          <a:ln w="25400" cap="flat" cmpd="sng">
-            <a:solidFill>
-              <a:srgbClr val="828282"/>
-            </a:solidFill>
-            <a:prstDash val="sysDot"/>
-            <a:round/>
-            <a:headEnd type="none" w="med" len="med"/>
-            <a:tailEnd type="none" w="med" len="med"/>
-          </a:ln>
-        </p:spPr>
-      </p:cxnSp>
-      <p:sp>
-        <p:nvSpPr>
-          <p:cNvPr id="32" name="TextBox 128"/>
-          <p:cNvSpPr txBox="1"/>
-          <p:nvPr/>
-        </p:nvSpPr>
-        <p:spPr>
-          <a:xfrm>
-            <a:off x="2816690" y="3924230"/>
-            <a:ext cx="2961025" cy="368300"/>
-          </a:xfrm>
-          <a:prstGeom prst="rect">
-            <a:avLst/>
-          </a:prstGeom>
-          <a:noFill/>
-          <a:ln w="9525">
-            <a:noFill/>
-          </a:ln>
-        </p:spPr>
-        <p:txBody>
-          <a:bodyPr wrap="square" anchor="t">
-            <a:spAutoFit/>
-          </a:bodyPr>
-          <a:lstStyle>
-            <a:defPPr>
-              <a:defRPr lang="zh-CN"/>
-            </a:defPPr>
-            <a:lvl1pPr marL="0" algn="l" defTabSz="914400" rtl="0" eaLnBrk="1" latinLnBrk="0" hangingPunct="1">
-              <a:defRPr sz="1800" kern="1200">
-                <a:solidFill>
-                  <a:schemeClr val="tx1"/>
-                </a:solidFill>
-                <a:latin typeface="+mn-lt"/>
-                <a:ea typeface="+mn-ea"/>
-                <a:cs typeface="+mn-cs"/>
-              </a:defRPr>
-            </a:lvl1pPr>
-            <a:lvl2pPr marL="457200" algn="l" defTabSz="914400" rtl="0" eaLnBrk="1" latinLnBrk="0" hangingPunct="1">
-              <a:defRPr sz="1800" kern="1200">
-                <a:solidFill>
-                  <a:schemeClr val="tx1"/>
-                </a:solidFill>
-                <a:latin typeface="+mn-lt"/>
-                <a:ea typeface="+mn-ea"/>
-                <a:cs typeface="+mn-cs"/>
-              </a:defRPr>
-            </a:lvl2pPr>
-            <a:lvl3pPr marL="914400" algn="l" defTabSz="914400" rtl="0" eaLnBrk="1" latinLnBrk="0" hangingPunct="1">
-              <a:defRPr sz="1800" kern="1200">
-                <a:solidFill>
-                  <a:schemeClr val="tx1"/>
-                </a:solidFill>
-                <a:latin typeface="+mn-lt"/>
-                <a:ea typeface="+mn-ea"/>
-                <a:cs typeface="+mn-cs"/>
-              </a:defRPr>
-            </a:lvl3pPr>
-            <a:lvl4pPr marL="1371600" algn="l" defTabSz="914400" rtl="0" eaLnBrk="1" latinLnBrk="0" hangingPunct="1">
-              <a:defRPr sz="1800" kern="1200">
-                <a:solidFill>
-                  <a:schemeClr val="tx1"/>
-                </a:solidFill>
-                <a:latin typeface="+mn-lt"/>
-                <a:ea typeface="+mn-ea"/>
-                <a:cs typeface="+mn-cs"/>
-              </a:defRPr>
-            </a:lvl4pPr>
-            <a:lvl5pPr marL="1828800" algn="l" defTabSz="914400" rtl="0" eaLnBrk="1" latinLnBrk="0" hangingPunct="1">
-              <a:defRPr sz="1800" kern="1200">
-                <a:solidFill>
-                  <a:schemeClr val="tx1"/>
-                </a:solidFill>
-                <a:latin typeface="+mn-lt"/>
-                <a:ea typeface="+mn-ea"/>
-                <a:cs typeface="+mn-cs"/>
-              </a:defRPr>
-            </a:lvl5pPr>
-            <a:lvl6pPr marL="2286000" algn="l" defTabSz="914400" rtl="0" eaLnBrk="1" latinLnBrk="0" hangingPunct="1">
-              <a:defRPr sz="1800" kern="1200">
-                <a:solidFill>
-                  <a:schemeClr val="tx1"/>
-                </a:solidFill>
-                <a:latin typeface="+mn-lt"/>
-                <a:ea typeface="+mn-ea"/>
-                <a:cs typeface="+mn-cs"/>
-              </a:defRPr>
-            </a:lvl6pPr>
-            <a:lvl7pPr marL="2743200" algn="l" defTabSz="914400" rtl="0" eaLnBrk="1" latinLnBrk="0" hangingPunct="1">
-              <a:defRPr sz="1800" kern="1200">
-                <a:solidFill>
-                  <a:schemeClr val="tx1"/>
-                </a:solidFill>
-                <a:latin typeface="+mn-lt"/>
-                <a:ea typeface="+mn-ea"/>
-                <a:cs typeface="+mn-cs"/>
-              </a:defRPr>
-            </a:lvl7pPr>
-            <a:lvl8pPr marL="3200400" algn="l" defTabSz="914400" rtl="0" eaLnBrk="1" latinLnBrk="0" hangingPunct="1">
-              <a:defRPr sz="1800" kern="1200">
-                <a:solidFill>
-                  <a:schemeClr val="tx1"/>
-                </a:solidFill>
-                <a:latin typeface="+mn-lt"/>
-                <a:ea typeface="+mn-ea"/>
-                <a:cs typeface="+mn-cs"/>
-              </a:defRPr>
-            </a:lvl8pPr>
-            <a:lvl9pPr marL="3657600" algn="l" defTabSz="914400" rtl="0" eaLnBrk="1" latinLnBrk="0" hangingPunct="1">
-              <a:defRPr sz="1800" kern="1200">
-                <a:solidFill>
-                  <a:schemeClr val="tx1"/>
-                </a:solidFill>
-                <a:latin typeface="+mn-lt"/>
-                <a:ea typeface="+mn-ea"/>
-                <a:cs typeface="+mn-cs"/>
-              </a:defRPr>
-            </a:lvl9pPr>
-          </a:lstStyle>
-          <a:p>
-            <a:pPr algn="ctr"/>
-            <a:r>
-              <a:rPr lang="zh-CN" altLang="en-US" dirty="0">
-                <a:solidFill>
-                  <a:schemeClr val="tx1"/>
-                </a:solidFill>
-                <a:uFillTx/>
-                <a:latin typeface="Arial" panose="020B0604020202020204" pitchFamily="34" charset="0"/>
-              </a:rPr>
-              <a:t>预期成果与已完成进度</a:t>
-            </a:r>
-            <a:endParaRPr lang="zh-CN" altLang="en-US" dirty="0">
-              <a:solidFill>
-                <a:schemeClr val="tx1"/>
-              </a:solidFill>
-              <a:uFillTx/>
-              <a:latin typeface="Arial" panose="020B0604020202020204" pitchFamily="34" charset="0"/>
-            </a:endParaRPr>
-          </a:p>
-        </p:txBody>
-      </p:sp>
-      <p:sp>
-        <p:nvSpPr>
-          <p:cNvPr id="2" name="Text Box 1"/>
-          <p:cNvSpPr txBox="1"/>
-          <p:nvPr/>
-        </p:nvSpPr>
-        <p:spPr>
-          <a:xfrm>
-            <a:off x="5195570" y="4758690"/>
-            <a:ext cx="3811270" cy="299085"/>
-          </a:xfrm>
-          <a:prstGeom prst="rect">
-            <a:avLst/>
-          </a:prstGeom>
-          <a:noFill/>
-        </p:spPr>
-        <p:txBody>
-          <a:bodyPr wrap="square" rtlCol="0">
-            <a:spAutoFit/>
-          </a:bodyPr>
-          <a:p>
-            <a:r>
-              <a:rPr lang="zh-CN" altLang="en-US" b="1">
-                <a:uFillTx/>
-                <a:sym typeface="+mn-ea"/>
-              </a:rPr>
-              <a:t>基于机器阅读理解的中文问答系统研究与实现</a:t>
-            </a:r>
-            <a:endParaRPr lang="en-US"/>
-          </a:p>
-        </p:txBody>
-      </p:sp>
-    </p:spTree>
-  </p:cSld>
-  <p:clrMapOvr>
-    <a:masterClrMapping/>
-  </p:clrMapOvr>
-  <mc:AlternateContent xmlns:mc="http://schemas.openxmlformats.org/markup-compatibility/2006">
-    <mc:Choice xmlns:p14="http://schemas.microsoft.com/office/powerpoint/2010/main" Requires="p14">
-      <p:transition spd="slow" p14:dur="2000"/>
-    </mc:Choice>
-    <mc:Fallback>
-      <p:transition spd="slow"/>
-    </mc:Fallback>
-  </mc:AlternateContent>
-  <p:timing>
-    <p:tnLst>
-      <p:par>
-        <p:cTn id="1" dur="indefinite" restart="never" nodeType="tmRoot"/>
-      </p:par>
-    </p:tnLst>
-  </p:timing>
-</p:sld>
-</file>
-
-<file path=ppt/slides/slide20.xml><?xml version="1.0" encoding="utf-8"?>
-<p:sld xmlns:a="http://schemas.openxmlformats.org/drawingml/2006/main" xmlns:r="http://schemas.openxmlformats.org/officeDocument/2006/relationships" xmlns:p="http://schemas.openxmlformats.org/presentationml/2006/main">
-  <p:cSld>
-    <p:bg>
-      <p:bgPr>
-        <a:blipFill dpi="0" rotWithShape="1">
-          <a:blip r:embed="rId1"/>
-          <a:srcRect/>
-        </a:blipFill>
-        <a:effectLst/>
-      </p:bgPr>
-    </p:bg>
     <p:spTree>
       <p:nvGrpSpPr>
         <p:cNvPr id="1" name=""/>
@@ -18010,7 +18775,7 @@
           <p:nvPr/>
         </p:nvPicPr>
         <p:blipFill>
-          <a:blip r:embed="rId2" cstate="print">
+          <a:blip r:embed="rId1" cstate="print">
             <a:extLst>
               <a:ext uri="{28A0092B-C50C-407E-A947-70E740481C1C}">
                 <a14:useLocalDpi xmlns:a14="http://schemas.microsoft.com/office/drawing/2010/main" val="0"/>
@@ -18717,18 +19482,9 @@
 </p:sld>
 </file>
 
-<file path=ppt/slides/slide21.xml><?xml version="1.0" encoding="utf-8"?>
+<file path=ppt/slides/slide24.xml><?xml version="1.0" encoding="utf-8"?>
 <p:sld xmlns:a="http://schemas.openxmlformats.org/drawingml/2006/main" xmlns:r="http://schemas.openxmlformats.org/officeDocument/2006/relationships" xmlns:p="http://schemas.openxmlformats.org/presentationml/2006/main">
   <p:cSld>
-    <p:bg>
-      <p:bgPr>
-        <a:blipFill dpi="0" rotWithShape="1">
-          <a:blip r:embed="rId1"/>
-          <a:srcRect/>
-        </a:blipFill>
-        <a:effectLst/>
-      </p:bgPr>
-    </p:bg>
     <p:spTree>
       <p:nvGrpSpPr>
         <p:cNvPr id="1" name=""/>
@@ -18901,7 +19657,7 @@
           </p:nvPr>
         </p:nvPicPr>
         <p:blipFill>
-          <a:blip r:embed="rId2" cstate="print">
+          <a:blip r:embed="rId1" cstate="print">
             <a:extLst>
               <a:ext uri="{28A0092B-C50C-407E-A947-70E740481C1C}">
                 <a14:useLocalDpi xmlns:a14="http://schemas.microsoft.com/office/drawing/2010/main" val="0"/>
@@ -18938,19 +19694,9 @@
 </p:sld>
 </file>
 
-<file path=ppt/slides/slide22.xml><?xml version="1.0" encoding="utf-8"?>
+<file path=ppt/slides/slide25.xml><?xml version="1.0" encoding="utf-8"?>
 <p:sld xmlns:a="http://schemas.openxmlformats.org/drawingml/2006/main" xmlns:r="http://schemas.openxmlformats.org/officeDocument/2006/relationships" xmlns:p="http://schemas.openxmlformats.org/presentationml/2006/main">
   <p:cSld>
-    <p:bg>
-      <p:bgPr>
-        <a:blipFill dpi="0" rotWithShape="1">
-          <a:blip r:embed="rId1"/>
-          <a:srcRect/>
-          <a:tile tx="0" ty="0" sx="100000" sy="100000" flip="none" algn="tl"/>
-        </a:blipFill>
-        <a:effectLst/>
-      </p:bgPr>
-    </p:bg>
     <p:spTree>
       <p:nvGrpSpPr>
         <p:cNvPr id="1" name=""/>
@@ -18974,7 +19720,7 @@
           <p:nvPr/>
         </p:nvPicPr>
         <p:blipFill>
-          <a:blip r:embed="rId2" cstate="print">
+          <a:blip r:embed="rId1" cstate="print">
             <a:extLst>
               <a:ext uri="{28A0092B-C50C-407E-A947-70E740481C1C}">
                 <a14:useLocalDpi xmlns:a14="http://schemas.microsoft.com/office/drawing/2010/main" val="0"/>
@@ -19594,19 +20340,9 @@
 </p:sld>
 </file>
 
-<file path=ppt/slides/slide23.xml><?xml version="1.0" encoding="utf-8"?>
+<file path=ppt/slides/slide26.xml><?xml version="1.0" encoding="utf-8"?>
 <p:sld xmlns:a="http://schemas.openxmlformats.org/drawingml/2006/main" xmlns:r="http://schemas.openxmlformats.org/officeDocument/2006/relationships" xmlns:p="http://schemas.openxmlformats.org/presentationml/2006/main">
   <p:cSld>
-    <p:bg>
-      <p:bgPr>
-        <a:blipFill dpi="0" rotWithShape="1">
-          <a:blip r:embed="rId1"/>
-          <a:srcRect/>
-          <a:tile tx="0" ty="0" sx="100000" sy="100000" flip="none" algn="tl"/>
-        </a:blipFill>
-        <a:effectLst/>
-      </p:bgPr>
-    </p:bg>
     <p:spTree>
       <p:nvGrpSpPr>
         <p:cNvPr id="1" name=""/>
@@ -19630,7 +20366,7 @@
           <p:nvPr/>
         </p:nvPicPr>
         <p:blipFill>
-          <a:blip r:embed="rId2" cstate="print">
+          <a:blip r:embed="rId1" cstate="print">
             <a:extLst>
               <a:ext uri="{28A0092B-C50C-407E-A947-70E740481C1C}">
                 <a14:useLocalDpi xmlns:a14="http://schemas.microsoft.com/office/drawing/2010/main" val="0"/>
@@ -20047,7 +20783,7 @@
               <a:rPr lang="zh-CN" altLang="en-US">
                 <a:sym typeface="+mn-ea"/>
               </a:rPr>
-              <a:t>多轮交互机制的文本匹配模型，验证模型效果</a:t>
+              <a:t>多轮交互机制的文本匹配模型，验证模型效果。</a:t>
             </a:r>
             <a:endParaRPr lang="zh-CN" altLang="en-US">
               <a:sym typeface="+mn-ea"/>
@@ -20125,18 +20861,9 @@
 </p:sld>
 </file>
 
-<file path=ppt/slides/slide24.xml><?xml version="1.0" encoding="utf-8"?>
+<file path=ppt/slides/slide27.xml><?xml version="1.0" encoding="utf-8"?>
 <p:sld xmlns:a="http://schemas.openxmlformats.org/drawingml/2006/main" xmlns:r="http://schemas.openxmlformats.org/officeDocument/2006/relationships" xmlns:p="http://schemas.openxmlformats.org/presentationml/2006/main">
   <p:cSld>
-    <p:bg>
-      <p:bgPr>
-        <a:blipFill dpi="0" rotWithShape="1">
-          <a:blip r:embed="rId1"/>
-          <a:srcRect/>
-        </a:blipFill>
-        <a:effectLst/>
-      </p:bgPr>
-    </p:bg>
     <p:spTree>
       <p:nvGrpSpPr>
         <p:cNvPr id="1" name=""/>
@@ -20173,7 +20900,7 @@
           </p:nvPr>
         </p:nvPicPr>
         <p:blipFill>
-          <a:blip r:embed="rId2"/>
+          <a:blip r:embed="rId1"/>
           <a:stretch>
             <a:fillRect/>
           </a:stretch>
@@ -20230,115 +20957,6 @@
           <p:nvPr/>
         </p:nvPicPr>
         <p:blipFill>
-          <a:blip r:embed="rId3"/>
-          <a:stretch>
-            <a:fillRect/>
-          </a:stretch>
-        </p:blipFill>
-        <p:spPr>
-          <a:xfrm>
-            <a:off x="1472565" y="2463800"/>
-            <a:ext cx="7446645" cy="2005965"/>
-          </a:xfrm>
-          <a:prstGeom prst="rect">
-            <a:avLst/>
-          </a:prstGeom>
-        </p:spPr>
-      </p:pic>
-      <p:pic>
-        <p:nvPicPr>
-          <p:cNvPr id="7" name="图片 3"/>
-          <p:cNvPicPr>
-            <a:picLocks noChangeAspect="1"/>
-          </p:cNvPicPr>
-          <p:nvPr/>
-        </p:nvPicPr>
-        <p:blipFill>
-          <a:blip r:embed="rId4" cstate="print">
-            <a:extLst>
-              <a:ext uri="{28A0092B-C50C-407E-A947-70E740481C1C}">
-                <a14:useLocalDpi xmlns:a14="http://schemas.microsoft.com/office/drawing/2010/main" val="0"/>
-              </a:ext>
-            </a:extLst>
-          </a:blip>
-          <a:stretch>
-            <a:fillRect/>
-          </a:stretch>
-        </p:blipFill>
-        <p:spPr>
-          <a:xfrm>
-            <a:off x="7600315" y="100330"/>
-            <a:ext cx="1467485" cy="490220"/>
-          </a:xfrm>
-          <a:prstGeom prst="rect">
-            <a:avLst/>
-          </a:prstGeom>
-        </p:spPr>
-      </p:pic>
-    </p:spTree>
-  </p:cSld>
-  <p:clrMapOvr>
-    <a:masterClrMapping/>
-  </p:clrMapOvr>
-  <mc:AlternateContent xmlns:mc="http://schemas.openxmlformats.org/markup-compatibility/2006">
-    <mc:Choice xmlns:p14="http://schemas.microsoft.com/office/powerpoint/2010/main" Requires="p14">
-      <p:transition spd="slow" p14:dur="2000" advTm="3000"/>
-    </mc:Choice>
-    <mc:Fallback>
-      <p:transition spd="slow" advTm="3000"/>
-    </mc:Fallback>
-  </mc:AlternateContent>
-</p:sld>
-</file>
-
-<file path=ppt/slides/slide25.xml><?xml version="1.0" encoding="utf-8"?>
-<p:sld xmlns:a="http://schemas.openxmlformats.org/drawingml/2006/main" xmlns:r="http://schemas.openxmlformats.org/officeDocument/2006/relationships" xmlns:p="http://schemas.openxmlformats.org/presentationml/2006/main">
-  <p:cSld>
-    <p:bg>
-      <p:bgPr>
-        <a:blipFill dpi="0" rotWithShape="1">
-          <a:blip r:embed="rId1"/>
-          <a:srcRect/>
-        </a:blipFill>
-        <a:effectLst/>
-      </p:bgPr>
-    </p:bg>
-    <p:spTree>
-      <p:nvGrpSpPr>
-        <p:cNvPr id="1" name=""/>
-        <p:cNvGrpSpPr/>
-        <p:nvPr/>
-      </p:nvGrpSpPr>
-      <p:grpSpPr/>
-      <p:sp>
-        <p:nvSpPr>
-          <p:cNvPr id="2" name="Title 1"/>
-          <p:cNvSpPr>
-            <a:spLocks noGrp="1"/>
-          </p:cNvSpPr>
-          <p:nvPr>
-            <p:ph type="title"/>
-          </p:nvPr>
-        </p:nvSpPr>
-        <p:spPr/>
-        <p:txBody>
-          <a:bodyPr/>
-          <a:p>
-            <a:endParaRPr lang="en-US"/>
-          </a:p>
-        </p:txBody>
-      </p:sp>
-      <p:pic>
-        <p:nvPicPr>
-          <p:cNvPr id="4" name="Content Placeholder 3"/>
-          <p:cNvPicPr>
-            <a:picLocks noChangeAspect="1"/>
-          </p:cNvPicPr>
-          <p:nvPr>
-            <p:ph idx="1"/>
-          </p:nvPr>
-        </p:nvPicPr>
-        <p:blipFill>
           <a:blip r:embed="rId2"/>
           <a:stretch>
             <a:fillRect/>
@@ -20346,8 +20964,8 @@
         </p:blipFill>
         <p:spPr>
           <a:xfrm>
-            <a:off x="111125" y="735330"/>
-            <a:ext cx="8693150" cy="3434080"/>
+            <a:off x="1472565" y="2463800"/>
+            <a:ext cx="7446645" cy="2005965"/>
           </a:xfrm>
           <a:prstGeom prst="rect">
             <a:avLst/>
@@ -20378,224 +20996,6 @@
           <a:xfrm>
             <a:off x="7600315" y="100330"/>
             <a:ext cx="1467485" cy="490220"/>
-          </a:xfrm>
-          <a:prstGeom prst="rect">
-            <a:avLst/>
-          </a:prstGeom>
-        </p:spPr>
-      </p:pic>
-    </p:spTree>
-  </p:cSld>
-  <p:clrMapOvr>
-    <a:masterClrMapping/>
-  </p:clrMapOvr>
-  <mc:AlternateContent xmlns:mc="http://schemas.openxmlformats.org/markup-compatibility/2006">
-    <mc:Choice xmlns:p14="http://schemas.microsoft.com/office/powerpoint/2010/main" Requires="p14">
-      <p:transition spd="slow" p14:dur="2000" advTm="3000"/>
-    </mc:Choice>
-    <mc:Fallback>
-      <p:transition spd="slow" advTm="3000"/>
-    </mc:Fallback>
-  </mc:AlternateContent>
-</p:sld>
-</file>
-
-<file path=ppt/slides/slide26.xml><?xml version="1.0" encoding="utf-8"?>
-<p:sld xmlns:a="http://schemas.openxmlformats.org/drawingml/2006/main" xmlns:r="http://schemas.openxmlformats.org/officeDocument/2006/relationships" xmlns:p="http://schemas.openxmlformats.org/presentationml/2006/main">
-  <p:cSld>
-    <p:bg>
-      <p:bgPr>
-        <a:blipFill dpi="0" rotWithShape="1">
-          <a:blip r:embed="rId1"/>
-          <a:srcRect/>
-        </a:blipFill>
-        <a:effectLst/>
-      </p:bgPr>
-    </p:bg>
-    <p:spTree>
-      <p:nvGrpSpPr>
-        <p:cNvPr id="1" name=""/>
-        <p:cNvGrpSpPr/>
-        <p:nvPr/>
-      </p:nvGrpSpPr>
-      <p:grpSpPr/>
-      <p:sp>
-        <p:nvSpPr>
-          <p:cNvPr id="2" name="Title 1"/>
-          <p:cNvSpPr>
-            <a:spLocks noGrp="1"/>
-          </p:cNvSpPr>
-          <p:nvPr>
-            <p:ph type="title"/>
-          </p:nvPr>
-        </p:nvSpPr>
-        <p:spPr/>
-        <p:txBody>
-          <a:bodyPr/>
-          <a:p>
-            <a:endParaRPr lang="en-US"/>
-          </a:p>
-        </p:txBody>
-      </p:sp>
-      <p:pic>
-        <p:nvPicPr>
-          <p:cNvPr id="7" name="图片 3"/>
-          <p:cNvPicPr>
-            <a:picLocks noChangeAspect="1"/>
-          </p:cNvPicPr>
-          <p:nvPr/>
-        </p:nvPicPr>
-        <p:blipFill>
-          <a:blip r:embed="rId2" cstate="print">
-            <a:extLst>
-              <a:ext uri="{28A0092B-C50C-407E-A947-70E740481C1C}">
-                <a14:useLocalDpi xmlns:a14="http://schemas.microsoft.com/office/drawing/2010/main" val="0"/>
-              </a:ext>
-            </a:extLst>
-          </a:blip>
-          <a:stretch>
-            <a:fillRect/>
-          </a:stretch>
-        </p:blipFill>
-        <p:spPr>
-          <a:xfrm>
-            <a:off x="7600315" y="100330"/>
-            <a:ext cx="1467485" cy="490220"/>
-          </a:xfrm>
-          <a:prstGeom prst="rect">
-            <a:avLst/>
-          </a:prstGeom>
-        </p:spPr>
-      </p:pic>
-      <p:pic>
-        <p:nvPicPr>
-          <p:cNvPr id="9" name="内容占位符 8" descr="2020-11-12 08-27-56 的屏幕截图"/>
-          <p:cNvPicPr>
-            <a:picLocks noChangeAspect="1"/>
-          </p:cNvPicPr>
-          <p:nvPr>
-            <p:ph idx="1"/>
-          </p:nvPr>
-        </p:nvPicPr>
-        <p:blipFill>
-          <a:blip r:embed="rId3"/>
-          <a:stretch>
-            <a:fillRect/>
-          </a:stretch>
-        </p:blipFill>
-        <p:spPr>
-          <a:xfrm>
-            <a:off x="1066165" y="1585595"/>
-            <a:ext cx="6782435" cy="2367915"/>
-          </a:xfrm>
-          <a:prstGeom prst="rect">
-            <a:avLst/>
-          </a:prstGeom>
-        </p:spPr>
-      </p:pic>
-    </p:spTree>
-  </p:cSld>
-  <p:clrMapOvr>
-    <a:masterClrMapping/>
-  </p:clrMapOvr>
-  <mc:AlternateContent xmlns:mc="http://schemas.openxmlformats.org/markup-compatibility/2006">
-    <mc:Choice xmlns:p14="http://schemas.microsoft.com/office/powerpoint/2010/main" Requires="p14">
-      <p:transition spd="slow" p14:dur="2000" advTm="3000"/>
-    </mc:Choice>
-    <mc:Fallback>
-      <p:transition spd="slow" advTm="3000"/>
-    </mc:Fallback>
-  </mc:AlternateContent>
-</p:sld>
-</file>
-
-<file path=ppt/slides/slide27.xml><?xml version="1.0" encoding="utf-8"?>
-<p:sld xmlns:a="http://schemas.openxmlformats.org/drawingml/2006/main" xmlns:r="http://schemas.openxmlformats.org/officeDocument/2006/relationships" xmlns:p="http://schemas.openxmlformats.org/presentationml/2006/main">
-  <p:cSld>
-    <p:bg>
-      <p:bgPr>
-        <a:blipFill dpi="0" rotWithShape="1">
-          <a:blip r:embed="rId1"/>
-          <a:srcRect/>
-        </a:blipFill>
-        <a:effectLst/>
-      </p:bgPr>
-    </p:bg>
-    <p:spTree>
-      <p:nvGrpSpPr>
-        <p:cNvPr id="1" name=""/>
-        <p:cNvGrpSpPr/>
-        <p:nvPr/>
-      </p:nvGrpSpPr>
-      <p:grpSpPr/>
-      <p:sp>
-        <p:nvSpPr>
-          <p:cNvPr id="2" name="Title 1"/>
-          <p:cNvSpPr>
-            <a:spLocks noGrp="1"/>
-          </p:cNvSpPr>
-          <p:nvPr>
-            <p:ph type="title"/>
-          </p:nvPr>
-        </p:nvSpPr>
-        <p:spPr/>
-        <p:txBody>
-          <a:bodyPr/>
-          <a:p>
-            <a:endParaRPr lang="en-US"/>
-          </a:p>
-        </p:txBody>
-      </p:sp>
-      <p:pic>
-        <p:nvPicPr>
-          <p:cNvPr id="7" name="图片 3"/>
-          <p:cNvPicPr>
-            <a:picLocks noChangeAspect="1"/>
-          </p:cNvPicPr>
-          <p:nvPr/>
-        </p:nvPicPr>
-        <p:blipFill>
-          <a:blip r:embed="rId2" cstate="print">
-            <a:extLst>
-              <a:ext uri="{28A0092B-C50C-407E-A947-70E740481C1C}">
-                <a14:useLocalDpi xmlns:a14="http://schemas.microsoft.com/office/drawing/2010/main" val="0"/>
-              </a:ext>
-            </a:extLst>
-          </a:blip>
-          <a:stretch>
-            <a:fillRect/>
-          </a:stretch>
-        </p:blipFill>
-        <p:spPr>
-          <a:xfrm>
-            <a:off x="7600315" y="100330"/>
-            <a:ext cx="1467485" cy="490220"/>
-          </a:xfrm>
-          <a:prstGeom prst="rect">
-            <a:avLst/>
-          </a:prstGeom>
-        </p:spPr>
-      </p:pic>
-      <p:pic>
-        <p:nvPicPr>
-          <p:cNvPr id="4" name="内容占位符 3" descr="2020-11-12 08-28-09 的屏幕截图"/>
-          <p:cNvPicPr>
-            <a:picLocks noChangeAspect="1"/>
-          </p:cNvPicPr>
-          <p:nvPr>
-            <p:ph idx="1"/>
-          </p:nvPr>
-        </p:nvPicPr>
-        <p:blipFill>
-          <a:blip r:embed="rId3"/>
-          <a:stretch>
-            <a:fillRect/>
-          </a:stretch>
-        </p:blipFill>
-        <p:spPr>
-          <a:xfrm>
-            <a:off x="943610" y="1638935"/>
-            <a:ext cx="6784340" cy="2408555"/>
           </a:xfrm>
           <a:prstGeom prst="rect">
             <a:avLst/>
@@ -20646,53 +21046,162 @@
           </a:p>
         </p:txBody>
       </p:sp>
-      <p:sp>
-        <p:nvSpPr>
-          <p:cNvPr id="3" name="Content Placeholder 2"/>
+      <p:pic>
+        <p:nvPicPr>
+          <p:cNvPr id="4" name="Content Placeholder 3"/>
+          <p:cNvPicPr>
+            <a:picLocks noChangeAspect="1"/>
+          </p:cNvPicPr>
+          <p:nvPr>
+            <p:ph idx="1"/>
+          </p:nvPr>
+        </p:nvPicPr>
+        <p:blipFill>
+          <a:blip r:embed="rId1"/>
+          <a:stretch>
+            <a:fillRect/>
+          </a:stretch>
+        </p:blipFill>
+        <p:spPr>
+          <a:xfrm>
+            <a:off x="111125" y="735330"/>
+            <a:ext cx="8693150" cy="3434080"/>
+          </a:xfrm>
+          <a:prstGeom prst="rect">
+            <a:avLst/>
+          </a:prstGeom>
+        </p:spPr>
+      </p:pic>
+      <p:pic>
+        <p:nvPicPr>
+          <p:cNvPr id="7" name="图片 3"/>
+          <p:cNvPicPr>
+            <a:picLocks noChangeAspect="1"/>
+          </p:cNvPicPr>
+          <p:nvPr/>
+        </p:nvPicPr>
+        <p:blipFill>
+          <a:blip r:embed="rId2" cstate="print">
+            <a:extLst>
+              <a:ext uri="{28A0092B-C50C-407E-A947-70E740481C1C}">
+                <a14:useLocalDpi xmlns:a14="http://schemas.microsoft.com/office/drawing/2010/main" val="0"/>
+              </a:ext>
+            </a:extLst>
+          </a:blip>
+          <a:stretch>
+            <a:fillRect/>
+          </a:stretch>
+        </p:blipFill>
+        <p:spPr>
+          <a:xfrm>
+            <a:off x="7600315" y="100330"/>
+            <a:ext cx="1467485" cy="490220"/>
+          </a:xfrm>
+          <a:prstGeom prst="rect">
+            <a:avLst/>
+          </a:prstGeom>
+        </p:spPr>
+      </p:pic>
+    </p:spTree>
+  </p:cSld>
+  <p:clrMapOvr>
+    <a:masterClrMapping/>
+  </p:clrMapOvr>
+  <mc:AlternateContent xmlns:mc="http://schemas.openxmlformats.org/markup-compatibility/2006">
+    <mc:Choice xmlns:p14="http://schemas.microsoft.com/office/powerpoint/2010/main" Requires="p14">
+      <p:transition spd="slow" p14:dur="2000" advTm="3000"/>
+    </mc:Choice>
+    <mc:Fallback>
+      <p:transition spd="slow" advTm="3000"/>
+    </mc:Fallback>
+  </mc:AlternateContent>
+</p:sld>
+</file>
+
+<file path=ppt/slides/slide29.xml><?xml version="1.0" encoding="utf-8"?>
+<p:sld xmlns:a="http://schemas.openxmlformats.org/drawingml/2006/main" xmlns:r="http://schemas.openxmlformats.org/officeDocument/2006/relationships" xmlns:p="http://schemas.openxmlformats.org/presentationml/2006/main">
+  <p:cSld>
+    <p:spTree>
+      <p:nvGrpSpPr>
+        <p:cNvPr id="1" name=""/>
+        <p:cNvGrpSpPr/>
+        <p:nvPr/>
+      </p:nvGrpSpPr>
+      <p:grpSpPr/>
+      <p:sp>
+        <p:nvSpPr>
+          <p:cNvPr id="2" name="Title 1"/>
           <p:cNvSpPr>
             <a:spLocks noGrp="1"/>
           </p:cNvSpPr>
           <p:nvPr>
+            <p:ph type="title"/>
+          </p:nvPr>
+        </p:nvSpPr>
+        <p:spPr/>
+        <p:txBody>
+          <a:bodyPr/>
+          <a:p>
+            <a:endParaRPr lang="en-US"/>
+          </a:p>
+        </p:txBody>
+      </p:sp>
+      <p:pic>
+        <p:nvPicPr>
+          <p:cNvPr id="7" name="图片 3"/>
+          <p:cNvPicPr>
+            <a:picLocks noChangeAspect="1"/>
+          </p:cNvPicPr>
+          <p:nvPr/>
+        </p:nvPicPr>
+        <p:blipFill>
+          <a:blip r:embed="rId1" cstate="print">
+            <a:extLst>
+              <a:ext uri="{28A0092B-C50C-407E-A947-70E740481C1C}">
+                <a14:useLocalDpi xmlns:a14="http://schemas.microsoft.com/office/drawing/2010/main" val="0"/>
+              </a:ext>
+            </a:extLst>
+          </a:blip>
+          <a:stretch>
+            <a:fillRect/>
+          </a:stretch>
+        </p:blipFill>
+        <p:spPr>
+          <a:xfrm>
+            <a:off x="7600315" y="100330"/>
+            <a:ext cx="1467485" cy="490220"/>
+          </a:xfrm>
+          <a:prstGeom prst="rect">
+            <a:avLst/>
+          </a:prstGeom>
+        </p:spPr>
+      </p:pic>
+      <p:pic>
+        <p:nvPicPr>
+          <p:cNvPr id="9" name="内容占位符 8" descr="2020-11-12 08-27-56 的屏幕截图"/>
+          <p:cNvPicPr>
+            <a:picLocks noChangeAspect="1"/>
+          </p:cNvPicPr>
+          <p:nvPr>
             <p:ph idx="1"/>
           </p:nvPr>
-        </p:nvSpPr>
-        <p:spPr/>
-        <p:txBody>
-          <a:bodyPr/>
-          <a:p>
-            <a:endParaRPr lang="en-US"/>
-          </a:p>
-        </p:txBody>
-      </p:sp>
-      <p:sp>
-        <p:nvSpPr>
-          <p:cNvPr id="4" name="Text Box 3"/>
-          <p:cNvSpPr txBox="1"/>
-          <p:nvPr/>
-        </p:nvSpPr>
+        </p:nvPicPr>
+        <p:blipFill>
+          <a:blip r:embed="rId2"/>
+          <a:stretch>
+            <a:fillRect/>
+          </a:stretch>
+        </p:blipFill>
         <p:spPr>
           <a:xfrm>
-            <a:off x="2228215" y="1551305"/>
-            <a:ext cx="6374765" cy="506730"/>
+            <a:off x="1066165" y="1585595"/>
+            <a:ext cx="6782435" cy="2367915"/>
           </a:xfrm>
           <a:prstGeom prst="rect">
             <a:avLst/>
           </a:prstGeom>
-          <a:noFill/>
-        </p:spPr>
-        <p:txBody>
-          <a:bodyPr wrap="square" rtlCol="0">
-            <a:spAutoFit/>
-          </a:bodyPr>
-          <a:p>
-            <a:r>
-              <a:rPr lang="zh-CN" altLang="en-US"/>
-              <a:t>机器阅读理解是问答系统的核心模块，通过理解用户问题、理解相关文档，返还给用户精准的答案。</a:t>
-            </a:r>
-            <a:endParaRPr lang="zh-CN" altLang="en-US"/>
-          </a:p>
-        </p:txBody>
-      </p:sp>
+        </p:spPr>
+      </p:pic>
     </p:spTree>
   </p:cSld>
   <p:clrMapOvr>
@@ -20712,16 +21221,6 @@
 <file path=ppt/slides/slide3.xml><?xml version="1.0" encoding="utf-8"?>
 <p:sld xmlns:a="http://schemas.openxmlformats.org/drawingml/2006/main" xmlns:r="http://schemas.openxmlformats.org/officeDocument/2006/relationships" xmlns:p="http://schemas.openxmlformats.org/presentationml/2006/main">
   <p:cSld>
-    <p:bg>
-      <p:bgPr>
-        <a:blipFill dpi="0" rotWithShape="1">
-          <a:blip r:embed="rId1"/>
-          <a:srcRect/>
-          <a:tile tx="0" ty="0" sx="100000" sy="100000" flip="none" algn="tl"/>
-        </a:blipFill>
-        <a:effectLst/>
-      </p:bgPr>
-    </p:bg>
     <p:spTree>
       <p:nvGrpSpPr>
         <p:cNvPr id="1" name=""/>
@@ -20745,7 +21244,7 @@
           <p:nvPr/>
         </p:nvPicPr>
         <p:blipFill>
-          <a:blip r:embed="rId2" cstate="print">
+          <a:blip r:embed="rId1" cstate="print">
             <a:extLst>
               <a:ext uri="{28A0092B-C50C-407E-A947-70E740481C1C}">
                 <a14:useLocalDpi xmlns:a14="http://schemas.microsoft.com/office/drawing/2010/main" val="0"/>
@@ -21739,19 +22238,200 @@
 </p:sld>
 </file>
 
+<file path=ppt/slides/slide30.xml><?xml version="1.0" encoding="utf-8"?>
+<p:sld xmlns:a="http://schemas.openxmlformats.org/drawingml/2006/main" xmlns:r="http://schemas.openxmlformats.org/officeDocument/2006/relationships" xmlns:p="http://schemas.openxmlformats.org/presentationml/2006/main">
+  <p:cSld>
+    <p:spTree>
+      <p:nvGrpSpPr>
+        <p:cNvPr id="1" name=""/>
+        <p:cNvGrpSpPr/>
+        <p:nvPr/>
+      </p:nvGrpSpPr>
+      <p:grpSpPr/>
+      <p:sp>
+        <p:nvSpPr>
+          <p:cNvPr id="2" name="Title 1"/>
+          <p:cNvSpPr>
+            <a:spLocks noGrp="1"/>
+          </p:cNvSpPr>
+          <p:nvPr>
+            <p:ph type="title"/>
+          </p:nvPr>
+        </p:nvSpPr>
+        <p:spPr/>
+        <p:txBody>
+          <a:bodyPr/>
+          <a:p>
+            <a:endParaRPr lang="en-US"/>
+          </a:p>
+        </p:txBody>
+      </p:sp>
+      <p:pic>
+        <p:nvPicPr>
+          <p:cNvPr id="7" name="图片 3"/>
+          <p:cNvPicPr>
+            <a:picLocks noChangeAspect="1"/>
+          </p:cNvPicPr>
+          <p:nvPr/>
+        </p:nvPicPr>
+        <p:blipFill>
+          <a:blip r:embed="rId1" cstate="print">
+            <a:extLst>
+              <a:ext uri="{28A0092B-C50C-407E-A947-70E740481C1C}">
+                <a14:useLocalDpi xmlns:a14="http://schemas.microsoft.com/office/drawing/2010/main" val="0"/>
+              </a:ext>
+            </a:extLst>
+          </a:blip>
+          <a:stretch>
+            <a:fillRect/>
+          </a:stretch>
+        </p:blipFill>
+        <p:spPr>
+          <a:xfrm>
+            <a:off x="7600315" y="100330"/>
+            <a:ext cx="1467485" cy="490220"/>
+          </a:xfrm>
+          <a:prstGeom prst="rect">
+            <a:avLst/>
+          </a:prstGeom>
+        </p:spPr>
+      </p:pic>
+      <p:pic>
+        <p:nvPicPr>
+          <p:cNvPr id="4" name="内容占位符 3" descr="2020-11-12 08-28-09 的屏幕截图"/>
+          <p:cNvPicPr>
+            <a:picLocks noChangeAspect="1"/>
+          </p:cNvPicPr>
+          <p:nvPr>
+            <p:ph idx="1"/>
+          </p:nvPr>
+        </p:nvPicPr>
+        <p:blipFill>
+          <a:blip r:embed="rId2"/>
+          <a:stretch>
+            <a:fillRect/>
+          </a:stretch>
+        </p:blipFill>
+        <p:spPr>
+          <a:xfrm>
+            <a:off x="943610" y="1638935"/>
+            <a:ext cx="6784340" cy="2408555"/>
+          </a:xfrm>
+          <a:prstGeom prst="rect">
+            <a:avLst/>
+          </a:prstGeom>
+        </p:spPr>
+      </p:pic>
+    </p:spTree>
+  </p:cSld>
+  <p:clrMapOvr>
+    <a:masterClrMapping/>
+  </p:clrMapOvr>
+  <mc:AlternateContent xmlns:mc="http://schemas.openxmlformats.org/markup-compatibility/2006">
+    <mc:Choice xmlns:p14="http://schemas.microsoft.com/office/powerpoint/2010/main" Requires="p14">
+      <p:transition spd="slow" p14:dur="2000" advTm="3000"/>
+    </mc:Choice>
+    <mc:Fallback>
+      <p:transition spd="slow" advTm="3000"/>
+    </mc:Fallback>
+  </mc:AlternateContent>
+</p:sld>
+</file>
+
+<file path=ppt/slides/slide31.xml><?xml version="1.0" encoding="utf-8"?>
+<p:sld xmlns:a="http://schemas.openxmlformats.org/drawingml/2006/main" xmlns:r="http://schemas.openxmlformats.org/officeDocument/2006/relationships" xmlns:p="http://schemas.openxmlformats.org/presentationml/2006/main">
+  <p:cSld>
+    <p:spTree>
+      <p:nvGrpSpPr>
+        <p:cNvPr id="1" name=""/>
+        <p:cNvGrpSpPr/>
+        <p:nvPr/>
+      </p:nvGrpSpPr>
+      <p:grpSpPr/>
+      <p:sp>
+        <p:nvSpPr>
+          <p:cNvPr id="2" name="Title 1"/>
+          <p:cNvSpPr>
+            <a:spLocks noGrp="1"/>
+          </p:cNvSpPr>
+          <p:nvPr>
+            <p:ph type="title"/>
+          </p:nvPr>
+        </p:nvSpPr>
+        <p:spPr/>
+        <p:txBody>
+          <a:bodyPr/>
+          <a:p>
+            <a:endParaRPr lang="en-US"/>
+          </a:p>
+        </p:txBody>
+      </p:sp>
+      <p:sp>
+        <p:nvSpPr>
+          <p:cNvPr id="3" name="Content Placeholder 2"/>
+          <p:cNvSpPr>
+            <a:spLocks noGrp="1"/>
+          </p:cNvSpPr>
+          <p:nvPr>
+            <p:ph idx="1"/>
+          </p:nvPr>
+        </p:nvSpPr>
+        <p:spPr/>
+        <p:txBody>
+          <a:bodyPr/>
+          <a:p>
+            <a:endParaRPr lang="en-US"/>
+          </a:p>
+        </p:txBody>
+      </p:sp>
+      <p:sp>
+        <p:nvSpPr>
+          <p:cNvPr id="4" name="Text Box 3"/>
+          <p:cNvSpPr txBox="1"/>
+          <p:nvPr/>
+        </p:nvSpPr>
+        <p:spPr>
+          <a:xfrm>
+            <a:off x="2228215" y="1551305"/>
+            <a:ext cx="6374765" cy="506730"/>
+          </a:xfrm>
+          <a:prstGeom prst="rect">
+            <a:avLst/>
+          </a:prstGeom>
+          <a:noFill/>
+        </p:spPr>
+        <p:txBody>
+          <a:bodyPr wrap="square" rtlCol="0">
+            <a:spAutoFit/>
+          </a:bodyPr>
+          <a:p>
+            <a:r>
+              <a:rPr lang="zh-CN" altLang="en-US"/>
+              <a:t>机器阅读理解是问答系统的核心模块，通过理解用户问题、理解相关文档，返还给用户精准的答案。</a:t>
+            </a:r>
+            <a:endParaRPr lang="zh-CN" altLang="en-US"/>
+          </a:p>
+        </p:txBody>
+      </p:sp>
+    </p:spTree>
+  </p:cSld>
+  <p:clrMapOvr>
+    <a:masterClrMapping/>
+  </p:clrMapOvr>
+  <mc:AlternateContent xmlns:mc="http://schemas.openxmlformats.org/markup-compatibility/2006">
+    <mc:Choice xmlns:p14="http://schemas.microsoft.com/office/powerpoint/2010/main" Requires="p14">
+      <p:transition spd="slow" p14:dur="2000" advTm="3000"/>
+    </mc:Choice>
+    <mc:Fallback>
+      <p:transition spd="slow" advTm="3000"/>
+    </mc:Fallback>
+  </mc:AlternateContent>
+</p:sld>
+</file>
+
 <file path=ppt/slides/slide4.xml><?xml version="1.0" encoding="utf-8"?>
 <p:sld xmlns:a="http://schemas.openxmlformats.org/drawingml/2006/main" xmlns:r="http://schemas.openxmlformats.org/officeDocument/2006/relationships" xmlns:p="http://schemas.openxmlformats.org/presentationml/2006/main">
   <p:cSld>
-    <p:bg>
-      <p:bgPr>
-        <a:blipFill dpi="0" rotWithShape="1">
-          <a:blip r:embed="rId1"/>
-          <a:srcRect/>
-          <a:tile tx="0" ty="0" sx="100000" sy="100000" flip="none" algn="tl"/>
-        </a:blipFill>
-        <a:effectLst/>
-      </p:bgPr>
-    </p:bg>
     <p:spTree>
       <p:nvGrpSpPr>
         <p:cNvPr id="1" name=""/>
@@ -21775,7 +22455,7 @@
           <p:nvPr/>
         </p:nvPicPr>
         <p:blipFill>
-          <a:blip r:embed="rId2" cstate="print">
+          <a:blip r:embed="rId1" cstate="print">
             <a:extLst>
               <a:ext uri="{28A0092B-C50C-407E-A947-70E740481C1C}">
                 <a14:useLocalDpi xmlns:a14="http://schemas.microsoft.com/office/drawing/2010/main" val="0"/>
@@ -22031,7 +22711,7 @@
           <p:nvPr/>
         </p:nvPicPr>
         <p:blipFill>
-          <a:blip r:embed="rId3"/>
+          <a:blip r:embed="rId2"/>
           <a:stretch>
             <a:fillRect/>
           </a:stretch>
@@ -22055,7 +22735,7 @@
           <p:nvPr/>
         </p:nvPicPr>
         <p:blipFill>
-          <a:blip r:embed="rId4"/>
+          <a:blip r:embed="rId3"/>
           <a:stretch>
             <a:fillRect/>
           </a:stretch>
@@ -22139,16 +22819,6 @@
 <file path=ppt/slides/slide5.xml><?xml version="1.0" encoding="utf-8"?>
 <p:sld xmlns:a="http://schemas.openxmlformats.org/drawingml/2006/main" xmlns:r="http://schemas.openxmlformats.org/officeDocument/2006/relationships" xmlns:p="http://schemas.openxmlformats.org/presentationml/2006/main">
   <p:cSld>
-    <p:bg>
-      <p:bgPr>
-        <a:blipFill dpi="0" rotWithShape="1">
-          <a:blip r:embed="rId1"/>
-          <a:srcRect/>
-          <a:tile tx="0" ty="0" sx="100000" sy="100000" flip="none" algn="tl"/>
-        </a:blipFill>
-        <a:effectLst/>
-      </p:bgPr>
-    </p:bg>
     <p:spTree>
       <p:nvGrpSpPr>
         <p:cNvPr id="1" name=""/>
@@ -22172,7 +22842,7 @@
           <p:nvPr/>
         </p:nvPicPr>
         <p:blipFill>
-          <a:blip r:embed="rId2" cstate="print">
+          <a:blip r:embed="rId1" cstate="print">
             <a:extLst>
               <a:ext uri="{28A0092B-C50C-407E-A947-70E740481C1C}">
                 <a14:useLocalDpi xmlns:a14="http://schemas.microsoft.com/office/drawing/2010/main" val="0"/>
@@ -22317,7 +22987,7 @@
           <p:nvPr/>
         </p:nvPicPr>
         <p:blipFill>
-          <a:blip r:embed="rId3">
+          <a:blip r:embed="rId2">
             <a:lum bright="24000"/>
             <a:extLst>
               <a:ext uri="{28A0092B-C50C-407E-A947-70E740481C1C}">
@@ -22372,7 +23042,7 @@
           <p:nvPr/>
         </p:nvPicPr>
         <p:blipFill>
-          <a:blip r:embed="rId3">
+          <a:blip r:embed="rId2">
             <a:lum bright="24000"/>
             <a:extLst>
               <a:ext uri="{28A0092B-C50C-407E-A947-70E740481C1C}">
@@ -22427,7 +23097,7 @@
           <p:nvPr/>
         </p:nvPicPr>
         <p:blipFill>
-          <a:blip r:embed="rId3">
+          <a:blip r:embed="rId2">
             <a:lum bright="24000"/>
             <a:extLst>
               <a:ext uri="{28A0092B-C50C-407E-A947-70E740481C1C}">
@@ -22482,7 +23152,7 @@
           <p:nvPr/>
         </p:nvPicPr>
         <p:blipFill>
-          <a:blip r:embed="rId4"/>
+          <a:blip r:embed="rId3"/>
           <a:stretch>
             <a:fillRect/>
           </a:stretch>
@@ -23009,7 +23679,7 @@
           <p:nvPr/>
         </p:nvPicPr>
         <p:blipFill>
-          <a:blip r:embed="rId5"/>
+          <a:blip r:embed="rId4"/>
           <a:stretch>
             <a:fillRect/>
           </a:stretch>
@@ -23112,16 +23782,6 @@
 <file path=ppt/slides/slide6.xml><?xml version="1.0" encoding="utf-8"?>
 <p:sld xmlns:a="http://schemas.openxmlformats.org/drawingml/2006/main" xmlns:r="http://schemas.openxmlformats.org/officeDocument/2006/relationships" xmlns:p="http://schemas.openxmlformats.org/presentationml/2006/main">
   <p:cSld>
-    <p:bg>
-      <p:bgPr>
-        <a:blipFill dpi="0" rotWithShape="1">
-          <a:blip r:embed="rId1"/>
-          <a:srcRect/>
-          <a:tile tx="0" ty="0" sx="100000" sy="100000" flip="none" algn="tl"/>
-        </a:blipFill>
-        <a:effectLst/>
-      </p:bgPr>
-    </p:bg>
     <p:spTree>
       <p:nvGrpSpPr>
         <p:cNvPr id="1" name=""/>
@@ -23145,7 +23805,7 @@
           <p:nvPr/>
         </p:nvPicPr>
         <p:blipFill>
-          <a:blip r:embed="rId2" cstate="print">
+          <a:blip r:embed="rId1" cstate="print">
             <a:extLst>
               <a:ext uri="{28A0092B-C50C-407E-A947-70E740481C1C}">
                 <a14:useLocalDpi xmlns:a14="http://schemas.microsoft.com/office/drawing/2010/main" val="0"/>
@@ -23655,15 +24315,6 @@
 <file path=ppt/slides/slide7.xml><?xml version="1.0" encoding="utf-8"?>
 <p:sld xmlns:a="http://schemas.openxmlformats.org/drawingml/2006/main" xmlns:r="http://schemas.openxmlformats.org/officeDocument/2006/relationships" xmlns:p="http://schemas.openxmlformats.org/presentationml/2006/main">
   <p:cSld>
-    <p:bg>
-      <p:bgPr>
-        <a:blipFill dpi="0" rotWithShape="1">
-          <a:blip r:embed="rId1"/>
-          <a:srcRect/>
-        </a:blipFill>
-        <a:effectLst/>
-      </p:bgPr>
-    </p:bg>
     <p:spTree>
       <p:nvGrpSpPr>
         <p:cNvPr id="1" name=""/>
@@ -23687,7 +24338,7 @@
           <p:nvPr/>
         </p:nvPicPr>
         <p:blipFill>
-          <a:blip r:embed="rId2" cstate="print">
+          <a:blip r:embed="rId1" cstate="print">
             <a:extLst>
               <a:ext uri="{28A0092B-C50C-407E-A947-70E740481C1C}">
                 <a14:useLocalDpi xmlns:a14="http://schemas.microsoft.com/office/drawing/2010/main" val="0"/>
@@ -24353,15 +25004,6 @@
 <file path=ppt/slides/slide8.xml><?xml version="1.0" encoding="utf-8"?>
 <p:sld xmlns:a="http://schemas.openxmlformats.org/drawingml/2006/main" xmlns:r="http://schemas.openxmlformats.org/officeDocument/2006/relationships" xmlns:p="http://schemas.openxmlformats.org/presentationml/2006/main">
   <p:cSld>
-    <p:bg>
-      <p:bgPr>
-        <a:blipFill dpi="0" rotWithShape="1">
-          <a:blip r:embed="rId1"/>
-          <a:srcRect/>
-        </a:blipFill>
-        <a:effectLst/>
-      </p:bgPr>
-    </p:bg>
     <p:spTree>
       <p:nvGrpSpPr>
         <p:cNvPr id="1" name=""/>
@@ -24385,7 +25027,7 @@
           <p:nvPr/>
         </p:nvPicPr>
         <p:blipFill>
-          <a:blip r:embed="rId2" cstate="print">
+          <a:blip r:embed="rId1" cstate="print">
             <a:extLst>
               <a:ext uri="{28A0092B-C50C-407E-A947-70E740481C1C}">
                 <a14:useLocalDpi xmlns:a14="http://schemas.microsoft.com/office/drawing/2010/main" val="0"/>
@@ -24440,14 +25082,14 @@
       </p:sp>
       <p:pic>
         <p:nvPicPr>
-          <p:cNvPr id="3" name="Picture 2"/>
+          <p:cNvPr id="4" name="Picture 3"/>
           <p:cNvPicPr>
             <a:picLocks noChangeAspect="1"/>
           </p:cNvPicPr>
           <p:nvPr/>
         </p:nvPicPr>
         <p:blipFill>
-          <a:blip r:embed="rId3"/>
+          <a:blip r:embed="rId2"/>
           <a:stretch>
             <a:fillRect/>
           </a:stretch>
@@ -24488,15 +25130,6 @@
 <file path=ppt/slides/slide9.xml><?xml version="1.0" encoding="utf-8"?>
 <p:sld xmlns:a="http://schemas.openxmlformats.org/drawingml/2006/main" xmlns:r="http://schemas.openxmlformats.org/officeDocument/2006/relationships" xmlns:p="http://schemas.openxmlformats.org/presentationml/2006/main">
   <p:cSld>
-    <p:bg>
-      <p:bgPr>
-        <a:blipFill dpi="0" rotWithShape="1">
-          <a:blip r:embed="rId1"/>
-          <a:srcRect/>
-        </a:blipFill>
-        <a:effectLst/>
-      </p:bgPr>
-    </p:bg>
     <p:spTree>
       <p:nvGrpSpPr>
         <p:cNvPr id="1" name=""/>
@@ -24520,7 +25153,7 @@
           <p:nvPr/>
         </p:nvPicPr>
         <p:blipFill>
-          <a:blip r:embed="rId2" cstate="print">
+          <a:blip r:embed="rId1" cstate="print">
             <a:extLst>
               <a:ext uri="{28A0092B-C50C-407E-A947-70E740481C1C}">
                 <a14:useLocalDpi xmlns:a14="http://schemas.microsoft.com/office/drawing/2010/main" val="0"/>

--- a/孙相会.pptx
+++ b/孙相会.pptx
@@ -21,10 +21,10 @@
     <p:sldId id="477" r:id="rId14"/>
     <p:sldId id="413" r:id="rId15"/>
     <p:sldId id="497" r:id="rId16"/>
-    <p:sldId id="461" r:id="rId17"/>
-    <p:sldId id="558" r:id="rId18"/>
-    <p:sldId id="559" r:id="rId19"/>
-    <p:sldId id="560" r:id="rId20"/>
+    <p:sldId id="558" r:id="rId17"/>
+    <p:sldId id="576" r:id="rId18"/>
+    <p:sldId id="560" r:id="rId19"/>
+    <p:sldId id="580" r:id="rId20"/>
     <p:sldId id="494" r:id="rId21"/>
     <p:sldId id="499" r:id="rId22"/>
     <p:sldId id="511" r:id="rId23"/>
@@ -35,10 +35,12 @@
     <p:sldId id="454" r:id="rId28"/>
     <p:sldId id="535" r:id="rId29"/>
     <p:sldId id="398" r:id="rId30"/>
-    <p:sldId id="399" r:id="rId31"/>
-    <p:sldId id="404" r:id="rId32"/>
-    <p:sldId id="407" r:id="rId33"/>
-    <p:sldId id="403" r:id="rId34"/>
+    <p:sldId id="404" r:id="rId31"/>
+    <p:sldId id="407" r:id="rId32"/>
+    <p:sldId id="577" r:id="rId33"/>
+    <p:sldId id="579" r:id="rId34"/>
+    <p:sldId id="403" r:id="rId35"/>
+    <p:sldId id="578" r:id="rId36"/>
   </p:sldIdLst>
   <p:sldSz cx="9144000" cy="5143500" type="screen16x9"/>
   <p:notesSz cx="6858000" cy="9144000"/>
@@ -11463,7 +11465,7 @@
         <p:spPr>
           <a:xfrm>
             <a:off x="508635" y="218440"/>
-            <a:ext cx="4229735" cy="583565"/>
+            <a:ext cx="4441825" cy="583565"/>
           </a:xfrm>
           <a:prstGeom prst="rect">
             <a:avLst/>
@@ -11504,7 +11506,7 @@
                   </a:outerShdw>
                 </a:effectLst>
               </a:rPr>
-              <a:t>阅读理解模型的设计</a:t>
+              <a:t>文本匹配模块的设计</a:t>
             </a:r>
             <a:endParaRPr lang="zh-CN" altLang="en-US" sz="3200">
               <a:ln w="12700">
@@ -11570,7 +11572,7 @@
       </p:sp>
       <p:pic>
         <p:nvPicPr>
-          <p:cNvPr id="7" name="Picture 6"/>
+          <p:cNvPr id="11" name="Picture 10"/>
           <p:cNvPicPr>
             <a:picLocks noChangeAspect="1"/>
           </p:cNvPicPr>
@@ -11584,8 +11586,8 @@
         </p:blipFill>
         <p:spPr>
           <a:xfrm>
-            <a:off x="1059180" y="1924050"/>
-            <a:ext cx="7562850" cy="1394460"/>
+            <a:off x="1154430" y="1170305"/>
+            <a:ext cx="7002780" cy="2803525"/>
           </a:xfrm>
           <a:prstGeom prst="rect">
             <a:avLst/>
@@ -11671,7 +11673,7 @@
         <p:spPr>
           <a:xfrm>
             <a:off x="508635" y="218440"/>
-            <a:ext cx="4441825" cy="583565"/>
+            <a:ext cx="6122670" cy="583565"/>
           </a:xfrm>
           <a:prstGeom prst="rect">
             <a:avLst/>
@@ -11683,6 +11685,37 @@
             <a:spAutoFit/>
           </a:bodyPr>
           <a:p>
+            <a:r>
+              <a:rPr lang="en-US" altLang="zh-CN" sz="3200">
+                <a:ln w="12700">
+                  <a:solidFill>
+                    <a:schemeClr val="tx2">
+                      <a:lumMod val="75000"/>
+                    </a:schemeClr>
+                  </a:solidFill>
+                  <a:prstDash val="solid"/>
+                </a:ln>
+                <a:pattFill prst="dkUpDiag">
+                  <a:fgClr>
+                    <a:schemeClr val="tx2"/>
+                  </a:fgClr>
+                  <a:bgClr>
+                    <a:schemeClr val="tx2">
+                      <a:lumMod val="20000"/>
+                      <a:lumOff val="80000"/>
+                    </a:schemeClr>
+                  </a:bgClr>
+                </a:pattFill>
+                <a:effectLst>
+                  <a:outerShdw dist="38100" dir="2640000" algn="bl" rotWithShape="0">
+                    <a:schemeClr val="tx2">
+                      <a:lumMod val="75000"/>
+                    </a:schemeClr>
+                  </a:outerShdw>
+                </a:effectLst>
+              </a:rPr>
+              <a:t>Lattice-Transformer Block</a:t>
+            </a:r>
             <a:r>
               <a:rPr lang="zh-CN" altLang="en-US" sz="3200">
                 <a:ln w="12700">
@@ -11712,7 +11745,7 @@
                   </a:outerShdw>
                 </a:effectLst>
               </a:rPr>
-              <a:t>文本匹配模块的设计</a:t>
+              <a:t>的设计</a:t>
             </a:r>
             <a:endParaRPr lang="zh-CN" altLang="en-US" sz="3200">
               <a:ln w="12700">
@@ -11778,7 +11811,7 @@
       </p:sp>
       <p:pic>
         <p:nvPicPr>
-          <p:cNvPr id="4" name="Picture 3"/>
+          <p:cNvPr id="7" name="Picture 6"/>
           <p:cNvPicPr>
             <a:picLocks noChangeAspect="1"/>
           </p:cNvPicPr>
@@ -11792,8 +11825,8 @@
         </p:blipFill>
         <p:spPr>
           <a:xfrm>
-            <a:off x="1013460" y="1184910"/>
-            <a:ext cx="7117080" cy="2773680"/>
+            <a:off x="899160" y="1882140"/>
+            <a:ext cx="7345680" cy="1379220"/>
           </a:xfrm>
           <a:prstGeom prst="rect">
             <a:avLst/>
@@ -11879,7 +11912,7 @@
         <p:spPr>
           <a:xfrm>
             <a:off x="508635" y="218440"/>
-            <a:ext cx="5978525" cy="583565"/>
+            <a:ext cx="4441825" cy="583565"/>
           </a:xfrm>
           <a:prstGeom prst="rect">
             <a:avLst/>
@@ -11891,37 +11924,6 @@
             <a:spAutoFit/>
           </a:bodyPr>
           <a:p>
-            <a:r>
-              <a:rPr lang="en-US" altLang="zh-CN" sz="3200">
-                <a:ln w="12700">
-                  <a:solidFill>
-                    <a:schemeClr val="tx2">
-                      <a:lumMod val="75000"/>
-                    </a:schemeClr>
-                  </a:solidFill>
-                  <a:prstDash val="solid"/>
-                </a:ln>
-                <a:pattFill prst="dkUpDiag">
-                  <a:fgClr>
-                    <a:schemeClr val="tx2"/>
-                  </a:fgClr>
-                  <a:bgClr>
-                    <a:schemeClr val="tx2">
-                      <a:lumMod val="20000"/>
-                      <a:lumOff val="80000"/>
-                    </a:schemeClr>
-                  </a:bgClr>
-                </a:pattFill>
-                <a:effectLst>
-                  <a:outerShdw dist="38100" dir="2640000" algn="bl" rotWithShape="0">
-                    <a:schemeClr val="tx2">
-                      <a:lumMod val="75000"/>
-                    </a:schemeClr>
-                  </a:outerShdw>
-                </a:effectLst>
-              </a:rPr>
-              <a:t>Lattice-Transformer</a:t>
-            </a:r>
             <a:r>
               <a:rPr lang="zh-CN" altLang="en-US" sz="3200">
                 <a:ln w="12700">
@@ -11951,7 +11953,7 @@
                   </a:outerShdw>
                 </a:effectLst>
               </a:rPr>
-              <a:t>模型的设计</a:t>
+              <a:t>阅读理解模块的设计</a:t>
             </a:r>
             <a:endParaRPr lang="zh-CN" altLang="en-US" sz="3200">
               <a:ln w="12700">
@@ -12031,8 +12033,8 @@
         </p:blipFill>
         <p:spPr>
           <a:xfrm>
-            <a:off x="1059180" y="1924050"/>
-            <a:ext cx="7562850" cy="1394460"/>
+            <a:off x="2016125" y="868045"/>
+            <a:ext cx="5681980" cy="3719195"/>
           </a:xfrm>
           <a:prstGeom prst="rect">
             <a:avLst/>
@@ -12159,7 +12161,7 @@
                   </a:outerShdw>
                 </a:effectLst>
               </a:rPr>
-              <a:t>阅读理解模块的设计</a:t>
+              <a:t>联合训练两个模块</a:t>
             </a:r>
             <a:endParaRPr lang="zh-CN" altLang="en-US" sz="3200">
               <a:ln w="12700">
@@ -12225,7 +12227,7 @@
       </p:sp>
       <p:pic>
         <p:nvPicPr>
-          <p:cNvPr id="6" name="Picture 5"/>
+          <p:cNvPr id="4" name="Picture 3"/>
           <p:cNvPicPr>
             <a:picLocks noChangeAspect="1"/>
           </p:cNvPicPr>
@@ -12239,8 +12241,8 @@
         </p:blipFill>
         <p:spPr>
           <a:xfrm>
-            <a:off x="1713865" y="756285"/>
-            <a:ext cx="5819140" cy="3901440"/>
+            <a:off x="2807970" y="899160"/>
+            <a:ext cx="3528060" cy="3634740"/>
           </a:xfrm>
           <a:prstGeom prst="rect">
             <a:avLst/>
@@ -16783,200 +16785,14 @@
       </p:sp>
       <p:sp>
         <p:nvSpPr>
-          <p:cNvPr id="29" name="圆角矩形 8"/>
-          <p:cNvSpPr>
-            <a:spLocks noChangeArrowheads="1"/>
-          </p:cNvSpPr>
-          <p:nvPr/>
-        </p:nvSpPr>
-        <p:spPr bwMode="auto">
-          <a:xfrm>
-            <a:off x="4685030" y="2815590"/>
-            <a:ext cx="4368800" cy="1377315"/>
-          </a:xfrm>
-          <a:prstGeom prst="roundRect">
-            <a:avLst>
-              <a:gd name="adj" fmla="val 4324"/>
-            </a:avLst>
-          </a:prstGeom>
-          <a:solidFill>
-            <a:srgbClr val="F2F2F2"/>
-          </a:solidFill>
-          <a:ln w="9525">
-            <a:solidFill>
-              <a:schemeClr val="tx1"/>
-            </a:solidFill>
-            <a:round/>
-          </a:ln>
-        </p:spPr>
-        <p:txBody>
-          <a:bodyPr/>
-          <a:lstStyle>
-            <a:lvl1pPr eaLnBrk="0" hangingPunct="0">
-              <a:defRPr>
-                <a:solidFill>
-                  <a:schemeClr val="tx1"/>
-                </a:solidFill>
-                <a:latin typeface="Arial" panose="020B0604020202020204" pitchFamily="34" charset="0"/>
-                <a:ea typeface="宋体" panose="02010600030101010101" pitchFamily="2" charset="-122"/>
-              </a:defRPr>
-            </a:lvl1pPr>
-            <a:lvl2pPr eaLnBrk="0" hangingPunct="0">
-              <a:defRPr>
-                <a:solidFill>
-                  <a:schemeClr val="tx1"/>
-                </a:solidFill>
-                <a:latin typeface="Arial" panose="020B0604020202020204" pitchFamily="34" charset="0"/>
-                <a:ea typeface="宋体" panose="02010600030101010101" pitchFamily="2" charset="-122"/>
-              </a:defRPr>
-            </a:lvl2pPr>
-            <a:lvl3pPr eaLnBrk="0" hangingPunct="0">
-              <a:defRPr>
-                <a:solidFill>
-                  <a:schemeClr val="tx1"/>
-                </a:solidFill>
-                <a:latin typeface="Arial" panose="020B0604020202020204" pitchFamily="34" charset="0"/>
-                <a:ea typeface="宋体" panose="02010600030101010101" pitchFamily="2" charset="-122"/>
-              </a:defRPr>
-            </a:lvl3pPr>
-            <a:lvl4pPr eaLnBrk="0" hangingPunct="0">
-              <a:defRPr>
-                <a:solidFill>
-                  <a:schemeClr val="tx1"/>
-                </a:solidFill>
-                <a:latin typeface="Arial" panose="020B0604020202020204" pitchFamily="34" charset="0"/>
-                <a:ea typeface="宋体" panose="02010600030101010101" pitchFamily="2" charset="-122"/>
-              </a:defRPr>
-            </a:lvl4pPr>
-            <a:lvl5pPr eaLnBrk="0" hangingPunct="0">
-              <a:defRPr>
-                <a:solidFill>
-                  <a:schemeClr val="tx1"/>
-                </a:solidFill>
-                <a:latin typeface="Arial" panose="020B0604020202020204" pitchFamily="34" charset="0"/>
-                <a:ea typeface="宋体" panose="02010600030101010101" pitchFamily="2" charset="-122"/>
-              </a:defRPr>
-            </a:lvl5pPr>
-            <a:lvl6pPr eaLnBrk="0" fontAlgn="base" hangingPunct="0">
-              <a:spcBef>
-                <a:spcPct val="0"/>
-              </a:spcBef>
-              <a:spcAft>
-                <a:spcPct val="0"/>
-              </a:spcAft>
-              <a:buFont typeface="Arial" panose="020B0604020202020204" pitchFamily="34" charset="0"/>
-              <a:defRPr>
-                <a:solidFill>
-                  <a:schemeClr val="tx1"/>
-                </a:solidFill>
-                <a:latin typeface="Arial" panose="020B0604020202020204" pitchFamily="34" charset="0"/>
-                <a:ea typeface="宋体" panose="02010600030101010101" pitchFamily="2" charset="-122"/>
-              </a:defRPr>
-            </a:lvl6pPr>
-            <a:lvl7pPr eaLnBrk="0" fontAlgn="base" hangingPunct="0">
-              <a:spcBef>
-                <a:spcPct val="0"/>
-              </a:spcBef>
-              <a:spcAft>
-                <a:spcPct val="0"/>
-              </a:spcAft>
-              <a:buFont typeface="Arial" panose="020B0604020202020204" pitchFamily="34" charset="0"/>
-              <a:defRPr>
-                <a:solidFill>
-                  <a:schemeClr val="tx1"/>
-                </a:solidFill>
-                <a:latin typeface="Arial" panose="020B0604020202020204" pitchFamily="34" charset="0"/>
-                <a:ea typeface="宋体" panose="02010600030101010101" pitchFamily="2" charset="-122"/>
-              </a:defRPr>
-            </a:lvl7pPr>
-            <a:lvl8pPr eaLnBrk="0" fontAlgn="base" hangingPunct="0">
-              <a:spcBef>
-                <a:spcPct val="0"/>
-              </a:spcBef>
-              <a:spcAft>
-                <a:spcPct val="0"/>
-              </a:spcAft>
-              <a:buFont typeface="Arial" panose="020B0604020202020204" pitchFamily="34" charset="0"/>
-              <a:defRPr>
-                <a:solidFill>
-                  <a:schemeClr val="tx1"/>
-                </a:solidFill>
-                <a:latin typeface="Arial" panose="020B0604020202020204" pitchFamily="34" charset="0"/>
-                <a:ea typeface="宋体" panose="02010600030101010101" pitchFamily="2" charset="-122"/>
-              </a:defRPr>
-            </a:lvl8pPr>
-            <a:lvl9pPr eaLnBrk="0" fontAlgn="base" hangingPunct="0">
-              <a:spcBef>
-                <a:spcPct val="0"/>
-              </a:spcBef>
-              <a:spcAft>
-                <a:spcPct val="0"/>
-              </a:spcAft>
-              <a:buFont typeface="Arial" panose="020B0604020202020204" pitchFamily="34" charset="0"/>
-              <a:defRPr>
-                <a:solidFill>
-                  <a:schemeClr val="tx1"/>
-                </a:solidFill>
-                <a:latin typeface="Arial" panose="020B0604020202020204" pitchFamily="34" charset="0"/>
-                <a:ea typeface="宋体" panose="02010600030101010101" pitchFamily="2" charset="-122"/>
-              </a:defRPr>
-            </a:lvl9pPr>
-          </a:lstStyle>
-          <a:p>
-            <a:pPr eaLnBrk="1" hangingPunct="1"/>
-            <a:endParaRPr lang="zh-CN" altLang="en-US" sz="1350">
-              <a:solidFill>
-                <a:srgbClr val="C4261D"/>
-              </a:solidFill>
-            </a:endParaRPr>
-          </a:p>
-        </p:txBody>
-      </p:sp>
-      <p:cxnSp>
-        <p:nvCxnSpPr>
-          <p:cNvPr id="30" name="Straight Connector 29"/>
-          <p:cNvCxnSpPr/>
-          <p:nvPr/>
-        </p:nvCxnSpPr>
-        <p:spPr>
-          <a:xfrm>
-            <a:off x="4685030" y="3963035"/>
-            <a:ext cx="4236720" cy="8255"/>
-          </a:xfrm>
-          <a:prstGeom prst="line">
-            <a:avLst/>
-          </a:prstGeom>
-          <a:ln w="19050">
-            <a:solidFill>
-              <a:schemeClr val="tx1"/>
-            </a:solidFill>
-          </a:ln>
-        </p:spPr>
-        <p:style>
-          <a:lnRef idx="1">
-            <a:schemeClr val="accent1"/>
-          </a:lnRef>
-          <a:fillRef idx="0">
-            <a:schemeClr val="accent1"/>
-          </a:fillRef>
-          <a:effectRef idx="0">
-            <a:schemeClr val="accent1"/>
-          </a:effectRef>
-          <a:fontRef idx="minor">
-            <a:schemeClr val="tx1"/>
-          </a:fontRef>
-        </p:style>
-      </p:cxnSp>
-      <p:sp>
-        <p:nvSpPr>
-          <p:cNvPr id="31" name="Text Box 30"/>
+          <p:cNvPr id="33" name="Text Box 32"/>
           <p:cNvSpPr txBox="1"/>
           <p:nvPr/>
         </p:nvSpPr>
         <p:spPr>
           <a:xfrm>
-            <a:off x="4723130" y="2815590"/>
-            <a:ext cx="4404360" cy="922020"/>
+            <a:off x="900430" y="4240530"/>
+            <a:ext cx="2981325" cy="506730"/>
           </a:xfrm>
           <a:prstGeom prst="rect">
             <a:avLst/>
@@ -16989,120 +16805,16 @@
           </a:bodyPr>
           <a:p>
             <a:r>
-              <a:rPr lang="zh-CN" altLang="en-US" sz="900"/>
-              <a:t>文本段落：米象或米象鼻虫（学名：），俗称米虫、谷牛，中国北方地区称为麦甲。在台湾、日本和世界其他地方均有分布。常生活在谷物中，繁殖速度快，为谷物中主要的害虫。米象每年约有8～9个世代，一世代约20～50天，在高温下繁殖较快，32℃时一世代只需25天。成虫平均寿命达3个月。成虫用口器将谷物啮成深孔，并产卵于孔内，通常一粒谷粒产一卵，数量依谷粒大小而异。幼虫孵化后以谷粒为食，将谷粒蛀穿成弯曲隧道，并逐渐囓成虫粪则排于谷粒外。</a:t>
-            </a:r>
-            <a:endParaRPr lang="zh-CN" altLang="en-US" sz="900"/>
-          </a:p>
-        </p:txBody>
-      </p:sp>
-      <p:sp>
-        <p:nvSpPr>
-          <p:cNvPr id="32" name="Text Box 31"/>
-          <p:cNvSpPr txBox="1"/>
-          <p:nvPr/>
-        </p:nvSpPr>
-        <p:spPr>
-          <a:xfrm>
-            <a:off x="4685030" y="3963035"/>
-            <a:ext cx="4057015" cy="229870"/>
-          </a:xfrm>
-          <a:prstGeom prst="rect">
-            <a:avLst/>
-          </a:prstGeom>
-          <a:noFill/>
-        </p:spPr>
-        <p:txBody>
-          <a:bodyPr wrap="square" rtlCol="0">
-            <a:spAutoFit/>
-          </a:bodyPr>
-          <a:p>
-            <a:r>
-              <a:rPr lang="zh-CN" altLang="en-US" sz="900">
-                <a:solidFill>
-                  <a:schemeClr val="tx1"/>
-                </a:solidFill>
-                <a:uFillTx/>
-              </a:rPr>
-              <a:t>问题：华阳路街道四周相连的是什么地方？</a:t>
-            </a:r>
-            <a:endParaRPr lang="zh-CN" altLang="en-US" sz="900">
-              <a:solidFill>
-                <a:schemeClr val="tx1"/>
-              </a:solidFill>
-              <a:uFillTx/>
-            </a:endParaRPr>
-          </a:p>
-        </p:txBody>
-      </p:sp>
-      <p:sp>
-        <p:nvSpPr>
-          <p:cNvPr id="33" name="Text Box 32"/>
-          <p:cNvSpPr txBox="1"/>
-          <p:nvPr/>
-        </p:nvSpPr>
-        <p:spPr>
-          <a:xfrm>
-            <a:off x="900430" y="4240530"/>
-            <a:ext cx="2981325" cy="506730"/>
-          </a:xfrm>
-          <a:prstGeom prst="rect">
-            <a:avLst/>
-          </a:prstGeom>
-          <a:noFill/>
-        </p:spPr>
-        <p:txBody>
-          <a:bodyPr wrap="square" rtlCol="0">
-            <a:spAutoFit/>
-          </a:bodyPr>
-          <a:p>
-            <a:r>
               <a:rPr lang="zh-CN" altLang="en-US"/>
               <a:t>随机选取句子替换掉答案所在的句子，构造</a:t>
             </a:r>
             <a:r>
               <a:rPr lang="en-US" altLang="zh-CN"/>
-              <a:t>3</a:t>
+              <a:t>4</a:t>
             </a:r>
             <a:r>
               <a:rPr lang="zh-CN" altLang="en-US"/>
               <a:t>个负样本</a:t>
-            </a:r>
-            <a:endParaRPr lang="zh-CN" altLang="en-US"/>
-          </a:p>
-        </p:txBody>
-      </p:sp>
-      <p:sp>
-        <p:nvSpPr>
-          <p:cNvPr id="34" name="Text Box 33"/>
-          <p:cNvSpPr txBox="1"/>
-          <p:nvPr/>
-        </p:nvSpPr>
-        <p:spPr>
-          <a:xfrm>
-            <a:off x="5760720" y="4240530"/>
-            <a:ext cx="2981325" cy="506730"/>
-          </a:xfrm>
-          <a:prstGeom prst="rect">
-            <a:avLst/>
-          </a:prstGeom>
-          <a:noFill/>
-        </p:spPr>
-        <p:txBody>
-          <a:bodyPr wrap="square" rtlCol="0">
-            <a:spAutoFit/>
-          </a:bodyPr>
-          <a:p>
-            <a:r>
-              <a:rPr lang="zh-CN" altLang="en-US"/>
-              <a:t>随机选取一篇文章替换原来的文章，</a:t>
-            </a:r>
-            <a:endParaRPr lang="zh-CN" altLang="en-US"/>
-          </a:p>
-          <a:p>
-            <a:r>
-              <a:rPr lang="zh-CN" altLang="en-US"/>
-              <a:t>构造一个负样本</a:t>
             </a:r>
             <a:endParaRPr lang="zh-CN" altLang="en-US"/>
           </a:p>
@@ -21048,32 +20760,6 @@
       </p:sp>
       <p:pic>
         <p:nvPicPr>
-          <p:cNvPr id="4" name="Content Placeholder 3"/>
-          <p:cNvPicPr>
-            <a:picLocks noChangeAspect="1"/>
-          </p:cNvPicPr>
-          <p:nvPr>
-            <p:ph idx="1"/>
-          </p:nvPr>
-        </p:nvPicPr>
-        <p:blipFill>
-          <a:blip r:embed="rId1"/>
-          <a:stretch>
-            <a:fillRect/>
-          </a:stretch>
-        </p:blipFill>
-        <p:spPr>
-          <a:xfrm>
-            <a:off x="111125" y="735330"/>
-            <a:ext cx="8693150" cy="3434080"/>
-          </a:xfrm>
-          <a:prstGeom prst="rect">
-            <a:avLst/>
-          </a:prstGeom>
-        </p:spPr>
-      </p:pic>
-      <p:pic>
-        <p:nvPicPr>
           <p:cNvPr id="7" name="图片 3"/>
           <p:cNvPicPr>
             <a:picLocks noChangeAspect="1"/>
@@ -21081,7 +20767,7 @@
           <p:nvPr/>
         </p:nvPicPr>
         <p:blipFill>
-          <a:blip r:embed="rId2" cstate="print">
+          <a:blip r:embed="rId1" cstate="print">
             <a:extLst>
               <a:ext uri="{28A0092B-C50C-407E-A947-70E740481C1C}">
                 <a14:useLocalDpi xmlns:a14="http://schemas.microsoft.com/office/drawing/2010/main" val="0"/>
@@ -21096,6 +20782,32 @@
           <a:xfrm>
             <a:off x="7600315" y="100330"/>
             <a:ext cx="1467485" cy="490220"/>
+          </a:xfrm>
+          <a:prstGeom prst="rect">
+            <a:avLst/>
+          </a:prstGeom>
+        </p:spPr>
+      </p:pic>
+      <p:pic>
+        <p:nvPicPr>
+          <p:cNvPr id="9" name="内容占位符 8" descr="2020-11-12 08-27-56 的屏幕截图"/>
+          <p:cNvPicPr>
+            <a:picLocks noChangeAspect="1"/>
+          </p:cNvPicPr>
+          <p:nvPr>
+            <p:ph idx="1"/>
+          </p:nvPr>
+        </p:nvPicPr>
+        <p:blipFill>
+          <a:blip r:embed="rId2"/>
+          <a:stretch>
+            <a:fillRect/>
+          </a:stretch>
+        </p:blipFill>
+        <p:spPr>
+          <a:xfrm>
+            <a:off x="1066165" y="1585595"/>
+            <a:ext cx="6782435" cy="2367915"/>
           </a:xfrm>
           <a:prstGeom prst="rect">
             <a:avLst/>
@@ -21178,7 +20890,7 @@
       </p:pic>
       <p:pic>
         <p:nvPicPr>
-          <p:cNvPr id="9" name="内容占位符 8" descr="2020-11-12 08-27-56 的屏幕截图"/>
+          <p:cNvPr id="4" name="内容占位符 3" descr="2020-11-12 08-28-09 的屏幕截图"/>
           <p:cNvPicPr>
             <a:picLocks noChangeAspect="1"/>
           </p:cNvPicPr>
@@ -21194,8 +20906,8 @@
         </p:blipFill>
         <p:spPr>
           <a:xfrm>
-            <a:off x="1066165" y="1585595"/>
-            <a:ext cx="6782435" cy="2367915"/>
+            <a:off x="943610" y="1638935"/>
+            <a:ext cx="6784340" cy="2408555"/>
           </a:xfrm>
           <a:prstGeom prst="rect">
             <a:avLst/>
@@ -22339,6 +22051,283 @@
 </file>
 
 <file path=ppt/slides/slide31.xml><?xml version="1.0" encoding="utf-8"?>
+<p:sld xmlns:a="http://schemas.openxmlformats.org/drawingml/2006/main" xmlns:r="http://schemas.openxmlformats.org/officeDocument/2006/relationships" xmlns:p="http://schemas.openxmlformats.org/presentationml/2006/main">
+  <p:cSld>
+    <p:spTree>
+      <p:nvGrpSpPr>
+        <p:cNvPr id="1" name=""/>
+        <p:cNvGrpSpPr/>
+        <p:nvPr/>
+      </p:nvGrpSpPr>
+      <p:grpSpPr/>
+      <p:sp>
+        <p:nvSpPr>
+          <p:cNvPr id="2" name="Title 1"/>
+          <p:cNvSpPr>
+            <a:spLocks noGrp="1"/>
+          </p:cNvSpPr>
+          <p:nvPr>
+            <p:ph type="title"/>
+          </p:nvPr>
+        </p:nvSpPr>
+        <p:spPr/>
+        <p:txBody>
+          <a:bodyPr/>
+          <a:p>
+            <a:endParaRPr lang="en-US"/>
+          </a:p>
+        </p:txBody>
+      </p:sp>
+      <p:pic>
+        <p:nvPicPr>
+          <p:cNvPr id="7" name="图片 3"/>
+          <p:cNvPicPr>
+            <a:picLocks noChangeAspect="1"/>
+          </p:cNvPicPr>
+          <p:nvPr/>
+        </p:nvPicPr>
+        <p:blipFill>
+          <a:blip r:embed="rId1" cstate="print">
+            <a:extLst>
+              <a:ext uri="{28A0092B-C50C-407E-A947-70E740481C1C}">
+                <a14:useLocalDpi xmlns:a14="http://schemas.microsoft.com/office/drawing/2010/main" val="0"/>
+              </a:ext>
+            </a:extLst>
+          </a:blip>
+          <a:stretch>
+            <a:fillRect/>
+          </a:stretch>
+        </p:blipFill>
+        <p:spPr>
+          <a:xfrm>
+            <a:off x="7600315" y="100330"/>
+            <a:ext cx="1467485" cy="490220"/>
+          </a:xfrm>
+          <a:prstGeom prst="rect">
+            <a:avLst/>
+          </a:prstGeom>
+        </p:spPr>
+      </p:pic>
+      <p:pic>
+        <p:nvPicPr>
+          <p:cNvPr id="5" name="Content Placeholder 4"/>
+          <p:cNvPicPr>
+            <a:picLocks noChangeAspect="1"/>
+          </p:cNvPicPr>
+          <p:nvPr>
+            <p:ph idx="1"/>
+          </p:nvPr>
+        </p:nvPicPr>
+        <p:blipFill>
+          <a:blip r:embed="rId2"/>
+          <a:stretch>
+            <a:fillRect/>
+          </a:stretch>
+        </p:blipFill>
+        <p:spPr>
+          <a:xfrm>
+            <a:off x="1901190" y="273685"/>
+            <a:ext cx="4347845" cy="2479675"/>
+          </a:xfrm>
+          <a:prstGeom prst="rect">
+            <a:avLst/>
+          </a:prstGeom>
+        </p:spPr>
+      </p:pic>
+      <p:pic>
+        <p:nvPicPr>
+          <p:cNvPr id="6" name="Picture 5"/>
+          <p:cNvPicPr>
+            <a:picLocks noChangeAspect="1"/>
+          </p:cNvPicPr>
+          <p:nvPr/>
+        </p:nvPicPr>
+        <p:blipFill>
+          <a:blip r:embed="rId3"/>
+          <a:stretch>
+            <a:fillRect/>
+          </a:stretch>
+        </p:blipFill>
+        <p:spPr>
+          <a:xfrm>
+            <a:off x="1901190" y="3145790"/>
+            <a:ext cx="4348480" cy="1358265"/>
+          </a:xfrm>
+          <a:prstGeom prst="rect">
+            <a:avLst/>
+          </a:prstGeom>
+        </p:spPr>
+      </p:pic>
+      <p:sp>
+        <p:nvSpPr>
+          <p:cNvPr id="8" name="Text Box 7"/>
+          <p:cNvSpPr txBox="1"/>
+          <p:nvPr/>
+        </p:nvSpPr>
+        <p:spPr>
+          <a:xfrm>
+            <a:off x="1362075" y="4639945"/>
+            <a:ext cx="6419850" cy="299085"/>
+          </a:xfrm>
+          <a:prstGeom prst="rect">
+            <a:avLst/>
+          </a:prstGeom>
+          <a:noFill/>
+        </p:spPr>
+        <p:txBody>
+          <a:bodyPr wrap="square" rtlCol="0">
+            <a:spAutoFit/>
+          </a:bodyPr>
+          <a:p>
+            <a:r>
+              <a:rPr lang="en-US"/>
+              <a:t>对文中引用张鷟的话的作用分析正确的</a:t>
+            </a:r>
+            <a:r>
+              <a:rPr lang="zh-CN" altLang="en-US"/>
+              <a:t>是生动形象地说明了赵州桥高度的技术水平</a:t>
+            </a:r>
+            <a:endParaRPr lang="zh-CN" altLang="en-US"/>
+          </a:p>
+        </p:txBody>
+      </p:sp>
+      <p:sp>
+        <p:nvSpPr>
+          <p:cNvPr id="9" name="Text Box 8"/>
+          <p:cNvSpPr txBox="1"/>
+          <p:nvPr/>
+        </p:nvSpPr>
+        <p:spPr>
+          <a:xfrm>
+            <a:off x="6702425" y="1527175"/>
+            <a:ext cx="1993265" cy="299085"/>
+          </a:xfrm>
+          <a:prstGeom prst="rect">
+            <a:avLst/>
+          </a:prstGeom>
+          <a:noFill/>
+        </p:spPr>
+        <p:txBody>
+          <a:bodyPr wrap="square" rtlCol="0">
+            <a:spAutoFit/>
+          </a:bodyPr>
+          <a:p>
+            <a:r>
+              <a:rPr lang="zh-CN" altLang="en-US"/>
+              <a:t>构造正样本</a:t>
+            </a:r>
+            <a:endParaRPr lang="zh-CN" altLang="en-US"/>
+          </a:p>
+        </p:txBody>
+      </p:sp>
+    </p:spTree>
+  </p:cSld>
+  <p:clrMapOvr>
+    <a:masterClrMapping/>
+  </p:clrMapOvr>
+  <mc:AlternateContent xmlns:mc="http://schemas.openxmlformats.org/markup-compatibility/2006">
+    <mc:Choice xmlns:p14="http://schemas.microsoft.com/office/powerpoint/2010/main" Requires="p14">
+      <p:transition spd="slow" p14:dur="2000" advTm="3000"/>
+    </mc:Choice>
+    <mc:Fallback>
+      <p:transition spd="slow" advTm="3000"/>
+    </mc:Fallback>
+  </mc:AlternateContent>
+</p:sld>
+</file>
+
+<file path=ppt/slides/slide32.xml><?xml version="1.0" encoding="utf-8"?>
+<p:sld xmlns:a="http://schemas.openxmlformats.org/drawingml/2006/main" xmlns:r="http://schemas.openxmlformats.org/officeDocument/2006/relationships" xmlns:p="http://schemas.openxmlformats.org/presentationml/2006/main">
+  <p:cSld>
+    <p:spTree>
+      <p:nvGrpSpPr>
+        <p:cNvPr id="1" name=""/>
+        <p:cNvGrpSpPr/>
+        <p:nvPr/>
+      </p:nvGrpSpPr>
+      <p:grpSpPr/>
+      <p:sp>
+        <p:nvSpPr>
+          <p:cNvPr id="2" name="Title 1"/>
+          <p:cNvSpPr>
+            <a:spLocks noGrp="1"/>
+          </p:cNvSpPr>
+          <p:nvPr>
+            <p:ph type="title"/>
+          </p:nvPr>
+        </p:nvSpPr>
+        <p:spPr/>
+        <p:txBody>
+          <a:bodyPr/>
+          <a:p>
+            <a:endParaRPr lang="en-US"/>
+          </a:p>
+        </p:txBody>
+      </p:sp>
+      <p:sp>
+        <p:nvSpPr>
+          <p:cNvPr id="3" name="Content Placeholder 2"/>
+          <p:cNvSpPr>
+            <a:spLocks noGrp="1"/>
+          </p:cNvSpPr>
+          <p:nvPr>
+            <p:ph idx="1"/>
+          </p:nvPr>
+        </p:nvSpPr>
+        <p:spPr/>
+        <p:txBody>
+          <a:bodyPr/>
+          <a:p>
+            <a:endParaRPr lang="en-US"/>
+          </a:p>
+        </p:txBody>
+      </p:sp>
+      <p:sp>
+        <p:nvSpPr>
+          <p:cNvPr id="4" name="Text Box 3"/>
+          <p:cNvSpPr txBox="1"/>
+          <p:nvPr/>
+        </p:nvSpPr>
+        <p:spPr>
+          <a:xfrm>
+            <a:off x="2228215" y="1551305"/>
+            <a:ext cx="6374765" cy="506730"/>
+          </a:xfrm>
+          <a:prstGeom prst="rect">
+            <a:avLst/>
+          </a:prstGeom>
+          <a:noFill/>
+        </p:spPr>
+        <p:txBody>
+          <a:bodyPr wrap="square" rtlCol="0">
+            <a:spAutoFit/>
+          </a:bodyPr>
+          <a:p>
+            <a:r>
+              <a:rPr lang="zh-CN" altLang="en-US"/>
+              <a:t>机器阅读理解是问答系统的核心模块，通过理解用户问题、理解相关文档，返还给用户精准的答案。</a:t>
+            </a:r>
+            <a:endParaRPr lang="zh-CN" altLang="en-US"/>
+          </a:p>
+        </p:txBody>
+      </p:sp>
+    </p:spTree>
+  </p:cSld>
+  <p:clrMapOvr>
+    <a:masterClrMapping/>
+  </p:clrMapOvr>
+  <mc:AlternateContent xmlns:mc="http://schemas.openxmlformats.org/markup-compatibility/2006">
+    <mc:Choice xmlns:p14="http://schemas.microsoft.com/office/powerpoint/2010/main" Requires="p14">
+      <p:transition spd="slow" p14:dur="2000" advTm="3000"/>
+    </mc:Choice>
+    <mc:Fallback>
+      <p:transition spd="slow" advTm="3000"/>
+    </mc:Fallback>
+  </mc:AlternateContent>
+</p:sld>
+</file>
+
+<file path=ppt/slides/slide33.xml><?xml version="1.0" encoding="utf-8"?>
 <p:sld xmlns:a="http://schemas.openxmlformats.org/drawingml/2006/main" xmlns:r="http://schemas.openxmlformats.org/officeDocument/2006/relationships" xmlns:p="http://schemas.openxmlformats.org/presentationml/2006/main">
   <p:cSld>
     <p:spTree>

--- a/孙相会.pptx
+++ b/孙相会.pptx
@@ -5209,8 +5209,8 @@
         </p:nvSpPr>
         <p:spPr>
           <a:xfrm>
-            <a:off x="3310255" y="3780155"/>
-            <a:ext cx="2854325" cy="953135"/>
+            <a:off x="2679065" y="3587750"/>
+            <a:ext cx="2973705" cy="953135"/>
           </a:xfrm>
           <a:prstGeom prst="rect">
             <a:avLst/>
@@ -5226,12 +5226,17 @@
             <a:pPr algn="ctr"/>
             <a:r>
               <a:rPr lang="zh-CN" altLang="en-US" sz="1400" dirty="0" smtClean="0">
-                <a:solidFill>
-                  <a:schemeClr val="tx1">
-                    <a:lumMod val="50000"/>
-                    <a:lumOff val="50000"/>
-                  </a:schemeClr>
-                </a:solidFill>
+                <a:ln/>
+                <a:solidFill>
+                  <a:schemeClr val="tx1"/>
+                </a:solidFill>
+                <a:effectLst>
+                  <a:outerShdw blurRad="38100" dist="19050" dir="2700000" algn="tl" rotWithShape="0">
+                    <a:schemeClr val="dk1">
+                      <a:alpha val="40000"/>
+                    </a:schemeClr>
+                  </a:outerShdw>
+                </a:effectLst>
                 <a:latin typeface="Agency FB" panose="020B0503020202020204" pitchFamily="34" charset="0"/>
                 <a:cs typeface="+mn-ea"/>
                 <a:sym typeface="+mn-lt"/>
@@ -5239,26 +5244,36 @@
               <a:t>汇报人：孙相会</a:t>
             </a:r>
             <a:r>
-              <a:rPr lang="" altLang="zh-CN" sz="1400" dirty="0" smtClean="0">
-                <a:solidFill>
-                  <a:schemeClr val="tx1">
-                    <a:lumMod val="50000"/>
-                    <a:lumOff val="50000"/>
-                  </a:schemeClr>
-                </a:solidFill>
+              <a:rPr lang="en-US" altLang="zh-CN" sz="1400" dirty="0" smtClean="0">
+                <a:ln/>
+                <a:solidFill>
+                  <a:schemeClr val="tx1"/>
+                </a:solidFill>
+                <a:effectLst>
+                  <a:outerShdw blurRad="38100" dist="19050" dir="2700000" algn="tl" rotWithShape="0">
+                    <a:schemeClr val="dk1">
+                      <a:alpha val="40000"/>
+                    </a:schemeClr>
+                  </a:outerShdw>
+                </a:effectLst>
                 <a:latin typeface="Agency FB" panose="020B0503020202020204" pitchFamily="34" charset="0"/>
                 <a:cs typeface="+mn-ea"/>
                 <a:sym typeface="+mn-lt"/>
               </a:rPr>
-              <a:t>  </a:t>
-            </a:r>
-            <a:endParaRPr lang="" altLang="zh-CN" sz="1400" dirty="0" smtClean="0">
+              <a:t> </a:t>
+            </a:r>
+            <a:endParaRPr lang="en-US" altLang="zh-CN" sz="1400" dirty="0" smtClean="0">
+              <a:ln/>
               <a:solidFill>
-                <a:schemeClr val="tx1">
-                  <a:lumMod val="50000"/>
-                  <a:lumOff val="50000"/>
-                </a:schemeClr>
+                <a:schemeClr val="tx1"/>
               </a:solidFill>
+              <a:effectLst>
+                <a:outerShdw blurRad="38100" dist="19050" dir="2700000" algn="tl" rotWithShape="0">
+                  <a:schemeClr val="dk1">
+                    <a:alpha val="40000"/>
+                  </a:schemeClr>
+                </a:outerShdw>
+              </a:effectLst>
               <a:latin typeface="Agency FB" panose="020B0503020202020204" pitchFamily="34" charset="0"/>
               <a:cs typeface="+mn-ea"/>
               <a:sym typeface="+mn-lt"/>
@@ -5267,40 +5282,74 @@
           <a:p>
             <a:pPr algn="ctr"/>
             <a:r>
-              <a:rPr lang="zh-CN" altLang="en-US" sz="1400" dirty="0" smtClean="0">
-                <a:solidFill>
-                  <a:schemeClr val="tx1">
-                    <a:lumMod val="50000"/>
-                    <a:lumOff val="50000"/>
-                  </a:schemeClr>
-                </a:solidFill>
+              <a:rPr lang="en-US" altLang="zh-CN" sz="1400" dirty="0" smtClean="0">
+                <a:ln/>
+                <a:solidFill>
+                  <a:schemeClr val="tx1"/>
+                </a:solidFill>
+                <a:effectLst>
+                  <a:outerShdw blurRad="38100" dist="19050" dir="2700000" algn="tl" rotWithShape="0">
+                    <a:schemeClr val="dk1">
+                      <a:alpha val="40000"/>
+                    </a:schemeClr>
+                  </a:outerShdw>
+                </a:effectLst>
                 <a:latin typeface="Agency FB" panose="020B0503020202020204" pitchFamily="34" charset="0"/>
                 <a:cs typeface="+mn-ea"/>
                 <a:sym typeface="+mn-lt"/>
               </a:rPr>
-              <a:t>学号：</a:t>
-            </a:r>
-            <a:r>
-              <a:rPr lang="" altLang="zh-CN" sz="1400" dirty="0" smtClean="0">
-                <a:solidFill>
-                  <a:schemeClr val="tx1">
-                    <a:lumMod val="50000"/>
-                    <a:lumOff val="50000"/>
+              <a:t> </a:t>
+            </a:r>
+            <a:endParaRPr lang="en-US" altLang="zh-CN" sz="1400" dirty="0" smtClean="0">
+              <a:ln/>
+              <a:solidFill>
+                <a:schemeClr val="tx1"/>
+              </a:solidFill>
+              <a:effectLst>
+                <a:outerShdw blurRad="38100" dist="19050" dir="2700000" algn="tl" rotWithShape="0">
+                  <a:schemeClr val="dk1">
+                    <a:alpha val="40000"/>
                   </a:schemeClr>
-                </a:solidFill>
+                </a:outerShdw>
+              </a:effectLst>
+              <a:latin typeface="Agency FB" panose="020B0503020202020204" pitchFamily="34" charset="0"/>
+              <a:cs typeface="+mn-ea"/>
+              <a:sym typeface="+mn-lt"/>
+            </a:endParaRPr>
+          </a:p>
+          <a:p>
+            <a:pPr algn="ctr"/>
+            <a:r>
+              <a:rPr lang="zh-CN" altLang="en-US" sz="1400" dirty="0" smtClean="0">
+                <a:ln/>
+                <a:solidFill>
+                  <a:schemeClr val="tx1"/>
+                </a:solidFill>
+                <a:effectLst>
+                  <a:outerShdw blurRad="38100" dist="19050" dir="2700000" algn="tl" rotWithShape="0">
+                    <a:schemeClr val="dk1">
+                      <a:alpha val="40000"/>
+                    </a:schemeClr>
+                  </a:outerShdw>
+                </a:effectLst>
                 <a:latin typeface="Agency FB" panose="020B0503020202020204" pitchFamily="34" charset="0"/>
                 <a:cs typeface="+mn-ea"/>
                 <a:sym typeface="+mn-lt"/>
               </a:rPr>
-              <a:t>1971654</a:t>
-            </a:r>
-            <a:endParaRPr lang="" altLang="zh-CN" sz="1400" dirty="0" smtClean="0">
+              <a:t>指导教师：张天成</a:t>
+            </a:r>
+            <a:endParaRPr lang="zh-CN" altLang="en-US" sz="1400" dirty="0" smtClean="0">
+              <a:ln/>
               <a:solidFill>
-                <a:schemeClr val="tx1">
-                  <a:lumMod val="50000"/>
-                  <a:lumOff val="50000"/>
-                </a:schemeClr>
+                <a:schemeClr val="tx1"/>
               </a:solidFill>
+              <a:effectLst>
+                <a:outerShdw blurRad="38100" dist="19050" dir="2700000" algn="tl" rotWithShape="0">
+                  <a:schemeClr val="dk1">
+                    <a:alpha val="40000"/>
+                  </a:schemeClr>
+                </a:outerShdw>
+              </a:effectLst>
               <a:latin typeface="Agency FB" panose="020B0503020202020204" pitchFamily="34" charset="0"/>
               <a:cs typeface="+mn-ea"/>
               <a:sym typeface="+mn-lt"/>
@@ -5308,41 +5357,18 @@
           </a:p>
           <a:p>
             <a:pPr algn="ctr"/>
-            <a:r>
-              <a:rPr lang="zh-CN" altLang="" sz="1400" dirty="0" smtClean="0">
-                <a:solidFill>
-                  <a:schemeClr val="tx1">
-                    <a:lumMod val="50000"/>
-                    <a:lumOff val="50000"/>
+            <a:endParaRPr lang="zh-CN" altLang="en-US" sz="1400" dirty="0" smtClean="0">
+              <a:ln/>
+              <a:solidFill>
+                <a:schemeClr val="tx1"/>
+              </a:solidFill>
+              <a:effectLst>
+                <a:outerShdw blurRad="38100" dist="19050" dir="2700000" algn="tl" rotWithShape="0">
+                  <a:schemeClr val="dk1">
+                    <a:alpha val="40000"/>
                   </a:schemeClr>
-                </a:solidFill>
-                <a:latin typeface="Agency FB" panose="020B0503020202020204" pitchFamily="34" charset="0"/>
-                <a:cs typeface="+mn-ea"/>
-                <a:sym typeface="+mn-lt"/>
-              </a:rPr>
-              <a:t>导师：张天成</a:t>
-            </a:r>
-            <a:endParaRPr lang="zh-CN" altLang="" sz="1400" dirty="0" smtClean="0">
-              <a:solidFill>
-                <a:schemeClr val="tx1">
-                  <a:lumMod val="50000"/>
-                  <a:lumOff val="50000"/>
-                </a:schemeClr>
-              </a:solidFill>
-              <a:latin typeface="Agency FB" panose="020B0503020202020204" pitchFamily="34" charset="0"/>
-              <a:cs typeface="+mn-ea"/>
-              <a:sym typeface="+mn-lt"/>
-            </a:endParaRPr>
-          </a:p>
-          <a:p>
-            <a:pPr algn="ctr"/>
-            <a:endParaRPr lang="zh-CN" altLang="" sz="1400" dirty="0" smtClean="0">
-              <a:solidFill>
-                <a:schemeClr val="tx1">
-                  <a:lumMod val="50000"/>
-                  <a:lumOff val="50000"/>
-                </a:schemeClr>
-              </a:solidFill>
+                </a:outerShdw>
+              </a:effectLst>
               <a:latin typeface="Agency FB" panose="020B0503020202020204" pitchFamily="34" charset="0"/>
               <a:cs typeface="+mn-ea"/>
               <a:sym typeface="+mn-lt"/>
@@ -5388,7 +5414,7 @@
         </p:nvSpPr>
         <p:spPr>
           <a:xfrm>
-            <a:off x="410845" y="2263775"/>
+            <a:off x="450850" y="2043430"/>
             <a:ext cx="8458835" cy="1057275"/>
           </a:xfrm>
           <a:prstGeom prst="rect">
@@ -21696,7 +21722,7 @@
         </p:nvSpPr>
         <p:spPr bwMode="auto">
           <a:xfrm>
-            <a:off x="4666615" y="1697990"/>
+            <a:off x="4638675" y="1697990"/>
             <a:ext cx="3909695" cy="2917190"/>
           </a:xfrm>
           <a:prstGeom prst="roundRect">
@@ -21858,20 +21884,10 @@
           </a:bodyPr>
           <a:lstStyle/>
           <a:p>
-            <a:pPr marL="214630" indent="-214630">
+            <a:pPr indent="0">
               <a:buFont typeface="Symbol" panose="05050102010706020507" pitchFamily="18" charset="2"/>
-              <a:buChar char="·"/>
+              <a:buNone/>
             </a:pPr>
-            <a:r>
-              <a:rPr lang="zh-CN" altLang="en-US" sz="1600" dirty="0">
-                <a:solidFill>
-                  <a:srgbClr val="FF0000"/>
-                </a:solidFill>
-                <a:latin typeface="Songti SC" panose="02010600040101010101" pitchFamily="2" charset="-122"/>
-                <a:ea typeface="Songti SC" panose="02010600040101010101" pitchFamily="2" charset="-122"/>
-              </a:rPr>
-              <a:t>东北大学建龙钢铁挑战赛</a:t>
-            </a:r>
             <a:endParaRPr lang="zh-CN" altLang="zh-CN" sz="1600" dirty="0">
               <a:solidFill>
                 <a:srgbClr val="FF0000"/>
@@ -21888,7 +21904,7 @@
             <a:r>
               <a:rPr lang="zh-CN" altLang="zh-CN" sz="1600" dirty="0">
                 <a:solidFill>
-                  <a:srgbClr val="FF0000"/>
+                  <a:schemeClr val="tx1"/>
                 </a:solidFill>
                 <a:latin typeface="Songti SC" panose="02010600040101010101" pitchFamily="2" charset="-122"/>
                 <a:ea typeface="Songti SC" panose="02010600040101010101" pitchFamily="2" charset="-122"/>
@@ -22623,7 +22639,36 @@
                   </a:outerShdw>
                 </a:effectLst>
               </a:rPr>
-              <a:t>理解用户问题，返回</a:t>
+              <a:t>理解用户问题，</a:t>
+            </a:r>
+            <a:endParaRPr lang="zh-CN" altLang="en-US" sz="1600">
+              <a:solidFill>
+                <a:schemeClr val="tx1"/>
+              </a:solidFill>
+              <a:effectLst>
+                <a:outerShdw blurRad="38100" dist="19050" dir="2700000" algn="tl" rotWithShape="0">
+                  <a:schemeClr val="dk1">
+                    <a:alpha val="40000"/>
+                  </a:schemeClr>
+                </a:outerShdw>
+              </a:effectLst>
+            </a:endParaRPr>
+          </a:p>
+          <a:p>
+            <a:r>
+              <a:rPr lang="zh-CN" altLang="en-US" sz="1600">
+                <a:solidFill>
+                  <a:schemeClr val="tx1"/>
+                </a:solidFill>
+                <a:effectLst>
+                  <a:outerShdw blurRad="38100" dist="19050" dir="2700000" algn="tl" rotWithShape="0">
+                    <a:schemeClr val="dk1">
+                      <a:alpha val="40000"/>
+                    </a:schemeClr>
+                  </a:outerShdw>
+                </a:effectLst>
+              </a:rPr>
+              <a:t>返回</a:t>
             </a:r>
             <a:r>
               <a:rPr lang="zh-CN" altLang="en-US" sz="1600">
@@ -22758,8 +22803,8 @@
         </p:nvSpPr>
         <p:spPr>
           <a:xfrm>
-            <a:off x="98425" y="3771265"/>
-            <a:ext cx="3673475" cy="829945"/>
+            <a:off x="821690" y="3723640"/>
+            <a:ext cx="2499995" cy="829945"/>
           </a:xfrm>
           <a:prstGeom prst="rect">
             <a:avLst/>
@@ -22790,6 +22835,35 @@
           </a:p>
           <a:p>
             <a:endParaRPr lang="en-US" sz="1600"/>
+          </a:p>
+        </p:txBody>
+      </p:sp>
+      <p:sp>
+        <p:nvSpPr>
+          <p:cNvPr id="2" name="Text Box 1"/>
+          <p:cNvSpPr txBox="true"/>
+          <p:nvPr/>
+        </p:nvSpPr>
+        <p:spPr>
+          <a:xfrm>
+            <a:off x="2836545" y="832485"/>
+            <a:ext cx="3277235" cy="299085"/>
+          </a:xfrm>
+          <a:prstGeom prst="rect">
+            <a:avLst/>
+          </a:prstGeom>
+          <a:noFill/>
+        </p:spPr>
+        <p:txBody>
+          <a:bodyPr wrap="square" rtlCol="0">
+            <a:spAutoFit/>
+          </a:bodyPr>
+          <a:p>
+            <a:r>
+              <a:rPr lang="zh-CN" altLang="en-US"/>
+              <a:t>搜索引擎不能返回</a:t>
+            </a:r>
+            <a:endParaRPr lang="zh-CN" altLang="en-US"/>
           </a:p>
         </p:txBody>
       </p:sp>

--- a/孙相会.pptx
+++ b/孙相会.pptx
@@ -36,9 +36,10 @@
     <p:sldId id="398" r:id="rId29"/>
     <p:sldId id="404" r:id="rId30"/>
     <p:sldId id="597" r:id="rId31"/>
-    <p:sldId id="579" r:id="rId32"/>
-    <p:sldId id="403" r:id="rId33"/>
-    <p:sldId id="578" r:id="rId34"/>
+    <p:sldId id="626" r:id="rId32"/>
+    <p:sldId id="579" r:id="rId33"/>
+    <p:sldId id="403" r:id="rId34"/>
+    <p:sldId id="578" r:id="rId35"/>
   </p:sldIdLst>
   <p:sldSz cx="9144000" cy="5143500" type="screen16x9"/>
   <p:notesSz cx="6858000" cy="9144000"/>
@@ -172,7 +173,7 @@
         <p:nvSpPr>
           <p:cNvPr id="2" name="页眉占位符 1"/>
           <p:cNvSpPr>
-            <a:spLocks noGrp="1"/>
+            <a:spLocks noGrp="true"/>
           </p:cNvSpPr>
           <p:nvPr>
             <p:ph type="hdr" sz="quarter"/>
@@ -203,7 +204,7 @@
         <p:nvSpPr>
           <p:cNvPr id="3" name="日期占位符 2"/>
           <p:cNvSpPr>
-            <a:spLocks noGrp="1"/>
+            <a:spLocks noGrp="true"/>
           </p:cNvSpPr>
           <p:nvPr>
             <p:ph type="dt" idx="1"/>
@@ -237,7 +238,7 @@
         <p:nvSpPr>
           <p:cNvPr id="4" name="幻灯片图像占位符 3"/>
           <p:cNvSpPr>
-            <a:spLocks noGrp="1" noRot="1" noChangeAspect="1"/>
+            <a:spLocks noGrp="true" noRot="true" noChangeAspect="true"/>
           </p:cNvSpPr>
           <p:nvPr>
             <p:ph type="sldImg" idx="2"/>
@@ -270,7 +271,7 @@
         <p:nvSpPr>
           <p:cNvPr id="5" name="备注占位符 4"/>
           <p:cNvSpPr>
-            <a:spLocks noGrp="1"/>
+            <a:spLocks noGrp="true"/>
           </p:cNvSpPr>
           <p:nvPr>
             <p:ph type="body" sz="quarter" idx="3"/>
@@ -334,7 +335,7 @@
         <p:nvSpPr>
           <p:cNvPr id="6" name="页脚占位符 5"/>
           <p:cNvSpPr>
-            <a:spLocks noGrp="1"/>
+            <a:spLocks noGrp="true"/>
           </p:cNvSpPr>
           <p:nvPr>
             <p:ph type="ftr" sz="quarter" idx="4"/>
@@ -365,7 +366,7 @@
         <p:nvSpPr>
           <p:cNvPr id="7" name="灯片编号占位符 6"/>
           <p:cNvSpPr>
-            <a:spLocks noGrp="1"/>
+            <a:spLocks noGrp="true"/>
           </p:cNvSpPr>
           <p:nvPr>
             <p:ph type="sldNum" sz="quarter" idx="5"/>
@@ -514,7 +515,7 @@
         <p:nvSpPr>
           <p:cNvPr id="2" name="幻灯片图像占位符 1"/>
           <p:cNvSpPr>
-            <a:spLocks noGrp="1" noRot="1" noChangeAspect="1"/>
+            <a:spLocks noGrp="true" noRot="true" noChangeAspect="true"/>
           </p:cNvSpPr>
           <p:nvPr>
             <p:ph type="sldImg"/>
@@ -526,7 +527,7 @@
         <p:nvSpPr>
           <p:cNvPr id="3" name="备注占位符 2"/>
           <p:cNvSpPr>
-            <a:spLocks noGrp="1"/>
+            <a:spLocks noGrp="true"/>
           </p:cNvSpPr>
           <p:nvPr>
             <p:ph type="body" idx="1"/>
@@ -545,7 +546,7 @@
         <p:nvSpPr>
           <p:cNvPr id="4" name="灯片编号占位符 3"/>
           <p:cNvSpPr>
-            <a:spLocks noGrp="1"/>
+            <a:spLocks noGrp="true"/>
           </p:cNvSpPr>
           <p:nvPr>
             <p:ph type="sldNum" sz="quarter" idx="10"/>
@@ -592,7 +593,7 @@
         <p:nvSpPr>
           <p:cNvPr id="2" name="幻灯片图像占位符 1"/>
           <p:cNvSpPr>
-            <a:spLocks noGrp="1" noRot="1" noChangeAspect="1"/>
+            <a:spLocks noGrp="true" noRot="true" noChangeAspect="true"/>
           </p:cNvSpPr>
           <p:nvPr>
             <p:ph type="sldImg"/>
@@ -604,7 +605,7 @@
         <p:nvSpPr>
           <p:cNvPr id="3" name="备注占位符 2"/>
           <p:cNvSpPr>
-            <a:spLocks noGrp="1"/>
+            <a:spLocks noGrp="true"/>
           </p:cNvSpPr>
           <p:nvPr>
             <p:ph type="body" idx="1"/>
@@ -623,7 +624,7 @@
         <p:nvSpPr>
           <p:cNvPr id="4" name="灯片编号占位符 3"/>
           <p:cNvSpPr>
-            <a:spLocks noGrp="1"/>
+            <a:spLocks noGrp="true"/>
           </p:cNvSpPr>
           <p:nvPr>
             <p:ph type="sldNum" sz="quarter" idx="10"/>
@@ -670,7 +671,7 @@
         <p:nvSpPr>
           <p:cNvPr id="2" name="幻灯片图像占位符 1"/>
           <p:cNvSpPr>
-            <a:spLocks noGrp="1" noRot="1" noChangeAspect="1"/>
+            <a:spLocks noGrp="true" noRot="true" noChangeAspect="true"/>
           </p:cNvSpPr>
           <p:nvPr>
             <p:ph type="sldImg"/>
@@ -682,7 +683,7 @@
         <p:nvSpPr>
           <p:cNvPr id="3" name="备注占位符 2"/>
           <p:cNvSpPr>
-            <a:spLocks noGrp="1"/>
+            <a:spLocks noGrp="true"/>
           </p:cNvSpPr>
           <p:nvPr>
             <p:ph type="body" idx="1"/>
@@ -701,7 +702,7 @@
         <p:nvSpPr>
           <p:cNvPr id="4" name="灯片编号占位符 3"/>
           <p:cNvSpPr>
-            <a:spLocks noGrp="1"/>
+            <a:spLocks noGrp="true"/>
           </p:cNvSpPr>
           <p:nvPr>
             <p:ph type="sldNum" sz="quarter" idx="10"/>
@@ -748,7 +749,7 @@
         <p:nvSpPr>
           <p:cNvPr id="2" name="幻灯片图像占位符 1"/>
           <p:cNvSpPr>
-            <a:spLocks noGrp="1" noRot="1" noChangeAspect="1"/>
+            <a:spLocks noGrp="true" noRot="true" noChangeAspect="true"/>
           </p:cNvSpPr>
           <p:nvPr>
             <p:ph type="sldImg"/>
@@ -760,7 +761,7 @@
         <p:nvSpPr>
           <p:cNvPr id="3" name="备注占位符 2"/>
           <p:cNvSpPr>
-            <a:spLocks noGrp="1"/>
+            <a:spLocks noGrp="true"/>
           </p:cNvSpPr>
           <p:nvPr>
             <p:ph type="body" idx="1"/>
@@ -779,7 +780,7 @@
         <p:nvSpPr>
           <p:cNvPr id="4" name="灯片编号占位符 3"/>
           <p:cNvSpPr>
-            <a:spLocks noGrp="1"/>
+            <a:spLocks noGrp="true"/>
           </p:cNvSpPr>
           <p:nvPr>
             <p:ph type="sldNum" sz="quarter" idx="10"/>
@@ -826,7 +827,7 @@
         <p:nvSpPr>
           <p:cNvPr id="2" name="幻灯片图像占位符 1"/>
           <p:cNvSpPr>
-            <a:spLocks noGrp="1" noRot="1" noChangeAspect="1"/>
+            <a:spLocks noGrp="true" noRot="true" noChangeAspect="true"/>
           </p:cNvSpPr>
           <p:nvPr>
             <p:ph type="sldImg"/>
@@ -838,7 +839,7 @@
         <p:nvSpPr>
           <p:cNvPr id="3" name="备注占位符 2"/>
           <p:cNvSpPr>
-            <a:spLocks noGrp="1"/>
+            <a:spLocks noGrp="true"/>
           </p:cNvSpPr>
           <p:nvPr>
             <p:ph type="body" idx="1"/>
@@ -857,7 +858,7 @@
         <p:nvSpPr>
           <p:cNvPr id="4" name="灯片编号占位符 3"/>
           <p:cNvSpPr>
-            <a:spLocks noGrp="1"/>
+            <a:spLocks noGrp="true"/>
           </p:cNvSpPr>
           <p:nvPr>
             <p:ph type="sldNum" sz="quarter" idx="10"/>
@@ -904,7 +905,7 @@
         <p:nvSpPr>
           <p:cNvPr id="2" name="幻灯片图像占位符 1"/>
           <p:cNvSpPr>
-            <a:spLocks noGrp="1" noRot="1" noChangeAspect="1"/>
+            <a:spLocks noGrp="true" noRot="true" noChangeAspect="true"/>
           </p:cNvSpPr>
           <p:nvPr>
             <p:ph type="sldImg"/>
@@ -916,7 +917,7 @@
         <p:nvSpPr>
           <p:cNvPr id="3" name="备注占位符 2"/>
           <p:cNvSpPr>
-            <a:spLocks noGrp="1"/>
+            <a:spLocks noGrp="true"/>
           </p:cNvSpPr>
           <p:nvPr>
             <p:ph type="body" idx="1"/>
@@ -935,7 +936,7 @@
         <p:nvSpPr>
           <p:cNvPr id="4" name="灯片编号占位符 3"/>
           <p:cNvSpPr>
-            <a:spLocks noGrp="1"/>
+            <a:spLocks noGrp="true"/>
           </p:cNvSpPr>
           <p:nvPr>
             <p:ph type="sldNum" sz="quarter" idx="10"/>
@@ -982,7 +983,7 @@
         <p:nvSpPr>
           <p:cNvPr id="2" name="幻灯片图像占位符 1"/>
           <p:cNvSpPr>
-            <a:spLocks noGrp="1" noRot="1" noChangeAspect="1"/>
+            <a:spLocks noGrp="true" noRot="true" noChangeAspect="true"/>
           </p:cNvSpPr>
           <p:nvPr>
             <p:ph type="sldImg"/>
@@ -994,7 +995,7 @@
         <p:nvSpPr>
           <p:cNvPr id="3" name="备注占位符 2"/>
           <p:cNvSpPr>
-            <a:spLocks noGrp="1"/>
+            <a:spLocks noGrp="true"/>
           </p:cNvSpPr>
           <p:nvPr>
             <p:ph type="body" idx="1"/>
@@ -1013,7 +1014,7 @@
         <p:nvSpPr>
           <p:cNvPr id="4" name="灯片编号占位符 3"/>
           <p:cNvSpPr>
-            <a:spLocks noGrp="1"/>
+            <a:spLocks noGrp="true"/>
           </p:cNvSpPr>
           <p:nvPr>
             <p:ph type="sldNum" sz="quarter" idx="10"/>
@@ -1060,7 +1061,7 @@
         <p:nvSpPr>
           <p:cNvPr id="2" name="幻灯片图像占位符 1"/>
           <p:cNvSpPr>
-            <a:spLocks noGrp="1" noRot="1" noChangeAspect="1"/>
+            <a:spLocks noGrp="true" noRot="true" noChangeAspect="true"/>
           </p:cNvSpPr>
           <p:nvPr>
             <p:ph type="sldImg"/>
@@ -1072,7 +1073,7 @@
         <p:nvSpPr>
           <p:cNvPr id="3" name="备注占位符 2"/>
           <p:cNvSpPr>
-            <a:spLocks noGrp="1"/>
+            <a:spLocks noGrp="true"/>
           </p:cNvSpPr>
           <p:nvPr>
             <p:ph type="body" idx="1"/>
@@ -1091,7 +1092,7 @@
         <p:nvSpPr>
           <p:cNvPr id="4" name="灯片编号占位符 3"/>
           <p:cNvSpPr>
-            <a:spLocks noGrp="1"/>
+            <a:spLocks noGrp="true"/>
           </p:cNvSpPr>
           <p:nvPr>
             <p:ph type="sldNum" sz="quarter" idx="10"/>
@@ -1138,7 +1139,7 @@
         <p:nvSpPr>
           <p:cNvPr id="2" name="幻灯片图像占位符 1"/>
           <p:cNvSpPr>
-            <a:spLocks noGrp="1" noRot="1" noChangeAspect="1"/>
+            <a:spLocks noGrp="true" noRot="true" noChangeAspect="true"/>
           </p:cNvSpPr>
           <p:nvPr>
             <p:ph type="sldImg"/>
@@ -1150,7 +1151,7 @@
         <p:nvSpPr>
           <p:cNvPr id="3" name="备注占位符 2"/>
           <p:cNvSpPr>
-            <a:spLocks noGrp="1"/>
+            <a:spLocks noGrp="true"/>
           </p:cNvSpPr>
           <p:nvPr>
             <p:ph type="body" idx="1"/>
@@ -1169,7 +1170,7 @@
         <p:nvSpPr>
           <p:cNvPr id="4" name="灯片编号占位符 3"/>
           <p:cNvSpPr>
-            <a:spLocks noGrp="1"/>
+            <a:spLocks noGrp="true"/>
           </p:cNvSpPr>
           <p:nvPr>
             <p:ph type="sldNum" sz="quarter" idx="10"/>
@@ -1216,7 +1217,7 @@
         <p:nvSpPr>
           <p:cNvPr id="2" name="幻灯片图像占位符 1"/>
           <p:cNvSpPr>
-            <a:spLocks noGrp="1" noRot="1" noChangeAspect="1"/>
+            <a:spLocks noGrp="true" noRot="true" noChangeAspect="true"/>
           </p:cNvSpPr>
           <p:nvPr>
             <p:ph type="sldImg"/>
@@ -1228,7 +1229,7 @@
         <p:nvSpPr>
           <p:cNvPr id="3" name="备注占位符 2"/>
           <p:cNvSpPr>
-            <a:spLocks noGrp="1"/>
+            <a:spLocks noGrp="true"/>
           </p:cNvSpPr>
           <p:nvPr>
             <p:ph type="body" idx="1"/>
@@ -1247,7 +1248,7 @@
         <p:nvSpPr>
           <p:cNvPr id="4" name="灯片编号占位符 3"/>
           <p:cNvSpPr>
-            <a:spLocks noGrp="1"/>
+            <a:spLocks noGrp="true"/>
           </p:cNvSpPr>
           <p:nvPr>
             <p:ph type="sldNum" sz="quarter" idx="10"/>
@@ -1294,7 +1295,7 @@
         <p:nvSpPr>
           <p:cNvPr id="2" name="幻灯片图像占位符 1"/>
           <p:cNvSpPr>
-            <a:spLocks noGrp="1" noRot="1" noChangeAspect="1"/>
+            <a:spLocks noGrp="true" noRot="true" noChangeAspect="true"/>
           </p:cNvSpPr>
           <p:nvPr>
             <p:ph type="sldImg"/>
@@ -1306,7 +1307,7 @@
         <p:nvSpPr>
           <p:cNvPr id="3" name="备注占位符 2"/>
           <p:cNvSpPr>
-            <a:spLocks noGrp="1"/>
+            <a:spLocks noGrp="true"/>
           </p:cNvSpPr>
           <p:nvPr>
             <p:ph type="body" idx="1"/>
@@ -1325,7 +1326,7 @@
         <p:nvSpPr>
           <p:cNvPr id="4" name="灯片编号占位符 3"/>
           <p:cNvSpPr>
-            <a:spLocks noGrp="1"/>
+            <a:spLocks noGrp="true"/>
           </p:cNvSpPr>
           <p:nvPr>
             <p:ph type="sldNum" sz="quarter" idx="10"/>
@@ -1372,7 +1373,7 @@
         <p:nvSpPr>
           <p:cNvPr id="2" name="幻灯片图像占位符 1"/>
           <p:cNvSpPr>
-            <a:spLocks noGrp="1" noRot="1" noChangeAspect="1"/>
+            <a:spLocks noGrp="true" noRot="true" noChangeAspect="true"/>
           </p:cNvSpPr>
           <p:nvPr>
             <p:ph type="sldImg"/>
@@ -1384,7 +1385,7 @@
         <p:nvSpPr>
           <p:cNvPr id="3" name="备注占位符 2"/>
           <p:cNvSpPr>
-            <a:spLocks noGrp="1"/>
+            <a:spLocks noGrp="true"/>
           </p:cNvSpPr>
           <p:nvPr>
             <p:ph type="body" idx="1"/>
@@ -1403,7 +1404,7 @@
         <p:nvSpPr>
           <p:cNvPr id="4" name="灯片编号占位符 3"/>
           <p:cNvSpPr>
-            <a:spLocks noGrp="1"/>
+            <a:spLocks noGrp="true"/>
           </p:cNvSpPr>
           <p:nvPr>
             <p:ph type="sldNum" sz="quarter" idx="10"/>
@@ -1450,7 +1451,7 @@
         <p:nvSpPr>
           <p:cNvPr id="2" name="幻灯片图像占位符 1"/>
           <p:cNvSpPr>
-            <a:spLocks noGrp="1" noRot="1" noChangeAspect="1"/>
+            <a:spLocks noGrp="true" noRot="true" noChangeAspect="true"/>
           </p:cNvSpPr>
           <p:nvPr>
             <p:ph type="sldImg"/>
@@ -1462,7 +1463,7 @@
         <p:nvSpPr>
           <p:cNvPr id="3" name="备注占位符 2"/>
           <p:cNvSpPr>
-            <a:spLocks noGrp="1"/>
+            <a:spLocks noGrp="true"/>
           </p:cNvSpPr>
           <p:nvPr>
             <p:ph type="body" idx="1"/>
@@ -1481,7 +1482,7 @@
         <p:nvSpPr>
           <p:cNvPr id="4" name="灯片编号占位符 3"/>
           <p:cNvSpPr>
-            <a:spLocks noGrp="1"/>
+            <a:spLocks noGrp="true"/>
           </p:cNvSpPr>
           <p:nvPr>
             <p:ph type="sldNum" sz="quarter" idx="10"/>
@@ -1528,7 +1529,7 @@
         <p:nvSpPr>
           <p:cNvPr id="2" name="幻灯片图像占位符 1"/>
           <p:cNvSpPr>
-            <a:spLocks noGrp="1" noRot="1" noChangeAspect="1"/>
+            <a:spLocks noGrp="true" noRot="true" noChangeAspect="true"/>
           </p:cNvSpPr>
           <p:nvPr>
             <p:ph type="sldImg"/>
@@ -1540,7 +1541,7 @@
         <p:nvSpPr>
           <p:cNvPr id="3" name="备注占位符 2"/>
           <p:cNvSpPr>
-            <a:spLocks noGrp="1"/>
+            <a:spLocks noGrp="true"/>
           </p:cNvSpPr>
           <p:nvPr>
             <p:ph type="body" idx="1"/>
@@ -1559,7 +1560,7 @@
         <p:nvSpPr>
           <p:cNvPr id="4" name="灯片编号占位符 3"/>
           <p:cNvSpPr>
-            <a:spLocks noGrp="1"/>
+            <a:spLocks noGrp="true"/>
           </p:cNvSpPr>
           <p:nvPr>
             <p:ph type="sldNum" sz="quarter" idx="10"/>
@@ -1606,7 +1607,7 @@
         <p:nvSpPr>
           <p:cNvPr id="2" name="幻灯片图像占位符 1"/>
           <p:cNvSpPr>
-            <a:spLocks noGrp="1" noRot="1" noChangeAspect="1"/>
+            <a:spLocks noGrp="true" noRot="true" noChangeAspect="true"/>
           </p:cNvSpPr>
           <p:nvPr>
             <p:ph type="sldImg"/>
@@ -1618,7 +1619,7 @@
         <p:nvSpPr>
           <p:cNvPr id="3" name="备注占位符 2"/>
           <p:cNvSpPr>
-            <a:spLocks noGrp="1"/>
+            <a:spLocks noGrp="true"/>
           </p:cNvSpPr>
           <p:nvPr>
             <p:ph type="body" idx="1"/>
@@ -1637,7 +1638,7 @@
         <p:nvSpPr>
           <p:cNvPr id="4" name="灯片编号占位符 3"/>
           <p:cNvSpPr>
-            <a:spLocks noGrp="1"/>
+            <a:spLocks noGrp="true"/>
           </p:cNvSpPr>
           <p:nvPr>
             <p:ph type="sldNum" sz="quarter" idx="10"/>
@@ -1684,7 +1685,7 @@
         <p:nvSpPr>
           <p:cNvPr id="2" name="幻灯片图像占位符 1"/>
           <p:cNvSpPr>
-            <a:spLocks noGrp="1" noRot="1" noChangeAspect="1"/>
+            <a:spLocks noGrp="true" noRot="true" noChangeAspect="true"/>
           </p:cNvSpPr>
           <p:nvPr>
             <p:ph type="sldImg"/>
@@ -1696,7 +1697,7 @@
         <p:nvSpPr>
           <p:cNvPr id="3" name="备注占位符 2"/>
           <p:cNvSpPr>
-            <a:spLocks noGrp="1"/>
+            <a:spLocks noGrp="true"/>
           </p:cNvSpPr>
           <p:nvPr>
             <p:ph type="body" idx="1"/>
@@ -1715,7 +1716,7 @@
         <p:nvSpPr>
           <p:cNvPr id="4" name="灯片编号占位符 3"/>
           <p:cNvSpPr>
-            <a:spLocks noGrp="1"/>
+            <a:spLocks noGrp="true"/>
           </p:cNvSpPr>
           <p:nvPr>
             <p:ph type="sldNum" sz="quarter" idx="10"/>
@@ -1762,7 +1763,7 @@
         <p:nvSpPr>
           <p:cNvPr id="2" name="幻灯片图像占位符 1"/>
           <p:cNvSpPr>
-            <a:spLocks noGrp="1" noRot="1" noChangeAspect="1"/>
+            <a:spLocks noGrp="true" noRot="true" noChangeAspect="true"/>
           </p:cNvSpPr>
           <p:nvPr>
             <p:ph type="sldImg"/>
@@ -1774,7 +1775,7 @@
         <p:nvSpPr>
           <p:cNvPr id="3" name="备注占位符 2"/>
           <p:cNvSpPr>
-            <a:spLocks noGrp="1"/>
+            <a:spLocks noGrp="true"/>
           </p:cNvSpPr>
           <p:nvPr>
             <p:ph type="body" idx="1"/>
@@ -1793,7 +1794,7 @@
         <p:nvSpPr>
           <p:cNvPr id="4" name="灯片编号占位符 3"/>
           <p:cNvSpPr>
-            <a:spLocks noGrp="1"/>
+            <a:spLocks noGrp="true"/>
           </p:cNvSpPr>
           <p:nvPr>
             <p:ph type="sldNum" sz="quarter" idx="10"/>
@@ -1840,7 +1841,7 @@
         <p:nvSpPr>
           <p:cNvPr id="2" name="幻灯片图像占位符 1"/>
           <p:cNvSpPr>
-            <a:spLocks noGrp="1" noRot="1" noChangeAspect="1"/>
+            <a:spLocks noGrp="true" noRot="true" noChangeAspect="true"/>
           </p:cNvSpPr>
           <p:nvPr>
             <p:ph type="sldImg"/>
@@ -1852,7 +1853,7 @@
         <p:nvSpPr>
           <p:cNvPr id="3" name="备注占位符 2"/>
           <p:cNvSpPr>
-            <a:spLocks noGrp="1"/>
+            <a:spLocks noGrp="true"/>
           </p:cNvSpPr>
           <p:nvPr>
             <p:ph type="body" idx="1"/>
@@ -1871,7 +1872,7 @@
         <p:nvSpPr>
           <p:cNvPr id="4" name="灯片编号占位符 3"/>
           <p:cNvSpPr>
-            <a:spLocks noGrp="1"/>
+            <a:spLocks noGrp="true"/>
           </p:cNvSpPr>
           <p:nvPr>
             <p:ph type="sldNum" sz="quarter" idx="10"/>
@@ -1918,7 +1919,7 @@
         <p:nvSpPr>
           <p:cNvPr id="2" name="幻灯片图像占位符 1"/>
           <p:cNvSpPr>
-            <a:spLocks noGrp="1" noRot="1" noChangeAspect="1"/>
+            <a:spLocks noGrp="true" noRot="true" noChangeAspect="true"/>
           </p:cNvSpPr>
           <p:nvPr>
             <p:ph type="sldImg"/>
@@ -1930,7 +1931,7 @@
         <p:nvSpPr>
           <p:cNvPr id="3" name="备注占位符 2"/>
           <p:cNvSpPr>
-            <a:spLocks noGrp="1"/>
+            <a:spLocks noGrp="true"/>
           </p:cNvSpPr>
           <p:nvPr>
             <p:ph type="body" idx="1"/>
@@ -1949,7 +1950,7 @@
         <p:nvSpPr>
           <p:cNvPr id="4" name="灯片编号占位符 3"/>
           <p:cNvSpPr>
-            <a:spLocks noGrp="1"/>
+            <a:spLocks noGrp="true"/>
           </p:cNvSpPr>
           <p:nvPr>
             <p:ph type="sldNum" sz="quarter" idx="10"/>
@@ -1996,7 +1997,7 @@
         <p:nvSpPr>
           <p:cNvPr id="2" name="幻灯片图像占位符 1"/>
           <p:cNvSpPr>
-            <a:spLocks noGrp="1" noRot="1" noChangeAspect="1"/>
+            <a:spLocks noGrp="true" noRot="true" noChangeAspect="true"/>
           </p:cNvSpPr>
           <p:nvPr>
             <p:ph type="sldImg"/>
@@ -2008,7 +2009,7 @@
         <p:nvSpPr>
           <p:cNvPr id="3" name="备注占位符 2"/>
           <p:cNvSpPr>
-            <a:spLocks noGrp="1"/>
+            <a:spLocks noGrp="true"/>
           </p:cNvSpPr>
           <p:nvPr>
             <p:ph type="body" idx="1"/>
@@ -2027,7 +2028,7 @@
         <p:nvSpPr>
           <p:cNvPr id="4" name="灯片编号占位符 3"/>
           <p:cNvSpPr>
-            <a:spLocks noGrp="1"/>
+            <a:spLocks noGrp="true"/>
           </p:cNvSpPr>
           <p:nvPr>
             <p:ph type="sldNum" sz="quarter" idx="10"/>
@@ -2074,7 +2075,7 @@
         <p:nvSpPr>
           <p:cNvPr id="2" name="幻灯片图像占位符 1"/>
           <p:cNvSpPr>
-            <a:spLocks noGrp="1" noRot="1" noChangeAspect="1"/>
+            <a:spLocks noGrp="true" noRot="true" noChangeAspect="true"/>
           </p:cNvSpPr>
           <p:nvPr>
             <p:ph type="sldImg"/>
@@ -2086,7 +2087,7 @@
         <p:nvSpPr>
           <p:cNvPr id="3" name="备注占位符 2"/>
           <p:cNvSpPr>
-            <a:spLocks noGrp="1"/>
+            <a:spLocks noGrp="true"/>
           </p:cNvSpPr>
           <p:nvPr>
             <p:ph type="body" idx="1"/>
@@ -2105,7 +2106,7 @@
         <p:nvSpPr>
           <p:cNvPr id="4" name="灯片编号占位符 3"/>
           <p:cNvSpPr>
-            <a:spLocks noGrp="1"/>
+            <a:spLocks noGrp="true"/>
           </p:cNvSpPr>
           <p:nvPr>
             <p:ph type="sldNum" sz="quarter" idx="10"/>
@@ -2152,7 +2153,7 @@
         <p:nvSpPr>
           <p:cNvPr id="2" name="幻灯片图像占位符 1"/>
           <p:cNvSpPr>
-            <a:spLocks noGrp="1" noRot="1" noChangeAspect="1"/>
+            <a:spLocks noGrp="true" noRot="true" noChangeAspect="true"/>
           </p:cNvSpPr>
           <p:nvPr>
             <p:ph type="sldImg"/>
@@ -2164,7 +2165,7 @@
         <p:nvSpPr>
           <p:cNvPr id="3" name="备注占位符 2"/>
           <p:cNvSpPr>
-            <a:spLocks noGrp="1"/>
+            <a:spLocks noGrp="true"/>
           </p:cNvSpPr>
           <p:nvPr>
             <p:ph type="body" idx="1"/>
@@ -2183,7 +2184,7 @@
         <p:nvSpPr>
           <p:cNvPr id="4" name="灯片编号占位符 3"/>
           <p:cNvSpPr>
-            <a:spLocks noGrp="1"/>
+            <a:spLocks noGrp="true"/>
           </p:cNvSpPr>
           <p:nvPr>
             <p:ph type="sldNum" sz="quarter" idx="10"/>
@@ -2230,7 +2231,7 @@
         <p:nvSpPr>
           <p:cNvPr id="2" name="幻灯片图像占位符 1"/>
           <p:cNvSpPr>
-            <a:spLocks noGrp="1" noRot="1" noChangeAspect="1"/>
+            <a:spLocks noGrp="true" noRot="true" noChangeAspect="true"/>
           </p:cNvSpPr>
           <p:nvPr>
             <p:ph type="sldImg"/>
@@ -2242,7 +2243,7 @@
         <p:nvSpPr>
           <p:cNvPr id="3" name="备注占位符 2"/>
           <p:cNvSpPr>
-            <a:spLocks noGrp="1"/>
+            <a:spLocks noGrp="true"/>
           </p:cNvSpPr>
           <p:nvPr>
             <p:ph type="body" idx="1"/>
@@ -2261,7 +2262,7 @@
         <p:nvSpPr>
           <p:cNvPr id="4" name="灯片编号占位符 3"/>
           <p:cNvSpPr>
-            <a:spLocks noGrp="1"/>
+            <a:spLocks noGrp="true"/>
           </p:cNvSpPr>
           <p:nvPr>
             <p:ph type="sldNum" sz="quarter" idx="10"/>
@@ -2308,7 +2309,7 @@
         <p:nvSpPr>
           <p:cNvPr id="2" name="幻灯片图像占位符 1"/>
           <p:cNvSpPr>
-            <a:spLocks noGrp="1" noRot="1" noChangeAspect="1"/>
+            <a:spLocks noGrp="true" noRot="true" noChangeAspect="true"/>
           </p:cNvSpPr>
           <p:nvPr>
             <p:ph type="sldImg"/>
@@ -2320,7 +2321,7 @@
         <p:nvSpPr>
           <p:cNvPr id="3" name="备注占位符 2"/>
           <p:cNvSpPr>
-            <a:spLocks noGrp="1"/>
+            <a:spLocks noGrp="true"/>
           </p:cNvSpPr>
           <p:nvPr>
             <p:ph type="body" idx="1"/>
@@ -2339,7 +2340,7 @@
         <p:nvSpPr>
           <p:cNvPr id="4" name="灯片编号占位符 3"/>
           <p:cNvSpPr>
-            <a:spLocks noGrp="1"/>
+            <a:spLocks noGrp="true"/>
           </p:cNvSpPr>
           <p:nvPr>
             <p:ph type="sldNum" sz="quarter" idx="10"/>
@@ -2419,7 +2420,7 @@
         <p:nvSpPr>
           <p:cNvPr id="2" name="Title 1"/>
           <p:cNvSpPr>
-            <a:spLocks noGrp="1"/>
+            <a:spLocks noGrp="true"/>
           </p:cNvSpPr>
           <p:nvPr>
             <p:ph type="title"/>
@@ -2442,7 +2443,7 @@
         <p:nvSpPr>
           <p:cNvPr id="3" name="Vertical Text Placeholder 2"/>
           <p:cNvSpPr>
-            <a:spLocks noGrp="1"/>
+            <a:spLocks noGrp="true"/>
           </p:cNvSpPr>
           <p:nvPr>
             <p:ph type="body" orient="vert" idx="1"/>
@@ -2498,7 +2499,7 @@
         <p:nvSpPr>
           <p:cNvPr id="4" name="Date Placeholder 3"/>
           <p:cNvSpPr>
-            <a:spLocks noGrp="1"/>
+            <a:spLocks noGrp="true"/>
           </p:cNvSpPr>
           <p:nvPr>
             <p:ph type="dt" sz="half" idx="10"/>
@@ -2520,7 +2521,7 @@
         <p:nvSpPr>
           <p:cNvPr id="5" name="Footer Placeholder 4"/>
           <p:cNvSpPr>
-            <a:spLocks noGrp="1"/>
+            <a:spLocks noGrp="true"/>
           </p:cNvSpPr>
           <p:nvPr>
             <p:ph type="ftr" sz="quarter" idx="11"/>
@@ -2539,7 +2540,7 @@
         <p:nvSpPr>
           <p:cNvPr id="6" name="Slide Number Placeholder 5"/>
           <p:cNvSpPr>
-            <a:spLocks noGrp="1"/>
+            <a:spLocks noGrp="true"/>
           </p:cNvSpPr>
           <p:nvPr>
             <p:ph type="sldNum" sz="quarter" idx="12"/>
@@ -2594,7 +2595,7 @@
         <p:nvSpPr>
           <p:cNvPr id="2" name="Vertical Title 1"/>
           <p:cNvSpPr>
-            <a:spLocks noGrp="1"/>
+            <a:spLocks noGrp="true"/>
           </p:cNvSpPr>
           <p:nvPr>
             <p:ph type="title" orient="vert"/>
@@ -2622,7 +2623,7 @@
         <p:nvSpPr>
           <p:cNvPr id="3" name="Vertical Text Placeholder 2"/>
           <p:cNvSpPr>
-            <a:spLocks noGrp="1"/>
+            <a:spLocks noGrp="true"/>
           </p:cNvSpPr>
           <p:nvPr>
             <p:ph type="body" orient="vert" idx="1"/>
@@ -2683,7 +2684,7 @@
         <p:nvSpPr>
           <p:cNvPr id="4" name="Date Placeholder 3"/>
           <p:cNvSpPr>
-            <a:spLocks noGrp="1"/>
+            <a:spLocks noGrp="true"/>
           </p:cNvSpPr>
           <p:nvPr>
             <p:ph type="dt" sz="half" idx="10"/>
@@ -2705,7 +2706,7 @@
         <p:nvSpPr>
           <p:cNvPr id="5" name="Footer Placeholder 4"/>
           <p:cNvSpPr>
-            <a:spLocks noGrp="1"/>
+            <a:spLocks noGrp="true"/>
           </p:cNvSpPr>
           <p:nvPr>
             <p:ph type="ftr" sz="quarter" idx="11"/>
@@ -2724,7 +2725,7 @@
         <p:nvSpPr>
           <p:cNvPr id="6" name="Slide Number Placeholder 5"/>
           <p:cNvSpPr>
-            <a:spLocks noGrp="1"/>
+            <a:spLocks noGrp="true"/>
           </p:cNvSpPr>
           <p:nvPr>
             <p:ph type="sldNum" sz="quarter" idx="12"/>
@@ -2779,7 +2780,7 @@
         <p:nvSpPr>
           <p:cNvPr id="2" name="Title 1"/>
           <p:cNvSpPr>
-            <a:spLocks noGrp="1"/>
+            <a:spLocks noGrp="true"/>
           </p:cNvSpPr>
           <p:nvPr>
             <p:ph type="title"/>
@@ -2802,7 +2803,7 @@
         <p:nvSpPr>
           <p:cNvPr id="3" name="Content Placeholder 2"/>
           <p:cNvSpPr>
-            <a:spLocks noGrp="1"/>
+            <a:spLocks noGrp="true"/>
           </p:cNvSpPr>
           <p:nvPr>
             <p:ph idx="1"/>
@@ -2858,7 +2859,7 @@
         <p:nvSpPr>
           <p:cNvPr id="4" name="Date Placeholder 3"/>
           <p:cNvSpPr>
-            <a:spLocks noGrp="1"/>
+            <a:spLocks noGrp="true"/>
           </p:cNvSpPr>
           <p:nvPr>
             <p:ph type="dt" sz="half" idx="10"/>
@@ -2880,7 +2881,7 @@
         <p:nvSpPr>
           <p:cNvPr id="5" name="Footer Placeholder 4"/>
           <p:cNvSpPr>
-            <a:spLocks noGrp="1"/>
+            <a:spLocks noGrp="true"/>
           </p:cNvSpPr>
           <p:nvPr>
             <p:ph type="ftr" sz="quarter" idx="11"/>
@@ -2899,7 +2900,7 @@
         <p:nvSpPr>
           <p:cNvPr id="6" name="Slide Number Placeholder 5"/>
           <p:cNvSpPr>
-            <a:spLocks noGrp="1"/>
+            <a:spLocks noGrp="true"/>
           </p:cNvSpPr>
           <p:nvPr>
             <p:ph type="sldNum" sz="quarter" idx="12"/>
@@ -2954,7 +2955,7 @@
         <p:nvSpPr>
           <p:cNvPr id="2" name="Title 1"/>
           <p:cNvSpPr>
-            <a:spLocks noGrp="1"/>
+            <a:spLocks noGrp="true"/>
           </p:cNvSpPr>
           <p:nvPr>
             <p:ph type="title"/>
@@ -2986,7 +2987,7 @@
         <p:nvSpPr>
           <p:cNvPr id="3" name="Text Placeholder 2"/>
           <p:cNvSpPr>
-            <a:spLocks noGrp="1"/>
+            <a:spLocks noGrp="true"/>
           </p:cNvSpPr>
           <p:nvPr>
             <p:ph type="body" idx="1"/>
@@ -3106,7 +3107,7 @@
         <p:nvSpPr>
           <p:cNvPr id="4" name="Date Placeholder 3"/>
           <p:cNvSpPr>
-            <a:spLocks noGrp="1"/>
+            <a:spLocks noGrp="true"/>
           </p:cNvSpPr>
           <p:nvPr>
             <p:ph type="dt" sz="half" idx="10"/>
@@ -3128,7 +3129,7 @@
         <p:nvSpPr>
           <p:cNvPr id="5" name="Footer Placeholder 4"/>
           <p:cNvSpPr>
-            <a:spLocks noGrp="1"/>
+            <a:spLocks noGrp="true"/>
           </p:cNvSpPr>
           <p:nvPr>
             <p:ph type="ftr" sz="quarter" idx="11"/>
@@ -3147,7 +3148,7 @@
         <p:nvSpPr>
           <p:cNvPr id="6" name="Slide Number Placeholder 5"/>
           <p:cNvSpPr>
-            <a:spLocks noGrp="1"/>
+            <a:spLocks noGrp="true"/>
           </p:cNvSpPr>
           <p:nvPr>
             <p:ph type="sldNum" sz="quarter" idx="12"/>
@@ -3202,7 +3203,7 @@
         <p:nvSpPr>
           <p:cNvPr id="2" name="Title 1"/>
           <p:cNvSpPr>
-            <a:spLocks noGrp="1"/>
+            <a:spLocks noGrp="true"/>
           </p:cNvSpPr>
           <p:nvPr>
             <p:ph type="title"/>
@@ -3225,7 +3226,7 @@
         <p:nvSpPr>
           <p:cNvPr id="3" name="Content Placeholder 2"/>
           <p:cNvSpPr>
-            <a:spLocks noGrp="1"/>
+            <a:spLocks noGrp="true"/>
           </p:cNvSpPr>
           <p:nvPr>
             <p:ph sz="half" idx="1"/>
@@ -3286,7 +3287,7 @@
         <p:nvSpPr>
           <p:cNvPr id="4" name="Content Placeholder 3"/>
           <p:cNvSpPr>
-            <a:spLocks noGrp="1"/>
+            <a:spLocks noGrp="true"/>
           </p:cNvSpPr>
           <p:nvPr>
             <p:ph sz="half" idx="2"/>
@@ -3347,7 +3348,7 @@
         <p:nvSpPr>
           <p:cNvPr id="5" name="Date Placeholder 4"/>
           <p:cNvSpPr>
-            <a:spLocks noGrp="1"/>
+            <a:spLocks noGrp="true"/>
           </p:cNvSpPr>
           <p:nvPr>
             <p:ph type="dt" sz="half" idx="10"/>
@@ -3369,7 +3370,7 @@
         <p:nvSpPr>
           <p:cNvPr id="6" name="Footer Placeholder 5"/>
           <p:cNvSpPr>
-            <a:spLocks noGrp="1"/>
+            <a:spLocks noGrp="true"/>
           </p:cNvSpPr>
           <p:nvPr>
             <p:ph type="ftr" sz="quarter" idx="11"/>
@@ -3388,7 +3389,7 @@
         <p:nvSpPr>
           <p:cNvPr id="7" name="Slide Number Placeholder 6"/>
           <p:cNvSpPr>
-            <a:spLocks noGrp="1"/>
+            <a:spLocks noGrp="true"/>
           </p:cNvSpPr>
           <p:nvPr>
             <p:ph type="sldNum" sz="quarter" idx="12"/>
@@ -3443,7 +3444,7 @@
         <p:nvSpPr>
           <p:cNvPr id="2" name="Title 1"/>
           <p:cNvSpPr>
-            <a:spLocks noGrp="1"/>
+            <a:spLocks noGrp="true"/>
           </p:cNvSpPr>
           <p:nvPr>
             <p:ph type="title"/>
@@ -3471,7 +3472,7 @@
         <p:nvSpPr>
           <p:cNvPr id="3" name="Text Placeholder 2"/>
           <p:cNvSpPr>
-            <a:spLocks noGrp="1"/>
+            <a:spLocks noGrp="true"/>
           </p:cNvSpPr>
           <p:nvPr>
             <p:ph type="body" idx="1"/>
@@ -3537,7 +3538,7 @@
         <p:nvSpPr>
           <p:cNvPr id="4" name="Content Placeholder 3"/>
           <p:cNvSpPr>
-            <a:spLocks noGrp="1"/>
+            <a:spLocks noGrp="true"/>
           </p:cNvSpPr>
           <p:nvPr>
             <p:ph sz="half" idx="2"/>
@@ -3598,7 +3599,7 @@
         <p:nvSpPr>
           <p:cNvPr id="5" name="Text Placeholder 4"/>
           <p:cNvSpPr>
-            <a:spLocks noGrp="1"/>
+            <a:spLocks noGrp="true"/>
           </p:cNvSpPr>
           <p:nvPr>
             <p:ph type="body" sz="quarter" idx="3"/>
@@ -3664,7 +3665,7 @@
         <p:nvSpPr>
           <p:cNvPr id="6" name="Content Placeholder 5"/>
           <p:cNvSpPr>
-            <a:spLocks noGrp="1"/>
+            <a:spLocks noGrp="true"/>
           </p:cNvSpPr>
           <p:nvPr>
             <p:ph sz="quarter" idx="4"/>
@@ -3725,7 +3726,7 @@
         <p:nvSpPr>
           <p:cNvPr id="7" name="Date Placeholder 6"/>
           <p:cNvSpPr>
-            <a:spLocks noGrp="1"/>
+            <a:spLocks noGrp="true"/>
           </p:cNvSpPr>
           <p:nvPr>
             <p:ph type="dt" sz="half" idx="10"/>
@@ -3747,7 +3748,7 @@
         <p:nvSpPr>
           <p:cNvPr id="8" name="Footer Placeholder 7"/>
           <p:cNvSpPr>
-            <a:spLocks noGrp="1"/>
+            <a:spLocks noGrp="true"/>
           </p:cNvSpPr>
           <p:nvPr>
             <p:ph type="ftr" sz="quarter" idx="11"/>
@@ -3766,7 +3767,7 @@
         <p:nvSpPr>
           <p:cNvPr id="9" name="Slide Number Placeholder 8"/>
           <p:cNvSpPr>
-            <a:spLocks noGrp="1"/>
+            <a:spLocks noGrp="true"/>
           </p:cNvSpPr>
           <p:nvPr>
             <p:ph type="sldNum" sz="quarter" idx="12"/>
@@ -3821,7 +3822,7 @@
         <p:nvSpPr>
           <p:cNvPr id="2" name="Title 1"/>
           <p:cNvSpPr>
-            <a:spLocks noGrp="1"/>
+            <a:spLocks noGrp="true"/>
           </p:cNvSpPr>
           <p:nvPr>
             <p:ph type="title"/>
@@ -3844,7 +3845,7 @@
         <p:nvSpPr>
           <p:cNvPr id="3" name="Date Placeholder 2"/>
           <p:cNvSpPr>
-            <a:spLocks noGrp="1"/>
+            <a:spLocks noGrp="true"/>
           </p:cNvSpPr>
           <p:nvPr>
             <p:ph type="dt" sz="half" idx="10"/>
@@ -3866,7 +3867,7 @@
         <p:nvSpPr>
           <p:cNvPr id="4" name="Footer Placeholder 3"/>
           <p:cNvSpPr>
-            <a:spLocks noGrp="1"/>
+            <a:spLocks noGrp="true"/>
           </p:cNvSpPr>
           <p:nvPr>
             <p:ph type="ftr" sz="quarter" idx="11"/>
@@ -3885,7 +3886,7 @@
         <p:nvSpPr>
           <p:cNvPr id="5" name="Slide Number Placeholder 4"/>
           <p:cNvSpPr>
-            <a:spLocks noGrp="1"/>
+            <a:spLocks noGrp="true"/>
           </p:cNvSpPr>
           <p:nvPr>
             <p:ph type="sldNum" sz="quarter" idx="12"/>
@@ -3940,7 +3941,7 @@
         <p:nvSpPr>
           <p:cNvPr id="2" name="Date Placeholder 1"/>
           <p:cNvSpPr>
-            <a:spLocks noGrp="1"/>
+            <a:spLocks noGrp="true"/>
           </p:cNvSpPr>
           <p:nvPr>
             <p:ph type="dt" sz="half" idx="10"/>
@@ -3962,7 +3963,7 @@
         <p:nvSpPr>
           <p:cNvPr id="3" name="Footer Placeholder 2"/>
           <p:cNvSpPr>
-            <a:spLocks noGrp="1"/>
+            <a:spLocks noGrp="true"/>
           </p:cNvSpPr>
           <p:nvPr>
             <p:ph type="ftr" sz="quarter" idx="11"/>
@@ -3981,7 +3982,7 @@
         <p:nvSpPr>
           <p:cNvPr id="4" name="Slide Number Placeholder 3"/>
           <p:cNvSpPr>
-            <a:spLocks noGrp="1"/>
+            <a:spLocks noGrp="true"/>
           </p:cNvSpPr>
           <p:nvPr>
             <p:ph type="sldNum" sz="quarter" idx="12"/>
@@ -4036,7 +4037,7 @@
         <p:nvSpPr>
           <p:cNvPr id="2" name="Title 1"/>
           <p:cNvSpPr>
-            <a:spLocks noGrp="1"/>
+            <a:spLocks noGrp="true"/>
           </p:cNvSpPr>
           <p:nvPr>
             <p:ph type="title"/>
@@ -4068,7 +4069,7 @@
         <p:nvSpPr>
           <p:cNvPr id="3" name="Content Placeholder 2"/>
           <p:cNvSpPr>
-            <a:spLocks noGrp="1"/>
+            <a:spLocks noGrp="true"/>
           </p:cNvSpPr>
           <p:nvPr>
             <p:ph idx="1"/>
@@ -4157,7 +4158,7 @@
         <p:nvSpPr>
           <p:cNvPr id="4" name="Text Placeholder 3"/>
           <p:cNvSpPr>
-            <a:spLocks noGrp="1"/>
+            <a:spLocks noGrp="true"/>
           </p:cNvSpPr>
           <p:nvPr>
             <p:ph type="body" sz="half" idx="2"/>
@@ -4223,7 +4224,7 @@
         <p:nvSpPr>
           <p:cNvPr id="5" name="Date Placeholder 4"/>
           <p:cNvSpPr>
-            <a:spLocks noGrp="1"/>
+            <a:spLocks noGrp="true"/>
           </p:cNvSpPr>
           <p:nvPr>
             <p:ph type="dt" sz="half" idx="10"/>
@@ -4245,7 +4246,7 @@
         <p:nvSpPr>
           <p:cNvPr id="6" name="Footer Placeholder 5"/>
           <p:cNvSpPr>
-            <a:spLocks noGrp="1"/>
+            <a:spLocks noGrp="true"/>
           </p:cNvSpPr>
           <p:nvPr>
             <p:ph type="ftr" sz="quarter" idx="11"/>
@@ -4264,7 +4265,7 @@
         <p:nvSpPr>
           <p:cNvPr id="7" name="Slide Number Placeholder 6"/>
           <p:cNvSpPr>
-            <a:spLocks noGrp="1"/>
+            <a:spLocks noGrp="true"/>
           </p:cNvSpPr>
           <p:nvPr>
             <p:ph type="sldNum" sz="quarter" idx="12"/>
@@ -4319,7 +4320,7 @@
         <p:nvSpPr>
           <p:cNvPr id="2" name="Title 1"/>
           <p:cNvSpPr>
-            <a:spLocks noGrp="1"/>
+            <a:spLocks noGrp="true"/>
           </p:cNvSpPr>
           <p:nvPr>
             <p:ph type="title"/>
@@ -4351,7 +4352,7 @@
         <p:nvSpPr>
           <p:cNvPr id="3" name="Picture Placeholder 2"/>
           <p:cNvSpPr>
-            <a:spLocks noGrp="1" noChangeAspect="1"/>
+            <a:spLocks noGrp="true" noChangeAspect="true"/>
           </p:cNvSpPr>
           <p:nvPr>
             <p:ph type="pic" idx="1"/>
@@ -4416,7 +4417,7 @@
         <p:nvSpPr>
           <p:cNvPr id="4" name="Text Placeholder 3"/>
           <p:cNvSpPr>
-            <a:spLocks noGrp="1"/>
+            <a:spLocks noGrp="true"/>
           </p:cNvSpPr>
           <p:nvPr>
             <p:ph type="body" sz="half" idx="2"/>
@@ -4482,7 +4483,7 @@
         <p:nvSpPr>
           <p:cNvPr id="5" name="Date Placeholder 4"/>
           <p:cNvSpPr>
-            <a:spLocks noGrp="1"/>
+            <a:spLocks noGrp="true"/>
           </p:cNvSpPr>
           <p:nvPr>
             <p:ph type="dt" sz="half" idx="10"/>
@@ -4504,7 +4505,7 @@
         <p:nvSpPr>
           <p:cNvPr id="6" name="Footer Placeholder 5"/>
           <p:cNvSpPr>
-            <a:spLocks noGrp="1"/>
+            <a:spLocks noGrp="true"/>
           </p:cNvSpPr>
           <p:nvPr>
             <p:ph type="ftr" sz="quarter" idx="11"/>
@@ -4523,7 +4524,7 @@
         <p:nvSpPr>
           <p:cNvPr id="7" name="Slide Number Placeholder 6"/>
           <p:cNvSpPr>
-            <a:spLocks noGrp="1"/>
+            <a:spLocks noGrp="true"/>
           </p:cNvSpPr>
           <p:nvPr>
             <p:ph type="sldNum" sz="quarter" idx="12"/>
@@ -4586,7 +4587,7 @@
         <p:nvSpPr>
           <p:cNvPr id="2" name="Title Placeholder 1"/>
           <p:cNvSpPr>
-            <a:spLocks noGrp="1"/>
+            <a:spLocks noGrp="true"/>
           </p:cNvSpPr>
           <p:nvPr>
             <p:ph type="title"/>
@@ -4619,7 +4620,7 @@
         <p:nvSpPr>
           <p:cNvPr id="3" name="Text Placeholder 2"/>
           <p:cNvSpPr>
-            <a:spLocks noGrp="1"/>
+            <a:spLocks noGrp="true"/>
           </p:cNvSpPr>
           <p:nvPr>
             <p:ph type="body" idx="1"/>
@@ -4685,7 +4686,7 @@
         <p:nvSpPr>
           <p:cNvPr id="4" name="Date Placeholder 3"/>
           <p:cNvSpPr>
-            <a:spLocks noGrp="1"/>
+            <a:spLocks noGrp="true"/>
           </p:cNvSpPr>
           <p:nvPr>
             <p:ph type="dt" sz="half" idx="2"/>
@@ -4725,7 +4726,7 @@
         <p:nvSpPr>
           <p:cNvPr id="5" name="Footer Placeholder 4"/>
           <p:cNvSpPr>
-            <a:spLocks noGrp="1"/>
+            <a:spLocks noGrp="true"/>
           </p:cNvSpPr>
           <p:nvPr>
             <p:ph type="ftr" sz="quarter" idx="3"/>
@@ -4762,7 +4763,7 @@
         <p:nvSpPr>
           <p:cNvPr id="6" name="Slide Number Placeholder 5"/>
           <p:cNvSpPr>
-            <a:spLocks noGrp="1"/>
+            <a:spLocks noGrp="true"/>
           </p:cNvSpPr>
           <p:nvPr>
             <p:ph type="sldNum" sz="quarter" idx="4"/>
@@ -4850,7 +4851,7 @@
         <a:spcBef>
           <a:spcPts val="750"/>
         </a:spcBef>
-        <a:buFont typeface="Arial" panose="020B0604020202020204" pitchFamily="34" charset="0"/>
+        <a:buFont typeface="Arial" panose="02080604020202020204" pitchFamily="34" charset="0"/>
         <a:buChar char="•"/>
         <a:defRPr sz="2100" kern="1200">
           <a:solidFill>
@@ -4868,7 +4869,7 @@
         <a:spcBef>
           <a:spcPts val="375"/>
         </a:spcBef>
-        <a:buFont typeface="Arial" panose="020B0604020202020204" pitchFamily="34" charset="0"/>
+        <a:buFont typeface="Arial" panose="02080604020202020204" pitchFamily="34" charset="0"/>
         <a:buChar char="•"/>
         <a:defRPr sz="1800" kern="1200">
           <a:solidFill>
@@ -4886,7 +4887,7 @@
         <a:spcBef>
           <a:spcPts val="375"/>
         </a:spcBef>
-        <a:buFont typeface="Arial" panose="020B0604020202020204" pitchFamily="34" charset="0"/>
+        <a:buFont typeface="Arial" panose="02080604020202020204" pitchFamily="34" charset="0"/>
         <a:buChar char="•"/>
         <a:defRPr sz="1500" kern="1200">
           <a:solidFill>
@@ -4904,7 +4905,7 @@
         <a:spcBef>
           <a:spcPts val="375"/>
         </a:spcBef>
-        <a:buFont typeface="Arial" panose="020B0604020202020204" pitchFamily="34" charset="0"/>
+        <a:buFont typeface="Arial" panose="02080604020202020204" pitchFamily="34" charset="0"/>
         <a:buChar char="•"/>
         <a:defRPr sz="1350" kern="1200">
           <a:solidFill>
@@ -4922,7 +4923,7 @@
         <a:spcBef>
           <a:spcPts val="375"/>
         </a:spcBef>
-        <a:buFont typeface="Arial" panose="020B0604020202020204" pitchFamily="34" charset="0"/>
+        <a:buFont typeface="Arial" panose="02080604020202020204" pitchFamily="34" charset="0"/>
         <a:buChar char="•"/>
         <a:defRPr sz="1350" kern="1200">
           <a:solidFill>
@@ -4940,7 +4941,7 @@
         <a:spcBef>
           <a:spcPts val="375"/>
         </a:spcBef>
-        <a:buFont typeface="Arial" panose="020B0604020202020204" pitchFamily="34" charset="0"/>
+        <a:buFont typeface="Arial" panose="02080604020202020204" pitchFamily="34" charset="0"/>
         <a:buChar char="•"/>
         <a:defRPr sz="1350" kern="1200">
           <a:solidFill>
@@ -4958,7 +4959,7 @@
         <a:spcBef>
           <a:spcPts val="375"/>
         </a:spcBef>
-        <a:buFont typeface="Arial" panose="020B0604020202020204" pitchFamily="34" charset="0"/>
+        <a:buFont typeface="Arial" panose="02080604020202020204" pitchFamily="34" charset="0"/>
         <a:buChar char="•"/>
         <a:defRPr sz="1350" kern="1200">
           <a:solidFill>
@@ -4976,7 +4977,7 @@
         <a:spcBef>
           <a:spcPts val="375"/>
         </a:spcBef>
-        <a:buFont typeface="Arial" panose="020B0604020202020204" pitchFamily="34" charset="0"/>
+        <a:buFont typeface="Arial" panose="02080604020202020204" pitchFamily="34" charset="0"/>
         <a:buChar char="•"/>
         <a:defRPr sz="1350" kern="1200">
           <a:solidFill>
@@ -4994,7 +4995,7 @@
         <a:spcBef>
           <a:spcPts val="375"/>
         </a:spcBef>
-        <a:buFont typeface="Arial" panose="020B0604020202020204" pitchFamily="34" charset="0"/>
+        <a:buFont typeface="Arial" panose="02080604020202020204" pitchFamily="34" charset="0"/>
         <a:buChar char="•"/>
         <a:defRPr sz="1350" kern="1200">
           <a:solidFill>
@@ -5126,7 +5127,7 @@
         <p:nvPicPr>
           <p:cNvPr id="4" name="图片 3"/>
           <p:cNvPicPr>
-            <a:picLocks noChangeAspect="1"/>
+            <a:picLocks noChangeAspect="true"/>
           </p:cNvPicPr>
           <p:nvPr/>
         </p:nvPicPr>
@@ -5134,7 +5135,7 @@
           <a:blip r:embed="rId1" cstate="print">
             <a:extLst>
               <a:ext uri="{28A0092B-C50C-407E-A947-70E740481C1C}">
-                <a14:useLocalDpi xmlns:a14="http://schemas.microsoft.com/office/drawing/2010/main" val="0"/>
+                <a14:useLocalDpi xmlns:a14="http://schemas.microsoft.com/office/drawing/2010/main" val="false"/>
               </a:ext>
             </a:extLst>
           </a:blip>
@@ -5169,7 +5170,7 @@
         <p:sp>
           <p:nvSpPr>
             <p:cNvPr id="9" name="文本框 8"/>
-            <p:cNvSpPr txBox="1"/>
+            <p:cNvSpPr txBox="true"/>
             <p:nvPr/>
           </p:nvSpPr>
           <p:spPr>
@@ -5190,7 +5191,6 @@
             <a:p>
               <a:r>
                 <a:rPr lang="zh-CN" altLang="en-US" sz="3200" dirty="0">
-                  <a:ln/>
                   <a:solidFill>
                     <a:schemeClr val="tx1"/>
                   </a:solidFill>
@@ -5207,7 +5207,6 @@
                 <a:t>基于机器阅读理解的中文问答系统研究与实现</a:t>
               </a:r>
               <a:endParaRPr lang="zh-CN" altLang="en-US" sz="3200" dirty="0">
-                <a:ln/>
                 <a:solidFill>
                   <a:schemeClr val="tx1"/>
                 </a:solidFill>
@@ -5227,7 +5226,7 @@
         <p:sp>
           <p:nvSpPr>
             <p:cNvPr id="29" name="文本框 28"/>
-            <p:cNvSpPr txBox="1"/>
+            <p:cNvSpPr txBox="true"/>
             <p:nvPr/>
           </p:nvSpPr>
           <p:spPr>
@@ -5252,7 +5251,6 @@
               </a:pPr>
               <a:r>
                 <a:rPr lang="zh-CN" altLang="en-US" sz="1350" dirty="0">
-                  <a:ln/>
                   <a:solidFill>
                     <a:schemeClr val="tx1"/>
                   </a:solidFill>
@@ -5271,7 +5269,6 @@
               </a:r>
               <a:r>
                 <a:rPr lang="en-US" altLang="zh-CN" sz="1350" dirty="0">
-                  <a:ln/>
                   <a:solidFill>
                     <a:schemeClr val="tx1"/>
                   </a:solidFill>
@@ -5290,7 +5287,6 @@
               </a:r>
               <a:r>
                 <a:rPr lang="zh-CN" altLang="en-US" sz="1350" dirty="0">
-                  <a:ln/>
                   <a:solidFill>
                     <a:schemeClr val="tx1"/>
                   </a:solidFill>
@@ -5308,7 +5304,6 @@
                 <a:t>指导老师：  张天成</a:t>
               </a:r>
               <a:endParaRPr lang="en-US" altLang="zh-CN" sz="1350" dirty="0">
-                <a:ln/>
                 <a:solidFill>
                   <a:schemeClr val="tx1"/>
                 </a:solidFill>
@@ -5332,7 +5327,6 @@
               </a:pPr>
               <a:r>
                 <a:rPr lang="zh-CN" altLang="en-US" sz="1350" dirty="0">
-                  <a:ln/>
                   <a:solidFill>
                     <a:schemeClr val="tx1"/>
                   </a:solidFill>
@@ -5351,7 +5345,6 @@
               </a:r>
               <a:r>
                 <a:rPr lang="en-US" altLang="zh-CN" sz="1350" dirty="0">
-                  <a:ln/>
                   <a:solidFill>
                     <a:schemeClr val="tx1"/>
                   </a:solidFill>
@@ -5370,7 +5363,6 @@
               </a:r>
               <a:r>
                 <a:rPr lang="zh-CN" altLang="en-US" sz="1350" dirty="0">
-                  <a:ln/>
                   <a:solidFill>
                     <a:schemeClr val="tx1"/>
                   </a:solidFill>
@@ -5388,7 +5380,6 @@
                 <a:t>      专业：计算机技术</a:t>
               </a:r>
               <a:endParaRPr lang="zh-CN" altLang="en-US" sz="1350" dirty="0">
-                <a:ln/>
                 <a:solidFill>
                   <a:schemeClr val="tx1"/>
                 </a:solidFill>
@@ -5529,7 +5520,7 @@
           <p:nvGrpSpPr>
             <p:cNvPr id="15" name="Group 4"/>
             <p:cNvGrpSpPr>
-              <a:grpSpLocks noChangeAspect="1"/>
+              <a:grpSpLocks noChangeAspect="true"/>
             </p:cNvGrpSpPr>
             <p:nvPr/>
           </p:nvGrpSpPr>
@@ -5864,7 +5855,7 @@
               </a:ln>
             </p:spPr>
             <p:txBody>
-              <a:bodyPr vert="horz" wrap="square" lIns="68580" tIns="34290" rIns="68580" bIns="34290" numCol="1" anchor="t" anchorCtr="0" compatLnSpc="1"/>
+              <a:bodyPr vert="horz" wrap="square" lIns="68580" tIns="34290" rIns="68580" bIns="34290" numCol="1" anchor="t" anchorCtr="false" compatLnSpc="true"/>
               <a:p>
                 <a:endParaRPr lang="zh-HK" altLang="en-US" sz="1350" dirty="0"/>
               </a:p>
@@ -6039,7 +6030,7 @@
               </a:ln>
             </p:spPr>
             <p:txBody>
-              <a:bodyPr vert="horz" wrap="square" lIns="68580" tIns="34290" rIns="68580" bIns="34290" numCol="1" anchor="t" anchorCtr="0" compatLnSpc="1"/>
+              <a:bodyPr vert="horz" wrap="square" lIns="68580" tIns="34290" rIns="68580" bIns="34290" numCol="1" anchor="t" anchorCtr="false" compatLnSpc="true"/>
               <a:p>
                 <a:endParaRPr lang="zh-HK" altLang="en-US" sz="1350"/>
               </a:p>
@@ -6091,7 +6082,7 @@
         <p:nvPicPr>
           <p:cNvPr id="2" name="图片 3"/>
           <p:cNvPicPr>
-            <a:picLocks noChangeAspect="1"/>
+            <a:picLocks noChangeAspect="true"/>
           </p:cNvPicPr>
           <p:nvPr/>
         </p:nvPicPr>
@@ -6099,7 +6090,7 @@
           <a:blip r:embed="rId1" cstate="print">
             <a:extLst>
               <a:ext uri="{28A0092B-C50C-407E-A947-70E740481C1C}">
-                <a14:useLocalDpi xmlns:a14="http://schemas.microsoft.com/office/drawing/2010/main" val="0"/>
+                <a14:useLocalDpi xmlns:a14="http://schemas.microsoft.com/office/drawing/2010/main" val="false"/>
               </a:ext>
             </a:extLst>
           </a:blip>
@@ -6120,7 +6111,7 @@
       <p:sp>
         <p:nvSpPr>
           <p:cNvPr id="3" name="Text Box 2"/>
-          <p:cNvSpPr txBox="1"/>
+          <p:cNvSpPr txBox="true"/>
           <p:nvPr/>
         </p:nvSpPr>
         <p:spPr>
@@ -6204,7 +6195,7 @@
         <p:nvPicPr>
           <p:cNvPr id="8" name="Picture 7"/>
           <p:cNvPicPr>
-            <a:picLocks noChangeAspect="1"/>
+            <a:picLocks noChangeAspect="true"/>
           </p:cNvPicPr>
           <p:nvPr/>
         </p:nvPicPr>
@@ -6227,7 +6218,7 @@
       <p:sp>
         <p:nvSpPr>
           <p:cNvPr id="9" name="Text Box 8"/>
-          <p:cNvSpPr txBox="1"/>
+          <p:cNvSpPr txBox="true"/>
           <p:nvPr/>
         </p:nvSpPr>
         <p:spPr>
@@ -6247,7 +6238,6 @@
           <a:p>
             <a:r>
               <a:rPr lang="zh-CN" altLang="en-US" sz="2000">
-                <a:ln/>
                 <a:solidFill>
                   <a:schemeClr val="tx1"/>
                 </a:solidFill>
@@ -6262,7 +6252,6 @@
               <a:t>典型的文本匹配框架</a:t>
             </a:r>
             <a:endParaRPr lang="zh-CN" altLang="en-US" sz="2000">
-              <a:ln/>
               <a:solidFill>
                 <a:schemeClr val="tx1"/>
               </a:solidFill>
@@ -6321,7 +6310,7 @@
         <p:nvPicPr>
           <p:cNvPr id="2" name="图片 3"/>
           <p:cNvPicPr>
-            <a:picLocks noChangeAspect="1"/>
+            <a:picLocks noChangeAspect="true"/>
           </p:cNvPicPr>
           <p:nvPr/>
         </p:nvPicPr>
@@ -6329,7 +6318,7 @@
           <a:blip r:embed="rId1" cstate="print">
             <a:extLst>
               <a:ext uri="{28A0092B-C50C-407E-A947-70E740481C1C}">
-                <a14:useLocalDpi xmlns:a14="http://schemas.microsoft.com/office/drawing/2010/main" val="0"/>
+                <a14:useLocalDpi xmlns:a14="http://schemas.microsoft.com/office/drawing/2010/main" val="false"/>
               </a:ext>
             </a:extLst>
           </a:blip>
@@ -6350,7 +6339,7 @@
       <p:sp>
         <p:nvSpPr>
           <p:cNvPr id="3" name="Text Box 2"/>
-          <p:cNvSpPr txBox="1"/>
+          <p:cNvSpPr txBox="true"/>
           <p:nvPr/>
         </p:nvSpPr>
         <p:spPr>
@@ -6495,7 +6484,7 @@
       <p:sp>
         <p:nvSpPr>
           <p:cNvPr id="8" name="Text Box 7"/>
-          <p:cNvSpPr txBox="1"/>
+          <p:cNvSpPr txBox="true"/>
           <p:nvPr/>
         </p:nvSpPr>
         <p:spPr>
@@ -6525,7 +6514,7 @@
         <p:nvPicPr>
           <p:cNvPr id="9" name="Picture 8"/>
           <p:cNvPicPr>
-            <a:picLocks noChangeAspect="1"/>
+            <a:picLocks noChangeAspect="true"/>
           </p:cNvPicPr>
           <p:nvPr/>
         </p:nvPicPr>
@@ -6589,7 +6578,7 @@
         <p:nvPicPr>
           <p:cNvPr id="2" name="图片 3"/>
           <p:cNvPicPr>
-            <a:picLocks noChangeAspect="1"/>
+            <a:picLocks noChangeAspect="true"/>
           </p:cNvPicPr>
           <p:nvPr/>
         </p:nvPicPr>
@@ -6597,7 +6586,7 @@
           <a:blip r:embed="rId1" cstate="print">
             <a:extLst>
               <a:ext uri="{28A0092B-C50C-407E-A947-70E740481C1C}">
-                <a14:useLocalDpi xmlns:a14="http://schemas.microsoft.com/office/drawing/2010/main" val="0"/>
+                <a14:useLocalDpi xmlns:a14="http://schemas.microsoft.com/office/drawing/2010/main" val="false"/>
               </a:ext>
             </a:extLst>
           </a:blip>
@@ -6618,7 +6607,7 @@
       <p:sp>
         <p:nvSpPr>
           <p:cNvPr id="3" name="Text Box 2"/>
-          <p:cNvSpPr txBox="1"/>
+          <p:cNvSpPr txBox="true"/>
           <p:nvPr/>
         </p:nvSpPr>
         <p:spPr>
@@ -6701,7 +6690,7 @@
       <p:sp>
         <p:nvSpPr>
           <p:cNvPr id="5" name="Text Box 4"/>
-          <p:cNvSpPr txBox="1"/>
+          <p:cNvSpPr txBox="true"/>
           <p:nvPr/>
         </p:nvSpPr>
         <p:spPr>
@@ -6733,7 +6722,7 @@
         <p:nvPicPr>
           <p:cNvPr id="4" name="Picture 3"/>
           <p:cNvPicPr>
-            <a:picLocks noChangeAspect="1"/>
+            <a:picLocks noChangeAspect="true"/>
           </p:cNvPicPr>
           <p:nvPr/>
         </p:nvPicPr>
@@ -6797,7 +6786,7 @@
         <p:nvPicPr>
           <p:cNvPr id="4" name="图片 3"/>
           <p:cNvPicPr>
-            <a:picLocks noChangeAspect="1"/>
+            <a:picLocks noChangeAspect="true"/>
           </p:cNvPicPr>
           <p:nvPr/>
         </p:nvPicPr>
@@ -6805,7 +6794,7 @@
           <a:blip r:embed="rId1" cstate="print">
             <a:extLst>
               <a:ext uri="{28A0092B-C50C-407E-A947-70E740481C1C}">
-                <a14:useLocalDpi xmlns:a14="http://schemas.microsoft.com/office/drawing/2010/main" val="0"/>
+                <a14:useLocalDpi xmlns:a14="http://schemas.microsoft.com/office/drawing/2010/main" val="false"/>
               </a:ext>
             </a:extLst>
           </a:blip>
@@ -6836,7 +6825,7 @@
         <a:graphic>
           <a:graphicData uri="http://schemas.openxmlformats.org/drawingml/2006/table">
             <a:tbl>
-              <a:tblPr firstRow="1" bandRow="1">
+              <a:tblPr firstRow="true" bandRow="true">
                 <a:tableStyleId>{5940675A-B579-460E-94D1-54222C63F5DA}</a:tableStyleId>
               </a:tblPr>
               <a:tblGrid>
@@ -6856,16 +6845,16 @@
                       </a:pPr>
                       <a:r>
                         <a:rPr lang="en-US" sz="1200" b="0">
-                          <a:latin typeface="宋体" panose="02010600030101010101" pitchFamily="2" charset="-122"/>
-                          <a:ea typeface="宋体" panose="02010600030101010101" pitchFamily="2" charset="-122"/>
-                          <a:cs typeface="宋体" panose="02010600030101010101" pitchFamily="2" charset="-122"/>
+                          <a:latin typeface="宋体" pitchFamily="2" charset="-122"/>
+                          <a:ea typeface="宋体" pitchFamily="2" charset="-122"/>
+                          <a:cs typeface="宋体" pitchFamily="2" charset="-122"/>
                         </a:rPr>
                         <a:t>数据集</a:t>
                       </a:r>
                       <a:endParaRPr lang="en-US" sz="1200" b="0">
-                        <a:latin typeface="宋体" panose="02010600030101010101" pitchFamily="2" charset="-122"/>
-                        <a:ea typeface="宋体" panose="02010600030101010101" pitchFamily="2" charset="-122"/>
-                        <a:cs typeface="宋体" panose="02010600030101010101" pitchFamily="2" charset="-122"/>
+                        <a:latin typeface="宋体" pitchFamily="2" charset="-122"/>
+                        <a:ea typeface="宋体" pitchFamily="2" charset="-122"/>
+                        <a:cs typeface="宋体" pitchFamily="2" charset="-122"/>
                       </a:endParaRPr>
                     </a:p>
                   </a:txBody>
@@ -6910,16 +6899,16 @@
                       </a:pPr>
                       <a:r>
                         <a:rPr lang="en-US" sz="1200" b="0">
-                          <a:latin typeface="宋体" panose="02010600030101010101" pitchFamily="2" charset="-122"/>
-                          <a:ea typeface="宋体" panose="02010600030101010101" pitchFamily="2" charset="-122"/>
-                          <a:cs typeface="宋体" panose="02010600030101010101" pitchFamily="2" charset="-122"/>
+                          <a:latin typeface="宋体" pitchFamily="2" charset="-122"/>
+                          <a:ea typeface="宋体" pitchFamily="2" charset="-122"/>
+                          <a:cs typeface="宋体" pitchFamily="2" charset="-122"/>
                         </a:rPr>
                         <a:t>发布时间</a:t>
                       </a:r>
                       <a:endParaRPr lang="en-US" sz="1200" b="0">
-                        <a:latin typeface="宋体" panose="02010600030101010101" pitchFamily="2" charset="-122"/>
-                        <a:ea typeface="宋体" panose="02010600030101010101" pitchFamily="2" charset="-122"/>
-                        <a:cs typeface="宋体" panose="02010600030101010101" pitchFamily="2" charset="-122"/>
+                        <a:latin typeface="宋体" pitchFamily="2" charset="-122"/>
+                        <a:ea typeface="宋体" pitchFamily="2" charset="-122"/>
+                        <a:cs typeface="宋体" pitchFamily="2" charset="-122"/>
                       </a:endParaRPr>
                     </a:p>
                   </a:txBody>
@@ -6964,16 +6953,16 @@
                       </a:pPr>
                       <a:r>
                         <a:rPr lang="en-US" sz="1200" b="0">
-                          <a:latin typeface="宋体" panose="02010600030101010101" pitchFamily="2" charset="-122"/>
-                          <a:ea typeface="宋体" panose="02010600030101010101" pitchFamily="2" charset="-122"/>
-                          <a:cs typeface="宋体" panose="02010600030101010101" pitchFamily="2" charset="-122"/>
+                          <a:latin typeface="宋体" pitchFamily="2" charset="-122"/>
+                          <a:ea typeface="宋体" pitchFamily="2" charset="-122"/>
+                          <a:cs typeface="宋体" pitchFamily="2" charset="-122"/>
                         </a:rPr>
                         <a:t>文章来源</a:t>
                       </a:r>
                       <a:endParaRPr lang="en-US" sz="1200" b="0">
-                        <a:latin typeface="宋体" panose="02010600030101010101" pitchFamily="2" charset="-122"/>
-                        <a:ea typeface="宋体" panose="02010600030101010101" pitchFamily="2" charset="-122"/>
-                        <a:cs typeface="宋体" panose="02010600030101010101" pitchFamily="2" charset="-122"/>
+                        <a:latin typeface="宋体" pitchFamily="2" charset="-122"/>
+                        <a:ea typeface="宋体" pitchFamily="2" charset="-122"/>
+                        <a:cs typeface="宋体" pitchFamily="2" charset="-122"/>
                       </a:endParaRPr>
                     </a:p>
                   </a:txBody>
@@ -7018,16 +7007,16 @@
                       </a:pPr>
                       <a:r>
                         <a:rPr lang="en-US" sz="1200" b="0">
-                          <a:latin typeface="宋体" panose="02010600030101010101" pitchFamily="2" charset="-122"/>
-                          <a:ea typeface="宋体" panose="02010600030101010101" pitchFamily="2" charset="-122"/>
-                          <a:cs typeface="宋体" panose="02010600030101010101" pitchFamily="2" charset="-122"/>
+                          <a:latin typeface="宋体" pitchFamily="2" charset="-122"/>
+                          <a:ea typeface="宋体" pitchFamily="2" charset="-122"/>
+                          <a:cs typeface="宋体" pitchFamily="2" charset="-122"/>
                         </a:rPr>
                         <a:t>语言类型</a:t>
                       </a:r>
                       <a:endParaRPr lang="en-US" sz="1200" b="0">
-                        <a:latin typeface="宋体" panose="02010600030101010101" pitchFamily="2" charset="-122"/>
-                        <a:ea typeface="宋体" panose="02010600030101010101" pitchFamily="2" charset="-122"/>
-                        <a:cs typeface="宋体" panose="02010600030101010101" pitchFamily="2" charset="-122"/>
+                        <a:latin typeface="宋体" pitchFamily="2" charset="-122"/>
+                        <a:ea typeface="宋体" pitchFamily="2" charset="-122"/>
+                        <a:cs typeface="宋体" pitchFamily="2" charset="-122"/>
                       </a:endParaRPr>
                     </a:p>
                   </a:txBody>
@@ -7072,16 +7061,16 @@
                       </a:pPr>
                       <a:r>
                         <a:rPr lang="en-US" sz="1200" b="0">
-                          <a:latin typeface="宋体" panose="02010600030101010101" pitchFamily="2" charset="-122"/>
-                          <a:ea typeface="宋体" panose="02010600030101010101" pitchFamily="2" charset="-122"/>
-                          <a:cs typeface="宋体" panose="02010600030101010101" pitchFamily="2" charset="-122"/>
+                          <a:latin typeface="宋体" pitchFamily="2" charset="-122"/>
+                          <a:ea typeface="宋体" pitchFamily="2" charset="-122"/>
+                          <a:cs typeface="宋体" pitchFamily="2" charset="-122"/>
                         </a:rPr>
                         <a:t>答案类型</a:t>
                       </a:r>
                       <a:endParaRPr lang="en-US" sz="1200" b="0">
-                        <a:latin typeface="宋体" panose="02010600030101010101" pitchFamily="2" charset="-122"/>
-                        <a:ea typeface="宋体" panose="02010600030101010101" pitchFamily="2" charset="-122"/>
-                        <a:cs typeface="宋体" panose="02010600030101010101" pitchFamily="2" charset="-122"/>
+                        <a:latin typeface="宋体" pitchFamily="2" charset="-122"/>
+                        <a:ea typeface="宋体" pitchFamily="2" charset="-122"/>
+                        <a:cs typeface="宋体" pitchFamily="2" charset="-122"/>
                       </a:endParaRPr>
                     </a:p>
                   </a:txBody>
@@ -7128,16 +7117,16 @@
                       </a:pPr>
                       <a:r>
                         <a:rPr lang="en-US" sz="1200" b="0">
-                          <a:latin typeface="宋体" panose="02010600030101010101" pitchFamily="2" charset="-122"/>
-                          <a:ea typeface="宋体" panose="02010600030101010101" pitchFamily="2" charset="-122"/>
-                          <a:cs typeface="宋体" panose="02010600030101010101" pitchFamily="2" charset="-122"/>
+                          <a:latin typeface="宋体" pitchFamily="2" charset="-122"/>
+                          <a:ea typeface="宋体" pitchFamily="2" charset="-122"/>
+                          <a:cs typeface="宋体" pitchFamily="2" charset="-122"/>
                         </a:rPr>
                         <a:t>CNN&amp;Daily Mail</a:t>
                       </a:r>
                       <a:endParaRPr lang="en-US" sz="1200" b="0">
-                        <a:latin typeface="宋体" panose="02010600030101010101" pitchFamily="2" charset="-122"/>
-                        <a:ea typeface="宋体" panose="02010600030101010101" pitchFamily="2" charset="-122"/>
-                        <a:cs typeface="宋体" panose="02010600030101010101" pitchFamily="2" charset="-122"/>
+                        <a:latin typeface="宋体" pitchFamily="2" charset="-122"/>
+                        <a:ea typeface="宋体" pitchFamily="2" charset="-122"/>
+                        <a:cs typeface="宋体" pitchFamily="2" charset="-122"/>
                       </a:endParaRPr>
                     </a:p>
                   </a:txBody>
@@ -7177,16 +7166,16 @@
                       </a:pPr>
                       <a:r>
                         <a:rPr lang="en-US" sz="1200" b="0">
-                          <a:latin typeface="宋体" panose="02010600030101010101" pitchFamily="2" charset="-122"/>
-                          <a:ea typeface="宋体" panose="02010600030101010101" pitchFamily="2" charset="-122"/>
-                          <a:cs typeface="宋体" panose="02010600030101010101" pitchFamily="2" charset="-122"/>
+                          <a:latin typeface="宋体" pitchFamily="2" charset="-122"/>
+                          <a:ea typeface="宋体" pitchFamily="2" charset="-122"/>
+                          <a:cs typeface="宋体" pitchFamily="2" charset="-122"/>
                         </a:rPr>
                         <a:t>2015</a:t>
                       </a:r>
                       <a:endParaRPr lang="en-US" sz="1200" b="0">
-                        <a:latin typeface="宋体" panose="02010600030101010101" pitchFamily="2" charset="-122"/>
-                        <a:ea typeface="宋体" panose="02010600030101010101" pitchFamily="2" charset="-122"/>
-                        <a:cs typeface="宋体" panose="02010600030101010101" pitchFamily="2" charset="-122"/>
+                        <a:latin typeface="宋体" pitchFamily="2" charset="-122"/>
+                        <a:ea typeface="宋体" pitchFamily="2" charset="-122"/>
+                        <a:cs typeface="宋体" pitchFamily="2" charset="-122"/>
                       </a:endParaRPr>
                     </a:p>
                   </a:txBody>
@@ -7226,16 +7215,16 @@
                       </a:pPr>
                       <a:r>
                         <a:rPr lang="en-US" sz="1200" b="0">
-                          <a:latin typeface="宋体" panose="02010600030101010101" pitchFamily="2" charset="-122"/>
-                          <a:ea typeface="宋体" panose="02010600030101010101" pitchFamily="2" charset="-122"/>
-                          <a:cs typeface="宋体" panose="02010600030101010101" pitchFamily="2" charset="-122"/>
+                          <a:latin typeface="宋体" pitchFamily="2" charset="-122"/>
+                          <a:ea typeface="宋体" pitchFamily="2" charset="-122"/>
+                          <a:cs typeface="宋体" pitchFamily="2" charset="-122"/>
                         </a:rPr>
                         <a:t>新闻</a:t>
                       </a:r>
                       <a:endParaRPr lang="en-US" sz="1200" b="0">
-                        <a:latin typeface="宋体" panose="02010600030101010101" pitchFamily="2" charset="-122"/>
-                        <a:ea typeface="宋体" panose="02010600030101010101" pitchFamily="2" charset="-122"/>
-                        <a:cs typeface="宋体" panose="02010600030101010101" pitchFamily="2" charset="-122"/>
+                        <a:latin typeface="宋体" pitchFamily="2" charset="-122"/>
+                        <a:ea typeface="宋体" pitchFamily="2" charset="-122"/>
+                        <a:cs typeface="宋体" pitchFamily="2" charset="-122"/>
                       </a:endParaRPr>
                     </a:p>
                   </a:txBody>
@@ -7275,16 +7264,16 @@
                       </a:pPr>
                       <a:r>
                         <a:rPr lang="en-US" sz="1200" b="0">
-                          <a:latin typeface="宋体" panose="02010600030101010101" pitchFamily="2" charset="-122"/>
-                          <a:ea typeface="宋体" panose="02010600030101010101" pitchFamily="2" charset="-122"/>
-                          <a:cs typeface="宋体" panose="02010600030101010101" pitchFamily="2" charset="-122"/>
+                          <a:latin typeface="宋体" pitchFamily="2" charset="-122"/>
+                          <a:ea typeface="宋体" pitchFamily="2" charset="-122"/>
+                          <a:cs typeface="宋体" pitchFamily="2" charset="-122"/>
                         </a:rPr>
                         <a:t>英语</a:t>
                       </a:r>
                       <a:endParaRPr lang="en-US" sz="1200" b="0">
-                        <a:latin typeface="宋体" panose="02010600030101010101" pitchFamily="2" charset="-122"/>
-                        <a:ea typeface="宋体" panose="02010600030101010101" pitchFamily="2" charset="-122"/>
-                        <a:cs typeface="宋体" panose="02010600030101010101" pitchFamily="2" charset="-122"/>
+                        <a:latin typeface="宋体" pitchFamily="2" charset="-122"/>
+                        <a:ea typeface="宋体" pitchFamily="2" charset="-122"/>
+                        <a:cs typeface="宋体" pitchFamily="2" charset="-122"/>
                       </a:endParaRPr>
                     </a:p>
                   </a:txBody>
@@ -7324,16 +7313,16 @@
                       </a:pPr>
                       <a:r>
                         <a:rPr lang="en-US" sz="1200" b="0">
-                          <a:latin typeface="宋体" panose="02010600030101010101" pitchFamily="2" charset="-122"/>
-                          <a:ea typeface="宋体" panose="02010600030101010101" pitchFamily="2" charset="-122"/>
-                          <a:cs typeface="宋体" panose="02010600030101010101" pitchFamily="2" charset="-122"/>
+                          <a:latin typeface="宋体" pitchFamily="2" charset="-122"/>
+                          <a:ea typeface="宋体" pitchFamily="2" charset="-122"/>
+                          <a:cs typeface="宋体" pitchFamily="2" charset="-122"/>
                         </a:rPr>
                         <a:t>填空式</a:t>
                       </a:r>
                       <a:endParaRPr lang="en-US" sz="1200" b="0">
-                        <a:latin typeface="宋体" panose="02010600030101010101" pitchFamily="2" charset="-122"/>
-                        <a:ea typeface="宋体" panose="02010600030101010101" pitchFamily="2" charset="-122"/>
-                        <a:cs typeface="宋体" panose="02010600030101010101" pitchFamily="2" charset="-122"/>
+                        <a:latin typeface="宋体" pitchFamily="2" charset="-122"/>
+                        <a:ea typeface="宋体" pitchFamily="2" charset="-122"/>
+                        <a:cs typeface="宋体" pitchFamily="2" charset="-122"/>
                       </a:endParaRPr>
                     </a:p>
                   </a:txBody>
@@ -7375,16 +7364,16 @@
                       </a:pPr>
                       <a:r>
                         <a:rPr lang="en-US" sz="1200" b="0">
-                          <a:latin typeface="宋体" panose="02010600030101010101" pitchFamily="2" charset="-122"/>
-                          <a:ea typeface="宋体" panose="02010600030101010101" pitchFamily="2" charset="-122"/>
-                          <a:cs typeface="宋体" panose="02010600030101010101" pitchFamily="2" charset="-122"/>
+                          <a:latin typeface="宋体" pitchFamily="2" charset="-122"/>
+                          <a:ea typeface="宋体" pitchFamily="2" charset="-122"/>
+                          <a:cs typeface="宋体" pitchFamily="2" charset="-122"/>
                         </a:rPr>
                         <a:t>SQuAD</a:t>
                       </a:r>
                       <a:endParaRPr lang="en-US" sz="1200" b="0">
-                        <a:latin typeface="宋体" panose="02010600030101010101" pitchFamily="2" charset="-122"/>
-                        <a:ea typeface="宋体" panose="02010600030101010101" pitchFamily="2" charset="-122"/>
-                        <a:cs typeface="宋体" panose="02010600030101010101" pitchFamily="2" charset="-122"/>
+                        <a:latin typeface="宋体" pitchFamily="2" charset="-122"/>
+                        <a:ea typeface="宋体" pitchFamily="2" charset="-122"/>
+                        <a:cs typeface="宋体" pitchFamily="2" charset="-122"/>
                       </a:endParaRPr>
                     </a:p>
                   </a:txBody>
@@ -7419,16 +7408,16 @@
                       </a:pPr>
                       <a:r>
                         <a:rPr lang="en-US" sz="1200" b="0">
-                          <a:latin typeface="宋体" panose="02010600030101010101" pitchFamily="2" charset="-122"/>
-                          <a:ea typeface="宋体" panose="02010600030101010101" pitchFamily="2" charset="-122"/>
-                          <a:cs typeface="宋体" panose="02010600030101010101" pitchFamily="2" charset="-122"/>
+                          <a:latin typeface="宋体" pitchFamily="2" charset="-122"/>
+                          <a:ea typeface="宋体" pitchFamily="2" charset="-122"/>
+                          <a:cs typeface="宋体" pitchFamily="2" charset="-122"/>
                         </a:rPr>
                         <a:t>2016</a:t>
                       </a:r>
                       <a:endParaRPr lang="en-US" sz="1200" b="0">
-                        <a:latin typeface="宋体" panose="02010600030101010101" pitchFamily="2" charset="-122"/>
-                        <a:ea typeface="宋体" panose="02010600030101010101" pitchFamily="2" charset="-122"/>
-                        <a:cs typeface="宋体" panose="02010600030101010101" pitchFamily="2" charset="-122"/>
+                        <a:latin typeface="宋体" pitchFamily="2" charset="-122"/>
+                        <a:ea typeface="宋体" pitchFamily="2" charset="-122"/>
+                        <a:cs typeface="宋体" pitchFamily="2" charset="-122"/>
                       </a:endParaRPr>
                     </a:p>
                   </a:txBody>
@@ -7463,16 +7452,16 @@
                       </a:pPr>
                       <a:r>
                         <a:rPr lang="en-US" sz="1200" b="0">
-                          <a:latin typeface="宋体" panose="02010600030101010101" pitchFamily="2" charset="-122"/>
-                          <a:ea typeface="宋体" panose="02010600030101010101" pitchFamily="2" charset="-122"/>
-                          <a:cs typeface="宋体" panose="02010600030101010101" pitchFamily="2" charset="-122"/>
+                          <a:latin typeface="宋体" pitchFamily="2" charset="-122"/>
+                          <a:ea typeface="宋体" pitchFamily="2" charset="-122"/>
+                          <a:cs typeface="宋体" pitchFamily="2" charset="-122"/>
                         </a:rPr>
                         <a:t>维基百科</a:t>
                       </a:r>
                       <a:endParaRPr lang="en-US" sz="1200" b="0">
-                        <a:latin typeface="宋体" panose="02010600030101010101" pitchFamily="2" charset="-122"/>
-                        <a:ea typeface="宋体" panose="02010600030101010101" pitchFamily="2" charset="-122"/>
-                        <a:cs typeface="宋体" panose="02010600030101010101" pitchFamily="2" charset="-122"/>
+                        <a:latin typeface="宋体" pitchFamily="2" charset="-122"/>
+                        <a:ea typeface="宋体" pitchFamily="2" charset="-122"/>
+                        <a:cs typeface="宋体" pitchFamily="2" charset="-122"/>
                       </a:endParaRPr>
                     </a:p>
                   </a:txBody>
@@ -7507,16 +7496,16 @@
                       </a:pPr>
                       <a:r>
                         <a:rPr lang="en-US" sz="1200" b="0">
-                          <a:latin typeface="宋体" panose="02010600030101010101" pitchFamily="2" charset="-122"/>
-                          <a:ea typeface="宋体" panose="02010600030101010101" pitchFamily="2" charset="-122"/>
-                          <a:cs typeface="宋体" panose="02010600030101010101" pitchFamily="2" charset="-122"/>
+                          <a:latin typeface="宋体" pitchFamily="2" charset="-122"/>
+                          <a:ea typeface="宋体" pitchFamily="2" charset="-122"/>
+                          <a:cs typeface="宋体" pitchFamily="2" charset="-122"/>
                         </a:rPr>
                         <a:t>英语</a:t>
                       </a:r>
                       <a:endParaRPr lang="en-US" sz="1200" b="0">
-                        <a:latin typeface="宋体" panose="02010600030101010101" pitchFamily="2" charset="-122"/>
-                        <a:ea typeface="宋体" panose="02010600030101010101" pitchFamily="2" charset="-122"/>
-                        <a:cs typeface="宋体" panose="02010600030101010101" pitchFamily="2" charset="-122"/>
+                        <a:latin typeface="宋体" pitchFamily="2" charset="-122"/>
+                        <a:ea typeface="宋体" pitchFamily="2" charset="-122"/>
+                        <a:cs typeface="宋体" pitchFamily="2" charset="-122"/>
                       </a:endParaRPr>
                     </a:p>
                   </a:txBody>
@@ -7551,16 +7540,16 @@
                       </a:pPr>
                       <a:r>
                         <a:rPr lang="en-US" sz="1200" b="0">
-                          <a:latin typeface="宋体" panose="02010600030101010101" pitchFamily="2" charset="-122"/>
-                          <a:ea typeface="宋体" panose="02010600030101010101" pitchFamily="2" charset="-122"/>
-                          <a:cs typeface="宋体" panose="02010600030101010101" pitchFamily="2" charset="-122"/>
+                          <a:latin typeface="宋体" pitchFamily="2" charset="-122"/>
+                          <a:ea typeface="宋体" pitchFamily="2" charset="-122"/>
+                          <a:cs typeface="宋体" pitchFamily="2" charset="-122"/>
                         </a:rPr>
                         <a:t>片段抽取式</a:t>
                       </a:r>
                       <a:endParaRPr lang="en-US" sz="1200" b="0">
-                        <a:latin typeface="宋体" panose="02010600030101010101" pitchFamily="2" charset="-122"/>
-                        <a:ea typeface="宋体" panose="02010600030101010101" pitchFamily="2" charset="-122"/>
-                        <a:cs typeface="宋体" panose="02010600030101010101" pitchFamily="2" charset="-122"/>
+                        <a:latin typeface="宋体" pitchFamily="2" charset="-122"/>
+                        <a:ea typeface="宋体" pitchFamily="2" charset="-122"/>
+                        <a:cs typeface="宋体" pitchFamily="2" charset="-122"/>
                       </a:endParaRPr>
                     </a:p>
                   </a:txBody>
@@ -7597,16 +7586,16 @@
                       </a:pPr>
                       <a:r>
                         <a:rPr lang="en-US" sz="1200" b="0">
-                          <a:latin typeface="宋体" panose="02010600030101010101" pitchFamily="2" charset="-122"/>
-                          <a:ea typeface="宋体" panose="02010600030101010101" pitchFamily="2" charset="-122"/>
-                          <a:cs typeface="宋体" panose="02010600030101010101" pitchFamily="2" charset="-122"/>
+                          <a:latin typeface="宋体" pitchFamily="2" charset="-122"/>
+                          <a:ea typeface="宋体" pitchFamily="2" charset="-122"/>
+                          <a:cs typeface="宋体" pitchFamily="2" charset="-122"/>
                         </a:rPr>
                         <a:t>RACE</a:t>
                       </a:r>
                       <a:endParaRPr lang="en-US" sz="1200" b="0">
-                        <a:latin typeface="宋体" panose="02010600030101010101" pitchFamily="2" charset="-122"/>
-                        <a:ea typeface="宋体" panose="02010600030101010101" pitchFamily="2" charset="-122"/>
-                        <a:cs typeface="宋体" panose="02010600030101010101" pitchFamily="2" charset="-122"/>
+                        <a:latin typeface="宋体" pitchFamily="2" charset="-122"/>
+                        <a:ea typeface="宋体" pitchFamily="2" charset="-122"/>
+                        <a:cs typeface="宋体" pitchFamily="2" charset="-122"/>
                       </a:endParaRPr>
                     </a:p>
                   </a:txBody>
@@ -7641,16 +7630,16 @@
                       </a:pPr>
                       <a:r>
                         <a:rPr lang="en-US" sz="1200" b="0">
-                          <a:latin typeface="宋体" panose="02010600030101010101" pitchFamily="2" charset="-122"/>
-                          <a:ea typeface="宋体" panose="02010600030101010101" pitchFamily="2" charset="-122"/>
-                          <a:cs typeface="宋体" panose="02010600030101010101" pitchFamily="2" charset="-122"/>
+                          <a:latin typeface="宋体" pitchFamily="2" charset="-122"/>
+                          <a:ea typeface="宋体" pitchFamily="2" charset="-122"/>
+                          <a:cs typeface="宋体" pitchFamily="2" charset="-122"/>
                         </a:rPr>
                         <a:t>2018</a:t>
                       </a:r>
                       <a:endParaRPr lang="en-US" sz="1200" b="0">
-                        <a:latin typeface="宋体" panose="02010600030101010101" pitchFamily="2" charset="-122"/>
-                        <a:ea typeface="宋体" panose="02010600030101010101" pitchFamily="2" charset="-122"/>
-                        <a:cs typeface="宋体" panose="02010600030101010101" pitchFamily="2" charset="-122"/>
+                        <a:latin typeface="宋体" pitchFamily="2" charset="-122"/>
+                        <a:ea typeface="宋体" pitchFamily="2" charset="-122"/>
+                        <a:cs typeface="宋体" pitchFamily="2" charset="-122"/>
                       </a:endParaRPr>
                     </a:p>
                   </a:txBody>
@@ -7685,16 +7674,16 @@
                       </a:pPr>
                       <a:r>
                         <a:rPr lang="en-US" sz="1200" b="0">
-                          <a:latin typeface="宋体" panose="02010600030101010101" pitchFamily="2" charset="-122"/>
-                          <a:ea typeface="宋体" panose="02010600030101010101" pitchFamily="2" charset="-122"/>
-                          <a:cs typeface="宋体" panose="02010600030101010101" pitchFamily="2" charset="-122"/>
+                          <a:latin typeface="宋体" pitchFamily="2" charset="-122"/>
+                          <a:ea typeface="宋体" pitchFamily="2" charset="-122"/>
+                          <a:cs typeface="宋体" pitchFamily="2" charset="-122"/>
                         </a:rPr>
                         <a:t>英语考试</a:t>
                       </a:r>
                       <a:endParaRPr lang="en-US" sz="1200" b="0">
-                        <a:latin typeface="宋体" panose="02010600030101010101" pitchFamily="2" charset="-122"/>
-                        <a:ea typeface="宋体" panose="02010600030101010101" pitchFamily="2" charset="-122"/>
-                        <a:cs typeface="宋体" panose="02010600030101010101" pitchFamily="2" charset="-122"/>
+                        <a:latin typeface="宋体" pitchFamily="2" charset="-122"/>
+                        <a:ea typeface="宋体" pitchFamily="2" charset="-122"/>
+                        <a:cs typeface="宋体" pitchFamily="2" charset="-122"/>
                       </a:endParaRPr>
                     </a:p>
                   </a:txBody>
@@ -7729,16 +7718,16 @@
                       </a:pPr>
                       <a:r>
                         <a:rPr lang="en-US" sz="1200" b="0">
-                          <a:latin typeface="宋体" panose="02010600030101010101" pitchFamily="2" charset="-122"/>
-                          <a:ea typeface="宋体" panose="02010600030101010101" pitchFamily="2" charset="-122"/>
-                          <a:cs typeface="宋体" panose="02010600030101010101" pitchFamily="2" charset="-122"/>
+                          <a:latin typeface="宋体" pitchFamily="2" charset="-122"/>
+                          <a:ea typeface="宋体" pitchFamily="2" charset="-122"/>
+                          <a:cs typeface="宋体" pitchFamily="2" charset="-122"/>
                         </a:rPr>
                         <a:t>英语</a:t>
                       </a:r>
                       <a:endParaRPr lang="en-US" sz="1200" b="0">
-                        <a:latin typeface="宋体" panose="02010600030101010101" pitchFamily="2" charset="-122"/>
-                        <a:ea typeface="宋体" panose="02010600030101010101" pitchFamily="2" charset="-122"/>
-                        <a:cs typeface="宋体" panose="02010600030101010101" pitchFamily="2" charset="-122"/>
+                        <a:latin typeface="宋体" pitchFamily="2" charset="-122"/>
+                        <a:ea typeface="宋体" pitchFamily="2" charset="-122"/>
+                        <a:cs typeface="宋体" pitchFamily="2" charset="-122"/>
                       </a:endParaRPr>
                     </a:p>
                   </a:txBody>
@@ -7773,16 +7762,16 @@
                       </a:pPr>
                       <a:r>
                         <a:rPr lang="en-US" sz="1200" b="0">
-                          <a:latin typeface="宋体" panose="02010600030101010101" pitchFamily="2" charset="-122"/>
-                          <a:ea typeface="宋体" panose="02010600030101010101" pitchFamily="2" charset="-122"/>
-                          <a:cs typeface="宋体" panose="02010600030101010101" pitchFamily="2" charset="-122"/>
+                          <a:latin typeface="宋体" pitchFamily="2" charset="-122"/>
+                          <a:ea typeface="宋体" pitchFamily="2" charset="-122"/>
+                          <a:cs typeface="宋体" pitchFamily="2" charset="-122"/>
                         </a:rPr>
                         <a:t>多项选择式</a:t>
                       </a:r>
                       <a:endParaRPr lang="en-US" sz="1200" b="0">
-                        <a:latin typeface="宋体" panose="02010600030101010101" pitchFamily="2" charset="-122"/>
-                        <a:ea typeface="宋体" panose="02010600030101010101" pitchFamily="2" charset="-122"/>
-                        <a:cs typeface="宋体" panose="02010600030101010101" pitchFamily="2" charset="-122"/>
+                        <a:latin typeface="宋体" pitchFamily="2" charset="-122"/>
+                        <a:ea typeface="宋体" pitchFamily="2" charset="-122"/>
+                        <a:cs typeface="宋体" pitchFamily="2" charset="-122"/>
                       </a:endParaRPr>
                     </a:p>
                   </a:txBody>
@@ -7819,16 +7808,16 @@
                       </a:pPr>
                       <a:r>
                         <a:rPr lang="en-US" sz="1200" b="0">
-                          <a:latin typeface="宋体" panose="02010600030101010101" pitchFamily="2" charset="-122"/>
-                          <a:ea typeface="宋体" panose="02010600030101010101" pitchFamily="2" charset="-122"/>
-                          <a:cs typeface="宋体" panose="02010600030101010101" pitchFamily="2" charset="-122"/>
+                          <a:latin typeface="宋体" pitchFamily="2" charset="-122"/>
+                          <a:ea typeface="宋体" pitchFamily="2" charset="-122"/>
+                          <a:cs typeface="宋体" pitchFamily="2" charset="-122"/>
                         </a:rPr>
                         <a:t>TriviaQA</a:t>
                       </a:r>
                       <a:endParaRPr lang="en-US" sz="1200" b="0">
-                        <a:latin typeface="宋体" panose="02010600030101010101" pitchFamily="2" charset="-122"/>
-                        <a:ea typeface="宋体" panose="02010600030101010101" pitchFamily="2" charset="-122"/>
-                        <a:cs typeface="宋体" panose="02010600030101010101" pitchFamily="2" charset="-122"/>
+                        <a:latin typeface="宋体" pitchFamily="2" charset="-122"/>
+                        <a:ea typeface="宋体" pitchFamily="2" charset="-122"/>
+                        <a:cs typeface="宋体" pitchFamily="2" charset="-122"/>
                       </a:endParaRPr>
                     </a:p>
                   </a:txBody>
@@ -7863,16 +7852,16 @@
                       </a:pPr>
                       <a:r>
                         <a:rPr lang="en-US" sz="1200" b="0">
-                          <a:latin typeface="宋体" panose="02010600030101010101" pitchFamily="2" charset="-122"/>
-                          <a:ea typeface="宋体" panose="02010600030101010101" pitchFamily="2" charset="-122"/>
-                          <a:cs typeface="宋体" panose="02010600030101010101" pitchFamily="2" charset="-122"/>
+                          <a:latin typeface="宋体" pitchFamily="2" charset="-122"/>
+                          <a:ea typeface="宋体" pitchFamily="2" charset="-122"/>
+                          <a:cs typeface="宋体" pitchFamily="2" charset="-122"/>
                         </a:rPr>
                         <a:t>2017</a:t>
                       </a:r>
                       <a:endParaRPr lang="en-US" sz="1200" b="0">
-                        <a:latin typeface="宋体" panose="02010600030101010101" pitchFamily="2" charset="-122"/>
-                        <a:ea typeface="宋体" panose="02010600030101010101" pitchFamily="2" charset="-122"/>
-                        <a:cs typeface="宋体" panose="02010600030101010101" pitchFamily="2" charset="-122"/>
+                        <a:latin typeface="宋体" pitchFamily="2" charset="-122"/>
+                        <a:ea typeface="宋体" pitchFamily="2" charset="-122"/>
+                        <a:cs typeface="宋体" pitchFamily="2" charset="-122"/>
                       </a:endParaRPr>
                     </a:p>
                   </a:txBody>
@@ -7907,16 +7896,16 @@
                       </a:pPr>
                       <a:r>
                         <a:rPr lang="en-US" sz="1200" b="0">
-                          <a:latin typeface="宋体" panose="02010600030101010101" pitchFamily="2" charset="-122"/>
-                          <a:ea typeface="宋体" panose="02010600030101010101" pitchFamily="2" charset="-122"/>
-                          <a:cs typeface="宋体" panose="02010600030101010101" pitchFamily="2" charset="-122"/>
+                          <a:latin typeface="宋体" pitchFamily="2" charset="-122"/>
+                          <a:ea typeface="宋体" pitchFamily="2" charset="-122"/>
+                          <a:cs typeface="宋体" pitchFamily="2" charset="-122"/>
                         </a:rPr>
                         <a:t>网页搜索</a:t>
                       </a:r>
                       <a:endParaRPr lang="en-US" sz="1200" b="0">
-                        <a:latin typeface="宋体" panose="02010600030101010101" pitchFamily="2" charset="-122"/>
-                        <a:ea typeface="宋体" panose="02010600030101010101" pitchFamily="2" charset="-122"/>
-                        <a:cs typeface="宋体" panose="02010600030101010101" pitchFamily="2" charset="-122"/>
+                        <a:latin typeface="宋体" pitchFamily="2" charset="-122"/>
+                        <a:ea typeface="宋体" pitchFamily="2" charset="-122"/>
+                        <a:cs typeface="宋体" pitchFamily="2" charset="-122"/>
                       </a:endParaRPr>
                     </a:p>
                   </a:txBody>
@@ -7951,16 +7940,16 @@
                       </a:pPr>
                       <a:r>
                         <a:rPr lang="en-US" sz="1200" b="0">
-                          <a:latin typeface="宋体" panose="02010600030101010101" pitchFamily="2" charset="-122"/>
-                          <a:ea typeface="宋体" panose="02010600030101010101" pitchFamily="2" charset="-122"/>
-                          <a:cs typeface="宋体" panose="02010600030101010101" pitchFamily="2" charset="-122"/>
+                          <a:latin typeface="宋体" pitchFamily="2" charset="-122"/>
+                          <a:ea typeface="宋体" pitchFamily="2" charset="-122"/>
+                          <a:cs typeface="宋体" pitchFamily="2" charset="-122"/>
                         </a:rPr>
                         <a:t>英语</a:t>
                       </a:r>
                       <a:endParaRPr lang="en-US" sz="1200" b="0">
-                        <a:latin typeface="宋体" panose="02010600030101010101" pitchFamily="2" charset="-122"/>
-                        <a:ea typeface="宋体" panose="02010600030101010101" pitchFamily="2" charset="-122"/>
-                        <a:cs typeface="宋体" panose="02010600030101010101" pitchFamily="2" charset="-122"/>
+                        <a:latin typeface="宋体" pitchFamily="2" charset="-122"/>
+                        <a:ea typeface="宋体" pitchFamily="2" charset="-122"/>
+                        <a:cs typeface="宋体" pitchFamily="2" charset="-122"/>
                       </a:endParaRPr>
                     </a:p>
                   </a:txBody>
@@ -7995,16 +7984,16 @@
                       </a:pPr>
                       <a:r>
                         <a:rPr lang="en-US" sz="1200" b="0">
-                          <a:latin typeface="宋体" panose="02010600030101010101" pitchFamily="2" charset="-122"/>
-                          <a:ea typeface="宋体" panose="02010600030101010101" pitchFamily="2" charset="-122"/>
-                          <a:cs typeface="宋体" panose="02010600030101010101" pitchFamily="2" charset="-122"/>
+                          <a:latin typeface="宋体" pitchFamily="2" charset="-122"/>
+                          <a:ea typeface="宋体" pitchFamily="2" charset="-122"/>
+                          <a:cs typeface="宋体" pitchFamily="2" charset="-122"/>
                         </a:rPr>
                         <a:t>片段抽取式</a:t>
                       </a:r>
                       <a:endParaRPr lang="en-US" sz="1200" b="0">
-                        <a:latin typeface="宋体" panose="02010600030101010101" pitchFamily="2" charset="-122"/>
-                        <a:ea typeface="宋体" panose="02010600030101010101" pitchFamily="2" charset="-122"/>
-                        <a:cs typeface="宋体" panose="02010600030101010101" pitchFamily="2" charset="-122"/>
+                        <a:latin typeface="宋体" pitchFamily="2" charset="-122"/>
+                        <a:ea typeface="宋体" pitchFamily="2" charset="-122"/>
+                        <a:cs typeface="宋体" pitchFamily="2" charset="-122"/>
                       </a:endParaRPr>
                     </a:p>
                   </a:txBody>
@@ -8041,16 +8030,16 @@
                       </a:pPr>
                       <a:r>
                         <a:rPr lang="en-US" sz="1200" b="0">
-                          <a:latin typeface="宋体" panose="02010600030101010101" pitchFamily="2" charset="-122"/>
-                          <a:ea typeface="宋体" panose="02010600030101010101" pitchFamily="2" charset="-122"/>
-                          <a:cs typeface="宋体" panose="02010600030101010101" pitchFamily="2" charset="-122"/>
+                          <a:latin typeface="宋体" pitchFamily="2" charset="-122"/>
+                          <a:ea typeface="宋体" pitchFamily="2" charset="-122"/>
+                          <a:cs typeface="宋体" pitchFamily="2" charset="-122"/>
                         </a:rPr>
                         <a:t>NewsQA</a:t>
                       </a:r>
                       <a:endParaRPr lang="en-US" sz="1200" b="0">
-                        <a:latin typeface="宋体" panose="02010600030101010101" pitchFamily="2" charset="-122"/>
-                        <a:ea typeface="宋体" panose="02010600030101010101" pitchFamily="2" charset="-122"/>
-                        <a:cs typeface="宋体" panose="02010600030101010101" pitchFamily="2" charset="-122"/>
+                        <a:latin typeface="宋体" pitchFamily="2" charset="-122"/>
+                        <a:ea typeface="宋体" pitchFamily="2" charset="-122"/>
+                        <a:cs typeface="宋体" pitchFamily="2" charset="-122"/>
                       </a:endParaRPr>
                     </a:p>
                   </a:txBody>
@@ -8085,16 +8074,16 @@
                       </a:pPr>
                       <a:r>
                         <a:rPr lang="en-US" sz="1200" b="0">
-                          <a:latin typeface="宋体" panose="02010600030101010101" pitchFamily="2" charset="-122"/>
-                          <a:ea typeface="宋体" panose="02010600030101010101" pitchFamily="2" charset="-122"/>
-                          <a:cs typeface="宋体" panose="02010600030101010101" pitchFamily="2" charset="-122"/>
+                          <a:latin typeface="宋体" pitchFamily="2" charset="-122"/>
+                          <a:ea typeface="宋体" pitchFamily="2" charset="-122"/>
+                          <a:cs typeface="宋体" pitchFamily="2" charset="-122"/>
                         </a:rPr>
                         <a:t>2017</a:t>
                       </a:r>
                       <a:endParaRPr lang="en-US" sz="1200" b="0">
-                        <a:latin typeface="宋体" panose="02010600030101010101" pitchFamily="2" charset="-122"/>
-                        <a:ea typeface="宋体" panose="02010600030101010101" pitchFamily="2" charset="-122"/>
-                        <a:cs typeface="宋体" panose="02010600030101010101" pitchFamily="2" charset="-122"/>
+                        <a:latin typeface="宋体" pitchFamily="2" charset="-122"/>
+                        <a:ea typeface="宋体" pitchFamily="2" charset="-122"/>
+                        <a:cs typeface="宋体" pitchFamily="2" charset="-122"/>
                       </a:endParaRPr>
                     </a:p>
                   </a:txBody>
@@ -8129,16 +8118,16 @@
                       </a:pPr>
                       <a:r>
                         <a:rPr lang="en-US" sz="1200" b="0">
-                          <a:latin typeface="宋体" panose="02010600030101010101" pitchFamily="2" charset="-122"/>
-                          <a:ea typeface="宋体" panose="02010600030101010101" pitchFamily="2" charset="-122"/>
-                          <a:cs typeface="宋体" panose="02010600030101010101" pitchFamily="2" charset="-122"/>
+                          <a:latin typeface="宋体" pitchFamily="2" charset="-122"/>
+                          <a:ea typeface="宋体" pitchFamily="2" charset="-122"/>
+                          <a:cs typeface="宋体" pitchFamily="2" charset="-122"/>
                         </a:rPr>
                         <a:t>新闻</a:t>
                       </a:r>
                       <a:endParaRPr lang="en-US" sz="1200" b="0">
-                        <a:latin typeface="宋体" panose="02010600030101010101" pitchFamily="2" charset="-122"/>
-                        <a:ea typeface="宋体" panose="02010600030101010101" pitchFamily="2" charset="-122"/>
-                        <a:cs typeface="宋体" panose="02010600030101010101" pitchFamily="2" charset="-122"/>
+                        <a:latin typeface="宋体" pitchFamily="2" charset="-122"/>
+                        <a:ea typeface="宋体" pitchFamily="2" charset="-122"/>
+                        <a:cs typeface="宋体" pitchFamily="2" charset="-122"/>
                       </a:endParaRPr>
                     </a:p>
                   </a:txBody>
@@ -8173,16 +8162,16 @@
                       </a:pPr>
                       <a:r>
                         <a:rPr lang="en-US" sz="1200" b="0">
-                          <a:latin typeface="宋体" panose="02010600030101010101" pitchFamily="2" charset="-122"/>
-                          <a:ea typeface="宋体" panose="02010600030101010101" pitchFamily="2" charset="-122"/>
-                          <a:cs typeface="宋体" panose="02010600030101010101" pitchFamily="2" charset="-122"/>
+                          <a:latin typeface="宋体" pitchFamily="2" charset="-122"/>
+                          <a:ea typeface="宋体" pitchFamily="2" charset="-122"/>
+                          <a:cs typeface="宋体" pitchFamily="2" charset="-122"/>
                         </a:rPr>
                         <a:t>英语</a:t>
                       </a:r>
                       <a:endParaRPr lang="en-US" sz="1200" b="0">
-                        <a:latin typeface="宋体" panose="02010600030101010101" pitchFamily="2" charset="-122"/>
-                        <a:ea typeface="宋体" panose="02010600030101010101" pitchFamily="2" charset="-122"/>
-                        <a:cs typeface="宋体" panose="02010600030101010101" pitchFamily="2" charset="-122"/>
+                        <a:latin typeface="宋体" pitchFamily="2" charset="-122"/>
+                        <a:ea typeface="宋体" pitchFamily="2" charset="-122"/>
+                        <a:cs typeface="宋体" pitchFamily="2" charset="-122"/>
                       </a:endParaRPr>
                     </a:p>
                   </a:txBody>
@@ -8217,16 +8206,16 @@
                       </a:pPr>
                       <a:r>
                         <a:rPr lang="en-US" sz="1200" b="0">
-                          <a:latin typeface="宋体" panose="02010600030101010101" pitchFamily="2" charset="-122"/>
-                          <a:ea typeface="宋体" panose="02010600030101010101" pitchFamily="2" charset="-122"/>
-                          <a:cs typeface="宋体" panose="02010600030101010101" pitchFamily="2" charset="-122"/>
+                          <a:latin typeface="宋体" pitchFamily="2" charset="-122"/>
+                          <a:ea typeface="宋体" pitchFamily="2" charset="-122"/>
+                          <a:cs typeface="宋体" pitchFamily="2" charset="-122"/>
                         </a:rPr>
                         <a:t>片段抽取式</a:t>
                       </a:r>
                       <a:endParaRPr lang="en-US" sz="1200" b="0">
-                        <a:latin typeface="宋体" panose="02010600030101010101" pitchFamily="2" charset="-122"/>
-                        <a:ea typeface="宋体" panose="02010600030101010101" pitchFamily="2" charset="-122"/>
-                        <a:cs typeface="宋体" panose="02010600030101010101" pitchFamily="2" charset="-122"/>
+                        <a:latin typeface="宋体" pitchFamily="2" charset="-122"/>
+                        <a:ea typeface="宋体" pitchFamily="2" charset="-122"/>
+                        <a:cs typeface="宋体" pitchFamily="2" charset="-122"/>
                       </a:endParaRPr>
                     </a:p>
                   </a:txBody>
@@ -8263,16 +8252,16 @@
                       </a:pPr>
                       <a:r>
                         <a:rPr lang="en-US" sz="1200" b="0">
-                          <a:latin typeface="宋体" panose="02010600030101010101" pitchFamily="2" charset="-122"/>
-                          <a:ea typeface="宋体" panose="02010600030101010101" pitchFamily="2" charset="-122"/>
-                          <a:cs typeface="宋体" panose="02010600030101010101" pitchFamily="2" charset="-122"/>
+                          <a:latin typeface="宋体" pitchFamily="2" charset="-122"/>
+                          <a:ea typeface="宋体" pitchFamily="2" charset="-122"/>
+                          <a:cs typeface="宋体" pitchFamily="2" charset="-122"/>
                         </a:rPr>
                         <a:t>HotpotQA</a:t>
                       </a:r>
                       <a:endParaRPr lang="en-US" sz="1200" b="0">
-                        <a:latin typeface="宋体" panose="02010600030101010101" pitchFamily="2" charset="-122"/>
-                        <a:ea typeface="宋体" panose="02010600030101010101" pitchFamily="2" charset="-122"/>
-                        <a:cs typeface="宋体" panose="02010600030101010101" pitchFamily="2" charset="-122"/>
+                        <a:latin typeface="宋体" pitchFamily="2" charset="-122"/>
+                        <a:ea typeface="宋体" pitchFamily="2" charset="-122"/>
+                        <a:cs typeface="宋体" pitchFamily="2" charset="-122"/>
                       </a:endParaRPr>
                     </a:p>
                   </a:txBody>
@@ -8307,16 +8296,16 @@
                       </a:pPr>
                       <a:r>
                         <a:rPr lang="en-US" sz="1200" b="0">
-                          <a:latin typeface="宋体" panose="02010600030101010101" pitchFamily="2" charset="-122"/>
-                          <a:ea typeface="宋体" panose="02010600030101010101" pitchFamily="2" charset="-122"/>
-                          <a:cs typeface="宋体" panose="02010600030101010101" pitchFamily="2" charset="-122"/>
+                          <a:latin typeface="宋体" pitchFamily="2" charset="-122"/>
+                          <a:ea typeface="宋体" pitchFamily="2" charset="-122"/>
+                          <a:cs typeface="宋体" pitchFamily="2" charset="-122"/>
                         </a:rPr>
                         <a:t>2018</a:t>
                       </a:r>
                       <a:endParaRPr lang="en-US" sz="1200" b="0">
-                        <a:latin typeface="宋体" panose="02010600030101010101" pitchFamily="2" charset="-122"/>
-                        <a:ea typeface="宋体" panose="02010600030101010101" pitchFamily="2" charset="-122"/>
-                        <a:cs typeface="宋体" panose="02010600030101010101" pitchFamily="2" charset="-122"/>
+                        <a:latin typeface="宋体" pitchFamily="2" charset="-122"/>
+                        <a:ea typeface="宋体" pitchFamily="2" charset="-122"/>
+                        <a:cs typeface="宋体" pitchFamily="2" charset="-122"/>
                       </a:endParaRPr>
                     </a:p>
                   </a:txBody>
@@ -8351,16 +8340,16 @@
                       </a:pPr>
                       <a:r>
                         <a:rPr lang="en-US" sz="1200" b="0">
-                          <a:latin typeface="宋体" panose="02010600030101010101" pitchFamily="2" charset="-122"/>
-                          <a:ea typeface="宋体" panose="02010600030101010101" pitchFamily="2" charset="-122"/>
-                          <a:cs typeface="宋体" panose="02010600030101010101" pitchFamily="2" charset="-122"/>
+                          <a:latin typeface="宋体" pitchFamily="2" charset="-122"/>
+                          <a:ea typeface="宋体" pitchFamily="2" charset="-122"/>
+                          <a:cs typeface="宋体" pitchFamily="2" charset="-122"/>
                         </a:rPr>
                         <a:t>维基百科</a:t>
                       </a:r>
                       <a:endParaRPr lang="en-US" sz="1200" b="0">
-                        <a:latin typeface="宋体" panose="02010600030101010101" pitchFamily="2" charset="-122"/>
-                        <a:ea typeface="宋体" panose="02010600030101010101" pitchFamily="2" charset="-122"/>
-                        <a:cs typeface="宋体" panose="02010600030101010101" pitchFamily="2" charset="-122"/>
+                        <a:latin typeface="宋体" pitchFamily="2" charset="-122"/>
+                        <a:ea typeface="宋体" pitchFamily="2" charset="-122"/>
+                        <a:cs typeface="宋体" pitchFamily="2" charset="-122"/>
                       </a:endParaRPr>
                     </a:p>
                   </a:txBody>
@@ -8395,16 +8384,16 @@
                       </a:pPr>
                       <a:r>
                         <a:rPr lang="en-US" sz="1200" b="0">
-                          <a:latin typeface="宋体" panose="02010600030101010101" pitchFamily="2" charset="-122"/>
-                          <a:ea typeface="宋体" panose="02010600030101010101" pitchFamily="2" charset="-122"/>
-                          <a:cs typeface="宋体" panose="02010600030101010101" pitchFamily="2" charset="-122"/>
+                          <a:latin typeface="宋体" pitchFamily="2" charset="-122"/>
+                          <a:ea typeface="宋体" pitchFamily="2" charset="-122"/>
+                          <a:cs typeface="宋体" pitchFamily="2" charset="-122"/>
                         </a:rPr>
                         <a:t>英语</a:t>
                       </a:r>
                       <a:endParaRPr lang="en-US" sz="1200" b="0">
-                        <a:latin typeface="宋体" panose="02010600030101010101" pitchFamily="2" charset="-122"/>
-                        <a:ea typeface="宋体" panose="02010600030101010101" pitchFamily="2" charset="-122"/>
-                        <a:cs typeface="宋体" panose="02010600030101010101" pitchFamily="2" charset="-122"/>
+                        <a:latin typeface="宋体" pitchFamily="2" charset="-122"/>
+                        <a:ea typeface="宋体" pitchFamily="2" charset="-122"/>
+                        <a:cs typeface="宋体" pitchFamily="2" charset="-122"/>
                       </a:endParaRPr>
                     </a:p>
                   </a:txBody>
@@ -8439,16 +8428,16 @@
                       </a:pPr>
                       <a:r>
                         <a:rPr lang="en-US" sz="1200" b="0">
-                          <a:latin typeface="宋体" panose="02010600030101010101" pitchFamily="2" charset="-122"/>
-                          <a:ea typeface="宋体" panose="02010600030101010101" pitchFamily="2" charset="-122"/>
-                          <a:cs typeface="宋体" panose="02010600030101010101" pitchFamily="2" charset="-122"/>
+                          <a:latin typeface="宋体" pitchFamily="2" charset="-122"/>
+                          <a:ea typeface="宋体" pitchFamily="2" charset="-122"/>
+                          <a:cs typeface="宋体" pitchFamily="2" charset="-122"/>
                         </a:rPr>
                         <a:t>片段抽取式</a:t>
                       </a:r>
                       <a:endParaRPr lang="en-US" sz="1200" b="0">
-                        <a:latin typeface="宋体" panose="02010600030101010101" pitchFamily="2" charset="-122"/>
-                        <a:ea typeface="宋体" panose="02010600030101010101" pitchFamily="2" charset="-122"/>
-                        <a:cs typeface="宋体" panose="02010600030101010101" pitchFamily="2" charset="-122"/>
+                        <a:latin typeface="宋体" pitchFamily="2" charset="-122"/>
+                        <a:ea typeface="宋体" pitchFamily="2" charset="-122"/>
+                        <a:cs typeface="宋体" pitchFamily="2" charset="-122"/>
                       </a:endParaRPr>
                     </a:p>
                   </a:txBody>
@@ -8485,16 +8474,16 @@
                       </a:pPr>
                       <a:r>
                         <a:rPr lang="en-US" sz="1200" b="0">
-                          <a:latin typeface="宋体" panose="02010600030101010101" pitchFamily="2" charset="-122"/>
-                          <a:ea typeface="宋体" panose="02010600030101010101" pitchFamily="2" charset="-122"/>
-                          <a:cs typeface="宋体" panose="02010600030101010101" pitchFamily="2" charset="-122"/>
+                          <a:latin typeface="宋体" pitchFamily="2" charset="-122"/>
+                          <a:ea typeface="宋体" pitchFamily="2" charset="-122"/>
+                          <a:cs typeface="宋体" pitchFamily="2" charset="-122"/>
                         </a:rPr>
                         <a:t>MS MARCO</a:t>
                       </a:r>
                       <a:endParaRPr lang="en-US" sz="1200" b="0">
-                        <a:latin typeface="宋体" panose="02010600030101010101" pitchFamily="2" charset="-122"/>
-                        <a:ea typeface="宋体" panose="02010600030101010101" pitchFamily="2" charset="-122"/>
-                        <a:cs typeface="宋体" panose="02010600030101010101" pitchFamily="2" charset="-122"/>
+                        <a:latin typeface="宋体" pitchFamily="2" charset="-122"/>
+                        <a:ea typeface="宋体" pitchFamily="2" charset="-122"/>
+                        <a:cs typeface="宋体" pitchFamily="2" charset="-122"/>
                       </a:endParaRPr>
                     </a:p>
                   </a:txBody>
@@ -8529,16 +8518,16 @@
                       </a:pPr>
                       <a:r>
                         <a:rPr lang="en-US" sz="1200" b="0">
-                          <a:latin typeface="宋体" panose="02010600030101010101" pitchFamily="2" charset="-122"/>
-                          <a:ea typeface="宋体" panose="02010600030101010101" pitchFamily="2" charset="-122"/>
-                          <a:cs typeface="宋体" panose="02010600030101010101" pitchFamily="2" charset="-122"/>
+                          <a:latin typeface="宋体" pitchFamily="2" charset="-122"/>
+                          <a:ea typeface="宋体" pitchFamily="2" charset="-122"/>
+                          <a:cs typeface="宋体" pitchFamily="2" charset="-122"/>
                         </a:rPr>
                         <a:t>2016</a:t>
                       </a:r>
                       <a:endParaRPr lang="en-US" sz="1200" b="0">
-                        <a:latin typeface="宋体" panose="02010600030101010101" pitchFamily="2" charset="-122"/>
-                        <a:ea typeface="宋体" panose="02010600030101010101" pitchFamily="2" charset="-122"/>
-                        <a:cs typeface="宋体" panose="02010600030101010101" pitchFamily="2" charset="-122"/>
+                        <a:latin typeface="宋体" pitchFamily="2" charset="-122"/>
+                        <a:ea typeface="宋体" pitchFamily="2" charset="-122"/>
+                        <a:cs typeface="宋体" pitchFamily="2" charset="-122"/>
                       </a:endParaRPr>
                     </a:p>
                   </a:txBody>
@@ -8573,16 +8562,16 @@
                       </a:pPr>
                       <a:r>
                         <a:rPr lang="en-US" sz="1200" b="0">
-                          <a:latin typeface="宋体" panose="02010600030101010101" pitchFamily="2" charset="-122"/>
-                          <a:ea typeface="宋体" panose="02010600030101010101" pitchFamily="2" charset="-122"/>
-                          <a:cs typeface="宋体" panose="02010600030101010101" pitchFamily="2" charset="-122"/>
+                          <a:latin typeface="宋体" pitchFamily="2" charset="-122"/>
+                          <a:ea typeface="宋体" pitchFamily="2" charset="-122"/>
+                          <a:cs typeface="宋体" pitchFamily="2" charset="-122"/>
                         </a:rPr>
                         <a:t>搜索引擎</a:t>
                       </a:r>
                       <a:endParaRPr lang="en-US" sz="1200" b="0">
-                        <a:latin typeface="宋体" panose="02010600030101010101" pitchFamily="2" charset="-122"/>
-                        <a:ea typeface="宋体" panose="02010600030101010101" pitchFamily="2" charset="-122"/>
-                        <a:cs typeface="宋体" panose="02010600030101010101" pitchFamily="2" charset="-122"/>
+                        <a:latin typeface="宋体" pitchFamily="2" charset="-122"/>
+                        <a:ea typeface="宋体" pitchFamily="2" charset="-122"/>
+                        <a:cs typeface="宋体" pitchFamily="2" charset="-122"/>
                       </a:endParaRPr>
                     </a:p>
                   </a:txBody>
@@ -8617,16 +8606,16 @@
                       </a:pPr>
                       <a:r>
                         <a:rPr lang="en-US" sz="1200" b="0">
-                          <a:latin typeface="宋体" panose="02010600030101010101" pitchFamily="2" charset="-122"/>
-                          <a:ea typeface="宋体" panose="02010600030101010101" pitchFamily="2" charset="-122"/>
-                          <a:cs typeface="宋体" panose="02010600030101010101" pitchFamily="2" charset="-122"/>
+                          <a:latin typeface="宋体" pitchFamily="2" charset="-122"/>
+                          <a:ea typeface="宋体" pitchFamily="2" charset="-122"/>
+                          <a:cs typeface="宋体" pitchFamily="2" charset="-122"/>
                         </a:rPr>
                         <a:t>英语</a:t>
                       </a:r>
                       <a:endParaRPr lang="en-US" sz="1200" b="0">
-                        <a:latin typeface="宋体" panose="02010600030101010101" pitchFamily="2" charset="-122"/>
-                        <a:ea typeface="宋体" panose="02010600030101010101" pitchFamily="2" charset="-122"/>
-                        <a:cs typeface="宋体" panose="02010600030101010101" pitchFamily="2" charset="-122"/>
+                        <a:latin typeface="宋体" pitchFamily="2" charset="-122"/>
+                        <a:ea typeface="宋体" pitchFamily="2" charset="-122"/>
+                        <a:cs typeface="宋体" pitchFamily="2" charset="-122"/>
                       </a:endParaRPr>
                     </a:p>
                   </a:txBody>
@@ -8661,16 +8650,16 @@
                       </a:pPr>
                       <a:r>
                         <a:rPr lang="en-US" sz="1200" b="0">
-                          <a:latin typeface="宋体" panose="02010600030101010101" pitchFamily="2" charset="-122"/>
-                          <a:ea typeface="宋体" panose="02010600030101010101" pitchFamily="2" charset="-122"/>
-                          <a:cs typeface="宋体" panose="02010600030101010101" pitchFamily="2" charset="-122"/>
+                          <a:latin typeface="宋体" pitchFamily="2" charset="-122"/>
+                          <a:ea typeface="宋体" pitchFamily="2" charset="-122"/>
+                          <a:cs typeface="宋体" pitchFamily="2" charset="-122"/>
                         </a:rPr>
                         <a:t>自由答案式</a:t>
                       </a:r>
                       <a:endParaRPr lang="en-US" sz="1200" b="0">
-                        <a:latin typeface="宋体" panose="02010600030101010101" pitchFamily="2" charset="-122"/>
-                        <a:ea typeface="宋体" panose="02010600030101010101" pitchFamily="2" charset="-122"/>
-                        <a:cs typeface="宋体" panose="02010600030101010101" pitchFamily="2" charset="-122"/>
+                        <a:latin typeface="宋体" pitchFamily="2" charset="-122"/>
+                        <a:ea typeface="宋体" pitchFamily="2" charset="-122"/>
+                        <a:cs typeface="宋体" pitchFamily="2" charset="-122"/>
                       </a:endParaRPr>
                     </a:p>
                   </a:txBody>
@@ -8710,9 +8699,9 @@
                           <a:solidFill>
                             <a:srgbClr val="FF0000"/>
                           </a:solidFill>
-                          <a:latin typeface="宋体" panose="02010600030101010101" pitchFamily="2" charset="-122"/>
-                          <a:ea typeface="宋体" panose="02010600030101010101" pitchFamily="2" charset="-122"/>
-                          <a:cs typeface="宋体" panose="02010600030101010101" pitchFamily="2" charset="-122"/>
+                          <a:latin typeface="宋体" pitchFamily="2" charset="-122"/>
+                          <a:ea typeface="宋体" pitchFamily="2" charset="-122"/>
+                          <a:cs typeface="宋体" pitchFamily="2" charset="-122"/>
                         </a:rPr>
                         <a:t>DuReader</a:t>
                       </a:r>
@@ -8720,9 +8709,9 @@
                         <a:solidFill>
                           <a:srgbClr val="FF0000"/>
                         </a:solidFill>
-                        <a:latin typeface="宋体" panose="02010600030101010101" pitchFamily="2" charset="-122"/>
-                        <a:ea typeface="宋体" panose="02010600030101010101" pitchFamily="2" charset="-122"/>
-                        <a:cs typeface="宋体" panose="02010600030101010101" pitchFamily="2" charset="-122"/>
+                        <a:latin typeface="宋体" pitchFamily="2" charset="-122"/>
+                        <a:ea typeface="宋体" pitchFamily="2" charset="-122"/>
+                        <a:cs typeface="宋体" pitchFamily="2" charset="-122"/>
                       </a:endParaRPr>
                     </a:p>
                   </a:txBody>
@@ -8757,16 +8746,16 @@
                       </a:pPr>
                       <a:r>
                         <a:rPr lang="en-US" sz="1200" b="0">
-                          <a:latin typeface="宋体" panose="02010600030101010101" pitchFamily="2" charset="-122"/>
-                          <a:ea typeface="宋体" panose="02010600030101010101" pitchFamily="2" charset="-122"/>
-                          <a:cs typeface="宋体" panose="02010600030101010101" pitchFamily="2" charset="-122"/>
+                          <a:latin typeface="宋体" pitchFamily="2" charset="-122"/>
+                          <a:ea typeface="宋体" pitchFamily="2" charset="-122"/>
+                          <a:cs typeface="宋体" pitchFamily="2" charset="-122"/>
                         </a:rPr>
                         <a:t>2018</a:t>
                       </a:r>
                       <a:endParaRPr lang="en-US" sz="1200" b="0">
-                        <a:latin typeface="宋体" panose="02010600030101010101" pitchFamily="2" charset="-122"/>
-                        <a:ea typeface="宋体" panose="02010600030101010101" pitchFamily="2" charset="-122"/>
-                        <a:cs typeface="宋体" panose="02010600030101010101" pitchFamily="2" charset="-122"/>
+                        <a:latin typeface="宋体" pitchFamily="2" charset="-122"/>
+                        <a:ea typeface="宋体" pitchFamily="2" charset="-122"/>
+                        <a:cs typeface="宋体" pitchFamily="2" charset="-122"/>
                       </a:endParaRPr>
                     </a:p>
                   </a:txBody>
@@ -8801,16 +8790,16 @@
                       </a:pPr>
                       <a:r>
                         <a:rPr lang="en-US" sz="1200" b="0">
-                          <a:latin typeface="宋体" panose="02010600030101010101" pitchFamily="2" charset="-122"/>
-                          <a:ea typeface="宋体" panose="02010600030101010101" pitchFamily="2" charset="-122"/>
-                          <a:cs typeface="宋体" panose="02010600030101010101" pitchFamily="2" charset="-122"/>
+                          <a:latin typeface="宋体" pitchFamily="2" charset="-122"/>
+                          <a:ea typeface="宋体" pitchFamily="2" charset="-122"/>
+                          <a:cs typeface="宋体" pitchFamily="2" charset="-122"/>
                         </a:rPr>
                         <a:t>搜索引擎</a:t>
                       </a:r>
                       <a:endParaRPr lang="en-US" sz="1200" b="0">
-                        <a:latin typeface="宋体" panose="02010600030101010101" pitchFamily="2" charset="-122"/>
-                        <a:ea typeface="宋体" panose="02010600030101010101" pitchFamily="2" charset="-122"/>
-                        <a:cs typeface="宋体" panose="02010600030101010101" pitchFamily="2" charset="-122"/>
+                        <a:latin typeface="宋体" pitchFamily="2" charset="-122"/>
+                        <a:ea typeface="宋体" pitchFamily="2" charset="-122"/>
+                        <a:cs typeface="宋体" pitchFamily="2" charset="-122"/>
                       </a:endParaRPr>
                     </a:p>
                   </a:txBody>
@@ -8845,16 +8834,16 @@
                       </a:pPr>
                       <a:r>
                         <a:rPr lang="en-US" sz="1200" b="0">
-                          <a:latin typeface="宋体" panose="02010600030101010101" pitchFamily="2" charset="-122"/>
-                          <a:ea typeface="宋体" panose="02010600030101010101" pitchFamily="2" charset="-122"/>
-                          <a:cs typeface="宋体" panose="02010600030101010101" pitchFamily="2" charset="-122"/>
+                          <a:latin typeface="宋体" pitchFamily="2" charset="-122"/>
+                          <a:ea typeface="宋体" pitchFamily="2" charset="-122"/>
+                          <a:cs typeface="宋体" pitchFamily="2" charset="-122"/>
                         </a:rPr>
                         <a:t>中文</a:t>
                       </a:r>
                       <a:endParaRPr lang="en-US" sz="1200" b="0">
-                        <a:latin typeface="宋体" panose="02010600030101010101" pitchFamily="2" charset="-122"/>
-                        <a:ea typeface="宋体" panose="02010600030101010101" pitchFamily="2" charset="-122"/>
-                        <a:cs typeface="宋体" panose="02010600030101010101" pitchFamily="2" charset="-122"/>
+                        <a:latin typeface="宋体" pitchFamily="2" charset="-122"/>
+                        <a:ea typeface="宋体" pitchFamily="2" charset="-122"/>
+                        <a:cs typeface="宋体" pitchFamily="2" charset="-122"/>
                       </a:endParaRPr>
                     </a:p>
                   </a:txBody>
@@ -8889,16 +8878,16 @@
                       </a:pPr>
                       <a:r>
                         <a:rPr lang="en-US" sz="1200" b="0">
-                          <a:latin typeface="宋体" panose="02010600030101010101" pitchFamily="2" charset="-122"/>
-                          <a:ea typeface="宋体" panose="02010600030101010101" pitchFamily="2" charset="-122"/>
-                          <a:cs typeface="宋体" panose="02010600030101010101" pitchFamily="2" charset="-122"/>
+                          <a:latin typeface="宋体" pitchFamily="2" charset="-122"/>
+                          <a:ea typeface="宋体" pitchFamily="2" charset="-122"/>
+                          <a:cs typeface="宋体" pitchFamily="2" charset="-122"/>
                         </a:rPr>
                         <a:t>自由答案式</a:t>
                       </a:r>
                       <a:endParaRPr lang="en-US" sz="1200" b="0">
-                        <a:latin typeface="宋体" panose="02010600030101010101" pitchFamily="2" charset="-122"/>
-                        <a:ea typeface="宋体" panose="02010600030101010101" pitchFamily="2" charset="-122"/>
-                        <a:cs typeface="宋体" panose="02010600030101010101" pitchFamily="2" charset="-122"/>
+                        <a:latin typeface="宋体" pitchFamily="2" charset="-122"/>
+                        <a:ea typeface="宋体" pitchFamily="2" charset="-122"/>
+                        <a:cs typeface="宋体" pitchFamily="2" charset="-122"/>
                       </a:endParaRPr>
                     </a:p>
                   </a:txBody>
@@ -8935,16 +8924,16 @@
                       </a:pPr>
                       <a:r>
                         <a:rPr lang="en-US" sz="1200" b="0">
-                          <a:latin typeface="宋体" panose="02010600030101010101" pitchFamily="2" charset="-122"/>
-                          <a:ea typeface="宋体" panose="02010600030101010101" pitchFamily="2" charset="-122"/>
-                          <a:cs typeface="宋体" panose="02010600030101010101" pitchFamily="2" charset="-122"/>
+                          <a:latin typeface="宋体" pitchFamily="2" charset="-122"/>
+                          <a:ea typeface="宋体" pitchFamily="2" charset="-122"/>
+                          <a:cs typeface="宋体" pitchFamily="2" charset="-122"/>
                         </a:rPr>
                         <a:t>NarrativeQA</a:t>
                       </a:r>
                       <a:endParaRPr lang="en-US" sz="1200" b="0">
-                        <a:latin typeface="宋体" panose="02010600030101010101" pitchFamily="2" charset="-122"/>
-                        <a:ea typeface="宋体" panose="02010600030101010101" pitchFamily="2" charset="-122"/>
-                        <a:cs typeface="宋体" panose="02010600030101010101" pitchFamily="2" charset="-122"/>
+                        <a:latin typeface="宋体" pitchFamily="2" charset="-122"/>
+                        <a:ea typeface="宋体" pitchFamily="2" charset="-122"/>
+                        <a:cs typeface="宋体" pitchFamily="2" charset="-122"/>
                       </a:endParaRPr>
                     </a:p>
                   </a:txBody>
@@ -8979,16 +8968,16 @@
                       </a:pPr>
                       <a:r>
                         <a:rPr lang="en-US" sz="1200" b="0">
-                          <a:latin typeface="宋体" panose="02010600030101010101" pitchFamily="2" charset="-122"/>
-                          <a:ea typeface="宋体" panose="02010600030101010101" pitchFamily="2" charset="-122"/>
-                          <a:cs typeface="宋体" panose="02010600030101010101" pitchFamily="2" charset="-122"/>
+                          <a:latin typeface="宋体" pitchFamily="2" charset="-122"/>
+                          <a:ea typeface="宋体" pitchFamily="2" charset="-122"/>
+                          <a:cs typeface="宋体" pitchFamily="2" charset="-122"/>
                         </a:rPr>
                         <a:t>2017</a:t>
                       </a:r>
                       <a:endParaRPr lang="en-US" sz="1200" b="0">
-                        <a:latin typeface="宋体" panose="02010600030101010101" pitchFamily="2" charset="-122"/>
-                        <a:ea typeface="宋体" panose="02010600030101010101" pitchFamily="2" charset="-122"/>
-                        <a:cs typeface="宋体" panose="02010600030101010101" pitchFamily="2" charset="-122"/>
+                        <a:latin typeface="宋体" pitchFamily="2" charset="-122"/>
+                        <a:ea typeface="宋体" pitchFamily="2" charset="-122"/>
+                        <a:cs typeface="宋体" pitchFamily="2" charset="-122"/>
                       </a:endParaRPr>
                     </a:p>
                   </a:txBody>
@@ -9023,16 +9012,16 @@
                       </a:pPr>
                       <a:r>
                         <a:rPr lang="en-US" sz="1200" b="0">
-                          <a:latin typeface="宋体" panose="02010600030101010101" pitchFamily="2" charset="-122"/>
-                          <a:ea typeface="宋体" panose="02010600030101010101" pitchFamily="2" charset="-122"/>
-                          <a:cs typeface="宋体" panose="02010600030101010101" pitchFamily="2" charset="-122"/>
+                          <a:latin typeface="宋体" pitchFamily="2" charset="-122"/>
+                          <a:ea typeface="宋体" pitchFamily="2" charset="-122"/>
+                          <a:cs typeface="宋体" pitchFamily="2" charset="-122"/>
                         </a:rPr>
                         <a:t>小说和电影剧本</a:t>
                       </a:r>
                       <a:endParaRPr lang="en-US" sz="1200" b="0">
-                        <a:latin typeface="宋体" panose="02010600030101010101" pitchFamily="2" charset="-122"/>
-                        <a:ea typeface="宋体" panose="02010600030101010101" pitchFamily="2" charset="-122"/>
-                        <a:cs typeface="宋体" panose="02010600030101010101" pitchFamily="2" charset="-122"/>
+                        <a:latin typeface="宋体" pitchFamily="2" charset="-122"/>
+                        <a:ea typeface="宋体" pitchFamily="2" charset="-122"/>
+                        <a:cs typeface="宋体" pitchFamily="2" charset="-122"/>
                       </a:endParaRPr>
                     </a:p>
                   </a:txBody>
@@ -9067,16 +9056,16 @@
                       </a:pPr>
                       <a:r>
                         <a:rPr lang="en-US" sz="1200" b="0">
-                          <a:latin typeface="宋体" panose="02010600030101010101" pitchFamily="2" charset="-122"/>
-                          <a:ea typeface="宋体" panose="02010600030101010101" pitchFamily="2" charset="-122"/>
-                          <a:cs typeface="宋体" panose="02010600030101010101" pitchFamily="2" charset="-122"/>
+                          <a:latin typeface="宋体" pitchFamily="2" charset="-122"/>
+                          <a:ea typeface="宋体" pitchFamily="2" charset="-122"/>
+                          <a:cs typeface="宋体" pitchFamily="2" charset="-122"/>
                         </a:rPr>
                         <a:t>英语</a:t>
                       </a:r>
                       <a:endParaRPr lang="en-US" sz="1200" b="0">
-                        <a:latin typeface="宋体" panose="02010600030101010101" pitchFamily="2" charset="-122"/>
-                        <a:ea typeface="宋体" panose="02010600030101010101" pitchFamily="2" charset="-122"/>
-                        <a:cs typeface="宋体" panose="02010600030101010101" pitchFamily="2" charset="-122"/>
+                        <a:latin typeface="宋体" pitchFamily="2" charset="-122"/>
+                        <a:ea typeface="宋体" pitchFamily="2" charset="-122"/>
+                        <a:cs typeface="宋体" pitchFamily="2" charset="-122"/>
                       </a:endParaRPr>
                     </a:p>
                   </a:txBody>
@@ -9111,16 +9100,16 @@
                       </a:pPr>
                       <a:r>
                         <a:rPr lang="en-US" sz="1200" b="0">
-                          <a:latin typeface="宋体" panose="02010600030101010101" pitchFamily="2" charset="-122"/>
-                          <a:ea typeface="宋体" panose="02010600030101010101" pitchFamily="2" charset="-122"/>
-                          <a:cs typeface="宋体" panose="02010600030101010101" pitchFamily="2" charset="-122"/>
+                          <a:latin typeface="宋体" pitchFamily="2" charset="-122"/>
+                          <a:ea typeface="宋体" pitchFamily="2" charset="-122"/>
+                          <a:cs typeface="宋体" pitchFamily="2" charset="-122"/>
                         </a:rPr>
                         <a:t>自由答案式</a:t>
                       </a:r>
                       <a:endParaRPr lang="en-US" sz="1200" b="0">
-                        <a:latin typeface="宋体" panose="02010600030101010101" pitchFamily="2" charset="-122"/>
-                        <a:ea typeface="宋体" panose="02010600030101010101" pitchFamily="2" charset="-122"/>
-                        <a:cs typeface="宋体" panose="02010600030101010101" pitchFamily="2" charset="-122"/>
+                        <a:latin typeface="宋体" pitchFamily="2" charset="-122"/>
+                        <a:ea typeface="宋体" pitchFamily="2" charset="-122"/>
+                        <a:cs typeface="宋体" pitchFamily="2" charset="-122"/>
                       </a:endParaRPr>
                     </a:p>
                   </a:txBody>
@@ -9160,9 +9149,9 @@
                           <a:solidFill>
                             <a:srgbClr val="FF0000"/>
                           </a:solidFill>
-                          <a:latin typeface="宋体" panose="02010600030101010101" pitchFamily="2" charset="-122"/>
-                          <a:ea typeface="宋体" panose="02010600030101010101" pitchFamily="2" charset="-122"/>
-                          <a:cs typeface="宋体" panose="02010600030101010101" pitchFamily="2" charset="-122"/>
+                          <a:latin typeface="宋体" pitchFamily="2" charset="-122"/>
+                          <a:ea typeface="宋体" pitchFamily="2" charset="-122"/>
+                          <a:cs typeface="宋体" pitchFamily="2" charset="-122"/>
                         </a:rPr>
                         <a:t>CMRC2018</a:t>
                       </a:r>
@@ -9170,9 +9159,9 @@
                         <a:solidFill>
                           <a:srgbClr val="FF0000"/>
                         </a:solidFill>
-                        <a:latin typeface="宋体" panose="02010600030101010101" pitchFamily="2" charset="-122"/>
-                        <a:ea typeface="宋体" panose="02010600030101010101" pitchFamily="2" charset="-122"/>
-                        <a:cs typeface="宋体" panose="02010600030101010101" pitchFamily="2" charset="-122"/>
+                        <a:latin typeface="宋体" pitchFamily="2" charset="-122"/>
+                        <a:ea typeface="宋体" pitchFamily="2" charset="-122"/>
+                        <a:cs typeface="宋体" pitchFamily="2" charset="-122"/>
                       </a:endParaRPr>
                     </a:p>
                   </a:txBody>
@@ -9207,16 +9196,16 @@
                       </a:pPr>
                       <a:r>
                         <a:rPr lang="en-US" sz="1200" b="0">
-                          <a:latin typeface="宋体" panose="02010600030101010101" pitchFamily="2" charset="-122"/>
-                          <a:ea typeface="宋体" panose="02010600030101010101" pitchFamily="2" charset="-122"/>
-                          <a:cs typeface="宋体" panose="02010600030101010101" pitchFamily="2" charset="-122"/>
+                          <a:latin typeface="宋体" pitchFamily="2" charset="-122"/>
+                          <a:ea typeface="宋体" pitchFamily="2" charset="-122"/>
+                          <a:cs typeface="宋体" pitchFamily="2" charset="-122"/>
                         </a:rPr>
                         <a:t>2018</a:t>
                       </a:r>
                       <a:endParaRPr lang="en-US" sz="1200" b="0">
-                        <a:latin typeface="宋体" panose="02010600030101010101" pitchFamily="2" charset="-122"/>
-                        <a:ea typeface="宋体" panose="02010600030101010101" pitchFamily="2" charset="-122"/>
-                        <a:cs typeface="宋体" panose="02010600030101010101" pitchFamily="2" charset="-122"/>
+                        <a:latin typeface="宋体" pitchFamily="2" charset="-122"/>
+                        <a:ea typeface="宋体" pitchFamily="2" charset="-122"/>
+                        <a:cs typeface="宋体" pitchFamily="2" charset="-122"/>
                       </a:endParaRPr>
                     </a:p>
                   </a:txBody>
@@ -9251,16 +9240,16 @@
                       </a:pPr>
                       <a:r>
                         <a:rPr lang="en-US" sz="1200" b="0">
-                          <a:latin typeface="宋体" panose="02010600030101010101" pitchFamily="2" charset="-122"/>
-                          <a:ea typeface="宋体" panose="02010600030101010101" pitchFamily="2" charset="-122"/>
-                          <a:cs typeface="宋体" panose="02010600030101010101" pitchFamily="2" charset="-122"/>
+                          <a:latin typeface="宋体" pitchFamily="2" charset="-122"/>
+                          <a:ea typeface="宋体" pitchFamily="2" charset="-122"/>
+                          <a:cs typeface="宋体" pitchFamily="2" charset="-122"/>
                         </a:rPr>
                         <a:t>百度百科</a:t>
                       </a:r>
                       <a:endParaRPr lang="en-US" sz="1200" b="0">
-                        <a:latin typeface="宋体" panose="02010600030101010101" pitchFamily="2" charset="-122"/>
-                        <a:ea typeface="宋体" panose="02010600030101010101" pitchFamily="2" charset="-122"/>
-                        <a:cs typeface="宋体" panose="02010600030101010101" pitchFamily="2" charset="-122"/>
+                        <a:latin typeface="宋体" pitchFamily="2" charset="-122"/>
+                        <a:ea typeface="宋体" pitchFamily="2" charset="-122"/>
+                        <a:cs typeface="宋体" pitchFamily="2" charset="-122"/>
                       </a:endParaRPr>
                     </a:p>
                   </a:txBody>
@@ -9295,16 +9284,16 @@
                       </a:pPr>
                       <a:r>
                         <a:rPr lang="en-US" sz="1200" b="0">
-                          <a:latin typeface="宋体" panose="02010600030101010101" pitchFamily="2" charset="-122"/>
-                          <a:ea typeface="宋体" panose="02010600030101010101" pitchFamily="2" charset="-122"/>
-                          <a:cs typeface="宋体" panose="02010600030101010101" pitchFamily="2" charset="-122"/>
+                          <a:latin typeface="宋体" pitchFamily="2" charset="-122"/>
+                          <a:ea typeface="宋体" pitchFamily="2" charset="-122"/>
+                          <a:cs typeface="宋体" pitchFamily="2" charset="-122"/>
                         </a:rPr>
                         <a:t>中文</a:t>
                       </a:r>
                       <a:endParaRPr lang="en-US" sz="1200" b="0">
-                        <a:latin typeface="宋体" panose="02010600030101010101" pitchFamily="2" charset="-122"/>
-                        <a:ea typeface="宋体" panose="02010600030101010101" pitchFamily="2" charset="-122"/>
-                        <a:cs typeface="宋体" panose="02010600030101010101" pitchFamily="2" charset="-122"/>
+                        <a:latin typeface="宋体" pitchFamily="2" charset="-122"/>
+                        <a:ea typeface="宋体" pitchFamily="2" charset="-122"/>
+                        <a:cs typeface="宋体" pitchFamily="2" charset="-122"/>
                       </a:endParaRPr>
                     </a:p>
                   </a:txBody>
@@ -9339,16 +9328,16 @@
                       </a:pPr>
                       <a:r>
                         <a:rPr lang="en-US" sz="1200" b="0">
-                          <a:latin typeface="宋体" panose="02010600030101010101" pitchFamily="2" charset="-122"/>
-                          <a:ea typeface="宋体" panose="02010600030101010101" pitchFamily="2" charset="-122"/>
-                          <a:cs typeface="宋体" panose="02010600030101010101" pitchFamily="2" charset="-122"/>
+                          <a:latin typeface="宋体" pitchFamily="2" charset="-122"/>
+                          <a:ea typeface="宋体" pitchFamily="2" charset="-122"/>
+                          <a:cs typeface="宋体" pitchFamily="2" charset="-122"/>
                         </a:rPr>
                         <a:t>片段抽取式</a:t>
                       </a:r>
                       <a:endParaRPr lang="en-US" sz="1200" b="0">
-                        <a:latin typeface="宋体" panose="02010600030101010101" pitchFamily="2" charset="-122"/>
-                        <a:ea typeface="宋体" panose="02010600030101010101" pitchFamily="2" charset="-122"/>
-                        <a:cs typeface="宋体" panose="02010600030101010101" pitchFamily="2" charset="-122"/>
+                        <a:latin typeface="宋体" pitchFamily="2" charset="-122"/>
+                        <a:ea typeface="宋体" pitchFamily="2" charset="-122"/>
+                        <a:cs typeface="宋体" pitchFamily="2" charset="-122"/>
                       </a:endParaRPr>
                     </a:p>
                   </a:txBody>
@@ -9388,9 +9377,9 @@
                           <a:solidFill>
                             <a:srgbClr val="FF0000"/>
                           </a:solidFill>
-                          <a:latin typeface="宋体" panose="02010600030101010101" pitchFamily="2" charset="-122"/>
-                          <a:ea typeface="宋体" panose="02010600030101010101" pitchFamily="2" charset="-122"/>
-                          <a:cs typeface="宋体" panose="02010600030101010101" pitchFamily="2" charset="-122"/>
+                          <a:latin typeface="宋体" pitchFamily="2" charset="-122"/>
+                          <a:ea typeface="宋体" pitchFamily="2" charset="-122"/>
+                          <a:cs typeface="宋体" pitchFamily="2" charset="-122"/>
                         </a:rPr>
                         <a:t>CJRC2019</a:t>
                       </a:r>
@@ -9398,9 +9387,9 @@
                         <a:solidFill>
                           <a:srgbClr val="FF0000"/>
                         </a:solidFill>
-                        <a:latin typeface="宋体" panose="02010600030101010101" pitchFamily="2" charset="-122"/>
-                        <a:ea typeface="宋体" panose="02010600030101010101" pitchFamily="2" charset="-122"/>
-                        <a:cs typeface="宋体" panose="02010600030101010101" pitchFamily="2" charset="-122"/>
+                        <a:latin typeface="宋体" pitchFamily="2" charset="-122"/>
+                        <a:ea typeface="宋体" pitchFamily="2" charset="-122"/>
+                        <a:cs typeface="宋体" pitchFamily="2" charset="-122"/>
                       </a:endParaRPr>
                     </a:p>
                   </a:txBody>
@@ -9435,16 +9424,16 @@
                       </a:pPr>
                       <a:r>
                         <a:rPr lang="en-US" sz="1200" b="0">
-                          <a:latin typeface="宋体" panose="02010600030101010101" pitchFamily="2" charset="-122"/>
-                          <a:ea typeface="宋体" panose="02010600030101010101" pitchFamily="2" charset="-122"/>
-                          <a:cs typeface="宋体" panose="02010600030101010101" pitchFamily="2" charset="-122"/>
+                          <a:latin typeface="宋体" pitchFamily="2" charset="-122"/>
+                          <a:ea typeface="宋体" pitchFamily="2" charset="-122"/>
+                          <a:cs typeface="宋体" pitchFamily="2" charset="-122"/>
                         </a:rPr>
                         <a:t>2019</a:t>
                       </a:r>
                       <a:endParaRPr lang="en-US" sz="1200" b="0">
-                        <a:latin typeface="宋体" panose="02010600030101010101" pitchFamily="2" charset="-122"/>
-                        <a:ea typeface="宋体" panose="02010600030101010101" pitchFamily="2" charset="-122"/>
-                        <a:cs typeface="宋体" panose="02010600030101010101" pitchFamily="2" charset="-122"/>
+                        <a:latin typeface="宋体" pitchFamily="2" charset="-122"/>
+                        <a:ea typeface="宋体" pitchFamily="2" charset="-122"/>
+                        <a:cs typeface="宋体" pitchFamily="2" charset="-122"/>
                       </a:endParaRPr>
                     </a:p>
                   </a:txBody>
@@ -9479,16 +9468,16 @@
                       </a:pPr>
                       <a:r>
                         <a:rPr lang="en-US" sz="1200" b="0">
-                          <a:latin typeface="宋体" panose="02010600030101010101" pitchFamily="2" charset="-122"/>
-                          <a:ea typeface="宋体" panose="02010600030101010101" pitchFamily="2" charset="-122"/>
-                          <a:cs typeface="宋体" panose="02010600030101010101" pitchFamily="2" charset="-122"/>
+                          <a:latin typeface="宋体" pitchFamily="2" charset="-122"/>
+                          <a:ea typeface="宋体" pitchFamily="2" charset="-122"/>
+                          <a:cs typeface="宋体" pitchFamily="2" charset="-122"/>
                         </a:rPr>
                         <a:t>法律法案</a:t>
                       </a:r>
                       <a:endParaRPr lang="en-US" sz="1200" b="0">
-                        <a:latin typeface="宋体" panose="02010600030101010101" pitchFamily="2" charset="-122"/>
-                        <a:ea typeface="宋体" panose="02010600030101010101" pitchFamily="2" charset="-122"/>
-                        <a:cs typeface="宋体" panose="02010600030101010101" pitchFamily="2" charset="-122"/>
+                        <a:latin typeface="宋体" pitchFamily="2" charset="-122"/>
+                        <a:ea typeface="宋体" pitchFamily="2" charset="-122"/>
+                        <a:cs typeface="宋体" pitchFamily="2" charset="-122"/>
                       </a:endParaRPr>
                     </a:p>
                   </a:txBody>
@@ -9523,16 +9512,16 @@
                       </a:pPr>
                       <a:r>
                         <a:rPr lang="en-US" sz="1200" b="0">
-                          <a:latin typeface="宋体" panose="02010600030101010101" pitchFamily="2" charset="-122"/>
-                          <a:ea typeface="宋体" panose="02010600030101010101" pitchFamily="2" charset="-122"/>
-                          <a:cs typeface="宋体" panose="02010600030101010101" pitchFamily="2" charset="-122"/>
+                          <a:latin typeface="宋体" pitchFamily="2" charset="-122"/>
+                          <a:ea typeface="宋体" pitchFamily="2" charset="-122"/>
+                          <a:cs typeface="宋体" pitchFamily="2" charset="-122"/>
                         </a:rPr>
                         <a:t>中文</a:t>
                       </a:r>
                       <a:endParaRPr lang="en-US" sz="1200" b="0">
-                        <a:latin typeface="宋体" panose="02010600030101010101" pitchFamily="2" charset="-122"/>
-                        <a:ea typeface="宋体" panose="02010600030101010101" pitchFamily="2" charset="-122"/>
-                        <a:cs typeface="宋体" panose="02010600030101010101" pitchFamily="2" charset="-122"/>
+                        <a:latin typeface="宋体" pitchFamily="2" charset="-122"/>
+                        <a:ea typeface="宋体" pitchFamily="2" charset="-122"/>
+                        <a:cs typeface="宋体" pitchFamily="2" charset="-122"/>
                       </a:endParaRPr>
                     </a:p>
                   </a:txBody>
@@ -9567,16 +9556,16 @@
                       </a:pPr>
                       <a:r>
                         <a:rPr lang="en-US" sz="1200" b="0">
-                          <a:latin typeface="宋体" panose="02010600030101010101" pitchFamily="2" charset="-122"/>
-                          <a:ea typeface="宋体" panose="02010600030101010101" pitchFamily="2" charset="-122"/>
-                          <a:cs typeface="宋体" panose="02010600030101010101" pitchFamily="2" charset="-122"/>
+                          <a:latin typeface="宋体" pitchFamily="2" charset="-122"/>
+                          <a:ea typeface="宋体" pitchFamily="2" charset="-122"/>
+                          <a:cs typeface="宋体" pitchFamily="2" charset="-122"/>
                         </a:rPr>
                         <a:t>片段抽取式</a:t>
                       </a:r>
                       <a:endParaRPr lang="en-US" sz="1200" b="0">
-                        <a:latin typeface="宋体" panose="02010600030101010101" pitchFamily="2" charset="-122"/>
-                        <a:ea typeface="宋体" panose="02010600030101010101" pitchFamily="2" charset="-122"/>
-                        <a:cs typeface="宋体" panose="02010600030101010101" pitchFamily="2" charset="-122"/>
+                        <a:latin typeface="宋体" pitchFamily="2" charset="-122"/>
+                        <a:ea typeface="宋体" pitchFamily="2" charset="-122"/>
+                        <a:cs typeface="宋体" pitchFamily="2" charset="-122"/>
                       </a:endParaRPr>
                     </a:p>
                   </a:txBody>
@@ -9616,9 +9605,9 @@
                           <a:solidFill>
                             <a:srgbClr val="FF0000"/>
                           </a:solidFill>
-                          <a:latin typeface="宋体" panose="02010600030101010101" pitchFamily="2" charset="-122"/>
-                          <a:ea typeface="宋体" panose="02010600030101010101" pitchFamily="2" charset="-122"/>
-                          <a:cs typeface="宋体" panose="02010600030101010101" pitchFamily="2" charset="-122"/>
+                          <a:latin typeface="宋体" pitchFamily="2" charset="-122"/>
+                          <a:ea typeface="宋体" pitchFamily="2" charset="-122"/>
+                          <a:cs typeface="宋体" pitchFamily="2" charset="-122"/>
                         </a:rPr>
                         <a:t>DRCD</a:t>
                       </a:r>
@@ -9626,9 +9615,9 @@
                         <a:solidFill>
                           <a:srgbClr val="FF0000"/>
                         </a:solidFill>
-                        <a:latin typeface="宋体" panose="02010600030101010101" pitchFamily="2" charset="-122"/>
-                        <a:ea typeface="宋体" panose="02010600030101010101" pitchFamily="2" charset="-122"/>
-                        <a:cs typeface="宋体" panose="02010600030101010101" pitchFamily="2" charset="-122"/>
+                        <a:latin typeface="宋体" pitchFamily="2" charset="-122"/>
+                        <a:ea typeface="宋体" pitchFamily="2" charset="-122"/>
+                        <a:cs typeface="宋体" pitchFamily="2" charset="-122"/>
                       </a:endParaRPr>
                     </a:p>
                   </a:txBody>
@@ -9668,16 +9657,16 @@
                       </a:pPr>
                       <a:r>
                         <a:rPr lang="en-US" sz="1200" b="0">
-                          <a:latin typeface="宋体" panose="02010600030101010101" pitchFamily="2" charset="-122"/>
-                          <a:ea typeface="宋体" panose="02010600030101010101" pitchFamily="2" charset="-122"/>
-                          <a:cs typeface="宋体" panose="02010600030101010101" pitchFamily="2" charset="-122"/>
+                          <a:latin typeface="宋体" pitchFamily="2" charset="-122"/>
+                          <a:ea typeface="宋体" pitchFamily="2" charset="-122"/>
+                          <a:cs typeface="宋体" pitchFamily="2" charset="-122"/>
                         </a:rPr>
                         <a:t>2019</a:t>
                       </a:r>
                       <a:endParaRPr lang="en-US" sz="1200" b="0">
-                        <a:latin typeface="宋体" panose="02010600030101010101" pitchFamily="2" charset="-122"/>
-                        <a:ea typeface="宋体" panose="02010600030101010101" pitchFamily="2" charset="-122"/>
-                        <a:cs typeface="宋体" panose="02010600030101010101" pitchFamily="2" charset="-122"/>
+                        <a:latin typeface="宋体" pitchFamily="2" charset="-122"/>
+                        <a:ea typeface="宋体" pitchFamily="2" charset="-122"/>
+                        <a:cs typeface="宋体" pitchFamily="2" charset="-122"/>
                       </a:endParaRPr>
                     </a:p>
                   </a:txBody>
@@ -9717,16 +9706,16 @@
                       </a:pPr>
                       <a:r>
                         <a:rPr lang="en-US" sz="1200" b="0">
-                          <a:latin typeface="宋体" panose="02010600030101010101" pitchFamily="2" charset="-122"/>
-                          <a:ea typeface="宋体" panose="02010600030101010101" pitchFamily="2" charset="-122"/>
-                          <a:cs typeface="宋体" panose="02010600030101010101" pitchFamily="2" charset="-122"/>
+                          <a:latin typeface="宋体" pitchFamily="2" charset="-122"/>
+                          <a:ea typeface="宋体" pitchFamily="2" charset="-122"/>
+                          <a:cs typeface="宋体" pitchFamily="2" charset="-122"/>
                         </a:rPr>
                         <a:t>中文维基百科</a:t>
                       </a:r>
                       <a:endParaRPr lang="en-US" sz="1200" b="0">
-                        <a:latin typeface="宋体" panose="02010600030101010101" pitchFamily="2" charset="-122"/>
-                        <a:ea typeface="宋体" panose="02010600030101010101" pitchFamily="2" charset="-122"/>
-                        <a:cs typeface="宋体" panose="02010600030101010101" pitchFamily="2" charset="-122"/>
+                        <a:latin typeface="宋体" pitchFamily="2" charset="-122"/>
+                        <a:ea typeface="宋体" pitchFamily="2" charset="-122"/>
+                        <a:cs typeface="宋体" pitchFamily="2" charset="-122"/>
                       </a:endParaRPr>
                     </a:p>
                   </a:txBody>
@@ -9766,16 +9755,16 @@
                       </a:pPr>
                       <a:r>
                         <a:rPr lang="en-US" sz="1200" b="0">
-                          <a:latin typeface="宋体" panose="02010600030101010101" pitchFamily="2" charset="-122"/>
-                          <a:ea typeface="宋体" panose="02010600030101010101" pitchFamily="2" charset="-122"/>
-                          <a:cs typeface="宋体" panose="02010600030101010101" pitchFamily="2" charset="-122"/>
+                          <a:latin typeface="宋体" pitchFamily="2" charset="-122"/>
+                          <a:ea typeface="宋体" pitchFamily="2" charset="-122"/>
+                          <a:cs typeface="宋体" pitchFamily="2" charset="-122"/>
                         </a:rPr>
                         <a:t>繁体中文</a:t>
                       </a:r>
                       <a:endParaRPr lang="en-US" sz="1200" b="0">
-                        <a:latin typeface="宋体" panose="02010600030101010101" pitchFamily="2" charset="-122"/>
-                        <a:ea typeface="宋体" panose="02010600030101010101" pitchFamily="2" charset="-122"/>
-                        <a:cs typeface="宋体" panose="02010600030101010101" pitchFamily="2" charset="-122"/>
+                        <a:latin typeface="宋体" pitchFamily="2" charset="-122"/>
+                        <a:ea typeface="宋体" pitchFamily="2" charset="-122"/>
+                        <a:cs typeface="宋体" pitchFamily="2" charset="-122"/>
                       </a:endParaRPr>
                     </a:p>
                   </a:txBody>
@@ -9815,16 +9804,16 @@
                       </a:pPr>
                       <a:r>
                         <a:rPr lang="en-US" sz="1200" b="0">
-                          <a:latin typeface="宋体" panose="02010600030101010101" pitchFamily="2" charset="-122"/>
-                          <a:ea typeface="宋体" panose="02010600030101010101" pitchFamily="2" charset="-122"/>
-                          <a:cs typeface="宋体" panose="02010600030101010101" pitchFamily="2" charset="-122"/>
+                          <a:latin typeface="宋体" pitchFamily="2" charset="-122"/>
+                          <a:ea typeface="宋体" pitchFamily="2" charset="-122"/>
+                          <a:cs typeface="宋体" pitchFamily="2" charset="-122"/>
                         </a:rPr>
                         <a:t>片段抽取式</a:t>
                       </a:r>
                       <a:endParaRPr lang="en-US" sz="1200" b="0">
-                        <a:latin typeface="宋体" panose="02010600030101010101" pitchFamily="2" charset="-122"/>
-                        <a:ea typeface="宋体" panose="02010600030101010101" pitchFamily="2" charset="-122"/>
-                        <a:cs typeface="宋体" panose="02010600030101010101" pitchFamily="2" charset="-122"/>
+                        <a:latin typeface="宋体" pitchFamily="2" charset="-122"/>
+                        <a:ea typeface="宋体" pitchFamily="2" charset="-122"/>
+                        <a:cs typeface="宋体" pitchFamily="2" charset="-122"/>
                       </a:endParaRPr>
                     </a:p>
                   </a:txBody>
@@ -9863,7 +9852,7 @@
       <p:sp>
         <p:nvSpPr>
           <p:cNvPr id="7" name="Text Box 6"/>
-          <p:cNvSpPr txBox="1"/>
+          <p:cNvSpPr txBox="true"/>
           <p:nvPr/>
         </p:nvSpPr>
         <p:spPr>
@@ -9946,7 +9935,7 @@
       <p:sp>
         <p:nvSpPr>
           <p:cNvPr id="6" name="Text Box 5"/>
-          <p:cNvSpPr txBox="1"/>
+          <p:cNvSpPr txBox="true"/>
           <p:nvPr/>
         </p:nvSpPr>
         <p:spPr>
@@ -10018,7 +10007,7 @@
         <p:nvPicPr>
           <p:cNvPr id="4" name="图片 3"/>
           <p:cNvPicPr>
-            <a:picLocks noChangeAspect="1"/>
+            <a:picLocks noChangeAspect="true"/>
           </p:cNvPicPr>
           <p:nvPr/>
         </p:nvPicPr>
@@ -10026,7 +10015,7 @@
           <a:blip r:embed="rId1" cstate="print">
             <a:extLst>
               <a:ext uri="{28A0092B-C50C-407E-A947-70E740481C1C}">
-                <a14:useLocalDpi xmlns:a14="http://schemas.microsoft.com/office/drawing/2010/main" val="0"/>
+                <a14:useLocalDpi xmlns:a14="http://schemas.microsoft.com/office/drawing/2010/main" val="false"/>
               </a:ext>
             </a:extLst>
           </a:blip>
@@ -10047,7 +10036,7 @@
       <p:sp>
         <p:nvSpPr>
           <p:cNvPr id="7" name="Text Box 6"/>
-          <p:cNvSpPr txBox="1"/>
+          <p:cNvSpPr txBox="true"/>
           <p:nvPr/>
         </p:nvSpPr>
         <p:spPr>
@@ -10130,7 +10119,7 @@
       <p:sp>
         <p:nvSpPr>
           <p:cNvPr id="6" name="Text Box 5"/>
-          <p:cNvSpPr txBox="1"/>
+          <p:cNvSpPr txBox="true"/>
           <p:nvPr/>
         </p:nvSpPr>
         <p:spPr>
@@ -10162,7 +10151,7 @@
         <p:nvPicPr>
           <p:cNvPr id="3" name="Picture 2"/>
           <p:cNvPicPr>
-            <a:picLocks noChangeAspect="1"/>
+            <a:picLocks noChangeAspect="true"/>
           </p:cNvPicPr>
           <p:nvPr/>
         </p:nvPicPr>
@@ -10185,7 +10174,7 @@
       <p:sp>
         <p:nvSpPr>
           <p:cNvPr id="5" name="Text Box 4"/>
-          <p:cNvSpPr txBox="1"/>
+          <p:cNvSpPr txBox="true"/>
           <p:nvPr/>
         </p:nvSpPr>
         <p:spPr>
@@ -10215,7 +10204,7 @@
         <p:nvPicPr>
           <p:cNvPr id="8" name="Picture 7"/>
           <p:cNvPicPr>
-            <a:picLocks noChangeAspect="1"/>
+            <a:picLocks noChangeAspect="true"/>
           </p:cNvPicPr>
           <p:nvPr/>
         </p:nvPicPr>
@@ -10238,7 +10227,7 @@
       <p:sp>
         <p:nvSpPr>
           <p:cNvPr id="10" name="Text Box 9"/>
-          <p:cNvSpPr txBox="1"/>
+          <p:cNvSpPr txBox="true"/>
           <p:nvPr/>
         </p:nvSpPr>
         <p:spPr>
@@ -10308,7 +10297,7 @@
         <p:nvPicPr>
           <p:cNvPr id="2" name="图片 3"/>
           <p:cNvPicPr>
-            <a:picLocks noChangeAspect="1"/>
+            <a:picLocks noChangeAspect="true"/>
           </p:cNvPicPr>
           <p:nvPr/>
         </p:nvPicPr>
@@ -10316,7 +10305,7 @@
           <a:blip r:embed="rId1" cstate="print">
             <a:extLst>
               <a:ext uri="{28A0092B-C50C-407E-A947-70E740481C1C}">
-                <a14:useLocalDpi xmlns:a14="http://schemas.microsoft.com/office/drawing/2010/main" val="0"/>
+                <a14:useLocalDpi xmlns:a14="http://schemas.microsoft.com/office/drawing/2010/main" val="false"/>
               </a:ext>
             </a:extLst>
           </a:blip>
@@ -10337,7 +10326,7 @@
       <p:sp>
         <p:nvSpPr>
           <p:cNvPr id="3" name="Text Box 2"/>
-          <p:cNvSpPr txBox="1"/>
+          <p:cNvSpPr txBox="true"/>
           <p:nvPr/>
         </p:nvSpPr>
         <p:spPr>
@@ -10420,7 +10409,7 @@
       <p:sp>
         <p:nvSpPr>
           <p:cNvPr id="5" name="Text Box 4"/>
-          <p:cNvSpPr txBox="1"/>
+          <p:cNvSpPr txBox="true"/>
           <p:nvPr/>
         </p:nvSpPr>
         <p:spPr>
@@ -10452,7 +10441,7 @@
         <p:nvPicPr>
           <p:cNvPr id="7" name="Picture 6"/>
           <p:cNvPicPr>
-            <a:picLocks noChangeAspect="1"/>
+            <a:picLocks noChangeAspect="true"/>
           </p:cNvPicPr>
           <p:nvPr/>
         </p:nvPicPr>
@@ -10516,7 +10505,7 @@
         <p:nvPicPr>
           <p:cNvPr id="2" name="图片 3"/>
           <p:cNvPicPr>
-            <a:picLocks noChangeAspect="1"/>
+            <a:picLocks noChangeAspect="true"/>
           </p:cNvPicPr>
           <p:nvPr/>
         </p:nvPicPr>
@@ -10524,7 +10513,7 @@
           <a:blip r:embed="rId1" cstate="print">
             <a:extLst>
               <a:ext uri="{28A0092B-C50C-407E-A947-70E740481C1C}">
-                <a14:useLocalDpi xmlns:a14="http://schemas.microsoft.com/office/drawing/2010/main" val="0"/>
+                <a14:useLocalDpi xmlns:a14="http://schemas.microsoft.com/office/drawing/2010/main" val="false"/>
               </a:ext>
             </a:extLst>
           </a:blip>
@@ -10545,7 +10534,7 @@
       <p:sp>
         <p:nvSpPr>
           <p:cNvPr id="3" name="Text Box 2"/>
-          <p:cNvSpPr txBox="1"/>
+          <p:cNvSpPr txBox="true"/>
           <p:nvPr/>
         </p:nvSpPr>
         <p:spPr>
@@ -10628,7 +10617,7 @@
       <p:sp>
         <p:nvSpPr>
           <p:cNvPr id="5" name="Text Box 4"/>
-          <p:cNvSpPr txBox="1"/>
+          <p:cNvSpPr txBox="true"/>
           <p:nvPr/>
         </p:nvSpPr>
         <p:spPr>
@@ -10660,7 +10649,7 @@
         <p:nvPicPr>
           <p:cNvPr id="4" name="Picture 3"/>
           <p:cNvPicPr>
-            <a:picLocks noChangeAspect="1"/>
+            <a:picLocks noChangeAspect="true"/>
           </p:cNvPicPr>
           <p:nvPr/>
         </p:nvPicPr>
@@ -10724,7 +10713,7 @@
         <p:nvPicPr>
           <p:cNvPr id="2" name="图片 3"/>
           <p:cNvPicPr>
-            <a:picLocks noChangeAspect="1"/>
+            <a:picLocks noChangeAspect="true"/>
           </p:cNvPicPr>
           <p:nvPr/>
         </p:nvPicPr>
@@ -10732,7 +10721,7 @@
           <a:blip r:embed="rId1" cstate="print">
             <a:extLst>
               <a:ext uri="{28A0092B-C50C-407E-A947-70E740481C1C}">
-                <a14:useLocalDpi xmlns:a14="http://schemas.microsoft.com/office/drawing/2010/main" val="0"/>
+                <a14:useLocalDpi xmlns:a14="http://schemas.microsoft.com/office/drawing/2010/main" val="false"/>
               </a:ext>
             </a:extLst>
           </a:blip>
@@ -10753,7 +10742,7 @@
       <p:sp>
         <p:nvSpPr>
           <p:cNvPr id="3" name="Text Box 2"/>
-          <p:cNvSpPr txBox="1"/>
+          <p:cNvSpPr txBox="true"/>
           <p:nvPr/>
         </p:nvSpPr>
         <p:spPr>
@@ -10836,7 +10825,7 @@
       <p:sp>
         <p:nvSpPr>
           <p:cNvPr id="6" name="Text Box 5"/>
-          <p:cNvSpPr txBox="1"/>
+          <p:cNvSpPr txBox="true"/>
           <p:nvPr/>
         </p:nvSpPr>
         <p:spPr>
@@ -10946,7 +10935,7 @@
         <p:nvSpPr>
           <p:cNvPr id="39957" name="椭圆 21"/>
           <p:cNvSpPr>
-            <a:spLocks noChangeArrowheads="1"/>
+            <a:spLocks noChangeArrowheads="true"/>
           </p:cNvSpPr>
           <p:nvPr/>
         </p:nvSpPr>
@@ -10988,8 +10977,8 @@
                 <a:solidFill>
                   <a:schemeClr val="tx1"/>
                 </a:solidFill>
-                <a:latin typeface="Arial" panose="020B0604020202020204" pitchFamily="34" charset="0"/>
-                <a:ea typeface="宋体" panose="02010600030101010101" pitchFamily="2" charset="-122"/>
+                <a:latin typeface="Arial" panose="02080604020202020204" pitchFamily="34" charset="0"/>
+                <a:ea typeface="宋体" pitchFamily="2" charset="-122"/>
               </a:defRPr>
             </a:lvl1pPr>
             <a:lvl2pPr eaLnBrk="0" hangingPunct="0">
@@ -10997,8 +10986,8 @@
                 <a:solidFill>
                   <a:schemeClr val="tx1"/>
                 </a:solidFill>
-                <a:latin typeface="Arial" panose="020B0604020202020204" pitchFamily="34" charset="0"/>
-                <a:ea typeface="宋体" panose="02010600030101010101" pitchFamily="2" charset="-122"/>
+                <a:latin typeface="Arial" panose="02080604020202020204" pitchFamily="34" charset="0"/>
+                <a:ea typeface="宋体" pitchFamily="2" charset="-122"/>
               </a:defRPr>
             </a:lvl2pPr>
             <a:lvl3pPr eaLnBrk="0" hangingPunct="0">
@@ -11006,8 +10995,8 @@
                 <a:solidFill>
                   <a:schemeClr val="tx1"/>
                 </a:solidFill>
-                <a:latin typeface="Arial" panose="020B0604020202020204" pitchFamily="34" charset="0"/>
-                <a:ea typeface="宋体" panose="02010600030101010101" pitchFamily="2" charset="-122"/>
+                <a:latin typeface="Arial" panose="02080604020202020204" pitchFamily="34" charset="0"/>
+                <a:ea typeface="宋体" pitchFamily="2" charset="-122"/>
               </a:defRPr>
             </a:lvl3pPr>
             <a:lvl4pPr eaLnBrk="0" hangingPunct="0">
@@ -11015,8 +11004,8 @@
                 <a:solidFill>
                   <a:schemeClr val="tx1"/>
                 </a:solidFill>
-                <a:latin typeface="Arial" panose="020B0604020202020204" pitchFamily="34" charset="0"/>
-                <a:ea typeface="宋体" panose="02010600030101010101" pitchFamily="2" charset="-122"/>
+                <a:latin typeface="Arial" panose="02080604020202020204" pitchFamily="34" charset="0"/>
+                <a:ea typeface="宋体" pitchFamily="2" charset="-122"/>
               </a:defRPr>
             </a:lvl4pPr>
             <a:lvl5pPr eaLnBrk="0" hangingPunct="0">
@@ -11024,8 +11013,8 @@
                 <a:solidFill>
                   <a:schemeClr val="tx1"/>
                 </a:solidFill>
-                <a:latin typeface="Arial" panose="020B0604020202020204" pitchFamily="34" charset="0"/>
-                <a:ea typeface="宋体" panose="02010600030101010101" pitchFamily="2" charset="-122"/>
+                <a:latin typeface="Arial" panose="02080604020202020204" pitchFamily="34" charset="0"/>
+                <a:ea typeface="宋体" pitchFamily="2" charset="-122"/>
               </a:defRPr>
             </a:lvl5pPr>
             <a:lvl6pPr eaLnBrk="0" fontAlgn="base" hangingPunct="0">
@@ -11035,13 +11024,13 @@
               <a:spcAft>
                 <a:spcPct val="0"/>
               </a:spcAft>
-              <a:buFont typeface="Arial" panose="020B0604020202020204" pitchFamily="34" charset="0"/>
+              <a:buFont typeface="Arial" panose="02080604020202020204" pitchFamily="34" charset="0"/>
               <a:defRPr>
                 <a:solidFill>
                   <a:schemeClr val="tx1"/>
                 </a:solidFill>
-                <a:latin typeface="Arial" panose="020B0604020202020204" pitchFamily="34" charset="0"/>
-                <a:ea typeface="宋体" panose="02010600030101010101" pitchFamily="2" charset="-122"/>
+                <a:latin typeface="Arial" panose="02080604020202020204" pitchFamily="34" charset="0"/>
+                <a:ea typeface="宋体" pitchFamily="2" charset="-122"/>
               </a:defRPr>
             </a:lvl6pPr>
             <a:lvl7pPr eaLnBrk="0" fontAlgn="base" hangingPunct="0">
@@ -11051,13 +11040,13 @@
               <a:spcAft>
                 <a:spcPct val="0"/>
               </a:spcAft>
-              <a:buFont typeface="Arial" panose="020B0604020202020204" pitchFamily="34" charset="0"/>
+              <a:buFont typeface="Arial" panose="02080604020202020204" pitchFamily="34" charset="0"/>
               <a:defRPr>
                 <a:solidFill>
                   <a:schemeClr val="tx1"/>
                 </a:solidFill>
-                <a:latin typeface="Arial" panose="020B0604020202020204" pitchFamily="34" charset="0"/>
-                <a:ea typeface="宋体" panose="02010600030101010101" pitchFamily="2" charset="-122"/>
+                <a:latin typeface="Arial" panose="02080604020202020204" pitchFamily="34" charset="0"/>
+                <a:ea typeface="宋体" pitchFamily="2" charset="-122"/>
               </a:defRPr>
             </a:lvl7pPr>
             <a:lvl8pPr eaLnBrk="0" fontAlgn="base" hangingPunct="0">
@@ -11067,13 +11056,13 @@
               <a:spcAft>
                 <a:spcPct val="0"/>
               </a:spcAft>
-              <a:buFont typeface="Arial" panose="020B0604020202020204" pitchFamily="34" charset="0"/>
+              <a:buFont typeface="Arial" panose="02080604020202020204" pitchFamily="34" charset="0"/>
               <a:defRPr>
                 <a:solidFill>
                   <a:schemeClr val="tx1"/>
                 </a:solidFill>
-                <a:latin typeface="Arial" panose="020B0604020202020204" pitchFamily="34" charset="0"/>
-                <a:ea typeface="宋体" panose="02010600030101010101" pitchFamily="2" charset="-122"/>
+                <a:latin typeface="Arial" panose="02080604020202020204" pitchFamily="34" charset="0"/>
+                <a:ea typeface="宋体" pitchFamily="2" charset="-122"/>
               </a:defRPr>
             </a:lvl8pPr>
             <a:lvl9pPr eaLnBrk="0" fontAlgn="base" hangingPunct="0">
@@ -11083,13 +11072,13 @@
               <a:spcAft>
                 <a:spcPct val="0"/>
               </a:spcAft>
-              <a:buFont typeface="Arial" panose="020B0604020202020204" pitchFamily="34" charset="0"/>
+              <a:buFont typeface="Arial" panose="02080604020202020204" pitchFamily="34" charset="0"/>
               <a:defRPr>
                 <a:solidFill>
                   <a:schemeClr val="tx1"/>
                 </a:solidFill>
-                <a:latin typeface="Arial" panose="020B0604020202020204" pitchFamily="34" charset="0"/>
-                <a:ea typeface="宋体" panose="02010600030101010101" pitchFamily="2" charset="-122"/>
+                <a:latin typeface="Arial" panose="02080604020202020204" pitchFamily="34" charset="0"/>
+                <a:ea typeface="宋体" pitchFamily="2" charset="-122"/>
               </a:defRPr>
             </a:lvl9pPr>
           </a:lstStyle>
@@ -11106,8 +11095,8 @@
       <p:sp>
         <p:nvSpPr>
           <p:cNvPr id="39958" name="TextBox 22"/>
-          <p:cNvSpPr txBox="1">
-            <a:spLocks noChangeArrowheads="1"/>
+          <p:cNvSpPr txBox="true">
+            <a:spLocks noChangeArrowheads="true"/>
           </p:cNvSpPr>
           <p:nvPr/>
         </p:nvSpPr>
@@ -11153,8 +11142,8 @@
                 <a:solidFill>
                   <a:schemeClr val="tx1"/>
                 </a:solidFill>
-                <a:latin typeface="Arial" panose="020B0604020202020204" pitchFamily="34" charset="0"/>
-                <a:ea typeface="宋体" panose="02010600030101010101" pitchFamily="2" charset="-122"/>
+                <a:latin typeface="Arial" panose="02080604020202020204" pitchFamily="34" charset="0"/>
+                <a:ea typeface="宋体" pitchFamily="2" charset="-122"/>
               </a:defRPr>
             </a:lvl1pPr>
             <a:lvl2pPr eaLnBrk="0" hangingPunct="0">
@@ -11162,8 +11151,8 @@
                 <a:solidFill>
                   <a:schemeClr val="tx1"/>
                 </a:solidFill>
-                <a:latin typeface="Arial" panose="020B0604020202020204" pitchFamily="34" charset="0"/>
-                <a:ea typeface="宋体" panose="02010600030101010101" pitchFamily="2" charset="-122"/>
+                <a:latin typeface="Arial" panose="02080604020202020204" pitchFamily="34" charset="0"/>
+                <a:ea typeface="宋体" pitchFamily="2" charset="-122"/>
               </a:defRPr>
             </a:lvl2pPr>
             <a:lvl3pPr eaLnBrk="0" hangingPunct="0">
@@ -11171,8 +11160,8 @@
                 <a:solidFill>
                   <a:schemeClr val="tx1"/>
                 </a:solidFill>
-                <a:latin typeface="Arial" panose="020B0604020202020204" pitchFamily="34" charset="0"/>
-                <a:ea typeface="宋体" panose="02010600030101010101" pitchFamily="2" charset="-122"/>
+                <a:latin typeface="Arial" panose="02080604020202020204" pitchFamily="34" charset="0"/>
+                <a:ea typeface="宋体" pitchFamily="2" charset="-122"/>
               </a:defRPr>
             </a:lvl3pPr>
             <a:lvl4pPr eaLnBrk="0" hangingPunct="0">
@@ -11180,8 +11169,8 @@
                 <a:solidFill>
                   <a:schemeClr val="tx1"/>
                 </a:solidFill>
-                <a:latin typeface="Arial" panose="020B0604020202020204" pitchFamily="34" charset="0"/>
-                <a:ea typeface="宋体" panose="02010600030101010101" pitchFamily="2" charset="-122"/>
+                <a:latin typeface="Arial" panose="02080604020202020204" pitchFamily="34" charset="0"/>
+                <a:ea typeface="宋体" pitchFamily="2" charset="-122"/>
               </a:defRPr>
             </a:lvl4pPr>
             <a:lvl5pPr eaLnBrk="0" hangingPunct="0">
@@ -11189,8 +11178,8 @@
                 <a:solidFill>
                   <a:schemeClr val="tx1"/>
                 </a:solidFill>
-                <a:latin typeface="Arial" panose="020B0604020202020204" pitchFamily="34" charset="0"/>
-                <a:ea typeface="宋体" panose="02010600030101010101" pitchFamily="2" charset="-122"/>
+                <a:latin typeface="Arial" panose="02080604020202020204" pitchFamily="34" charset="0"/>
+                <a:ea typeface="宋体" pitchFamily="2" charset="-122"/>
               </a:defRPr>
             </a:lvl5pPr>
             <a:lvl6pPr eaLnBrk="0" fontAlgn="base" hangingPunct="0">
@@ -11200,13 +11189,13 @@
               <a:spcAft>
                 <a:spcPct val="0"/>
               </a:spcAft>
-              <a:buFont typeface="Arial" panose="020B0604020202020204" pitchFamily="34" charset="0"/>
+              <a:buFont typeface="Arial" panose="02080604020202020204" pitchFamily="34" charset="0"/>
               <a:defRPr>
                 <a:solidFill>
                   <a:schemeClr val="tx1"/>
                 </a:solidFill>
-                <a:latin typeface="Arial" panose="020B0604020202020204" pitchFamily="34" charset="0"/>
-                <a:ea typeface="宋体" panose="02010600030101010101" pitchFamily="2" charset="-122"/>
+                <a:latin typeface="Arial" panose="02080604020202020204" pitchFamily="34" charset="0"/>
+                <a:ea typeface="宋体" pitchFamily="2" charset="-122"/>
               </a:defRPr>
             </a:lvl6pPr>
             <a:lvl7pPr eaLnBrk="0" fontAlgn="base" hangingPunct="0">
@@ -11216,13 +11205,13 @@
               <a:spcAft>
                 <a:spcPct val="0"/>
               </a:spcAft>
-              <a:buFont typeface="Arial" panose="020B0604020202020204" pitchFamily="34" charset="0"/>
+              <a:buFont typeface="Arial" panose="02080604020202020204" pitchFamily="34" charset="0"/>
               <a:defRPr>
                 <a:solidFill>
                   <a:schemeClr val="tx1"/>
                 </a:solidFill>
-                <a:latin typeface="Arial" panose="020B0604020202020204" pitchFamily="34" charset="0"/>
-                <a:ea typeface="宋体" panose="02010600030101010101" pitchFamily="2" charset="-122"/>
+                <a:latin typeface="Arial" panose="02080604020202020204" pitchFamily="34" charset="0"/>
+                <a:ea typeface="宋体" pitchFamily="2" charset="-122"/>
               </a:defRPr>
             </a:lvl7pPr>
             <a:lvl8pPr eaLnBrk="0" fontAlgn="base" hangingPunct="0">
@@ -11232,13 +11221,13 @@
               <a:spcAft>
                 <a:spcPct val="0"/>
               </a:spcAft>
-              <a:buFont typeface="Arial" panose="020B0604020202020204" pitchFamily="34" charset="0"/>
+              <a:buFont typeface="Arial" panose="02080604020202020204" pitchFamily="34" charset="0"/>
               <a:defRPr>
                 <a:solidFill>
                   <a:schemeClr val="tx1"/>
                 </a:solidFill>
-                <a:latin typeface="Arial" panose="020B0604020202020204" pitchFamily="34" charset="0"/>
-                <a:ea typeface="宋体" panose="02010600030101010101" pitchFamily="2" charset="-122"/>
+                <a:latin typeface="Arial" panose="02080604020202020204" pitchFamily="34" charset="0"/>
+                <a:ea typeface="宋体" pitchFamily="2" charset="-122"/>
               </a:defRPr>
             </a:lvl8pPr>
             <a:lvl9pPr eaLnBrk="0" fontAlgn="base" hangingPunct="0">
@@ -11248,13 +11237,13 @@
               <a:spcAft>
                 <a:spcPct val="0"/>
               </a:spcAft>
-              <a:buFont typeface="Arial" panose="020B0604020202020204" pitchFamily="34" charset="0"/>
+              <a:buFont typeface="Arial" panose="02080604020202020204" pitchFamily="34" charset="0"/>
               <a:defRPr>
                 <a:solidFill>
                   <a:schemeClr val="tx1"/>
                 </a:solidFill>
-                <a:latin typeface="Arial" panose="020B0604020202020204" pitchFamily="34" charset="0"/>
-                <a:ea typeface="宋体" panose="02010600030101010101" pitchFamily="2" charset="-122"/>
+                <a:latin typeface="Arial" panose="02080604020202020204" pitchFamily="34" charset="0"/>
+                <a:ea typeface="宋体" pitchFamily="2" charset="-122"/>
               </a:defRPr>
             </a:lvl9pPr>
           </a:lstStyle>
@@ -11297,8 +11286,8 @@
       <p:sp>
         <p:nvSpPr>
           <p:cNvPr id="39963" name="TextBox 27"/>
-          <p:cNvSpPr txBox="1">
-            <a:spLocks noChangeArrowheads="1"/>
+          <p:cNvSpPr txBox="true">
+            <a:spLocks noChangeArrowheads="true"/>
           </p:cNvSpPr>
           <p:nvPr/>
         </p:nvSpPr>
@@ -11344,8 +11333,8 @@
                 <a:solidFill>
                   <a:schemeClr val="tx1"/>
                 </a:solidFill>
-                <a:latin typeface="Arial" panose="020B0604020202020204" pitchFamily="34" charset="0"/>
-                <a:ea typeface="宋体" panose="02010600030101010101" pitchFamily="2" charset="-122"/>
+                <a:latin typeface="Arial" panose="02080604020202020204" pitchFamily="34" charset="0"/>
+                <a:ea typeface="宋体" pitchFamily="2" charset="-122"/>
               </a:defRPr>
             </a:lvl1pPr>
             <a:lvl2pPr eaLnBrk="0" hangingPunct="0">
@@ -11353,8 +11342,8 @@
                 <a:solidFill>
                   <a:schemeClr val="tx1"/>
                 </a:solidFill>
-                <a:latin typeface="Arial" panose="020B0604020202020204" pitchFamily="34" charset="0"/>
-                <a:ea typeface="宋体" panose="02010600030101010101" pitchFamily="2" charset="-122"/>
+                <a:latin typeface="Arial" panose="02080604020202020204" pitchFamily="34" charset="0"/>
+                <a:ea typeface="宋体" pitchFamily="2" charset="-122"/>
               </a:defRPr>
             </a:lvl2pPr>
             <a:lvl3pPr eaLnBrk="0" hangingPunct="0">
@@ -11362,8 +11351,8 @@
                 <a:solidFill>
                   <a:schemeClr val="tx1"/>
                 </a:solidFill>
-                <a:latin typeface="Arial" panose="020B0604020202020204" pitchFamily="34" charset="0"/>
-                <a:ea typeface="宋体" panose="02010600030101010101" pitchFamily="2" charset="-122"/>
+                <a:latin typeface="Arial" panose="02080604020202020204" pitchFamily="34" charset="0"/>
+                <a:ea typeface="宋体" pitchFamily="2" charset="-122"/>
               </a:defRPr>
             </a:lvl3pPr>
             <a:lvl4pPr eaLnBrk="0" hangingPunct="0">
@@ -11371,8 +11360,8 @@
                 <a:solidFill>
                   <a:schemeClr val="tx1"/>
                 </a:solidFill>
-                <a:latin typeface="Arial" panose="020B0604020202020204" pitchFamily="34" charset="0"/>
-                <a:ea typeface="宋体" panose="02010600030101010101" pitchFamily="2" charset="-122"/>
+                <a:latin typeface="Arial" panose="02080604020202020204" pitchFamily="34" charset="0"/>
+                <a:ea typeface="宋体" pitchFamily="2" charset="-122"/>
               </a:defRPr>
             </a:lvl4pPr>
             <a:lvl5pPr eaLnBrk="0" hangingPunct="0">
@@ -11380,8 +11369,8 @@
                 <a:solidFill>
                   <a:schemeClr val="tx1"/>
                 </a:solidFill>
-                <a:latin typeface="Arial" panose="020B0604020202020204" pitchFamily="34" charset="0"/>
-                <a:ea typeface="宋体" panose="02010600030101010101" pitchFamily="2" charset="-122"/>
+                <a:latin typeface="Arial" panose="02080604020202020204" pitchFamily="34" charset="0"/>
+                <a:ea typeface="宋体" pitchFamily="2" charset="-122"/>
               </a:defRPr>
             </a:lvl5pPr>
             <a:lvl6pPr eaLnBrk="0" fontAlgn="base" hangingPunct="0">
@@ -11391,13 +11380,13 @@
               <a:spcAft>
                 <a:spcPct val="0"/>
               </a:spcAft>
-              <a:buFont typeface="Arial" panose="020B0604020202020204" pitchFamily="34" charset="0"/>
+              <a:buFont typeface="Arial" panose="02080604020202020204" pitchFamily="34" charset="0"/>
               <a:defRPr>
                 <a:solidFill>
                   <a:schemeClr val="tx1"/>
                 </a:solidFill>
-                <a:latin typeface="Arial" panose="020B0604020202020204" pitchFamily="34" charset="0"/>
-                <a:ea typeface="宋体" panose="02010600030101010101" pitchFamily="2" charset="-122"/>
+                <a:latin typeface="Arial" panose="02080604020202020204" pitchFamily="34" charset="0"/>
+                <a:ea typeface="宋体" pitchFamily="2" charset="-122"/>
               </a:defRPr>
             </a:lvl6pPr>
             <a:lvl7pPr eaLnBrk="0" fontAlgn="base" hangingPunct="0">
@@ -11407,13 +11396,13 @@
               <a:spcAft>
                 <a:spcPct val="0"/>
               </a:spcAft>
-              <a:buFont typeface="Arial" panose="020B0604020202020204" pitchFamily="34" charset="0"/>
+              <a:buFont typeface="Arial" panose="02080604020202020204" pitchFamily="34" charset="0"/>
               <a:defRPr>
                 <a:solidFill>
                   <a:schemeClr val="tx1"/>
                 </a:solidFill>
-                <a:latin typeface="Arial" panose="020B0604020202020204" pitchFamily="34" charset="0"/>
-                <a:ea typeface="宋体" panose="02010600030101010101" pitchFamily="2" charset="-122"/>
+                <a:latin typeface="Arial" panose="02080604020202020204" pitchFamily="34" charset="0"/>
+                <a:ea typeface="宋体" pitchFamily="2" charset="-122"/>
               </a:defRPr>
             </a:lvl7pPr>
             <a:lvl8pPr eaLnBrk="0" fontAlgn="base" hangingPunct="0">
@@ -11423,13 +11412,13 @@
               <a:spcAft>
                 <a:spcPct val="0"/>
               </a:spcAft>
-              <a:buFont typeface="Arial" panose="020B0604020202020204" pitchFamily="34" charset="0"/>
+              <a:buFont typeface="Arial" panose="02080604020202020204" pitchFamily="34" charset="0"/>
               <a:defRPr>
                 <a:solidFill>
                   <a:schemeClr val="tx1"/>
                 </a:solidFill>
-                <a:latin typeface="Arial" panose="020B0604020202020204" pitchFamily="34" charset="0"/>
-                <a:ea typeface="宋体" panose="02010600030101010101" pitchFamily="2" charset="-122"/>
+                <a:latin typeface="Arial" panose="02080604020202020204" pitchFamily="34" charset="0"/>
+                <a:ea typeface="宋体" pitchFamily="2" charset="-122"/>
               </a:defRPr>
             </a:lvl8pPr>
             <a:lvl9pPr eaLnBrk="0" fontAlgn="base" hangingPunct="0">
@@ -11439,13 +11428,13 @@
               <a:spcAft>
                 <a:spcPct val="0"/>
               </a:spcAft>
-              <a:buFont typeface="Arial" panose="020B0604020202020204" pitchFamily="34" charset="0"/>
+              <a:buFont typeface="Arial" panose="02080604020202020204" pitchFamily="34" charset="0"/>
               <a:defRPr>
                 <a:solidFill>
                   <a:schemeClr val="tx1"/>
                 </a:solidFill>
-                <a:latin typeface="Arial" panose="020B0604020202020204" pitchFamily="34" charset="0"/>
-                <a:ea typeface="宋体" panose="02010600030101010101" pitchFamily="2" charset="-122"/>
+                <a:latin typeface="Arial" panose="02080604020202020204" pitchFamily="34" charset="0"/>
+                <a:ea typeface="宋体" pitchFamily="2" charset="-122"/>
               </a:defRPr>
             </a:lvl9pPr>
           </a:lstStyle>
@@ -11546,7 +11535,7 @@
         <p:nvSpPr>
           <p:cNvPr id="19" name="椭圆 21"/>
           <p:cNvSpPr>
-            <a:spLocks noChangeArrowheads="1"/>
+            <a:spLocks noChangeArrowheads="true"/>
           </p:cNvSpPr>
           <p:nvPr/>
         </p:nvSpPr>
@@ -11588,8 +11577,8 @@
                 <a:solidFill>
                   <a:schemeClr val="tx1"/>
                 </a:solidFill>
-                <a:latin typeface="Arial" panose="020B0604020202020204" pitchFamily="34" charset="0"/>
-                <a:ea typeface="宋体" panose="02010600030101010101" pitchFamily="2" charset="-122"/>
+                <a:latin typeface="Arial" panose="02080604020202020204" pitchFamily="34" charset="0"/>
+                <a:ea typeface="宋体" pitchFamily="2" charset="-122"/>
               </a:defRPr>
             </a:lvl1pPr>
             <a:lvl2pPr eaLnBrk="0" hangingPunct="0">
@@ -11597,8 +11586,8 @@
                 <a:solidFill>
                   <a:schemeClr val="tx1"/>
                 </a:solidFill>
-                <a:latin typeface="Arial" panose="020B0604020202020204" pitchFamily="34" charset="0"/>
-                <a:ea typeface="宋体" panose="02010600030101010101" pitchFamily="2" charset="-122"/>
+                <a:latin typeface="Arial" panose="02080604020202020204" pitchFamily="34" charset="0"/>
+                <a:ea typeface="宋体" pitchFamily="2" charset="-122"/>
               </a:defRPr>
             </a:lvl2pPr>
             <a:lvl3pPr eaLnBrk="0" hangingPunct="0">
@@ -11606,8 +11595,8 @@
                 <a:solidFill>
                   <a:schemeClr val="tx1"/>
                 </a:solidFill>
-                <a:latin typeface="Arial" panose="020B0604020202020204" pitchFamily="34" charset="0"/>
-                <a:ea typeface="宋体" panose="02010600030101010101" pitchFamily="2" charset="-122"/>
+                <a:latin typeface="Arial" panose="02080604020202020204" pitchFamily="34" charset="0"/>
+                <a:ea typeface="宋体" pitchFamily="2" charset="-122"/>
               </a:defRPr>
             </a:lvl3pPr>
             <a:lvl4pPr eaLnBrk="0" hangingPunct="0">
@@ -11615,8 +11604,8 @@
                 <a:solidFill>
                   <a:schemeClr val="tx1"/>
                 </a:solidFill>
-                <a:latin typeface="Arial" panose="020B0604020202020204" pitchFamily="34" charset="0"/>
-                <a:ea typeface="宋体" panose="02010600030101010101" pitchFamily="2" charset="-122"/>
+                <a:latin typeface="Arial" panose="02080604020202020204" pitchFamily="34" charset="0"/>
+                <a:ea typeface="宋体" pitchFamily="2" charset="-122"/>
               </a:defRPr>
             </a:lvl4pPr>
             <a:lvl5pPr eaLnBrk="0" hangingPunct="0">
@@ -11624,8 +11613,8 @@
                 <a:solidFill>
                   <a:schemeClr val="tx1"/>
                 </a:solidFill>
-                <a:latin typeface="Arial" panose="020B0604020202020204" pitchFamily="34" charset="0"/>
-                <a:ea typeface="宋体" panose="02010600030101010101" pitchFamily="2" charset="-122"/>
+                <a:latin typeface="Arial" panose="02080604020202020204" pitchFamily="34" charset="0"/>
+                <a:ea typeface="宋体" pitchFamily="2" charset="-122"/>
               </a:defRPr>
             </a:lvl5pPr>
             <a:lvl6pPr eaLnBrk="0" fontAlgn="base" hangingPunct="0">
@@ -11635,13 +11624,13 @@
               <a:spcAft>
                 <a:spcPct val="0"/>
               </a:spcAft>
-              <a:buFont typeface="Arial" panose="020B0604020202020204" pitchFamily="34" charset="0"/>
+              <a:buFont typeface="Arial" panose="02080604020202020204" pitchFamily="34" charset="0"/>
               <a:defRPr>
                 <a:solidFill>
                   <a:schemeClr val="tx1"/>
                 </a:solidFill>
-                <a:latin typeface="Arial" panose="020B0604020202020204" pitchFamily="34" charset="0"/>
-                <a:ea typeface="宋体" panose="02010600030101010101" pitchFamily="2" charset="-122"/>
+                <a:latin typeface="Arial" panose="02080604020202020204" pitchFamily="34" charset="0"/>
+                <a:ea typeface="宋体" pitchFamily="2" charset="-122"/>
               </a:defRPr>
             </a:lvl6pPr>
             <a:lvl7pPr eaLnBrk="0" fontAlgn="base" hangingPunct="0">
@@ -11651,13 +11640,13 @@
               <a:spcAft>
                 <a:spcPct val="0"/>
               </a:spcAft>
-              <a:buFont typeface="Arial" panose="020B0604020202020204" pitchFamily="34" charset="0"/>
+              <a:buFont typeface="Arial" panose="02080604020202020204" pitchFamily="34" charset="0"/>
               <a:defRPr>
                 <a:solidFill>
                   <a:schemeClr val="tx1"/>
                 </a:solidFill>
-                <a:latin typeface="Arial" panose="020B0604020202020204" pitchFamily="34" charset="0"/>
-                <a:ea typeface="宋体" panose="02010600030101010101" pitchFamily="2" charset="-122"/>
+                <a:latin typeface="Arial" panose="02080604020202020204" pitchFamily="34" charset="0"/>
+                <a:ea typeface="宋体" pitchFamily="2" charset="-122"/>
               </a:defRPr>
             </a:lvl7pPr>
             <a:lvl8pPr eaLnBrk="0" fontAlgn="base" hangingPunct="0">
@@ -11667,13 +11656,13 @@
               <a:spcAft>
                 <a:spcPct val="0"/>
               </a:spcAft>
-              <a:buFont typeface="Arial" panose="020B0604020202020204" pitchFamily="34" charset="0"/>
+              <a:buFont typeface="Arial" panose="02080604020202020204" pitchFamily="34" charset="0"/>
               <a:defRPr>
                 <a:solidFill>
                   <a:schemeClr val="tx1"/>
                 </a:solidFill>
-                <a:latin typeface="Arial" panose="020B0604020202020204" pitchFamily="34" charset="0"/>
-                <a:ea typeface="宋体" panose="02010600030101010101" pitchFamily="2" charset="-122"/>
+                <a:latin typeface="Arial" panose="02080604020202020204" pitchFamily="34" charset="0"/>
+                <a:ea typeface="宋体" pitchFamily="2" charset="-122"/>
               </a:defRPr>
             </a:lvl8pPr>
             <a:lvl9pPr eaLnBrk="0" fontAlgn="base" hangingPunct="0">
@@ -11683,13 +11672,13 @@
               <a:spcAft>
                 <a:spcPct val="0"/>
               </a:spcAft>
-              <a:buFont typeface="Arial" panose="020B0604020202020204" pitchFamily="34" charset="0"/>
+              <a:buFont typeface="Arial" panose="02080604020202020204" pitchFamily="34" charset="0"/>
               <a:defRPr>
                 <a:solidFill>
                   <a:schemeClr val="tx1"/>
                 </a:solidFill>
-                <a:latin typeface="Arial" panose="020B0604020202020204" pitchFamily="34" charset="0"/>
-                <a:ea typeface="宋体" panose="02010600030101010101" pitchFamily="2" charset="-122"/>
+                <a:latin typeface="Arial" panose="02080604020202020204" pitchFamily="34" charset="0"/>
+                <a:ea typeface="宋体" pitchFamily="2" charset="-122"/>
               </a:defRPr>
             </a:lvl9pPr>
           </a:lstStyle>
@@ -11706,8 +11695,8 @@
       <p:sp>
         <p:nvSpPr>
           <p:cNvPr id="20" name="TextBox 22"/>
-          <p:cNvSpPr txBox="1">
-            <a:spLocks noChangeArrowheads="1"/>
+          <p:cNvSpPr txBox="true">
+            <a:spLocks noChangeArrowheads="true"/>
           </p:cNvSpPr>
           <p:nvPr/>
         </p:nvSpPr>
@@ -11753,8 +11742,8 @@
                 <a:solidFill>
                   <a:schemeClr val="tx1"/>
                 </a:solidFill>
-                <a:latin typeface="Arial" panose="020B0604020202020204" pitchFamily="34" charset="0"/>
-                <a:ea typeface="宋体" panose="02010600030101010101" pitchFamily="2" charset="-122"/>
+                <a:latin typeface="Arial" panose="02080604020202020204" pitchFamily="34" charset="0"/>
+                <a:ea typeface="宋体" pitchFamily="2" charset="-122"/>
               </a:defRPr>
             </a:lvl1pPr>
             <a:lvl2pPr eaLnBrk="0" hangingPunct="0">
@@ -11762,8 +11751,8 @@
                 <a:solidFill>
                   <a:schemeClr val="tx1"/>
                 </a:solidFill>
-                <a:latin typeface="Arial" panose="020B0604020202020204" pitchFamily="34" charset="0"/>
-                <a:ea typeface="宋体" panose="02010600030101010101" pitchFamily="2" charset="-122"/>
+                <a:latin typeface="Arial" panose="02080604020202020204" pitchFamily="34" charset="0"/>
+                <a:ea typeface="宋体" pitchFamily="2" charset="-122"/>
               </a:defRPr>
             </a:lvl2pPr>
             <a:lvl3pPr eaLnBrk="0" hangingPunct="0">
@@ -11771,8 +11760,8 @@
                 <a:solidFill>
                   <a:schemeClr val="tx1"/>
                 </a:solidFill>
-                <a:latin typeface="Arial" panose="020B0604020202020204" pitchFamily="34" charset="0"/>
-                <a:ea typeface="宋体" panose="02010600030101010101" pitchFamily="2" charset="-122"/>
+                <a:latin typeface="Arial" panose="02080604020202020204" pitchFamily="34" charset="0"/>
+                <a:ea typeface="宋体" pitchFamily="2" charset="-122"/>
               </a:defRPr>
             </a:lvl3pPr>
             <a:lvl4pPr eaLnBrk="0" hangingPunct="0">
@@ -11780,8 +11769,8 @@
                 <a:solidFill>
                   <a:schemeClr val="tx1"/>
                 </a:solidFill>
-                <a:latin typeface="Arial" panose="020B0604020202020204" pitchFamily="34" charset="0"/>
-                <a:ea typeface="宋体" panose="02010600030101010101" pitchFamily="2" charset="-122"/>
+                <a:latin typeface="Arial" panose="02080604020202020204" pitchFamily="34" charset="0"/>
+                <a:ea typeface="宋体" pitchFamily="2" charset="-122"/>
               </a:defRPr>
             </a:lvl4pPr>
             <a:lvl5pPr eaLnBrk="0" hangingPunct="0">
@@ -11789,8 +11778,8 @@
                 <a:solidFill>
                   <a:schemeClr val="tx1"/>
                 </a:solidFill>
-                <a:latin typeface="Arial" panose="020B0604020202020204" pitchFamily="34" charset="0"/>
-                <a:ea typeface="宋体" panose="02010600030101010101" pitchFamily="2" charset="-122"/>
+                <a:latin typeface="Arial" panose="02080604020202020204" pitchFamily="34" charset="0"/>
+                <a:ea typeface="宋体" pitchFamily="2" charset="-122"/>
               </a:defRPr>
             </a:lvl5pPr>
             <a:lvl6pPr eaLnBrk="0" fontAlgn="base" hangingPunct="0">
@@ -11800,13 +11789,13 @@
               <a:spcAft>
                 <a:spcPct val="0"/>
               </a:spcAft>
-              <a:buFont typeface="Arial" panose="020B0604020202020204" pitchFamily="34" charset="0"/>
+              <a:buFont typeface="Arial" panose="02080604020202020204" pitchFamily="34" charset="0"/>
               <a:defRPr>
                 <a:solidFill>
                   <a:schemeClr val="tx1"/>
                 </a:solidFill>
-                <a:latin typeface="Arial" panose="020B0604020202020204" pitchFamily="34" charset="0"/>
-                <a:ea typeface="宋体" panose="02010600030101010101" pitchFamily="2" charset="-122"/>
+                <a:latin typeface="Arial" panose="02080604020202020204" pitchFamily="34" charset="0"/>
+                <a:ea typeface="宋体" pitchFamily="2" charset="-122"/>
               </a:defRPr>
             </a:lvl6pPr>
             <a:lvl7pPr eaLnBrk="0" fontAlgn="base" hangingPunct="0">
@@ -11816,13 +11805,13 @@
               <a:spcAft>
                 <a:spcPct val="0"/>
               </a:spcAft>
-              <a:buFont typeface="Arial" panose="020B0604020202020204" pitchFamily="34" charset="0"/>
+              <a:buFont typeface="Arial" panose="02080604020202020204" pitchFamily="34" charset="0"/>
               <a:defRPr>
                 <a:solidFill>
                   <a:schemeClr val="tx1"/>
                 </a:solidFill>
-                <a:latin typeface="Arial" panose="020B0604020202020204" pitchFamily="34" charset="0"/>
-                <a:ea typeface="宋体" panose="02010600030101010101" pitchFamily="2" charset="-122"/>
+                <a:latin typeface="Arial" panose="02080604020202020204" pitchFamily="34" charset="0"/>
+                <a:ea typeface="宋体" pitchFamily="2" charset="-122"/>
               </a:defRPr>
             </a:lvl7pPr>
             <a:lvl8pPr eaLnBrk="0" fontAlgn="base" hangingPunct="0">
@@ -11832,13 +11821,13 @@
               <a:spcAft>
                 <a:spcPct val="0"/>
               </a:spcAft>
-              <a:buFont typeface="Arial" panose="020B0604020202020204" pitchFamily="34" charset="0"/>
+              <a:buFont typeface="Arial" panose="02080604020202020204" pitchFamily="34" charset="0"/>
               <a:defRPr>
                 <a:solidFill>
                   <a:schemeClr val="tx1"/>
                 </a:solidFill>
-                <a:latin typeface="Arial" panose="020B0604020202020204" pitchFamily="34" charset="0"/>
-                <a:ea typeface="宋体" panose="02010600030101010101" pitchFamily="2" charset="-122"/>
+                <a:latin typeface="Arial" panose="02080604020202020204" pitchFamily="34" charset="0"/>
+                <a:ea typeface="宋体" pitchFamily="2" charset="-122"/>
               </a:defRPr>
             </a:lvl8pPr>
             <a:lvl9pPr eaLnBrk="0" fontAlgn="base" hangingPunct="0">
@@ -11848,13 +11837,13 @@
               <a:spcAft>
                 <a:spcPct val="0"/>
               </a:spcAft>
-              <a:buFont typeface="Arial" panose="020B0604020202020204" pitchFamily="34" charset="0"/>
+              <a:buFont typeface="Arial" panose="02080604020202020204" pitchFamily="34" charset="0"/>
               <a:defRPr>
                 <a:solidFill>
                   <a:schemeClr val="tx1"/>
                 </a:solidFill>
-                <a:latin typeface="Arial" panose="020B0604020202020204" pitchFamily="34" charset="0"/>
-                <a:ea typeface="宋体" panose="02010600030101010101" pitchFamily="2" charset="-122"/>
+                <a:latin typeface="Arial" panose="02080604020202020204" pitchFamily="34" charset="0"/>
+                <a:ea typeface="宋体" pitchFamily="2" charset="-122"/>
               </a:defRPr>
             </a:lvl9pPr>
           </a:lstStyle>
@@ -11897,7 +11886,7 @@
       <p:sp>
         <p:nvSpPr>
           <p:cNvPr id="4" name="Text Box 3"/>
-          <p:cNvSpPr txBox="1"/>
+          <p:cNvSpPr txBox="true"/>
           <p:nvPr/>
         </p:nvSpPr>
         <p:spPr>
@@ -11926,7 +11915,7 @@
       <p:sp>
         <p:nvSpPr>
           <p:cNvPr id="5" name="Text Box 4"/>
-          <p:cNvSpPr txBox="1"/>
+          <p:cNvSpPr txBox="true"/>
           <p:nvPr/>
         </p:nvSpPr>
         <p:spPr>
@@ -12046,7 +12035,7 @@
         <p:nvPicPr>
           <p:cNvPr id="2" name="图片 3"/>
           <p:cNvPicPr>
-            <a:picLocks noChangeAspect="1"/>
+            <a:picLocks noChangeAspect="true"/>
           </p:cNvPicPr>
           <p:nvPr/>
         </p:nvPicPr>
@@ -12054,7 +12043,7 @@
           <a:blip r:embed="rId1" cstate="print">
             <a:extLst>
               <a:ext uri="{28A0092B-C50C-407E-A947-70E740481C1C}">
-                <a14:useLocalDpi xmlns:a14="http://schemas.microsoft.com/office/drawing/2010/main" val="0"/>
+                <a14:useLocalDpi xmlns:a14="http://schemas.microsoft.com/office/drawing/2010/main" val="false"/>
               </a:ext>
             </a:extLst>
           </a:blip>
@@ -12075,7 +12064,7 @@
       <p:sp>
         <p:nvSpPr>
           <p:cNvPr id="3" name="Text Box 2"/>
-          <p:cNvSpPr txBox="1"/>
+          <p:cNvSpPr txBox="true"/>
           <p:nvPr/>
         </p:nvSpPr>
         <p:spPr>
@@ -12158,7 +12147,7 @@
       <p:sp>
         <p:nvSpPr>
           <p:cNvPr id="6" name="Text Box 5"/>
-          <p:cNvSpPr txBox="1"/>
+          <p:cNvSpPr txBox="true"/>
           <p:nvPr/>
         </p:nvSpPr>
         <p:spPr>
@@ -12189,8 +12178,8 @@
       <p:sp>
         <p:nvSpPr>
           <p:cNvPr id="39963" name="TextBox 27"/>
-          <p:cNvSpPr txBox="1">
-            <a:spLocks noChangeArrowheads="1"/>
+          <p:cNvSpPr txBox="true">
+            <a:spLocks noChangeArrowheads="true"/>
           </p:cNvSpPr>
           <p:nvPr/>
         </p:nvSpPr>
@@ -12236,8 +12225,8 @@
                 <a:solidFill>
                   <a:schemeClr val="tx1"/>
                 </a:solidFill>
-                <a:latin typeface="Arial" panose="020B0604020202020204" pitchFamily="34" charset="0"/>
-                <a:ea typeface="宋体" panose="02010600030101010101" pitchFamily="2" charset="-122"/>
+                <a:latin typeface="Arial" panose="02080604020202020204" pitchFamily="34" charset="0"/>
+                <a:ea typeface="宋体" pitchFamily="2" charset="-122"/>
               </a:defRPr>
             </a:lvl1pPr>
             <a:lvl2pPr eaLnBrk="0" hangingPunct="0">
@@ -12245,8 +12234,8 @@
                 <a:solidFill>
                   <a:schemeClr val="tx1"/>
                 </a:solidFill>
-                <a:latin typeface="Arial" panose="020B0604020202020204" pitchFamily="34" charset="0"/>
-                <a:ea typeface="宋体" panose="02010600030101010101" pitchFamily="2" charset="-122"/>
+                <a:latin typeface="Arial" panose="02080604020202020204" pitchFamily="34" charset="0"/>
+                <a:ea typeface="宋体" pitchFamily="2" charset="-122"/>
               </a:defRPr>
             </a:lvl2pPr>
             <a:lvl3pPr eaLnBrk="0" hangingPunct="0">
@@ -12254,8 +12243,8 @@
                 <a:solidFill>
                   <a:schemeClr val="tx1"/>
                 </a:solidFill>
-                <a:latin typeface="Arial" panose="020B0604020202020204" pitchFamily="34" charset="0"/>
-                <a:ea typeface="宋体" panose="02010600030101010101" pitchFamily="2" charset="-122"/>
+                <a:latin typeface="Arial" panose="02080604020202020204" pitchFamily="34" charset="0"/>
+                <a:ea typeface="宋体" pitchFamily="2" charset="-122"/>
               </a:defRPr>
             </a:lvl3pPr>
             <a:lvl4pPr eaLnBrk="0" hangingPunct="0">
@@ -12263,8 +12252,8 @@
                 <a:solidFill>
                   <a:schemeClr val="tx1"/>
                 </a:solidFill>
-                <a:latin typeface="Arial" panose="020B0604020202020204" pitchFamily="34" charset="0"/>
-                <a:ea typeface="宋体" panose="02010600030101010101" pitchFamily="2" charset="-122"/>
+                <a:latin typeface="Arial" panose="02080604020202020204" pitchFamily="34" charset="0"/>
+                <a:ea typeface="宋体" pitchFamily="2" charset="-122"/>
               </a:defRPr>
             </a:lvl4pPr>
             <a:lvl5pPr eaLnBrk="0" hangingPunct="0">
@@ -12272,8 +12261,8 @@
                 <a:solidFill>
                   <a:schemeClr val="tx1"/>
                 </a:solidFill>
-                <a:latin typeface="Arial" panose="020B0604020202020204" pitchFamily="34" charset="0"/>
-                <a:ea typeface="宋体" panose="02010600030101010101" pitchFamily="2" charset="-122"/>
+                <a:latin typeface="Arial" panose="02080604020202020204" pitchFamily="34" charset="0"/>
+                <a:ea typeface="宋体" pitchFamily="2" charset="-122"/>
               </a:defRPr>
             </a:lvl5pPr>
             <a:lvl6pPr eaLnBrk="0" fontAlgn="base" hangingPunct="0">
@@ -12283,13 +12272,13 @@
               <a:spcAft>
                 <a:spcPct val="0"/>
               </a:spcAft>
-              <a:buFont typeface="Arial" panose="020B0604020202020204" pitchFamily="34" charset="0"/>
+              <a:buFont typeface="Arial" panose="02080604020202020204" pitchFamily="34" charset="0"/>
               <a:defRPr>
                 <a:solidFill>
                   <a:schemeClr val="tx1"/>
                 </a:solidFill>
-                <a:latin typeface="Arial" panose="020B0604020202020204" pitchFamily="34" charset="0"/>
-                <a:ea typeface="宋体" panose="02010600030101010101" pitchFamily="2" charset="-122"/>
+                <a:latin typeface="Arial" panose="02080604020202020204" pitchFamily="34" charset="0"/>
+                <a:ea typeface="宋体" pitchFamily="2" charset="-122"/>
               </a:defRPr>
             </a:lvl6pPr>
             <a:lvl7pPr eaLnBrk="0" fontAlgn="base" hangingPunct="0">
@@ -12299,13 +12288,13 @@
               <a:spcAft>
                 <a:spcPct val="0"/>
               </a:spcAft>
-              <a:buFont typeface="Arial" panose="020B0604020202020204" pitchFamily="34" charset="0"/>
+              <a:buFont typeface="Arial" panose="02080604020202020204" pitchFamily="34" charset="0"/>
               <a:defRPr>
                 <a:solidFill>
                   <a:schemeClr val="tx1"/>
                 </a:solidFill>
-                <a:latin typeface="Arial" panose="020B0604020202020204" pitchFamily="34" charset="0"/>
-                <a:ea typeface="宋体" panose="02010600030101010101" pitchFamily="2" charset="-122"/>
+                <a:latin typeface="Arial" panose="02080604020202020204" pitchFamily="34" charset="0"/>
+                <a:ea typeface="宋体" pitchFamily="2" charset="-122"/>
               </a:defRPr>
             </a:lvl7pPr>
             <a:lvl8pPr eaLnBrk="0" fontAlgn="base" hangingPunct="0">
@@ -12315,13 +12304,13 @@
               <a:spcAft>
                 <a:spcPct val="0"/>
               </a:spcAft>
-              <a:buFont typeface="Arial" panose="020B0604020202020204" pitchFamily="34" charset="0"/>
+              <a:buFont typeface="Arial" panose="02080604020202020204" pitchFamily="34" charset="0"/>
               <a:defRPr>
                 <a:solidFill>
                   <a:schemeClr val="tx1"/>
                 </a:solidFill>
-                <a:latin typeface="Arial" panose="020B0604020202020204" pitchFamily="34" charset="0"/>
-                <a:ea typeface="宋体" panose="02010600030101010101" pitchFamily="2" charset="-122"/>
+                <a:latin typeface="Arial" panose="02080604020202020204" pitchFamily="34" charset="0"/>
+                <a:ea typeface="宋体" pitchFamily="2" charset="-122"/>
               </a:defRPr>
             </a:lvl8pPr>
             <a:lvl9pPr eaLnBrk="0" fontAlgn="base" hangingPunct="0">
@@ -12331,13 +12320,13 @@
               <a:spcAft>
                 <a:spcPct val="0"/>
               </a:spcAft>
-              <a:buFont typeface="Arial" panose="020B0604020202020204" pitchFamily="34" charset="0"/>
+              <a:buFont typeface="Arial" panose="02080604020202020204" pitchFamily="34" charset="0"/>
               <a:defRPr>
                 <a:solidFill>
                   <a:schemeClr val="tx1"/>
                 </a:solidFill>
-                <a:latin typeface="Arial" panose="020B0604020202020204" pitchFamily="34" charset="0"/>
-                <a:ea typeface="宋体" panose="02010600030101010101" pitchFamily="2" charset="-122"/>
+                <a:latin typeface="Arial" panose="02080604020202020204" pitchFamily="34" charset="0"/>
+                <a:ea typeface="宋体" pitchFamily="2" charset="-122"/>
               </a:defRPr>
             </a:lvl9pPr>
           </a:lstStyle>
@@ -12367,7 +12356,7 @@
         <p:nvPicPr>
           <p:cNvPr id="4" name="Picture 3" descr="Screenshot from 2020-11-18 20-26-37"/>
           <p:cNvPicPr>
-            <a:picLocks noChangeAspect="1"/>
+            <a:picLocks noChangeAspect="true"/>
           </p:cNvPicPr>
           <p:nvPr/>
         </p:nvPicPr>
@@ -12390,7 +12379,7 @@
       <p:sp>
         <p:nvSpPr>
           <p:cNvPr id="5" name="Text Box 4"/>
-          <p:cNvSpPr txBox="1"/>
+          <p:cNvSpPr txBox="true"/>
           <p:nvPr/>
         </p:nvSpPr>
         <p:spPr>
@@ -12428,7 +12417,7 @@
         <p:nvSpPr>
           <p:cNvPr id="8" name="圆角矩形 8"/>
           <p:cNvSpPr>
-            <a:spLocks noChangeArrowheads="1"/>
+            <a:spLocks noChangeArrowheads="true"/>
           </p:cNvSpPr>
           <p:nvPr/>
         </p:nvSpPr>
@@ -12460,8 +12449,8 @@
                 <a:solidFill>
                   <a:schemeClr val="tx1"/>
                 </a:solidFill>
-                <a:latin typeface="Arial" panose="020B0604020202020204" pitchFamily="34" charset="0"/>
-                <a:ea typeface="宋体" panose="02010600030101010101" pitchFamily="2" charset="-122"/>
+                <a:latin typeface="Arial" panose="02080604020202020204" pitchFamily="34" charset="0"/>
+                <a:ea typeface="宋体" pitchFamily="2" charset="-122"/>
               </a:defRPr>
             </a:lvl1pPr>
             <a:lvl2pPr eaLnBrk="0" hangingPunct="0">
@@ -12469,8 +12458,8 @@
                 <a:solidFill>
                   <a:schemeClr val="tx1"/>
                 </a:solidFill>
-                <a:latin typeface="Arial" panose="020B0604020202020204" pitchFamily="34" charset="0"/>
-                <a:ea typeface="宋体" panose="02010600030101010101" pitchFamily="2" charset="-122"/>
+                <a:latin typeface="Arial" panose="02080604020202020204" pitchFamily="34" charset="0"/>
+                <a:ea typeface="宋体" pitchFamily="2" charset="-122"/>
               </a:defRPr>
             </a:lvl2pPr>
             <a:lvl3pPr eaLnBrk="0" hangingPunct="0">
@@ -12478,8 +12467,8 @@
                 <a:solidFill>
                   <a:schemeClr val="tx1"/>
                 </a:solidFill>
-                <a:latin typeface="Arial" panose="020B0604020202020204" pitchFamily="34" charset="0"/>
-                <a:ea typeface="宋体" panose="02010600030101010101" pitchFamily="2" charset="-122"/>
+                <a:latin typeface="Arial" panose="02080604020202020204" pitchFamily="34" charset="0"/>
+                <a:ea typeface="宋体" pitchFamily="2" charset="-122"/>
               </a:defRPr>
             </a:lvl3pPr>
             <a:lvl4pPr eaLnBrk="0" hangingPunct="0">
@@ -12487,8 +12476,8 @@
                 <a:solidFill>
                   <a:schemeClr val="tx1"/>
                 </a:solidFill>
-                <a:latin typeface="Arial" panose="020B0604020202020204" pitchFamily="34" charset="0"/>
-                <a:ea typeface="宋体" panose="02010600030101010101" pitchFamily="2" charset="-122"/>
+                <a:latin typeface="Arial" panose="02080604020202020204" pitchFamily="34" charset="0"/>
+                <a:ea typeface="宋体" pitchFamily="2" charset="-122"/>
               </a:defRPr>
             </a:lvl4pPr>
             <a:lvl5pPr eaLnBrk="0" hangingPunct="0">
@@ -12496,8 +12485,8 @@
                 <a:solidFill>
                   <a:schemeClr val="tx1"/>
                 </a:solidFill>
-                <a:latin typeface="Arial" panose="020B0604020202020204" pitchFamily="34" charset="0"/>
-                <a:ea typeface="宋体" panose="02010600030101010101" pitchFamily="2" charset="-122"/>
+                <a:latin typeface="Arial" panose="02080604020202020204" pitchFamily="34" charset="0"/>
+                <a:ea typeface="宋体" pitchFamily="2" charset="-122"/>
               </a:defRPr>
             </a:lvl5pPr>
             <a:lvl6pPr eaLnBrk="0" fontAlgn="base" hangingPunct="0">
@@ -12507,13 +12496,13 @@
               <a:spcAft>
                 <a:spcPct val="0"/>
               </a:spcAft>
-              <a:buFont typeface="Arial" panose="020B0604020202020204" pitchFamily="34" charset="0"/>
+              <a:buFont typeface="Arial" panose="02080604020202020204" pitchFamily="34" charset="0"/>
               <a:defRPr>
                 <a:solidFill>
                   <a:schemeClr val="tx1"/>
                 </a:solidFill>
-                <a:latin typeface="Arial" panose="020B0604020202020204" pitchFamily="34" charset="0"/>
-                <a:ea typeface="宋体" panose="02010600030101010101" pitchFamily="2" charset="-122"/>
+                <a:latin typeface="Arial" panose="02080604020202020204" pitchFamily="34" charset="0"/>
+                <a:ea typeface="宋体" pitchFamily="2" charset="-122"/>
               </a:defRPr>
             </a:lvl6pPr>
             <a:lvl7pPr eaLnBrk="0" fontAlgn="base" hangingPunct="0">
@@ -12523,13 +12512,13 @@
               <a:spcAft>
                 <a:spcPct val="0"/>
               </a:spcAft>
-              <a:buFont typeface="Arial" panose="020B0604020202020204" pitchFamily="34" charset="0"/>
+              <a:buFont typeface="Arial" panose="02080604020202020204" pitchFamily="34" charset="0"/>
               <a:defRPr>
                 <a:solidFill>
                   <a:schemeClr val="tx1"/>
                 </a:solidFill>
-                <a:latin typeface="Arial" panose="020B0604020202020204" pitchFamily="34" charset="0"/>
-                <a:ea typeface="宋体" panose="02010600030101010101" pitchFamily="2" charset="-122"/>
+                <a:latin typeface="Arial" panose="02080604020202020204" pitchFamily="34" charset="0"/>
+                <a:ea typeface="宋体" pitchFamily="2" charset="-122"/>
               </a:defRPr>
             </a:lvl7pPr>
             <a:lvl8pPr eaLnBrk="0" fontAlgn="base" hangingPunct="0">
@@ -12539,13 +12528,13 @@
               <a:spcAft>
                 <a:spcPct val="0"/>
               </a:spcAft>
-              <a:buFont typeface="Arial" panose="020B0604020202020204" pitchFamily="34" charset="0"/>
+              <a:buFont typeface="Arial" panose="02080604020202020204" pitchFamily="34" charset="0"/>
               <a:defRPr>
                 <a:solidFill>
                   <a:schemeClr val="tx1"/>
                 </a:solidFill>
-                <a:latin typeface="Arial" panose="020B0604020202020204" pitchFamily="34" charset="0"/>
-                <a:ea typeface="宋体" panose="02010600030101010101" pitchFamily="2" charset="-122"/>
+                <a:latin typeface="Arial" panose="02080604020202020204" pitchFamily="34" charset="0"/>
+                <a:ea typeface="宋体" pitchFamily="2" charset="-122"/>
               </a:defRPr>
             </a:lvl8pPr>
             <a:lvl9pPr eaLnBrk="0" fontAlgn="base" hangingPunct="0">
@@ -12555,13 +12544,13 @@
               <a:spcAft>
                 <a:spcPct val="0"/>
               </a:spcAft>
-              <a:buFont typeface="Arial" panose="020B0604020202020204" pitchFamily="34" charset="0"/>
+              <a:buFont typeface="Arial" panose="02080604020202020204" pitchFamily="34" charset="0"/>
               <a:defRPr>
                 <a:solidFill>
                   <a:schemeClr val="tx1"/>
                 </a:solidFill>
-                <a:latin typeface="Arial" panose="020B0604020202020204" pitchFamily="34" charset="0"/>
-                <a:ea typeface="宋体" panose="02010600030101010101" pitchFamily="2" charset="-122"/>
+                <a:latin typeface="Arial" panose="02080604020202020204" pitchFamily="34" charset="0"/>
+                <a:ea typeface="宋体" pitchFamily="2" charset="-122"/>
               </a:defRPr>
             </a:lvl9pPr>
           </a:lstStyle>
@@ -12613,7 +12602,7 @@
       <p:sp>
         <p:nvSpPr>
           <p:cNvPr id="10" name="Text Box 9"/>
-          <p:cNvSpPr txBox="1"/>
+          <p:cNvSpPr txBox="true"/>
           <p:nvPr/>
         </p:nvSpPr>
         <p:spPr>
@@ -12670,7 +12659,7 @@
       <p:sp>
         <p:nvSpPr>
           <p:cNvPr id="11" name="Text Box 10"/>
-          <p:cNvSpPr txBox="1"/>
+          <p:cNvSpPr txBox="true"/>
           <p:nvPr/>
         </p:nvSpPr>
         <p:spPr>
@@ -12734,7 +12723,7 @@
       <p:sp>
         <p:nvSpPr>
           <p:cNvPr id="13" name="Text Box 12"/>
-          <p:cNvSpPr txBox="1"/>
+          <p:cNvSpPr txBox="true"/>
           <p:nvPr/>
         </p:nvSpPr>
         <p:spPr>
@@ -12820,7 +12809,7 @@
         <p:nvPicPr>
           <p:cNvPr id="2" name="图片 3"/>
           <p:cNvPicPr>
-            <a:picLocks noChangeAspect="1"/>
+            <a:picLocks noChangeAspect="true"/>
           </p:cNvPicPr>
           <p:nvPr/>
         </p:nvPicPr>
@@ -12828,7 +12817,7 @@
           <a:blip r:embed="rId1" cstate="print">
             <a:extLst>
               <a:ext uri="{28A0092B-C50C-407E-A947-70E740481C1C}">
-                <a14:useLocalDpi xmlns:a14="http://schemas.microsoft.com/office/drawing/2010/main" val="0"/>
+                <a14:useLocalDpi xmlns:a14="http://schemas.microsoft.com/office/drawing/2010/main" val="false"/>
               </a:ext>
             </a:extLst>
           </a:blip>
@@ -12849,7 +12838,7 @@
       <p:sp>
         <p:nvSpPr>
           <p:cNvPr id="3" name="Text Box 2"/>
-          <p:cNvSpPr txBox="1"/>
+          <p:cNvSpPr txBox="true"/>
           <p:nvPr/>
         </p:nvSpPr>
         <p:spPr>
@@ -12932,7 +12921,7 @@
       <p:sp>
         <p:nvSpPr>
           <p:cNvPr id="6" name="Text Box 5"/>
-          <p:cNvSpPr txBox="1"/>
+          <p:cNvSpPr txBox="true"/>
           <p:nvPr/>
         </p:nvSpPr>
         <p:spPr>
@@ -12964,7 +12953,7 @@
         <p:nvSpPr>
           <p:cNvPr id="8" name="圆角矩形 8"/>
           <p:cNvSpPr>
-            <a:spLocks noChangeArrowheads="1"/>
+            <a:spLocks noChangeArrowheads="true"/>
           </p:cNvSpPr>
           <p:nvPr/>
         </p:nvSpPr>
@@ -12996,8 +12985,8 @@
                 <a:solidFill>
                   <a:schemeClr val="tx1"/>
                 </a:solidFill>
-                <a:latin typeface="Arial" panose="020B0604020202020204" pitchFamily="34" charset="0"/>
-                <a:ea typeface="宋体" panose="02010600030101010101" pitchFamily="2" charset="-122"/>
+                <a:latin typeface="Arial" panose="02080604020202020204" pitchFamily="34" charset="0"/>
+                <a:ea typeface="宋体" pitchFamily="2" charset="-122"/>
               </a:defRPr>
             </a:lvl1pPr>
             <a:lvl2pPr eaLnBrk="0" hangingPunct="0">
@@ -13005,8 +12994,8 @@
                 <a:solidFill>
                   <a:schemeClr val="tx1"/>
                 </a:solidFill>
-                <a:latin typeface="Arial" panose="020B0604020202020204" pitchFamily="34" charset="0"/>
-                <a:ea typeface="宋体" panose="02010600030101010101" pitchFamily="2" charset="-122"/>
+                <a:latin typeface="Arial" panose="02080604020202020204" pitchFamily="34" charset="0"/>
+                <a:ea typeface="宋体" pitchFamily="2" charset="-122"/>
               </a:defRPr>
             </a:lvl2pPr>
             <a:lvl3pPr eaLnBrk="0" hangingPunct="0">
@@ -13014,8 +13003,8 @@
                 <a:solidFill>
                   <a:schemeClr val="tx1"/>
                 </a:solidFill>
-                <a:latin typeface="Arial" panose="020B0604020202020204" pitchFamily="34" charset="0"/>
-                <a:ea typeface="宋体" panose="02010600030101010101" pitchFamily="2" charset="-122"/>
+                <a:latin typeface="Arial" panose="02080604020202020204" pitchFamily="34" charset="0"/>
+                <a:ea typeface="宋体" pitchFamily="2" charset="-122"/>
               </a:defRPr>
             </a:lvl3pPr>
             <a:lvl4pPr eaLnBrk="0" hangingPunct="0">
@@ -13023,8 +13012,8 @@
                 <a:solidFill>
                   <a:schemeClr val="tx1"/>
                 </a:solidFill>
-                <a:latin typeface="Arial" panose="020B0604020202020204" pitchFamily="34" charset="0"/>
-                <a:ea typeface="宋体" panose="02010600030101010101" pitchFamily="2" charset="-122"/>
+                <a:latin typeface="Arial" panose="02080604020202020204" pitchFamily="34" charset="0"/>
+                <a:ea typeface="宋体" pitchFamily="2" charset="-122"/>
               </a:defRPr>
             </a:lvl4pPr>
             <a:lvl5pPr eaLnBrk="0" hangingPunct="0">
@@ -13032,8 +13021,8 @@
                 <a:solidFill>
                   <a:schemeClr val="tx1"/>
                 </a:solidFill>
-                <a:latin typeface="Arial" panose="020B0604020202020204" pitchFamily="34" charset="0"/>
-                <a:ea typeface="宋体" panose="02010600030101010101" pitchFamily="2" charset="-122"/>
+                <a:latin typeface="Arial" panose="02080604020202020204" pitchFamily="34" charset="0"/>
+                <a:ea typeface="宋体" pitchFamily="2" charset="-122"/>
               </a:defRPr>
             </a:lvl5pPr>
             <a:lvl6pPr eaLnBrk="0" fontAlgn="base" hangingPunct="0">
@@ -13043,13 +13032,13 @@
               <a:spcAft>
                 <a:spcPct val="0"/>
               </a:spcAft>
-              <a:buFont typeface="Arial" panose="020B0604020202020204" pitchFamily="34" charset="0"/>
+              <a:buFont typeface="Arial" panose="02080604020202020204" pitchFamily="34" charset="0"/>
               <a:defRPr>
                 <a:solidFill>
                   <a:schemeClr val="tx1"/>
                 </a:solidFill>
-                <a:latin typeface="Arial" panose="020B0604020202020204" pitchFamily="34" charset="0"/>
-                <a:ea typeface="宋体" panose="02010600030101010101" pitchFamily="2" charset="-122"/>
+                <a:latin typeface="Arial" panose="02080604020202020204" pitchFamily="34" charset="0"/>
+                <a:ea typeface="宋体" pitchFamily="2" charset="-122"/>
               </a:defRPr>
             </a:lvl6pPr>
             <a:lvl7pPr eaLnBrk="0" fontAlgn="base" hangingPunct="0">
@@ -13059,13 +13048,13 @@
               <a:spcAft>
                 <a:spcPct val="0"/>
               </a:spcAft>
-              <a:buFont typeface="Arial" panose="020B0604020202020204" pitchFamily="34" charset="0"/>
+              <a:buFont typeface="Arial" panose="02080604020202020204" pitchFamily="34" charset="0"/>
               <a:defRPr>
                 <a:solidFill>
                   <a:schemeClr val="tx1"/>
                 </a:solidFill>
-                <a:latin typeface="Arial" panose="020B0604020202020204" pitchFamily="34" charset="0"/>
-                <a:ea typeface="宋体" panose="02010600030101010101" pitchFamily="2" charset="-122"/>
+                <a:latin typeface="Arial" panose="02080604020202020204" pitchFamily="34" charset="0"/>
+                <a:ea typeface="宋体" pitchFamily="2" charset="-122"/>
               </a:defRPr>
             </a:lvl7pPr>
             <a:lvl8pPr eaLnBrk="0" fontAlgn="base" hangingPunct="0">
@@ -13075,13 +13064,13 @@
               <a:spcAft>
                 <a:spcPct val="0"/>
               </a:spcAft>
-              <a:buFont typeface="Arial" panose="020B0604020202020204" pitchFamily="34" charset="0"/>
+              <a:buFont typeface="Arial" panose="02080604020202020204" pitchFamily="34" charset="0"/>
               <a:defRPr>
                 <a:solidFill>
                   <a:schemeClr val="tx1"/>
                 </a:solidFill>
-                <a:latin typeface="Arial" panose="020B0604020202020204" pitchFamily="34" charset="0"/>
-                <a:ea typeface="宋体" panose="02010600030101010101" pitchFamily="2" charset="-122"/>
+                <a:latin typeface="Arial" panose="02080604020202020204" pitchFamily="34" charset="0"/>
+                <a:ea typeface="宋体" pitchFamily="2" charset="-122"/>
               </a:defRPr>
             </a:lvl8pPr>
             <a:lvl9pPr eaLnBrk="0" fontAlgn="base" hangingPunct="0">
@@ -13091,13 +13080,13 @@
               <a:spcAft>
                 <a:spcPct val="0"/>
               </a:spcAft>
-              <a:buFont typeface="Arial" panose="020B0604020202020204" pitchFamily="34" charset="0"/>
+              <a:buFont typeface="Arial" panose="02080604020202020204" pitchFamily="34" charset="0"/>
               <a:defRPr>
                 <a:solidFill>
                   <a:schemeClr val="tx1"/>
                 </a:solidFill>
-                <a:latin typeface="Arial" panose="020B0604020202020204" pitchFamily="34" charset="0"/>
-                <a:ea typeface="宋体" panose="02010600030101010101" pitchFamily="2" charset="-122"/>
+                <a:latin typeface="Arial" panose="02080604020202020204" pitchFamily="34" charset="0"/>
+                <a:ea typeface="宋体" pitchFamily="2" charset="-122"/>
               </a:defRPr>
             </a:lvl9pPr>
           </a:lstStyle>
@@ -13149,7 +13138,7 @@
       <p:sp>
         <p:nvSpPr>
           <p:cNvPr id="10" name="Text Box 9"/>
-          <p:cNvSpPr txBox="1"/>
+          <p:cNvSpPr txBox="true"/>
           <p:nvPr/>
         </p:nvSpPr>
         <p:spPr>
@@ -13191,7 +13180,7 @@
       <p:sp>
         <p:nvSpPr>
           <p:cNvPr id="11" name="Text Box 10"/>
-          <p:cNvSpPr txBox="1"/>
+          <p:cNvSpPr txBox="true"/>
           <p:nvPr/>
         </p:nvSpPr>
         <p:spPr>
@@ -13230,7 +13219,7 @@
       <p:sp>
         <p:nvSpPr>
           <p:cNvPr id="18" name="Text Box 17"/>
-          <p:cNvSpPr txBox="1"/>
+          <p:cNvSpPr txBox="true"/>
           <p:nvPr/>
         </p:nvSpPr>
         <p:spPr>
@@ -13259,7 +13248,7 @@
       <p:sp>
         <p:nvSpPr>
           <p:cNvPr id="20" name="Text Box 19"/>
-          <p:cNvSpPr txBox="1"/>
+          <p:cNvSpPr txBox="true"/>
           <p:nvPr/>
         </p:nvSpPr>
         <p:spPr>
@@ -13289,7 +13278,7 @@
         <p:nvSpPr>
           <p:cNvPr id="21" name="圆角矩形 8"/>
           <p:cNvSpPr>
-            <a:spLocks noChangeArrowheads="1"/>
+            <a:spLocks noChangeArrowheads="true"/>
           </p:cNvSpPr>
           <p:nvPr/>
         </p:nvSpPr>
@@ -13321,8 +13310,8 @@
                 <a:solidFill>
                   <a:schemeClr val="tx1"/>
                 </a:solidFill>
-                <a:latin typeface="Arial" panose="020B0604020202020204" pitchFamily="34" charset="0"/>
-                <a:ea typeface="宋体" panose="02010600030101010101" pitchFamily="2" charset="-122"/>
+                <a:latin typeface="Arial" panose="02080604020202020204" pitchFamily="34" charset="0"/>
+                <a:ea typeface="宋体" pitchFamily="2" charset="-122"/>
               </a:defRPr>
             </a:lvl1pPr>
             <a:lvl2pPr eaLnBrk="0" hangingPunct="0">
@@ -13330,8 +13319,8 @@
                 <a:solidFill>
                   <a:schemeClr val="tx1"/>
                 </a:solidFill>
-                <a:latin typeface="Arial" panose="020B0604020202020204" pitchFamily="34" charset="0"/>
-                <a:ea typeface="宋体" panose="02010600030101010101" pitchFamily="2" charset="-122"/>
+                <a:latin typeface="Arial" panose="02080604020202020204" pitchFamily="34" charset="0"/>
+                <a:ea typeface="宋体" pitchFamily="2" charset="-122"/>
               </a:defRPr>
             </a:lvl2pPr>
             <a:lvl3pPr eaLnBrk="0" hangingPunct="0">
@@ -13339,8 +13328,8 @@
                 <a:solidFill>
                   <a:schemeClr val="tx1"/>
                 </a:solidFill>
-                <a:latin typeface="Arial" panose="020B0604020202020204" pitchFamily="34" charset="0"/>
-                <a:ea typeface="宋体" panose="02010600030101010101" pitchFamily="2" charset="-122"/>
+                <a:latin typeface="Arial" panose="02080604020202020204" pitchFamily="34" charset="0"/>
+                <a:ea typeface="宋体" pitchFamily="2" charset="-122"/>
               </a:defRPr>
             </a:lvl3pPr>
             <a:lvl4pPr eaLnBrk="0" hangingPunct="0">
@@ -13348,8 +13337,8 @@
                 <a:solidFill>
                   <a:schemeClr val="tx1"/>
                 </a:solidFill>
-                <a:latin typeface="Arial" panose="020B0604020202020204" pitchFamily="34" charset="0"/>
-                <a:ea typeface="宋体" panose="02010600030101010101" pitchFamily="2" charset="-122"/>
+                <a:latin typeface="Arial" panose="02080604020202020204" pitchFamily="34" charset="0"/>
+                <a:ea typeface="宋体" pitchFamily="2" charset="-122"/>
               </a:defRPr>
             </a:lvl4pPr>
             <a:lvl5pPr eaLnBrk="0" hangingPunct="0">
@@ -13357,8 +13346,8 @@
                 <a:solidFill>
                   <a:schemeClr val="tx1"/>
                 </a:solidFill>
-                <a:latin typeface="Arial" panose="020B0604020202020204" pitchFamily="34" charset="0"/>
-                <a:ea typeface="宋体" panose="02010600030101010101" pitchFamily="2" charset="-122"/>
+                <a:latin typeface="Arial" panose="02080604020202020204" pitchFamily="34" charset="0"/>
+                <a:ea typeface="宋体" pitchFamily="2" charset="-122"/>
               </a:defRPr>
             </a:lvl5pPr>
             <a:lvl6pPr eaLnBrk="0" fontAlgn="base" hangingPunct="0">
@@ -13368,13 +13357,13 @@
               <a:spcAft>
                 <a:spcPct val="0"/>
               </a:spcAft>
-              <a:buFont typeface="Arial" panose="020B0604020202020204" pitchFamily="34" charset="0"/>
+              <a:buFont typeface="Arial" panose="02080604020202020204" pitchFamily="34" charset="0"/>
               <a:defRPr>
                 <a:solidFill>
                   <a:schemeClr val="tx1"/>
                 </a:solidFill>
-                <a:latin typeface="Arial" panose="020B0604020202020204" pitchFamily="34" charset="0"/>
-                <a:ea typeface="宋体" panose="02010600030101010101" pitchFamily="2" charset="-122"/>
+                <a:latin typeface="Arial" panose="02080604020202020204" pitchFamily="34" charset="0"/>
+                <a:ea typeface="宋体" pitchFamily="2" charset="-122"/>
               </a:defRPr>
             </a:lvl6pPr>
             <a:lvl7pPr eaLnBrk="0" fontAlgn="base" hangingPunct="0">
@@ -13384,13 +13373,13 @@
               <a:spcAft>
                 <a:spcPct val="0"/>
               </a:spcAft>
-              <a:buFont typeface="Arial" panose="020B0604020202020204" pitchFamily="34" charset="0"/>
+              <a:buFont typeface="Arial" panose="02080604020202020204" pitchFamily="34" charset="0"/>
               <a:defRPr>
                 <a:solidFill>
                   <a:schemeClr val="tx1"/>
                 </a:solidFill>
-                <a:latin typeface="Arial" panose="020B0604020202020204" pitchFamily="34" charset="0"/>
-                <a:ea typeface="宋体" panose="02010600030101010101" pitchFamily="2" charset="-122"/>
+                <a:latin typeface="Arial" panose="02080604020202020204" pitchFamily="34" charset="0"/>
+                <a:ea typeface="宋体" pitchFamily="2" charset="-122"/>
               </a:defRPr>
             </a:lvl7pPr>
             <a:lvl8pPr eaLnBrk="0" fontAlgn="base" hangingPunct="0">
@@ -13400,13 +13389,13 @@
               <a:spcAft>
                 <a:spcPct val="0"/>
               </a:spcAft>
-              <a:buFont typeface="Arial" panose="020B0604020202020204" pitchFamily="34" charset="0"/>
+              <a:buFont typeface="Arial" panose="02080604020202020204" pitchFamily="34" charset="0"/>
               <a:defRPr>
                 <a:solidFill>
                   <a:schemeClr val="tx1"/>
                 </a:solidFill>
-                <a:latin typeface="Arial" panose="020B0604020202020204" pitchFamily="34" charset="0"/>
-                <a:ea typeface="宋体" panose="02010600030101010101" pitchFamily="2" charset="-122"/>
+                <a:latin typeface="Arial" panose="02080604020202020204" pitchFamily="34" charset="0"/>
+                <a:ea typeface="宋体" pitchFamily="2" charset="-122"/>
               </a:defRPr>
             </a:lvl8pPr>
             <a:lvl9pPr eaLnBrk="0" fontAlgn="base" hangingPunct="0">
@@ -13416,13 +13405,13 @@
               <a:spcAft>
                 <a:spcPct val="0"/>
               </a:spcAft>
-              <a:buFont typeface="Arial" panose="020B0604020202020204" pitchFamily="34" charset="0"/>
+              <a:buFont typeface="Arial" panose="02080604020202020204" pitchFamily="34" charset="0"/>
               <a:defRPr>
                 <a:solidFill>
                   <a:schemeClr val="tx1"/>
                 </a:solidFill>
-                <a:latin typeface="Arial" panose="020B0604020202020204" pitchFamily="34" charset="0"/>
-                <a:ea typeface="宋体" panose="02010600030101010101" pitchFamily="2" charset="-122"/>
+                <a:latin typeface="Arial" panose="02080604020202020204" pitchFamily="34" charset="0"/>
+                <a:ea typeface="宋体" pitchFamily="2" charset="-122"/>
               </a:defRPr>
             </a:lvl9pPr>
           </a:lstStyle>
@@ -13474,7 +13463,7 @@
       <p:sp>
         <p:nvSpPr>
           <p:cNvPr id="23" name="Text Box 22"/>
-          <p:cNvSpPr txBox="1"/>
+          <p:cNvSpPr txBox="true"/>
           <p:nvPr/>
         </p:nvSpPr>
         <p:spPr>
@@ -13503,7 +13492,7 @@
       <p:sp>
         <p:nvSpPr>
           <p:cNvPr id="24" name="Text Box 23"/>
-          <p:cNvSpPr txBox="1"/>
+          <p:cNvSpPr txBox="true"/>
           <p:nvPr/>
         </p:nvSpPr>
         <p:spPr>
@@ -13543,7 +13532,7 @@
         <p:nvSpPr>
           <p:cNvPr id="25" name="圆角矩形 8"/>
           <p:cNvSpPr>
-            <a:spLocks noChangeArrowheads="1"/>
+            <a:spLocks noChangeArrowheads="true"/>
           </p:cNvSpPr>
           <p:nvPr/>
         </p:nvSpPr>
@@ -13575,8 +13564,8 @@
                 <a:solidFill>
                   <a:schemeClr val="tx1"/>
                 </a:solidFill>
-                <a:latin typeface="Arial" panose="020B0604020202020204" pitchFamily="34" charset="0"/>
-                <a:ea typeface="宋体" panose="02010600030101010101" pitchFamily="2" charset="-122"/>
+                <a:latin typeface="Arial" panose="02080604020202020204" pitchFamily="34" charset="0"/>
+                <a:ea typeface="宋体" pitchFamily="2" charset="-122"/>
               </a:defRPr>
             </a:lvl1pPr>
             <a:lvl2pPr eaLnBrk="0" hangingPunct="0">
@@ -13584,8 +13573,8 @@
                 <a:solidFill>
                   <a:schemeClr val="tx1"/>
                 </a:solidFill>
-                <a:latin typeface="Arial" panose="020B0604020202020204" pitchFamily="34" charset="0"/>
-                <a:ea typeface="宋体" panose="02010600030101010101" pitchFamily="2" charset="-122"/>
+                <a:latin typeface="Arial" panose="02080604020202020204" pitchFamily="34" charset="0"/>
+                <a:ea typeface="宋体" pitchFamily="2" charset="-122"/>
               </a:defRPr>
             </a:lvl2pPr>
             <a:lvl3pPr eaLnBrk="0" hangingPunct="0">
@@ -13593,8 +13582,8 @@
                 <a:solidFill>
                   <a:schemeClr val="tx1"/>
                 </a:solidFill>
-                <a:latin typeface="Arial" panose="020B0604020202020204" pitchFamily="34" charset="0"/>
-                <a:ea typeface="宋体" panose="02010600030101010101" pitchFamily="2" charset="-122"/>
+                <a:latin typeface="Arial" panose="02080604020202020204" pitchFamily="34" charset="0"/>
+                <a:ea typeface="宋体" pitchFamily="2" charset="-122"/>
               </a:defRPr>
             </a:lvl3pPr>
             <a:lvl4pPr eaLnBrk="0" hangingPunct="0">
@@ -13602,8 +13591,8 @@
                 <a:solidFill>
                   <a:schemeClr val="tx1"/>
                 </a:solidFill>
-                <a:latin typeface="Arial" panose="020B0604020202020204" pitchFamily="34" charset="0"/>
-                <a:ea typeface="宋体" panose="02010600030101010101" pitchFamily="2" charset="-122"/>
+                <a:latin typeface="Arial" panose="02080604020202020204" pitchFamily="34" charset="0"/>
+                <a:ea typeface="宋体" pitchFamily="2" charset="-122"/>
               </a:defRPr>
             </a:lvl4pPr>
             <a:lvl5pPr eaLnBrk="0" hangingPunct="0">
@@ -13611,8 +13600,8 @@
                 <a:solidFill>
                   <a:schemeClr val="tx1"/>
                 </a:solidFill>
-                <a:latin typeface="Arial" panose="020B0604020202020204" pitchFamily="34" charset="0"/>
-                <a:ea typeface="宋体" panose="02010600030101010101" pitchFamily="2" charset="-122"/>
+                <a:latin typeface="Arial" panose="02080604020202020204" pitchFamily="34" charset="0"/>
+                <a:ea typeface="宋体" pitchFamily="2" charset="-122"/>
               </a:defRPr>
             </a:lvl5pPr>
             <a:lvl6pPr eaLnBrk="0" fontAlgn="base" hangingPunct="0">
@@ -13622,13 +13611,13 @@
               <a:spcAft>
                 <a:spcPct val="0"/>
               </a:spcAft>
-              <a:buFont typeface="Arial" panose="020B0604020202020204" pitchFamily="34" charset="0"/>
+              <a:buFont typeface="Arial" panose="02080604020202020204" pitchFamily="34" charset="0"/>
               <a:defRPr>
                 <a:solidFill>
                   <a:schemeClr val="tx1"/>
                 </a:solidFill>
-                <a:latin typeface="Arial" panose="020B0604020202020204" pitchFamily="34" charset="0"/>
-                <a:ea typeface="宋体" panose="02010600030101010101" pitchFamily="2" charset="-122"/>
+                <a:latin typeface="Arial" panose="02080604020202020204" pitchFamily="34" charset="0"/>
+                <a:ea typeface="宋体" pitchFamily="2" charset="-122"/>
               </a:defRPr>
             </a:lvl6pPr>
             <a:lvl7pPr eaLnBrk="0" fontAlgn="base" hangingPunct="0">
@@ -13638,13 +13627,13 @@
               <a:spcAft>
                 <a:spcPct val="0"/>
               </a:spcAft>
-              <a:buFont typeface="Arial" panose="020B0604020202020204" pitchFamily="34" charset="0"/>
+              <a:buFont typeface="Arial" panose="02080604020202020204" pitchFamily="34" charset="0"/>
               <a:defRPr>
                 <a:solidFill>
                   <a:schemeClr val="tx1"/>
                 </a:solidFill>
-                <a:latin typeface="Arial" panose="020B0604020202020204" pitchFamily="34" charset="0"/>
-                <a:ea typeface="宋体" panose="02010600030101010101" pitchFamily="2" charset="-122"/>
+                <a:latin typeface="Arial" panose="02080604020202020204" pitchFamily="34" charset="0"/>
+                <a:ea typeface="宋体" pitchFamily="2" charset="-122"/>
               </a:defRPr>
             </a:lvl7pPr>
             <a:lvl8pPr eaLnBrk="0" fontAlgn="base" hangingPunct="0">
@@ -13654,13 +13643,13 @@
               <a:spcAft>
                 <a:spcPct val="0"/>
               </a:spcAft>
-              <a:buFont typeface="Arial" panose="020B0604020202020204" pitchFamily="34" charset="0"/>
+              <a:buFont typeface="Arial" panose="02080604020202020204" pitchFamily="34" charset="0"/>
               <a:defRPr>
                 <a:solidFill>
                   <a:schemeClr val="tx1"/>
                 </a:solidFill>
-                <a:latin typeface="Arial" panose="020B0604020202020204" pitchFamily="34" charset="0"/>
-                <a:ea typeface="宋体" panose="02010600030101010101" pitchFamily="2" charset="-122"/>
+                <a:latin typeface="Arial" panose="02080604020202020204" pitchFamily="34" charset="0"/>
+                <a:ea typeface="宋体" pitchFamily="2" charset="-122"/>
               </a:defRPr>
             </a:lvl8pPr>
             <a:lvl9pPr eaLnBrk="0" fontAlgn="base" hangingPunct="0">
@@ -13670,13 +13659,13 @@
               <a:spcAft>
                 <a:spcPct val="0"/>
               </a:spcAft>
-              <a:buFont typeface="Arial" panose="020B0604020202020204" pitchFamily="34" charset="0"/>
+              <a:buFont typeface="Arial" panose="02080604020202020204" pitchFamily="34" charset="0"/>
               <a:defRPr>
                 <a:solidFill>
                   <a:schemeClr val="tx1"/>
                 </a:solidFill>
-                <a:latin typeface="Arial" panose="020B0604020202020204" pitchFamily="34" charset="0"/>
-                <a:ea typeface="宋体" panose="02010600030101010101" pitchFamily="2" charset="-122"/>
+                <a:latin typeface="Arial" panose="02080604020202020204" pitchFamily="34" charset="0"/>
+                <a:ea typeface="宋体" pitchFamily="2" charset="-122"/>
               </a:defRPr>
             </a:lvl9pPr>
           </a:lstStyle>
@@ -13728,7 +13717,7 @@
       <p:sp>
         <p:nvSpPr>
           <p:cNvPr id="27" name="Text Box 26"/>
-          <p:cNvSpPr txBox="1"/>
+          <p:cNvSpPr txBox="true"/>
           <p:nvPr/>
         </p:nvSpPr>
         <p:spPr>
@@ -13757,7 +13746,7 @@
       <p:sp>
         <p:nvSpPr>
           <p:cNvPr id="28" name="Text Box 27"/>
-          <p:cNvSpPr txBox="1"/>
+          <p:cNvSpPr txBox="true"/>
           <p:nvPr/>
         </p:nvSpPr>
         <p:spPr>
@@ -13796,7 +13785,7 @@
       <p:sp>
         <p:nvSpPr>
           <p:cNvPr id="33" name="Text Box 32"/>
-          <p:cNvSpPr txBox="1"/>
+          <p:cNvSpPr txBox="true"/>
           <p:nvPr/>
         </p:nvSpPr>
         <p:spPr>
@@ -13874,7 +13863,7 @@
         <p:nvPicPr>
           <p:cNvPr id="4" name="图片 3"/>
           <p:cNvPicPr>
-            <a:picLocks noChangeAspect="1"/>
+            <a:picLocks noChangeAspect="true"/>
           </p:cNvPicPr>
           <p:nvPr/>
         </p:nvPicPr>
@@ -13882,7 +13871,7 @@
           <a:blip r:embed="rId1" cstate="print">
             <a:extLst>
               <a:ext uri="{28A0092B-C50C-407E-A947-70E740481C1C}">
-                <a14:useLocalDpi xmlns:a14="http://schemas.microsoft.com/office/drawing/2010/main" val="0"/>
+                <a14:useLocalDpi xmlns:a14="http://schemas.microsoft.com/office/drawing/2010/main" val="false"/>
               </a:ext>
             </a:extLst>
           </a:blip>
@@ -14087,8 +14076,8 @@
                   <a:srgbClr val="FFFFFF"/>
                 </a:solidFill>
                 <a:uFillTx/>
-                <a:latin typeface="Arial" panose="020B0604020202020204" pitchFamily="34" charset="0"/>
-                <a:ea typeface="宋体" panose="02010600030101010101" pitchFamily="2" charset="-122"/>
+                <a:latin typeface="Arial" panose="02080604020202020204" pitchFamily="34" charset="0"/>
+                <a:ea typeface="宋体" pitchFamily="2" charset="-122"/>
               </a:rPr>
               <a:t>1</a:t>
             </a:r>
@@ -14097,8 +14086,8 @@
                 <a:srgbClr val="FFFFFF"/>
               </a:solidFill>
               <a:uFillTx/>
-              <a:latin typeface="Arial" panose="020B0604020202020204" pitchFamily="34" charset="0"/>
-              <a:ea typeface="宋体" panose="02010600030101010101" pitchFamily="2" charset="-122"/>
+              <a:latin typeface="Arial" panose="02080604020202020204" pitchFamily="34" charset="0"/>
+              <a:ea typeface="宋体" pitchFamily="2" charset="-122"/>
             </a:endParaRPr>
           </a:p>
         </p:txBody>
@@ -14131,7 +14120,7 @@
       <p:sp>
         <p:nvSpPr>
           <p:cNvPr id="19" name="TextBox 128"/>
-          <p:cNvSpPr txBox="1"/>
+          <p:cNvSpPr txBox="true"/>
           <p:nvPr/>
         </p:nvSpPr>
         <p:spPr>
@@ -14254,7 +14243,7 @@
                   <a:schemeClr val="tx1"/>
                 </a:solidFill>
                 <a:uFillTx/>
-                <a:latin typeface="Arial" panose="020B0604020202020204" pitchFamily="34" charset="0"/>
+                <a:latin typeface="Arial" panose="02080604020202020204" pitchFamily="34" charset="0"/>
               </a:rPr>
               <a:t>前期准备工作</a:t>
             </a:r>
@@ -14263,7 +14252,7 @@
                 <a:schemeClr val="tx1"/>
               </a:solidFill>
               <a:uFillTx/>
-              <a:latin typeface="Arial" panose="020B0604020202020204" pitchFamily="34" charset="0"/>
+              <a:latin typeface="Arial" panose="02080604020202020204" pitchFamily="34" charset="0"/>
             </a:endParaRPr>
           </a:p>
         </p:txBody>
@@ -14404,8 +14393,8 @@
                   <a:srgbClr val="FFFFFF"/>
                 </a:solidFill>
                 <a:uFillTx/>
-                <a:latin typeface="Arial" panose="020B0604020202020204" pitchFamily="34" charset="0"/>
-                <a:ea typeface="宋体" panose="02010600030101010101" pitchFamily="2" charset="-122"/>
+                <a:latin typeface="Arial" panose="02080604020202020204" pitchFamily="34" charset="0"/>
+                <a:ea typeface="宋体" pitchFamily="2" charset="-122"/>
               </a:rPr>
               <a:t>2</a:t>
             </a:r>
@@ -14414,8 +14403,8 @@
                 <a:srgbClr val="FFFFFF"/>
               </a:solidFill>
               <a:uFillTx/>
-              <a:latin typeface="Arial" panose="020B0604020202020204" pitchFamily="34" charset="0"/>
-              <a:ea typeface="宋体" panose="02010600030101010101" pitchFamily="2" charset="-122"/>
+              <a:latin typeface="Arial" panose="02080604020202020204" pitchFamily="34" charset="0"/>
+              <a:ea typeface="宋体" pitchFamily="2" charset="-122"/>
             </a:endParaRPr>
           </a:p>
         </p:txBody>
@@ -14448,7 +14437,7 @@
       <p:sp>
         <p:nvSpPr>
           <p:cNvPr id="26" name="TextBox 128"/>
-          <p:cNvSpPr txBox="1"/>
+          <p:cNvSpPr txBox="true"/>
           <p:nvPr/>
         </p:nvSpPr>
         <p:spPr>
@@ -14571,7 +14560,7 @@
                   <a:schemeClr val="tx1"/>
                 </a:solidFill>
                 <a:uFillTx/>
-                <a:latin typeface="Arial" panose="020B0604020202020204" pitchFamily="34" charset="0"/>
+                <a:latin typeface="Arial" panose="02080604020202020204" pitchFamily="34" charset="0"/>
               </a:rPr>
               <a:t>选题意义</a:t>
             </a:r>
@@ -14580,7 +14569,7 @@
                 <a:schemeClr val="tx1"/>
               </a:solidFill>
               <a:uFillTx/>
-              <a:latin typeface="Arial" panose="020B0604020202020204" pitchFamily="34" charset="0"/>
+              <a:latin typeface="Arial" panose="02080604020202020204" pitchFamily="34" charset="0"/>
             </a:endParaRPr>
           </a:p>
         </p:txBody>
@@ -14721,8 +14710,8 @@
                   <a:srgbClr val="FFFFFF"/>
                 </a:solidFill>
                 <a:uFillTx/>
-                <a:latin typeface="Arial" panose="020B0604020202020204" pitchFamily="34" charset="0"/>
-                <a:ea typeface="宋体" panose="02010600030101010101" pitchFamily="2" charset="-122"/>
+                <a:latin typeface="Arial" panose="02080604020202020204" pitchFamily="34" charset="0"/>
+                <a:ea typeface="宋体" pitchFamily="2" charset="-122"/>
               </a:rPr>
               <a:t>3</a:t>
             </a:r>
@@ -14731,8 +14720,8 @@
                 <a:srgbClr val="FFFFFF"/>
               </a:solidFill>
               <a:uFillTx/>
-              <a:latin typeface="Arial" panose="020B0604020202020204" pitchFamily="34" charset="0"/>
-              <a:ea typeface="宋体" panose="02010600030101010101" pitchFamily="2" charset="-122"/>
+              <a:latin typeface="Arial" panose="02080604020202020204" pitchFamily="34" charset="0"/>
+              <a:ea typeface="宋体" pitchFamily="2" charset="-122"/>
             </a:endParaRPr>
           </a:p>
         </p:txBody>
@@ -14765,7 +14754,7 @@
       <p:sp>
         <p:nvSpPr>
           <p:cNvPr id="29" name="TextBox 128"/>
-          <p:cNvSpPr txBox="1"/>
+          <p:cNvSpPr txBox="true"/>
           <p:nvPr/>
         </p:nvSpPr>
         <p:spPr>
@@ -14888,7 +14877,7 @@
                   <a:schemeClr val="tx1"/>
                 </a:solidFill>
                 <a:uFillTx/>
-                <a:latin typeface="Arial" panose="020B0604020202020204" pitchFamily="34" charset="0"/>
+                <a:latin typeface="Arial" panose="02080604020202020204" pitchFamily="34" charset="0"/>
               </a:rPr>
               <a:t>研究内容与方案</a:t>
             </a:r>
@@ -14897,7 +14886,7 @@
                 <a:schemeClr val="tx1"/>
               </a:solidFill>
               <a:uFillTx/>
-              <a:latin typeface="Arial" panose="020B0604020202020204" pitchFamily="34" charset="0"/>
+              <a:latin typeface="Arial" panose="02080604020202020204" pitchFamily="34" charset="0"/>
             </a:endParaRPr>
           </a:p>
         </p:txBody>
@@ -15038,8 +15027,8 @@
                   <a:srgbClr val="FFFFFF"/>
                 </a:solidFill>
                 <a:uFillTx/>
-                <a:latin typeface="Arial" panose="020B0604020202020204" pitchFamily="34" charset="0"/>
-                <a:ea typeface="宋体" panose="02010600030101010101" pitchFamily="2" charset="-122"/>
+                <a:latin typeface="Arial" panose="02080604020202020204" pitchFamily="34" charset="0"/>
+                <a:ea typeface="宋体" pitchFamily="2" charset="-122"/>
               </a:rPr>
               <a:t>4</a:t>
             </a:r>
@@ -15048,8 +15037,8 @@
                 <a:srgbClr val="FFFFFF"/>
               </a:solidFill>
               <a:uFillTx/>
-              <a:latin typeface="Arial" panose="020B0604020202020204" pitchFamily="34" charset="0"/>
-              <a:ea typeface="宋体" panose="02010600030101010101" pitchFamily="2" charset="-122"/>
+              <a:latin typeface="Arial" panose="02080604020202020204" pitchFamily="34" charset="0"/>
+              <a:ea typeface="宋体" pitchFamily="2" charset="-122"/>
             </a:endParaRPr>
           </a:p>
         </p:txBody>
@@ -15082,7 +15071,7 @@
       <p:sp>
         <p:nvSpPr>
           <p:cNvPr id="32" name="TextBox 128"/>
-          <p:cNvSpPr txBox="1"/>
+          <p:cNvSpPr txBox="true"/>
           <p:nvPr/>
         </p:nvSpPr>
         <p:spPr>
@@ -15205,7 +15194,7 @@
                   <a:schemeClr val="tx1"/>
                 </a:solidFill>
                 <a:uFillTx/>
-                <a:latin typeface="Arial" panose="020B0604020202020204" pitchFamily="34" charset="0"/>
+                <a:latin typeface="Arial" panose="02080604020202020204" pitchFamily="34" charset="0"/>
               </a:rPr>
               <a:t>预期成果与已完成进度</a:t>
             </a:r>
@@ -15214,7 +15203,7 @@
                 <a:schemeClr val="tx1"/>
               </a:solidFill>
               <a:uFillTx/>
-              <a:latin typeface="Arial" panose="020B0604020202020204" pitchFamily="34" charset="0"/>
+              <a:latin typeface="Arial" panose="02080604020202020204" pitchFamily="34" charset="0"/>
             </a:endParaRPr>
           </a:p>
         </p:txBody>
@@ -15263,7 +15252,7 @@
         <p:nvPicPr>
           <p:cNvPr id="2" name="图片 3"/>
           <p:cNvPicPr>
-            <a:picLocks noChangeAspect="1"/>
+            <a:picLocks noChangeAspect="true"/>
           </p:cNvPicPr>
           <p:nvPr/>
         </p:nvPicPr>
@@ -15271,7 +15260,7 @@
           <a:blip r:embed="rId1" cstate="print">
             <a:extLst>
               <a:ext uri="{28A0092B-C50C-407E-A947-70E740481C1C}">
-                <a14:useLocalDpi xmlns:a14="http://schemas.microsoft.com/office/drawing/2010/main" val="0"/>
+                <a14:useLocalDpi xmlns:a14="http://schemas.microsoft.com/office/drawing/2010/main" val="false"/>
               </a:ext>
             </a:extLst>
           </a:blip>
@@ -15292,7 +15281,7 @@
       <p:sp>
         <p:nvSpPr>
           <p:cNvPr id="3" name="Text Box 2"/>
-          <p:cNvSpPr txBox="1"/>
+          <p:cNvSpPr txBox="true"/>
           <p:nvPr/>
         </p:nvSpPr>
         <p:spPr>
@@ -15375,7 +15364,7 @@
       <p:sp>
         <p:nvSpPr>
           <p:cNvPr id="6" name="Text Box 5"/>
-          <p:cNvSpPr txBox="1"/>
+          <p:cNvSpPr txBox="true"/>
           <p:nvPr/>
         </p:nvSpPr>
         <p:spPr>
@@ -15407,7 +15396,7 @@
         <p:nvSpPr>
           <p:cNvPr id="8" name="圆角矩形 8"/>
           <p:cNvSpPr>
-            <a:spLocks noChangeArrowheads="1"/>
+            <a:spLocks noChangeArrowheads="true"/>
           </p:cNvSpPr>
           <p:nvPr/>
         </p:nvSpPr>
@@ -15439,8 +15428,8 @@
                 <a:solidFill>
                   <a:schemeClr val="tx1"/>
                 </a:solidFill>
-                <a:latin typeface="Arial" panose="020B0604020202020204" pitchFamily="34" charset="0"/>
-                <a:ea typeface="宋体" panose="02010600030101010101" pitchFamily="2" charset="-122"/>
+                <a:latin typeface="Arial" panose="02080604020202020204" pitchFamily="34" charset="0"/>
+                <a:ea typeface="宋体" pitchFamily="2" charset="-122"/>
               </a:defRPr>
             </a:lvl1pPr>
             <a:lvl2pPr eaLnBrk="0" hangingPunct="0">
@@ -15448,8 +15437,8 @@
                 <a:solidFill>
                   <a:schemeClr val="tx1"/>
                 </a:solidFill>
-                <a:latin typeface="Arial" panose="020B0604020202020204" pitchFamily="34" charset="0"/>
-                <a:ea typeface="宋体" panose="02010600030101010101" pitchFamily="2" charset="-122"/>
+                <a:latin typeface="Arial" panose="02080604020202020204" pitchFamily="34" charset="0"/>
+                <a:ea typeface="宋体" pitchFamily="2" charset="-122"/>
               </a:defRPr>
             </a:lvl2pPr>
             <a:lvl3pPr eaLnBrk="0" hangingPunct="0">
@@ -15457,8 +15446,8 @@
                 <a:solidFill>
                   <a:schemeClr val="tx1"/>
                 </a:solidFill>
-                <a:latin typeface="Arial" panose="020B0604020202020204" pitchFamily="34" charset="0"/>
-                <a:ea typeface="宋体" panose="02010600030101010101" pitchFamily="2" charset="-122"/>
+                <a:latin typeface="Arial" panose="02080604020202020204" pitchFamily="34" charset="0"/>
+                <a:ea typeface="宋体" pitchFamily="2" charset="-122"/>
               </a:defRPr>
             </a:lvl3pPr>
             <a:lvl4pPr eaLnBrk="0" hangingPunct="0">
@@ -15466,8 +15455,8 @@
                 <a:solidFill>
                   <a:schemeClr val="tx1"/>
                 </a:solidFill>
-                <a:latin typeface="Arial" panose="020B0604020202020204" pitchFamily="34" charset="0"/>
-                <a:ea typeface="宋体" panose="02010600030101010101" pitchFamily="2" charset="-122"/>
+                <a:latin typeface="Arial" panose="02080604020202020204" pitchFamily="34" charset="0"/>
+                <a:ea typeface="宋体" pitchFamily="2" charset="-122"/>
               </a:defRPr>
             </a:lvl4pPr>
             <a:lvl5pPr eaLnBrk="0" hangingPunct="0">
@@ -15475,8 +15464,8 @@
                 <a:solidFill>
                   <a:schemeClr val="tx1"/>
                 </a:solidFill>
-                <a:latin typeface="Arial" panose="020B0604020202020204" pitchFamily="34" charset="0"/>
-                <a:ea typeface="宋体" panose="02010600030101010101" pitchFamily="2" charset="-122"/>
+                <a:latin typeface="Arial" panose="02080604020202020204" pitchFamily="34" charset="0"/>
+                <a:ea typeface="宋体" pitchFamily="2" charset="-122"/>
               </a:defRPr>
             </a:lvl5pPr>
             <a:lvl6pPr eaLnBrk="0" fontAlgn="base" hangingPunct="0">
@@ -15486,13 +15475,13 @@
               <a:spcAft>
                 <a:spcPct val="0"/>
               </a:spcAft>
-              <a:buFont typeface="Arial" panose="020B0604020202020204" pitchFamily="34" charset="0"/>
+              <a:buFont typeface="Arial" panose="02080604020202020204" pitchFamily="34" charset="0"/>
               <a:defRPr>
                 <a:solidFill>
                   <a:schemeClr val="tx1"/>
                 </a:solidFill>
-                <a:latin typeface="Arial" panose="020B0604020202020204" pitchFamily="34" charset="0"/>
-                <a:ea typeface="宋体" panose="02010600030101010101" pitchFamily="2" charset="-122"/>
+                <a:latin typeface="Arial" panose="02080604020202020204" pitchFamily="34" charset="0"/>
+                <a:ea typeface="宋体" pitchFamily="2" charset="-122"/>
               </a:defRPr>
             </a:lvl6pPr>
             <a:lvl7pPr eaLnBrk="0" fontAlgn="base" hangingPunct="0">
@@ -15502,13 +15491,13 @@
               <a:spcAft>
                 <a:spcPct val="0"/>
               </a:spcAft>
-              <a:buFont typeface="Arial" panose="020B0604020202020204" pitchFamily="34" charset="0"/>
+              <a:buFont typeface="Arial" panose="02080604020202020204" pitchFamily="34" charset="0"/>
               <a:defRPr>
                 <a:solidFill>
                   <a:schemeClr val="tx1"/>
                 </a:solidFill>
-                <a:latin typeface="Arial" panose="020B0604020202020204" pitchFamily="34" charset="0"/>
-                <a:ea typeface="宋体" panose="02010600030101010101" pitchFamily="2" charset="-122"/>
+                <a:latin typeface="Arial" panose="02080604020202020204" pitchFamily="34" charset="0"/>
+                <a:ea typeface="宋体" pitchFamily="2" charset="-122"/>
               </a:defRPr>
             </a:lvl7pPr>
             <a:lvl8pPr eaLnBrk="0" fontAlgn="base" hangingPunct="0">
@@ -15518,13 +15507,13 @@
               <a:spcAft>
                 <a:spcPct val="0"/>
               </a:spcAft>
-              <a:buFont typeface="Arial" panose="020B0604020202020204" pitchFamily="34" charset="0"/>
+              <a:buFont typeface="Arial" panose="02080604020202020204" pitchFamily="34" charset="0"/>
               <a:defRPr>
                 <a:solidFill>
                   <a:schemeClr val="tx1"/>
                 </a:solidFill>
-                <a:latin typeface="Arial" panose="020B0604020202020204" pitchFamily="34" charset="0"/>
-                <a:ea typeface="宋体" panose="02010600030101010101" pitchFamily="2" charset="-122"/>
+                <a:latin typeface="Arial" panose="02080604020202020204" pitchFamily="34" charset="0"/>
+                <a:ea typeface="宋体" pitchFamily="2" charset="-122"/>
               </a:defRPr>
             </a:lvl8pPr>
             <a:lvl9pPr eaLnBrk="0" fontAlgn="base" hangingPunct="0">
@@ -15534,13 +15523,13 @@
               <a:spcAft>
                 <a:spcPct val="0"/>
               </a:spcAft>
-              <a:buFont typeface="Arial" panose="020B0604020202020204" pitchFamily="34" charset="0"/>
+              <a:buFont typeface="Arial" panose="02080604020202020204" pitchFamily="34" charset="0"/>
               <a:defRPr>
                 <a:solidFill>
                   <a:schemeClr val="tx1"/>
                 </a:solidFill>
-                <a:latin typeface="Arial" panose="020B0604020202020204" pitchFamily="34" charset="0"/>
-                <a:ea typeface="宋体" panose="02010600030101010101" pitchFamily="2" charset="-122"/>
+                <a:latin typeface="Arial" panose="02080604020202020204" pitchFamily="34" charset="0"/>
+                <a:ea typeface="宋体" pitchFamily="2" charset="-122"/>
               </a:defRPr>
             </a:lvl9pPr>
           </a:lstStyle>
@@ -15592,7 +15581,7 @@
       <p:sp>
         <p:nvSpPr>
           <p:cNvPr id="10" name="Text Box 9"/>
-          <p:cNvSpPr txBox="1"/>
+          <p:cNvSpPr txBox="true"/>
           <p:nvPr/>
         </p:nvSpPr>
         <p:spPr>
@@ -15634,7 +15623,7 @@
       <p:sp>
         <p:nvSpPr>
           <p:cNvPr id="11" name="Text Box 10"/>
-          <p:cNvSpPr txBox="1"/>
+          <p:cNvSpPr txBox="true"/>
           <p:nvPr/>
         </p:nvSpPr>
         <p:spPr>
@@ -15673,7 +15662,7 @@
       <p:sp>
         <p:nvSpPr>
           <p:cNvPr id="18" name="Text Box 17"/>
-          <p:cNvSpPr txBox="1"/>
+          <p:cNvSpPr txBox="true"/>
           <p:nvPr/>
         </p:nvSpPr>
         <p:spPr>
@@ -15703,7 +15692,7 @@
         <p:nvSpPr>
           <p:cNvPr id="4" name="圆角矩形 8"/>
           <p:cNvSpPr>
-            <a:spLocks noChangeArrowheads="1"/>
+            <a:spLocks noChangeArrowheads="true"/>
           </p:cNvSpPr>
           <p:nvPr/>
         </p:nvSpPr>
@@ -15735,8 +15724,8 @@
                 <a:solidFill>
                   <a:schemeClr val="tx1"/>
                 </a:solidFill>
-                <a:latin typeface="Arial" panose="020B0604020202020204" pitchFamily="34" charset="0"/>
-                <a:ea typeface="宋体" panose="02010600030101010101" pitchFamily="2" charset="-122"/>
+                <a:latin typeface="Arial" panose="02080604020202020204" pitchFamily="34" charset="0"/>
+                <a:ea typeface="宋体" pitchFamily="2" charset="-122"/>
               </a:defRPr>
             </a:lvl1pPr>
             <a:lvl2pPr eaLnBrk="0" hangingPunct="0">
@@ -15744,8 +15733,8 @@
                 <a:solidFill>
                   <a:schemeClr val="tx1"/>
                 </a:solidFill>
-                <a:latin typeface="Arial" panose="020B0604020202020204" pitchFamily="34" charset="0"/>
-                <a:ea typeface="宋体" panose="02010600030101010101" pitchFamily="2" charset="-122"/>
+                <a:latin typeface="Arial" panose="02080604020202020204" pitchFamily="34" charset="0"/>
+                <a:ea typeface="宋体" pitchFamily="2" charset="-122"/>
               </a:defRPr>
             </a:lvl2pPr>
             <a:lvl3pPr eaLnBrk="0" hangingPunct="0">
@@ -15753,8 +15742,8 @@
                 <a:solidFill>
                   <a:schemeClr val="tx1"/>
                 </a:solidFill>
-                <a:latin typeface="Arial" panose="020B0604020202020204" pitchFamily="34" charset="0"/>
-                <a:ea typeface="宋体" panose="02010600030101010101" pitchFamily="2" charset="-122"/>
+                <a:latin typeface="Arial" panose="02080604020202020204" pitchFamily="34" charset="0"/>
+                <a:ea typeface="宋体" pitchFamily="2" charset="-122"/>
               </a:defRPr>
             </a:lvl3pPr>
             <a:lvl4pPr eaLnBrk="0" hangingPunct="0">
@@ -15762,8 +15751,8 @@
                 <a:solidFill>
                   <a:schemeClr val="tx1"/>
                 </a:solidFill>
-                <a:latin typeface="Arial" panose="020B0604020202020204" pitchFamily="34" charset="0"/>
-                <a:ea typeface="宋体" panose="02010600030101010101" pitchFamily="2" charset="-122"/>
+                <a:latin typeface="Arial" panose="02080604020202020204" pitchFamily="34" charset="0"/>
+                <a:ea typeface="宋体" pitchFamily="2" charset="-122"/>
               </a:defRPr>
             </a:lvl4pPr>
             <a:lvl5pPr eaLnBrk="0" hangingPunct="0">
@@ -15771,8 +15760,8 @@
                 <a:solidFill>
                   <a:schemeClr val="tx1"/>
                 </a:solidFill>
-                <a:latin typeface="Arial" panose="020B0604020202020204" pitchFamily="34" charset="0"/>
-                <a:ea typeface="宋体" panose="02010600030101010101" pitchFamily="2" charset="-122"/>
+                <a:latin typeface="Arial" panose="02080604020202020204" pitchFamily="34" charset="0"/>
+                <a:ea typeface="宋体" pitchFamily="2" charset="-122"/>
               </a:defRPr>
             </a:lvl5pPr>
             <a:lvl6pPr eaLnBrk="0" fontAlgn="base" hangingPunct="0">
@@ -15782,13 +15771,13 @@
               <a:spcAft>
                 <a:spcPct val="0"/>
               </a:spcAft>
-              <a:buFont typeface="Arial" panose="020B0604020202020204" pitchFamily="34" charset="0"/>
+              <a:buFont typeface="Arial" panose="02080604020202020204" pitchFamily="34" charset="0"/>
               <a:defRPr>
                 <a:solidFill>
                   <a:schemeClr val="tx1"/>
                 </a:solidFill>
-                <a:latin typeface="Arial" panose="020B0604020202020204" pitchFamily="34" charset="0"/>
-                <a:ea typeface="宋体" panose="02010600030101010101" pitchFamily="2" charset="-122"/>
+                <a:latin typeface="Arial" panose="02080604020202020204" pitchFamily="34" charset="0"/>
+                <a:ea typeface="宋体" pitchFamily="2" charset="-122"/>
               </a:defRPr>
             </a:lvl6pPr>
             <a:lvl7pPr eaLnBrk="0" fontAlgn="base" hangingPunct="0">
@@ -15798,13 +15787,13 @@
               <a:spcAft>
                 <a:spcPct val="0"/>
               </a:spcAft>
-              <a:buFont typeface="Arial" panose="020B0604020202020204" pitchFamily="34" charset="0"/>
+              <a:buFont typeface="Arial" panose="02080604020202020204" pitchFamily="34" charset="0"/>
               <a:defRPr>
                 <a:solidFill>
                   <a:schemeClr val="tx1"/>
                 </a:solidFill>
-                <a:latin typeface="Arial" panose="020B0604020202020204" pitchFamily="34" charset="0"/>
-                <a:ea typeface="宋体" panose="02010600030101010101" pitchFamily="2" charset="-122"/>
+                <a:latin typeface="Arial" panose="02080604020202020204" pitchFamily="34" charset="0"/>
+                <a:ea typeface="宋体" pitchFamily="2" charset="-122"/>
               </a:defRPr>
             </a:lvl7pPr>
             <a:lvl8pPr eaLnBrk="0" fontAlgn="base" hangingPunct="0">
@@ -15814,13 +15803,13 @@
               <a:spcAft>
                 <a:spcPct val="0"/>
               </a:spcAft>
-              <a:buFont typeface="Arial" panose="020B0604020202020204" pitchFamily="34" charset="0"/>
+              <a:buFont typeface="Arial" panose="02080604020202020204" pitchFamily="34" charset="0"/>
               <a:defRPr>
                 <a:solidFill>
                   <a:schemeClr val="tx1"/>
                 </a:solidFill>
-                <a:latin typeface="Arial" panose="020B0604020202020204" pitchFamily="34" charset="0"/>
-                <a:ea typeface="宋体" panose="02010600030101010101" pitchFamily="2" charset="-122"/>
+                <a:latin typeface="Arial" panose="02080604020202020204" pitchFamily="34" charset="0"/>
+                <a:ea typeface="宋体" pitchFamily="2" charset="-122"/>
               </a:defRPr>
             </a:lvl8pPr>
             <a:lvl9pPr eaLnBrk="0" fontAlgn="base" hangingPunct="0">
@@ -15830,13 +15819,13 @@
               <a:spcAft>
                 <a:spcPct val="0"/>
               </a:spcAft>
-              <a:buFont typeface="Arial" panose="020B0604020202020204" pitchFamily="34" charset="0"/>
+              <a:buFont typeface="Arial" panose="02080604020202020204" pitchFamily="34" charset="0"/>
               <a:defRPr>
                 <a:solidFill>
                   <a:schemeClr val="tx1"/>
                 </a:solidFill>
-                <a:latin typeface="Arial" panose="020B0604020202020204" pitchFamily="34" charset="0"/>
-                <a:ea typeface="宋体" panose="02010600030101010101" pitchFamily="2" charset="-122"/>
+                <a:latin typeface="Arial" panose="02080604020202020204" pitchFamily="34" charset="0"/>
+                <a:ea typeface="宋体" pitchFamily="2" charset="-122"/>
               </a:defRPr>
             </a:lvl9pPr>
           </a:lstStyle>
@@ -15888,7 +15877,7 @@
       <p:sp>
         <p:nvSpPr>
           <p:cNvPr id="7" name="Text Box 6"/>
-          <p:cNvSpPr txBox="1"/>
+          <p:cNvSpPr txBox="true"/>
           <p:nvPr/>
         </p:nvSpPr>
         <p:spPr>
@@ -15930,7 +15919,7 @@
       <p:sp>
         <p:nvSpPr>
           <p:cNvPr id="12" name="Text Box 11"/>
-          <p:cNvSpPr txBox="1"/>
+          <p:cNvSpPr txBox="true"/>
           <p:nvPr/>
         </p:nvSpPr>
         <p:spPr>
@@ -15969,7 +15958,7 @@
       <p:sp>
         <p:nvSpPr>
           <p:cNvPr id="13" name="Text Box 12"/>
-          <p:cNvSpPr txBox="1"/>
+          <p:cNvSpPr txBox="true"/>
           <p:nvPr/>
         </p:nvSpPr>
         <p:spPr>
@@ -15999,7 +15988,7 @@
         <p:nvSpPr>
           <p:cNvPr id="14" name="圆角矩形 8"/>
           <p:cNvSpPr>
-            <a:spLocks noChangeArrowheads="1"/>
+            <a:spLocks noChangeArrowheads="true"/>
           </p:cNvSpPr>
           <p:nvPr/>
         </p:nvSpPr>
@@ -16031,8 +16020,8 @@
                 <a:solidFill>
                   <a:schemeClr val="tx1"/>
                 </a:solidFill>
-                <a:latin typeface="Arial" panose="020B0604020202020204" pitchFamily="34" charset="0"/>
-                <a:ea typeface="宋体" panose="02010600030101010101" pitchFamily="2" charset="-122"/>
+                <a:latin typeface="Arial" panose="02080604020202020204" pitchFamily="34" charset="0"/>
+                <a:ea typeface="宋体" pitchFamily="2" charset="-122"/>
               </a:defRPr>
             </a:lvl1pPr>
             <a:lvl2pPr eaLnBrk="0" hangingPunct="0">
@@ -16040,8 +16029,8 @@
                 <a:solidFill>
                   <a:schemeClr val="tx1"/>
                 </a:solidFill>
-                <a:latin typeface="Arial" panose="020B0604020202020204" pitchFamily="34" charset="0"/>
-                <a:ea typeface="宋体" panose="02010600030101010101" pitchFamily="2" charset="-122"/>
+                <a:latin typeface="Arial" panose="02080604020202020204" pitchFamily="34" charset="0"/>
+                <a:ea typeface="宋体" pitchFamily="2" charset="-122"/>
               </a:defRPr>
             </a:lvl2pPr>
             <a:lvl3pPr eaLnBrk="0" hangingPunct="0">
@@ -16049,8 +16038,8 @@
                 <a:solidFill>
                   <a:schemeClr val="tx1"/>
                 </a:solidFill>
-                <a:latin typeface="Arial" panose="020B0604020202020204" pitchFamily="34" charset="0"/>
-                <a:ea typeface="宋体" panose="02010600030101010101" pitchFamily="2" charset="-122"/>
+                <a:latin typeface="Arial" panose="02080604020202020204" pitchFamily="34" charset="0"/>
+                <a:ea typeface="宋体" pitchFamily="2" charset="-122"/>
               </a:defRPr>
             </a:lvl3pPr>
             <a:lvl4pPr eaLnBrk="0" hangingPunct="0">
@@ -16058,8 +16047,8 @@
                 <a:solidFill>
                   <a:schemeClr val="tx1"/>
                 </a:solidFill>
-                <a:latin typeface="Arial" panose="020B0604020202020204" pitchFamily="34" charset="0"/>
-                <a:ea typeface="宋体" panose="02010600030101010101" pitchFamily="2" charset="-122"/>
+                <a:latin typeface="Arial" panose="02080604020202020204" pitchFamily="34" charset="0"/>
+                <a:ea typeface="宋体" pitchFamily="2" charset="-122"/>
               </a:defRPr>
             </a:lvl4pPr>
             <a:lvl5pPr eaLnBrk="0" hangingPunct="0">
@@ -16067,8 +16056,8 @@
                 <a:solidFill>
                   <a:schemeClr val="tx1"/>
                 </a:solidFill>
-                <a:latin typeface="Arial" panose="020B0604020202020204" pitchFamily="34" charset="0"/>
-                <a:ea typeface="宋体" panose="02010600030101010101" pitchFamily="2" charset="-122"/>
+                <a:latin typeface="Arial" panose="02080604020202020204" pitchFamily="34" charset="0"/>
+                <a:ea typeface="宋体" pitchFamily="2" charset="-122"/>
               </a:defRPr>
             </a:lvl5pPr>
             <a:lvl6pPr eaLnBrk="0" fontAlgn="base" hangingPunct="0">
@@ -16078,13 +16067,13 @@
               <a:spcAft>
                 <a:spcPct val="0"/>
               </a:spcAft>
-              <a:buFont typeface="Arial" panose="020B0604020202020204" pitchFamily="34" charset="0"/>
+              <a:buFont typeface="Arial" panose="02080604020202020204" pitchFamily="34" charset="0"/>
               <a:defRPr>
                 <a:solidFill>
                   <a:schemeClr val="tx1"/>
                 </a:solidFill>
-                <a:latin typeface="Arial" panose="020B0604020202020204" pitchFamily="34" charset="0"/>
-                <a:ea typeface="宋体" panose="02010600030101010101" pitchFamily="2" charset="-122"/>
+                <a:latin typeface="Arial" panose="02080604020202020204" pitchFamily="34" charset="0"/>
+                <a:ea typeface="宋体" pitchFamily="2" charset="-122"/>
               </a:defRPr>
             </a:lvl6pPr>
             <a:lvl7pPr eaLnBrk="0" fontAlgn="base" hangingPunct="0">
@@ -16094,13 +16083,13 @@
               <a:spcAft>
                 <a:spcPct val="0"/>
               </a:spcAft>
-              <a:buFont typeface="Arial" panose="020B0604020202020204" pitchFamily="34" charset="0"/>
+              <a:buFont typeface="Arial" panose="02080604020202020204" pitchFamily="34" charset="0"/>
               <a:defRPr>
                 <a:solidFill>
                   <a:schemeClr val="tx1"/>
                 </a:solidFill>
-                <a:latin typeface="Arial" panose="020B0604020202020204" pitchFamily="34" charset="0"/>
-                <a:ea typeface="宋体" panose="02010600030101010101" pitchFamily="2" charset="-122"/>
+                <a:latin typeface="Arial" panose="02080604020202020204" pitchFamily="34" charset="0"/>
+                <a:ea typeface="宋体" pitchFamily="2" charset="-122"/>
               </a:defRPr>
             </a:lvl7pPr>
             <a:lvl8pPr eaLnBrk="0" fontAlgn="base" hangingPunct="0">
@@ -16110,13 +16099,13 @@
               <a:spcAft>
                 <a:spcPct val="0"/>
               </a:spcAft>
-              <a:buFont typeface="Arial" panose="020B0604020202020204" pitchFamily="34" charset="0"/>
+              <a:buFont typeface="Arial" panose="02080604020202020204" pitchFamily="34" charset="0"/>
               <a:defRPr>
                 <a:solidFill>
                   <a:schemeClr val="tx1"/>
                 </a:solidFill>
-                <a:latin typeface="Arial" panose="020B0604020202020204" pitchFamily="34" charset="0"/>
-                <a:ea typeface="宋体" panose="02010600030101010101" pitchFamily="2" charset="-122"/>
+                <a:latin typeface="Arial" panose="02080604020202020204" pitchFamily="34" charset="0"/>
+                <a:ea typeface="宋体" pitchFamily="2" charset="-122"/>
               </a:defRPr>
             </a:lvl8pPr>
             <a:lvl9pPr eaLnBrk="0" fontAlgn="base" hangingPunct="0">
@@ -16126,13 +16115,13 @@
               <a:spcAft>
                 <a:spcPct val="0"/>
               </a:spcAft>
-              <a:buFont typeface="Arial" panose="020B0604020202020204" pitchFamily="34" charset="0"/>
+              <a:buFont typeface="Arial" panose="02080604020202020204" pitchFamily="34" charset="0"/>
               <a:defRPr>
                 <a:solidFill>
                   <a:schemeClr val="tx1"/>
                 </a:solidFill>
-                <a:latin typeface="Arial" panose="020B0604020202020204" pitchFamily="34" charset="0"/>
-                <a:ea typeface="宋体" panose="02010600030101010101" pitchFamily="2" charset="-122"/>
+                <a:latin typeface="Arial" panose="02080604020202020204" pitchFamily="34" charset="0"/>
+                <a:ea typeface="宋体" pitchFamily="2" charset="-122"/>
               </a:defRPr>
             </a:lvl9pPr>
           </a:lstStyle>
@@ -16184,7 +16173,7 @@
       <p:sp>
         <p:nvSpPr>
           <p:cNvPr id="16" name="Text Box 15"/>
-          <p:cNvSpPr txBox="1"/>
+          <p:cNvSpPr txBox="true"/>
           <p:nvPr/>
         </p:nvSpPr>
         <p:spPr>
@@ -16226,7 +16215,7 @@
       <p:sp>
         <p:nvSpPr>
           <p:cNvPr id="17" name="Text Box 16"/>
-          <p:cNvSpPr txBox="1"/>
+          <p:cNvSpPr txBox="true"/>
           <p:nvPr/>
         </p:nvSpPr>
         <p:spPr>
@@ -16265,7 +16254,7 @@
       <p:sp>
         <p:nvSpPr>
           <p:cNvPr id="19" name="Text Box 18"/>
-          <p:cNvSpPr txBox="1"/>
+          <p:cNvSpPr txBox="true"/>
           <p:nvPr/>
         </p:nvSpPr>
         <p:spPr>
@@ -16295,7 +16284,7 @@
         <p:nvSpPr>
           <p:cNvPr id="35" name="圆角矩形 8"/>
           <p:cNvSpPr>
-            <a:spLocks noChangeArrowheads="1"/>
+            <a:spLocks noChangeArrowheads="true"/>
           </p:cNvSpPr>
           <p:nvPr/>
         </p:nvSpPr>
@@ -16327,8 +16316,8 @@
                 <a:solidFill>
                   <a:schemeClr val="tx1"/>
                 </a:solidFill>
-                <a:latin typeface="Arial" panose="020B0604020202020204" pitchFamily="34" charset="0"/>
-                <a:ea typeface="宋体" panose="02010600030101010101" pitchFamily="2" charset="-122"/>
+                <a:latin typeface="Arial" panose="02080604020202020204" pitchFamily="34" charset="0"/>
+                <a:ea typeface="宋体" pitchFamily="2" charset="-122"/>
               </a:defRPr>
             </a:lvl1pPr>
             <a:lvl2pPr eaLnBrk="0" hangingPunct="0">
@@ -16336,8 +16325,8 @@
                 <a:solidFill>
                   <a:schemeClr val="tx1"/>
                 </a:solidFill>
-                <a:latin typeface="Arial" panose="020B0604020202020204" pitchFamily="34" charset="0"/>
-                <a:ea typeface="宋体" panose="02010600030101010101" pitchFamily="2" charset="-122"/>
+                <a:latin typeface="Arial" panose="02080604020202020204" pitchFamily="34" charset="0"/>
+                <a:ea typeface="宋体" pitchFamily="2" charset="-122"/>
               </a:defRPr>
             </a:lvl2pPr>
             <a:lvl3pPr eaLnBrk="0" hangingPunct="0">
@@ -16345,8 +16334,8 @@
                 <a:solidFill>
                   <a:schemeClr val="tx1"/>
                 </a:solidFill>
-                <a:latin typeface="Arial" panose="020B0604020202020204" pitchFamily="34" charset="0"/>
-                <a:ea typeface="宋体" panose="02010600030101010101" pitchFamily="2" charset="-122"/>
+                <a:latin typeface="Arial" panose="02080604020202020204" pitchFamily="34" charset="0"/>
+                <a:ea typeface="宋体" pitchFamily="2" charset="-122"/>
               </a:defRPr>
             </a:lvl3pPr>
             <a:lvl4pPr eaLnBrk="0" hangingPunct="0">
@@ -16354,8 +16343,8 @@
                 <a:solidFill>
                   <a:schemeClr val="tx1"/>
                 </a:solidFill>
-                <a:latin typeface="Arial" panose="020B0604020202020204" pitchFamily="34" charset="0"/>
-                <a:ea typeface="宋体" panose="02010600030101010101" pitchFamily="2" charset="-122"/>
+                <a:latin typeface="Arial" panose="02080604020202020204" pitchFamily="34" charset="0"/>
+                <a:ea typeface="宋体" pitchFamily="2" charset="-122"/>
               </a:defRPr>
             </a:lvl4pPr>
             <a:lvl5pPr eaLnBrk="0" hangingPunct="0">
@@ -16363,8 +16352,8 @@
                 <a:solidFill>
                   <a:schemeClr val="tx1"/>
                 </a:solidFill>
-                <a:latin typeface="Arial" panose="020B0604020202020204" pitchFamily="34" charset="0"/>
-                <a:ea typeface="宋体" panose="02010600030101010101" pitchFamily="2" charset="-122"/>
+                <a:latin typeface="Arial" panose="02080604020202020204" pitchFamily="34" charset="0"/>
+                <a:ea typeface="宋体" pitchFamily="2" charset="-122"/>
               </a:defRPr>
             </a:lvl5pPr>
             <a:lvl6pPr eaLnBrk="0" fontAlgn="base" hangingPunct="0">
@@ -16374,13 +16363,13 @@
               <a:spcAft>
                 <a:spcPct val="0"/>
               </a:spcAft>
-              <a:buFont typeface="Arial" panose="020B0604020202020204" pitchFamily="34" charset="0"/>
+              <a:buFont typeface="Arial" panose="02080604020202020204" pitchFamily="34" charset="0"/>
               <a:defRPr>
                 <a:solidFill>
                   <a:schemeClr val="tx1"/>
                 </a:solidFill>
-                <a:latin typeface="Arial" panose="020B0604020202020204" pitchFamily="34" charset="0"/>
-                <a:ea typeface="宋体" panose="02010600030101010101" pitchFamily="2" charset="-122"/>
+                <a:latin typeface="Arial" panose="02080604020202020204" pitchFamily="34" charset="0"/>
+                <a:ea typeface="宋体" pitchFamily="2" charset="-122"/>
               </a:defRPr>
             </a:lvl6pPr>
             <a:lvl7pPr eaLnBrk="0" fontAlgn="base" hangingPunct="0">
@@ -16390,13 +16379,13 @@
               <a:spcAft>
                 <a:spcPct val="0"/>
               </a:spcAft>
-              <a:buFont typeface="Arial" panose="020B0604020202020204" pitchFamily="34" charset="0"/>
+              <a:buFont typeface="Arial" panose="02080604020202020204" pitchFamily="34" charset="0"/>
               <a:defRPr>
                 <a:solidFill>
                   <a:schemeClr val="tx1"/>
                 </a:solidFill>
-                <a:latin typeface="Arial" panose="020B0604020202020204" pitchFamily="34" charset="0"/>
-                <a:ea typeface="宋体" panose="02010600030101010101" pitchFamily="2" charset="-122"/>
+                <a:latin typeface="Arial" panose="02080604020202020204" pitchFamily="34" charset="0"/>
+                <a:ea typeface="宋体" pitchFamily="2" charset="-122"/>
               </a:defRPr>
             </a:lvl7pPr>
             <a:lvl8pPr eaLnBrk="0" fontAlgn="base" hangingPunct="0">
@@ -16406,13 +16395,13 @@
               <a:spcAft>
                 <a:spcPct val="0"/>
               </a:spcAft>
-              <a:buFont typeface="Arial" panose="020B0604020202020204" pitchFamily="34" charset="0"/>
+              <a:buFont typeface="Arial" panose="02080604020202020204" pitchFamily="34" charset="0"/>
               <a:defRPr>
                 <a:solidFill>
                   <a:schemeClr val="tx1"/>
                 </a:solidFill>
-                <a:latin typeface="Arial" panose="020B0604020202020204" pitchFamily="34" charset="0"/>
-                <a:ea typeface="宋体" panose="02010600030101010101" pitchFamily="2" charset="-122"/>
+                <a:latin typeface="Arial" panose="02080604020202020204" pitchFamily="34" charset="0"/>
+                <a:ea typeface="宋体" pitchFamily="2" charset="-122"/>
               </a:defRPr>
             </a:lvl8pPr>
             <a:lvl9pPr eaLnBrk="0" fontAlgn="base" hangingPunct="0">
@@ -16422,13 +16411,13 @@
               <a:spcAft>
                 <a:spcPct val="0"/>
               </a:spcAft>
-              <a:buFont typeface="Arial" panose="020B0604020202020204" pitchFamily="34" charset="0"/>
+              <a:buFont typeface="Arial" panose="02080604020202020204" pitchFamily="34" charset="0"/>
               <a:defRPr>
                 <a:solidFill>
                   <a:schemeClr val="tx1"/>
                 </a:solidFill>
-                <a:latin typeface="Arial" panose="020B0604020202020204" pitchFamily="34" charset="0"/>
-                <a:ea typeface="宋体" panose="02010600030101010101" pitchFamily="2" charset="-122"/>
+                <a:latin typeface="Arial" panose="02080604020202020204" pitchFamily="34" charset="0"/>
+                <a:ea typeface="宋体" pitchFamily="2" charset="-122"/>
               </a:defRPr>
             </a:lvl9pPr>
           </a:lstStyle>
@@ -16480,7 +16469,7 @@
       <p:sp>
         <p:nvSpPr>
           <p:cNvPr id="37" name="Text Box 36"/>
-          <p:cNvSpPr txBox="1"/>
+          <p:cNvSpPr txBox="true"/>
           <p:nvPr/>
         </p:nvSpPr>
         <p:spPr>
@@ -16522,7 +16511,7 @@
       <p:sp>
         <p:nvSpPr>
           <p:cNvPr id="38" name="Text Box 37"/>
-          <p:cNvSpPr txBox="1"/>
+          <p:cNvSpPr txBox="true"/>
           <p:nvPr/>
         </p:nvSpPr>
         <p:spPr>
@@ -16561,7 +16550,7 @@
       <p:sp>
         <p:nvSpPr>
           <p:cNvPr id="39" name="Text Box 38"/>
-          <p:cNvSpPr txBox="1"/>
+          <p:cNvSpPr txBox="true"/>
           <p:nvPr/>
         </p:nvSpPr>
         <p:spPr>
@@ -16631,7 +16620,7 @@
         <p:nvPicPr>
           <p:cNvPr id="2" name="图片 3"/>
           <p:cNvPicPr>
-            <a:picLocks noChangeAspect="1"/>
+            <a:picLocks noChangeAspect="true"/>
           </p:cNvPicPr>
           <p:nvPr/>
         </p:nvPicPr>
@@ -16639,7 +16628,7 @@
           <a:blip r:embed="rId1" cstate="print">
             <a:extLst>
               <a:ext uri="{28A0092B-C50C-407E-A947-70E740481C1C}">
-                <a14:useLocalDpi xmlns:a14="http://schemas.microsoft.com/office/drawing/2010/main" val="0"/>
+                <a14:useLocalDpi xmlns:a14="http://schemas.microsoft.com/office/drawing/2010/main" val="false"/>
               </a:ext>
             </a:extLst>
           </a:blip>
@@ -16660,7 +16649,7 @@
       <p:sp>
         <p:nvSpPr>
           <p:cNvPr id="3" name="Text Box 2"/>
-          <p:cNvSpPr txBox="1"/>
+          <p:cNvSpPr txBox="true"/>
           <p:nvPr/>
         </p:nvSpPr>
         <p:spPr>
@@ -16743,7 +16732,7 @@
       <p:sp>
         <p:nvSpPr>
           <p:cNvPr id="6" name="Text Box 5"/>
-          <p:cNvSpPr txBox="1"/>
+          <p:cNvSpPr txBox="true"/>
           <p:nvPr/>
         </p:nvSpPr>
         <p:spPr>
@@ -16774,7 +16763,7 @@
       <p:sp>
         <p:nvSpPr>
           <p:cNvPr id="20" name="Text Box 19"/>
-          <p:cNvSpPr txBox="1"/>
+          <p:cNvSpPr txBox="true"/>
           <p:nvPr/>
         </p:nvSpPr>
         <p:spPr>
@@ -16807,7 +16796,7 @@
       <p:sp>
         <p:nvSpPr>
           <p:cNvPr id="21" name="Text Box 20"/>
-          <p:cNvSpPr txBox="1"/>
+          <p:cNvSpPr txBox="true"/>
           <p:nvPr/>
         </p:nvSpPr>
         <p:spPr>
@@ -16881,7 +16870,7 @@
         <p:nvPicPr>
           <p:cNvPr id="2" name="图片 3"/>
           <p:cNvPicPr>
-            <a:picLocks noChangeAspect="1"/>
+            <a:picLocks noChangeAspect="true"/>
           </p:cNvPicPr>
           <p:nvPr/>
         </p:nvPicPr>
@@ -16889,7 +16878,7 @@
           <a:blip r:embed="rId1" cstate="print">
             <a:extLst>
               <a:ext uri="{28A0092B-C50C-407E-A947-70E740481C1C}">
-                <a14:useLocalDpi xmlns:a14="http://schemas.microsoft.com/office/drawing/2010/main" val="0"/>
+                <a14:useLocalDpi xmlns:a14="http://schemas.microsoft.com/office/drawing/2010/main" val="false"/>
               </a:ext>
             </a:extLst>
           </a:blip>
@@ -16939,7 +16928,7 @@
           </a:fontRef>
         </p:style>
         <p:txBody>
-          <a:bodyPr rot="0" spcFirstLastPara="0" vertOverflow="overflow" horzOverflow="overflow" vert="horz" wrap="square" lIns="91440" tIns="45720" rIns="91440" bIns="45720" numCol="1" spcCol="0" rtlCol="0" fromWordArt="0" anchor="ctr" anchorCtr="0" forceAA="0" compatLnSpc="1">
+          <a:bodyPr rot="0" spcFirstLastPara="0" vertOverflow="overflow" horzOverflow="overflow" vert="horz" wrap="square" lIns="91440" tIns="45720" rIns="91440" bIns="45720" numCol="1" spcCol="0" rtlCol="0" fromWordArt="false" anchor="ctr" anchorCtr="false" forceAA="false" compatLnSpc="true">
             <a:noAutofit/>
           </a:bodyPr>
           <a:p>
@@ -17490,7 +17479,7 @@
       <p:sp>
         <p:nvSpPr>
           <p:cNvPr id="4" name="Text Box 3"/>
-          <p:cNvSpPr txBox="1"/>
+          <p:cNvSpPr txBox="true"/>
           <p:nvPr/>
         </p:nvSpPr>
         <p:spPr>
@@ -17607,7 +17596,7 @@
         <p:nvSpPr>
           <p:cNvPr id="2" name="Title 1"/>
           <p:cNvSpPr>
-            <a:spLocks noGrp="1"/>
+            <a:spLocks noGrp="true"/>
           </p:cNvSpPr>
           <p:nvPr>
             <p:ph type="title"/>
@@ -17624,7 +17613,7 @@
       <p:sp>
         <p:nvSpPr>
           <p:cNvPr id="4" name="Text Box 3"/>
-          <p:cNvSpPr txBox="1"/>
+          <p:cNvSpPr txBox="true"/>
           <p:nvPr/>
         </p:nvSpPr>
         <p:spPr>
@@ -17761,7 +17750,7 @@
         <p:nvPicPr>
           <p:cNvPr id="7" name="图片 3"/>
           <p:cNvPicPr>
-            <a:picLocks noChangeAspect="1"/>
+            <a:picLocks noChangeAspect="true"/>
           </p:cNvPicPr>
           <p:nvPr>
             <p:ph idx="1"/>
@@ -17771,7 +17760,7 @@
           <a:blip r:embed="rId1" cstate="print">
             <a:extLst>
               <a:ext uri="{28A0092B-C50C-407E-A947-70E740481C1C}">
-                <a14:useLocalDpi xmlns:a14="http://schemas.microsoft.com/office/drawing/2010/main" val="0"/>
+                <a14:useLocalDpi xmlns:a14="http://schemas.microsoft.com/office/drawing/2010/main" val="false"/>
               </a:ext>
             </a:extLst>
           </a:blip>
@@ -17826,7 +17815,7 @@
         <p:nvPicPr>
           <p:cNvPr id="4" name="图片 3"/>
           <p:cNvPicPr>
-            <a:picLocks noChangeAspect="1"/>
+            <a:picLocks noChangeAspect="true"/>
           </p:cNvPicPr>
           <p:nvPr/>
         </p:nvPicPr>
@@ -17834,7 +17823,7 @@
           <a:blip r:embed="rId1" cstate="print">
             <a:extLst>
               <a:ext uri="{28A0092B-C50C-407E-A947-70E740481C1C}">
-                <a14:useLocalDpi xmlns:a14="http://schemas.microsoft.com/office/drawing/2010/main" val="0"/>
+                <a14:useLocalDpi xmlns:a14="http://schemas.microsoft.com/office/drawing/2010/main" val="false"/>
               </a:ext>
             </a:extLst>
           </a:blip>
@@ -17855,7 +17844,7 @@
       <p:sp>
         <p:nvSpPr>
           <p:cNvPr id="2" name="Text Box 1"/>
-          <p:cNvSpPr txBox="1"/>
+          <p:cNvSpPr txBox="true"/>
           <p:nvPr/>
         </p:nvSpPr>
         <p:spPr>
@@ -17887,7 +17876,7 @@
       <p:sp>
         <p:nvSpPr>
           <p:cNvPr id="6" name="Text Box 5"/>
-          <p:cNvSpPr txBox="1"/>
+          <p:cNvSpPr txBox="true"/>
           <p:nvPr/>
         </p:nvSpPr>
         <p:spPr>
@@ -17970,7 +17959,7 @@
       <p:sp>
         <p:nvSpPr>
           <p:cNvPr id="23" name="Text Box 22"/>
-          <p:cNvSpPr txBox="1"/>
+          <p:cNvSpPr txBox="true"/>
           <p:nvPr/>
         </p:nvSpPr>
         <p:spPr>
@@ -18083,7 +18072,7 @@
       <p:sp>
         <p:nvSpPr>
           <p:cNvPr id="8" name="Text Box 7"/>
-          <p:cNvSpPr txBox="1"/>
+          <p:cNvSpPr txBox="true"/>
           <p:nvPr/>
         </p:nvSpPr>
         <p:spPr>
@@ -18217,7 +18206,7 @@
       <p:sp>
         <p:nvSpPr>
           <p:cNvPr id="11" name="Text Box 10"/>
-          <p:cNvSpPr txBox="1"/>
+          <p:cNvSpPr txBox="true"/>
           <p:nvPr/>
         </p:nvSpPr>
         <p:spPr>
@@ -18351,7 +18340,7 @@
       <p:sp>
         <p:nvSpPr>
           <p:cNvPr id="14" name="Text Box 13"/>
-          <p:cNvSpPr txBox="1"/>
+          <p:cNvSpPr txBox="true"/>
           <p:nvPr/>
         </p:nvSpPr>
         <p:spPr>
@@ -18472,7 +18461,7 @@
         <p:nvPicPr>
           <p:cNvPr id="4" name="图片 3"/>
           <p:cNvPicPr>
-            <a:picLocks noChangeAspect="1"/>
+            <a:picLocks noChangeAspect="true"/>
           </p:cNvPicPr>
           <p:nvPr/>
         </p:nvPicPr>
@@ -18480,7 +18469,7 @@
           <a:blip r:embed="rId1" cstate="print">
             <a:extLst>
               <a:ext uri="{28A0092B-C50C-407E-A947-70E740481C1C}">
-                <a14:useLocalDpi xmlns:a14="http://schemas.microsoft.com/office/drawing/2010/main" val="0"/>
+                <a14:useLocalDpi xmlns:a14="http://schemas.microsoft.com/office/drawing/2010/main" val="false"/>
               </a:ext>
             </a:extLst>
           </a:blip>
@@ -18501,7 +18490,7 @@
       <p:sp>
         <p:nvSpPr>
           <p:cNvPr id="2" name="Text Box 1"/>
-          <p:cNvSpPr txBox="1"/>
+          <p:cNvSpPr txBox="true"/>
           <p:nvPr/>
         </p:nvSpPr>
         <p:spPr>
@@ -18533,7 +18522,7 @@
       <p:sp>
         <p:nvSpPr>
           <p:cNvPr id="6" name="Text Box 5"/>
-          <p:cNvSpPr txBox="1"/>
+          <p:cNvSpPr txBox="true"/>
           <p:nvPr/>
         </p:nvSpPr>
         <p:spPr>
@@ -18616,7 +18605,7 @@
       <p:sp>
         <p:nvSpPr>
           <p:cNvPr id="8" name="Text Box 7"/>
-          <p:cNvSpPr txBox="1"/>
+          <p:cNvSpPr txBox="true"/>
           <p:nvPr/>
         </p:nvSpPr>
         <p:spPr>
@@ -18645,7 +18634,7 @@
       <p:sp>
         <p:nvSpPr>
           <p:cNvPr id="11" name="Text Box 10"/>
-          <p:cNvSpPr txBox="1"/>
+          <p:cNvSpPr txBox="true"/>
           <p:nvPr/>
         </p:nvSpPr>
         <p:spPr>
@@ -18678,7 +18667,7 @@
       <p:sp>
         <p:nvSpPr>
           <p:cNvPr id="3" name="Text Box 2"/>
-          <p:cNvSpPr txBox="1"/>
+          <p:cNvSpPr txBox="true"/>
           <p:nvPr/>
         </p:nvSpPr>
         <p:spPr>
@@ -18715,7 +18704,7 @@
       <p:sp>
         <p:nvSpPr>
           <p:cNvPr id="5" name="Text Box 4"/>
-          <p:cNvSpPr txBox="1"/>
+          <p:cNvSpPr txBox="true"/>
           <p:nvPr/>
         </p:nvSpPr>
         <p:spPr>
@@ -18752,7 +18741,7 @@
       <p:sp>
         <p:nvSpPr>
           <p:cNvPr id="17" name="Text Box 16"/>
-          <p:cNvSpPr txBox="1"/>
+          <p:cNvSpPr txBox="true"/>
           <p:nvPr/>
         </p:nvSpPr>
         <p:spPr>
@@ -18835,7 +18824,7 @@
       <p:sp>
         <p:nvSpPr>
           <p:cNvPr id="18" name="Text Box 17"/>
-          <p:cNvSpPr txBox="1"/>
+          <p:cNvSpPr txBox="true"/>
           <p:nvPr/>
         </p:nvSpPr>
         <p:spPr>
@@ -18986,7 +18975,7 @@
         <p:nvSpPr>
           <p:cNvPr id="2" name="Title 1"/>
           <p:cNvSpPr>
-            <a:spLocks noGrp="1"/>
+            <a:spLocks noGrp="true"/>
           </p:cNvSpPr>
           <p:nvPr>
             <p:ph type="title"/>
@@ -19004,7 +18993,7 @@
         <p:nvPicPr>
           <p:cNvPr id="4" name="Content Placeholder 3"/>
           <p:cNvPicPr>
-            <a:picLocks noChangeAspect="1"/>
+            <a:picLocks noChangeAspect="true"/>
           </p:cNvPicPr>
           <p:nvPr>
             <p:ph idx="1"/>
@@ -19029,7 +19018,7 @@
       <p:sp>
         <p:nvSpPr>
           <p:cNvPr id="5" name="Text Box 4"/>
-          <p:cNvSpPr txBox="1"/>
+          <p:cNvSpPr txBox="true"/>
           <p:nvPr/>
         </p:nvSpPr>
         <p:spPr>
@@ -19063,7 +19052,7 @@
         <p:nvPicPr>
           <p:cNvPr id="6" name="Picture 5"/>
           <p:cNvPicPr>
-            <a:picLocks noChangeAspect="1"/>
+            <a:picLocks noChangeAspect="true"/>
           </p:cNvPicPr>
           <p:nvPr/>
         </p:nvPicPr>
@@ -19087,7 +19076,7 @@
         <p:nvPicPr>
           <p:cNvPr id="7" name="图片 3"/>
           <p:cNvPicPr>
-            <a:picLocks noChangeAspect="1"/>
+            <a:picLocks noChangeAspect="true"/>
           </p:cNvPicPr>
           <p:nvPr/>
         </p:nvPicPr>
@@ -19095,7 +19084,7 @@
           <a:blip r:embed="rId3" cstate="print">
             <a:extLst>
               <a:ext uri="{28A0092B-C50C-407E-A947-70E740481C1C}">
-                <a14:useLocalDpi xmlns:a14="http://schemas.microsoft.com/office/drawing/2010/main" val="0"/>
+                <a14:useLocalDpi xmlns:a14="http://schemas.microsoft.com/office/drawing/2010/main" val="false"/>
               </a:ext>
             </a:extLst>
           </a:blip>
@@ -19143,7 +19132,7 @@
         <p:nvSpPr>
           <p:cNvPr id="2" name="Title 1"/>
           <p:cNvSpPr>
-            <a:spLocks noGrp="1"/>
+            <a:spLocks noGrp="true"/>
           </p:cNvSpPr>
           <p:nvPr>
             <p:ph type="title"/>
@@ -19153,7 +19142,11 @@
         <p:txBody>
           <a:bodyPr/>
           <a:p>
-            <a:endParaRPr lang="en-US"/>
+            <a:r>
+              <a:rPr lang="" altLang="en-US"/>
+              <a:t>BiDAF</a:t>
+            </a:r>
+            <a:endParaRPr lang="" altLang="en-US"/>
           </a:p>
         </p:txBody>
       </p:sp>
@@ -19161,7 +19154,7 @@
         <p:nvPicPr>
           <p:cNvPr id="7" name="图片 3"/>
           <p:cNvPicPr>
-            <a:picLocks noChangeAspect="1"/>
+            <a:picLocks noChangeAspect="true"/>
           </p:cNvPicPr>
           <p:nvPr/>
         </p:nvPicPr>
@@ -19169,7 +19162,7 @@
           <a:blip r:embed="rId1" cstate="print">
             <a:extLst>
               <a:ext uri="{28A0092B-C50C-407E-A947-70E740481C1C}">
-                <a14:useLocalDpi xmlns:a14="http://schemas.microsoft.com/office/drawing/2010/main" val="0"/>
+                <a14:useLocalDpi xmlns:a14="http://schemas.microsoft.com/office/drawing/2010/main" val="false"/>
               </a:ext>
             </a:extLst>
           </a:blip>
@@ -19191,7 +19184,7 @@
         <p:nvPicPr>
           <p:cNvPr id="9" name="内容占位符 8" descr="2020-11-12 08-27-56 的屏幕截图"/>
           <p:cNvPicPr>
-            <a:picLocks noChangeAspect="1"/>
+            <a:picLocks noChangeAspect="true"/>
           </p:cNvPicPr>
           <p:nvPr>
             <p:ph idx="1"/>
@@ -19243,7 +19236,7 @@
         <p:nvSpPr>
           <p:cNvPr id="2" name="Title 1"/>
           <p:cNvSpPr>
-            <a:spLocks noGrp="1"/>
+            <a:spLocks noGrp="true"/>
           </p:cNvSpPr>
           <p:nvPr>
             <p:ph type="title"/>
@@ -19253,7 +19246,11 @@
         <p:txBody>
           <a:bodyPr/>
           <a:p>
-            <a:endParaRPr lang="en-US"/>
+            <a:r>
+              <a:rPr lang="" altLang="en-US"/>
+              <a:t>Text Match</a:t>
+            </a:r>
+            <a:endParaRPr lang="" altLang="en-US"/>
           </a:p>
         </p:txBody>
       </p:sp>
@@ -19261,7 +19258,7 @@
         <p:nvPicPr>
           <p:cNvPr id="7" name="图片 3"/>
           <p:cNvPicPr>
-            <a:picLocks noChangeAspect="1"/>
+            <a:picLocks noChangeAspect="true"/>
           </p:cNvPicPr>
           <p:nvPr/>
         </p:nvPicPr>
@@ -19269,7 +19266,7 @@
           <a:blip r:embed="rId1" cstate="print">
             <a:extLst>
               <a:ext uri="{28A0092B-C50C-407E-A947-70E740481C1C}">
-                <a14:useLocalDpi xmlns:a14="http://schemas.microsoft.com/office/drawing/2010/main" val="0"/>
+                <a14:useLocalDpi xmlns:a14="http://schemas.microsoft.com/office/drawing/2010/main" val="false"/>
               </a:ext>
             </a:extLst>
           </a:blip>
@@ -19307,7 +19304,7 @@
         <p:nvPicPr>
           <p:cNvPr id="5" name="Picture 4" descr="Screenshot from 2020-11-23 08-35-02"/>
           <p:cNvPicPr>
-            <a:picLocks noChangeAspect="1"/>
+            <a:picLocks noChangeAspect="true"/>
           </p:cNvPicPr>
           <p:nvPr/>
         </p:nvPicPr>
@@ -19357,7 +19354,7 @@
         <p:nvSpPr>
           <p:cNvPr id="2" name="Title 1"/>
           <p:cNvSpPr>
-            <a:spLocks noGrp="1"/>
+            <a:spLocks noGrp="true"/>
           </p:cNvSpPr>
           <p:nvPr>
             <p:ph type="title"/>
@@ -19367,7 +19364,11 @@
         <p:txBody>
           <a:bodyPr/>
           <a:p>
-            <a:endParaRPr lang="en-US"/>
+            <a:r>
+              <a:rPr lang="" altLang="en-US"/>
+              <a:t>CMRC2018</a:t>
+            </a:r>
+            <a:endParaRPr lang="" altLang="en-US"/>
           </a:p>
         </p:txBody>
       </p:sp>
@@ -19375,7 +19376,7 @@
         <p:nvPicPr>
           <p:cNvPr id="7" name="图片 3"/>
           <p:cNvPicPr>
-            <a:picLocks noChangeAspect="1"/>
+            <a:picLocks noChangeAspect="true"/>
           </p:cNvPicPr>
           <p:nvPr/>
         </p:nvPicPr>
@@ -19383,7 +19384,7 @@
           <a:blip r:embed="rId1" cstate="print">
             <a:extLst>
               <a:ext uri="{28A0092B-C50C-407E-A947-70E740481C1C}">
-                <a14:useLocalDpi xmlns:a14="http://schemas.microsoft.com/office/drawing/2010/main" val="0"/>
+                <a14:useLocalDpi xmlns:a14="http://schemas.microsoft.com/office/drawing/2010/main" val="false"/>
               </a:ext>
             </a:extLst>
           </a:blip>
@@ -19403,9 +19404,9 @@
       </p:pic>
       <p:pic>
         <p:nvPicPr>
-          <p:cNvPr id="5" name="Content Placeholder 4"/>
+          <p:cNvPr id="4" name="Content Placeholder 3" descr="Screenshot from 2020-11-24 14-27-02"/>
           <p:cNvPicPr>
-            <a:picLocks noChangeAspect="1"/>
+            <a:picLocks noChangeAspect="true"/>
           </p:cNvPicPr>
           <p:nvPr>
             <p:ph idx="1"/>
@@ -19419,100 +19420,14 @@
         </p:blipFill>
         <p:spPr>
           <a:xfrm>
-            <a:off x="1901190" y="273685"/>
-            <a:ext cx="4347845" cy="2479675"/>
+            <a:off x="1532255" y="1739900"/>
+            <a:ext cx="6447790" cy="2229485"/>
           </a:xfrm>
           <a:prstGeom prst="rect">
             <a:avLst/>
           </a:prstGeom>
         </p:spPr>
       </p:pic>
-      <p:pic>
-        <p:nvPicPr>
-          <p:cNvPr id="6" name="Picture 5"/>
-          <p:cNvPicPr>
-            <a:picLocks noChangeAspect="1"/>
-          </p:cNvPicPr>
-          <p:nvPr/>
-        </p:nvPicPr>
-        <p:blipFill>
-          <a:blip r:embed="rId3"/>
-          <a:stretch>
-            <a:fillRect/>
-          </a:stretch>
-        </p:blipFill>
-        <p:spPr>
-          <a:xfrm>
-            <a:off x="1901190" y="3145790"/>
-            <a:ext cx="4348480" cy="1358265"/>
-          </a:xfrm>
-          <a:prstGeom prst="rect">
-            <a:avLst/>
-          </a:prstGeom>
-        </p:spPr>
-      </p:pic>
-      <p:sp>
-        <p:nvSpPr>
-          <p:cNvPr id="8" name="Text Box 7"/>
-          <p:cNvSpPr txBox="1"/>
-          <p:nvPr/>
-        </p:nvSpPr>
-        <p:spPr>
-          <a:xfrm>
-            <a:off x="1362075" y="4639945"/>
-            <a:ext cx="6419850" cy="299085"/>
-          </a:xfrm>
-          <a:prstGeom prst="rect">
-            <a:avLst/>
-          </a:prstGeom>
-          <a:noFill/>
-        </p:spPr>
-        <p:txBody>
-          <a:bodyPr wrap="square" rtlCol="0">
-            <a:spAutoFit/>
-          </a:bodyPr>
-          <a:p>
-            <a:r>
-              <a:rPr lang="en-US"/>
-              <a:t>对文中引用张鷟的话的作用分析正确的</a:t>
-            </a:r>
-            <a:r>
-              <a:rPr lang="zh-CN" altLang="en-US"/>
-              <a:t>是生动形象地说明了赵州桥高度的技术水平</a:t>
-            </a:r>
-            <a:endParaRPr lang="zh-CN" altLang="en-US"/>
-          </a:p>
-        </p:txBody>
-      </p:sp>
-      <p:sp>
-        <p:nvSpPr>
-          <p:cNvPr id="9" name="Text Box 8"/>
-          <p:cNvSpPr txBox="1"/>
-          <p:nvPr/>
-        </p:nvSpPr>
-        <p:spPr>
-          <a:xfrm>
-            <a:off x="6702425" y="1527175"/>
-            <a:ext cx="1993265" cy="299085"/>
-          </a:xfrm>
-          <a:prstGeom prst="rect">
-            <a:avLst/>
-          </a:prstGeom>
-          <a:noFill/>
-        </p:spPr>
-        <p:txBody>
-          <a:bodyPr wrap="square" rtlCol="0">
-            <a:spAutoFit/>
-          </a:bodyPr>
-          <a:p>
-            <a:r>
-              <a:rPr lang="zh-CN" altLang="en-US"/>
-              <a:t>构造正样本</a:t>
-            </a:r>
-            <a:endParaRPr lang="zh-CN" altLang="en-US"/>
-          </a:p>
-        </p:txBody>
-      </p:sp>
     </p:spTree>
   </p:cSld>
   <p:clrMapOvr>
@@ -19550,7 +19465,7 @@
         <p:nvPicPr>
           <p:cNvPr id="4" name="图片 3"/>
           <p:cNvPicPr>
-            <a:picLocks noChangeAspect="1"/>
+            <a:picLocks noChangeAspect="true"/>
           </p:cNvPicPr>
           <p:nvPr/>
         </p:nvPicPr>
@@ -19558,7 +19473,7 @@
           <a:blip r:embed="rId1" cstate="print">
             <a:extLst>
               <a:ext uri="{28A0092B-C50C-407E-A947-70E740481C1C}">
-                <a14:useLocalDpi xmlns:a14="http://schemas.microsoft.com/office/drawing/2010/main" val="0"/>
+                <a14:useLocalDpi xmlns:a14="http://schemas.microsoft.com/office/drawing/2010/main" val="false"/>
               </a:ext>
             </a:extLst>
           </a:blip>
@@ -19579,7 +19494,7 @@
       <p:sp>
         <p:nvSpPr>
           <p:cNvPr id="9" name="Text Box 8"/>
-          <p:cNvSpPr txBox="1"/>
+          <p:cNvSpPr txBox="true"/>
           <p:nvPr/>
         </p:nvSpPr>
         <p:spPr>
@@ -19663,7 +19578,7 @@
         <p:nvSpPr>
           <p:cNvPr id="39945" name="圆角矩形 8"/>
           <p:cNvSpPr>
-            <a:spLocks noChangeArrowheads="1"/>
+            <a:spLocks noChangeArrowheads="true"/>
           </p:cNvSpPr>
           <p:nvPr/>
         </p:nvSpPr>
@@ -19695,8 +19610,8 @@
                 <a:solidFill>
                   <a:schemeClr val="tx1"/>
                 </a:solidFill>
-                <a:latin typeface="Arial" panose="020B0604020202020204" pitchFamily="34" charset="0"/>
-                <a:ea typeface="宋体" panose="02010600030101010101" pitchFamily="2" charset="-122"/>
+                <a:latin typeface="Arial" panose="02080604020202020204" pitchFamily="34" charset="0"/>
+                <a:ea typeface="宋体" pitchFamily="2" charset="-122"/>
               </a:defRPr>
             </a:lvl1pPr>
             <a:lvl2pPr eaLnBrk="0" hangingPunct="0">
@@ -19704,8 +19619,8 @@
                 <a:solidFill>
                   <a:schemeClr val="tx1"/>
                 </a:solidFill>
-                <a:latin typeface="Arial" panose="020B0604020202020204" pitchFamily="34" charset="0"/>
-                <a:ea typeface="宋体" panose="02010600030101010101" pitchFamily="2" charset="-122"/>
+                <a:latin typeface="Arial" panose="02080604020202020204" pitchFamily="34" charset="0"/>
+                <a:ea typeface="宋体" pitchFamily="2" charset="-122"/>
               </a:defRPr>
             </a:lvl2pPr>
             <a:lvl3pPr eaLnBrk="0" hangingPunct="0">
@@ -19713,8 +19628,8 @@
                 <a:solidFill>
                   <a:schemeClr val="tx1"/>
                 </a:solidFill>
-                <a:latin typeface="Arial" panose="020B0604020202020204" pitchFamily="34" charset="0"/>
-                <a:ea typeface="宋体" panose="02010600030101010101" pitchFamily="2" charset="-122"/>
+                <a:latin typeface="Arial" panose="02080604020202020204" pitchFamily="34" charset="0"/>
+                <a:ea typeface="宋体" pitchFamily="2" charset="-122"/>
               </a:defRPr>
             </a:lvl3pPr>
             <a:lvl4pPr eaLnBrk="0" hangingPunct="0">
@@ -19722,8 +19637,8 @@
                 <a:solidFill>
                   <a:schemeClr val="tx1"/>
                 </a:solidFill>
-                <a:latin typeface="Arial" panose="020B0604020202020204" pitchFamily="34" charset="0"/>
-                <a:ea typeface="宋体" panose="02010600030101010101" pitchFamily="2" charset="-122"/>
+                <a:latin typeface="Arial" panose="02080604020202020204" pitchFamily="34" charset="0"/>
+                <a:ea typeface="宋体" pitchFamily="2" charset="-122"/>
               </a:defRPr>
             </a:lvl4pPr>
             <a:lvl5pPr eaLnBrk="0" hangingPunct="0">
@@ -19731,8 +19646,8 @@
                 <a:solidFill>
                   <a:schemeClr val="tx1"/>
                 </a:solidFill>
-                <a:latin typeface="Arial" panose="020B0604020202020204" pitchFamily="34" charset="0"/>
-                <a:ea typeface="宋体" panose="02010600030101010101" pitchFamily="2" charset="-122"/>
+                <a:latin typeface="Arial" panose="02080604020202020204" pitchFamily="34" charset="0"/>
+                <a:ea typeface="宋体" pitchFamily="2" charset="-122"/>
               </a:defRPr>
             </a:lvl5pPr>
             <a:lvl6pPr eaLnBrk="0" fontAlgn="base" hangingPunct="0">
@@ -19742,13 +19657,13 @@
               <a:spcAft>
                 <a:spcPct val="0"/>
               </a:spcAft>
-              <a:buFont typeface="Arial" panose="020B0604020202020204" pitchFamily="34" charset="0"/>
+              <a:buFont typeface="Arial" panose="02080604020202020204" pitchFamily="34" charset="0"/>
               <a:defRPr>
                 <a:solidFill>
                   <a:schemeClr val="tx1"/>
                 </a:solidFill>
-                <a:latin typeface="Arial" panose="020B0604020202020204" pitchFamily="34" charset="0"/>
-                <a:ea typeface="宋体" panose="02010600030101010101" pitchFamily="2" charset="-122"/>
+                <a:latin typeface="Arial" panose="02080604020202020204" pitchFamily="34" charset="0"/>
+                <a:ea typeface="宋体" pitchFamily="2" charset="-122"/>
               </a:defRPr>
             </a:lvl6pPr>
             <a:lvl7pPr eaLnBrk="0" fontAlgn="base" hangingPunct="0">
@@ -19758,13 +19673,13 @@
               <a:spcAft>
                 <a:spcPct val="0"/>
               </a:spcAft>
-              <a:buFont typeface="Arial" panose="020B0604020202020204" pitchFamily="34" charset="0"/>
+              <a:buFont typeface="Arial" panose="02080604020202020204" pitchFamily="34" charset="0"/>
               <a:defRPr>
                 <a:solidFill>
                   <a:schemeClr val="tx1"/>
                 </a:solidFill>
-                <a:latin typeface="Arial" panose="020B0604020202020204" pitchFamily="34" charset="0"/>
-                <a:ea typeface="宋体" panose="02010600030101010101" pitchFamily="2" charset="-122"/>
+                <a:latin typeface="Arial" panose="02080604020202020204" pitchFamily="34" charset="0"/>
+                <a:ea typeface="宋体" pitchFamily="2" charset="-122"/>
               </a:defRPr>
             </a:lvl7pPr>
             <a:lvl8pPr eaLnBrk="0" fontAlgn="base" hangingPunct="0">
@@ -19774,13 +19689,13 @@
               <a:spcAft>
                 <a:spcPct val="0"/>
               </a:spcAft>
-              <a:buFont typeface="Arial" panose="020B0604020202020204" pitchFamily="34" charset="0"/>
+              <a:buFont typeface="Arial" panose="02080604020202020204" pitchFamily="34" charset="0"/>
               <a:defRPr>
                 <a:solidFill>
                   <a:schemeClr val="tx1"/>
                 </a:solidFill>
-                <a:latin typeface="Arial" panose="020B0604020202020204" pitchFamily="34" charset="0"/>
-                <a:ea typeface="宋体" panose="02010600030101010101" pitchFamily="2" charset="-122"/>
+                <a:latin typeface="Arial" panose="02080604020202020204" pitchFamily="34" charset="0"/>
+                <a:ea typeface="宋体" pitchFamily="2" charset="-122"/>
               </a:defRPr>
             </a:lvl8pPr>
             <a:lvl9pPr eaLnBrk="0" fontAlgn="base" hangingPunct="0">
@@ -19790,13 +19705,13 @@
               <a:spcAft>
                 <a:spcPct val="0"/>
               </a:spcAft>
-              <a:buFont typeface="Arial" panose="020B0604020202020204" pitchFamily="34" charset="0"/>
+              <a:buFont typeface="Arial" panose="02080604020202020204" pitchFamily="34" charset="0"/>
               <a:defRPr>
                 <a:solidFill>
                   <a:schemeClr val="tx1"/>
                 </a:solidFill>
-                <a:latin typeface="Arial" panose="020B0604020202020204" pitchFamily="34" charset="0"/>
-                <a:ea typeface="宋体" panose="02010600030101010101" pitchFamily="2" charset="-122"/>
+                <a:latin typeface="Arial" panose="02080604020202020204" pitchFamily="34" charset="0"/>
+                <a:ea typeface="宋体" pitchFamily="2" charset="-122"/>
               </a:defRPr>
             </a:lvl9pPr>
           </a:lstStyle>
@@ -20124,8 +20039,8 @@
               <a:solidFill>
                 <a:srgbClr val="343232"/>
               </a:solidFill>
-              <a:latin typeface="宋体" panose="02010600030101010101" pitchFamily="2" charset="-122"/>
-              <a:ea typeface="宋体" panose="02010600030101010101" pitchFamily="2" charset="-122"/>
+              <a:latin typeface="宋体" pitchFamily="2" charset="-122"/>
+              <a:ea typeface="宋体" pitchFamily="2" charset="-122"/>
               <a:cs typeface="Calibri" panose="020F0502020204030204" charset="0"/>
             </a:endParaRPr>
           </a:p>
@@ -20178,7 +20093,7 @@
         <p:nvSpPr>
           <p:cNvPr id="8" name="圆角矩形 8"/>
           <p:cNvSpPr>
-            <a:spLocks noChangeArrowheads="1"/>
+            <a:spLocks noChangeArrowheads="true"/>
           </p:cNvSpPr>
           <p:nvPr/>
         </p:nvSpPr>
@@ -20210,8 +20125,8 @@
                 <a:solidFill>
                   <a:schemeClr val="tx1"/>
                 </a:solidFill>
-                <a:latin typeface="Arial" panose="020B0604020202020204" pitchFamily="34" charset="0"/>
-                <a:ea typeface="宋体" panose="02010600030101010101" pitchFamily="2" charset="-122"/>
+                <a:latin typeface="Arial" panose="02080604020202020204" pitchFamily="34" charset="0"/>
+                <a:ea typeface="宋体" pitchFamily="2" charset="-122"/>
               </a:defRPr>
             </a:lvl1pPr>
             <a:lvl2pPr eaLnBrk="0" hangingPunct="0">
@@ -20219,8 +20134,8 @@
                 <a:solidFill>
                   <a:schemeClr val="tx1"/>
                 </a:solidFill>
-                <a:latin typeface="Arial" panose="020B0604020202020204" pitchFamily="34" charset="0"/>
-                <a:ea typeface="宋体" panose="02010600030101010101" pitchFamily="2" charset="-122"/>
+                <a:latin typeface="Arial" panose="02080604020202020204" pitchFamily="34" charset="0"/>
+                <a:ea typeface="宋体" pitchFamily="2" charset="-122"/>
               </a:defRPr>
             </a:lvl2pPr>
             <a:lvl3pPr eaLnBrk="0" hangingPunct="0">
@@ -20228,8 +20143,8 @@
                 <a:solidFill>
                   <a:schemeClr val="tx1"/>
                 </a:solidFill>
-                <a:latin typeface="Arial" panose="020B0604020202020204" pitchFamily="34" charset="0"/>
-                <a:ea typeface="宋体" panose="02010600030101010101" pitchFamily="2" charset="-122"/>
+                <a:latin typeface="Arial" panose="02080604020202020204" pitchFamily="34" charset="0"/>
+                <a:ea typeface="宋体" pitchFamily="2" charset="-122"/>
               </a:defRPr>
             </a:lvl3pPr>
             <a:lvl4pPr eaLnBrk="0" hangingPunct="0">
@@ -20237,8 +20152,8 @@
                 <a:solidFill>
                   <a:schemeClr val="tx1"/>
                 </a:solidFill>
-                <a:latin typeface="Arial" panose="020B0604020202020204" pitchFamily="34" charset="0"/>
-                <a:ea typeface="宋体" panose="02010600030101010101" pitchFamily="2" charset="-122"/>
+                <a:latin typeface="Arial" panose="02080604020202020204" pitchFamily="34" charset="0"/>
+                <a:ea typeface="宋体" pitchFamily="2" charset="-122"/>
               </a:defRPr>
             </a:lvl4pPr>
             <a:lvl5pPr eaLnBrk="0" hangingPunct="0">
@@ -20246,8 +20161,8 @@
                 <a:solidFill>
                   <a:schemeClr val="tx1"/>
                 </a:solidFill>
-                <a:latin typeface="Arial" panose="020B0604020202020204" pitchFamily="34" charset="0"/>
-                <a:ea typeface="宋体" panose="02010600030101010101" pitchFamily="2" charset="-122"/>
+                <a:latin typeface="Arial" panose="02080604020202020204" pitchFamily="34" charset="0"/>
+                <a:ea typeface="宋体" pitchFamily="2" charset="-122"/>
               </a:defRPr>
             </a:lvl5pPr>
             <a:lvl6pPr eaLnBrk="0" fontAlgn="base" hangingPunct="0">
@@ -20257,13 +20172,13 @@
               <a:spcAft>
                 <a:spcPct val="0"/>
               </a:spcAft>
-              <a:buFont typeface="Arial" panose="020B0604020202020204" pitchFamily="34" charset="0"/>
+              <a:buFont typeface="Arial" panose="02080604020202020204" pitchFamily="34" charset="0"/>
               <a:defRPr>
                 <a:solidFill>
                   <a:schemeClr val="tx1"/>
                 </a:solidFill>
-                <a:latin typeface="Arial" panose="020B0604020202020204" pitchFamily="34" charset="0"/>
-                <a:ea typeface="宋体" panose="02010600030101010101" pitchFamily="2" charset="-122"/>
+                <a:latin typeface="Arial" panose="02080604020202020204" pitchFamily="34" charset="0"/>
+                <a:ea typeface="宋体" pitchFamily="2" charset="-122"/>
               </a:defRPr>
             </a:lvl6pPr>
             <a:lvl7pPr eaLnBrk="0" fontAlgn="base" hangingPunct="0">
@@ -20273,13 +20188,13 @@
               <a:spcAft>
                 <a:spcPct val="0"/>
               </a:spcAft>
-              <a:buFont typeface="Arial" panose="020B0604020202020204" pitchFamily="34" charset="0"/>
+              <a:buFont typeface="Arial" panose="02080604020202020204" pitchFamily="34" charset="0"/>
               <a:defRPr>
                 <a:solidFill>
                   <a:schemeClr val="tx1"/>
                 </a:solidFill>
-                <a:latin typeface="Arial" panose="020B0604020202020204" pitchFamily="34" charset="0"/>
-                <a:ea typeface="宋体" panose="02010600030101010101" pitchFamily="2" charset="-122"/>
+                <a:latin typeface="Arial" panose="02080604020202020204" pitchFamily="34" charset="0"/>
+                <a:ea typeface="宋体" pitchFamily="2" charset="-122"/>
               </a:defRPr>
             </a:lvl7pPr>
             <a:lvl8pPr eaLnBrk="0" fontAlgn="base" hangingPunct="0">
@@ -20289,13 +20204,13 @@
               <a:spcAft>
                 <a:spcPct val="0"/>
               </a:spcAft>
-              <a:buFont typeface="Arial" panose="020B0604020202020204" pitchFamily="34" charset="0"/>
+              <a:buFont typeface="Arial" panose="02080604020202020204" pitchFamily="34" charset="0"/>
               <a:defRPr>
                 <a:solidFill>
                   <a:schemeClr val="tx1"/>
                 </a:solidFill>
-                <a:latin typeface="Arial" panose="020B0604020202020204" pitchFamily="34" charset="0"/>
-                <a:ea typeface="宋体" panose="02010600030101010101" pitchFamily="2" charset="-122"/>
+                <a:latin typeface="Arial" panose="02080604020202020204" pitchFamily="34" charset="0"/>
+                <a:ea typeface="宋体" pitchFamily="2" charset="-122"/>
               </a:defRPr>
             </a:lvl8pPr>
             <a:lvl9pPr eaLnBrk="0" fontAlgn="base" hangingPunct="0">
@@ -20305,13 +20220,13 @@
               <a:spcAft>
                 <a:spcPct val="0"/>
               </a:spcAft>
-              <a:buFont typeface="Arial" panose="020B0604020202020204" pitchFamily="34" charset="0"/>
+              <a:buFont typeface="Arial" panose="02080604020202020204" pitchFamily="34" charset="0"/>
               <a:defRPr>
                 <a:solidFill>
                   <a:schemeClr val="tx1"/>
                 </a:solidFill>
-                <a:latin typeface="Arial" panose="020B0604020202020204" pitchFamily="34" charset="0"/>
-                <a:ea typeface="宋体" panose="02010600030101010101" pitchFamily="2" charset="-122"/>
+                <a:latin typeface="Arial" panose="02080604020202020204" pitchFamily="34" charset="0"/>
+                <a:ea typeface="宋体" pitchFamily="2" charset="-122"/>
               </a:defRPr>
             </a:lvl9pPr>
           </a:lstStyle>
@@ -20434,8 +20349,8 @@
               <a:solidFill>
                 <a:srgbClr val="343232"/>
               </a:solidFill>
-              <a:latin typeface="宋体" panose="02010600030101010101" pitchFamily="2" charset="-122"/>
-              <a:ea typeface="宋体" panose="02010600030101010101" pitchFamily="2" charset="-122"/>
+              <a:latin typeface="宋体" pitchFamily="2" charset="-122"/>
+              <a:ea typeface="宋体" pitchFamily="2" charset="-122"/>
               <a:cs typeface="Calibri" panose="020F0502020204030204" charset="0"/>
             </a:endParaRPr>
           </a:p>
@@ -20521,7 +20436,7 @@
         <p:nvSpPr>
           <p:cNvPr id="2" name="Title 1"/>
           <p:cNvSpPr>
-            <a:spLocks noGrp="1"/>
+            <a:spLocks noGrp="true"/>
           </p:cNvSpPr>
           <p:nvPr>
             <p:ph type="title"/>
@@ -20535,34 +20450,96 @@
           </a:p>
         </p:txBody>
       </p:sp>
-      <p:sp>
-        <p:nvSpPr>
-          <p:cNvPr id="3" name="Content Placeholder 2"/>
-          <p:cNvSpPr>
-            <a:spLocks noGrp="1"/>
-          </p:cNvSpPr>
+      <p:pic>
+        <p:nvPicPr>
+          <p:cNvPr id="7" name="图片 3"/>
+          <p:cNvPicPr>
+            <a:picLocks noChangeAspect="true"/>
+          </p:cNvPicPr>
+          <p:nvPr/>
+        </p:nvPicPr>
+        <p:blipFill>
+          <a:blip r:embed="rId1" cstate="print">
+            <a:extLst>
+              <a:ext uri="{28A0092B-C50C-407E-A947-70E740481C1C}">
+                <a14:useLocalDpi xmlns:a14="http://schemas.microsoft.com/office/drawing/2010/main" val="false"/>
+              </a:ext>
+            </a:extLst>
+          </a:blip>
+          <a:stretch>
+            <a:fillRect/>
+          </a:stretch>
+        </p:blipFill>
+        <p:spPr>
+          <a:xfrm>
+            <a:off x="7600315" y="100330"/>
+            <a:ext cx="1467485" cy="490220"/>
+          </a:xfrm>
+          <a:prstGeom prst="rect">
+            <a:avLst/>
+          </a:prstGeom>
+        </p:spPr>
+      </p:pic>
+      <p:pic>
+        <p:nvPicPr>
+          <p:cNvPr id="5" name="Content Placeholder 4"/>
+          <p:cNvPicPr>
+            <a:picLocks noChangeAspect="true"/>
+          </p:cNvPicPr>
           <p:nvPr>
             <p:ph idx="1"/>
           </p:nvPr>
-        </p:nvSpPr>
-        <p:spPr/>
-        <p:txBody>
-          <a:bodyPr/>
-          <a:p>
-            <a:endParaRPr lang="en-US"/>
-          </a:p>
-        </p:txBody>
-      </p:sp>
-      <p:sp>
-        <p:nvSpPr>
-          <p:cNvPr id="4" name="Text Box 3"/>
-          <p:cNvSpPr txBox="1"/>
+        </p:nvPicPr>
+        <p:blipFill>
+          <a:blip r:embed="rId2"/>
+          <a:stretch>
+            <a:fillRect/>
+          </a:stretch>
+        </p:blipFill>
+        <p:spPr>
+          <a:xfrm>
+            <a:off x="1901190" y="273685"/>
+            <a:ext cx="4347845" cy="2479675"/>
+          </a:xfrm>
+          <a:prstGeom prst="rect">
+            <a:avLst/>
+          </a:prstGeom>
+        </p:spPr>
+      </p:pic>
+      <p:pic>
+        <p:nvPicPr>
+          <p:cNvPr id="6" name="Picture 5"/>
+          <p:cNvPicPr>
+            <a:picLocks noChangeAspect="true"/>
+          </p:cNvPicPr>
           <p:nvPr/>
-        </p:nvSpPr>
+        </p:nvPicPr>
+        <p:blipFill>
+          <a:blip r:embed="rId3"/>
+          <a:stretch>
+            <a:fillRect/>
+          </a:stretch>
+        </p:blipFill>
         <p:spPr>
           <a:xfrm>
-            <a:off x="2228215" y="1551305"/>
-            <a:ext cx="6374765" cy="506730"/>
+            <a:off x="1901190" y="3145790"/>
+            <a:ext cx="4348480" cy="1358265"/>
+          </a:xfrm>
+          <a:prstGeom prst="rect">
+            <a:avLst/>
+          </a:prstGeom>
+        </p:spPr>
+      </p:pic>
+      <p:sp>
+        <p:nvSpPr>
+          <p:cNvPr id="8" name="Text Box 7"/>
+          <p:cNvSpPr txBox="true"/>
+          <p:nvPr/>
+        </p:nvSpPr>
+        <p:spPr>
+          <a:xfrm>
+            <a:off x="1362075" y="4639945"/>
+            <a:ext cx="6419850" cy="299085"/>
           </a:xfrm>
           <a:prstGeom prst="rect">
             <a:avLst/>
@@ -20575,8 +20552,41 @@
           </a:bodyPr>
           <a:p>
             <a:r>
+              <a:rPr lang="en-US"/>
+              <a:t>对文中引用张鷟的话的作用分析正确的</a:t>
+            </a:r>
+            <a:r>
               <a:rPr lang="zh-CN" altLang="en-US"/>
-              <a:t>机器阅读理解是问答系统的核心模块，通过理解用户问题、理解相关文档，返还给用户精准的答案。</a:t>
+              <a:t>是生动形象地说明了赵州桥高度的技术水平</a:t>
+            </a:r>
+            <a:endParaRPr lang="zh-CN" altLang="en-US"/>
+          </a:p>
+        </p:txBody>
+      </p:sp>
+      <p:sp>
+        <p:nvSpPr>
+          <p:cNvPr id="9" name="Text Box 8"/>
+          <p:cNvSpPr txBox="true"/>
+          <p:nvPr/>
+        </p:nvSpPr>
+        <p:spPr>
+          <a:xfrm>
+            <a:off x="6702425" y="1527175"/>
+            <a:ext cx="1993265" cy="299085"/>
+          </a:xfrm>
+          <a:prstGeom prst="rect">
+            <a:avLst/>
+          </a:prstGeom>
+          <a:noFill/>
+        </p:spPr>
+        <p:txBody>
+          <a:bodyPr wrap="square" rtlCol="0">
+            <a:spAutoFit/>
+          </a:bodyPr>
+          <a:p>
+            <a:r>
+              <a:rPr lang="zh-CN" altLang="en-US"/>
+              <a:t>构造正样本</a:t>
             </a:r>
             <a:endParaRPr lang="zh-CN" altLang="en-US"/>
           </a:p>
@@ -20612,7 +20622,7 @@
         <p:nvSpPr>
           <p:cNvPr id="2" name="Title 1"/>
           <p:cNvSpPr>
-            <a:spLocks noGrp="1"/>
+            <a:spLocks noGrp="true"/>
           </p:cNvSpPr>
           <p:nvPr>
             <p:ph type="title"/>
@@ -20630,7 +20640,7 @@
         <p:nvSpPr>
           <p:cNvPr id="3" name="Content Placeholder 2"/>
           <p:cNvSpPr>
-            <a:spLocks noGrp="1"/>
+            <a:spLocks noGrp="true"/>
           </p:cNvSpPr>
           <p:nvPr>
             <p:ph idx="1"/>
@@ -20647,7 +20657,98 @@
       <p:sp>
         <p:nvSpPr>
           <p:cNvPr id="4" name="Text Box 3"/>
-          <p:cNvSpPr txBox="1"/>
+          <p:cNvSpPr txBox="true"/>
+          <p:nvPr/>
+        </p:nvSpPr>
+        <p:spPr>
+          <a:xfrm>
+            <a:off x="2228215" y="1551305"/>
+            <a:ext cx="6374765" cy="506730"/>
+          </a:xfrm>
+          <a:prstGeom prst="rect">
+            <a:avLst/>
+          </a:prstGeom>
+          <a:noFill/>
+        </p:spPr>
+        <p:txBody>
+          <a:bodyPr wrap="square" rtlCol="0">
+            <a:spAutoFit/>
+          </a:bodyPr>
+          <a:p>
+            <a:r>
+              <a:rPr lang="zh-CN" altLang="en-US"/>
+              <a:t>机器阅读理解是问答系统的核心模块，通过理解用户问题、理解相关文档，返还给用户精准的答案。</a:t>
+            </a:r>
+            <a:endParaRPr lang="zh-CN" altLang="en-US"/>
+          </a:p>
+        </p:txBody>
+      </p:sp>
+    </p:spTree>
+  </p:cSld>
+  <p:clrMapOvr>
+    <a:masterClrMapping/>
+  </p:clrMapOvr>
+  <mc:AlternateContent xmlns:mc="http://schemas.openxmlformats.org/markup-compatibility/2006">
+    <mc:Choice xmlns:p14="http://schemas.microsoft.com/office/powerpoint/2010/main" Requires="p14">
+      <p:transition spd="slow" p14:dur="2000" advTm="3000"/>
+    </mc:Choice>
+    <mc:Fallback>
+      <p:transition spd="slow" advTm="3000"/>
+    </mc:Fallback>
+  </mc:AlternateContent>
+</p:sld>
+</file>
+
+<file path=ppt/slides/slide32.xml><?xml version="1.0" encoding="utf-8"?>
+<p:sld xmlns:a="http://schemas.openxmlformats.org/drawingml/2006/main" xmlns:r="http://schemas.openxmlformats.org/officeDocument/2006/relationships" xmlns:p="http://schemas.openxmlformats.org/presentationml/2006/main">
+  <p:cSld>
+    <p:spTree>
+      <p:nvGrpSpPr>
+        <p:cNvPr id="1" name=""/>
+        <p:cNvGrpSpPr/>
+        <p:nvPr/>
+      </p:nvGrpSpPr>
+      <p:grpSpPr/>
+      <p:sp>
+        <p:nvSpPr>
+          <p:cNvPr id="2" name="Title 1"/>
+          <p:cNvSpPr>
+            <a:spLocks noGrp="true"/>
+          </p:cNvSpPr>
+          <p:nvPr>
+            <p:ph type="title"/>
+          </p:nvPr>
+        </p:nvSpPr>
+        <p:spPr/>
+        <p:txBody>
+          <a:bodyPr/>
+          <a:p>
+            <a:endParaRPr lang="en-US"/>
+          </a:p>
+        </p:txBody>
+      </p:sp>
+      <p:sp>
+        <p:nvSpPr>
+          <p:cNvPr id="3" name="Content Placeholder 2"/>
+          <p:cNvSpPr>
+            <a:spLocks noGrp="true"/>
+          </p:cNvSpPr>
+          <p:nvPr>
+            <p:ph idx="1"/>
+          </p:nvPr>
+        </p:nvSpPr>
+        <p:spPr/>
+        <p:txBody>
+          <a:bodyPr/>
+          <a:p>
+            <a:endParaRPr lang="en-US"/>
+          </a:p>
+        </p:txBody>
+      </p:sp>
+      <p:sp>
+        <p:nvSpPr>
+          <p:cNvPr id="4" name="Text Box 3"/>
+          <p:cNvSpPr txBox="true"/>
           <p:nvPr/>
         </p:nvSpPr>
         <p:spPr>
@@ -20710,7 +20811,7 @@
         <p:nvPicPr>
           <p:cNvPr id="4" name="图片 3"/>
           <p:cNvPicPr>
-            <a:picLocks noChangeAspect="1"/>
+            <a:picLocks noChangeAspect="true"/>
           </p:cNvPicPr>
           <p:nvPr/>
         </p:nvPicPr>
@@ -20718,7 +20819,7 @@
           <a:blip r:embed="rId1" cstate="print">
             <a:extLst>
               <a:ext uri="{28A0092B-C50C-407E-A947-70E740481C1C}">
-                <a14:useLocalDpi xmlns:a14="http://schemas.microsoft.com/office/drawing/2010/main" val="0"/>
+                <a14:useLocalDpi xmlns:a14="http://schemas.microsoft.com/office/drawing/2010/main" val="false"/>
               </a:ext>
             </a:extLst>
           </a:blip>
@@ -20739,7 +20840,7 @@
       <p:sp>
         <p:nvSpPr>
           <p:cNvPr id="6" name="Text Box 5"/>
-          <p:cNvSpPr txBox="1"/>
+          <p:cNvSpPr txBox="true"/>
           <p:nvPr/>
         </p:nvSpPr>
         <p:spPr>
@@ -20823,7 +20924,7 @@
         <p:nvPicPr>
           <p:cNvPr id="8" name="Picture 7"/>
           <p:cNvPicPr>
-            <a:picLocks noChangeAspect="1"/>
+            <a:picLocks noChangeAspect="true"/>
           </p:cNvPicPr>
           <p:nvPr/>
         </p:nvPicPr>
@@ -20847,7 +20948,7 @@
         <p:nvPicPr>
           <p:cNvPr id="9" name="Picture 8"/>
           <p:cNvPicPr>
-            <a:picLocks noChangeAspect="1"/>
+            <a:picLocks noChangeAspect="true"/>
           </p:cNvPicPr>
           <p:nvPr/>
         </p:nvPicPr>
@@ -20870,7 +20971,7 @@
       <p:sp>
         <p:nvSpPr>
           <p:cNvPr id="10" name="Text Box 9"/>
-          <p:cNvSpPr txBox="1"/>
+          <p:cNvSpPr txBox="true"/>
           <p:nvPr/>
         </p:nvSpPr>
         <p:spPr>
@@ -20921,7 +21022,6 @@
             </a:r>
             <a:r>
               <a:rPr lang="zh-CN" altLang="en-US" sz="1600">
-                <a:ln/>
                 <a:solidFill>
                   <a:schemeClr val="tx1"/>
                 </a:solidFill>
@@ -20950,7 +21050,6 @@
             </a:r>
             <a:r>
               <a:rPr lang="zh-CN" altLang="en-US" sz="1600">
-                <a:ln/>
                 <a:solidFill>
                   <a:schemeClr val="tx1"/>
                 </a:solidFill>
@@ -20965,7 +21064,6 @@
               <a:t>。</a:t>
             </a:r>
             <a:endParaRPr lang="zh-CN" altLang="en-US" sz="1600">
-              <a:ln/>
               <a:solidFill>
                 <a:schemeClr val="tx1"/>
               </a:solidFill>
@@ -21012,7 +21110,6 @@
             </a:r>
             <a:r>
               <a:rPr lang="zh-CN" altLang="en-US" sz="1600">
-                <a:ln/>
                 <a:solidFill>
                   <a:schemeClr val="tx1"/>
                 </a:solidFill>
@@ -21027,7 +21124,6 @@
               <a:t>深层次语义分析问题，通过检索知识库或问答库，经过推理给出细粒度的答案</a:t>
             </a:r>
             <a:endParaRPr lang="zh-CN" altLang="en-US" sz="1600">
-              <a:ln/>
               <a:solidFill>
                 <a:schemeClr val="tx1"/>
               </a:solidFill>
@@ -21086,7 +21182,7 @@
         <p:nvPicPr>
           <p:cNvPr id="4" name="图片 3"/>
           <p:cNvPicPr>
-            <a:picLocks noChangeAspect="1"/>
+            <a:picLocks noChangeAspect="true"/>
           </p:cNvPicPr>
           <p:nvPr/>
         </p:nvPicPr>
@@ -21094,7 +21190,7 @@
           <a:blip r:embed="rId1" cstate="print">
             <a:extLst>
               <a:ext uri="{28A0092B-C50C-407E-A947-70E740481C1C}">
-                <a14:useLocalDpi xmlns:a14="http://schemas.microsoft.com/office/drawing/2010/main" val="0"/>
+                <a14:useLocalDpi xmlns:a14="http://schemas.microsoft.com/office/drawing/2010/main" val="false"/>
               </a:ext>
             </a:extLst>
           </a:blip>
@@ -21115,7 +21211,7 @@
       <p:sp>
         <p:nvSpPr>
           <p:cNvPr id="3" name="Text Box 2"/>
-          <p:cNvSpPr txBox="1"/>
+          <p:cNvSpPr txBox="true"/>
           <p:nvPr/>
         </p:nvSpPr>
         <p:spPr>
@@ -21199,7 +21295,7 @@
         <p:nvPicPr>
           <p:cNvPr id="39942" name="Picture 57"/>
           <p:cNvPicPr>
-            <a:picLocks noChangeAspect="1" noChangeArrowheads="1"/>
+            <a:picLocks noChangeAspect="true" noChangeArrowheads="true"/>
           </p:cNvPicPr>
           <p:nvPr/>
         </p:nvPicPr>
@@ -21208,7 +21304,7 @@
             <a:lum bright="24000"/>
             <a:extLst>
               <a:ext uri="{28A0092B-C50C-407E-A947-70E740481C1C}">
-                <a14:useLocalDpi xmlns:a14="http://schemas.microsoft.com/office/drawing/2010/main" val="0"/>
+                <a14:useLocalDpi xmlns:a14="http://schemas.microsoft.com/office/drawing/2010/main" val="false"/>
               </a:ext>
             </a:extLst>
           </a:blip>
@@ -21254,7 +21350,7 @@
         <p:nvPicPr>
           <p:cNvPr id="39949" name="Picture 57"/>
           <p:cNvPicPr>
-            <a:picLocks noChangeAspect="1" noChangeArrowheads="1"/>
+            <a:picLocks noChangeAspect="true" noChangeArrowheads="true"/>
           </p:cNvPicPr>
           <p:nvPr/>
         </p:nvPicPr>
@@ -21263,7 +21359,7 @@
             <a:lum bright="24000"/>
             <a:extLst>
               <a:ext uri="{28A0092B-C50C-407E-A947-70E740481C1C}">
-                <a14:useLocalDpi xmlns:a14="http://schemas.microsoft.com/office/drawing/2010/main" val="0"/>
+                <a14:useLocalDpi xmlns:a14="http://schemas.microsoft.com/office/drawing/2010/main" val="false"/>
               </a:ext>
             </a:extLst>
           </a:blip>
@@ -21309,7 +21405,7 @@
         <p:nvPicPr>
           <p:cNvPr id="39950" name="Picture 57"/>
           <p:cNvPicPr>
-            <a:picLocks noChangeAspect="1" noChangeArrowheads="1"/>
+            <a:picLocks noChangeAspect="true" noChangeArrowheads="true"/>
           </p:cNvPicPr>
           <p:nvPr/>
         </p:nvPicPr>
@@ -21318,7 +21414,7 @@
             <a:lum bright="24000"/>
             <a:extLst>
               <a:ext uri="{28A0092B-C50C-407E-A947-70E740481C1C}">
-                <a14:useLocalDpi xmlns:a14="http://schemas.microsoft.com/office/drawing/2010/main" val="0"/>
+                <a14:useLocalDpi xmlns:a14="http://schemas.microsoft.com/office/drawing/2010/main" val="false"/>
               </a:ext>
             </a:extLst>
           </a:blip>
@@ -21364,7 +21460,7 @@
         <p:nvPicPr>
           <p:cNvPr id="7" name="Picture 6"/>
           <p:cNvPicPr>
-            <a:picLocks noChangeAspect="1"/>
+            <a:picLocks noChangeAspect="true"/>
           </p:cNvPicPr>
           <p:nvPr/>
         </p:nvPicPr>
@@ -21388,7 +21484,7 @@
         <p:nvSpPr>
           <p:cNvPr id="5" name="椭圆 15"/>
           <p:cNvSpPr>
-            <a:spLocks noChangeArrowheads="1"/>
+            <a:spLocks noChangeArrowheads="true"/>
           </p:cNvSpPr>
           <p:nvPr/>
         </p:nvSpPr>
@@ -21431,8 +21527,8 @@
                 <a:solidFill>
                   <a:schemeClr val="tx1"/>
                 </a:solidFill>
-                <a:latin typeface="Arial" panose="020B0604020202020204" pitchFamily="34" charset="0"/>
-                <a:ea typeface="宋体" panose="02010600030101010101" pitchFamily="2" charset="-122"/>
+                <a:latin typeface="Arial" panose="02080604020202020204" pitchFamily="34" charset="0"/>
+                <a:ea typeface="宋体" pitchFamily="2" charset="-122"/>
               </a:defRPr>
             </a:lvl1pPr>
             <a:lvl2pPr eaLnBrk="0" hangingPunct="0">
@@ -21440,8 +21536,8 @@
                 <a:solidFill>
                   <a:schemeClr val="tx1"/>
                 </a:solidFill>
-                <a:latin typeface="Arial" panose="020B0604020202020204" pitchFamily="34" charset="0"/>
-                <a:ea typeface="宋体" panose="02010600030101010101" pitchFamily="2" charset="-122"/>
+                <a:latin typeface="Arial" panose="02080604020202020204" pitchFamily="34" charset="0"/>
+                <a:ea typeface="宋体" pitchFamily="2" charset="-122"/>
               </a:defRPr>
             </a:lvl2pPr>
             <a:lvl3pPr eaLnBrk="0" hangingPunct="0">
@@ -21449,8 +21545,8 @@
                 <a:solidFill>
                   <a:schemeClr val="tx1"/>
                 </a:solidFill>
-                <a:latin typeface="Arial" panose="020B0604020202020204" pitchFamily="34" charset="0"/>
-                <a:ea typeface="宋体" panose="02010600030101010101" pitchFamily="2" charset="-122"/>
+                <a:latin typeface="Arial" panose="02080604020202020204" pitchFamily="34" charset="0"/>
+                <a:ea typeface="宋体" pitchFamily="2" charset="-122"/>
               </a:defRPr>
             </a:lvl3pPr>
             <a:lvl4pPr eaLnBrk="0" hangingPunct="0">
@@ -21458,8 +21554,8 @@
                 <a:solidFill>
                   <a:schemeClr val="tx1"/>
                 </a:solidFill>
-                <a:latin typeface="Arial" panose="020B0604020202020204" pitchFamily="34" charset="0"/>
-                <a:ea typeface="宋体" panose="02010600030101010101" pitchFamily="2" charset="-122"/>
+                <a:latin typeface="Arial" panose="02080604020202020204" pitchFamily="34" charset="0"/>
+                <a:ea typeface="宋体" pitchFamily="2" charset="-122"/>
               </a:defRPr>
             </a:lvl4pPr>
             <a:lvl5pPr eaLnBrk="0" hangingPunct="0">
@@ -21467,8 +21563,8 @@
                 <a:solidFill>
                   <a:schemeClr val="tx1"/>
                 </a:solidFill>
-                <a:latin typeface="Arial" panose="020B0604020202020204" pitchFamily="34" charset="0"/>
-                <a:ea typeface="宋体" panose="02010600030101010101" pitchFamily="2" charset="-122"/>
+                <a:latin typeface="Arial" panose="02080604020202020204" pitchFamily="34" charset="0"/>
+                <a:ea typeface="宋体" pitchFamily="2" charset="-122"/>
               </a:defRPr>
             </a:lvl5pPr>
             <a:lvl6pPr eaLnBrk="0" fontAlgn="base" hangingPunct="0">
@@ -21478,13 +21574,13 @@
               <a:spcAft>
                 <a:spcPct val="0"/>
               </a:spcAft>
-              <a:buFont typeface="Arial" panose="020B0604020202020204" pitchFamily="34" charset="0"/>
+              <a:buFont typeface="Arial" panose="02080604020202020204" pitchFamily="34" charset="0"/>
               <a:defRPr>
                 <a:solidFill>
                   <a:schemeClr val="tx1"/>
                 </a:solidFill>
-                <a:latin typeface="Arial" panose="020B0604020202020204" pitchFamily="34" charset="0"/>
-                <a:ea typeface="宋体" panose="02010600030101010101" pitchFamily="2" charset="-122"/>
+                <a:latin typeface="Arial" panose="02080604020202020204" pitchFamily="34" charset="0"/>
+                <a:ea typeface="宋体" pitchFamily="2" charset="-122"/>
               </a:defRPr>
             </a:lvl6pPr>
             <a:lvl7pPr eaLnBrk="0" fontAlgn="base" hangingPunct="0">
@@ -21494,13 +21590,13 @@
               <a:spcAft>
                 <a:spcPct val="0"/>
               </a:spcAft>
-              <a:buFont typeface="Arial" panose="020B0604020202020204" pitchFamily="34" charset="0"/>
+              <a:buFont typeface="Arial" panose="02080604020202020204" pitchFamily="34" charset="0"/>
               <a:defRPr>
                 <a:solidFill>
                   <a:schemeClr val="tx1"/>
                 </a:solidFill>
-                <a:latin typeface="Arial" panose="020B0604020202020204" pitchFamily="34" charset="0"/>
-                <a:ea typeface="宋体" panose="02010600030101010101" pitchFamily="2" charset="-122"/>
+                <a:latin typeface="Arial" panose="02080604020202020204" pitchFamily="34" charset="0"/>
+                <a:ea typeface="宋体" pitchFamily="2" charset="-122"/>
               </a:defRPr>
             </a:lvl7pPr>
             <a:lvl8pPr eaLnBrk="0" fontAlgn="base" hangingPunct="0">
@@ -21510,13 +21606,13 @@
               <a:spcAft>
                 <a:spcPct val="0"/>
               </a:spcAft>
-              <a:buFont typeface="Arial" panose="020B0604020202020204" pitchFamily="34" charset="0"/>
+              <a:buFont typeface="Arial" panose="02080604020202020204" pitchFamily="34" charset="0"/>
               <a:defRPr>
                 <a:solidFill>
                   <a:schemeClr val="tx1"/>
                 </a:solidFill>
-                <a:latin typeface="Arial" panose="020B0604020202020204" pitchFamily="34" charset="0"/>
-                <a:ea typeface="宋体" panose="02010600030101010101" pitchFamily="2" charset="-122"/>
+                <a:latin typeface="Arial" panose="02080604020202020204" pitchFamily="34" charset="0"/>
+                <a:ea typeface="宋体" pitchFamily="2" charset="-122"/>
               </a:defRPr>
             </a:lvl8pPr>
             <a:lvl9pPr eaLnBrk="0" fontAlgn="base" hangingPunct="0">
@@ -21526,13 +21622,13 @@
               <a:spcAft>
                 <a:spcPct val="0"/>
               </a:spcAft>
-              <a:buFont typeface="Arial" panose="020B0604020202020204" pitchFamily="34" charset="0"/>
+              <a:buFont typeface="Arial" panose="02080604020202020204" pitchFamily="34" charset="0"/>
               <a:defRPr>
                 <a:solidFill>
                   <a:schemeClr val="tx1"/>
                 </a:solidFill>
-                <a:latin typeface="Arial" panose="020B0604020202020204" pitchFamily="34" charset="0"/>
-                <a:ea typeface="宋体" panose="02010600030101010101" pitchFamily="2" charset="-122"/>
+                <a:latin typeface="Arial" panose="02080604020202020204" pitchFamily="34" charset="0"/>
+                <a:ea typeface="宋体" pitchFamily="2" charset="-122"/>
               </a:defRPr>
             </a:lvl9pPr>
           </a:lstStyle>
@@ -21549,7 +21645,7 @@
       <p:sp>
         <p:nvSpPr>
           <p:cNvPr id="6" name="Text Box 5"/>
-          <p:cNvSpPr txBox="1"/>
+          <p:cNvSpPr txBox="true"/>
           <p:nvPr/>
         </p:nvSpPr>
         <p:spPr>
@@ -21601,7 +21697,7 @@
         <p:nvSpPr>
           <p:cNvPr id="9" name="椭圆 15"/>
           <p:cNvSpPr>
-            <a:spLocks noChangeArrowheads="1"/>
+            <a:spLocks noChangeArrowheads="true"/>
           </p:cNvSpPr>
           <p:nvPr/>
         </p:nvSpPr>
@@ -21644,8 +21740,8 @@
                 <a:solidFill>
                   <a:schemeClr val="tx1"/>
                 </a:solidFill>
-                <a:latin typeface="Arial" panose="020B0604020202020204" pitchFamily="34" charset="0"/>
-                <a:ea typeface="宋体" panose="02010600030101010101" pitchFamily="2" charset="-122"/>
+                <a:latin typeface="Arial" panose="02080604020202020204" pitchFamily="34" charset="0"/>
+                <a:ea typeface="宋体" pitchFamily="2" charset="-122"/>
               </a:defRPr>
             </a:lvl1pPr>
             <a:lvl2pPr eaLnBrk="0" hangingPunct="0">
@@ -21653,8 +21749,8 @@
                 <a:solidFill>
                   <a:schemeClr val="tx1"/>
                 </a:solidFill>
-                <a:latin typeface="Arial" panose="020B0604020202020204" pitchFamily="34" charset="0"/>
-                <a:ea typeface="宋体" panose="02010600030101010101" pitchFamily="2" charset="-122"/>
+                <a:latin typeface="Arial" panose="02080604020202020204" pitchFamily="34" charset="0"/>
+                <a:ea typeface="宋体" pitchFamily="2" charset="-122"/>
               </a:defRPr>
             </a:lvl2pPr>
             <a:lvl3pPr eaLnBrk="0" hangingPunct="0">
@@ -21662,8 +21758,8 @@
                 <a:solidFill>
                   <a:schemeClr val="tx1"/>
                 </a:solidFill>
-                <a:latin typeface="Arial" panose="020B0604020202020204" pitchFamily="34" charset="0"/>
-                <a:ea typeface="宋体" panose="02010600030101010101" pitchFamily="2" charset="-122"/>
+                <a:latin typeface="Arial" panose="02080604020202020204" pitchFamily="34" charset="0"/>
+                <a:ea typeface="宋体" pitchFamily="2" charset="-122"/>
               </a:defRPr>
             </a:lvl3pPr>
             <a:lvl4pPr eaLnBrk="0" hangingPunct="0">
@@ -21671,8 +21767,8 @@
                 <a:solidFill>
                   <a:schemeClr val="tx1"/>
                 </a:solidFill>
-                <a:latin typeface="Arial" panose="020B0604020202020204" pitchFamily="34" charset="0"/>
-                <a:ea typeface="宋体" panose="02010600030101010101" pitchFamily="2" charset="-122"/>
+                <a:latin typeface="Arial" panose="02080604020202020204" pitchFamily="34" charset="0"/>
+                <a:ea typeface="宋体" pitchFamily="2" charset="-122"/>
               </a:defRPr>
             </a:lvl4pPr>
             <a:lvl5pPr eaLnBrk="0" hangingPunct="0">
@@ -21680,8 +21776,8 @@
                 <a:solidFill>
                   <a:schemeClr val="tx1"/>
                 </a:solidFill>
-                <a:latin typeface="Arial" panose="020B0604020202020204" pitchFamily="34" charset="0"/>
-                <a:ea typeface="宋体" panose="02010600030101010101" pitchFamily="2" charset="-122"/>
+                <a:latin typeface="Arial" panose="02080604020202020204" pitchFamily="34" charset="0"/>
+                <a:ea typeface="宋体" pitchFamily="2" charset="-122"/>
               </a:defRPr>
             </a:lvl5pPr>
             <a:lvl6pPr eaLnBrk="0" fontAlgn="base" hangingPunct="0">
@@ -21691,13 +21787,13 @@
               <a:spcAft>
                 <a:spcPct val="0"/>
               </a:spcAft>
-              <a:buFont typeface="Arial" panose="020B0604020202020204" pitchFamily="34" charset="0"/>
+              <a:buFont typeface="Arial" panose="02080604020202020204" pitchFamily="34" charset="0"/>
               <a:defRPr>
                 <a:solidFill>
                   <a:schemeClr val="tx1"/>
                 </a:solidFill>
-                <a:latin typeface="Arial" panose="020B0604020202020204" pitchFamily="34" charset="0"/>
-                <a:ea typeface="宋体" panose="02010600030101010101" pitchFamily="2" charset="-122"/>
+                <a:latin typeface="Arial" panose="02080604020202020204" pitchFamily="34" charset="0"/>
+                <a:ea typeface="宋体" pitchFamily="2" charset="-122"/>
               </a:defRPr>
             </a:lvl6pPr>
             <a:lvl7pPr eaLnBrk="0" fontAlgn="base" hangingPunct="0">
@@ -21707,13 +21803,13 @@
               <a:spcAft>
                 <a:spcPct val="0"/>
               </a:spcAft>
-              <a:buFont typeface="Arial" panose="020B0604020202020204" pitchFamily="34" charset="0"/>
+              <a:buFont typeface="Arial" panose="02080604020202020204" pitchFamily="34" charset="0"/>
               <a:defRPr>
                 <a:solidFill>
                   <a:schemeClr val="tx1"/>
                 </a:solidFill>
-                <a:latin typeface="Arial" panose="020B0604020202020204" pitchFamily="34" charset="0"/>
-                <a:ea typeface="宋体" panose="02010600030101010101" pitchFamily="2" charset="-122"/>
+                <a:latin typeface="Arial" panose="02080604020202020204" pitchFamily="34" charset="0"/>
+                <a:ea typeface="宋体" pitchFamily="2" charset="-122"/>
               </a:defRPr>
             </a:lvl7pPr>
             <a:lvl8pPr eaLnBrk="0" fontAlgn="base" hangingPunct="0">
@@ -21723,13 +21819,13 @@
               <a:spcAft>
                 <a:spcPct val="0"/>
               </a:spcAft>
-              <a:buFont typeface="Arial" panose="020B0604020202020204" pitchFamily="34" charset="0"/>
+              <a:buFont typeface="Arial" panose="02080604020202020204" pitchFamily="34" charset="0"/>
               <a:defRPr>
                 <a:solidFill>
                   <a:schemeClr val="tx1"/>
                 </a:solidFill>
-                <a:latin typeface="Arial" panose="020B0604020202020204" pitchFamily="34" charset="0"/>
-                <a:ea typeface="宋体" panose="02010600030101010101" pitchFamily="2" charset="-122"/>
+                <a:latin typeface="Arial" panose="02080604020202020204" pitchFamily="34" charset="0"/>
+                <a:ea typeface="宋体" pitchFamily="2" charset="-122"/>
               </a:defRPr>
             </a:lvl8pPr>
             <a:lvl9pPr eaLnBrk="0" fontAlgn="base" hangingPunct="0">
@@ -21739,13 +21835,13 @@
               <a:spcAft>
                 <a:spcPct val="0"/>
               </a:spcAft>
-              <a:buFont typeface="Arial" panose="020B0604020202020204" pitchFamily="34" charset="0"/>
+              <a:buFont typeface="Arial" panose="02080604020202020204" pitchFamily="34" charset="0"/>
               <a:defRPr>
                 <a:solidFill>
                   <a:schemeClr val="tx1"/>
                 </a:solidFill>
-                <a:latin typeface="Arial" panose="020B0604020202020204" pitchFamily="34" charset="0"/>
-                <a:ea typeface="宋体" panose="02010600030101010101" pitchFamily="2" charset="-122"/>
+                <a:latin typeface="Arial" panose="02080604020202020204" pitchFamily="34" charset="0"/>
+                <a:ea typeface="宋体" pitchFamily="2" charset="-122"/>
               </a:defRPr>
             </a:lvl9pPr>
           </a:lstStyle>
@@ -21762,7 +21858,7 @@
       <p:sp>
         <p:nvSpPr>
           <p:cNvPr id="10" name="Text Box 9"/>
-          <p:cNvSpPr txBox="1"/>
+          <p:cNvSpPr txBox="true"/>
           <p:nvPr/>
         </p:nvSpPr>
         <p:spPr>
@@ -21819,7 +21915,7 @@
           <p:nvPr/>
         </p:nvCxnSpPr>
         <p:spPr>
-          <a:xfrm flipV="1">
+          <a:xfrm flipV="true">
             <a:off x="2056130" y="3643630"/>
             <a:ext cx="781050" cy="1905"/>
           </a:xfrm>
@@ -21852,7 +21948,7 @@
         <p:nvPicPr>
           <p:cNvPr id="12" name="Picture 11"/>
           <p:cNvPicPr>
-            <a:picLocks noChangeAspect="1"/>
+            <a:picLocks noChangeAspect="true"/>
           </p:cNvPicPr>
           <p:nvPr/>
         </p:nvPicPr>
@@ -21875,7 +21971,7 @@
       <p:sp>
         <p:nvSpPr>
           <p:cNvPr id="14" name="Text Box 13"/>
-          <p:cNvSpPr txBox="1"/>
+          <p:cNvSpPr txBox="true"/>
           <p:nvPr/>
         </p:nvSpPr>
         <p:spPr>
@@ -21901,13 +21997,7 @@
               <a:rPr lang="zh-CN" altLang="en-US">
                 <a:sym typeface="+mn-ea"/>
               </a:rPr>
-              <a:t>可以回答的问题数量有限，</a:t>
-            </a:r>
-            <a:r>
-              <a:rPr lang="zh-CN" altLang="en-US">
-                <a:sym typeface="+mn-ea"/>
-              </a:rPr>
-              <a:t>极度依赖于数据集</a:t>
+              <a:t>可以回答的问题数量有限，极度依赖于数据集</a:t>
             </a:r>
             <a:endParaRPr lang="zh-CN" altLang="en-US">
               <a:sym typeface="+mn-ea"/>
@@ -21931,7 +22021,7 @@
       <p:sp>
         <p:nvSpPr>
           <p:cNvPr id="17" name="Text Box 16"/>
-          <p:cNvSpPr txBox="1"/>
+          <p:cNvSpPr txBox="true"/>
           <p:nvPr/>
         </p:nvSpPr>
         <p:spPr>
@@ -21966,7 +22056,7 @@
           <p:nvPr/>
         </p:nvCxnSpPr>
         <p:spPr>
-          <a:xfrm flipV="1">
+          <a:xfrm flipV="true">
             <a:off x="2056130" y="1579880"/>
             <a:ext cx="781050" cy="1905"/>
           </a:xfrm>
@@ -22075,7 +22165,7 @@
         <p:nvPicPr>
           <p:cNvPr id="4" name="图片 3"/>
           <p:cNvPicPr>
-            <a:picLocks noChangeAspect="1"/>
+            <a:picLocks noChangeAspect="true"/>
           </p:cNvPicPr>
           <p:nvPr/>
         </p:nvPicPr>
@@ -22083,7 +22173,7 @@
           <a:blip r:embed="rId1" cstate="print">
             <a:extLst>
               <a:ext uri="{28A0092B-C50C-407E-A947-70E740481C1C}">
-                <a14:useLocalDpi xmlns:a14="http://schemas.microsoft.com/office/drawing/2010/main" val="0"/>
+                <a14:useLocalDpi xmlns:a14="http://schemas.microsoft.com/office/drawing/2010/main" val="false"/>
               </a:ext>
             </a:extLst>
           </a:blip>
@@ -22105,7 +22195,7 @@
         <p:nvSpPr>
           <p:cNvPr id="8" name="圆角矩形 8"/>
           <p:cNvSpPr>
-            <a:spLocks noChangeArrowheads="1"/>
+            <a:spLocks noChangeArrowheads="true"/>
           </p:cNvSpPr>
           <p:nvPr/>
         </p:nvSpPr>
@@ -22137,8 +22227,8 @@
                 <a:solidFill>
                   <a:schemeClr val="tx1"/>
                 </a:solidFill>
-                <a:latin typeface="Arial" panose="020B0604020202020204" pitchFamily="34" charset="0"/>
-                <a:ea typeface="宋体" panose="02010600030101010101" pitchFamily="2" charset="-122"/>
+                <a:latin typeface="Arial" panose="02080604020202020204" pitchFamily="34" charset="0"/>
+                <a:ea typeface="宋体" pitchFamily="2" charset="-122"/>
               </a:defRPr>
             </a:lvl1pPr>
             <a:lvl2pPr eaLnBrk="0" hangingPunct="0">
@@ -22146,8 +22236,8 @@
                 <a:solidFill>
                   <a:schemeClr val="tx1"/>
                 </a:solidFill>
-                <a:latin typeface="Arial" panose="020B0604020202020204" pitchFamily="34" charset="0"/>
-                <a:ea typeface="宋体" panose="02010600030101010101" pitchFamily="2" charset="-122"/>
+                <a:latin typeface="Arial" panose="02080604020202020204" pitchFamily="34" charset="0"/>
+                <a:ea typeface="宋体" pitchFamily="2" charset="-122"/>
               </a:defRPr>
             </a:lvl2pPr>
             <a:lvl3pPr eaLnBrk="0" hangingPunct="0">
@@ -22155,8 +22245,8 @@
                 <a:solidFill>
                   <a:schemeClr val="tx1"/>
                 </a:solidFill>
-                <a:latin typeface="Arial" panose="020B0604020202020204" pitchFamily="34" charset="0"/>
-                <a:ea typeface="宋体" panose="02010600030101010101" pitchFamily="2" charset="-122"/>
+                <a:latin typeface="Arial" panose="02080604020202020204" pitchFamily="34" charset="0"/>
+                <a:ea typeface="宋体" pitchFamily="2" charset="-122"/>
               </a:defRPr>
             </a:lvl3pPr>
             <a:lvl4pPr eaLnBrk="0" hangingPunct="0">
@@ -22164,8 +22254,8 @@
                 <a:solidFill>
                   <a:schemeClr val="tx1"/>
                 </a:solidFill>
-                <a:latin typeface="Arial" panose="020B0604020202020204" pitchFamily="34" charset="0"/>
-                <a:ea typeface="宋体" panose="02010600030101010101" pitchFamily="2" charset="-122"/>
+                <a:latin typeface="Arial" panose="02080604020202020204" pitchFamily="34" charset="0"/>
+                <a:ea typeface="宋体" pitchFamily="2" charset="-122"/>
               </a:defRPr>
             </a:lvl4pPr>
             <a:lvl5pPr eaLnBrk="0" hangingPunct="0">
@@ -22173,8 +22263,8 @@
                 <a:solidFill>
                   <a:schemeClr val="tx1"/>
                 </a:solidFill>
-                <a:latin typeface="Arial" panose="020B0604020202020204" pitchFamily="34" charset="0"/>
-                <a:ea typeface="宋体" panose="02010600030101010101" pitchFamily="2" charset="-122"/>
+                <a:latin typeface="Arial" panose="02080604020202020204" pitchFamily="34" charset="0"/>
+                <a:ea typeface="宋体" pitchFamily="2" charset="-122"/>
               </a:defRPr>
             </a:lvl5pPr>
             <a:lvl6pPr eaLnBrk="0" fontAlgn="base" hangingPunct="0">
@@ -22184,13 +22274,13 @@
               <a:spcAft>
                 <a:spcPct val="0"/>
               </a:spcAft>
-              <a:buFont typeface="Arial" panose="020B0604020202020204" pitchFamily="34" charset="0"/>
+              <a:buFont typeface="Arial" panose="02080604020202020204" pitchFamily="34" charset="0"/>
               <a:defRPr>
                 <a:solidFill>
                   <a:schemeClr val="tx1"/>
                 </a:solidFill>
-                <a:latin typeface="Arial" panose="020B0604020202020204" pitchFamily="34" charset="0"/>
-                <a:ea typeface="宋体" panose="02010600030101010101" pitchFamily="2" charset="-122"/>
+                <a:latin typeface="Arial" panose="02080604020202020204" pitchFamily="34" charset="0"/>
+                <a:ea typeface="宋体" pitchFamily="2" charset="-122"/>
               </a:defRPr>
             </a:lvl6pPr>
             <a:lvl7pPr eaLnBrk="0" fontAlgn="base" hangingPunct="0">
@@ -22200,13 +22290,13 @@
               <a:spcAft>
                 <a:spcPct val="0"/>
               </a:spcAft>
-              <a:buFont typeface="Arial" panose="020B0604020202020204" pitchFamily="34" charset="0"/>
+              <a:buFont typeface="Arial" panose="02080604020202020204" pitchFamily="34" charset="0"/>
               <a:defRPr>
                 <a:solidFill>
                   <a:schemeClr val="tx1"/>
                 </a:solidFill>
-                <a:latin typeface="Arial" panose="020B0604020202020204" pitchFamily="34" charset="0"/>
-                <a:ea typeface="宋体" panose="02010600030101010101" pitchFamily="2" charset="-122"/>
+                <a:latin typeface="Arial" panose="02080604020202020204" pitchFamily="34" charset="0"/>
+                <a:ea typeface="宋体" pitchFamily="2" charset="-122"/>
               </a:defRPr>
             </a:lvl7pPr>
             <a:lvl8pPr eaLnBrk="0" fontAlgn="base" hangingPunct="0">
@@ -22216,13 +22306,13 @@
               <a:spcAft>
                 <a:spcPct val="0"/>
               </a:spcAft>
-              <a:buFont typeface="Arial" panose="020B0604020202020204" pitchFamily="34" charset="0"/>
+              <a:buFont typeface="Arial" panose="02080604020202020204" pitchFamily="34" charset="0"/>
               <a:defRPr>
                 <a:solidFill>
                   <a:schemeClr val="tx1"/>
                 </a:solidFill>
-                <a:latin typeface="Arial" panose="020B0604020202020204" pitchFamily="34" charset="0"/>
-                <a:ea typeface="宋体" panose="02010600030101010101" pitchFamily="2" charset="-122"/>
+                <a:latin typeface="Arial" panose="02080604020202020204" pitchFamily="34" charset="0"/>
+                <a:ea typeface="宋体" pitchFamily="2" charset="-122"/>
               </a:defRPr>
             </a:lvl8pPr>
             <a:lvl9pPr eaLnBrk="0" fontAlgn="base" hangingPunct="0">
@@ -22232,13 +22322,13 @@
               <a:spcAft>
                 <a:spcPct val="0"/>
               </a:spcAft>
-              <a:buFont typeface="Arial" panose="020B0604020202020204" pitchFamily="34" charset="0"/>
+              <a:buFont typeface="Arial" panose="02080604020202020204" pitchFamily="34" charset="0"/>
               <a:defRPr>
                 <a:solidFill>
                   <a:schemeClr val="tx1"/>
                 </a:solidFill>
-                <a:latin typeface="Arial" panose="020B0604020202020204" pitchFamily="34" charset="0"/>
-                <a:ea typeface="宋体" panose="02010600030101010101" pitchFamily="2" charset="-122"/>
+                <a:latin typeface="Arial" panose="02080604020202020204" pitchFamily="34" charset="0"/>
+                <a:ea typeface="宋体" pitchFamily="2" charset="-122"/>
               </a:defRPr>
             </a:lvl9pPr>
           </a:lstStyle>
@@ -22290,7 +22380,7 @@
       <p:sp>
         <p:nvSpPr>
           <p:cNvPr id="5" name="Text Box 4"/>
-          <p:cNvSpPr txBox="1"/>
+          <p:cNvSpPr txBox="true"/>
           <p:nvPr/>
         </p:nvSpPr>
         <p:spPr>
@@ -22310,7 +22400,6 @@
           <a:p>
             <a:r>
               <a:rPr lang="zh-CN" altLang="en-US">
-                <a:ln/>
                 <a:solidFill>
                   <a:schemeClr val="tx1"/>
                 </a:solidFill>
@@ -22348,7 +22437,7 @@
       <p:sp>
         <p:nvSpPr>
           <p:cNvPr id="7" name="Text Box 6"/>
-          <p:cNvSpPr txBox="1"/>
+          <p:cNvSpPr txBox="true"/>
           <p:nvPr/>
         </p:nvSpPr>
         <p:spPr>
@@ -22368,7 +22457,6 @@
           <a:p>
             <a:r>
               <a:rPr lang="zh-CN" altLang="en-US">
-                <a:ln/>
                 <a:solidFill>
                   <a:schemeClr val="tx1"/>
                 </a:solidFill>
@@ -22428,7 +22516,7 @@
       <p:sp>
         <p:nvSpPr>
           <p:cNvPr id="10" name="Text Box 9"/>
-          <p:cNvSpPr txBox="1"/>
+          <p:cNvSpPr txBox="true"/>
           <p:nvPr/>
         </p:nvSpPr>
         <p:spPr>
@@ -22448,7 +22536,6 @@
           <a:p>
             <a:r>
               <a:rPr lang="zh-CN" altLang="en-US">
-                <a:ln/>
                 <a:solidFill>
                   <a:schemeClr val="tx1"/>
                 </a:solidFill>
@@ -22485,7 +22572,7 @@
       <p:sp>
         <p:nvSpPr>
           <p:cNvPr id="11" name="Text Box 10"/>
-          <p:cNvSpPr txBox="1"/>
+          <p:cNvSpPr txBox="true"/>
           <p:nvPr/>
         </p:nvSpPr>
         <p:spPr>
@@ -22609,7 +22696,7 @@
         <p:nvPicPr>
           <p:cNvPr id="17" name="Picture 16"/>
           <p:cNvPicPr>
-            <a:picLocks noChangeAspect="1"/>
+            <a:picLocks noChangeAspect="true"/>
           </p:cNvPicPr>
           <p:nvPr/>
         </p:nvPicPr>
@@ -22633,7 +22720,7 @@
         <p:nvPicPr>
           <p:cNvPr id="4" name="图片 3"/>
           <p:cNvPicPr>
-            <a:picLocks noChangeAspect="1"/>
+            <a:picLocks noChangeAspect="true"/>
           </p:cNvPicPr>
           <p:nvPr/>
         </p:nvPicPr>
@@ -22641,7 +22728,7 @@
           <a:blip r:embed="rId2" cstate="print">
             <a:extLst>
               <a:ext uri="{28A0092B-C50C-407E-A947-70E740481C1C}">
-                <a14:useLocalDpi xmlns:a14="http://schemas.microsoft.com/office/drawing/2010/main" val="0"/>
+                <a14:useLocalDpi xmlns:a14="http://schemas.microsoft.com/office/drawing/2010/main" val="false"/>
               </a:ext>
             </a:extLst>
           </a:blip>
@@ -22662,7 +22749,7 @@
       <p:sp>
         <p:nvSpPr>
           <p:cNvPr id="6" name="Text Box 5"/>
-          <p:cNvSpPr txBox="1"/>
+          <p:cNvSpPr txBox="true"/>
           <p:nvPr/>
         </p:nvSpPr>
         <p:spPr>
@@ -22717,7 +22804,7 @@
       <p:sp>
         <p:nvSpPr>
           <p:cNvPr id="11" name="Text Box 10"/>
-          <p:cNvSpPr txBox="1"/>
+          <p:cNvSpPr txBox="true"/>
           <p:nvPr/>
         </p:nvSpPr>
         <p:spPr>
@@ -22874,7 +22961,7 @@
           </a:fontRef>
         </p:style>
         <p:txBody>
-          <a:bodyPr rot="0" spcFirstLastPara="0" vertOverflow="overflow" horzOverflow="overflow" vert="horz" wrap="square" lIns="91440" tIns="45720" rIns="91440" bIns="45720" numCol="1" spcCol="0" rtlCol="0" fromWordArt="0" anchor="ctr" anchorCtr="0" forceAA="0" compatLnSpc="1">
+          <a:bodyPr rot="0" spcFirstLastPara="0" vertOverflow="overflow" horzOverflow="overflow" vert="horz" wrap="square" lIns="91440" tIns="45720" rIns="91440" bIns="45720" numCol="1" spcCol="0" rtlCol="0" fromWordArt="false" anchor="ctr" anchorCtr="false" forceAA="false" compatLnSpc="true">
             <a:noAutofit/>
           </a:bodyPr>
           <a:p>
@@ -22889,7 +22976,7 @@
         <p:nvPicPr>
           <p:cNvPr id="2" name="图片 3"/>
           <p:cNvPicPr>
-            <a:picLocks noChangeAspect="1"/>
+            <a:picLocks noChangeAspect="true"/>
           </p:cNvPicPr>
           <p:nvPr/>
         </p:nvPicPr>
@@ -22897,7 +22984,7 @@
           <a:blip r:embed="rId1" cstate="print">
             <a:extLst>
               <a:ext uri="{28A0092B-C50C-407E-A947-70E740481C1C}">
-                <a14:useLocalDpi xmlns:a14="http://schemas.microsoft.com/office/drawing/2010/main" val="0"/>
+                <a14:useLocalDpi xmlns:a14="http://schemas.microsoft.com/office/drawing/2010/main" val="false"/>
               </a:ext>
             </a:extLst>
           </a:blip>
@@ -22918,7 +23005,7 @@
       <p:sp>
         <p:nvSpPr>
           <p:cNvPr id="3" name="Text Box 2"/>
-          <p:cNvSpPr txBox="1"/>
+          <p:cNvSpPr txBox="true"/>
           <p:nvPr/>
         </p:nvSpPr>
         <p:spPr>
@@ -23040,7 +23127,7 @@
       <p:sp>
         <p:nvSpPr>
           <p:cNvPr id="8" name="Text Box 7"/>
-          <p:cNvSpPr txBox="1"/>
+          <p:cNvSpPr txBox="true"/>
           <p:nvPr/>
         </p:nvSpPr>
         <p:spPr>
@@ -23078,7 +23165,7 @@
                 </a:schemeClr>
               </a:gs>
             </a:gsLst>
-            <a:lin ang="5400000" scaled="0"/>
+            <a:lin ang="5400000" scaled="false"/>
           </a:gradFill>
         </p:spPr>
         <p:txBody>
@@ -23131,7 +23218,7 @@
           </a:fontRef>
         </p:style>
         <p:txBody>
-          <a:bodyPr rot="0" spcFirstLastPara="0" vertOverflow="overflow" horzOverflow="overflow" vert="horz" wrap="square" lIns="91440" tIns="45720" rIns="91440" bIns="45720" numCol="1" spcCol="0" rtlCol="0" fromWordArt="0" anchor="ctr" anchorCtr="0" forceAA="0" compatLnSpc="1">
+          <a:bodyPr rot="0" spcFirstLastPara="0" vertOverflow="overflow" horzOverflow="overflow" vert="horz" wrap="square" lIns="91440" tIns="45720" rIns="91440" bIns="45720" numCol="1" spcCol="0" rtlCol="0" fromWordArt="false" anchor="ctr" anchorCtr="false" forceAA="false" compatLnSpc="true">
             <a:noAutofit/>
           </a:bodyPr>
           <a:p>
@@ -23184,7 +23271,7 @@
       <p:sp>
         <p:nvSpPr>
           <p:cNvPr id="14" name="Text Box 13"/>
-          <p:cNvSpPr txBox="1"/>
+          <p:cNvSpPr txBox="true"/>
           <p:nvPr/>
         </p:nvSpPr>
         <p:spPr>
@@ -23222,7 +23309,7 @@
                 </a:schemeClr>
               </a:gs>
             </a:gsLst>
-            <a:lin ang="5400000" scaled="0"/>
+            <a:lin ang="5400000" scaled="false"/>
           </a:gradFill>
         </p:spPr>
         <p:txBody>
@@ -23277,7 +23364,7 @@
           </a:fontRef>
         </p:style>
         <p:txBody>
-          <a:bodyPr rot="0" spcFirstLastPara="0" vertOverflow="overflow" horzOverflow="overflow" vert="horz" wrap="square" lIns="91440" tIns="45720" rIns="91440" bIns="45720" numCol="1" spcCol="0" rtlCol="0" fromWordArt="0" anchor="ctr" anchorCtr="0" forceAA="0" compatLnSpc="1">
+          <a:bodyPr rot="0" spcFirstLastPara="0" vertOverflow="overflow" horzOverflow="overflow" vert="horz" wrap="square" lIns="91440" tIns="45720" rIns="91440" bIns="45720" numCol="1" spcCol="0" rtlCol="0" fromWordArt="false" anchor="ctr" anchorCtr="false" forceAA="false" compatLnSpc="true">
             <a:noAutofit/>
           </a:bodyPr>
           <a:p>
@@ -23330,7 +23417,7 @@
       <p:sp>
         <p:nvSpPr>
           <p:cNvPr id="20" name="Text Box 19"/>
-          <p:cNvSpPr txBox="1"/>
+          <p:cNvSpPr txBox="true"/>
           <p:nvPr/>
         </p:nvSpPr>
         <p:spPr>
@@ -23368,7 +23455,7 @@
                 </a:schemeClr>
               </a:gs>
             </a:gsLst>
-            <a:lin ang="5400000" scaled="0"/>
+            <a:lin ang="5400000" scaled="false"/>
           </a:gradFill>
         </p:spPr>
         <p:txBody>
@@ -23423,7 +23510,7 @@
           </a:fontRef>
         </p:style>
         <p:txBody>
-          <a:bodyPr rot="0" spcFirstLastPara="0" vertOverflow="overflow" horzOverflow="overflow" vert="horz" wrap="square" lIns="91440" tIns="45720" rIns="91440" bIns="45720" numCol="1" spcCol="0" rtlCol="0" fromWordArt="0" anchor="ctr" anchorCtr="0" forceAA="0" compatLnSpc="1">
+          <a:bodyPr rot="0" spcFirstLastPara="0" vertOverflow="overflow" horzOverflow="overflow" vert="horz" wrap="square" lIns="91440" tIns="45720" rIns="91440" bIns="45720" numCol="1" spcCol="0" rtlCol="0" fromWordArt="false" anchor="ctr" anchorCtr="false" forceAA="false" compatLnSpc="true">
             <a:noAutofit/>
           </a:bodyPr>
           <a:p>
@@ -23476,7 +23563,7 @@
       <p:sp>
         <p:nvSpPr>
           <p:cNvPr id="25" name="Text Box 24"/>
-          <p:cNvSpPr txBox="1"/>
+          <p:cNvSpPr txBox="true"/>
           <p:nvPr/>
         </p:nvSpPr>
         <p:spPr>
@@ -23514,7 +23601,7 @@
                 </a:schemeClr>
               </a:gs>
             </a:gsLst>
-            <a:lin ang="5400000" scaled="0"/>
+            <a:lin ang="5400000" scaled="false"/>
           </a:gradFill>
         </p:spPr>
         <p:txBody>
@@ -23578,7 +23665,7 @@
         <p:nvPicPr>
           <p:cNvPr id="2" name="图片 3"/>
           <p:cNvPicPr>
-            <a:picLocks noChangeAspect="1"/>
+            <a:picLocks noChangeAspect="true"/>
           </p:cNvPicPr>
           <p:nvPr/>
         </p:nvPicPr>
@@ -23586,7 +23673,7 @@
           <a:blip r:embed="rId1" cstate="print">
             <a:extLst>
               <a:ext uri="{28A0092B-C50C-407E-A947-70E740481C1C}">
-                <a14:useLocalDpi xmlns:a14="http://schemas.microsoft.com/office/drawing/2010/main" val="0"/>
+                <a14:useLocalDpi xmlns:a14="http://schemas.microsoft.com/office/drawing/2010/main" val="false"/>
               </a:ext>
             </a:extLst>
           </a:blip>
@@ -23608,7 +23695,7 @@
         <p:nvPicPr>
           <p:cNvPr id="4" name="Picture 3"/>
           <p:cNvPicPr>
-            <a:picLocks noChangeAspect="1"/>
+            <a:picLocks noChangeAspect="true"/>
           </p:cNvPicPr>
           <p:nvPr/>
         </p:nvPicPr>
@@ -23631,7 +23718,7 @@
       <p:sp>
         <p:nvSpPr>
           <p:cNvPr id="5" name="Text Box 4"/>
-          <p:cNvSpPr txBox="1"/>
+          <p:cNvSpPr txBox="true"/>
           <p:nvPr/>
         </p:nvSpPr>
         <p:spPr>
@@ -23792,7 +23879,7 @@
         <a:solidFill>
           <a:schemeClr val="phClr"/>
         </a:solidFill>
-        <a:gradFill rotWithShape="1">
+        <a:gradFill rotWithShape="true">
           <a:gsLst>
             <a:gs pos="0">
               <a:schemeClr val="phClr">
@@ -23816,9 +23903,9 @@
               </a:schemeClr>
             </a:gs>
           </a:gsLst>
-          <a:lin ang="5400000" scaled="0"/>
+          <a:lin ang="5400000" scaled="false"/>
         </a:gradFill>
-        <a:gradFill rotWithShape="1">
+        <a:gradFill rotWithShape="true">
           <a:gsLst>
             <a:gs pos="0">
               <a:schemeClr val="phClr">
@@ -23842,7 +23929,7 @@
               </a:schemeClr>
             </a:gs>
           </a:gsLst>
-          <a:lin ang="5400000" scaled="0"/>
+          <a:lin ang="5400000" scaled="false"/>
         </a:gradFill>
       </a:fillStyleLst>
       <a:lnStyleLst>
@@ -23895,7 +23982,7 @@
             <a:satMod val="170000"/>
           </a:schemeClr>
         </a:solidFill>
-        <a:gradFill rotWithShape="1">
+        <a:gradFill rotWithShape="true">
           <a:gsLst>
             <a:gs pos="0">
               <a:schemeClr val="phClr">
@@ -23920,7 +24007,7 @@
               </a:schemeClr>
             </a:gs>
           </a:gsLst>
-          <a:lin ang="5400000" scaled="0"/>
+          <a:lin ang="5400000" scaled="false"/>
         </a:gradFill>
       </a:bgFillStyleLst>
     </a:fmtScheme>
@@ -24051,7 +24138,7 @@
         <a:solidFill>
           <a:schemeClr val="phClr"/>
         </a:solidFill>
-        <a:gradFill rotWithShape="1">
+        <a:gradFill rotWithShape="true">
           <a:gsLst>
             <a:gs pos="0">
               <a:schemeClr val="phClr">
@@ -24075,9 +24162,9 @@
               </a:schemeClr>
             </a:gs>
           </a:gsLst>
-          <a:lin ang="5400000" scaled="0"/>
+          <a:lin ang="5400000" scaled="false"/>
         </a:gradFill>
-        <a:gradFill rotWithShape="1">
+        <a:gradFill rotWithShape="true">
           <a:gsLst>
             <a:gs pos="0">
               <a:schemeClr val="phClr">
@@ -24101,7 +24188,7 @@
               </a:schemeClr>
             </a:gs>
           </a:gsLst>
-          <a:lin ang="5400000" scaled="0"/>
+          <a:lin ang="5400000" scaled="false"/>
         </a:gradFill>
       </a:fillStyleLst>
       <a:lnStyleLst>
@@ -24154,7 +24241,7 @@
             <a:satMod val="170000"/>
           </a:schemeClr>
         </a:solidFill>
-        <a:gradFill rotWithShape="1">
+        <a:gradFill rotWithShape="true">
           <a:gsLst>
             <a:gs pos="0">
               <a:schemeClr val="phClr">
@@ -24179,7 +24266,7 @@
               </a:schemeClr>
             </a:gs>
           </a:gsLst>
-          <a:lin ang="5400000" scaled="0"/>
+          <a:lin ang="5400000" scaled="false"/>
         </a:gradFill>
       </a:bgFillStyleLst>
     </a:fmtScheme>

--- a/孙相会.pptx
+++ b/孙相会.pptx
@@ -28,17 +28,12 @@
     <p:sldId id="642" r:id="rId21"/>
     <p:sldId id="643" r:id="rId22"/>
     <p:sldId id="511" r:id="rId23"/>
-    <p:sldId id="640" r:id="rId24"/>
-    <p:sldId id="641" r:id="rId25"/>
-    <p:sldId id="597" r:id="rId26"/>
-    <p:sldId id="397" r:id="rId27"/>
-    <p:sldId id="454" r:id="rId28"/>
-    <p:sldId id="535" r:id="rId29"/>
-    <p:sldId id="404" r:id="rId30"/>
-    <p:sldId id="626" r:id="rId31"/>
-    <p:sldId id="579" r:id="rId32"/>
-    <p:sldId id="403" r:id="rId33"/>
-    <p:sldId id="578" r:id="rId34"/>
+    <p:sldId id="641" r:id="rId24"/>
+    <p:sldId id="597" r:id="rId25"/>
+    <p:sldId id="666" r:id="rId26"/>
+    <p:sldId id="579" r:id="rId27"/>
+    <p:sldId id="535" r:id="rId28"/>
+    <p:sldId id="668" r:id="rId29"/>
   </p:sldIdLst>
   <p:sldSz cx="9144000" cy="5143500" type="screen16x9"/>
   <p:notesSz cx="6858000" cy="9144000"/>
@@ -1612,7 +1607,12 @@
             <p:ph type="sldImg"/>
           </p:nvPr>
         </p:nvSpPr>
-        <p:spPr/>
+        <p:spPr>
+          <a:xfrm>
+            <a:off x="1108075" y="812800"/>
+            <a:ext cx="5343525" cy="4008438"/>
+          </a:xfrm>
+        </p:spPr>
       </p:sp>
       <p:sp>
         <p:nvSpPr>
@@ -1629,28 +1629,6 @@
           <a:bodyPr/>
           <a:lstStyle/>
           <a:p>
-            <a:endParaRPr lang="zh-CN" altLang="en-US"/>
-          </a:p>
-        </p:txBody>
-      </p:sp>
-      <p:sp>
-        <p:nvSpPr>
-          <p:cNvPr id="4" name="灯片编号占位符 3"/>
-          <p:cNvSpPr>
-            <a:spLocks noGrp="1"/>
-          </p:cNvSpPr>
-          <p:nvPr>
-            <p:ph type="sldNum" sz="quarter" idx="10"/>
-          </p:nvPr>
-        </p:nvSpPr>
-        <p:spPr/>
-        <p:txBody>
-          <a:bodyPr/>
-          <a:lstStyle/>
-          <a:p>
-            <a:fld id="{74E7DC6A-F9F9-48DB-9FE7-E174AE05389F}" type="slidenum">
-              <a:rPr lang="zh-CN" altLang="en-US" smtClean="0"/>
-            </a:fld>
             <a:endParaRPr lang="zh-CN" altLang="en-US"/>
           </a:p>
         </p:txBody>
@@ -6385,7 +6363,6 @@
             </a:pPr>
             <a:r>
               <a:rPr lang="en-US" sz="1800">
-                <a:ln/>
                 <a:solidFill>
                   <a:schemeClr val="tx1"/>
                 </a:solidFill>
@@ -6401,7 +6378,6 @@
             </a:r>
             <a:r>
               <a:rPr lang="zh-CN" altLang="en-US" sz="1800">
-                <a:ln/>
                 <a:solidFill>
                   <a:schemeClr val="tx1"/>
                 </a:solidFill>
@@ -6416,7 +6392,6 @@
               <a:t>结构可以同时考虑字与词的信息</a:t>
             </a:r>
             <a:endParaRPr lang="zh-CN" altLang="en-US" sz="1800">
-              <a:ln/>
               <a:solidFill>
                 <a:schemeClr val="tx1"/>
               </a:solidFill>
@@ -6436,7 +6411,6 @@
             </a:pPr>
             <a:r>
               <a:rPr lang="en-US" altLang="zh-CN" sz="1800">
-                <a:ln/>
                 <a:solidFill>
                   <a:schemeClr val="tx1"/>
                 </a:solidFill>
@@ -6452,7 +6426,6 @@
             </a:r>
             <a:r>
               <a:rPr lang="zh-CN" altLang="en-US" sz="1800">
-                <a:ln/>
                 <a:solidFill>
                   <a:schemeClr val="tx1"/>
                 </a:solidFill>
@@ -6467,7 +6440,6 @@
               <a:t>卷积用来提取局部特征</a:t>
             </a:r>
             <a:endParaRPr lang="zh-CN" altLang="en-US" sz="1800">
-              <a:ln/>
               <a:solidFill>
                 <a:schemeClr val="tx1"/>
               </a:solidFill>
@@ -6487,7 +6459,6 @@
             </a:pPr>
             <a:r>
               <a:rPr lang="en-US" altLang="zh-CN" sz="1800">
-                <a:ln/>
                 <a:solidFill>
                   <a:schemeClr val="tx1"/>
                 </a:solidFill>
@@ -6503,7 +6474,6 @@
             </a:r>
             <a:r>
               <a:rPr lang="zh-CN" altLang="en-US" sz="1800">
-                <a:ln/>
                 <a:solidFill>
                   <a:schemeClr val="tx1"/>
                 </a:solidFill>
@@ -6518,7 +6488,6 @@
               <a:t>用来提取全局特征</a:t>
             </a:r>
             <a:endParaRPr lang="zh-CN" altLang="en-US" sz="1800">
-              <a:ln/>
               <a:solidFill>
                 <a:schemeClr val="tx1"/>
               </a:solidFill>
@@ -6538,7 +6507,6 @@
             </a:pPr>
             <a:r>
               <a:rPr lang="zh-CN" altLang="en-US" sz="1800">
-                <a:ln/>
                 <a:solidFill>
                   <a:schemeClr val="tx1"/>
                 </a:solidFill>
@@ -6553,7 +6521,6 @@
               <a:t>多轮交互机制可以增强问题和文章之间的交互语义信息</a:t>
             </a:r>
             <a:endParaRPr lang="zh-CN" altLang="en-US" sz="1800">
-              <a:ln/>
               <a:solidFill>
                 <a:schemeClr val="tx1"/>
               </a:solidFill>
@@ -6591,7 +6558,6 @@
           <a:p>
             <a:r>
               <a:rPr lang="zh-CN" altLang="en-US">
-                <a:ln/>
                 <a:solidFill>
                   <a:srgbClr val="FF0000"/>
                 </a:solidFill>
@@ -6611,7 +6577,6 @@
             </a:r>
             <a:r>
               <a:rPr lang="en-US" altLang="zh-CN">
-                <a:ln/>
                 <a:solidFill>
                   <a:srgbClr val="FF0000"/>
                 </a:solidFill>
@@ -6631,7 +6596,6 @@
             </a:r>
             <a:r>
               <a:rPr lang="zh-CN" altLang="en-US">
-                <a:ln/>
                 <a:solidFill>
                   <a:srgbClr val="FF0000"/>
                 </a:solidFill>
@@ -6650,7 +6614,6 @@
               <a:t>结构</a:t>
             </a:r>
             <a:endParaRPr lang="zh-CN" altLang="en-US">
-              <a:ln/>
               <a:solidFill>
                 <a:srgbClr val="FF0000"/>
               </a:solidFill>
@@ -7218,7 +7181,6 @@
             </a:pPr>
             <a:r>
               <a:rPr lang="zh-CN" altLang="en-US" sz="1600">
-                <a:ln/>
                 <a:solidFill>
                   <a:schemeClr val="tx1"/>
                 </a:solidFill>
@@ -7235,7 +7197,6 @@
               <a:t>持续阅读模块：使得模型对文章足够理解的前提下预测答案</a:t>
             </a:r>
             <a:endParaRPr lang="zh-CN" altLang="en-US" sz="1600">
-              <a:ln/>
               <a:solidFill>
                 <a:schemeClr val="tx1"/>
               </a:solidFill>
@@ -7257,7 +7218,6 @@
             </a:pPr>
             <a:r>
               <a:rPr lang="zh-CN" altLang="en-US" sz="1600">
-                <a:ln/>
                 <a:solidFill>
                   <a:schemeClr val="tx1"/>
                 </a:solidFill>
@@ -7274,7 +7234,6 @@
               <a:t>答案验证模块：评估预测的答案与问题的相关度</a:t>
             </a:r>
             <a:endParaRPr lang="zh-CN" altLang="en-US" sz="1600">
-              <a:ln/>
               <a:solidFill>
                 <a:schemeClr val="tx1"/>
               </a:solidFill>
@@ -7491,7 +7450,6 @@
           <a:p>
             <a:r>
               <a:rPr lang="zh-CN" altLang="en-US" sz="1600">
-                <a:ln/>
                 <a:solidFill>
                   <a:schemeClr val="tx1"/>
                 </a:solidFill>
@@ -7507,7 +7465,6 @@
             </a:r>
             <a:r>
               <a:rPr lang="zh-CN" altLang="en-US" sz="1600">
-                <a:ln/>
                 <a:solidFill>
                   <a:srgbClr val="FF0000"/>
                 </a:solidFill>
@@ -7523,7 +7480,6 @@
             </a:r>
             <a:r>
               <a:rPr lang="zh-CN" altLang="en-US" sz="1600">
-                <a:ln/>
                 <a:solidFill>
                   <a:schemeClr val="tx1"/>
                 </a:solidFill>
@@ -7538,7 +7494,6 @@
               <a:t>反馈给文本匹配模块，</a:t>
             </a:r>
             <a:endParaRPr lang="zh-CN" altLang="en-US" sz="1600">
-              <a:ln/>
               <a:solidFill>
                 <a:schemeClr val="tx1"/>
               </a:solidFill>
@@ -7554,7 +7509,6 @@
           <a:p>
             <a:r>
               <a:rPr lang="zh-CN" altLang="en-US" sz="1600">
-                <a:ln/>
                 <a:solidFill>
                   <a:schemeClr val="tx1"/>
                 </a:solidFill>
@@ -7570,7 +7524,6 @@
             </a:r>
             <a:r>
               <a:rPr lang="zh-CN" altLang="en-US" sz="1600">
-                <a:ln/>
                 <a:solidFill>
                   <a:srgbClr val="FF0000"/>
                 </a:solidFill>
@@ -7586,7 +7539,6 @@
             </a:r>
             <a:r>
               <a:rPr lang="zh-CN" altLang="en-US" sz="1600">
-                <a:ln/>
                 <a:solidFill>
                   <a:schemeClr val="tx1"/>
                 </a:solidFill>
@@ -7601,7 +7553,6 @@
               <a:t>。</a:t>
             </a:r>
             <a:endParaRPr lang="zh-CN" altLang="en-US" sz="1600">
-              <a:ln/>
               <a:solidFill>
                 <a:schemeClr val="tx1"/>
               </a:solidFill>
@@ -9071,7 +9022,7 @@
                 </a:effectLst>
                 <a:sym typeface="+mn-ea"/>
               </a:rPr>
-              <a:t>预期研究成果</a:t>
+              <a:t>预期研究计划</a:t>
             </a:r>
             <a:endParaRPr lang="zh-CN" altLang="en-US" sz="3200">
               <a:ln w="10160">
@@ -13043,15 +12994,78 @@
             <p:ph type="title"/>
           </p:nvPr>
         </p:nvSpPr>
-        <p:spPr/>
+        <p:spPr>
+          <a:xfrm>
+            <a:off x="423545" y="342265"/>
+            <a:ext cx="6761480" cy="637540"/>
+          </a:xfrm>
+        </p:spPr>
         <p:txBody>
-          <a:bodyPr/>
-          <a:p>
-            <a:r>
-              <a:rPr lang="en-US" altLang="en-US"/>
+          <a:bodyPr>
+            <a:normAutofit/>
+          </a:bodyPr>
+          <a:p>
+            <a:r>
+              <a:rPr lang="zh-CN" altLang="en-US" sz="2665">
+                <a:ln/>
+                <a:solidFill>
+                  <a:schemeClr val="tx1"/>
+                </a:solidFill>
+                <a:effectLst>
+                  <a:outerShdw blurRad="38100" dist="19050" dir="2700000" algn="tl" rotWithShape="0">
+                    <a:schemeClr val="dk1">
+                      <a:alpha val="40000"/>
+                    </a:schemeClr>
+                  </a:outerShdw>
+                </a:effectLst>
+              </a:rPr>
+              <a:t>复现经典阅读理解模型</a:t>
+            </a:r>
+            <a:r>
+              <a:rPr lang="en-US" altLang="zh-CN" sz="2665">
+                <a:ln/>
+                <a:solidFill>
+                  <a:schemeClr val="tx1"/>
+                </a:solidFill>
+                <a:effectLst>
+                  <a:outerShdw blurRad="38100" dist="19050" dir="2700000" algn="tl" rotWithShape="0">
+                    <a:schemeClr val="dk1">
+                      <a:alpha val="40000"/>
+                    </a:schemeClr>
+                  </a:outerShdw>
+                </a:effectLst>
+              </a:rPr>
               <a:t>BiDAF</a:t>
             </a:r>
-            <a:endParaRPr lang="en-US" altLang="en-US"/>
+            <a:r>
+              <a:rPr lang="zh-CN" altLang="en-US" sz="2665">
+                <a:ln/>
+                <a:solidFill>
+                  <a:schemeClr val="tx1"/>
+                </a:solidFill>
+                <a:effectLst>
+                  <a:outerShdw blurRad="38100" dist="19050" dir="2700000" algn="tl" rotWithShape="0">
+                    <a:schemeClr val="dk1">
+                      <a:alpha val="40000"/>
+                    </a:schemeClr>
+                  </a:outerShdw>
+                </a:effectLst>
+              </a:rPr>
+              <a:t>的效果</a:t>
+            </a:r>
+            <a:endParaRPr lang="zh-CN" altLang="en-US" sz="2665">
+              <a:ln/>
+              <a:solidFill>
+                <a:schemeClr val="tx1"/>
+              </a:solidFill>
+              <a:effectLst>
+                <a:outerShdw blurRad="38100" dist="19050" dir="2700000" algn="tl" rotWithShape="0">
+                  <a:schemeClr val="dk1">
+                    <a:alpha val="40000"/>
+                  </a:schemeClr>
+                </a:outerShdw>
+              </a:effectLst>
+            </a:endParaRPr>
           </a:p>
         </p:txBody>
       </p:sp>
@@ -13101,8 +13115,8 @@
         </p:blipFill>
         <p:spPr>
           <a:xfrm>
-            <a:off x="1283970" y="1417320"/>
-            <a:ext cx="6576060" cy="2308860"/>
+            <a:off x="3313430" y="2589530"/>
+            <a:ext cx="5754370" cy="2180590"/>
           </a:xfrm>
           <a:prstGeom prst="rect">
             <a:avLst/>
@@ -13119,14 +13133,124 @@
         </p:nvSpPr>
         <p:spPr>
           <a:xfrm>
-            <a:off x="1967865" y="2372995"/>
-            <a:ext cx="6547485" cy="2259330"/>
+            <a:off x="613410" y="927735"/>
+            <a:ext cx="5631815" cy="555625"/>
           </a:xfrm>
         </p:spPr>
         <p:txBody>
           <a:bodyPr/>
           <a:p>
             <a:endParaRPr lang="en-US"/>
+          </a:p>
+        </p:txBody>
+      </p:sp>
+      <p:sp>
+        <p:nvSpPr>
+          <p:cNvPr id="5" name="Text Box 4"/>
+          <p:cNvSpPr txBox="1"/>
+          <p:nvPr/>
+        </p:nvSpPr>
+        <p:spPr>
+          <a:xfrm>
+            <a:off x="613410" y="1528445"/>
+            <a:ext cx="7561580" cy="922020"/>
+          </a:xfrm>
+          <a:prstGeom prst="rect">
+            <a:avLst/>
+          </a:prstGeom>
+          <a:noFill/>
+        </p:spPr>
+        <p:txBody>
+          <a:bodyPr wrap="square" rtlCol="0">
+            <a:spAutoFit/>
+          </a:bodyPr>
+          <a:p>
+            <a:pPr marL="285750" indent="-285750">
+              <a:buFont typeface="Wingdings" panose="05000000000000000000" charset="0"/>
+              <a:buChar char="Ø"/>
+            </a:pPr>
+            <a:r>
+              <a:rPr lang="en-US"/>
+              <a:t>em</a:t>
+            </a:r>
+            <a:r>
+              <a:rPr lang="zh-CN" altLang="en-US"/>
+              <a:t>代表精确匹配</a:t>
+            </a:r>
+            <a:r>
+              <a:rPr lang="en-US" altLang="zh-CN"/>
+              <a:t>(Exact Match)</a:t>
+            </a:r>
+            <a:r>
+              <a:rPr lang="zh-CN" altLang="en-US"/>
+              <a:t>，指的是预测答案的位置是否与真实答案位置完全一致</a:t>
+            </a:r>
+            <a:endParaRPr lang="zh-CN" altLang="en-US"/>
+          </a:p>
+          <a:p>
+            <a:pPr marL="285750" indent="-285750">
+              <a:buFont typeface="Wingdings" panose="05000000000000000000" charset="0"/>
+              <a:buChar char="Ø"/>
+            </a:pPr>
+            <a:r>
+              <a:rPr lang="en-US" altLang="zh-CN"/>
+              <a:t>f1</a:t>
+            </a:r>
+            <a:r>
+              <a:rPr lang="zh-CN" altLang="en-US"/>
+              <a:t>代表</a:t>
+            </a:r>
+            <a:r>
+              <a:rPr lang="en-US" altLang="zh-CN"/>
+              <a:t>f1</a:t>
+            </a:r>
+            <a:r>
+              <a:rPr lang="zh-CN" altLang="en-US"/>
+              <a:t>分数（模糊匹配），指的是预测答案中的单词与真实答案中的单词重叠数目</a:t>
+            </a:r>
+            <a:endParaRPr lang="zh-CN" altLang="en-US"/>
+          </a:p>
+          <a:p>
+            <a:pPr marL="285750" indent="-285750">
+              <a:buFont typeface="Wingdings" panose="05000000000000000000" charset="0"/>
+              <a:buChar char="Ø"/>
+            </a:pPr>
+            <a:r>
+              <a:rPr lang="zh-CN" altLang="en-US"/>
+              <a:t>取</a:t>
+            </a:r>
+            <a:r>
+              <a:rPr lang="en-US" altLang="zh-CN"/>
+              <a:t>130000</a:t>
+            </a:r>
+            <a:r>
+              <a:rPr lang="zh-CN" altLang="en-US"/>
+              <a:t>个样本训练，</a:t>
+            </a:r>
+            <a:r>
+              <a:rPr lang="en-US" altLang="zh-CN"/>
+              <a:t>20000</a:t>
+            </a:r>
+            <a:r>
+              <a:rPr lang="zh-CN" altLang="en-US"/>
+              <a:t>个样本作为测试集</a:t>
+            </a:r>
+            <a:r>
+              <a:rPr lang="en-US" altLang="zh-CN"/>
+              <a:t>.</a:t>
+            </a:r>
+            <a:endParaRPr lang="en-US" altLang="zh-CN"/>
+          </a:p>
+          <a:p>
+            <a:pPr marL="285750" indent="-285750">
+              <a:buFont typeface="Wingdings" panose="05000000000000000000" charset="0"/>
+              <a:buChar char="Ø"/>
+            </a:pPr>
+            <a:r>
+              <a:rPr lang="zh-CN" altLang="en-US"/>
+              <a:t>模型效果不是很好，有过拟合的问题</a:t>
+            </a:r>
+            <a:endParaRPr lang="zh-CN" altLang="en-US"/>
           </a:p>
         </p:txBody>
       </p:sp>
@@ -13171,10 +13295,18 @@
           <a:bodyPr/>
           <a:p>
             <a:r>
-              <a:rPr lang="en-US" altLang="en-US"/>
-              <a:t>CMRC2018</a:t>
-            </a:r>
-            <a:endParaRPr lang="en-US" altLang="en-US"/>
+              <a:rPr lang="zh-CN" altLang="en-US"/>
+              <a:t>在</a:t>
+            </a:r>
+            <a:r>
+              <a:rPr lang="en-US" altLang="zh-CN"/>
+              <a:t>BERT</a:t>
+            </a:r>
+            <a:r>
+              <a:rPr lang="zh-CN" altLang="en-US"/>
+              <a:t>上微调的结果</a:t>
+            </a:r>
+            <a:endParaRPr lang="zh-CN" altLang="en-US"/>
           </a:p>
         </p:txBody>
       </p:sp>
@@ -13226,14 +13358,124 @@
         </p:blipFill>
         <p:spPr>
           <a:xfrm>
-            <a:off x="2285365" y="1656715"/>
-            <a:ext cx="6447790" cy="2229485"/>
+            <a:off x="3228975" y="2553970"/>
+            <a:ext cx="5777865" cy="2062480"/>
           </a:xfrm>
           <a:prstGeom prst="rect">
             <a:avLst/>
           </a:prstGeom>
         </p:spPr>
       </p:pic>
+      <p:sp>
+        <p:nvSpPr>
+          <p:cNvPr id="5" name="Text Box 4"/>
+          <p:cNvSpPr txBox="1"/>
+          <p:nvPr/>
+        </p:nvSpPr>
+        <p:spPr>
+          <a:xfrm>
+            <a:off x="613410" y="1528445"/>
+            <a:ext cx="7561580" cy="922020"/>
+          </a:xfrm>
+          <a:prstGeom prst="rect">
+            <a:avLst/>
+          </a:prstGeom>
+          <a:noFill/>
+        </p:spPr>
+        <p:txBody>
+          <a:bodyPr wrap="square" rtlCol="0">
+            <a:spAutoFit/>
+          </a:bodyPr>
+          <a:p>
+            <a:pPr marL="285750" indent="-285750">
+              <a:buFont typeface="Wingdings" panose="05000000000000000000" charset="0"/>
+              <a:buChar char="Ø"/>
+            </a:pPr>
+            <a:r>
+              <a:rPr lang="en-US"/>
+              <a:t>em</a:t>
+            </a:r>
+            <a:r>
+              <a:rPr lang="zh-CN" altLang="en-US"/>
+              <a:t>代表精确匹配</a:t>
+            </a:r>
+            <a:r>
+              <a:rPr lang="en-US" altLang="zh-CN"/>
+              <a:t>(Exact Match)</a:t>
+            </a:r>
+            <a:r>
+              <a:rPr lang="zh-CN" altLang="en-US"/>
+              <a:t>，指的是预测答案的位置是否与真实答案位置完全一致</a:t>
+            </a:r>
+            <a:endParaRPr lang="zh-CN" altLang="en-US"/>
+          </a:p>
+          <a:p>
+            <a:pPr marL="285750" indent="-285750">
+              <a:buFont typeface="Wingdings" panose="05000000000000000000" charset="0"/>
+              <a:buChar char="Ø"/>
+            </a:pPr>
+            <a:r>
+              <a:rPr lang="en-US" altLang="zh-CN"/>
+              <a:t>f1</a:t>
+            </a:r>
+            <a:r>
+              <a:rPr lang="zh-CN" altLang="en-US"/>
+              <a:t>代表</a:t>
+            </a:r>
+            <a:r>
+              <a:rPr lang="en-US" altLang="zh-CN"/>
+              <a:t>f1</a:t>
+            </a:r>
+            <a:r>
+              <a:rPr lang="zh-CN" altLang="en-US"/>
+              <a:t>分数（模糊匹配），指的是预测答案中的单词与真实答案中的单词重叠数目</a:t>
+            </a:r>
+            <a:endParaRPr lang="zh-CN" altLang="en-US"/>
+          </a:p>
+          <a:p>
+            <a:pPr marL="285750" indent="-285750">
+              <a:buFont typeface="Wingdings" panose="05000000000000000000" charset="0"/>
+              <a:buChar char="Ø"/>
+            </a:pPr>
+            <a:r>
+              <a:rPr lang="zh-CN" altLang="en-US"/>
+              <a:t>取</a:t>
+            </a:r>
+            <a:r>
+              <a:rPr lang="en-US" altLang="zh-CN"/>
+              <a:t>15000</a:t>
+            </a:r>
+            <a:r>
+              <a:rPr lang="zh-CN" altLang="en-US"/>
+              <a:t>个样本训练，</a:t>
+            </a:r>
+            <a:r>
+              <a:rPr lang="en-US" altLang="zh-CN"/>
+              <a:t>5000</a:t>
+            </a:r>
+            <a:r>
+              <a:rPr lang="zh-CN" altLang="en-US"/>
+              <a:t>个样本测试。</a:t>
+            </a:r>
+            <a:endParaRPr lang="zh-CN" altLang="en-US"/>
+          </a:p>
+          <a:p>
+            <a:pPr marL="285750" indent="-285750">
+              <a:buFont typeface="Wingdings" panose="05000000000000000000" charset="0"/>
+              <a:buChar char="Ø"/>
+            </a:pPr>
+            <a:r>
+              <a:rPr lang="zh-CN" altLang="en-US"/>
+              <a:t>仅用了很小的一部分数据集，效果已经显著优于</a:t>
+            </a:r>
+            <a:r>
+              <a:rPr lang="en-US" altLang="zh-CN"/>
+              <a:t>BiDAF</a:t>
+            </a:r>
+            <a:endParaRPr lang="en-US" altLang="zh-CN"/>
+          </a:p>
+        </p:txBody>
+      </p:sp>
     </p:spTree>
   </p:cSld>
   <p:clrMapOvr>
@@ -14690,7 +14932,7 @@
                 </a:effectLst>
                 <a:sym typeface="+mn-ea"/>
               </a:rPr>
-              <a:t>预期研究成果</a:t>
+              <a:t>预期研究计划</a:t>
             </a:r>
             <a:endParaRPr lang="zh-CN" altLang="en-US" sz="3200">
               <a:ln w="10160">
@@ -15163,6 +15405,35 @@
           </a:p>
         </p:txBody>
       </p:sp>
+      <p:sp>
+        <p:nvSpPr>
+          <p:cNvPr id="4" name="Text Box 3"/>
+          <p:cNvSpPr txBox="1"/>
+          <p:nvPr/>
+        </p:nvSpPr>
+        <p:spPr>
+          <a:xfrm>
+            <a:off x="1073785" y="935990"/>
+            <a:ext cx="4342765" cy="299085"/>
+          </a:xfrm>
+          <a:prstGeom prst="rect">
+            <a:avLst/>
+          </a:prstGeom>
+          <a:noFill/>
+        </p:spPr>
+        <p:txBody>
+          <a:bodyPr wrap="square" rtlCol="0">
+            <a:spAutoFit/>
+          </a:bodyPr>
+          <a:p>
+            <a:r>
+              <a:rPr lang="zh-CN" altLang="en-US"/>
+              <a:t>基于阅读理解数据集构造文本匹配数据集</a:t>
+            </a:r>
+            <a:endParaRPr lang="zh-CN" altLang="en-US"/>
+          </a:p>
+        </p:txBody>
+      </p:sp>
     </p:spTree>
   </p:cSld>
   <p:clrMapOvr>
@@ -15326,454 +15597,6 @@
         </p:nvSpPr>
         <p:spPr bwMode="auto">
           <a:xfrm>
-            <a:off x="2026285" y="1666875"/>
-            <a:ext cx="4368800" cy="1377315"/>
-          </a:xfrm>
-          <a:prstGeom prst="roundRect">
-            <a:avLst>
-              <a:gd name="adj" fmla="val 4324"/>
-            </a:avLst>
-          </a:prstGeom>
-          <a:solidFill>
-            <a:srgbClr val="F2F2F2"/>
-          </a:solidFill>
-          <a:ln w="9525">
-            <a:solidFill>
-              <a:schemeClr val="tx1"/>
-            </a:solidFill>
-            <a:round/>
-          </a:ln>
-        </p:spPr>
-        <p:txBody>
-          <a:bodyPr/>
-          <a:lstStyle>
-            <a:lvl1pPr eaLnBrk="0" hangingPunct="0">
-              <a:defRPr>
-                <a:solidFill>
-                  <a:schemeClr val="tx1"/>
-                </a:solidFill>
-                <a:latin typeface="Arial" panose="020B0604020202020204" pitchFamily="34" charset="0"/>
-                <a:ea typeface="宋体" panose="02010600030101010101" pitchFamily="2" charset="-122"/>
-              </a:defRPr>
-            </a:lvl1pPr>
-            <a:lvl2pPr eaLnBrk="0" hangingPunct="0">
-              <a:defRPr>
-                <a:solidFill>
-                  <a:schemeClr val="tx1"/>
-                </a:solidFill>
-                <a:latin typeface="Arial" panose="020B0604020202020204" pitchFamily="34" charset="0"/>
-                <a:ea typeface="宋体" panose="02010600030101010101" pitchFamily="2" charset="-122"/>
-              </a:defRPr>
-            </a:lvl2pPr>
-            <a:lvl3pPr eaLnBrk="0" hangingPunct="0">
-              <a:defRPr>
-                <a:solidFill>
-                  <a:schemeClr val="tx1"/>
-                </a:solidFill>
-                <a:latin typeface="Arial" panose="020B0604020202020204" pitchFamily="34" charset="0"/>
-                <a:ea typeface="宋体" panose="02010600030101010101" pitchFamily="2" charset="-122"/>
-              </a:defRPr>
-            </a:lvl3pPr>
-            <a:lvl4pPr eaLnBrk="0" hangingPunct="0">
-              <a:defRPr>
-                <a:solidFill>
-                  <a:schemeClr val="tx1"/>
-                </a:solidFill>
-                <a:latin typeface="Arial" panose="020B0604020202020204" pitchFamily="34" charset="0"/>
-                <a:ea typeface="宋体" panose="02010600030101010101" pitchFamily="2" charset="-122"/>
-              </a:defRPr>
-            </a:lvl4pPr>
-            <a:lvl5pPr eaLnBrk="0" hangingPunct="0">
-              <a:defRPr>
-                <a:solidFill>
-                  <a:schemeClr val="tx1"/>
-                </a:solidFill>
-                <a:latin typeface="Arial" panose="020B0604020202020204" pitchFamily="34" charset="0"/>
-                <a:ea typeface="宋体" panose="02010600030101010101" pitchFamily="2" charset="-122"/>
-              </a:defRPr>
-            </a:lvl5pPr>
-            <a:lvl6pPr eaLnBrk="0" fontAlgn="base" hangingPunct="0">
-              <a:spcBef>
-                <a:spcPct val="0"/>
-              </a:spcBef>
-              <a:spcAft>
-                <a:spcPct val="0"/>
-              </a:spcAft>
-              <a:buFont typeface="Arial" panose="020B0604020202020204" pitchFamily="34" charset="0"/>
-              <a:defRPr>
-                <a:solidFill>
-                  <a:schemeClr val="tx1"/>
-                </a:solidFill>
-                <a:latin typeface="Arial" panose="020B0604020202020204" pitchFamily="34" charset="0"/>
-                <a:ea typeface="宋体" panose="02010600030101010101" pitchFamily="2" charset="-122"/>
-              </a:defRPr>
-            </a:lvl6pPr>
-            <a:lvl7pPr eaLnBrk="0" fontAlgn="base" hangingPunct="0">
-              <a:spcBef>
-                <a:spcPct val="0"/>
-              </a:spcBef>
-              <a:spcAft>
-                <a:spcPct val="0"/>
-              </a:spcAft>
-              <a:buFont typeface="Arial" panose="020B0604020202020204" pitchFamily="34" charset="0"/>
-              <a:defRPr>
-                <a:solidFill>
-                  <a:schemeClr val="tx1"/>
-                </a:solidFill>
-                <a:latin typeface="Arial" panose="020B0604020202020204" pitchFamily="34" charset="0"/>
-                <a:ea typeface="宋体" panose="02010600030101010101" pitchFamily="2" charset="-122"/>
-              </a:defRPr>
-            </a:lvl7pPr>
-            <a:lvl8pPr eaLnBrk="0" fontAlgn="base" hangingPunct="0">
-              <a:spcBef>
-                <a:spcPct val="0"/>
-              </a:spcBef>
-              <a:spcAft>
-                <a:spcPct val="0"/>
-              </a:spcAft>
-              <a:buFont typeface="Arial" panose="020B0604020202020204" pitchFamily="34" charset="0"/>
-              <a:defRPr>
-                <a:solidFill>
-                  <a:schemeClr val="tx1"/>
-                </a:solidFill>
-                <a:latin typeface="Arial" panose="020B0604020202020204" pitchFamily="34" charset="0"/>
-                <a:ea typeface="宋体" panose="02010600030101010101" pitchFamily="2" charset="-122"/>
-              </a:defRPr>
-            </a:lvl8pPr>
-            <a:lvl9pPr eaLnBrk="0" fontAlgn="base" hangingPunct="0">
-              <a:spcBef>
-                <a:spcPct val="0"/>
-              </a:spcBef>
-              <a:spcAft>
-                <a:spcPct val="0"/>
-              </a:spcAft>
-              <a:buFont typeface="Arial" panose="020B0604020202020204" pitchFamily="34" charset="0"/>
-              <a:defRPr>
-                <a:solidFill>
-                  <a:schemeClr val="tx1"/>
-                </a:solidFill>
-                <a:latin typeface="Arial" panose="020B0604020202020204" pitchFamily="34" charset="0"/>
-                <a:ea typeface="宋体" panose="02010600030101010101" pitchFamily="2" charset="-122"/>
-              </a:defRPr>
-            </a:lvl9pPr>
-          </a:lstStyle>
-          <a:p>
-            <a:pPr eaLnBrk="1" hangingPunct="1"/>
-            <a:endParaRPr lang="zh-CN" altLang="en-US" sz="1350">
-              <a:solidFill>
-                <a:srgbClr val="C4261D"/>
-              </a:solidFill>
-            </a:endParaRPr>
-          </a:p>
-        </p:txBody>
-      </p:sp>
-      <p:cxnSp>
-        <p:nvCxnSpPr>
-          <p:cNvPr id="26" name="Straight Connector 25"/>
-          <p:cNvCxnSpPr/>
-          <p:nvPr/>
-        </p:nvCxnSpPr>
-        <p:spPr>
-          <a:xfrm>
-            <a:off x="2026285" y="2814320"/>
-            <a:ext cx="4236720" cy="8255"/>
-          </a:xfrm>
-          <a:prstGeom prst="line">
-            <a:avLst/>
-          </a:prstGeom>
-          <a:ln w="19050">
-            <a:solidFill>
-              <a:schemeClr val="tx1"/>
-            </a:solidFill>
-          </a:ln>
-        </p:spPr>
-        <p:style>
-          <a:lnRef idx="1">
-            <a:schemeClr val="accent1"/>
-          </a:lnRef>
-          <a:fillRef idx="0">
-            <a:schemeClr val="accent1"/>
-          </a:fillRef>
-          <a:effectRef idx="0">
-            <a:schemeClr val="accent1"/>
-          </a:effectRef>
-          <a:fontRef idx="minor">
-            <a:schemeClr val="tx1"/>
-          </a:fontRef>
-        </p:style>
-      </p:cxnSp>
-      <p:sp>
-        <p:nvSpPr>
-          <p:cNvPr id="27" name="Text Box 26"/>
-          <p:cNvSpPr txBox="1"/>
-          <p:nvPr/>
-        </p:nvSpPr>
-        <p:spPr>
-          <a:xfrm>
-            <a:off x="2064385" y="1666875"/>
-            <a:ext cx="4404360" cy="1198880"/>
-          </a:xfrm>
-          <a:prstGeom prst="rect">
-            <a:avLst/>
-          </a:prstGeom>
-          <a:noFill/>
-        </p:spPr>
-        <p:txBody>
-          <a:bodyPr wrap="square" rtlCol="0">
-            <a:spAutoFit/>
-          </a:bodyPr>
-          <a:p>
-            <a:r>
-              <a:rPr lang="zh-CN" altLang="en-US" sz="900"/>
-              <a:t>文本段落：</a:t>
-            </a:r>
-            <a:r>
-              <a:rPr lang="zh-CN" altLang="en-US" sz="900">
-                <a:solidFill>
-                  <a:srgbClr val="FF0000"/>
-                </a:solidFill>
-              </a:rPr>
-              <a:t>2008年夏季奥林匹克运动会马术比赛－团体三项赛于2008年8月9日至8月12日在香港的香港奥运马术场举行，团体三项赛是本届马术射击比赛最早举行的小项，亦是开幕式后首个进行的比赛小项，比赛共有来自11个国家或地区的53名运动员参与</a:t>
-            </a:r>
-            <a:r>
-              <a:rPr lang="zh-CN" altLang="en-US" sz="900"/>
-              <a:t>。面积2.04平方公里，户籍人口7.04万人（2008年），下辖21个居委会。华阳路街道的主要街道长宁路和定西路，构成繁华的中山公园商圈。辖区内的圣约翰大学旧址（今华东政法大学）、中山公园，是愚园路历史文化风貌区的重要组成部分。上海市轨道交通二号线、三号线、四号线以该街道辖区的中山公园站为换乘枢纽。</a:t>
-            </a:r>
-            <a:endParaRPr lang="zh-CN" altLang="en-US" sz="900"/>
-          </a:p>
-        </p:txBody>
-      </p:sp>
-      <p:sp>
-        <p:nvSpPr>
-          <p:cNvPr id="28" name="Text Box 27"/>
-          <p:cNvSpPr txBox="1"/>
-          <p:nvPr/>
-        </p:nvSpPr>
-        <p:spPr>
-          <a:xfrm>
-            <a:off x="2026285" y="2814320"/>
-            <a:ext cx="4057015" cy="229870"/>
-          </a:xfrm>
-          <a:prstGeom prst="rect">
-            <a:avLst/>
-          </a:prstGeom>
-          <a:noFill/>
-        </p:spPr>
-        <p:txBody>
-          <a:bodyPr wrap="square" rtlCol="0">
-            <a:spAutoFit/>
-          </a:bodyPr>
-          <a:p>
-            <a:r>
-              <a:rPr lang="zh-CN" altLang="en-US" sz="900">
-                <a:solidFill>
-                  <a:schemeClr val="tx1"/>
-                </a:solidFill>
-                <a:uFillTx/>
-              </a:rPr>
-              <a:t>问题：华阳路街道四周相连的是什么地方？</a:t>
-            </a:r>
-            <a:endParaRPr lang="zh-CN" altLang="en-US" sz="900">
-              <a:solidFill>
-                <a:schemeClr val="tx1"/>
-              </a:solidFill>
-              <a:uFillTx/>
-            </a:endParaRPr>
-          </a:p>
-        </p:txBody>
-      </p:sp>
-      <p:sp>
-        <p:nvSpPr>
-          <p:cNvPr id="33" name="Text Box 32"/>
-          <p:cNvSpPr txBox="1"/>
-          <p:nvPr/>
-        </p:nvSpPr>
-        <p:spPr>
-          <a:xfrm>
-            <a:off x="2465705" y="3145155"/>
-            <a:ext cx="4532630" cy="299085"/>
-          </a:xfrm>
-          <a:prstGeom prst="rect">
-            <a:avLst/>
-          </a:prstGeom>
-          <a:noFill/>
-        </p:spPr>
-        <p:txBody>
-          <a:bodyPr wrap="square" rtlCol="0">
-            <a:spAutoFit/>
-          </a:bodyPr>
-          <a:p>
-            <a:r>
-              <a:rPr lang="zh-CN" altLang="en-US"/>
-              <a:t>随机选取句子替换掉答案所在的句子，构造负样本</a:t>
-            </a:r>
-            <a:endParaRPr lang="zh-CN" altLang="en-US"/>
-          </a:p>
-        </p:txBody>
-      </p:sp>
-    </p:spTree>
-  </p:cSld>
-  <p:clrMapOvr>
-    <a:masterClrMapping/>
-  </p:clrMapOvr>
-  <mc:AlternateContent xmlns:mc="http://schemas.openxmlformats.org/markup-compatibility/2006">
-    <mc:Choice xmlns:p14="http://schemas.microsoft.com/office/powerpoint/2010/main" Requires="p14">
-      <p:transition spd="slow" p14:dur="2000"/>
-    </mc:Choice>
-    <mc:Fallback>
-      <p:transition spd="slow"/>
-    </mc:Fallback>
-  </mc:AlternateContent>
-  <p:timing>
-    <p:tnLst>
-      <p:par>
-        <p:cTn id="1" dur="indefinite" restart="never" nodeType="tmRoot"/>
-      </p:par>
-    </p:tnLst>
-  </p:timing>
-</p:sld>
-</file>
-
-<file path=ppt/slides/slide22.xml><?xml version="1.0" encoding="utf-8"?>
-<p:sld xmlns:a="http://schemas.openxmlformats.org/drawingml/2006/main" xmlns:r="http://schemas.openxmlformats.org/officeDocument/2006/relationships" xmlns:p="http://schemas.openxmlformats.org/presentationml/2006/main">
-  <p:cSld>
-    <p:spTree>
-      <p:nvGrpSpPr>
-        <p:cNvPr id="1" name=""/>
-        <p:cNvGrpSpPr/>
-        <p:nvPr/>
-      </p:nvGrpSpPr>
-      <p:grpSpPr>
-        <a:xfrm>
-          <a:off x="0" y="0"/>
-          <a:ext cx="0" cy="0"/>
-          <a:chOff x="0" y="0"/>
-          <a:chExt cx="0" cy="0"/>
-        </a:xfrm>
-      </p:grpSpPr>
-      <p:pic>
-        <p:nvPicPr>
-          <p:cNvPr id="2" name="图片 3"/>
-          <p:cNvPicPr>
-            <a:picLocks noChangeAspect="1"/>
-          </p:cNvPicPr>
-          <p:nvPr/>
-        </p:nvPicPr>
-        <p:blipFill>
-          <a:blip r:embed="rId1" cstate="print">
-            <a:extLst>
-              <a:ext uri="{28A0092B-C50C-407E-A947-70E740481C1C}">
-                <a14:useLocalDpi xmlns:a14="http://schemas.microsoft.com/office/drawing/2010/main" val="0"/>
-              </a:ext>
-            </a:extLst>
-          </a:blip>
-          <a:stretch>
-            <a:fillRect/>
-          </a:stretch>
-        </p:blipFill>
-        <p:spPr>
-          <a:xfrm>
-            <a:off x="7608408" y="122473"/>
-            <a:ext cx="1467011" cy="491720"/>
-          </a:xfrm>
-          <a:prstGeom prst="rect">
-            <a:avLst/>
-          </a:prstGeom>
-        </p:spPr>
-      </p:pic>
-      <p:sp>
-        <p:nvSpPr>
-          <p:cNvPr id="3" name="Text Box 2"/>
-          <p:cNvSpPr txBox="1"/>
-          <p:nvPr/>
-        </p:nvSpPr>
-        <p:spPr>
-          <a:xfrm>
-            <a:off x="508635" y="194310"/>
-            <a:ext cx="4631690" cy="583565"/>
-          </a:xfrm>
-          <a:prstGeom prst="rect">
-            <a:avLst/>
-          </a:prstGeom>
-          <a:noFill/>
-        </p:spPr>
-        <p:txBody>
-          <a:bodyPr wrap="square" rtlCol="0">
-            <a:spAutoFit/>
-          </a:bodyPr>
-          <a:p>
-            <a:r>
-              <a:rPr lang="zh-CN" altLang="en-US" sz="3200">
-                <a:ln w="12700">
-                  <a:solidFill>
-                    <a:schemeClr val="tx2">
-                      <a:lumMod val="75000"/>
-                    </a:schemeClr>
-                  </a:solidFill>
-                  <a:prstDash val="solid"/>
-                </a:ln>
-                <a:pattFill prst="dkUpDiag">
-                  <a:fgClr>
-                    <a:schemeClr val="tx2"/>
-                  </a:fgClr>
-                  <a:bgClr>
-                    <a:schemeClr val="tx2">
-                      <a:lumMod val="20000"/>
-                      <a:lumOff val="80000"/>
-                    </a:schemeClr>
-                  </a:bgClr>
-                </a:pattFill>
-                <a:effectLst>
-                  <a:outerShdw dist="38100" dir="2640000" algn="bl" rotWithShape="0">
-                    <a:schemeClr val="tx2">
-                      <a:lumMod val="75000"/>
-                    </a:schemeClr>
-                  </a:outerShdw>
-                </a:effectLst>
-              </a:rPr>
-              <a:t>文本匹配数据集的构建</a:t>
-            </a:r>
-            <a:endParaRPr lang="zh-CN" altLang="en-US" sz="3200">
-              <a:ln w="12700">
-                <a:solidFill>
-                  <a:schemeClr val="tx2">
-                    <a:lumMod val="75000"/>
-                  </a:schemeClr>
-                </a:solidFill>
-                <a:prstDash val="solid"/>
-              </a:ln>
-              <a:pattFill prst="dkUpDiag">
-                <a:fgClr>
-                  <a:schemeClr val="tx2"/>
-                </a:fgClr>
-                <a:bgClr>
-                  <a:schemeClr val="tx2">
-                    <a:lumMod val="20000"/>
-                    <a:lumOff val="80000"/>
-                  </a:schemeClr>
-                </a:bgClr>
-              </a:pattFill>
-              <a:effectLst>
-                <a:outerShdw dist="38100" dir="2640000" algn="bl" rotWithShape="0">
-                  <a:schemeClr val="tx2">
-                    <a:lumMod val="75000"/>
-                  </a:schemeClr>
-                </a:outerShdw>
-              </a:effectLst>
-            </a:endParaRPr>
-          </a:p>
-        </p:txBody>
-      </p:sp>
-      <p:sp>
-        <p:nvSpPr>
-          <p:cNvPr id="25" name="圆角矩形 8"/>
-          <p:cNvSpPr>
-            <a:spLocks noChangeArrowheads="1"/>
-          </p:cNvSpPr>
-          <p:nvPr/>
-        </p:nvSpPr>
-        <p:spPr bwMode="auto">
-          <a:xfrm>
             <a:off x="93980" y="2350770"/>
             <a:ext cx="4368800" cy="1377315"/>
           </a:xfrm>
@@ -16585,7 +16408,7 @@
 </p:sld>
 </file>
 
-<file path=ppt/slides/slide23.xml><?xml version="1.0" encoding="utf-8"?>
+<file path=ppt/slides/slide22.xml><?xml version="1.0" encoding="utf-8"?>
 <p:sld xmlns:a="http://schemas.openxmlformats.org/drawingml/2006/main" xmlns:r="http://schemas.openxmlformats.org/officeDocument/2006/relationships" xmlns:p="http://schemas.openxmlformats.org/presentationml/2006/main">
   <p:cSld>
     <p:spTree>
@@ -16610,10 +16433,18 @@
           <a:bodyPr/>
           <a:p>
             <a:r>
-              <a:rPr lang="en-US" altLang="en-US"/>
-              <a:t>Text Match</a:t>
-            </a:r>
-            <a:endParaRPr lang="en-US" altLang="en-US"/>
+              <a:rPr lang="zh-CN" altLang="en-US"/>
+              <a:t>在</a:t>
+            </a:r>
+            <a:r>
+              <a:rPr lang="en-US" altLang="zh-CN"/>
+              <a:t>BERT</a:t>
+            </a:r>
+            <a:r>
+              <a:rPr lang="zh-CN" altLang="en-US"/>
+              <a:t>上微调的结果</a:t>
+            </a:r>
+            <a:endParaRPr lang="zh-CN" altLang="en-US"/>
           </a:p>
         </p:txBody>
       </p:sp>
@@ -16679,14 +16510,93 @@
         </p:blipFill>
         <p:spPr>
           <a:xfrm>
-            <a:off x="1516380" y="1736090"/>
-            <a:ext cx="6111875" cy="2118995"/>
+            <a:off x="3326130" y="2513330"/>
+            <a:ext cx="5678805" cy="2021205"/>
           </a:xfrm>
           <a:prstGeom prst="rect">
             <a:avLst/>
           </a:prstGeom>
         </p:spPr>
       </p:pic>
+      <p:sp>
+        <p:nvSpPr>
+          <p:cNvPr id="4" name="Text Box 3"/>
+          <p:cNvSpPr txBox="1"/>
+          <p:nvPr/>
+        </p:nvSpPr>
+        <p:spPr>
+          <a:xfrm>
+            <a:off x="613410" y="1528445"/>
+            <a:ext cx="7561580" cy="714375"/>
+          </a:xfrm>
+          <a:prstGeom prst="rect">
+            <a:avLst/>
+          </a:prstGeom>
+          <a:noFill/>
+        </p:spPr>
+        <p:txBody>
+          <a:bodyPr wrap="square" rtlCol="0">
+            <a:spAutoFit/>
+          </a:bodyPr>
+          <a:p>
+            <a:pPr marL="285750" indent="-285750">
+              <a:buFont typeface="Wingdings" panose="05000000000000000000" charset="0"/>
+              <a:buChar char="Ø"/>
+            </a:pPr>
+            <a:r>
+              <a:rPr lang="en-US" altLang="zh-CN"/>
+              <a:t>acc</a:t>
+            </a:r>
+            <a:r>
+              <a:rPr lang="zh-CN" altLang="en-US"/>
+              <a:t>指的是准确率（</a:t>
+            </a:r>
+            <a:r>
+              <a:rPr lang="en-US" altLang="zh-CN"/>
+              <a:t>accuracy</a:t>
+            </a:r>
+            <a:r>
+              <a:rPr lang="zh-CN" altLang="en-US"/>
+              <a:t>）</a:t>
+            </a:r>
+            <a:endParaRPr lang="zh-CN" altLang="en-US"/>
+          </a:p>
+          <a:p>
+            <a:pPr marL="285750" indent="-285750">
+              <a:buFont typeface="Wingdings" panose="05000000000000000000" charset="0"/>
+              <a:buChar char="Ø"/>
+            </a:pPr>
+            <a:r>
+              <a:rPr lang="en-US" altLang="zh-CN"/>
+              <a:t>80%</a:t>
+            </a:r>
+            <a:r>
+              <a:rPr lang="zh-CN" altLang="en-US"/>
+              <a:t>作为训练集，</a:t>
+            </a:r>
+            <a:r>
+              <a:rPr lang="en-US" altLang="zh-CN"/>
+              <a:t>20%</a:t>
+            </a:r>
+            <a:r>
+              <a:rPr lang="zh-CN" altLang="en-US"/>
+              <a:t>作为测试集</a:t>
+            </a:r>
+            <a:endParaRPr lang="zh-CN" altLang="en-US"/>
+          </a:p>
+          <a:p>
+            <a:pPr marL="285750" indent="-285750">
+              <a:buFont typeface="Wingdings" panose="05000000000000000000" charset="0"/>
+              <a:buChar char="Ø"/>
+            </a:pPr>
+            <a:r>
+              <a:rPr lang="zh-CN" altLang="en-US"/>
+              <a:t>训练集和测试集上的准确率都很高，反映出数据集的构建方式过于简单</a:t>
+            </a:r>
+            <a:endParaRPr lang="zh-CN" altLang="en-US"/>
+          </a:p>
+        </p:txBody>
+      </p:sp>
     </p:spTree>
   </p:cSld>
   <p:clrMapOvr>
@@ -16703,7 +16613,7 @@
 </p:sld>
 </file>
 
-<file path=ppt/slides/slide24.xml><?xml version="1.0" encoding="utf-8"?>
+<file path=ppt/slides/slide23.xml><?xml version="1.0" encoding="utf-8"?>
 <p:sld xmlns:a="http://schemas.openxmlformats.org/drawingml/2006/main" xmlns:r="http://schemas.openxmlformats.org/officeDocument/2006/relationships" xmlns:p="http://schemas.openxmlformats.org/presentationml/2006/main">
   <p:cSld>
     <p:spTree>
@@ -16712,35 +16622,384 @@
         <p:cNvGrpSpPr/>
         <p:nvPr/>
       </p:nvGrpSpPr>
-      <p:grpSpPr/>
-      <p:sp>
-        <p:nvSpPr>
-          <p:cNvPr id="2" name="Title 1"/>
-          <p:cNvSpPr>
-            <a:spLocks noGrp="1"/>
-          </p:cNvSpPr>
-          <p:nvPr>
-            <p:ph type="title"/>
-          </p:nvPr>
-        </p:nvSpPr>
-        <p:spPr/>
+      <p:grpSpPr>
+        <a:xfrm>
+          <a:off x="0" y="0"/>
+          <a:ext cx="0" cy="0"/>
+          <a:chOff x="0" y="0"/>
+          <a:chExt cx="0" cy="0"/>
+        </a:xfrm>
+      </p:grpSpPr>
+      <p:pic>
+        <p:nvPicPr>
+          <p:cNvPr id="4" name="图片 3"/>
+          <p:cNvPicPr>
+            <a:picLocks noChangeAspect="1"/>
+          </p:cNvPicPr>
+          <p:nvPr/>
+        </p:nvPicPr>
+        <p:blipFill>
+          <a:blip r:embed="rId1" cstate="print">
+            <a:extLst>
+              <a:ext uri="{28A0092B-C50C-407E-A947-70E740481C1C}">
+                <a14:useLocalDpi xmlns:a14="http://schemas.microsoft.com/office/drawing/2010/main" val="0"/>
+              </a:ext>
+            </a:extLst>
+          </a:blip>
+          <a:stretch>
+            <a:fillRect/>
+          </a:stretch>
+        </p:blipFill>
+        <p:spPr>
+          <a:xfrm>
+            <a:off x="7608408" y="122473"/>
+            <a:ext cx="1467011" cy="491720"/>
+          </a:xfrm>
+          <a:prstGeom prst="rect">
+            <a:avLst/>
+          </a:prstGeom>
+        </p:spPr>
+      </p:pic>
+      <p:sp>
+        <p:nvSpPr>
+          <p:cNvPr id="2" name="矩形 4"/>
+          <p:cNvSpPr/>
+          <p:nvPr/>
+        </p:nvSpPr>
+        <p:spPr>
+          <a:xfrm>
+            <a:off x="1931670" y="1216025"/>
+            <a:ext cx="6250305" cy="645795"/>
+          </a:xfrm>
+          <a:prstGeom prst="rect">
+            <a:avLst/>
+          </a:prstGeom>
+          <a:solidFill>
+            <a:srgbClr val="0070C0"/>
+          </a:solidFill>
+          <a:ln w="9525" cap="flat" cmpd="sng" algn="ctr">
+            <a:solidFill>
+              <a:schemeClr val="bg1"/>
+            </a:solidFill>
+            <a:prstDash val="solid"/>
+            <a:round/>
+            <a:headEnd type="none" w="med" len="med"/>
+            <a:tailEnd type="none" w="med" len="med"/>
+          </a:ln>
+        </p:spPr>
         <p:txBody>
-          <a:bodyPr/>
-          <a:p>
-            <a:endParaRPr lang="en-US"/>
+          <a:bodyPr vert="horz" wrap="square" lIns="91440" tIns="45720" rIns="91440" bIns="45720" numCol="1" anchor="t" anchorCtr="0" compatLnSpc="1"/>
+          <a:lstStyle>
+            <a:defPPr>
+              <a:defRPr lang="zh-CN"/>
+            </a:defPPr>
+            <a:lvl1pPr marL="0" algn="l" defTabSz="914400" rtl="0" eaLnBrk="1" latinLnBrk="0" hangingPunct="1">
+              <a:defRPr sz="1800" kern="1200">
+                <a:solidFill>
+                  <a:schemeClr val="tx1"/>
+                </a:solidFill>
+                <a:latin typeface="+mn-lt"/>
+                <a:ea typeface="+mn-ea"/>
+                <a:cs typeface="+mn-cs"/>
+              </a:defRPr>
+            </a:lvl1pPr>
+            <a:lvl2pPr marL="457200" algn="l" defTabSz="914400" rtl="0" eaLnBrk="1" latinLnBrk="0" hangingPunct="1">
+              <a:defRPr sz="1800" kern="1200">
+                <a:solidFill>
+                  <a:schemeClr val="tx1"/>
+                </a:solidFill>
+                <a:latin typeface="+mn-lt"/>
+                <a:ea typeface="+mn-ea"/>
+                <a:cs typeface="+mn-cs"/>
+              </a:defRPr>
+            </a:lvl2pPr>
+            <a:lvl3pPr marL="914400" algn="l" defTabSz="914400" rtl="0" eaLnBrk="1" latinLnBrk="0" hangingPunct="1">
+              <a:defRPr sz="1800" kern="1200">
+                <a:solidFill>
+                  <a:schemeClr val="tx1"/>
+                </a:solidFill>
+                <a:latin typeface="+mn-lt"/>
+                <a:ea typeface="+mn-ea"/>
+                <a:cs typeface="+mn-cs"/>
+              </a:defRPr>
+            </a:lvl3pPr>
+            <a:lvl4pPr marL="1371600" algn="l" defTabSz="914400" rtl="0" eaLnBrk="1" latinLnBrk="0" hangingPunct="1">
+              <a:defRPr sz="1800" kern="1200">
+                <a:solidFill>
+                  <a:schemeClr val="tx1"/>
+                </a:solidFill>
+                <a:latin typeface="+mn-lt"/>
+                <a:ea typeface="+mn-ea"/>
+                <a:cs typeface="+mn-cs"/>
+              </a:defRPr>
+            </a:lvl4pPr>
+            <a:lvl5pPr marL="1828800" algn="l" defTabSz="914400" rtl="0" eaLnBrk="1" latinLnBrk="0" hangingPunct="1">
+              <a:defRPr sz="1800" kern="1200">
+                <a:solidFill>
+                  <a:schemeClr val="tx1"/>
+                </a:solidFill>
+                <a:latin typeface="+mn-lt"/>
+                <a:ea typeface="+mn-ea"/>
+                <a:cs typeface="+mn-cs"/>
+              </a:defRPr>
+            </a:lvl5pPr>
+            <a:lvl6pPr marL="2286000" algn="l" defTabSz="914400" rtl="0" eaLnBrk="1" latinLnBrk="0" hangingPunct="1">
+              <a:defRPr sz="1800" kern="1200">
+                <a:solidFill>
+                  <a:schemeClr val="tx1"/>
+                </a:solidFill>
+                <a:latin typeface="+mn-lt"/>
+                <a:ea typeface="+mn-ea"/>
+                <a:cs typeface="+mn-cs"/>
+              </a:defRPr>
+            </a:lvl6pPr>
+            <a:lvl7pPr marL="2743200" algn="l" defTabSz="914400" rtl="0" eaLnBrk="1" latinLnBrk="0" hangingPunct="1">
+              <a:defRPr sz="1800" kern="1200">
+                <a:solidFill>
+                  <a:schemeClr val="tx1"/>
+                </a:solidFill>
+                <a:latin typeface="+mn-lt"/>
+                <a:ea typeface="+mn-ea"/>
+                <a:cs typeface="+mn-cs"/>
+              </a:defRPr>
+            </a:lvl7pPr>
+            <a:lvl8pPr marL="3200400" algn="l" defTabSz="914400" rtl="0" eaLnBrk="1" latinLnBrk="0" hangingPunct="1">
+              <a:defRPr sz="1800" kern="1200">
+                <a:solidFill>
+                  <a:schemeClr val="tx1"/>
+                </a:solidFill>
+                <a:latin typeface="+mn-lt"/>
+                <a:ea typeface="+mn-ea"/>
+                <a:cs typeface="+mn-cs"/>
+              </a:defRPr>
+            </a:lvl8pPr>
+            <a:lvl9pPr marL="3657600" algn="l" defTabSz="914400" rtl="0" eaLnBrk="1" latinLnBrk="0" hangingPunct="1">
+              <a:defRPr sz="1800" kern="1200">
+                <a:solidFill>
+                  <a:schemeClr val="tx1"/>
+                </a:solidFill>
+                <a:latin typeface="+mn-lt"/>
+                <a:ea typeface="+mn-ea"/>
+                <a:cs typeface="+mn-cs"/>
+              </a:defRPr>
+            </a:lvl9pPr>
+          </a:lstStyle>
+          <a:p>
+            <a:pPr marL="0" marR="0" indent="0" algn="l" defTabSz="914400" rtl="0" eaLnBrk="1" fontAlgn="base" latinLnBrk="0" hangingPunct="1">
+              <a:lnSpc>
+                <a:spcPct val="100000"/>
+              </a:lnSpc>
+              <a:spcBef>
+                <a:spcPct val="0"/>
+              </a:spcBef>
+              <a:spcAft>
+                <a:spcPct val="0"/>
+              </a:spcAft>
+              <a:buClrTx/>
+              <a:buSzTx/>
+              <a:buFont typeface="Arial" panose="020B0604020202020204" pitchFamily="34" charset="0"/>
+              <a:buNone/>
+            </a:pPr>
+            <a:endParaRPr kumimoji="0" lang="zh-CN" altLang="en-US" sz="1800" b="0" i="0" u="none" strike="noStrike" cap="none" normalizeH="0" baseline="0" smtClean="0">
+              <a:ln>
+                <a:noFill/>
+              </a:ln>
+              <a:solidFill>
+                <a:schemeClr val="tx1"/>
+              </a:solidFill>
+              <a:effectLst/>
+              <a:latin typeface="Verdana" panose="020B0604030504040204" pitchFamily="34" charset="0"/>
+              <a:ea typeface="宋体" panose="02010600030101010101" pitchFamily="2" charset="-122"/>
+            </a:endParaRPr>
           </a:p>
         </p:txBody>
       </p:sp>
       <p:sp>
         <p:nvSpPr>
-          <p:cNvPr id="4" name="Text Box 3"/>
+          <p:cNvPr id="7" name="TextBox 53"/>
           <p:cNvSpPr txBox="1"/>
           <p:nvPr/>
         </p:nvSpPr>
         <p:spPr>
           <a:xfrm>
-            <a:off x="3057525" y="2622550"/>
-            <a:ext cx="3674745" cy="583565"/>
+            <a:off x="2113915" y="1216660"/>
+            <a:ext cx="6161405" cy="583565"/>
+          </a:xfrm>
+          <a:prstGeom prst="rect">
+            <a:avLst/>
+          </a:prstGeom>
+          <a:noFill/>
+          <a:ln w="9525">
+            <a:noFill/>
+          </a:ln>
+        </p:spPr>
+        <p:txBody>
+          <a:bodyPr wrap="square" anchor="t">
+            <a:spAutoFit/>
+          </a:bodyPr>
+          <a:lstStyle>
+            <a:defPPr>
+              <a:defRPr lang="zh-CN"/>
+            </a:defPPr>
+            <a:lvl1pPr marL="0" algn="l" defTabSz="914400" rtl="0" eaLnBrk="1" latinLnBrk="0" hangingPunct="1">
+              <a:defRPr sz="1800" kern="1200">
+                <a:solidFill>
+                  <a:schemeClr val="tx1"/>
+                </a:solidFill>
+                <a:latin typeface="+mn-lt"/>
+                <a:ea typeface="+mn-ea"/>
+                <a:cs typeface="+mn-cs"/>
+              </a:defRPr>
+            </a:lvl1pPr>
+            <a:lvl2pPr marL="457200" algn="l" defTabSz="914400" rtl="0" eaLnBrk="1" latinLnBrk="0" hangingPunct="1">
+              <a:defRPr sz="1800" kern="1200">
+                <a:solidFill>
+                  <a:schemeClr val="tx1"/>
+                </a:solidFill>
+                <a:latin typeface="+mn-lt"/>
+                <a:ea typeface="+mn-ea"/>
+                <a:cs typeface="+mn-cs"/>
+              </a:defRPr>
+            </a:lvl2pPr>
+            <a:lvl3pPr marL="914400" algn="l" defTabSz="914400" rtl="0" eaLnBrk="1" latinLnBrk="0" hangingPunct="1">
+              <a:defRPr sz="1800" kern="1200">
+                <a:solidFill>
+                  <a:schemeClr val="tx1"/>
+                </a:solidFill>
+                <a:latin typeface="+mn-lt"/>
+                <a:ea typeface="+mn-ea"/>
+                <a:cs typeface="+mn-cs"/>
+              </a:defRPr>
+            </a:lvl3pPr>
+            <a:lvl4pPr marL="1371600" algn="l" defTabSz="914400" rtl="0" eaLnBrk="1" latinLnBrk="0" hangingPunct="1">
+              <a:defRPr sz="1800" kern="1200">
+                <a:solidFill>
+                  <a:schemeClr val="tx1"/>
+                </a:solidFill>
+                <a:latin typeface="+mn-lt"/>
+                <a:ea typeface="+mn-ea"/>
+                <a:cs typeface="+mn-cs"/>
+              </a:defRPr>
+            </a:lvl4pPr>
+            <a:lvl5pPr marL="1828800" algn="l" defTabSz="914400" rtl="0" eaLnBrk="1" latinLnBrk="0" hangingPunct="1">
+              <a:defRPr sz="1800" kern="1200">
+                <a:solidFill>
+                  <a:schemeClr val="tx1"/>
+                </a:solidFill>
+                <a:latin typeface="+mn-lt"/>
+                <a:ea typeface="+mn-ea"/>
+                <a:cs typeface="+mn-cs"/>
+              </a:defRPr>
+            </a:lvl5pPr>
+            <a:lvl6pPr marL="2286000" algn="l" defTabSz="914400" rtl="0" eaLnBrk="1" latinLnBrk="0" hangingPunct="1">
+              <a:defRPr sz="1800" kern="1200">
+                <a:solidFill>
+                  <a:schemeClr val="tx1"/>
+                </a:solidFill>
+                <a:latin typeface="+mn-lt"/>
+                <a:ea typeface="+mn-ea"/>
+                <a:cs typeface="+mn-cs"/>
+              </a:defRPr>
+            </a:lvl6pPr>
+            <a:lvl7pPr marL="2743200" algn="l" defTabSz="914400" rtl="0" eaLnBrk="1" latinLnBrk="0" hangingPunct="1">
+              <a:defRPr sz="1800" kern="1200">
+                <a:solidFill>
+                  <a:schemeClr val="tx1"/>
+                </a:solidFill>
+                <a:latin typeface="+mn-lt"/>
+                <a:ea typeface="+mn-ea"/>
+                <a:cs typeface="+mn-cs"/>
+              </a:defRPr>
+            </a:lvl7pPr>
+            <a:lvl8pPr marL="3200400" algn="l" defTabSz="914400" rtl="0" eaLnBrk="1" latinLnBrk="0" hangingPunct="1">
+              <a:defRPr sz="1800" kern="1200">
+                <a:solidFill>
+                  <a:schemeClr val="tx1"/>
+                </a:solidFill>
+                <a:latin typeface="+mn-lt"/>
+                <a:ea typeface="+mn-ea"/>
+                <a:cs typeface="+mn-cs"/>
+              </a:defRPr>
+            </a:lvl8pPr>
+            <a:lvl9pPr marL="3657600" algn="l" defTabSz="914400" rtl="0" eaLnBrk="1" latinLnBrk="0" hangingPunct="1">
+              <a:defRPr sz="1800" kern="1200">
+                <a:solidFill>
+                  <a:schemeClr val="tx1"/>
+                </a:solidFill>
+                <a:latin typeface="+mn-lt"/>
+                <a:ea typeface="+mn-ea"/>
+                <a:cs typeface="+mn-cs"/>
+              </a:defRPr>
+            </a:lvl9pPr>
+          </a:lstStyle>
+          <a:p>
+            <a:pPr algn="l"/>
+            <a:r>
+              <a:rPr lang="zh-CN" altLang="en-US" sz="3200" b="1" dirty="0">
+                <a:solidFill>
+                  <a:schemeClr val="bg1"/>
+                </a:solidFill>
+                <a:latin typeface="Verdana" panose="020B0604030504040204" pitchFamily="34" charset="0"/>
+                <a:ea typeface="宋体" panose="02010600030101010101" pitchFamily="2" charset="-122"/>
+              </a:rPr>
+              <a:t>          </a:t>
+            </a:r>
+            <a:r>
+              <a:rPr lang="zh-CN" altLang="en-US" sz="3200">
+                <a:ln w="10160">
+                  <a:solidFill>
+                    <a:schemeClr val="accent5"/>
+                  </a:solidFill>
+                  <a:prstDash val="solid"/>
+                </a:ln>
+                <a:solidFill>
+                  <a:srgbClr val="FFFFFF"/>
+                </a:solidFill>
+                <a:effectLst>
+                  <a:outerShdw blurRad="38100" dist="22860" dir="5400000" algn="tl" rotWithShape="0">
+                    <a:srgbClr val="000000">
+                      <a:alpha val="30000"/>
+                    </a:srgbClr>
+                  </a:outerShdw>
+                </a:effectLst>
+                <a:sym typeface="+mn-ea"/>
+              </a:rPr>
+              <a:t>选题背景与意义</a:t>
+            </a:r>
+            <a:endParaRPr lang="zh-CN" altLang="en-US" sz="3200" b="1" dirty="0">
+              <a:ln w="10160">
+                <a:solidFill>
+                  <a:schemeClr val="accent5"/>
+                </a:solidFill>
+                <a:prstDash val="solid"/>
+              </a:ln>
+              <a:solidFill>
+                <a:srgbClr val="FFFFFF"/>
+              </a:solidFill>
+              <a:effectLst>
+                <a:outerShdw blurRad="38100" dist="22860" dir="5400000" algn="tl" rotWithShape="0">
+                  <a:srgbClr val="000000">
+                    <a:alpha val="30000"/>
+                  </a:srgbClr>
+                </a:outerShdw>
+              </a:effectLst>
+              <a:latin typeface="Verdana" panose="020B0604030504040204" pitchFamily="34" charset="0"/>
+              <a:ea typeface="宋体" panose="02010600030101010101" pitchFamily="2" charset="-122"/>
+              <a:sym typeface="+mn-ea"/>
+            </a:endParaRPr>
+          </a:p>
+        </p:txBody>
+      </p:sp>
+      <p:sp>
+        <p:nvSpPr>
+          <p:cNvPr id="8" name="Text Box 7"/>
+          <p:cNvSpPr txBox="1"/>
+          <p:nvPr/>
+        </p:nvSpPr>
+        <p:spPr>
+          <a:xfrm>
+            <a:off x="471170" y="217805"/>
+            <a:ext cx="3993515" cy="583565"/>
           </a:xfrm>
           <a:prstGeom prst="rect">
             <a:avLst/>
@@ -16781,7 +17040,7 @@
                   </a:outerShdw>
                 </a:effectLst>
               </a:rPr>
-              <a:t>汇报结束</a:t>
+              <a:t>汇报提纲</a:t>
             </a:r>
             <a:endParaRPr lang="zh-CN" altLang="en-US" sz="3200">
               <a:ln w="12700">
@@ -16816,54 +17075,1144 @@
       </p:sp>
       <p:sp>
         <p:nvSpPr>
-          <p:cNvPr id="5" name="Rectangles 4"/>
+          <p:cNvPr id="15" name="矩形 4"/>
           <p:cNvSpPr/>
           <p:nvPr/>
         </p:nvSpPr>
         <p:spPr>
           <a:xfrm>
-            <a:off x="76200" y="1772285"/>
-            <a:ext cx="8991600" cy="2000885"/>
+            <a:off x="1931670" y="2164715"/>
+            <a:ext cx="6250305" cy="645795"/>
           </a:xfrm>
           <a:prstGeom prst="rect">
             <a:avLst/>
           </a:prstGeom>
+          <a:solidFill>
+            <a:srgbClr val="0070C0"/>
+          </a:solidFill>
+          <a:ln w="9525" cap="flat" cmpd="sng" algn="ctr">
+            <a:solidFill>
+              <a:schemeClr val="bg1"/>
+            </a:solidFill>
+            <a:prstDash val="solid"/>
+            <a:round/>
+            <a:headEnd type="none" w="med" len="med"/>
+            <a:tailEnd type="none" w="med" len="med"/>
+          </a:ln>
+        </p:spPr>
+        <p:txBody>
+          <a:bodyPr vert="horz" wrap="square" lIns="91440" tIns="45720" rIns="91440" bIns="45720" numCol="1" anchor="t" anchorCtr="0" compatLnSpc="1"/>
+          <a:lstStyle>
+            <a:defPPr>
+              <a:defRPr lang="zh-CN"/>
+            </a:defPPr>
+            <a:lvl1pPr marL="0" algn="l" defTabSz="914400" rtl="0" eaLnBrk="1" latinLnBrk="0" hangingPunct="1">
+              <a:defRPr sz="1800" kern="1200">
+                <a:solidFill>
+                  <a:schemeClr val="tx1"/>
+                </a:solidFill>
+                <a:latin typeface="+mn-lt"/>
+                <a:ea typeface="+mn-ea"/>
+                <a:cs typeface="+mn-cs"/>
+              </a:defRPr>
+            </a:lvl1pPr>
+            <a:lvl2pPr marL="457200" algn="l" defTabSz="914400" rtl="0" eaLnBrk="1" latinLnBrk="0" hangingPunct="1">
+              <a:defRPr sz="1800" kern="1200">
+                <a:solidFill>
+                  <a:schemeClr val="tx1"/>
+                </a:solidFill>
+                <a:latin typeface="+mn-lt"/>
+                <a:ea typeface="+mn-ea"/>
+                <a:cs typeface="+mn-cs"/>
+              </a:defRPr>
+            </a:lvl2pPr>
+            <a:lvl3pPr marL="914400" algn="l" defTabSz="914400" rtl="0" eaLnBrk="1" latinLnBrk="0" hangingPunct="1">
+              <a:defRPr sz="1800" kern="1200">
+                <a:solidFill>
+                  <a:schemeClr val="tx1"/>
+                </a:solidFill>
+                <a:latin typeface="+mn-lt"/>
+                <a:ea typeface="+mn-ea"/>
+                <a:cs typeface="+mn-cs"/>
+              </a:defRPr>
+            </a:lvl3pPr>
+            <a:lvl4pPr marL="1371600" algn="l" defTabSz="914400" rtl="0" eaLnBrk="1" latinLnBrk="0" hangingPunct="1">
+              <a:defRPr sz="1800" kern="1200">
+                <a:solidFill>
+                  <a:schemeClr val="tx1"/>
+                </a:solidFill>
+                <a:latin typeface="+mn-lt"/>
+                <a:ea typeface="+mn-ea"/>
+                <a:cs typeface="+mn-cs"/>
+              </a:defRPr>
+            </a:lvl4pPr>
+            <a:lvl5pPr marL="1828800" algn="l" defTabSz="914400" rtl="0" eaLnBrk="1" latinLnBrk="0" hangingPunct="1">
+              <a:defRPr sz="1800" kern="1200">
+                <a:solidFill>
+                  <a:schemeClr val="tx1"/>
+                </a:solidFill>
+                <a:latin typeface="+mn-lt"/>
+                <a:ea typeface="+mn-ea"/>
+                <a:cs typeface="+mn-cs"/>
+              </a:defRPr>
+            </a:lvl5pPr>
+            <a:lvl6pPr marL="2286000" algn="l" defTabSz="914400" rtl="0" eaLnBrk="1" latinLnBrk="0" hangingPunct="1">
+              <a:defRPr sz="1800" kern="1200">
+                <a:solidFill>
+                  <a:schemeClr val="tx1"/>
+                </a:solidFill>
+                <a:latin typeface="+mn-lt"/>
+                <a:ea typeface="+mn-ea"/>
+                <a:cs typeface="+mn-cs"/>
+              </a:defRPr>
+            </a:lvl6pPr>
+            <a:lvl7pPr marL="2743200" algn="l" defTabSz="914400" rtl="0" eaLnBrk="1" latinLnBrk="0" hangingPunct="1">
+              <a:defRPr sz="1800" kern="1200">
+                <a:solidFill>
+                  <a:schemeClr val="tx1"/>
+                </a:solidFill>
+                <a:latin typeface="+mn-lt"/>
+                <a:ea typeface="+mn-ea"/>
+                <a:cs typeface="+mn-cs"/>
+              </a:defRPr>
+            </a:lvl7pPr>
+            <a:lvl8pPr marL="3200400" algn="l" defTabSz="914400" rtl="0" eaLnBrk="1" latinLnBrk="0" hangingPunct="1">
+              <a:defRPr sz="1800" kern="1200">
+                <a:solidFill>
+                  <a:schemeClr val="tx1"/>
+                </a:solidFill>
+                <a:latin typeface="+mn-lt"/>
+                <a:ea typeface="+mn-ea"/>
+                <a:cs typeface="+mn-cs"/>
+              </a:defRPr>
+            </a:lvl8pPr>
+            <a:lvl9pPr marL="3657600" algn="l" defTabSz="914400" rtl="0" eaLnBrk="1" latinLnBrk="0" hangingPunct="1">
+              <a:defRPr sz="1800" kern="1200">
+                <a:solidFill>
+                  <a:schemeClr val="tx1"/>
+                </a:solidFill>
+                <a:latin typeface="+mn-lt"/>
+                <a:ea typeface="+mn-ea"/>
+                <a:cs typeface="+mn-cs"/>
+              </a:defRPr>
+            </a:lvl9pPr>
+          </a:lstStyle>
+          <a:p>
+            <a:pPr marL="0" marR="0" indent="0" algn="l" defTabSz="914400" rtl="0" eaLnBrk="1" fontAlgn="base" latinLnBrk="0" hangingPunct="1">
+              <a:lnSpc>
+                <a:spcPct val="100000"/>
+              </a:lnSpc>
+              <a:spcBef>
+                <a:spcPct val="0"/>
+              </a:spcBef>
+              <a:spcAft>
+                <a:spcPct val="0"/>
+              </a:spcAft>
+              <a:buClrTx/>
+              <a:buSzTx/>
+              <a:buFont typeface="Arial" panose="020B0604020202020204" pitchFamily="34" charset="0"/>
+              <a:buNone/>
+            </a:pPr>
+            <a:endParaRPr kumimoji="0" lang="zh-CN" altLang="en-US" sz="1800" b="0" i="0" u="none" strike="noStrike" cap="none" normalizeH="0" baseline="0" smtClean="0">
+              <a:ln>
+                <a:noFill/>
+              </a:ln>
+              <a:solidFill>
+                <a:schemeClr val="tx1"/>
+              </a:solidFill>
+              <a:effectLst/>
+              <a:latin typeface="Verdana" panose="020B0604030504040204" pitchFamily="34" charset="0"/>
+              <a:ea typeface="宋体" panose="02010600030101010101" pitchFamily="2" charset="-122"/>
+            </a:endParaRPr>
+          </a:p>
+        </p:txBody>
+      </p:sp>
+      <p:sp>
+        <p:nvSpPr>
+          <p:cNvPr id="16" name="TextBox 53"/>
+          <p:cNvSpPr txBox="1"/>
+          <p:nvPr/>
+        </p:nvSpPr>
+        <p:spPr>
+          <a:xfrm>
+            <a:off x="2113915" y="2165350"/>
+            <a:ext cx="6161405" cy="583565"/>
+          </a:xfrm>
+          <a:prstGeom prst="rect">
+            <a:avLst/>
+          </a:prstGeom>
+          <a:noFill/>
+          <a:ln w="9525">
+            <a:noFill/>
+          </a:ln>
+        </p:spPr>
+        <p:txBody>
+          <a:bodyPr wrap="square" anchor="t">
+            <a:spAutoFit/>
+          </a:bodyPr>
+          <a:lstStyle>
+            <a:defPPr>
+              <a:defRPr lang="zh-CN"/>
+            </a:defPPr>
+            <a:lvl1pPr marL="0" algn="l" defTabSz="914400" rtl="0" eaLnBrk="1" latinLnBrk="0" hangingPunct="1">
+              <a:defRPr sz="1800" kern="1200">
+                <a:solidFill>
+                  <a:schemeClr val="tx1"/>
+                </a:solidFill>
+                <a:latin typeface="+mn-lt"/>
+                <a:ea typeface="+mn-ea"/>
+                <a:cs typeface="+mn-cs"/>
+              </a:defRPr>
+            </a:lvl1pPr>
+            <a:lvl2pPr marL="457200" algn="l" defTabSz="914400" rtl="0" eaLnBrk="1" latinLnBrk="0" hangingPunct="1">
+              <a:defRPr sz="1800" kern="1200">
+                <a:solidFill>
+                  <a:schemeClr val="tx1"/>
+                </a:solidFill>
+                <a:latin typeface="+mn-lt"/>
+                <a:ea typeface="+mn-ea"/>
+                <a:cs typeface="+mn-cs"/>
+              </a:defRPr>
+            </a:lvl2pPr>
+            <a:lvl3pPr marL="914400" algn="l" defTabSz="914400" rtl="0" eaLnBrk="1" latinLnBrk="0" hangingPunct="1">
+              <a:defRPr sz="1800" kern="1200">
+                <a:solidFill>
+                  <a:schemeClr val="tx1"/>
+                </a:solidFill>
+                <a:latin typeface="+mn-lt"/>
+                <a:ea typeface="+mn-ea"/>
+                <a:cs typeface="+mn-cs"/>
+              </a:defRPr>
+            </a:lvl3pPr>
+            <a:lvl4pPr marL="1371600" algn="l" defTabSz="914400" rtl="0" eaLnBrk="1" latinLnBrk="0" hangingPunct="1">
+              <a:defRPr sz="1800" kern="1200">
+                <a:solidFill>
+                  <a:schemeClr val="tx1"/>
+                </a:solidFill>
+                <a:latin typeface="+mn-lt"/>
+                <a:ea typeface="+mn-ea"/>
+                <a:cs typeface="+mn-cs"/>
+              </a:defRPr>
+            </a:lvl4pPr>
+            <a:lvl5pPr marL="1828800" algn="l" defTabSz="914400" rtl="0" eaLnBrk="1" latinLnBrk="0" hangingPunct="1">
+              <a:defRPr sz="1800" kern="1200">
+                <a:solidFill>
+                  <a:schemeClr val="tx1"/>
+                </a:solidFill>
+                <a:latin typeface="+mn-lt"/>
+                <a:ea typeface="+mn-ea"/>
+                <a:cs typeface="+mn-cs"/>
+              </a:defRPr>
+            </a:lvl5pPr>
+            <a:lvl6pPr marL="2286000" algn="l" defTabSz="914400" rtl="0" eaLnBrk="1" latinLnBrk="0" hangingPunct="1">
+              <a:defRPr sz="1800" kern="1200">
+                <a:solidFill>
+                  <a:schemeClr val="tx1"/>
+                </a:solidFill>
+                <a:latin typeface="+mn-lt"/>
+                <a:ea typeface="+mn-ea"/>
+                <a:cs typeface="+mn-cs"/>
+              </a:defRPr>
+            </a:lvl6pPr>
+            <a:lvl7pPr marL="2743200" algn="l" defTabSz="914400" rtl="0" eaLnBrk="1" latinLnBrk="0" hangingPunct="1">
+              <a:defRPr sz="1800" kern="1200">
+                <a:solidFill>
+                  <a:schemeClr val="tx1"/>
+                </a:solidFill>
+                <a:latin typeface="+mn-lt"/>
+                <a:ea typeface="+mn-ea"/>
+                <a:cs typeface="+mn-cs"/>
+              </a:defRPr>
+            </a:lvl7pPr>
+            <a:lvl8pPr marL="3200400" algn="l" defTabSz="914400" rtl="0" eaLnBrk="1" latinLnBrk="0" hangingPunct="1">
+              <a:defRPr sz="1800" kern="1200">
+                <a:solidFill>
+                  <a:schemeClr val="tx1"/>
+                </a:solidFill>
+                <a:latin typeface="+mn-lt"/>
+                <a:ea typeface="+mn-ea"/>
+                <a:cs typeface="+mn-cs"/>
+              </a:defRPr>
+            </a:lvl8pPr>
+            <a:lvl9pPr marL="3657600" algn="l" defTabSz="914400" rtl="0" eaLnBrk="1" latinLnBrk="0" hangingPunct="1">
+              <a:defRPr sz="1800" kern="1200">
+                <a:solidFill>
+                  <a:schemeClr val="tx1"/>
+                </a:solidFill>
+                <a:latin typeface="+mn-lt"/>
+                <a:ea typeface="+mn-ea"/>
+                <a:cs typeface="+mn-cs"/>
+              </a:defRPr>
+            </a:lvl9pPr>
+          </a:lstStyle>
+          <a:p>
+            <a:pPr algn="l"/>
+            <a:r>
+              <a:rPr lang="zh-CN" altLang="en-US" sz="3200" b="1" dirty="0">
+                <a:solidFill>
+                  <a:schemeClr val="bg1"/>
+                </a:solidFill>
+                <a:latin typeface="Verdana" panose="020B0604030504040204" pitchFamily="34" charset="0"/>
+                <a:ea typeface="宋体" panose="02010600030101010101" pitchFamily="2" charset="-122"/>
+                <a:sym typeface="+mn-ea"/>
+              </a:rPr>
+              <a:t>          </a:t>
+            </a:r>
+            <a:r>
+              <a:rPr lang="zh-CN" altLang="en-US" sz="3200">
+                <a:ln w="10160">
+                  <a:solidFill>
+                    <a:schemeClr val="accent5"/>
+                  </a:solidFill>
+                  <a:prstDash val="solid"/>
+                </a:ln>
+                <a:solidFill>
+                  <a:srgbClr val="FFFFFF"/>
+                </a:solidFill>
+                <a:effectLst>
+                  <a:outerShdw blurRad="38100" dist="22860" dir="5400000" algn="tl" rotWithShape="0">
+                    <a:srgbClr val="000000">
+                      <a:alpha val="30000"/>
+                    </a:srgbClr>
+                  </a:outerShdw>
+                </a:effectLst>
+                <a:sym typeface="+mn-ea"/>
+              </a:rPr>
+              <a:t>研究内容与方案</a:t>
+            </a:r>
+            <a:endParaRPr lang="zh-CN" altLang="en-US" sz="3200">
+              <a:ln w="10160">
+                <a:solidFill>
+                  <a:schemeClr val="accent5"/>
+                </a:solidFill>
+                <a:prstDash val="solid"/>
+              </a:ln>
+              <a:solidFill>
+                <a:srgbClr val="FFFFFF"/>
+              </a:solidFill>
+              <a:effectLst>
+                <a:outerShdw blurRad="38100" dist="22860" dir="5400000" algn="tl" rotWithShape="0">
+                  <a:srgbClr val="000000">
+                    <a:alpha val="30000"/>
+                  </a:srgbClr>
+                </a:outerShdw>
+              </a:effectLst>
+              <a:sym typeface="+mn-ea"/>
+            </a:endParaRPr>
+          </a:p>
+        </p:txBody>
+      </p:sp>
+      <p:sp>
+        <p:nvSpPr>
+          <p:cNvPr id="17" name="矩形 4"/>
+          <p:cNvSpPr/>
+          <p:nvPr/>
+        </p:nvSpPr>
+        <p:spPr>
+          <a:xfrm>
+            <a:off x="1931670" y="3115310"/>
+            <a:ext cx="6250305" cy="645795"/>
+          </a:xfrm>
+          <a:prstGeom prst="rect">
+            <a:avLst/>
+          </a:prstGeom>
+          <a:solidFill>
+            <a:srgbClr val="0070C0"/>
+          </a:solidFill>
+          <a:ln w="9525" cap="flat" cmpd="sng" algn="ctr">
+            <a:solidFill>
+              <a:schemeClr val="bg1"/>
+            </a:solidFill>
+            <a:prstDash val="solid"/>
+            <a:round/>
+            <a:headEnd type="none" w="med" len="med"/>
+            <a:tailEnd type="none" w="med" len="med"/>
+          </a:ln>
+        </p:spPr>
+        <p:txBody>
+          <a:bodyPr vert="horz" wrap="square" lIns="91440" tIns="45720" rIns="91440" bIns="45720" numCol="1" anchor="t" anchorCtr="0" compatLnSpc="1"/>
+          <a:lstStyle>
+            <a:defPPr>
+              <a:defRPr lang="zh-CN"/>
+            </a:defPPr>
+            <a:lvl1pPr marL="0" algn="l" defTabSz="914400" rtl="0" eaLnBrk="1" latinLnBrk="0" hangingPunct="1">
+              <a:defRPr sz="1800" kern="1200">
+                <a:solidFill>
+                  <a:schemeClr val="tx1"/>
+                </a:solidFill>
+                <a:latin typeface="+mn-lt"/>
+                <a:ea typeface="+mn-ea"/>
+                <a:cs typeface="+mn-cs"/>
+              </a:defRPr>
+            </a:lvl1pPr>
+            <a:lvl2pPr marL="457200" algn="l" defTabSz="914400" rtl="0" eaLnBrk="1" latinLnBrk="0" hangingPunct="1">
+              <a:defRPr sz="1800" kern="1200">
+                <a:solidFill>
+                  <a:schemeClr val="tx1"/>
+                </a:solidFill>
+                <a:latin typeface="+mn-lt"/>
+                <a:ea typeface="+mn-ea"/>
+                <a:cs typeface="+mn-cs"/>
+              </a:defRPr>
+            </a:lvl2pPr>
+            <a:lvl3pPr marL="914400" algn="l" defTabSz="914400" rtl="0" eaLnBrk="1" latinLnBrk="0" hangingPunct="1">
+              <a:defRPr sz="1800" kern="1200">
+                <a:solidFill>
+                  <a:schemeClr val="tx1"/>
+                </a:solidFill>
+                <a:latin typeface="+mn-lt"/>
+                <a:ea typeface="+mn-ea"/>
+                <a:cs typeface="+mn-cs"/>
+              </a:defRPr>
+            </a:lvl3pPr>
+            <a:lvl4pPr marL="1371600" algn="l" defTabSz="914400" rtl="0" eaLnBrk="1" latinLnBrk="0" hangingPunct="1">
+              <a:defRPr sz="1800" kern="1200">
+                <a:solidFill>
+                  <a:schemeClr val="tx1"/>
+                </a:solidFill>
+                <a:latin typeface="+mn-lt"/>
+                <a:ea typeface="+mn-ea"/>
+                <a:cs typeface="+mn-cs"/>
+              </a:defRPr>
+            </a:lvl4pPr>
+            <a:lvl5pPr marL="1828800" algn="l" defTabSz="914400" rtl="0" eaLnBrk="1" latinLnBrk="0" hangingPunct="1">
+              <a:defRPr sz="1800" kern="1200">
+                <a:solidFill>
+                  <a:schemeClr val="tx1"/>
+                </a:solidFill>
+                <a:latin typeface="+mn-lt"/>
+                <a:ea typeface="+mn-ea"/>
+                <a:cs typeface="+mn-cs"/>
+              </a:defRPr>
+            </a:lvl5pPr>
+            <a:lvl6pPr marL="2286000" algn="l" defTabSz="914400" rtl="0" eaLnBrk="1" latinLnBrk="0" hangingPunct="1">
+              <a:defRPr sz="1800" kern="1200">
+                <a:solidFill>
+                  <a:schemeClr val="tx1"/>
+                </a:solidFill>
+                <a:latin typeface="+mn-lt"/>
+                <a:ea typeface="+mn-ea"/>
+                <a:cs typeface="+mn-cs"/>
+              </a:defRPr>
+            </a:lvl6pPr>
+            <a:lvl7pPr marL="2743200" algn="l" defTabSz="914400" rtl="0" eaLnBrk="1" latinLnBrk="0" hangingPunct="1">
+              <a:defRPr sz="1800" kern="1200">
+                <a:solidFill>
+                  <a:schemeClr val="tx1"/>
+                </a:solidFill>
+                <a:latin typeface="+mn-lt"/>
+                <a:ea typeface="+mn-ea"/>
+                <a:cs typeface="+mn-cs"/>
+              </a:defRPr>
+            </a:lvl7pPr>
+            <a:lvl8pPr marL="3200400" algn="l" defTabSz="914400" rtl="0" eaLnBrk="1" latinLnBrk="0" hangingPunct="1">
+              <a:defRPr sz="1800" kern="1200">
+                <a:solidFill>
+                  <a:schemeClr val="tx1"/>
+                </a:solidFill>
+                <a:latin typeface="+mn-lt"/>
+                <a:ea typeface="+mn-ea"/>
+                <a:cs typeface="+mn-cs"/>
+              </a:defRPr>
+            </a:lvl8pPr>
+            <a:lvl9pPr marL="3657600" algn="l" defTabSz="914400" rtl="0" eaLnBrk="1" latinLnBrk="0" hangingPunct="1">
+              <a:defRPr sz="1800" kern="1200">
+                <a:solidFill>
+                  <a:schemeClr val="tx1"/>
+                </a:solidFill>
+                <a:latin typeface="+mn-lt"/>
+                <a:ea typeface="+mn-ea"/>
+                <a:cs typeface="+mn-cs"/>
+              </a:defRPr>
+            </a:lvl9pPr>
+          </a:lstStyle>
+          <a:p>
+            <a:pPr marL="0" marR="0" indent="0" algn="l" defTabSz="914400" rtl="0" eaLnBrk="1" fontAlgn="base" latinLnBrk="0" hangingPunct="1">
+              <a:lnSpc>
+                <a:spcPct val="100000"/>
+              </a:lnSpc>
+              <a:spcBef>
+                <a:spcPct val="0"/>
+              </a:spcBef>
+              <a:spcAft>
+                <a:spcPct val="0"/>
+              </a:spcAft>
+              <a:buClrTx/>
+              <a:buSzTx/>
+              <a:buFont typeface="Arial" panose="020B0604020202020204" pitchFamily="34" charset="0"/>
+              <a:buNone/>
+            </a:pPr>
+            <a:endParaRPr kumimoji="0" lang="zh-CN" altLang="en-US" sz="1800" b="0" i="0" u="none" strike="noStrike" cap="none" normalizeH="0" baseline="0" smtClean="0">
+              <a:ln>
+                <a:noFill/>
+              </a:ln>
+              <a:solidFill>
+                <a:schemeClr val="tx1"/>
+              </a:solidFill>
+              <a:effectLst/>
+              <a:latin typeface="Verdana" panose="020B0604030504040204" pitchFamily="34" charset="0"/>
+              <a:ea typeface="宋体" panose="02010600030101010101" pitchFamily="2" charset="-122"/>
+            </a:endParaRPr>
+          </a:p>
+        </p:txBody>
+      </p:sp>
+      <p:sp>
+        <p:nvSpPr>
+          <p:cNvPr id="18" name="TextBox 53"/>
+          <p:cNvSpPr txBox="1"/>
+          <p:nvPr/>
+        </p:nvSpPr>
+        <p:spPr>
+          <a:xfrm>
+            <a:off x="2113915" y="3115945"/>
+            <a:ext cx="6161405" cy="583565"/>
+          </a:xfrm>
+          <a:prstGeom prst="rect">
+            <a:avLst/>
+          </a:prstGeom>
+          <a:noFill/>
+          <a:ln w="9525">
+            <a:noFill/>
+          </a:ln>
+        </p:spPr>
+        <p:txBody>
+          <a:bodyPr wrap="square" anchor="t">
+            <a:spAutoFit/>
+          </a:bodyPr>
+          <a:lstStyle>
+            <a:defPPr>
+              <a:defRPr lang="zh-CN"/>
+            </a:defPPr>
+            <a:lvl1pPr marL="0" algn="l" defTabSz="914400" rtl="0" eaLnBrk="1" latinLnBrk="0" hangingPunct="1">
+              <a:defRPr sz="1800" kern="1200">
+                <a:solidFill>
+                  <a:schemeClr val="tx1"/>
+                </a:solidFill>
+                <a:latin typeface="+mn-lt"/>
+                <a:ea typeface="+mn-ea"/>
+                <a:cs typeface="+mn-cs"/>
+              </a:defRPr>
+            </a:lvl1pPr>
+            <a:lvl2pPr marL="457200" algn="l" defTabSz="914400" rtl="0" eaLnBrk="1" latinLnBrk="0" hangingPunct="1">
+              <a:defRPr sz="1800" kern="1200">
+                <a:solidFill>
+                  <a:schemeClr val="tx1"/>
+                </a:solidFill>
+                <a:latin typeface="+mn-lt"/>
+                <a:ea typeface="+mn-ea"/>
+                <a:cs typeface="+mn-cs"/>
+              </a:defRPr>
+            </a:lvl2pPr>
+            <a:lvl3pPr marL="914400" algn="l" defTabSz="914400" rtl="0" eaLnBrk="1" latinLnBrk="0" hangingPunct="1">
+              <a:defRPr sz="1800" kern="1200">
+                <a:solidFill>
+                  <a:schemeClr val="tx1"/>
+                </a:solidFill>
+                <a:latin typeface="+mn-lt"/>
+                <a:ea typeface="+mn-ea"/>
+                <a:cs typeface="+mn-cs"/>
+              </a:defRPr>
+            </a:lvl3pPr>
+            <a:lvl4pPr marL="1371600" algn="l" defTabSz="914400" rtl="0" eaLnBrk="1" latinLnBrk="0" hangingPunct="1">
+              <a:defRPr sz="1800" kern="1200">
+                <a:solidFill>
+                  <a:schemeClr val="tx1"/>
+                </a:solidFill>
+                <a:latin typeface="+mn-lt"/>
+                <a:ea typeface="+mn-ea"/>
+                <a:cs typeface="+mn-cs"/>
+              </a:defRPr>
+            </a:lvl4pPr>
+            <a:lvl5pPr marL="1828800" algn="l" defTabSz="914400" rtl="0" eaLnBrk="1" latinLnBrk="0" hangingPunct="1">
+              <a:defRPr sz="1800" kern="1200">
+                <a:solidFill>
+                  <a:schemeClr val="tx1"/>
+                </a:solidFill>
+                <a:latin typeface="+mn-lt"/>
+                <a:ea typeface="+mn-ea"/>
+                <a:cs typeface="+mn-cs"/>
+              </a:defRPr>
+            </a:lvl5pPr>
+            <a:lvl6pPr marL="2286000" algn="l" defTabSz="914400" rtl="0" eaLnBrk="1" latinLnBrk="0" hangingPunct="1">
+              <a:defRPr sz="1800" kern="1200">
+                <a:solidFill>
+                  <a:schemeClr val="tx1"/>
+                </a:solidFill>
+                <a:latin typeface="+mn-lt"/>
+                <a:ea typeface="+mn-ea"/>
+                <a:cs typeface="+mn-cs"/>
+              </a:defRPr>
+            </a:lvl6pPr>
+            <a:lvl7pPr marL="2743200" algn="l" defTabSz="914400" rtl="0" eaLnBrk="1" latinLnBrk="0" hangingPunct="1">
+              <a:defRPr sz="1800" kern="1200">
+                <a:solidFill>
+                  <a:schemeClr val="tx1"/>
+                </a:solidFill>
+                <a:latin typeface="+mn-lt"/>
+                <a:ea typeface="+mn-ea"/>
+                <a:cs typeface="+mn-cs"/>
+              </a:defRPr>
+            </a:lvl7pPr>
+            <a:lvl8pPr marL="3200400" algn="l" defTabSz="914400" rtl="0" eaLnBrk="1" latinLnBrk="0" hangingPunct="1">
+              <a:defRPr sz="1800" kern="1200">
+                <a:solidFill>
+                  <a:schemeClr val="tx1"/>
+                </a:solidFill>
+                <a:latin typeface="+mn-lt"/>
+                <a:ea typeface="+mn-ea"/>
+                <a:cs typeface="+mn-cs"/>
+              </a:defRPr>
+            </a:lvl8pPr>
+            <a:lvl9pPr marL="3657600" algn="l" defTabSz="914400" rtl="0" eaLnBrk="1" latinLnBrk="0" hangingPunct="1">
+              <a:defRPr sz="1800" kern="1200">
+                <a:solidFill>
+                  <a:schemeClr val="tx1"/>
+                </a:solidFill>
+                <a:latin typeface="+mn-lt"/>
+                <a:ea typeface="+mn-ea"/>
+                <a:cs typeface="+mn-cs"/>
+              </a:defRPr>
+            </a:lvl9pPr>
+          </a:lstStyle>
+          <a:p>
+            <a:pPr algn="l"/>
+            <a:r>
+              <a:rPr lang="en-US" altLang="zh-CN" sz="3200" b="1" dirty="0">
+                <a:solidFill>
+                  <a:schemeClr val="bg1"/>
+                </a:solidFill>
+                <a:latin typeface="Verdana" panose="020B0604030504040204" pitchFamily="34" charset="0"/>
+                <a:ea typeface="宋体" panose="02010600030101010101" pitchFamily="2" charset="-122"/>
+              </a:rPr>
+              <a:t>  </a:t>
+            </a:r>
+            <a:r>
+              <a:rPr lang="zh-CN" altLang="en-US" sz="3200" b="1" dirty="0">
+                <a:solidFill>
+                  <a:schemeClr val="bg1"/>
+                </a:solidFill>
+                <a:latin typeface="Verdana" panose="020B0604030504040204" pitchFamily="34" charset="0"/>
+                <a:ea typeface="宋体" panose="02010600030101010101" pitchFamily="2" charset="-122"/>
+              </a:rPr>
+              <a:t>        </a:t>
+            </a:r>
+            <a:r>
+              <a:rPr lang="zh-CN" altLang="en-US" sz="3200">
+                <a:ln w="10160">
+                  <a:solidFill>
+                    <a:schemeClr val="accent5"/>
+                  </a:solidFill>
+                  <a:prstDash val="solid"/>
+                </a:ln>
+                <a:solidFill>
+                  <a:srgbClr val="FFFFFF"/>
+                </a:solidFill>
+                <a:effectLst>
+                  <a:outerShdw blurRad="38100" dist="22860" dir="5400000" algn="tl" rotWithShape="0">
+                    <a:srgbClr val="000000">
+                      <a:alpha val="30000"/>
+                    </a:srgbClr>
+                  </a:outerShdw>
+                </a:effectLst>
+                <a:sym typeface="+mn-ea"/>
+              </a:rPr>
+              <a:t>前期准备工作</a:t>
+            </a:r>
+            <a:endParaRPr lang="zh-CN" altLang="en-US" sz="3200">
+              <a:ln w="10160">
+                <a:solidFill>
+                  <a:schemeClr val="accent5"/>
+                </a:solidFill>
+                <a:prstDash val="solid"/>
+              </a:ln>
+              <a:solidFill>
+                <a:srgbClr val="FFFFFF"/>
+              </a:solidFill>
+              <a:effectLst>
+                <a:outerShdw blurRad="38100" dist="22860" dir="5400000" algn="tl" rotWithShape="0">
+                  <a:srgbClr val="000000">
+                    <a:alpha val="30000"/>
+                  </a:srgbClr>
+                </a:outerShdw>
+              </a:effectLst>
+              <a:sym typeface="+mn-ea"/>
+            </a:endParaRPr>
+          </a:p>
+        </p:txBody>
+      </p:sp>
+      <p:sp>
+        <p:nvSpPr>
+          <p:cNvPr id="20" name="矩形 4"/>
+          <p:cNvSpPr/>
+          <p:nvPr/>
+        </p:nvSpPr>
+        <p:spPr>
+          <a:xfrm>
+            <a:off x="1931670" y="4028440"/>
+            <a:ext cx="6250305" cy="645795"/>
+          </a:xfrm>
+          <a:prstGeom prst="rect">
+            <a:avLst/>
+          </a:prstGeom>
+          <a:solidFill>
+            <a:srgbClr val="0070C0"/>
+          </a:solidFill>
+          <a:ln w="9525" cap="flat" cmpd="sng" algn="ctr">
+            <a:solidFill>
+              <a:schemeClr val="bg1"/>
+            </a:solidFill>
+            <a:prstDash val="solid"/>
+            <a:round/>
+            <a:headEnd type="none" w="med" len="med"/>
+            <a:tailEnd type="none" w="med" len="med"/>
+          </a:ln>
+        </p:spPr>
+        <p:txBody>
+          <a:bodyPr vert="horz" wrap="square" lIns="91440" tIns="45720" rIns="91440" bIns="45720" numCol="1" anchor="t" anchorCtr="0" compatLnSpc="1"/>
+          <a:lstStyle>
+            <a:defPPr>
+              <a:defRPr lang="zh-CN"/>
+            </a:defPPr>
+            <a:lvl1pPr marL="0" algn="l" defTabSz="914400" rtl="0" eaLnBrk="1" latinLnBrk="0" hangingPunct="1">
+              <a:defRPr sz="1800" kern="1200">
+                <a:solidFill>
+                  <a:schemeClr val="tx1"/>
+                </a:solidFill>
+                <a:latin typeface="+mn-lt"/>
+                <a:ea typeface="+mn-ea"/>
+                <a:cs typeface="+mn-cs"/>
+              </a:defRPr>
+            </a:lvl1pPr>
+            <a:lvl2pPr marL="457200" algn="l" defTabSz="914400" rtl="0" eaLnBrk="1" latinLnBrk="0" hangingPunct="1">
+              <a:defRPr sz="1800" kern="1200">
+                <a:solidFill>
+                  <a:schemeClr val="tx1"/>
+                </a:solidFill>
+                <a:latin typeface="+mn-lt"/>
+                <a:ea typeface="+mn-ea"/>
+                <a:cs typeface="+mn-cs"/>
+              </a:defRPr>
+            </a:lvl2pPr>
+            <a:lvl3pPr marL="914400" algn="l" defTabSz="914400" rtl="0" eaLnBrk="1" latinLnBrk="0" hangingPunct="1">
+              <a:defRPr sz="1800" kern="1200">
+                <a:solidFill>
+                  <a:schemeClr val="tx1"/>
+                </a:solidFill>
+                <a:latin typeface="+mn-lt"/>
+                <a:ea typeface="+mn-ea"/>
+                <a:cs typeface="+mn-cs"/>
+              </a:defRPr>
+            </a:lvl3pPr>
+            <a:lvl4pPr marL="1371600" algn="l" defTabSz="914400" rtl="0" eaLnBrk="1" latinLnBrk="0" hangingPunct="1">
+              <a:defRPr sz="1800" kern="1200">
+                <a:solidFill>
+                  <a:schemeClr val="tx1"/>
+                </a:solidFill>
+                <a:latin typeface="+mn-lt"/>
+                <a:ea typeface="+mn-ea"/>
+                <a:cs typeface="+mn-cs"/>
+              </a:defRPr>
+            </a:lvl4pPr>
+            <a:lvl5pPr marL="1828800" algn="l" defTabSz="914400" rtl="0" eaLnBrk="1" latinLnBrk="0" hangingPunct="1">
+              <a:defRPr sz="1800" kern="1200">
+                <a:solidFill>
+                  <a:schemeClr val="tx1"/>
+                </a:solidFill>
+                <a:latin typeface="+mn-lt"/>
+                <a:ea typeface="+mn-ea"/>
+                <a:cs typeface="+mn-cs"/>
+              </a:defRPr>
+            </a:lvl5pPr>
+            <a:lvl6pPr marL="2286000" algn="l" defTabSz="914400" rtl="0" eaLnBrk="1" latinLnBrk="0" hangingPunct="1">
+              <a:defRPr sz="1800" kern="1200">
+                <a:solidFill>
+                  <a:schemeClr val="tx1"/>
+                </a:solidFill>
+                <a:latin typeface="+mn-lt"/>
+                <a:ea typeface="+mn-ea"/>
+                <a:cs typeface="+mn-cs"/>
+              </a:defRPr>
+            </a:lvl6pPr>
+            <a:lvl7pPr marL="2743200" algn="l" defTabSz="914400" rtl="0" eaLnBrk="1" latinLnBrk="0" hangingPunct="1">
+              <a:defRPr sz="1800" kern="1200">
+                <a:solidFill>
+                  <a:schemeClr val="tx1"/>
+                </a:solidFill>
+                <a:latin typeface="+mn-lt"/>
+                <a:ea typeface="+mn-ea"/>
+                <a:cs typeface="+mn-cs"/>
+              </a:defRPr>
+            </a:lvl7pPr>
+            <a:lvl8pPr marL="3200400" algn="l" defTabSz="914400" rtl="0" eaLnBrk="1" latinLnBrk="0" hangingPunct="1">
+              <a:defRPr sz="1800" kern="1200">
+                <a:solidFill>
+                  <a:schemeClr val="tx1"/>
+                </a:solidFill>
+                <a:latin typeface="+mn-lt"/>
+                <a:ea typeface="+mn-ea"/>
+                <a:cs typeface="+mn-cs"/>
+              </a:defRPr>
+            </a:lvl8pPr>
+            <a:lvl9pPr marL="3657600" algn="l" defTabSz="914400" rtl="0" eaLnBrk="1" latinLnBrk="0" hangingPunct="1">
+              <a:defRPr sz="1800" kern="1200">
+                <a:solidFill>
+                  <a:schemeClr val="tx1"/>
+                </a:solidFill>
+                <a:latin typeface="+mn-lt"/>
+                <a:ea typeface="+mn-ea"/>
+                <a:cs typeface="+mn-cs"/>
+              </a:defRPr>
+            </a:lvl9pPr>
+          </a:lstStyle>
+          <a:p>
+            <a:pPr marL="0" marR="0" indent="0" algn="l" defTabSz="914400" rtl="0" eaLnBrk="1" fontAlgn="base" latinLnBrk="0" hangingPunct="1">
+              <a:lnSpc>
+                <a:spcPct val="100000"/>
+              </a:lnSpc>
+              <a:spcBef>
+                <a:spcPct val="0"/>
+              </a:spcBef>
+              <a:spcAft>
+                <a:spcPct val="0"/>
+              </a:spcAft>
+              <a:buClrTx/>
+              <a:buSzTx/>
+              <a:buFont typeface="Arial" panose="020B0604020202020204" pitchFamily="34" charset="0"/>
+              <a:buNone/>
+            </a:pPr>
+            <a:endParaRPr kumimoji="0" lang="zh-CN" altLang="en-US" sz="1800" b="0" i="0" u="none" strike="noStrike" cap="none" normalizeH="0" baseline="0" smtClean="0">
+              <a:ln>
+                <a:noFill/>
+              </a:ln>
+              <a:solidFill>
+                <a:schemeClr val="tx1"/>
+              </a:solidFill>
+              <a:effectLst/>
+              <a:latin typeface="Verdana" panose="020B0604030504040204" pitchFamily="34" charset="0"/>
+              <a:ea typeface="宋体" panose="02010600030101010101" pitchFamily="2" charset="-122"/>
+            </a:endParaRPr>
+          </a:p>
+        </p:txBody>
+      </p:sp>
+      <p:sp>
+        <p:nvSpPr>
+          <p:cNvPr id="21" name="TextBox 53"/>
+          <p:cNvSpPr txBox="1"/>
+          <p:nvPr/>
+        </p:nvSpPr>
+        <p:spPr>
+          <a:xfrm>
+            <a:off x="2113915" y="4029075"/>
+            <a:ext cx="6161405" cy="583565"/>
+          </a:xfrm>
+          <a:prstGeom prst="rect">
+            <a:avLst/>
+          </a:prstGeom>
+          <a:noFill/>
+          <a:ln w="9525">
+            <a:noFill/>
+          </a:ln>
+        </p:spPr>
+        <p:txBody>
+          <a:bodyPr wrap="square" anchor="t">
+            <a:spAutoFit/>
+          </a:bodyPr>
+          <a:lstStyle>
+            <a:defPPr>
+              <a:defRPr lang="zh-CN"/>
+            </a:defPPr>
+            <a:lvl1pPr marL="0" algn="l" defTabSz="914400" rtl="0" eaLnBrk="1" latinLnBrk="0" hangingPunct="1">
+              <a:defRPr sz="1800" kern="1200">
+                <a:solidFill>
+                  <a:schemeClr val="tx1"/>
+                </a:solidFill>
+                <a:latin typeface="+mn-lt"/>
+                <a:ea typeface="+mn-ea"/>
+                <a:cs typeface="+mn-cs"/>
+              </a:defRPr>
+            </a:lvl1pPr>
+            <a:lvl2pPr marL="457200" algn="l" defTabSz="914400" rtl="0" eaLnBrk="1" latinLnBrk="0" hangingPunct="1">
+              <a:defRPr sz="1800" kern="1200">
+                <a:solidFill>
+                  <a:schemeClr val="tx1"/>
+                </a:solidFill>
+                <a:latin typeface="+mn-lt"/>
+                <a:ea typeface="+mn-ea"/>
+                <a:cs typeface="+mn-cs"/>
+              </a:defRPr>
+            </a:lvl2pPr>
+            <a:lvl3pPr marL="914400" algn="l" defTabSz="914400" rtl="0" eaLnBrk="1" latinLnBrk="0" hangingPunct="1">
+              <a:defRPr sz="1800" kern="1200">
+                <a:solidFill>
+                  <a:schemeClr val="tx1"/>
+                </a:solidFill>
+                <a:latin typeface="+mn-lt"/>
+                <a:ea typeface="+mn-ea"/>
+                <a:cs typeface="+mn-cs"/>
+              </a:defRPr>
+            </a:lvl3pPr>
+            <a:lvl4pPr marL="1371600" algn="l" defTabSz="914400" rtl="0" eaLnBrk="1" latinLnBrk="0" hangingPunct="1">
+              <a:defRPr sz="1800" kern="1200">
+                <a:solidFill>
+                  <a:schemeClr val="tx1"/>
+                </a:solidFill>
+                <a:latin typeface="+mn-lt"/>
+                <a:ea typeface="+mn-ea"/>
+                <a:cs typeface="+mn-cs"/>
+              </a:defRPr>
+            </a:lvl4pPr>
+            <a:lvl5pPr marL="1828800" algn="l" defTabSz="914400" rtl="0" eaLnBrk="1" latinLnBrk="0" hangingPunct="1">
+              <a:defRPr sz="1800" kern="1200">
+                <a:solidFill>
+                  <a:schemeClr val="tx1"/>
+                </a:solidFill>
+                <a:latin typeface="+mn-lt"/>
+                <a:ea typeface="+mn-ea"/>
+                <a:cs typeface="+mn-cs"/>
+              </a:defRPr>
+            </a:lvl5pPr>
+            <a:lvl6pPr marL="2286000" algn="l" defTabSz="914400" rtl="0" eaLnBrk="1" latinLnBrk="0" hangingPunct="1">
+              <a:defRPr sz="1800" kern="1200">
+                <a:solidFill>
+                  <a:schemeClr val="tx1"/>
+                </a:solidFill>
+                <a:latin typeface="+mn-lt"/>
+                <a:ea typeface="+mn-ea"/>
+                <a:cs typeface="+mn-cs"/>
+              </a:defRPr>
+            </a:lvl6pPr>
+            <a:lvl7pPr marL="2743200" algn="l" defTabSz="914400" rtl="0" eaLnBrk="1" latinLnBrk="0" hangingPunct="1">
+              <a:defRPr sz="1800" kern="1200">
+                <a:solidFill>
+                  <a:schemeClr val="tx1"/>
+                </a:solidFill>
+                <a:latin typeface="+mn-lt"/>
+                <a:ea typeface="+mn-ea"/>
+                <a:cs typeface="+mn-cs"/>
+              </a:defRPr>
+            </a:lvl7pPr>
+            <a:lvl8pPr marL="3200400" algn="l" defTabSz="914400" rtl="0" eaLnBrk="1" latinLnBrk="0" hangingPunct="1">
+              <a:defRPr sz="1800" kern="1200">
+                <a:solidFill>
+                  <a:schemeClr val="tx1"/>
+                </a:solidFill>
+                <a:latin typeface="+mn-lt"/>
+                <a:ea typeface="+mn-ea"/>
+                <a:cs typeface="+mn-cs"/>
+              </a:defRPr>
+            </a:lvl8pPr>
+            <a:lvl9pPr marL="3657600" algn="l" defTabSz="914400" rtl="0" eaLnBrk="1" latinLnBrk="0" hangingPunct="1">
+              <a:defRPr sz="1800" kern="1200">
+                <a:solidFill>
+                  <a:schemeClr val="tx1"/>
+                </a:solidFill>
+                <a:latin typeface="+mn-lt"/>
+                <a:ea typeface="+mn-ea"/>
+                <a:cs typeface="+mn-cs"/>
+              </a:defRPr>
+            </a:lvl9pPr>
+          </a:lstStyle>
+          <a:p>
+            <a:pPr algn="l"/>
+            <a:r>
+              <a:rPr lang="zh-CN" altLang="en-US" sz="3200" b="1" dirty="0">
+                <a:solidFill>
+                  <a:schemeClr val="bg1"/>
+                </a:solidFill>
+                <a:latin typeface="Verdana" panose="020B0604030504040204" pitchFamily="34" charset="0"/>
+                <a:ea typeface="宋体" panose="02010600030101010101" pitchFamily="2" charset="-122"/>
+                <a:sym typeface="+mn-ea"/>
+              </a:rPr>
+              <a:t>☞</a:t>
+            </a:r>
+            <a:r>
+              <a:rPr lang="zh-CN" altLang="en-US" sz="3200" b="1" dirty="0">
+                <a:solidFill>
+                  <a:schemeClr val="bg1"/>
+                </a:solidFill>
+                <a:latin typeface="Verdana" panose="020B0604030504040204" pitchFamily="34" charset="0"/>
+                <a:ea typeface="宋体" panose="02010600030101010101" pitchFamily="2" charset="-122"/>
+              </a:rPr>
+              <a:t>       </a:t>
+            </a:r>
+            <a:r>
+              <a:rPr lang="zh-CN" altLang="en-US" sz="3200">
+                <a:ln w="10160">
+                  <a:solidFill>
+                    <a:schemeClr val="accent5"/>
+                  </a:solidFill>
+                  <a:prstDash val="solid"/>
+                </a:ln>
+                <a:solidFill>
+                  <a:srgbClr val="FFFFFF"/>
+                </a:solidFill>
+                <a:effectLst>
+                  <a:outerShdw blurRad="38100" dist="22860" dir="5400000" algn="tl" rotWithShape="0">
+                    <a:srgbClr val="000000">
+                      <a:alpha val="30000"/>
+                    </a:srgbClr>
+                  </a:outerShdw>
+                </a:effectLst>
+                <a:sym typeface="+mn-ea"/>
+              </a:rPr>
+              <a:t>预期研究计划</a:t>
+            </a:r>
+            <a:endParaRPr lang="zh-CN" altLang="en-US" sz="3200">
+              <a:ln w="10160">
+                <a:solidFill>
+                  <a:schemeClr val="accent5"/>
+                </a:solidFill>
+                <a:prstDash val="solid"/>
+              </a:ln>
+              <a:solidFill>
+                <a:srgbClr val="FFFFFF"/>
+              </a:solidFill>
+              <a:effectLst>
+                <a:outerShdw blurRad="38100" dist="22860" dir="5400000" algn="tl" rotWithShape="0">
+                  <a:srgbClr val="000000">
+                    <a:alpha val="30000"/>
+                  </a:srgbClr>
+                </a:outerShdw>
+              </a:effectLst>
+              <a:sym typeface="+mn-ea"/>
+            </a:endParaRPr>
+          </a:p>
+        </p:txBody>
+      </p:sp>
+    </p:spTree>
+  </p:cSld>
+  <p:clrMapOvr>
+    <a:masterClrMapping/>
+  </p:clrMapOvr>
+  <mc:AlternateContent xmlns:mc="http://schemas.openxmlformats.org/markup-compatibility/2006">
+    <mc:Choice xmlns:p14="http://schemas.microsoft.com/office/powerpoint/2010/main" Requires="p14">
+      <p:transition spd="slow" p14:dur="2000"/>
+    </mc:Choice>
+    <mc:Fallback>
+      <p:transition spd="slow"/>
+    </mc:Fallback>
+  </mc:AlternateContent>
+  <p:timing>
+    <p:tnLst>
+      <p:par>
+        <p:cTn id="1" dur="indefinite" restart="never" nodeType="tmRoot"/>
+      </p:par>
+    </p:tnLst>
+  </p:timing>
+</p:sld>
+</file>
+
+<file path=ppt/slides/slide24.xml><?xml version="1.0" encoding="utf-8"?>
+<p:sld xmlns:a="http://schemas.openxmlformats.org/drawingml/2006/main" xmlns:r="http://schemas.openxmlformats.org/officeDocument/2006/relationships" xmlns:p="http://schemas.openxmlformats.org/presentationml/2006/main">
+  <p:cSld>
+    <p:spTree>
+      <p:nvGrpSpPr>
+        <p:cNvPr id="1" name=""/>
+        <p:cNvGrpSpPr/>
+        <p:nvPr/>
+      </p:nvGrpSpPr>
+      <p:grpSpPr/>
+      <p:sp>
+        <p:nvSpPr>
+          <p:cNvPr id="25" name="Rectangles 24"/>
+          <p:cNvSpPr/>
+          <p:nvPr/>
+        </p:nvSpPr>
+        <p:spPr>
+          <a:xfrm>
+            <a:off x="60325" y="1047750"/>
+            <a:ext cx="4511040" cy="1741805"/>
+          </a:xfrm>
+          <a:prstGeom prst="rect">
+            <a:avLst/>
+          </a:prstGeom>
+          <a:ln w="38100">
+            <a:solidFill>
+              <a:srgbClr val="009999"/>
+            </a:solidFill>
+            <a:prstDash val="sysDash"/>
+          </a:ln>
         </p:spPr>
         <p:style>
           <a:lnRef idx="2">
-            <a:schemeClr val="accent3">
-              <a:shade val="50000"/>
-            </a:schemeClr>
+            <a:schemeClr val="accent6"/>
           </a:lnRef>
           <a:fillRef idx="1">
-            <a:schemeClr val="accent3"/>
+            <a:schemeClr val="lt1"/>
           </a:fillRef>
           <a:effectRef idx="0">
-            <a:schemeClr val="accent3"/>
+            <a:schemeClr val="accent6"/>
           </a:effectRef>
           <a:fontRef idx="minor">
-            <a:schemeClr val="lt1"/>
+            <a:schemeClr val="dk1"/>
           </a:fontRef>
         </p:style>
         <p:txBody>
           <a:bodyPr rtlCol="0" anchor="ctr"/>
           <a:p>
             <a:pPr algn="ctr"/>
-            <a:r>
-              <a:rPr lang="zh-CN" altLang="en-US" sz="3600" b="1">
-                <a:solidFill>
-                  <a:schemeClr val="tx1"/>
-                </a:solidFill>
-                <a:uFillTx/>
-              </a:rPr>
-              <a:t>汇报结束</a:t>
-            </a:r>
-            <a:endParaRPr lang="zh-CN" altLang="en-US" sz="3600" b="1">
-              <a:solidFill>
-                <a:schemeClr val="tx1"/>
-              </a:solidFill>
-              <a:uFillTx/>
-            </a:endParaRPr>
+            <a:endParaRPr lang="en-US"/>
+          </a:p>
+        </p:txBody>
+      </p:sp>
+      <p:sp>
+        <p:nvSpPr>
+          <p:cNvPr id="24" name="Rectangles 23"/>
+          <p:cNvSpPr/>
+          <p:nvPr/>
+        </p:nvSpPr>
+        <p:spPr>
+          <a:xfrm>
+            <a:off x="60325" y="3331845"/>
+            <a:ext cx="4511040" cy="1741805"/>
+          </a:xfrm>
+          <a:prstGeom prst="rect">
+            <a:avLst/>
+          </a:prstGeom>
+          <a:ln w="38100">
+            <a:solidFill>
+              <a:schemeClr val="accent1"/>
+            </a:solidFill>
+            <a:prstDash val="sysDash"/>
+          </a:ln>
+        </p:spPr>
+        <p:style>
+          <a:lnRef idx="2">
+            <a:schemeClr val="accent6"/>
+          </a:lnRef>
+          <a:fillRef idx="1">
+            <a:schemeClr val="lt1"/>
+          </a:fillRef>
+          <a:effectRef idx="0">
+            <a:schemeClr val="accent6"/>
+          </a:effectRef>
+          <a:fontRef idx="minor">
+            <a:schemeClr val="dk1"/>
+          </a:fontRef>
+        </p:style>
+        <p:txBody>
+          <a:bodyPr rtlCol="0" anchor="ctr"/>
+          <a:p>
+            <a:pPr algn="ctr"/>
+            <a:endParaRPr lang="en-US"/>
+          </a:p>
+        </p:txBody>
+      </p:sp>
+      <p:sp>
+        <p:nvSpPr>
+          <p:cNvPr id="2" name="Title 1"/>
+          <p:cNvSpPr>
+            <a:spLocks noGrp="1"/>
+          </p:cNvSpPr>
+          <p:nvPr>
+            <p:ph type="title"/>
+          </p:nvPr>
+        </p:nvSpPr>
+        <p:spPr/>
+        <p:txBody>
+          <a:bodyPr/>
+          <a:p>
+            <a:endParaRPr lang="en-US"/>
           </a:p>
         </p:txBody>
       </p:sp>
@@ -16873,9 +18222,7 @@
           <p:cNvPicPr>
             <a:picLocks noChangeAspect="1"/>
           </p:cNvPicPr>
-          <p:nvPr>
-            <p:ph idx="1"/>
-          </p:nvPr>
+          <p:nvPr/>
         </p:nvPicPr>
         <p:blipFill>
           <a:blip r:embed="rId1" cstate="print">
@@ -16899,6 +18246,619 @@
           </a:prstGeom>
         </p:spPr>
       </p:pic>
+      <p:pic>
+        <p:nvPicPr>
+          <p:cNvPr id="5" name="Content Placeholder 4"/>
+          <p:cNvPicPr>
+            <a:picLocks noChangeAspect="1"/>
+          </p:cNvPicPr>
+          <p:nvPr>
+            <p:ph idx="1"/>
+          </p:nvPr>
+        </p:nvPicPr>
+        <p:blipFill>
+          <a:blip r:embed="rId2"/>
+          <a:stretch>
+            <a:fillRect/>
+          </a:stretch>
+        </p:blipFill>
+        <p:spPr>
+          <a:xfrm>
+            <a:off x="5205730" y="970280"/>
+            <a:ext cx="3792855" cy="2163445"/>
+          </a:xfrm>
+          <a:prstGeom prst="rect">
+            <a:avLst/>
+          </a:prstGeom>
+        </p:spPr>
+      </p:pic>
+      <p:pic>
+        <p:nvPicPr>
+          <p:cNvPr id="6" name="Picture 5"/>
+          <p:cNvPicPr>
+            <a:picLocks noChangeAspect="1"/>
+          </p:cNvPicPr>
+          <p:nvPr/>
+        </p:nvPicPr>
+        <p:blipFill>
+          <a:blip r:embed="rId3"/>
+          <a:stretch>
+            <a:fillRect/>
+          </a:stretch>
+        </p:blipFill>
+        <p:spPr>
+          <a:xfrm>
+            <a:off x="5187315" y="3133725"/>
+            <a:ext cx="3811270" cy="1190625"/>
+          </a:xfrm>
+          <a:prstGeom prst="rect">
+            <a:avLst/>
+          </a:prstGeom>
+        </p:spPr>
+      </p:pic>
+      <p:sp>
+        <p:nvSpPr>
+          <p:cNvPr id="4" name="Text Box 3"/>
+          <p:cNvSpPr txBox="1"/>
+          <p:nvPr/>
+        </p:nvSpPr>
+        <p:spPr>
+          <a:xfrm>
+            <a:off x="6588125" y="4364990"/>
+            <a:ext cx="2479675" cy="299085"/>
+          </a:xfrm>
+          <a:prstGeom prst="rect">
+            <a:avLst/>
+          </a:prstGeom>
+          <a:noFill/>
+        </p:spPr>
+        <p:txBody>
+          <a:bodyPr wrap="square" rtlCol="0">
+            <a:spAutoFit/>
+          </a:bodyPr>
+          <a:p>
+            <a:r>
+              <a:rPr lang="en-US"/>
+              <a:t>https://www.szxuexiao.com/</a:t>
+            </a:r>
+            <a:endParaRPr lang="en-US"/>
+          </a:p>
+        </p:txBody>
+      </p:sp>
+      <p:sp>
+        <p:nvSpPr>
+          <p:cNvPr id="18" name="Text Box 17"/>
+          <p:cNvSpPr txBox="1"/>
+          <p:nvPr/>
+        </p:nvSpPr>
+        <p:spPr>
+          <a:xfrm>
+            <a:off x="342900" y="1335405"/>
+            <a:ext cx="3764915" cy="506730"/>
+          </a:xfrm>
+          <a:prstGeom prst="rect">
+            <a:avLst/>
+          </a:prstGeom>
+          <a:noFill/>
+        </p:spPr>
+        <p:txBody>
+          <a:bodyPr wrap="square" rtlCol="0">
+            <a:spAutoFit/>
+          </a:bodyPr>
+          <a:p>
+            <a:pPr indent="0">
+              <a:buFont typeface="Wingdings" panose="05000000000000000000" charset="0"/>
+              <a:buNone/>
+            </a:pPr>
+            <a:r>
+              <a:rPr lang="zh-CN" altLang="en-US"/>
+              <a:t>通过爬取中小学语文考试阅读理解选择题，</a:t>
+            </a:r>
+            <a:endParaRPr lang="zh-CN" altLang="en-US"/>
+          </a:p>
+          <a:p>
+            <a:pPr indent="0">
+              <a:buFont typeface="Wingdings" panose="05000000000000000000" charset="0"/>
+              <a:buNone/>
+            </a:pPr>
+            <a:r>
+              <a:rPr lang="zh-CN" altLang="en-US">
+                <a:solidFill>
+                  <a:srgbClr val="E94744"/>
+                </a:solidFill>
+              </a:rPr>
+              <a:t>增强数据集中负样本的识别难度</a:t>
+            </a:r>
+            <a:endParaRPr lang="zh-CN" altLang="en-US">
+              <a:solidFill>
+                <a:srgbClr val="E94744"/>
+              </a:solidFill>
+            </a:endParaRPr>
+          </a:p>
+        </p:txBody>
+      </p:sp>
+      <p:sp>
+        <p:nvSpPr>
+          <p:cNvPr id="10" name="Text Box 9"/>
+          <p:cNvSpPr txBox="1"/>
+          <p:nvPr/>
+        </p:nvSpPr>
+        <p:spPr>
+          <a:xfrm>
+            <a:off x="471170" y="217805"/>
+            <a:ext cx="5126990" cy="583565"/>
+          </a:xfrm>
+          <a:prstGeom prst="rect">
+            <a:avLst/>
+          </a:prstGeom>
+          <a:noFill/>
+        </p:spPr>
+        <p:txBody>
+          <a:bodyPr wrap="square" rtlCol="0">
+            <a:spAutoFit/>
+          </a:bodyPr>
+          <a:p>
+            <a:r>
+              <a:rPr lang="zh-CN" altLang="en-US" sz="3200">
+                <a:ln/>
+                <a:solidFill>
+                  <a:schemeClr val="tx1"/>
+                </a:solidFill>
+                <a:effectLst>
+                  <a:outerShdw blurRad="38100" dist="19050" dir="2700000" algn="tl" rotWithShape="0">
+                    <a:schemeClr val="dk1">
+                      <a:alpha val="40000"/>
+                    </a:schemeClr>
+                  </a:outerShdw>
+                </a:effectLst>
+              </a:rPr>
+              <a:t>文本匹配数据集的增强</a:t>
+            </a:r>
+            <a:endParaRPr lang="zh-CN" altLang="en-US" sz="3200">
+              <a:ln/>
+              <a:solidFill>
+                <a:schemeClr val="tx1"/>
+              </a:solidFill>
+              <a:effectLst>
+                <a:outerShdw blurRad="38100" dist="19050" dir="2700000" algn="tl" rotWithShape="0">
+                  <a:schemeClr val="dk1">
+                    <a:alpha val="40000"/>
+                  </a:schemeClr>
+                </a:outerShdw>
+              </a:effectLst>
+            </a:endParaRPr>
+          </a:p>
+        </p:txBody>
+      </p:sp>
+      <p:sp>
+        <p:nvSpPr>
+          <p:cNvPr id="11" name="Text Box 10"/>
+          <p:cNvSpPr txBox="1"/>
+          <p:nvPr/>
+        </p:nvSpPr>
+        <p:spPr>
+          <a:xfrm>
+            <a:off x="471170" y="1942465"/>
+            <a:ext cx="3012440" cy="714375"/>
+          </a:xfrm>
+          <a:prstGeom prst="rect">
+            <a:avLst/>
+          </a:prstGeom>
+          <a:noFill/>
+        </p:spPr>
+        <p:txBody>
+          <a:bodyPr wrap="square" rtlCol="0">
+            <a:spAutoFit/>
+          </a:bodyPr>
+          <a:p>
+            <a:r>
+              <a:rPr lang="en-US" altLang="zh-CN"/>
+              <a:t>(</a:t>
+            </a:r>
+            <a:r>
+              <a:rPr lang="zh-CN" altLang="en-US"/>
+              <a:t>问题</a:t>
+            </a:r>
+            <a:r>
+              <a:rPr lang="en-US" altLang="zh-CN"/>
+              <a:t>+A</a:t>
+            </a:r>
+            <a:r>
+              <a:rPr lang="zh-CN" altLang="en-US"/>
+              <a:t>，文章）负样本</a:t>
+            </a:r>
+            <a:endParaRPr lang="zh-CN" altLang="en-US"/>
+          </a:p>
+          <a:p>
+            <a:r>
+              <a:rPr lang="en-US" altLang="zh-CN">
+                <a:sym typeface="+mn-ea"/>
+              </a:rPr>
+              <a:t>(</a:t>
+            </a:r>
+            <a:r>
+              <a:rPr lang="zh-CN" altLang="en-US">
+                <a:sym typeface="+mn-ea"/>
+              </a:rPr>
+              <a:t>问题</a:t>
+            </a:r>
+            <a:r>
+              <a:rPr lang="en-US" altLang="zh-CN">
+                <a:sym typeface="+mn-ea"/>
+              </a:rPr>
+              <a:t>+B</a:t>
+            </a:r>
+            <a:r>
+              <a:rPr lang="zh-CN" altLang="en-US">
+                <a:sym typeface="+mn-ea"/>
+              </a:rPr>
+              <a:t>，文章）负样本</a:t>
+            </a:r>
+            <a:endParaRPr lang="zh-CN" altLang="en-US"/>
+          </a:p>
+          <a:p>
+            <a:r>
+              <a:rPr lang="en-US" altLang="zh-CN">
+                <a:sym typeface="+mn-ea"/>
+              </a:rPr>
+              <a:t>(</a:t>
+            </a:r>
+            <a:r>
+              <a:rPr lang="zh-CN" altLang="en-US">
+                <a:sym typeface="+mn-ea"/>
+              </a:rPr>
+              <a:t>问题</a:t>
+            </a:r>
+            <a:r>
+              <a:rPr lang="en-US" altLang="zh-CN">
+                <a:sym typeface="+mn-ea"/>
+              </a:rPr>
+              <a:t>+D</a:t>
+            </a:r>
+            <a:r>
+              <a:rPr lang="zh-CN" altLang="en-US">
+                <a:sym typeface="+mn-ea"/>
+              </a:rPr>
+              <a:t>，文章）负样本</a:t>
+            </a:r>
+            <a:endParaRPr lang="zh-CN" altLang="en-US"/>
+          </a:p>
+        </p:txBody>
+      </p:sp>
+      <p:sp>
+        <p:nvSpPr>
+          <p:cNvPr id="13" name="Rectangles 12"/>
+          <p:cNvSpPr/>
+          <p:nvPr/>
+        </p:nvSpPr>
+        <p:spPr>
+          <a:xfrm>
+            <a:off x="1238885" y="4519930"/>
+            <a:ext cx="1118235" cy="486410"/>
+          </a:xfrm>
+          <a:prstGeom prst="rect">
+            <a:avLst/>
+          </a:prstGeom>
+        </p:spPr>
+        <p:style>
+          <a:lnRef idx="2">
+            <a:schemeClr val="accent1">
+              <a:shade val="50000"/>
+            </a:schemeClr>
+          </a:lnRef>
+          <a:fillRef idx="1">
+            <a:schemeClr val="accent1"/>
+          </a:fillRef>
+          <a:effectRef idx="0">
+            <a:schemeClr val="accent1"/>
+          </a:effectRef>
+          <a:fontRef idx="minor">
+            <a:schemeClr val="lt1"/>
+          </a:fontRef>
+        </p:style>
+        <p:txBody>
+          <a:bodyPr rtlCol="0" anchor="ctr"/>
+          <a:p>
+            <a:pPr algn="ctr"/>
+            <a:r>
+              <a:rPr lang="zh-CN" altLang="en-US"/>
+              <a:t>生成模型</a:t>
+            </a:r>
+            <a:endParaRPr lang="zh-CN" altLang="en-US"/>
+          </a:p>
+        </p:txBody>
+      </p:sp>
+      <p:cxnSp>
+        <p:nvCxnSpPr>
+          <p:cNvPr id="14" name="Straight Arrow Connector 13"/>
+          <p:cNvCxnSpPr/>
+          <p:nvPr/>
+        </p:nvCxnSpPr>
+        <p:spPr>
+          <a:xfrm flipV="1">
+            <a:off x="622935" y="4656455"/>
+            <a:ext cx="615950" cy="7620"/>
+          </a:xfrm>
+          <a:prstGeom prst="straightConnector1">
+            <a:avLst/>
+          </a:prstGeom>
+          <a:ln w="31750">
+            <a:solidFill>
+              <a:schemeClr val="tx1"/>
+            </a:solidFill>
+            <a:tailEnd type="arrow"/>
+          </a:ln>
+        </p:spPr>
+        <p:style>
+          <a:lnRef idx="1">
+            <a:schemeClr val="accent1"/>
+          </a:lnRef>
+          <a:fillRef idx="0">
+            <a:schemeClr val="accent1"/>
+          </a:fillRef>
+          <a:effectRef idx="0">
+            <a:schemeClr val="accent1"/>
+          </a:effectRef>
+          <a:fontRef idx="minor">
+            <a:schemeClr val="tx1"/>
+          </a:fontRef>
+        </p:style>
+      </p:cxnSp>
+      <p:cxnSp>
+        <p:nvCxnSpPr>
+          <p:cNvPr id="15" name="Straight Arrow Connector 14"/>
+          <p:cNvCxnSpPr/>
+          <p:nvPr/>
+        </p:nvCxnSpPr>
+        <p:spPr>
+          <a:xfrm flipV="1">
+            <a:off x="622935" y="4920615"/>
+            <a:ext cx="615950" cy="7620"/>
+          </a:xfrm>
+          <a:prstGeom prst="straightConnector1">
+            <a:avLst/>
+          </a:prstGeom>
+          <a:ln w="31750">
+            <a:solidFill>
+              <a:schemeClr val="tx1"/>
+            </a:solidFill>
+            <a:tailEnd type="arrow"/>
+          </a:ln>
+        </p:spPr>
+        <p:style>
+          <a:lnRef idx="1">
+            <a:schemeClr val="accent1"/>
+          </a:lnRef>
+          <a:fillRef idx="0">
+            <a:schemeClr val="accent1"/>
+          </a:fillRef>
+          <a:effectRef idx="0">
+            <a:schemeClr val="accent1"/>
+          </a:effectRef>
+          <a:fontRef idx="minor">
+            <a:schemeClr val="tx1"/>
+          </a:fontRef>
+        </p:style>
+      </p:cxnSp>
+      <p:sp>
+        <p:nvSpPr>
+          <p:cNvPr id="16" name="Text Box 15"/>
+          <p:cNvSpPr txBox="1"/>
+          <p:nvPr/>
+        </p:nvSpPr>
+        <p:spPr>
+          <a:xfrm>
+            <a:off x="149225" y="4519930"/>
+            <a:ext cx="593725" cy="299085"/>
+          </a:xfrm>
+          <a:prstGeom prst="rect">
+            <a:avLst/>
+          </a:prstGeom>
+          <a:noFill/>
+        </p:spPr>
+        <p:txBody>
+          <a:bodyPr wrap="square" rtlCol="0">
+            <a:spAutoFit/>
+          </a:bodyPr>
+          <a:p>
+            <a:r>
+              <a:rPr lang="zh-CN" altLang="en-US"/>
+              <a:t>文章</a:t>
+            </a:r>
+            <a:endParaRPr lang="zh-CN" altLang="en-US"/>
+          </a:p>
+        </p:txBody>
+      </p:sp>
+      <p:sp>
+        <p:nvSpPr>
+          <p:cNvPr id="17" name="Text Box 16"/>
+          <p:cNvSpPr txBox="1"/>
+          <p:nvPr/>
+        </p:nvSpPr>
+        <p:spPr>
+          <a:xfrm>
+            <a:off x="149225" y="4774565"/>
+            <a:ext cx="530860" cy="299085"/>
+          </a:xfrm>
+          <a:prstGeom prst="rect">
+            <a:avLst/>
+          </a:prstGeom>
+          <a:noFill/>
+        </p:spPr>
+        <p:txBody>
+          <a:bodyPr wrap="square" rtlCol="0">
+            <a:spAutoFit/>
+          </a:bodyPr>
+          <a:p>
+            <a:r>
+              <a:rPr lang="zh-CN" altLang="en-US"/>
+              <a:t>答案</a:t>
+            </a:r>
+            <a:endParaRPr lang="zh-CN" altLang="en-US"/>
+          </a:p>
+        </p:txBody>
+      </p:sp>
+      <p:cxnSp>
+        <p:nvCxnSpPr>
+          <p:cNvPr id="19" name="Straight Arrow Connector 18"/>
+          <p:cNvCxnSpPr/>
+          <p:nvPr/>
+        </p:nvCxnSpPr>
+        <p:spPr>
+          <a:xfrm flipV="1">
+            <a:off x="2357120" y="4759325"/>
+            <a:ext cx="615950" cy="7620"/>
+          </a:xfrm>
+          <a:prstGeom prst="straightConnector1">
+            <a:avLst/>
+          </a:prstGeom>
+          <a:ln w="31750">
+            <a:solidFill>
+              <a:schemeClr val="tx1"/>
+            </a:solidFill>
+            <a:tailEnd type="arrow"/>
+          </a:ln>
+        </p:spPr>
+        <p:style>
+          <a:lnRef idx="1">
+            <a:schemeClr val="accent1"/>
+          </a:lnRef>
+          <a:fillRef idx="0">
+            <a:schemeClr val="accent1"/>
+          </a:fillRef>
+          <a:effectRef idx="0">
+            <a:schemeClr val="accent1"/>
+          </a:effectRef>
+          <a:fontRef idx="minor">
+            <a:schemeClr val="tx1"/>
+          </a:fontRef>
+        </p:style>
+      </p:cxnSp>
+      <p:sp>
+        <p:nvSpPr>
+          <p:cNvPr id="20" name="Text Box 19"/>
+          <p:cNvSpPr txBox="1"/>
+          <p:nvPr/>
+        </p:nvSpPr>
+        <p:spPr>
+          <a:xfrm>
+            <a:off x="2897505" y="4613275"/>
+            <a:ext cx="707390" cy="299085"/>
+          </a:xfrm>
+          <a:prstGeom prst="rect">
+            <a:avLst/>
+          </a:prstGeom>
+          <a:noFill/>
+        </p:spPr>
+        <p:txBody>
+          <a:bodyPr wrap="square" rtlCol="0">
+            <a:spAutoFit/>
+          </a:bodyPr>
+          <a:p>
+            <a:r>
+              <a:rPr lang="zh-CN" altLang="en-US"/>
+              <a:t>问题</a:t>
+            </a:r>
+            <a:endParaRPr lang="zh-CN" altLang="en-US"/>
+          </a:p>
+        </p:txBody>
+      </p:sp>
+      <p:sp>
+        <p:nvSpPr>
+          <p:cNvPr id="22" name="Text Box 21"/>
+          <p:cNvSpPr txBox="1"/>
+          <p:nvPr/>
+        </p:nvSpPr>
+        <p:spPr>
+          <a:xfrm>
+            <a:off x="149225" y="3493135"/>
+            <a:ext cx="3902710" cy="714375"/>
+          </a:xfrm>
+          <a:prstGeom prst="rect">
+            <a:avLst/>
+          </a:prstGeom>
+          <a:noFill/>
+        </p:spPr>
+        <p:txBody>
+          <a:bodyPr wrap="square" rtlCol="0">
+            <a:spAutoFit/>
+          </a:bodyPr>
+          <a:p>
+            <a:r>
+              <a:rPr lang="zh-CN" altLang="en-US">
+                <a:sym typeface="+mn-ea"/>
+              </a:rPr>
+              <a:t>利用问题生成方案</a:t>
+            </a:r>
+            <a:r>
+              <a:rPr lang="zh-CN" altLang="en-US">
+                <a:solidFill>
+                  <a:srgbClr val="E94744"/>
+                </a:solidFill>
+                <a:sym typeface="+mn-ea"/>
+              </a:rPr>
+              <a:t>增加正样本数量</a:t>
+            </a:r>
+            <a:r>
+              <a:rPr lang="zh-CN" altLang="en-US">
+                <a:sym typeface="+mn-ea"/>
+              </a:rPr>
+              <a:t>，</a:t>
+            </a:r>
+            <a:endParaRPr lang="zh-CN" altLang="en-US">
+              <a:sym typeface="+mn-ea"/>
+            </a:endParaRPr>
+          </a:p>
+          <a:p>
+            <a:r>
+              <a:rPr lang="zh-CN" altLang="en-US">
+                <a:sym typeface="+mn-ea"/>
+              </a:rPr>
+              <a:t>提升文本匹配模块的泛化性。</a:t>
+            </a:r>
+            <a:endParaRPr lang="zh-CN" altLang="en-US"/>
+          </a:p>
+          <a:p>
+            <a:endParaRPr lang="en-US"/>
+          </a:p>
+        </p:txBody>
+      </p:sp>
+      <p:cxnSp>
+        <p:nvCxnSpPr>
+          <p:cNvPr id="26" name="Straight Arrow Connector 25"/>
+          <p:cNvCxnSpPr/>
+          <p:nvPr/>
+        </p:nvCxnSpPr>
+        <p:spPr>
+          <a:xfrm flipV="1">
+            <a:off x="3902075" y="1558925"/>
+            <a:ext cx="1202055" cy="15240"/>
+          </a:xfrm>
+          <a:prstGeom prst="straightConnector1">
+            <a:avLst/>
+          </a:prstGeom>
+          <a:ln w="31750">
+            <a:solidFill>
+              <a:schemeClr val="tx1"/>
+            </a:solidFill>
+            <a:tailEnd type="arrow" w="med" len="med"/>
+          </a:ln>
+        </p:spPr>
+        <p:style>
+          <a:lnRef idx="1">
+            <a:schemeClr val="accent2"/>
+          </a:lnRef>
+          <a:fillRef idx="0">
+            <a:schemeClr val="accent2"/>
+          </a:fillRef>
+          <a:effectRef idx="0">
+            <a:schemeClr val="accent2"/>
+          </a:effectRef>
+          <a:fontRef idx="minor">
+            <a:schemeClr val="tx1"/>
+          </a:fontRef>
+        </p:style>
+      </p:cxnSp>
     </p:spTree>
   </p:cSld>
   <p:clrMapOvr>
@@ -16964,45 +18924,13 @@
       </p:pic>
       <p:sp>
         <p:nvSpPr>
-          <p:cNvPr id="2" name="Text Box 1"/>
+          <p:cNvPr id="17" name="Text Box 16"/>
           <p:cNvSpPr txBox="1"/>
           <p:nvPr/>
         </p:nvSpPr>
         <p:spPr>
           <a:xfrm>
-            <a:off x="5195570" y="4758690"/>
-            <a:ext cx="3811270" cy="299085"/>
-          </a:xfrm>
-          <a:prstGeom prst="rect">
-            <a:avLst/>
-          </a:prstGeom>
-          <a:noFill/>
-        </p:spPr>
-        <p:txBody>
-          <a:bodyPr wrap="square" rtlCol="0">
-            <a:spAutoFit/>
-          </a:bodyPr>
-          <a:p>
-            <a:r>
-              <a:rPr lang="zh-CN" altLang="en-US" b="1">
-                <a:uFillTx/>
-                <a:sym typeface="+mn-ea"/>
-              </a:rPr>
-              <a:t>基于阅读理解形式的中文问答系统研究与实现</a:t>
-            </a:r>
-            <a:endParaRPr lang="en-US"/>
-          </a:p>
-        </p:txBody>
-      </p:sp>
-      <p:sp>
-        <p:nvSpPr>
-          <p:cNvPr id="6" name="Text Box 5"/>
-          <p:cNvSpPr txBox="1"/>
-          <p:nvPr/>
-        </p:nvSpPr>
-        <p:spPr>
-          <a:xfrm>
-            <a:off x="471170" y="217805"/>
+            <a:off x="151765" y="320675"/>
             <a:ext cx="3993515" cy="583565"/>
           </a:xfrm>
           <a:prstGeom prst="rect">
@@ -17017,89 +18945,7 @@
           <a:p>
             <a:r>
               <a:rPr lang="zh-CN" altLang="en-US" sz="3200">
-                <a:ln w="12700">
-                  <a:solidFill>
-                    <a:schemeClr val="tx2">
-                      <a:lumMod val="75000"/>
-                    </a:schemeClr>
-                  </a:solidFill>
-                  <a:prstDash val="solid"/>
-                </a:ln>
-                <a:pattFill prst="dkUpDiag">
-                  <a:fgClr>
-                    <a:schemeClr val="tx2"/>
-                  </a:fgClr>
-                  <a:bgClr>
-                    <a:schemeClr val="tx2">
-                      <a:lumMod val="20000"/>
-                      <a:lumOff val="80000"/>
-                    </a:schemeClr>
-                  </a:bgClr>
-                </a:pattFill>
-                <a:effectLst>
-                  <a:outerShdw dist="38100" dir="2640000" algn="bl" rotWithShape="0">
-                    <a:schemeClr val="tx2">
-                      <a:lumMod val="75000"/>
-                    </a:schemeClr>
-                  </a:outerShdw>
-                </a:effectLst>
-              </a:rPr>
-              <a:t>选题背景及意义</a:t>
-            </a:r>
-            <a:endParaRPr lang="zh-CN" altLang="en-US" sz="3200">
-              <a:ln w="12700">
-                <a:solidFill>
-                  <a:schemeClr val="tx2">
-                    <a:lumMod val="75000"/>
-                  </a:schemeClr>
-                </a:solidFill>
-                <a:prstDash val="solid"/>
-              </a:ln>
-              <a:pattFill prst="dkUpDiag">
-                <a:fgClr>
-                  <a:schemeClr val="tx2"/>
-                </a:fgClr>
-                <a:bgClr>
-                  <a:schemeClr val="tx2">
-                    <a:lumMod val="20000"/>
-                    <a:lumOff val="80000"/>
-                  </a:schemeClr>
-                </a:bgClr>
-              </a:pattFill>
-              <a:effectLst>
-                <a:outerShdw dist="38100" dir="2640000" algn="bl" rotWithShape="0">
-                  <a:schemeClr val="tx2">
-                    <a:lumMod val="75000"/>
-                  </a:schemeClr>
-                </a:outerShdw>
-              </a:effectLst>
-            </a:endParaRPr>
-          </a:p>
-        </p:txBody>
-      </p:sp>
-      <p:sp>
-        <p:nvSpPr>
-          <p:cNvPr id="23" name="Text Box 22"/>
-          <p:cNvSpPr txBox="1"/>
-          <p:nvPr/>
-        </p:nvSpPr>
-        <p:spPr>
-          <a:xfrm>
-            <a:off x="577215" y="1080135"/>
-            <a:ext cx="5546090" cy="398780"/>
-          </a:xfrm>
-          <a:prstGeom prst="rect">
-            <a:avLst/>
-          </a:prstGeom>
-          <a:noFill/>
-        </p:spPr>
-        <p:txBody>
-          <a:bodyPr wrap="square" rtlCol="0">
-            <a:spAutoFit/>
-          </a:bodyPr>
-          <a:p>
-            <a:r>
-              <a:rPr lang="zh-CN" altLang="en-US" sz="2000">
+                <a:ln/>
                 <a:solidFill>
                   <a:schemeClr val="tx1"/>
                 </a:solidFill>
@@ -17111,9 +18957,10 @@
                   </a:outerShdw>
                 </a:effectLst>
               </a:rPr>
-              <a:t>按照答案来源的不同分类：</a:t>
-            </a:r>
-            <a:endParaRPr lang="zh-CN" altLang="en-US" sz="2000">
+              <a:t>相关技术实践</a:t>
+            </a:r>
+            <a:endParaRPr lang="zh-CN" altLang="en-US" sz="3200">
+              <a:ln/>
               <a:solidFill>
                 <a:schemeClr val="tx1"/>
               </a:solidFill>
@@ -17130,76 +18977,14 @@
       </p:sp>
       <p:sp>
         <p:nvSpPr>
-          <p:cNvPr id="7" name="Rectangles 6"/>
-          <p:cNvSpPr/>
+          <p:cNvPr id="18" name="Text Box 17"/>
+          <p:cNvSpPr txBox="1"/>
           <p:nvPr/>
         </p:nvSpPr>
         <p:spPr>
           <a:xfrm>
-            <a:off x="1155700" y="1802765"/>
-            <a:ext cx="3902710" cy="426085"/>
-          </a:xfrm>
-          <a:prstGeom prst="rect">
-            <a:avLst/>
-          </a:prstGeom>
-          <a:solidFill>
-            <a:schemeClr val="bg1">
-              <a:lumMod val="50000"/>
-            </a:schemeClr>
-          </a:solidFill>
-        </p:spPr>
-        <p:style>
-          <a:lnRef idx="2">
-            <a:schemeClr val="accent1">
-              <a:shade val="50000"/>
-            </a:schemeClr>
-          </a:lnRef>
-          <a:fillRef idx="1">
-            <a:schemeClr val="accent1"/>
-          </a:fillRef>
-          <a:effectRef idx="0">
-            <a:schemeClr val="accent1"/>
-          </a:effectRef>
-          <a:fontRef idx="minor">
-            <a:schemeClr val="lt1"/>
-          </a:fontRef>
-        </p:style>
-        <p:txBody>
-          <a:bodyPr rtlCol="0" anchor="ctr">
-            <a:scene3d>
-              <a:camera prst="orthographicFront"/>
-              <a:lightRig rig="threePt" dir="t"/>
-            </a:scene3d>
-          </a:bodyPr>
-          <a:p>
-            <a:pPr algn="ctr"/>
-            <a:endParaRPr lang="en-US">
-              <a:gradFill>
-                <a:gsLst>
-                  <a:gs pos="21000">
-                    <a:srgbClr val="53575C"/>
-                  </a:gs>
-                  <a:gs pos="88000">
-                    <a:srgbClr val="C5C7CA"/>
-                  </a:gs>
-                </a:gsLst>
-                <a:lin ang="5400000"/>
-              </a:gradFill>
-              <a:effectLst/>
-            </a:endParaRPr>
-          </a:p>
-        </p:txBody>
-      </p:sp>
-      <p:sp>
-        <p:nvSpPr>
-          <p:cNvPr id="8" name="Text Box 7"/>
-          <p:cNvSpPr txBox="1"/>
-          <p:nvPr/>
-        </p:nvSpPr>
-        <p:spPr>
-          <a:xfrm>
-            <a:off x="1551305" y="1860550"/>
-            <a:ext cx="2845435" cy="368300"/>
+            <a:off x="684530" y="904240"/>
+            <a:ext cx="7994650" cy="583565"/>
           </a:xfrm>
           <a:prstGeom prst="rect">
             <a:avLst/>
@@ -17211,129 +18996,91 @@
             <a:spAutoFit/>
           </a:bodyPr>
           <a:p>
-            <a:r>
-              <a:rPr lang="zh-CN" altLang="en-US" sz="1800"/>
-              <a:t>基于知识库的问答系统</a:t>
-            </a:r>
-            <a:endParaRPr lang="zh-CN" altLang="en-US" sz="1800"/>
+            <a:pPr marL="285750" indent="-285750">
+              <a:buFont typeface="Wingdings" panose="05000000000000000000" charset="0"/>
+              <a:buChar char="Ø"/>
+            </a:pPr>
+            <a:r>
+              <a:rPr lang="zh-CN" altLang="en-US" sz="1600">
+                <a:ln/>
+                <a:solidFill>
+                  <a:schemeClr val="tx1"/>
+                </a:solidFill>
+                <a:effectLst>
+                  <a:outerShdw blurRad="38100" dist="19050" dir="2700000" algn="tl" rotWithShape="0">
+                    <a:schemeClr val="dk1">
+                      <a:alpha val="40000"/>
+                    </a:schemeClr>
+                  </a:outerShdw>
+                </a:effectLst>
+                <a:sym typeface="+mn-ea"/>
+              </a:rPr>
+              <a:t>知识蒸馏</a:t>
+            </a:r>
+            <a:endParaRPr lang="zh-CN" altLang="en-US" sz="1600">
+              <a:ln/>
+              <a:solidFill>
+                <a:schemeClr val="tx1"/>
+              </a:solidFill>
+              <a:effectLst>
+                <a:outerShdw blurRad="38100" dist="19050" dir="2700000" algn="tl" rotWithShape="0">
+                  <a:schemeClr val="dk1">
+                    <a:alpha val="40000"/>
+                  </a:schemeClr>
+                </a:outerShdw>
+              </a:effectLst>
+              <a:sym typeface="+mn-ea"/>
+            </a:endParaRPr>
+          </a:p>
+          <a:p>
+            <a:pPr marL="285750" indent="-285750">
+              <a:buFont typeface="Wingdings" panose="05000000000000000000" charset="0"/>
+              <a:buChar char="Ø"/>
+            </a:pPr>
+            <a:r>
+              <a:rPr lang="zh-CN" altLang="en-US" sz="1600">
+                <a:ln/>
+                <a:solidFill>
+                  <a:schemeClr val="tx1"/>
+                </a:solidFill>
+                <a:effectLst>
+                  <a:outerShdw blurRad="38100" dist="19050" dir="2700000" algn="tl" rotWithShape="0">
+                    <a:schemeClr val="dk1">
+                      <a:alpha val="40000"/>
+                    </a:schemeClr>
+                  </a:outerShdw>
+                </a:effectLst>
+                <a:sym typeface="+mn-ea"/>
+              </a:rPr>
+              <a:t>问题生成</a:t>
+            </a:r>
+            <a:endParaRPr lang="zh-CN" altLang="en-US" sz="1600">
+              <a:ln/>
+              <a:solidFill>
+                <a:schemeClr val="tx1"/>
+              </a:solidFill>
+              <a:effectLst>
+                <a:outerShdw blurRad="38100" dist="19050" dir="2700000" algn="tl" rotWithShape="0">
+                  <a:schemeClr val="dk1">
+                    <a:alpha val="40000"/>
+                  </a:schemeClr>
+                </a:outerShdw>
+              </a:effectLst>
+              <a:sym typeface="+mn-ea"/>
+            </a:endParaRPr>
           </a:p>
         </p:txBody>
       </p:sp>
       <p:sp>
         <p:nvSpPr>
-          <p:cNvPr id="9" name="Oval 8"/>
-          <p:cNvSpPr/>
+          <p:cNvPr id="7" name="Text Box 6"/>
+          <p:cNvSpPr txBox="1"/>
           <p:nvPr/>
         </p:nvSpPr>
         <p:spPr>
           <a:xfrm>
-            <a:off x="935355" y="1779905"/>
-            <a:ext cx="372745" cy="471805"/>
-          </a:xfrm>
-          <a:prstGeom prst="ellipse">
-            <a:avLst/>
-          </a:prstGeom>
-        </p:spPr>
-        <p:style>
-          <a:lnRef idx="2">
-            <a:schemeClr val="dk1">
-              <a:shade val="50000"/>
-            </a:schemeClr>
-          </a:lnRef>
-          <a:fillRef idx="1">
-            <a:schemeClr val="dk1"/>
-          </a:fillRef>
-          <a:effectRef idx="0">
-            <a:schemeClr val="dk1"/>
-          </a:effectRef>
-          <a:fontRef idx="minor">
-            <a:schemeClr val="lt1"/>
-          </a:fontRef>
-        </p:style>
-        <p:txBody>
-          <a:bodyPr rtlCol="0" anchor="ctr"/>
-          <a:p>
-            <a:pPr algn="ctr"/>
-            <a:r>
-              <a:rPr lang="en-US"/>
-              <a:t>1</a:t>
-            </a:r>
-            <a:endParaRPr lang="en-US"/>
-          </a:p>
-        </p:txBody>
-      </p:sp>
-      <p:sp>
-        <p:nvSpPr>
-          <p:cNvPr id="10" name="Rectangles 9"/>
-          <p:cNvSpPr/>
-          <p:nvPr/>
-        </p:nvSpPr>
-        <p:spPr>
-          <a:xfrm>
-            <a:off x="1155700" y="2766695"/>
-            <a:ext cx="3902710" cy="426085"/>
-          </a:xfrm>
-          <a:prstGeom prst="rect">
-            <a:avLst/>
-          </a:prstGeom>
-          <a:solidFill>
-            <a:schemeClr val="bg1">
-              <a:lumMod val="50000"/>
-            </a:schemeClr>
-          </a:solidFill>
-        </p:spPr>
-        <p:style>
-          <a:lnRef idx="2">
-            <a:schemeClr val="accent1">
-              <a:shade val="50000"/>
-            </a:schemeClr>
-          </a:lnRef>
-          <a:fillRef idx="1">
-            <a:schemeClr val="accent1"/>
-          </a:fillRef>
-          <a:effectRef idx="0">
-            <a:schemeClr val="accent1"/>
-          </a:effectRef>
-          <a:fontRef idx="minor">
-            <a:schemeClr val="lt1"/>
-          </a:fontRef>
-        </p:style>
-        <p:txBody>
-          <a:bodyPr rtlCol="0" anchor="ctr">
-            <a:scene3d>
-              <a:camera prst="orthographicFront"/>
-              <a:lightRig rig="threePt" dir="t"/>
-            </a:scene3d>
-          </a:bodyPr>
-          <a:p>
-            <a:pPr algn="ctr"/>
-            <a:endParaRPr lang="en-US">
-              <a:gradFill>
-                <a:gsLst>
-                  <a:gs pos="21000">
-                    <a:srgbClr val="53575C"/>
-                  </a:gs>
-                  <a:gs pos="88000">
-                    <a:srgbClr val="C5C7CA"/>
-                  </a:gs>
-                </a:gsLst>
-                <a:lin ang="5400000"/>
-              </a:gradFill>
-              <a:effectLst/>
-            </a:endParaRPr>
-          </a:p>
-        </p:txBody>
-      </p:sp>
-      <p:sp>
-        <p:nvSpPr>
-          <p:cNvPr id="11" name="Text Box 10"/>
-          <p:cNvSpPr txBox="1"/>
-          <p:nvPr/>
-        </p:nvSpPr>
-        <p:spPr>
-          <a:xfrm>
-            <a:off x="1551305" y="2824480"/>
-            <a:ext cx="2845435" cy="368300"/>
+            <a:off x="152400" y="2311400"/>
+            <a:ext cx="3993515" cy="583565"/>
           </a:xfrm>
           <a:prstGeom prst="rect">
             <a:avLst/>
@@ -17346,128 +19093,45 @@
           </a:bodyPr>
           <a:p>
             <a:r>
-              <a:rPr lang="zh-CN" altLang="en-US" sz="1800"/>
-              <a:t>基于社区的问答系统</a:t>
-            </a:r>
-            <a:endParaRPr lang="zh-CN" altLang="en-US" sz="1800"/>
+              <a:rPr lang="zh-CN" altLang="en-US" sz="3200">
+                <a:solidFill>
+                  <a:schemeClr val="tx1"/>
+                </a:solidFill>
+                <a:effectLst>
+                  <a:outerShdw blurRad="38100" dist="19050" dir="2700000" algn="tl" rotWithShape="0">
+                    <a:schemeClr val="dk1">
+                      <a:alpha val="40000"/>
+                    </a:schemeClr>
+                  </a:outerShdw>
+                </a:effectLst>
+              </a:rPr>
+              <a:t>差异性分析</a:t>
+            </a:r>
+            <a:endParaRPr lang="zh-CN" altLang="en-US" sz="3200">
+              <a:solidFill>
+                <a:schemeClr val="tx1"/>
+              </a:solidFill>
+              <a:effectLst>
+                <a:outerShdw blurRad="38100" dist="19050" dir="2700000" algn="tl" rotWithShape="0">
+                  <a:schemeClr val="dk1">
+                    <a:alpha val="40000"/>
+                  </a:schemeClr>
+                </a:outerShdw>
+              </a:effectLst>
+            </a:endParaRPr>
           </a:p>
         </p:txBody>
       </p:sp>
       <p:sp>
         <p:nvSpPr>
-          <p:cNvPr id="12" name="Oval 11"/>
-          <p:cNvSpPr/>
+          <p:cNvPr id="10" name="Text Box 9"/>
+          <p:cNvSpPr txBox="1"/>
           <p:nvPr/>
         </p:nvSpPr>
         <p:spPr>
           <a:xfrm>
-            <a:off x="935355" y="2743835"/>
-            <a:ext cx="372745" cy="471805"/>
-          </a:xfrm>
-          <a:prstGeom prst="ellipse">
-            <a:avLst/>
-          </a:prstGeom>
-        </p:spPr>
-        <p:style>
-          <a:lnRef idx="2">
-            <a:schemeClr val="dk1">
-              <a:shade val="50000"/>
-            </a:schemeClr>
-          </a:lnRef>
-          <a:fillRef idx="1">
-            <a:schemeClr val="dk1"/>
-          </a:fillRef>
-          <a:effectRef idx="0">
-            <a:schemeClr val="dk1"/>
-          </a:effectRef>
-          <a:fontRef idx="minor">
-            <a:schemeClr val="lt1"/>
-          </a:fontRef>
-        </p:style>
-        <p:txBody>
-          <a:bodyPr rtlCol="0" anchor="ctr"/>
-          <a:p>
-            <a:pPr algn="ctr"/>
-            <a:r>
-              <a:rPr lang="en-US"/>
-              <a:t>2</a:t>
-            </a:r>
-            <a:endParaRPr lang="en-US"/>
-          </a:p>
-        </p:txBody>
-      </p:sp>
-      <p:sp>
-        <p:nvSpPr>
-          <p:cNvPr id="13" name="Rectangles 12"/>
-          <p:cNvSpPr/>
-          <p:nvPr/>
-        </p:nvSpPr>
-        <p:spPr>
-          <a:xfrm>
-            <a:off x="1155700" y="3763010"/>
-            <a:ext cx="3902710" cy="426085"/>
-          </a:xfrm>
-          <a:prstGeom prst="rect">
-            <a:avLst/>
-          </a:prstGeom>
-          <a:solidFill>
-            <a:schemeClr val="bg1">
-              <a:lumMod val="50000"/>
-            </a:schemeClr>
-          </a:solidFill>
-        </p:spPr>
-        <p:style>
-          <a:lnRef idx="2">
-            <a:schemeClr val="accent1">
-              <a:shade val="50000"/>
-            </a:schemeClr>
-          </a:lnRef>
-          <a:fillRef idx="1">
-            <a:schemeClr val="accent1"/>
-          </a:fillRef>
-          <a:effectRef idx="0">
-            <a:schemeClr val="accent1"/>
-          </a:effectRef>
-          <a:fontRef idx="minor">
-            <a:schemeClr val="lt1"/>
-          </a:fontRef>
-        </p:style>
-        <p:txBody>
-          <a:bodyPr rtlCol="0" anchor="ctr">
-            <a:scene3d>
-              <a:camera prst="orthographicFront"/>
-              <a:lightRig rig="threePt" dir="t"/>
-            </a:scene3d>
-          </a:bodyPr>
-          <a:p>
-            <a:pPr algn="ctr"/>
-            <a:endParaRPr lang="en-US">
-              <a:gradFill>
-                <a:gsLst>
-                  <a:gs pos="21000">
-                    <a:srgbClr val="53575C"/>
-                  </a:gs>
-                  <a:gs pos="88000">
-                    <a:srgbClr val="C5C7CA"/>
-                  </a:gs>
-                </a:gsLst>
-                <a:lin ang="5400000"/>
-              </a:gradFill>
-              <a:effectLst/>
-            </a:endParaRPr>
-          </a:p>
-        </p:txBody>
-      </p:sp>
-      <p:sp>
-        <p:nvSpPr>
-          <p:cNvPr id="14" name="Text Box 13"/>
-          <p:cNvSpPr txBox="1"/>
-          <p:nvPr/>
-        </p:nvSpPr>
-        <p:spPr>
-          <a:xfrm>
-            <a:off x="1551305" y="3820795"/>
-            <a:ext cx="2845435" cy="368300"/>
+            <a:off x="684530" y="3032125"/>
+            <a:ext cx="7994650" cy="583565"/>
           </a:xfrm>
           <a:prstGeom prst="rect">
             <a:avLst/>
@@ -17479,62 +19143,154 @@
             <a:spAutoFit/>
           </a:bodyPr>
           <a:p>
-            <a:r>
-              <a:rPr lang="zh-CN" altLang="en-US" sz="1800"/>
+            <a:pPr marL="285750" indent="-285750">
+              <a:buFont typeface="Wingdings" panose="05000000000000000000" charset="0"/>
+              <a:buChar char="Ø"/>
+            </a:pPr>
+            <a:r>
+              <a:rPr lang="en-US" altLang="zh-CN" sz="1600">
+                <a:solidFill>
+                  <a:schemeClr val="tx1"/>
+                </a:solidFill>
+                <a:effectLst>
+                  <a:outerShdw blurRad="38100" dist="19050" dir="2700000" algn="tl" rotWithShape="0">
+                    <a:schemeClr val="dk1">
+                      <a:alpha val="40000"/>
+                    </a:schemeClr>
+                  </a:outerShdw>
+                </a:effectLst>
+                <a:sym typeface="+mn-ea"/>
+              </a:rPr>
+              <a:t>Lattice</a:t>
+            </a:r>
+            <a:r>
+              <a:rPr lang="zh-CN" altLang="en-US" sz="1600">
+                <a:solidFill>
+                  <a:schemeClr val="tx1"/>
+                </a:solidFill>
+                <a:effectLst>
+                  <a:outerShdw blurRad="38100" dist="19050" dir="2700000" algn="tl" rotWithShape="0">
+                    <a:schemeClr val="dk1">
+                      <a:alpha val="40000"/>
+                    </a:schemeClr>
+                  </a:outerShdw>
+                </a:effectLst>
+                <a:sym typeface="+mn-ea"/>
+              </a:rPr>
+              <a:t>结合</a:t>
+            </a:r>
+            <a:r>
+              <a:rPr lang="en-US" altLang="zh-CN" sz="1600">
+                <a:solidFill>
+                  <a:schemeClr val="tx1"/>
+                </a:solidFill>
+                <a:effectLst>
+                  <a:outerShdw blurRad="38100" dist="19050" dir="2700000" algn="tl" rotWithShape="0">
+                    <a:schemeClr val="dk1">
+                      <a:alpha val="40000"/>
+                    </a:schemeClr>
+                  </a:outerShdw>
+                </a:effectLst>
+                <a:sym typeface="+mn-ea"/>
+              </a:rPr>
+              <a:t>conv-Transformer</a:t>
+            </a:r>
+            <a:r>
+              <a:rPr lang="zh-CN" altLang="en-US" sz="1600">
+                <a:solidFill>
+                  <a:schemeClr val="tx1"/>
+                </a:solidFill>
+                <a:effectLst>
+                  <a:outerShdw blurRad="38100" dist="19050" dir="2700000" algn="tl" rotWithShape="0">
+                    <a:schemeClr val="dk1">
+                      <a:alpha val="40000"/>
+                    </a:schemeClr>
+                  </a:outerShdw>
+                </a:effectLst>
+                <a:sym typeface="+mn-ea"/>
+              </a:rPr>
+              <a:t>结构的提出</a:t>
+            </a:r>
+            <a:endParaRPr lang="zh-CN" altLang="en-US" sz="1600">
+              <a:solidFill>
+                <a:schemeClr val="tx1"/>
+              </a:solidFill>
+              <a:effectLst>
+                <a:outerShdw blurRad="38100" dist="19050" dir="2700000" algn="tl" rotWithShape="0">
+                  <a:schemeClr val="dk1">
+                    <a:alpha val="40000"/>
+                  </a:schemeClr>
+                </a:outerShdw>
+              </a:effectLst>
+              <a:sym typeface="+mn-ea"/>
+            </a:endParaRPr>
+          </a:p>
+          <a:p>
+            <a:pPr marL="285750" indent="-285750">
+              <a:buFont typeface="Wingdings" panose="05000000000000000000" charset="0"/>
+              <a:buChar char="Ø"/>
+            </a:pPr>
+            <a:r>
+              <a:rPr lang="zh-CN" altLang="en-US" sz="1600">
+                <a:solidFill>
+                  <a:schemeClr val="tx1"/>
+                </a:solidFill>
+                <a:effectLst>
+                  <a:outerShdw blurRad="38100" dist="19050" dir="2700000" algn="tl" rotWithShape="0">
+                    <a:schemeClr val="dk1">
+                      <a:alpha val="40000"/>
+                    </a:schemeClr>
+                  </a:outerShdw>
+                </a:effectLst>
+                <a:sym typeface="+mn-ea"/>
+              </a:rPr>
               <a:t>基于</a:t>
             </a:r>
             <a:r>
-              <a:rPr lang="en-US" altLang="zh-CN" sz="1800"/>
-              <a:t>Web</a:t>
-            </a:r>
-            <a:r>
-              <a:rPr lang="zh-CN" altLang="en-US" sz="1800"/>
-              <a:t>的问答系统</a:t>
-            </a:r>
-            <a:endParaRPr lang="zh-CN" altLang="en-US" sz="1800"/>
-          </a:p>
-        </p:txBody>
-      </p:sp>
-      <p:sp>
-        <p:nvSpPr>
-          <p:cNvPr id="15" name="Oval 14"/>
-          <p:cNvSpPr/>
-          <p:nvPr/>
-        </p:nvSpPr>
-        <p:spPr>
-          <a:xfrm>
-            <a:off x="935355" y="3740150"/>
-            <a:ext cx="372745" cy="471805"/>
-          </a:xfrm>
-          <a:prstGeom prst="ellipse">
-            <a:avLst/>
-          </a:prstGeom>
-        </p:spPr>
-        <p:style>
-          <a:lnRef idx="2">
-            <a:schemeClr val="dk1">
-              <a:shade val="50000"/>
-            </a:schemeClr>
-          </a:lnRef>
-          <a:fillRef idx="1">
-            <a:schemeClr val="dk1"/>
-          </a:fillRef>
-          <a:effectRef idx="0">
-            <a:schemeClr val="dk1"/>
-          </a:effectRef>
-          <a:fontRef idx="minor">
-            <a:schemeClr val="lt1"/>
-          </a:fontRef>
-        </p:style>
-        <p:txBody>
-          <a:bodyPr rtlCol="0" anchor="ctr"/>
-          <a:p>
-            <a:pPr algn="ctr"/>
-            <a:r>
-              <a:rPr lang="en-US"/>
-              <a:t>3</a:t>
-            </a:r>
-            <a:endParaRPr lang="en-US"/>
+              <a:rPr lang="en-US" altLang="zh-CN" sz="1600">
+                <a:solidFill>
+                  <a:schemeClr val="tx1"/>
+                </a:solidFill>
+                <a:effectLst>
+                  <a:outerShdw blurRad="38100" dist="19050" dir="2700000" algn="tl" rotWithShape="0">
+                    <a:schemeClr val="dk1">
+                      <a:alpha val="40000"/>
+                    </a:schemeClr>
+                  </a:outerShdw>
+                </a:effectLst>
+                <a:sym typeface="+mn-ea"/>
+              </a:rPr>
+              <a:t>BERT</a:t>
+            </a:r>
+            <a:r>
+              <a:rPr lang="zh-CN" altLang="en-US" sz="1600">
+                <a:solidFill>
+                  <a:schemeClr val="tx1"/>
+                </a:solidFill>
+                <a:effectLst>
+                  <a:outerShdw blurRad="38100" dist="19050" dir="2700000" algn="tl" rotWithShape="0">
+                    <a:schemeClr val="dk1">
+                      <a:alpha val="40000"/>
+                    </a:schemeClr>
+                  </a:outerShdw>
+                </a:effectLst>
+                <a:sym typeface="+mn-ea"/>
+              </a:rPr>
+              <a:t>结合持续阅读机制和答案验证机制的提出</a:t>
+            </a:r>
+            <a:endParaRPr lang="zh-CN" altLang="en-US" sz="1600">
+              <a:solidFill>
+                <a:schemeClr val="tx1"/>
+              </a:solidFill>
+              <a:effectLst>
+                <a:outerShdw blurRad="38100" dist="19050" dir="2700000" algn="tl" rotWithShape="0">
+                  <a:schemeClr val="dk1">
+                    <a:alpha val="40000"/>
+                  </a:schemeClr>
+                </a:outerShdw>
+              </a:effectLst>
+              <a:sym typeface="+mn-ea"/>
+            </a:endParaRPr>
           </a:p>
         </p:txBody>
       </p:sp>
@@ -17578,46 +19334,754 @@
           <a:chExt cx="0" cy="0"/>
         </a:xfrm>
       </p:grpSpPr>
-      <p:pic>
-        <p:nvPicPr>
-          <p:cNvPr id="4" name="图片 3"/>
-          <p:cNvPicPr>
-            <a:picLocks noChangeAspect="1"/>
-          </p:cNvPicPr>
+      <p:grpSp>
+        <p:nvGrpSpPr>
+          <p:cNvPr id="2" name="组合 1"/>
+          <p:cNvGrpSpPr/>
           <p:nvPr/>
-        </p:nvPicPr>
-        <p:blipFill>
-          <a:blip r:embed="rId1" cstate="print">
-            <a:extLst>
-              <a:ext uri="{28A0092B-C50C-407E-A947-70E740481C1C}">
-                <a14:useLocalDpi xmlns:a14="http://schemas.microsoft.com/office/drawing/2010/main" val="0"/>
-              </a:ext>
-            </a:extLst>
-          </a:blip>
-          <a:stretch>
-            <a:fillRect/>
-          </a:stretch>
-        </p:blipFill>
+        </p:nvGrpSpPr>
+        <p:grpSpPr>
+          <a:xfrm>
+            <a:off x="6377592" y="-1089216"/>
+            <a:ext cx="3776453" cy="4984575"/>
+            <a:chOff x="9305941" y="-3079384"/>
+            <a:chExt cx="6713695" cy="8861466"/>
+          </a:xfrm>
+        </p:grpSpPr>
+        <p:sp>
+          <p:nvSpPr>
+            <p:cNvPr id="7" name="矩形 6"/>
+            <p:cNvSpPr/>
+            <p:nvPr/>
+          </p:nvSpPr>
+          <p:spPr>
+            <a:xfrm rot="2700000">
+              <a:off x="8232056" y="-2005499"/>
+              <a:ext cx="8861466" cy="6713695"/>
+            </a:xfrm>
+            <a:prstGeom prst="rect">
+              <a:avLst/>
+            </a:prstGeom>
+            <a:solidFill>
+              <a:srgbClr val="2E75B5"/>
+            </a:solidFill>
+            <a:ln>
+              <a:noFill/>
+            </a:ln>
+            <a:effectLst>
+              <a:outerShdw blurRad="127000" dist="127000" dir="8100000" algn="tr" rotWithShape="0">
+                <a:prstClr val="black">
+                  <a:alpha val="40000"/>
+                </a:prstClr>
+              </a:outerShdw>
+            </a:effectLst>
+          </p:spPr>
+          <p:style>
+            <a:lnRef idx="2">
+              <a:schemeClr val="accent1">
+                <a:shade val="50000"/>
+              </a:schemeClr>
+            </a:lnRef>
+            <a:fillRef idx="1">
+              <a:schemeClr val="accent1"/>
+            </a:fillRef>
+            <a:effectRef idx="0">
+              <a:schemeClr val="accent1"/>
+            </a:effectRef>
+            <a:fontRef idx="minor">
+              <a:schemeClr val="lt1"/>
+            </a:fontRef>
+          </p:style>
+          <p:txBody>
+            <a:bodyPr rtlCol="0" anchor="ctr"/>
+            <a:lstStyle/>
+            <a:p>
+              <a:pPr algn="ctr"/>
+              <a:endParaRPr lang="zh-CN" altLang="en-US" sz="1015"/>
+            </a:p>
+          </p:txBody>
+        </p:sp>
+        <p:sp>
+          <p:nvSpPr>
+            <p:cNvPr id="8" name="矩形 7"/>
+            <p:cNvSpPr/>
+            <p:nvPr/>
+          </p:nvSpPr>
+          <p:spPr>
+            <a:xfrm rot="2700000">
+              <a:off x="8837999" y="-1158592"/>
+              <a:ext cx="7228933" cy="5080358"/>
+            </a:xfrm>
+            <a:prstGeom prst="rect">
+              <a:avLst/>
+            </a:prstGeom>
+            <a:solidFill>
+              <a:srgbClr val="5B9BD5"/>
+            </a:solidFill>
+            <a:ln>
+              <a:noFill/>
+            </a:ln>
+            <a:effectLst>
+              <a:outerShdw blurRad="127000" dist="127000" dir="8100000" algn="tr" rotWithShape="0">
+                <a:prstClr val="black">
+                  <a:alpha val="40000"/>
+                </a:prstClr>
+              </a:outerShdw>
+            </a:effectLst>
+          </p:spPr>
+          <p:style>
+            <a:lnRef idx="2">
+              <a:schemeClr val="accent1">
+                <a:shade val="50000"/>
+              </a:schemeClr>
+            </a:lnRef>
+            <a:fillRef idx="1">
+              <a:schemeClr val="accent1"/>
+            </a:fillRef>
+            <a:effectRef idx="0">
+              <a:schemeClr val="accent1"/>
+            </a:effectRef>
+            <a:fontRef idx="minor">
+              <a:schemeClr val="lt1"/>
+            </a:fontRef>
+          </p:style>
+          <p:txBody>
+            <a:bodyPr rtlCol="0" anchor="ctr"/>
+            <a:lstStyle/>
+            <a:p>
+              <a:pPr algn="ctr"/>
+              <a:endParaRPr lang="zh-CN" altLang="en-US" sz="1015"/>
+            </a:p>
+          </p:txBody>
+        </p:sp>
+        <p:grpSp>
+          <p:nvGrpSpPr>
+            <p:cNvPr id="11" name="Group 4"/>
+            <p:cNvGrpSpPr>
+              <a:grpSpLocks noChangeAspect="1"/>
+            </p:cNvGrpSpPr>
+            <p:nvPr/>
+          </p:nvGrpSpPr>
+          <p:grpSpPr bwMode="auto">
+            <a:xfrm>
+              <a:off x="9582673" y="264612"/>
+              <a:ext cx="1846377" cy="1719618"/>
+              <a:chOff x="1164" y="687"/>
+              <a:chExt cx="3219" cy="2998"/>
+            </a:xfrm>
+            <a:solidFill>
+              <a:schemeClr val="bg1"/>
+            </a:solidFill>
+            <a:effectLst/>
+          </p:grpSpPr>
+          <p:sp>
+            <p:nvSpPr>
+              <p:cNvPr id="12" name="Freeform 6"/>
+              <p:cNvSpPr/>
+              <p:nvPr/>
+            </p:nvSpPr>
+            <p:spPr bwMode="auto">
+              <a:xfrm>
+                <a:off x="1164" y="687"/>
+                <a:ext cx="3219" cy="2998"/>
+              </a:xfrm>
+              <a:custGeom>
+                <a:avLst/>
+                <a:gdLst>
+                  <a:gd name="T0" fmla="*/ 96 w 1360"/>
+                  <a:gd name="T1" fmla="*/ 404 h 1266"/>
+                  <a:gd name="T2" fmla="*/ 96 w 1360"/>
+                  <a:gd name="T3" fmla="*/ 527 h 1266"/>
+                  <a:gd name="T4" fmla="*/ 105 w 1360"/>
+                  <a:gd name="T5" fmla="*/ 537 h 1266"/>
+                  <a:gd name="T6" fmla="*/ 123 w 1360"/>
+                  <a:gd name="T7" fmla="*/ 616 h 1266"/>
+                  <a:gd name="T8" fmla="*/ 119 w 1360"/>
+                  <a:gd name="T9" fmla="*/ 629 h 1266"/>
+                  <a:gd name="T10" fmla="*/ 147 w 1360"/>
+                  <a:gd name="T11" fmla="*/ 940 h 1266"/>
+                  <a:gd name="T12" fmla="*/ 169 w 1360"/>
+                  <a:gd name="T13" fmla="*/ 1194 h 1266"/>
+                  <a:gd name="T14" fmla="*/ 175 w 1360"/>
+                  <a:gd name="T15" fmla="*/ 1266 h 1266"/>
+                  <a:gd name="T16" fmla="*/ 0 w 1360"/>
+                  <a:gd name="T17" fmla="*/ 1266 h 1266"/>
+                  <a:gd name="T18" fmla="*/ 6 w 1360"/>
+                  <a:gd name="T19" fmla="*/ 1197 h 1266"/>
+                  <a:gd name="T20" fmla="*/ 38 w 1360"/>
+                  <a:gd name="T21" fmla="*/ 811 h 1266"/>
+                  <a:gd name="T22" fmla="*/ 54 w 1360"/>
+                  <a:gd name="T23" fmla="*/ 629 h 1266"/>
+                  <a:gd name="T24" fmla="*/ 50 w 1360"/>
+                  <a:gd name="T25" fmla="*/ 613 h 1266"/>
+                  <a:gd name="T26" fmla="*/ 71 w 1360"/>
+                  <a:gd name="T27" fmla="*/ 537 h 1266"/>
+                  <a:gd name="T28" fmla="*/ 79 w 1360"/>
+                  <a:gd name="T29" fmla="*/ 525 h 1266"/>
+                  <a:gd name="T30" fmla="*/ 79 w 1360"/>
+                  <a:gd name="T31" fmla="*/ 407 h 1266"/>
+                  <a:gd name="T32" fmla="*/ 70 w 1360"/>
+                  <a:gd name="T33" fmla="*/ 392 h 1266"/>
+                  <a:gd name="T34" fmla="*/ 31 w 1360"/>
+                  <a:gd name="T35" fmla="*/ 374 h 1266"/>
+                  <a:gd name="T36" fmla="*/ 44 w 1360"/>
+                  <a:gd name="T37" fmla="*/ 366 h 1266"/>
+                  <a:gd name="T38" fmla="*/ 624 w 1360"/>
+                  <a:gd name="T39" fmla="*/ 44 h 1266"/>
+                  <a:gd name="T40" fmla="*/ 692 w 1360"/>
+                  <a:gd name="T41" fmla="*/ 5 h 1266"/>
+                  <a:gd name="T42" fmla="*/ 718 w 1360"/>
+                  <a:gd name="T43" fmla="*/ 5 h 1266"/>
+                  <a:gd name="T44" fmla="*/ 1255 w 1360"/>
+                  <a:gd name="T45" fmla="*/ 275 h 1266"/>
+                  <a:gd name="T46" fmla="*/ 1360 w 1360"/>
+                  <a:gd name="T47" fmla="*/ 328 h 1266"/>
+                  <a:gd name="T48" fmla="*/ 1302 w 1360"/>
+                  <a:gd name="T49" fmla="*/ 360 h 1266"/>
+                  <a:gd name="T50" fmla="*/ 723 w 1360"/>
+                  <a:gd name="T51" fmla="*/ 666 h 1266"/>
+                  <a:gd name="T52" fmla="*/ 688 w 1360"/>
+                  <a:gd name="T53" fmla="*/ 668 h 1266"/>
+                  <a:gd name="T54" fmla="*/ 112 w 1360"/>
+                  <a:gd name="T55" fmla="*/ 411 h 1266"/>
+                  <a:gd name="T56" fmla="*/ 96 w 1360"/>
+                  <a:gd name="T57" fmla="*/ 404 h 1266"/>
+                </a:gdLst>
+                <a:ahLst/>
+                <a:cxnLst>
+                  <a:cxn ang="0">
+                    <a:pos x="T0" y="T1"/>
+                  </a:cxn>
+                  <a:cxn ang="0">
+                    <a:pos x="T2" y="T3"/>
+                  </a:cxn>
+                  <a:cxn ang="0">
+                    <a:pos x="T4" y="T5"/>
+                  </a:cxn>
+                  <a:cxn ang="0">
+                    <a:pos x="T6" y="T7"/>
+                  </a:cxn>
+                  <a:cxn ang="0">
+                    <a:pos x="T8" y="T9"/>
+                  </a:cxn>
+                  <a:cxn ang="0">
+                    <a:pos x="T10" y="T11"/>
+                  </a:cxn>
+                  <a:cxn ang="0">
+                    <a:pos x="T12" y="T13"/>
+                  </a:cxn>
+                  <a:cxn ang="0">
+                    <a:pos x="T14" y="T15"/>
+                  </a:cxn>
+                  <a:cxn ang="0">
+                    <a:pos x="T16" y="T17"/>
+                  </a:cxn>
+                  <a:cxn ang="0">
+                    <a:pos x="T18" y="T19"/>
+                  </a:cxn>
+                  <a:cxn ang="0">
+                    <a:pos x="T20" y="T21"/>
+                  </a:cxn>
+                  <a:cxn ang="0">
+                    <a:pos x="T22" y="T23"/>
+                  </a:cxn>
+                  <a:cxn ang="0">
+                    <a:pos x="T24" y="T25"/>
+                  </a:cxn>
+                  <a:cxn ang="0">
+                    <a:pos x="T26" y="T27"/>
+                  </a:cxn>
+                  <a:cxn ang="0">
+                    <a:pos x="T28" y="T29"/>
+                  </a:cxn>
+                  <a:cxn ang="0">
+                    <a:pos x="T30" y="T31"/>
+                  </a:cxn>
+                  <a:cxn ang="0">
+                    <a:pos x="T32" y="T33"/>
+                  </a:cxn>
+                  <a:cxn ang="0">
+                    <a:pos x="T34" y="T35"/>
+                  </a:cxn>
+                  <a:cxn ang="0">
+                    <a:pos x="T36" y="T37"/>
+                  </a:cxn>
+                  <a:cxn ang="0">
+                    <a:pos x="T38" y="T39"/>
+                  </a:cxn>
+                  <a:cxn ang="0">
+                    <a:pos x="T40" y="T41"/>
+                  </a:cxn>
+                  <a:cxn ang="0">
+                    <a:pos x="T42" y="T43"/>
+                  </a:cxn>
+                  <a:cxn ang="0">
+                    <a:pos x="T44" y="T45"/>
+                  </a:cxn>
+                  <a:cxn ang="0">
+                    <a:pos x="T46" y="T47"/>
+                  </a:cxn>
+                  <a:cxn ang="0">
+                    <a:pos x="T48" y="T49"/>
+                  </a:cxn>
+                  <a:cxn ang="0">
+                    <a:pos x="T50" y="T51"/>
+                  </a:cxn>
+                  <a:cxn ang="0">
+                    <a:pos x="T52" y="T53"/>
+                  </a:cxn>
+                  <a:cxn ang="0">
+                    <a:pos x="T54" y="T55"/>
+                  </a:cxn>
+                  <a:cxn ang="0">
+                    <a:pos x="T56" y="T57"/>
+                  </a:cxn>
+                </a:cxnLst>
+                <a:rect l="0" t="0" r="r" b="b"/>
+                <a:pathLst>
+                  <a:path w="1360" h="1266">
+                    <a:moveTo>
+                      <a:pt x="96" y="404"/>
+                    </a:moveTo>
+                    <a:cubicBezTo>
+                      <a:pt x="96" y="447"/>
+                      <a:pt x="96" y="487"/>
+                      <a:pt x="96" y="527"/>
+                    </a:cubicBezTo>
+                    <a:cubicBezTo>
+                      <a:pt x="96" y="531"/>
+                      <a:pt x="101" y="535"/>
+                      <a:pt x="105" y="537"/>
+                    </a:cubicBezTo>
+                    <a:cubicBezTo>
+                      <a:pt x="136" y="555"/>
+                      <a:pt x="144" y="585"/>
+                      <a:pt x="123" y="616"/>
+                    </a:cubicBezTo>
+                    <a:cubicBezTo>
+                      <a:pt x="121" y="620"/>
+                      <a:pt x="119" y="625"/>
+                      <a:pt x="119" y="629"/>
+                    </a:cubicBezTo>
+                    <a:cubicBezTo>
+                      <a:pt x="128" y="733"/>
+                      <a:pt x="138" y="836"/>
+                      <a:pt x="147" y="940"/>
+                    </a:cubicBezTo>
+                    <a:cubicBezTo>
+                      <a:pt x="154" y="1024"/>
+                      <a:pt x="162" y="1109"/>
+                      <a:pt x="169" y="1194"/>
+                    </a:cubicBezTo>
+                    <a:cubicBezTo>
+                      <a:pt x="171" y="1217"/>
+                      <a:pt x="173" y="1239"/>
+                      <a:pt x="175" y="1266"/>
+                    </a:cubicBezTo>
+                    <a:cubicBezTo>
+                      <a:pt x="117" y="1266"/>
+                      <a:pt x="60" y="1266"/>
+                      <a:pt x="0" y="1266"/>
+                    </a:cubicBezTo>
+                    <a:cubicBezTo>
+                      <a:pt x="2" y="1244"/>
+                      <a:pt x="4" y="1220"/>
+                      <a:pt x="6" y="1197"/>
+                    </a:cubicBezTo>
+                    <a:cubicBezTo>
+                      <a:pt x="16" y="1068"/>
+                      <a:pt x="27" y="940"/>
+                      <a:pt x="38" y="811"/>
+                    </a:cubicBezTo>
+                    <a:cubicBezTo>
+                      <a:pt x="43" y="750"/>
+                      <a:pt x="49" y="690"/>
+                      <a:pt x="54" y="629"/>
+                    </a:cubicBezTo>
+                    <a:cubicBezTo>
+                      <a:pt x="54" y="624"/>
+                      <a:pt x="52" y="617"/>
+                      <a:pt x="50" y="613"/>
+                    </a:cubicBezTo>
+                    <a:cubicBezTo>
+                      <a:pt x="32" y="583"/>
+                      <a:pt x="40" y="553"/>
+                      <a:pt x="71" y="537"/>
+                    </a:cubicBezTo>
+                    <a:cubicBezTo>
+                      <a:pt x="75" y="535"/>
+                      <a:pt x="79" y="529"/>
+                      <a:pt x="79" y="525"/>
+                    </a:cubicBezTo>
+                    <a:cubicBezTo>
+                      <a:pt x="79" y="486"/>
+                      <a:pt x="80" y="446"/>
+                      <a:pt x="79" y="407"/>
+                    </a:cubicBezTo>
+                    <a:cubicBezTo>
+                      <a:pt x="79" y="402"/>
+                      <a:pt x="74" y="395"/>
+                      <a:pt x="70" y="392"/>
+                    </a:cubicBezTo>
+                    <a:cubicBezTo>
+                      <a:pt x="58" y="386"/>
+                      <a:pt x="45" y="381"/>
+                      <a:pt x="31" y="374"/>
+                    </a:cubicBezTo>
+                    <a:cubicBezTo>
+                      <a:pt x="36" y="371"/>
+                      <a:pt x="40" y="368"/>
+                      <a:pt x="44" y="366"/>
+                    </a:cubicBezTo>
+                    <a:cubicBezTo>
+                      <a:pt x="237" y="259"/>
+                      <a:pt x="431" y="151"/>
+                      <a:pt x="624" y="44"/>
+                    </a:cubicBezTo>
+                    <a:cubicBezTo>
+                      <a:pt x="647" y="31"/>
+                      <a:pt x="670" y="19"/>
+                      <a:pt x="692" y="5"/>
+                    </a:cubicBezTo>
+                    <a:cubicBezTo>
+                      <a:pt x="702" y="0"/>
+                      <a:pt x="709" y="1"/>
+                      <a:pt x="718" y="5"/>
+                    </a:cubicBezTo>
+                    <a:cubicBezTo>
+                      <a:pt x="897" y="96"/>
+                      <a:pt x="1076" y="185"/>
+                      <a:pt x="1255" y="275"/>
+                    </a:cubicBezTo>
+                    <a:cubicBezTo>
+                      <a:pt x="1289" y="293"/>
+                      <a:pt x="1324" y="310"/>
+                      <a:pt x="1360" y="328"/>
+                    </a:cubicBezTo>
+                    <a:cubicBezTo>
+                      <a:pt x="1339" y="340"/>
+                      <a:pt x="1320" y="350"/>
+                      <a:pt x="1302" y="360"/>
+                    </a:cubicBezTo>
+                    <a:cubicBezTo>
+                      <a:pt x="1109" y="462"/>
+                      <a:pt x="916" y="564"/>
+                      <a:pt x="723" y="666"/>
+                    </a:cubicBezTo>
+                    <a:cubicBezTo>
+                      <a:pt x="711" y="672"/>
+                      <a:pt x="701" y="674"/>
+                      <a:pt x="688" y="668"/>
+                    </a:cubicBezTo>
+                    <a:cubicBezTo>
+                      <a:pt x="496" y="582"/>
+                      <a:pt x="304" y="496"/>
+                      <a:pt x="112" y="411"/>
+                    </a:cubicBezTo>
+                    <a:cubicBezTo>
+                      <a:pt x="108" y="409"/>
+                      <a:pt x="103" y="407"/>
+                      <a:pt x="96" y="404"/>
+                    </a:cubicBezTo>
+                    <a:close/>
+                  </a:path>
+                </a:pathLst>
+              </a:custGeom>
+              <a:grpFill/>
+              <a:ln>
+                <a:noFill/>
+              </a:ln>
+            </p:spPr>
+            <p:txBody>
+              <a:bodyPr vert="horz" wrap="square" lIns="51435" tIns="25717" rIns="51435" bIns="25717" numCol="1" anchor="t" anchorCtr="0" compatLnSpc="1"/>
+              <a:lstStyle/>
+              <a:p>
+                <a:endParaRPr lang="zh-HK" altLang="en-US" sz="1015"/>
+              </a:p>
+            </p:txBody>
+          </p:sp>
+          <p:sp>
+            <p:nvSpPr>
+              <p:cNvPr id="13" name="Freeform 7"/>
+              <p:cNvSpPr/>
+              <p:nvPr/>
+            </p:nvSpPr>
+            <p:spPr bwMode="auto">
+              <a:xfrm>
+                <a:off x="1829" y="1959"/>
+                <a:ext cx="2000" cy="947"/>
+              </a:xfrm>
+              <a:custGeom>
+                <a:avLst/>
+                <a:gdLst>
+                  <a:gd name="T0" fmla="*/ 0 w 845"/>
+                  <a:gd name="T1" fmla="*/ 147 h 400"/>
+                  <a:gd name="T2" fmla="*/ 78 w 845"/>
+                  <a:gd name="T3" fmla="*/ 32 h 400"/>
+                  <a:gd name="T4" fmla="*/ 96 w 845"/>
+                  <a:gd name="T5" fmla="*/ 28 h 400"/>
+                  <a:gd name="T6" fmla="*/ 262 w 845"/>
+                  <a:gd name="T7" fmla="*/ 101 h 400"/>
+                  <a:gd name="T8" fmla="*/ 417 w 845"/>
+                  <a:gd name="T9" fmla="*/ 170 h 400"/>
+                  <a:gd name="T10" fmla="*/ 434 w 845"/>
+                  <a:gd name="T11" fmla="*/ 167 h 400"/>
+                  <a:gd name="T12" fmla="*/ 724 w 845"/>
+                  <a:gd name="T13" fmla="*/ 13 h 400"/>
+                  <a:gd name="T14" fmla="*/ 749 w 845"/>
+                  <a:gd name="T15" fmla="*/ 0 h 400"/>
+                  <a:gd name="T16" fmla="*/ 845 w 845"/>
+                  <a:gd name="T17" fmla="*/ 143 h 400"/>
+                  <a:gd name="T18" fmla="*/ 743 w 845"/>
+                  <a:gd name="T19" fmla="*/ 207 h 400"/>
+                  <a:gd name="T20" fmla="*/ 448 w 845"/>
+                  <a:gd name="T21" fmla="*/ 393 h 400"/>
+                  <a:gd name="T22" fmla="*/ 421 w 845"/>
+                  <a:gd name="T23" fmla="*/ 394 h 400"/>
+                  <a:gd name="T24" fmla="*/ 8 w 845"/>
+                  <a:gd name="T25" fmla="*/ 153 h 400"/>
+                  <a:gd name="T26" fmla="*/ 0 w 845"/>
+                  <a:gd name="T27" fmla="*/ 147 h 400"/>
+                </a:gdLst>
+                <a:ahLst/>
+                <a:cxnLst>
+                  <a:cxn ang="0">
+                    <a:pos x="T0" y="T1"/>
+                  </a:cxn>
+                  <a:cxn ang="0">
+                    <a:pos x="T2" y="T3"/>
+                  </a:cxn>
+                  <a:cxn ang="0">
+                    <a:pos x="T4" y="T5"/>
+                  </a:cxn>
+                  <a:cxn ang="0">
+                    <a:pos x="T6" y="T7"/>
+                  </a:cxn>
+                  <a:cxn ang="0">
+                    <a:pos x="T8" y="T9"/>
+                  </a:cxn>
+                  <a:cxn ang="0">
+                    <a:pos x="T10" y="T11"/>
+                  </a:cxn>
+                  <a:cxn ang="0">
+                    <a:pos x="T12" y="T13"/>
+                  </a:cxn>
+                  <a:cxn ang="0">
+                    <a:pos x="T14" y="T15"/>
+                  </a:cxn>
+                  <a:cxn ang="0">
+                    <a:pos x="T16" y="T17"/>
+                  </a:cxn>
+                  <a:cxn ang="0">
+                    <a:pos x="T18" y="T19"/>
+                  </a:cxn>
+                  <a:cxn ang="0">
+                    <a:pos x="T20" y="T21"/>
+                  </a:cxn>
+                  <a:cxn ang="0">
+                    <a:pos x="T22" y="T23"/>
+                  </a:cxn>
+                  <a:cxn ang="0">
+                    <a:pos x="T24" y="T25"/>
+                  </a:cxn>
+                  <a:cxn ang="0">
+                    <a:pos x="T26" y="T27"/>
+                  </a:cxn>
+                </a:cxnLst>
+                <a:rect l="0" t="0" r="r" b="b"/>
+                <a:pathLst>
+                  <a:path w="845" h="400">
+                    <a:moveTo>
+                      <a:pt x="0" y="147"/>
+                    </a:moveTo>
+                    <a:cubicBezTo>
+                      <a:pt x="27" y="108"/>
+                      <a:pt x="53" y="70"/>
+                      <a:pt x="78" y="32"/>
+                    </a:cubicBezTo>
+                    <a:cubicBezTo>
+                      <a:pt x="84" y="24"/>
+                      <a:pt x="89" y="25"/>
+                      <a:pt x="96" y="28"/>
+                    </a:cubicBezTo>
+                    <a:cubicBezTo>
+                      <a:pt x="151" y="53"/>
+                      <a:pt x="206" y="77"/>
+                      <a:pt x="262" y="101"/>
+                    </a:cubicBezTo>
+                    <a:cubicBezTo>
+                      <a:pt x="313" y="124"/>
+                      <a:pt x="365" y="147"/>
+                      <a:pt x="417" y="170"/>
+                    </a:cubicBezTo>
+                    <a:cubicBezTo>
+                      <a:pt x="421" y="172"/>
+                      <a:pt x="429" y="170"/>
+                      <a:pt x="434" y="167"/>
+                    </a:cubicBezTo>
+                    <a:cubicBezTo>
+                      <a:pt x="531" y="116"/>
+                      <a:pt x="627" y="65"/>
+                      <a:pt x="724" y="13"/>
+                    </a:cubicBezTo>
+                    <a:cubicBezTo>
+                      <a:pt x="732" y="9"/>
+                      <a:pt x="740" y="5"/>
+                      <a:pt x="749" y="0"/>
+                    </a:cubicBezTo>
+                    <a:cubicBezTo>
+                      <a:pt x="781" y="48"/>
+                      <a:pt x="813" y="95"/>
+                      <a:pt x="845" y="143"/>
+                    </a:cubicBezTo>
+                    <a:cubicBezTo>
+                      <a:pt x="811" y="165"/>
+                      <a:pt x="777" y="186"/>
+                      <a:pt x="743" y="207"/>
+                    </a:cubicBezTo>
+                    <a:cubicBezTo>
+                      <a:pt x="645" y="269"/>
+                      <a:pt x="546" y="331"/>
+                      <a:pt x="448" y="393"/>
+                    </a:cubicBezTo>
+                    <a:cubicBezTo>
+                      <a:pt x="438" y="399"/>
+                      <a:pt x="431" y="400"/>
+                      <a:pt x="421" y="394"/>
+                    </a:cubicBezTo>
+                    <a:cubicBezTo>
+                      <a:pt x="284" y="313"/>
+                      <a:pt x="146" y="233"/>
+                      <a:pt x="8" y="153"/>
+                    </a:cubicBezTo>
+                    <a:cubicBezTo>
+                      <a:pt x="6" y="151"/>
+                      <a:pt x="3" y="149"/>
+                      <a:pt x="0" y="147"/>
+                    </a:cubicBezTo>
+                    <a:close/>
+                  </a:path>
+                </a:pathLst>
+              </a:custGeom>
+              <a:grpFill/>
+              <a:ln>
+                <a:noFill/>
+              </a:ln>
+            </p:spPr>
+            <p:txBody>
+              <a:bodyPr vert="horz" wrap="square" lIns="51435" tIns="25717" rIns="51435" bIns="25717" numCol="1" anchor="t" anchorCtr="0" compatLnSpc="1"/>
+              <a:lstStyle/>
+              <a:p>
+                <a:endParaRPr lang="zh-HK" altLang="en-US" sz="1015"/>
+              </a:p>
+            </p:txBody>
+          </p:sp>
+        </p:grpSp>
+      </p:grpSp>
+      <p:sp>
+        <p:nvSpPr>
+          <p:cNvPr id="9" name="文本框 8"/>
+          <p:cNvSpPr txBox="1"/>
+          <p:nvPr/>
+        </p:nvSpPr>
         <p:spPr>
           <a:xfrm>
-            <a:off x="7608408" y="122473"/>
-            <a:ext cx="1467011" cy="491720"/>
+            <a:off x="1680869" y="2425573"/>
+            <a:ext cx="4774523" cy="610870"/>
           </a:xfrm>
           <a:prstGeom prst="rect">
             <a:avLst/>
           </a:prstGeom>
+          <a:noFill/>
+          <a:effectLst/>
         </p:spPr>
-      </p:pic>
-      <p:sp>
-        <p:nvSpPr>
-          <p:cNvPr id="2" name="Text Box 1"/>
+        <p:txBody>
+          <a:bodyPr wrap="square" rtlCol="0">
+            <a:spAutoFit/>
+          </a:bodyPr>
+          <a:lstStyle/>
+          <a:p>
+            <a:r>
+              <a:rPr lang="zh-CN" altLang="en-US" sz="3375" dirty="0">
+                <a:ln/>
+                <a:solidFill>
+                  <a:schemeClr val="tx1"/>
+                </a:solidFill>
+                <a:effectLst>
+                  <a:outerShdw blurRad="38100" dist="19050" dir="2700000" algn="tl" rotWithShape="0">
+                    <a:schemeClr val="dk1">
+                      <a:alpha val="40000"/>
+                    </a:schemeClr>
+                  </a:outerShdw>
+                </a:effectLst>
+                <a:latin typeface="微软雅黑" panose="020B0503020204020204" charset="-122"/>
+                <a:ea typeface="微软雅黑" panose="020B0503020204020204" charset="-122"/>
+              </a:rPr>
+              <a:t>感谢各位老师！</a:t>
+            </a:r>
+            <a:endParaRPr lang="zh-CN" altLang="en-US" sz="3375" dirty="0">
+              <a:ln/>
+              <a:solidFill>
+                <a:schemeClr val="tx1"/>
+              </a:solidFill>
+              <a:effectLst>
+                <a:outerShdw blurRad="38100" dist="19050" dir="2700000" algn="tl" rotWithShape="0">
+                  <a:schemeClr val="dk1">
+                    <a:alpha val="40000"/>
+                  </a:schemeClr>
+                </a:outerShdw>
+              </a:effectLst>
+              <a:latin typeface="微软雅黑" panose="020B0503020204020204" charset="-122"/>
+              <a:ea typeface="微软雅黑" panose="020B0503020204020204" charset="-122"/>
+            </a:endParaRPr>
+          </a:p>
+        </p:txBody>
+      </p:sp>
+      <p:cxnSp>
+        <p:nvCxnSpPr>
+          <p:cNvPr id="30" name="直接连接符 29" descr="e7d195523061f1c0deeec63e560781cfd59afb0ea006f2a87ABB68BF51EA6619813959095094C18C62A12F549504892A4AAA8C1554C6663626E05CA27F281A14E6983772AFC3FB97135759321DEA3D7047B2D20B121D4E05A6D0F227958A32026FEBB3ABD36322023181A2FF8EA235E789B1C6FF9A70CDD2C90B48B40EB7806F7806DF616AB3CE63"/>
+          <p:cNvCxnSpPr/>
+          <p:nvPr/>
+        </p:nvCxnSpPr>
+        <p:spPr>
+          <a:xfrm rot="5400000">
+            <a:off x="2956885" y="1765352"/>
+            <a:ext cx="0" cy="3240000"/>
+          </a:xfrm>
+          <a:prstGeom prst="line">
+            <a:avLst/>
+          </a:prstGeom>
+          <a:ln>
+            <a:solidFill>
+              <a:srgbClr val="FEFEFE"/>
+            </a:solidFill>
+          </a:ln>
+        </p:spPr>
+        <p:style>
+          <a:lnRef idx="1">
+            <a:schemeClr val="accent1"/>
+          </a:lnRef>
+          <a:fillRef idx="0">
+            <a:schemeClr val="accent1"/>
+          </a:fillRef>
+          <a:effectRef idx="0">
+            <a:schemeClr val="accent1"/>
+          </a:effectRef>
+          <a:fontRef idx="minor">
+            <a:schemeClr val="tx1"/>
+          </a:fontRef>
+        </p:style>
+      </p:cxnSp>
+      <p:sp>
+        <p:nvSpPr>
+          <p:cNvPr id="29" name="文本框 28"/>
           <p:cNvSpPr txBox="1"/>
           <p:nvPr/>
         </p:nvSpPr>
         <p:spPr>
           <a:xfrm>
-            <a:off x="5195570" y="4758690"/>
-            <a:ext cx="3811270" cy="299085"/>
+            <a:off x="4650790" y="3644953"/>
+            <a:ext cx="3110230" cy="714375"/>
           </a:xfrm>
           <a:prstGeom prst="rect">
             <a:avLst/>
@@ -17625,437 +20089,160 @@
           <a:noFill/>
         </p:spPr>
         <p:txBody>
-          <a:bodyPr wrap="square" rtlCol="0">
+          <a:bodyPr wrap="none" rtlCol="0">
             <a:spAutoFit/>
           </a:bodyPr>
           <a:p>
-            <a:r>
-              <a:rPr lang="zh-CN" altLang="en-US" b="1">
-                <a:uFillTx/>
-                <a:sym typeface="+mn-ea"/>
-              </a:rPr>
-              <a:t>基于阅读理解形式的中文问答系统研究与实现</a:t>
-            </a:r>
-            <a:endParaRPr lang="en-US"/>
-          </a:p>
-        </p:txBody>
-      </p:sp>
-      <p:sp>
-        <p:nvSpPr>
-          <p:cNvPr id="6" name="Text Box 5"/>
-          <p:cNvSpPr txBox="1"/>
-          <p:nvPr/>
-        </p:nvSpPr>
-        <p:spPr>
-          <a:xfrm>
-            <a:off x="471170" y="217805"/>
-            <a:ext cx="3993515" cy="583565"/>
-          </a:xfrm>
-          <a:prstGeom prst="rect">
-            <a:avLst/>
-          </a:prstGeom>
-          <a:noFill/>
-        </p:spPr>
-        <p:txBody>
-          <a:bodyPr wrap="square" rtlCol="0">
-            <a:spAutoFit/>
-          </a:bodyPr>
-          <a:p>
-            <a:r>
-              <a:rPr lang="zh-CN" altLang="en-US" sz="3200">
-                <a:ln w="12700">
-                  <a:solidFill>
-                    <a:schemeClr val="tx2">
-                      <a:lumMod val="75000"/>
-                    </a:schemeClr>
-                  </a:solidFill>
-                  <a:prstDash val="solid"/>
-                </a:ln>
-                <a:pattFill prst="dkUpDiag">
-                  <a:fgClr>
-                    <a:schemeClr val="tx2"/>
-                  </a:fgClr>
-                  <a:bgClr>
-                    <a:schemeClr val="tx2">
-                      <a:lumMod val="20000"/>
-                      <a:lumOff val="80000"/>
-                    </a:schemeClr>
-                  </a:bgClr>
-                </a:pattFill>
+            <a:pPr algn="dist">
+              <a:lnSpc>
+                <a:spcPct val="150000"/>
+              </a:lnSpc>
+            </a:pPr>
+            <a:r>
+              <a:rPr lang="zh-CN" altLang="en-US" sz="1350" dirty="0">
+                <a:solidFill>
+                  <a:schemeClr val="tx1"/>
+                </a:solidFill>
                 <a:effectLst>
-                  <a:outerShdw dist="38100" dir="2640000" algn="bl" rotWithShape="0">
-                    <a:schemeClr val="tx2">
-                      <a:lumMod val="75000"/>
+                  <a:outerShdw blurRad="38100" dist="19050" dir="2700000" algn="tl" rotWithShape="0">
+                    <a:schemeClr val="dk1">
+                      <a:alpha val="40000"/>
                     </a:schemeClr>
                   </a:outerShdw>
                 </a:effectLst>
+                <a:latin typeface="微软雅黑" panose="020B0503020204020204" charset="-122"/>
+                <a:ea typeface="微软雅黑" panose="020B0503020204020204" charset="-122"/>
+                <a:cs typeface="Kartika" panose="02020503030404060203" pitchFamily="18" charset="0"/>
               </a:rPr>
-              <a:t>已完成进度</a:t>
-            </a:r>
-            <a:endParaRPr lang="zh-CN" altLang="en-US" sz="3200">
-              <a:ln w="12700">
-                <a:solidFill>
-                  <a:schemeClr val="tx2">
-                    <a:lumMod val="75000"/>
-                  </a:schemeClr>
-                </a:solidFill>
-                <a:prstDash val="solid"/>
-              </a:ln>
-              <a:pattFill prst="dkUpDiag">
-                <a:fgClr>
-                  <a:schemeClr val="tx2"/>
-                </a:fgClr>
-                <a:bgClr>
-                  <a:schemeClr val="tx2">
-                    <a:lumMod val="20000"/>
-                    <a:lumOff val="80000"/>
-                  </a:schemeClr>
-                </a:bgClr>
-              </a:pattFill>
+              <a:t>答辩人：孙相会</a:t>
+            </a:r>
+            <a:r>
+              <a:rPr lang="en-US" altLang="zh-CN" sz="1350" dirty="0">
+                <a:solidFill>
+                  <a:schemeClr val="tx1"/>
+                </a:solidFill>
+                <a:effectLst>
+                  <a:outerShdw blurRad="38100" dist="19050" dir="2700000" algn="tl" rotWithShape="0">
+                    <a:schemeClr val="dk1">
+                      <a:alpha val="40000"/>
+                    </a:schemeClr>
+                  </a:outerShdw>
+                </a:effectLst>
+                <a:latin typeface="微软雅黑" panose="020B0503020204020204" charset="-122"/>
+                <a:ea typeface="微软雅黑" panose="020B0503020204020204" charset="-122"/>
+                <a:cs typeface="Kartika" panose="02020503030404060203" pitchFamily="18" charset="0"/>
+              </a:rPr>
+              <a:t>     </a:t>
+            </a:r>
+            <a:r>
+              <a:rPr lang="zh-CN" altLang="en-US" sz="1350" dirty="0">
+                <a:solidFill>
+                  <a:schemeClr val="tx1"/>
+                </a:solidFill>
+                <a:effectLst>
+                  <a:outerShdw blurRad="38100" dist="19050" dir="2700000" algn="tl" rotWithShape="0">
+                    <a:schemeClr val="dk1">
+                      <a:alpha val="40000"/>
+                    </a:schemeClr>
+                  </a:outerShdw>
+                </a:effectLst>
+                <a:latin typeface="微软雅黑" panose="020B0503020204020204" charset="-122"/>
+                <a:ea typeface="微软雅黑" panose="020B0503020204020204" charset="-122"/>
+                <a:cs typeface="Kartika" panose="02020503030404060203" pitchFamily="18" charset="0"/>
+              </a:rPr>
+              <a:t>指导老师：  张天成</a:t>
+            </a:r>
+            <a:endParaRPr lang="en-US" altLang="zh-CN" sz="1350" dirty="0">
+              <a:solidFill>
+                <a:schemeClr val="tx1"/>
+              </a:solidFill>
               <a:effectLst>
-                <a:outerShdw dist="38100" dir="2640000" algn="bl" rotWithShape="0">
-                  <a:schemeClr val="tx2">
-                    <a:lumMod val="75000"/>
+                <a:outerShdw blurRad="38100" dist="19050" dir="2700000" algn="tl" rotWithShape="0">
+                  <a:schemeClr val="dk1">
+                    <a:alpha val="40000"/>
                   </a:schemeClr>
                 </a:outerShdw>
               </a:effectLst>
+              <a:latin typeface="微软雅黑" panose="020B0503020204020204" charset="-122"/>
+              <a:ea typeface="微软雅黑" panose="020B0503020204020204" charset="-122"/>
+              <a:cs typeface="Kartika" panose="02020503030404060203" pitchFamily="18" charset="0"/>
             </a:endParaRPr>
           </a:p>
-        </p:txBody>
-      </p:sp>
-      <p:sp>
-        <p:nvSpPr>
-          <p:cNvPr id="8" name="Text Box 7"/>
-          <p:cNvSpPr txBox="1"/>
-          <p:nvPr/>
-        </p:nvSpPr>
-        <p:spPr>
-          <a:xfrm>
-            <a:off x="912495" y="848360"/>
-            <a:ext cx="7964170" cy="368300"/>
-          </a:xfrm>
-          <a:prstGeom prst="rect">
-            <a:avLst/>
-          </a:prstGeom>
-          <a:noFill/>
-        </p:spPr>
-        <p:txBody>
-          <a:bodyPr wrap="square" rtlCol="0">
-            <a:spAutoFit/>
-          </a:bodyPr>
-          <a:p>
-            <a:r>
-              <a:rPr lang="zh-CN" altLang="en-US" sz="1800"/>
-              <a:t>已经构建好适合作为阅读理解模块的数据集，目前有样本。</a:t>
-            </a:r>
-            <a:endParaRPr lang="zh-CN" altLang="en-US" sz="1800"/>
-          </a:p>
-        </p:txBody>
-      </p:sp>
-      <p:sp>
-        <p:nvSpPr>
-          <p:cNvPr id="11" name="Text Box 10"/>
-          <p:cNvSpPr txBox="1"/>
-          <p:nvPr/>
-        </p:nvSpPr>
-        <p:spPr>
-          <a:xfrm>
-            <a:off x="871220" y="1216660"/>
-            <a:ext cx="7402195" cy="368300"/>
-          </a:xfrm>
-          <a:prstGeom prst="rect">
-            <a:avLst/>
-          </a:prstGeom>
-          <a:noFill/>
-        </p:spPr>
-        <p:txBody>
-          <a:bodyPr wrap="square" rtlCol="0">
-            <a:spAutoFit/>
-          </a:bodyPr>
-          <a:p>
-            <a:r>
-              <a:rPr lang="en-US" altLang="zh-CN" sz="1800"/>
-              <a:t> </a:t>
-            </a:r>
-            <a:r>
-              <a:rPr lang="zh-CN" altLang="en-US" sz="1800"/>
-              <a:t>已经构造好适合作为文本匹配模块的数据集，目前有样本。</a:t>
-            </a:r>
-            <a:endParaRPr lang="zh-CN" altLang="en-US" sz="1800"/>
-          </a:p>
-        </p:txBody>
-      </p:sp>
-      <p:sp>
-        <p:nvSpPr>
-          <p:cNvPr id="3" name="Text Box 2"/>
-          <p:cNvSpPr txBox="1"/>
-          <p:nvPr/>
-        </p:nvSpPr>
-        <p:spPr>
-          <a:xfrm>
-            <a:off x="1018540" y="1650365"/>
-            <a:ext cx="5986780" cy="299085"/>
-          </a:xfrm>
-          <a:prstGeom prst="rect">
-            <a:avLst/>
-          </a:prstGeom>
-          <a:noFill/>
-        </p:spPr>
-        <p:txBody>
-          <a:bodyPr wrap="square" rtlCol="0">
-            <a:spAutoFit/>
-          </a:bodyPr>
-          <a:p>
-            <a:r>
-              <a:rPr lang="zh-CN" altLang="en-US"/>
-              <a:t>实现了一个机器阅读理解模型</a:t>
-            </a:r>
-            <a:r>
-              <a:rPr lang="en-US" altLang="zh-CN"/>
-              <a:t>BiDAF</a:t>
-            </a:r>
-            <a:r>
-              <a:rPr lang="zh-CN" altLang="en-US"/>
-              <a:t>作为阅读理解模块的基线模型</a:t>
-            </a:r>
-            <a:endParaRPr lang="zh-CN" altLang="en-US"/>
-          </a:p>
-        </p:txBody>
-      </p:sp>
-      <p:sp>
-        <p:nvSpPr>
-          <p:cNvPr id="5" name="Text Box 4"/>
-          <p:cNvSpPr txBox="1"/>
-          <p:nvPr/>
-        </p:nvSpPr>
-        <p:spPr>
-          <a:xfrm>
-            <a:off x="1018540" y="1949450"/>
-            <a:ext cx="5507355" cy="299085"/>
-          </a:xfrm>
-          <a:prstGeom prst="rect">
-            <a:avLst/>
-          </a:prstGeom>
-          <a:noFill/>
-        </p:spPr>
-        <p:txBody>
-          <a:bodyPr wrap="square" rtlCol="0">
-            <a:spAutoFit/>
-          </a:bodyPr>
-          <a:p>
-            <a:r>
-              <a:rPr lang="zh-CN" altLang="en-US"/>
-              <a:t>实现了一个文本匹配模型</a:t>
-            </a:r>
-            <a:r>
-              <a:rPr lang="en-US" altLang="zh-CN"/>
-              <a:t>ESIM</a:t>
-            </a:r>
-            <a:r>
-              <a:rPr lang="zh-CN" altLang="en-US"/>
-              <a:t>作为文本匹配模块的基线模型</a:t>
-            </a:r>
-            <a:endParaRPr lang="zh-CN" altLang="en-US"/>
-          </a:p>
-        </p:txBody>
-      </p:sp>
-      <p:sp>
-        <p:nvSpPr>
-          <p:cNvPr id="17" name="Text Box 16"/>
-          <p:cNvSpPr txBox="1"/>
-          <p:nvPr/>
-        </p:nvSpPr>
-        <p:spPr>
-          <a:xfrm>
-            <a:off x="471170" y="2353310"/>
-            <a:ext cx="3993515" cy="583565"/>
-          </a:xfrm>
-          <a:prstGeom prst="rect">
-            <a:avLst/>
-          </a:prstGeom>
-          <a:noFill/>
-        </p:spPr>
-        <p:txBody>
-          <a:bodyPr wrap="square" rtlCol="0">
-            <a:spAutoFit/>
-          </a:bodyPr>
-          <a:p>
-            <a:r>
-              <a:rPr lang="zh-CN" altLang="en-US" sz="3200">
-                <a:ln w="12700">
-                  <a:solidFill>
-                    <a:schemeClr val="tx2">
-                      <a:lumMod val="75000"/>
-                    </a:schemeClr>
-                  </a:solidFill>
-                  <a:prstDash val="solid"/>
-                </a:ln>
-                <a:pattFill prst="dkUpDiag">
-                  <a:fgClr>
-                    <a:schemeClr val="tx2"/>
-                  </a:fgClr>
-                  <a:bgClr>
-                    <a:schemeClr val="tx2">
-                      <a:lumMod val="20000"/>
-                      <a:lumOff val="80000"/>
-                    </a:schemeClr>
-                  </a:bgClr>
-                </a:pattFill>
+          <a:p>
+            <a:pPr algn="dist">
+              <a:lnSpc>
+                <a:spcPct val="150000"/>
+              </a:lnSpc>
+            </a:pPr>
+            <a:r>
+              <a:rPr lang="zh-CN" altLang="en-US" sz="1350" dirty="0">
+                <a:solidFill>
+                  <a:schemeClr val="tx1"/>
+                </a:solidFill>
                 <a:effectLst>
-                  <a:outerShdw dist="38100" dir="2640000" algn="bl" rotWithShape="0">
-                    <a:schemeClr val="tx2">
-                      <a:lumMod val="75000"/>
+                  <a:outerShdw blurRad="38100" dist="19050" dir="2700000" algn="tl" rotWithShape="0">
+                    <a:schemeClr val="dk1">
+                      <a:alpha val="40000"/>
                     </a:schemeClr>
                   </a:outerShdw>
                 </a:effectLst>
+                <a:latin typeface="微软雅黑" panose="020B0503020204020204" charset="-122"/>
+                <a:ea typeface="微软雅黑" panose="020B0503020204020204" charset="-122"/>
+                <a:cs typeface="Kartika" panose="02020503030404060203" pitchFamily="18" charset="0"/>
               </a:rPr>
-              <a:t>预期研究计划</a:t>
-            </a:r>
-            <a:endParaRPr lang="zh-CN" altLang="en-US" sz="3200">
-              <a:ln w="12700">
-                <a:solidFill>
-                  <a:schemeClr val="tx2">
-                    <a:lumMod val="75000"/>
-                  </a:schemeClr>
-                </a:solidFill>
-                <a:prstDash val="solid"/>
-              </a:ln>
-              <a:pattFill prst="dkUpDiag">
-                <a:fgClr>
-                  <a:schemeClr val="tx2"/>
-                </a:fgClr>
-                <a:bgClr>
-                  <a:schemeClr val="tx2">
-                    <a:lumMod val="20000"/>
-                    <a:lumOff val="80000"/>
-                  </a:schemeClr>
-                </a:bgClr>
-              </a:pattFill>
+              <a:t>学号：</a:t>
+            </a:r>
+            <a:r>
+              <a:rPr lang="en-US" altLang="zh-CN" sz="1350" dirty="0">
+                <a:solidFill>
+                  <a:schemeClr val="tx1"/>
+                </a:solidFill>
+                <a:effectLst>
+                  <a:outerShdw blurRad="38100" dist="19050" dir="2700000" algn="tl" rotWithShape="0">
+                    <a:schemeClr val="dk1">
+                      <a:alpha val="40000"/>
+                    </a:schemeClr>
+                  </a:outerShdw>
+                </a:effectLst>
+                <a:latin typeface="微软雅黑" panose="020B0503020204020204" charset="-122"/>
+                <a:ea typeface="微软雅黑" panose="020B0503020204020204" charset="-122"/>
+                <a:cs typeface="Kartika" panose="02020503030404060203" pitchFamily="18" charset="0"/>
+              </a:rPr>
+              <a:t>1971654</a:t>
+            </a:r>
+            <a:r>
+              <a:rPr lang="zh-CN" altLang="en-US" sz="1350" dirty="0">
+                <a:solidFill>
+                  <a:schemeClr val="tx1"/>
+                </a:solidFill>
+                <a:effectLst>
+                  <a:outerShdw blurRad="38100" dist="19050" dir="2700000" algn="tl" rotWithShape="0">
+                    <a:schemeClr val="dk1">
+                      <a:alpha val="40000"/>
+                    </a:schemeClr>
+                  </a:outerShdw>
+                </a:effectLst>
+                <a:latin typeface="微软雅黑" panose="020B0503020204020204" charset="-122"/>
+                <a:ea typeface="微软雅黑" panose="020B0503020204020204" charset="-122"/>
+                <a:cs typeface="Kartika" panose="02020503030404060203" pitchFamily="18" charset="0"/>
+              </a:rPr>
+              <a:t>      专业：计算机技术</a:t>
+            </a:r>
+            <a:endParaRPr lang="zh-CN" altLang="en-US" sz="1350" dirty="0">
+              <a:solidFill>
+                <a:schemeClr val="tx1"/>
+              </a:solidFill>
               <a:effectLst>
-                <a:outerShdw dist="38100" dir="2640000" algn="bl" rotWithShape="0">
-                  <a:schemeClr val="tx2">
-                    <a:lumMod val="75000"/>
+                <a:outerShdw blurRad="38100" dist="19050" dir="2700000" algn="tl" rotWithShape="0">
+                  <a:schemeClr val="dk1">
+                    <a:alpha val="40000"/>
                   </a:schemeClr>
                 </a:outerShdw>
               </a:effectLst>
+              <a:latin typeface="微软雅黑" panose="020B0503020204020204" charset="-122"/>
+              <a:ea typeface="微软雅黑" panose="020B0503020204020204" charset="-122"/>
+              <a:cs typeface="Kartika" panose="02020503030404060203" pitchFamily="18" charset="0"/>
             </a:endParaRPr>
-          </a:p>
-        </p:txBody>
-      </p:sp>
-      <p:sp>
-        <p:nvSpPr>
-          <p:cNvPr id="18" name="Text Box 17"/>
-          <p:cNvSpPr txBox="1"/>
-          <p:nvPr/>
-        </p:nvSpPr>
-        <p:spPr>
-          <a:xfrm>
-            <a:off x="3261995" y="2353310"/>
-            <a:ext cx="5614670" cy="2584450"/>
-          </a:xfrm>
-          <a:prstGeom prst="rect">
-            <a:avLst/>
-          </a:prstGeom>
-          <a:noFill/>
-        </p:spPr>
-        <p:txBody>
-          <a:bodyPr wrap="square" rtlCol="0">
-            <a:spAutoFit/>
-          </a:bodyPr>
-          <a:p>
-            <a:r>
-              <a:rPr lang="en-US" altLang="zh-CN"/>
-              <a:t>1 </a:t>
-            </a:r>
-            <a:r>
-              <a:rPr lang="zh-CN" altLang="en-US"/>
-              <a:t>利用数据增强方案扩充阅读理解数据集，通过爬取中小学语文考试阅读理解选择题扩充文本匹配模块的数据集。</a:t>
-            </a:r>
-            <a:r>
-              <a:rPr lang="zh-CN" altLang="en-US">
-                <a:sym typeface="+mn-ea"/>
-              </a:rPr>
-              <a:t>提升阅读理解模块和文本匹配模块的泛化性。</a:t>
-            </a:r>
-            <a:endParaRPr lang="zh-CN" altLang="en-US">
-              <a:sym typeface="+mn-ea"/>
-            </a:endParaRPr>
-          </a:p>
-          <a:p>
-            <a:r>
-              <a:rPr lang="en-US" altLang="zh-CN">
-                <a:sym typeface="+mn-ea"/>
-              </a:rPr>
-              <a:t>2 </a:t>
-            </a:r>
-            <a:r>
-              <a:rPr lang="zh-CN" altLang="en-US">
-                <a:sym typeface="+mn-ea"/>
-              </a:rPr>
-              <a:t>实现基于知识蒸馏和</a:t>
-            </a:r>
-            <a:r>
-              <a:rPr lang="en-US" altLang="zh-CN">
-                <a:sym typeface="+mn-ea"/>
-              </a:rPr>
-              <a:t>Lattice-Transformer</a:t>
-            </a:r>
-            <a:r>
-              <a:rPr lang="zh-CN" altLang="en-US">
-                <a:sym typeface="+mn-ea"/>
-              </a:rPr>
-              <a:t>多轮交互机制的文本匹配模型，验证模型效果。</a:t>
-            </a:r>
-            <a:endParaRPr lang="zh-CN" altLang="en-US">
-              <a:sym typeface="+mn-ea"/>
-            </a:endParaRPr>
-          </a:p>
-          <a:p>
-            <a:r>
-              <a:rPr lang="en-US" altLang="zh-CN">
-                <a:sym typeface="+mn-ea"/>
-              </a:rPr>
-              <a:t>3 </a:t>
-            </a:r>
-            <a:r>
-              <a:rPr lang="zh-CN" altLang="en-US">
-                <a:sym typeface="+mn-ea"/>
-              </a:rPr>
-              <a:t>实现基于强化</a:t>
-            </a:r>
-            <a:r>
-              <a:rPr lang="en-US" altLang="zh-CN">
-                <a:sym typeface="+mn-ea"/>
-              </a:rPr>
-              <a:t>BERT</a:t>
-            </a:r>
-            <a:r>
-              <a:rPr lang="zh-CN" altLang="en-US">
-                <a:sym typeface="+mn-ea"/>
-              </a:rPr>
-              <a:t>结合答案验证的阅读理解模型，验证模型效果</a:t>
-            </a:r>
-            <a:endParaRPr lang="zh-CN" altLang="en-US"/>
-          </a:p>
-          <a:p>
-            <a:r>
-              <a:rPr lang="en-US" altLang="zh-CN"/>
-              <a:t>4 </a:t>
-            </a:r>
-            <a:r>
-              <a:rPr lang="zh-CN" altLang="en-US"/>
-              <a:t>利用强化学习中奖励的机制联合训练阅读理解模块和文本匹配模块，通过阅读理解模块预测的答案的准确性指导文本匹配模块尽可能选择相关度高的文档。</a:t>
-            </a:r>
-            <a:endParaRPr lang="zh-CN" altLang="en-US"/>
-          </a:p>
-          <a:p>
-            <a:endParaRPr lang="zh-CN" altLang="en-US"/>
-          </a:p>
-          <a:p>
-            <a:endParaRPr lang="zh-CN" altLang="en-US"/>
-          </a:p>
-          <a:p>
-            <a:endParaRPr lang="zh-CN" altLang="en-US"/>
           </a:p>
         </p:txBody>
       </p:sp>
@@ -18066,411 +20253,10 @@
   </p:clrMapOvr>
   <mc:AlternateContent xmlns:mc="http://schemas.openxmlformats.org/markup-compatibility/2006">
     <mc:Choice xmlns:p14="http://schemas.microsoft.com/office/powerpoint/2010/main" Requires="p14">
-      <p:transition spd="slow" p14:dur="2000"/>
+      <p:transition spd="slow" p14:dur="3000"/>
     </mc:Choice>
     <mc:Fallback>
       <p:transition spd="slow"/>
-    </mc:Fallback>
-  </mc:AlternateContent>
-  <p:timing>
-    <p:tnLst>
-      <p:par>
-        <p:cTn id="1" dur="indefinite" restart="never" nodeType="tmRoot"/>
-      </p:par>
-    </p:tnLst>
-  </p:timing>
-</p:sld>
-</file>
-
-<file path=ppt/slides/slide27.xml><?xml version="1.0" encoding="utf-8"?>
-<p:sld xmlns:a="http://schemas.openxmlformats.org/drawingml/2006/main" xmlns:r="http://schemas.openxmlformats.org/officeDocument/2006/relationships" xmlns:p="http://schemas.openxmlformats.org/presentationml/2006/main">
-  <p:cSld>
-    <p:spTree>
-      <p:nvGrpSpPr>
-        <p:cNvPr id="1" name=""/>
-        <p:cNvGrpSpPr/>
-        <p:nvPr/>
-      </p:nvGrpSpPr>
-      <p:grpSpPr/>
-      <p:sp>
-        <p:nvSpPr>
-          <p:cNvPr id="2" name="Title 1"/>
-          <p:cNvSpPr>
-            <a:spLocks noGrp="1"/>
-          </p:cNvSpPr>
-          <p:nvPr>
-            <p:ph type="title"/>
-          </p:nvPr>
-        </p:nvSpPr>
-        <p:spPr/>
-        <p:txBody>
-          <a:bodyPr/>
-          <a:p>
-            <a:r>
-              <a:rPr lang="en-US" altLang="en-US"/>
-              <a:t>BiDAF</a:t>
-            </a:r>
-            <a:endParaRPr lang="en-US" altLang="en-US"/>
-          </a:p>
-        </p:txBody>
-      </p:sp>
-      <p:pic>
-        <p:nvPicPr>
-          <p:cNvPr id="7" name="图片 3"/>
-          <p:cNvPicPr>
-            <a:picLocks noChangeAspect="1"/>
-          </p:cNvPicPr>
-          <p:nvPr/>
-        </p:nvPicPr>
-        <p:blipFill>
-          <a:blip r:embed="rId1" cstate="print">
-            <a:extLst>
-              <a:ext uri="{28A0092B-C50C-407E-A947-70E740481C1C}">
-                <a14:useLocalDpi xmlns:a14="http://schemas.microsoft.com/office/drawing/2010/main" val="0"/>
-              </a:ext>
-            </a:extLst>
-          </a:blip>
-          <a:stretch>
-            <a:fillRect/>
-          </a:stretch>
-        </p:blipFill>
-        <p:spPr>
-          <a:xfrm>
-            <a:off x="7600315" y="100330"/>
-            <a:ext cx="1467485" cy="490220"/>
-          </a:xfrm>
-          <a:prstGeom prst="rect">
-            <a:avLst/>
-          </a:prstGeom>
-        </p:spPr>
-      </p:pic>
-      <p:pic>
-        <p:nvPicPr>
-          <p:cNvPr id="4" name="Content Placeholder 3"/>
-          <p:cNvPicPr>
-            <a:picLocks noChangeAspect="1"/>
-          </p:cNvPicPr>
-          <p:nvPr>
-            <p:ph idx="1"/>
-          </p:nvPr>
-        </p:nvPicPr>
-        <p:blipFill>
-          <a:blip r:embed="rId2"/>
-          <a:stretch>
-            <a:fillRect/>
-          </a:stretch>
-        </p:blipFill>
-        <p:spPr>
-          <a:xfrm>
-            <a:off x="1283335" y="1845945"/>
-            <a:ext cx="6576060" cy="2308860"/>
-          </a:xfrm>
-          <a:prstGeom prst="rect">
-            <a:avLst/>
-          </a:prstGeom>
-        </p:spPr>
-      </p:pic>
-    </p:spTree>
-  </p:cSld>
-  <p:clrMapOvr>
-    <a:masterClrMapping/>
-  </p:clrMapOvr>
-  <mc:AlternateContent xmlns:mc="http://schemas.openxmlformats.org/markup-compatibility/2006">
-    <mc:Choice xmlns:p14="http://schemas.microsoft.com/office/powerpoint/2010/main" Requires="p14">
-      <p:transition spd="slow" p14:dur="2000" advTm="3000"/>
-    </mc:Choice>
-    <mc:Fallback>
-      <p:transition spd="slow" advTm="3000"/>
-    </mc:Fallback>
-  </mc:AlternateContent>
-</p:sld>
-</file>
-
-<file path=ppt/slides/slide28.xml><?xml version="1.0" encoding="utf-8"?>
-<p:sld xmlns:a="http://schemas.openxmlformats.org/drawingml/2006/main" xmlns:r="http://schemas.openxmlformats.org/officeDocument/2006/relationships" xmlns:p="http://schemas.openxmlformats.org/presentationml/2006/main">
-  <p:cSld>
-    <p:spTree>
-      <p:nvGrpSpPr>
-        <p:cNvPr id="1" name=""/>
-        <p:cNvGrpSpPr/>
-        <p:nvPr/>
-      </p:nvGrpSpPr>
-      <p:grpSpPr/>
-      <p:sp>
-        <p:nvSpPr>
-          <p:cNvPr id="2" name="Title 1"/>
-          <p:cNvSpPr>
-            <a:spLocks noGrp="1"/>
-          </p:cNvSpPr>
-          <p:nvPr>
-            <p:ph type="title"/>
-          </p:nvPr>
-        </p:nvSpPr>
-        <p:spPr/>
-        <p:txBody>
-          <a:bodyPr/>
-          <a:p>
-            <a:r>
-              <a:rPr lang="en-US" altLang="en-US"/>
-              <a:t>CMRC2018</a:t>
-            </a:r>
-            <a:endParaRPr lang="en-US" altLang="en-US"/>
-          </a:p>
-        </p:txBody>
-      </p:sp>
-      <p:pic>
-        <p:nvPicPr>
-          <p:cNvPr id="7" name="图片 3"/>
-          <p:cNvPicPr>
-            <a:picLocks noChangeAspect="1"/>
-          </p:cNvPicPr>
-          <p:nvPr/>
-        </p:nvPicPr>
-        <p:blipFill>
-          <a:blip r:embed="rId1" cstate="print">
-            <a:extLst>
-              <a:ext uri="{28A0092B-C50C-407E-A947-70E740481C1C}">
-                <a14:useLocalDpi xmlns:a14="http://schemas.microsoft.com/office/drawing/2010/main" val="0"/>
-              </a:ext>
-            </a:extLst>
-          </a:blip>
-          <a:stretch>
-            <a:fillRect/>
-          </a:stretch>
-        </p:blipFill>
-        <p:spPr>
-          <a:xfrm>
-            <a:off x="7600315" y="100330"/>
-            <a:ext cx="1467485" cy="490220"/>
-          </a:xfrm>
-          <a:prstGeom prst="rect">
-            <a:avLst/>
-          </a:prstGeom>
-        </p:spPr>
-      </p:pic>
-      <p:pic>
-        <p:nvPicPr>
-          <p:cNvPr id="4" name="Content Placeholder 3" descr="Screenshot from 2020-11-24 14-27-02"/>
-          <p:cNvPicPr>
-            <a:picLocks noChangeAspect="1"/>
-          </p:cNvPicPr>
-          <p:nvPr>
-            <p:ph idx="1"/>
-          </p:nvPr>
-        </p:nvPicPr>
-        <p:blipFill>
-          <a:blip r:embed="rId2"/>
-          <a:stretch>
-            <a:fillRect/>
-          </a:stretch>
-        </p:blipFill>
-        <p:spPr>
-          <a:xfrm>
-            <a:off x="1532255" y="1739900"/>
-            <a:ext cx="6447790" cy="2229485"/>
-          </a:xfrm>
-          <a:prstGeom prst="rect">
-            <a:avLst/>
-          </a:prstGeom>
-        </p:spPr>
-      </p:pic>
-    </p:spTree>
-  </p:cSld>
-  <p:clrMapOvr>
-    <a:masterClrMapping/>
-  </p:clrMapOvr>
-  <mc:AlternateContent xmlns:mc="http://schemas.openxmlformats.org/markup-compatibility/2006">
-    <mc:Choice xmlns:p14="http://schemas.microsoft.com/office/powerpoint/2010/main" Requires="p14">
-      <p:transition spd="slow" p14:dur="2000" advTm="3000"/>
-    </mc:Choice>
-    <mc:Fallback>
-      <p:transition spd="slow" advTm="3000"/>
-    </mc:Fallback>
-  </mc:AlternateContent>
-</p:sld>
-</file>
-
-<file path=ppt/slides/slide29.xml><?xml version="1.0" encoding="utf-8"?>
-<p:sld xmlns:a="http://schemas.openxmlformats.org/drawingml/2006/main" xmlns:r="http://schemas.openxmlformats.org/officeDocument/2006/relationships" xmlns:p="http://schemas.openxmlformats.org/presentationml/2006/main">
-  <p:cSld>
-    <p:spTree>
-      <p:nvGrpSpPr>
-        <p:cNvPr id="1" name=""/>
-        <p:cNvGrpSpPr/>
-        <p:nvPr/>
-      </p:nvGrpSpPr>
-      <p:grpSpPr/>
-      <p:sp>
-        <p:nvSpPr>
-          <p:cNvPr id="2" name="Title 1"/>
-          <p:cNvSpPr>
-            <a:spLocks noGrp="1"/>
-          </p:cNvSpPr>
-          <p:nvPr>
-            <p:ph type="title"/>
-          </p:nvPr>
-        </p:nvSpPr>
-        <p:spPr/>
-        <p:txBody>
-          <a:bodyPr/>
-          <a:p>
-            <a:endParaRPr lang="en-US"/>
-          </a:p>
-        </p:txBody>
-      </p:sp>
-      <p:pic>
-        <p:nvPicPr>
-          <p:cNvPr id="7" name="图片 3"/>
-          <p:cNvPicPr>
-            <a:picLocks noChangeAspect="1"/>
-          </p:cNvPicPr>
-          <p:nvPr/>
-        </p:nvPicPr>
-        <p:blipFill>
-          <a:blip r:embed="rId1" cstate="print">
-            <a:extLst>
-              <a:ext uri="{28A0092B-C50C-407E-A947-70E740481C1C}">
-                <a14:useLocalDpi xmlns:a14="http://schemas.microsoft.com/office/drawing/2010/main" val="0"/>
-              </a:ext>
-            </a:extLst>
-          </a:blip>
-          <a:stretch>
-            <a:fillRect/>
-          </a:stretch>
-        </p:blipFill>
-        <p:spPr>
-          <a:xfrm>
-            <a:off x="7600315" y="100330"/>
-            <a:ext cx="1467485" cy="490220"/>
-          </a:xfrm>
-          <a:prstGeom prst="rect">
-            <a:avLst/>
-          </a:prstGeom>
-        </p:spPr>
-      </p:pic>
-      <p:pic>
-        <p:nvPicPr>
-          <p:cNvPr id="5" name="Content Placeholder 4"/>
-          <p:cNvPicPr>
-            <a:picLocks noChangeAspect="1"/>
-          </p:cNvPicPr>
-          <p:nvPr>
-            <p:ph idx="1"/>
-          </p:nvPr>
-        </p:nvPicPr>
-        <p:blipFill>
-          <a:blip r:embed="rId2"/>
-          <a:stretch>
-            <a:fillRect/>
-          </a:stretch>
-        </p:blipFill>
-        <p:spPr>
-          <a:xfrm>
-            <a:off x="1901190" y="273685"/>
-            <a:ext cx="4347845" cy="2479675"/>
-          </a:xfrm>
-          <a:prstGeom prst="rect">
-            <a:avLst/>
-          </a:prstGeom>
-        </p:spPr>
-      </p:pic>
-      <p:pic>
-        <p:nvPicPr>
-          <p:cNvPr id="6" name="Picture 5"/>
-          <p:cNvPicPr>
-            <a:picLocks noChangeAspect="1"/>
-          </p:cNvPicPr>
-          <p:nvPr/>
-        </p:nvPicPr>
-        <p:blipFill>
-          <a:blip r:embed="rId3"/>
-          <a:stretch>
-            <a:fillRect/>
-          </a:stretch>
-        </p:blipFill>
-        <p:spPr>
-          <a:xfrm>
-            <a:off x="1901190" y="3145790"/>
-            <a:ext cx="4348480" cy="1358265"/>
-          </a:xfrm>
-          <a:prstGeom prst="rect">
-            <a:avLst/>
-          </a:prstGeom>
-        </p:spPr>
-      </p:pic>
-      <p:sp>
-        <p:nvSpPr>
-          <p:cNvPr id="8" name="Text Box 7"/>
-          <p:cNvSpPr txBox="1"/>
-          <p:nvPr/>
-        </p:nvSpPr>
-        <p:spPr>
-          <a:xfrm>
-            <a:off x="1362075" y="4639945"/>
-            <a:ext cx="6419850" cy="299085"/>
-          </a:xfrm>
-          <a:prstGeom prst="rect">
-            <a:avLst/>
-          </a:prstGeom>
-          <a:noFill/>
-        </p:spPr>
-        <p:txBody>
-          <a:bodyPr wrap="square" rtlCol="0">
-            <a:spAutoFit/>
-          </a:bodyPr>
-          <a:p>
-            <a:r>
-              <a:rPr lang="en-US"/>
-              <a:t>对文中引用张鷟的话的作用分析正确的</a:t>
-            </a:r>
-            <a:r>
-              <a:rPr lang="zh-CN" altLang="en-US"/>
-              <a:t>是生动形象地说明了赵州桥高度的技术水平</a:t>
-            </a:r>
-            <a:endParaRPr lang="zh-CN" altLang="en-US"/>
-          </a:p>
-        </p:txBody>
-      </p:sp>
-      <p:sp>
-        <p:nvSpPr>
-          <p:cNvPr id="9" name="Text Box 8"/>
-          <p:cNvSpPr txBox="1"/>
-          <p:nvPr/>
-        </p:nvSpPr>
-        <p:spPr>
-          <a:xfrm>
-            <a:off x="6702425" y="1527175"/>
-            <a:ext cx="1993265" cy="299085"/>
-          </a:xfrm>
-          <a:prstGeom prst="rect">
-            <a:avLst/>
-          </a:prstGeom>
-          <a:noFill/>
-        </p:spPr>
-        <p:txBody>
-          <a:bodyPr wrap="square" rtlCol="0">
-            <a:spAutoFit/>
-          </a:bodyPr>
-          <a:p>
-            <a:r>
-              <a:rPr lang="zh-CN" altLang="en-US"/>
-              <a:t>构造正样本</a:t>
-            </a:r>
-            <a:endParaRPr lang="zh-CN" altLang="en-US"/>
-          </a:p>
-        </p:txBody>
-      </p:sp>
-    </p:spTree>
-  </p:cSld>
-  <p:clrMapOvr>
-    <a:masterClrMapping/>
-  </p:clrMapOvr>
-  <mc:AlternateContent xmlns:mc="http://schemas.openxmlformats.org/markup-compatibility/2006">
-    <mc:Choice xmlns:p14="http://schemas.microsoft.com/office/powerpoint/2010/main" Requires="p14">
-      <p:transition spd="slow" p14:dur="2000" advTm="3000"/>
-    </mc:Choice>
-    <mc:Fallback>
-      <p:transition spd="slow" advTm="3000"/>
     </mc:Fallback>
   </mc:AlternateContent>
 </p:sld>
@@ -18767,7 +20553,6 @@
             </a:r>
             <a:r>
               <a:rPr lang="zh-CN" altLang="en-US" sz="1400" b="1">
-                <a:ln/>
                 <a:solidFill>
                   <a:srgbClr val="FF0000"/>
                 </a:solidFill>
@@ -18828,7 +20613,6 @@
             </a:pPr>
             <a:r>
               <a:rPr lang="zh-CN" altLang="en-US" sz="1400" b="1">
-                <a:ln/>
                 <a:solidFill>
                   <a:schemeClr val="tx1"/>
                 </a:solidFill>
@@ -18847,7 +20631,6 @@
             </a:r>
             <a:r>
               <a:rPr lang="zh-CN" altLang="en-US" sz="1400" b="1">
-                <a:ln/>
                 <a:solidFill>
                   <a:srgbClr val="FF0000"/>
                 </a:solidFill>
@@ -18866,7 +20649,6 @@
             </a:r>
             <a:r>
               <a:rPr lang="zh-CN" altLang="en-US" sz="1400" b="1">
-                <a:ln/>
                 <a:solidFill>
                   <a:schemeClr val="tx1"/>
                 </a:solidFill>
@@ -18884,7 +20666,6 @@
               <a:t>。</a:t>
             </a:r>
             <a:endParaRPr lang="zh-CN" altLang="en-US" sz="1400" b="1">
-              <a:ln/>
               <a:solidFill>
                 <a:schemeClr val="tx1"/>
               </a:solidFill>
@@ -18986,7 +20767,6 @@
             </a:pPr>
             <a:r>
               <a:rPr lang="zh-CN" altLang="en-US" sz="1300" b="1">
-                <a:ln/>
                 <a:solidFill>
                   <a:schemeClr val="tx1"/>
                 </a:solidFill>
@@ -19006,7 +20786,6 @@
             </a:r>
             <a:r>
               <a:rPr lang="zh-CN" altLang="en-US" sz="1300" b="1">
-                <a:ln/>
                 <a:solidFill>
                   <a:srgbClr val="FF0000"/>
                 </a:solidFill>
@@ -19026,7 +20805,6 @@
             </a:r>
             <a:r>
               <a:rPr lang="zh-CN" altLang="en-US" sz="1300" b="1">
-                <a:ln/>
                 <a:solidFill>
                   <a:schemeClr val="tx1"/>
                 </a:solidFill>
@@ -19045,7 +20823,6 @@
               <a:t>。</a:t>
             </a:r>
             <a:endParaRPr lang="zh-CN" altLang="en-US" sz="1300" b="1">
-              <a:ln/>
               <a:solidFill>
                 <a:schemeClr val="tx1"/>
               </a:solidFill>
@@ -19069,7 +20846,6 @@
             </a:pPr>
             <a:r>
               <a:rPr lang="zh-CN" altLang="en-US" sz="1300" b="1">
-                <a:ln/>
                 <a:solidFill>
                   <a:schemeClr val="tx1"/>
                 </a:solidFill>
@@ -19088,7 +20864,6 @@
             </a:r>
             <a:r>
               <a:rPr lang="zh-CN" altLang="en-US" sz="1300" b="1">
-                <a:ln/>
                 <a:solidFill>
                   <a:srgbClr val="FF0000"/>
                 </a:solidFill>
@@ -19107,7 +20882,6 @@
             </a:r>
             <a:r>
               <a:rPr lang="zh-CN" altLang="en-US" sz="1300" b="1">
-                <a:ln/>
                 <a:solidFill>
                   <a:schemeClr val="tx1"/>
                 </a:solidFill>
@@ -19125,7 +20899,6 @@
               <a:t>，不需再次筛选。</a:t>
             </a:r>
             <a:endParaRPr lang="zh-CN" altLang="en-US" sz="1300" b="1">
-              <a:ln/>
               <a:solidFill>
                 <a:schemeClr val="tx1"/>
               </a:solidFill>
@@ -19259,188 +21032,6 @@
       </p:par>
     </p:tnLst>
   </p:timing>
-</p:sld>
-</file>
-
-<file path=ppt/slides/slide30.xml><?xml version="1.0" encoding="utf-8"?>
-<p:sld xmlns:a="http://schemas.openxmlformats.org/drawingml/2006/main" xmlns:r="http://schemas.openxmlformats.org/officeDocument/2006/relationships" xmlns:p="http://schemas.openxmlformats.org/presentationml/2006/main">
-  <p:cSld>
-    <p:spTree>
-      <p:nvGrpSpPr>
-        <p:cNvPr id="1" name=""/>
-        <p:cNvGrpSpPr/>
-        <p:nvPr/>
-      </p:nvGrpSpPr>
-      <p:grpSpPr/>
-      <p:sp>
-        <p:nvSpPr>
-          <p:cNvPr id="2" name="Title 1"/>
-          <p:cNvSpPr>
-            <a:spLocks noGrp="1"/>
-          </p:cNvSpPr>
-          <p:nvPr>
-            <p:ph type="title"/>
-          </p:nvPr>
-        </p:nvSpPr>
-        <p:spPr/>
-        <p:txBody>
-          <a:bodyPr/>
-          <a:p>
-            <a:endParaRPr lang="en-US"/>
-          </a:p>
-        </p:txBody>
-      </p:sp>
-      <p:sp>
-        <p:nvSpPr>
-          <p:cNvPr id="3" name="Content Placeholder 2"/>
-          <p:cNvSpPr>
-            <a:spLocks noGrp="1"/>
-          </p:cNvSpPr>
-          <p:nvPr>
-            <p:ph idx="1"/>
-          </p:nvPr>
-        </p:nvSpPr>
-        <p:spPr/>
-        <p:txBody>
-          <a:bodyPr/>
-          <a:p>
-            <a:endParaRPr lang="en-US"/>
-          </a:p>
-        </p:txBody>
-      </p:sp>
-      <p:sp>
-        <p:nvSpPr>
-          <p:cNvPr id="4" name="Text Box 3"/>
-          <p:cNvSpPr txBox="1"/>
-          <p:nvPr/>
-        </p:nvSpPr>
-        <p:spPr>
-          <a:xfrm>
-            <a:off x="2228215" y="1551305"/>
-            <a:ext cx="6374765" cy="506730"/>
-          </a:xfrm>
-          <a:prstGeom prst="rect">
-            <a:avLst/>
-          </a:prstGeom>
-          <a:noFill/>
-        </p:spPr>
-        <p:txBody>
-          <a:bodyPr wrap="square" rtlCol="0">
-            <a:spAutoFit/>
-          </a:bodyPr>
-          <a:p>
-            <a:r>
-              <a:rPr lang="zh-CN" altLang="en-US"/>
-              <a:t>机器阅读理解是问答系统的核心模块，通过理解用户问题、理解相关文档，返还给用户精准的答案。</a:t>
-            </a:r>
-            <a:endParaRPr lang="zh-CN" altLang="en-US"/>
-          </a:p>
-        </p:txBody>
-      </p:sp>
-    </p:spTree>
-  </p:cSld>
-  <p:clrMapOvr>
-    <a:masterClrMapping/>
-  </p:clrMapOvr>
-  <mc:AlternateContent xmlns:mc="http://schemas.openxmlformats.org/markup-compatibility/2006">
-    <mc:Choice xmlns:p14="http://schemas.microsoft.com/office/powerpoint/2010/main" Requires="p14">
-      <p:transition spd="slow" p14:dur="2000" advTm="3000"/>
-    </mc:Choice>
-    <mc:Fallback>
-      <p:transition spd="slow" advTm="3000"/>
-    </mc:Fallback>
-  </mc:AlternateContent>
-</p:sld>
-</file>
-
-<file path=ppt/slides/slide31.xml><?xml version="1.0" encoding="utf-8"?>
-<p:sld xmlns:a="http://schemas.openxmlformats.org/drawingml/2006/main" xmlns:r="http://schemas.openxmlformats.org/officeDocument/2006/relationships" xmlns:p="http://schemas.openxmlformats.org/presentationml/2006/main">
-  <p:cSld>
-    <p:spTree>
-      <p:nvGrpSpPr>
-        <p:cNvPr id="1" name=""/>
-        <p:cNvGrpSpPr/>
-        <p:nvPr/>
-      </p:nvGrpSpPr>
-      <p:grpSpPr/>
-      <p:sp>
-        <p:nvSpPr>
-          <p:cNvPr id="2" name="Title 1"/>
-          <p:cNvSpPr>
-            <a:spLocks noGrp="1"/>
-          </p:cNvSpPr>
-          <p:nvPr>
-            <p:ph type="title"/>
-          </p:nvPr>
-        </p:nvSpPr>
-        <p:spPr/>
-        <p:txBody>
-          <a:bodyPr/>
-          <a:p>
-            <a:endParaRPr lang="en-US"/>
-          </a:p>
-        </p:txBody>
-      </p:sp>
-      <p:sp>
-        <p:nvSpPr>
-          <p:cNvPr id="3" name="Content Placeholder 2"/>
-          <p:cNvSpPr>
-            <a:spLocks noGrp="1"/>
-          </p:cNvSpPr>
-          <p:nvPr>
-            <p:ph idx="1"/>
-          </p:nvPr>
-        </p:nvSpPr>
-        <p:spPr/>
-        <p:txBody>
-          <a:bodyPr/>
-          <a:p>
-            <a:endParaRPr lang="en-US"/>
-          </a:p>
-        </p:txBody>
-      </p:sp>
-      <p:sp>
-        <p:nvSpPr>
-          <p:cNvPr id="4" name="Text Box 3"/>
-          <p:cNvSpPr txBox="1"/>
-          <p:nvPr/>
-        </p:nvSpPr>
-        <p:spPr>
-          <a:xfrm>
-            <a:off x="2228215" y="1551305"/>
-            <a:ext cx="6374765" cy="506730"/>
-          </a:xfrm>
-          <a:prstGeom prst="rect">
-            <a:avLst/>
-          </a:prstGeom>
-          <a:noFill/>
-        </p:spPr>
-        <p:txBody>
-          <a:bodyPr wrap="square" rtlCol="0">
-            <a:spAutoFit/>
-          </a:bodyPr>
-          <a:p>
-            <a:r>
-              <a:rPr lang="zh-CN" altLang="en-US"/>
-              <a:t>机器阅读理解是问答系统的核心模块，通过理解用户问题、理解相关文档，返还给用户精准的答案。</a:t>
-            </a:r>
-            <a:endParaRPr lang="zh-CN" altLang="en-US"/>
-          </a:p>
-        </p:txBody>
-      </p:sp>
-    </p:spTree>
-  </p:cSld>
-  <p:clrMapOvr>
-    <a:masterClrMapping/>
-  </p:clrMapOvr>
-  <mc:AlternateContent xmlns:mc="http://schemas.openxmlformats.org/markup-compatibility/2006">
-    <mc:Choice xmlns:p14="http://schemas.microsoft.com/office/powerpoint/2010/main" Requires="p14">
-      <p:transition spd="slow" p14:dur="2000" advTm="3000"/>
-    </mc:Choice>
-    <mc:Fallback>
-      <p:transition spd="slow" advTm="3000"/>
-    </mc:Fallback>
-  </mc:AlternateContent>
 </p:sld>
 </file>
 
@@ -20958,15 +22549,60 @@
         <p:txBody>
           <a:bodyPr wrap="square" rtlCol="0">
             <a:spAutoFit/>
-            <a:scene3d>
-              <a:camera prst="orthographicFront"/>
-              <a:lightRig rig="threePt" dir="t"/>
-            </a:scene3d>
           </a:bodyPr>
           <a:p>
             <a:r>
               <a:rPr lang="zh-CN" altLang="en-US" sz="1600">
                 <a:ln/>
+                <a:solidFill>
+                  <a:schemeClr val="tx1"/>
+                </a:solidFill>
+                <a:effectLst>
+                  <a:outerShdw blurRad="38100" dist="19050" dir="2700000" algn="tl" rotWithShape="0">
+                    <a:schemeClr val="dk1">
+                      <a:alpha val="40000"/>
+                    </a:schemeClr>
+                  </a:outerShdw>
+                </a:effectLst>
+                <a:sym typeface="+mn-ea"/>
+              </a:rPr>
+              <a:t>给定问题和与问题相关的一篇或多篇文章，</a:t>
+            </a:r>
+            <a:endParaRPr lang="zh-CN" altLang="en-US" sz="1600">
+              <a:ln/>
+              <a:solidFill>
+                <a:schemeClr val="tx1"/>
+              </a:solidFill>
+              <a:effectLst>
+                <a:outerShdw blurRad="38100" dist="19050" dir="2700000" algn="tl" rotWithShape="0">
+                  <a:schemeClr val="dk1">
+                    <a:alpha val="40000"/>
+                  </a:schemeClr>
+                </a:outerShdw>
+              </a:effectLst>
+              <a:sym typeface="+mn-ea"/>
+            </a:endParaRPr>
+          </a:p>
+          <a:p>
+            <a:r>
+              <a:rPr lang="zh-CN" altLang="en-US" sz="1600">
+                <a:ln/>
+                <a:solidFill>
+                  <a:schemeClr val="tx1"/>
+                </a:solidFill>
+                <a:effectLst>
+                  <a:outerShdw blurRad="38100" dist="19050" dir="2700000" algn="tl" rotWithShape="0">
+                    <a:schemeClr val="dk1">
+                      <a:alpha val="40000"/>
+                    </a:schemeClr>
+                  </a:outerShdw>
+                </a:effectLst>
+                <a:sym typeface="+mn-ea"/>
+              </a:rPr>
+              <a:t>机器通过阅读文章之后，从这些文章中给出答案</a:t>
+            </a:r>
+            <a:r>
+              <a:rPr lang="zh-CN" altLang="en-US" sz="1600">
                 <a:solidFill>
                   <a:schemeClr val="accent1"/>
                 </a:solidFill>
@@ -20979,43 +22615,9 @@
                 </a:effectLst>
                 <a:sym typeface="+mn-ea"/>
               </a:rPr>
-              <a:t>给定问题和与问题相关的一篇或多篇文章，</a:t>
+              <a:t>。</a:t>
             </a:r>
             <a:endParaRPr lang="zh-CN" altLang="en-US" sz="1600">
-              <a:ln/>
-              <a:solidFill>
-                <a:schemeClr val="accent1"/>
-              </a:solidFill>
-              <a:effectLst>
-                <a:outerShdw blurRad="38100" dist="25400" dir="5400000" algn="ctr" rotWithShape="0">
-                  <a:srgbClr val="6E747A">
-                    <a:alpha val="43000"/>
-                  </a:srgbClr>
-                </a:outerShdw>
-              </a:effectLst>
-              <a:sym typeface="+mn-ea"/>
-            </a:endParaRPr>
-          </a:p>
-          <a:p>
-            <a:r>
-              <a:rPr lang="zh-CN" altLang="en-US" sz="1600">
-                <a:ln/>
-                <a:solidFill>
-                  <a:schemeClr val="accent1"/>
-                </a:solidFill>
-                <a:effectLst>
-                  <a:outerShdw blurRad="38100" dist="25400" dir="5400000" algn="ctr" rotWithShape="0">
-                    <a:srgbClr val="6E747A">
-                      <a:alpha val="43000"/>
-                    </a:srgbClr>
-                  </a:outerShdw>
-                </a:effectLst>
-                <a:sym typeface="+mn-ea"/>
-              </a:rPr>
-              <a:t>机器通过阅读文章之后，从这些文章中给出答案。</a:t>
-            </a:r>
-            <a:endParaRPr lang="zh-CN" altLang="en-US" sz="1600">
-              <a:ln/>
               <a:solidFill>
                 <a:schemeClr val="accent1"/>
               </a:solidFill>
@@ -21030,7 +22632,6 @@
           </a:p>
           <a:p>
             <a:endParaRPr lang="zh-CN" altLang="en-US" sz="1600">
-              <a:ln/>
               <a:solidFill>
                 <a:schemeClr val="accent1"/>
               </a:solidFill>
@@ -21102,7 +22703,7 @@
         <p:spPr>
           <a:xfrm>
             <a:off x="1875790" y="1065530"/>
-            <a:ext cx="5026660" cy="3404870"/>
+            <a:ext cx="3856355" cy="3404870"/>
           </a:xfrm>
           <a:prstGeom prst="rect">
             <a:avLst/>
@@ -21147,7 +22748,7 @@
         </p:nvSpPr>
         <p:spPr>
           <a:xfrm>
-            <a:off x="5921375" y="3521710"/>
+            <a:off x="4445635" y="3552190"/>
             <a:ext cx="2918460" cy="714375"/>
           </a:xfrm>
           <a:prstGeom prst="rect">
@@ -23458,7 +25059,7 @@
                 </a:effectLst>
                 <a:sym typeface="+mn-ea"/>
               </a:rPr>
-              <a:t>预期研究成果</a:t>
+              <a:t>预期研究计划</a:t>
             </a:r>
             <a:endParaRPr lang="zh-CN" altLang="en-US" sz="3200">
               <a:ln w="10160">
@@ -23568,7 +25169,7 @@
         </p:blipFill>
         <p:spPr>
           <a:xfrm>
-            <a:off x="3997960" y="2118995"/>
+            <a:off x="3997960" y="1677670"/>
             <a:ext cx="5077460" cy="2858770"/>
           </a:xfrm>
           <a:prstGeom prst="rect">
@@ -23686,7 +25287,6 @@
             </a:pPr>
             <a:r>
               <a:rPr lang="en-US" sz="1600">
-                <a:ln/>
                 <a:solidFill>
                   <a:schemeClr val="tx1"/>
                 </a:solidFill>
@@ -23704,7 +25304,6 @@
             </a:r>
             <a:r>
               <a:rPr lang="zh-CN" altLang="en-US" sz="1600">
-                <a:ln/>
                 <a:solidFill>
                   <a:schemeClr val="tx1"/>
                 </a:solidFill>
@@ -23722,7 +25321,6 @@
             </a:r>
             <a:r>
               <a:rPr lang="en-US" sz="1600">
-                <a:ln/>
                 <a:solidFill>
                   <a:schemeClr val="tx1"/>
                 </a:solidFill>
@@ -23740,7 +25338,6 @@
             </a:r>
             <a:r>
               <a:rPr lang="zh-CN" altLang="en-US" sz="1600">
-                <a:ln/>
                 <a:solidFill>
                   <a:schemeClr val="tx1"/>
                 </a:solidFill>
@@ -23757,7 +25354,6 @@
               <a:t>；</a:t>
             </a:r>
             <a:endParaRPr lang="zh-CN" altLang="en-US" sz="1600">
-              <a:ln/>
               <a:solidFill>
                 <a:schemeClr val="tx1"/>
               </a:solidFill>
@@ -23779,7 +25375,6 @@
             </a:pPr>
             <a:r>
               <a:rPr lang="en-US" sz="1600">
-                <a:ln/>
                 <a:solidFill>
                   <a:schemeClr val="tx1"/>
                 </a:solidFill>
@@ -23797,7 +25392,6 @@
             </a:r>
             <a:r>
               <a:rPr lang="zh-CN" altLang="en-US" sz="1600">
-                <a:ln/>
                 <a:solidFill>
                   <a:schemeClr val="tx1"/>
                 </a:solidFill>
@@ -23815,7 +25409,6 @@
             </a:r>
             <a:r>
               <a:rPr lang="en-US" sz="1600">
-                <a:ln/>
                 <a:solidFill>
                   <a:schemeClr val="tx1"/>
                 </a:solidFill>
@@ -23833,7 +25426,6 @@
             </a:r>
             <a:r>
               <a:rPr lang="zh-CN" altLang="en-US" sz="1600">
-                <a:ln/>
                 <a:solidFill>
                   <a:schemeClr val="tx1"/>
                 </a:solidFill>
@@ -23850,7 +25442,6 @@
               <a:t>；</a:t>
             </a:r>
             <a:endParaRPr lang="zh-CN" altLang="en-US" sz="1600">
-              <a:ln/>
               <a:solidFill>
                 <a:schemeClr val="tx1"/>
               </a:solidFill>
@@ -23863,6 +25454,165 @@
               </a:effectLst>
               <a:latin typeface="华文中宋" panose="02010600040101010101" charset="-122"/>
               <a:ea typeface="华文中宋" panose="02010600040101010101" charset="-122"/>
+            </a:endParaRPr>
+          </a:p>
+        </p:txBody>
+      </p:sp>
+      <p:sp>
+        <p:nvSpPr>
+          <p:cNvPr id="8" name="Text Box 7"/>
+          <p:cNvSpPr txBox="1"/>
+          <p:nvPr/>
+        </p:nvSpPr>
+        <p:spPr>
+          <a:xfrm>
+            <a:off x="128270" y="4256405"/>
+            <a:ext cx="6282690" cy="645160"/>
+          </a:xfrm>
+          <a:prstGeom prst="rect">
+            <a:avLst/>
+          </a:prstGeom>
+          <a:noFill/>
+        </p:spPr>
+        <p:txBody>
+          <a:bodyPr wrap="square" rtlCol="0">
+            <a:spAutoFit/>
+          </a:bodyPr>
+          <a:p>
+            <a:pPr marL="342900" indent="-342900">
+              <a:buFont typeface="+mj-lt"/>
+              <a:buAutoNum type="arabicPeriod"/>
+            </a:pPr>
+            <a:r>
+              <a:rPr lang="zh-CN" altLang="en-US" sz="1200">
+                <a:ln/>
+                <a:solidFill>
+                  <a:schemeClr val="tx1"/>
+                </a:solidFill>
+                <a:effectLst>
+                  <a:outerShdw blurRad="38100" dist="19050" dir="2700000" algn="tl" rotWithShape="0">
+                    <a:schemeClr val="dk1">
+                      <a:alpha val="40000"/>
+                    </a:schemeClr>
+                  </a:outerShdw>
+                </a:effectLst>
+              </a:rPr>
+              <a:t>将用户问题传输到搜索引擎接口。</a:t>
+            </a:r>
+            <a:endParaRPr lang="zh-CN" altLang="en-US" sz="1200">
+              <a:ln/>
+              <a:solidFill>
+                <a:schemeClr val="tx1"/>
+              </a:solidFill>
+              <a:effectLst>
+                <a:outerShdw blurRad="38100" dist="19050" dir="2700000" algn="tl" rotWithShape="0">
+                  <a:schemeClr val="dk1">
+                    <a:alpha val="40000"/>
+                  </a:schemeClr>
+                </a:outerShdw>
+              </a:effectLst>
+            </a:endParaRPr>
+          </a:p>
+          <a:p>
+            <a:pPr marL="342900" indent="-342900">
+              <a:buFont typeface="+mj-lt"/>
+              <a:buAutoNum type="arabicPeriod"/>
+            </a:pPr>
+            <a:r>
+              <a:rPr lang="zh-CN" altLang="en-US" sz="1200">
+                <a:ln/>
+                <a:solidFill>
+                  <a:schemeClr val="tx1"/>
+                </a:solidFill>
+                <a:effectLst>
+                  <a:outerShdw blurRad="38100" dist="19050" dir="2700000" algn="tl" rotWithShape="0">
+                    <a:schemeClr val="dk1">
+                      <a:alpha val="40000"/>
+                    </a:schemeClr>
+                  </a:outerShdw>
+                </a:effectLst>
+              </a:rPr>
+              <a:t>从搜索引擎检索出来的网页链接文档中匹配出与问题相关度较高的</a:t>
+            </a:r>
+            <a:r>
+              <a:rPr lang="en-US" altLang="zh-CN" sz="1200">
+                <a:ln/>
+                <a:solidFill>
+                  <a:schemeClr val="tx1"/>
+                </a:solidFill>
+                <a:effectLst>
+                  <a:outerShdw blurRad="38100" dist="19050" dir="2700000" algn="tl" rotWithShape="0">
+                    <a:schemeClr val="dk1">
+                      <a:alpha val="40000"/>
+                    </a:schemeClr>
+                  </a:outerShdw>
+                </a:effectLst>
+              </a:rPr>
+              <a:t>K</a:t>
+            </a:r>
+            <a:r>
+              <a:rPr lang="zh-CN" altLang="en-US" sz="1200">
+                <a:ln/>
+                <a:solidFill>
+                  <a:schemeClr val="tx1"/>
+                </a:solidFill>
+                <a:effectLst>
+                  <a:outerShdw blurRad="38100" dist="19050" dir="2700000" algn="tl" rotWithShape="0">
+                    <a:schemeClr val="dk1">
+                      <a:alpha val="40000"/>
+                    </a:schemeClr>
+                  </a:outerShdw>
+                </a:effectLst>
+              </a:rPr>
+              <a:t>篇文档。</a:t>
+            </a:r>
+            <a:endParaRPr lang="zh-CN" altLang="en-US" sz="1200">
+              <a:ln/>
+              <a:solidFill>
+                <a:schemeClr val="tx1"/>
+              </a:solidFill>
+              <a:effectLst>
+                <a:outerShdw blurRad="38100" dist="19050" dir="2700000" algn="tl" rotWithShape="0">
+                  <a:schemeClr val="dk1">
+                    <a:alpha val="40000"/>
+                  </a:schemeClr>
+                </a:outerShdw>
+              </a:effectLst>
+            </a:endParaRPr>
+          </a:p>
+          <a:p>
+            <a:pPr marL="342900" indent="-342900">
+              <a:buFont typeface="+mj-lt"/>
+              <a:buAutoNum type="arabicPeriod"/>
+            </a:pPr>
+            <a:r>
+              <a:rPr lang="zh-CN" altLang="en-US" sz="1200">
+                <a:ln/>
+                <a:solidFill>
+                  <a:schemeClr val="tx1"/>
+                </a:solidFill>
+                <a:effectLst>
+                  <a:outerShdw blurRad="38100" dist="19050" dir="2700000" algn="tl" rotWithShape="0">
+                    <a:schemeClr val="dk1">
+                      <a:alpha val="40000"/>
+                    </a:schemeClr>
+                  </a:outerShdw>
+                </a:effectLst>
+              </a:rPr>
+              <a:t>阅读这些文档，寻找最精确的答案。</a:t>
+            </a:r>
+            <a:endParaRPr lang="zh-CN" altLang="en-US" sz="1200">
+              <a:ln/>
+              <a:solidFill>
+                <a:schemeClr val="tx1"/>
+              </a:solidFill>
+              <a:effectLst>
+                <a:outerShdw blurRad="38100" dist="19050" dir="2700000" algn="tl" rotWithShape="0">
+                  <a:schemeClr val="dk1">
+                    <a:alpha val="40000"/>
+                  </a:schemeClr>
+                </a:outerShdw>
+              </a:effectLst>
             </a:endParaRPr>
           </a:p>
         </p:txBody>

--- a/孙相会.pptx
+++ b/孙相会.pptx
@@ -13007,7 +13007,6 @@
           <a:p>
             <a:r>
               <a:rPr lang="zh-CN" altLang="en-US" sz="2665">
-                <a:ln/>
                 <a:solidFill>
                   <a:schemeClr val="tx1"/>
                 </a:solidFill>
@@ -13023,7 +13022,6 @@
             </a:r>
             <a:r>
               <a:rPr lang="en-US" altLang="zh-CN" sz="2665">
-                <a:ln/>
                 <a:solidFill>
                   <a:schemeClr val="tx1"/>
                 </a:solidFill>
@@ -13039,7 +13037,6 @@
             </a:r>
             <a:r>
               <a:rPr lang="zh-CN" altLang="en-US" sz="2665">
-                <a:ln/>
                 <a:solidFill>
                   <a:schemeClr val="tx1"/>
                 </a:solidFill>
@@ -13054,7 +13051,6 @@
               <a:t>的效果</a:t>
             </a:r>
             <a:endParaRPr lang="zh-CN" altLang="en-US" sz="2665">
-              <a:ln/>
               <a:solidFill>
                 <a:schemeClr val="tx1"/>
               </a:solidFill>
@@ -18400,7 +18396,6 @@
           <a:p>
             <a:r>
               <a:rPr lang="zh-CN" altLang="en-US" sz="3200">
-                <a:ln/>
                 <a:solidFill>
                   <a:schemeClr val="tx1"/>
                 </a:solidFill>
@@ -18415,7 +18410,6 @@
               <a:t>文本匹配数据集的增强</a:t>
             </a:r>
             <a:endParaRPr lang="zh-CN" altLang="en-US" sz="3200">
-              <a:ln/>
               <a:solidFill>
                 <a:schemeClr val="tx1"/>
               </a:solidFill>
@@ -18945,7 +18939,6 @@
           <a:p>
             <a:r>
               <a:rPr lang="zh-CN" altLang="en-US" sz="3200">
-                <a:ln/>
                 <a:solidFill>
                   <a:schemeClr val="tx1"/>
                 </a:solidFill>
@@ -18960,7 +18953,6 @@
               <a:t>相关技术实践</a:t>
             </a:r>
             <a:endParaRPr lang="zh-CN" altLang="en-US" sz="3200">
-              <a:ln/>
               <a:solidFill>
                 <a:schemeClr val="tx1"/>
               </a:solidFill>
@@ -18984,7 +18976,7 @@
         <p:spPr>
           <a:xfrm>
             <a:off x="684530" y="904240"/>
-            <a:ext cx="7994650" cy="583565"/>
+            <a:ext cx="7994650" cy="829945"/>
           </a:xfrm>
           <a:prstGeom prst="rect">
             <a:avLst/>
@@ -19002,7 +18994,6 @@
             </a:pPr>
             <a:r>
               <a:rPr lang="zh-CN" altLang="en-US" sz="1600">
-                <a:ln/>
                 <a:solidFill>
                   <a:schemeClr val="tx1"/>
                 </a:solidFill>
@@ -19018,7 +19009,6 @@
               <a:t>知识蒸馏</a:t>
             </a:r>
             <a:endParaRPr lang="zh-CN" altLang="en-US" sz="1600">
-              <a:ln/>
               <a:solidFill>
                 <a:schemeClr val="tx1"/>
               </a:solidFill>
@@ -19039,7 +19029,6 @@
             </a:pPr>
             <a:r>
               <a:rPr lang="zh-CN" altLang="en-US" sz="1600">
-                <a:ln/>
                 <a:solidFill>
                   <a:schemeClr val="tx1"/>
                 </a:solidFill>
@@ -19055,7 +19044,41 @@
               <a:t>问题生成</a:t>
             </a:r>
             <a:endParaRPr lang="zh-CN" altLang="en-US" sz="1600">
-              <a:ln/>
+              <a:solidFill>
+                <a:schemeClr val="tx1"/>
+              </a:solidFill>
+              <a:effectLst>
+                <a:outerShdw blurRad="38100" dist="19050" dir="2700000" algn="tl" rotWithShape="0">
+                  <a:schemeClr val="dk1">
+                    <a:alpha val="40000"/>
+                  </a:schemeClr>
+                </a:outerShdw>
+              </a:effectLst>
+              <a:sym typeface="+mn-ea"/>
+            </a:endParaRPr>
+          </a:p>
+          <a:p>
+            <a:pPr marL="285750" indent="-285750">
+              <a:buFont typeface="Wingdings" panose="05000000000000000000" charset="0"/>
+              <a:buChar char="Ø"/>
+            </a:pPr>
+            <a:r>
+              <a:rPr lang="zh-CN" altLang="en-US" sz="1600">
+                <a:solidFill>
+                  <a:schemeClr val="tx1"/>
+                </a:solidFill>
+                <a:effectLst>
+                  <a:outerShdw blurRad="38100" dist="19050" dir="2700000" algn="tl" rotWithShape="0">
+                    <a:schemeClr val="dk1">
+                      <a:alpha val="40000"/>
+                    </a:schemeClr>
+                  </a:outerShdw>
+                </a:effectLst>
+                <a:sym typeface="+mn-ea"/>
+              </a:rPr>
+              <a:t>构建系统需要的技术</a:t>
+            </a:r>
+            <a:endParaRPr lang="zh-CN" altLang="en-US" sz="1600">
               <a:solidFill>
                 <a:schemeClr val="tx1"/>
               </a:solidFill>
@@ -20003,7 +20026,6 @@
           <a:p>
             <a:r>
               <a:rPr lang="zh-CN" altLang="en-US" sz="3375" dirty="0">
-                <a:ln/>
                 <a:solidFill>
                   <a:schemeClr val="tx1"/>
                 </a:solidFill>
@@ -20020,7 +20042,6 @@
               <a:t>感谢各位老师！</a:t>
             </a:r>
             <a:endParaRPr lang="zh-CN" altLang="en-US" sz="3375" dirty="0">
-              <a:ln/>
               <a:solidFill>
                 <a:schemeClr val="tx1"/>
               </a:solidFill>
@@ -20408,8 +20429,8 @@
         </p:blipFill>
         <p:spPr>
           <a:xfrm>
-            <a:off x="5434965" y="2217420"/>
-            <a:ext cx="3106420" cy="2520315"/>
+            <a:off x="5227320" y="2004695"/>
+            <a:ext cx="3106420" cy="2418715"/>
           </a:xfrm>
           <a:prstGeom prst="rect">
             <a:avLst/>
@@ -20432,8 +20453,8 @@
         </p:blipFill>
         <p:spPr>
           <a:xfrm>
-            <a:off x="664210" y="2217420"/>
-            <a:ext cx="3256280" cy="2509520"/>
+            <a:off x="471170" y="2004695"/>
+            <a:ext cx="3256280" cy="2418715"/>
           </a:xfrm>
           <a:prstGeom prst="rect">
             <a:avLst/>
@@ -20448,7 +20469,7 @@
         </p:nvSpPr>
         <p:spPr>
           <a:xfrm>
-            <a:off x="4519295" y="1019175"/>
+            <a:off x="4464685" y="882015"/>
             <a:ext cx="4217670" cy="337185"/>
           </a:xfrm>
           <a:prstGeom prst="rect">
@@ -20515,8 +20536,8 @@
         </p:nvSpPr>
         <p:spPr>
           <a:xfrm>
-            <a:off x="55245" y="1400810"/>
-            <a:ext cx="4328160" cy="521970"/>
+            <a:off x="55245" y="1179830"/>
+            <a:ext cx="4360545" cy="706755"/>
           </a:xfrm>
           <a:prstGeom prst="rect">
             <a:avLst/>
@@ -20533,7 +20554,7 @@
               <a:buChar char="Ø"/>
             </a:pPr>
             <a:r>
-              <a:rPr lang="zh-CN" altLang="en-US" sz="1400" b="1">
+              <a:rPr lang="zh-CN" altLang="en-US" sz="1000" b="1">
                 <a:solidFill>
                   <a:schemeClr val="tx1"/>
                 </a:solidFill>
@@ -20549,47 +20570,9 @@
                 <a:ea typeface="宋体" panose="02010600030101010101" pitchFamily="2" charset="-122"/>
                 <a:sym typeface="+mn-ea"/>
               </a:rPr>
-              <a:t>基于关键词的检索方式，</a:t>
-            </a:r>
-            <a:r>
-              <a:rPr lang="zh-CN" altLang="en-US" sz="1400" b="1">
-                <a:solidFill>
-                  <a:srgbClr val="FF0000"/>
-                </a:solidFill>
-                <a:effectLst>
-                  <a:outerShdw blurRad="38100" dist="25400" dir="5400000" algn="ctr" rotWithShape="0">
-                    <a:srgbClr val="6E747A">
-                      <a:alpha val="43000"/>
-                    </a:srgbClr>
-                  </a:outerShdw>
-                </a:effectLst>
-                <a:uFillTx/>
-                <a:latin typeface="宋体" panose="02010600030101010101" pitchFamily="2" charset="-122"/>
-                <a:ea typeface="宋体" panose="02010600030101010101" pitchFamily="2" charset="-122"/>
-                <a:sym typeface="+mn-ea"/>
-              </a:rPr>
-              <a:t>缺乏对问题语义的理解</a:t>
-            </a:r>
-            <a:r>
-              <a:rPr lang="zh-CN" altLang="en-US" sz="1400" b="1">
-                <a:solidFill>
-                  <a:schemeClr val="tx1"/>
-                </a:solidFill>
-                <a:effectLst>
-                  <a:outerShdw blurRad="38100" dist="19050" dir="2700000" algn="tl" rotWithShape="0">
-                    <a:schemeClr val="dk1">
-                      <a:alpha val="40000"/>
-                    </a:schemeClr>
-                  </a:outerShdw>
-                </a:effectLst>
-                <a:uFillTx/>
-                <a:latin typeface="宋体" panose="02010600030101010101" pitchFamily="2" charset="-122"/>
-                <a:ea typeface="宋体" panose="02010600030101010101" pitchFamily="2" charset="-122"/>
-                <a:sym typeface="+mn-ea"/>
-              </a:rPr>
-              <a:t>。</a:t>
-            </a:r>
-            <a:endParaRPr lang="zh-CN" altLang="en-US" sz="1400" b="1">
+              <a:t>对互联网上数以万计的网页文档中的关键词建立索引库</a:t>
+            </a:r>
+            <a:endParaRPr lang="zh-CN" altLang="en-US" sz="1000" b="1">
               <a:solidFill>
                 <a:schemeClr val="tx1"/>
               </a:solidFill>
@@ -20612,7 +20595,48 @@
               <a:buChar char="Ø"/>
             </a:pPr>
             <a:r>
-              <a:rPr lang="zh-CN" altLang="en-US" sz="1400" b="1">
+              <a:rPr lang="zh-CN" altLang="en-US" sz="1000" b="1">
+                <a:solidFill>
+                  <a:schemeClr val="tx1"/>
+                </a:solidFill>
+                <a:effectLst>
+                  <a:outerShdw blurRad="38100" dist="19050" dir="2700000" algn="tl" rotWithShape="0">
+                    <a:schemeClr val="dk1">
+                      <a:alpha val="40000"/>
+                    </a:schemeClr>
+                  </a:outerShdw>
+                </a:effectLst>
+                <a:uFillTx/>
+                <a:latin typeface="宋体" panose="02010600030101010101" pitchFamily="2" charset="-122"/>
+                <a:ea typeface="宋体" panose="02010600030101010101" pitchFamily="2" charset="-122"/>
+                <a:sym typeface="+mn-ea"/>
+              </a:rPr>
+              <a:t>根据用户输入的问题，基于关键词的检索方式，所有页面中包含关键词的网页作为搜索结果检索出来</a:t>
+            </a:r>
+            <a:endParaRPr lang="zh-CN" altLang="en-US" sz="1000" b="1">
+              <a:solidFill>
+                <a:schemeClr val="tx1"/>
+              </a:solidFill>
+              <a:effectLst>
+                <a:outerShdw blurRad="38100" dist="19050" dir="2700000" algn="tl" rotWithShape="0">
+                  <a:schemeClr val="dk1">
+                    <a:alpha val="40000"/>
+                  </a:schemeClr>
+                </a:outerShdw>
+              </a:effectLst>
+              <a:uFillTx/>
+              <a:latin typeface="宋体" panose="02010600030101010101" pitchFamily="2" charset="-122"/>
+              <a:ea typeface="宋体" panose="02010600030101010101" pitchFamily="2" charset="-122"/>
+              <a:sym typeface="+mn-ea"/>
+            </a:endParaRPr>
+          </a:p>
+          <a:p>
+            <a:pPr marL="285750" indent="-285750">
+              <a:buFont typeface="Wingdings" panose="05000000000000000000" charset="0"/>
+              <a:buChar char="Ø"/>
+            </a:pPr>
+            <a:r>
+              <a:rPr lang="zh-CN" altLang="en-US" sz="1000" b="1">
                 <a:solidFill>
                   <a:schemeClr val="tx1"/>
                 </a:solidFill>
@@ -20627,45 +20651,9 @@
                 <a:latin typeface="宋体" panose="02010600030101010101" pitchFamily="2" charset="-122"/>
                 <a:ea typeface="宋体" panose="02010600030101010101" pitchFamily="2" charset="-122"/>
               </a:rPr>
-              <a:t>返回的是排序的网页文档链接，</a:t>
-            </a:r>
-            <a:r>
-              <a:rPr lang="zh-CN" altLang="en-US" sz="1400" b="1">
-                <a:solidFill>
-                  <a:srgbClr val="FF0000"/>
-                </a:solidFill>
-                <a:effectLst>
-                  <a:outerShdw blurRad="38100" dist="19050" dir="2700000" algn="tl" rotWithShape="0">
-                    <a:schemeClr val="dk1">
-                      <a:alpha val="40000"/>
-                    </a:schemeClr>
-                  </a:outerShdw>
-                </a:effectLst>
-                <a:uFillTx/>
-                <a:latin typeface="宋体" panose="02010600030101010101" pitchFamily="2" charset="-122"/>
-                <a:ea typeface="宋体" panose="02010600030101010101" pitchFamily="2" charset="-122"/>
-              </a:rPr>
-              <a:t>需要再次筛选</a:t>
-            </a:r>
-            <a:r>
-              <a:rPr lang="zh-CN" altLang="en-US" sz="1400" b="1">
-                <a:solidFill>
-                  <a:schemeClr val="tx1"/>
-                </a:solidFill>
-                <a:effectLst>
-                  <a:outerShdw blurRad="38100" dist="19050" dir="2700000" algn="tl" rotWithShape="0">
-                    <a:schemeClr val="dk1">
-                      <a:alpha val="40000"/>
-                    </a:schemeClr>
-                  </a:outerShdw>
-                </a:effectLst>
-                <a:uFillTx/>
-                <a:latin typeface="宋体" panose="02010600030101010101" pitchFamily="2" charset="-122"/>
-                <a:ea typeface="宋体" panose="02010600030101010101" pitchFamily="2" charset="-122"/>
-              </a:rPr>
-              <a:t>。</a:t>
-            </a:r>
-            <a:endParaRPr lang="zh-CN" altLang="en-US" sz="1400" b="1">
+              <a:t>经过排序算法后，按照相关度由高到低的顺序返回网页文档</a:t>
+            </a:r>
+            <a:endParaRPr lang="zh-CN" altLang="en-US" sz="1000" b="1">
               <a:solidFill>
                 <a:schemeClr val="tx1"/>
               </a:solidFill>
@@ -20691,7 +20679,7 @@
         </p:nvSpPr>
         <p:spPr>
           <a:xfrm>
-            <a:off x="55245" y="1019175"/>
+            <a:off x="22225" y="882015"/>
             <a:ext cx="1513840" cy="337185"/>
           </a:xfrm>
           <a:prstGeom prst="rect">
@@ -20742,182 +20730,6 @@
       </p:sp>
       <p:sp>
         <p:nvSpPr>
-          <p:cNvPr id="5" name="Text Box 4"/>
-          <p:cNvSpPr txBox="1"/>
-          <p:nvPr/>
-        </p:nvSpPr>
-        <p:spPr>
-          <a:xfrm>
-            <a:off x="4582160" y="1400810"/>
-            <a:ext cx="4493895" cy="491490"/>
-          </a:xfrm>
-          <a:prstGeom prst="rect">
-            <a:avLst/>
-          </a:prstGeom>
-          <a:noFill/>
-        </p:spPr>
-        <p:txBody>
-          <a:bodyPr wrap="square" rtlCol="0">
-            <a:spAutoFit/>
-          </a:bodyPr>
-          <a:p>
-            <a:pPr marL="285750" indent="-285750">
-              <a:buFont typeface="Wingdings" panose="05000000000000000000" charset="0"/>
-              <a:buChar char="Ø"/>
-            </a:pPr>
-            <a:r>
-              <a:rPr lang="zh-CN" altLang="en-US" sz="1300" b="1">
-                <a:solidFill>
-                  <a:schemeClr val="tx1"/>
-                </a:solidFill>
-                <a:effectLst>
-                  <a:outerShdw blurRad="38100" dist="19050" dir="2700000" algn="tl" rotWithShape="0">
-                    <a:schemeClr val="dk1">
-                      <a:alpha val="40000"/>
-                    </a:schemeClr>
-                  </a:outerShdw>
-                </a:effectLst>
-                <a:uFillTx/>
-                <a:latin typeface="宋体" panose="02010600030101010101" pitchFamily="2" charset="-122"/>
-                <a:ea typeface="宋体" panose="02010600030101010101" pitchFamily="2" charset="-122"/>
-                <a:sym typeface="+mn-ea"/>
-              </a:rPr>
-              <a:t>基于自然语言处理技术，</a:t>
-            </a:r>
-            <a:r>
-              <a:rPr lang="zh-CN" altLang="en-US" sz="1300" b="1">
-                <a:solidFill>
-                  <a:srgbClr val="FF0000"/>
-                </a:solidFill>
-                <a:effectLst>
-                  <a:outerShdw blurRad="38100" dist="19050" dir="2700000" algn="tl" rotWithShape="0">
-                    <a:schemeClr val="dk1">
-                      <a:alpha val="40000"/>
-                    </a:schemeClr>
-                  </a:outerShdw>
-                </a:effectLst>
-                <a:uFillTx/>
-                <a:latin typeface="宋体" panose="02010600030101010101" pitchFamily="2" charset="-122"/>
-                <a:ea typeface="宋体" panose="02010600030101010101" pitchFamily="2" charset="-122"/>
-                <a:sym typeface="+mn-ea"/>
-              </a:rPr>
-              <a:t>深层次分析问题的语义</a:t>
-            </a:r>
-            <a:r>
-              <a:rPr lang="zh-CN" altLang="en-US" sz="1300" b="1">
-                <a:solidFill>
-                  <a:schemeClr val="tx1"/>
-                </a:solidFill>
-                <a:effectLst>
-                  <a:outerShdw blurRad="38100" dist="19050" dir="2700000" algn="tl" rotWithShape="0">
-                    <a:schemeClr val="dk1">
-                      <a:alpha val="40000"/>
-                    </a:schemeClr>
-                  </a:outerShdw>
-                </a:effectLst>
-                <a:uFillTx/>
-                <a:latin typeface="宋体" panose="02010600030101010101" pitchFamily="2" charset="-122"/>
-                <a:ea typeface="宋体" panose="02010600030101010101" pitchFamily="2" charset="-122"/>
-                <a:sym typeface="+mn-ea"/>
-              </a:rPr>
-              <a:t>。</a:t>
-            </a:r>
-            <a:endParaRPr lang="zh-CN" altLang="en-US" sz="1300" b="1">
-              <a:solidFill>
-                <a:schemeClr val="tx1"/>
-              </a:solidFill>
-              <a:effectLst>
-                <a:outerShdw blurRad="38100" dist="19050" dir="2700000" algn="tl" rotWithShape="0">
-                  <a:schemeClr val="dk1">
-                    <a:alpha val="40000"/>
-                  </a:schemeClr>
-                </a:outerShdw>
-              </a:effectLst>
-              <a:uFillTx/>
-              <a:latin typeface="宋体" panose="02010600030101010101" pitchFamily="2" charset="-122"/>
-              <a:ea typeface="宋体" panose="02010600030101010101" pitchFamily="2" charset="-122"/>
-              <a:sym typeface="+mn-ea"/>
-            </a:endParaRPr>
-          </a:p>
-          <a:p>
-            <a:pPr marL="285750" indent="-285750">
-              <a:buFont typeface="Wingdings" panose="05000000000000000000" charset="0"/>
-              <a:buChar char="Ø"/>
-            </a:pPr>
-            <a:r>
-              <a:rPr lang="zh-CN" altLang="en-US" sz="1300" b="1">
-                <a:solidFill>
-                  <a:schemeClr val="tx1"/>
-                </a:solidFill>
-                <a:effectLst>
-                  <a:outerShdw blurRad="38100" dist="19050" dir="2700000" algn="tl" rotWithShape="0">
-                    <a:schemeClr val="dk1">
-                      <a:alpha val="40000"/>
-                    </a:schemeClr>
-                  </a:outerShdw>
-                </a:effectLst>
-                <a:uFillTx/>
-                <a:latin typeface="宋体" panose="02010600030101010101" pitchFamily="2" charset="-122"/>
-                <a:ea typeface="宋体" panose="02010600030101010101" pitchFamily="2" charset="-122"/>
-              </a:rPr>
-              <a:t>通过推理、查询等方法</a:t>
-            </a:r>
-            <a:r>
-              <a:rPr lang="zh-CN" altLang="en-US" sz="1300" b="1">
-                <a:solidFill>
-                  <a:srgbClr val="FF0000"/>
-                </a:solidFill>
-                <a:effectLst>
-                  <a:outerShdw blurRad="38100" dist="19050" dir="2700000" algn="tl" rotWithShape="0">
-                    <a:schemeClr val="dk1">
-                      <a:alpha val="40000"/>
-                    </a:schemeClr>
-                  </a:outerShdw>
-                </a:effectLst>
-                <a:uFillTx/>
-                <a:latin typeface="宋体" panose="02010600030101010101" pitchFamily="2" charset="-122"/>
-                <a:ea typeface="宋体" panose="02010600030101010101" pitchFamily="2" charset="-122"/>
-              </a:rPr>
-              <a:t>返回精准的答案</a:t>
-            </a:r>
-            <a:r>
-              <a:rPr lang="zh-CN" altLang="en-US" sz="1300" b="1">
-                <a:solidFill>
-                  <a:schemeClr val="tx1"/>
-                </a:solidFill>
-                <a:effectLst>
-                  <a:outerShdw blurRad="38100" dist="19050" dir="2700000" algn="tl" rotWithShape="0">
-                    <a:schemeClr val="dk1">
-                      <a:alpha val="40000"/>
-                    </a:schemeClr>
-                  </a:outerShdw>
-                </a:effectLst>
-                <a:uFillTx/>
-                <a:latin typeface="宋体" panose="02010600030101010101" pitchFamily="2" charset="-122"/>
-                <a:ea typeface="宋体" panose="02010600030101010101" pitchFamily="2" charset="-122"/>
-              </a:rPr>
-              <a:t>，不需再次筛选。</a:t>
-            </a:r>
-            <a:endParaRPr lang="zh-CN" altLang="en-US" sz="1300" b="1">
-              <a:solidFill>
-                <a:schemeClr val="tx1"/>
-              </a:solidFill>
-              <a:effectLst>
-                <a:outerShdw blurRad="38100" dist="19050" dir="2700000" algn="tl" rotWithShape="0">
-                  <a:schemeClr val="dk1">
-                    <a:alpha val="40000"/>
-                  </a:schemeClr>
-                </a:outerShdw>
-              </a:effectLst>
-              <a:uFillTx/>
-              <a:latin typeface="宋体" panose="02010600030101010101" pitchFamily="2" charset="-122"/>
-              <a:ea typeface="宋体" panose="02010600030101010101" pitchFamily="2" charset="-122"/>
-            </a:endParaRPr>
-          </a:p>
-        </p:txBody>
-      </p:sp>
-      <p:sp>
-        <p:nvSpPr>
           <p:cNvPr id="11" name="Rectangles 10"/>
           <p:cNvSpPr/>
           <p:nvPr/>
@@ -20925,7 +20737,7 @@
         <p:spPr>
           <a:xfrm>
             <a:off x="22225" y="882015"/>
-            <a:ext cx="4465320" cy="4032250"/>
+            <a:ext cx="4465320" cy="3667125"/>
           </a:xfrm>
           <a:prstGeom prst="rect">
             <a:avLst/>
@@ -20973,7 +20785,7 @@
         <p:spPr>
           <a:xfrm>
             <a:off x="4487545" y="882015"/>
-            <a:ext cx="4587240" cy="4032250"/>
+            <a:ext cx="4587240" cy="3667125"/>
           </a:xfrm>
           <a:prstGeom prst="rect">
             <a:avLst/>
@@ -21009,6 +20821,291 @@
           <a:p>
             <a:pPr algn="ctr"/>
             <a:endParaRPr lang="en-US"/>
+          </a:p>
+        </p:txBody>
+      </p:sp>
+      <p:sp>
+        <p:nvSpPr>
+          <p:cNvPr id="7" name="Text Box 6"/>
+          <p:cNvSpPr txBox="1"/>
+          <p:nvPr/>
+        </p:nvSpPr>
+        <p:spPr>
+          <a:xfrm>
+            <a:off x="4601210" y="1219200"/>
+            <a:ext cx="4360545" cy="398780"/>
+          </a:xfrm>
+          <a:prstGeom prst="rect">
+            <a:avLst/>
+          </a:prstGeom>
+          <a:noFill/>
+        </p:spPr>
+        <p:txBody>
+          <a:bodyPr wrap="square" rtlCol="0">
+            <a:spAutoFit/>
+          </a:bodyPr>
+          <a:p>
+            <a:pPr marL="285750" indent="-285750">
+              <a:buFont typeface="Wingdings" panose="05000000000000000000" charset="0"/>
+              <a:buChar char="Ø"/>
+            </a:pPr>
+            <a:r>
+              <a:rPr lang="zh-CN" altLang="en-US" sz="1000" b="1">
+                <a:solidFill>
+                  <a:schemeClr val="tx1"/>
+                </a:solidFill>
+                <a:effectLst>
+                  <a:outerShdw blurRad="38100" dist="19050" dir="2700000" algn="tl" rotWithShape="0">
+                    <a:schemeClr val="dk1">
+                      <a:alpha val="40000"/>
+                    </a:schemeClr>
+                  </a:outerShdw>
+                </a:effectLst>
+                <a:uFillTx/>
+                <a:latin typeface="宋体" panose="02010600030101010101" pitchFamily="2" charset="-122"/>
+                <a:ea typeface="宋体" panose="02010600030101010101" pitchFamily="2" charset="-122"/>
+                <a:sym typeface="+mn-ea"/>
+              </a:rPr>
+              <a:t>基于关键词的检索方式，缺乏对用户问题语义的理解</a:t>
+            </a:r>
+            <a:endParaRPr lang="zh-CN" altLang="en-US" sz="1000" b="1">
+              <a:solidFill>
+                <a:schemeClr val="tx1"/>
+              </a:solidFill>
+              <a:effectLst>
+                <a:outerShdw blurRad="38100" dist="19050" dir="2700000" algn="tl" rotWithShape="0">
+                  <a:schemeClr val="dk1">
+                    <a:alpha val="40000"/>
+                  </a:schemeClr>
+                </a:outerShdw>
+              </a:effectLst>
+              <a:uFillTx/>
+              <a:latin typeface="宋体" panose="02010600030101010101" pitchFamily="2" charset="-122"/>
+              <a:ea typeface="宋体" panose="02010600030101010101" pitchFamily="2" charset="-122"/>
+              <a:sym typeface="+mn-ea"/>
+            </a:endParaRPr>
+          </a:p>
+          <a:p>
+            <a:pPr marL="285750" indent="-285750">
+              <a:buFont typeface="Wingdings" panose="05000000000000000000" charset="0"/>
+              <a:buChar char="Ø"/>
+            </a:pPr>
+            <a:r>
+              <a:rPr lang="zh-CN" altLang="en-US" sz="1000" b="1">
+                <a:solidFill>
+                  <a:schemeClr val="tx1"/>
+                </a:solidFill>
+                <a:effectLst>
+                  <a:outerShdw blurRad="38100" dist="19050" dir="2700000" algn="tl" rotWithShape="0">
+                    <a:schemeClr val="dk1">
+                      <a:alpha val="40000"/>
+                    </a:schemeClr>
+                  </a:outerShdw>
+                </a:effectLst>
+                <a:uFillTx/>
+                <a:latin typeface="宋体" panose="02010600030101010101" pitchFamily="2" charset="-122"/>
+                <a:ea typeface="宋体" panose="02010600030101010101" pitchFamily="2" charset="-122"/>
+                <a:sym typeface="+mn-ea"/>
+              </a:rPr>
+              <a:t>返回的是排序的网页文档，仍需要再次筛选答案</a:t>
+            </a:r>
+            <a:endParaRPr lang="zh-CN" altLang="en-US" sz="1000" b="1">
+              <a:solidFill>
+                <a:schemeClr val="tx1"/>
+              </a:solidFill>
+              <a:effectLst>
+                <a:outerShdw blurRad="38100" dist="19050" dir="2700000" algn="tl" rotWithShape="0">
+                  <a:schemeClr val="dk1">
+                    <a:alpha val="40000"/>
+                  </a:schemeClr>
+                </a:outerShdw>
+              </a:effectLst>
+              <a:uFillTx/>
+              <a:latin typeface="宋体" panose="02010600030101010101" pitchFamily="2" charset="-122"/>
+              <a:ea typeface="宋体" panose="02010600030101010101" pitchFamily="2" charset="-122"/>
+              <a:sym typeface="+mn-ea"/>
+            </a:endParaRPr>
+          </a:p>
+        </p:txBody>
+      </p:sp>
+      <p:sp>
+        <p:nvSpPr>
+          <p:cNvPr id="13" name="Text Box 12"/>
+          <p:cNvSpPr txBox="1"/>
+          <p:nvPr/>
+        </p:nvSpPr>
+        <p:spPr>
+          <a:xfrm>
+            <a:off x="4600575" y="1543050"/>
+            <a:ext cx="4360545" cy="398780"/>
+          </a:xfrm>
+          <a:prstGeom prst="rect">
+            <a:avLst/>
+          </a:prstGeom>
+          <a:noFill/>
+        </p:spPr>
+        <p:txBody>
+          <a:bodyPr wrap="square" rtlCol="0">
+            <a:spAutoFit/>
+          </a:bodyPr>
+          <a:p>
+            <a:pPr marL="285750" indent="-285750">
+              <a:buFont typeface="Wingdings" panose="05000000000000000000" charset="0"/>
+              <a:buChar char="v"/>
+            </a:pPr>
+            <a:r>
+              <a:rPr lang="zh-CN" altLang="en-US" sz="1000" b="1">
+                <a:ln/>
+                <a:solidFill>
+                  <a:srgbClr val="FF0000"/>
+                </a:solidFill>
+                <a:effectLst>
+                  <a:outerShdw blurRad="38100" dist="25400" dir="5400000" algn="ctr" rotWithShape="0">
+                    <a:srgbClr val="6E747A">
+                      <a:alpha val="43000"/>
+                    </a:srgbClr>
+                  </a:outerShdw>
+                </a:effectLst>
+                <a:uFillTx/>
+                <a:latin typeface="宋体" panose="02010600030101010101" pitchFamily="2" charset="-122"/>
+                <a:ea typeface="宋体" panose="02010600030101010101" pitchFamily="2" charset="-122"/>
+                <a:sym typeface="+mn-ea"/>
+              </a:rPr>
+              <a:t>利用自然语言处理技术，对问题进行深层次语义分析</a:t>
+            </a:r>
+            <a:endParaRPr lang="zh-CN" altLang="en-US" sz="1000" b="1">
+              <a:ln/>
+              <a:solidFill>
+                <a:srgbClr val="FF0000"/>
+              </a:solidFill>
+              <a:effectLst>
+                <a:outerShdw blurRad="38100" dist="25400" dir="5400000" algn="ctr" rotWithShape="0">
+                  <a:srgbClr val="6E747A">
+                    <a:alpha val="43000"/>
+                  </a:srgbClr>
+                </a:outerShdw>
+              </a:effectLst>
+              <a:uFillTx/>
+              <a:latin typeface="宋体" panose="02010600030101010101" pitchFamily="2" charset="-122"/>
+              <a:ea typeface="宋体" panose="02010600030101010101" pitchFamily="2" charset="-122"/>
+              <a:sym typeface="+mn-ea"/>
+            </a:endParaRPr>
+          </a:p>
+          <a:p>
+            <a:pPr marL="285750" indent="-285750">
+              <a:buFont typeface="Wingdings" panose="05000000000000000000" charset="0"/>
+              <a:buChar char="v"/>
+            </a:pPr>
+            <a:r>
+              <a:rPr lang="zh-CN" altLang="en-US" sz="1000" b="1">
+                <a:ln/>
+                <a:solidFill>
+                  <a:srgbClr val="FF0000"/>
+                </a:solidFill>
+                <a:effectLst>
+                  <a:outerShdw blurRad="38100" dist="25400" dir="5400000" algn="ctr" rotWithShape="0">
+                    <a:srgbClr val="6E747A">
+                      <a:alpha val="43000"/>
+                    </a:srgbClr>
+                  </a:outerShdw>
+                </a:effectLst>
+                <a:uFillTx/>
+                <a:latin typeface="宋体" panose="02010600030101010101" pitchFamily="2" charset="-122"/>
+                <a:ea typeface="宋体" panose="02010600030101010101" pitchFamily="2" charset="-122"/>
+                <a:sym typeface="+mn-ea"/>
+              </a:rPr>
+              <a:t>通过检索、推理等返回精确的答案，不需要再次筛选</a:t>
+            </a:r>
+            <a:endParaRPr lang="zh-CN" altLang="en-US" sz="1000" b="1">
+              <a:ln/>
+              <a:solidFill>
+                <a:srgbClr val="FF0000"/>
+              </a:solidFill>
+              <a:effectLst>
+                <a:outerShdw blurRad="38100" dist="25400" dir="5400000" algn="ctr" rotWithShape="0">
+                  <a:srgbClr val="6E747A">
+                    <a:alpha val="43000"/>
+                  </a:srgbClr>
+                </a:outerShdw>
+              </a:effectLst>
+              <a:uFillTx/>
+              <a:latin typeface="宋体" panose="02010600030101010101" pitchFamily="2" charset="-122"/>
+              <a:ea typeface="宋体" panose="02010600030101010101" pitchFamily="2" charset="-122"/>
+              <a:sym typeface="+mn-ea"/>
+            </a:endParaRPr>
+          </a:p>
+        </p:txBody>
+      </p:sp>
+      <p:sp>
+        <p:nvSpPr>
+          <p:cNvPr id="15" name="Text Box 14"/>
+          <p:cNvSpPr txBox="1"/>
+          <p:nvPr/>
+        </p:nvSpPr>
+        <p:spPr>
+          <a:xfrm>
+            <a:off x="2354580" y="4716145"/>
+            <a:ext cx="4435475" cy="299085"/>
+          </a:xfrm>
+          <a:prstGeom prst="rect">
+            <a:avLst/>
+          </a:prstGeom>
+          <a:noFill/>
+        </p:spPr>
+        <p:txBody>
+          <a:bodyPr wrap="square" rtlCol="0">
+            <a:spAutoFit/>
+          </a:bodyPr>
+          <a:p>
+            <a:r>
+              <a:rPr lang="zh-CN" altLang="en-US" b="1">
+                <a:ln/>
+                <a:gradFill>
+                  <a:gsLst>
+                    <a:gs pos="0">
+                      <a:srgbClr val="007BD3"/>
+                    </a:gs>
+                    <a:gs pos="100000">
+                      <a:srgbClr val="034373"/>
+                    </a:gs>
+                  </a:gsLst>
+                  <a:lin scaled="0"/>
+                </a:gradFill>
+                <a:effectLst>
+                  <a:outerShdw blurRad="38100" dist="19050" dir="2700000" algn="tl" rotWithShape="0">
+                    <a:schemeClr val="dk1">
+                      <a:alpha val="40000"/>
+                    </a:schemeClr>
+                  </a:outerShdw>
+                </a:effectLst>
+                <a:latin typeface="华文细黑" panose="02010600040101010101" charset="-122"/>
+                <a:ea typeface="华文细黑" panose="02010600040101010101" charset="-122"/>
+              </a:rPr>
+              <a:t>从互联网的海量数据中快速准确的获取需要的答案</a:t>
+            </a:r>
+            <a:endParaRPr lang="zh-CN" altLang="en-US" b="1">
+              <a:ln/>
+              <a:gradFill>
+                <a:gsLst>
+                  <a:gs pos="0">
+                    <a:srgbClr val="007BD3"/>
+                  </a:gs>
+                  <a:gs pos="100000">
+                    <a:srgbClr val="034373"/>
+                  </a:gs>
+                </a:gsLst>
+                <a:lin scaled="0"/>
+              </a:gradFill>
+              <a:effectLst>
+                <a:outerShdw blurRad="38100" dist="19050" dir="2700000" algn="tl" rotWithShape="0">
+                  <a:schemeClr val="dk1">
+                    <a:alpha val="40000"/>
+                  </a:schemeClr>
+                </a:outerShdw>
+              </a:effectLst>
+              <a:latin typeface="华文细黑" panose="02010600040101010101" charset="-122"/>
+              <a:ea typeface="华文细黑" panose="02010600040101010101" charset="-122"/>
+            </a:endParaRPr>
           </a:p>
         </p:txBody>
       </p:sp>
@@ -22553,7 +22650,6 @@
           <a:p>
             <a:r>
               <a:rPr lang="zh-CN" altLang="en-US" sz="1600">
-                <a:ln/>
                 <a:solidFill>
                   <a:schemeClr val="tx1"/>
                 </a:solidFill>
@@ -22569,7 +22665,6 @@
               <a:t>给定问题和与问题相关的一篇或多篇文章，</a:t>
             </a:r>
             <a:endParaRPr lang="zh-CN" altLang="en-US" sz="1600">
-              <a:ln/>
               <a:solidFill>
                 <a:schemeClr val="tx1"/>
               </a:solidFill>
@@ -22586,7 +22681,6 @@
           <a:p>
             <a:r>
               <a:rPr lang="zh-CN" altLang="en-US" sz="1600">
-                <a:ln/>
                 <a:solidFill>
                   <a:schemeClr val="tx1"/>
                 </a:solidFill>
@@ -22599,23 +22693,7 @@
                 </a:effectLst>
                 <a:sym typeface="+mn-ea"/>
               </a:rPr>
-              <a:t>机器通过阅读文章之后，从这些文章中给出答案</a:t>
-            </a:r>
-            <a:r>
-              <a:rPr lang="zh-CN" altLang="en-US" sz="1600">
-                <a:solidFill>
-                  <a:schemeClr val="accent1"/>
-                </a:solidFill>
-                <a:effectLst>
-                  <a:outerShdw blurRad="38100" dist="25400" dir="5400000" algn="ctr" rotWithShape="0">
-                    <a:srgbClr val="6E747A">
-                      <a:alpha val="43000"/>
-                    </a:srgbClr>
-                  </a:outerShdw>
-                </a:effectLst>
-                <a:sym typeface="+mn-ea"/>
-              </a:rPr>
-              <a:t>。</a:t>
+              <a:t>机器通过阅读文章之后，从这些文章中给出答案。</a:t>
             </a:r>
             <a:endParaRPr lang="zh-CN" altLang="en-US" sz="1600">
               <a:solidFill>
@@ -22643,6 +22721,92 @@
                 </a:outerShdw>
               </a:effectLst>
             </a:endParaRPr>
+          </a:p>
+        </p:txBody>
+      </p:sp>
+      <p:sp>
+        <p:nvSpPr>
+          <p:cNvPr id="2" name="Oval 1"/>
+          <p:cNvSpPr/>
+          <p:nvPr/>
+        </p:nvSpPr>
+        <p:spPr>
+          <a:xfrm>
+            <a:off x="357505" y="4239260"/>
+            <a:ext cx="1148715" cy="692150"/>
+          </a:xfrm>
+          <a:prstGeom prst="ellipse">
+            <a:avLst/>
+          </a:prstGeom>
+        </p:spPr>
+        <p:style>
+          <a:lnRef idx="2">
+            <a:schemeClr val="accent2">
+              <a:shade val="50000"/>
+            </a:schemeClr>
+          </a:lnRef>
+          <a:fillRef idx="1">
+            <a:schemeClr val="accent2"/>
+          </a:fillRef>
+          <a:effectRef idx="0">
+            <a:schemeClr val="accent2"/>
+          </a:effectRef>
+          <a:fontRef idx="minor">
+            <a:schemeClr val="lt1"/>
+          </a:fontRef>
+        </p:style>
+        <p:txBody>
+          <a:bodyPr rtlCol="0" anchor="ctr"/>
+          <a:p>
+            <a:pPr algn="ctr"/>
+            <a:r>
+              <a:rPr lang="zh-CN" altLang="en-US"/>
+              <a:t>生成式</a:t>
+            </a:r>
+            <a:endParaRPr lang="zh-CN" altLang="en-US"/>
+          </a:p>
+        </p:txBody>
+      </p:sp>
+      <p:sp>
+        <p:nvSpPr>
+          <p:cNvPr id="12" name="Oval 11"/>
+          <p:cNvSpPr/>
+          <p:nvPr/>
+        </p:nvSpPr>
+        <p:spPr>
+          <a:xfrm>
+            <a:off x="1833245" y="4239260"/>
+            <a:ext cx="1148715" cy="692150"/>
+          </a:xfrm>
+          <a:prstGeom prst="ellipse">
+            <a:avLst/>
+          </a:prstGeom>
+        </p:spPr>
+        <p:style>
+          <a:lnRef idx="2">
+            <a:schemeClr val="accent1">
+              <a:shade val="50000"/>
+            </a:schemeClr>
+          </a:lnRef>
+          <a:fillRef idx="1">
+            <a:schemeClr val="accent1"/>
+          </a:fillRef>
+          <a:effectRef idx="0">
+            <a:schemeClr val="accent1"/>
+          </a:effectRef>
+          <a:fontRef idx="minor">
+            <a:schemeClr val="lt1"/>
+          </a:fontRef>
+        </p:style>
+        <p:txBody>
+          <a:bodyPr rtlCol="0" anchor="ctr"/>
+          <a:p>
+            <a:pPr algn="ctr"/>
+            <a:r>
+              <a:rPr lang="zh-CN" altLang="en-US"/>
+              <a:t>抽取式</a:t>
+            </a:r>
+            <a:endParaRPr lang="zh-CN" altLang="en-US"/>
           </a:p>
         </p:txBody>
       </p:sp>
@@ -22749,7 +22913,7 @@
         <p:spPr>
           <a:xfrm>
             <a:off x="4445635" y="3552190"/>
-            <a:ext cx="2918460" cy="714375"/>
+            <a:ext cx="4149090" cy="506730"/>
           </a:xfrm>
           <a:prstGeom prst="rect">
             <a:avLst/>
@@ -22778,18 +22942,7 @@
             </a:pPr>
             <a:r>
               <a:rPr lang="zh-CN" altLang="en-US"/>
-              <a:t>不依赖于已有数据集</a:t>
-            </a:r>
-            <a:endParaRPr lang="zh-CN" altLang="en-US"/>
-          </a:p>
-          <a:p>
-            <a:pPr marL="285750" indent="-285750">
-              <a:buFont typeface="Wingdings" panose="05000000000000000000" charset="0"/>
-              <a:buChar char="Ø"/>
-            </a:pPr>
-            <a:r>
-              <a:rPr lang="zh-CN" altLang="en-US"/>
-              <a:t>答案形式多样</a:t>
+              <a:t>不依赖于数据集，同一篇文档可以回答多个问题</a:t>
             </a:r>
             <a:endParaRPr lang="zh-CN" altLang="en-US"/>
           </a:p>
@@ -23005,7 +23158,7 @@
         <p:spPr>
           <a:xfrm>
             <a:off x="622935" y="408305"/>
-            <a:ext cx="2016125" cy="583565"/>
+            <a:ext cx="5850255" cy="583565"/>
           </a:xfrm>
           <a:prstGeom prst="rect">
             <a:avLst/>
@@ -23046,7 +23199,7 @@
                   </a:outerShdw>
                 </a:effectLst>
               </a:rPr>
-              <a:t>应用场景</a:t>
+              <a:t>机器阅读理解技术的应用场景</a:t>
             </a:r>
             <a:endParaRPr lang="zh-CN" altLang="en-US" sz="3200">
               <a:ln w="12700">
@@ -25300,7 +25453,7 @@
                 <a:latin typeface="华文中宋" panose="02010600040101010101" charset="-122"/>
                 <a:ea typeface="华文中宋" panose="02010600040101010101" charset="-122"/>
               </a:rPr>
-              <a:t>以端到端的方式设计并实现一个</a:t>
+              <a:t>设计并实现一个</a:t>
             </a:r>
             <a:r>
               <a:rPr lang="zh-CN" altLang="en-US" sz="1600">
@@ -25317,7 +25470,7 @@
                 <a:latin typeface="华文中宋" panose="02010600040101010101" charset="-122"/>
                 <a:ea typeface="华文中宋" panose="02010600040101010101" charset="-122"/>
               </a:rPr>
-              <a:t>机器</a:t>
+              <a:t>端到端形式的机器</a:t>
             </a:r>
             <a:r>
               <a:rPr lang="en-US" sz="1600">
@@ -25388,7 +25541,7 @@
                 <a:latin typeface="华文中宋" panose="02010600040101010101" charset="-122"/>
                 <a:ea typeface="华文中宋" panose="02010600040101010101" charset="-122"/>
               </a:rPr>
-              <a:t>对该问答系统中的</a:t>
+              <a:t>对问答系统中的</a:t>
             </a:r>
             <a:r>
               <a:rPr lang="zh-CN" altLang="en-US" sz="1600">
@@ -25405,7 +25558,7 @@
                 <a:latin typeface="华文中宋" panose="02010600040101010101" charset="-122"/>
                 <a:ea typeface="华文中宋" panose="02010600040101010101" charset="-122"/>
               </a:rPr>
-              <a:t>两大关键部分</a:t>
+              <a:t>两个关键部分</a:t>
             </a:r>
             <a:r>
               <a:rPr lang="en-US" sz="1600">
@@ -25485,7 +25638,6 @@
             </a:pPr>
             <a:r>
               <a:rPr lang="zh-CN" altLang="en-US" sz="1200">
-                <a:ln/>
                 <a:solidFill>
                   <a:schemeClr val="tx1"/>
                 </a:solidFill>
@@ -25500,7 +25652,6 @@
               <a:t>将用户问题传输到搜索引擎接口。</a:t>
             </a:r>
             <a:endParaRPr lang="zh-CN" altLang="en-US" sz="1200">
-              <a:ln/>
               <a:solidFill>
                 <a:schemeClr val="tx1"/>
               </a:solidFill>
@@ -25520,7 +25671,6 @@
             </a:pPr>
             <a:r>
               <a:rPr lang="zh-CN" altLang="en-US" sz="1200">
-                <a:ln/>
                 <a:solidFill>
                   <a:schemeClr val="tx1"/>
                 </a:solidFill>
@@ -25536,7 +25686,6 @@
             </a:r>
             <a:r>
               <a:rPr lang="en-US" altLang="zh-CN" sz="1200">
-                <a:ln/>
                 <a:solidFill>
                   <a:schemeClr val="tx1"/>
                 </a:solidFill>
@@ -25552,7 +25701,6 @@
             </a:r>
             <a:r>
               <a:rPr lang="zh-CN" altLang="en-US" sz="1200">
-                <a:ln/>
                 <a:solidFill>
                   <a:schemeClr val="tx1"/>
                 </a:solidFill>
@@ -25567,7 +25715,6 @@
               <a:t>篇文档。</a:t>
             </a:r>
             <a:endParaRPr lang="zh-CN" altLang="en-US" sz="1200">
-              <a:ln/>
               <a:solidFill>
                 <a:schemeClr val="tx1"/>
               </a:solidFill>
@@ -25587,7 +25734,6 @@
             </a:pPr>
             <a:r>
               <a:rPr lang="zh-CN" altLang="en-US" sz="1200">
-                <a:ln/>
                 <a:solidFill>
                   <a:schemeClr val="tx1"/>
                 </a:solidFill>
@@ -25602,7 +25748,6 @@
               <a:t>阅读这些文档，寻找最精确的答案。</a:t>
             </a:r>
             <a:endParaRPr lang="zh-CN" altLang="en-US" sz="1200">
-              <a:ln/>
               <a:solidFill>
                 <a:schemeClr val="tx1"/>
               </a:solidFill>

--- a/孙相会.pptx
+++ b/孙相会.pptx
@@ -5103,8 +5103,8 @@
           </p:nvSpPr>
           <p:spPr>
             <a:xfrm>
-              <a:off x="7490072" y="7368572"/>
-              <a:ext cx="4146973" cy="952501"/>
+              <a:off x="7512932" y="7368572"/>
+              <a:ext cx="4101253" cy="952501"/>
             </a:xfrm>
             <a:prstGeom prst="rect">
               <a:avLst/>
@@ -5173,7 +5173,7 @@
                   <a:ea typeface="微软雅黑" panose="020B0503020204020204" charset="-122"/>
                   <a:cs typeface="Kartika" panose="02020503030404060203" pitchFamily="18" charset="0"/>
                 </a:rPr>
-                <a:t>指导老师：  张天成</a:t>
+                <a:t>指导老师： 张天成</a:t>
               </a:r>
               <a:endParaRPr lang="en-US" altLang="zh-CN" sz="1350" dirty="0">
                 <a:solidFill>
@@ -6344,7 +6344,7 @@
         </p:nvSpPr>
         <p:spPr>
           <a:xfrm>
-            <a:off x="882015" y="3544570"/>
+            <a:off x="173990" y="3689350"/>
             <a:ext cx="6069965" cy="1198880"/>
           </a:xfrm>
           <a:prstGeom prst="rect">
@@ -6543,8 +6543,8 @@
         </p:nvSpPr>
         <p:spPr>
           <a:xfrm>
-            <a:off x="882015" y="3067050"/>
-            <a:ext cx="4283710" cy="299085"/>
+            <a:off x="173990" y="3211830"/>
+            <a:ext cx="4534535" cy="299085"/>
           </a:xfrm>
           <a:prstGeom prst="rect">
             <a:avLst/>
@@ -6573,7 +6573,7 @@
                 <a:cs typeface="宋体" panose="02010600030101010101" pitchFamily="2" charset="-122"/>
                 <a:sym typeface="+mn-ea"/>
               </a:rPr>
-              <a:t>基于多轮交互机制的</a:t>
+              <a:t>多轮交互机制下的基于</a:t>
             </a:r>
             <a:r>
               <a:rPr lang="en-US" altLang="zh-CN">
@@ -6592,7 +6592,45 @@
                 <a:cs typeface="宋体" panose="02010600030101010101" pitchFamily="2" charset="-122"/>
                 <a:sym typeface="+mn-ea"/>
               </a:rPr>
-              <a:t>Lattice conv-Transformer</a:t>
+              <a:t>conv-Transformer</a:t>
+            </a:r>
+            <a:r>
+              <a:rPr lang="zh-CN" altLang="en-US">
+                <a:solidFill>
+                  <a:srgbClr val="FF0000"/>
+                </a:solidFill>
+                <a:effectLst>
+                  <a:outerShdw blurRad="38100" dist="25400" dir="5400000" algn="ctr" rotWithShape="0">
+                    <a:srgbClr val="6E747A">
+                      <a:alpha val="43000"/>
+                    </a:srgbClr>
+                  </a:outerShdw>
+                </a:effectLst>
+                <a:latin typeface="宋体" panose="02010600030101010101" pitchFamily="2" charset="-122"/>
+                <a:ea typeface="宋体" panose="02010600030101010101" pitchFamily="2" charset="-122"/>
+                <a:cs typeface="宋体" panose="02010600030101010101" pitchFamily="2" charset="-122"/>
+                <a:sym typeface="+mn-ea"/>
+              </a:rPr>
+              <a:t>的</a:t>
+            </a:r>
+            <a:r>
+              <a:rPr lang="en-US" altLang="zh-CN">
+                <a:solidFill>
+                  <a:srgbClr val="FF0000"/>
+                </a:solidFill>
+                <a:effectLst>
+                  <a:outerShdw blurRad="38100" dist="25400" dir="5400000" algn="ctr" rotWithShape="0">
+                    <a:srgbClr val="6E747A">
+                      <a:alpha val="43000"/>
+                    </a:srgbClr>
+                  </a:outerShdw>
+                </a:effectLst>
+                <a:latin typeface="宋体" panose="02010600030101010101" pitchFamily="2" charset="-122"/>
+                <a:ea typeface="宋体" panose="02010600030101010101" pitchFamily="2" charset="-122"/>
+                <a:cs typeface="宋体" panose="02010600030101010101" pitchFamily="2" charset="-122"/>
+                <a:sym typeface="+mn-ea"/>
+              </a:rPr>
+              <a:t>Lattice</a:t>
             </a:r>
             <a:r>
               <a:rPr lang="zh-CN" altLang="en-US">
@@ -6715,6 +6753,63 @@
           </a:p>
         </p:txBody>
       </p:sp>
+      <p:pic>
+        <p:nvPicPr>
+          <p:cNvPr id="3" name="Picture 2"/>
+          <p:cNvPicPr>
+            <a:picLocks noChangeAspect="1"/>
+          </p:cNvPicPr>
+          <p:nvPr/>
+        </p:nvPicPr>
+        <p:blipFill>
+          <a:blip r:embed="rId3"/>
+          <a:stretch>
+            <a:fillRect/>
+          </a:stretch>
+        </p:blipFill>
+        <p:spPr>
+          <a:xfrm>
+            <a:off x="5158105" y="3019425"/>
+            <a:ext cx="3680460" cy="1295400"/>
+          </a:xfrm>
+          <a:prstGeom prst="rect">
+            <a:avLst/>
+          </a:prstGeom>
+        </p:spPr>
+      </p:pic>
+      <p:cxnSp>
+        <p:nvCxnSpPr>
+          <p:cNvPr id="6" name="Straight Arrow Connector 5"/>
+          <p:cNvCxnSpPr/>
+          <p:nvPr/>
+        </p:nvCxnSpPr>
+        <p:spPr>
+          <a:xfrm>
+            <a:off x="3726815" y="2540635"/>
+            <a:ext cx="1430655" cy="1232535"/>
+          </a:xfrm>
+          <a:prstGeom prst="straightConnector1">
+            <a:avLst/>
+          </a:prstGeom>
+          <a:ln w="31750">
+            <a:tailEnd type="arrow"/>
+          </a:ln>
+        </p:spPr>
+        <p:style>
+          <a:lnRef idx="1">
+            <a:schemeClr val="accent1"/>
+          </a:lnRef>
+          <a:fillRef idx="0">
+            <a:schemeClr val="accent1"/>
+          </a:fillRef>
+          <a:effectRef idx="0">
+            <a:schemeClr val="accent1"/>
+          </a:effectRef>
+          <a:fontRef idx="minor">
+            <a:schemeClr val="tx1"/>
+          </a:fontRef>
+        </p:style>
+      </p:cxnSp>
     </p:spTree>
   </p:cSld>
   <p:clrMapOvr>
@@ -13217,7 +13312,7 @@
             </a:r>
             <a:r>
               <a:rPr lang="en-US" altLang="zh-CN"/>
-              <a:t>130000</a:t>
+              <a:t>132241</a:t>
             </a:r>
             <a:r>
               <a:rPr lang="zh-CN" altLang="en-US"/>
@@ -13439,7 +13534,7 @@
             </a:r>
             <a:r>
               <a:rPr lang="en-US" altLang="zh-CN"/>
-              <a:t>15000</a:t>
+              <a:t>10000</a:t>
             </a:r>
             <a:r>
               <a:rPr lang="zh-CN" altLang="en-US"/>
@@ -13447,7 +13542,7 @@
             </a:r>
             <a:r>
               <a:rPr lang="en-US" altLang="zh-CN"/>
-              <a:t>5000</a:t>
+              <a:t>3000</a:t>
             </a:r>
             <a:r>
               <a:rPr lang="zh-CN" altLang="en-US"/>
@@ -18528,7 +18623,7 @@
         <p:spPr>
           <a:xfrm>
             <a:off x="1238885" y="4519930"/>
-            <a:ext cx="1118235" cy="486410"/>
+            <a:ext cx="1351915" cy="486410"/>
           </a:xfrm>
           <a:prstGeom prst="rect">
             <a:avLst/>
@@ -18556,7 +18651,7 @@
             <a:pPr algn="ctr"/>
             <a:r>
               <a:rPr lang="zh-CN" altLang="en-US"/>
-              <a:t>生成模型</a:t>
+              <a:t>问题生成模型</a:t>
             </a:r>
             <a:endParaRPr lang="zh-CN" altLang="en-US"/>
           </a:p>
@@ -18700,7 +18795,7 @@
         </p:nvCxnSpPr>
         <p:spPr>
           <a:xfrm flipV="1">
-            <a:off x="2357120" y="4759325"/>
+            <a:off x="2590800" y="4766945"/>
             <a:ext cx="615950" cy="7620"/>
           </a:xfrm>
           <a:prstGeom prst="straightConnector1">
@@ -18736,8 +18831,8 @@
         </p:nvSpPr>
         <p:spPr>
           <a:xfrm>
-            <a:off x="2897505" y="4613275"/>
-            <a:ext cx="707390" cy="299085"/>
+            <a:off x="3187700" y="4613275"/>
+            <a:ext cx="1383665" cy="299085"/>
           </a:xfrm>
           <a:prstGeom prst="rect">
             <a:avLst/>
@@ -18750,8 +18845,12 @@
           </a:bodyPr>
           <a:p>
             <a:r>
+              <a:rPr lang="en-US" altLang="zh-CN"/>
+              <a:t>1 or N</a:t>
+            </a:r>
+            <a:r>
               <a:rPr lang="zh-CN" altLang="en-US"/>
-              <a:t>问题</a:t>
+              <a:t>个问题</a:t>
             </a:r>
             <a:endParaRPr lang="zh-CN" altLang="en-US"/>
           </a:p>
@@ -18950,7 +19049,7 @@
                   </a:outerShdw>
                 </a:effectLst>
               </a:rPr>
-              <a:t>相关技术实践</a:t>
+              <a:t>研究计划</a:t>
             </a:r>
             <a:endParaRPr lang="zh-CN" altLang="en-US" sz="3200">
               <a:solidFill>
@@ -18976,7 +19075,7 @@
         <p:spPr>
           <a:xfrm>
             <a:off x="684530" y="904240"/>
-            <a:ext cx="7994650" cy="829945"/>
+            <a:ext cx="8344535" cy="1076325"/>
           </a:xfrm>
           <a:prstGeom prst="rect">
             <a:avLst/>
@@ -19006,7 +19105,71 @@
                 </a:effectLst>
                 <a:sym typeface="+mn-ea"/>
               </a:rPr>
-              <a:t>知识蒸馏</a:t>
+              <a:t>实现在知识蒸馏引导下，基于</a:t>
+            </a:r>
+            <a:r>
+              <a:rPr lang="en-US" altLang="zh-CN" sz="1600">
+                <a:solidFill>
+                  <a:schemeClr val="tx1"/>
+                </a:solidFill>
+                <a:effectLst>
+                  <a:outerShdw blurRad="38100" dist="19050" dir="2700000" algn="tl" rotWithShape="0">
+                    <a:schemeClr val="dk1">
+                      <a:alpha val="40000"/>
+                    </a:schemeClr>
+                  </a:outerShdw>
+                </a:effectLst>
+                <a:sym typeface="+mn-ea"/>
+              </a:rPr>
+              <a:t>conv-Transformer</a:t>
+            </a:r>
+            <a:r>
+              <a:rPr lang="zh-CN" altLang="en-US" sz="1600">
+                <a:solidFill>
+                  <a:schemeClr val="tx1"/>
+                </a:solidFill>
+                <a:effectLst>
+                  <a:outerShdw blurRad="38100" dist="19050" dir="2700000" algn="tl" rotWithShape="0">
+                    <a:schemeClr val="dk1">
+                      <a:alpha val="40000"/>
+                    </a:schemeClr>
+                  </a:outerShdw>
+                </a:effectLst>
+                <a:sym typeface="+mn-ea"/>
+              </a:rPr>
+              <a:t>的</a:t>
+            </a:r>
+            <a:r>
+              <a:rPr lang="en-US" altLang="zh-CN" sz="1600">
+                <a:solidFill>
+                  <a:schemeClr val="tx1"/>
+                </a:solidFill>
+                <a:effectLst>
+                  <a:outerShdw blurRad="38100" dist="19050" dir="2700000" algn="tl" rotWithShape="0">
+                    <a:schemeClr val="dk1">
+                      <a:alpha val="40000"/>
+                    </a:schemeClr>
+                  </a:outerShdw>
+                </a:effectLst>
+                <a:sym typeface="+mn-ea"/>
+              </a:rPr>
+              <a:t>Lattice</a:t>
+            </a:r>
+            <a:r>
+              <a:rPr lang="zh-CN" altLang="en-US" sz="1600">
+                <a:solidFill>
+                  <a:schemeClr val="tx1"/>
+                </a:solidFill>
+                <a:effectLst>
+                  <a:outerShdw blurRad="38100" dist="19050" dir="2700000" algn="tl" rotWithShape="0">
+                    <a:schemeClr val="dk1">
+                      <a:alpha val="40000"/>
+                    </a:schemeClr>
+                  </a:outerShdw>
+                </a:effectLst>
+                <a:sym typeface="+mn-ea"/>
+              </a:rPr>
+              <a:t>结构文本匹配模块，并且在经过数据增强的文本匹配数据集上训练。</a:t>
             </a:r>
             <a:endParaRPr lang="zh-CN" altLang="en-US" sz="1600">
               <a:solidFill>
@@ -19041,7 +19204,39 @@
                 </a:effectLst>
                 <a:sym typeface="+mn-ea"/>
               </a:rPr>
-              <a:t>问题生成</a:t>
+              <a:t>实现所提出的阅读理解模型，即：在</a:t>
+            </a:r>
+            <a:r>
+              <a:rPr lang="en-US" altLang="zh-CN" sz="1600">
+                <a:solidFill>
+                  <a:schemeClr val="tx1"/>
+                </a:solidFill>
+                <a:effectLst>
+                  <a:outerShdw blurRad="38100" dist="19050" dir="2700000" algn="tl" rotWithShape="0">
+                    <a:schemeClr val="dk1">
+                      <a:alpha val="40000"/>
+                    </a:schemeClr>
+                  </a:outerShdw>
+                </a:effectLst>
+                <a:sym typeface="+mn-ea"/>
+              </a:rPr>
+              <a:t>BERT</a:t>
+            </a:r>
+            <a:r>
+              <a:rPr lang="zh-CN" altLang="en-US" sz="1600">
+                <a:solidFill>
+                  <a:schemeClr val="tx1"/>
+                </a:solidFill>
+                <a:effectLst>
+                  <a:outerShdw blurRad="38100" dist="19050" dir="2700000" algn="tl" rotWithShape="0">
+                    <a:schemeClr val="dk1">
+                      <a:alpha val="40000"/>
+                    </a:schemeClr>
+                  </a:outerShdw>
+                </a:effectLst>
+                <a:sym typeface="+mn-ea"/>
+              </a:rPr>
+              <a:t>的基础上引入持续阅读模块和答案验证模块。</a:t>
             </a:r>
             <a:endParaRPr lang="zh-CN" altLang="en-US" sz="1600">
               <a:solidFill>
@@ -19076,9 +19271,9 @@
                 </a:effectLst>
                 <a:sym typeface="+mn-ea"/>
               </a:rPr>
-              <a:t>构建系统需要的技术</a:t>
-            </a:r>
-            <a:endParaRPr lang="zh-CN" altLang="en-US" sz="1600">
+              <a:t>分别实现上述两个模块后，利用强化学习联合训练两个模块，最终实现问答系统。</a:t>
+            </a:r>
+            <a:endParaRPr lang="en-US" altLang="zh-CN" sz="1600">
               <a:solidFill>
                 <a:schemeClr val="tx1"/>
               </a:solidFill>
@@ -19154,7 +19349,7 @@
         <p:spPr>
           <a:xfrm>
             <a:off x="684530" y="3032125"/>
-            <a:ext cx="7994650" cy="583565"/>
+            <a:ext cx="7994650" cy="829945"/>
           </a:xfrm>
           <a:prstGeom prst="rect">
             <a:avLst/>
@@ -19171,6 +19366,54 @@
               <a:buChar char="Ø"/>
             </a:pPr>
             <a:r>
+              <a:rPr lang="zh-CN" altLang="en-US" sz="1600">
+                <a:solidFill>
+                  <a:schemeClr val="tx1"/>
+                </a:solidFill>
+                <a:effectLst>
+                  <a:outerShdw blurRad="38100" dist="19050" dir="2700000" algn="tl" rotWithShape="0">
+                    <a:schemeClr val="dk1">
+                      <a:alpha val="40000"/>
+                    </a:schemeClr>
+                  </a:outerShdw>
+                </a:effectLst>
+                <a:sym typeface="+mn-ea"/>
+              </a:rPr>
+              <a:t>基于</a:t>
+            </a:r>
+            <a:r>
+              <a:rPr lang="en-US" altLang="zh-CN" sz="1600">
+                <a:solidFill>
+                  <a:schemeClr val="tx1"/>
+                </a:solidFill>
+                <a:effectLst>
+                  <a:outerShdw blurRad="38100" dist="19050" dir="2700000" algn="tl" rotWithShape="0">
+                    <a:schemeClr val="dk1">
+                      <a:alpha val="40000"/>
+                    </a:schemeClr>
+                  </a:outerShdw>
+                </a:effectLst>
+                <a:sym typeface="+mn-ea"/>
+              </a:rPr>
+              <a:t>conv-Transformer</a:t>
+            </a:r>
+            <a:r>
+              <a:rPr lang="zh-CN" altLang="en-US" sz="1600">
+                <a:solidFill>
+                  <a:schemeClr val="tx1"/>
+                </a:solidFill>
+                <a:effectLst>
+                  <a:outerShdw blurRad="38100" dist="19050" dir="2700000" algn="tl" rotWithShape="0">
+                    <a:schemeClr val="dk1">
+                      <a:alpha val="40000"/>
+                    </a:schemeClr>
+                  </a:outerShdw>
+                </a:effectLst>
+                <a:sym typeface="+mn-ea"/>
+              </a:rPr>
+              <a:t>的</a:t>
+            </a:r>
+            <a:r>
               <a:rPr lang="en-US" altLang="zh-CN" sz="1600">
                 <a:solidFill>
                   <a:schemeClr val="tx1"/>
@@ -19185,38 +19428,6 @@
                 <a:sym typeface="+mn-ea"/>
               </a:rPr>
               <a:t>Lattice</a:t>
-            </a:r>
-            <a:r>
-              <a:rPr lang="zh-CN" altLang="en-US" sz="1600">
-                <a:solidFill>
-                  <a:schemeClr val="tx1"/>
-                </a:solidFill>
-                <a:effectLst>
-                  <a:outerShdw blurRad="38100" dist="19050" dir="2700000" algn="tl" rotWithShape="0">
-                    <a:schemeClr val="dk1">
-                      <a:alpha val="40000"/>
-                    </a:schemeClr>
-                  </a:outerShdw>
-                </a:effectLst>
-                <a:sym typeface="+mn-ea"/>
-              </a:rPr>
-              <a:t>结合</a:t>
-            </a:r>
-            <a:r>
-              <a:rPr lang="en-US" altLang="zh-CN" sz="1600">
-                <a:solidFill>
-                  <a:schemeClr val="tx1"/>
-                </a:solidFill>
-                <a:effectLst>
-                  <a:outerShdw blurRad="38100" dist="19050" dir="2700000" algn="tl" rotWithShape="0">
-                    <a:schemeClr val="dk1">
-                      <a:alpha val="40000"/>
-                    </a:schemeClr>
-                  </a:outerShdw>
-                </a:effectLst>
-                <a:sym typeface="+mn-ea"/>
-              </a:rPr>
-              <a:t>conv-Transformer</a:t>
             </a:r>
             <a:r>
               <a:rPr lang="zh-CN" altLang="en-US" sz="1600">
@@ -19267,6 +19478,41 @@
                 </a:effectLst>
                 <a:sym typeface="+mn-ea"/>
               </a:rPr>
+              <a:t>在中文问答系统中的检索匹配模块采用知识蒸馏技术</a:t>
+            </a:r>
+            <a:endParaRPr lang="zh-CN" altLang="en-US" sz="1600">
+              <a:solidFill>
+                <a:schemeClr val="tx1"/>
+              </a:solidFill>
+              <a:effectLst>
+                <a:outerShdw blurRad="38100" dist="19050" dir="2700000" algn="tl" rotWithShape="0">
+                  <a:schemeClr val="dk1">
+                    <a:alpha val="40000"/>
+                  </a:schemeClr>
+                </a:outerShdw>
+              </a:effectLst>
+              <a:sym typeface="+mn-ea"/>
+            </a:endParaRPr>
+          </a:p>
+          <a:p>
+            <a:pPr marL="285750" indent="-285750">
+              <a:buFont typeface="Wingdings" panose="05000000000000000000" charset="0"/>
+              <a:buChar char="Ø"/>
+            </a:pPr>
+            <a:r>
+              <a:rPr lang="zh-CN" altLang="en-US" sz="1600">
+                <a:solidFill>
+                  <a:schemeClr val="tx1"/>
+                </a:solidFill>
+                <a:effectLst>
+                  <a:outerShdw blurRad="38100" dist="19050" dir="2700000" algn="tl" rotWithShape="0">
+                    <a:schemeClr val="dk1">
+                      <a:alpha val="40000"/>
+                    </a:schemeClr>
+                  </a:outerShdw>
+                </a:effectLst>
+                <a:sym typeface="+mn-ea"/>
+              </a:rPr>
               <a:t>基于</a:t>
             </a:r>
             <a:r>
@@ -19299,7 +19545,7 @@
                 </a:effectLst>
                 <a:sym typeface="+mn-ea"/>
               </a:rPr>
-              <a:t>结合持续阅读机制和答案验证机制的提出</a:t>
+              <a:t>结合持续阅读和答案验证结构的提出</a:t>
             </a:r>
             <a:endParaRPr lang="zh-CN" altLang="en-US" sz="1600">
               <a:solidFill>
@@ -20101,8 +20347,8 @@
         </p:nvSpPr>
         <p:spPr>
           <a:xfrm>
-            <a:off x="4650790" y="3644953"/>
-            <a:ext cx="3110230" cy="714375"/>
+            <a:off x="4667935" y="3644953"/>
+            <a:ext cx="3075940" cy="714375"/>
           </a:xfrm>
           <a:prstGeom prst="rect">
             <a:avLst/>
@@ -20171,7 +20417,7 @@
                 <a:ea typeface="微软雅黑" panose="020B0503020204020204" charset="-122"/>
                 <a:cs typeface="Kartika" panose="02020503030404060203" pitchFamily="18" charset="0"/>
               </a:rPr>
-              <a:t>指导老师：  张天成</a:t>
+              <a:t>指导老师： 张天成</a:t>
             </a:r>
             <a:endParaRPr lang="en-US" altLang="zh-CN" sz="1350" dirty="0">
               <a:solidFill>
@@ -20955,7 +21201,6 @@
             </a:pPr>
             <a:r>
               <a:rPr lang="zh-CN" altLang="en-US" sz="1000" b="1">
-                <a:ln/>
                 <a:solidFill>
                   <a:srgbClr val="FF0000"/>
                 </a:solidFill>
@@ -20974,7 +21219,6 @@
               <a:t>利用自然语言处理技术，对问题进行深层次语义分析</a:t>
             </a:r>
             <a:endParaRPr lang="zh-CN" altLang="en-US" sz="1000" b="1">
-              <a:ln/>
               <a:solidFill>
                 <a:srgbClr val="FF0000"/>
               </a:solidFill>
@@ -20998,7 +21242,6 @@
             </a:pPr>
             <a:r>
               <a:rPr lang="zh-CN" altLang="en-US" sz="1000" b="1">
-                <a:ln/>
                 <a:solidFill>
                   <a:srgbClr val="FF0000"/>
                 </a:solidFill>
@@ -21017,7 +21260,6 @@
               <a:t>通过检索、推理等返回精确的答案，不需要再次筛选</a:t>
             </a:r>
             <a:endParaRPr lang="zh-CN" altLang="en-US" sz="1000" b="1">
-              <a:ln/>
               <a:solidFill>
                 <a:srgbClr val="FF0000"/>
               </a:solidFill>
@@ -21059,7 +21301,6 @@
           <a:p>
             <a:r>
               <a:rPr lang="zh-CN" altLang="en-US" b="1">
-                <a:ln/>
                 <a:gradFill>
                   <a:gsLst>
                     <a:gs pos="0">
@@ -21084,7 +21325,6 @@
               <a:t>从互联网的海量数据中快速准确的获取需要的答案</a:t>
             </a:r>
             <a:endParaRPr lang="zh-CN" altLang="en-US" b="1">
-              <a:ln/>
               <a:gradFill>
                 <a:gsLst>
                   <a:gs pos="0">

--- a/孙相会.pptx
+++ b/孙相会.pptx
@@ -29,11 +29,12 @@
     <p:sldId id="643" r:id="rId22"/>
     <p:sldId id="511" r:id="rId23"/>
     <p:sldId id="641" r:id="rId24"/>
-    <p:sldId id="597" r:id="rId25"/>
-    <p:sldId id="666" r:id="rId26"/>
-    <p:sldId id="579" r:id="rId27"/>
-    <p:sldId id="535" r:id="rId28"/>
-    <p:sldId id="668" r:id="rId29"/>
+    <p:sldId id="670" r:id="rId25"/>
+    <p:sldId id="597" r:id="rId26"/>
+    <p:sldId id="666" r:id="rId27"/>
+    <p:sldId id="579" r:id="rId28"/>
+    <p:sldId id="535" r:id="rId29"/>
+    <p:sldId id="668" r:id="rId30"/>
   </p:sldIdLst>
   <p:sldSz cx="9144000" cy="5143500" type="screen16x9"/>
   <p:notesSz cx="6858000" cy="9144000"/>
@@ -1581,6 +1582,84 @@
 </file>
 
 <file path=ppt/notesSlides/notesSlide22.xml><?xml version="1.0" encoding="utf-8"?>
+<p:notes xmlns:a="http://schemas.openxmlformats.org/drawingml/2006/main" xmlns:r="http://schemas.openxmlformats.org/officeDocument/2006/relationships" xmlns:p="http://schemas.openxmlformats.org/presentationml/2006/main">
+  <p:cSld>
+    <p:spTree>
+      <p:nvGrpSpPr>
+        <p:cNvPr id="1" name=""/>
+        <p:cNvGrpSpPr/>
+        <p:nvPr/>
+      </p:nvGrpSpPr>
+      <p:grpSpPr>
+        <a:xfrm>
+          <a:off x="0" y="0"/>
+          <a:ext cx="0" cy="0"/>
+          <a:chOff x="0" y="0"/>
+          <a:chExt cx="0" cy="0"/>
+        </a:xfrm>
+      </p:grpSpPr>
+      <p:sp>
+        <p:nvSpPr>
+          <p:cNvPr id="2" name="幻灯片图像占位符 1"/>
+          <p:cNvSpPr>
+            <a:spLocks noGrp="1" noRot="1" noChangeAspect="1"/>
+          </p:cNvSpPr>
+          <p:nvPr>
+            <p:ph type="sldImg"/>
+          </p:nvPr>
+        </p:nvSpPr>
+        <p:spPr/>
+      </p:sp>
+      <p:sp>
+        <p:nvSpPr>
+          <p:cNvPr id="3" name="备注占位符 2"/>
+          <p:cNvSpPr>
+            <a:spLocks noGrp="1"/>
+          </p:cNvSpPr>
+          <p:nvPr>
+            <p:ph type="body" idx="1"/>
+          </p:nvPr>
+        </p:nvSpPr>
+        <p:spPr/>
+        <p:txBody>
+          <a:bodyPr/>
+          <a:lstStyle/>
+          <a:p>
+            <a:endParaRPr lang="zh-CN" altLang="en-US"/>
+          </a:p>
+        </p:txBody>
+      </p:sp>
+      <p:sp>
+        <p:nvSpPr>
+          <p:cNvPr id="4" name="灯片编号占位符 3"/>
+          <p:cNvSpPr>
+            <a:spLocks noGrp="1"/>
+          </p:cNvSpPr>
+          <p:nvPr>
+            <p:ph type="sldNum" sz="quarter" idx="10"/>
+          </p:nvPr>
+        </p:nvSpPr>
+        <p:spPr/>
+        <p:txBody>
+          <a:bodyPr/>
+          <a:lstStyle/>
+          <a:p>
+            <a:fld id="{74E7DC6A-F9F9-48DB-9FE7-E174AE05389F}" type="slidenum">
+              <a:rPr lang="zh-CN" altLang="en-US" smtClean="0"/>
+            </a:fld>
+            <a:endParaRPr lang="zh-CN" altLang="en-US"/>
+          </a:p>
+        </p:txBody>
+      </p:sp>
+    </p:spTree>
+  </p:cSld>
+  <p:clrMapOvr>
+    <a:masterClrMapping/>
+  </p:clrMapOvr>
+</p:notes>
+</file>
+
+<file path=ppt/notesSlides/notesSlide23.xml><?xml version="1.0" encoding="utf-8"?>
 <p:notes xmlns:a="http://schemas.openxmlformats.org/drawingml/2006/main" xmlns:r="http://schemas.openxmlformats.org/officeDocument/2006/relationships" xmlns:p="http://schemas.openxmlformats.org/presentationml/2006/main">
   <p:cSld>
     <p:spTree>
@@ -6470,6 +6549,36 @@
                   </a:outerShdw>
                 </a:effectLst>
               </a:rPr>
+              <a:t>Transformer</a:t>
+            </a:r>
+            <a:r>
+              <a:rPr lang="zh-CN" altLang="en-US" sz="1800">
+                <a:solidFill>
+                  <a:schemeClr val="tx1"/>
+                </a:solidFill>
+                <a:effectLst>
+                  <a:outerShdw blurRad="38100" dist="19050" dir="2700000" algn="tl" rotWithShape="0">
+                    <a:schemeClr val="dk1">
+                      <a:alpha val="40000"/>
+                    </a:schemeClr>
+                  </a:outerShdw>
+                </a:effectLst>
+              </a:rPr>
+              <a:t>中的</a:t>
+            </a:r>
+            <a:r>
+              <a:rPr lang="en-US" altLang="zh-CN" sz="1800">
+                <a:solidFill>
+                  <a:schemeClr val="tx1"/>
+                </a:solidFill>
+                <a:effectLst>
+                  <a:outerShdw blurRad="38100" dist="19050" dir="2700000" algn="tl" rotWithShape="0">
+                    <a:schemeClr val="dk1">
+                      <a:alpha val="40000"/>
+                    </a:schemeClr>
+                  </a:outerShdw>
+                </a:effectLst>
+              </a:rPr>
               <a:t>self-attention</a:t>
             </a:r>
             <a:r>
@@ -16018,6 +16127,526 @@
       </p:cxnSp>
       <p:sp>
         <p:nvSpPr>
+          <p:cNvPr id="9" name="Text Box 8"/>
+          <p:cNvSpPr txBox="1"/>
+          <p:nvPr/>
+        </p:nvSpPr>
+        <p:spPr>
+          <a:xfrm>
+            <a:off x="1217295" y="3728085"/>
+            <a:ext cx="1454785" cy="299085"/>
+          </a:xfrm>
+          <a:prstGeom prst="rect">
+            <a:avLst/>
+          </a:prstGeom>
+          <a:noFill/>
+        </p:spPr>
+        <p:txBody>
+          <a:bodyPr wrap="square" rtlCol="0">
+            <a:spAutoFit/>
+          </a:bodyPr>
+          <a:p>
+            <a:r>
+              <a:rPr lang="zh-CN" altLang="en-US"/>
+              <a:t>负样本</a:t>
+            </a:r>
+            <a:endParaRPr lang="zh-CN" altLang="en-US"/>
+          </a:p>
+        </p:txBody>
+      </p:sp>
+    </p:spTree>
+  </p:cSld>
+  <p:clrMapOvr>
+    <a:masterClrMapping/>
+  </p:clrMapOvr>
+  <mc:AlternateContent xmlns:mc="http://schemas.openxmlformats.org/markup-compatibility/2006">
+    <mc:Choice xmlns:p14="http://schemas.microsoft.com/office/powerpoint/2010/main" Requires="p14">
+      <p:transition spd="slow" p14:dur="2000"/>
+    </mc:Choice>
+    <mc:Fallback>
+      <p:transition spd="slow"/>
+    </mc:Fallback>
+  </mc:AlternateContent>
+  <p:timing>
+    <p:tnLst>
+      <p:par>
+        <p:cTn id="1" dur="indefinite" restart="never" nodeType="tmRoot"/>
+      </p:par>
+    </p:tnLst>
+  </p:timing>
+</p:sld>
+</file>
+
+<file path=ppt/slides/slide22.xml><?xml version="1.0" encoding="utf-8"?>
+<p:sld xmlns:a="http://schemas.openxmlformats.org/drawingml/2006/main" xmlns:r="http://schemas.openxmlformats.org/officeDocument/2006/relationships" xmlns:p="http://schemas.openxmlformats.org/presentationml/2006/main">
+  <p:cSld>
+    <p:spTree>
+      <p:nvGrpSpPr>
+        <p:cNvPr id="1" name=""/>
+        <p:cNvGrpSpPr/>
+        <p:nvPr/>
+      </p:nvGrpSpPr>
+      <p:grpSpPr>
+        <a:xfrm>
+          <a:off x="0" y="0"/>
+          <a:ext cx="0" cy="0"/>
+          <a:chOff x="0" y="0"/>
+          <a:chExt cx="0" cy="0"/>
+        </a:xfrm>
+      </p:grpSpPr>
+      <p:pic>
+        <p:nvPicPr>
+          <p:cNvPr id="2" name="图片 3"/>
+          <p:cNvPicPr>
+            <a:picLocks noChangeAspect="1"/>
+          </p:cNvPicPr>
+          <p:nvPr/>
+        </p:nvPicPr>
+        <p:blipFill>
+          <a:blip r:embed="rId1" cstate="print">
+            <a:extLst>
+              <a:ext uri="{28A0092B-C50C-407E-A947-70E740481C1C}">
+                <a14:useLocalDpi xmlns:a14="http://schemas.microsoft.com/office/drawing/2010/main" val="0"/>
+              </a:ext>
+            </a:extLst>
+          </a:blip>
+          <a:stretch>
+            <a:fillRect/>
+          </a:stretch>
+        </p:blipFill>
+        <p:spPr>
+          <a:xfrm>
+            <a:off x="7608408" y="122473"/>
+            <a:ext cx="1467011" cy="491720"/>
+          </a:xfrm>
+          <a:prstGeom prst="rect">
+            <a:avLst/>
+          </a:prstGeom>
+        </p:spPr>
+      </p:pic>
+      <p:sp>
+        <p:nvSpPr>
+          <p:cNvPr id="3" name="Text Box 2"/>
+          <p:cNvSpPr txBox="1"/>
+          <p:nvPr/>
+        </p:nvSpPr>
+        <p:spPr>
+          <a:xfrm>
+            <a:off x="508635" y="194310"/>
+            <a:ext cx="4631690" cy="583565"/>
+          </a:xfrm>
+          <a:prstGeom prst="rect">
+            <a:avLst/>
+          </a:prstGeom>
+          <a:noFill/>
+        </p:spPr>
+        <p:txBody>
+          <a:bodyPr wrap="square" rtlCol="0">
+            <a:spAutoFit/>
+          </a:bodyPr>
+          <a:p>
+            <a:r>
+              <a:rPr lang="zh-CN" altLang="en-US" sz="3200">
+                <a:ln w="12700">
+                  <a:solidFill>
+                    <a:schemeClr val="tx2">
+                      <a:lumMod val="75000"/>
+                    </a:schemeClr>
+                  </a:solidFill>
+                  <a:prstDash val="solid"/>
+                </a:ln>
+                <a:pattFill prst="dkUpDiag">
+                  <a:fgClr>
+                    <a:schemeClr val="tx2"/>
+                  </a:fgClr>
+                  <a:bgClr>
+                    <a:schemeClr val="tx2">
+                      <a:lumMod val="20000"/>
+                      <a:lumOff val="80000"/>
+                    </a:schemeClr>
+                  </a:bgClr>
+                </a:pattFill>
+                <a:effectLst>
+                  <a:outerShdw dist="38100" dir="2640000" algn="bl" rotWithShape="0">
+                    <a:schemeClr val="tx2">
+                      <a:lumMod val="75000"/>
+                    </a:schemeClr>
+                  </a:outerShdw>
+                </a:effectLst>
+              </a:rPr>
+              <a:t>文本匹配数据集的构建</a:t>
+            </a:r>
+            <a:endParaRPr lang="zh-CN" altLang="en-US" sz="3200">
+              <a:ln w="12700">
+                <a:solidFill>
+                  <a:schemeClr val="tx2">
+                    <a:lumMod val="75000"/>
+                  </a:schemeClr>
+                </a:solidFill>
+                <a:prstDash val="solid"/>
+              </a:ln>
+              <a:pattFill prst="dkUpDiag">
+                <a:fgClr>
+                  <a:schemeClr val="tx2"/>
+                </a:fgClr>
+                <a:bgClr>
+                  <a:schemeClr val="tx2">
+                    <a:lumMod val="20000"/>
+                    <a:lumOff val="80000"/>
+                  </a:schemeClr>
+                </a:bgClr>
+              </a:pattFill>
+              <a:effectLst>
+                <a:outerShdw dist="38100" dir="2640000" algn="bl" rotWithShape="0">
+                  <a:schemeClr val="tx2">
+                    <a:lumMod val="75000"/>
+                  </a:schemeClr>
+                </a:outerShdw>
+              </a:effectLst>
+            </a:endParaRPr>
+          </a:p>
+        </p:txBody>
+      </p:sp>
+      <p:sp>
+        <p:nvSpPr>
+          <p:cNvPr id="25" name="圆角矩形 8"/>
+          <p:cNvSpPr>
+            <a:spLocks noChangeArrowheads="1"/>
+          </p:cNvSpPr>
+          <p:nvPr/>
+        </p:nvSpPr>
+        <p:spPr bwMode="auto">
+          <a:xfrm>
+            <a:off x="93980" y="2350770"/>
+            <a:ext cx="4368800" cy="1377315"/>
+          </a:xfrm>
+          <a:prstGeom prst="roundRect">
+            <a:avLst>
+              <a:gd name="adj" fmla="val 4324"/>
+            </a:avLst>
+          </a:prstGeom>
+          <a:solidFill>
+            <a:srgbClr val="F2F2F2"/>
+          </a:solidFill>
+          <a:ln w="9525">
+            <a:solidFill>
+              <a:schemeClr val="tx1"/>
+            </a:solidFill>
+            <a:round/>
+          </a:ln>
+        </p:spPr>
+        <p:txBody>
+          <a:bodyPr/>
+          <a:lstStyle>
+            <a:lvl1pPr eaLnBrk="0" hangingPunct="0">
+              <a:defRPr>
+                <a:solidFill>
+                  <a:schemeClr val="tx1"/>
+                </a:solidFill>
+                <a:latin typeface="Arial" panose="020B0604020202020204" pitchFamily="34" charset="0"/>
+                <a:ea typeface="宋体" panose="02010600030101010101" pitchFamily="2" charset="-122"/>
+              </a:defRPr>
+            </a:lvl1pPr>
+            <a:lvl2pPr eaLnBrk="0" hangingPunct="0">
+              <a:defRPr>
+                <a:solidFill>
+                  <a:schemeClr val="tx1"/>
+                </a:solidFill>
+                <a:latin typeface="Arial" panose="020B0604020202020204" pitchFamily="34" charset="0"/>
+                <a:ea typeface="宋体" panose="02010600030101010101" pitchFamily="2" charset="-122"/>
+              </a:defRPr>
+            </a:lvl2pPr>
+            <a:lvl3pPr eaLnBrk="0" hangingPunct="0">
+              <a:defRPr>
+                <a:solidFill>
+                  <a:schemeClr val="tx1"/>
+                </a:solidFill>
+                <a:latin typeface="Arial" panose="020B0604020202020204" pitchFamily="34" charset="0"/>
+                <a:ea typeface="宋体" panose="02010600030101010101" pitchFamily="2" charset="-122"/>
+              </a:defRPr>
+            </a:lvl3pPr>
+            <a:lvl4pPr eaLnBrk="0" hangingPunct="0">
+              <a:defRPr>
+                <a:solidFill>
+                  <a:schemeClr val="tx1"/>
+                </a:solidFill>
+                <a:latin typeface="Arial" panose="020B0604020202020204" pitchFamily="34" charset="0"/>
+                <a:ea typeface="宋体" panose="02010600030101010101" pitchFamily="2" charset="-122"/>
+              </a:defRPr>
+            </a:lvl4pPr>
+            <a:lvl5pPr eaLnBrk="0" hangingPunct="0">
+              <a:defRPr>
+                <a:solidFill>
+                  <a:schemeClr val="tx1"/>
+                </a:solidFill>
+                <a:latin typeface="Arial" panose="020B0604020202020204" pitchFamily="34" charset="0"/>
+                <a:ea typeface="宋体" panose="02010600030101010101" pitchFamily="2" charset="-122"/>
+              </a:defRPr>
+            </a:lvl5pPr>
+            <a:lvl6pPr eaLnBrk="0" fontAlgn="base" hangingPunct="0">
+              <a:spcBef>
+                <a:spcPct val="0"/>
+              </a:spcBef>
+              <a:spcAft>
+                <a:spcPct val="0"/>
+              </a:spcAft>
+              <a:buFont typeface="Arial" panose="020B0604020202020204" pitchFamily="34" charset="0"/>
+              <a:defRPr>
+                <a:solidFill>
+                  <a:schemeClr val="tx1"/>
+                </a:solidFill>
+                <a:latin typeface="Arial" panose="020B0604020202020204" pitchFamily="34" charset="0"/>
+                <a:ea typeface="宋体" panose="02010600030101010101" pitchFamily="2" charset="-122"/>
+              </a:defRPr>
+            </a:lvl6pPr>
+            <a:lvl7pPr eaLnBrk="0" fontAlgn="base" hangingPunct="0">
+              <a:spcBef>
+                <a:spcPct val="0"/>
+              </a:spcBef>
+              <a:spcAft>
+                <a:spcPct val="0"/>
+              </a:spcAft>
+              <a:buFont typeface="Arial" panose="020B0604020202020204" pitchFamily="34" charset="0"/>
+              <a:defRPr>
+                <a:solidFill>
+                  <a:schemeClr val="tx1"/>
+                </a:solidFill>
+                <a:latin typeface="Arial" panose="020B0604020202020204" pitchFamily="34" charset="0"/>
+                <a:ea typeface="宋体" panose="02010600030101010101" pitchFamily="2" charset="-122"/>
+              </a:defRPr>
+            </a:lvl7pPr>
+            <a:lvl8pPr eaLnBrk="0" fontAlgn="base" hangingPunct="0">
+              <a:spcBef>
+                <a:spcPct val="0"/>
+              </a:spcBef>
+              <a:spcAft>
+                <a:spcPct val="0"/>
+              </a:spcAft>
+              <a:buFont typeface="Arial" panose="020B0604020202020204" pitchFamily="34" charset="0"/>
+              <a:defRPr>
+                <a:solidFill>
+                  <a:schemeClr val="tx1"/>
+                </a:solidFill>
+                <a:latin typeface="Arial" panose="020B0604020202020204" pitchFamily="34" charset="0"/>
+                <a:ea typeface="宋体" panose="02010600030101010101" pitchFamily="2" charset="-122"/>
+              </a:defRPr>
+            </a:lvl8pPr>
+            <a:lvl9pPr eaLnBrk="0" fontAlgn="base" hangingPunct="0">
+              <a:spcBef>
+                <a:spcPct val="0"/>
+              </a:spcBef>
+              <a:spcAft>
+                <a:spcPct val="0"/>
+              </a:spcAft>
+              <a:buFont typeface="Arial" panose="020B0604020202020204" pitchFamily="34" charset="0"/>
+              <a:defRPr>
+                <a:solidFill>
+                  <a:schemeClr val="tx1"/>
+                </a:solidFill>
+                <a:latin typeface="Arial" panose="020B0604020202020204" pitchFamily="34" charset="0"/>
+                <a:ea typeface="宋体" panose="02010600030101010101" pitchFamily="2" charset="-122"/>
+              </a:defRPr>
+            </a:lvl9pPr>
+          </a:lstStyle>
+          <a:p>
+            <a:pPr eaLnBrk="1" hangingPunct="1"/>
+            <a:endParaRPr lang="zh-CN" altLang="en-US" sz="1350">
+              <a:solidFill>
+                <a:srgbClr val="C4261D"/>
+              </a:solidFill>
+            </a:endParaRPr>
+          </a:p>
+        </p:txBody>
+      </p:sp>
+      <p:cxnSp>
+        <p:nvCxnSpPr>
+          <p:cNvPr id="26" name="Straight Connector 25"/>
+          <p:cNvCxnSpPr/>
+          <p:nvPr/>
+        </p:nvCxnSpPr>
+        <p:spPr>
+          <a:xfrm>
+            <a:off x="93980" y="3498215"/>
+            <a:ext cx="4236720" cy="8255"/>
+          </a:xfrm>
+          <a:prstGeom prst="line">
+            <a:avLst/>
+          </a:prstGeom>
+          <a:ln w="19050">
+            <a:solidFill>
+              <a:schemeClr val="tx1"/>
+            </a:solidFill>
+          </a:ln>
+        </p:spPr>
+        <p:style>
+          <a:lnRef idx="1">
+            <a:schemeClr val="accent1"/>
+          </a:lnRef>
+          <a:fillRef idx="0">
+            <a:schemeClr val="accent1"/>
+          </a:fillRef>
+          <a:effectRef idx="0">
+            <a:schemeClr val="accent1"/>
+          </a:effectRef>
+          <a:fontRef idx="minor">
+            <a:schemeClr val="tx1"/>
+          </a:fontRef>
+        </p:style>
+      </p:cxnSp>
+      <p:sp>
+        <p:nvSpPr>
+          <p:cNvPr id="27" name="Text Box 26"/>
+          <p:cNvSpPr txBox="1"/>
+          <p:nvPr/>
+        </p:nvSpPr>
+        <p:spPr>
+          <a:xfrm>
+            <a:off x="132080" y="2350770"/>
+            <a:ext cx="4404360" cy="1198880"/>
+          </a:xfrm>
+          <a:prstGeom prst="rect">
+            <a:avLst/>
+          </a:prstGeom>
+          <a:noFill/>
+        </p:spPr>
+        <p:txBody>
+          <a:bodyPr wrap="square" rtlCol="0">
+            <a:spAutoFit/>
+          </a:bodyPr>
+          <a:p>
+            <a:r>
+              <a:rPr lang="zh-CN" altLang="en-US" sz="900"/>
+              <a:t>文本段落：</a:t>
+            </a:r>
+            <a:r>
+              <a:rPr lang="zh-CN" altLang="en-US" sz="900">
+                <a:solidFill>
+                  <a:srgbClr val="FF0000"/>
+                </a:solidFill>
+              </a:rPr>
+              <a:t>2008年夏季奥林匹克运动会马术比赛－团体三项赛于2008年8月9日至8月12日在香港的香港奥运马术场举行，团体三项赛是本届马术射击比赛最早举行的小项，亦是开幕式后首个进行的比赛小项，比赛共有来自11个国家或地区的53名运动员参与</a:t>
+            </a:r>
+            <a:r>
+              <a:rPr lang="zh-CN" altLang="en-US" sz="900"/>
+              <a:t>。面积2.04平方公里，户籍人口7.04万人（2008年），下辖21个居委会。华阳路街道的主要街道长宁路和定西路，构成繁华的中山公园商圈。辖区内的圣约翰大学旧址（今华东政法大学）、中山公园，是愚园路历史文化风貌区的重要组成部分。上海市轨道交通二号线、三号线、四号线以该街道辖区的中山公园站为换乘枢纽。</a:t>
+            </a:r>
+            <a:endParaRPr lang="zh-CN" altLang="en-US" sz="900"/>
+          </a:p>
+        </p:txBody>
+      </p:sp>
+      <p:sp>
+        <p:nvSpPr>
+          <p:cNvPr id="28" name="Text Box 27"/>
+          <p:cNvSpPr txBox="1"/>
+          <p:nvPr/>
+        </p:nvSpPr>
+        <p:spPr>
+          <a:xfrm>
+            <a:off x="93980" y="3498215"/>
+            <a:ext cx="4057015" cy="229870"/>
+          </a:xfrm>
+          <a:prstGeom prst="rect">
+            <a:avLst/>
+          </a:prstGeom>
+          <a:noFill/>
+        </p:spPr>
+        <p:txBody>
+          <a:bodyPr wrap="square" rtlCol="0">
+            <a:spAutoFit/>
+          </a:bodyPr>
+          <a:p>
+            <a:r>
+              <a:rPr lang="zh-CN" altLang="en-US" sz="900">
+                <a:solidFill>
+                  <a:schemeClr val="tx1"/>
+                </a:solidFill>
+                <a:uFillTx/>
+              </a:rPr>
+              <a:t>问题：华阳路街道四周相连的是什么地方？</a:t>
+            </a:r>
+            <a:endParaRPr lang="zh-CN" altLang="en-US" sz="900">
+              <a:solidFill>
+                <a:schemeClr val="tx1"/>
+              </a:solidFill>
+              <a:uFillTx/>
+            </a:endParaRPr>
+          </a:p>
+        </p:txBody>
+      </p:sp>
+      <p:sp>
+        <p:nvSpPr>
+          <p:cNvPr id="33" name="Text Box 32"/>
+          <p:cNvSpPr txBox="1"/>
+          <p:nvPr/>
+        </p:nvSpPr>
+        <p:spPr>
+          <a:xfrm>
+            <a:off x="93980" y="1211580"/>
+            <a:ext cx="3961765" cy="506730"/>
+          </a:xfrm>
+          <a:prstGeom prst="rect">
+            <a:avLst/>
+          </a:prstGeom>
+          <a:noFill/>
+        </p:spPr>
+        <p:txBody>
+          <a:bodyPr wrap="square" rtlCol="0">
+            <a:spAutoFit/>
+          </a:bodyPr>
+          <a:p>
+            <a:r>
+              <a:rPr lang="zh-CN" altLang="en-US"/>
+              <a:t>删除掉答案所在的句子，</a:t>
+            </a:r>
+            <a:endParaRPr lang="zh-CN" altLang="en-US"/>
+          </a:p>
+          <a:p>
+            <a:r>
+              <a:rPr lang="zh-CN" altLang="en-US"/>
+              <a:t>或者随机选取句子替换掉答案所在的句子。</a:t>
+            </a:r>
+            <a:endParaRPr lang="zh-CN" altLang="en-US"/>
+          </a:p>
+        </p:txBody>
+      </p:sp>
+      <p:cxnSp>
+        <p:nvCxnSpPr>
+          <p:cNvPr id="4" name="Straight Arrow Connector 3"/>
+          <p:cNvCxnSpPr/>
+          <p:nvPr/>
+        </p:nvCxnSpPr>
+        <p:spPr>
+          <a:xfrm>
+            <a:off x="1696085" y="1696085"/>
+            <a:ext cx="0" cy="525145"/>
+          </a:xfrm>
+          <a:prstGeom prst="straightConnector1">
+            <a:avLst/>
+          </a:prstGeom>
+          <a:ln w="34925">
+            <a:solidFill>
+              <a:schemeClr val="tx1"/>
+            </a:solidFill>
+            <a:tailEnd type="arrow"/>
+          </a:ln>
+        </p:spPr>
+        <p:style>
+          <a:lnRef idx="1">
+            <a:schemeClr val="accent1"/>
+          </a:lnRef>
+          <a:fillRef idx="0">
+            <a:schemeClr val="accent1"/>
+          </a:fillRef>
+          <a:effectRef idx="0">
+            <a:schemeClr val="accent1"/>
+          </a:effectRef>
+          <a:fontRef idx="minor">
+            <a:schemeClr val="tx1"/>
+          </a:fontRef>
+        </p:style>
+      </p:cxnSp>
+      <p:sp>
+        <p:nvSpPr>
           <p:cNvPr id="5" name="圆角矩形 8"/>
           <p:cNvSpPr>
             <a:spLocks noChangeArrowheads="1"/>
@@ -16499,7 +17128,7 @@
 </p:sld>
 </file>
 
-<file path=ppt/slides/slide22.xml><?xml version="1.0" encoding="utf-8"?>
+<file path=ppt/slides/slide23.xml><?xml version="1.0" encoding="utf-8"?>
 <p:sld xmlns:a="http://schemas.openxmlformats.org/drawingml/2006/main" xmlns:r="http://schemas.openxmlformats.org/officeDocument/2006/relationships" xmlns:p="http://schemas.openxmlformats.org/presentationml/2006/main">
   <p:cSld>
     <p:spTree>
@@ -16704,7 +17333,7 @@
 </p:sld>
 </file>
 
-<file path=ppt/slides/slide23.xml><?xml version="1.0" encoding="utf-8"?>
+<file path=ppt/slides/slide24.xml><?xml version="1.0" encoding="utf-8"?>
 <p:sld xmlns:a="http://schemas.openxmlformats.org/drawingml/2006/main" xmlns:r="http://schemas.openxmlformats.org/officeDocument/2006/relationships" xmlns:p="http://schemas.openxmlformats.org/presentationml/2006/main">
   <p:cSld>
     <p:spTree>
@@ -18193,7 +18822,7 @@
 </p:sld>
 </file>
 
-<file path=ppt/slides/slide24.xml><?xml version="1.0" encoding="utf-8"?>
+<file path=ppt/slides/slide25.xml><?xml version="1.0" encoding="utf-8"?>
 <p:sld xmlns:a="http://schemas.openxmlformats.org/drawingml/2006/main" xmlns:r="http://schemas.openxmlformats.org/officeDocument/2006/relationships" xmlns:p="http://schemas.openxmlformats.org/presentationml/2006/main">
   <p:cSld>
     <p:spTree>
@@ -18968,7 +19597,7 @@
 </p:sld>
 </file>
 
-<file path=ppt/slides/slide25.xml><?xml version="1.0" encoding="utf-8"?>
+<file path=ppt/slides/slide26.xml><?xml version="1.0" encoding="utf-8"?>
 <p:sld xmlns:a="http://schemas.openxmlformats.org/drawingml/2006/main" xmlns:r="http://schemas.openxmlformats.org/officeDocument/2006/relationships" xmlns:p="http://schemas.openxmlformats.org/presentationml/2006/main">
   <p:cSld>
     <p:spTree>
@@ -19586,7 +20215,7 @@
 </p:sld>
 </file>
 
-<file path=ppt/slides/slide26.xml><?xml version="1.0" encoding="utf-8"?>
+<file path=ppt/slides/slide27.xml><?xml version="1.0" encoding="utf-8"?>
 <p:sld xmlns:a="http://schemas.openxmlformats.org/drawingml/2006/main" xmlns:r="http://schemas.openxmlformats.org/officeDocument/2006/relationships" xmlns:p="http://schemas.openxmlformats.org/presentationml/2006/main">
   <p:cSld>
     <p:spTree>

--- a/孙相会.pptx
+++ b/孙相会.pptx
@@ -17,24 +17,19 @@
     <p:sldId id="264" r:id="rId10"/>
     <p:sldId id="636" r:id="rId11"/>
     <p:sldId id="362" r:id="rId12"/>
-    <p:sldId id="477" r:id="rId13"/>
-    <p:sldId id="576" r:id="rId14"/>
-    <p:sldId id="558" r:id="rId15"/>
-    <p:sldId id="560" r:id="rId16"/>
-    <p:sldId id="580" r:id="rId17"/>
-    <p:sldId id="637" r:id="rId18"/>
-    <p:sldId id="413" r:id="rId19"/>
-    <p:sldId id="499" r:id="rId20"/>
-    <p:sldId id="642" r:id="rId21"/>
-    <p:sldId id="643" r:id="rId22"/>
-    <p:sldId id="511" r:id="rId23"/>
-    <p:sldId id="641" r:id="rId24"/>
-    <p:sldId id="670" r:id="rId25"/>
-    <p:sldId id="597" r:id="rId26"/>
-    <p:sldId id="666" r:id="rId27"/>
-    <p:sldId id="579" r:id="rId28"/>
-    <p:sldId id="535" r:id="rId29"/>
-    <p:sldId id="668" r:id="rId30"/>
+    <p:sldId id="676" r:id="rId13"/>
+    <p:sldId id="560" r:id="rId14"/>
+    <p:sldId id="580" r:id="rId15"/>
+    <p:sldId id="637" r:id="rId16"/>
+    <p:sldId id="413" r:id="rId17"/>
+    <p:sldId id="499" r:id="rId18"/>
+    <p:sldId id="642" r:id="rId19"/>
+    <p:sldId id="511" r:id="rId20"/>
+    <p:sldId id="597" r:id="rId21"/>
+    <p:sldId id="666" r:id="rId22"/>
+    <p:sldId id="579" r:id="rId23"/>
+    <p:sldId id="535" r:id="rId24"/>
+    <p:sldId id="668" r:id="rId25"/>
   </p:sldIdLst>
   <p:sldSz cx="9144000" cy="5143500" type="screen16x9"/>
   <p:notesSz cx="6858000" cy="9144000"/>
@@ -1296,7 +1291,12 @@
             <p:ph type="sldImg"/>
           </p:nvPr>
         </p:nvSpPr>
-        <p:spPr/>
+        <p:spPr>
+          <a:xfrm>
+            <a:off x="1108075" y="812800"/>
+            <a:ext cx="5343525" cy="4008438"/>
+          </a:xfrm>
+        </p:spPr>
       </p:sp>
       <p:sp>
         <p:nvSpPr>
@@ -1313,28 +1313,6 @@
           <a:bodyPr/>
           <a:lstStyle/>
           <a:p>
-            <a:endParaRPr lang="zh-CN" altLang="en-US"/>
-          </a:p>
-        </p:txBody>
-      </p:sp>
-      <p:sp>
-        <p:nvSpPr>
-          <p:cNvPr id="4" name="灯片编号占位符 3"/>
-          <p:cNvSpPr>
-            <a:spLocks noGrp="1"/>
-          </p:cNvSpPr>
-          <p:nvPr>
-            <p:ph type="sldNum" sz="quarter" idx="10"/>
-          </p:nvPr>
-        </p:nvSpPr>
-        <p:spPr/>
-        <p:txBody>
-          <a:bodyPr/>
-          <a:lstStyle/>
-          <a:p>
-            <a:fld id="{74E7DC6A-F9F9-48DB-9FE7-E174AE05389F}" type="slidenum">
-              <a:rPr lang="zh-CN" altLang="en-US" smtClean="0"/>
-            </a:fld>
             <a:endParaRPr lang="zh-CN" altLang="en-US"/>
           </a:p>
         </p:txBody>
@@ -1413,301 +1391,6 @@
             <a:fld id="{74E7DC6A-F9F9-48DB-9FE7-E174AE05389F}" type="slidenum">
               <a:rPr lang="zh-CN" altLang="en-US" smtClean="0"/>
             </a:fld>
-            <a:endParaRPr lang="zh-CN" altLang="en-US"/>
-          </a:p>
-        </p:txBody>
-      </p:sp>
-    </p:spTree>
-  </p:cSld>
-  <p:clrMapOvr>
-    <a:masterClrMapping/>
-  </p:clrMapOvr>
-</p:notes>
-</file>
-
-<file path=ppt/notesSlides/notesSlide20.xml><?xml version="1.0" encoding="utf-8"?>
-<p:notes xmlns:a="http://schemas.openxmlformats.org/drawingml/2006/main" xmlns:r="http://schemas.openxmlformats.org/officeDocument/2006/relationships" xmlns:p="http://schemas.openxmlformats.org/presentationml/2006/main">
-  <p:cSld>
-    <p:spTree>
-      <p:nvGrpSpPr>
-        <p:cNvPr id="1" name=""/>
-        <p:cNvGrpSpPr/>
-        <p:nvPr/>
-      </p:nvGrpSpPr>
-      <p:grpSpPr>
-        <a:xfrm>
-          <a:off x="0" y="0"/>
-          <a:ext cx="0" cy="0"/>
-          <a:chOff x="0" y="0"/>
-          <a:chExt cx="0" cy="0"/>
-        </a:xfrm>
-      </p:grpSpPr>
-      <p:sp>
-        <p:nvSpPr>
-          <p:cNvPr id="2" name="幻灯片图像占位符 1"/>
-          <p:cNvSpPr>
-            <a:spLocks noGrp="1" noRot="1" noChangeAspect="1"/>
-          </p:cNvSpPr>
-          <p:nvPr>
-            <p:ph type="sldImg"/>
-          </p:nvPr>
-        </p:nvSpPr>
-        <p:spPr/>
-      </p:sp>
-      <p:sp>
-        <p:nvSpPr>
-          <p:cNvPr id="3" name="备注占位符 2"/>
-          <p:cNvSpPr>
-            <a:spLocks noGrp="1"/>
-          </p:cNvSpPr>
-          <p:nvPr>
-            <p:ph type="body" idx="1"/>
-          </p:nvPr>
-        </p:nvSpPr>
-        <p:spPr/>
-        <p:txBody>
-          <a:bodyPr/>
-          <a:lstStyle/>
-          <a:p>
-            <a:endParaRPr lang="zh-CN" altLang="en-US"/>
-          </a:p>
-        </p:txBody>
-      </p:sp>
-      <p:sp>
-        <p:nvSpPr>
-          <p:cNvPr id="4" name="灯片编号占位符 3"/>
-          <p:cNvSpPr>
-            <a:spLocks noGrp="1"/>
-          </p:cNvSpPr>
-          <p:nvPr>
-            <p:ph type="sldNum" sz="quarter" idx="10"/>
-          </p:nvPr>
-        </p:nvSpPr>
-        <p:spPr/>
-        <p:txBody>
-          <a:bodyPr/>
-          <a:lstStyle/>
-          <a:p>
-            <a:fld id="{74E7DC6A-F9F9-48DB-9FE7-E174AE05389F}" type="slidenum">
-              <a:rPr lang="zh-CN" altLang="en-US" smtClean="0"/>
-            </a:fld>
-            <a:endParaRPr lang="zh-CN" altLang="en-US"/>
-          </a:p>
-        </p:txBody>
-      </p:sp>
-    </p:spTree>
-  </p:cSld>
-  <p:clrMapOvr>
-    <a:masterClrMapping/>
-  </p:clrMapOvr>
-</p:notes>
-</file>
-
-<file path=ppt/notesSlides/notesSlide21.xml><?xml version="1.0" encoding="utf-8"?>
-<p:notes xmlns:a="http://schemas.openxmlformats.org/drawingml/2006/main" xmlns:r="http://schemas.openxmlformats.org/officeDocument/2006/relationships" xmlns:p="http://schemas.openxmlformats.org/presentationml/2006/main">
-  <p:cSld>
-    <p:spTree>
-      <p:nvGrpSpPr>
-        <p:cNvPr id="1" name=""/>
-        <p:cNvGrpSpPr/>
-        <p:nvPr/>
-      </p:nvGrpSpPr>
-      <p:grpSpPr>
-        <a:xfrm>
-          <a:off x="0" y="0"/>
-          <a:ext cx="0" cy="0"/>
-          <a:chOff x="0" y="0"/>
-          <a:chExt cx="0" cy="0"/>
-        </a:xfrm>
-      </p:grpSpPr>
-      <p:sp>
-        <p:nvSpPr>
-          <p:cNvPr id="2" name="幻灯片图像占位符 1"/>
-          <p:cNvSpPr>
-            <a:spLocks noGrp="1" noRot="1" noChangeAspect="1"/>
-          </p:cNvSpPr>
-          <p:nvPr>
-            <p:ph type="sldImg"/>
-          </p:nvPr>
-        </p:nvSpPr>
-        <p:spPr/>
-      </p:sp>
-      <p:sp>
-        <p:nvSpPr>
-          <p:cNvPr id="3" name="备注占位符 2"/>
-          <p:cNvSpPr>
-            <a:spLocks noGrp="1"/>
-          </p:cNvSpPr>
-          <p:nvPr>
-            <p:ph type="body" idx="1"/>
-          </p:nvPr>
-        </p:nvSpPr>
-        <p:spPr/>
-        <p:txBody>
-          <a:bodyPr/>
-          <a:lstStyle/>
-          <a:p>
-            <a:endParaRPr lang="zh-CN" altLang="en-US"/>
-          </a:p>
-        </p:txBody>
-      </p:sp>
-      <p:sp>
-        <p:nvSpPr>
-          <p:cNvPr id="4" name="灯片编号占位符 3"/>
-          <p:cNvSpPr>
-            <a:spLocks noGrp="1"/>
-          </p:cNvSpPr>
-          <p:nvPr>
-            <p:ph type="sldNum" sz="quarter" idx="10"/>
-          </p:nvPr>
-        </p:nvSpPr>
-        <p:spPr/>
-        <p:txBody>
-          <a:bodyPr/>
-          <a:lstStyle/>
-          <a:p>
-            <a:fld id="{74E7DC6A-F9F9-48DB-9FE7-E174AE05389F}" type="slidenum">
-              <a:rPr lang="zh-CN" altLang="en-US" smtClean="0"/>
-            </a:fld>
-            <a:endParaRPr lang="zh-CN" altLang="en-US"/>
-          </a:p>
-        </p:txBody>
-      </p:sp>
-    </p:spTree>
-  </p:cSld>
-  <p:clrMapOvr>
-    <a:masterClrMapping/>
-  </p:clrMapOvr>
-</p:notes>
-</file>
-
-<file path=ppt/notesSlides/notesSlide22.xml><?xml version="1.0" encoding="utf-8"?>
-<p:notes xmlns:a="http://schemas.openxmlformats.org/drawingml/2006/main" xmlns:r="http://schemas.openxmlformats.org/officeDocument/2006/relationships" xmlns:p="http://schemas.openxmlformats.org/presentationml/2006/main">
-  <p:cSld>
-    <p:spTree>
-      <p:nvGrpSpPr>
-        <p:cNvPr id="1" name=""/>
-        <p:cNvGrpSpPr/>
-        <p:nvPr/>
-      </p:nvGrpSpPr>
-      <p:grpSpPr>
-        <a:xfrm>
-          <a:off x="0" y="0"/>
-          <a:ext cx="0" cy="0"/>
-          <a:chOff x="0" y="0"/>
-          <a:chExt cx="0" cy="0"/>
-        </a:xfrm>
-      </p:grpSpPr>
-      <p:sp>
-        <p:nvSpPr>
-          <p:cNvPr id="2" name="幻灯片图像占位符 1"/>
-          <p:cNvSpPr>
-            <a:spLocks noGrp="1" noRot="1" noChangeAspect="1"/>
-          </p:cNvSpPr>
-          <p:nvPr>
-            <p:ph type="sldImg"/>
-          </p:nvPr>
-        </p:nvSpPr>
-        <p:spPr/>
-      </p:sp>
-      <p:sp>
-        <p:nvSpPr>
-          <p:cNvPr id="3" name="备注占位符 2"/>
-          <p:cNvSpPr>
-            <a:spLocks noGrp="1"/>
-          </p:cNvSpPr>
-          <p:nvPr>
-            <p:ph type="body" idx="1"/>
-          </p:nvPr>
-        </p:nvSpPr>
-        <p:spPr/>
-        <p:txBody>
-          <a:bodyPr/>
-          <a:lstStyle/>
-          <a:p>
-            <a:endParaRPr lang="zh-CN" altLang="en-US"/>
-          </a:p>
-        </p:txBody>
-      </p:sp>
-      <p:sp>
-        <p:nvSpPr>
-          <p:cNvPr id="4" name="灯片编号占位符 3"/>
-          <p:cNvSpPr>
-            <a:spLocks noGrp="1"/>
-          </p:cNvSpPr>
-          <p:nvPr>
-            <p:ph type="sldNum" sz="quarter" idx="10"/>
-          </p:nvPr>
-        </p:nvSpPr>
-        <p:spPr/>
-        <p:txBody>
-          <a:bodyPr/>
-          <a:lstStyle/>
-          <a:p>
-            <a:fld id="{74E7DC6A-F9F9-48DB-9FE7-E174AE05389F}" type="slidenum">
-              <a:rPr lang="zh-CN" altLang="en-US" smtClean="0"/>
-            </a:fld>
-            <a:endParaRPr lang="zh-CN" altLang="en-US"/>
-          </a:p>
-        </p:txBody>
-      </p:sp>
-    </p:spTree>
-  </p:cSld>
-  <p:clrMapOvr>
-    <a:masterClrMapping/>
-  </p:clrMapOvr>
-</p:notes>
-</file>
-
-<file path=ppt/notesSlides/notesSlide23.xml><?xml version="1.0" encoding="utf-8"?>
-<p:notes xmlns:a="http://schemas.openxmlformats.org/drawingml/2006/main" xmlns:r="http://schemas.openxmlformats.org/officeDocument/2006/relationships" xmlns:p="http://schemas.openxmlformats.org/presentationml/2006/main">
-  <p:cSld>
-    <p:spTree>
-      <p:nvGrpSpPr>
-        <p:cNvPr id="1" name=""/>
-        <p:cNvGrpSpPr/>
-        <p:nvPr/>
-      </p:nvGrpSpPr>
-      <p:grpSpPr>
-        <a:xfrm>
-          <a:off x="0" y="0"/>
-          <a:ext cx="0" cy="0"/>
-          <a:chOff x="0" y="0"/>
-          <a:chExt cx="0" cy="0"/>
-        </a:xfrm>
-      </p:grpSpPr>
-      <p:sp>
-        <p:nvSpPr>
-          <p:cNvPr id="2" name="幻灯片图像占位符 1"/>
-          <p:cNvSpPr>
-            <a:spLocks noGrp="1" noRot="1" noChangeAspect="1"/>
-          </p:cNvSpPr>
-          <p:nvPr>
-            <p:ph type="sldImg"/>
-          </p:nvPr>
-        </p:nvSpPr>
-        <p:spPr>
-          <a:xfrm>
-            <a:off x="1108075" y="812800"/>
-            <a:ext cx="5343525" cy="4008438"/>
-          </a:xfrm>
-        </p:spPr>
-      </p:sp>
-      <p:sp>
-        <p:nvSpPr>
-          <p:cNvPr id="3" name="备注占位符 2"/>
-          <p:cNvSpPr>
-            <a:spLocks noGrp="1"/>
-          </p:cNvSpPr>
-          <p:nvPr>
-            <p:ph type="body" idx="1"/>
-          </p:nvPr>
-        </p:nvSpPr>
-        <p:spPr/>
-        <p:txBody>
-          <a:bodyPr/>
-          <a:lstStyle/>
-          <a:p>
             <a:endParaRPr lang="zh-CN" altLang="en-US"/>
           </a:p>
         </p:txBody>
@@ -6067,8 +5750,8 @@
         </p:nvSpPr>
         <p:spPr>
           <a:xfrm>
-            <a:off x="508635" y="218440"/>
-            <a:ext cx="4229735" cy="583565"/>
+            <a:off x="303530" y="218440"/>
+            <a:ext cx="6304280" cy="583565"/>
           </a:xfrm>
           <a:prstGeom prst="rect">
             <a:avLst/>
@@ -6109,7 +5792,7 @@
                   </a:outerShdw>
                 </a:effectLst>
               </a:rPr>
-              <a:t>研究方案</a:t>
+              <a:t>文本匹配模块的拟设计方案</a:t>
             </a:r>
             <a:endParaRPr lang="zh-CN" altLang="en-US" sz="3200">
               <a:ln w="12700">
@@ -6144,7 +5827,7 @@
       </p:sp>
       <p:pic>
         <p:nvPicPr>
-          <p:cNvPr id="8" name="Picture 7"/>
+          <p:cNvPr id="4" name="Picture 3"/>
           <p:cNvPicPr>
             <a:picLocks noChangeAspect="1"/>
           </p:cNvPicPr>
@@ -6158,68 +5841,17 @@
         </p:blipFill>
         <p:spPr>
           <a:xfrm>
-            <a:off x="971550" y="1252855"/>
-            <a:ext cx="2026920" cy="2895600"/>
+            <a:off x="3125470" y="923925"/>
+            <a:ext cx="5930265" cy="1739265"/>
           </a:xfrm>
           <a:prstGeom prst="rect">
             <a:avLst/>
           </a:prstGeom>
         </p:spPr>
       </p:pic>
-      <p:sp>
-        <p:nvSpPr>
-          <p:cNvPr id="9" name="Text Box 8"/>
-          <p:cNvSpPr txBox="1"/>
-          <p:nvPr/>
-        </p:nvSpPr>
-        <p:spPr>
-          <a:xfrm>
-            <a:off x="508635" y="4468495"/>
-            <a:ext cx="2996565" cy="398780"/>
-          </a:xfrm>
-          <a:prstGeom prst="rect">
-            <a:avLst/>
-          </a:prstGeom>
-          <a:noFill/>
-        </p:spPr>
-        <p:txBody>
-          <a:bodyPr wrap="square" rtlCol="0">
-            <a:spAutoFit/>
-          </a:bodyPr>
-          <a:p>
-            <a:r>
-              <a:rPr lang="zh-CN" altLang="en-US" sz="2000">
-                <a:solidFill>
-                  <a:schemeClr val="tx1"/>
-                </a:solidFill>
-                <a:effectLst>
-                  <a:outerShdw blurRad="38100" dist="19050" dir="2700000" algn="tl" rotWithShape="0">
-                    <a:schemeClr val="dk1">
-                      <a:alpha val="40000"/>
-                    </a:schemeClr>
-                  </a:outerShdw>
-                </a:effectLst>
-              </a:rPr>
-              <a:t>典型的文本匹配模型框架</a:t>
-            </a:r>
-            <a:endParaRPr lang="zh-CN" altLang="en-US" sz="2000">
-              <a:solidFill>
-                <a:schemeClr val="tx1"/>
-              </a:solidFill>
-              <a:effectLst>
-                <a:outerShdw blurRad="38100" dist="19050" dir="2700000" algn="tl" rotWithShape="0">
-                  <a:schemeClr val="dk1">
-                    <a:alpha val="40000"/>
-                  </a:schemeClr>
-                </a:outerShdw>
-              </a:effectLst>
-            </a:endParaRPr>
-          </a:p>
-        </p:txBody>
-      </p:sp>
       <p:pic>
         <p:nvPicPr>
-          <p:cNvPr id="4" name="Picture 3"/>
+          <p:cNvPr id="9" name="Picture 8"/>
           <p:cNvPicPr>
             <a:picLocks noChangeAspect="1"/>
           </p:cNvPicPr>
@@ -6233,24 +5865,61 @@
         </p:blipFill>
         <p:spPr>
           <a:xfrm>
-            <a:off x="5208905" y="741680"/>
-            <a:ext cx="2026920" cy="3406775"/>
+            <a:off x="3402965" y="2894965"/>
+            <a:ext cx="3738245" cy="840105"/>
           </a:xfrm>
           <a:prstGeom prst="rect">
             <a:avLst/>
           </a:prstGeom>
         </p:spPr>
       </p:pic>
+      <p:cxnSp>
+        <p:nvCxnSpPr>
+          <p:cNvPr id="5" name="Straight Arrow Connector 4"/>
+          <p:cNvCxnSpPr/>
+          <p:nvPr/>
+        </p:nvCxnSpPr>
+        <p:spPr>
+          <a:xfrm>
+            <a:off x="4876165" y="2297430"/>
+            <a:ext cx="7620" cy="554990"/>
+          </a:xfrm>
+          <a:prstGeom prst="straightConnector1">
+            <a:avLst/>
+          </a:prstGeom>
+          <a:ln w="44450">
+            <a:solidFill>
+              <a:schemeClr val="tx1"/>
+            </a:solidFill>
+            <a:headEnd type="arrow"/>
+            <a:tailEnd type="arrow"/>
+          </a:ln>
+        </p:spPr>
+        <p:style>
+          <a:lnRef idx="1">
+            <a:schemeClr val="accent1"/>
+          </a:lnRef>
+          <a:fillRef idx="0">
+            <a:schemeClr val="accent1"/>
+          </a:fillRef>
+          <a:effectRef idx="0">
+            <a:schemeClr val="accent1"/>
+          </a:effectRef>
+          <a:fontRef idx="minor">
+            <a:schemeClr val="tx1"/>
+          </a:fontRef>
+        </p:style>
+      </p:cxnSp>
       <p:sp>
         <p:nvSpPr>
-          <p:cNvPr id="5" name="Text Box 4"/>
+          <p:cNvPr id="8" name="Text Box 7"/>
           <p:cNvSpPr txBox="1"/>
           <p:nvPr/>
         </p:nvSpPr>
         <p:spPr>
           <a:xfrm>
-            <a:off x="4835525" y="4468495"/>
-            <a:ext cx="3004185" cy="398780"/>
+            <a:off x="7073265" y="3145155"/>
+            <a:ext cx="654685" cy="245110"/>
           </a:xfrm>
           <a:prstGeom prst="rect">
             <a:avLst/>
@@ -6263,31 +5932,271 @@
           </a:bodyPr>
           <a:p>
             <a:r>
-              <a:rPr lang="zh-CN" altLang="en-US" sz="2000">
-                <a:solidFill>
-                  <a:schemeClr val="tx1"/>
+              <a:rPr lang="en-US" sz="1000"/>
+              <a:t>0 or 1</a:t>
+            </a:r>
+            <a:endParaRPr lang="en-US" sz="1000"/>
+          </a:p>
+        </p:txBody>
+      </p:sp>
+      <p:sp>
+        <p:nvSpPr>
+          <p:cNvPr id="10" name="Text Box 9"/>
+          <p:cNvSpPr txBox="1"/>
+          <p:nvPr/>
+        </p:nvSpPr>
+        <p:spPr>
+          <a:xfrm>
+            <a:off x="303530" y="3902710"/>
+            <a:ext cx="3259455" cy="829945"/>
+          </a:xfrm>
+          <a:prstGeom prst="rect">
+            <a:avLst/>
+          </a:prstGeom>
+          <a:noFill/>
+        </p:spPr>
+        <p:txBody>
+          <a:bodyPr wrap="square" rtlCol="0">
+            <a:spAutoFit/>
+          </a:bodyPr>
+          <a:p>
+            <a:pPr marL="171450" indent="-171450">
+              <a:buFont typeface="Wingdings" panose="05000000000000000000" charset="0"/>
+              <a:buChar char="v"/>
+            </a:pPr>
+            <a:r>
+              <a:rPr lang="zh-CN" altLang="en-US" sz="1200">
+                <a:solidFill>
+                  <a:srgbClr val="FF0000"/>
                 </a:solidFill>
                 <a:effectLst>
-                  <a:outerShdw blurRad="38100" dist="19050" dir="2700000" algn="tl" rotWithShape="0">
-                    <a:schemeClr val="dk1">
-                      <a:alpha val="40000"/>
-                    </a:schemeClr>
+                  <a:outerShdw blurRad="38100" dist="25400" dir="5400000" algn="ctr" rotWithShape="0">
+                    <a:srgbClr val="6E747A">
+                      <a:alpha val="43000"/>
+                    </a:srgbClr>
                   </a:outerShdw>
                 </a:effectLst>
+                <a:latin typeface="宋体" panose="02010600030101010101" pitchFamily="2" charset="-122"/>
+                <a:ea typeface="宋体" panose="02010600030101010101" pitchFamily="2" charset="-122"/>
+                <a:cs typeface="宋体" panose="02010600030101010101" pitchFamily="2" charset="-122"/>
+                <a:sym typeface="+mn-ea"/>
               </a:rPr>
-              <a:t>典型的阅读理解模型框架</a:t>
-            </a:r>
-            <a:endParaRPr lang="zh-CN" altLang="en-US" sz="2000">
+              <a:t>基于知识蒸馏引导</a:t>
+            </a:r>
+            <a:endParaRPr lang="zh-CN" altLang="en-US" sz="1200">
               <a:solidFill>
-                <a:schemeClr val="tx1"/>
+                <a:srgbClr val="FF0000"/>
               </a:solidFill>
               <a:effectLst>
-                <a:outerShdw blurRad="38100" dist="19050" dir="2700000" algn="tl" rotWithShape="0">
-                  <a:schemeClr val="dk1">
-                    <a:alpha val="40000"/>
-                  </a:schemeClr>
+                <a:outerShdw blurRad="38100" dist="25400" dir="5400000" algn="ctr" rotWithShape="0">
+                  <a:srgbClr val="6E747A">
+                    <a:alpha val="43000"/>
+                  </a:srgbClr>
                 </a:outerShdw>
               </a:effectLst>
+              <a:latin typeface="宋体" panose="02010600030101010101" pitchFamily="2" charset="-122"/>
+              <a:ea typeface="宋体" panose="02010600030101010101" pitchFamily="2" charset="-122"/>
+              <a:cs typeface="宋体" panose="02010600030101010101" pitchFamily="2" charset="-122"/>
+              <a:sym typeface="+mn-ea"/>
+            </a:endParaRPr>
+          </a:p>
+          <a:p>
+            <a:pPr marL="171450" indent="-171450">
+              <a:buFont typeface="Wingdings" panose="05000000000000000000" charset="0"/>
+              <a:buChar char="v"/>
+            </a:pPr>
+            <a:r>
+              <a:rPr lang="zh-CN" altLang="en-US" sz="1200">
+                <a:solidFill>
+                  <a:srgbClr val="FF0000"/>
+                </a:solidFill>
+                <a:effectLst>
+                  <a:outerShdw blurRad="38100" dist="25400" dir="5400000" algn="ctr" rotWithShape="0">
+                    <a:srgbClr val="6E747A">
+                      <a:alpha val="43000"/>
+                    </a:srgbClr>
+                  </a:outerShdw>
+                </a:effectLst>
+                <a:latin typeface="宋体" panose="02010600030101010101" pitchFamily="2" charset="-122"/>
+                <a:ea typeface="宋体" panose="02010600030101010101" pitchFamily="2" charset="-122"/>
+                <a:cs typeface="宋体" panose="02010600030101010101" pitchFamily="2" charset="-122"/>
+                <a:sym typeface="+mn-ea"/>
+              </a:rPr>
+              <a:t>利用</a:t>
+            </a:r>
+            <a:r>
+              <a:rPr lang="en-US" altLang="zh-CN" sz="1200">
+                <a:solidFill>
+                  <a:srgbClr val="FF0000"/>
+                </a:solidFill>
+                <a:effectLst>
+                  <a:outerShdw blurRad="38100" dist="25400" dir="5400000" algn="ctr" rotWithShape="0">
+                    <a:srgbClr val="6E747A">
+                      <a:alpha val="43000"/>
+                    </a:srgbClr>
+                  </a:outerShdw>
+                </a:effectLst>
+                <a:latin typeface="宋体" panose="02010600030101010101" pitchFamily="2" charset="-122"/>
+                <a:ea typeface="宋体" panose="02010600030101010101" pitchFamily="2" charset="-122"/>
+                <a:cs typeface="宋体" panose="02010600030101010101" pitchFamily="2" charset="-122"/>
+                <a:sym typeface="+mn-ea"/>
+              </a:rPr>
+              <a:t>conv-Transformer</a:t>
+            </a:r>
+            <a:r>
+              <a:rPr lang="zh-CN" altLang="en-US" sz="1200">
+                <a:solidFill>
+                  <a:srgbClr val="FF0000"/>
+                </a:solidFill>
+                <a:effectLst>
+                  <a:outerShdw blurRad="38100" dist="25400" dir="5400000" algn="ctr" rotWithShape="0">
+                    <a:srgbClr val="6E747A">
+                      <a:alpha val="43000"/>
+                    </a:srgbClr>
+                  </a:outerShdw>
+                </a:effectLst>
+                <a:latin typeface="宋体" panose="02010600030101010101" pitchFamily="2" charset="-122"/>
+                <a:ea typeface="宋体" panose="02010600030101010101" pitchFamily="2" charset="-122"/>
+                <a:cs typeface="宋体" panose="02010600030101010101" pitchFamily="2" charset="-122"/>
+                <a:sym typeface="+mn-ea"/>
+              </a:rPr>
+              <a:t>作为特征提取器</a:t>
+            </a:r>
+            <a:endParaRPr lang="zh-CN" altLang="en-US" sz="1200">
+              <a:solidFill>
+                <a:srgbClr val="FF0000"/>
+              </a:solidFill>
+              <a:effectLst>
+                <a:outerShdw blurRad="38100" dist="25400" dir="5400000" algn="ctr" rotWithShape="0">
+                  <a:srgbClr val="6E747A">
+                    <a:alpha val="43000"/>
+                  </a:srgbClr>
+                </a:outerShdw>
+              </a:effectLst>
+              <a:latin typeface="宋体" panose="02010600030101010101" pitchFamily="2" charset="-122"/>
+              <a:ea typeface="宋体" panose="02010600030101010101" pitchFamily="2" charset="-122"/>
+              <a:cs typeface="宋体" panose="02010600030101010101" pitchFamily="2" charset="-122"/>
+              <a:sym typeface="+mn-ea"/>
+            </a:endParaRPr>
+          </a:p>
+          <a:p>
+            <a:pPr marL="171450" indent="-171450">
+              <a:buFont typeface="Wingdings" panose="05000000000000000000" charset="0"/>
+              <a:buChar char="v"/>
+            </a:pPr>
+            <a:r>
+              <a:rPr lang="zh-CN" altLang="en-US" sz="1200">
+                <a:solidFill>
+                  <a:srgbClr val="FF0000"/>
+                </a:solidFill>
+                <a:effectLst>
+                  <a:outerShdw blurRad="38100" dist="25400" dir="5400000" algn="ctr" rotWithShape="0">
+                    <a:srgbClr val="6E747A">
+                      <a:alpha val="43000"/>
+                    </a:srgbClr>
+                  </a:outerShdw>
+                </a:effectLst>
+                <a:latin typeface="宋体" panose="02010600030101010101" pitchFamily="2" charset="-122"/>
+                <a:ea typeface="宋体" panose="02010600030101010101" pitchFamily="2" charset="-122"/>
+                <a:cs typeface="宋体" panose="02010600030101010101" pitchFamily="2" charset="-122"/>
+                <a:sym typeface="+mn-ea"/>
+              </a:rPr>
+              <a:t>输入数据形式采用栅格（</a:t>
+            </a:r>
+            <a:r>
+              <a:rPr lang="en-US" altLang="zh-CN" sz="1200">
+                <a:solidFill>
+                  <a:srgbClr val="FF0000"/>
+                </a:solidFill>
+                <a:effectLst>
+                  <a:outerShdw blurRad="38100" dist="25400" dir="5400000" algn="ctr" rotWithShape="0">
+                    <a:srgbClr val="6E747A">
+                      <a:alpha val="43000"/>
+                    </a:srgbClr>
+                  </a:outerShdw>
+                </a:effectLst>
+                <a:latin typeface="宋体" panose="02010600030101010101" pitchFamily="2" charset="-122"/>
+                <a:ea typeface="宋体" panose="02010600030101010101" pitchFamily="2" charset="-122"/>
+                <a:cs typeface="宋体" panose="02010600030101010101" pitchFamily="2" charset="-122"/>
+                <a:sym typeface="+mn-ea"/>
+              </a:rPr>
+              <a:t>Lattice</a:t>
+            </a:r>
+            <a:r>
+              <a:rPr lang="zh-CN" altLang="en-US" sz="1200">
+                <a:solidFill>
+                  <a:srgbClr val="FF0000"/>
+                </a:solidFill>
+                <a:effectLst>
+                  <a:outerShdw blurRad="38100" dist="25400" dir="5400000" algn="ctr" rotWithShape="0">
+                    <a:srgbClr val="6E747A">
+                      <a:alpha val="43000"/>
+                    </a:srgbClr>
+                  </a:outerShdw>
+                </a:effectLst>
+                <a:latin typeface="宋体" panose="02010600030101010101" pitchFamily="2" charset="-122"/>
+                <a:ea typeface="宋体" panose="02010600030101010101" pitchFamily="2" charset="-122"/>
+                <a:cs typeface="宋体" panose="02010600030101010101" pitchFamily="2" charset="-122"/>
+                <a:sym typeface="+mn-ea"/>
+              </a:rPr>
+              <a:t>）结构</a:t>
+            </a:r>
+            <a:endParaRPr lang="zh-CN" altLang="en-US" sz="1200">
+              <a:solidFill>
+                <a:srgbClr val="FF0000"/>
+              </a:solidFill>
+              <a:effectLst>
+                <a:outerShdw blurRad="38100" dist="25400" dir="5400000" algn="ctr" rotWithShape="0">
+                  <a:srgbClr val="6E747A">
+                    <a:alpha val="43000"/>
+                  </a:srgbClr>
+                </a:outerShdw>
+              </a:effectLst>
+              <a:latin typeface="宋体" panose="02010600030101010101" pitchFamily="2" charset="-122"/>
+              <a:ea typeface="宋体" panose="02010600030101010101" pitchFamily="2" charset="-122"/>
+              <a:cs typeface="宋体" panose="02010600030101010101" pitchFamily="2" charset="-122"/>
+              <a:sym typeface="+mn-ea"/>
+            </a:endParaRPr>
+          </a:p>
+          <a:p>
+            <a:pPr marL="171450" indent="-171450">
+              <a:buFont typeface="Wingdings" panose="05000000000000000000" charset="0"/>
+              <a:buChar char="v"/>
+            </a:pPr>
+            <a:r>
+              <a:rPr lang="zh-CN" altLang="en-US" sz="1200">
+                <a:solidFill>
+                  <a:srgbClr val="FF0000"/>
+                </a:solidFill>
+                <a:effectLst>
+                  <a:outerShdw blurRad="38100" dist="25400" dir="5400000" algn="ctr" rotWithShape="0">
+                    <a:srgbClr val="6E747A">
+                      <a:alpha val="43000"/>
+                    </a:srgbClr>
+                  </a:outerShdw>
+                </a:effectLst>
+                <a:latin typeface="宋体" panose="02010600030101010101" pitchFamily="2" charset="-122"/>
+                <a:ea typeface="宋体" panose="02010600030101010101" pitchFamily="2" charset="-122"/>
+                <a:cs typeface="宋体" panose="02010600030101010101" pitchFamily="2" charset="-122"/>
+                <a:sym typeface="+mn-ea"/>
+              </a:rPr>
+              <a:t>采取多轮次交互机制的策略</a:t>
+            </a:r>
+            <a:endParaRPr lang="zh-CN" altLang="en-US" sz="1200">
+              <a:solidFill>
+                <a:srgbClr val="FF0000"/>
+              </a:solidFill>
+              <a:effectLst>
+                <a:outerShdw blurRad="38100" dist="25400" dir="5400000" algn="ctr" rotWithShape="0">
+                  <a:srgbClr val="6E747A">
+                    <a:alpha val="43000"/>
+                  </a:srgbClr>
+                </a:outerShdw>
+              </a:effectLst>
+              <a:latin typeface="宋体" panose="02010600030101010101" pitchFamily="2" charset="-122"/>
+              <a:ea typeface="宋体" panose="02010600030101010101" pitchFamily="2" charset="-122"/>
+              <a:cs typeface="宋体" panose="02010600030101010101" pitchFamily="2" charset="-122"/>
+              <a:sym typeface="+mn-ea"/>
             </a:endParaRPr>
           </a:p>
         </p:txBody>
@@ -6364,431 +6273,14 @@
       </p:pic>
       <p:sp>
         <p:nvSpPr>
-          <p:cNvPr id="8" name="Text Box 7"/>
+          <p:cNvPr id="3" name="Text Box 2"/>
           <p:cNvSpPr txBox="1"/>
           <p:nvPr/>
         </p:nvSpPr>
         <p:spPr>
           <a:xfrm>
-            <a:off x="8296275" y="1654175"/>
-            <a:ext cx="639445" cy="299085"/>
-          </a:xfrm>
-          <a:prstGeom prst="rect">
-            <a:avLst/>
-          </a:prstGeom>
-          <a:noFill/>
-        </p:spPr>
-        <p:txBody>
-          <a:bodyPr wrap="square" rtlCol="0">
-            <a:spAutoFit/>
-          </a:bodyPr>
-          <a:p>
-            <a:r>
-              <a:rPr lang="en-US"/>
-              <a:t>0 or 1</a:t>
-            </a:r>
-            <a:endParaRPr lang="en-US"/>
-          </a:p>
-        </p:txBody>
-      </p:sp>
-      <p:pic>
-        <p:nvPicPr>
-          <p:cNvPr id="9" name="Picture 8"/>
-          <p:cNvPicPr>
-            <a:picLocks noChangeAspect="1"/>
-          </p:cNvPicPr>
-          <p:nvPr/>
-        </p:nvPicPr>
-        <p:blipFill>
-          <a:blip r:embed="rId2"/>
-          <a:stretch>
-            <a:fillRect/>
-          </a:stretch>
-        </p:blipFill>
-        <p:spPr>
-          <a:xfrm>
-            <a:off x="882015" y="1122680"/>
-            <a:ext cx="7414260" cy="1501140"/>
-          </a:xfrm>
-          <a:prstGeom prst="rect">
-            <a:avLst/>
-          </a:prstGeom>
-        </p:spPr>
-      </p:pic>
-      <p:sp>
-        <p:nvSpPr>
-          <p:cNvPr id="4" name="Text Box 3"/>
-          <p:cNvSpPr txBox="1"/>
-          <p:nvPr/>
-        </p:nvSpPr>
-        <p:spPr>
-          <a:xfrm>
-            <a:off x="173990" y="3689350"/>
-            <a:ext cx="6069965" cy="1198880"/>
-          </a:xfrm>
-          <a:prstGeom prst="rect">
-            <a:avLst/>
-          </a:prstGeom>
-          <a:noFill/>
-        </p:spPr>
-        <p:txBody>
-          <a:bodyPr wrap="square" rtlCol="0">
-            <a:spAutoFit/>
-          </a:bodyPr>
-          <a:p>
-            <a:pPr marL="285750" indent="-285750">
-              <a:buFont typeface="Wingdings" panose="05000000000000000000" charset="0"/>
-              <a:buChar char="Ø"/>
-            </a:pPr>
-            <a:r>
-              <a:rPr lang="en-US" sz="1800">
-                <a:solidFill>
-                  <a:schemeClr val="tx1"/>
-                </a:solidFill>
-                <a:effectLst>
-                  <a:outerShdw blurRad="38100" dist="19050" dir="2700000" algn="tl" rotWithShape="0">
-                    <a:schemeClr val="dk1">
-                      <a:alpha val="40000"/>
-                    </a:schemeClr>
-                  </a:outerShdw>
-                </a:effectLst>
-              </a:rPr>
-              <a:t>Lattice</a:t>
-            </a:r>
-            <a:r>
-              <a:rPr lang="zh-CN" altLang="en-US" sz="1800">
-                <a:solidFill>
-                  <a:schemeClr val="tx1"/>
-                </a:solidFill>
-                <a:effectLst>
-                  <a:outerShdw blurRad="38100" dist="19050" dir="2700000" algn="tl" rotWithShape="0">
-                    <a:schemeClr val="dk1">
-                      <a:alpha val="40000"/>
-                    </a:schemeClr>
-                  </a:outerShdw>
-                </a:effectLst>
-              </a:rPr>
-              <a:t>结构可以同时考虑字与词的信息</a:t>
-            </a:r>
-            <a:endParaRPr lang="zh-CN" altLang="en-US" sz="1800">
-              <a:solidFill>
-                <a:schemeClr val="tx1"/>
-              </a:solidFill>
-              <a:effectLst>
-                <a:outerShdw blurRad="38100" dist="19050" dir="2700000" algn="tl" rotWithShape="0">
-                  <a:schemeClr val="dk1">
-                    <a:alpha val="40000"/>
-                  </a:schemeClr>
-                </a:outerShdw>
-              </a:effectLst>
-            </a:endParaRPr>
-          </a:p>
-          <a:p>
-            <a:pPr marL="285750" indent="-285750">
-              <a:buFont typeface="Wingdings" panose="05000000000000000000" charset="0"/>
-              <a:buChar char="Ø"/>
-            </a:pPr>
-            <a:r>
-              <a:rPr lang="en-US" altLang="zh-CN" sz="1800">
-                <a:solidFill>
-                  <a:schemeClr val="tx1"/>
-                </a:solidFill>
-                <a:effectLst>
-                  <a:outerShdw blurRad="38100" dist="19050" dir="2700000" algn="tl" rotWithShape="0">
-                    <a:schemeClr val="dk1">
-                      <a:alpha val="40000"/>
-                    </a:schemeClr>
-                  </a:outerShdw>
-                </a:effectLst>
-              </a:rPr>
-              <a:t>conv</a:t>
-            </a:r>
-            <a:r>
-              <a:rPr lang="zh-CN" altLang="en-US" sz="1800">
-                <a:solidFill>
-                  <a:schemeClr val="tx1"/>
-                </a:solidFill>
-                <a:effectLst>
-                  <a:outerShdw blurRad="38100" dist="19050" dir="2700000" algn="tl" rotWithShape="0">
-                    <a:schemeClr val="dk1">
-                      <a:alpha val="40000"/>
-                    </a:schemeClr>
-                  </a:outerShdw>
-                </a:effectLst>
-              </a:rPr>
-              <a:t>卷积用来提取局部特征</a:t>
-            </a:r>
-            <a:endParaRPr lang="zh-CN" altLang="en-US" sz="1800">
-              <a:solidFill>
-                <a:schemeClr val="tx1"/>
-              </a:solidFill>
-              <a:effectLst>
-                <a:outerShdw blurRad="38100" dist="19050" dir="2700000" algn="tl" rotWithShape="0">
-                  <a:schemeClr val="dk1">
-                    <a:alpha val="40000"/>
-                  </a:schemeClr>
-                </a:outerShdw>
-              </a:effectLst>
-            </a:endParaRPr>
-          </a:p>
-          <a:p>
-            <a:pPr marL="285750" indent="-285750">
-              <a:buFont typeface="Wingdings" panose="05000000000000000000" charset="0"/>
-              <a:buChar char="Ø"/>
-            </a:pPr>
-            <a:r>
-              <a:rPr lang="en-US" altLang="zh-CN" sz="1800">
-                <a:solidFill>
-                  <a:schemeClr val="tx1"/>
-                </a:solidFill>
-                <a:effectLst>
-                  <a:outerShdw blurRad="38100" dist="19050" dir="2700000" algn="tl" rotWithShape="0">
-                    <a:schemeClr val="dk1">
-                      <a:alpha val="40000"/>
-                    </a:schemeClr>
-                  </a:outerShdw>
-                </a:effectLst>
-              </a:rPr>
-              <a:t>Transformer</a:t>
-            </a:r>
-            <a:r>
-              <a:rPr lang="zh-CN" altLang="en-US" sz="1800">
-                <a:solidFill>
-                  <a:schemeClr val="tx1"/>
-                </a:solidFill>
-                <a:effectLst>
-                  <a:outerShdw blurRad="38100" dist="19050" dir="2700000" algn="tl" rotWithShape="0">
-                    <a:schemeClr val="dk1">
-                      <a:alpha val="40000"/>
-                    </a:schemeClr>
-                  </a:outerShdw>
-                </a:effectLst>
-              </a:rPr>
-              <a:t>中的</a:t>
-            </a:r>
-            <a:r>
-              <a:rPr lang="en-US" altLang="zh-CN" sz="1800">
-                <a:solidFill>
-                  <a:schemeClr val="tx1"/>
-                </a:solidFill>
-                <a:effectLst>
-                  <a:outerShdw blurRad="38100" dist="19050" dir="2700000" algn="tl" rotWithShape="0">
-                    <a:schemeClr val="dk1">
-                      <a:alpha val="40000"/>
-                    </a:schemeClr>
-                  </a:outerShdw>
-                </a:effectLst>
-              </a:rPr>
-              <a:t>self-attention</a:t>
-            </a:r>
-            <a:r>
-              <a:rPr lang="zh-CN" altLang="en-US" sz="1800">
-                <a:solidFill>
-                  <a:schemeClr val="tx1"/>
-                </a:solidFill>
-                <a:effectLst>
-                  <a:outerShdw blurRad="38100" dist="19050" dir="2700000" algn="tl" rotWithShape="0">
-                    <a:schemeClr val="dk1">
-                      <a:alpha val="40000"/>
-                    </a:schemeClr>
-                  </a:outerShdw>
-                </a:effectLst>
-              </a:rPr>
-              <a:t>用来提取全局特征</a:t>
-            </a:r>
-            <a:endParaRPr lang="zh-CN" altLang="en-US" sz="1800">
-              <a:solidFill>
-                <a:schemeClr val="tx1"/>
-              </a:solidFill>
-              <a:effectLst>
-                <a:outerShdw blurRad="38100" dist="19050" dir="2700000" algn="tl" rotWithShape="0">
-                  <a:schemeClr val="dk1">
-                    <a:alpha val="40000"/>
-                  </a:schemeClr>
-                </a:outerShdw>
-              </a:effectLst>
-            </a:endParaRPr>
-          </a:p>
-          <a:p>
-            <a:pPr marL="285750" indent="-285750">
-              <a:buFont typeface="Wingdings" panose="05000000000000000000" charset="0"/>
-              <a:buChar char="Ø"/>
-            </a:pPr>
-            <a:r>
-              <a:rPr lang="zh-CN" altLang="en-US" sz="1800">
-                <a:solidFill>
-                  <a:schemeClr val="tx1"/>
-                </a:solidFill>
-                <a:effectLst>
-                  <a:outerShdw blurRad="38100" dist="19050" dir="2700000" algn="tl" rotWithShape="0">
-                    <a:schemeClr val="dk1">
-                      <a:alpha val="40000"/>
-                    </a:schemeClr>
-                  </a:outerShdw>
-                </a:effectLst>
-              </a:rPr>
-              <a:t>多轮交互机制可以增强问题和文章之间的交互语义信息</a:t>
-            </a:r>
-            <a:endParaRPr lang="zh-CN" altLang="en-US" sz="1800">
-              <a:solidFill>
-                <a:schemeClr val="tx1"/>
-              </a:solidFill>
-              <a:effectLst>
-                <a:outerShdw blurRad="38100" dist="19050" dir="2700000" algn="tl" rotWithShape="0">
-                  <a:schemeClr val="dk1">
-                    <a:alpha val="40000"/>
-                  </a:schemeClr>
-                </a:outerShdw>
-              </a:effectLst>
-            </a:endParaRPr>
-          </a:p>
-        </p:txBody>
-      </p:sp>
-      <p:sp>
-        <p:nvSpPr>
-          <p:cNvPr id="5" name="Text Box 4"/>
-          <p:cNvSpPr txBox="1"/>
-          <p:nvPr/>
-        </p:nvSpPr>
-        <p:spPr>
-          <a:xfrm>
-            <a:off x="173990" y="3211830"/>
-            <a:ext cx="4534535" cy="299085"/>
-          </a:xfrm>
-          <a:prstGeom prst="rect">
-            <a:avLst/>
-          </a:prstGeom>
-          <a:noFill/>
-        </p:spPr>
-        <p:txBody>
-          <a:bodyPr wrap="square" rtlCol="0">
-            <a:spAutoFit/>
-          </a:bodyPr>
-          <a:p>
-            <a:r>
-              <a:rPr lang="zh-CN" altLang="en-US">
-                <a:solidFill>
-                  <a:srgbClr val="FF0000"/>
-                </a:solidFill>
-                <a:effectLst>
-                  <a:outerShdw blurRad="38100" dist="25400" dir="5400000" algn="ctr" rotWithShape="0">
-                    <a:srgbClr val="6E747A">
-                      <a:alpha val="43000"/>
-                    </a:srgbClr>
-                  </a:outerShdw>
-                </a:effectLst>
-                <a:latin typeface="宋体" panose="02010600030101010101" pitchFamily="2" charset="-122"/>
-                <a:ea typeface="宋体" panose="02010600030101010101" pitchFamily="2" charset="-122"/>
-                <a:cs typeface="宋体" panose="02010600030101010101" pitchFamily="2" charset="-122"/>
-                <a:sym typeface="+mn-ea"/>
-              </a:rPr>
-              <a:t>多轮交互机制下的基于</a:t>
-            </a:r>
-            <a:r>
-              <a:rPr lang="en-US" altLang="zh-CN">
-                <a:solidFill>
-                  <a:srgbClr val="FF0000"/>
-                </a:solidFill>
-                <a:effectLst>
-                  <a:outerShdw blurRad="38100" dist="25400" dir="5400000" algn="ctr" rotWithShape="0">
-                    <a:srgbClr val="6E747A">
-                      <a:alpha val="43000"/>
-                    </a:srgbClr>
-                  </a:outerShdw>
-                </a:effectLst>
-                <a:latin typeface="宋体" panose="02010600030101010101" pitchFamily="2" charset="-122"/>
-                <a:ea typeface="宋体" panose="02010600030101010101" pitchFamily="2" charset="-122"/>
-                <a:cs typeface="宋体" panose="02010600030101010101" pitchFamily="2" charset="-122"/>
-                <a:sym typeface="+mn-ea"/>
-              </a:rPr>
-              <a:t>conv-Transformer</a:t>
-            </a:r>
-            <a:r>
-              <a:rPr lang="zh-CN" altLang="en-US">
-                <a:solidFill>
-                  <a:srgbClr val="FF0000"/>
-                </a:solidFill>
-                <a:effectLst>
-                  <a:outerShdw blurRad="38100" dist="25400" dir="5400000" algn="ctr" rotWithShape="0">
-                    <a:srgbClr val="6E747A">
-                      <a:alpha val="43000"/>
-                    </a:srgbClr>
-                  </a:outerShdw>
-                </a:effectLst>
-                <a:latin typeface="宋体" panose="02010600030101010101" pitchFamily="2" charset="-122"/>
-                <a:ea typeface="宋体" panose="02010600030101010101" pitchFamily="2" charset="-122"/>
-                <a:cs typeface="宋体" panose="02010600030101010101" pitchFamily="2" charset="-122"/>
-                <a:sym typeface="+mn-ea"/>
-              </a:rPr>
-              <a:t>的</a:t>
-            </a:r>
-            <a:r>
-              <a:rPr lang="en-US" altLang="zh-CN">
-                <a:solidFill>
-                  <a:srgbClr val="FF0000"/>
-                </a:solidFill>
-                <a:effectLst>
-                  <a:outerShdw blurRad="38100" dist="25400" dir="5400000" algn="ctr" rotWithShape="0">
-                    <a:srgbClr val="6E747A">
-                      <a:alpha val="43000"/>
-                    </a:srgbClr>
-                  </a:outerShdw>
-                </a:effectLst>
-                <a:latin typeface="宋体" panose="02010600030101010101" pitchFamily="2" charset="-122"/>
-                <a:ea typeface="宋体" panose="02010600030101010101" pitchFamily="2" charset="-122"/>
-                <a:cs typeface="宋体" panose="02010600030101010101" pitchFamily="2" charset="-122"/>
-                <a:sym typeface="+mn-ea"/>
-              </a:rPr>
-              <a:t>Lattice</a:t>
-            </a:r>
-            <a:r>
-              <a:rPr lang="zh-CN" altLang="en-US">
-                <a:solidFill>
-                  <a:srgbClr val="FF0000"/>
-                </a:solidFill>
-                <a:effectLst>
-                  <a:outerShdw blurRad="38100" dist="25400" dir="5400000" algn="ctr" rotWithShape="0">
-                    <a:srgbClr val="6E747A">
-                      <a:alpha val="43000"/>
-                    </a:srgbClr>
-                  </a:outerShdw>
-                </a:effectLst>
-                <a:latin typeface="宋体" panose="02010600030101010101" pitchFamily="2" charset="-122"/>
-                <a:ea typeface="宋体" panose="02010600030101010101" pitchFamily="2" charset="-122"/>
-                <a:cs typeface="宋体" panose="02010600030101010101" pitchFamily="2" charset="-122"/>
-                <a:sym typeface="+mn-ea"/>
-              </a:rPr>
-              <a:t>结构</a:t>
-            </a:r>
-            <a:endParaRPr lang="zh-CN" altLang="en-US">
-              <a:solidFill>
-                <a:srgbClr val="FF0000"/>
-              </a:solidFill>
-              <a:effectLst>
-                <a:outerShdw blurRad="38100" dist="25400" dir="5400000" algn="ctr" rotWithShape="0">
-                  <a:srgbClr val="6E747A">
-                    <a:alpha val="43000"/>
-                  </a:srgbClr>
-                </a:outerShdw>
-              </a:effectLst>
-              <a:latin typeface="宋体" panose="02010600030101010101" pitchFamily="2" charset="-122"/>
-              <a:ea typeface="宋体" panose="02010600030101010101" pitchFamily="2" charset="-122"/>
-              <a:cs typeface="宋体" panose="02010600030101010101" pitchFamily="2" charset="-122"/>
-              <a:sym typeface="+mn-ea"/>
-            </a:endParaRPr>
-          </a:p>
-        </p:txBody>
-      </p:sp>
-      <p:sp>
-        <p:nvSpPr>
-          <p:cNvPr id="7" name="Text Box 6"/>
-          <p:cNvSpPr txBox="1"/>
-          <p:nvPr/>
-        </p:nvSpPr>
-        <p:spPr>
-          <a:xfrm>
-            <a:off x="303530" y="218440"/>
-            <a:ext cx="6304280" cy="583565"/>
+            <a:off x="173990" y="248920"/>
+            <a:ext cx="5308600" cy="583565"/>
           </a:xfrm>
           <a:prstGeom prst="rect">
             <a:avLst/>
@@ -6829,7 +6321,7 @@
                   </a:outerShdw>
                 </a:effectLst>
               </a:rPr>
-              <a:t>文本匹配模块的拟设计方案</a:t>
+              <a:t>阅读理解模块的拟设计方案</a:t>
             </a:r>
             <a:endParaRPr lang="zh-CN" altLang="en-US" sz="3200">
               <a:ln w="12700">
@@ -6864,61 +6356,192 @@
       </p:sp>
       <p:pic>
         <p:nvPicPr>
-          <p:cNvPr id="3" name="Picture 2"/>
+          <p:cNvPr id="7" name="Picture 6"/>
           <p:cNvPicPr>
             <a:picLocks noChangeAspect="1"/>
           </p:cNvPicPr>
           <p:nvPr/>
         </p:nvPicPr>
         <p:blipFill>
-          <a:blip r:embed="rId3"/>
+          <a:blip r:embed="rId2"/>
           <a:stretch>
             <a:fillRect/>
           </a:stretch>
         </p:blipFill>
         <p:spPr>
           <a:xfrm>
-            <a:off x="5158105" y="3019425"/>
-            <a:ext cx="3680460" cy="1295400"/>
+            <a:off x="4378960" y="1620520"/>
+            <a:ext cx="4596765" cy="3392805"/>
           </a:xfrm>
           <a:prstGeom prst="rect">
             <a:avLst/>
           </a:prstGeom>
         </p:spPr>
       </p:pic>
-      <p:cxnSp>
-        <p:nvCxnSpPr>
-          <p:cNvPr id="6" name="Straight Arrow Connector 5"/>
-          <p:cNvCxnSpPr/>
+      <p:sp>
+        <p:nvSpPr>
+          <p:cNvPr id="10" name="Text Box 9"/>
+          <p:cNvSpPr txBox="1"/>
           <p:nvPr/>
-        </p:nvCxnSpPr>
+        </p:nvSpPr>
         <p:spPr>
           <a:xfrm>
-            <a:off x="3726815" y="2540635"/>
-            <a:ext cx="1430655" cy="1232535"/>
+            <a:off x="288290" y="1042670"/>
+            <a:ext cx="3259455" cy="737235"/>
           </a:xfrm>
-          <a:prstGeom prst="straightConnector1">
+          <a:prstGeom prst="rect">
             <a:avLst/>
           </a:prstGeom>
-          <a:ln w="31750">
-            <a:tailEnd type="arrow"/>
-          </a:ln>
+          <a:noFill/>
         </p:spPr>
-        <p:style>
-          <a:lnRef idx="1">
-            <a:schemeClr val="accent1"/>
-          </a:lnRef>
-          <a:fillRef idx="0">
-            <a:schemeClr val="accent1"/>
-          </a:fillRef>
-          <a:effectRef idx="0">
-            <a:schemeClr val="accent1"/>
-          </a:effectRef>
-          <a:fontRef idx="minor">
-            <a:schemeClr val="tx1"/>
-          </a:fontRef>
-        </p:style>
-      </p:cxnSp>
+        <p:txBody>
+          <a:bodyPr wrap="square" rtlCol="0">
+            <a:spAutoFit/>
+          </a:bodyPr>
+          <a:p>
+            <a:pPr marL="171450" indent="-171450">
+              <a:buFont typeface="Wingdings" panose="05000000000000000000" charset="0"/>
+              <a:buChar char="v"/>
+            </a:pPr>
+            <a:r>
+              <a:rPr lang="zh-CN" altLang="en-US" sz="1400">
+                <a:solidFill>
+                  <a:srgbClr val="FF0000"/>
+                </a:solidFill>
+                <a:effectLst>
+                  <a:outerShdw blurRad="38100" dist="25400" dir="5400000" algn="ctr" rotWithShape="0">
+                    <a:srgbClr val="6E747A">
+                      <a:alpha val="43000"/>
+                    </a:srgbClr>
+                  </a:outerShdw>
+                </a:effectLst>
+                <a:latin typeface="宋体" panose="02010600030101010101" pitchFamily="2" charset="-122"/>
+                <a:ea typeface="宋体" panose="02010600030101010101" pitchFamily="2" charset="-122"/>
+                <a:cs typeface="宋体" panose="02010600030101010101" pitchFamily="2" charset="-122"/>
+                <a:sym typeface="+mn-ea"/>
+              </a:rPr>
+              <a:t>基于预训练模型</a:t>
+            </a:r>
+            <a:r>
+              <a:rPr lang="en-US" altLang="zh-CN" sz="1400">
+                <a:solidFill>
+                  <a:srgbClr val="FF0000"/>
+                </a:solidFill>
+                <a:effectLst>
+                  <a:outerShdw blurRad="38100" dist="25400" dir="5400000" algn="ctr" rotWithShape="0">
+                    <a:srgbClr val="6E747A">
+                      <a:alpha val="43000"/>
+                    </a:srgbClr>
+                  </a:outerShdw>
+                </a:effectLst>
+                <a:latin typeface="宋体" panose="02010600030101010101" pitchFamily="2" charset="-122"/>
+                <a:ea typeface="宋体" panose="02010600030101010101" pitchFamily="2" charset="-122"/>
+                <a:cs typeface="宋体" panose="02010600030101010101" pitchFamily="2" charset="-122"/>
+                <a:sym typeface="+mn-ea"/>
+              </a:rPr>
+              <a:t>BERT</a:t>
+            </a:r>
+            <a:endParaRPr lang="zh-CN" altLang="en-US" sz="1400">
+              <a:solidFill>
+                <a:srgbClr val="FF0000"/>
+              </a:solidFill>
+              <a:effectLst>
+                <a:outerShdw blurRad="38100" dist="25400" dir="5400000" algn="ctr" rotWithShape="0">
+                  <a:srgbClr val="6E747A">
+                    <a:alpha val="43000"/>
+                  </a:srgbClr>
+                </a:outerShdw>
+              </a:effectLst>
+              <a:latin typeface="宋体" panose="02010600030101010101" pitchFamily="2" charset="-122"/>
+              <a:ea typeface="宋体" panose="02010600030101010101" pitchFamily="2" charset="-122"/>
+              <a:cs typeface="宋体" panose="02010600030101010101" pitchFamily="2" charset="-122"/>
+              <a:sym typeface="+mn-ea"/>
+            </a:endParaRPr>
+          </a:p>
+          <a:p>
+            <a:pPr marL="171450" indent="-171450">
+              <a:buFont typeface="Wingdings" panose="05000000000000000000" charset="0"/>
+              <a:buChar char="v"/>
+            </a:pPr>
+            <a:r>
+              <a:rPr lang="zh-CN" altLang="en-US" sz="1400">
+                <a:solidFill>
+                  <a:srgbClr val="FF0000"/>
+                </a:solidFill>
+                <a:effectLst>
+                  <a:outerShdw blurRad="38100" dist="25400" dir="5400000" algn="ctr" rotWithShape="0">
+                    <a:srgbClr val="6E747A">
+                      <a:alpha val="43000"/>
+                    </a:srgbClr>
+                  </a:outerShdw>
+                </a:effectLst>
+                <a:latin typeface="宋体" panose="02010600030101010101" pitchFamily="2" charset="-122"/>
+                <a:ea typeface="宋体" panose="02010600030101010101" pitchFamily="2" charset="-122"/>
+                <a:cs typeface="宋体" panose="02010600030101010101" pitchFamily="2" charset="-122"/>
+                <a:sym typeface="+mn-ea"/>
+              </a:rPr>
+              <a:t>引入持续阅读模块</a:t>
+            </a:r>
+            <a:endParaRPr lang="zh-CN" altLang="en-US" sz="1400">
+              <a:solidFill>
+                <a:srgbClr val="FF0000"/>
+              </a:solidFill>
+              <a:effectLst>
+                <a:outerShdw blurRad="38100" dist="25400" dir="5400000" algn="ctr" rotWithShape="0">
+                  <a:srgbClr val="6E747A">
+                    <a:alpha val="43000"/>
+                  </a:srgbClr>
+                </a:outerShdw>
+              </a:effectLst>
+              <a:latin typeface="宋体" panose="02010600030101010101" pitchFamily="2" charset="-122"/>
+              <a:ea typeface="宋体" panose="02010600030101010101" pitchFamily="2" charset="-122"/>
+              <a:cs typeface="宋体" panose="02010600030101010101" pitchFamily="2" charset="-122"/>
+              <a:sym typeface="+mn-ea"/>
+            </a:endParaRPr>
+          </a:p>
+          <a:p>
+            <a:pPr marL="171450" indent="-171450">
+              <a:buFont typeface="Wingdings" panose="05000000000000000000" charset="0"/>
+              <a:buChar char="v"/>
+            </a:pPr>
+            <a:r>
+              <a:rPr lang="zh-CN" altLang="en-US" sz="1400">
+                <a:solidFill>
+                  <a:srgbClr val="FF0000"/>
+                </a:solidFill>
+                <a:effectLst>
+                  <a:outerShdw blurRad="38100" dist="25400" dir="5400000" algn="ctr" rotWithShape="0">
+                    <a:srgbClr val="6E747A">
+                      <a:alpha val="43000"/>
+                    </a:srgbClr>
+                  </a:outerShdw>
+                </a:effectLst>
+                <a:latin typeface="宋体" panose="02010600030101010101" pitchFamily="2" charset="-122"/>
+                <a:ea typeface="宋体" panose="02010600030101010101" pitchFamily="2" charset="-122"/>
+                <a:cs typeface="宋体" panose="02010600030101010101" pitchFamily="2" charset="-122"/>
+                <a:sym typeface="+mn-ea"/>
+              </a:rPr>
+              <a:t>引入答案验证模块</a:t>
+            </a:r>
+            <a:endParaRPr lang="zh-CN" altLang="en-US" sz="1400">
+              <a:solidFill>
+                <a:srgbClr val="FF0000"/>
+              </a:solidFill>
+              <a:effectLst>
+                <a:outerShdw blurRad="38100" dist="25400" dir="5400000" algn="ctr" rotWithShape="0">
+                  <a:srgbClr val="6E747A">
+                    <a:alpha val="43000"/>
+                  </a:srgbClr>
+                </a:outerShdw>
+              </a:effectLst>
+              <a:latin typeface="宋体" panose="02010600030101010101" pitchFamily="2" charset="-122"/>
+              <a:ea typeface="宋体" panose="02010600030101010101" pitchFamily="2" charset="-122"/>
+              <a:cs typeface="宋体" panose="02010600030101010101" pitchFamily="2" charset="-122"/>
+              <a:sym typeface="+mn-ea"/>
+            </a:endParaRPr>
+          </a:p>
+        </p:txBody>
+      </p:sp>
     </p:spTree>
   </p:cSld>
   <p:clrMapOvr>
@@ -6997,541 +6620,6 @@
         </p:nvSpPr>
         <p:spPr>
           <a:xfrm>
-            <a:off x="303530" y="218440"/>
-            <a:ext cx="6304280" cy="583565"/>
-          </a:xfrm>
-          <a:prstGeom prst="rect">
-            <a:avLst/>
-          </a:prstGeom>
-          <a:noFill/>
-        </p:spPr>
-        <p:txBody>
-          <a:bodyPr wrap="square" rtlCol="0">
-            <a:spAutoFit/>
-          </a:bodyPr>
-          <a:p>
-            <a:r>
-              <a:rPr lang="zh-CN" altLang="en-US" sz="3200">
-                <a:ln w="12700">
-                  <a:solidFill>
-                    <a:schemeClr val="tx2">
-                      <a:lumMod val="75000"/>
-                    </a:schemeClr>
-                  </a:solidFill>
-                  <a:prstDash val="solid"/>
-                </a:ln>
-                <a:pattFill prst="dkUpDiag">
-                  <a:fgClr>
-                    <a:schemeClr val="tx2"/>
-                  </a:fgClr>
-                  <a:bgClr>
-                    <a:schemeClr val="tx2">
-                      <a:lumMod val="20000"/>
-                      <a:lumOff val="80000"/>
-                    </a:schemeClr>
-                  </a:bgClr>
-                </a:pattFill>
-                <a:effectLst>
-                  <a:outerShdw dist="38100" dir="2640000" algn="bl" rotWithShape="0">
-                    <a:schemeClr val="tx2">
-                      <a:lumMod val="75000"/>
-                    </a:schemeClr>
-                  </a:outerShdw>
-                </a:effectLst>
-              </a:rPr>
-              <a:t>文本匹配模块的拟设计方案</a:t>
-            </a:r>
-            <a:endParaRPr lang="zh-CN" altLang="en-US" sz="3200">
-              <a:ln w="12700">
-                <a:solidFill>
-                  <a:schemeClr val="tx2">
-                    <a:lumMod val="75000"/>
-                  </a:schemeClr>
-                </a:solidFill>
-                <a:prstDash val="solid"/>
-              </a:ln>
-              <a:pattFill prst="dkUpDiag">
-                <a:fgClr>
-                  <a:schemeClr val="tx2"/>
-                </a:fgClr>
-                <a:bgClr>
-                  <a:schemeClr val="tx2">
-                    <a:lumMod val="20000"/>
-                    <a:lumOff val="80000"/>
-                  </a:schemeClr>
-                </a:bgClr>
-              </a:pattFill>
-              <a:effectLst>
-                <a:outerShdw dist="38100" dir="2640000" algn="bl" rotWithShape="0">
-                  <a:schemeClr val="tx2">
-                    <a:lumMod val="75000"/>
-                  </a:schemeClr>
-                </a:outerShdw>
-              </a:effectLst>
-            </a:endParaRPr>
-          </a:p>
-        </p:txBody>
-      </p:sp>
-      <p:pic>
-        <p:nvPicPr>
-          <p:cNvPr id="4" name="Picture 3"/>
-          <p:cNvPicPr>
-            <a:picLocks noChangeAspect="1"/>
-          </p:cNvPicPr>
-          <p:nvPr/>
-        </p:nvPicPr>
-        <p:blipFill>
-          <a:blip r:embed="rId2"/>
-          <a:stretch>
-            <a:fillRect/>
-          </a:stretch>
-        </p:blipFill>
-        <p:spPr>
-          <a:xfrm>
-            <a:off x="1070610" y="1303020"/>
-            <a:ext cx="7002780" cy="2537460"/>
-          </a:xfrm>
-          <a:prstGeom prst="rect">
-            <a:avLst/>
-          </a:prstGeom>
-        </p:spPr>
-      </p:pic>
-      <p:sp>
-        <p:nvSpPr>
-          <p:cNvPr id="6" name="Text Box 5"/>
-          <p:cNvSpPr txBox="1"/>
-          <p:nvPr/>
-        </p:nvSpPr>
-        <p:spPr>
-          <a:xfrm>
-            <a:off x="509270" y="4153535"/>
-            <a:ext cx="8467090" cy="583565"/>
-          </a:xfrm>
-          <a:prstGeom prst="rect">
-            <a:avLst/>
-          </a:prstGeom>
-          <a:noFill/>
-        </p:spPr>
-        <p:txBody>
-          <a:bodyPr wrap="square" rtlCol="0">
-            <a:spAutoFit/>
-          </a:bodyPr>
-          <a:p>
-            <a:r>
-              <a:rPr lang="zh-CN" altLang="en-US" sz="1600"/>
-              <a:t>为了更好的提升文本匹配模块的性能，加快文本匹配模块的训练，拟采用知识蒸馏的方法，将</a:t>
-            </a:r>
-            <a:r>
-              <a:rPr lang="zh-CN" altLang="en-US" sz="1600">
-                <a:solidFill>
-                  <a:srgbClr val="FF0000"/>
-                </a:solidFill>
-              </a:rPr>
-              <a:t>教师模型（</a:t>
-            </a:r>
-            <a:r>
-              <a:rPr lang="en-US" altLang="zh-CN" sz="1600">
-                <a:solidFill>
-                  <a:srgbClr val="FF0000"/>
-                </a:solidFill>
-              </a:rPr>
-              <a:t>BERT</a:t>
-            </a:r>
-            <a:r>
-              <a:rPr lang="zh-CN" altLang="en-US" sz="1600">
-                <a:solidFill>
-                  <a:srgbClr val="FF0000"/>
-                </a:solidFill>
-              </a:rPr>
-              <a:t>）</a:t>
-            </a:r>
-            <a:r>
-              <a:rPr lang="zh-CN" altLang="en-US" sz="1600"/>
-              <a:t>输出的概率分布作为标签指导</a:t>
-            </a:r>
-            <a:r>
-              <a:rPr lang="zh-CN" altLang="en-US" sz="1600">
-                <a:solidFill>
-                  <a:srgbClr val="FF0000"/>
-                </a:solidFill>
-              </a:rPr>
-              <a:t>学生模型（</a:t>
-            </a:r>
-            <a:r>
-              <a:rPr lang="en-US" altLang="zh-CN" sz="1600">
-                <a:solidFill>
-                  <a:srgbClr val="FF0000"/>
-                </a:solidFill>
-              </a:rPr>
-              <a:t>Lattice conv-Transformer</a:t>
-            </a:r>
-            <a:r>
-              <a:rPr lang="zh-CN" altLang="en-US" sz="1600">
-                <a:solidFill>
-                  <a:srgbClr val="FF0000"/>
-                </a:solidFill>
-              </a:rPr>
-              <a:t>）</a:t>
-            </a:r>
-            <a:endParaRPr lang="zh-CN" altLang="en-US" sz="1600">
-              <a:solidFill>
-                <a:srgbClr val="FF0000"/>
-              </a:solidFill>
-            </a:endParaRPr>
-          </a:p>
-        </p:txBody>
-      </p:sp>
-    </p:spTree>
-  </p:cSld>
-  <p:clrMapOvr>
-    <a:masterClrMapping/>
-  </p:clrMapOvr>
-  <mc:AlternateContent xmlns:mc="http://schemas.openxmlformats.org/markup-compatibility/2006">
-    <mc:Choice xmlns:p14="http://schemas.microsoft.com/office/powerpoint/2010/main" Requires="p14">
-      <p:transition spd="slow" p14:dur="2000"/>
-    </mc:Choice>
-    <mc:Fallback>
-      <p:transition spd="slow"/>
-    </mc:Fallback>
-  </mc:AlternateContent>
-  <p:timing>
-    <p:tnLst>
-      <p:par>
-        <p:cTn id="1" dur="indefinite" restart="never" nodeType="tmRoot"/>
-      </p:par>
-    </p:tnLst>
-  </p:timing>
-</p:sld>
-</file>
-
-<file path=ppt/slides/slide13.xml><?xml version="1.0" encoding="utf-8"?>
-<p:sld xmlns:a="http://schemas.openxmlformats.org/drawingml/2006/main" xmlns:r="http://schemas.openxmlformats.org/officeDocument/2006/relationships" xmlns:p="http://schemas.openxmlformats.org/presentationml/2006/main">
-  <p:cSld>
-    <p:spTree>
-      <p:nvGrpSpPr>
-        <p:cNvPr id="1" name=""/>
-        <p:cNvGrpSpPr/>
-        <p:nvPr/>
-      </p:nvGrpSpPr>
-      <p:grpSpPr>
-        <a:xfrm>
-          <a:off x="0" y="0"/>
-          <a:ext cx="0" cy="0"/>
-          <a:chOff x="0" y="0"/>
-          <a:chExt cx="0" cy="0"/>
-        </a:xfrm>
-      </p:grpSpPr>
-      <p:pic>
-        <p:nvPicPr>
-          <p:cNvPr id="2" name="图片 3"/>
-          <p:cNvPicPr>
-            <a:picLocks noChangeAspect="1"/>
-          </p:cNvPicPr>
-          <p:nvPr/>
-        </p:nvPicPr>
-        <p:blipFill>
-          <a:blip r:embed="rId1" cstate="print">
-            <a:extLst>
-              <a:ext uri="{28A0092B-C50C-407E-A947-70E740481C1C}">
-                <a14:useLocalDpi xmlns:a14="http://schemas.microsoft.com/office/drawing/2010/main" val="0"/>
-              </a:ext>
-            </a:extLst>
-          </a:blip>
-          <a:stretch>
-            <a:fillRect/>
-          </a:stretch>
-        </p:blipFill>
-        <p:spPr>
-          <a:xfrm>
-            <a:off x="7608408" y="122473"/>
-            <a:ext cx="1467011" cy="491720"/>
-          </a:xfrm>
-          <a:prstGeom prst="rect">
-            <a:avLst/>
-          </a:prstGeom>
-        </p:spPr>
-      </p:pic>
-      <p:sp>
-        <p:nvSpPr>
-          <p:cNvPr id="3" name="Text Box 2"/>
-          <p:cNvSpPr txBox="1"/>
-          <p:nvPr/>
-        </p:nvSpPr>
-        <p:spPr>
-          <a:xfrm>
-            <a:off x="173990" y="248920"/>
-            <a:ext cx="5308600" cy="583565"/>
-          </a:xfrm>
-          <a:prstGeom prst="rect">
-            <a:avLst/>
-          </a:prstGeom>
-          <a:noFill/>
-        </p:spPr>
-        <p:txBody>
-          <a:bodyPr wrap="square" rtlCol="0">
-            <a:spAutoFit/>
-          </a:bodyPr>
-          <a:p>
-            <a:r>
-              <a:rPr lang="zh-CN" altLang="en-US" sz="3200">
-                <a:ln w="12700">
-                  <a:solidFill>
-                    <a:schemeClr val="tx2">
-                      <a:lumMod val="75000"/>
-                    </a:schemeClr>
-                  </a:solidFill>
-                  <a:prstDash val="solid"/>
-                </a:ln>
-                <a:pattFill prst="dkUpDiag">
-                  <a:fgClr>
-                    <a:schemeClr val="tx2"/>
-                  </a:fgClr>
-                  <a:bgClr>
-                    <a:schemeClr val="tx2">
-                      <a:lumMod val="20000"/>
-                      <a:lumOff val="80000"/>
-                    </a:schemeClr>
-                  </a:bgClr>
-                </a:pattFill>
-                <a:effectLst>
-                  <a:outerShdw dist="38100" dir="2640000" algn="bl" rotWithShape="0">
-                    <a:schemeClr val="tx2">
-                      <a:lumMod val="75000"/>
-                    </a:schemeClr>
-                  </a:outerShdw>
-                </a:effectLst>
-              </a:rPr>
-              <a:t>阅读理解模块的拟设计方案</a:t>
-            </a:r>
-            <a:endParaRPr lang="zh-CN" altLang="en-US" sz="3200">
-              <a:ln w="12700">
-                <a:solidFill>
-                  <a:schemeClr val="tx2">
-                    <a:lumMod val="75000"/>
-                  </a:schemeClr>
-                </a:solidFill>
-                <a:prstDash val="solid"/>
-              </a:ln>
-              <a:pattFill prst="dkUpDiag">
-                <a:fgClr>
-                  <a:schemeClr val="tx2"/>
-                </a:fgClr>
-                <a:bgClr>
-                  <a:schemeClr val="tx2">
-                    <a:lumMod val="20000"/>
-                    <a:lumOff val="80000"/>
-                  </a:schemeClr>
-                </a:bgClr>
-              </a:pattFill>
-              <a:effectLst>
-                <a:outerShdw dist="38100" dir="2640000" algn="bl" rotWithShape="0">
-                  <a:schemeClr val="tx2">
-                    <a:lumMod val="75000"/>
-                  </a:schemeClr>
-                </a:outerShdw>
-              </a:effectLst>
-            </a:endParaRPr>
-          </a:p>
-        </p:txBody>
-      </p:sp>
-      <p:pic>
-        <p:nvPicPr>
-          <p:cNvPr id="7" name="Picture 6"/>
-          <p:cNvPicPr>
-            <a:picLocks noChangeAspect="1"/>
-          </p:cNvPicPr>
-          <p:nvPr/>
-        </p:nvPicPr>
-        <p:blipFill>
-          <a:blip r:embed="rId2"/>
-          <a:stretch>
-            <a:fillRect/>
-          </a:stretch>
-        </p:blipFill>
-        <p:spPr>
-          <a:xfrm>
-            <a:off x="4378960" y="1620520"/>
-            <a:ext cx="4596765" cy="3392805"/>
-          </a:xfrm>
-          <a:prstGeom prst="rect">
-            <a:avLst/>
-          </a:prstGeom>
-        </p:spPr>
-      </p:pic>
-      <p:sp>
-        <p:nvSpPr>
-          <p:cNvPr id="6" name="Text Box 5"/>
-          <p:cNvSpPr txBox="1"/>
-          <p:nvPr/>
-        </p:nvSpPr>
-        <p:spPr>
-          <a:xfrm>
-            <a:off x="340995" y="1113790"/>
-            <a:ext cx="6191250" cy="583565"/>
-          </a:xfrm>
-          <a:prstGeom prst="rect">
-            <a:avLst/>
-          </a:prstGeom>
-          <a:noFill/>
-        </p:spPr>
-        <p:txBody>
-          <a:bodyPr wrap="square" rtlCol="0">
-            <a:spAutoFit/>
-          </a:bodyPr>
-          <a:p>
-            <a:pPr marL="285750" indent="-285750">
-              <a:buFont typeface="Wingdings" panose="05000000000000000000" charset="0"/>
-              <a:buChar char="Ø"/>
-            </a:pPr>
-            <a:r>
-              <a:rPr lang="zh-CN" altLang="en-US" sz="1600">
-                <a:solidFill>
-                  <a:schemeClr val="tx1"/>
-                </a:solidFill>
-                <a:effectLst>
-                  <a:outerShdw blurRad="38100" dist="19050" dir="2700000" algn="tl" rotWithShape="0">
-                    <a:schemeClr val="dk1">
-                      <a:alpha val="40000"/>
-                    </a:schemeClr>
-                  </a:outerShdw>
-                </a:effectLst>
-                <a:latin typeface="微软雅黑" panose="020B0503020204020204" charset="-122"/>
-                <a:ea typeface="微软雅黑" panose="020B0503020204020204" charset="-122"/>
-              </a:rPr>
-              <a:t>持续阅读模块：使得模型对文章足够理解的前提下预测答案</a:t>
-            </a:r>
-            <a:endParaRPr lang="zh-CN" altLang="en-US" sz="1600">
-              <a:solidFill>
-                <a:schemeClr val="tx1"/>
-              </a:solidFill>
-              <a:effectLst>
-                <a:outerShdw blurRad="38100" dist="19050" dir="2700000" algn="tl" rotWithShape="0">
-                  <a:schemeClr val="dk1">
-                    <a:alpha val="40000"/>
-                  </a:schemeClr>
-                </a:outerShdw>
-              </a:effectLst>
-              <a:latin typeface="微软雅黑" panose="020B0503020204020204" charset="-122"/>
-              <a:ea typeface="微软雅黑" panose="020B0503020204020204" charset="-122"/>
-            </a:endParaRPr>
-          </a:p>
-          <a:p>
-            <a:pPr marL="285750" indent="-285750">
-              <a:buFont typeface="Wingdings" panose="05000000000000000000" charset="0"/>
-              <a:buChar char="Ø"/>
-            </a:pPr>
-            <a:r>
-              <a:rPr lang="zh-CN" altLang="en-US" sz="1600">
-                <a:solidFill>
-                  <a:schemeClr val="tx1"/>
-                </a:solidFill>
-                <a:effectLst>
-                  <a:outerShdw blurRad="38100" dist="19050" dir="2700000" algn="tl" rotWithShape="0">
-                    <a:schemeClr val="dk1">
-                      <a:alpha val="40000"/>
-                    </a:schemeClr>
-                  </a:outerShdw>
-                </a:effectLst>
-                <a:latin typeface="微软雅黑" panose="020B0503020204020204" charset="-122"/>
-                <a:ea typeface="微软雅黑" panose="020B0503020204020204" charset="-122"/>
-              </a:rPr>
-              <a:t>答案验证模块：评估预测的答案与问题的相关度</a:t>
-            </a:r>
-            <a:endParaRPr lang="zh-CN" altLang="en-US" sz="1600">
-              <a:solidFill>
-                <a:schemeClr val="tx1"/>
-              </a:solidFill>
-              <a:effectLst>
-                <a:outerShdw blurRad="38100" dist="19050" dir="2700000" algn="tl" rotWithShape="0">
-                  <a:schemeClr val="dk1">
-                    <a:alpha val="40000"/>
-                  </a:schemeClr>
-                </a:outerShdw>
-              </a:effectLst>
-              <a:latin typeface="微软雅黑" panose="020B0503020204020204" charset="-122"/>
-              <a:ea typeface="微软雅黑" panose="020B0503020204020204" charset="-122"/>
-            </a:endParaRPr>
-          </a:p>
-        </p:txBody>
-      </p:sp>
-    </p:spTree>
-  </p:cSld>
-  <p:clrMapOvr>
-    <a:masterClrMapping/>
-  </p:clrMapOvr>
-  <mc:AlternateContent xmlns:mc="http://schemas.openxmlformats.org/markup-compatibility/2006">
-    <mc:Choice xmlns:p14="http://schemas.microsoft.com/office/powerpoint/2010/main" Requires="p14">
-      <p:transition spd="slow" p14:dur="2000"/>
-    </mc:Choice>
-    <mc:Fallback>
-      <p:transition spd="slow"/>
-    </mc:Fallback>
-  </mc:AlternateContent>
-  <p:timing>
-    <p:tnLst>
-      <p:par>
-        <p:cTn id="1" dur="indefinite" restart="never" nodeType="tmRoot"/>
-      </p:par>
-    </p:tnLst>
-  </p:timing>
-</p:sld>
-</file>
-
-<file path=ppt/slides/slide14.xml><?xml version="1.0" encoding="utf-8"?>
-<p:sld xmlns:a="http://schemas.openxmlformats.org/drawingml/2006/main" xmlns:r="http://schemas.openxmlformats.org/officeDocument/2006/relationships" xmlns:p="http://schemas.openxmlformats.org/presentationml/2006/main">
-  <p:cSld>
-    <p:spTree>
-      <p:nvGrpSpPr>
-        <p:cNvPr id="1" name=""/>
-        <p:cNvGrpSpPr/>
-        <p:nvPr/>
-      </p:nvGrpSpPr>
-      <p:grpSpPr>
-        <a:xfrm>
-          <a:off x="0" y="0"/>
-          <a:ext cx="0" cy="0"/>
-          <a:chOff x="0" y="0"/>
-          <a:chExt cx="0" cy="0"/>
-        </a:xfrm>
-      </p:grpSpPr>
-      <p:pic>
-        <p:nvPicPr>
-          <p:cNvPr id="2" name="图片 3"/>
-          <p:cNvPicPr>
-            <a:picLocks noChangeAspect="1"/>
-          </p:cNvPicPr>
-          <p:nvPr/>
-        </p:nvPicPr>
-        <p:blipFill>
-          <a:blip r:embed="rId1" cstate="print">
-            <a:extLst>
-              <a:ext uri="{28A0092B-C50C-407E-A947-70E740481C1C}">
-                <a14:useLocalDpi xmlns:a14="http://schemas.microsoft.com/office/drawing/2010/main" val="0"/>
-              </a:ext>
-            </a:extLst>
-          </a:blip>
-          <a:stretch>
-            <a:fillRect/>
-          </a:stretch>
-        </p:blipFill>
-        <p:spPr>
-          <a:xfrm>
-            <a:off x="7608408" y="122473"/>
-            <a:ext cx="1467011" cy="491720"/>
-          </a:xfrm>
-          <a:prstGeom prst="rect">
-            <a:avLst/>
-          </a:prstGeom>
-        </p:spPr>
-      </p:pic>
-      <p:sp>
-        <p:nvSpPr>
-          <p:cNvPr id="3" name="Text Box 2"/>
-          <p:cNvSpPr txBox="1"/>
-          <p:nvPr/>
-        </p:nvSpPr>
-        <p:spPr>
-          <a:xfrm>
             <a:off x="508635" y="218440"/>
             <a:ext cx="4441825" cy="583565"/>
           </a:xfrm>
@@ -7623,7 +6711,7 @@
         </p:blipFill>
         <p:spPr>
           <a:xfrm>
-            <a:off x="5272405" y="1395730"/>
+            <a:off x="2700655" y="969645"/>
             <a:ext cx="3528060" cy="3634740"/>
           </a:xfrm>
           <a:prstGeom prst="rect">
@@ -7631,146 +6719,6 @@
           </a:prstGeom>
         </p:spPr>
       </p:pic>
-      <p:sp>
-        <p:nvSpPr>
-          <p:cNvPr id="6" name="Text Box 5"/>
-          <p:cNvSpPr txBox="1"/>
-          <p:nvPr/>
-        </p:nvSpPr>
-        <p:spPr>
-          <a:xfrm>
-            <a:off x="640080" y="1064895"/>
-            <a:ext cx="4495800" cy="1076325"/>
-          </a:xfrm>
-          <a:prstGeom prst="rect">
-            <a:avLst/>
-          </a:prstGeom>
-          <a:noFill/>
-        </p:spPr>
-        <p:txBody>
-          <a:bodyPr wrap="square" rtlCol="0">
-            <a:spAutoFit/>
-          </a:bodyPr>
-          <a:p>
-            <a:r>
-              <a:rPr lang="zh-CN" altLang="en-US" sz="1600">
-                <a:solidFill>
-                  <a:schemeClr val="tx1"/>
-                </a:solidFill>
-                <a:effectLst>
-                  <a:outerShdw blurRad="38100" dist="19050" dir="2700000" algn="tl" rotWithShape="0">
-                    <a:schemeClr val="dk1">
-                      <a:alpha val="40000"/>
-                    </a:schemeClr>
-                  </a:outerShdw>
-                </a:effectLst>
-              </a:rPr>
-              <a:t>利用阅读理解模块预测的答案与真实答案之间的</a:t>
-            </a:r>
-            <a:r>
-              <a:rPr lang="zh-CN" altLang="en-US" sz="1600">
-                <a:solidFill>
-                  <a:srgbClr val="FF0000"/>
-                </a:solidFill>
-                <a:effectLst>
-                  <a:outerShdw blurRad="38100" dist="19050" dir="2700000" algn="tl" rotWithShape="0">
-                    <a:schemeClr val="dk1">
-                      <a:alpha val="40000"/>
-                    </a:schemeClr>
-                  </a:outerShdw>
-                </a:effectLst>
-              </a:rPr>
-              <a:t>误差作为奖励</a:t>
-            </a:r>
-            <a:r>
-              <a:rPr lang="zh-CN" altLang="en-US" sz="1600">
-                <a:solidFill>
-                  <a:schemeClr val="tx1"/>
-                </a:solidFill>
-                <a:effectLst>
-                  <a:outerShdw blurRad="38100" dist="19050" dir="2700000" algn="tl" rotWithShape="0">
-                    <a:schemeClr val="dk1">
-                      <a:alpha val="40000"/>
-                    </a:schemeClr>
-                  </a:outerShdw>
-                </a:effectLst>
-              </a:rPr>
-              <a:t>反馈给文本匹配模块，</a:t>
-            </a:r>
-            <a:endParaRPr lang="zh-CN" altLang="en-US" sz="1600">
-              <a:solidFill>
-                <a:schemeClr val="tx1"/>
-              </a:solidFill>
-              <a:effectLst>
-                <a:outerShdw blurRad="38100" dist="19050" dir="2700000" algn="tl" rotWithShape="0">
-                  <a:schemeClr val="dk1">
-                    <a:alpha val="40000"/>
-                  </a:schemeClr>
-                </a:outerShdw>
-              </a:effectLst>
-            </a:endParaRPr>
-          </a:p>
-          <a:p>
-            <a:r>
-              <a:rPr lang="zh-CN" altLang="en-US" sz="1600">
-                <a:solidFill>
-                  <a:schemeClr val="tx1"/>
-                </a:solidFill>
-                <a:effectLst>
-                  <a:outerShdw blurRad="38100" dist="19050" dir="2700000" algn="tl" rotWithShape="0">
-                    <a:schemeClr val="dk1">
-                      <a:alpha val="40000"/>
-                    </a:schemeClr>
-                  </a:outerShdw>
-                </a:effectLst>
-              </a:rPr>
-              <a:t>指导文本匹配模块预测出的</a:t>
-            </a:r>
-            <a:r>
-              <a:rPr lang="zh-CN" altLang="en-US" sz="1600">
-                <a:solidFill>
-                  <a:srgbClr val="FF0000"/>
-                </a:solidFill>
-                <a:effectLst>
-                  <a:outerShdw blurRad="38100" dist="19050" dir="2700000" algn="tl" rotWithShape="0">
-                    <a:schemeClr val="dk1">
-                      <a:alpha val="40000"/>
-                    </a:schemeClr>
-                  </a:outerShdw>
-                </a:effectLst>
-              </a:rPr>
-              <a:t>文档中尽可能包含问题的答案</a:t>
-            </a:r>
-            <a:r>
-              <a:rPr lang="zh-CN" altLang="en-US" sz="1600">
-                <a:solidFill>
-                  <a:schemeClr val="tx1"/>
-                </a:solidFill>
-                <a:effectLst>
-                  <a:outerShdw blurRad="38100" dist="19050" dir="2700000" algn="tl" rotWithShape="0">
-                    <a:schemeClr val="dk1">
-                      <a:alpha val="40000"/>
-                    </a:schemeClr>
-                  </a:outerShdw>
-                </a:effectLst>
-              </a:rPr>
-              <a:t>。</a:t>
-            </a:r>
-            <a:endParaRPr lang="zh-CN" altLang="en-US" sz="1600">
-              <a:solidFill>
-                <a:schemeClr val="tx1"/>
-              </a:solidFill>
-              <a:effectLst>
-                <a:outerShdw blurRad="38100" dist="19050" dir="2700000" algn="tl" rotWithShape="0">
-                  <a:schemeClr val="dk1">
-                    <a:alpha val="40000"/>
-                  </a:schemeClr>
-                </a:outerShdw>
-              </a:effectLst>
-            </a:endParaRPr>
-          </a:p>
-        </p:txBody>
-      </p:sp>
     </p:spTree>
   </p:cSld>
   <p:clrMapOvr>
@@ -7794,7 +6742,7 @@
 </p:sld>
 </file>
 
-<file path=ppt/slides/slide15.xml><?xml version="1.0" encoding="utf-8"?>
+<file path=ppt/slides/slide13.xml><?xml version="1.0" encoding="utf-8"?>
 <p:sld xmlns:a="http://schemas.openxmlformats.org/drawingml/2006/main" xmlns:r="http://schemas.openxmlformats.org/officeDocument/2006/relationships" xmlns:p="http://schemas.openxmlformats.org/presentationml/2006/main">
   <p:cSld>
     <p:spTree>
@@ -9273,7 +8221,7 @@
 </p:sld>
 </file>
 
-<file path=ppt/slides/slide16.xml><?xml version="1.0" encoding="utf-8"?>
+<file path=ppt/slides/slide14.xml><?xml version="1.0" encoding="utf-8"?>
 <p:sld xmlns:a="http://schemas.openxmlformats.org/drawingml/2006/main" xmlns:r="http://schemas.openxmlformats.org/officeDocument/2006/relationships" xmlns:p="http://schemas.openxmlformats.org/presentationml/2006/main">
   <p:cSld>
     <p:spTree>
@@ -12448,7 +11396,7 @@
         </p:nvSpPr>
         <p:spPr>
           <a:xfrm>
-            <a:off x="3052445" y="4153535"/>
+            <a:off x="3039745" y="4166235"/>
             <a:ext cx="3430905" cy="299085"/>
           </a:xfrm>
           <a:prstGeom prst="rect">
@@ -12492,7 +11440,7 @@
 </p:sld>
 </file>
 
-<file path=ppt/slides/slide17.xml><?xml version="1.0" encoding="utf-8"?>
+<file path=ppt/slides/slide15.xml><?xml version="1.0" encoding="utf-8"?>
 <p:sld xmlns:a="http://schemas.openxmlformats.org/drawingml/2006/main" xmlns:r="http://schemas.openxmlformats.org/officeDocument/2006/relationships" xmlns:p="http://schemas.openxmlformats.org/presentationml/2006/main">
   <p:cSld>
     <p:spTree>
@@ -12749,7 +11697,7 @@
         <p:spPr>
           <a:xfrm>
             <a:off x="414655" y="1036320"/>
-            <a:ext cx="4598035" cy="714375"/>
+            <a:ext cx="6583680" cy="714375"/>
           </a:xfrm>
           <a:prstGeom prst="rect">
             <a:avLst/>
@@ -12767,7 +11715,7 @@
             </a:pPr>
             <a:r>
               <a:rPr lang="zh-CN" altLang="en-US"/>
-              <a:t>共有</a:t>
+              <a:t>从五个大规模的中文阅读理解数据集中筛选，预处理后得到总计</a:t>
             </a:r>
             <a:r>
               <a:rPr lang="en-US" altLang="zh-CN"/>
@@ -13178,7 +12126,7 @@
 </p:sld>
 </file>
 
-<file path=ppt/slides/slide18.xml><?xml version="1.0" encoding="utf-8"?>
+<file path=ppt/slides/slide16.xml><?xml version="1.0" encoding="utf-8"?>
 <p:sld xmlns:a="http://schemas.openxmlformats.org/drawingml/2006/main" xmlns:r="http://schemas.openxmlformats.org/officeDocument/2006/relationships" xmlns:p="http://schemas.openxmlformats.org/presentationml/2006/main">
   <p:cSld>
     <p:spTree>
@@ -13188,87 +12136,6 @@
         <p:nvPr/>
       </p:nvGrpSpPr>
       <p:grpSpPr/>
-      <p:sp>
-        <p:nvSpPr>
-          <p:cNvPr id="2" name="Title 1"/>
-          <p:cNvSpPr>
-            <a:spLocks noGrp="1"/>
-          </p:cNvSpPr>
-          <p:nvPr>
-            <p:ph type="title"/>
-          </p:nvPr>
-        </p:nvSpPr>
-        <p:spPr>
-          <a:xfrm>
-            <a:off x="423545" y="342265"/>
-            <a:ext cx="6761480" cy="637540"/>
-          </a:xfrm>
-        </p:spPr>
-        <p:txBody>
-          <a:bodyPr>
-            <a:normAutofit/>
-          </a:bodyPr>
-          <a:p>
-            <a:r>
-              <a:rPr lang="zh-CN" altLang="en-US" sz="2665">
-                <a:solidFill>
-                  <a:schemeClr val="tx1"/>
-                </a:solidFill>
-                <a:effectLst>
-                  <a:outerShdw blurRad="38100" dist="19050" dir="2700000" algn="tl" rotWithShape="0">
-                    <a:schemeClr val="dk1">
-                      <a:alpha val="40000"/>
-                    </a:schemeClr>
-                  </a:outerShdw>
-                </a:effectLst>
-              </a:rPr>
-              <a:t>复现经典阅读理解模型</a:t>
-            </a:r>
-            <a:r>
-              <a:rPr lang="en-US" altLang="zh-CN" sz="2665">
-                <a:solidFill>
-                  <a:schemeClr val="tx1"/>
-                </a:solidFill>
-                <a:effectLst>
-                  <a:outerShdw blurRad="38100" dist="19050" dir="2700000" algn="tl" rotWithShape="0">
-                    <a:schemeClr val="dk1">
-                      <a:alpha val="40000"/>
-                    </a:schemeClr>
-                  </a:outerShdw>
-                </a:effectLst>
-              </a:rPr>
-              <a:t>BiDAF</a:t>
-            </a:r>
-            <a:r>
-              <a:rPr lang="zh-CN" altLang="en-US" sz="2665">
-                <a:solidFill>
-                  <a:schemeClr val="tx1"/>
-                </a:solidFill>
-                <a:effectLst>
-                  <a:outerShdw blurRad="38100" dist="19050" dir="2700000" algn="tl" rotWithShape="0">
-                    <a:schemeClr val="dk1">
-                      <a:alpha val="40000"/>
-                    </a:schemeClr>
-                  </a:outerShdw>
-                </a:effectLst>
-              </a:rPr>
-              <a:t>的效果</a:t>
-            </a:r>
-            <a:endParaRPr lang="zh-CN" altLang="en-US" sz="2665">
-              <a:solidFill>
-                <a:schemeClr val="tx1"/>
-              </a:solidFill>
-              <a:effectLst>
-                <a:outerShdw blurRad="38100" dist="19050" dir="2700000" algn="tl" rotWithShape="0">
-                  <a:schemeClr val="dk1">
-                    <a:alpha val="40000"/>
-                  </a:schemeClr>
-                </a:outerShdw>
-              </a:effectLst>
-            </a:endParaRPr>
-          </a:p>
-        </p:txBody>
-      </p:sp>
       <p:pic>
         <p:nvPicPr>
           <p:cNvPr id="7" name="图片 3"/>
@@ -13315,8 +12182,8 @@
         </p:blipFill>
         <p:spPr>
           <a:xfrm>
-            <a:off x="3313430" y="2589530"/>
-            <a:ext cx="5754370" cy="2180590"/>
+            <a:off x="300990" y="1607820"/>
+            <a:ext cx="4022090" cy="1610360"/>
           </a:xfrm>
           <a:prstGeom prst="rect">
             <a:avLst/>
@@ -13325,35 +12192,14 @@
       </p:pic>
       <p:sp>
         <p:nvSpPr>
-          <p:cNvPr id="4" name="Content Placeholder 3"/>
-          <p:cNvSpPr/>
-          <p:nvPr>
-            <p:ph idx="1"/>
-          </p:nvPr>
-        </p:nvSpPr>
-        <p:spPr>
-          <a:xfrm>
-            <a:off x="613410" y="927735"/>
-            <a:ext cx="5631815" cy="555625"/>
-          </a:xfrm>
-        </p:spPr>
-        <p:txBody>
-          <a:bodyPr/>
-          <a:p>
-            <a:endParaRPr lang="en-US"/>
-          </a:p>
-        </p:txBody>
-      </p:sp>
-      <p:sp>
-        <p:nvSpPr>
           <p:cNvPr id="5" name="Text Box 4"/>
           <p:cNvSpPr txBox="1"/>
           <p:nvPr/>
         </p:nvSpPr>
         <p:spPr>
           <a:xfrm>
-            <a:off x="613410" y="1528445"/>
-            <a:ext cx="7561580" cy="922020"/>
+            <a:off x="300990" y="4221480"/>
+            <a:ext cx="7561580" cy="714375"/>
           </a:xfrm>
           <a:prstGeom prst="rect">
             <a:avLst/>
@@ -13416,41 +12262,188 @@
               <a:buChar char="Ø"/>
             </a:pPr>
             <a:r>
+              <a:rPr lang="en-US" altLang="zh-CN"/>
+              <a:t>BERT</a:t>
+            </a:r>
+            <a:r>
               <a:rPr lang="zh-CN" altLang="en-US"/>
-              <a:t>取</a:t>
+              <a:t>的效果明显优于</a:t>
             </a:r>
             <a:r>
               <a:rPr lang="en-US" altLang="zh-CN"/>
-              <a:t>132241</a:t>
-            </a:r>
-            <a:r>
-              <a:rPr lang="zh-CN" altLang="en-US"/>
-              <a:t>个样本训练，</a:t>
-            </a:r>
-            <a:r>
-              <a:rPr lang="en-US" altLang="zh-CN"/>
-              <a:t>20000</a:t>
-            </a:r>
-            <a:r>
-              <a:rPr lang="zh-CN" altLang="en-US"/>
-              <a:t>个样本作为测试集</a:t>
-            </a:r>
-            <a:r>
-              <a:rPr lang="en-US" altLang="zh-CN"/>
-              <a:t>.</a:t>
+              <a:t>BiDAF</a:t>
             </a:r>
             <a:endParaRPr lang="en-US" altLang="zh-CN"/>
           </a:p>
-          <a:p>
-            <a:pPr marL="285750" indent="-285750">
-              <a:buFont typeface="Wingdings" panose="05000000000000000000" charset="0"/>
-              <a:buChar char="Ø"/>
-            </a:pPr>
-            <a:r>
-              <a:rPr lang="zh-CN" altLang="en-US"/>
-              <a:t>模型效果不是很好，有过拟合的问题</a:t>
-            </a:r>
-            <a:endParaRPr lang="zh-CN" altLang="en-US"/>
+        </p:txBody>
+      </p:sp>
+      <p:pic>
+        <p:nvPicPr>
+          <p:cNvPr id="9" name="Content Placeholder 3" descr="Screenshot from 2020-11-24 14-27-02"/>
+          <p:cNvPicPr>
+            <a:picLocks noChangeAspect="1"/>
+          </p:cNvPicPr>
+          <p:nvPr>
+            <p:ph idx="1"/>
+          </p:nvPr>
+        </p:nvPicPr>
+        <p:blipFill>
+          <a:blip r:embed="rId3"/>
+          <a:stretch>
+            <a:fillRect/>
+          </a:stretch>
+        </p:blipFill>
+        <p:spPr>
+          <a:xfrm>
+            <a:off x="4719955" y="1607820"/>
+            <a:ext cx="4213860" cy="1610360"/>
+          </a:xfrm>
+          <a:prstGeom prst="rect">
+            <a:avLst/>
+          </a:prstGeom>
+        </p:spPr>
+      </p:pic>
+      <p:sp>
+        <p:nvSpPr>
+          <p:cNvPr id="10" name="Title 9"/>
+          <p:cNvSpPr/>
+          <p:nvPr>
+            <p:ph type="title"/>
+          </p:nvPr>
+        </p:nvSpPr>
+        <p:spPr>
+          <a:xfrm>
+            <a:off x="628650" y="273685"/>
+            <a:ext cx="6913245" cy="994410"/>
+          </a:xfrm>
+        </p:spPr>
+        <p:txBody>
+          <a:bodyPr/>
+          <a:p>
+            <a:endParaRPr lang="en-US"/>
+          </a:p>
+        </p:txBody>
+      </p:sp>
+      <p:sp>
+        <p:nvSpPr>
+          <p:cNvPr id="12" name="Text Box 11"/>
+          <p:cNvSpPr txBox="1"/>
+          <p:nvPr/>
+        </p:nvSpPr>
+        <p:spPr>
+          <a:xfrm>
+            <a:off x="1672590" y="3331210"/>
+            <a:ext cx="1506220" cy="299085"/>
+          </a:xfrm>
+          <a:prstGeom prst="rect">
+            <a:avLst/>
+          </a:prstGeom>
+          <a:noFill/>
+        </p:spPr>
+        <p:txBody>
+          <a:bodyPr wrap="square" rtlCol="0">
+            <a:spAutoFit/>
+          </a:bodyPr>
+          <a:p>
+            <a:r>
+              <a:rPr lang="en-US"/>
+              <a:t>BiDAF</a:t>
+            </a:r>
+            <a:endParaRPr lang="en-US"/>
+          </a:p>
+        </p:txBody>
+      </p:sp>
+      <p:sp>
+        <p:nvSpPr>
+          <p:cNvPr id="13" name="Text Box 12"/>
+          <p:cNvSpPr txBox="1"/>
+          <p:nvPr/>
+        </p:nvSpPr>
+        <p:spPr>
+          <a:xfrm>
+            <a:off x="6409690" y="3331210"/>
+            <a:ext cx="1506220" cy="299085"/>
+          </a:xfrm>
+          <a:prstGeom prst="rect">
+            <a:avLst/>
+          </a:prstGeom>
+          <a:noFill/>
+        </p:spPr>
+        <p:txBody>
+          <a:bodyPr wrap="square" rtlCol="0">
+            <a:spAutoFit/>
+          </a:bodyPr>
+          <a:p>
+            <a:r>
+              <a:rPr lang="en-US"/>
+              <a:t>BERT</a:t>
+            </a:r>
+            <a:endParaRPr lang="en-US"/>
+          </a:p>
+        </p:txBody>
+      </p:sp>
+      <p:sp>
+        <p:nvSpPr>
+          <p:cNvPr id="15" name="Title 1"/>
+          <p:cNvSpPr>
+            <a:spLocks noGrp="1"/>
+          </p:cNvSpPr>
+          <p:nvPr/>
+        </p:nvSpPr>
+        <p:spPr>
+          <a:xfrm>
+            <a:off x="232410" y="393224"/>
+            <a:ext cx="7886700" cy="994172"/>
+          </a:xfrm>
+          <a:prstGeom prst="rect">
+            <a:avLst/>
+          </a:prstGeom>
+        </p:spPr>
+        <p:txBody>
+          <a:bodyPr vert="horz" lIns="91440" tIns="45720" rIns="91440" bIns="45720" rtlCol="0" anchor="ctr">
+            <a:normAutofit/>
+          </a:bodyPr>
+          <a:lstStyle>
+            <a:lvl1pPr algn="l" defTabSz="685800" rtl="0" eaLnBrk="1" latinLnBrk="0" hangingPunct="1">
+              <a:lnSpc>
+                <a:spcPct val="90000"/>
+              </a:lnSpc>
+              <a:spcBef>
+                <a:spcPct val="0"/>
+              </a:spcBef>
+              <a:buNone/>
+              <a:defRPr sz="3300" kern="1200">
+                <a:solidFill>
+                  <a:schemeClr val="tx1"/>
+                </a:solidFill>
+                <a:latin typeface="+mj-lt"/>
+                <a:ea typeface="+mj-ea"/>
+                <a:cs typeface="+mj-cs"/>
+              </a:defRPr>
+            </a:lvl1pPr>
+          </a:lstStyle>
+          <a:p>
+            <a:r>
+              <a:rPr lang="zh-CN" altLang="en-US" sz="2400" b="1"/>
+              <a:t>在构建的数据集上实现</a:t>
+            </a:r>
+            <a:r>
+              <a:rPr lang="en-US" altLang="zh-CN" sz="2400" b="1"/>
+              <a:t>BiDAF</a:t>
+            </a:r>
+            <a:r>
+              <a:rPr lang="zh-CN" altLang="en-US" sz="2400" b="1"/>
+              <a:t>模型和微调</a:t>
+            </a:r>
+            <a:r>
+              <a:rPr lang="en-US" altLang="zh-CN" sz="2400" b="1"/>
+              <a:t>BERT</a:t>
+            </a:r>
+            <a:r>
+              <a:rPr lang="zh-CN" altLang="en-US" sz="2400" b="1"/>
+              <a:t>的结果</a:t>
+            </a:r>
+            <a:endParaRPr lang="zh-CN" altLang="en-US" sz="2400" b="1"/>
           </a:p>
         </p:txBody>
       </p:sp>
@@ -13470,7 +12463,764 @@
 </p:sld>
 </file>
 
-<file path=ppt/slides/slide19.xml><?xml version="1.0" encoding="utf-8"?>
+<file path=ppt/slides/slide17.xml><?xml version="1.0" encoding="utf-8"?>
+<p:sld xmlns:a="http://schemas.openxmlformats.org/drawingml/2006/main" xmlns:r="http://schemas.openxmlformats.org/officeDocument/2006/relationships" xmlns:p="http://schemas.openxmlformats.org/presentationml/2006/main">
+  <p:cSld>
+    <p:spTree>
+      <p:nvGrpSpPr>
+        <p:cNvPr id="1" name=""/>
+        <p:cNvGrpSpPr/>
+        <p:nvPr/>
+      </p:nvGrpSpPr>
+      <p:grpSpPr>
+        <a:xfrm>
+          <a:off x="0" y="0"/>
+          <a:ext cx="0" cy="0"/>
+          <a:chOff x="0" y="0"/>
+          <a:chExt cx="0" cy="0"/>
+        </a:xfrm>
+      </p:grpSpPr>
+      <p:pic>
+        <p:nvPicPr>
+          <p:cNvPr id="2" name="图片 3"/>
+          <p:cNvPicPr>
+            <a:picLocks noChangeAspect="1"/>
+          </p:cNvPicPr>
+          <p:nvPr/>
+        </p:nvPicPr>
+        <p:blipFill>
+          <a:blip r:embed="rId1" cstate="print">
+            <a:extLst>
+              <a:ext uri="{28A0092B-C50C-407E-A947-70E740481C1C}">
+                <a14:useLocalDpi xmlns:a14="http://schemas.microsoft.com/office/drawing/2010/main" val="0"/>
+              </a:ext>
+            </a:extLst>
+          </a:blip>
+          <a:stretch>
+            <a:fillRect/>
+          </a:stretch>
+        </p:blipFill>
+        <p:spPr>
+          <a:xfrm>
+            <a:off x="7608408" y="122473"/>
+            <a:ext cx="1467011" cy="491720"/>
+          </a:xfrm>
+          <a:prstGeom prst="rect">
+            <a:avLst/>
+          </a:prstGeom>
+        </p:spPr>
+      </p:pic>
+      <p:sp>
+        <p:nvSpPr>
+          <p:cNvPr id="3" name="Text Box 2"/>
+          <p:cNvSpPr txBox="1"/>
+          <p:nvPr/>
+        </p:nvSpPr>
+        <p:spPr>
+          <a:xfrm>
+            <a:off x="508635" y="194310"/>
+            <a:ext cx="4631690" cy="583565"/>
+          </a:xfrm>
+          <a:prstGeom prst="rect">
+            <a:avLst/>
+          </a:prstGeom>
+          <a:noFill/>
+        </p:spPr>
+        <p:txBody>
+          <a:bodyPr wrap="square" rtlCol="0">
+            <a:spAutoFit/>
+          </a:bodyPr>
+          <a:p>
+            <a:r>
+              <a:rPr lang="zh-CN" altLang="en-US" sz="3200">
+                <a:ln w="12700">
+                  <a:solidFill>
+                    <a:schemeClr val="tx2">
+                      <a:lumMod val="75000"/>
+                    </a:schemeClr>
+                  </a:solidFill>
+                  <a:prstDash val="solid"/>
+                </a:ln>
+                <a:pattFill prst="dkUpDiag">
+                  <a:fgClr>
+                    <a:schemeClr val="tx2"/>
+                  </a:fgClr>
+                  <a:bgClr>
+                    <a:schemeClr val="tx2">
+                      <a:lumMod val="20000"/>
+                      <a:lumOff val="80000"/>
+                    </a:schemeClr>
+                  </a:bgClr>
+                </a:pattFill>
+                <a:effectLst>
+                  <a:outerShdw dist="38100" dir="2640000" algn="bl" rotWithShape="0">
+                    <a:schemeClr val="tx2">
+                      <a:lumMod val="75000"/>
+                    </a:schemeClr>
+                  </a:outerShdw>
+                </a:effectLst>
+              </a:rPr>
+              <a:t>文本匹配数据集的构建</a:t>
+            </a:r>
+            <a:endParaRPr lang="zh-CN" altLang="en-US" sz="3200">
+              <a:ln w="12700">
+                <a:solidFill>
+                  <a:schemeClr val="tx2">
+                    <a:lumMod val="75000"/>
+                  </a:schemeClr>
+                </a:solidFill>
+                <a:prstDash val="solid"/>
+              </a:ln>
+              <a:pattFill prst="dkUpDiag">
+                <a:fgClr>
+                  <a:schemeClr val="tx2"/>
+                </a:fgClr>
+                <a:bgClr>
+                  <a:schemeClr val="tx2">
+                    <a:lumMod val="20000"/>
+                    <a:lumOff val="80000"/>
+                  </a:schemeClr>
+                </a:bgClr>
+              </a:pattFill>
+              <a:effectLst>
+                <a:outerShdw dist="38100" dir="2640000" algn="bl" rotWithShape="0">
+                  <a:schemeClr val="tx2">
+                    <a:lumMod val="75000"/>
+                  </a:schemeClr>
+                </a:outerShdw>
+              </a:effectLst>
+            </a:endParaRPr>
+          </a:p>
+        </p:txBody>
+      </p:sp>
+      <p:sp>
+        <p:nvSpPr>
+          <p:cNvPr id="8" name="圆角矩形 8"/>
+          <p:cNvSpPr>
+            <a:spLocks noChangeArrowheads="1"/>
+          </p:cNvSpPr>
+          <p:nvPr/>
+        </p:nvSpPr>
+        <p:spPr bwMode="auto">
+          <a:xfrm>
+            <a:off x="2345690" y="1558925"/>
+            <a:ext cx="4320540" cy="1377315"/>
+          </a:xfrm>
+          <a:prstGeom prst="roundRect">
+            <a:avLst>
+              <a:gd name="adj" fmla="val 4324"/>
+            </a:avLst>
+          </a:prstGeom>
+          <a:solidFill>
+            <a:srgbClr val="F2F2F2"/>
+          </a:solidFill>
+          <a:ln w="9525">
+            <a:solidFill>
+              <a:schemeClr val="tx1"/>
+            </a:solidFill>
+            <a:round/>
+          </a:ln>
+        </p:spPr>
+        <p:txBody>
+          <a:bodyPr/>
+          <a:lstStyle>
+            <a:lvl1pPr eaLnBrk="0" hangingPunct="0">
+              <a:defRPr>
+                <a:solidFill>
+                  <a:schemeClr val="tx1"/>
+                </a:solidFill>
+                <a:latin typeface="Arial" panose="020B0604020202020204" pitchFamily="34" charset="0"/>
+                <a:ea typeface="宋体" panose="02010600030101010101" pitchFamily="2" charset="-122"/>
+              </a:defRPr>
+            </a:lvl1pPr>
+            <a:lvl2pPr eaLnBrk="0" hangingPunct="0">
+              <a:defRPr>
+                <a:solidFill>
+                  <a:schemeClr val="tx1"/>
+                </a:solidFill>
+                <a:latin typeface="Arial" panose="020B0604020202020204" pitchFamily="34" charset="0"/>
+                <a:ea typeface="宋体" panose="02010600030101010101" pitchFamily="2" charset="-122"/>
+              </a:defRPr>
+            </a:lvl2pPr>
+            <a:lvl3pPr eaLnBrk="0" hangingPunct="0">
+              <a:defRPr>
+                <a:solidFill>
+                  <a:schemeClr val="tx1"/>
+                </a:solidFill>
+                <a:latin typeface="Arial" panose="020B0604020202020204" pitchFamily="34" charset="0"/>
+                <a:ea typeface="宋体" panose="02010600030101010101" pitchFamily="2" charset="-122"/>
+              </a:defRPr>
+            </a:lvl3pPr>
+            <a:lvl4pPr eaLnBrk="0" hangingPunct="0">
+              <a:defRPr>
+                <a:solidFill>
+                  <a:schemeClr val="tx1"/>
+                </a:solidFill>
+                <a:latin typeface="Arial" panose="020B0604020202020204" pitchFamily="34" charset="0"/>
+                <a:ea typeface="宋体" panose="02010600030101010101" pitchFamily="2" charset="-122"/>
+              </a:defRPr>
+            </a:lvl4pPr>
+            <a:lvl5pPr eaLnBrk="0" hangingPunct="0">
+              <a:defRPr>
+                <a:solidFill>
+                  <a:schemeClr val="tx1"/>
+                </a:solidFill>
+                <a:latin typeface="Arial" panose="020B0604020202020204" pitchFamily="34" charset="0"/>
+                <a:ea typeface="宋体" panose="02010600030101010101" pitchFamily="2" charset="-122"/>
+              </a:defRPr>
+            </a:lvl5pPr>
+            <a:lvl6pPr eaLnBrk="0" fontAlgn="base" hangingPunct="0">
+              <a:spcBef>
+                <a:spcPct val="0"/>
+              </a:spcBef>
+              <a:spcAft>
+                <a:spcPct val="0"/>
+              </a:spcAft>
+              <a:buFont typeface="Arial" panose="020B0604020202020204" pitchFamily="34" charset="0"/>
+              <a:defRPr>
+                <a:solidFill>
+                  <a:schemeClr val="tx1"/>
+                </a:solidFill>
+                <a:latin typeface="Arial" panose="020B0604020202020204" pitchFamily="34" charset="0"/>
+                <a:ea typeface="宋体" panose="02010600030101010101" pitchFamily="2" charset="-122"/>
+              </a:defRPr>
+            </a:lvl6pPr>
+            <a:lvl7pPr eaLnBrk="0" fontAlgn="base" hangingPunct="0">
+              <a:spcBef>
+                <a:spcPct val="0"/>
+              </a:spcBef>
+              <a:spcAft>
+                <a:spcPct val="0"/>
+              </a:spcAft>
+              <a:buFont typeface="Arial" panose="020B0604020202020204" pitchFamily="34" charset="0"/>
+              <a:defRPr>
+                <a:solidFill>
+                  <a:schemeClr val="tx1"/>
+                </a:solidFill>
+                <a:latin typeface="Arial" panose="020B0604020202020204" pitchFamily="34" charset="0"/>
+                <a:ea typeface="宋体" panose="02010600030101010101" pitchFamily="2" charset="-122"/>
+              </a:defRPr>
+            </a:lvl7pPr>
+            <a:lvl8pPr eaLnBrk="0" fontAlgn="base" hangingPunct="0">
+              <a:spcBef>
+                <a:spcPct val="0"/>
+              </a:spcBef>
+              <a:spcAft>
+                <a:spcPct val="0"/>
+              </a:spcAft>
+              <a:buFont typeface="Arial" panose="020B0604020202020204" pitchFamily="34" charset="0"/>
+              <a:defRPr>
+                <a:solidFill>
+                  <a:schemeClr val="tx1"/>
+                </a:solidFill>
+                <a:latin typeface="Arial" panose="020B0604020202020204" pitchFamily="34" charset="0"/>
+                <a:ea typeface="宋体" panose="02010600030101010101" pitchFamily="2" charset="-122"/>
+              </a:defRPr>
+            </a:lvl8pPr>
+            <a:lvl9pPr eaLnBrk="0" fontAlgn="base" hangingPunct="0">
+              <a:spcBef>
+                <a:spcPct val="0"/>
+              </a:spcBef>
+              <a:spcAft>
+                <a:spcPct val="0"/>
+              </a:spcAft>
+              <a:buFont typeface="Arial" panose="020B0604020202020204" pitchFamily="34" charset="0"/>
+              <a:defRPr>
+                <a:solidFill>
+                  <a:schemeClr val="tx1"/>
+                </a:solidFill>
+                <a:latin typeface="Arial" panose="020B0604020202020204" pitchFamily="34" charset="0"/>
+                <a:ea typeface="宋体" panose="02010600030101010101" pitchFamily="2" charset="-122"/>
+              </a:defRPr>
+            </a:lvl9pPr>
+          </a:lstStyle>
+          <a:p>
+            <a:pPr eaLnBrk="1" hangingPunct="1"/>
+            <a:endParaRPr lang="zh-CN" altLang="en-US" sz="1350">
+              <a:solidFill>
+                <a:srgbClr val="C4261D"/>
+              </a:solidFill>
+            </a:endParaRPr>
+          </a:p>
+        </p:txBody>
+      </p:sp>
+      <p:cxnSp>
+        <p:nvCxnSpPr>
+          <p:cNvPr id="9" name="Straight Connector 8"/>
+          <p:cNvCxnSpPr/>
+          <p:nvPr/>
+        </p:nvCxnSpPr>
+        <p:spPr>
+          <a:xfrm>
+            <a:off x="2345690" y="2706370"/>
+            <a:ext cx="4236720" cy="8255"/>
+          </a:xfrm>
+          <a:prstGeom prst="line">
+            <a:avLst/>
+          </a:prstGeom>
+          <a:ln w="19050">
+            <a:solidFill>
+              <a:schemeClr val="tx1"/>
+            </a:solidFill>
+          </a:ln>
+        </p:spPr>
+        <p:style>
+          <a:lnRef idx="1">
+            <a:schemeClr val="accent1"/>
+          </a:lnRef>
+          <a:fillRef idx="0">
+            <a:schemeClr val="accent1"/>
+          </a:fillRef>
+          <a:effectRef idx="0">
+            <a:schemeClr val="accent1"/>
+          </a:effectRef>
+          <a:fontRef idx="minor">
+            <a:schemeClr val="tx1"/>
+          </a:fontRef>
+        </p:style>
+      </p:cxnSp>
+      <p:sp>
+        <p:nvSpPr>
+          <p:cNvPr id="10" name="Text Box 9"/>
+          <p:cNvSpPr txBox="1"/>
+          <p:nvPr/>
+        </p:nvSpPr>
+        <p:spPr>
+          <a:xfrm>
+            <a:off x="2364740" y="1697355"/>
+            <a:ext cx="4404360" cy="922020"/>
+          </a:xfrm>
+          <a:prstGeom prst="rect">
+            <a:avLst/>
+          </a:prstGeom>
+          <a:noFill/>
+        </p:spPr>
+        <p:txBody>
+          <a:bodyPr wrap="square" rtlCol="0">
+            <a:spAutoFit/>
+          </a:bodyPr>
+          <a:p>
+            <a:r>
+              <a:rPr lang="zh-CN" altLang="en-US" sz="900"/>
+              <a:t>文本段落：华阳路街道是中国上海市长宁区下辖的一个街道办事处，位于长宁区东部，</a:t>
+            </a:r>
+            <a:r>
+              <a:rPr lang="zh-CN" altLang="en-US" sz="900">
+                <a:solidFill>
+                  <a:srgbClr val="D43C2C"/>
+                </a:solidFill>
+                <a:uFillTx/>
+              </a:rPr>
+              <a:t>东到长宁路、安西路、武夷路接邻江苏路街道，北到苏州河接邻普陀区</a:t>
+            </a:r>
+            <a:r>
+              <a:rPr lang="zh-CN" altLang="en-US" sz="900"/>
+              <a:t>。面积2.04平方公里，户籍人口7.04万人（2008年），下辖21个居委会。华阳路街道的主要街道长宁路和定西路，构成繁华的中山公园商圈。辖区内的圣约翰大学旧址（今华东政法大学）、中山公园，是愚园路历史文化风貌区的重要组成部分。上海市轨道交通二号线、三号线、四号线以该街道辖区的中山公园站为换乘枢纽。</a:t>
+            </a:r>
+            <a:endParaRPr lang="zh-CN" altLang="en-US" sz="900"/>
+          </a:p>
+        </p:txBody>
+      </p:sp>
+      <p:sp>
+        <p:nvSpPr>
+          <p:cNvPr id="11" name="Text Box 10"/>
+          <p:cNvSpPr txBox="1"/>
+          <p:nvPr/>
+        </p:nvSpPr>
+        <p:spPr>
+          <a:xfrm>
+            <a:off x="2345690" y="2706370"/>
+            <a:ext cx="4057015" cy="229870"/>
+          </a:xfrm>
+          <a:prstGeom prst="rect">
+            <a:avLst/>
+          </a:prstGeom>
+          <a:noFill/>
+        </p:spPr>
+        <p:txBody>
+          <a:bodyPr wrap="square" rtlCol="0">
+            <a:spAutoFit/>
+          </a:bodyPr>
+          <a:p>
+            <a:r>
+              <a:rPr lang="zh-CN" altLang="en-US" sz="900">
+                <a:solidFill>
+                  <a:schemeClr val="tx1"/>
+                </a:solidFill>
+                <a:uFillTx/>
+              </a:rPr>
+              <a:t>问题：华阳路街道四周相连的是什么地方？</a:t>
+            </a:r>
+            <a:endParaRPr lang="zh-CN" altLang="en-US" sz="900">
+              <a:solidFill>
+                <a:schemeClr val="tx1"/>
+              </a:solidFill>
+              <a:uFillTx/>
+            </a:endParaRPr>
+          </a:p>
+        </p:txBody>
+      </p:sp>
+      <p:sp>
+        <p:nvSpPr>
+          <p:cNvPr id="4" name="Text Box 3"/>
+          <p:cNvSpPr txBox="1"/>
+          <p:nvPr/>
+        </p:nvSpPr>
+        <p:spPr>
+          <a:xfrm>
+            <a:off x="636905" y="923925"/>
+            <a:ext cx="8130540" cy="306705"/>
+          </a:xfrm>
+          <a:prstGeom prst="rect">
+            <a:avLst/>
+          </a:prstGeom>
+          <a:noFill/>
+        </p:spPr>
+        <p:txBody>
+          <a:bodyPr wrap="square" rtlCol="0">
+            <a:spAutoFit/>
+          </a:bodyPr>
+          <a:p>
+            <a:r>
+              <a:rPr lang="zh-CN" altLang="en-US" sz="1400" b="1">
+                <a:solidFill>
+                  <a:schemeClr val="tx1"/>
+                </a:solidFill>
+                <a:effectLst>
+                  <a:outerShdw blurRad="38100" dist="19050" dir="2700000" algn="tl" rotWithShape="0">
+                    <a:schemeClr val="dk1">
+                      <a:alpha val="40000"/>
+                    </a:schemeClr>
+                  </a:outerShdw>
+                </a:effectLst>
+                <a:uFillTx/>
+              </a:rPr>
+              <a:t>由于没有（文章，问题）这类匹配数据集，采取的方案是基于阅读理解数据集构造文本匹配数据集</a:t>
+            </a:r>
+            <a:endParaRPr lang="zh-CN" altLang="en-US" sz="1400" b="1">
+              <a:solidFill>
+                <a:schemeClr val="tx1"/>
+              </a:solidFill>
+              <a:effectLst>
+                <a:outerShdw blurRad="38100" dist="19050" dir="2700000" algn="tl" rotWithShape="0">
+                  <a:schemeClr val="dk1">
+                    <a:alpha val="40000"/>
+                  </a:schemeClr>
+                </a:outerShdw>
+              </a:effectLst>
+              <a:uFillTx/>
+            </a:endParaRPr>
+          </a:p>
+        </p:txBody>
+      </p:sp>
+      <p:sp>
+        <p:nvSpPr>
+          <p:cNvPr id="33" name="Text Box 32"/>
+          <p:cNvSpPr txBox="1"/>
+          <p:nvPr/>
+        </p:nvSpPr>
+        <p:spPr>
+          <a:xfrm>
+            <a:off x="508635" y="3600450"/>
+            <a:ext cx="6760210" cy="1076325"/>
+          </a:xfrm>
+          <a:prstGeom prst="rect">
+            <a:avLst/>
+          </a:prstGeom>
+          <a:noFill/>
+        </p:spPr>
+        <p:txBody>
+          <a:bodyPr wrap="square" rtlCol="0">
+            <a:spAutoFit/>
+            <a:scene3d>
+              <a:camera prst="orthographicFront"/>
+              <a:lightRig rig="threePt" dir="t"/>
+            </a:scene3d>
+          </a:bodyPr>
+          <a:p>
+            <a:pPr marL="285750" indent="-285750">
+              <a:buFont typeface="Wingdings" panose="05000000000000000000" charset="0"/>
+              <a:buChar char="v"/>
+            </a:pPr>
+            <a:r>
+              <a:rPr lang="zh-CN" altLang="en-US" sz="1600" b="1">
+                <a:solidFill>
+                  <a:schemeClr val="tx1"/>
+                </a:solidFill>
+                <a:effectLst>
+                  <a:outerShdw blurRad="38100" dist="19050" dir="2700000" algn="tl" rotWithShape="0">
+                    <a:schemeClr val="dk1">
+                      <a:alpha val="40000"/>
+                    </a:schemeClr>
+                  </a:outerShdw>
+                </a:effectLst>
+                <a:uFillTx/>
+              </a:rPr>
+              <a:t>随机选取句子替换掉答案所在的句子构造</a:t>
+            </a:r>
+            <a:r>
+              <a:rPr lang="zh-CN" altLang="en-US" sz="1600" b="1">
+                <a:solidFill>
+                  <a:srgbClr val="FF0000"/>
+                </a:solidFill>
+                <a:effectLst>
+                  <a:outerShdw blurRad="38100" dist="19050" dir="2700000" algn="tl" rotWithShape="0">
+                    <a:schemeClr val="dk1">
+                      <a:alpha val="40000"/>
+                    </a:schemeClr>
+                  </a:outerShdw>
+                </a:effectLst>
+                <a:uFillTx/>
+              </a:rPr>
+              <a:t>负样本</a:t>
+            </a:r>
+            <a:r>
+              <a:rPr lang="zh-CN" altLang="en-US" sz="1600" b="1">
+                <a:solidFill>
+                  <a:schemeClr val="tx1"/>
+                </a:solidFill>
+                <a:effectLst>
+                  <a:outerShdw blurRad="38100" dist="19050" dir="2700000" algn="tl" rotWithShape="0">
+                    <a:schemeClr val="dk1">
+                      <a:alpha val="40000"/>
+                    </a:schemeClr>
+                  </a:outerShdw>
+                </a:effectLst>
+                <a:uFillTx/>
+              </a:rPr>
+              <a:t>。</a:t>
+            </a:r>
+            <a:endParaRPr lang="zh-CN" altLang="en-US" sz="1600" b="1">
+              <a:solidFill>
+                <a:schemeClr val="tx1"/>
+              </a:solidFill>
+              <a:effectLst>
+                <a:outerShdw blurRad="38100" dist="19050" dir="2700000" algn="tl" rotWithShape="0">
+                  <a:schemeClr val="dk1">
+                    <a:alpha val="40000"/>
+                  </a:schemeClr>
+                </a:outerShdw>
+              </a:effectLst>
+              <a:uFillTx/>
+            </a:endParaRPr>
+          </a:p>
+          <a:p>
+            <a:pPr marL="285750" indent="-285750">
+              <a:buFont typeface="Wingdings" panose="05000000000000000000" charset="0"/>
+              <a:buChar char="v"/>
+            </a:pPr>
+            <a:r>
+              <a:rPr lang="zh-CN" altLang="en-US" sz="1600" b="1">
+                <a:solidFill>
+                  <a:schemeClr val="tx1"/>
+                </a:solidFill>
+                <a:effectLst>
+                  <a:outerShdw blurRad="38100" dist="19050" dir="2700000" algn="tl" rotWithShape="0">
+                    <a:schemeClr val="dk1">
+                      <a:alpha val="40000"/>
+                    </a:schemeClr>
+                  </a:outerShdw>
+                </a:effectLst>
+                <a:uFillTx/>
+                <a:sym typeface="+mn-ea"/>
+              </a:rPr>
+              <a:t>删除掉距离答案所在句子较远的句子构造</a:t>
+            </a:r>
+            <a:r>
+              <a:rPr lang="zh-CN" altLang="en-US" sz="1600" b="1">
+                <a:solidFill>
+                  <a:srgbClr val="FF0000"/>
+                </a:solidFill>
+                <a:effectLst>
+                  <a:outerShdw blurRad="38100" dist="19050" dir="2700000" algn="tl" rotWithShape="0">
+                    <a:schemeClr val="dk1">
+                      <a:alpha val="40000"/>
+                    </a:schemeClr>
+                  </a:outerShdw>
+                </a:effectLst>
+                <a:uFillTx/>
+                <a:sym typeface="+mn-ea"/>
+              </a:rPr>
+              <a:t>正样本</a:t>
+            </a:r>
+            <a:r>
+              <a:rPr lang="zh-CN" altLang="en-US" sz="1600" b="1">
+                <a:solidFill>
+                  <a:schemeClr val="tx1"/>
+                </a:solidFill>
+                <a:effectLst>
+                  <a:outerShdw blurRad="38100" dist="19050" dir="2700000" algn="tl" rotWithShape="0">
+                    <a:schemeClr val="dk1">
+                      <a:alpha val="40000"/>
+                    </a:schemeClr>
+                  </a:outerShdw>
+                </a:effectLst>
+                <a:uFillTx/>
+                <a:sym typeface="+mn-ea"/>
+              </a:rPr>
+              <a:t>。</a:t>
+            </a:r>
+            <a:endParaRPr lang="zh-CN" altLang="en-US" sz="1600" b="1">
+              <a:solidFill>
+                <a:schemeClr val="tx1"/>
+              </a:solidFill>
+              <a:effectLst>
+                <a:outerShdw blurRad="38100" dist="19050" dir="2700000" algn="tl" rotWithShape="0">
+                  <a:schemeClr val="dk1">
+                    <a:alpha val="40000"/>
+                  </a:schemeClr>
+                </a:outerShdw>
+              </a:effectLst>
+              <a:uFillTx/>
+              <a:sym typeface="+mn-ea"/>
+            </a:endParaRPr>
+          </a:p>
+          <a:p>
+            <a:pPr marL="285750" indent="-285750">
+              <a:buFont typeface="Wingdings" panose="05000000000000000000" charset="0"/>
+              <a:buChar char="v"/>
+            </a:pPr>
+            <a:r>
+              <a:rPr lang="zh-CN" altLang="en-US" sz="1600" b="1">
+                <a:solidFill>
+                  <a:schemeClr val="tx1"/>
+                </a:solidFill>
+                <a:effectLst>
+                  <a:outerShdw blurRad="38100" dist="19050" dir="2700000" algn="tl" rotWithShape="0">
+                    <a:schemeClr val="dk1">
+                      <a:alpha val="40000"/>
+                    </a:schemeClr>
+                  </a:outerShdw>
+                </a:effectLst>
+                <a:uFillTx/>
+                <a:sym typeface="+mn-ea"/>
+              </a:rPr>
+              <a:t>最后得到的负样本数目：</a:t>
+            </a:r>
+            <a:r>
+              <a:rPr lang="en-US" altLang="zh-CN" sz="1600" b="1">
+                <a:solidFill>
+                  <a:schemeClr val="tx1"/>
+                </a:solidFill>
+                <a:effectLst>
+                  <a:outerShdw blurRad="38100" dist="19050" dir="2700000" algn="tl" rotWithShape="0">
+                    <a:schemeClr val="dk1">
+                      <a:alpha val="40000"/>
+                    </a:schemeClr>
+                  </a:outerShdw>
+                </a:effectLst>
+                <a:uFillTx/>
+                <a:sym typeface="+mn-ea"/>
+              </a:rPr>
+              <a:t>430136</a:t>
+            </a:r>
+            <a:r>
+              <a:rPr lang="zh-CN" altLang="en-US" sz="1600" b="1">
+                <a:solidFill>
+                  <a:schemeClr val="tx1"/>
+                </a:solidFill>
+                <a:effectLst>
+                  <a:outerShdw blurRad="38100" dist="19050" dir="2700000" algn="tl" rotWithShape="0">
+                    <a:schemeClr val="dk1">
+                      <a:alpha val="40000"/>
+                    </a:schemeClr>
+                  </a:outerShdw>
+                </a:effectLst>
+                <a:uFillTx/>
+                <a:sym typeface="+mn-ea"/>
+              </a:rPr>
+              <a:t>，正样本数目</a:t>
+            </a:r>
+            <a:r>
+              <a:rPr lang="en-US" altLang="en-US" sz="1600" b="1">
+                <a:solidFill>
+                  <a:schemeClr val="tx1"/>
+                </a:solidFill>
+                <a:effectLst>
+                  <a:outerShdw blurRad="38100" dist="19050" dir="2700000" algn="tl" rotWithShape="0">
+                    <a:schemeClr val="dk1">
+                      <a:alpha val="40000"/>
+                    </a:schemeClr>
+                  </a:outerShdw>
+                </a:effectLst>
+                <a:uFillTx/>
+                <a:sym typeface="+mn-ea"/>
+              </a:rPr>
+              <a:t>: </a:t>
+            </a:r>
+            <a:r>
+              <a:rPr lang="en-US" sz="1600" b="1">
+                <a:solidFill>
+                  <a:schemeClr val="tx1"/>
+                </a:solidFill>
+                <a:effectLst>
+                  <a:outerShdw blurRad="38100" dist="19050" dir="2700000" algn="tl" rotWithShape="0">
+                    <a:schemeClr val="dk1">
+                      <a:alpha val="40000"/>
+                    </a:schemeClr>
+                  </a:outerShdw>
+                </a:effectLst>
+                <a:uFillTx/>
+                <a:sym typeface="+mn-ea"/>
+              </a:rPr>
+              <a:t>164957</a:t>
+            </a:r>
+            <a:endParaRPr lang="zh-CN" altLang="en-US" sz="1600" b="1">
+              <a:solidFill>
+                <a:schemeClr val="tx1"/>
+              </a:solidFill>
+              <a:effectLst>
+                <a:outerShdw blurRad="38100" dist="19050" dir="2700000" algn="tl" rotWithShape="0">
+                  <a:schemeClr val="dk1">
+                    <a:alpha val="40000"/>
+                  </a:schemeClr>
+                </a:outerShdw>
+              </a:effectLst>
+              <a:uFillTx/>
+            </a:endParaRPr>
+          </a:p>
+          <a:p>
+            <a:pPr marL="285750" indent="-285750"/>
+            <a:endParaRPr lang="zh-CN" altLang="en-US" sz="1600" b="1">
+              <a:solidFill>
+                <a:schemeClr val="tx1"/>
+              </a:solidFill>
+              <a:effectLst>
+                <a:outerShdw blurRad="38100" dist="19050" dir="2700000" algn="tl" rotWithShape="0">
+                  <a:schemeClr val="dk1">
+                    <a:alpha val="40000"/>
+                  </a:schemeClr>
+                </a:outerShdw>
+              </a:effectLst>
+              <a:uFillTx/>
+            </a:endParaRPr>
+          </a:p>
+        </p:txBody>
+      </p:sp>
+    </p:spTree>
+  </p:cSld>
+  <p:clrMapOvr>
+    <a:masterClrMapping/>
+  </p:clrMapOvr>
+  <mc:AlternateContent xmlns:mc="http://schemas.openxmlformats.org/markup-compatibility/2006">
+    <mc:Choice xmlns:p14="http://schemas.microsoft.com/office/powerpoint/2010/main" Requires="p14">
+      <p:transition spd="slow" p14:dur="2000"/>
+    </mc:Choice>
+    <mc:Fallback>
+      <p:transition spd="slow"/>
+    </mc:Fallback>
+  </mc:AlternateContent>
+  <p:timing>
+    <p:tnLst>
+      <p:par>
+        <p:cTn id="1" dur="indefinite" restart="never" nodeType="tmRoot"/>
+      </p:par>
+    </p:tnLst>
+  </p:timing>
+</p:sld>
+</file>
+
+<file path=ppt/slides/slide18.xml><?xml version="1.0" encoding="utf-8"?>
 <p:sld xmlns:a="http://schemas.openxmlformats.org/drawingml/2006/main" xmlns:r="http://schemas.openxmlformats.org/officeDocument/2006/relationships" xmlns:p="http://schemas.openxmlformats.org/presentationml/2006/main">
   <p:cSld>
     <p:spTree>
@@ -13540,15 +13290,29 @@
           </a:prstGeom>
         </p:spPr>
       </p:pic>
+      <p:sp>
+        <p:nvSpPr>
+          <p:cNvPr id="3" name="Content Placeholder 2"/>
+          <p:cNvSpPr/>
+          <p:nvPr>
+            <p:ph idx="1"/>
+          </p:nvPr>
+        </p:nvSpPr>
+        <p:spPr/>
+        <p:txBody>
+          <a:bodyPr/>
+          <a:p>
+            <a:endParaRPr lang="en-US"/>
+          </a:p>
+        </p:txBody>
+      </p:sp>
       <p:pic>
         <p:nvPicPr>
-          <p:cNvPr id="4" name="Content Placeholder 3" descr="Screenshot from 2020-11-24 14-27-02"/>
+          <p:cNvPr id="5" name="Picture 4" descr="Screenshot from 2020-11-23 08-35-02"/>
           <p:cNvPicPr>
             <a:picLocks noChangeAspect="1"/>
           </p:cNvPicPr>
-          <p:nvPr>
-            <p:ph idx="1"/>
-          </p:nvPr>
+          <p:nvPr/>
         </p:nvPicPr>
         <p:blipFill>
           <a:blip r:embed="rId2"/>
@@ -13558,8 +13322,8 @@
         </p:blipFill>
         <p:spPr>
           <a:xfrm>
-            <a:off x="3228975" y="2553970"/>
-            <a:ext cx="5777865" cy="2062480"/>
+            <a:off x="3326130" y="2513330"/>
+            <a:ext cx="5678805" cy="2021205"/>
           </a:xfrm>
           <a:prstGeom prst="rect">
             <a:avLst/>
@@ -13568,14 +13332,14 @@
       </p:pic>
       <p:sp>
         <p:nvSpPr>
-          <p:cNvPr id="5" name="Text Box 4"/>
+          <p:cNvPr id="4" name="Text Box 3"/>
           <p:cNvSpPr txBox="1"/>
           <p:nvPr/>
         </p:nvSpPr>
         <p:spPr>
           <a:xfrm>
             <a:off x="613410" y="1528445"/>
-            <a:ext cx="7561580" cy="922020"/>
+            <a:ext cx="7561580" cy="714375"/>
           </a:xfrm>
           <a:prstGeom prst="rect">
             <a:avLst/>
@@ -13592,20 +13356,20 @@
               <a:buChar char="Ø"/>
             </a:pPr>
             <a:r>
-              <a:rPr lang="en-US"/>
-              <a:t>em</a:t>
+              <a:rPr lang="en-US" altLang="zh-CN"/>
+              <a:t>acc</a:t>
             </a:r>
             <a:r>
               <a:rPr lang="zh-CN" altLang="en-US"/>
-              <a:t>代表精确匹配</a:t>
+              <a:t>指的是准确率（</a:t>
             </a:r>
             <a:r>
               <a:rPr lang="en-US" altLang="zh-CN"/>
-              <a:t>(Exact Match)</a:t>
+              <a:t>accuracy</a:t>
             </a:r>
             <a:r>
               <a:rPr lang="zh-CN" altLang="en-US"/>
-              <a:t>，指的是预测答案的位置是否与真实答案位置完全一致</a:t>
+              <a:t>）</a:t>
             </a:r>
             <a:endParaRPr lang="zh-CN" altLang="en-US"/>
           </a:p>
@@ -13616,19 +13380,19 @@
             </a:pPr>
             <a:r>
               <a:rPr lang="en-US" altLang="zh-CN"/>
-              <a:t>f1</a:t>
+              <a:t>80%</a:t>
             </a:r>
             <a:r>
               <a:rPr lang="zh-CN" altLang="en-US"/>
-              <a:t>代表</a:t>
+              <a:t>作为训练集，</a:t>
             </a:r>
             <a:r>
               <a:rPr lang="en-US" altLang="zh-CN"/>
-              <a:t>f1</a:t>
+              <a:t>20%</a:t>
             </a:r>
             <a:r>
               <a:rPr lang="zh-CN" altLang="en-US"/>
-              <a:t>分数（模糊匹配），指的是预测答案中的单词与真实答案中的单词重叠数目</a:t>
+              <a:t>作为测试集</a:t>
             </a:r>
             <a:endParaRPr lang="zh-CN" altLang="en-US"/>
           </a:p>
@@ -13639,40 +13403,37 @@
             </a:pPr>
             <a:r>
               <a:rPr lang="zh-CN" altLang="en-US"/>
-              <a:t>取</a:t>
-            </a:r>
-            <a:r>
-              <a:rPr lang="en-US" altLang="zh-CN"/>
-              <a:t>10000</a:t>
-            </a:r>
-            <a:r>
-              <a:rPr lang="zh-CN" altLang="en-US"/>
-              <a:t>个样本训练，</a:t>
-            </a:r>
-            <a:r>
-              <a:rPr lang="en-US" altLang="zh-CN"/>
-              <a:t>3000</a:t>
-            </a:r>
-            <a:r>
-              <a:rPr lang="zh-CN" altLang="en-US"/>
-              <a:t>个样本测试。</a:t>
-            </a:r>
-            <a:endParaRPr lang="zh-CN" altLang="en-US"/>
-          </a:p>
-          <a:p>
-            <a:pPr marL="285750" indent="-285750">
-              <a:buFont typeface="Wingdings" panose="05000000000000000000" charset="0"/>
-              <a:buChar char="Ø"/>
-            </a:pPr>
-            <a:r>
-              <a:rPr lang="zh-CN" altLang="en-US"/>
-              <a:t>仅用了很小的一部分数据集，效果已经显著优于</a:t>
-            </a:r>
-            <a:r>
-              <a:rPr lang="en-US" altLang="zh-CN"/>
-              <a:t>BiDAF</a:t>
-            </a:r>
-            <a:endParaRPr lang="en-US" altLang="zh-CN"/>
+              <a:t>训练集和测试集上的准确率都很高，反映出</a:t>
+            </a:r>
+            <a:r>
+              <a:rPr lang="zh-CN" altLang="en-US">
+                <a:ln/>
+                <a:solidFill>
+                  <a:srgbClr val="FF0000"/>
+                </a:solidFill>
+                <a:effectLst>
+                  <a:outerShdw blurRad="38100" dist="25400" dir="5400000" algn="ctr" rotWithShape="0">
+                    <a:srgbClr val="6E747A">
+                      <a:alpha val="43000"/>
+                    </a:srgbClr>
+                  </a:outerShdw>
+                </a:effectLst>
+              </a:rPr>
+              <a:t>数据集的构建方式过于简单</a:t>
+            </a:r>
+            <a:endParaRPr lang="zh-CN" altLang="en-US">
+              <a:ln/>
+              <a:solidFill>
+                <a:srgbClr val="FF0000"/>
+              </a:solidFill>
+              <a:effectLst>
+                <a:outerShdw blurRad="38100" dist="25400" dir="5400000" algn="ctr" rotWithShape="0">
+                  <a:srgbClr val="6E747A">
+                    <a:alpha val="43000"/>
+                  </a:srgbClr>
+                </a:outerShdw>
+              </a:effectLst>
+            </a:endParaRPr>
           </a:p>
         </p:txBody>
       </p:sp>
@@ -13689,6 +13450,1495 @@
       <p:transition spd="slow" advTm="3000"/>
     </mc:Fallback>
   </mc:AlternateContent>
+</p:sld>
+</file>
+
+<file path=ppt/slides/slide19.xml><?xml version="1.0" encoding="utf-8"?>
+<p:sld xmlns:a="http://schemas.openxmlformats.org/drawingml/2006/main" xmlns:r="http://schemas.openxmlformats.org/officeDocument/2006/relationships" xmlns:p="http://schemas.openxmlformats.org/presentationml/2006/main">
+  <p:cSld>
+    <p:spTree>
+      <p:nvGrpSpPr>
+        <p:cNvPr id="1" name=""/>
+        <p:cNvGrpSpPr/>
+        <p:nvPr/>
+      </p:nvGrpSpPr>
+      <p:grpSpPr>
+        <a:xfrm>
+          <a:off x="0" y="0"/>
+          <a:ext cx="0" cy="0"/>
+          <a:chOff x="0" y="0"/>
+          <a:chExt cx="0" cy="0"/>
+        </a:xfrm>
+      </p:grpSpPr>
+      <p:pic>
+        <p:nvPicPr>
+          <p:cNvPr id="4" name="图片 3"/>
+          <p:cNvPicPr>
+            <a:picLocks noChangeAspect="1"/>
+          </p:cNvPicPr>
+          <p:nvPr/>
+        </p:nvPicPr>
+        <p:blipFill>
+          <a:blip r:embed="rId1" cstate="print">
+            <a:extLst>
+              <a:ext uri="{28A0092B-C50C-407E-A947-70E740481C1C}">
+                <a14:useLocalDpi xmlns:a14="http://schemas.microsoft.com/office/drawing/2010/main" val="0"/>
+              </a:ext>
+            </a:extLst>
+          </a:blip>
+          <a:stretch>
+            <a:fillRect/>
+          </a:stretch>
+        </p:blipFill>
+        <p:spPr>
+          <a:xfrm>
+            <a:off x="7608408" y="122473"/>
+            <a:ext cx="1467011" cy="491720"/>
+          </a:xfrm>
+          <a:prstGeom prst="rect">
+            <a:avLst/>
+          </a:prstGeom>
+        </p:spPr>
+      </p:pic>
+      <p:sp>
+        <p:nvSpPr>
+          <p:cNvPr id="2" name="矩形 4"/>
+          <p:cNvSpPr/>
+          <p:nvPr/>
+        </p:nvSpPr>
+        <p:spPr>
+          <a:xfrm>
+            <a:off x="1931670" y="1216025"/>
+            <a:ext cx="6250305" cy="645795"/>
+          </a:xfrm>
+          <a:prstGeom prst="rect">
+            <a:avLst/>
+          </a:prstGeom>
+          <a:solidFill>
+            <a:srgbClr val="0070C0"/>
+          </a:solidFill>
+          <a:ln w="9525" cap="flat" cmpd="sng" algn="ctr">
+            <a:solidFill>
+              <a:schemeClr val="bg1"/>
+            </a:solidFill>
+            <a:prstDash val="solid"/>
+            <a:round/>
+            <a:headEnd type="none" w="med" len="med"/>
+            <a:tailEnd type="none" w="med" len="med"/>
+          </a:ln>
+        </p:spPr>
+        <p:txBody>
+          <a:bodyPr vert="horz" wrap="square" lIns="91440" tIns="45720" rIns="91440" bIns="45720" numCol="1" anchor="t" anchorCtr="0" compatLnSpc="1"/>
+          <a:lstStyle>
+            <a:defPPr>
+              <a:defRPr lang="zh-CN"/>
+            </a:defPPr>
+            <a:lvl1pPr marL="0" algn="l" defTabSz="914400" rtl="0" eaLnBrk="1" latinLnBrk="0" hangingPunct="1">
+              <a:defRPr sz="1800" kern="1200">
+                <a:solidFill>
+                  <a:schemeClr val="tx1"/>
+                </a:solidFill>
+                <a:latin typeface="+mn-lt"/>
+                <a:ea typeface="+mn-ea"/>
+                <a:cs typeface="+mn-cs"/>
+              </a:defRPr>
+            </a:lvl1pPr>
+            <a:lvl2pPr marL="457200" algn="l" defTabSz="914400" rtl="0" eaLnBrk="1" latinLnBrk="0" hangingPunct="1">
+              <a:defRPr sz="1800" kern="1200">
+                <a:solidFill>
+                  <a:schemeClr val="tx1"/>
+                </a:solidFill>
+                <a:latin typeface="+mn-lt"/>
+                <a:ea typeface="+mn-ea"/>
+                <a:cs typeface="+mn-cs"/>
+              </a:defRPr>
+            </a:lvl2pPr>
+            <a:lvl3pPr marL="914400" algn="l" defTabSz="914400" rtl="0" eaLnBrk="1" latinLnBrk="0" hangingPunct="1">
+              <a:defRPr sz="1800" kern="1200">
+                <a:solidFill>
+                  <a:schemeClr val="tx1"/>
+                </a:solidFill>
+                <a:latin typeface="+mn-lt"/>
+                <a:ea typeface="+mn-ea"/>
+                <a:cs typeface="+mn-cs"/>
+              </a:defRPr>
+            </a:lvl3pPr>
+            <a:lvl4pPr marL="1371600" algn="l" defTabSz="914400" rtl="0" eaLnBrk="1" latinLnBrk="0" hangingPunct="1">
+              <a:defRPr sz="1800" kern="1200">
+                <a:solidFill>
+                  <a:schemeClr val="tx1"/>
+                </a:solidFill>
+                <a:latin typeface="+mn-lt"/>
+                <a:ea typeface="+mn-ea"/>
+                <a:cs typeface="+mn-cs"/>
+              </a:defRPr>
+            </a:lvl4pPr>
+            <a:lvl5pPr marL="1828800" algn="l" defTabSz="914400" rtl="0" eaLnBrk="1" latinLnBrk="0" hangingPunct="1">
+              <a:defRPr sz="1800" kern="1200">
+                <a:solidFill>
+                  <a:schemeClr val="tx1"/>
+                </a:solidFill>
+                <a:latin typeface="+mn-lt"/>
+                <a:ea typeface="+mn-ea"/>
+                <a:cs typeface="+mn-cs"/>
+              </a:defRPr>
+            </a:lvl5pPr>
+            <a:lvl6pPr marL="2286000" algn="l" defTabSz="914400" rtl="0" eaLnBrk="1" latinLnBrk="0" hangingPunct="1">
+              <a:defRPr sz="1800" kern="1200">
+                <a:solidFill>
+                  <a:schemeClr val="tx1"/>
+                </a:solidFill>
+                <a:latin typeface="+mn-lt"/>
+                <a:ea typeface="+mn-ea"/>
+                <a:cs typeface="+mn-cs"/>
+              </a:defRPr>
+            </a:lvl6pPr>
+            <a:lvl7pPr marL="2743200" algn="l" defTabSz="914400" rtl="0" eaLnBrk="1" latinLnBrk="0" hangingPunct="1">
+              <a:defRPr sz="1800" kern="1200">
+                <a:solidFill>
+                  <a:schemeClr val="tx1"/>
+                </a:solidFill>
+                <a:latin typeface="+mn-lt"/>
+                <a:ea typeface="+mn-ea"/>
+                <a:cs typeface="+mn-cs"/>
+              </a:defRPr>
+            </a:lvl7pPr>
+            <a:lvl8pPr marL="3200400" algn="l" defTabSz="914400" rtl="0" eaLnBrk="1" latinLnBrk="0" hangingPunct="1">
+              <a:defRPr sz="1800" kern="1200">
+                <a:solidFill>
+                  <a:schemeClr val="tx1"/>
+                </a:solidFill>
+                <a:latin typeface="+mn-lt"/>
+                <a:ea typeface="+mn-ea"/>
+                <a:cs typeface="+mn-cs"/>
+              </a:defRPr>
+            </a:lvl8pPr>
+            <a:lvl9pPr marL="3657600" algn="l" defTabSz="914400" rtl="0" eaLnBrk="1" latinLnBrk="0" hangingPunct="1">
+              <a:defRPr sz="1800" kern="1200">
+                <a:solidFill>
+                  <a:schemeClr val="tx1"/>
+                </a:solidFill>
+                <a:latin typeface="+mn-lt"/>
+                <a:ea typeface="+mn-ea"/>
+                <a:cs typeface="+mn-cs"/>
+              </a:defRPr>
+            </a:lvl9pPr>
+          </a:lstStyle>
+          <a:p>
+            <a:pPr marL="0" marR="0" indent="0" algn="l" defTabSz="914400" rtl="0" eaLnBrk="1" fontAlgn="base" latinLnBrk="0" hangingPunct="1">
+              <a:lnSpc>
+                <a:spcPct val="100000"/>
+              </a:lnSpc>
+              <a:spcBef>
+                <a:spcPct val="0"/>
+              </a:spcBef>
+              <a:spcAft>
+                <a:spcPct val="0"/>
+              </a:spcAft>
+              <a:buClrTx/>
+              <a:buSzTx/>
+              <a:buFont typeface="Arial" panose="020B0604020202020204" pitchFamily="34" charset="0"/>
+              <a:buNone/>
+            </a:pPr>
+            <a:endParaRPr kumimoji="0" lang="zh-CN" altLang="en-US" sz="1800" b="0" i="0" u="none" strike="noStrike" cap="none" normalizeH="0" baseline="0" smtClean="0">
+              <a:ln>
+                <a:noFill/>
+              </a:ln>
+              <a:solidFill>
+                <a:schemeClr val="tx1"/>
+              </a:solidFill>
+              <a:effectLst/>
+              <a:latin typeface="Verdana" panose="020B0604030504040204" pitchFamily="34" charset="0"/>
+              <a:ea typeface="宋体" panose="02010600030101010101" pitchFamily="2" charset="-122"/>
+            </a:endParaRPr>
+          </a:p>
+        </p:txBody>
+      </p:sp>
+      <p:sp>
+        <p:nvSpPr>
+          <p:cNvPr id="7" name="TextBox 53"/>
+          <p:cNvSpPr txBox="1"/>
+          <p:nvPr/>
+        </p:nvSpPr>
+        <p:spPr>
+          <a:xfrm>
+            <a:off x="2113915" y="1216660"/>
+            <a:ext cx="6161405" cy="583565"/>
+          </a:xfrm>
+          <a:prstGeom prst="rect">
+            <a:avLst/>
+          </a:prstGeom>
+          <a:noFill/>
+          <a:ln w="9525">
+            <a:noFill/>
+          </a:ln>
+        </p:spPr>
+        <p:txBody>
+          <a:bodyPr wrap="square" anchor="t">
+            <a:spAutoFit/>
+          </a:bodyPr>
+          <a:lstStyle>
+            <a:defPPr>
+              <a:defRPr lang="zh-CN"/>
+            </a:defPPr>
+            <a:lvl1pPr marL="0" algn="l" defTabSz="914400" rtl="0" eaLnBrk="1" latinLnBrk="0" hangingPunct="1">
+              <a:defRPr sz="1800" kern="1200">
+                <a:solidFill>
+                  <a:schemeClr val="tx1"/>
+                </a:solidFill>
+                <a:latin typeface="+mn-lt"/>
+                <a:ea typeface="+mn-ea"/>
+                <a:cs typeface="+mn-cs"/>
+              </a:defRPr>
+            </a:lvl1pPr>
+            <a:lvl2pPr marL="457200" algn="l" defTabSz="914400" rtl="0" eaLnBrk="1" latinLnBrk="0" hangingPunct="1">
+              <a:defRPr sz="1800" kern="1200">
+                <a:solidFill>
+                  <a:schemeClr val="tx1"/>
+                </a:solidFill>
+                <a:latin typeface="+mn-lt"/>
+                <a:ea typeface="+mn-ea"/>
+                <a:cs typeface="+mn-cs"/>
+              </a:defRPr>
+            </a:lvl2pPr>
+            <a:lvl3pPr marL="914400" algn="l" defTabSz="914400" rtl="0" eaLnBrk="1" latinLnBrk="0" hangingPunct="1">
+              <a:defRPr sz="1800" kern="1200">
+                <a:solidFill>
+                  <a:schemeClr val="tx1"/>
+                </a:solidFill>
+                <a:latin typeface="+mn-lt"/>
+                <a:ea typeface="+mn-ea"/>
+                <a:cs typeface="+mn-cs"/>
+              </a:defRPr>
+            </a:lvl3pPr>
+            <a:lvl4pPr marL="1371600" algn="l" defTabSz="914400" rtl="0" eaLnBrk="1" latinLnBrk="0" hangingPunct="1">
+              <a:defRPr sz="1800" kern="1200">
+                <a:solidFill>
+                  <a:schemeClr val="tx1"/>
+                </a:solidFill>
+                <a:latin typeface="+mn-lt"/>
+                <a:ea typeface="+mn-ea"/>
+                <a:cs typeface="+mn-cs"/>
+              </a:defRPr>
+            </a:lvl4pPr>
+            <a:lvl5pPr marL="1828800" algn="l" defTabSz="914400" rtl="0" eaLnBrk="1" latinLnBrk="0" hangingPunct="1">
+              <a:defRPr sz="1800" kern="1200">
+                <a:solidFill>
+                  <a:schemeClr val="tx1"/>
+                </a:solidFill>
+                <a:latin typeface="+mn-lt"/>
+                <a:ea typeface="+mn-ea"/>
+                <a:cs typeface="+mn-cs"/>
+              </a:defRPr>
+            </a:lvl5pPr>
+            <a:lvl6pPr marL="2286000" algn="l" defTabSz="914400" rtl="0" eaLnBrk="1" latinLnBrk="0" hangingPunct="1">
+              <a:defRPr sz="1800" kern="1200">
+                <a:solidFill>
+                  <a:schemeClr val="tx1"/>
+                </a:solidFill>
+                <a:latin typeface="+mn-lt"/>
+                <a:ea typeface="+mn-ea"/>
+                <a:cs typeface="+mn-cs"/>
+              </a:defRPr>
+            </a:lvl6pPr>
+            <a:lvl7pPr marL="2743200" algn="l" defTabSz="914400" rtl="0" eaLnBrk="1" latinLnBrk="0" hangingPunct="1">
+              <a:defRPr sz="1800" kern="1200">
+                <a:solidFill>
+                  <a:schemeClr val="tx1"/>
+                </a:solidFill>
+                <a:latin typeface="+mn-lt"/>
+                <a:ea typeface="+mn-ea"/>
+                <a:cs typeface="+mn-cs"/>
+              </a:defRPr>
+            </a:lvl7pPr>
+            <a:lvl8pPr marL="3200400" algn="l" defTabSz="914400" rtl="0" eaLnBrk="1" latinLnBrk="0" hangingPunct="1">
+              <a:defRPr sz="1800" kern="1200">
+                <a:solidFill>
+                  <a:schemeClr val="tx1"/>
+                </a:solidFill>
+                <a:latin typeface="+mn-lt"/>
+                <a:ea typeface="+mn-ea"/>
+                <a:cs typeface="+mn-cs"/>
+              </a:defRPr>
+            </a:lvl8pPr>
+            <a:lvl9pPr marL="3657600" algn="l" defTabSz="914400" rtl="0" eaLnBrk="1" latinLnBrk="0" hangingPunct="1">
+              <a:defRPr sz="1800" kern="1200">
+                <a:solidFill>
+                  <a:schemeClr val="tx1"/>
+                </a:solidFill>
+                <a:latin typeface="+mn-lt"/>
+                <a:ea typeface="+mn-ea"/>
+                <a:cs typeface="+mn-cs"/>
+              </a:defRPr>
+            </a:lvl9pPr>
+          </a:lstStyle>
+          <a:p>
+            <a:pPr algn="l"/>
+            <a:r>
+              <a:rPr lang="zh-CN" altLang="en-US" sz="3200" b="1" dirty="0">
+                <a:solidFill>
+                  <a:schemeClr val="bg1"/>
+                </a:solidFill>
+                <a:latin typeface="Verdana" panose="020B0604030504040204" pitchFamily="34" charset="0"/>
+                <a:ea typeface="宋体" panose="02010600030101010101" pitchFamily="2" charset="-122"/>
+              </a:rPr>
+              <a:t>          </a:t>
+            </a:r>
+            <a:r>
+              <a:rPr lang="zh-CN" altLang="en-US" sz="3200">
+                <a:ln w="10160">
+                  <a:solidFill>
+                    <a:schemeClr val="accent5"/>
+                  </a:solidFill>
+                  <a:prstDash val="solid"/>
+                </a:ln>
+                <a:solidFill>
+                  <a:srgbClr val="FFFFFF"/>
+                </a:solidFill>
+                <a:effectLst>
+                  <a:outerShdw blurRad="38100" dist="22860" dir="5400000" algn="tl" rotWithShape="0">
+                    <a:srgbClr val="000000">
+                      <a:alpha val="30000"/>
+                    </a:srgbClr>
+                  </a:outerShdw>
+                </a:effectLst>
+                <a:sym typeface="+mn-ea"/>
+              </a:rPr>
+              <a:t>选题背景与意义</a:t>
+            </a:r>
+            <a:endParaRPr lang="zh-CN" altLang="en-US" sz="3200" b="1" dirty="0">
+              <a:ln w="10160">
+                <a:solidFill>
+                  <a:schemeClr val="accent5"/>
+                </a:solidFill>
+                <a:prstDash val="solid"/>
+              </a:ln>
+              <a:solidFill>
+                <a:srgbClr val="FFFFFF"/>
+              </a:solidFill>
+              <a:effectLst>
+                <a:outerShdw blurRad="38100" dist="22860" dir="5400000" algn="tl" rotWithShape="0">
+                  <a:srgbClr val="000000">
+                    <a:alpha val="30000"/>
+                  </a:srgbClr>
+                </a:outerShdw>
+              </a:effectLst>
+              <a:latin typeface="Verdana" panose="020B0604030504040204" pitchFamily="34" charset="0"/>
+              <a:ea typeface="宋体" panose="02010600030101010101" pitchFamily="2" charset="-122"/>
+              <a:sym typeface="+mn-ea"/>
+            </a:endParaRPr>
+          </a:p>
+        </p:txBody>
+      </p:sp>
+      <p:sp>
+        <p:nvSpPr>
+          <p:cNvPr id="8" name="Text Box 7"/>
+          <p:cNvSpPr txBox="1"/>
+          <p:nvPr/>
+        </p:nvSpPr>
+        <p:spPr>
+          <a:xfrm>
+            <a:off x="471170" y="217805"/>
+            <a:ext cx="3993515" cy="583565"/>
+          </a:xfrm>
+          <a:prstGeom prst="rect">
+            <a:avLst/>
+          </a:prstGeom>
+          <a:noFill/>
+        </p:spPr>
+        <p:txBody>
+          <a:bodyPr wrap="square" rtlCol="0">
+            <a:spAutoFit/>
+          </a:bodyPr>
+          <a:p>
+            <a:r>
+              <a:rPr lang="zh-CN" altLang="en-US" sz="3200">
+                <a:ln w="12700">
+                  <a:solidFill>
+                    <a:schemeClr val="tx2">
+                      <a:lumMod val="75000"/>
+                    </a:schemeClr>
+                  </a:solidFill>
+                  <a:prstDash val="solid"/>
+                </a:ln>
+                <a:pattFill prst="dkUpDiag">
+                  <a:fgClr>
+                    <a:schemeClr val="tx2"/>
+                  </a:fgClr>
+                  <a:bgClr>
+                    <a:schemeClr val="tx2">
+                      <a:lumMod val="20000"/>
+                      <a:lumOff val="80000"/>
+                    </a:schemeClr>
+                  </a:bgClr>
+                </a:pattFill>
+                <a:effectLst>
+                  <a:outerShdw dist="38100" dir="2640000" algn="bl" rotWithShape="0">
+                    <a:schemeClr val="tx2">
+                      <a:lumMod val="75000"/>
+                    </a:schemeClr>
+                  </a:outerShdw>
+                </a:effectLst>
+              </a:rPr>
+              <a:t>汇报提纲</a:t>
+            </a:r>
+            <a:endParaRPr lang="zh-CN" altLang="en-US" sz="3200">
+              <a:ln w="12700">
+                <a:solidFill>
+                  <a:schemeClr val="tx2">
+                    <a:lumMod val="75000"/>
+                  </a:schemeClr>
+                </a:solidFill>
+                <a:prstDash val="solid"/>
+              </a:ln>
+              <a:pattFill prst="dkUpDiag">
+                <a:fgClr>
+                  <a:schemeClr val="tx2"/>
+                </a:fgClr>
+                <a:bgClr>
+                  <a:schemeClr val="tx2">
+                    <a:lumMod val="20000"/>
+                    <a:lumOff val="80000"/>
+                  </a:schemeClr>
+                </a:bgClr>
+              </a:pattFill>
+              <a:effectLst>
+                <a:outerShdw dist="38100" dir="2640000" algn="bl" rotWithShape="0">
+                  <a:schemeClr val="tx2">
+                    <a:lumMod val="75000"/>
+                  </a:schemeClr>
+                </a:outerShdw>
+              </a:effectLst>
+            </a:endParaRPr>
+          </a:p>
+        </p:txBody>
+      </p:sp>
+      <p:sp>
+        <p:nvSpPr>
+          <p:cNvPr id="15" name="矩形 4"/>
+          <p:cNvSpPr/>
+          <p:nvPr/>
+        </p:nvSpPr>
+        <p:spPr>
+          <a:xfrm>
+            <a:off x="1931670" y="2164715"/>
+            <a:ext cx="6250305" cy="645795"/>
+          </a:xfrm>
+          <a:prstGeom prst="rect">
+            <a:avLst/>
+          </a:prstGeom>
+          <a:solidFill>
+            <a:srgbClr val="0070C0"/>
+          </a:solidFill>
+          <a:ln w="9525" cap="flat" cmpd="sng" algn="ctr">
+            <a:solidFill>
+              <a:schemeClr val="bg1"/>
+            </a:solidFill>
+            <a:prstDash val="solid"/>
+            <a:round/>
+            <a:headEnd type="none" w="med" len="med"/>
+            <a:tailEnd type="none" w="med" len="med"/>
+          </a:ln>
+        </p:spPr>
+        <p:txBody>
+          <a:bodyPr vert="horz" wrap="square" lIns="91440" tIns="45720" rIns="91440" bIns="45720" numCol="1" anchor="t" anchorCtr="0" compatLnSpc="1"/>
+          <a:lstStyle>
+            <a:defPPr>
+              <a:defRPr lang="zh-CN"/>
+            </a:defPPr>
+            <a:lvl1pPr marL="0" algn="l" defTabSz="914400" rtl="0" eaLnBrk="1" latinLnBrk="0" hangingPunct="1">
+              <a:defRPr sz="1800" kern="1200">
+                <a:solidFill>
+                  <a:schemeClr val="tx1"/>
+                </a:solidFill>
+                <a:latin typeface="+mn-lt"/>
+                <a:ea typeface="+mn-ea"/>
+                <a:cs typeface="+mn-cs"/>
+              </a:defRPr>
+            </a:lvl1pPr>
+            <a:lvl2pPr marL="457200" algn="l" defTabSz="914400" rtl="0" eaLnBrk="1" latinLnBrk="0" hangingPunct="1">
+              <a:defRPr sz="1800" kern="1200">
+                <a:solidFill>
+                  <a:schemeClr val="tx1"/>
+                </a:solidFill>
+                <a:latin typeface="+mn-lt"/>
+                <a:ea typeface="+mn-ea"/>
+                <a:cs typeface="+mn-cs"/>
+              </a:defRPr>
+            </a:lvl2pPr>
+            <a:lvl3pPr marL="914400" algn="l" defTabSz="914400" rtl="0" eaLnBrk="1" latinLnBrk="0" hangingPunct="1">
+              <a:defRPr sz="1800" kern="1200">
+                <a:solidFill>
+                  <a:schemeClr val="tx1"/>
+                </a:solidFill>
+                <a:latin typeface="+mn-lt"/>
+                <a:ea typeface="+mn-ea"/>
+                <a:cs typeface="+mn-cs"/>
+              </a:defRPr>
+            </a:lvl3pPr>
+            <a:lvl4pPr marL="1371600" algn="l" defTabSz="914400" rtl="0" eaLnBrk="1" latinLnBrk="0" hangingPunct="1">
+              <a:defRPr sz="1800" kern="1200">
+                <a:solidFill>
+                  <a:schemeClr val="tx1"/>
+                </a:solidFill>
+                <a:latin typeface="+mn-lt"/>
+                <a:ea typeface="+mn-ea"/>
+                <a:cs typeface="+mn-cs"/>
+              </a:defRPr>
+            </a:lvl4pPr>
+            <a:lvl5pPr marL="1828800" algn="l" defTabSz="914400" rtl="0" eaLnBrk="1" latinLnBrk="0" hangingPunct="1">
+              <a:defRPr sz="1800" kern="1200">
+                <a:solidFill>
+                  <a:schemeClr val="tx1"/>
+                </a:solidFill>
+                <a:latin typeface="+mn-lt"/>
+                <a:ea typeface="+mn-ea"/>
+                <a:cs typeface="+mn-cs"/>
+              </a:defRPr>
+            </a:lvl5pPr>
+            <a:lvl6pPr marL="2286000" algn="l" defTabSz="914400" rtl="0" eaLnBrk="1" latinLnBrk="0" hangingPunct="1">
+              <a:defRPr sz="1800" kern="1200">
+                <a:solidFill>
+                  <a:schemeClr val="tx1"/>
+                </a:solidFill>
+                <a:latin typeface="+mn-lt"/>
+                <a:ea typeface="+mn-ea"/>
+                <a:cs typeface="+mn-cs"/>
+              </a:defRPr>
+            </a:lvl6pPr>
+            <a:lvl7pPr marL="2743200" algn="l" defTabSz="914400" rtl="0" eaLnBrk="1" latinLnBrk="0" hangingPunct="1">
+              <a:defRPr sz="1800" kern="1200">
+                <a:solidFill>
+                  <a:schemeClr val="tx1"/>
+                </a:solidFill>
+                <a:latin typeface="+mn-lt"/>
+                <a:ea typeface="+mn-ea"/>
+                <a:cs typeface="+mn-cs"/>
+              </a:defRPr>
+            </a:lvl7pPr>
+            <a:lvl8pPr marL="3200400" algn="l" defTabSz="914400" rtl="0" eaLnBrk="1" latinLnBrk="0" hangingPunct="1">
+              <a:defRPr sz="1800" kern="1200">
+                <a:solidFill>
+                  <a:schemeClr val="tx1"/>
+                </a:solidFill>
+                <a:latin typeface="+mn-lt"/>
+                <a:ea typeface="+mn-ea"/>
+                <a:cs typeface="+mn-cs"/>
+              </a:defRPr>
+            </a:lvl8pPr>
+            <a:lvl9pPr marL="3657600" algn="l" defTabSz="914400" rtl="0" eaLnBrk="1" latinLnBrk="0" hangingPunct="1">
+              <a:defRPr sz="1800" kern="1200">
+                <a:solidFill>
+                  <a:schemeClr val="tx1"/>
+                </a:solidFill>
+                <a:latin typeface="+mn-lt"/>
+                <a:ea typeface="+mn-ea"/>
+                <a:cs typeface="+mn-cs"/>
+              </a:defRPr>
+            </a:lvl9pPr>
+          </a:lstStyle>
+          <a:p>
+            <a:pPr marL="0" marR="0" indent="0" algn="l" defTabSz="914400" rtl="0" eaLnBrk="1" fontAlgn="base" latinLnBrk="0" hangingPunct="1">
+              <a:lnSpc>
+                <a:spcPct val="100000"/>
+              </a:lnSpc>
+              <a:spcBef>
+                <a:spcPct val="0"/>
+              </a:spcBef>
+              <a:spcAft>
+                <a:spcPct val="0"/>
+              </a:spcAft>
+              <a:buClrTx/>
+              <a:buSzTx/>
+              <a:buFont typeface="Arial" panose="020B0604020202020204" pitchFamily="34" charset="0"/>
+              <a:buNone/>
+            </a:pPr>
+            <a:endParaRPr kumimoji="0" lang="zh-CN" altLang="en-US" sz="1800" b="0" i="0" u="none" strike="noStrike" cap="none" normalizeH="0" baseline="0" smtClean="0">
+              <a:ln>
+                <a:noFill/>
+              </a:ln>
+              <a:solidFill>
+                <a:schemeClr val="tx1"/>
+              </a:solidFill>
+              <a:effectLst/>
+              <a:latin typeface="Verdana" panose="020B0604030504040204" pitchFamily="34" charset="0"/>
+              <a:ea typeface="宋体" panose="02010600030101010101" pitchFamily="2" charset="-122"/>
+            </a:endParaRPr>
+          </a:p>
+        </p:txBody>
+      </p:sp>
+      <p:sp>
+        <p:nvSpPr>
+          <p:cNvPr id="16" name="TextBox 53"/>
+          <p:cNvSpPr txBox="1"/>
+          <p:nvPr/>
+        </p:nvSpPr>
+        <p:spPr>
+          <a:xfrm>
+            <a:off x="2113915" y="2165350"/>
+            <a:ext cx="6161405" cy="583565"/>
+          </a:xfrm>
+          <a:prstGeom prst="rect">
+            <a:avLst/>
+          </a:prstGeom>
+          <a:noFill/>
+          <a:ln w="9525">
+            <a:noFill/>
+          </a:ln>
+        </p:spPr>
+        <p:txBody>
+          <a:bodyPr wrap="square" anchor="t">
+            <a:spAutoFit/>
+          </a:bodyPr>
+          <a:lstStyle>
+            <a:defPPr>
+              <a:defRPr lang="zh-CN"/>
+            </a:defPPr>
+            <a:lvl1pPr marL="0" algn="l" defTabSz="914400" rtl="0" eaLnBrk="1" latinLnBrk="0" hangingPunct="1">
+              <a:defRPr sz="1800" kern="1200">
+                <a:solidFill>
+                  <a:schemeClr val="tx1"/>
+                </a:solidFill>
+                <a:latin typeface="+mn-lt"/>
+                <a:ea typeface="+mn-ea"/>
+                <a:cs typeface="+mn-cs"/>
+              </a:defRPr>
+            </a:lvl1pPr>
+            <a:lvl2pPr marL="457200" algn="l" defTabSz="914400" rtl="0" eaLnBrk="1" latinLnBrk="0" hangingPunct="1">
+              <a:defRPr sz="1800" kern="1200">
+                <a:solidFill>
+                  <a:schemeClr val="tx1"/>
+                </a:solidFill>
+                <a:latin typeface="+mn-lt"/>
+                <a:ea typeface="+mn-ea"/>
+                <a:cs typeface="+mn-cs"/>
+              </a:defRPr>
+            </a:lvl2pPr>
+            <a:lvl3pPr marL="914400" algn="l" defTabSz="914400" rtl="0" eaLnBrk="1" latinLnBrk="0" hangingPunct="1">
+              <a:defRPr sz="1800" kern="1200">
+                <a:solidFill>
+                  <a:schemeClr val="tx1"/>
+                </a:solidFill>
+                <a:latin typeface="+mn-lt"/>
+                <a:ea typeface="+mn-ea"/>
+                <a:cs typeface="+mn-cs"/>
+              </a:defRPr>
+            </a:lvl3pPr>
+            <a:lvl4pPr marL="1371600" algn="l" defTabSz="914400" rtl="0" eaLnBrk="1" latinLnBrk="0" hangingPunct="1">
+              <a:defRPr sz="1800" kern="1200">
+                <a:solidFill>
+                  <a:schemeClr val="tx1"/>
+                </a:solidFill>
+                <a:latin typeface="+mn-lt"/>
+                <a:ea typeface="+mn-ea"/>
+                <a:cs typeface="+mn-cs"/>
+              </a:defRPr>
+            </a:lvl4pPr>
+            <a:lvl5pPr marL="1828800" algn="l" defTabSz="914400" rtl="0" eaLnBrk="1" latinLnBrk="0" hangingPunct="1">
+              <a:defRPr sz="1800" kern="1200">
+                <a:solidFill>
+                  <a:schemeClr val="tx1"/>
+                </a:solidFill>
+                <a:latin typeface="+mn-lt"/>
+                <a:ea typeface="+mn-ea"/>
+                <a:cs typeface="+mn-cs"/>
+              </a:defRPr>
+            </a:lvl5pPr>
+            <a:lvl6pPr marL="2286000" algn="l" defTabSz="914400" rtl="0" eaLnBrk="1" latinLnBrk="0" hangingPunct="1">
+              <a:defRPr sz="1800" kern="1200">
+                <a:solidFill>
+                  <a:schemeClr val="tx1"/>
+                </a:solidFill>
+                <a:latin typeface="+mn-lt"/>
+                <a:ea typeface="+mn-ea"/>
+                <a:cs typeface="+mn-cs"/>
+              </a:defRPr>
+            </a:lvl6pPr>
+            <a:lvl7pPr marL="2743200" algn="l" defTabSz="914400" rtl="0" eaLnBrk="1" latinLnBrk="0" hangingPunct="1">
+              <a:defRPr sz="1800" kern="1200">
+                <a:solidFill>
+                  <a:schemeClr val="tx1"/>
+                </a:solidFill>
+                <a:latin typeface="+mn-lt"/>
+                <a:ea typeface="+mn-ea"/>
+                <a:cs typeface="+mn-cs"/>
+              </a:defRPr>
+            </a:lvl7pPr>
+            <a:lvl8pPr marL="3200400" algn="l" defTabSz="914400" rtl="0" eaLnBrk="1" latinLnBrk="0" hangingPunct="1">
+              <a:defRPr sz="1800" kern="1200">
+                <a:solidFill>
+                  <a:schemeClr val="tx1"/>
+                </a:solidFill>
+                <a:latin typeface="+mn-lt"/>
+                <a:ea typeface="+mn-ea"/>
+                <a:cs typeface="+mn-cs"/>
+              </a:defRPr>
+            </a:lvl8pPr>
+            <a:lvl9pPr marL="3657600" algn="l" defTabSz="914400" rtl="0" eaLnBrk="1" latinLnBrk="0" hangingPunct="1">
+              <a:defRPr sz="1800" kern="1200">
+                <a:solidFill>
+                  <a:schemeClr val="tx1"/>
+                </a:solidFill>
+                <a:latin typeface="+mn-lt"/>
+                <a:ea typeface="+mn-ea"/>
+                <a:cs typeface="+mn-cs"/>
+              </a:defRPr>
+            </a:lvl9pPr>
+          </a:lstStyle>
+          <a:p>
+            <a:pPr algn="l"/>
+            <a:r>
+              <a:rPr lang="zh-CN" altLang="en-US" sz="3200" b="1" dirty="0">
+                <a:solidFill>
+                  <a:schemeClr val="bg1"/>
+                </a:solidFill>
+                <a:latin typeface="Verdana" panose="020B0604030504040204" pitchFamily="34" charset="0"/>
+                <a:ea typeface="宋体" panose="02010600030101010101" pitchFamily="2" charset="-122"/>
+                <a:sym typeface="+mn-ea"/>
+              </a:rPr>
+              <a:t>          </a:t>
+            </a:r>
+            <a:r>
+              <a:rPr lang="zh-CN" altLang="en-US" sz="3200">
+                <a:ln w="10160">
+                  <a:solidFill>
+                    <a:schemeClr val="accent5"/>
+                  </a:solidFill>
+                  <a:prstDash val="solid"/>
+                </a:ln>
+                <a:solidFill>
+                  <a:srgbClr val="FFFFFF"/>
+                </a:solidFill>
+                <a:effectLst>
+                  <a:outerShdw blurRad="38100" dist="22860" dir="5400000" algn="tl" rotWithShape="0">
+                    <a:srgbClr val="000000">
+                      <a:alpha val="30000"/>
+                    </a:srgbClr>
+                  </a:outerShdw>
+                </a:effectLst>
+                <a:sym typeface="+mn-ea"/>
+              </a:rPr>
+              <a:t>研究内容与方案</a:t>
+            </a:r>
+            <a:endParaRPr lang="zh-CN" altLang="en-US" sz="3200">
+              <a:ln w="10160">
+                <a:solidFill>
+                  <a:schemeClr val="accent5"/>
+                </a:solidFill>
+                <a:prstDash val="solid"/>
+              </a:ln>
+              <a:solidFill>
+                <a:srgbClr val="FFFFFF"/>
+              </a:solidFill>
+              <a:effectLst>
+                <a:outerShdw blurRad="38100" dist="22860" dir="5400000" algn="tl" rotWithShape="0">
+                  <a:srgbClr val="000000">
+                    <a:alpha val="30000"/>
+                  </a:srgbClr>
+                </a:outerShdw>
+              </a:effectLst>
+              <a:sym typeface="+mn-ea"/>
+            </a:endParaRPr>
+          </a:p>
+        </p:txBody>
+      </p:sp>
+      <p:sp>
+        <p:nvSpPr>
+          <p:cNvPr id="17" name="矩形 4"/>
+          <p:cNvSpPr/>
+          <p:nvPr/>
+        </p:nvSpPr>
+        <p:spPr>
+          <a:xfrm>
+            <a:off x="1931670" y="3115310"/>
+            <a:ext cx="6250305" cy="645795"/>
+          </a:xfrm>
+          <a:prstGeom prst="rect">
+            <a:avLst/>
+          </a:prstGeom>
+          <a:solidFill>
+            <a:srgbClr val="0070C0"/>
+          </a:solidFill>
+          <a:ln w="9525" cap="flat" cmpd="sng" algn="ctr">
+            <a:solidFill>
+              <a:schemeClr val="bg1"/>
+            </a:solidFill>
+            <a:prstDash val="solid"/>
+            <a:round/>
+            <a:headEnd type="none" w="med" len="med"/>
+            <a:tailEnd type="none" w="med" len="med"/>
+          </a:ln>
+        </p:spPr>
+        <p:txBody>
+          <a:bodyPr vert="horz" wrap="square" lIns="91440" tIns="45720" rIns="91440" bIns="45720" numCol="1" anchor="t" anchorCtr="0" compatLnSpc="1"/>
+          <a:lstStyle>
+            <a:defPPr>
+              <a:defRPr lang="zh-CN"/>
+            </a:defPPr>
+            <a:lvl1pPr marL="0" algn="l" defTabSz="914400" rtl="0" eaLnBrk="1" latinLnBrk="0" hangingPunct="1">
+              <a:defRPr sz="1800" kern="1200">
+                <a:solidFill>
+                  <a:schemeClr val="tx1"/>
+                </a:solidFill>
+                <a:latin typeface="+mn-lt"/>
+                <a:ea typeface="+mn-ea"/>
+                <a:cs typeface="+mn-cs"/>
+              </a:defRPr>
+            </a:lvl1pPr>
+            <a:lvl2pPr marL="457200" algn="l" defTabSz="914400" rtl="0" eaLnBrk="1" latinLnBrk="0" hangingPunct="1">
+              <a:defRPr sz="1800" kern="1200">
+                <a:solidFill>
+                  <a:schemeClr val="tx1"/>
+                </a:solidFill>
+                <a:latin typeface="+mn-lt"/>
+                <a:ea typeface="+mn-ea"/>
+                <a:cs typeface="+mn-cs"/>
+              </a:defRPr>
+            </a:lvl2pPr>
+            <a:lvl3pPr marL="914400" algn="l" defTabSz="914400" rtl="0" eaLnBrk="1" latinLnBrk="0" hangingPunct="1">
+              <a:defRPr sz="1800" kern="1200">
+                <a:solidFill>
+                  <a:schemeClr val="tx1"/>
+                </a:solidFill>
+                <a:latin typeface="+mn-lt"/>
+                <a:ea typeface="+mn-ea"/>
+                <a:cs typeface="+mn-cs"/>
+              </a:defRPr>
+            </a:lvl3pPr>
+            <a:lvl4pPr marL="1371600" algn="l" defTabSz="914400" rtl="0" eaLnBrk="1" latinLnBrk="0" hangingPunct="1">
+              <a:defRPr sz="1800" kern="1200">
+                <a:solidFill>
+                  <a:schemeClr val="tx1"/>
+                </a:solidFill>
+                <a:latin typeface="+mn-lt"/>
+                <a:ea typeface="+mn-ea"/>
+                <a:cs typeface="+mn-cs"/>
+              </a:defRPr>
+            </a:lvl4pPr>
+            <a:lvl5pPr marL="1828800" algn="l" defTabSz="914400" rtl="0" eaLnBrk="1" latinLnBrk="0" hangingPunct="1">
+              <a:defRPr sz="1800" kern="1200">
+                <a:solidFill>
+                  <a:schemeClr val="tx1"/>
+                </a:solidFill>
+                <a:latin typeface="+mn-lt"/>
+                <a:ea typeface="+mn-ea"/>
+                <a:cs typeface="+mn-cs"/>
+              </a:defRPr>
+            </a:lvl5pPr>
+            <a:lvl6pPr marL="2286000" algn="l" defTabSz="914400" rtl="0" eaLnBrk="1" latinLnBrk="0" hangingPunct="1">
+              <a:defRPr sz="1800" kern="1200">
+                <a:solidFill>
+                  <a:schemeClr val="tx1"/>
+                </a:solidFill>
+                <a:latin typeface="+mn-lt"/>
+                <a:ea typeface="+mn-ea"/>
+                <a:cs typeface="+mn-cs"/>
+              </a:defRPr>
+            </a:lvl6pPr>
+            <a:lvl7pPr marL="2743200" algn="l" defTabSz="914400" rtl="0" eaLnBrk="1" latinLnBrk="0" hangingPunct="1">
+              <a:defRPr sz="1800" kern="1200">
+                <a:solidFill>
+                  <a:schemeClr val="tx1"/>
+                </a:solidFill>
+                <a:latin typeface="+mn-lt"/>
+                <a:ea typeface="+mn-ea"/>
+                <a:cs typeface="+mn-cs"/>
+              </a:defRPr>
+            </a:lvl7pPr>
+            <a:lvl8pPr marL="3200400" algn="l" defTabSz="914400" rtl="0" eaLnBrk="1" latinLnBrk="0" hangingPunct="1">
+              <a:defRPr sz="1800" kern="1200">
+                <a:solidFill>
+                  <a:schemeClr val="tx1"/>
+                </a:solidFill>
+                <a:latin typeface="+mn-lt"/>
+                <a:ea typeface="+mn-ea"/>
+                <a:cs typeface="+mn-cs"/>
+              </a:defRPr>
+            </a:lvl8pPr>
+            <a:lvl9pPr marL="3657600" algn="l" defTabSz="914400" rtl="0" eaLnBrk="1" latinLnBrk="0" hangingPunct="1">
+              <a:defRPr sz="1800" kern="1200">
+                <a:solidFill>
+                  <a:schemeClr val="tx1"/>
+                </a:solidFill>
+                <a:latin typeface="+mn-lt"/>
+                <a:ea typeface="+mn-ea"/>
+                <a:cs typeface="+mn-cs"/>
+              </a:defRPr>
+            </a:lvl9pPr>
+          </a:lstStyle>
+          <a:p>
+            <a:pPr marL="0" marR="0" indent="0" algn="l" defTabSz="914400" rtl="0" eaLnBrk="1" fontAlgn="base" latinLnBrk="0" hangingPunct="1">
+              <a:lnSpc>
+                <a:spcPct val="100000"/>
+              </a:lnSpc>
+              <a:spcBef>
+                <a:spcPct val="0"/>
+              </a:spcBef>
+              <a:spcAft>
+                <a:spcPct val="0"/>
+              </a:spcAft>
+              <a:buClrTx/>
+              <a:buSzTx/>
+              <a:buFont typeface="Arial" panose="020B0604020202020204" pitchFamily="34" charset="0"/>
+              <a:buNone/>
+            </a:pPr>
+            <a:endParaRPr kumimoji="0" lang="zh-CN" altLang="en-US" sz="1800" b="0" i="0" u="none" strike="noStrike" cap="none" normalizeH="0" baseline="0" smtClean="0">
+              <a:ln>
+                <a:noFill/>
+              </a:ln>
+              <a:solidFill>
+                <a:schemeClr val="tx1"/>
+              </a:solidFill>
+              <a:effectLst/>
+              <a:latin typeface="Verdana" panose="020B0604030504040204" pitchFamily="34" charset="0"/>
+              <a:ea typeface="宋体" panose="02010600030101010101" pitchFamily="2" charset="-122"/>
+            </a:endParaRPr>
+          </a:p>
+        </p:txBody>
+      </p:sp>
+      <p:sp>
+        <p:nvSpPr>
+          <p:cNvPr id="18" name="TextBox 53"/>
+          <p:cNvSpPr txBox="1"/>
+          <p:nvPr/>
+        </p:nvSpPr>
+        <p:spPr>
+          <a:xfrm>
+            <a:off x="2113915" y="3115945"/>
+            <a:ext cx="6161405" cy="583565"/>
+          </a:xfrm>
+          <a:prstGeom prst="rect">
+            <a:avLst/>
+          </a:prstGeom>
+          <a:noFill/>
+          <a:ln w="9525">
+            <a:noFill/>
+          </a:ln>
+        </p:spPr>
+        <p:txBody>
+          <a:bodyPr wrap="square" anchor="t">
+            <a:spAutoFit/>
+          </a:bodyPr>
+          <a:lstStyle>
+            <a:defPPr>
+              <a:defRPr lang="zh-CN"/>
+            </a:defPPr>
+            <a:lvl1pPr marL="0" algn="l" defTabSz="914400" rtl="0" eaLnBrk="1" latinLnBrk="0" hangingPunct="1">
+              <a:defRPr sz="1800" kern="1200">
+                <a:solidFill>
+                  <a:schemeClr val="tx1"/>
+                </a:solidFill>
+                <a:latin typeface="+mn-lt"/>
+                <a:ea typeface="+mn-ea"/>
+                <a:cs typeface="+mn-cs"/>
+              </a:defRPr>
+            </a:lvl1pPr>
+            <a:lvl2pPr marL="457200" algn="l" defTabSz="914400" rtl="0" eaLnBrk="1" latinLnBrk="0" hangingPunct="1">
+              <a:defRPr sz="1800" kern="1200">
+                <a:solidFill>
+                  <a:schemeClr val="tx1"/>
+                </a:solidFill>
+                <a:latin typeface="+mn-lt"/>
+                <a:ea typeface="+mn-ea"/>
+                <a:cs typeface="+mn-cs"/>
+              </a:defRPr>
+            </a:lvl2pPr>
+            <a:lvl3pPr marL="914400" algn="l" defTabSz="914400" rtl="0" eaLnBrk="1" latinLnBrk="0" hangingPunct="1">
+              <a:defRPr sz="1800" kern="1200">
+                <a:solidFill>
+                  <a:schemeClr val="tx1"/>
+                </a:solidFill>
+                <a:latin typeface="+mn-lt"/>
+                <a:ea typeface="+mn-ea"/>
+                <a:cs typeface="+mn-cs"/>
+              </a:defRPr>
+            </a:lvl3pPr>
+            <a:lvl4pPr marL="1371600" algn="l" defTabSz="914400" rtl="0" eaLnBrk="1" latinLnBrk="0" hangingPunct="1">
+              <a:defRPr sz="1800" kern="1200">
+                <a:solidFill>
+                  <a:schemeClr val="tx1"/>
+                </a:solidFill>
+                <a:latin typeface="+mn-lt"/>
+                <a:ea typeface="+mn-ea"/>
+                <a:cs typeface="+mn-cs"/>
+              </a:defRPr>
+            </a:lvl4pPr>
+            <a:lvl5pPr marL="1828800" algn="l" defTabSz="914400" rtl="0" eaLnBrk="1" latinLnBrk="0" hangingPunct="1">
+              <a:defRPr sz="1800" kern="1200">
+                <a:solidFill>
+                  <a:schemeClr val="tx1"/>
+                </a:solidFill>
+                <a:latin typeface="+mn-lt"/>
+                <a:ea typeface="+mn-ea"/>
+                <a:cs typeface="+mn-cs"/>
+              </a:defRPr>
+            </a:lvl5pPr>
+            <a:lvl6pPr marL="2286000" algn="l" defTabSz="914400" rtl="0" eaLnBrk="1" latinLnBrk="0" hangingPunct="1">
+              <a:defRPr sz="1800" kern="1200">
+                <a:solidFill>
+                  <a:schemeClr val="tx1"/>
+                </a:solidFill>
+                <a:latin typeface="+mn-lt"/>
+                <a:ea typeface="+mn-ea"/>
+                <a:cs typeface="+mn-cs"/>
+              </a:defRPr>
+            </a:lvl6pPr>
+            <a:lvl7pPr marL="2743200" algn="l" defTabSz="914400" rtl="0" eaLnBrk="1" latinLnBrk="0" hangingPunct="1">
+              <a:defRPr sz="1800" kern="1200">
+                <a:solidFill>
+                  <a:schemeClr val="tx1"/>
+                </a:solidFill>
+                <a:latin typeface="+mn-lt"/>
+                <a:ea typeface="+mn-ea"/>
+                <a:cs typeface="+mn-cs"/>
+              </a:defRPr>
+            </a:lvl7pPr>
+            <a:lvl8pPr marL="3200400" algn="l" defTabSz="914400" rtl="0" eaLnBrk="1" latinLnBrk="0" hangingPunct="1">
+              <a:defRPr sz="1800" kern="1200">
+                <a:solidFill>
+                  <a:schemeClr val="tx1"/>
+                </a:solidFill>
+                <a:latin typeface="+mn-lt"/>
+                <a:ea typeface="+mn-ea"/>
+                <a:cs typeface="+mn-cs"/>
+              </a:defRPr>
+            </a:lvl8pPr>
+            <a:lvl9pPr marL="3657600" algn="l" defTabSz="914400" rtl="0" eaLnBrk="1" latinLnBrk="0" hangingPunct="1">
+              <a:defRPr sz="1800" kern="1200">
+                <a:solidFill>
+                  <a:schemeClr val="tx1"/>
+                </a:solidFill>
+                <a:latin typeface="+mn-lt"/>
+                <a:ea typeface="+mn-ea"/>
+                <a:cs typeface="+mn-cs"/>
+              </a:defRPr>
+            </a:lvl9pPr>
+          </a:lstStyle>
+          <a:p>
+            <a:pPr algn="l"/>
+            <a:r>
+              <a:rPr lang="en-US" altLang="zh-CN" sz="3200" b="1" dirty="0">
+                <a:solidFill>
+                  <a:schemeClr val="bg1"/>
+                </a:solidFill>
+                <a:latin typeface="Verdana" panose="020B0604030504040204" pitchFamily="34" charset="0"/>
+                <a:ea typeface="宋体" panose="02010600030101010101" pitchFamily="2" charset="-122"/>
+              </a:rPr>
+              <a:t>  </a:t>
+            </a:r>
+            <a:r>
+              <a:rPr lang="zh-CN" altLang="en-US" sz="3200" b="1" dirty="0">
+                <a:solidFill>
+                  <a:schemeClr val="bg1"/>
+                </a:solidFill>
+                <a:latin typeface="Verdana" panose="020B0604030504040204" pitchFamily="34" charset="0"/>
+                <a:ea typeface="宋体" panose="02010600030101010101" pitchFamily="2" charset="-122"/>
+              </a:rPr>
+              <a:t>        </a:t>
+            </a:r>
+            <a:r>
+              <a:rPr lang="zh-CN" altLang="en-US" sz="3200">
+                <a:ln w="10160">
+                  <a:solidFill>
+                    <a:schemeClr val="accent5"/>
+                  </a:solidFill>
+                  <a:prstDash val="solid"/>
+                </a:ln>
+                <a:solidFill>
+                  <a:srgbClr val="FFFFFF"/>
+                </a:solidFill>
+                <a:effectLst>
+                  <a:outerShdw blurRad="38100" dist="22860" dir="5400000" algn="tl" rotWithShape="0">
+                    <a:srgbClr val="000000">
+                      <a:alpha val="30000"/>
+                    </a:srgbClr>
+                  </a:outerShdw>
+                </a:effectLst>
+                <a:sym typeface="+mn-ea"/>
+              </a:rPr>
+              <a:t>前期准备工作</a:t>
+            </a:r>
+            <a:endParaRPr lang="zh-CN" altLang="en-US" sz="3200">
+              <a:ln w="10160">
+                <a:solidFill>
+                  <a:schemeClr val="accent5"/>
+                </a:solidFill>
+                <a:prstDash val="solid"/>
+              </a:ln>
+              <a:solidFill>
+                <a:srgbClr val="FFFFFF"/>
+              </a:solidFill>
+              <a:effectLst>
+                <a:outerShdw blurRad="38100" dist="22860" dir="5400000" algn="tl" rotWithShape="0">
+                  <a:srgbClr val="000000">
+                    <a:alpha val="30000"/>
+                  </a:srgbClr>
+                </a:outerShdw>
+              </a:effectLst>
+              <a:sym typeface="+mn-ea"/>
+            </a:endParaRPr>
+          </a:p>
+        </p:txBody>
+      </p:sp>
+      <p:sp>
+        <p:nvSpPr>
+          <p:cNvPr id="20" name="矩形 4"/>
+          <p:cNvSpPr/>
+          <p:nvPr/>
+        </p:nvSpPr>
+        <p:spPr>
+          <a:xfrm>
+            <a:off x="1931670" y="4028440"/>
+            <a:ext cx="6250305" cy="645795"/>
+          </a:xfrm>
+          <a:prstGeom prst="rect">
+            <a:avLst/>
+          </a:prstGeom>
+          <a:solidFill>
+            <a:srgbClr val="0070C0"/>
+          </a:solidFill>
+          <a:ln w="9525" cap="flat" cmpd="sng" algn="ctr">
+            <a:solidFill>
+              <a:schemeClr val="bg1"/>
+            </a:solidFill>
+            <a:prstDash val="solid"/>
+            <a:round/>
+            <a:headEnd type="none" w="med" len="med"/>
+            <a:tailEnd type="none" w="med" len="med"/>
+          </a:ln>
+        </p:spPr>
+        <p:txBody>
+          <a:bodyPr vert="horz" wrap="square" lIns="91440" tIns="45720" rIns="91440" bIns="45720" numCol="1" anchor="t" anchorCtr="0" compatLnSpc="1"/>
+          <a:lstStyle>
+            <a:defPPr>
+              <a:defRPr lang="zh-CN"/>
+            </a:defPPr>
+            <a:lvl1pPr marL="0" algn="l" defTabSz="914400" rtl="0" eaLnBrk="1" latinLnBrk="0" hangingPunct="1">
+              <a:defRPr sz="1800" kern="1200">
+                <a:solidFill>
+                  <a:schemeClr val="tx1"/>
+                </a:solidFill>
+                <a:latin typeface="+mn-lt"/>
+                <a:ea typeface="+mn-ea"/>
+                <a:cs typeface="+mn-cs"/>
+              </a:defRPr>
+            </a:lvl1pPr>
+            <a:lvl2pPr marL="457200" algn="l" defTabSz="914400" rtl="0" eaLnBrk="1" latinLnBrk="0" hangingPunct="1">
+              <a:defRPr sz="1800" kern="1200">
+                <a:solidFill>
+                  <a:schemeClr val="tx1"/>
+                </a:solidFill>
+                <a:latin typeface="+mn-lt"/>
+                <a:ea typeface="+mn-ea"/>
+                <a:cs typeface="+mn-cs"/>
+              </a:defRPr>
+            </a:lvl2pPr>
+            <a:lvl3pPr marL="914400" algn="l" defTabSz="914400" rtl="0" eaLnBrk="1" latinLnBrk="0" hangingPunct="1">
+              <a:defRPr sz="1800" kern="1200">
+                <a:solidFill>
+                  <a:schemeClr val="tx1"/>
+                </a:solidFill>
+                <a:latin typeface="+mn-lt"/>
+                <a:ea typeface="+mn-ea"/>
+                <a:cs typeface="+mn-cs"/>
+              </a:defRPr>
+            </a:lvl3pPr>
+            <a:lvl4pPr marL="1371600" algn="l" defTabSz="914400" rtl="0" eaLnBrk="1" latinLnBrk="0" hangingPunct="1">
+              <a:defRPr sz="1800" kern="1200">
+                <a:solidFill>
+                  <a:schemeClr val="tx1"/>
+                </a:solidFill>
+                <a:latin typeface="+mn-lt"/>
+                <a:ea typeface="+mn-ea"/>
+                <a:cs typeface="+mn-cs"/>
+              </a:defRPr>
+            </a:lvl4pPr>
+            <a:lvl5pPr marL="1828800" algn="l" defTabSz="914400" rtl="0" eaLnBrk="1" latinLnBrk="0" hangingPunct="1">
+              <a:defRPr sz="1800" kern="1200">
+                <a:solidFill>
+                  <a:schemeClr val="tx1"/>
+                </a:solidFill>
+                <a:latin typeface="+mn-lt"/>
+                <a:ea typeface="+mn-ea"/>
+                <a:cs typeface="+mn-cs"/>
+              </a:defRPr>
+            </a:lvl5pPr>
+            <a:lvl6pPr marL="2286000" algn="l" defTabSz="914400" rtl="0" eaLnBrk="1" latinLnBrk="0" hangingPunct="1">
+              <a:defRPr sz="1800" kern="1200">
+                <a:solidFill>
+                  <a:schemeClr val="tx1"/>
+                </a:solidFill>
+                <a:latin typeface="+mn-lt"/>
+                <a:ea typeface="+mn-ea"/>
+                <a:cs typeface="+mn-cs"/>
+              </a:defRPr>
+            </a:lvl6pPr>
+            <a:lvl7pPr marL="2743200" algn="l" defTabSz="914400" rtl="0" eaLnBrk="1" latinLnBrk="0" hangingPunct="1">
+              <a:defRPr sz="1800" kern="1200">
+                <a:solidFill>
+                  <a:schemeClr val="tx1"/>
+                </a:solidFill>
+                <a:latin typeface="+mn-lt"/>
+                <a:ea typeface="+mn-ea"/>
+                <a:cs typeface="+mn-cs"/>
+              </a:defRPr>
+            </a:lvl7pPr>
+            <a:lvl8pPr marL="3200400" algn="l" defTabSz="914400" rtl="0" eaLnBrk="1" latinLnBrk="0" hangingPunct="1">
+              <a:defRPr sz="1800" kern="1200">
+                <a:solidFill>
+                  <a:schemeClr val="tx1"/>
+                </a:solidFill>
+                <a:latin typeface="+mn-lt"/>
+                <a:ea typeface="+mn-ea"/>
+                <a:cs typeface="+mn-cs"/>
+              </a:defRPr>
+            </a:lvl8pPr>
+            <a:lvl9pPr marL="3657600" algn="l" defTabSz="914400" rtl="0" eaLnBrk="1" latinLnBrk="0" hangingPunct="1">
+              <a:defRPr sz="1800" kern="1200">
+                <a:solidFill>
+                  <a:schemeClr val="tx1"/>
+                </a:solidFill>
+                <a:latin typeface="+mn-lt"/>
+                <a:ea typeface="+mn-ea"/>
+                <a:cs typeface="+mn-cs"/>
+              </a:defRPr>
+            </a:lvl9pPr>
+          </a:lstStyle>
+          <a:p>
+            <a:pPr marL="0" marR="0" indent="0" algn="l" defTabSz="914400" rtl="0" eaLnBrk="1" fontAlgn="base" latinLnBrk="0" hangingPunct="1">
+              <a:lnSpc>
+                <a:spcPct val="100000"/>
+              </a:lnSpc>
+              <a:spcBef>
+                <a:spcPct val="0"/>
+              </a:spcBef>
+              <a:spcAft>
+                <a:spcPct val="0"/>
+              </a:spcAft>
+              <a:buClrTx/>
+              <a:buSzTx/>
+              <a:buFont typeface="Arial" panose="020B0604020202020204" pitchFamily="34" charset="0"/>
+              <a:buNone/>
+            </a:pPr>
+            <a:endParaRPr kumimoji="0" lang="zh-CN" altLang="en-US" sz="1800" b="0" i="0" u="none" strike="noStrike" cap="none" normalizeH="0" baseline="0" smtClean="0">
+              <a:ln>
+                <a:noFill/>
+              </a:ln>
+              <a:solidFill>
+                <a:schemeClr val="tx1"/>
+              </a:solidFill>
+              <a:effectLst/>
+              <a:latin typeface="Verdana" panose="020B0604030504040204" pitchFamily="34" charset="0"/>
+              <a:ea typeface="宋体" panose="02010600030101010101" pitchFamily="2" charset="-122"/>
+            </a:endParaRPr>
+          </a:p>
+        </p:txBody>
+      </p:sp>
+      <p:sp>
+        <p:nvSpPr>
+          <p:cNvPr id="21" name="TextBox 53"/>
+          <p:cNvSpPr txBox="1"/>
+          <p:nvPr/>
+        </p:nvSpPr>
+        <p:spPr>
+          <a:xfrm>
+            <a:off x="2113915" y="4029075"/>
+            <a:ext cx="6161405" cy="583565"/>
+          </a:xfrm>
+          <a:prstGeom prst="rect">
+            <a:avLst/>
+          </a:prstGeom>
+          <a:noFill/>
+          <a:ln w="9525">
+            <a:noFill/>
+          </a:ln>
+        </p:spPr>
+        <p:txBody>
+          <a:bodyPr wrap="square" anchor="t">
+            <a:spAutoFit/>
+          </a:bodyPr>
+          <a:lstStyle>
+            <a:defPPr>
+              <a:defRPr lang="zh-CN"/>
+            </a:defPPr>
+            <a:lvl1pPr marL="0" algn="l" defTabSz="914400" rtl="0" eaLnBrk="1" latinLnBrk="0" hangingPunct="1">
+              <a:defRPr sz="1800" kern="1200">
+                <a:solidFill>
+                  <a:schemeClr val="tx1"/>
+                </a:solidFill>
+                <a:latin typeface="+mn-lt"/>
+                <a:ea typeface="+mn-ea"/>
+                <a:cs typeface="+mn-cs"/>
+              </a:defRPr>
+            </a:lvl1pPr>
+            <a:lvl2pPr marL="457200" algn="l" defTabSz="914400" rtl="0" eaLnBrk="1" latinLnBrk="0" hangingPunct="1">
+              <a:defRPr sz="1800" kern="1200">
+                <a:solidFill>
+                  <a:schemeClr val="tx1"/>
+                </a:solidFill>
+                <a:latin typeface="+mn-lt"/>
+                <a:ea typeface="+mn-ea"/>
+                <a:cs typeface="+mn-cs"/>
+              </a:defRPr>
+            </a:lvl2pPr>
+            <a:lvl3pPr marL="914400" algn="l" defTabSz="914400" rtl="0" eaLnBrk="1" latinLnBrk="0" hangingPunct="1">
+              <a:defRPr sz="1800" kern="1200">
+                <a:solidFill>
+                  <a:schemeClr val="tx1"/>
+                </a:solidFill>
+                <a:latin typeface="+mn-lt"/>
+                <a:ea typeface="+mn-ea"/>
+                <a:cs typeface="+mn-cs"/>
+              </a:defRPr>
+            </a:lvl3pPr>
+            <a:lvl4pPr marL="1371600" algn="l" defTabSz="914400" rtl="0" eaLnBrk="1" latinLnBrk="0" hangingPunct="1">
+              <a:defRPr sz="1800" kern="1200">
+                <a:solidFill>
+                  <a:schemeClr val="tx1"/>
+                </a:solidFill>
+                <a:latin typeface="+mn-lt"/>
+                <a:ea typeface="+mn-ea"/>
+                <a:cs typeface="+mn-cs"/>
+              </a:defRPr>
+            </a:lvl4pPr>
+            <a:lvl5pPr marL="1828800" algn="l" defTabSz="914400" rtl="0" eaLnBrk="1" latinLnBrk="0" hangingPunct="1">
+              <a:defRPr sz="1800" kern="1200">
+                <a:solidFill>
+                  <a:schemeClr val="tx1"/>
+                </a:solidFill>
+                <a:latin typeface="+mn-lt"/>
+                <a:ea typeface="+mn-ea"/>
+                <a:cs typeface="+mn-cs"/>
+              </a:defRPr>
+            </a:lvl5pPr>
+            <a:lvl6pPr marL="2286000" algn="l" defTabSz="914400" rtl="0" eaLnBrk="1" latinLnBrk="0" hangingPunct="1">
+              <a:defRPr sz="1800" kern="1200">
+                <a:solidFill>
+                  <a:schemeClr val="tx1"/>
+                </a:solidFill>
+                <a:latin typeface="+mn-lt"/>
+                <a:ea typeface="+mn-ea"/>
+                <a:cs typeface="+mn-cs"/>
+              </a:defRPr>
+            </a:lvl6pPr>
+            <a:lvl7pPr marL="2743200" algn="l" defTabSz="914400" rtl="0" eaLnBrk="1" latinLnBrk="0" hangingPunct="1">
+              <a:defRPr sz="1800" kern="1200">
+                <a:solidFill>
+                  <a:schemeClr val="tx1"/>
+                </a:solidFill>
+                <a:latin typeface="+mn-lt"/>
+                <a:ea typeface="+mn-ea"/>
+                <a:cs typeface="+mn-cs"/>
+              </a:defRPr>
+            </a:lvl7pPr>
+            <a:lvl8pPr marL="3200400" algn="l" defTabSz="914400" rtl="0" eaLnBrk="1" latinLnBrk="0" hangingPunct="1">
+              <a:defRPr sz="1800" kern="1200">
+                <a:solidFill>
+                  <a:schemeClr val="tx1"/>
+                </a:solidFill>
+                <a:latin typeface="+mn-lt"/>
+                <a:ea typeface="+mn-ea"/>
+                <a:cs typeface="+mn-cs"/>
+              </a:defRPr>
+            </a:lvl8pPr>
+            <a:lvl9pPr marL="3657600" algn="l" defTabSz="914400" rtl="0" eaLnBrk="1" latinLnBrk="0" hangingPunct="1">
+              <a:defRPr sz="1800" kern="1200">
+                <a:solidFill>
+                  <a:schemeClr val="tx1"/>
+                </a:solidFill>
+                <a:latin typeface="+mn-lt"/>
+                <a:ea typeface="+mn-ea"/>
+                <a:cs typeface="+mn-cs"/>
+              </a:defRPr>
+            </a:lvl9pPr>
+          </a:lstStyle>
+          <a:p>
+            <a:pPr algn="l"/>
+            <a:r>
+              <a:rPr lang="zh-CN" altLang="en-US" sz="3200" b="1" dirty="0">
+                <a:solidFill>
+                  <a:schemeClr val="bg1"/>
+                </a:solidFill>
+                <a:latin typeface="Verdana" panose="020B0604030504040204" pitchFamily="34" charset="0"/>
+                <a:ea typeface="宋体" panose="02010600030101010101" pitchFamily="2" charset="-122"/>
+                <a:sym typeface="+mn-ea"/>
+              </a:rPr>
+              <a:t>☞</a:t>
+            </a:r>
+            <a:r>
+              <a:rPr lang="zh-CN" altLang="en-US" sz="3200" b="1" dirty="0">
+                <a:solidFill>
+                  <a:schemeClr val="bg1"/>
+                </a:solidFill>
+                <a:latin typeface="Verdana" panose="020B0604030504040204" pitchFamily="34" charset="0"/>
+                <a:ea typeface="宋体" panose="02010600030101010101" pitchFamily="2" charset="-122"/>
+              </a:rPr>
+              <a:t>       </a:t>
+            </a:r>
+            <a:r>
+              <a:rPr lang="zh-CN" altLang="en-US" sz="3200">
+                <a:ln w="10160">
+                  <a:solidFill>
+                    <a:schemeClr val="accent5"/>
+                  </a:solidFill>
+                  <a:prstDash val="solid"/>
+                </a:ln>
+                <a:solidFill>
+                  <a:srgbClr val="FFFFFF"/>
+                </a:solidFill>
+                <a:effectLst>
+                  <a:outerShdw blurRad="38100" dist="22860" dir="5400000" algn="tl" rotWithShape="0">
+                    <a:srgbClr val="000000">
+                      <a:alpha val="30000"/>
+                    </a:srgbClr>
+                  </a:outerShdw>
+                </a:effectLst>
+                <a:sym typeface="+mn-ea"/>
+              </a:rPr>
+              <a:t>预期研究计划</a:t>
+            </a:r>
+            <a:endParaRPr lang="zh-CN" altLang="en-US" sz="3200">
+              <a:ln w="10160">
+                <a:solidFill>
+                  <a:schemeClr val="accent5"/>
+                </a:solidFill>
+                <a:prstDash val="solid"/>
+              </a:ln>
+              <a:solidFill>
+                <a:srgbClr val="FFFFFF"/>
+              </a:solidFill>
+              <a:effectLst>
+                <a:outerShdw blurRad="38100" dist="22860" dir="5400000" algn="tl" rotWithShape="0">
+                  <a:srgbClr val="000000">
+                    <a:alpha val="30000"/>
+                  </a:srgbClr>
+                </a:outerShdw>
+              </a:effectLst>
+              <a:sym typeface="+mn-ea"/>
+            </a:endParaRPr>
+          </a:p>
+        </p:txBody>
+      </p:sp>
+    </p:spTree>
+  </p:cSld>
+  <p:clrMapOvr>
+    <a:masterClrMapping/>
+  </p:clrMapOvr>
+  <mc:AlternateContent xmlns:mc="http://schemas.openxmlformats.org/markup-compatibility/2006">
+    <mc:Choice xmlns:p14="http://schemas.microsoft.com/office/powerpoint/2010/main" Requires="p14">
+      <p:transition spd="slow" p14:dur="2000"/>
+    </mc:Choice>
+    <mc:Fallback>
+      <p:transition spd="slow"/>
+    </mc:Fallback>
+  </mc:AlternateContent>
+  <p:timing>
+    <p:tnLst>
+      <p:par>
+        <p:cTn id="1" dur="indefinite" restart="never" nodeType="tmRoot"/>
+      </p:par>
+    </p:tnLst>
+  </p:timing>
 </p:sld>
 </file>
 
@@ -15180,3649 +16430,6 @@
 </file>
 
 <file path=ppt/slides/slide20.xml><?xml version="1.0" encoding="utf-8"?>
-<p:sld xmlns:a="http://schemas.openxmlformats.org/drawingml/2006/main" xmlns:r="http://schemas.openxmlformats.org/officeDocument/2006/relationships" xmlns:p="http://schemas.openxmlformats.org/presentationml/2006/main">
-  <p:cSld>
-    <p:spTree>
-      <p:nvGrpSpPr>
-        <p:cNvPr id="1" name=""/>
-        <p:cNvGrpSpPr/>
-        <p:nvPr/>
-      </p:nvGrpSpPr>
-      <p:grpSpPr>
-        <a:xfrm>
-          <a:off x="0" y="0"/>
-          <a:ext cx="0" cy="0"/>
-          <a:chOff x="0" y="0"/>
-          <a:chExt cx="0" cy="0"/>
-        </a:xfrm>
-      </p:grpSpPr>
-      <p:pic>
-        <p:nvPicPr>
-          <p:cNvPr id="2" name="图片 3"/>
-          <p:cNvPicPr>
-            <a:picLocks noChangeAspect="1"/>
-          </p:cNvPicPr>
-          <p:nvPr/>
-        </p:nvPicPr>
-        <p:blipFill>
-          <a:blip r:embed="rId1" cstate="print">
-            <a:extLst>
-              <a:ext uri="{28A0092B-C50C-407E-A947-70E740481C1C}">
-                <a14:useLocalDpi xmlns:a14="http://schemas.microsoft.com/office/drawing/2010/main" val="0"/>
-              </a:ext>
-            </a:extLst>
-          </a:blip>
-          <a:stretch>
-            <a:fillRect/>
-          </a:stretch>
-        </p:blipFill>
-        <p:spPr>
-          <a:xfrm>
-            <a:off x="7608408" y="122473"/>
-            <a:ext cx="1467011" cy="491720"/>
-          </a:xfrm>
-          <a:prstGeom prst="rect">
-            <a:avLst/>
-          </a:prstGeom>
-        </p:spPr>
-      </p:pic>
-      <p:sp>
-        <p:nvSpPr>
-          <p:cNvPr id="3" name="Text Box 2"/>
-          <p:cNvSpPr txBox="1"/>
-          <p:nvPr/>
-        </p:nvSpPr>
-        <p:spPr>
-          <a:xfrm>
-            <a:off x="508635" y="194310"/>
-            <a:ext cx="4631690" cy="583565"/>
-          </a:xfrm>
-          <a:prstGeom prst="rect">
-            <a:avLst/>
-          </a:prstGeom>
-          <a:noFill/>
-        </p:spPr>
-        <p:txBody>
-          <a:bodyPr wrap="square" rtlCol="0">
-            <a:spAutoFit/>
-          </a:bodyPr>
-          <a:p>
-            <a:r>
-              <a:rPr lang="zh-CN" altLang="en-US" sz="3200">
-                <a:ln w="12700">
-                  <a:solidFill>
-                    <a:schemeClr val="tx2">
-                      <a:lumMod val="75000"/>
-                    </a:schemeClr>
-                  </a:solidFill>
-                  <a:prstDash val="solid"/>
-                </a:ln>
-                <a:pattFill prst="dkUpDiag">
-                  <a:fgClr>
-                    <a:schemeClr val="tx2"/>
-                  </a:fgClr>
-                  <a:bgClr>
-                    <a:schemeClr val="tx2">
-                      <a:lumMod val="20000"/>
-                      <a:lumOff val="80000"/>
-                    </a:schemeClr>
-                  </a:bgClr>
-                </a:pattFill>
-                <a:effectLst>
-                  <a:outerShdw dist="38100" dir="2640000" algn="bl" rotWithShape="0">
-                    <a:schemeClr val="tx2">
-                      <a:lumMod val="75000"/>
-                    </a:schemeClr>
-                  </a:outerShdw>
-                </a:effectLst>
-              </a:rPr>
-              <a:t>文本匹配数据集的构建</a:t>
-            </a:r>
-            <a:endParaRPr lang="zh-CN" altLang="en-US" sz="3200">
-              <a:ln w="12700">
-                <a:solidFill>
-                  <a:schemeClr val="tx2">
-                    <a:lumMod val="75000"/>
-                  </a:schemeClr>
-                </a:solidFill>
-                <a:prstDash val="solid"/>
-              </a:ln>
-              <a:pattFill prst="dkUpDiag">
-                <a:fgClr>
-                  <a:schemeClr val="tx2"/>
-                </a:fgClr>
-                <a:bgClr>
-                  <a:schemeClr val="tx2">
-                    <a:lumMod val="20000"/>
-                    <a:lumOff val="80000"/>
-                  </a:schemeClr>
-                </a:bgClr>
-              </a:pattFill>
-              <a:effectLst>
-                <a:outerShdw dist="38100" dir="2640000" algn="bl" rotWithShape="0">
-                  <a:schemeClr val="tx2">
-                    <a:lumMod val="75000"/>
-                  </a:schemeClr>
-                </a:outerShdw>
-              </a:effectLst>
-            </a:endParaRPr>
-          </a:p>
-        </p:txBody>
-      </p:sp>
-      <p:sp>
-        <p:nvSpPr>
-          <p:cNvPr id="8" name="圆角矩形 8"/>
-          <p:cNvSpPr>
-            <a:spLocks noChangeArrowheads="1"/>
-          </p:cNvSpPr>
-          <p:nvPr/>
-        </p:nvSpPr>
-        <p:spPr bwMode="auto">
-          <a:xfrm>
-            <a:off x="2345690" y="1558925"/>
-            <a:ext cx="4320540" cy="1377315"/>
-          </a:xfrm>
-          <a:prstGeom prst="roundRect">
-            <a:avLst>
-              <a:gd name="adj" fmla="val 4324"/>
-            </a:avLst>
-          </a:prstGeom>
-          <a:solidFill>
-            <a:srgbClr val="F2F2F2"/>
-          </a:solidFill>
-          <a:ln w="9525">
-            <a:solidFill>
-              <a:schemeClr val="tx1"/>
-            </a:solidFill>
-            <a:round/>
-          </a:ln>
-        </p:spPr>
-        <p:txBody>
-          <a:bodyPr/>
-          <a:lstStyle>
-            <a:lvl1pPr eaLnBrk="0" hangingPunct="0">
-              <a:defRPr>
-                <a:solidFill>
-                  <a:schemeClr val="tx1"/>
-                </a:solidFill>
-                <a:latin typeface="Arial" panose="020B0604020202020204" pitchFamily="34" charset="0"/>
-                <a:ea typeface="宋体" panose="02010600030101010101" pitchFamily="2" charset="-122"/>
-              </a:defRPr>
-            </a:lvl1pPr>
-            <a:lvl2pPr eaLnBrk="0" hangingPunct="0">
-              <a:defRPr>
-                <a:solidFill>
-                  <a:schemeClr val="tx1"/>
-                </a:solidFill>
-                <a:latin typeface="Arial" panose="020B0604020202020204" pitchFamily="34" charset="0"/>
-                <a:ea typeface="宋体" panose="02010600030101010101" pitchFamily="2" charset="-122"/>
-              </a:defRPr>
-            </a:lvl2pPr>
-            <a:lvl3pPr eaLnBrk="0" hangingPunct="0">
-              <a:defRPr>
-                <a:solidFill>
-                  <a:schemeClr val="tx1"/>
-                </a:solidFill>
-                <a:latin typeface="Arial" panose="020B0604020202020204" pitchFamily="34" charset="0"/>
-                <a:ea typeface="宋体" panose="02010600030101010101" pitchFamily="2" charset="-122"/>
-              </a:defRPr>
-            </a:lvl3pPr>
-            <a:lvl4pPr eaLnBrk="0" hangingPunct="0">
-              <a:defRPr>
-                <a:solidFill>
-                  <a:schemeClr val="tx1"/>
-                </a:solidFill>
-                <a:latin typeface="Arial" panose="020B0604020202020204" pitchFamily="34" charset="0"/>
-                <a:ea typeface="宋体" panose="02010600030101010101" pitchFamily="2" charset="-122"/>
-              </a:defRPr>
-            </a:lvl4pPr>
-            <a:lvl5pPr eaLnBrk="0" hangingPunct="0">
-              <a:defRPr>
-                <a:solidFill>
-                  <a:schemeClr val="tx1"/>
-                </a:solidFill>
-                <a:latin typeface="Arial" panose="020B0604020202020204" pitchFamily="34" charset="0"/>
-                <a:ea typeface="宋体" panose="02010600030101010101" pitchFamily="2" charset="-122"/>
-              </a:defRPr>
-            </a:lvl5pPr>
-            <a:lvl6pPr eaLnBrk="0" fontAlgn="base" hangingPunct="0">
-              <a:spcBef>
-                <a:spcPct val="0"/>
-              </a:spcBef>
-              <a:spcAft>
-                <a:spcPct val="0"/>
-              </a:spcAft>
-              <a:buFont typeface="Arial" panose="020B0604020202020204" pitchFamily="34" charset="0"/>
-              <a:defRPr>
-                <a:solidFill>
-                  <a:schemeClr val="tx1"/>
-                </a:solidFill>
-                <a:latin typeface="Arial" panose="020B0604020202020204" pitchFamily="34" charset="0"/>
-                <a:ea typeface="宋体" panose="02010600030101010101" pitchFamily="2" charset="-122"/>
-              </a:defRPr>
-            </a:lvl6pPr>
-            <a:lvl7pPr eaLnBrk="0" fontAlgn="base" hangingPunct="0">
-              <a:spcBef>
-                <a:spcPct val="0"/>
-              </a:spcBef>
-              <a:spcAft>
-                <a:spcPct val="0"/>
-              </a:spcAft>
-              <a:buFont typeface="Arial" panose="020B0604020202020204" pitchFamily="34" charset="0"/>
-              <a:defRPr>
-                <a:solidFill>
-                  <a:schemeClr val="tx1"/>
-                </a:solidFill>
-                <a:latin typeface="Arial" panose="020B0604020202020204" pitchFamily="34" charset="0"/>
-                <a:ea typeface="宋体" panose="02010600030101010101" pitchFamily="2" charset="-122"/>
-              </a:defRPr>
-            </a:lvl7pPr>
-            <a:lvl8pPr eaLnBrk="0" fontAlgn="base" hangingPunct="0">
-              <a:spcBef>
-                <a:spcPct val="0"/>
-              </a:spcBef>
-              <a:spcAft>
-                <a:spcPct val="0"/>
-              </a:spcAft>
-              <a:buFont typeface="Arial" panose="020B0604020202020204" pitchFamily="34" charset="0"/>
-              <a:defRPr>
-                <a:solidFill>
-                  <a:schemeClr val="tx1"/>
-                </a:solidFill>
-                <a:latin typeface="Arial" panose="020B0604020202020204" pitchFamily="34" charset="0"/>
-                <a:ea typeface="宋体" panose="02010600030101010101" pitchFamily="2" charset="-122"/>
-              </a:defRPr>
-            </a:lvl8pPr>
-            <a:lvl9pPr eaLnBrk="0" fontAlgn="base" hangingPunct="0">
-              <a:spcBef>
-                <a:spcPct val="0"/>
-              </a:spcBef>
-              <a:spcAft>
-                <a:spcPct val="0"/>
-              </a:spcAft>
-              <a:buFont typeface="Arial" panose="020B0604020202020204" pitchFamily="34" charset="0"/>
-              <a:defRPr>
-                <a:solidFill>
-                  <a:schemeClr val="tx1"/>
-                </a:solidFill>
-                <a:latin typeface="Arial" panose="020B0604020202020204" pitchFamily="34" charset="0"/>
-                <a:ea typeface="宋体" panose="02010600030101010101" pitchFamily="2" charset="-122"/>
-              </a:defRPr>
-            </a:lvl9pPr>
-          </a:lstStyle>
-          <a:p>
-            <a:pPr eaLnBrk="1" hangingPunct="1"/>
-            <a:endParaRPr lang="zh-CN" altLang="en-US" sz="1350">
-              <a:solidFill>
-                <a:srgbClr val="C4261D"/>
-              </a:solidFill>
-            </a:endParaRPr>
-          </a:p>
-        </p:txBody>
-      </p:sp>
-      <p:cxnSp>
-        <p:nvCxnSpPr>
-          <p:cNvPr id="9" name="Straight Connector 8"/>
-          <p:cNvCxnSpPr/>
-          <p:nvPr/>
-        </p:nvCxnSpPr>
-        <p:spPr>
-          <a:xfrm>
-            <a:off x="2345690" y="2706370"/>
-            <a:ext cx="4236720" cy="8255"/>
-          </a:xfrm>
-          <a:prstGeom prst="line">
-            <a:avLst/>
-          </a:prstGeom>
-          <a:ln w="19050">
-            <a:solidFill>
-              <a:schemeClr val="tx1"/>
-            </a:solidFill>
-          </a:ln>
-        </p:spPr>
-        <p:style>
-          <a:lnRef idx="1">
-            <a:schemeClr val="accent1"/>
-          </a:lnRef>
-          <a:fillRef idx="0">
-            <a:schemeClr val="accent1"/>
-          </a:fillRef>
-          <a:effectRef idx="0">
-            <a:schemeClr val="accent1"/>
-          </a:effectRef>
-          <a:fontRef idx="minor">
-            <a:schemeClr val="tx1"/>
-          </a:fontRef>
-        </p:style>
-      </p:cxnSp>
-      <p:sp>
-        <p:nvSpPr>
-          <p:cNvPr id="10" name="Text Box 9"/>
-          <p:cNvSpPr txBox="1"/>
-          <p:nvPr/>
-        </p:nvSpPr>
-        <p:spPr>
-          <a:xfrm>
-            <a:off x="2364740" y="1697355"/>
-            <a:ext cx="4404360" cy="922020"/>
-          </a:xfrm>
-          <a:prstGeom prst="rect">
-            <a:avLst/>
-          </a:prstGeom>
-          <a:noFill/>
-        </p:spPr>
-        <p:txBody>
-          <a:bodyPr wrap="square" rtlCol="0">
-            <a:spAutoFit/>
-          </a:bodyPr>
-          <a:p>
-            <a:r>
-              <a:rPr lang="zh-CN" altLang="en-US" sz="900"/>
-              <a:t>文本段落：华阳路街道是中国上海市长宁区下辖的一个街道办事处，位于长宁区东部，</a:t>
-            </a:r>
-            <a:r>
-              <a:rPr lang="zh-CN" altLang="en-US" sz="900">
-                <a:solidFill>
-                  <a:srgbClr val="D43C2C"/>
-                </a:solidFill>
-                <a:uFillTx/>
-              </a:rPr>
-              <a:t>东到长宁路、安西路、武夷路接邻江苏路街道，北到苏州河接邻普陀区</a:t>
-            </a:r>
-            <a:r>
-              <a:rPr lang="zh-CN" altLang="en-US" sz="900"/>
-              <a:t>。面积2.04平方公里，户籍人口7.04万人（2008年），下辖21个居委会。华阳路街道的主要街道长宁路和定西路，构成繁华的中山公园商圈。辖区内的圣约翰大学旧址（今华东政法大学）、中山公园，是愚园路历史文化风貌区的重要组成部分。上海市轨道交通二号线、三号线、四号线以该街道辖区的中山公园站为换乘枢纽。</a:t>
-            </a:r>
-            <a:endParaRPr lang="zh-CN" altLang="en-US" sz="900"/>
-          </a:p>
-        </p:txBody>
-      </p:sp>
-      <p:sp>
-        <p:nvSpPr>
-          <p:cNvPr id="11" name="Text Box 10"/>
-          <p:cNvSpPr txBox="1"/>
-          <p:nvPr/>
-        </p:nvSpPr>
-        <p:spPr>
-          <a:xfrm>
-            <a:off x="2345690" y="2706370"/>
-            <a:ext cx="4057015" cy="229870"/>
-          </a:xfrm>
-          <a:prstGeom prst="rect">
-            <a:avLst/>
-          </a:prstGeom>
-          <a:noFill/>
-        </p:spPr>
-        <p:txBody>
-          <a:bodyPr wrap="square" rtlCol="0">
-            <a:spAutoFit/>
-          </a:bodyPr>
-          <a:p>
-            <a:r>
-              <a:rPr lang="zh-CN" altLang="en-US" sz="900">
-                <a:solidFill>
-                  <a:schemeClr val="tx1"/>
-                </a:solidFill>
-                <a:uFillTx/>
-              </a:rPr>
-              <a:t>问题：华阳路街道四周相连的是什么地方？</a:t>
-            </a:r>
-            <a:endParaRPr lang="zh-CN" altLang="en-US" sz="900">
-              <a:solidFill>
-                <a:schemeClr val="tx1"/>
-              </a:solidFill>
-              <a:uFillTx/>
-            </a:endParaRPr>
-          </a:p>
-        </p:txBody>
-      </p:sp>
-      <p:sp>
-        <p:nvSpPr>
-          <p:cNvPr id="18" name="Text Box 17"/>
-          <p:cNvSpPr txBox="1"/>
-          <p:nvPr/>
-        </p:nvSpPr>
-        <p:spPr>
-          <a:xfrm>
-            <a:off x="3844925" y="3164840"/>
-            <a:ext cx="1454785" cy="299085"/>
-          </a:xfrm>
-          <a:prstGeom prst="rect">
-            <a:avLst/>
-          </a:prstGeom>
-          <a:noFill/>
-        </p:spPr>
-        <p:txBody>
-          <a:bodyPr wrap="square" rtlCol="0">
-            <a:spAutoFit/>
-          </a:bodyPr>
-          <a:p>
-            <a:r>
-              <a:rPr lang="zh-CN" altLang="en-US"/>
-              <a:t>正样本</a:t>
-            </a:r>
-            <a:endParaRPr lang="zh-CN" altLang="en-US"/>
-          </a:p>
-        </p:txBody>
-      </p:sp>
-      <p:sp>
-        <p:nvSpPr>
-          <p:cNvPr id="4" name="Text Box 3"/>
-          <p:cNvSpPr txBox="1"/>
-          <p:nvPr/>
-        </p:nvSpPr>
-        <p:spPr>
-          <a:xfrm>
-            <a:off x="1073785" y="935990"/>
-            <a:ext cx="4342765" cy="299085"/>
-          </a:xfrm>
-          <a:prstGeom prst="rect">
-            <a:avLst/>
-          </a:prstGeom>
-          <a:noFill/>
-        </p:spPr>
-        <p:txBody>
-          <a:bodyPr wrap="square" rtlCol="0">
-            <a:spAutoFit/>
-          </a:bodyPr>
-          <a:p>
-            <a:r>
-              <a:rPr lang="zh-CN" altLang="en-US"/>
-              <a:t>基于阅读理解数据集构造文本匹配数据集</a:t>
-            </a:r>
-            <a:endParaRPr lang="zh-CN" altLang="en-US"/>
-          </a:p>
-        </p:txBody>
-      </p:sp>
-    </p:spTree>
-  </p:cSld>
-  <p:clrMapOvr>
-    <a:masterClrMapping/>
-  </p:clrMapOvr>
-  <mc:AlternateContent xmlns:mc="http://schemas.openxmlformats.org/markup-compatibility/2006">
-    <mc:Choice xmlns:p14="http://schemas.microsoft.com/office/powerpoint/2010/main" Requires="p14">
-      <p:transition spd="slow" p14:dur="2000"/>
-    </mc:Choice>
-    <mc:Fallback>
-      <p:transition spd="slow"/>
-    </mc:Fallback>
-  </mc:AlternateContent>
-  <p:timing>
-    <p:tnLst>
-      <p:par>
-        <p:cTn id="1" dur="indefinite" restart="never" nodeType="tmRoot"/>
-      </p:par>
-    </p:tnLst>
-  </p:timing>
-</p:sld>
-</file>
-
-<file path=ppt/slides/slide21.xml><?xml version="1.0" encoding="utf-8"?>
-<p:sld xmlns:a="http://schemas.openxmlformats.org/drawingml/2006/main" xmlns:r="http://schemas.openxmlformats.org/officeDocument/2006/relationships" xmlns:p="http://schemas.openxmlformats.org/presentationml/2006/main">
-  <p:cSld>
-    <p:spTree>
-      <p:nvGrpSpPr>
-        <p:cNvPr id="1" name=""/>
-        <p:cNvGrpSpPr/>
-        <p:nvPr/>
-      </p:nvGrpSpPr>
-      <p:grpSpPr>
-        <a:xfrm>
-          <a:off x="0" y="0"/>
-          <a:ext cx="0" cy="0"/>
-          <a:chOff x="0" y="0"/>
-          <a:chExt cx="0" cy="0"/>
-        </a:xfrm>
-      </p:grpSpPr>
-      <p:pic>
-        <p:nvPicPr>
-          <p:cNvPr id="2" name="图片 3"/>
-          <p:cNvPicPr>
-            <a:picLocks noChangeAspect="1"/>
-          </p:cNvPicPr>
-          <p:nvPr/>
-        </p:nvPicPr>
-        <p:blipFill>
-          <a:blip r:embed="rId1" cstate="print">
-            <a:extLst>
-              <a:ext uri="{28A0092B-C50C-407E-A947-70E740481C1C}">
-                <a14:useLocalDpi xmlns:a14="http://schemas.microsoft.com/office/drawing/2010/main" val="0"/>
-              </a:ext>
-            </a:extLst>
-          </a:blip>
-          <a:stretch>
-            <a:fillRect/>
-          </a:stretch>
-        </p:blipFill>
-        <p:spPr>
-          <a:xfrm>
-            <a:off x="7608408" y="122473"/>
-            <a:ext cx="1467011" cy="491720"/>
-          </a:xfrm>
-          <a:prstGeom prst="rect">
-            <a:avLst/>
-          </a:prstGeom>
-        </p:spPr>
-      </p:pic>
-      <p:sp>
-        <p:nvSpPr>
-          <p:cNvPr id="3" name="Text Box 2"/>
-          <p:cNvSpPr txBox="1"/>
-          <p:nvPr/>
-        </p:nvSpPr>
-        <p:spPr>
-          <a:xfrm>
-            <a:off x="508635" y="194310"/>
-            <a:ext cx="4631690" cy="583565"/>
-          </a:xfrm>
-          <a:prstGeom prst="rect">
-            <a:avLst/>
-          </a:prstGeom>
-          <a:noFill/>
-        </p:spPr>
-        <p:txBody>
-          <a:bodyPr wrap="square" rtlCol="0">
-            <a:spAutoFit/>
-          </a:bodyPr>
-          <a:p>
-            <a:r>
-              <a:rPr lang="zh-CN" altLang="en-US" sz="3200">
-                <a:ln w="12700">
-                  <a:solidFill>
-                    <a:schemeClr val="tx2">
-                      <a:lumMod val="75000"/>
-                    </a:schemeClr>
-                  </a:solidFill>
-                  <a:prstDash val="solid"/>
-                </a:ln>
-                <a:pattFill prst="dkUpDiag">
-                  <a:fgClr>
-                    <a:schemeClr val="tx2"/>
-                  </a:fgClr>
-                  <a:bgClr>
-                    <a:schemeClr val="tx2">
-                      <a:lumMod val="20000"/>
-                      <a:lumOff val="80000"/>
-                    </a:schemeClr>
-                  </a:bgClr>
-                </a:pattFill>
-                <a:effectLst>
-                  <a:outerShdw dist="38100" dir="2640000" algn="bl" rotWithShape="0">
-                    <a:schemeClr val="tx2">
-                      <a:lumMod val="75000"/>
-                    </a:schemeClr>
-                  </a:outerShdw>
-                </a:effectLst>
-              </a:rPr>
-              <a:t>文本匹配数据集的构建</a:t>
-            </a:r>
-            <a:endParaRPr lang="zh-CN" altLang="en-US" sz="3200">
-              <a:ln w="12700">
-                <a:solidFill>
-                  <a:schemeClr val="tx2">
-                    <a:lumMod val="75000"/>
-                  </a:schemeClr>
-                </a:solidFill>
-                <a:prstDash val="solid"/>
-              </a:ln>
-              <a:pattFill prst="dkUpDiag">
-                <a:fgClr>
-                  <a:schemeClr val="tx2"/>
-                </a:fgClr>
-                <a:bgClr>
-                  <a:schemeClr val="tx2">
-                    <a:lumMod val="20000"/>
-                    <a:lumOff val="80000"/>
-                  </a:schemeClr>
-                </a:bgClr>
-              </a:pattFill>
-              <a:effectLst>
-                <a:outerShdw dist="38100" dir="2640000" algn="bl" rotWithShape="0">
-                  <a:schemeClr val="tx2">
-                    <a:lumMod val="75000"/>
-                  </a:schemeClr>
-                </a:outerShdw>
-              </a:effectLst>
-            </a:endParaRPr>
-          </a:p>
-        </p:txBody>
-      </p:sp>
-      <p:sp>
-        <p:nvSpPr>
-          <p:cNvPr id="25" name="圆角矩形 8"/>
-          <p:cNvSpPr>
-            <a:spLocks noChangeArrowheads="1"/>
-          </p:cNvSpPr>
-          <p:nvPr/>
-        </p:nvSpPr>
-        <p:spPr bwMode="auto">
-          <a:xfrm>
-            <a:off x="93980" y="2350770"/>
-            <a:ext cx="4368800" cy="1377315"/>
-          </a:xfrm>
-          <a:prstGeom prst="roundRect">
-            <a:avLst>
-              <a:gd name="adj" fmla="val 4324"/>
-            </a:avLst>
-          </a:prstGeom>
-          <a:solidFill>
-            <a:srgbClr val="F2F2F2"/>
-          </a:solidFill>
-          <a:ln w="9525">
-            <a:solidFill>
-              <a:schemeClr val="tx1"/>
-            </a:solidFill>
-            <a:round/>
-          </a:ln>
-        </p:spPr>
-        <p:txBody>
-          <a:bodyPr/>
-          <a:lstStyle>
-            <a:lvl1pPr eaLnBrk="0" hangingPunct="0">
-              <a:defRPr>
-                <a:solidFill>
-                  <a:schemeClr val="tx1"/>
-                </a:solidFill>
-                <a:latin typeface="Arial" panose="020B0604020202020204" pitchFamily="34" charset="0"/>
-                <a:ea typeface="宋体" panose="02010600030101010101" pitchFamily="2" charset="-122"/>
-              </a:defRPr>
-            </a:lvl1pPr>
-            <a:lvl2pPr eaLnBrk="0" hangingPunct="0">
-              <a:defRPr>
-                <a:solidFill>
-                  <a:schemeClr val="tx1"/>
-                </a:solidFill>
-                <a:latin typeface="Arial" panose="020B0604020202020204" pitchFamily="34" charset="0"/>
-                <a:ea typeface="宋体" panose="02010600030101010101" pitchFamily="2" charset="-122"/>
-              </a:defRPr>
-            </a:lvl2pPr>
-            <a:lvl3pPr eaLnBrk="0" hangingPunct="0">
-              <a:defRPr>
-                <a:solidFill>
-                  <a:schemeClr val="tx1"/>
-                </a:solidFill>
-                <a:latin typeface="Arial" panose="020B0604020202020204" pitchFamily="34" charset="0"/>
-                <a:ea typeface="宋体" panose="02010600030101010101" pitchFamily="2" charset="-122"/>
-              </a:defRPr>
-            </a:lvl3pPr>
-            <a:lvl4pPr eaLnBrk="0" hangingPunct="0">
-              <a:defRPr>
-                <a:solidFill>
-                  <a:schemeClr val="tx1"/>
-                </a:solidFill>
-                <a:latin typeface="Arial" panose="020B0604020202020204" pitchFamily="34" charset="0"/>
-                <a:ea typeface="宋体" panose="02010600030101010101" pitchFamily="2" charset="-122"/>
-              </a:defRPr>
-            </a:lvl4pPr>
-            <a:lvl5pPr eaLnBrk="0" hangingPunct="0">
-              <a:defRPr>
-                <a:solidFill>
-                  <a:schemeClr val="tx1"/>
-                </a:solidFill>
-                <a:latin typeface="Arial" panose="020B0604020202020204" pitchFamily="34" charset="0"/>
-                <a:ea typeface="宋体" panose="02010600030101010101" pitchFamily="2" charset="-122"/>
-              </a:defRPr>
-            </a:lvl5pPr>
-            <a:lvl6pPr eaLnBrk="0" fontAlgn="base" hangingPunct="0">
-              <a:spcBef>
-                <a:spcPct val="0"/>
-              </a:spcBef>
-              <a:spcAft>
-                <a:spcPct val="0"/>
-              </a:spcAft>
-              <a:buFont typeface="Arial" panose="020B0604020202020204" pitchFamily="34" charset="0"/>
-              <a:defRPr>
-                <a:solidFill>
-                  <a:schemeClr val="tx1"/>
-                </a:solidFill>
-                <a:latin typeface="Arial" panose="020B0604020202020204" pitchFamily="34" charset="0"/>
-                <a:ea typeface="宋体" panose="02010600030101010101" pitchFamily="2" charset="-122"/>
-              </a:defRPr>
-            </a:lvl6pPr>
-            <a:lvl7pPr eaLnBrk="0" fontAlgn="base" hangingPunct="0">
-              <a:spcBef>
-                <a:spcPct val="0"/>
-              </a:spcBef>
-              <a:spcAft>
-                <a:spcPct val="0"/>
-              </a:spcAft>
-              <a:buFont typeface="Arial" panose="020B0604020202020204" pitchFamily="34" charset="0"/>
-              <a:defRPr>
-                <a:solidFill>
-                  <a:schemeClr val="tx1"/>
-                </a:solidFill>
-                <a:latin typeface="Arial" panose="020B0604020202020204" pitchFamily="34" charset="0"/>
-                <a:ea typeface="宋体" panose="02010600030101010101" pitchFamily="2" charset="-122"/>
-              </a:defRPr>
-            </a:lvl7pPr>
-            <a:lvl8pPr eaLnBrk="0" fontAlgn="base" hangingPunct="0">
-              <a:spcBef>
-                <a:spcPct val="0"/>
-              </a:spcBef>
-              <a:spcAft>
-                <a:spcPct val="0"/>
-              </a:spcAft>
-              <a:buFont typeface="Arial" panose="020B0604020202020204" pitchFamily="34" charset="0"/>
-              <a:defRPr>
-                <a:solidFill>
-                  <a:schemeClr val="tx1"/>
-                </a:solidFill>
-                <a:latin typeface="Arial" panose="020B0604020202020204" pitchFamily="34" charset="0"/>
-                <a:ea typeface="宋体" panose="02010600030101010101" pitchFamily="2" charset="-122"/>
-              </a:defRPr>
-            </a:lvl8pPr>
-            <a:lvl9pPr eaLnBrk="0" fontAlgn="base" hangingPunct="0">
-              <a:spcBef>
-                <a:spcPct val="0"/>
-              </a:spcBef>
-              <a:spcAft>
-                <a:spcPct val="0"/>
-              </a:spcAft>
-              <a:buFont typeface="Arial" panose="020B0604020202020204" pitchFamily="34" charset="0"/>
-              <a:defRPr>
-                <a:solidFill>
-                  <a:schemeClr val="tx1"/>
-                </a:solidFill>
-                <a:latin typeface="Arial" panose="020B0604020202020204" pitchFamily="34" charset="0"/>
-                <a:ea typeface="宋体" panose="02010600030101010101" pitchFamily="2" charset="-122"/>
-              </a:defRPr>
-            </a:lvl9pPr>
-          </a:lstStyle>
-          <a:p>
-            <a:pPr eaLnBrk="1" hangingPunct="1"/>
-            <a:endParaRPr lang="zh-CN" altLang="en-US" sz="1350">
-              <a:solidFill>
-                <a:srgbClr val="C4261D"/>
-              </a:solidFill>
-            </a:endParaRPr>
-          </a:p>
-        </p:txBody>
-      </p:sp>
-      <p:cxnSp>
-        <p:nvCxnSpPr>
-          <p:cNvPr id="26" name="Straight Connector 25"/>
-          <p:cNvCxnSpPr/>
-          <p:nvPr/>
-        </p:nvCxnSpPr>
-        <p:spPr>
-          <a:xfrm>
-            <a:off x="93980" y="3498215"/>
-            <a:ext cx="4236720" cy="8255"/>
-          </a:xfrm>
-          <a:prstGeom prst="line">
-            <a:avLst/>
-          </a:prstGeom>
-          <a:ln w="19050">
-            <a:solidFill>
-              <a:schemeClr val="tx1"/>
-            </a:solidFill>
-          </a:ln>
-        </p:spPr>
-        <p:style>
-          <a:lnRef idx="1">
-            <a:schemeClr val="accent1"/>
-          </a:lnRef>
-          <a:fillRef idx="0">
-            <a:schemeClr val="accent1"/>
-          </a:fillRef>
-          <a:effectRef idx="0">
-            <a:schemeClr val="accent1"/>
-          </a:effectRef>
-          <a:fontRef idx="minor">
-            <a:schemeClr val="tx1"/>
-          </a:fontRef>
-        </p:style>
-      </p:cxnSp>
-      <p:sp>
-        <p:nvSpPr>
-          <p:cNvPr id="27" name="Text Box 26"/>
-          <p:cNvSpPr txBox="1"/>
-          <p:nvPr/>
-        </p:nvSpPr>
-        <p:spPr>
-          <a:xfrm>
-            <a:off x="132080" y="2350770"/>
-            <a:ext cx="4404360" cy="1198880"/>
-          </a:xfrm>
-          <a:prstGeom prst="rect">
-            <a:avLst/>
-          </a:prstGeom>
-          <a:noFill/>
-        </p:spPr>
-        <p:txBody>
-          <a:bodyPr wrap="square" rtlCol="0">
-            <a:spAutoFit/>
-          </a:bodyPr>
-          <a:p>
-            <a:r>
-              <a:rPr lang="zh-CN" altLang="en-US" sz="900"/>
-              <a:t>文本段落：</a:t>
-            </a:r>
-            <a:r>
-              <a:rPr lang="zh-CN" altLang="en-US" sz="900">
-                <a:solidFill>
-                  <a:srgbClr val="FF0000"/>
-                </a:solidFill>
-              </a:rPr>
-              <a:t>2008年夏季奥林匹克运动会马术比赛－团体三项赛于2008年8月9日至8月12日在香港的香港奥运马术场举行，团体三项赛是本届马术射击比赛最早举行的小项，亦是开幕式后首个进行的比赛小项，比赛共有来自11个国家或地区的53名运动员参与</a:t>
-            </a:r>
-            <a:r>
-              <a:rPr lang="zh-CN" altLang="en-US" sz="900"/>
-              <a:t>。面积2.04平方公里，户籍人口7.04万人（2008年），下辖21个居委会。华阳路街道的主要街道长宁路和定西路，构成繁华的中山公园商圈。辖区内的圣约翰大学旧址（今华东政法大学）、中山公园，是愚园路历史文化风貌区的重要组成部分。上海市轨道交通二号线、三号线、四号线以该街道辖区的中山公园站为换乘枢纽。</a:t>
-            </a:r>
-            <a:endParaRPr lang="zh-CN" altLang="en-US" sz="900"/>
-          </a:p>
-        </p:txBody>
-      </p:sp>
-      <p:sp>
-        <p:nvSpPr>
-          <p:cNvPr id="28" name="Text Box 27"/>
-          <p:cNvSpPr txBox="1"/>
-          <p:nvPr/>
-        </p:nvSpPr>
-        <p:spPr>
-          <a:xfrm>
-            <a:off x="93980" y="3498215"/>
-            <a:ext cx="4057015" cy="229870"/>
-          </a:xfrm>
-          <a:prstGeom prst="rect">
-            <a:avLst/>
-          </a:prstGeom>
-          <a:noFill/>
-        </p:spPr>
-        <p:txBody>
-          <a:bodyPr wrap="square" rtlCol="0">
-            <a:spAutoFit/>
-          </a:bodyPr>
-          <a:p>
-            <a:r>
-              <a:rPr lang="zh-CN" altLang="en-US" sz="900">
-                <a:solidFill>
-                  <a:schemeClr val="tx1"/>
-                </a:solidFill>
-                <a:uFillTx/>
-              </a:rPr>
-              <a:t>问题：华阳路街道四周相连的是什么地方？</a:t>
-            </a:r>
-            <a:endParaRPr lang="zh-CN" altLang="en-US" sz="900">
-              <a:solidFill>
-                <a:schemeClr val="tx1"/>
-              </a:solidFill>
-              <a:uFillTx/>
-            </a:endParaRPr>
-          </a:p>
-        </p:txBody>
-      </p:sp>
-      <p:sp>
-        <p:nvSpPr>
-          <p:cNvPr id="33" name="Text Box 32"/>
-          <p:cNvSpPr txBox="1"/>
-          <p:nvPr/>
-        </p:nvSpPr>
-        <p:spPr>
-          <a:xfrm>
-            <a:off x="93980" y="1211580"/>
-            <a:ext cx="3961765" cy="506730"/>
-          </a:xfrm>
-          <a:prstGeom prst="rect">
-            <a:avLst/>
-          </a:prstGeom>
-          <a:noFill/>
-        </p:spPr>
-        <p:txBody>
-          <a:bodyPr wrap="square" rtlCol="0">
-            <a:spAutoFit/>
-          </a:bodyPr>
-          <a:p>
-            <a:r>
-              <a:rPr lang="zh-CN" altLang="en-US"/>
-              <a:t>删除掉答案所在的句子，</a:t>
-            </a:r>
-            <a:endParaRPr lang="zh-CN" altLang="en-US"/>
-          </a:p>
-          <a:p>
-            <a:r>
-              <a:rPr lang="zh-CN" altLang="en-US"/>
-              <a:t>或者随机选取句子替换掉答案所在的句子。</a:t>
-            </a:r>
-            <a:endParaRPr lang="zh-CN" altLang="en-US"/>
-          </a:p>
-        </p:txBody>
-      </p:sp>
-      <p:cxnSp>
-        <p:nvCxnSpPr>
-          <p:cNvPr id="4" name="Straight Arrow Connector 3"/>
-          <p:cNvCxnSpPr/>
-          <p:nvPr/>
-        </p:nvCxnSpPr>
-        <p:spPr>
-          <a:xfrm>
-            <a:off x="1696085" y="1696085"/>
-            <a:ext cx="0" cy="525145"/>
-          </a:xfrm>
-          <a:prstGeom prst="straightConnector1">
-            <a:avLst/>
-          </a:prstGeom>
-          <a:ln w="34925">
-            <a:solidFill>
-              <a:schemeClr val="tx1"/>
-            </a:solidFill>
-            <a:tailEnd type="arrow"/>
-          </a:ln>
-        </p:spPr>
-        <p:style>
-          <a:lnRef idx="1">
-            <a:schemeClr val="accent1"/>
-          </a:lnRef>
-          <a:fillRef idx="0">
-            <a:schemeClr val="accent1"/>
-          </a:fillRef>
-          <a:effectRef idx="0">
-            <a:schemeClr val="accent1"/>
-          </a:effectRef>
-          <a:fontRef idx="minor">
-            <a:schemeClr val="tx1"/>
-          </a:fontRef>
-        </p:style>
-      </p:cxnSp>
-      <p:sp>
-        <p:nvSpPr>
-          <p:cNvPr id="9" name="Text Box 8"/>
-          <p:cNvSpPr txBox="1"/>
-          <p:nvPr/>
-        </p:nvSpPr>
-        <p:spPr>
-          <a:xfrm>
-            <a:off x="1217295" y="3728085"/>
-            <a:ext cx="1454785" cy="299085"/>
-          </a:xfrm>
-          <a:prstGeom prst="rect">
-            <a:avLst/>
-          </a:prstGeom>
-          <a:noFill/>
-        </p:spPr>
-        <p:txBody>
-          <a:bodyPr wrap="square" rtlCol="0">
-            <a:spAutoFit/>
-          </a:bodyPr>
-          <a:p>
-            <a:r>
-              <a:rPr lang="zh-CN" altLang="en-US"/>
-              <a:t>负样本</a:t>
-            </a:r>
-            <a:endParaRPr lang="zh-CN" altLang="en-US"/>
-          </a:p>
-        </p:txBody>
-      </p:sp>
-    </p:spTree>
-  </p:cSld>
-  <p:clrMapOvr>
-    <a:masterClrMapping/>
-  </p:clrMapOvr>
-  <mc:AlternateContent xmlns:mc="http://schemas.openxmlformats.org/markup-compatibility/2006">
-    <mc:Choice xmlns:p14="http://schemas.microsoft.com/office/powerpoint/2010/main" Requires="p14">
-      <p:transition spd="slow" p14:dur="2000"/>
-    </mc:Choice>
-    <mc:Fallback>
-      <p:transition spd="slow"/>
-    </mc:Fallback>
-  </mc:AlternateContent>
-  <p:timing>
-    <p:tnLst>
-      <p:par>
-        <p:cTn id="1" dur="indefinite" restart="never" nodeType="tmRoot"/>
-      </p:par>
-    </p:tnLst>
-  </p:timing>
-</p:sld>
-</file>
-
-<file path=ppt/slides/slide22.xml><?xml version="1.0" encoding="utf-8"?>
-<p:sld xmlns:a="http://schemas.openxmlformats.org/drawingml/2006/main" xmlns:r="http://schemas.openxmlformats.org/officeDocument/2006/relationships" xmlns:p="http://schemas.openxmlformats.org/presentationml/2006/main">
-  <p:cSld>
-    <p:spTree>
-      <p:nvGrpSpPr>
-        <p:cNvPr id="1" name=""/>
-        <p:cNvGrpSpPr/>
-        <p:nvPr/>
-      </p:nvGrpSpPr>
-      <p:grpSpPr>
-        <a:xfrm>
-          <a:off x="0" y="0"/>
-          <a:ext cx="0" cy="0"/>
-          <a:chOff x="0" y="0"/>
-          <a:chExt cx="0" cy="0"/>
-        </a:xfrm>
-      </p:grpSpPr>
-      <p:pic>
-        <p:nvPicPr>
-          <p:cNvPr id="2" name="图片 3"/>
-          <p:cNvPicPr>
-            <a:picLocks noChangeAspect="1"/>
-          </p:cNvPicPr>
-          <p:nvPr/>
-        </p:nvPicPr>
-        <p:blipFill>
-          <a:blip r:embed="rId1" cstate="print">
-            <a:extLst>
-              <a:ext uri="{28A0092B-C50C-407E-A947-70E740481C1C}">
-                <a14:useLocalDpi xmlns:a14="http://schemas.microsoft.com/office/drawing/2010/main" val="0"/>
-              </a:ext>
-            </a:extLst>
-          </a:blip>
-          <a:stretch>
-            <a:fillRect/>
-          </a:stretch>
-        </p:blipFill>
-        <p:spPr>
-          <a:xfrm>
-            <a:off x="7608408" y="122473"/>
-            <a:ext cx="1467011" cy="491720"/>
-          </a:xfrm>
-          <a:prstGeom prst="rect">
-            <a:avLst/>
-          </a:prstGeom>
-        </p:spPr>
-      </p:pic>
-      <p:sp>
-        <p:nvSpPr>
-          <p:cNvPr id="3" name="Text Box 2"/>
-          <p:cNvSpPr txBox="1"/>
-          <p:nvPr/>
-        </p:nvSpPr>
-        <p:spPr>
-          <a:xfrm>
-            <a:off x="508635" y="194310"/>
-            <a:ext cx="4631690" cy="583565"/>
-          </a:xfrm>
-          <a:prstGeom prst="rect">
-            <a:avLst/>
-          </a:prstGeom>
-          <a:noFill/>
-        </p:spPr>
-        <p:txBody>
-          <a:bodyPr wrap="square" rtlCol="0">
-            <a:spAutoFit/>
-          </a:bodyPr>
-          <a:p>
-            <a:r>
-              <a:rPr lang="zh-CN" altLang="en-US" sz="3200">
-                <a:ln w="12700">
-                  <a:solidFill>
-                    <a:schemeClr val="tx2">
-                      <a:lumMod val="75000"/>
-                    </a:schemeClr>
-                  </a:solidFill>
-                  <a:prstDash val="solid"/>
-                </a:ln>
-                <a:pattFill prst="dkUpDiag">
-                  <a:fgClr>
-                    <a:schemeClr val="tx2"/>
-                  </a:fgClr>
-                  <a:bgClr>
-                    <a:schemeClr val="tx2">
-                      <a:lumMod val="20000"/>
-                      <a:lumOff val="80000"/>
-                    </a:schemeClr>
-                  </a:bgClr>
-                </a:pattFill>
-                <a:effectLst>
-                  <a:outerShdw dist="38100" dir="2640000" algn="bl" rotWithShape="0">
-                    <a:schemeClr val="tx2">
-                      <a:lumMod val="75000"/>
-                    </a:schemeClr>
-                  </a:outerShdw>
-                </a:effectLst>
-              </a:rPr>
-              <a:t>文本匹配数据集的构建</a:t>
-            </a:r>
-            <a:endParaRPr lang="zh-CN" altLang="en-US" sz="3200">
-              <a:ln w="12700">
-                <a:solidFill>
-                  <a:schemeClr val="tx2">
-                    <a:lumMod val="75000"/>
-                  </a:schemeClr>
-                </a:solidFill>
-                <a:prstDash val="solid"/>
-              </a:ln>
-              <a:pattFill prst="dkUpDiag">
-                <a:fgClr>
-                  <a:schemeClr val="tx2"/>
-                </a:fgClr>
-                <a:bgClr>
-                  <a:schemeClr val="tx2">
-                    <a:lumMod val="20000"/>
-                    <a:lumOff val="80000"/>
-                  </a:schemeClr>
-                </a:bgClr>
-              </a:pattFill>
-              <a:effectLst>
-                <a:outerShdw dist="38100" dir="2640000" algn="bl" rotWithShape="0">
-                  <a:schemeClr val="tx2">
-                    <a:lumMod val="75000"/>
-                  </a:schemeClr>
-                </a:outerShdw>
-              </a:effectLst>
-            </a:endParaRPr>
-          </a:p>
-        </p:txBody>
-      </p:sp>
-      <p:sp>
-        <p:nvSpPr>
-          <p:cNvPr id="25" name="圆角矩形 8"/>
-          <p:cNvSpPr>
-            <a:spLocks noChangeArrowheads="1"/>
-          </p:cNvSpPr>
-          <p:nvPr/>
-        </p:nvSpPr>
-        <p:spPr bwMode="auto">
-          <a:xfrm>
-            <a:off x="93980" y="2350770"/>
-            <a:ext cx="4368800" cy="1377315"/>
-          </a:xfrm>
-          <a:prstGeom prst="roundRect">
-            <a:avLst>
-              <a:gd name="adj" fmla="val 4324"/>
-            </a:avLst>
-          </a:prstGeom>
-          <a:solidFill>
-            <a:srgbClr val="F2F2F2"/>
-          </a:solidFill>
-          <a:ln w="9525">
-            <a:solidFill>
-              <a:schemeClr val="tx1"/>
-            </a:solidFill>
-            <a:round/>
-          </a:ln>
-        </p:spPr>
-        <p:txBody>
-          <a:bodyPr/>
-          <a:lstStyle>
-            <a:lvl1pPr eaLnBrk="0" hangingPunct="0">
-              <a:defRPr>
-                <a:solidFill>
-                  <a:schemeClr val="tx1"/>
-                </a:solidFill>
-                <a:latin typeface="Arial" panose="020B0604020202020204" pitchFamily="34" charset="0"/>
-                <a:ea typeface="宋体" panose="02010600030101010101" pitchFamily="2" charset="-122"/>
-              </a:defRPr>
-            </a:lvl1pPr>
-            <a:lvl2pPr eaLnBrk="0" hangingPunct="0">
-              <a:defRPr>
-                <a:solidFill>
-                  <a:schemeClr val="tx1"/>
-                </a:solidFill>
-                <a:latin typeface="Arial" panose="020B0604020202020204" pitchFamily="34" charset="0"/>
-                <a:ea typeface="宋体" panose="02010600030101010101" pitchFamily="2" charset="-122"/>
-              </a:defRPr>
-            </a:lvl2pPr>
-            <a:lvl3pPr eaLnBrk="0" hangingPunct="0">
-              <a:defRPr>
-                <a:solidFill>
-                  <a:schemeClr val="tx1"/>
-                </a:solidFill>
-                <a:latin typeface="Arial" panose="020B0604020202020204" pitchFamily="34" charset="0"/>
-                <a:ea typeface="宋体" panose="02010600030101010101" pitchFamily="2" charset="-122"/>
-              </a:defRPr>
-            </a:lvl3pPr>
-            <a:lvl4pPr eaLnBrk="0" hangingPunct="0">
-              <a:defRPr>
-                <a:solidFill>
-                  <a:schemeClr val="tx1"/>
-                </a:solidFill>
-                <a:latin typeface="Arial" panose="020B0604020202020204" pitchFamily="34" charset="0"/>
-                <a:ea typeface="宋体" panose="02010600030101010101" pitchFamily="2" charset="-122"/>
-              </a:defRPr>
-            </a:lvl4pPr>
-            <a:lvl5pPr eaLnBrk="0" hangingPunct="0">
-              <a:defRPr>
-                <a:solidFill>
-                  <a:schemeClr val="tx1"/>
-                </a:solidFill>
-                <a:latin typeface="Arial" panose="020B0604020202020204" pitchFamily="34" charset="0"/>
-                <a:ea typeface="宋体" panose="02010600030101010101" pitchFamily="2" charset="-122"/>
-              </a:defRPr>
-            </a:lvl5pPr>
-            <a:lvl6pPr eaLnBrk="0" fontAlgn="base" hangingPunct="0">
-              <a:spcBef>
-                <a:spcPct val="0"/>
-              </a:spcBef>
-              <a:spcAft>
-                <a:spcPct val="0"/>
-              </a:spcAft>
-              <a:buFont typeface="Arial" panose="020B0604020202020204" pitchFamily="34" charset="0"/>
-              <a:defRPr>
-                <a:solidFill>
-                  <a:schemeClr val="tx1"/>
-                </a:solidFill>
-                <a:latin typeface="Arial" panose="020B0604020202020204" pitchFamily="34" charset="0"/>
-                <a:ea typeface="宋体" panose="02010600030101010101" pitchFamily="2" charset="-122"/>
-              </a:defRPr>
-            </a:lvl6pPr>
-            <a:lvl7pPr eaLnBrk="0" fontAlgn="base" hangingPunct="0">
-              <a:spcBef>
-                <a:spcPct val="0"/>
-              </a:spcBef>
-              <a:spcAft>
-                <a:spcPct val="0"/>
-              </a:spcAft>
-              <a:buFont typeface="Arial" panose="020B0604020202020204" pitchFamily="34" charset="0"/>
-              <a:defRPr>
-                <a:solidFill>
-                  <a:schemeClr val="tx1"/>
-                </a:solidFill>
-                <a:latin typeface="Arial" panose="020B0604020202020204" pitchFamily="34" charset="0"/>
-                <a:ea typeface="宋体" panose="02010600030101010101" pitchFamily="2" charset="-122"/>
-              </a:defRPr>
-            </a:lvl7pPr>
-            <a:lvl8pPr eaLnBrk="0" fontAlgn="base" hangingPunct="0">
-              <a:spcBef>
-                <a:spcPct val="0"/>
-              </a:spcBef>
-              <a:spcAft>
-                <a:spcPct val="0"/>
-              </a:spcAft>
-              <a:buFont typeface="Arial" panose="020B0604020202020204" pitchFamily="34" charset="0"/>
-              <a:defRPr>
-                <a:solidFill>
-                  <a:schemeClr val="tx1"/>
-                </a:solidFill>
-                <a:latin typeface="Arial" panose="020B0604020202020204" pitchFamily="34" charset="0"/>
-                <a:ea typeface="宋体" panose="02010600030101010101" pitchFamily="2" charset="-122"/>
-              </a:defRPr>
-            </a:lvl8pPr>
-            <a:lvl9pPr eaLnBrk="0" fontAlgn="base" hangingPunct="0">
-              <a:spcBef>
-                <a:spcPct val="0"/>
-              </a:spcBef>
-              <a:spcAft>
-                <a:spcPct val="0"/>
-              </a:spcAft>
-              <a:buFont typeface="Arial" panose="020B0604020202020204" pitchFamily="34" charset="0"/>
-              <a:defRPr>
-                <a:solidFill>
-                  <a:schemeClr val="tx1"/>
-                </a:solidFill>
-                <a:latin typeface="Arial" panose="020B0604020202020204" pitchFamily="34" charset="0"/>
-                <a:ea typeface="宋体" panose="02010600030101010101" pitchFamily="2" charset="-122"/>
-              </a:defRPr>
-            </a:lvl9pPr>
-          </a:lstStyle>
-          <a:p>
-            <a:pPr eaLnBrk="1" hangingPunct="1"/>
-            <a:endParaRPr lang="zh-CN" altLang="en-US" sz="1350">
-              <a:solidFill>
-                <a:srgbClr val="C4261D"/>
-              </a:solidFill>
-            </a:endParaRPr>
-          </a:p>
-        </p:txBody>
-      </p:sp>
-      <p:cxnSp>
-        <p:nvCxnSpPr>
-          <p:cNvPr id="26" name="Straight Connector 25"/>
-          <p:cNvCxnSpPr/>
-          <p:nvPr/>
-        </p:nvCxnSpPr>
-        <p:spPr>
-          <a:xfrm>
-            <a:off x="93980" y="3498215"/>
-            <a:ext cx="4236720" cy="8255"/>
-          </a:xfrm>
-          <a:prstGeom prst="line">
-            <a:avLst/>
-          </a:prstGeom>
-          <a:ln w="19050">
-            <a:solidFill>
-              <a:schemeClr val="tx1"/>
-            </a:solidFill>
-          </a:ln>
-        </p:spPr>
-        <p:style>
-          <a:lnRef idx="1">
-            <a:schemeClr val="accent1"/>
-          </a:lnRef>
-          <a:fillRef idx="0">
-            <a:schemeClr val="accent1"/>
-          </a:fillRef>
-          <a:effectRef idx="0">
-            <a:schemeClr val="accent1"/>
-          </a:effectRef>
-          <a:fontRef idx="minor">
-            <a:schemeClr val="tx1"/>
-          </a:fontRef>
-        </p:style>
-      </p:cxnSp>
-      <p:sp>
-        <p:nvSpPr>
-          <p:cNvPr id="27" name="Text Box 26"/>
-          <p:cNvSpPr txBox="1"/>
-          <p:nvPr/>
-        </p:nvSpPr>
-        <p:spPr>
-          <a:xfrm>
-            <a:off x="132080" y="2350770"/>
-            <a:ext cx="4404360" cy="1198880"/>
-          </a:xfrm>
-          <a:prstGeom prst="rect">
-            <a:avLst/>
-          </a:prstGeom>
-          <a:noFill/>
-        </p:spPr>
-        <p:txBody>
-          <a:bodyPr wrap="square" rtlCol="0">
-            <a:spAutoFit/>
-          </a:bodyPr>
-          <a:p>
-            <a:r>
-              <a:rPr lang="zh-CN" altLang="en-US" sz="900"/>
-              <a:t>文本段落：</a:t>
-            </a:r>
-            <a:r>
-              <a:rPr lang="zh-CN" altLang="en-US" sz="900">
-                <a:solidFill>
-                  <a:srgbClr val="FF0000"/>
-                </a:solidFill>
-              </a:rPr>
-              <a:t>2008年夏季奥林匹克运动会马术比赛－团体三项赛于2008年8月9日至8月12日在香港的香港奥运马术场举行，团体三项赛是本届马术射击比赛最早举行的小项，亦是开幕式后首个进行的比赛小项，比赛共有来自11个国家或地区的53名运动员参与</a:t>
-            </a:r>
-            <a:r>
-              <a:rPr lang="zh-CN" altLang="en-US" sz="900"/>
-              <a:t>。面积2.04平方公里，户籍人口7.04万人（2008年），下辖21个居委会。华阳路街道的主要街道长宁路和定西路，构成繁华的中山公园商圈。辖区内的圣约翰大学旧址（今华东政法大学）、中山公园，是愚园路历史文化风貌区的重要组成部分。上海市轨道交通二号线、三号线、四号线以该街道辖区的中山公园站为换乘枢纽。</a:t>
-            </a:r>
-            <a:endParaRPr lang="zh-CN" altLang="en-US" sz="900"/>
-          </a:p>
-        </p:txBody>
-      </p:sp>
-      <p:sp>
-        <p:nvSpPr>
-          <p:cNvPr id="28" name="Text Box 27"/>
-          <p:cNvSpPr txBox="1"/>
-          <p:nvPr/>
-        </p:nvSpPr>
-        <p:spPr>
-          <a:xfrm>
-            <a:off x="93980" y="3498215"/>
-            <a:ext cx="4057015" cy="229870"/>
-          </a:xfrm>
-          <a:prstGeom prst="rect">
-            <a:avLst/>
-          </a:prstGeom>
-          <a:noFill/>
-        </p:spPr>
-        <p:txBody>
-          <a:bodyPr wrap="square" rtlCol="0">
-            <a:spAutoFit/>
-          </a:bodyPr>
-          <a:p>
-            <a:r>
-              <a:rPr lang="zh-CN" altLang="en-US" sz="900">
-                <a:solidFill>
-                  <a:schemeClr val="tx1"/>
-                </a:solidFill>
-                <a:uFillTx/>
-              </a:rPr>
-              <a:t>问题：华阳路街道四周相连的是什么地方？</a:t>
-            </a:r>
-            <a:endParaRPr lang="zh-CN" altLang="en-US" sz="900">
-              <a:solidFill>
-                <a:schemeClr val="tx1"/>
-              </a:solidFill>
-              <a:uFillTx/>
-            </a:endParaRPr>
-          </a:p>
-        </p:txBody>
-      </p:sp>
-      <p:sp>
-        <p:nvSpPr>
-          <p:cNvPr id="33" name="Text Box 32"/>
-          <p:cNvSpPr txBox="1"/>
-          <p:nvPr/>
-        </p:nvSpPr>
-        <p:spPr>
-          <a:xfrm>
-            <a:off x="93980" y="1211580"/>
-            <a:ext cx="3961765" cy="506730"/>
-          </a:xfrm>
-          <a:prstGeom prst="rect">
-            <a:avLst/>
-          </a:prstGeom>
-          <a:noFill/>
-        </p:spPr>
-        <p:txBody>
-          <a:bodyPr wrap="square" rtlCol="0">
-            <a:spAutoFit/>
-          </a:bodyPr>
-          <a:p>
-            <a:r>
-              <a:rPr lang="zh-CN" altLang="en-US"/>
-              <a:t>删除掉答案所在的句子，</a:t>
-            </a:r>
-            <a:endParaRPr lang="zh-CN" altLang="en-US"/>
-          </a:p>
-          <a:p>
-            <a:r>
-              <a:rPr lang="zh-CN" altLang="en-US"/>
-              <a:t>或者随机选取句子替换掉答案所在的句子。</a:t>
-            </a:r>
-            <a:endParaRPr lang="zh-CN" altLang="en-US"/>
-          </a:p>
-        </p:txBody>
-      </p:sp>
-      <p:cxnSp>
-        <p:nvCxnSpPr>
-          <p:cNvPr id="4" name="Straight Arrow Connector 3"/>
-          <p:cNvCxnSpPr/>
-          <p:nvPr/>
-        </p:nvCxnSpPr>
-        <p:spPr>
-          <a:xfrm>
-            <a:off x="1696085" y="1696085"/>
-            <a:ext cx="0" cy="525145"/>
-          </a:xfrm>
-          <a:prstGeom prst="straightConnector1">
-            <a:avLst/>
-          </a:prstGeom>
-          <a:ln w="34925">
-            <a:solidFill>
-              <a:schemeClr val="tx1"/>
-            </a:solidFill>
-            <a:tailEnd type="arrow"/>
-          </a:ln>
-        </p:spPr>
-        <p:style>
-          <a:lnRef idx="1">
-            <a:schemeClr val="accent1"/>
-          </a:lnRef>
-          <a:fillRef idx="0">
-            <a:schemeClr val="accent1"/>
-          </a:fillRef>
-          <a:effectRef idx="0">
-            <a:schemeClr val="accent1"/>
-          </a:effectRef>
-          <a:fontRef idx="minor">
-            <a:schemeClr val="tx1"/>
-          </a:fontRef>
-        </p:style>
-      </p:cxnSp>
-      <p:sp>
-        <p:nvSpPr>
-          <p:cNvPr id="5" name="圆角矩形 8"/>
-          <p:cNvSpPr>
-            <a:spLocks noChangeArrowheads="1"/>
-          </p:cNvSpPr>
-          <p:nvPr/>
-        </p:nvSpPr>
-        <p:spPr bwMode="auto">
-          <a:xfrm>
-            <a:off x="4671060" y="2350770"/>
-            <a:ext cx="4320540" cy="1377315"/>
-          </a:xfrm>
-          <a:prstGeom prst="roundRect">
-            <a:avLst>
-              <a:gd name="adj" fmla="val 4324"/>
-            </a:avLst>
-          </a:prstGeom>
-          <a:solidFill>
-            <a:srgbClr val="F2F2F2"/>
-          </a:solidFill>
-          <a:ln w="9525">
-            <a:solidFill>
-              <a:schemeClr val="tx1"/>
-            </a:solidFill>
-            <a:round/>
-          </a:ln>
-        </p:spPr>
-        <p:txBody>
-          <a:bodyPr/>
-          <a:lstStyle>
-            <a:lvl1pPr eaLnBrk="0" hangingPunct="0">
-              <a:defRPr>
-                <a:solidFill>
-                  <a:schemeClr val="tx1"/>
-                </a:solidFill>
-                <a:latin typeface="Arial" panose="020B0604020202020204" pitchFamily="34" charset="0"/>
-                <a:ea typeface="宋体" panose="02010600030101010101" pitchFamily="2" charset="-122"/>
-              </a:defRPr>
-            </a:lvl1pPr>
-            <a:lvl2pPr eaLnBrk="0" hangingPunct="0">
-              <a:defRPr>
-                <a:solidFill>
-                  <a:schemeClr val="tx1"/>
-                </a:solidFill>
-                <a:latin typeface="Arial" panose="020B0604020202020204" pitchFamily="34" charset="0"/>
-                <a:ea typeface="宋体" panose="02010600030101010101" pitchFamily="2" charset="-122"/>
-              </a:defRPr>
-            </a:lvl2pPr>
-            <a:lvl3pPr eaLnBrk="0" hangingPunct="0">
-              <a:defRPr>
-                <a:solidFill>
-                  <a:schemeClr val="tx1"/>
-                </a:solidFill>
-                <a:latin typeface="Arial" panose="020B0604020202020204" pitchFamily="34" charset="0"/>
-                <a:ea typeface="宋体" panose="02010600030101010101" pitchFamily="2" charset="-122"/>
-              </a:defRPr>
-            </a:lvl3pPr>
-            <a:lvl4pPr eaLnBrk="0" hangingPunct="0">
-              <a:defRPr>
-                <a:solidFill>
-                  <a:schemeClr val="tx1"/>
-                </a:solidFill>
-                <a:latin typeface="Arial" panose="020B0604020202020204" pitchFamily="34" charset="0"/>
-                <a:ea typeface="宋体" panose="02010600030101010101" pitchFamily="2" charset="-122"/>
-              </a:defRPr>
-            </a:lvl4pPr>
-            <a:lvl5pPr eaLnBrk="0" hangingPunct="0">
-              <a:defRPr>
-                <a:solidFill>
-                  <a:schemeClr val="tx1"/>
-                </a:solidFill>
-                <a:latin typeface="Arial" panose="020B0604020202020204" pitchFamily="34" charset="0"/>
-                <a:ea typeface="宋体" panose="02010600030101010101" pitchFamily="2" charset="-122"/>
-              </a:defRPr>
-            </a:lvl5pPr>
-            <a:lvl6pPr eaLnBrk="0" fontAlgn="base" hangingPunct="0">
-              <a:spcBef>
-                <a:spcPct val="0"/>
-              </a:spcBef>
-              <a:spcAft>
-                <a:spcPct val="0"/>
-              </a:spcAft>
-              <a:buFont typeface="Arial" panose="020B0604020202020204" pitchFamily="34" charset="0"/>
-              <a:defRPr>
-                <a:solidFill>
-                  <a:schemeClr val="tx1"/>
-                </a:solidFill>
-                <a:latin typeface="Arial" panose="020B0604020202020204" pitchFamily="34" charset="0"/>
-                <a:ea typeface="宋体" panose="02010600030101010101" pitchFamily="2" charset="-122"/>
-              </a:defRPr>
-            </a:lvl6pPr>
-            <a:lvl7pPr eaLnBrk="0" fontAlgn="base" hangingPunct="0">
-              <a:spcBef>
-                <a:spcPct val="0"/>
-              </a:spcBef>
-              <a:spcAft>
-                <a:spcPct val="0"/>
-              </a:spcAft>
-              <a:buFont typeface="Arial" panose="020B0604020202020204" pitchFamily="34" charset="0"/>
-              <a:defRPr>
-                <a:solidFill>
-                  <a:schemeClr val="tx1"/>
-                </a:solidFill>
-                <a:latin typeface="Arial" panose="020B0604020202020204" pitchFamily="34" charset="0"/>
-                <a:ea typeface="宋体" panose="02010600030101010101" pitchFamily="2" charset="-122"/>
-              </a:defRPr>
-            </a:lvl7pPr>
-            <a:lvl8pPr eaLnBrk="0" fontAlgn="base" hangingPunct="0">
-              <a:spcBef>
-                <a:spcPct val="0"/>
-              </a:spcBef>
-              <a:spcAft>
-                <a:spcPct val="0"/>
-              </a:spcAft>
-              <a:buFont typeface="Arial" panose="020B0604020202020204" pitchFamily="34" charset="0"/>
-              <a:defRPr>
-                <a:solidFill>
-                  <a:schemeClr val="tx1"/>
-                </a:solidFill>
-                <a:latin typeface="Arial" panose="020B0604020202020204" pitchFamily="34" charset="0"/>
-                <a:ea typeface="宋体" panose="02010600030101010101" pitchFamily="2" charset="-122"/>
-              </a:defRPr>
-            </a:lvl8pPr>
-            <a:lvl9pPr eaLnBrk="0" fontAlgn="base" hangingPunct="0">
-              <a:spcBef>
-                <a:spcPct val="0"/>
-              </a:spcBef>
-              <a:spcAft>
-                <a:spcPct val="0"/>
-              </a:spcAft>
-              <a:buFont typeface="Arial" panose="020B0604020202020204" pitchFamily="34" charset="0"/>
-              <a:defRPr>
-                <a:solidFill>
-                  <a:schemeClr val="tx1"/>
-                </a:solidFill>
-                <a:latin typeface="Arial" panose="020B0604020202020204" pitchFamily="34" charset="0"/>
-                <a:ea typeface="宋体" panose="02010600030101010101" pitchFamily="2" charset="-122"/>
-              </a:defRPr>
-            </a:lvl9pPr>
-          </a:lstStyle>
-          <a:p>
-            <a:pPr eaLnBrk="1" hangingPunct="1"/>
-            <a:endParaRPr lang="zh-CN" altLang="en-US" sz="1350">
-              <a:solidFill>
-                <a:srgbClr val="C4261D"/>
-              </a:solidFill>
-            </a:endParaRPr>
-          </a:p>
-        </p:txBody>
-      </p:sp>
-      <p:cxnSp>
-        <p:nvCxnSpPr>
-          <p:cNvPr id="6" name="Straight Connector 5"/>
-          <p:cNvCxnSpPr/>
-          <p:nvPr/>
-        </p:nvCxnSpPr>
-        <p:spPr>
-          <a:xfrm>
-            <a:off x="4671060" y="3498215"/>
-            <a:ext cx="4236720" cy="8255"/>
-          </a:xfrm>
-          <a:prstGeom prst="line">
-            <a:avLst/>
-          </a:prstGeom>
-          <a:ln w="19050">
-            <a:solidFill>
-              <a:schemeClr val="tx1"/>
-            </a:solidFill>
-          </a:ln>
-        </p:spPr>
-        <p:style>
-          <a:lnRef idx="1">
-            <a:schemeClr val="accent1"/>
-          </a:lnRef>
-          <a:fillRef idx="0">
-            <a:schemeClr val="accent1"/>
-          </a:fillRef>
-          <a:effectRef idx="0">
-            <a:schemeClr val="accent1"/>
-          </a:effectRef>
-          <a:fontRef idx="minor">
-            <a:schemeClr val="tx1"/>
-          </a:fontRef>
-        </p:style>
-      </p:cxnSp>
-      <p:sp>
-        <p:nvSpPr>
-          <p:cNvPr id="37" name="Text Box 36"/>
-          <p:cNvSpPr txBox="1"/>
-          <p:nvPr/>
-        </p:nvSpPr>
-        <p:spPr>
-          <a:xfrm>
-            <a:off x="4690110" y="2489200"/>
-            <a:ext cx="4404360" cy="645160"/>
-          </a:xfrm>
-          <a:prstGeom prst="rect">
-            <a:avLst/>
-          </a:prstGeom>
-          <a:noFill/>
-        </p:spPr>
-        <p:txBody>
-          <a:bodyPr wrap="square" rtlCol="0">
-            <a:spAutoFit/>
-          </a:bodyPr>
-          <a:p>
-            <a:r>
-              <a:rPr lang="zh-CN" altLang="en-US" sz="900"/>
-              <a:t>文本段落：华阳路街道是中国上海市长宁区下辖的一个街道办事处，位于长宁区东部，</a:t>
-            </a:r>
-            <a:r>
-              <a:rPr lang="zh-CN" altLang="en-US" sz="900">
-                <a:solidFill>
-                  <a:srgbClr val="D43C2C"/>
-                </a:solidFill>
-                <a:uFillTx/>
-              </a:rPr>
-              <a:t>东到长宁路、安西路、武夷路接邻江苏路街道，北到苏州河接邻普陀区</a:t>
-            </a:r>
-            <a:r>
-              <a:rPr lang="zh-CN" altLang="en-US" sz="900"/>
-              <a:t>。面积2.04平方公里，户籍人口7.04万人（2008年），下辖21个居委会。上海市轨道交通二号线、三号线、四号线以该街道辖区的中山公园站为换乘枢纽。</a:t>
-            </a:r>
-            <a:endParaRPr lang="zh-CN" altLang="en-US" sz="900"/>
-          </a:p>
-        </p:txBody>
-      </p:sp>
-      <p:sp>
-        <p:nvSpPr>
-          <p:cNvPr id="7" name="Text Box 6"/>
-          <p:cNvSpPr txBox="1"/>
-          <p:nvPr/>
-        </p:nvSpPr>
-        <p:spPr>
-          <a:xfrm>
-            <a:off x="4671060" y="3498215"/>
-            <a:ext cx="4057015" cy="229870"/>
-          </a:xfrm>
-          <a:prstGeom prst="rect">
-            <a:avLst/>
-          </a:prstGeom>
-          <a:noFill/>
-        </p:spPr>
-        <p:txBody>
-          <a:bodyPr wrap="square" rtlCol="0">
-            <a:spAutoFit/>
-          </a:bodyPr>
-          <a:p>
-            <a:r>
-              <a:rPr lang="zh-CN" altLang="en-US" sz="900">
-                <a:solidFill>
-                  <a:schemeClr val="tx1"/>
-                </a:solidFill>
-                <a:uFillTx/>
-              </a:rPr>
-              <a:t>问题：华阳路街道四周相连的是什么地方？</a:t>
-            </a:r>
-            <a:endParaRPr lang="zh-CN" altLang="en-US" sz="900">
-              <a:solidFill>
-                <a:schemeClr val="tx1"/>
-              </a:solidFill>
-              <a:uFillTx/>
-            </a:endParaRPr>
-          </a:p>
-        </p:txBody>
-      </p:sp>
-      <p:sp>
-        <p:nvSpPr>
-          <p:cNvPr id="8" name="Text Box 7"/>
-          <p:cNvSpPr txBox="1"/>
-          <p:nvPr/>
-        </p:nvSpPr>
-        <p:spPr>
-          <a:xfrm>
-            <a:off x="5897880" y="3728085"/>
-            <a:ext cx="1454785" cy="299085"/>
-          </a:xfrm>
-          <a:prstGeom prst="rect">
-            <a:avLst/>
-          </a:prstGeom>
-          <a:noFill/>
-        </p:spPr>
-        <p:txBody>
-          <a:bodyPr wrap="square" rtlCol="0">
-            <a:spAutoFit/>
-          </a:bodyPr>
-          <a:p>
-            <a:r>
-              <a:rPr lang="zh-CN" altLang="en-US"/>
-              <a:t>正样本</a:t>
-            </a:r>
-            <a:endParaRPr lang="zh-CN" altLang="en-US"/>
-          </a:p>
-        </p:txBody>
-      </p:sp>
-      <p:sp>
-        <p:nvSpPr>
-          <p:cNvPr id="9" name="Text Box 8"/>
-          <p:cNvSpPr txBox="1"/>
-          <p:nvPr/>
-        </p:nvSpPr>
-        <p:spPr>
-          <a:xfrm>
-            <a:off x="1217295" y="3728085"/>
-            <a:ext cx="1454785" cy="299085"/>
-          </a:xfrm>
-          <a:prstGeom prst="rect">
-            <a:avLst/>
-          </a:prstGeom>
-          <a:noFill/>
-        </p:spPr>
-        <p:txBody>
-          <a:bodyPr wrap="square" rtlCol="0">
-            <a:spAutoFit/>
-          </a:bodyPr>
-          <a:p>
-            <a:r>
-              <a:rPr lang="zh-CN" altLang="en-US"/>
-              <a:t>负样本</a:t>
-            </a:r>
-            <a:endParaRPr lang="zh-CN" altLang="en-US"/>
-          </a:p>
-        </p:txBody>
-      </p:sp>
-      <p:sp>
-        <p:nvSpPr>
-          <p:cNvPr id="10" name="Text Box 9"/>
-          <p:cNvSpPr txBox="1"/>
-          <p:nvPr/>
-        </p:nvSpPr>
-        <p:spPr>
-          <a:xfrm>
-            <a:off x="4718685" y="1211580"/>
-            <a:ext cx="3961765" cy="299085"/>
-          </a:xfrm>
-          <a:prstGeom prst="rect">
-            <a:avLst/>
-          </a:prstGeom>
-          <a:noFill/>
-        </p:spPr>
-        <p:txBody>
-          <a:bodyPr wrap="square" rtlCol="0">
-            <a:spAutoFit/>
-          </a:bodyPr>
-          <a:p>
-            <a:r>
-              <a:rPr lang="zh-CN" altLang="en-US"/>
-              <a:t>删除掉距离答案所在句子较远的单词或句子。</a:t>
-            </a:r>
-            <a:endParaRPr lang="zh-CN" altLang="en-US"/>
-          </a:p>
-        </p:txBody>
-      </p:sp>
-      <p:cxnSp>
-        <p:nvCxnSpPr>
-          <p:cNvPr id="11" name="Straight Arrow Connector 10"/>
-          <p:cNvCxnSpPr/>
-          <p:nvPr/>
-        </p:nvCxnSpPr>
-        <p:spPr>
-          <a:xfrm>
-            <a:off x="6699885" y="1718310"/>
-            <a:ext cx="0" cy="525145"/>
-          </a:xfrm>
-          <a:prstGeom prst="straightConnector1">
-            <a:avLst/>
-          </a:prstGeom>
-          <a:ln w="34925">
-            <a:solidFill>
-              <a:schemeClr val="tx1"/>
-            </a:solidFill>
-            <a:tailEnd type="arrow"/>
-          </a:ln>
-        </p:spPr>
-        <p:style>
-          <a:lnRef idx="1">
-            <a:schemeClr val="accent1"/>
-          </a:lnRef>
-          <a:fillRef idx="0">
-            <a:schemeClr val="accent1"/>
-          </a:fillRef>
-          <a:effectRef idx="0">
-            <a:schemeClr val="accent1"/>
-          </a:effectRef>
-          <a:fontRef idx="minor">
-            <a:schemeClr val="tx1"/>
-          </a:fontRef>
-        </p:style>
-      </p:cxnSp>
-      <p:sp>
-        <p:nvSpPr>
-          <p:cNvPr id="20" name="Text Box 19"/>
-          <p:cNvSpPr txBox="1"/>
-          <p:nvPr/>
-        </p:nvSpPr>
-        <p:spPr>
-          <a:xfrm>
-            <a:off x="2371090" y="4180205"/>
-            <a:ext cx="3373120" cy="299085"/>
-          </a:xfrm>
-          <a:prstGeom prst="rect">
-            <a:avLst/>
-          </a:prstGeom>
-          <a:noFill/>
-        </p:spPr>
-        <p:txBody>
-          <a:bodyPr wrap="square" rtlCol="0">
-            <a:spAutoFit/>
-          </a:bodyPr>
-          <a:p>
-            <a:r>
-              <a:rPr lang="zh-CN" altLang="en-US"/>
-              <a:t>最后得到的负样本数目：</a:t>
-            </a:r>
-            <a:r>
-              <a:rPr lang="en-US" altLang="zh-CN"/>
-              <a:t>430136</a:t>
-            </a:r>
-            <a:endParaRPr lang="en-US" altLang="zh-CN"/>
-          </a:p>
-        </p:txBody>
-      </p:sp>
-      <p:sp>
-        <p:nvSpPr>
-          <p:cNvPr id="21" name="Text Box 20"/>
-          <p:cNvSpPr txBox="1"/>
-          <p:nvPr/>
-        </p:nvSpPr>
-        <p:spPr>
-          <a:xfrm>
-            <a:off x="3261360" y="4479290"/>
-            <a:ext cx="2749550" cy="299085"/>
-          </a:xfrm>
-          <a:prstGeom prst="rect">
-            <a:avLst/>
-          </a:prstGeom>
-          <a:noFill/>
-        </p:spPr>
-        <p:txBody>
-          <a:bodyPr wrap="square" rtlCol="0">
-            <a:spAutoFit/>
-          </a:bodyPr>
-          <a:p>
-            <a:r>
-              <a:rPr lang="zh-CN" altLang="en-US"/>
-              <a:t>正样本数目</a:t>
-            </a:r>
-            <a:r>
-              <a:rPr lang="en-US" altLang="en-US"/>
-              <a:t>: </a:t>
-            </a:r>
-            <a:r>
-              <a:rPr lang="en-US"/>
-              <a:t>164957</a:t>
-            </a:r>
-            <a:endParaRPr lang="en-US"/>
-          </a:p>
-        </p:txBody>
-      </p:sp>
-    </p:spTree>
-  </p:cSld>
-  <p:clrMapOvr>
-    <a:masterClrMapping/>
-  </p:clrMapOvr>
-  <mc:AlternateContent xmlns:mc="http://schemas.openxmlformats.org/markup-compatibility/2006">
-    <mc:Choice xmlns:p14="http://schemas.microsoft.com/office/powerpoint/2010/main" Requires="p14">
-      <p:transition spd="slow" p14:dur="2000"/>
-    </mc:Choice>
-    <mc:Fallback>
-      <p:transition spd="slow"/>
-    </mc:Fallback>
-  </mc:AlternateContent>
-  <p:timing>
-    <p:tnLst>
-      <p:par>
-        <p:cTn id="1" dur="indefinite" restart="never" nodeType="tmRoot"/>
-      </p:par>
-    </p:tnLst>
-  </p:timing>
-</p:sld>
-</file>
-
-<file path=ppt/slides/slide23.xml><?xml version="1.0" encoding="utf-8"?>
-<p:sld xmlns:a="http://schemas.openxmlformats.org/drawingml/2006/main" xmlns:r="http://schemas.openxmlformats.org/officeDocument/2006/relationships" xmlns:p="http://schemas.openxmlformats.org/presentationml/2006/main">
-  <p:cSld>
-    <p:spTree>
-      <p:nvGrpSpPr>
-        <p:cNvPr id="1" name=""/>
-        <p:cNvGrpSpPr/>
-        <p:nvPr/>
-      </p:nvGrpSpPr>
-      <p:grpSpPr/>
-      <p:sp>
-        <p:nvSpPr>
-          <p:cNvPr id="2" name="Title 1"/>
-          <p:cNvSpPr>
-            <a:spLocks noGrp="1"/>
-          </p:cNvSpPr>
-          <p:nvPr>
-            <p:ph type="title"/>
-          </p:nvPr>
-        </p:nvSpPr>
-        <p:spPr/>
-        <p:txBody>
-          <a:bodyPr/>
-          <a:p>
-            <a:r>
-              <a:rPr lang="zh-CN" altLang="en-US"/>
-              <a:t>在</a:t>
-            </a:r>
-            <a:r>
-              <a:rPr lang="en-US" altLang="zh-CN"/>
-              <a:t>BERT</a:t>
-            </a:r>
-            <a:r>
-              <a:rPr lang="zh-CN" altLang="en-US"/>
-              <a:t>上微调的结果</a:t>
-            </a:r>
-            <a:endParaRPr lang="zh-CN" altLang="en-US"/>
-          </a:p>
-        </p:txBody>
-      </p:sp>
-      <p:pic>
-        <p:nvPicPr>
-          <p:cNvPr id="7" name="图片 3"/>
-          <p:cNvPicPr>
-            <a:picLocks noChangeAspect="1"/>
-          </p:cNvPicPr>
-          <p:nvPr/>
-        </p:nvPicPr>
-        <p:blipFill>
-          <a:blip r:embed="rId1" cstate="print">
-            <a:extLst>
-              <a:ext uri="{28A0092B-C50C-407E-A947-70E740481C1C}">
-                <a14:useLocalDpi xmlns:a14="http://schemas.microsoft.com/office/drawing/2010/main" val="0"/>
-              </a:ext>
-            </a:extLst>
-          </a:blip>
-          <a:stretch>
-            <a:fillRect/>
-          </a:stretch>
-        </p:blipFill>
-        <p:spPr>
-          <a:xfrm>
-            <a:off x="7600315" y="100330"/>
-            <a:ext cx="1467485" cy="490220"/>
-          </a:xfrm>
-          <a:prstGeom prst="rect">
-            <a:avLst/>
-          </a:prstGeom>
-        </p:spPr>
-      </p:pic>
-      <p:sp>
-        <p:nvSpPr>
-          <p:cNvPr id="3" name="Content Placeholder 2"/>
-          <p:cNvSpPr/>
-          <p:nvPr>
-            <p:ph idx="1"/>
-          </p:nvPr>
-        </p:nvSpPr>
-        <p:spPr/>
-        <p:txBody>
-          <a:bodyPr/>
-          <a:p>
-            <a:endParaRPr lang="en-US"/>
-          </a:p>
-        </p:txBody>
-      </p:sp>
-      <p:pic>
-        <p:nvPicPr>
-          <p:cNvPr id="5" name="Picture 4" descr="Screenshot from 2020-11-23 08-35-02"/>
-          <p:cNvPicPr>
-            <a:picLocks noChangeAspect="1"/>
-          </p:cNvPicPr>
-          <p:nvPr/>
-        </p:nvPicPr>
-        <p:blipFill>
-          <a:blip r:embed="rId2"/>
-          <a:stretch>
-            <a:fillRect/>
-          </a:stretch>
-        </p:blipFill>
-        <p:spPr>
-          <a:xfrm>
-            <a:off x="3326130" y="2513330"/>
-            <a:ext cx="5678805" cy="2021205"/>
-          </a:xfrm>
-          <a:prstGeom prst="rect">
-            <a:avLst/>
-          </a:prstGeom>
-        </p:spPr>
-      </p:pic>
-      <p:sp>
-        <p:nvSpPr>
-          <p:cNvPr id="4" name="Text Box 3"/>
-          <p:cNvSpPr txBox="1"/>
-          <p:nvPr/>
-        </p:nvSpPr>
-        <p:spPr>
-          <a:xfrm>
-            <a:off x="613410" y="1528445"/>
-            <a:ext cx="7561580" cy="714375"/>
-          </a:xfrm>
-          <a:prstGeom prst="rect">
-            <a:avLst/>
-          </a:prstGeom>
-          <a:noFill/>
-        </p:spPr>
-        <p:txBody>
-          <a:bodyPr wrap="square" rtlCol="0">
-            <a:spAutoFit/>
-          </a:bodyPr>
-          <a:p>
-            <a:pPr marL="285750" indent="-285750">
-              <a:buFont typeface="Wingdings" panose="05000000000000000000" charset="0"/>
-              <a:buChar char="Ø"/>
-            </a:pPr>
-            <a:r>
-              <a:rPr lang="en-US" altLang="zh-CN"/>
-              <a:t>acc</a:t>
-            </a:r>
-            <a:r>
-              <a:rPr lang="zh-CN" altLang="en-US"/>
-              <a:t>指的是准确率（</a:t>
-            </a:r>
-            <a:r>
-              <a:rPr lang="en-US" altLang="zh-CN"/>
-              <a:t>accuracy</a:t>
-            </a:r>
-            <a:r>
-              <a:rPr lang="zh-CN" altLang="en-US"/>
-              <a:t>）</a:t>
-            </a:r>
-            <a:endParaRPr lang="zh-CN" altLang="en-US"/>
-          </a:p>
-          <a:p>
-            <a:pPr marL="285750" indent="-285750">
-              <a:buFont typeface="Wingdings" panose="05000000000000000000" charset="0"/>
-              <a:buChar char="Ø"/>
-            </a:pPr>
-            <a:r>
-              <a:rPr lang="en-US" altLang="zh-CN"/>
-              <a:t>80%</a:t>
-            </a:r>
-            <a:r>
-              <a:rPr lang="zh-CN" altLang="en-US"/>
-              <a:t>作为训练集，</a:t>
-            </a:r>
-            <a:r>
-              <a:rPr lang="en-US" altLang="zh-CN"/>
-              <a:t>20%</a:t>
-            </a:r>
-            <a:r>
-              <a:rPr lang="zh-CN" altLang="en-US"/>
-              <a:t>作为测试集</a:t>
-            </a:r>
-            <a:endParaRPr lang="zh-CN" altLang="en-US"/>
-          </a:p>
-          <a:p>
-            <a:pPr marL="285750" indent="-285750">
-              <a:buFont typeface="Wingdings" panose="05000000000000000000" charset="0"/>
-              <a:buChar char="Ø"/>
-            </a:pPr>
-            <a:r>
-              <a:rPr lang="zh-CN" altLang="en-US"/>
-              <a:t>训练集和测试集上的准确率都很高，反映出数据集的构建方式过于简单</a:t>
-            </a:r>
-            <a:endParaRPr lang="zh-CN" altLang="en-US"/>
-          </a:p>
-        </p:txBody>
-      </p:sp>
-    </p:spTree>
-  </p:cSld>
-  <p:clrMapOvr>
-    <a:masterClrMapping/>
-  </p:clrMapOvr>
-  <mc:AlternateContent xmlns:mc="http://schemas.openxmlformats.org/markup-compatibility/2006">
-    <mc:Choice xmlns:p14="http://schemas.microsoft.com/office/powerpoint/2010/main" Requires="p14">
-      <p:transition spd="slow" p14:dur="2000" advTm="3000"/>
-    </mc:Choice>
-    <mc:Fallback>
-      <p:transition spd="slow" advTm="3000"/>
-    </mc:Fallback>
-  </mc:AlternateContent>
-</p:sld>
-</file>
-
-<file path=ppt/slides/slide24.xml><?xml version="1.0" encoding="utf-8"?>
-<p:sld xmlns:a="http://schemas.openxmlformats.org/drawingml/2006/main" xmlns:r="http://schemas.openxmlformats.org/officeDocument/2006/relationships" xmlns:p="http://schemas.openxmlformats.org/presentationml/2006/main">
-  <p:cSld>
-    <p:spTree>
-      <p:nvGrpSpPr>
-        <p:cNvPr id="1" name=""/>
-        <p:cNvGrpSpPr/>
-        <p:nvPr/>
-      </p:nvGrpSpPr>
-      <p:grpSpPr>
-        <a:xfrm>
-          <a:off x="0" y="0"/>
-          <a:ext cx="0" cy="0"/>
-          <a:chOff x="0" y="0"/>
-          <a:chExt cx="0" cy="0"/>
-        </a:xfrm>
-      </p:grpSpPr>
-      <p:pic>
-        <p:nvPicPr>
-          <p:cNvPr id="4" name="图片 3"/>
-          <p:cNvPicPr>
-            <a:picLocks noChangeAspect="1"/>
-          </p:cNvPicPr>
-          <p:nvPr/>
-        </p:nvPicPr>
-        <p:blipFill>
-          <a:blip r:embed="rId1" cstate="print">
-            <a:extLst>
-              <a:ext uri="{28A0092B-C50C-407E-A947-70E740481C1C}">
-                <a14:useLocalDpi xmlns:a14="http://schemas.microsoft.com/office/drawing/2010/main" val="0"/>
-              </a:ext>
-            </a:extLst>
-          </a:blip>
-          <a:stretch>
-            <a:fillRect/>
-          </a:stretch>
-        </p:blipFill>
-        <p:spPr>
-          <a:xfrm>
-            <a:off x="7608408" y="122473"/>
-            <a:ext cx="1467011" cy="491720"/>
-          </a:xfrm>
-          <a:prstGeom prst="rect">
-            <a:avLst/>
-          </a:prstGeom>
-        </p:spPr>
-      </p:pic>
-      <p:sp>
-        <p:nvSpPr>
-          <p:cNvPr id="2" name="矩形 4"/>
-          <p:cNvSpPr/>
-          <p:nvPr/>
-        </p:nvSpPr>
-        <p:spPr>
-          <a:xfrm>
-            <a:off x="1931670" y="1216025"/>
-            <a:ext cx="6250305" cy="645795"/>
-          </a:xfrm>
-          <a:prstGeom prst="rect">
-            <a:avLst/>
-          </a:prstGeom>
-          <a:solidFill>
-            <a:srgbClr val="0070C0"/>
-          </a:solidFill>
-          <a:ln w="9525" cap="flat" cmpd="sng" algn="ctr">
-            <a:solidFill>
-              <a:schemeClr val="bg1"/>
-            </a:solidFill>
-            <a:prstDash val="solid"/>
-            <a:round/>
-            <a:headEnd type="none" w="med" len="med"/>
-            <a:tailEnd type="none" w="med" len="med"/>
-          </a:ln>
-        </p:spPr>
-        <p:txBody>
-          <a:bodyPr vert="horz" wrap="square" lIns="91440" tIns="45720" rIns="91440" bIns="45720" numCol="1" anchor="t" anchorCtr="0" compatLnSpc="1"/>
-          <a:lstStyle>
-            <a:defPPr>
-              <a:defRPr lang="zh-CN"/>
-            </a:defPPr>
-            <a:lvl1pPr marL="0" algn="l" defTabSz="914400" rtl="0" eaLnBrk="1" latinLnBrk="0" hangingPunct="1">
-              <a:defRPr sz="1800" kern="1200">
-                <a:solidFill>
-                  <a:schemeClr val="tx1"/>
-                </a:solidFill>
-                <a:latin typeface="+mn-lt"/>
-                <a:ea typeface="+mn-ea"/>
-                <a:cs typeface="+mn-cs"/>
-              </a:defRPr>
-            </a:lvl1pPr>
-            <a:lvl2pPr marL="457200" algn="l" defTabSz="914400" rtl="0" eaLnBrk="1" latinLnBrk="0" hangingPunct="1">
-              <a:defRPr sz="1800" kern="1200">
-                <a:solidFill>
-                  <a:schemeClr val="tx1"/>
-                </a:solidFill>
-                <a:latin typeface="+mn-lt"/>
-                <a:ea typeface="+mn-ea"/>
-                <a:cs typeface="+mn-cs"/>
-              </a:defRPr>
-            </a:lvl2pPr>
-            <a:lvl3pPr marL="914400" algn="l" defTabSz="914400" rtl="0" eaLnBrk="1" latinLnBrk="0" hangingPunct="1">
-              <a:defRPr sz="1800" kern="1200">
-                <a:solidFill>
-                  <a:schemeClr val="tx1"/>
-                </a:solidFill>
-                <a:latin typeface="+mn-lt"/>
-                <a:ea typeface="+mn-ea"/>
-                <a:cs typeface="+mn-cs"/>
-              </a:defRPr>
-            </a:lvl3pPr>
-            <a:lvl4pPr marL="1371600" algn="l" defTabSz="914400" rtl="0" eaLnBrk="1" latinLnBrk="0" hangingPunct="1">
-              <a:defRPr sz="1800" kern="1200">
-                <a:solidFill>
-                  <a:schemeClr val="tx1"/>
-                </a:solidFill>
-                <a:latin typeface="+mn-lt"/>
-                <a:ea typeface="+mn-ea"/>
-                <a:cs typeface="+mn-cs"/>
-              </a:defRPr>
-            </a:lvl4pPr>
-            <a:lvl5pPr marL="1828800" algn="l" defTabSz="914400" rtl="0" eaLnBrk="1" latinLnBrk="0" hangingPunct="1">
-              <a:defRPr sz="1800" kern="1200">
-                <a:solidFill>
-                  <a:schemeClr val="tx1"/>
-                </a:solidFill>
-                <a:latin typeface="+mn-lt"/>
-                <a:ea typeface="+mn-ea"/>
-                <a:cs typeface="+mn-cs"/>
-              </a:defRPr>
-            </a:lvl5pPr>
-            <a:lvl6pPr marL="2286000" algn="l" defTabSz="914400" rtl="0" eaLnBrk="1" latinLnBrk="0" hangingPunct="1">
-              <a:defRPr sz="1800" kern="1200">
-                <a:solidFill>
-                  <a:schemeClr val="tx1"/>
-                </a:solidFill>
-                <a:latin typeface="+mn-lt"/>
-                <a:ea typeface="+mn-ea"/>
-                <a:cs typeface="+mn-cs"/>
-              </a:defRPr>
-            </a:lvl6pPr>
-            <a:lvl7pPr marL="2743200" algn="l" defTabSz="914400" rtl="0" eaLnBrk="1" latinLnBrk="0" hangingPunct="1">
-              <a:defRPr sz="1800" kern="1200">
-                <a:solidFill>
-                  <a:schemeClr val="tx1"/>
-                </a:solidFill>
-                <a:latin typeface="+mn-lt"/>
-                <a:ea typeface="+mn-ea"/>
-                <a:cs typeface="+mn-cs"/>
-              </a:defRPr>
-            </a:lvl7pPr>
-            <a:lvl8pPr marL="3200400" algn="l" defTabSz="914400" rtl="0" eaLnBrk="1" latinLnBrk="0" hangingPunct="1">
-              <a:defRPr sz="1800" kern="1200">
-                <a:solidFill>
-                  <a:schemeClr val="tx1"/>
-                </a:solidFill>
-                <a:latin typeface="+mn-lt"/>
-                <a:ea typeface="+mn-ea"/>
-                <a:cs typeface="+mn-cs"/>
-              </a:defRPr>
-            </a:lvl8pPr>
-            <a:lvl9pPr marL="3657600" algn="l" defTabSz="914400" rtl="0" eaLnBrk="1" latinLnBrk="0" hangingPunct="1">
-              <a:defRPr sz="1800" kern="1200">
-                <a:solidFill>
-                  <a:schemeClr val="tx1"/>
-                </a:solidFill>
-                <a:latin typeface="+mn-lt"/>
-                <a:ea typeface="+mn-ea"/>
-                <a:cs typeface="+mn-cs"/>
-              </a:defRPr>
-            </a:lvl9pPr>
-          </a:lstStyle>
-          <a:p>
-            <a:pPr marL="0" marR="0" indent="0" algn="l" defTabSz="914400" rtl="0" eaLnBrk="1" fontAlgn="base" latinLnBrk="0" hangingPunct="1">
-              <a:lnSpc>
-                <a:spcPct val="100000"/>
-              </a:lnSpc>
-              <a:spcBef>
-                <a:spcPct val="0"/>
-              </a:spcBef>
-              <a:spcAft>
-                <a:spcPct val="0"/>
-              </a:spcAft>
-              <a:buClrTx/>
-              <a:buSzTx/>
-              <a:buFont typeface="Arial" panose="020B0604020202020204" pitchFamily="34" charset="0"/>
-              <a:buNone/>
-            </a:pPr>
-            <a:endParaRPr kumimoji="0" lang="zh-CN" altLang="en-US" sz="1800" b="0" i="0" u="none" strike="noStrike" cap="none" normalizeH="0" baseline="0" smtClean="0">
-              <a:ln>
-                <a:noFill/>
-              </a:ln>
-              <a:solidFill>
-                <a:schemeClr val="tx1"/>
-              </a:solidFill>
-              <a:effectLst/>
-              <a:latin typeface="Verdana" panose="020B0604030504040204" pitchFamily="34" charset="0"/>
-              <a:ea typeface="宋体" panose="02010600030101010101" pitchFamily="2" charset="-122"/>
-            </a:endParaRPr>
-          </a:p>
-        </p:txBody>
-      </p:sp>
-      <p:sp>
-        <p:nvSpPr>
-          <p:cNvPr id="7" name="TextBox 53"/>
-          <p:cNvSpPr txBox="1"/>
-          <p:nvPr/>
-        </p:nvSpPr>
-        <p:spPr>
-          <a:xfrm>
-            <a:off x="2113915" y="1216660"/>
-            <a:ext cx="6161405" cy="583565"/>
-          </a:xfrm>
-          <a:prstGeom prst="rect">
-            <a:avLst/>
-          </a:prstGeom>
-          <a:noFill/>
-          <a:ln w="9525">
-            <a:noFill/>
-          </a:ln>
-        </p:spPr>
-        <p:txBody>
-          <a:bodyPr wrap="square" anchor="t">
-            <a:spAutoFit/>
-          </a:bodyPr>
-          <a:lstStyle>
-            <a:defPPr>
-              <a:defRPr lang="zh-CN"/>
-            </a:defPPr>
-            <a:lvl1pPr marL="0" algn="l" defTabSz="914400" rtl="0" eaLnBrk="1" latinLnBrk="0" hangingPunct="1">
-              <a:defRPr sz="1800" kern="1200">
-                <a:solidFill>
-                  <a:schemeClr val="tx1"/>
-                </a:solidFill>
-                <a:latin typeface="+mn-lt"/>
-                <a:ea typeface="+mn-ea"/>
-                <a:cs typeface="+mn-cs"/>
-              </a:defRPr>
-            </a:lvl1pPr>
-            <a:lvl2pPr marL="457200" algn="l" defTabSz="914400" rtl="0" eaLnBrk="1" latinLnBrk="0" hangingPunct="1">
-              <a:defRPr sz="1800" kern="1200">
-                <a:solidFill>
-                  <a:schemeClr val="tx1"/>
-                </a:solidFill>
-                <a:latin typeface="+mn-lt"/>
-                <a:ea typeface="+mn-ea"/>
-                <a:cs typeface="+mn-cs"/>
-              </a:defRPr>
-            </a:lvl2pPr>
-            <a:lvl3pPr marL="914400" algn="l" defTabSz="914400" rtl="0" eaLnBrk="1" latinLnBrk="0" hangingPunct="1">
-              <a:defRPr sz="1800" kern="1200">
-                <a:solidFill>
-                  <a:schemeClr val="tx1"/>
-                </a:solidFill>
-                <a:latin typeface="+mn-lt"/>
-                <a:ea typeface="+mn-ea"/>
-                <a:cs typeface="+mn-cs"/>
-              </a:defRPr>
-            </a:lvl3pPr>
-            <a:lvl4pPr marL="1371600" algn="l" defTabSz="914400" rtl="0" eaLnBrk="1" latinLnBrk="0" hangingPunct="1">
-              <a:defRPr sz="1800" kern="1200">
-                <a:solidFill>
-                  <a:schemeClr val="tx1"/>
-                </a:solidFill>
-                <a:latin typeface="+mn-lt"/>
-                <a:ea typeface="+mn-ea"/>
-                <a:cs typeface="+mn-cs"/>
-              </a:defRPr>
-            </a:lvl4pPr>
-            <a:lvl5pPr marL="1828800" algn="l" defTabSz="914400" rtl="0" eaLnBrk="1" latinLnBrk="0" hangingPunct="1">
-              <a:defRPr sz="1800" kern="1200">
-                <a:solidFill>
-                  <a:schemeClr val="tx1"/>
-                </a:solidFill>
-                <a:latin typeface="+mn-lt"/>
-                <a:ea typeface="+mn-ea"/>
-                <a:cs typeface="+mn-cs"/>
-              </a:defRPr>
-            </a:lvl5pPr>
-            <a:lvl6pPr marL="2286000" algn="l" defTabSz="914400" rtl="0" eaLnBrk="1" latinLnBrk="0" hangingPunct="1">
-              <a:defRPr sz="1800" kern="1200">
-                <a:solidFill>
-                  <a:schemeClr val="tx1"/>
-                </a:solidFill>
-                <a:latin typeface="+mn-lt"/>
-                <a:ea typeface="+mn-ea"/>
-                <a:cs typeface="+mn-cs"/>
-              </a:defRPr>
-            </a:lvl6pPr>
-            <a:lvl7pPr marL="2743200" algn="l" defTabSz="914400" rtl="0" eaLnBrk="1" latinLnBrk="0" hangingPunct="1">
-              <a:defRPr sz="1800" kern="1200">
-                <a:solidFill>
-                  <a:schemeClr val="tx1"/>
-                </a:solidFill>
-                <a:latin typeface="+mn-lt"/>
-                <a:ea typeface="+mn-ea"/>
-                <a:cs typeface="+mn-cs"/>
-              </a:defRPr>
-            </a:lvl7pPr>
-            <a:lvl8pPr marL="3200400" algn="l" defTabSz="914400" rtl="0" eaLnBrk="1" latinLnBrk="0" hangingPunct="1">
-              <a:defRPr sz="1800" kern="1200">
-                <a:solidFill>
-                  <a:schemeClr val="tx1"/>
-                </a:solidFill>
-                <a:latin typeface="+mn-lt"/>
-                <a:ea typeface="+mn-ea"/>
-                <a:cs typeface="+mn-cs"/>
-              </a:defRPr>
-            </a:lvl8pPr>
-            <a:lvl9pPr marL="3657600" algn="l" defTabSz="914400" rtl="0" eaLnBrk="1" latinLnBrk="0" hangingPunct="1">
-              <a:defRPr sz="1800" kern="1200">
-                <a:solidFill>
-                  <a:schemeClr val="tx1"/>
-                </a:solidFill>
-                <a:latin typeface="+mn-lt"/>
-                <a:ea typeface="+mn-ea"/>
-                <a:cs typeface="+mn-cs"/>
-              </a:defRPr>
-            </a:lvl9pPr>
-          </a:lstStyle>
-          <a:p>
-            <a:pPr algn="l"/>
-            <a:r>
-              <a:rPr lang="zh-CN" altLang="en-US" sz="3200" b="1" dirty="0">
-                <a:solidFill>
-                  <a:schemeClr val="bg1"/>
-                </a:solidFill>
-                <a:latin typeface="Verdana" panose="020B0604030504040204" pitchFamily="34" charset="0"/>
-                <a:ea typeface="宋体" panose="02010600030101010101" pitchFamily="2" charset="-122"/>
-              </a:rPr>
-              <a:t>          </a:t>
-            </a:r>
-            <a:r>
-              <a:rPr lang="zh-CN" altLang="en-US" sz="3200">
-                <a:ln w="10160">
-                  <a:solidFill>
-                    <a:schemeClr val="accent5"/>
-                  </a:solidFill>
-                  <a:prstDash val="solid"/>
-                </a:ln>
-                <a:solidFill>
-                  <a:srgbClr val="FFFFFF"/>
-                </a:solidFill>
-                <a:effectLst>
-                  <a:outerShdw blurRad="38100" dist="22860" dir="5400000" algn="tl" rotWithShape="0">
-                    <a:srgbClr val="000000">
-                      <a:alpha val="30000"/>
-                    </a:srgbClr>
-                  </a:outerShdw>
-                </a:effectLst>
-                <a:sym typeface="+mn-ea"/>
-              </a:rPr>
-              <a:t>选题背景与意义</a:t>
-            </a:r>
-            <a:endParaRPr lang="zh-CN" altLang="en-US" sz="3200" b="1" dirty="0">
-              <a:ln w="10160">
-                <a:solidFill>
-                  <a:schemeClr val="accent5"/>
-                </a:solidFill>
-                <a:prstDash val="solid"/>
-              </a:ln>
-              <a:solidFill>
-                <a:srgbClr val="FFFFFF"/>
-              </a:solidFill>
-              <a:effectLst>
-                <a:outerShdw blurRad="38100" dist="22860" dir="5400000" algn="tl" rotWithShape="0">
-                  <a:srgbClr val="000000">
-                    <a:alpha val="30000"/>
-                  </a:srgbClr>
-                </a:outerShdw>
-              </a:effectLst>
-              <a:latin typeface="Verdana" panose="020B0604030504040204" pitchFamily="34" charset="0"/>
-              <a:ea typeface="宋体" panose="02010600030101010101" pitchFamily="2" charset="-122"/>
-              <a:sym typeface="+mn-ea"/>
-            </a:endParaRPr>
-          </a:p>
-        </p:txBody>
-      </p:sp>
-      <p:sp>
-        <p:nvSpPr>
-          <p:cNvPr id="8" name="Text Box 7"/>
-          <p:cNvSpPr txBox="1"/>
-          <p:nvPr/>
-        </p:nvSpPr>
-        <p:spPr>
-          <a:xfrm>
-            <a:off x="471170" y="217805"/>
-            <a:ext cx="3993515" cy="583565"/>
-          </a:xfrm>
-          <a:prstGeom prst="rect">
-            <a:avLst/>
-          </a:prstGeom>
-          <a:noFill/>
-        </p:spPr>
-        <p:txBody>
-          <a:bodyPr wrap="square" rtlCol="0">
-            <a:spAutoFit/>
-          </a:bodyPr>
-          <a:p>
-            <a:r>
-              <a:rPr lang="zh-CN" altLang="en-US" sz="3200">
-                <a:ln w="12700">
-                  <a:solidFill>
-                    <a:schemeClr val="tx2">
-                      <a:lumMod val="75000"/>
-                    </a:schemeClr>
-                  </a:solidFill>
-                  <a:prstDash val="solid"/>
-                </a:ln>
-                <a:pattFill prst="dkUpDiag">
-                  <a:fgClr>
-                    <a:schemeClr val="tx2"/>
-                  </a:fgClr>
-                  <a:bgClr>
-                    <a:schemeClr val="tx2">
-                      <a:lumMod val="20000"/>
-                      <a:lumOff val="80000"/>
-                    </a:schemeClr>
-                  </a:bgClr>
-                </a:pattFill>
-                <a:effectLst>
-                  <a:outerShdw dist="38100" dir="2640000" algn="bl" rotWithShape="0">
-                    <a:schemeClr val="tx2">
-                      <a:lumMod val="75000"/>
-                    </a:schemeClr>
-                  </a:outerShdw>
-                </a:effectLst>
-              </a:rPr>
-              <a:t>汇报提纲</a:t>
-            </a:r>
-            <a:endParaRPr lang="zh-CN" altLang="en-US" sz="3200">
-              <a:ln w="12700">
-                <a:solidFill>
-                  <a:schemeClr val="tx2">
-                    <a:lumMod val="75000"/>
-                  </a:schemeClr>
-                </a:solidFill>
-                <a:prstDash val="solid"/>
-              </a:ln>
-              <a:pattFill prst="dkUpDiag">
-                <a:fgClr>
-                  <a:schemeClr val="tx2"/>
-                </a:fgClr>
-                <a:bgClr>
-                  <a:schemeClr val="tx2">
-                    <a:lumMod val="20000"/>
-                    <a:lumOff val="80000"/>
-                  </a:schemeClr>
-                </a:bgClr>
-              </a:pattFill>
-              <a:effectLst>
-                <a:outerShdw dist="38100" dir="2640000" algn="bl" rotWithShape="0">
-                  <a:schemeClr val="tx2">
-                    <a:lumMod val="75000"/>
-                  </a:schemeClr>
-                </a:outerShdw>
-              </a:effectLst>
-            </a:endParaRPr>
-          </a:p>
-        </p:txBody>
-      </p:sp>
-      <p:sp>
-        <p:nvSpPr>
-          <p:cNvPr id="15" name="矩形 4"/>
-          <p:cNvSpPr/>
-          <p:nvPr/>
-        </p:nvSpPr>
-        <p:spPr>
-          <a:xfrm>
-            <a:off x="1931670" y="2164715"/>
-            <a:ext cx="6250305" cy="645795"/>
-          </a:xfrm>
-          <a:prstGeom prst="rect">
-            <a:avLst/>
-          </a:prstGeom>
-          <a:solidFill>
-            <a:srgbClr val="0070C0"/>
-          </a:solidFill>
-          <a:ln w="9525" cap="flat" cmpd="sng" algn="ctr">
-            <a:solidFill>
-              <a:schemeClr val="bg1"/>
-            </a:solidFill>
-            <a:prstDash val="solid"/>
-            <a:round/>
-            <a:headEnd type="none" w="med" len="med"/>
-            <a:tailEnd type="none" w="med" len="med"/>
-          </a:ln>
-        </p:spPr>
-        <p:txBody>
-          <a:bodyPr vert="horz" wrap="square" lIns="91440" tIns="45720" rIns="91440" bIns="45720" numCol="1" anchor="t" anchorCtr="0" compatLnSpc="1"/>
-          <a:lstStyle>
-            <a:defPPr>
-              <a:defRPr lang="zh-CN"/>
-            </a:defPPr>
-            <a:lvl1pPr marL="0" algn="l" defTabSz="914400" rtl="0" eaLnBrk="1" latinLnBrk="0" hangingPunct="1">
-              <a:defRPr sz="1800" kern="1200">
-                <a:solidFill>
-                  <a:schemeClr val="tx1"/>
-                </a:solidFill>
-                <a:latin typeface="+mn-lt"/>
-                <a:ea typeface="+mn-ea"/>
-                <a:cs typeface="+mn-cs"/>
-              </a:defRPr>
-            </a:lvl1pPr>
-            <a:lvl2pPr marL="457200" algn="l" defTabSz="914400" rtl="0" eaLnBrk="1" latinLnBrk="0" hangingPunct="1">
-              <a:defRPr sz="1800" kern="1200">
-                <a:solidFill>
-                  <a:schemeClr val="tx1"/>
-                </a:solidFill>
-                <a:latin typeface="+mn-lt"/>
-                <a:ea typeface="+mn-ea"/>
-                <a:cs typeface="+mn-cs"/>
-              </a:defRPr>
-            </a:lvl2pPr>
-            <a:lvl3pPr marL="914400" algn="l" defTabSz="914400" rtl="0" eaLnBrk="1" latinLnBrk="0" hangingPunct="1">
-              <a:defRPr sz="1800" kern="1200">
-                <a:solidFill>
-                  <a:schemeClr val="tx1"/>
-                </a:solidFill>
-                <a:latin typeface="+mn-lt"/>
-                <a:ea typeface="+mn-ea"/>
-                <a:cs typeface="+mn-cs"/>
-              </a:defRPr>
-            </a:lvl3pPr>
-            <a:lvl4pPr marL="1371600" algn="l" defTabSz="914400" rtl="0" eaLnBrk="1" latinLnBrk="0" hangingPunct="1">
-              <a:defRPr sz="1800" kern="1200">
-                <a:solidFill>
-                  <a:schemeClr val="tx1"/>
-                </a:solidFill>
-                <a:latin typeface="+mn-lt"/>
-                <a:ea typeface="+mn-ea"/>
-                <a:cs typeface="+mn-cs"/>
-              </a:defRPr>
-            </a:lvl4pPr>
-            <a:lvl5pPr marL="1828800" algn="l" defTabSz="914400" rtl="0" eaLnBrk="1" latinLnBrk="0" hangingPunct="1">
-              <a:defRPr sz="1800" kern="1200">
-                <a:solidFill>
-                  <a:schemeClr val="tx1"/>
-                </a:solidFill>
-                <a:latin typeface="+mn-lt"/>
-                <a:ea typeface="+mn-ea"/>
-                <a:cs typeface="+mn-cs"/>
-              </a:defRPr>
-            </a:lvl5pPr>
-            <a:lvl6pPr marL="2286000" algn="l" defTabSz="914400" rtl="0" eaLnBrk="1" latinLnBrk="0" hangingPunct="1">
-              <a:defRPr sz="1800" kern="1200">
-                <a:solidFill>
-                  <a:schemeClr val="tx1"/>
-                </a:solidFill>
-                <a:latin typeface="+mn-lt"/>
-                <a:ea typeface="+mn-ea"/>
-                <a:cs typeface="+mn-cs"/>
-              </a:defRPr>
-            </a:lvl6pPr>
-            <a:lvl7pPr marL="2743200" algn="l" defTabSz="914400" rtl="0" eaLnBrk="1" latinLnBrk="0" hangingPunct="1">
-              <a:defRPr sz="1800" kern="1200">
-                <a:solidFill>
-                  <a:schemeClr val="tx1"/>
-                </a:solidFill>
-                <a:latin typeface="+mn-lt"/>
-                <a:ea typeface="+mn-ea"/>
-                <a:cs typeface="+mn-cs"/>
-              </a:defRPr>
-            </a:lvl7pPr>
-            <a:lvl8pPr marL="3200400" algn="l" defTabSz="914400" rtl="0" eaLnBrk="1" latinLnBrk="0" hangingPunct="1">
-              <a:defRPr sz="1800" kern="1200">
-                <a:solidFill>
-                  <a:schemeClr val="tx1"/>
-                </a:solidFill>
-                <a:latin typeface="+mn-lt"/>
-                <a:ea typeface="+mn-ea"/>
-                <a:cs typeface="+mn-cs"/>
-              </a:defRPr>
-            </a:lvl8pPr>
-            <a:lvl9pPr marL="3657600" algn="l" defTabSz="914400" rtl="0" eaLnBrk="1" latinLnBrk="0" hangingPunct="1">
-              <a:defRPr sz="1800" kern="1200">
-                <a:solidFill>
-                  <a:schemeClr val="tx1"/>
-                </a:solidFill>
-                <a:latin typeface="+mn-lt"/>
-                <a:ea typeface="+mn-ea"/>
-                <a:cs typeface="+mn-cs"/>
-              </a:defRPr>
-            </a:lvl9pPr>
-          </a:lstStyle>
-          <a:p>
-            <a:pPr marL="0" marR="0" indent="0" algn="l" defTabSz="914400" rtl="0" eaLnBrk="1" fontAlgn="base" latinLnBrk="0" hangingPunct="1">
-              <a:lnSpc>
-                <a:spcPct val="100000"/>
-              </a:lnSpc>
-              <a:spcBef>
-                <a:spcPct val="0"/>
-              </a:spcBef>
-              <a:spcAft>
-                <a:spcPct val="0"/>
-              </a:spcAft>
-              <a:buClrTx/>
-              <a:buSzTx/>
-              <a:buFont typeface="Arial" panose="020B0604020202020204" pitchFamily="34" charset="0"/>
-              <a:buNone/>
-            </a:pPr>
-            <a:endParaRPr kumimoji="0" lang="zh-CN" altLang="en-US" sz="1800" b="0" i="0" u="none" strike="noStrike" cap="none" normalizeH="0" baseline="0" smtClean="0">
-              <a:ln>
-                <a:noFill/>
-              </a:ln>
-              <a:solidFill>
-                <a:schemeClr val="tx1"/>
-              </a:solidFill>
-              <a:effectLst/>
-              <a:latin typeface="Verdana" panose="020B0604030504040204" pitchFamily="34" charset="0"/>
-              <a:ea typeface="宋体" panose="02010600030101010101" pitchFamily="2" charset="-122"/>
-            </a:endParaRPr>
-          </a:p>
-        </p:txBody>
-      </p:sp>
-      <p:sp>
-        <p:nvSpPr>
-          <p:cNvPr id="16" name="TextBox 53"/>
-          <p:cNvSpPr txBox="1"/>
-          <p:nvPr/>
-        </p:nvSpPr>
-        <p:spPr>
-          <a:xfrm>
-            <a:off x="2113915" y="2165350"/>
-            <a:ext cx="6161405" cy="583565"/>
-          </a:xfrm>
-          <a:prstGeom prst="rect">
-            <a:avLst/>
-          </a:prstGeom>
-          <a:noFill/>
-          <a:ln w="9525">
-            <a:noFill/>
-          </a:ln>
-        </p:spPr>
-        <p:txBody>
-          <a:bodyPr wrap="square" anchor="t">
-            <a:spAutoFit/>
-          </a:bodyPr>
-          <a:lstStyle>
-            <a:defPPr>
-              <a:defRPr lang="zh-CN"/>
-            </a:defPPr>
-            <a:lvl1pPr marL="0" algn="l" defTabSz="914400" rtl="0" eaLnBrk="1" latinLnBrk="0" hangingPunct="1">
-              <a:defRPr sz="1800" kern="1200">
-                <a:solidFill>
-                  <a:schemeClr val="tx1"/>
-                </a:solidFill>
-                <a:latin typeface="+mn-lt"/>
-                <a:ea typeface="+mn-ea"/>
-                <a:cs typeface="+mn-cs"/>
-              </a:defRPr>
-            </a:lvl1pPr>
-            <a:lvl2pPr marL="457200" algn="l" defTabSz="914400" rtl="0" eaLnBrk="1" latinLnBrk="0" hangingPunct="1">
-              <a:defRPr sz="1800" kern="1200">
-                <a:solidFill>
-                  <a:schemeClr val="tx1"/>
-                </a:solidFill>
-                <a:latin typeface="+mn-lt"/>
-                <a:ea typeface="+mn-ea"/>
-                <a:cs typeface="+mn-cs"/>
-              </a:defRPr>
-            </a:lvl2pPr>
-            <a:lvl3pPr marL="914400" algn="l" defTabSz="914400" rtl="0" eaLnBrk="1" latinLnBrk="0" hangingPunct="1">
-              <a:defRPr sz="1800" kern="1200">
-                <a:solidFill>
-                  <a:schemeClr val="tx1"/>
-                </a:solidFill>
-                <a:latin typeface="+mn-lt"/>
-                <a:ea typeface="+mn-ea"/>
-                <a:cs typeface="+mn-cs"/>
-              </a:defRPr>
-            </a:lvl3pPr>
-            <a:lvl4pPr marL="1371600" algn="l" defTabSz="914400" rtl="0" eaLnBrk="1" latinLnBrk="0" hangingPunct="1">
-              <a:defRPr sz="1800" kern="1200">
-                <a:solidFill>
-                  <a:schemeClr val="tx1"/>
-                </a:solidFill>
-                <a:latin typeface="+mn-lt"/>
-                <a:ea typeface="+mn-ea"/>
-                <a:cs typeface="+mn-cs"/>
-              </a:defRPr>
-            </a:lvl4pPr>
-            <a:lvl5pPr marL="1828800" algn="l" defTabSz="914400" rtl="0" eaLnBrk="1" latinLnBrk="0" hangingPunct="1">
-              <a:defRPr sz="1800" kern="1200">
-                <a:solidFill>
-                  <a:schemeClr val="tx1"/>
-                </a:solidFill>
-                <a:latin typeface="+mn-lt"/>
-                <a:ea typeface="+mn-ea"/>
-                <a:cs typeface="+mn-cs"/>
-              </a:defRPr>
-            </a:lvl5pPr>
-            <a:lvl6pPr marL="2286000" algn="l" defTabSz="914400" rtl="0" eaLnBrk="1" latinLnBrk="0" hangingPunct="1">
-              <a:defRPr sz="1800" kern="1200">
-                <a:solidFill>
-                  <a:schemeClr val="tx1"/>
-                </a:solidFill>
-                <a:latin typeface="+mn-lt"/>
-                <a:ea typeface="+mn-ea"/>
-                <a:cs typeface="+mn-cs"/>
-              </a:defRPr>
-            </a:lvl6pPr>
-            <a:lvl7pPr marL="2743200" algn="l" defTabSz="914400" rtl="0" eaLnBrk="1" latinLnBrk="0" hangingPunct="1">
-              <a:defRPr sz="1800" kern="1200">
-                <a:solidFill>
-                  <a:schemeClr val="tx1"/>
-                </a:solidFill>
-                <a:latin typeface="+mn-lt"/>
-                <a:ea typeface="+mn-ea"/>
-                <a:cs typeface="+mn-cs"/>
-              </a:defRPr>
-            </a:lvl7pPr>
-            <a:lvl8pPr marL="3200400" algn="l" defTabSz="914400" rtl="0" eaLnBrk="1" latinLnBrk="0" hangingPunct="1">
-              <a:defRPr sz="1800" kern="1200">
-                <a:solidFill>
-                  <a:schemeClr val="tx1"/>
-                </a:solidFill>
-                <a:latin typeface="+mn-lt"/>
-                <a:ea typeface="+mn-ea"/>
-                <a:cs typeface="+mn-cs"/>
-              </a:defRPr>
-            </a:lvl8pPr>
-            <a:lvl9pPr marL="3657600" algn="l" defTabSz="914400" rtl="0" eaLnBrk="1" latinLnBrk="0" hangingPunct="1">
-              <a:defRPr sz="1800" kern="1200">
-                <a:solidFill>
-                  <a:schemeClr val="tx1"/>
-                </a:solidFill>
-                <a:latin typeface="+mn-lt"/>
-                <a:ea typeface="+mn-ea"/>
-                <a:cs typeface="+mn-cs"/>
-              </a:defRPr>
-            </a:lvl9pPr>
-          </a:lstStyle>
-          <a:p>
-            <a:pPr algn="l"/>
-            <a:r>
-              <a:rPr lang="zh-CN" altLang="en-US" sz="3200" b="1" dirty="0">
-                <a:solidFill>
-                  <a:schemeClr val="bg1"/>
-                </a:solidFill>
-                <a:latin typeface="Verdana" panose="020B0604030504040204" pitchFamily="34" charset="0"/>
-                <a:ea typeface="宋体" panose="02010600030101010101" pitchFamily="2" charset="-122"/>
-                <a:sym typeface="+mn-ea"/>
-              </a:rPr>
-              <a:t>          </a:t>
-            </a:r>
-            <a:r>
-              <a:rPr lang="zh-CN" altLang="en-US" sz="3200">
-                <a:ln w="10160">
-                  <a:solidFill>
-                    <a:schemeClr val="accent5"/>
-                  </a:solidFill>
-                  <a:prstDash val="solid"/>
-                </a:ln>
-                <a:solidFill>
-                  <a:srgbClr val="FFFFFF"/>
-                </a:solidFill>
-                <a:effectLst>
-                  <a:outerShdw blurRad="38100" dist="22860" dir="5400000" algn="tl" rotWithShape="0">
-                    <a:srgbClr val="000000">
-                      <a:alpha val="30000"/>
-                    </a:srgbClr>
-                  </a:outerShdw>
-                </a:effectLst>
-                <a:sym typeface="+mn-ea"/>
-              </a:rPr>
-              <a:t>研究内容与方案</a:t>
-            </a:r>
-            <a:endParaRPr lang="zh-CN" altLang="en-US" sz="3200">
-              <a:ln w="10160">
-                <a:solidFill>
-                  <a:schemeClr val="accent5"/>
-                </a:solidFill>
-                <a:prstDash val="solid"/>
-              </a:ln>
-              <a:solidFill>
-                <a:srgbClr val="FFFFFF"/>
-              </a:solidFill>
-              <a:effectLst>
-                <a:outerShdw blurRad="38100" dist="22860" dir="5400000" algn="tl" rotWithShape="0">
-                  <a:srgbClr val="000000">
-                    <a:alpha val="30000"/>
-                  </a:srgbClr>
-                </a:outerShdw>
-              </a:effectLst>
-              <a:sym typeface="+mn-ea"/>
-            </a:endParaRPr>
-          </a:p>
-        </p:txBody>
-      </p:sp>
-      <p:sp>
-        <p:nvSpPr>
-          <p:cNvPr id="17" name="矩形 4"/>
-          <p:cNvSpPr/>
-          <p:nvPr/>
-        </p:nvSpPr>
-        <p:spPr>
-          <a:xfrm>
-            <a:off x="1931670" y="3115310"/>
-            <a:ext cx="6250305" cy="645795"/>
-          </a:xfrm>
-          <a:prstGeom prst="rect">
-            <a:avLst/>
-          </a:prstGeom>
-          <a:solidFill>
-            <a:srgbClr val="0070C0"/>
-          </a:solidFill>
-          <a:ln w="9525" cap="flat" cmpd="sng" algn="ctr">
-            <a:solidFill>
-              <a:schemeClr val="bg1"/>
-            </a:solidFill>
-            <a:prstDash val="solid"/>
-            <a:round/>
-            <a:headEnd type="none" w="med" len="med"/>
-            <a:tailEnd type="none" w="med" len="med"/>
-          </a:ln>
-        </p:spPr>
-        <p:txBody>
-          <a:bodyPr vert="horz" wrap="square" lIns="91440" tIns="45720" rIns="91440" bIns="45720" numCol="1" anchor="t" anchorCtr="0" compatLnSpc="1"/>
-          <a:lstStyle>
-            <a:defPPr>
-              <a:defRPr lang="zh-CN"/>
-            </a:defPPr>
-            <a:lvl1pPr marL="0" algn="l" defTabSz="914400" rtl="0" eaLnBrk="1" latinLnBrk="0" hangingPunct="1">
-              <a:defRPr sz="1800" kern="1200">
-                <a:solidFill>
-                  <a:schemeClr val="tx1"/>
-                </a:solidFill>
-                <a:latin typeface="+mn-lt"/>
-                <a:ea typeface="+mn-ea"/>
-                <a:cs typeface="+mn-cs"/>
-              </a:defRPr>
-            </a:lvl1pPr>
-            <a:lvl2pPr marL="457200" algn="l" defTabSz="914400" rtl="0" eaLnBrk="1" latinLnBrk="0" hangingPunct="1">
-              <a:defRPr sz="1800" kern="1200">
-                <a:solidFill>
-                  <a:schemeClr val="tx1"/>
-                </a:solidFill>
-                <a:latin typeface="+mn-lt"/>
-                <a:ea typeface="+mn-ea"/>
-                <a:cs typeface="+mn-cs"/>
-              </a:defRPr>
-            </a:lvl2pPr>
-            <a:lvl3pPr marL="914400" algn="l" defTabSz="914400" rtl="0" eaLnBrk="1" latinLnBrk="0" hangingPunct="1">
-              <a:defRPr sz="1800" kern="1200">
-                <a:solidFill>
-                  <a:schemeClr val="tx1"/>
-                </a:solidFill>
-                <a:latin typeface="+mn-lt"/>
-                <a:ea typeface="+mn-ea"/>
-                <a:cs typeface="+mn-cs"/>
-              </a:defRPr>
-            </a:lvl3pPr>
-            <a:lvl4pPr marL="1371600" algn="l" defTabSz="914400" rtl="0" eaLnBrk="1" latinLnBrk="0" hangingPunct="1">
-              <a:defRPr sz="1800" kern="1200">
-                <a:solidFill>
-                  <a:schemeClr val="tx1"/>
-                </a:solidFill>
-                <a:latin typeface="+mn-lt"/>
-                <a:ea typeface="+mn-ea"/>
-                <a:cs typeface="+mn-cs"/>
-              </a:defRPr>
-            </a:lvl4pPr>
-            <a:lvl5pPr marL="1828800" algn="l" defTabSz="914400" rtl="0" eaLnBrk="1" latinLnBrk="0" hangingPunct="1">
-              <a:defRPr sz="1800" kern="1200">
-                <a:solidFill>
-                  <a:schemeClr val="tx1"/>
-                </a:solidFill>
-                <a:latin typeface="+mn-lt"/>
-                <a:ea typeface="+mn-ea"/>
-                <a:cs typeface="+mn-cs"/>
-              </a:defRPr>
-            </a:lvl5pPr>
-            <a:lvl6pPr marL="2286000" algn="l" defTabSz="914400" rtl="0" eaLnBrk="1" latinLnBrk="0" hangingPunct="1">
-              <a:defRPr sz="1800" kern="1200">
-                <a:solidFill>
-                  <a:schemeClr val="tx1"/>
-                </a:solidFill>
-                <a:latin typeface="+mn-lt"/>
-                <a:ea typeface="+mn-ea"/>
-                <a:cs typeface="+mn-cs"/>
-              </a:defRPr>
-            </a:lvl6pPr>
-            <a:lvl7pPr marL="2743200" algn="l" defTabSz="914400" rtl="0" eaLnBrk="1" latinLnBrk="0" hangingPunct="1">
-              <a:defRPr sz="1800" kern="1200">
-                <a:solidFill>
-                  <a:schemeClr val="tx1"/>
-                </a:solidFill>
-                <a:latin typeface="+mn-lt"/>
-                <a:ea typeface="+mn-ea"/>
-                <a:cs typeface="+mn-cs"/>
-              </a:defRPr>
-            </a:lvl7pPr>
-            <a:lvl8pPr marL="3200400" algn="l" defTabSz="914400" rtl="0" eaLnBrk="1" latinLnBrk="0" hangingPunct="1">
-              <a:defRPr sz="1800" kern="1200">
-                <a:solidFill>
-                  <a:schemeClr val="tx1"/>
-                </a:solidFill>
-                <a:latin typeface="+mn-lt"/>
-                <a:ea typeface="+mn-ea"/>
-                <a:cs typeface="+mn-cs"/>
-              </a:defRPr>
-            </a:lvl8pPr>
-            <a:lvl9pPr marL="3657600" algn="l" defTabSz="914400" rtl="0" eaLnBrk="1" latinLnBrk="0" hangingPunct="1">
-              <a:defRPr sz="1800" kern="1200">
-                <a:solidFill>
-                  <a:schemeClr val="tx1"/>
-                </a:solidFill>
-                <a:latin typeface="+mn-lt"/>
-                <a:ea typeface="+mn-ea"/>
-                <a:cs typeface="+mn-cs"/>
-              </a:defRPr>
-            </a:lvl9pPr>
-          </a:lstStyle>
-          <a:p>
-            <a:pPr marL="0" marR="0" indent="0" algn="l" defTabSz="914400" rtl="0" eaLnBrk="1" fontAlgn="base" latinLnBrk="0" hangingPunct="1">
-              <a:lnSpc>
-                <a:spcPct val="100000"/>
-              </a:lnSpc>
-              <a:spcBef>
-                <a:spcPct val="0"/>
-              </a:spcBef>
-              <a:spcAft>
-                <a:spcPct val="0"/>
-              </a:spcAft>
-              <a:buClrTx/>
-              <a:buSzTx/>
-              <a:buFont typeface="Arial" panose="020B0604020202020204" pitchFamily="34" charset="0"/>
-              <a:buNone/>
-            </a:pPr>
-            <a:endParaRPr kumimoji="0" lang="zh-CN" altLang="en-US" sz="1800" b="0" i="0" u="none" strike="noStrike" cap="none" normalizeH="0" baseline="0" smtClean="0">
-              <a:ln>
-                <a:noFill/>
-              </a:ln>
-              <a:solidFill>
-                <a:schemeClr val="tx1"/>
-              </a:solidFill>
-              <a:effectLst/>
-              <a:latin typeface="Verdana" panose="020B0604030504040204" pitchFamily="34" charset="0"/>
-              <a:ea typeface="宋体" panose="02010600030101010101" pitchFamily="2" charset="-122"/>
-            </a:endParaRPr>
-          </a:p>
-        </p:txBody>
-      </p:sp>
-      <p:sp>
-        <p:nvSpPr>
-          <p:cNvPr id="18" name="TextBox 53"/>
-          <p:cNvSpPr txBox="1"/>
-          <p:nvPr/>
-        </p:nvSpPr>
-        <p:spPr>
-          <a:xfrm>
-            <a:off x="2113915" y="3115945"/>
-            <a:ext cx="6161405" cy="583565"/>
-          </a:xfrm>
-          <a:prstGeom prst="rect">
-            <a:avLst/>
-          </a:prstGeom>
-          <a:noFill/>
-          <a:ln w="9525">
-            <a:noFill/>
-          </a:ln>
-        </p:spPr>
-        <p:txBody>
-          <a:bodyPr wrap="square" anchor="t">
-            <a:spAutoFit/>
-          </a:bodyPr>
-          <a:lstStyle>
-            <a:defPPr>
-              <a:defRPr lang="zh-CN"/>
-            </a:defPPr>
-            <a:lvl1pPr marL="0" algn="l" defTabSz="914400" rtl="0" eaLnBrk="1" latinLnBrk="0" hangingPunct="1">
-              <a:defRPr sz="1800" kern="1200">
-                <a:solidFill>
-                  <a:schemeClr val="tx1"/>
-                </a:solidFill>
-                <a:latin typeface="+mn-lt"/>
-                <a:ea typeface="+mn-ea"/>
-                <a:cs typeface="+mn-cs"/>
-              </a:defRPr>
-            </a:lvl1pPr>
-            <a:lvl2pPr marL="457200" algn="l" defTabSz="914400" rtl="0" eaLnBrk="1" latinLnBrk="0" hangingPunct="1">
-              <a:defRPr sz="1800" kern="1200">
-                <a:solidFill>
-                  <a:schemeClr val="tx1"/>
-                </a:solidFill>
-                <a:latin typeface="+mn-lt"/>
-                <a:ea typeface="+mn-ea"/>
-                <a:cs typeface="+mn-cs"/>
-              </a:defRPr>
-            </a:lvl2pPr>
-            <a:lvl3pPr marL="914400" algn="l" defTabSz="914400" rtl="0" eaLnBrk="1" latinLnBrk="0" hangingPunct="1">
-              <a:defRPr sz="1800" kern="1200">
-                <a:solidFill>
-                  <a:schemeClr val="tx1"/>
-                </a:solidFill>
-                <a:latin typeface="+mn-lt"/>
-                <a:ea typeface="+mn-ea"/>
-                <a:cs typeface="+mn-cs"/>
-              </a:defRPr>
-            </a:lvl3pPr>
-            <a:lvl4pPr marL="1371600" algn="l" defTabSz="914400" rtl="0" eaLnBrk="1" latinLnBrk="0" hangingPunct="1">
-              <a:defRPr sz="1800" kern="1200">
-                <a:solidFill>
-                  <a:schemeClr val="tx1"/>
-                </a:solidFill>
-                <a:latin typeface="+mn-lt"/>
-                <a:ea typeface="+mn-ea"/>
-                <a:cs typeface="+mn-cs"/>
-              </a:defRPr>
-            </a:lvl4pPr>
-            <a:lvl5pPr marL="1828800" algn="l" defTabSz="914400" rtl="0" eaLnBrk="1" latinLnBrk="0" hangingPunct="1">
-              <a:defRPr sz="1800" kern="1200">
-                <a:solidFill>
-                  <a:schemeClr val="tx1"/>
-                </a:solidFill>
-                <a:latin typeface="+mn-lt"/>
-                <a:ea typeface="+mn-ea"/>
-                <a:cs typeface="+mn-cs"/>
-              </a:defRPr>
-            </a:lvl5pPr>
-            <a:lvl6pPr marL="2286000" algn="l" defTabSz="914400" rtl="0" eaLnBrk="1" latinLnBrk="0" hangingPunct="1">
-              <a:defRPr sz="1800" kern="1200">
-                <a:solidFill>
-                  <a:schemeClr val="tx1"/>
-                </a:solidFill>
-                <a:latin typeface="+mn-lt"/>
-                <a:ea typeface="+mn-ea"/>
-                <a:cs typeface="+mn-cs"/>
-              </a:defRPr>
-            </a:lvl6pPr>
-            <a:lvl7pPr marL="2743200" algn="l" defTabSz="914400" rtl="0" eaLnBrk="1" latinLnBrk="0" hangingPunct="1">
-              <a:defRPr sz="1800" kern="1200">
-                <a:solidFill>
-                  <a:schemeClr val="tx1"/>
-                </a:solidFill>
-                <a:latin typeface="+mn-lt"/>
-                <a:ea typeface="+mn-ea"/>
-                <a:cs typeface="+mn-cs"/>
-              </a:defRPr>
-            </a:lvl7pPr>
-            <a:lvl8pPr marL="3200400" algn="l" defTabSz="914400" rtl="0" eaLnBrk="1" latinLnBrk="0" hangingPunct="1">
-              <a:defRPr sz="1800" kern="1200">
-                <a:solidFill>
-                  <a:schemeClr val="tx1"/>
-                </a:solidFill>
-                <a:latin typeface="+mn-lt"/>
-                <a:ea typeface="+mn-ea"/>
-                <a:cs typeface="+mn-cs"/>
-              </a:defRPr>
-            </a:lvl8pPr>
-            <a:lvl9pPr marL="3657600" algn="l" defTabSz="914400" rtl="0" eaLnBrk="1" latinLnBrk="0" hangingPunct="1">
-              <a:defRPr sz="1800" kern="1200">
-                <a:solidFill>
-                  <a:schemeClr val="tx1"/>
-                </a:solidFill>
-                <a:latin typeface="+mn-lt"/>
-                <a:ea typeface="+mn-ea"/>
-                <a:cs typeface="+mn-cs"/>
-              </a:defRPr>
-            </a:lvl9pPr>
-          </a:lstStyle>
-          <a:p>
-            <a:pPr algn="l"/>
-            <a:r>
-              <a:rPr lang="en-US" altLang="zh-CN" sz="3200" b="1" dirty="0">
-                <a:solidFill>
-                  <a:schemeClr val="bg1"/>
-                </a:solidFill>
-                <a:latin typeface="Verdana" panose="020B0604030504040204" pitchFamily="34" charset="0"/>
-                <a:ea typeface="宋体" panose="02010600030101010101" pitchFamily="2" charset="-122"/>
-              </a:rPr>
-              <a:t>  </a:t>
-            </a:r>
-            <a:r>
-              <a:rPr lang="zh-CN" altLang="en-US" sz="3200" b="1" dirty="0">
-                <a:solidFill>
-                  <a:schemeClr val="bg1"/>
-                </a:solidFill>
-                <a:latin typeface="Verdana" panose="020B0604030504040204" pitchFamily="34" charset="0"/>
-                <a:ea typeface="宋体" panose="02010600030101010101" pitchFamily="2" charset="-122"/>
-              </a:rPr>
-              <a:t>        </a:t>
-            </a:r>
-            <a:r>
-              <a:rPr lang="zh-CN" altLang="en-US" sz="3200">
-                <a:ln w="10160">
-                  <a:solidFill>
-                    <a:schemeClr val="accent5"/>
-                  </a:solidFill>
-                  <a:prstDash val="solid"/>
-                </a:ln>
-                <a:solidFill>
-                  <a:srgbClr val="FFFFFF"/>
-                </a:solidFill>
-                <a:effectLst>
-                  <a:outerShdw blurRad="38100" dist="22860" dir="5400000" algn="tl" rotWithShape="0">
-                    <a:srgbClr val="000000">
-                      <a:alpha val="30000"/>
-                    </a:srgbClr>
-                  </a:outerShdw>
-                </a:effectLst>
-                <a:sym typeface="+mn-ea"/>
-              </a:rPr>
-              <a:t>前期准备工作</a:t>
-            </a:r>
-            <a:endParaRPr lang="zh-CN" altLang="en-US" sz="3200">
-              <a:ln w="10160">
-                <a:solidFill>
-                  <a:schemeClr val="accent5"/>
-                </a:solidFill>
-                <a:prstDash val="solid"/>
-              </a:ln>
-              <a:solidFill>
-                <a:srgbClr val="FFFFFF"/>
-              </a:solidFill>
-              <a:effectLst>
-                <a:outerShdw blurRad="38100" dist="22860" dir="5400000" algn="tl" rotWithShape="0">
-                  <a:srgbClr val="000000">
-                    <a:alpha val="30000"/>
-                  </a:srgbClr>
-                </a:outerShdw>
-              </a:effectLst>
-              <a:sym typeface="+mn-ea"/>
-            </a:endParaRPr>
-          </a:p>
-        </p:txBody>
-      </p:sp>
-      <p:sp>
-        <p:nvSpPr>
-          <p:cNvPr id="20" name="矩形 4"/>
-          <p:cNvSpPr/>
-          <p:nvPr/>
-        </p:nvSpPr>
-        <p:spPr>
-          <a:xfrm>
-            <a:off x="1931670" y="4028440"/>
-            <a:ext cx="6250305" cy="645795"/>
-          </a:xfrm>
-          <a:prstGeom prst="rect">
-            <a:avLst/>
-          </a:prstGeom>
-          <a:solidFill>
-            <a:srgbClr val="0070C0"/>
-          </a:solidFill>
-          <a:ln w="9525" cap="flat" cmpd="sng" algn="ctr">
-            <a:solidFill>
-              <a:schemeClr val="bg1"/>
-            </a:solidFill>
-            <a:prstDash val="solid"/>
-            <a:round/>
-            <a:headEnd type="none" w="med" len="med"/>
-            <a:tailEnd type="none" w="med" len="med"/>
-          </a:ln>
-        </p:spPr>
-        <p:txBody>
-          <a:bodyPr vert="horz" wrap="square" lIns="91440" tIns="45720" rIns="91440" bIns="45720" numCol="1" anchor="t" anchorCtr="0" compatLnSpc="1"/>
-          <a:lstStyle>
-            <a:defPPr>
-              <a:defRPr lang="zh-CN"/>
-            </a:defPPr>
-            <a:lvl1pPr marL="0" algn="l" defTabSz="914400" rtl="0" eaLnBrk="1" latinLnBrk="0" hangingPunct="1">
-              <a:defRPr sz="1800" kern="1200">
-                <a:solidFill>
-                  <a:schemeClr val="tx1"/>
-                </a:solidFill>
-                <a:latin typeface="+mn-lt"/>
-                <a:ea typeface="+mn-ea"/>
-                <a:cs typeface="+mn-cs"/>
-              </a:defRPr>
-            </a:lvl1pPr>
-            <a:lvl2pPr marL="457200" algn="l" defTabSz="914400" rtl="0" eaLnBrk="1" latinLnBrk="0" hangingPunct="1">
-              <a:defRPr sz="1800" kern="1200">
-                <a:solidFill>
-                  <a:schemeClr val="tx1"/>
-                </a:solidFill>
-                <a:latin typeface="+mn-lt"/>
-                <a:ea typeface="+mn-ea"/>
-                <a:cs typeface="+mn-cs"/>
-              </a:defRPr>
-            </a:lvl2pPr>
-            <a:lvl3pPr marL="914400" algn="l" defTabSz="914400" rtl="0" eaLnBrk="1" latinLnBrk="0" hangingPunct="1">
-              <a:defRPr sz="1800" kern="1200">
-                <a:solidFill>
-                  <a:schemeClr val="tx1"/>
-                </a:solidFill>
-                <a:latin typeface="+mn-lt"/>
-                <a:ea typeface="+mn-ea"/>
-                <a:cs typeface="+mn-cs"/>
-              </a:defRPr>
-            </a:lvl3pPr>
-            <a:lvl4pPr marL="1371600" algn="l" defTabSz="914400" rtl="0" eaLnBrk="1" latinLnBrk="0" hangingPunct="1">
-              <a:defRPr sz="1800" kern="1200">
-                <a:solidFill>
-                  <a:schemeClr val="tx1"/>
-                </a:solidFill>
-                <a:latin typeface="+mn-lt"/>
-                <a:ea typeface="+mn-ea"/>
-                <a:cs typeface="+mn-cs"/>
-              </a:defRPr>
-            </a:lvl4pPr>
-            <a:lvl5pPr marL="1828800" algn="l" defTabSz="914400" rtl="0" eaLnBrk="1" latinLnBrk="0" hangingPunct="1">
-              <a:defRPr sz="1800" kern="1200">
-                <a:solidFill>
-                  <a:schemeClr val="tx1"/>
-                </a:solidFill>
-                <a:latin typeface="+mn-lt"/>
-                <a:ea typeface="+mn-ea"/>
-                <a:cs typeface="+mn-cs"/>
-              </a:defRPr>
-            </a:lvl5pPr>
-            <a:lvl6pPr marL="2286000" algn="l" defTabSz="914400" rtl="0" eaLnBrk="1" latinLnBrk="0" hangingPunct="1">
-              <a:defRPr sz="1800" kern="1200">
-                <a:solidFill>
-                  <a:schemeClr val="tx1"/>
-                </a:solidFill>
-                <a:latin typeface="+mn-lt"/>
-                <a:ea typeface="+mn-ea"/>
-                <a:cs typeface="+mn-cs"/>
-              </a:defRPr>
-            </a:lvl6pPr>
-            <a:lvl7pPr marL="2743200" algn="l" defTabSz="914400" rtl="0" eaLnBrk="1" latinLnBrk="0" hangingPunct="1">
-              <a:defRPr sz="1800" kern="1200">
-                <a:solidFill>
-                  <a:schemeClr val="tx1"/>
-                </a:solidFill>
-                <a:latin typeface="+mn-lt"/>
-                <a:ea typeface="+mn-ea"/>
-                <a:cs typeface="+mn-cs"/>
-              </a:defRPr>
-            </a:lvl7pPr>
-            <a:lvl8pPr marL="3200400" algn="l" defTabSz="914400" rtl="0" eaLnBrk="1" latinLnBrk="0" hangingPunct="1">
-              <a:defRPr sz="1800" kern="1200">
-                <a:solidFill>
-                  <a:schemeClr val="tx1"/>
-                </a:solidFill>
-                <a:latin typeface="+mn-lt"/>
-                <a:ea typeface="+mn-ea"/>
-                <a:cs typeface="+mn-cs"/>
-              </a:defRPr>
-            </a:lvl8pPr>
-            <a:lvl9pPr marL="3657600" algn="l" defTabSz="914400" rtl="0" eaLnBrk="1" latinLnBrk="0" hangingPunct="1">
-              <a:defRPr sz="1800" kern="1200">
-                <a:solidFill>
-                  <a:schemeClr val="tx1"/>
-                </a:solidFill>
-                <a:latin typeface="+mn-lt"/>
-                <a:ea typeface="+mn-ea"/>
-                <a:cs typeface="+mn-cs"/>
-              </a:defRPr>
-            </a:lvl9pPr>
-          </a:lstStyle>
-          <a:p>
-            <a:pPr marL="0" marR="0" indent="0" algn="l" defTabSz="914400" rtl="0" eaLnBrk="1" fontAlgn="base" latinLnBrk="0" hangingPunct="1">
-              <a:lnSpc>
-                <a:spcPct val="100000"/>
-              </a:lnSpc>
-              <a:spcBef>
-                <a:spcPct val="0"/>
-              </a:spcBef>
-              <a:spcAft>
-                <a:spcPct val="0"/>
-              </a:spcAft>
-              <a:buClrTx/>
-              <a:buSzTx/>
-              <a:buFont typeface="Arial" panose="020B0604020202020204" pitchFamily="34" charset="0"/>
-              <a:buNone/>
-            </a:pPr>
-            <a:endParaRPr kumimoji="0" lang="zh-CN" altLang="en-US" sz="1800" b="0" i="0" u="none" strike="noStrike" cap="none" normalizeH="0" baseline="0" smtClean="0">
-              <a:ln>
-                <a:noFill/>
-              </a:ln>
-              <a:solidFill>
-                <a:schemeClr val="tx1"/>
-              </a:solidFill>
-              <a:effectLst/>
-              <a:latin typeface="Verdana" panose="020B0604030504040204" pitchFamily="34" charset="0"/>
-              <a:ea typeface="宋体" panose="02010600030101010101" pitchFamily="2" charset="-122"/>
-            </a:endParaRPr>
-          </a:p>
-        </p:txBody>
-      </p:sp>
-      <p:sp>
-        <p:nvSpPr>
-          <p:cNvPr id="21" name="TextBox 53"/>
-          <p:cNvSpPr txBox="1"/>
-          <p:nvPr/>
-        </p:nvSpPr>
-        <p:spPr>
-          <a:xfrm>
-            <a:off x="2113915" y="4029075"/>
-            <a:ext cx="6161405" cy="583565"/>
-          </a:xfrm>
-          <a:prstGeom prst="rect">
-            <a:avLst/>
-          </a:prstGeom>
-          <a:noFill/>
-          <a:ln w="9525">
-            <a:noFill/>
-          </a:ln>
-        </p:spPr>
-        <p:txBody>
-          <a:bodyPr wrap="square" anchor="t">
-            <a:spAutoFit/>
-          </a:bodyPr>
-          <a:lstStyle>
-            <a:defPPr>
-              <a:defRPr lang="zh-CN"/>
-            </a:defPPr>
-            <a:lvl1pPr marL="0" algn="l" defTabSz="914400" rtl="0" eaLnBrk="1" latinLnBrk="0" hangingPunct="1">
-              <a:defRPr sz="1800" kern="1200">
-                <a:solidFill>
-                  <a:schemeClr val="tx1"/>
-                </a:solidFill>
-                <a:latin typeface="+mn-lt"/>
-                <a:ea typeface="+mn-ea"/>
-                <a:cs typeface="+mn-cs"/>
-              </a:defRPr>
-            </a:lvl1pPr>
-            <a:lvl2pPr marL="457200" algn="l" defTabSz="914400" rtl="0" eaLnBrk="1" latinLnBrk="0" hangingPunct="1">
-              <a:defRPr sz="1800" kern="1200">
-                <a:solidFill>
-                  <a:schemeClr val="tx1"/>
-                </a:solidFill>
-                <a:latin typeface="+mn-lt"/>
-                <a:ea typeface="+mn-ea"/>
-                <a:cs typeface="+mn-cs"/>
-              </a:defRPr>
-            </a:lvl2pPr>
-            <a:lvl3pPr marL="914400" algn="l" defTabSz="914400" rtl="0" eaLnBrk="1" latinLnBrk="0" hangingPunct="1">
-              <a:defRPr sz="1800" kern="1200">
-                <a:solidFill>
-                  <a:schemeClr val="tx1"/>
-                </a:solidFill>
-                <a:latin typeface="+mn-lt"/>
-                <a:ea typeface="+mn-ea"/>
-                <a:cs typeface="+mn-cs"/>
-              </a:defRPr>
-            </a:lvl3pPr>
-            <a:lvl4pPr marL="1371600" algn="l" defTabSz="914400" rtl="0" eaLnBrk="1" latinLnBrk="0" hangingPunct="1">
-              <a:defRPr sz="1800" kern="1200">
-                <a:solidFill>
-                  <a:schemeClr val="tx1"/>
-                </a:solidFill>
-                <a:latin typeface="+mn-lt"/>
-                <a:ea typeface="+mn-ea"/>
-                <a:cs typeface="+mn-cs"/>
-              </a:defRPr>
-            </a:lvl4pPr>
-            <a:lvl5pPr marL="1828800" algn="l" defTabSz="914400" rtl="0" eaLnBrk="1" latinLnBrk="0" hangingPunct="1">
-              <a:defRPr sz="1800" kern="1200">
-                <a:solidFill>
-                  <a:schemeClr val="tx1"/>
-                </a:solidFill>
-                <a:latin typeface="+mn-lt"/>
-                <a:ea typeface="+mn-ea"/>
-                <a:cs typeface="+mn-cs"/>
-              </a:defRPr>
-            </a:lvl5pPr>
-            <a:lvl6pPr marL="2286000" algn="l" defTabSz="914400" rtl="0" eaLnBrk="1" latinLnBrk="0" hangingPunct="1">
-              <a:defRPr sz="1800" kern="1200">
-                <a:solidFill>
-                  <a:schemeClr val="tx1"/>
-                </a:solidFill>
-                <a:latin typeface="+mn-lt"/>
-                <a:ea typeface="+mn-ea"/>
-                <a:cs typeface="+mn-cs"/>
-              </a:defRPr>
-            </a:lvl6pPr>
-            <a:lvl7pPr marL="2743200" algn="l" defTabSz="914400" rtl="0" eaLnBrk="1" latinLnBrk="0" hangingPunct="1">
-              <a:defRPr sz="1800" kern="1200">
-                <a:solidFill>
-                  <a:schemeClr val="tx1"/>
-                </a:solidFill>
-                <a:latin typeface="+mn-lt"/>
-                <a:ea typeface="+mn-ea"/>
-                <a:cs typeface="+mn-cs"/>
-              </a:defRPr>
-            </a:lvl7pPr>
-            <a:lvl8pPr marL="3200400" algn="l" defTabSz="914400" rtl="0" eaLnBrk="1" latinLnBrk="0" hangingPunct="1">
-              <a:defRPr sz="1800" kern="1200">
-                <a:solidFill>
-                  <a:schemeClr val="tx1"/>
-                </a:solidFill>
-                <a:latin typeface="+mn-lt"/>
-                <a:ea typeface="+mn-ea"/>
-                <a:cs typeface="+mn-cs"/>
-              </a:defRPr>
-            </a:lvl8pPr>
-            <a:lvl9pPr marL="3657600" algn="l" defTabSz="914400" rtl="0" eaLnBrk="1" latinLnBrk="0" hangingPunct="1">
-              <a:defRPr sz="1800" kern="1200">
-                <a:solidFill>
-                  <a:schemeClr val="tx1"/>
-                </a:solidFill>
-                <a:latin typeface="+mn-lt"/>
-                <a:ea typeface="+mn-ea"/>
-                <a:cs typeface="+mn-cs"/>
-              </a:defRPr>
-            </a:lvl9pPr>
-          </a:lstStyle>
-          <a:p>
-            <a:pPr algn="l"/>
-            <a:r>
-              <a:rPr lang="zh-CN" altLang="en-US" sz="3200" b="1" dirty="0">
-                <a:solidFill>
-                  <a:schemeClr val="bg1"/>
-                </a:solidFill>
-                <a:latin typeface="Verdana" panose="020B0604030504040204" pitchFamily="34" charset="0"/>
-                <a:ea typeface="宋体" panose="02010600030101010101" pitchFamily="2" charset="-122"/>
-                <a:sym typeface="+mn-ea"/>
-              </a:rPr>
-              <a:t>☞</a:t>
-            </a:r>
-            <a:r>
-              <a:rPr lang="zh-CN" altLang="en-US" sz="3200" b="1" dirty="0">
-                <a:solidFill>
-                  <a:schemeClr val="bg1"/>
-                </a:solidFill>
-                <a:latin typeface="Verdana" panose="020B0604030504040204" pitchFamily="34" charset="0"/>
-                <a:ea typeface="宋体" panose="02010600030101010101" pitchFamily="2" charset="-122"/>
-              </a:rPr>
-              <a:t>       </a:t>
-            </a:r>
-            <a:r>
-              <a:rPr lang="zh-CN" altLang="en-US" sz="3200">
-                <a:ln w="10160">
-                  <a:solidFill>
-                    <a:schemeClr val="accent5"/>
-                  </a:solidFill>
-                  <a:prstDash val="solid"/>
-                </a:ln>
-                <a:solidFill>
-                  <a:srgbClr val="FFFFFF"/>
-                </a:solidFill>
-                <a:effectLst>
-                  <a:outerShdw blurRad="38100" dist="22860" dir="5400000" algn="tl" rotWithShape="0">
-                    <a:srgbClr val="000000">
-                      <a:alpha val="30000"/>
-                    </a:srgbClr>
-                  </a:outerShdw>
-                </a:effectLst>
-                <a:sym typeface="+mn-ea"/>
-              </a:rPr>
-              <a:t>预期研究计划</a:t>
-            </a:r>
-            <a:endParaRPr lang="zh-CN" altLang="en-US" sz="3200">
-              <a:ln w="10160">
-                <a:solidFill>
-                  <a:schemeClr val="accent5"/>
-                </a:solidFill>
-                <a:prstDash val="solid"/>
-              </a:ln>
-              <a:solidFill>
-                <a:srgbClr val="FFFFFF"/>
-              </a:solidFill>
-              <a:effectLst>
-                <a:outerShdw blurRad="38100" dist="22860" dir="5400000" algn="tl" rotWithShape="0">
-                  <a:srgbClr val="000000">
-                    <a:alpha val="30000"/>
-                  </a:srgbClr>
-                </a:outerShdw>
-              </a:effectLst>
-              <a:sym typeface="+mn-ea"/>
-            </a:endParaRPr>
-          </a:p>
-        </p:txBody>
-      </p:sp>
-    </p:spTree>
-  </p:cSld>
-  <p:clrMapOvr>
-    <a:masterClrMapping/>
-  </p:clrMapOvr>
-  <mc:AlternateContent xmlns:mc="http://schemas.openxmlformats.org/markup-compatibility/2006">
-    <mc:Choice xmlns:p14="http://schemas.microsoft.com/office/powerpoint/2010/main" Requires="p14">
-      <p:transition spd="slow" p14:dur="2000"/>
-    </mc:Choice>
-    <mc:Fallback>
-      <p:transition spd="slow"/>
-    </mc:Fallback>
-  </mc:AlternateContent>
-  <p:timing>
-    <p:tnLst>
-      <p:par>
-        <p:cTn id="1" dur="indefinite" restart="never" nodeType="tmRoot"/>
-      </p:par>
-    </p:tnLst>
-  </p:timing>
-</p:sld>
-</file>
-
-<file path=ppt/slides/slide25.xml><?xml version="1.0" encoding="utf-8"?>
 <p:sld xmlns:a="http://schemas.openxmlformats.org/drawingml/2006/main" xmlns:r="http://schemas.openxmlformats.org/officeDocument/2006/relationships" xmlns:p="http://schemas.openxmlformats.org/presentationml/2006/main">
   <p:cSld>
     <p:spTree>
@@ -19597,7 +17204,7 @@
 </p:sld>
 </file>
 
-<file path=ppt/slides/slide26.xml><?xml version="1.0" encoding="utf-8"?>
+<file path=ppt/slides/slide21.xml><?xml version="1.0" encoding="utf-8"?>
 <p:sld xmlns:a="http://schemas.openxmlformats.org/drawingml/2006/main" xmlns:r="http://schemas.openxmlformats.org/officeDocument/2006/relationships" xmlns:p="http://schemas.openxmlformats.org/presentationml/2006/main">
   <p:cSld>
     <p:spTree>
@@ -20174,7 +17781,7 @@
                 </a:effectLst>
                 <a:sym typeface="+mn-ea"/>
               </a:rPr>
-              <a:t>结合持续阅读和答案验证结构的提出</a:t>
+              <a:t>引入持续阅读和答案验证结构的提出</a:t>
             </a:r>
             <a:endParaRPr lang="zh-CN" altLang="en-US" sz="1600">
               <a:solidFill>
@@ -20215,7 +17822,7 @@
 </p:sld>
 </file>
 
-<file path=ppt/slides/slide27.xml><?xml version="1.0" encoding="utf-8"?>
+<file path=ppt/slides/slide22.xml><?xml version="1.0" encoding="utf-8"?>
 <p:sld xmlns:a="http://schemas.openxmlformats.org/drawingml/2006/main" xmlns:r="http://schemas.openxmlformats.org/officeDocument/2006/relationships" xmlns:p="http://schemas.openxmlformats.org/presentationml/2006/main">
   <p:cSld>
     <p:spTree>
@@ -22965,6 +20572,70 @@
           </a:fontRef>
         </p:style>
       </p:cxnSp>
+      <p:sp>
+        <p:nvSpPr>
+          <p:cNvPr id="2" name="Text Box 1"/>
+          <p:cNvSpPr txBox="1"/>
+          <p:nvPr/>
+        </p:nvSpPr>
+        <p:spPr>
+          <a:xfrm>
+            <a:off x="4697730" y="775970"/>
+            <a:ext cx="3133725" cy="299085"/>
+          </a:xfrm>
+          <a:prstGeom prst="rect">
+            <a:avLst/>
+          </a:prstGeom>
+          <a:noFill/>
+        </p:spPr>
+        <p:txBody>
+          <a:bodyPr wrap="square" rtlCol="0">
+            <a:spAutoFit/>
+          </a:bodyPr>
+          <a:p>
+            <a:r>
+              <a:rPr lang="zh-CN" altLang="en-US"/>
+              <a:t>查询实体，推理实体之间的关系</a:t>
+            </a:r>
+            <a:endParaRPr lang="zh-CN" altLang="en-US"/>
+          </a:p>
+        </p:txBody>
+      </p:sp>
+      <p:cxnSp>
+        <p:nvCxnSpPr>
+          <p:cNvPr id="8" name="Straight Arrow Connector 7"/>
+          <p:cNvCxnSpPr>
+            <a:stCxn id="2" idx="2"/>
+          </p:cNvCxnSpPr>
+          <p:nvPr/>
+        </p:nvCxnSpPr>
+        <p:spPr>
+          <a:xfrm>
+            <a:off x="6264910" y="1075055"/>
+            <a:ext cx="695325" cy="217805"/>
+          </a:xfrm>
+          <a:prstGeom prst="straightConnector1">
+            <a:avLst/>
+          </a:prstGeom>
+          <a:ln w="28575">
+            <a:tailEnd type="arrow" w="med" len="med"/>
+          </a:ln>
+        </p:spPr>
+        <p:style>
+          <a:lnRef idx="1">
+            <a:schemeClr val="dk1"/>
+          </a:lnRef>
+          <a:fillRef idx="0">
+            <a:schemeClr val="dk1"/>
+          </a:fillRef>
+          <a:effectRef idx="0">
+            <a:schemeClr val="dk1"/>
+          </a:effectRef>
+          <a:fontRef idx="minor">
+            <a:schemeClr val="tx1"/>
+          </a:fontRef>
+        </p:style>
+      </p:cxnSp>
     </p:spTree>
   </p:cSld>
   <p:clrMapOvr>
